--- a/SpendingPulse and Sector Insights API HOW TO.pptx
+++ b/SpendingPulse and Sector Insights API HOW TO.pptx
@@ -5,47 +5,48 @@
     <p:sldMasterId id="2147483670" r:id="rId1"/>
   </p:sldMasterIdLst>
   <p:notesMasterIdLst>
-    <p:notesMasterId r:id="rId37"/>
+    <p:notesMasterId r:id="rId38"/>
   </p:notesMasterIdLst>
   <p:handoutMasterIdLst>
-    <p:handoutMasterId r:id="rId38"/>
+    <p:handoutMasterId r:id="rId39"/>
   </p:handoutMasterIdLst>
   <p:sldIdLst>
     <p:sldId id="304" r:id="rId2"/>
-    <p:sldId id="305" r:id="rId3"/>
-    <p:sldId id="306" r:id="rId4"/>
-    <p:sldId id="308" r:id="rId5"/>
-    <p:sldId id="309" r:id="rId6"/>
-    <p:sldId id="307" r:id="rId7"/>
-    <p:sldId id="310" r:id="rId8"/>
-    <p:sldId id="311" r:id="rId9"/>
-    <p:sldId id="312" r:id="rId10"/>
-    <p:sldId id="313" r:id="rId11"/>
-    <p:sldId id="314" r:id="rId12"/>
-    <p:sldId id="315" r:id="rId13"/>
-    <p:sldId id="316" r:id="rId14"/>
-    <p:sldId id="317" r:id="rId15"/>
-    <p:sldId id="318" r:id="rId16"/>
-    <p:sldId id="319" r:id="rId17"/>
-    <p:sldId id="320" r:id="rId18"/>
-    <p:sldId id="321" r:id="rId19"/>
-    <p:sldId id="322" r:id="rId20"/>
-    <p:sldId id="327" r:id="rId21"/>
-    <p:sldId id="323" r:id="rId22"/>
-    <p:sldId id="324" r:id="rId23"/>
-    <p:sldId id="325" r:id="rId24"/>
-    <p:sldId id="326" r:id="rId25"/>
-    <p:sldId id="328" r:id="rId26"/>
-    <p:sldId id="329" r:id="rId27"/>
-    <p:sldId id="330" r:id="rId28"/>
-    <p:sldId id="331" r:id="rId29"/>
-    <p:sldId id="332" r:id="rId30"/>
-    <p:sldId id="333" r:id="rId31"/>
-    <p:sldId id="335" r:id="rId32"/>
-    <p:sldId id="336" r:id="rId33"/>
-    <p:sldId id="337" r:id="rId34"/>
-    <p:sldId id="338" r:id="rId35"/>
-    <p:sldId id="339" r:id="rId36"/>
+    <p:sldId id="340" r:id="rId3"/>
+    <p:sldId id="305" r:id="rId4"/>
+    <p:sldId id="306" r:id="rId5"/>
+    <p:sldId id="308" r:id="rId6"/>
+    <p:sldId id="309" r:id="rId7"/>
+    <p:sldId id="307" r:id="rId8"/>
+    <p:sldId id="310" r:id="rId9"/>
+    <p:sldId id="311" r:id="rId10"/>
+    <p:sldId id="312" r:id="rId11"/>
+    <p:sldId id="313" r:id="rId12"/>
+    <p:sldId id="314" r:id="rId13"/>
+    <p:sldId id="315" r:id="rId14"/>
+    <p:sldId id="316" r:id="rId15"/>
+    <p:sldId id="317" r:id="rId16"/>
+    <p:sldId id="318" r:id="rId17"/>
+    <p:sldId id="319" r:id="rId18"/>
+    <p:sldId id="320" r:id="rId19"/>
+    <p:sldId id="321" r:id="rId20"/>
+    <p:sldId id="322" r:id="rId21"/>
+    <p:sldId id="327" r:id="rId22"/>
+    <p:sldId id="323" r:id="rId23"/>
+    <p:sldId id="324" r:id="rId24"/>
+    <p:sldId id="325" r:id="rId25"/>
+    <p:sldId id="326" r:id="rId26"/>
+    <p:sldId id="328" r:id="rId27"/>
+    <p:sldId id="329" r:id="rId28"/>
+    <p:sldId id="330" r:id="rId29"/>
+    <p:sldId id="331" r:id="rId30"/>
+    <p:sldId id="332" r:id="rId31"/>
+    <p:sldId id="333" r:id="rId32"/>
+    <p:sldId id="335" r:id="rId33"/>
+    <p:sldId id="336" r:id="rId34"/>
+    <p:sldId id="337" r:id="rId35"/>
+    <p:sldId id="338" r:id="rId36"/>
+    <p:sldId id="339" r:id="rId37"/>
   </p:sldIdLst>
   <p:sldSz cx="9144000" cy="5143500" type="screen16x9"/>
   <p:notesSz cx="7086600" cy="9374188"/>
@@ -180,6 +181,7 @@
         <p14:section name="Default Section" id="{5E68B6BD-72C5-4AC2-8BF0-D68C80FC87A3}">
           <p14:sldIdLst>
             <p14:sldId id="304"/>
+            <p14:sldId id="340"/>
           </p14:sldIdLst>
         </p14:section>
         <p14:section name="Customer How To" id="{8D6B24E7-E965-431E-82BB-8270240698F7}">
@@ -384,7 +386,7 @@
                 <a:cs typeface="Arial" pitchFamily="34" charset="0"/>
               </a:rPr>
               <a:pPr/>
-              <a:t>October 22, 2015</a:t>
+              <a:t>October 23, 2015</a:t>
             </a:fld>
             <a:endParaRPr lang="en-US" dirty="0">
               <a:latin typeface="Calibri" panose="020F0502020204030204" pitchFamily="34" charset="0"/>
@@ -5937,54 +5939,101 @@
           <a:p>
             <a:r>
               <a:rPr lang="en-US" dirty="0" smtClean="0"/>
-              <a:t>A public key, a private key, and a </a:t>
+              <a:t>Inside </a:t>
+            </a:r>
+            <a:r>
+              <a:rPr lang="en-US" dirty="0"/>
+              <a:t>the </a:t>
+            </a:r>
+            <a:r>
+              <a:rPr lang="en-US" dirty="0" smtClean="0"/>
+              <a:t>next popup</a:t>
+            </a:r>
+            <a:r>
+              <a:rPr lang="en-US" dirty="0"/>
+              <a:t>, you will see a </a:t>
+            </a:r>
+            <a:r>
+              <a:rPr lang="en-US" dirty="0" smtClean="0"/>
+              <a:t/>
             </a:r>
             <a:br>
               <a:rPr lang="en-US" dirty="0" smtClean="0"/>
             </a:br>
             <a:r>
               <a:rPr lang="en-US" dirty="0" smtClean="0"/>
-              <a:t>Certificate Signing Request are generated.</a:t>
-            </a:r>
-          </a:p>
-          <a:p>
-            <a:r>
-              <a:rPr lang="en-US" dirty="0" smtClean="0"/>
-              <a:t>Click “Save To Files”</a:t>
-            </a:r>
-          </a:p>
-          <a:p>
-            <a:endParaRPr lang="en-US" dirty="0"/>
-          </a:p>
-          <a:p>
-            <a:r>
-              <a:rPr lang="en-US" dirty="0" smtClean="0"/>
-              <a:t>You are prompted to password protect the key files. You must protect them in order to save them.</a:t>
-            </a:r>
-          </a:p>
-          <a:p>
-            <a:r>
-              <a:rPr lang="en-US" dirty="0" smtClean="0"/>
-              <a:t>Click OK and choose a folder in which to save the files.</a:t>
-            </a:r>
-          </a:p>
-          <a:p>
-            <a:r>
-              <a:rPr lang="en-US" dirty="0" smtClean="0"/>
-              <a:t>The status bar on the MasterCard Key Tool window should</a:t>
+              <a:t>“</a:t>
+            </a:r>
+            <a:r>
+              <a:rPr lang="en-US" b="1" dirty="0" smtClean="0">
+                <a:solidFill>
+                  <a:srgbClr val="F57A34"/>
+                </a:solidFill>
+              </a:rPr>
+              <a:t>click here</a:t>
+            </a:r>
+            <a:r>
+              <a:rPr lang="en-US" dirty="0"/>
+              <a:t>”</a:t>
+            </a:r>
+            <a:r>
+              <a:rPr lang="en-US" dirty="0" smtClean="0"/>
+              <a:t> </a:t>
+            </a:r>
+            <a:r>
+              <a:rPr lang="en-US" dirty="0"/>
+              <a:t>notation that will open the </a:t>
+            </a:r>
+            <a:r>
+              <a:rPr lang="en-US" dirty="0" smtClean="0"/>
+              <a:t/>
             </a:r>
             <a:br>
               <a:rPr lang="en-US" dirty="0" smtClean="0"/>
             </a:br>
             <a:r>
               <a:rPr lang="en-US" dirty="0" smtClean="0"/>
-              <a:t>now read: </a:t>
-            </a:r>
-          </a:p>
-          <a:p>
-            <a:r>
-              <a:rPr lang="en-US" dirty="0" smtClean="0"/>
-              <a:t>Close the window</a:t>
+              <a:t>MasterCard </a:t>
+            </a:r>
+            <a:r>
+              <a:rPr lang="en-US" dirty="0"/>
+              <a:t>Key Tool for your use</a:t>
+            </a:r>
+            <a:r>
+              <a:rPr lang="en-US" dirty="0" smtClean="0"/>
+              <a:t>.</a:t>
+            </a:r>
+          </a:p>
+          <a:p>
+            <a:r>
+              <a:rPr lang="en-US" dirty="0" smtClean="0"/>
+              <a:t>If you “</a:t>
+            </a:r>
+            <a:r>
+              <a:rPr lang="en-US" b="1" dirty="0">
+                <a:solidFill>
+                  <a:srgbClr val="F57A34"/>
+                </a:solidFill>
+              </a:rPr>
+              <a:t>click here</a:t>
+            </a:r>
+            <a:r>
+              <a:rPr lang="en-US" dirty="0" smtClean="0"/>
+              <a:t>”, the </a:t>
+            </a:r>
+            <a:br>
+              <a:rPr lang="en-US" dirty="0" smtClean="0"/>
+            </a:br>
+            <a:r>
+              <a:rPr lang="en-US" dirty="0" smtClean="0"/>
+              <a:t>MasterCard Key Tool is displayed.</a:t>
+            </a:r>
+            <a:endParaRPr lang="en-US" dirty="0"/>
+          </a:p>
+          <a:p>
+            <a:r>
+              <a:rPr lang="en-US" dirty="0" smtClean="0"/>
+              <a:t>Click “Generate Keys and CSR”</a:t>
             </a:r>
             <a:endParaRPr lang="en-US" dirty="0"/>
           </a:p>
@@ -6032,6 +6081,408 @@
               <a:rPr lang="en-US" smtClean="0"/>
               <a:pPr/>
               <a:t>10</a:t>
+            </a:fld>
+            <a:endParaRPr lang="en-US" dirty="0"/>
+          </a:p>
+        </p:txBody>
+      </p:sp>
+      <p:sp>
+        <p:nvSpPr>
+          <p:cNvPr id="5" name="Footer Placeholder 4"/>
+          <p:cNvSpPr>
+            <a:spLocks noGrp="1"/>
+          </p:cNvSpPr>
+          <p:nvPr>
+            <p:ph type="ftr" sz="quarter" idx="12"/>
+          </p:nvPr>
+        </p:nvSpPr>
+        <p:spPr/>
+        <p:txBody>
+          <a:bodyPr/>
+          <a:lstStyle/>
+          <a:p>
+            <a:endParaRPr lang="en-US" dirty="0"/>
+          </a:p>
+        </p:txBody>
+      </p:sp>
+      <p:sp>
+        <p:nvSpPr>
+          <p:cNvPr id="6" name="Title 5"/>
+          <p:cNvSpPr>
+            <a:spLocks noGrp="1"/>
+          </p:cNvSpPr>
+          <p:nvPr>
+            <p:ph type="title"/>
+          </p:nvPr>
+        </p:nvSpPr>
+        <p:spPr/>
+        <p:txBody>
+          <a:bodyPr/>
+          <a:lstStyle/>
+          <a:p>
+            <a:r>
+              <a:rPr lang="en-US" dirty="0"/>
+              <a:t>Create/Register a </a:t>
+            </a:r>
+            <a:r>
+              <a:rPr lang="en-US" dirty="0" smtClean="0"/>
+              <a:t>Key (3)</a:t>
+            </a:r>
+            <a:endParaRPr lang="en-US" dirty="0"/>
+          </a:p>
+        </p:txBody>
+      </p:sp>
+      <p:sp>
+        <p:nvSpPr>
+          <p:cNvPr id="7" name="Text Placeholder 6"/>
+          <p:cNvSpPr>
+            <a:spLocks noGrp="1"/>
+          </p:cNvSpPr>
+          <p:nvPr>
+            <p:ph type="body" sz="quarter" idx="15"/>
+          </p:nvPr>
+        </p:nvSpPr>
+        <p:spPr/>
+        <p:txBody>
+          <a:bodyPr/>
+          <a:lstStyle/>
+          <a:p>
+            <a:r>
+              <a:rPr lang="en-US" dirty="0" smtClean="0"/>
+              <a:t>Customer API How To</a:t>
+            </a:r>
+            <a:endParaRPr lang="en-US" dirty="0"/>
+          </a:p>
+        </p:txBody>
+      </p:sp>
+      <p:pic>
+        <p:nvPicPr>
+          <p:cNvPr id="11" name="Picture 10"/>
+          <p:cNvPicPr>
+            <a:picLocks noChangeAspect="1"/>
+          </p:cNvPicPr>
+          <p:nvPr/>
+        </p:nvPicPr>
+        <p:blipFill>
+          <a:blip r:embed="rId2"/>
+          <a:stretch>
+            <a:fillRect/>
+          </a:stretch>
+        </p:blipFill>
+        <p:spPr>
+          <a:xfrm>
+            <a:off x="5376484" y="499625"/>
+            <a:ext cx="3611821" cy="2268223"/>
+          </a:xfrm>
+          <a:prstGeom prst="rect">
+            <a:avLst/>
+          </a:prstGeom>
+        </p:spPr>
+      </p:pic>
+      <p:sp>
+        <p:nvSpPr>
+          <p:cNvPr id="10" name="Right Arrow 9"/>
+          <p:cNvSpPr/>
+          <p:nvPr/>
+        </p:nvSpPr>
+        <p:spPr bwMode="gray">
+          <a:xfrm>
+            <a:off x="4104268" y="1986485"/>
+            <a:ext cx="1471734" cy="111876"/>
+          </a:xfrm>
+          <a:prstGeom prst="rightArrow">
+            <a:avLst/>
+          </a:prstGeom>
+          <a:solidFill>
+            <a:schemeClr val="accent1"/>
+          </a:solidFill>
+          <a:ln w="9525" cap="flat" cmpd="sng" algn="ctr">
+            <a:noFill/>
+            <a:prstDash val="solid"/>
+            <a:round/>
+            <a:headEnd type="none" w="med" len="med"/>
+            <a:tailEnd type="none" w="med" len="med"/>
+          </a:ln>
+          <a:effectLst/>
+        </p:spPr>
+        <p:txBody>
+          <a:bodyPr vert="horz" wrap="square" lIns="91440" tIns="45720" rIns="91440" bIns="45720" numCol="1" rtlCol="0" anchor="ctr" anchorCtr="0" compatLnSpc="1">
+            <a:prstTxWarp prst="textNoShape">
+              <a:avLst/>
+            </a:prstTxWarp>
+          </a:bodyPr>
+          <a:lstStyle/>
+          <a:p>
+            <a:pPr marL="0" marR="0" indent="0" algn="l" defTabSz="914400" rtl="0" eaLnBrk="1" fontAlgn="base" latinLnBrk="0" hangingPunct="1">
+              <a:lnSpc>
+                <a:spcPct val="100000"/>
+              </a:lnSpc>
+              <a:spcBef>
+                <a:spcPct val="0"/>
+              </a:spcBef>
+              <a:spcAft>
+                <a:spcPct val="0"/>
+              </a:spcAft>
+              <a:buClrTx/>
+              <a:buSzTx/>
+              <a:buFontTx/>
+              <a:buNone/>
+              <a:tabLst/>
+            </a:pPr>
+            <a:endParaRPr kumimoji="0" lang="en-US" sz="2000" b="0" i="0" u="none" strike="noStrike" cap="none" normalizeH="0" baseline="0" dirty="0" smtClean="0">
+              <a:ln>
+                <a:noFill/>
+              </a:ln>
+              <a:solidFill>
+                <a:schemeClr val="bg1"/>
+              </a:solidFill>
+              <a:effectLst/>
+              <a:latin typeface="Arial" pitchFamily="2" charset="0"/>
+            </a:endParaRPr>
+          </a:p>
+        </p:txBody>
+      </p:sp>
+      <p:pic>
+        <p:nvPicPr>
+          <p:cNvPr id="12" name="Picture 11"/>
+          <p:cNvPicPr>
+            <a:picLocks noChangeAspect="1"/>
+          </p:cNvPicPr>
+          <p:nvPr/>
+        </p:nvPicPr>
+        <p:blipFill>
+          <a:blip r:embed="rId3"/>
+          <a:stretch>
+            <a:fillRect/>
+          </a:stretch>
+        </p:blipFill>
+        <p:spPr>
+          <a:xfrm>
+            <a:off x="991145" y="3350436"/>
+            <a:ext cx="2715259" cy="1413730"/>
+          </a:xfrm>
+          <a:prstGeom prst="rect">
+            <a:avLst/>
+          </a:prstGeom>
+        </p:spPr>
+      </p:pic>
+      <p:sp>
+        <p:nvSpPr>
+          <p:cNvPr id="14" name="Down Arrow 13"/>
+          <p:cNvSpPr/>
+          <p:nvPr/>
+        </p:nvSpPr>
+        <p:spPr bwMode="gray">
+          <a:xfrm>
+            <a:off x="2294525" y="3146156"/>
+            <a:ext cx="161956" cy="410705"/>
+          </a:xfrm>
+          <a:prstGeom prst="downArrow">
+            <a:avLst/>
+          </a:prstGeom>
+          <a:solidFill>
+            <a:schemeClr val="accent1"/>
+          </a:solidFill>
+          <a:ln w="9525" cap="flat" cmpd="sng" algn="ctr">
+            <a:noFill/>
+            <a:prstDash val="solid"/>
+            <a:round/>
+            <a:headEnd type="none" w="med" len="med"/>
+            <a:tailEnd type="none" w="med" len="med"/>
+          </a:ln>
+          <a:effectLst/>
+        </p:spPr>
+        <p:txBody>
+          <a:bodyPr vert="horz" wrap="square" lIns="91440" tIns="45720" rIns="91440" bIns="45720" numCol="1" rtlCol="0" anchor="ctr" anchorCtr="0" compatLnSpc="1">
+            <a:prstTxWarp prst="textNoShape">
+              <a:avLst/>
+            </a:prstTxWarp>
+          </a:bodyPr>
+          <a:lstStyle/>
+          <a:p>
+            <a:pPr marL="0" marR="0" indent="0" algn="l" defTabSz="914400" rtl="0" eaLnBrk="1" fontAlgn="base" latinLnBrk="0" hangingPunct="1">
+              <a:lnSpc>
+                <a:spcPct val="100000"/>
+              </a:lnSpc>
+              <a:spcBef>
+                <a:spcPct val="0"/>
+              </a:spcBef>
+              <a:spcAft>
+                <a:spcPct val="0"/>
+              </a:spcAft>
+              <a:buClrTx/>
+              <a:buSzTx/>
+              <a:buFontTx/>
+              <a:buNone/>
+              <a:tabLst/>
+            </a:pPr>
+            <a:endParaRPr kumimoji="0" lang="en-US" sz="2000" b="0" i="0" u="none" strike="noStrike" cap="none" normalizeH="0" baseline="0" dirty="0" smtClean="0">
+              <a:ln>
+                <a:noFill/>
+              </a:ln>
+              <a:solidFill>
+                <a:schemeClr val="bg1"/>
+              </a:solidFill>
+              <a:effectLst/>
+              <a:latin typeface="Arial" pitchFamily="2" charset="0"/>
+            </a:endParaRPr>
+          </a:p>
+        </p:txBody>
+      </p:sp>
+    </p:spTree>
+    <p:extLst>
+      <p:ext uri="{BB962C8B-B14F-4D97-AF65-F5344CB8AC3E}">
+        <p14:creationId xmlns:p14="http://schemas.microsoft.com/office/powerpoint/2010/main" val="576569413"/>
+      </p:ext>
+    </p:extLst>
+  </p:cSld>
+  <p:clrMapOvr>
+    <a:masterClrMapping/>
+  </p:clrMapOvr>
+  <p:timing>
+    <p:tnLst>
+      <p:par>
+        <p:cTn id="1" dur="indefinite" restart="never" nodeType="tmRoot"/>
+      </p:par>
+    </p:tnLst>
+  </p:timing>
+</p:sld>
+</file>
+
+<file path=ppt/slides/slide11.xml><?xml version="1.0" encoding="utf-8"?>
+<p:sld xmlns:a="http://schemas.openxmlformats.org/drawingml/2006/main" xmlns:r="http://schemas.openxmlformats.org/officeDocument/2006/relationships" xmlns:p="http://schemas.openxmlformats.org/presentationml/2006/main">
+  <p:cSld>
+    <p:spTree>
+      <p:nvGrpSpPr>
+        <p:cNvPr id="1" name=""/>
+        <p:cNvGrpSpPr/>
+        <p:nvPr/>
+      </p:nvGrpSpPr>
+      <p:grpSpPr>
+        <a:xfrm>
+          <a:off x="0" y="0"/>
+          <a:ext cx="0" cy="0"/>
+          <a:chOff x="0" y="0"/>
+          <a:chExt cx="0" cy="0"/>
+        </a:xfrm>
+      </p:grpSpPr>
+      <p:sp>
+        <p:nvSpPr>
+          <p:cNvPr id="2" name="Text Placeholder 1"/>
+          <p:cNvSpPr>
+            <a:spLocks noGrp="1"/>
+          </p:cNvSpPr>
+          <p:nvPr>
+            <p:ph type="body" sz="quarter" idx="13"/>
+          </p:nvPr>
+        </p:nvSpPr>
+        <p:spPr>
+          <a:xfrm>
+            <a:off x="274638" y="1368162"/>
+            <a:ext cx="7415212" cy="3264161"/>
+          </a:xfrm>
+        </p:spPr>
+        <p:txBody>
+          <a:bodyPr/>
+          <a:lstStyle/>
+          <a:p>
+            <a:r>
+              <a:rPr lang="en-US" dirty="0" smtClean="0"/>
+              <a:t>A public key, a private key, and a </a:t>
+            </a:r>
+            <a:br>
+              <a:rPr lang="en-US" dirty="0" smtClean="0"/>
+            </a:br>
+            <a:r>
+              <a:rPr lang="en-US" dirty="0" smtClean="0"/>
+              <a:t>Certificate Signing Request are generated.</a:t>
+            </a:r>
+          </a:p>
+          <a:p>
+            <a:r>
+              <a:rPr lang="en-US" dirty="0" smtClean="0"/>
+              <a:t>Click “Save To Files”</a:t>
+            </a:r>
+          </a:p>
+          <a:p>
+            <a:endParaRPr lang="en-US" dirty="0"/>
+          </a:p>
+          <a:p>
+            <a:r>
+              <a:rPr lang="en-US" dirty="0" smtClean="0"/>
+              <a:t>You are prompted to password protect the key files. You must protect them in order to save them.</a:t>
+            </a:r>
+          </a:p>
+          <a:p>
+            <a:r>
+              <a:rPr lang="en-US" dirty="0" smtClean="0"/>
+              <a:t>Click OK and choose a folder in which to save the files.</a:t>
+            </a:r>
+          </a:p>
+          <a:p>
+            <a:r>
+              <a:rPr lang="en-US" dirty="0" smtClean="0"/>
+              <a:t>The status bar on the MasterCard Key Tool window should</a:t>
+            </a:r>
+            <a:br>
+              <a:rPr lang="en-US" dirty="0" smtClean="0"/>
+            </a:br>
+            <a:r>
+              <a:rPr lang="en-US" dirty="0" smtClean="0"/>
+              <a:t>now read: </a:t>
+            </a:r>
+          </a:p>
+          <a:p>
+            <a:r>
+              <a:rPr lang="en-US" dirty="0" smtClean="0"/>
+              <a:t>Close the window</a:t>
+            </a:r>
+            <a:endParaRPr lang="en-US" dirty="0"/>
+          </a:p>
+        </p:txBody>
+      </p:sp>
+      <p:sp>
+        <p:nvSpPr>
+          <p:cNvPr id="3" name="Date Placeholder 2"/>
+          <p:cNvSpPr>
+            <a:spLocks noGrp="1"/>
+          </p:cNvSpPr>
+          <p:nvPr>
+            <p:ph type="dt" sz="half" idx="10"/>
+          </p:nvPr>
+        </p:nvSpPr>
+        <p:spPr/>
+        <p:txBody>
+          <a:bodyPr/>
+          <a:lstStyle/>
+          <a:p>
+            <a:r>
+              <a:rPr lang="en-US" smtClean="0"/>
+              <a:t>October 21, 2015</a:t>
+            </a:r>
+            <a:endParaRPr lang="en-US" dirty="0" smtClean="0"/>
+          </a:p>
+        </p:txBody>
+      </p:sp>
+      <p:sp>
+        <p:nvSpPr>
+          <p:cNvPr id="4" name="Slide Number Placeholder 3"/>
+          <p:cNvSpPr>
+            <a:spLocks noGrp="1"/>
+          </p:cNvSpPr>
+          <p:nvPr>
+            <p:ph type="sldNum" sz="quarter" idx="11"/>
+          </p:nvPr>
+        </p:nvSpPr>
+        <p:spPr/>
+        <p:txBody>
+          <a:bodyPr/>
+          <a:lstStyle/>
+          <a:p>
+            <a:fld id="{5698A34F-157D-4FC3-B6AE-341A8B909DED}" type="slidenum">
+              <a:rPr lang="en-US" smtClean="0"/>
+              <a:pPr/>
+              <a:t>11</a:t>
             </a:fld>
             <a:endParaRPr lang="en-US" dirty="0"/>
           </a:p>
@@ -6261,7 +6712,7 @@
 </p:sld>
 </file>
 
-<file path=ppt/slides/slide11.xml><?xml version="1.0" encoding="utf-8"?>
+<file path=ppt/slides/slide12.xml><?xml version="1.0" encoding="utf-8"?>
 <p:sld xmlns:a="http://schemas.openxmlformats.org/drawingml/2006/main" xmlns:r="http://schemas.openxmlformats.org/officeDocument/2006/relationships" xmlns:p="http://schemas.openxmlformats.org/presentationml/2006/main">
   <p:cSld>
     <p:spTree>
@@ -6486,7 +6937,7 @@
             <a:fld id="{5698A34F-157D-4FC3-B6AE-341A8B909DED}" type="slidenum">
               <a:rPr lang="en-US" smtClean="0"/>
               <a:pPr/>
-              <a:t>11</a:t>
+              <a:t>12</a:t>
             </a:fld>
             <a:endParaRPr lang="en-US" dirty="0"/>
           </a:p>
@@ -6581,7 +7032,7 @@
 </p:sld>
 </file>
 
-<file path=ppt/slides/slide12.xml><?xml version="1.0" encoding="utf-8"?>
+<file path=ppt/slides/slide13.xml><?xml version="1.0" encoding="utf-8"?>
 <p:sld xmlns:a="http://schemas.openxmlformats.org/drawingml/2006/main" xmlns:r="http://schemas.openxmlformats.org/officeDocument/2006/relationships" xmlns:p="http://schemas.openxmlformats.org/presentationml/2006/main">
   <p:cSld>
     <p:spTree>
@@ -6805,7 +7256,7 @@
             <a:fld id="{5698A34F-157D-4FC3-B6AE-341A8B909DED}" type="slidenum">
               <a:rPr lang="en-US" smtClean="0"/>
               <a:pPr/>
-              <a:t>12</a:t>
+              <a:t>13</a:t>
             </a:fld>
             <a:endParaRPr lang="en-US" dirty="0"/>
           </a:p>
@@ -6963,252 +7414,6 @@
 </p:sld>
 </file>
 
-<file path=ppt/slides/slide13.xml><?xml version="1.0" encoding="utf-8"?>
-<p:sld xmlns:a="http://schemas.openxmlformats.org/drawingml/2006/main" xmlns:r="http://schemas.openxmlformats.org/officeDocument/2006/relationships" xmlns:p="http://schemas.openxmlformats.org/presentationml/2006/main">
-  <p:cSld>
-    <p:spTree>
-      <p:nvGrpSpPr>
-        <p:cNvPr id="1" name=""/>
-        <p:cNvGrpSpPr/>
-        <p:nvPr/>
-      </p:nvGrpSpPr>
-      <p:grpSpPr>
-        <a:xfrm>
-          <a:off x="0" y="0"/>
-          <a:ext cx="0" cy="0"/>
-          <a:chOff x="0" y="0"/>
-          <a:chExt cx="0" cy="0"/>
-        </a:xfrm>
-      </p:grpSpPr>
-      <p:sp>
-        <p:nvSpPr>
-          <p:cNvPr id="2" name="Text Placeholder 1"/>
-          <p:cNvSpPr>
-            <a:spLocks noGrp="1"/>
-          </p:cNvSpPr>
-          <p:nvPr>
-            <p:ph type="body" sz="quarter" idx="13"/>
-          </p:nvPr>
-        </p:nvSpPr>
-        <p:spPr>
-          <a:xfrm>
-            <a:off x="274637" y="1368162"/>
-            <a:ext cx="8164189" cy="3264161"/>
-          </a:xfrm>
-        </p:spPr>
-        <p:txBody>
-          <a:bodyPr/>
-          <a:lstStyle/>
-          <a:p>
-            <a:r>
-              <a:rPr lang="en-US" dirty="0"/>
-              <a:t>To avoid issues with key expiration, you may renew a key at any time. To do so, sign in to Developer Zone, and select:</a:t>
-            </a:r>
-          </a:p>
-          <a:p>
-            <a:pPr lvl="1"/>
-            <a:r>
-              <a:rPr lang="en-US" dirty="0"/>
-              <a:t>My Dashboard</a:t>
-            </a:r>
-          </a:p>
-          <a:p>
-            <a:pPr lvl="1"/>
-            <a:r>
-              <a:rPr lang="en-US" dirty="0"/>
-              <a:t>My Keys (locate the key you wish to renew)</a:t>
-            </a:r>
-          </a:p>
-          <a:p>
-            <a:pPr lvl="1"/>
-            <a:r>
-              <a:rPr lang="en-US" dirty="0"/>
-              <a:t>Renew Key</a:t>
-            </a:r>
-          </a:p>
-          <a:p>
-            <a:pPr lvl="1"/>
-            <a:r>
-              <a:rPr lang="en-US" dirty="0"/>
-              <a:t>Follow the instructions in the pop-up for uploading a new CSR</a:t>
-            </a:r>
-            <a:r>
-              <a:rPr lang="en-US" dirty="0" smtClean="0"/>
-              <a:t>.</a:t>
-            </a:r>
-          </a:p>
-          <a:p>
-            <a:r>
-              <a:rPr lang="en-US" dirty="0" smtClean="0">
-                <a:effectLst/>
-              </a:rPr>
-              <a:t>Additional information on key management can </a:t>
-            </a:r>
-            <a:r>
-              <a:rPr lang="en-US" dirty="0"/>
-              <a:t>be found here:</a:t>
-            </a:r>
-            <a:br>
-              <a:rPr lang="en-US" dirty="0"/>
-            </a:br>
-            <a:r>
-              <a:rPr lang="en-US" sz="1800" dirty="0">
-                <a:hlinkClick r:id="rId2"/>
-              </a:rPr>
-              <a:t>https://</a:t>
-            </a:r>
-            <a:r>
-              <a:rPr lang="en-US" sz="1800" dirty="0" smtClean="0">
-                <a:hlinkClick r:id="rId2"/>
-              </a:rPr>
-              <a:t>developer.mastercard.com/portal/display/api/Generating+RSA+Keys</a:t>
-            </a:r>
-            <a:r>
-              <a:rPr lang="en-US" sz="1800" dirty="0" smtClean="0"/>
-              <a:t> </a:t>
-            </a:r>
-            <a:endParaRPr lang="en-US" sz="1800" dirty="0">
-              <a:effectLst/>
-            </a:endParaRPr>
-          </a:p>
-        </p:txBody>
-      </p:sp>
-      <p:sp>
-        <p:nvSpPr>
-          <p:cNvPr id="3" name="Date Placeholder 2"/>
-          <p:cNvSpPr>
-            <a:spLocks noGrp="1"/>
-          </p:cNvSpPr>
-          <p:nvPr>
-            <p:ph type="dt" sz="half" idx="10"/>
-          </p:nvPr>
-        </p:nvSpPr>
-        <p:spPr/>
-        <p:txBody>
-          <a:bodyPr/>
-          <a:lstStyle/>
-          <a:p>
-            <a:r>
-              <a:rPr lang="en-US" smtClean="0"/>
-              <a:t>October 21, 2015</a:t>
-            </a:r>
-            <a:endParaRPr lang="en-US" dirty="0" smtClean="0"/>
-          </a:p>
-        </p:txBody>
-      </p:sp>
-      <p:sp>
-        <p:nvSpPr>
-          <p:cNvPr id="4" name="Slide Number Placeholder 3"/>
-          <p:cNvSpPr>
-            <a:spLocks noGrp="1"/>
-          </p:cNvSpPr>
-          <p:nvPr>
-            <p:ph type="sldNum" sz="quarter" idx="11"/>
-          </p:nvPr>
-        </p:nvSpPr>
-        <p:spPr/>
-        <p:txBody>
-          <a:bodyPr/>
-          <a:lstStyle/>
-          <a:p>
-            <a:fld id="{5698A34F-157D-4FC3-B6AE-341A8B909DED}" type="slidenum">
-              <a:rPr lang="en-US" smtClean="0"/>
-              <a:pPr/>
-              <a:t>13</a:t>
-            </a:fld>
-            <a:endParaRPr lang="en-US" dirty="0"/>
-          </a:p>
-        </p:txBody>
-      </p:sp>
-      <p:sp>
-        <p:nvSpPr>
-          <p:cNvPr id="5" name="Footer Placeholder 4"/>
-          <p:cNvSpPr>
-            <a:spLocks noGrp="1"/>
-          </p:cNvSpPr>
-          <p:nvPr>
-            <p:ph type="ftr" sz="quarter" idx="12"/>
-          </p:nvPr>
-        </p:nvSpPr>
-        <p:spPr/>
-        <p:txBody>
-          <a:bodyPr/>
-          <a:lstStyle/>
-          <a:p>
-            <a:endParaRPr lang="en-US" dirty="0"/>
-          </a:p>
-        </p:txBody>
-      </p:sp>
-      <p:sp>
-        <p:nvSpPr>
-          <p:cNvPr id="6" name="Title 5"/>
-          <p:cNvSpPr>
-            <a:spLocks noGrp="1"/>
-          </p:cNvSpPr>
-          <p:nvPr>
-            <p:ph type="title"/>
-          </p:nvPr>
-        </p:nvSpPr>
-        <p:spPr/>
-        <p:txBody>
-          <a:bodyPr/>
-          <a:lstStyle/>
-          <a:p>
-            <a:r>
-              <a:rPr lang="en-US" dirty="0"/>
-              <a:t>Create/Register a </a:t>
-            </a:r>
-            <a:r>
-              <a:rPr lang="en-US" dirty="0" smtClean="0"/>
-              <a:t>Key (6 - continued)</a:t>
-            </a:r>
-            <a:endParaRPr lang="en-US" dirty="0"/>
-          </a:p>
-        </p:txBody>
-      </p:sp>
-      <p:sp>
-        <p:nvSpPr>
-          <p:cNvPr id="7" name="Text Placeholder 6"/>
-          <p:cNvSpPr>
-            <a:spLocks noGrp="1"/>
-          </p:cNvSpPr>
-          <p:nvPr>
-            <p:ph type="body" sz="quarter" idx="15"/>
-          </p:nvPr>
-        </p:nvSpPr>
-        <p:spPr/>
-        <p:txBody>
-          <a:bodyPr/>
-          <a:lstStyle/>
-          <a:p>
-            <a:r>
-              <a:rPr lang="en-US" dirty="0" smtClean="0"/>
-              <a:t>Customer API How To</a:t>
-            </a:r>
-            <a:endParaRPr lang="en-US" dirty="0"/>
-          </a:p>
-        </p:txBody>
-      </p:sp>
-    </p:spTree>
-    <p:extLst>
-      <p:ext uri="{BB962C8B-B14F-4D97-AF65-F5344CB8AC3E}">
-        <p14:creationId xmlns:p14="http://schemas.microsoft.com/office/powerpoint/2010/main" val="1346841299"/>
-      </p:ext>
-    </p:extLst>
-  </p:cSld>
-  <p:clrMapOvr>
-    <a:masterClrMapping/>
-  </p:clrMapOvr>
-  <p:timing>
-    <p:tnLst>
-      <p:par>
-        <p:cTn id="1" dur="indefinite" restart="never" nodeType="tmRoot"/>
-      </p:par>
-    </p:tnLst>
-  </p:timing>
-</p:sld>
-</file>
-
 <file path=ppt/slides/slide14.xml><?xml version="1.0" encoding="utf-8"?>
 <p:sld xmlns:a="http://schemas.openxmlformats.org/drawingml/2006/main" xmlns:r="http://schemas.openxmlformats.org/officeDocument/2006/relationships" xmlns:p="http://schemas.openxmlformats.org/presentationml/2006/main">
   <p:cSld>
@@ -7248,28 +7453,74 @@
           <a:p>
             <a:r>
               <a:rPr lang="en-US" dirty="0"/>
-              <a:t>MasterCard maintains a very limited and representative set of sandbox data for both SpendingPulse and Sector Insights. The data provided in these two sandboxes is for </a:t>
-            </a:r>
-            <a:r>
-              <a:rPr lang="en-US" b="1" u="sng" dirty="0"/>
-              <a:t>functional or technical compatibility and connectivity testing purposes only</a:t>
-            </a:r>
+              <a:t>To avoid issues with key expiration, you may renew a key at any time. To do so, sign in to Developer Zone, and select:</a:t>
+            </a:r>
+          </a:p>
+          <a:p>
+            <a:pPr lvl="1"/>
             <a:r>
               <a:rPr lang="en-US" dirty="0"/>
-              <a:t>. The data is not based on nor intended to resemble any actual data and is not intended to be used for any purpose whatsoever other than functional or technical compatibility and connectivity testing. </a:t>
-            </a:r>
-          </a:p>
-          <a:p>
+              <a:t>My Dashboard</a:t>
+            </a:r>
+          </a:p>
+          <a:p>
+            <a:pPr lvl="1"/>
             <a:r>
               <a:rPr lang="en-US" dirty="0"/>
-              <a:t>In other words, sandbox data can be used by you, without further approval by MasterCard, to enable you to build your API application. Once your application is up and running you must request a production key and be approved for production access by MasterCard.</a:t>
-            </a:r>
-          </a:p>
-          <a:p>
+              <a:t>My Keys (locate the key you wish to renew)</a:t>
+            </a:r>
+          </a:p>
+          <a:p>
+            <a:pPr lvl="1"/>
             <a:r>
               <a:rPr lang="en-US" dirty="0"/>
-              <a:t>Production data is actual data and is available via paid subscription only.</a:t>
-            </a:r>
+              <a:t>Renew Key</a:t>
+            </a:r>
+          </a:p>
+          <a:p>
+            <a:pPr lvl="1"/>
+            <a:r>
+              <a:rPr lang="en-US" dirty="0"/>
+              <a:t>Follow the instructions in the pop-up for uploading a new CSR</a:t>
+            </a:r>
+            <a:r>
+              <a:rPr lang="en-US" dirty="0" smtClean="0"/>
+              <a:t>.</a:t>
+            </a:r>
+          </a:p>
+          <a:p>
+            <a:r>
+              <a:rPr lang="en-US" dirty="0" smtClean="0">
+                <a:effectLst/>
+              </a:rPr>
+              <a:t>Additional information on key management can </a:t>
+            </a:r>
+            <a:r>
+              <a:rPr lang="en-US" dirty="0"/>
+              <a:t>be found here:</a:t>
+            </a:r>
+            <a:br>
+              <a:rPr lang="en-US" dirty="0"/>
+            </a:br>
+            <a:r>
+              <a:rPr lang="en-US" sz="1800" dirty="0">
+                <a:hlinkClick r:id="rId2"/>
+              </a:rPr>
+              <a:t>https://</a:t>
+            </a:r>
+            <a:r>
+              <a:rPr lang="en-US" sz="1800" dirty="0" smtClean="0">
+                <a:hlinkClick r:id="rId2"/>
+              </a:rPr>
+              <a:t>developer.mastercard.com/portal/display/api/Generating+RSA+Keys</a:t>
+            </a:r>
+            <a:r>
+              <a:rPr lang="en-US" sz="1800" dirty="0" smtClean="0"/>
+              <a:t> </a:t>
+            </a:r>
+            <a:endParaRPr lang="en-US" sz="1800" dirty="0">
+              <a:effectLst/>
+            </a:endParaRPr>
           </a:p>
         </p:txBody>
       </p:sp>
@@ -7355,8 +7606,12 @@
           <a:lstStyle/>
           <a:p>
             <a:r>
-              <a:rPr lang="en-US" dirty="0" smtClean="0"/>
-              <a:t>Production vs. Sandbox Keys</a:t>
+              <a:rPr lang="en-US" dirty="0"/>
+              <a:t>Create/Register a </a:t>
+            </a:r>
+            <a:r>
+              <a:rPr lang="en-US" dirty="0" smtClean="0"/>
+              <a:t>Key (6 - continued)</a:t>
             </a:r>
             <a:endParaRPr lang="en-US" dirty="0"/>
           </a:p>
@@ -7388,7 +7643,7 @@
     </p:spTree>
     <p:extLst>
       <p:ext uri="{BB962C8B-B14F-4D97-AF65-F5344CB8AC3E}">
-        <p14:creationId xmlns:p14="http://schemas.microsoft.com/office/powerpoint/2010/main" val="2994781401"/>
+        <p14:creationId xmlns:p14="http://schemas.microsoft.com/office/powerpoint/2010/main" val="1346841299"/>
       </p:ext>
     </p:extLst>
   </p:cSld>
@@ -7444,121 +7699,27 @@
           <a:p>
             <a:r>
               <a:rPr lang="en-US" dirty="0"/>
-              <a:t>Additional information concerning the </a:t>
-            </a:r>
-            <a:r>
-              <a:rPr lang="en-US" dirty="0" smtClean="0"/>
-              <a:t>SpendingPulse™ </a:t>
+              <a:t>MasterCard maintains a very limited and representative set of sandbox data for both SpendingPulse and Sector Insights. The data provided in these two sandboxes is for </a:t>
+            </a:r>
+            <a:r>
+              <a:rPr lang="en-US" b="1" u="sng" dirty="0"/>
+              <a:t>functional or technical compatibility and connectivity testing purposes only</a:t>
             </a:r>
             <a:r>
               <a:rPr lang="en-US" dirty="0"/>
-              <a:t>API data is found here</a:t>
-            </a:r>
-            <a:r>
-              <a:rPr lang="en-US" dirty="0" smtClean="0"/>
-              <a:t>:</a:t>
-            </a:r>
+              <a:t>. The data is not based on nor intended to resemble any actual data and is not intended to be used for any purpose whatsoever other than functional or technical compatibility and connectivity testing. </a:t>
+            </a:r>
+          </a:p>
+          <a:p>
             <a:r>
               <a:rPr lang="en-US" dirty="0"/>
-              <a:t/>
-            </a:r>
-            <a:br>
+              <a:t>In other words, sandbox data can be used by you, without further approval by MasterCard, to enable you to build your API application. Once your application is up and running you must request a production key and be approved for production access by MasterCard.</a:t>
+            </a:r>
+          </a:p>
+          <a:p>
+            <a:r>
               <a:rPr lang="en-US" dirty="0"/>
-            </a:br>
-            <a:r>
-              <a:rPr lang="en-US" dirty="0" smtClean="0"/>
-              <a:t/>
-            </a:r>
-            <a:br>
-              <a:rPr lang="en-US" dirty="0" smtClean="0"/>
-            </a:br>
-            <a:r>
-              <a:rPr lang="en-US" sz="1600" dirty="0" smtClean="0">
-                <a:hlinkClick r:id="rId2"/>
-              </a:rPr>
-              <a:t>https</a:t>
-            </a:r>
-            <a:r>
-              <a:rPr lang="en-US" sz="1600" dirty="0">
-                <a:hlinkClick r:id="rId2"/>
-              </a:rPr>
-              <a:t>://</a:t>
-            </a:r>
-            <a:r>
-              <a:rPr lang="en-US" sz="1600" dirty="0" smtClean="0">
-                <a:hlinkClick r:id="rId2"/>
-              </a:rPr>
-              <a:t>developer.mastercard.com/portal/pages/viewpage.action?pageId=100597957</a:t>
-            </a:r>
-            <a:r>
-              <a:rPr lang="en-US" sz="1600" dirty="0" smtClean="0"/>
-              <a:t> </a:t>
-            </a:r>
-            <a:endParaRPr lang="en-US" sz="1600" dirty="0"/>
-          </a:p>
-          <a:p>
-            <a:endParaRPr lang="en-US" dirty="0" smtClean="0"/>
-          </a:p>
-          <a:p>
-            <a:r>
-              <a:rPr lang="en-US" dirty="0" smtClean="0"/>
-              <a:t>Additional </a:t>
-            </a:r>
-            <a:r>
-              <a:rPr lang="en-US" dirty="0"/>
-              <a:t>information concerning the </a:t>
-            </a:r>
-            <a:r>
-              <a:rPr lang="en-US" dirty="0" smtClean="0"/>
-              <a:t>Sector Insights™ </a:t>
-            </a:r>
-            <a:r>
-              <a:rPr lang="en-US" dirty="0"/>
-              <a:t>API data is found here</a:t>
-            </a:r>
-            <a:r>
-              <a:rPr lang="en-US" dirty="0" smtClean="0"/>
-              <a:t>:</a:t>
-            </a:r>
-            <a:r>
-              <a:rPr lang="en-US" dirty="0"/>
-              <a:t/>
-            </a:r>
-            <a:br>
-              <a:rPr lang="en-US" dirty="0"/>
-            </a:br>
-            <a:r>
-              <a:rPr lang="en-US" dirty="0" smtClean="0"/>
-              <a:t/>
-            </a:r>
-            <a:br>
-              <a:rPr lang="en-US" dirty="0" smtClean="0"/>
-            </a:br>
-            <a:r>
-              <a:rPr lang="en-US" sz="1600" dirty="0" smtClean="0">
-                <a:hlinkClick r:id="rId3"/>
-              </a:rPr>
-              <a:t>https</a:t>
-            </a:r>
-            <a:r>
-              <a:rPr lang="en-US" sz="1600" dirty="0">
-                <a:hlinkClick r:id="rId3"/>
-              </a:rPr>
-              <a:t>://developer.mastercard.com/portal/display/api/Sector+Insights</a:t>
-            </a:r>
-            <a:r>
-              <a:rPr lang="en-US" sz="1600" dirty="0"/>
-              <a:t> </a:t>
-            </a:r>
-            <a:endParaRPr lang="en-US" sz="1600" dirty="0" smtClean="0"/>
-          </a:p>
-          <a:p>
-            <a:endParaRPr lang="en-US" sz="1600" dirty="0"/>
-          </a:p>
-          <a:p>
-            <a:r>
-              <a:rPr lang="en-US" dirty="0"/>
-              <a:t>Now that you have a key … you need an App …</a:t>
+              <a:t>Production data is actual data and is available via paid subscription only.</a:t>
             </a:r>
           </a:p>
         </p:txBody>
@@ -7646,7 +7807,7 @@
           <a:p>
             <a:r>
               <a:rPr lang="en-US" dirty="0" smtClean="0"/>
-              <a:t>Additional Information</a:t>
+              <a:t>Production vs. Sandbox Keys</a:t>
             </a:r>
             <a:endParaRPr lang="en-US" dirty="0"/>
           </a:p>
@@ -7678,7 +7839,7 @@
     </p:spTree>
     <p:extLst>
       <p:ext uri="{BB962C8B-B14F-4D97-AF65-F5344CB8AC3E}">
-        <p14:creationId xmlns:p14="http://schemas.microsoft.com/office/powerpoint/2010/main" val="4106982293"/>
+        <p14:creationId xmlns:p14="http://schemas.microsoft.com/office/powerpoint/2010/main" val="2994781401"/>
       </p:ext>
     </p:extLst>
   </p:cSld>
@@ -7724,8 +7885,8 @@
         </p:nvSpPr>
         <p:spPr>
           <a:xfrm>
-            <a:off x="274637" y="1600199"/>
-            <a:ext cx="7717895" cy="3032124"/>
+            <a:off x="274637" y="1368162"/>
+            <a:ext cx="8164189" cy="3264161"/>
           </a:xfrm>
         </p:spPr>
         <p:txBody>
@@ -7733,41 +7894,122 @@
           <a:lstStyle/>
           <a:p>
             <a:r>
-              <a:rPr lang="en-US" dirty="0" smtClean="0"/>
-              <a:t>What is an “App”?</a:t>
-            </a:r>
-          </a:p>
-          <a:p>
-            <a:pPr lvl="1"/>
-            <a:r>
-              <a:rPr lang="en-US" dirty="0" smtClean="0"/>
-              <a:t>An “App” is the mechanism by which you associate a key with an API.</a:t>
-            </a:r>
-          </a:p>
-          <a:p>
-            <a:pPr lvl="1"/>
-            <a:r>
-              <a:rPr lang="en-US" dirty="0" smtClean="0"/>
-              <a:t>An “App” is not some code that you have written nor is it an application from MasterCard that you might use.</a:t>
-            </a:r>
-          </a:p>
-          <a:p>
-            <a:pPr lvl="1"/>
-            <a:r>
-              <a:rPr lang="en-US" dirty="0" smtClean="0"/>
-              <a:t>It is, merely, the device used to associate keys with APIs.</a:t>
-            </a:r>
-          </a:p>
-          <a:p>
-            <a:r>
-              <a:rPr lang="en-US" dirty="0" smtClean="0"/>
-              <a:t>An App is required in order to use a key. The system/code that you write, which accesses the API, must use a valid key in the authentication process.</a:t>
-            </a:r>
-          </a:p>
-          <a:p>
-            <a:r>
-              <a:rPr lang="en-US" dirty="0" smtClean="0"/>
-              <a:t>A key is deemed valid when the App associated with the key is approved for use by MasterCard.</a:t>
+              <a:rPr lang="en-US" dirty="0"/>
+              <a:t>Additional information concerning the </a:t>
+            </a:r>
+            <a:r>
+              <a:rPr lang="en-US" dirty="0" smtClean="0"/>
+              <a:t>SpendingPulse™ </a:t>
+            </a:r>
+            <a:r>
+              <a:rPr lang="en-US" dirty="0"/>
+              <a:t>API data is found here</a:t>
+            </a:r>
+            <a:r>
+              <a:rPr lang="en-US" dirty="0" smtClean="0"/>
+              <a:t>:</a:t>
+            </a:r>
+            <a:r>
+              <a:rPr lang="en-US" dirty="0"/>
+              <a:t/>
+            </a:r>
+            <a:br>
+              <a:rPr lang="en-US" dirty="0"/>
+            </a:br>
+            <a:r>
+              <a:rPr lang="en-US" dirty="0" smtClean="0"/>
+              <a:t/>
+            </a:r>
+            <a:br>
+              <a:rPr lang="en-US" dirty="0" smtClean="0"/>
+            </a:br>
+            <a:r>
+              <a:rPr lang="en-US" sz="1600" dirty="0" smtClean="0">
+                <a:hlinkClick r:id="rId2"/>
+              </a:rPr>
+              <a:t>https</a:t>
+            </a:r>
+            <a:r>
+              <a:rPr lang="en-US" sz="1600" dirty="0">
+                <a:hlinkClick r:id="rId2"/>
+              </a:rPr>
+              <a:t>://</a:t>
+            </a:r>
+            <a:r>
+              <a:rPr lang="en-US" sz="1600" dirty="0" smtClean="0">
+                <a:hlinkClick r:id="rId2"/>
+              </a:rPr>
+              <a:t>developer.mastercard.com/portal/pages/viewpage.action?pageId=100597957</a:t>
+            </a:r>
+            <a:r>
+              <a:rPr lang="en-US" sz="1600" dirty="0" smtClean="0"/>
+              <a:t> </a:t>
+            </a:r>
+            <a:endParaRPr lang="en-US" sz="1600" dirty="0"/>
+          </a:p>
+          <a:p>
+            <a:endParaRPr lang="en-US" dirty="0" smtClean="0"/>
+          </a:p>
+          <a:p>
+            <a:r>
+              <a:rPr lang="en-US" dirty="0" smtClean="0"/>
+              <a:t>Additional </a:t>
+            </a:r>
+            <a:r>
+              <a:rPr lang="en-US" dirty="0"/>
+              <a:t>information concerning the </a:t>
+            </a:r>
+            <a:r>
+              <a:rPr lang="en-US" dirty="0" smtClean="0"/>
+              <a:t>Sector Insights™ </a:t>
+            </a:r>
+            <a:r>
+              <a:rPr lang="en-US" dirty="0"/>
+              <a:t>API data is found here</a:t>
+            </a:r>
+            <a:r>
+              <a:rPr lang="en-US" dirty="0" smtClean="0"/>
+              <a:t>:</a:t>
+            </a:r>
+            <a:r>
+              <a:rPr lang="en-US" dirty="0"/>
+              <a:t/>
+            </a:r>
+            <a:br>
+              <a:rPr lang="en-US" dirty="0"/>
+            </a:br>
+            <a:r>
+              <a:rPr lang="en-US" dirty="0" smtClean="0"/>
+              <a:t/>
+            </a:r>
+            <a:br>
+              <a:rPr lang="en-US" dirty="0" smtClean="0"/>
+            </a:br>
+            <a:r>
+              <a:rPr lang="en-US" sz="1600" dirty="0" smtClean="0">
+                <a:hlinkClick r:id="rId3"/>
+              </a:rPr>
+              <a:t>https</a:t>
+            </a:r>
+            <a:r>
+              <a:rPr lang="en-US" sz="1600" dirty="0">
+                <a:hlinkClick r:id="rId3"/>
+              </a:rPr>
+              <a:t>://developer.mastercard.com/portal/display/api/Sector+Insights</a:t>
+            </a:r>
+            <a:r>
+              <a:rPr lang="en-US" sz="1600" dirty="0"/>
+              <a:t> </a:t>
+            </a:r>
+            <a:endParaRPr lang="en-US" sz="1600" dirty="0" smtClean="0"/>
+          </a:p>
+          <a:p>
+            <a:endParaRPr lang="en-US" sz="1600" dirty="0"/>
+          </a:p>
+          <a:p>
+            <a:r>
+              <a:rPr lang="en-US" dirty="0"/>
+              <a:t>Now that you have a key … you need an App …</a:t>
             </a:r>
           </a:p>
         </p:txBody>
@@ -7855,7 +8097,7 @@
           <a:p>
             <a:r>
               <a:rPr lang="en-US" dirty="0" smtClean="0"/>
-              <a:t>Creating an App (1)</a:t>
+              <a:t>Additional Information</a:t>
             </a:r>
             <a:endParaRPr lang="en-US" dirty="0"/>
           </a:p>
@@ -7877,12 +8119,8 @@
           <a:lstStyle/>
           <a:p>
             <a:r>
-              <a:rPr lang="en-US" dirty="0"/>
-              <a:t>Customer API How </a:t>
-            </a:r>
-            <a:r>
-              <a:rPr lang="en-US" dirty="0" smtClean="0"/>
-              <a:t>To</a:t>
+              <a:rPr lang="en-US" dirty="0" smtClean="0"/>
+              <a:t>Customer API How To</a:t>
             </a:r>
             <a:endParaRPr lang="en-US" dirty="0"/>
           </a:p>
@@ -7891,7 +8129,7 @@
     </p:spTree>
     <p:extLst>
       <p:ext uri="{BB962C8B-B14F-4D97-AF65-F5344CB8AC3E}">
-        <p14:creationId xmlns:p14="http://schemas.microsoft.com/office/powerpoint/2010/main" val="1122452413"/>
+        <p14:creationId xmlns:p14="http://schemas.microsoft.com/office/powerpoint/2010/main" val="4106982293"/>
       </p:ext>
     </p:extLst>
   </p:cSld>
@@ -7937,8 +8175,8 @@
         </p:nvSpPr>
         <p:spPr>
           <a:xfrm>
-            <a:off x="274638" y="1402597"/>
-            <a:ext cx="7415212" cy="3221977"/>
+            <a:off x="274637" y="1600199"/>
+            <a:ext cx="7717895" cy="3032124"/>
           </a:xfrm>
         </p:spPr>
         <p:txBody>
@@ -7947,80 +8185,41 @@
           <a:p>
             <a:r>
               <a:rPr lang="en-US" dirty="0" smtClean="0"/>
-              <a:t>From your dashboard, choose My APPS</a:t>
-            </a:r>
-          </a:p>
-          <a:p>
-            <a:r>
-              <a:rPr lang="en-US" dirty="0" smtClean="0"/>
-              <a:t>Click Add an App</a:t>
-            </a:r>
-          </a:p>
-          <a:p>
-            <a:r>
-              <a:rPr lang="en-US" dirty="0" smtClean="0"/>
-              <a:t>In the displayed dialogue:</a:t>
+              <a:t>What is an “App”?</a:t>
             </a:r>
           </a:p>
           <a:p>
             <a:pPr lvl="1"/>
             <a:r>
               <a:rPr lang="en-US" dirty="0" smtClean="0"/>
-              <a:t>Enter an Application Name</a:t>
-            </a:r>
-          </a:p>
-          <a:p>
-            <a:pPr lvl="2"/>
-            <a:r>
-              <a:rPr lang="en-US" dirty="0" smtClean="0"/>
-              <a:t>Any alphanumeric is acceptable. The name is</a:t>
-            </a:r>
-            <a:br>
-              <a:rPr lang="en-US" dirty="0" smtClean="0"/>
-            </a:br>
-            <a:r>
-              <a:rPr lang="en-US" dirty="0" smtClean="0"/>
-              <a:t>used by you to identify this App (i.e. this</a:t>
-            </a:r>
-            <a:br>
-              <a:rPr lang="en-US" dirty="0" smtClean="0"/>
-            </a:br>
-            <a:r>
-              <a:rPr lang="en-US" dirty="0" smtClean="0"/>
-              <a:t>use of a particular key)</a:t>
+              <a:t>An “App” is the mechanism by which you associate a key with an API.</a:t>
             </a:r>
           </a:p>
           <a:p>
             <a:pPr lvl="1"/>
             <a:r>
               <a:rPr lang="en-US" dirty="0" smtClean="0"/>
-              <a:t>(optional) a Description</a:t>
+              <a:t>An “App” is not some code that you have written nor is it an application from MasterCard that you might use.</a:t>
             </a:r>
           </a:p>
           <a:p>
             <a:pPr lvl="1"/>
             <a:r>
               <a:rPr lang="en-US" dirty="0" smtClean="0"/>
-              <a:t>Choose the key to be used</a:t>
-            </a:r>
-          </a:p>
-          <a:p>
-            <a:pPr lvl="2"/>
-            <a:r>
-              <a:rPr lang="en-US" dirty="0" smtClean="0"/>
-              <a:t>Key alias names are available for selection</a:t>
-            </a:r>
-          </a:p>
-          <a:p>
-            <a:pPr lvl="2"/>
-            <a:r>
-              <a:rPr lang="en-US" dirty="0" smtClean="0"/>
-              <a:t>A new key may be created at this time</a:t>
-            </a:r>
-          </a:p>
-          <a:p>
-            <a:pPr lvl="1"/>
-            <a:endParaRPr lang="en-US" dirty="0" smtClean="0"/>
+              <a:t>It is, merely, the device used to associate keys with APIs.</a:t>
+            </a:r>
+          </a:p>
+          <a:p>
+            <a:r>
+              <a:rPr lang="en-US" dirty="0" smtClean="0"/>
+              <a:t>An App is required in order to use a key. The system/code that you write, which accesses the API, must use a valid key in the authentication process.</a:t>
+            </a:r>
+          </a:p>
+          <a:p>
+            <a:r>
+              <a:rPr lang="en-US" dirty="0" smtClean="0"/>
+              <a:t>A key is deemed valid when the App associated with the key is approved for use by MasterCard.</a:t>
+            </a:r>
           </a:p>
         </p:txBody>
       </p:sp>
@@ -8107,7 +8306,7 @@
           <a:p>
             <a:r>
               <a:rPr lang="en-US" dirty="0" smtClean="0"/>
-              <a:t>Creating an App (2)</a:t>
+              <a:t>Creating an App (1)</a:t>
             </a:r>
             <a:endParaRPr lang="en-US" dirty="0"/>
           </a:p>
@@ -8137,100 +8336,13 @@
               <a:t>To</a:t>
             </a:r>
             <a:endParaRPr lang="en-US" dirty="0"/>
-          </a:p>
-        </p:txBody>
-      </p:sp>
-      <p:pic>
-        <p:nvPicPr>
-          <p:cNvPr id="8" name="Picture 7"/>
-          <p:cNvPicPr>
-            <a:picLocks noChangeAspect="1"/>
-          </p:cNvPicPr>
-          <p:nvPr/>
-        </p:nvPicPr>
-        <p:blipFill>
-          <a:blip r:embed="rId2"/>
-          <a:stretch>
-            <a:fillRect/>
-          </a:stretch>
-        </p:blipFill>
-        <p:spPr>
-          <a:xfrm>
-            <a:off x="4796728" y="1316875"/>
-            <a:ext cx="4187584" cy="1988142"/>
-          </a:xfrm>
-          <a:prstGeom prst="rect">
-            <a:avLst/>
-          </a:prstGeom>
-        </p:spPr>
-      </p:pic>
-      <p:sp>
-        <p:nvSpPr>
-          <p:cNvPr id="9" name="Right Arrow 8"/>
-          <p:cNvSpPr/>
-          <p:nvPr/>
-        </p:nvSpPr>
-        <p:spPr bwMode="gray">
-          <a:xfrm>
-            <a:off x="2347994" y="1867551"/>
-            <a:ext cx="2580467" cy="85240"/>
-          </a:xfrm>
-          <a:prstGeom prst="rightArrow">
-            <a:avLst/>
-          </a:prstGeom>
-          <a:solidFill>
-            <a:schemeClr val="accent1"/>
-          </a:solidFill>
-          <a:ln w="9525" cap="flat" cmpd="sng" algn="ctr">
-            <a:noFill/>
-            <a:prstDash val="solid"/>
-            <a:round/>
-            <a:headEnd type="none" w="med" len="med"/>
-            <a:tailEnd type="none" w="med" len="med"/>
-          </a:ln>
-          <a:effectLst/>
-        </p:spPr>
-        <p:txBody>
-          <a:bodyPr vert="horz" wrap="square" lIns="91440" tIns="45720" rIns="91440" bIns="45720" numCol="1" rtlCol="0" anchor="ctr" anchorCtr="0" compatLnSpc="1">
-            <a:prstTxWarp prst="textNoShape">
-              <a:avLst/>
-            </a:prstTxWarp>
-          </a:bodyPr>
-          <a:lstStyle/>
-          <a:p>
-            <a:pPr marL="0" marR="0" indent="0" algn="l" defTabSz="914400" rtl="0" eaLnBrk="1" fontAlgn="base" latinLnBrk="0" hangingPunct="1">
-              <a:lnSpc>
-                <a:spcPct val="100000"/>
-              </a:lnSpc>
-              <a:spcBef>
-                <a:spcPct val="0"/>
-              </a:spcBef>
-              <a:spcAft>
-                <a:spcPct val="0"/>
-              </a:spcAft>
-              <a:buClrTx/>
-              <a:buSzTx/>
-              <a:buFontTx/>
-              <a:buNone/>
-              <a:tabLst/>
-            </a:pPr>
-            <a:endParaRPr kumimoji="0" lang="en-US" sz="2000" b="0" i="0" u="none" strike="noStrike" cap="none" normalizeH="0" baseline="0" dirty="0" smtClean="0">
-              <a:ln>
-                <a:noFill/>
-              </a:ln>
-              <a:solidFill>
-                <a:schemeClr val="bg1"/>
-              </a:solidFill>
-              <a:effectLst/>
-              <a:latin typeface="Arial" pitchFamily="2" charset="0"/>
-            </a:endParaRPr>
           </a:p>
         </p:txBody>
       </p:sp>
     </p:spTree>
     <p:extLst>
       <p:ext uri="{BB962C8B-B14F-4D97-AF65-F5344CB8AC3E}">
-        <p14:creationId xmlns:p14="http://schemas.microsoft.com/office/powerpoint/2010/main" val="2163120365"/>
+        <p14:creationId xmlns:p14="http://schemas.microsoft.com/office/powerpoint/2010/main" val="1122452413"/>
       </p:ext>
     </p:extLst>
   </p:cSld>
@@ -8286,34 +8398,80 @@
           <a:p>
             <a:r>
               <a:rPr lang="en-US" dirty="0" smtClean="0"/>
+              <a:t>From your dashboard, choose My APPS</a:t>
+            </a:r>
+          </a:p>
+          <a:p>
+            <a:r>
+              <a:rPr lang="en-US" dirty="0" smtClean="0"/>
+              <a:t>Click Add an App</a:t>
+            </a:r>
+          </a:p>
+          <a:p>
+            <a:r>
+              <a:rPr lang="en-US" dirty="0" smtClean="0"/>
+              <a:t>In the displayed dialogue:</a:t>
+            </a:r>
+          </a:p>
+          <a:p>
+            <a:pPr lvl="1"/>
+            <a:r>
+              <a:rPr lang="en-US" dirty="0" smtClean="0"/>
+              <a:t>Enter an Application Name</a:t>
+            </a:r>
+          </a:p>
+          <a:p>
+            <a:pPr lvl="2"/>
+            <a:r>
+              <a:rPr lang="en-US" dirty="0" smtClean="0"/>
+              <a:t>Any alphanumeric is acceptable. The name is</a:t>
+            </a:r>
+            <a:br>
+              <a:rPr lang="en-US" dirty="0" smtClean="0"/>
+            </a:br>
+            <a:r>
+              <a:rPr lang="en-US" dirty="0" smtClean="0"/>
+              <a:t>used by you to identify this App (i.e. this</a:t>
+            </a:r>
+            <a:br>
+              <a:rPr lang="en-US" dirty="0" smtClean="0"/>
+            </a:br>
+            <a:r>
+              <a:rPr lang="en-US" dirty="0" smtClean="0"/>
+              <a:t>use of a particular key)</a:t>
+            </a:r>
+          </a:p>
+          <a:p>
+            <a:pPr lvl="1"/>
+            <a:r>
+              <a:rPr lang="en-US" dirty="0" smtClean="0"/>
+              <a:t>(optional) a Description</a:t>
+            </a:r>
+          </a:p>
+          <a:p>
+            <a:pPr lvl="1"/>
+            <a:r>
+              <a:rPr lang="en-US" dirty="0" smtClean="0"/>
               <a:t>Choose the key to be used</a:t>
             </a:r>
           </a:p>
           <a:p>
+            <a:pPr lvl="2"/>
+            <a:r>
+              <a:rPr lang="en-US" dirty="0" smtClean="0"/>
+              <a:t>Key alias names are available for selection</a:t>
+            </a:r>
+          </a:p>
+          <a:p>
+            <a:pPr lvl="2"/>
+            <a:r>
+              <a:rPr lang="en-US" dirty="0" smtClean="0"/>
+              <a:t>A new key may be created at this time</a:t>
+            </a:r>
+          </a:p>
+          <a:p>
             <a:pPr lvl="1"/>
-            <a:r>
-              <a:rPr lang="en-US" dirty="0" smtClean="0"/>
-              <a:t>Key alias names are available for selection</a:t>
-            </a:r>
-          </a:p>
-          <a:p>
-            <a:pPr lvl="1"/>
-            <a:r>
-              <a:rPr lang="en-US" dirty="0" smtClean="0"/>
-              <a:t>A new key may be created at this time</a:t>
-            </a:r>
-          </a:p>
-          <a:p>
-            <a:r>
-              <a:rPr lang="en-US" dirty="0" smtClean="0"/>
-              <a:t>Click Submit</a:t>
-            </a:r>
-          </a:p>
-          <a:p>
-            <a:r>
-              <a:rPr lang="en-US" dirty="0" smtClean="0"/>
-              <a:t>Your dashboard is redisplayed</a:t>
-            </a:r>
+            <a:endParaRPr lang="en-US" dirty="0" smtClean="0"/>
           </a:p>
         </p:txBody>
       </p:sp>
@@ -8400,7 +8558,7 @@
           <a:p>
             <a:r>
               <a:rPr lang="en-US" dirty="0" smtClean="0"/>
-              <a:t>Creating an App (3)</a:t>
+              <a:t>Creating an App (2)</a:t>
             </a:r>
             <a:endParaRPr lang="en-US" dirty="0"/>
           </a:p>
@@ -8435,7 +8593,7 @@
       </p:sp>
       <p:pic>
         <p:nvPicPr>
-          <p:cNvPr id="10" name="Picture 9"/>
+          <p:cNvPr id="8" name="Picture 7"/>
           <p:cNvPicPr>
             <a:picLocks noChangeAspect="1"/>
           </p:cNvPicPr>
@@ -8449,8 +8607,8 @@
         </p:blipFill>
         <p:spPr>
           <a:xfrm>
-            <a:off x="5124694" y="668616"/>
-            <a:ext cx="3738485" cy="1932924"/>
+            <a:off x="4796728" y="1316875"/>
+            <a:ext cx="4187584" cy="1988142"/>
           </a:xfrm>
           <a:prstGeom prst="rect">
             <a:avLst/>
@@ -8465,8 +8623,8 @@
         </p:nvSpPr>
         <p:spPr bwMode="gray">
           <a:xfrm>
-            <a:off x="1945038" y="2440988"/>
-            <a:ext cx="5129939" cy="92985"/>
+            <a:off x="2347994" y="1867551"/>
+            <a:ext cx="2580467" cy="85240"/>
           </a:xfrm>
           <a:prstGeom prst="rightArrow">
             <a:avLst/>
@@ -8523,7 +8681,7 @@
     </p:spTree>
     <p:extLst>
       <p:ext uri="{BB962C8B-B14F-4D97-AF65-F5344CB8AC3E}">
-        <p14:creationId xmlns:p14="http://schemas.microsoft.com/office/powerpoint/2010/main" val="3867393338"/>
+        <p14:creationId xmlns:p14="http://schemas.microsoft.com/office/powerpoint/2010/main" val="2163120365"/>
       </p:ext>
     </p:extLst>
   </p:cSld>
@@ -8579,70 +8737,33 @@
           <a:p>
             <a:r>
               <a:rPr lang="en-US" dirty="0" smtClean="0"/>
-              <a:t>Notice, the key you associated with the</a:t>
-            </a:r>
-            <a:br>
-              <a:rPr lang="en-US" dirty="0" smtClean="0"/>
-            </a:br>
-            <a:r>
-              <a:rPr lang="en-US" dirty="0" smtClean="0"/>
-              <a:t>App is shown, BUT it is not yet ACTIVE.</a:t>
-            </a:r>
-          </a:p>
-          <a:p>
-            <a:endParaRPr lang="en-US" dirty="0"/>
-          </a:p>
-          <a:p>
-            <a:r>
-              <a:rPr lang="en-US" dirty="0" smtClean="0"/>
-              <a:t>Click the checkbox to make the key </a:t>
-            </a:r>
-            <a:br>
-              <a:rPr lang="en-US" dirty="0" smtClean="0"/>
-            </a:br>
-            <a:r>
-              <a:rPr lang="en-US" dirty="0" smtClean="0"/>
-              <a:t>ACTIVE – you must activate the key in</a:t>
-            </a:r>
-            <a:br>
-              <a:rPr lang="en-US" dirty="0" smtClean="0"/>
-            </a:br>
-            <a:r>
-              <a:rPr lang="en-US" dirty="0" smtClean="0"/>
-              <a:t>order to use it.</a:t>
-            </a:r>
-          </a:p>
-          <a:p>
-            <a:r>
-              <a:rPr lang="en-US" dirty="0" smtClean="0"/>
-              <a:t>Once activated, the display is changed.</a:t>
-            </a:r>
-            <a:br>
-              <a:rPr lang="en-US" dirty="0" smtClean="0"/>
-            </a:br>
-            <a:r>
-              <a:rPr lang="en-US" dirty="0" smtClean="0"/>
-              <a:t>Note the display of the key.</a:t>
-            </a:r>
-          </a:p>
-          <a:p>
-            <a:r>
-              <a:rPr lang="en-US" dirty="0" smtClean="0"/>
-              <a:t>Apps for the sandbox are </a:t>
-            </a:r>
-            <a:br>
-              <a:rPr lang="en-US" dirty="0" smtClean="0"/>
-            </a:br>
-            <a:r>
-              <a:rPr lang="en-US" dirty="0" smtClean="0"/>
-              <a:t>automatically approved for use with</a:t>
-            </a:r>
-            <a:br>
-              <a:rPr lang="en-US" dirty="0" smtClean="0"/>
-            </a:br>
-            <a:r>
-              <a:rPr lang="en-US" dirty="0" smtClean="0"/>
-              <a:t>the sandbox API data.</a:t>
+              <a:t>Choose the key to be used</a:t>
+            </a:r>
+          </a:p>
+          <a:p>
+            <a:pPr lvl="1"/>
+            <a:r>
+              <a:rPr lang="en-US" dirty="0" smtClean="0"/>
+              <a:t>Key alias names are available for selection</a:t>
+            </a:r>
+          </a:p>
+          <a:p>
+            <a:pPr lvl="1"/>
+            <a:r>
+              <a:rPr lang="en-US" dirty="0" smtClean="0"/>
+              <a:t>A new key may be created at this time</a:t>
+            </a:r>
+          </a:p>
+          <a:p>
+            <a:r>
+              <a:rPr lang="en-US" dirty="0" smtClean="0"/>
+              <a:t>Click Submit</a:t>
+            </a:r>
+          </a:p>
+          <a:p>
+            <a:r>
+              <a:rPr lang="en-US" dirty="0" smtClean="0"/>
+              <a:t>Your dashboard is redisplayed</a:t>
             </a:r>
           </a:p>
         </p:txBody>
@@ -8689,6 +8810,515 @@
               <a:rPr lang="en-US" smtClean="0"/>
               <a:pPr/>
               <a:t>19</a:t>
+            </a:fld>
+            <a:endParaRPr lang="en-US" dirty="0"/>
+          </a:p>
+        </p:txBody>
+      </p:sp>
+      <p:sp>
+        <p:nvSpPr>
+          <p:cNvPr id="5" name="Footer Placeholder 4"/>
+          <p:cNvSpPr>
+            <a:spLocks noGrp="1"/>
+          </p:cNvSpPr>
+          <p:nvPr>
+            <p:ph type="ftr" sz="quarter" idx="12"/>
+          </p:nvPr>
+        </p:nvSpPr>
+        <p:spPr/>
+        <p:txBody>
+          <a:bodyPr/>
+          <a:lstStyle/>
+          <a:p>
+            <a:endParaRPr lang="en-US" dirty="0"/>
+          </a:p>
+        </p:txBody>
+      </p:sp>
+      <p:sp>
+        <p:nvSpPr>
+          <p:cNvPr id="6" name="Title 5"/>
+          <p:cNvSpPr>
+            <a:spLocks noGrp="1"/>
+          </p:cNvSpPr>
+          <p:nvPr>
+            <p:ph type="title"/>
+          </p:nvPr>
+        </p:nvSpPr>
+        <p:spPr/>
+        <p:txBody>
+          <a:bodyPr/>
+          <a:lstStyle/>
+          <a:p>
+            <a:r>
+              <a:rPr lang="en-US" dirty="0" smtClean="0"/>
+              <a:t>Creating an App (3)</a:t>
+            </a:r>
+            <a:endParaRPr lang="en-US" dirty="0"/>
+          </a:p>
+        </p:txBody>
+      </p:sp>
+      <p:sp>
+        <p:nvSpPr>
+          <p:cNvPr id="7" name="Text Placeholder 6"/>
+          <p:cNvSpPr>
+            <a:spLocks noGrp="1"/>
+          </p:cNvSpPr>
+          <p:nvPr>
+            <p:ph type="body" sz="quarter" idx="15"/>
+          </p:nvPr>
+        </p:nvSpPr>
+        <p:spPr/>
+        <p:txBody>
+          <a:bodyPr/>
+          <a:lstStyle/>
+          <a:p>
+            <a:r>
+              <a:rPr lang="en-US" dirty="0"/>
+              <a:t>Customer API How </a:t>
+            </a:r>
+            <a:r>
+              <a:rPr lang="en-US" dirty="0" smtClean="0"/>
+              <a:t>To</a:t>
+            </a:r>
+            <a:endParaRPr lang="en-US" dirty="0"/>
+          </a:p>
+        </p:txBody>
+      </p:sp>
+      <p:pic>
+        <p:nvPicPr>
+          <p:cNvPr id="10" name="Picture 9"/>
+          <p:cNvPicPr>
+            <a:picLocks noChangeAspect="1"/>
+          </p:cNvPicPr>
+          <p:nvPr/>
+        </p:nvPicPr>
+        <p:blipFill>
+          <a:blip r:embed="rId2"/>
+          <a:stretch>
+            <a:fillRect/>
+          </a:stretch>
+        </p:blipFill>
+        <p:spPr>
+          <a:xfrm>
+            <a:off x="5124694" y="668616"/>
+            <a:ext cx="3738485" cy="1932924"/>
+          </a:xfrm>
+          <a:prstGeom prst="rect">
+            <a:avLst/>
+          </a:prstGeom>
+        </p:spPr>
+      </p:pic>
+      <p:sp>
+        <p:nvSpPr>
+          <p:cNvPr id="9" name="Right Arrow 8"/>
+          <p:cNvSpPr/>
+          <p:nvPr/>
+        </p:nvSpPr>
+        <p:spPr bwMode="gray">
+          <a:xfrm>
+            <a:off x="1945038" y="2440988"/>
+            <a:ext cx="5129939" cy="92985"/>
+          </a:xfrm>
+          <a:prstGeom prst="rightArrow">
+            <a:avLst/>
+          </a:prstGeom>
+          <a:solidFill>
+            <a:schemeClr val="accent1"/>
+          </a:solidFill>
+          <a:ln w="9525" cap="flat" cmpd="sng" algn="ctr">
+            <a:noFill/>
+            <a:prstDash val="solid"/>
+            <a:round/>
+            <a:headEnd type="none" w="med" len="med"/>
+            <a:tailEnd type="none" w="med" len="med"/>
+          </a:ln>
+          <a:effectLst/>
+        </p:spPr>
+        <p:txBody>
+          <a:bodyPr vert="horz" wrap="square" lIns="91440" tIns="45720" rIns="91440" bIns="45720" numCol="1" rtlCol="0" anchor="ctr" anchorCtr="0" compatLnSpc="1">
+            <a:prstTxWarp prst="textNoShape">
+              <a:avLst/>
+            </a:prstTxWarp>
+          </a:bodyPr>
+          <a:lstStyle/>
+          <a:p>
+            <a:pPr marL="0" marR="0" indent="0" algn="l" defTabSz="914400" rtl="0" eaLnBrk="1" fontAlgn="base" latinLnBrk="0" hangingPunct="1">
+              <a:lnSpc>
+                <a:spcPct val="100000"/>
+              </a:lnSpc>
+              <a:spcBef>
+                <a:spcPct val="0"/>
+              </a:spcBef>
+              <a:spcAft>
+                <a:spcPct val="0"/>
+              </a:spcAft>
+              <a:buClrTx/>
+              <a:buSzTx/>
+              <a:buFontTx/>
+              <a:buNone/>
+              <a:tabLst/>
+            </a:pPr>
+            <a:endParaRPr kumimoji="0" lang="en-US" sz="2000" b="0" i="0" u="none" strike="noStrike" cap="none" normalizeH="0" baseline="0" dirty="0" smtClean="0">
+              <a:ln>
+                <a:noFill/>
+              </a:ln>
+              <a:solidFill>
+                <a:schemeClr val="bg1"/>
+              </a:solidFill>
+              <a:effectLst/>
+              <a:latin typeface="Arial" pitchFamily="2" charset="0"/>
+            </a:endParaRPr>
+          </a:p>
+        </p:txBody>
+      </p:sp>
+    </p:spTree>
+    <p:extLst>
+      <p:ext uri="{BB962C8B-B14F-4D97-AF65-F5344CB8AC3E}">
+        <p14:creationId xmlns:p14="http://schemas.microsoft.com/office/powerpoint/2010/main" val="3867393338"/>
+      </p:ext>
+    </p:extLst>
+  </p:cSld>
+  <p:clrMapOvr>
+    <a:masterClrMapping/>
+  </p:clrMapOvr>
+  <p:timing>
+    <p:tnLst>
+      <p:par>
+        <p:cTn id="1" dur="indefinite" restart="never" nodeType="tmRoot"/>
+      </p:par>
+    </p:tnLst>
+  </p:timing>
+</p:sld>
+</file>
+
+<file path=ppt/slides/slide2.xml><?xml version="1.0" encoding="utf-8"?>
+<p:sld xmlns:a="http://schemas.openxmlformats.org/drawingml/2006/main" xmlns:r="http://schemas.openxmlformats.org/officeDocument/2006/relationships" xmlns:p="http://schemas.openxmlformats.org/presentationml/2006/main">
+  <p:cSld>
+    <p:spTree>
+      <p:nvGrpSpPr>
+        <p:cNvPr id="1" name=""/>
+        <p:cNvGrpSpPr/>
+        <p:nvPr/>
+      </p:nvGrpSpPr>
+      <p:grpSpPr>
+        <a:xfrm>
+          <a:off x="0" y="0"/>
+          <a:ext cx="0" cy="0"/>
+          <a:chOff x="0" y="0"/>
+          <a:chExt cx="0" cy="0"/>
+        </a:xfrm>
+      </p:grpSpPr>
+      <p:sp>
+        <p:nvSpPr>
+          <p:cNvPr id="2" name="Text Placeholder 1"/>
+          <p:cNvSpPr>
+            <a:spLocks noGrp="1"/>
+          </p:cNvSpPr>
+          <p:nvPr>
+            <p:ph type="body" sz="quarter" idx="13"/>
+          </p:nvPr>
+        </p:nvSpPr>
+        <p:spPr/>
+        <p:txBody>
+          <a:bodyPr/>
+          <a:lstStyle/>
+          <a:p>
+            <a:endParaRPr lang="en-US"/>
+          </a:p>
+        </p:txBody>
+      </p:sp>
+      <p:sp>
+        <p:nvSpPr>
+          <p:cNvPr id="3" name="Date Placeholder 2"/>
+          <p:cNvSpPr>
+            <a:spLocks noGrp="1"/>
+          </p:cNvSpPr>
+          <p:nvPr>
+            <p:ph type="dt" sz="half" idx="10"/>
+          </p:nvPr>
+        </p:nvSpPr>
+        <p:spPr/>
+        <p:txBody>
+          <a:bodyPr/>
+          <a:lstStyle/>
+          <a:p>
+            <a:r>
+              <a:rPr lang="en-US" smtClean="0"/>
+              <a:t>October 21, 2015</a:t>
+            </a:r>
+            <a:endParaRPr lang="en-US" dirty="0" smtClean="0"/>
+          </a:p>
+        </p:txBody>
+      </p:sp>
+      <p:sp>
+        <p:nvSpPr>
+          <p:cNvPr id="4" name="Slide Number Placeholder 3"/>
+          <p:cNvSpPr>
+            <a:spLocks noGrp="1"/>
+          </p:cNvSpPr>
+          <p:nvPr>
+            <p:ph type="sldNum" sz="quarter" idx="11"/>
+          </p:nvPr>
+        </p:nvSpPr>
+        <p:spPr/>
+        <p:txBody>
+          <a:bodyPr/>
+          <a:lstStyle/>
+          <a:p>
+            <a:fld id="{5698A34F-157D-4FC3-B6AE-341A8B909DED}" type="slidenum">
+              <a:rPr lang="en-US" smtClean="0"/>
+              <a:pPr/>
+              <a:t>2</a:t>
+            </a:fld>
+            <a:endParaRPr lang="en-US" dirty="0"/>
+          </a:p>
+        </p:txBody>
+      </p:sp>
+      <p:sp>
+        <p:nvSpPr>
+          <p:cNvPr id="5" name="Footer Placeholder 4"/>
+          <p:cNvSpPr>
+            <a:spLocks noGrp="1"/>
+          </p:cNvSpPr>
+          <p:nvPr>
+            <p:ph type="ftr" sz="quarter" idx="12"/>
+          </p:nvPr>
+        </p:nvSpPr>
+        <p:spPr/>
+        <p:txBody>
+          <a:bodyPr/>
+          <a:lstStyle/>
+          <a:p>
+            <a:endParaRPr lang="en-US" dirty="0"/>
+          </a:p>
+        </p:txBody>
+      </p:sp>
+      <p:sp>
+        <p:nvSpPr>
+          <p:cNvPr id="6" name="Title 5"/>
+          <p:cNvSpPr>
+            <a:spLocks noGrp="1"/>
+          </p:cNvSpPr>
+          <p:nvPr>
+            <p:ph type="title"/>
+          </p:nvPr>
+        </p:nvSpPr>
+        <p:spPr/>
+        <p:txBody>
+          <a:bodyPr/>
+          <a:lstStyle/>
+          <a:p>
+            <a:endParaRPr lang="en-US"/>
+          </a:p>
+        </p:txBody>
+      </p:sp>
+      <p:sp>
+        <p:nvSpPr>
+          <p:cNvPr id="7" name="Text Placeholder 6"/>
+          <p:cNvSpPr>
+            <a:spLocks noGrp="1"/>
+          </p:cNvSpPr>
+          <p:nvPr>
+            <p:ph type="body" sz="quarter" idx="14"/>
+          </p:nvPr>
+        </p:nvSpPr>
+        <p:spPr/>
+        <p:txBody>
+          <a:bodyPr/>
+          <a:lstStyle/>
+          <a:p>
+            <a:endParaRPr lang="en-US"/>
+          </a:p>
+        </p:txBody>
+      </p:sp>
+      <p:sp>
+        <p:nvSpPr>
+          <p:cNvPr id="8" name="Text Placeholder 7"/>
+          <p:cNvSpPr>
+            <a:spLocks noGrp="1"/>
+          </p:cNvSpPr>
+          <p:nvPr>
+            <p:ph type="body" sz="quarter" idx="15"/>
+          </p:nvPr>
+        </p:nvSpPr>
+        <p:spPr/>
+        <p:txBody>
+          <a:bodyPr/>
+          <a:lstStyle/>
+          <a:p>
+            <a:endParaRPr lang="en-US"/>
+          </a:p>
+        </p:txBody>
+      </p:sp>
+    </p:spTree>
+    <p:extLst>
+      <p:ext uri="{BB962C8B-B14F-4D97-AF65-F5344CB8AC3E}">
+        <p14:creationId xmlns:p14="http://schemas.microsoft.com/office/powerpoint/2010/main" val="1267699667"/>
+      </p:ext>
+    </p:extLst>
+  </p:cSld>
+  <p:clrMapOvr>
+    <a:masterClrMapping/>
+  </p:clrMapOvr>
+  <p:timing>
+    <p:tnLst>
+      <p:par>
+        <p:cTn id="1" dur="indefinite" restart="never" nodeType="tmRoot"/>
+      </p:par>
+    </p:tnLst>
+  </p:timing>
+</p:sld>
+</file>
+
+<file path=ppt/slides/slide20.xml><?xml version="1.0" encoding="utf-8"?>
+<p:sld xmlns:a="http://schemas.openxmlformats.org/drawingml/2006/main" xmlns:r="http://schemas.openxmlformats.org/officeDocument/2006/relationships" xmlns:p="http://schemas.openxmlformats.org/presentationml/2006/main">
+  <p:cSld>
+    <p:spTree>
+      <p:nvGrpSpPr>
+        <p:cNvPr id="1" name=""/>
+        <p:cNvGrpSpPr/>
+        <p:nvPr/>
+      </p:nvGrpSpPr>
+      <p:grpSpPr>
+        <a:xfrm>
+          <a:off x="0" y="0"/>
+          <a:ext cx="0" cy="0"/>
+          <a:chOff x="0" y="0"/>
+          <a:chExt cx="0" cy="0"/>
+        </a:xfrm>
+      </p:grpSpPr>
+      <p:sp>
+        <p:nvSpPr>
+          <p:cNvPr id="2" name="Text Placeholder 1"/>
+          <p:cNvSpPr>
+            <a:spLocks noGrp="1"/>
+          </p:cNvSpPr>
+          <p:nvPr>
+            <p:ph type="body" sz="quarter" idx="13"/>
+          </p:nvPr>
+        </p:nvSpPr>
+        <p:spPr>
+          <a:xfrm>
+            <a:off x="274638" y="1402597"/>
+            <a:ext cx="7415212" cy="3221977"/>
+          </a:xfrm>
+        </p:spPr>
+        <p:txBody>
+          <a:bodyPr/>
+          <a:lstStyle/>
+          <a:p>
+            <a:r>
+              <a:rPr lang="en-US" dirty="0" smtClean="0"/>
+              <a:t>Notice, the key you associated with the</a:t>
+            </a:r>
+            <a:br>
+              <a:rPr lang="en-US" dirty="0" smtClean="0"/>
+            </a:br>
+            <a:r>
+              <a:rPr lang="en-US" dirty="0" smtClean="0"/>
+              <a:t>App is shown, BUT it is not yet ACTIVE.</a:t>
+            </a:r>
+          </a:p>
+          <a:p>
+            <a:endParaRPr lang="en-US" dirty="0"/>
+          </a:p>
+          <a:p>
+            <a:r>
+              <a:rPr lang="en-US" dirty="0" smtClean="0"/>
+              <a:t>Click the checkbox to make the key </a:t>
+            </a:r>
+            <a:br>
+              <a:rPr lang="en-US" dirty="0" smtClean="0"/>
+            </a:br>
+            <a:r>
+              <a:rPr lang="en-US" dirty="0" smtClean="0"/>
+              <a:t>ACTIVE – you must activate the key in</a:t>
+            </a:r>
+            <a:br>
+              <a:rPr lang="en-US" dirty="0" smtClean="0"/>
+            </a:br>
+            <a:r>
+              <a:rPr lang="en-US" dirty="0" smtClean="0"/>
+              <a:t>order to use it.</a:t>
+            </a:r>
+          </a:p>
+          <a:p>
+            <a:r>
+              <a:rPr lang="en-US" dirty="0" smtClean="0"/>
+              <a:t>Once activated, the display is changed.</a:t>
+            </a:r>
+            <a:br>
+              <a:rPr lang="en-US" dirty="0" smtClean="0"/>
+            </a:br>
+            <a:r>
+              <a:rPr lang="en-US" dirty="0" smtClean="0"/>
+              <a:t>Note the display of the key.</a:t>
+            </a:r>
+          </a:p>
+          <a:p>
+            <a:r>
+              <a:rPr lang="en-US" dirty="0" smtClean="0"/>
+              <a:t>Apps for the sandbox are </a:t>
+            </a:r>
+            <a:br>
+              <a:rPr lang="en-US" dirty="0" smtClean="0"/>
+            </a:br>
+            <a:r>
+              <a:rPr lang="en-US" dirty="0" smtClean="0"/>
+              <a:t>automatically approved for use with</a:t>
+            </a:r>
+            <a:br>
+              <a:rPr lang="en-US" dirty="0" smtClean="0"/>
+            </a:br>
+            <a:r>
+              <a:rPr lang="en-US" dirty="0" smtClean="0"/>
+              <a:t>the sandbox API data.</a:t>
+            </a:r>
+          </a:p>
+        </p:txBody>
+      </p:sp>
+      <p:sp>
+        <p:nvSpPr>
+          <p:cNvPr id="3" name="Date Placeholder 2"/>
+          <p:cNvSpPr>
+            <a:spLocks noGrp="1"/>
+          </p:cNvSpPr>
+          <p:nvPr>
+            <p:ph type="dt" sz="half" idx="10"/>
+          </p:nvPr>
+        </p:nvSpPr>
+        <p:spPr/>
+        <p:txBody>
+          <a:bodyPr/>
+          <a:lstStyle/>
+          <a:p>
+            <a:r>
+              <a:rPr lang="en-US" smtClean="0"/>
+              <a:t>October 21, 2015</a:t>
+            </a:r>
+            <a:endParaRPr lang="en-US" dirty="0" smtClean="0"/>
+          </a:p>
+        </p:txBody>
+      </p:sp>
+      <p:sp>
+        <p:nvSpPr>
+          <p:cNvPr id="4" name="Slide Number Placeholder 3"/>
+          <p:cNvSpPr>
+            <a:spLocks noGrp="1"/>
+          </p:cNvSpPr>
+          <p:nvPr>
+            <p:ph type="sldNum" sz="quarter" idx="11"/>
+          </p:nvPr>
+        </p:nvSpPr>
+        <p:spPr/>
+        <p:txBody>
+          <a:bodyPr/>
+          <a:lstStyle/>
+          <a:p>
+            <a:fld id="{5698A34F-157D-4FC3-B6AE-341A8B909DED}" type="slidenum">
+              <a:rPr lang="en-US" smtClean="0"/>
+              <a:pPr/>
+              <a:t>20</a:t>
             </a:fld>
             <a:endParaRPr lang="en-US" dirty="0"/>
           </a:p>
@@ -8957,414 +9587,6 @@
 </p:sld>
 </file>
 
-<file path=ppt/slides/slide2.xml><?xml version="1.0" encoding="utf-8"?>
-<p:sld xmlns:a="http://schemas.openxmlformats.org/drawingml/2006/main" xmlns:r="http://schemas.openxmlformats.org/officeDocument/2006/relationships" xmlns:p="http://schemas.openxmlformats.org/presentationml/2006/main">
-  <p:cSld>
-    <p:spTree>
-      <p:nvGrpSpPr>
-        <p:cNvPr id="1" name=""/>
-        <p:cNvGrpSpPr/>
-        <p:nvPr/>
-      </p:nvGrpSpPr>
-      <p:grpSpPr>
-        <a:xfrm>
-          <a:off x="0" y="0"/>
-          <a:ext cx="0" cy="0"/>
-          <a:chOff x="0" y="0"/>
-          <a:chExt cx="0" cy="0"/>
-        </a:xfrm>
-      </p:grpSpPr>
-      <p:sp>
-        <p:nvSpPr>
-          <p:cNvPr id="2" name="Title 1"/>
-          <p:cNvSpPr>
-            <a:spLocks noGrp="1"/>
-          </p:cNvSpPr>
-          <p:nvPr>
-            <p:ph type="title"/>
-          </p:nvPr>
-        </p:nvSpPr>
-        <p:spPr/>
-        <p:txBody>
-          <a:bodyPr/>
-          <a:lstStyle/>
-          <a:p>
-            <a:r>
-              <a:rPr lang="en-US" dirty="0" smtClean="0"/>
-              <a:t>Customer API How To</a:t>
-            </a:r>
-            <a:endParaRPr lang="en-US" dirty="0"/>
-          </a:p>
-        </p:txBody>
-      </p:sp>
-      <p:sp>
-        <p:nvSpPr>
-          <p:cNvPr id="3" name="Date Placeholder 2"/>
-          <p:cNvSpPr>
-            <a:spLocks noGrp="1"/>
-          </p:cNvSpPr>
-          <p:nvPr>
-            <p:ph type="dt" sz="half" idx="4294967295"/>
-          </p:nvPr>
-        </p:nvSpPr>
-        <p:spPr>
-          <a:xfrm>
-            <a:off x="0" y="4903788"/>
-            <a:ext cx="1068388" cy="128587"/>
-          </a:xfrm>
-        </p:spPr>
-        <p:txBody>
-          <a:bodyPr/>
-          <a:lstStyle/>
-          <a:p>
-            <a:r>
-              <a:rPr lang="en-US" smtClean="0"/>
-              <a:t>October 21, 2015</a:t>
-            </a:r>
-            <a:endParaRPr lang="en-US" dirty="0" smtClean="0"/>
-          </a:p>
-        </p:txBody>
-      </p:sp>
-      <p:sp>
-        <p:nvSpPr>
-          <p:cNvPr id="4" name="Slide Number Placeholder 3"/>
-          <p:cNvSpPr>
-            <a:spLocks noGrp="1"/>
-          </p:cNvSpPr>
-          <p:nvPr>
-            <p:ph type="sldNum" sz="quarter" idx="4294967295"/>
-          </p:nvPr>
-        </p:nvSpPr>
-        <p:spPr>
-          <a:xfrm>
-            <a:off x="0" y="4903788"/>
-            <a:ext cx="342900" cy="128587"/>
-          </a:xfrm>
-        </p:spPr>
-        <p:txBody>
-          <a:bodyPr/>
-          <a:lstStyle/>
-          <a:p>
-            <a:fld id="{5698A34F-157D-4FC3-B6AE-341A8B909DED}" type="slidenum">
-              <a:rPr lang="en-US" smtClean="0"/>
-              <a:pPr/>
-              <a:t>2</a:t>
-            </a:fld>
-            <a:endParaRPr lang="en-US" dirty="0"/>
-          </a:p>
-        </p:txBody>
-      </p:sp>
-      <p:sp>
-        <p:nvSpPr>
-          <p:cNvPr id="64" name="Text Placeholder 63"/>
-          <p:cNvSpPr>
-            <a:spLocks noGrp="1"/>
-          </p:cNvSpPr>
-          <p:nvPr>
-            <p:ph type="body" sz="quarter" idx="4294967295"/>
-          </p:nvPr>
-        </p:nvSpPr>
-        <p:spPr>
-          <a:xfrm>
-            <a:off x="0" y="19050"/>
-            <a:ext cx="7415213" cy="292100"/>
-          </a:xfrm>
-        </p:spPr>
-        <p:txBody>
-          <a:bodyPr/>
-          <a:lstStyle/>
-          <a:p>
-            <a:endParaRPr lang="en-US" dirty="0" smtClean="0"/>
-          </a:p>
-        </p:txBody>
-      </p:sp>
-    </p:spTree>
-    <p:extLst>
-      <p:ext uri="{BB962C8B-B14F-4D97-AF65-F5344CB8AC3E}">
-        <p14:creationId xmlns:p14="http://schemas.microsoft.com/office/powerpoint/2010/main" val="3183443171"/>
-      </p:ext>
-    </p:extLst>
-  </p:cSld>
-  <p:clrMapOvr>
-    <a:masterClrMapping/>
-  </p:clrMapOvr>
-  <p:timing>
-    <p:tnLst>
-      <p:par>
-        <p:cTn id="1" dur="indefinite" restart="never" nodeType="tmRoot"/>
-      </p:par>
-    </p:tnLst>
-  </p:timing>
-</p:sld>
-</file>
-
-<file path=ppt/slides/slide20.xml><?xml version="1.0" encoding="utf-8"?>
-<p:sld xmlns:a="http://schemas.openxmlformats.org/drawingml/2006/main" xmlns:r="http://schemas.openxmlformats.org/officeDocument/2006/relationships" xmlns:p="http://schemas.openxmlformats.org/presentationml/2006/main">
-  <p:cSld>
-    <p:spTree>
-      <p:nvGrpSpPr>
-        <p:cNvPr id="1" name=""/>
-        <p:cNvGrpSpPr/>
-        <p:nvPr/>
-      </p:nvGrpSpPr>
-      <p:grpSpPr>
-        <a:xfrm>
-          <a:off x="0" y="0"/>
-          <a:ext cx="0" cy="0"/>
-          <a:chOff x="0" y="0"/>
-          <a:chExt cx="0" cy="0"/>
-        </a:xfrm>
-      </p:grpSpPr>
-      <p:sp>
-        <p:nvSpPr>
-          <p:cNvPr id="2" name="Text Placeholder 1"/>
-          <p:cNvSpPr>
-            <a:spLocks noGrp="1"/>
-          </p:cNvSpPr>
-          <p:nvPr>
-            <p:ph type="body" sz="quarter" idx="13"/>
-          </p:nvPr>
-        </p:nvSpPr>
-        <p:spPr>
-          <a:xfrm>
-            <a:off x="274638" y="1402597"/>
-            <a:ext cx="7415212" cy="3221977"/>
-          </a:xfrm>
-        </p:spPr>
-        <p:txBody>
-          <a:bodyPr/>
-          <a:lstStyle/>
-          <a:p>
-            <a:r>
-              <a:rPr lang="en-US" dirty="0" smtClean="0"/>
-              <a:t>Now that you have an </a:t>
-            </a:r>
-            <a:r>
-              <a:rPr lang="en-US" i="1" dirty="0" smtClean="0"/>
-              <a:t>active</a:t>
-            </a:r>
-            <a:r>
-              <a:rPr lang="en-US" dirty="0"/>
-              <a:t> </a:t>
-            </a:r>
-            <a:r>
-              <a:rPr lang="en-US" dirty="0" smtClean="0"/>
-              <a:t>sandbox key, associated with an App, that is approved by MasterCard …</a:t>
-            </a:r>
-          </a:p>
-          <a:p>
-            <a:r>
-              <a:rPr lang="en-US" dirty="0" smtClean="0"/>
-              <a:t>You need to develop a system/application that you can use to access the API that uses the active key.</a:t>
-            </a:r>
-          </a:p>
-          <a:p>
-            <a:r>
-              <a:rPr lang="en-US" dirty="0" smtClean="0"/>
-              <a:t>You also need to use the appropriate sandbox URL:</a:t>
-            </a:r>
-          </a:p>
-          <a:p>
-            <a:pPr lvl="1"/>
-            <a:r>
-              <a:rPr lang="en-US" dirty="0" smtClean="0"/>
-              <a:t>For SpendingPulse™:</a:t>
-            </a:r>
-            <a:br>
-              <a:rPr lang="en-US" dirty="0" smtClean="0"/>
-            </a:br>
-            <a:r>
-              <a:rPr lang="en-US" sz="1600" dirty="0" smtClean="0">
-                <a:hlinkClick r:id="rId2"/>
-              </a:rPr>
-              <a:t>https</a:t>
-            </a:r>
-            <a:r>
-              <a:rPr lang="en-US" sz="1600" dirty="0">
-                <a:hlinkClick r:id="rId2"/>
-              </a:rPr>
-              <a:t>://</a:t>
-            </a:r>
-            <a:r>
-              <a:rPr lang="en-US" sz="1600" dirty="0" smtClean="0">
-                <a:hlinkClick r:id="rId2"/>
-              </a:rPr>
-              <a:t>sandbox.api.mastercard.com/spendingpulse/v1/spulse.svc/subscription</a:t>
-            </a:r>
-            <a:r>
-              <a:rPr lang="en-US" sz="1600" dirty="0" smtClean="0"/>
-              <a:t> </a:t>
-            </a:r>
-            <a:br>
-              <a:rPr lang="en-US" sz="1600" dirty="0" smtClean="0"/>
-            </a:br>
-            <a:endParaRPr lang="en-US" sz="1600" dirty="0" smtClean="0"/>
-          </a:p>
-          <a:p>
-            <a:pPr lvl="1"/>
-            <a:r>
-              <a:rPr lang="en-US" dirty="0" smtClean="0"/>
-              <a:t>For Sector Insights™:</a:t>
-            </a:r>
-            <a:br>
-              <a:rPr lang="en-US" dirty="0" smtClean="0"/>
-            </a:br>
-            <a:r>
-              <a:rPr lang="en-US" sz="1600" dirty="0">
-                <a:hlinkClick r:id="rId3"/>
-              </a:rPr>
-              <a:t>https://</a:t>
-            </a:r>
-            <a:r>
-              <a:rPr lang="en-US" sz="1600" dirty="0" smtClean="0">
-                <a:hlinkClick r:id="rId3"/>
-              </a:rPr>
-              <a:t>sandbox.api.mastercard.com/sectorinsights/v1/sectins.svc/parameters</a:t>
-            </a:r>
-            <a:r>
-              <a:rPr lang="en-US" sz="1600" dirty="0" smtClean="0"/>
-              <a:t> </a:t>
-            </a:r>
-            <a:endParaRPr lang="en-US" sz="1600" dirty="0"/>
-          </a:p>
-        </p:txBody>
-      </p:sp>
-      <p:sp>
-        <p:nvSpPr>
-          <p:cNvPr id="3" name="Date Placeholder 2"/>
-          <p:cNvSpPr>
-            <a:spLocks noGrp="1"/>
-          </p:cNvSpPr>
-          <p:nvPr>
-            <p:ph type="dt" sz="half" idx="10"/>
-          </p:nvPr>
-        </p:nvSpPr>
-        <p:spPr/>
-        <p:txBody>
-          <a:bodyPr/>
-          <a:lstStyle/>
-          <a:p>
-            <a:r>
-              <a:rPr lang="en-US" smtClean="0"/>
-              <a:t>October 21, 2015</a:t>
-            </a:r>
-            <a:endParaRPr lang="en-US" dirty="0" smtClean="0"/>
-          </a:p>
-        </p:txBody>
-      </p:sp>
-      <p:sp>
-        <p:nvSpPr>
-          <p:cNvPr id="4" name="Slide Number Placeholder 3"/>
-          <p:cNvSpPr>
-            <a:spLocks noGrp="1"/>
-          </p:cNvSpPr>
-          <p:nvPr>
-            <p:ph type="sldNum" sz="quarter" idx="11"/>
-          </p:nvPr>
-        </p:nvSpPr>
-        <p:spPr/>
-        <p:txBody>
-          <a:bodyPr/>
-          <a:lstStyle/>
-          <a:p>
-            <a:fld id="{5698A34F-157D-4FC3-B6AE-341A8B909DED}" type="slidenum">
-              <a:rPr lang="en-US" smtClean="0"/>
-              <a:pPr/>
-              <a:t>20</a:t>
-            </a:fld>
-            <a:endParaRPr lang="en-US" dirty="0"/>
-          </a:p>
-        </p:txBody>
-      </p:sp>
-      <p:sp>
-        <p:nvSpPr>
-          <p:cNvPr id="5" name="Footer Placeholder 4"/>
-          <p:cNvSpPr>
-            <a:spLocks noGrp="1"/>
-          </p:cNvSpPr>
-          <p:nvPr>
-            <p:ph type="ftr" sz="quarter" idx="12"/>
-          </p:nvPr>
-        </p:nvSpPr>
-        <p:spPr/>
-        <p:txBody>
-          <a:bodyPr/>
-          <a:lstStyle/>
-          <a:p>
-            <a:endParaRPr lang="en-US" dirty="0"/>
-          </a:p>
-        </p:txBody>
-      </p:sp>
-      <p:sp>
-        <p:nvSpPr>
-          <p:cNvPr id="6" name="Title 5"/>
-          <p:cNvSpPr>
-            <a:spLocks noGrp="1"/>
-          </p:cNvSpPr>
-          <p:nvPr>
-            <p:ph type="title"/>
-          </p:nvPr>
-        </p:nvSpPr>
-        <p:spPr/>
-        <p:txBody>
-          <a:bodyPr/>
-          <a:lstStyle/>
-          <a:p>
-            <a:r>
-              <a:rPr lang="en-US" dirty="0" smtClean="0"/>
-              <a:t>Use the Active Key in Your Code</a:t>
-            </a:r>
-            <a:endParaRPr lang="en-US" dirty="0"/>
-          </a:p>
-        </p:txBody>
-      </p:sp>
-      <p:sp>
-        <p:nvSpPr>
-          <p:cNvPr id="7" name="Text Placeholder 6"/>
-          <p:cNvSpPr>
-            <a:spLocks noGrp="1"/>
-          </p:cNvSpPr>
-          <p:nvPr>
-            <p:ph type="body" sz="quarter" idx="15"/>
-          </p:nvPr>
-        </p:nvSpPr>
-        <p:spPr/>
-        <p:txBody>
-          <a:bodyPr/>
-          <a:lstStyle/>
-          <a:p>
-            <a:r>
-              <a:rPr lang="en-US" dirty="0"/>
-              <a:t>Customer API How </a:t>
-            </a:r>
-            <a:r>
-              <a:rPr lang="en-US" dirty="0" smtClean="0"/>
-              <a:t>To</a:t>
-            </a:r>
-            <a:endParaRPr lang="en-US" dirty="0"/>
-          </a:p>
-        </p:txBody>
-      </p:sp>
-    </p:spTree>
-    <p:extLst>
-      <p:ext uri="{BB962C8B-B14F-4D97-AF65-F5344CB8AC3E}">
-        <p14:creationId xmlns:p14="http://schemas.microsoft.com/office/powerpoint/2010/main" val="3984128008"/>
-      </p:ext>
-    </p:extLst>
-  </p:cSld>
-  <p:clrMapOvr>
-    <a:masterClrMapping/>
-  </p:clrMapOvr>
-  <p:timing>
-    <p:tnLst>
-      <p:par>
-        <p:cTn id="1" dur="indefinite" restart="never" nodeType="tmRoot"/>
-      </p:par>
-    </p:tnLst>
-  </p:timing>
-</p:sld>
-</file>
-
 <file path=ppt/slides/slide21.xml><?xml version="1.0" encoding="utf-8"?>
 <p:sld xmlns:a="http://schemas.openxmlformats.org/drawingml/2006/main" xmlns:r="http://schemas.openxmlformats.org/officeDocument/2006/relationships" xmlns:p="http://schemas.openxmlformats.org/presentationml/2006/main">
   <p:cSld>
@@ -9394,8 +9616,8 @@
         </p:nvSpPr>
         <p:spPr>
           <a:xfrm>
-            <a:off x="274638" y="1600199"/>
-            <a:ext cx="5108024" cy="3032124"/>
+            <a:off x="274638" y="1402597"/>
+            <a:ext cx="7415212" cy="3221977"/>
           </a:xfrm>
         </p:spPr>
         <p:txBody>
@@ -9404,41 +9626,95 @@
           <a:p>
             <a:r>
               <a:rPr lang="en-US" dirty="0" smtClean="0"/>
-              <a:t>To access the production API you must have a </a:t>
+              <a:t>Now that you have an </a:t>
             </a:r>
             <a:r>
               <a:rPr lang="en-US" i="1" dirty="0" smtClean="0"/>
-              <a:t>production</a:t>
-            </a:r>
-            <a:r>
-              <a:rPr lang="en-US" dirty="0" smtClean="0"/>
-              <a:t> key.</a:t>
+              <a:t>active</a:t>
+            </a:r>
+            <a:r>
+              <a:rPr lang="en-US" dirty="0"/>
+              <a:t> </a:t>
+            </a:r>
+            <a:r>
+              <a:rPr lang="en-US" dirty="0" smtClean="0"/>
+              <a:t>sandbox key, associated with an App, that is approved by MasterCard …</a:t>
+            </a:r>
+          </a:p>
+          <a:p>
+            <a:r>
+              <a:rPr lang="en-US" dirty="0" smtClean="0"/>
+              <a:t>You need to develop a system/application that you can use to access the API that uses the active key.</a:t>
+            </a:r>
+          </a:p>
+          <a:p>
+            <a:r>
+              <a:rPr lang="en-US" dirty="0" smtClean="0"/>
+              <a:t>You also need to use the appropriate sandbox URL:</a:t>
             </a:r>
           </a:p>
           <a:p>
             <a:pPr lvl="1"/>
             <a:r>
               <a:rPr lang="en-US" dirty="0" smtClean="0"/>
-              <a:t>Review slides 7-14</a:t>
-            </a:r>
+              <a:t>For SpendingPulse™:</a:t>
+            </a:r>
+            <a:br>
+              <a:rPr lang="en-US" dirty="0" smtClean="0"/>
+            </a:br>
+            <a:r>
+              <a:rPr lang="en-US" sz="1600" dirty="0" smtClean="0">
+                <a:hlinkClick r:id="rId2"/>
+              </a:rPr>
+              <a:t>https</a:t>
+            </a:r>
+            <a:r>
+              <a:rPr lang="en-US" sz="1600" dirty="0">
+                <a:hlinkClick r:id="rId2"/>
+              </a:rPr>
+              <a:t>://</a:t>
+            </a:r>
+            <a:r>
+              <a:rPr lang="en-US" sz="1600" dirty="0" smtClean="0">
+                <a:hlinkClick r:id="rId2"/>
+              </a:rPr>
+              <a:t>sandbox.api.mastercard.com/spendingpulse/v1/spulse.svc/subscription</a:t>
+            </a:r>
+            <a:r>
+              <a:rPr lang="en-US" sz="1600" dirty="0" smtClean="0"/>
+              <a:t> </a:t>
+            </a:r>
+            <a:br>
+              <a:rPr lang="en-US" sz="1600" dirty="0" smtClean="0"/>
+            </a:br>
+            <a:endParaRPr lang="en-US" sz="1600" dirty="0" smtClean="0"/>
           </a:p>
           <a:p>
             <a:pPr lvl="1"/>
             <a:r>
               <a:rPr lang="en-US" dirty="0" smtClean="0"/>
-              <a:t>Generate a new key (see slides 9-10)</a:t>
-            </a:r>
-          </a:p>
-          <a:p>
-            <a:pPr lvl="1"/>
-            <a:r>
-              <a:rPr lang="en-US" dirty="0" smtClean="0"/>
-              <a:t>In the “Add a Key” dialogue (see slide 11) choose “Production”</a:t>
-            </a:r>
-          </a:p>
-          <a:p>
-            <a:pPr lvl="1"/>
-            <a:endParaRPr lang="en-US" dirty="0"/>
+              <a:t>For Sector Insights™:</a:t>
+            </a:r>
+            <a:br>
+              <a:rPr lang="en-US" dirty="0" smtClean="0"/>
+            </a:br>
+            <a:r>
+              <a:rPr lang="en-US" sz="1600" dirty="0">
+                <a:hlinkClick r:id="rId3"/>
+              </a:rPr>
+              <a:t>https://</a:t>
+            </a:r>
+            <a:r>
+              <a:rPr lang="en-US" sz="1600" dirty="0" smtClean="0">
+                <a:hlinkClick r:id="rId3"/>
+              </a:rPr>
+              <a:t>sandbox.api.mastercard.com/sectorinsights/v1/sectins.svc/parameters</a:t>
+            </a:r>
+            <a:r>
+              <a:rPr lang="en-US" sz="1600" dirty="0" smtClean="0"/>
+              <a:t> </a:t>
+            </a:r>
+            <a:endParaRPr lang="en-US" sz="1600" dirty="0"/>
           </a:p>
         </p:txBody>
       </p:sp>
@@ -9525,7 +9801,7 @@
           <a:p>
             <a:r>
               <a:rPr lang="en-US" dirty="0" smtClean="0"/>
-              <a:t>Production API (1)</a:t>
+              <a:t>Use the Active Key in Your Code</a:t>
             </a:r>
             <a:endParaRPr lang="en-US" dirty="0"/>
           </a:p>
@@ -9547,104 +9823,21 @@
           <a:lstStyle/>
           <a:p>
             <a:r>
-              <a:rPr lang="en-US" dirty="0" smtClean="0"/>
-              <a:t>Customer API How To</a:t>
-            </a:r>
-            <a:endParaRPr lang="en-US" dirty="0"/>
-          </a:p>
-        </p:txBody>
-      </p:sp>
-      <p:pic>
-        <p:nvPicPr>
-          <p:cNvPr id="8" name="Picture 7"/>
-          <p:cNvPicPr>
-            <a:picLocks noChangeAspect="1"/>
-          </p:cNvPicPr>
-          <p:nvPr/>
-        </p:nvPicPr>
-        <p:blipFill>
-          <a:blip r:embed="rId2"/>
-          <a:stretch>
-            <a:fillRect/>
-          </a:stretch>
-        </p:blipFill>
-        <p:spPr>
-          <a:xfrm>
-            <a:off x="5376484" y="2357057"/>
-            <a:ext cx="3611821" cy="2268223"/>
-          </a:xfrm>
-          <a:prstGeom prst="rect">
-            <a:avLst/>
-          </a:prstGeom>
-        </p:spPr>
-      </p:pic>
-      <p:sp>
-        <p:nvSpPr>
-          <p:cNvPr id="9" name="Right Arrow 8"/>
-          <p:cNvSpPr/>
-          <p:nvPr/>
-        </p:nvSpPr>
-        <p:spPr bwMode="gray">
-          <a:xfrm>
-            <a:off x="2866212" y="3145414"/>
-            <a:ext cx="3148508" cy="92985"/>
-          </a:xfrm>
-          <a:prstGeom prst="rightArrow">
-            <a:avLst/>
-          </a:prstGeom>
-          <a:solidFill>
-            <a:schemeClr val="accent1"/>
-          </a:solidFill>
-          <a:ln w="9525" cap="flat" cmpd="sng" algn="ctr">
-            <a:noFill/>
-            <a:prstDash val="solid"/>
-            <a:round/>
-            <a:headEnd type="none" w="med" len="med"/>
-            <a:tailEnd type="none" w="med" len="med"/>
-          </a:ln>
-          <a:effectLst/>
-        </p:spPr>
-        <p:txBody>
-          <a:bodyPr vert="horz" wrap="square" lIns="91440" tIns="45720" rIns="91440" bIns="45720" numCol="1" rtlCol="0" anchor="ctr" anchorCtr="0" compatLnSpc="1">
-            <a:prstTxWarp prst="textNoShape">
-              <a:avLst/>
-            </a:prstTxWarp>
-          </a:bodyPr>
-          <a:lstStyle/>
-          <a:p>
-            <a:pPr marL="0" marR="0" indent="0" algn="l" defTabSz="914400" rtl="0" eaLnBrk="1" fontAlgn="base" latinLnBrk="0" hangingPunct="1">
-              <a:lnSpc>
-                <a:spcPct val="100000"/>
-              </a:lnSpc>
-              <a:spcBef>
-                <a:spcPct val="0"/>
-              </a:spcBef>
-              <a:spcAft>
-                <a:spcPct val="0"/>
-              </a:spcAft>
-              <a:buClrTx/>
-              <a:buSzTx/>
-              <a:buFontTx/>
-              <a:buNone/>
-              <a:tabLst/>
-            </a:pPr>
-            <a:endParaRPr kumimoji="0" lang="en-US" sz="2000" b="0" i="0" u="none" strike="noStrike" cap="none" normalizeH="0" baseline="0" dirty="0" smtClean="0">
-              <a:ln>
-                <a:noFill/>
-              </a:ln>
-              <a:solidFill>
-                <a:schemeClr val="bg1"/>
-              </a:solidFill>
-              <a:effectLst/>
-              <a:latin typeface="Arial" pitchFamily="2" charset="0"/>
-            </a:endParaRPr>
+              <a:rPr lang="en-US" dirty="0"/>
+              <a:t>Customer API How </a:t>
+            </a:r>
+            <a:r>
+              <a:rPr lang="en-US" dirty="0" smtClean="0"/>
+              <a:t>To</a:t>
+            </a:r>
+            <a:endParaRPr lang="en-US" dirty="0"/>
           </a:p>
         </p:txBody>
       </p:sp>
     </p:spTree>
     <p:extLst>
       <p:ext uri="{BB962C8B-B14F-4D97-AF65-F5344CB8AC3E}">
-        <p14:creationId xmlns:p14="http://schemas.microsoft.com/office/powerpoint/2010/main" val="72586017"/>
+        <p14:creationId xmlns:p14="http://schemas.microsoft.com/office/powerpoint/2010/main" val="3984128008"/>
       </p:ext>
     </p:extLst>
   </p:cSld>
@@ -9691,7 +9884,7 @@
         <p:spPr>
           <a:xfrm>
             <a:off x="274638" y="1600199"/>
-            <a:ext cx="3858789" cy="3032124"/>
+            <a:ext cx="5108024" cy="3032124"/>
           </a:xfrm>
         </p:spPr>
         <p:txBody>
@@ -9700,22 +9893,36 @@
           <a:p>
             <a:r>
               <a:rPr lang="en-US" dirty="0" smtClean="0"/>
-              <a:t>You may create a new App or use any existing App in order to associate the new production key with the App.</a:t>
-            </a:r>
-          </a:p>
-          <a:p>
-            <a:r>
-              <a:rPr lang="en-US" dirty="0" smtClean="0"/>
-              <a:t>In this example, the existing App (from slides 18-19) was used.</a:t>
-            </a:r>
-          </a:p>
-          <a:p>
-            <a:endParaRPr lang="en-US" dirty="0"/>
-          </a:p>
-          <a:p>
-            <a:r>
-              <a:rPr lang="en-US" dirty="0" smtClean="0"/>
-              <a:t>Note: this App is still associated with the sandbox key.</a:t>
+              <a:t>To access the production API you must have a </a:t>
+            </a:r>
+            <a:r>
+              <a:rPr lang="en-US" i="1" dirty="0" smtClean="0"/>
+              <a:t>production</a:t>
+            </a:r>
+            <a:r>
+              <a:rPr lang="en-US" dirty="0" smtClean="0"/>
+              <a:t> key.</a:t>
+            </a:r>
+          </a:p>
+          <a:p>
+            <a:pPr lvl="1"/>
+            <a:r>
+              <a:rPr lang="en-US" dirty="0" smtClean="0"/>
+              <a:t>Review slides 7-14</a:t>
+            </a:r>
+          </a:p>
+          <a:p>
+            <a:pPr lvl="1"/>
+            <a:r>
+              <a:rPr lang="en-US" dirty="0" smtClean="0"/>
+              <a:t>Generate a new key (see slides 9-10)</a:t>
+            </a:r>
+          </a:p>
+          <a:p>
+            <a:pPr lvl="1"/>
+            <a:r>
+              <a:rPr lang="en-US" dirty="0" smtClean="0"/>
+              <a:t>In the “Add a Key” dialogue (see slide 11) choose “Production”</a:t>
             </a:r>
           </a:p>
           <a:p>
@@ -9807,7 +10014,7 @@
           <a:p>
             <a:r>
               <a:rPr lang="en-US" dirty="0" smtClean="0"/>
-              <a:t>Production API (2)</a:t>
+              <a:t>Production API (1)</a:t>
             </a:r>
             <a:endParaRPr lang="en-US" dirty="0"/>
           </a:p>
@@ -9838,7 +10045,7 @@
       </p:sp>
       <p:pic>
         <p:nvPicPr>
-          <p:cNvPr id="10" name="Picture 9"/>
+          <p:cNvPr id="8" name="Picture 7"/>
           <p:cNvPicPr>
             <a:picLocks noChangeAspect="1"/>
           </p:cNvPicPr>
@@ -9852,8 +10059,8 @@
         </p:blipFill>
         <p:spPr>
           <a:xfrm>
-            <a:off x="4201160" y="1006348"/>
-            <a:ext cx="4712547" cy="3250586"/>
+            <a:off x="5376484" y="2357057"/>
+            <a:ext cx="3611821" cy="2268223"/>
           </a:xfrm>
           <a:prstGeom prst="rect">
             <a:avLst/>
@@ -9862,14 +10069,14 @@
       </p:pic>
       <p:sp>
         <p:nvSpPr>
-          <p:cNvPr id="11" name="Right Arrow 10"/>
+          <p:cNvPr id="9" name="Right Arrow 8"/>
           <p:cNvSpPr/>
           <p:nvPr/>
         </p:nvSpPr>
         <p:spPr bwMode="gray">
           <a:xfrm>
-            <a:off x="2011680" y="3311427"/>
-            <a:ext cx="3174734" cy="92985"/>
+            <a:off x="2866212" y="3145414"/>
+            <a:ext cx="3148508" cy="92985"/>
           </a:xfrm>
           <a:prstGeom prst="rightArrow">
             <a:avLst/>
@@ -9926,7 +10133,7 @@
     </p:spTree>
     <p:extLst>
       <p:ext uri="{BB962C8B-B14F-4D97-AF65-F5344CB8AC3E}">
-        <p14:creationId xmlns:p14="http://schemas.microsoft.com/office/powerpoint/2010/main" val="270153099"/>
+        <p14:creationId xmlns:p14="http://schemas.microsoft.com/office/powerpoint/2010/main" val="72586017"/>
       </p:ext>
     </p:extLst>
   </p:cSld>
@@ -9982,20 +10189,26 @@
           <a:p>
             <a:r>
               <a:rPr lang="en-US" dirty="0" smtClean="0"/>
-              <a:t>You will receive an email verifying that the key is now available.</a:t>
-            </a:r>
-          </a:p>
-          <a:p>
-            <a:r>
-              <a:rPr lang="en-US" dirty="0" smtClean="0"/>
-              <a:t>As that email states, however, there is a further step you must take in order to access production data.</a:t>
-            </a:r>
-          </a:p>
-          <a:p>
-            <a:r>
-              <a:rPr lang="en-US" dirty="0" smtClean="0"/>
-              <a:t>Click “Add Prod Service”</a:t>
-            </a:r>
+              <a:t>You may create a new App or use any existing App in order to associate the new production key with the App.</a:t>
+            </a:r>
+          </a:p>
+          <a:p>
+            <a:r>
+              <a:rPr lang="en-US" dirty="0" smtClean="0"/>
+              <a:t>In this example, the existing App (from slides 18-19) was used.</a:t>
+            </a:r>
+          </a:p>
+          <a:p>
+            <a:endParaRPr lang="en-US" dirty="0"/>
+          </a:p>
+          <a:p>
+            <a:r>
+              <a:rPr lang="en-US" dirty="0" smtClean="0"/>
+              <a:t>Note: this App is still associated with the sandbox key.</a:t>
+            </a:r>
+          </a:p>
+          <a:p>
+            <a:pPr lvl="1"/>
             <a:endParaRPr lang="en-US" dirty="0"/>
           </a:p>
         </p:txBody>
@@ -10083,7 +10296,7 @@
           <a:p>
             <a:r>
               <a:rPr lang="en-US" dirty="0" smtClean="0"/>
-              <a:t>Production API (3)</a:t>
+              <a:t>Production API (2)</a:t>
             </a:r>
             <a:endParaRPr lang="en-US" dirty="0"/>
           </a:p>
@@ -10143,9 +10356,9 @@
           <p:nvPr/>
         </p:nvSpPr>
         <p:spPr bwMode="gray">
-          <a:xfrm rot="19638458">
-            <a:off x="2824430" y="2692861"/>
-            <a:ext cx="3638329" cy="87171"/>
+          <a:xfrm>
+            <a:off x="2011680" y="3311427"/>
+            <a:ext cx="3174734" cy="92985"/>
           </a:xfrm>
           <a:prstGeom prst="rightArrow">
             <a:avLst/>
@@ -10202,7 +10415,7 @@
     </p:spTree>
     <p:extLst>
       <p:ext uri="{BB962C8B-B14F-4D97-AF65-F5344CB8AC3E}">
-        <p14:creationId xmlns:p14="http://schemas.microsoft.com/office/powerpoint/2010/main" val="1440313063"/>
+        <p14:creationId xmlns:p14="http://schemas.microsoft.com/office/powerpoint/2010/main" val="270153099"/>
       </p:ext>
     </p:extLst>
   </p:cSld>
@@ -10249,7 +10462,7 @@
         <p:spPr>
           <a:xfrm>
             <a:off x="274638" y="1600199"/>
-            <a:ext cx="5191435" cy="3032124"/>
+            <a:ext cx="3858789" cy="3032124"/>
           </a:xfrm>
         </p:spPr>
         <p:txBody>
@@ -10258,19 +10471,19 @@
           <a:p>
             <a:r>
               <a:rPr lang="en-US" dirty="0" smtClean="0"/>
-              <a:t>If you have not yet completed your profile, you will now be prompted to complete it.</a:t>
-            </a:r>
-          </a:p>
-          <a:p>
-            <a:r>
-              <a:rPr lang="en-US" dirty="0" smtClean="0"/>
-              <a:t>Click “Submit” and the “Production Service Request” dialogue is displayed. Scroll down and choose either “Sector Insights” or “SpendingPulse”.</a:t>
-            </a:r>
-          </a:p>
-          <a:p>
-            <a:r>
-              <a:rPr lang="en-US" dirty="0" smtClean="0"/>
-              <a:t>Click “Next”</a:t>
+              <a:t>You will receive an email verifying that the key is now available.</a:t>
+            </a:r>
+          </a:p>
+          <a:p>
+            <a:r>
+              <a:rPr lang="en-US" dirty="0" smtClean="0"/>
+              <a:t>As that email states, however, there is a further step you must take in order to access production data.</a:t>
+            </a:r>
+          </a:p>
+          <a:p>
+            <a:r>
+              <a:rPr lang="en-US" dirty="0" smtClean="0"/>
+              <a:t>Click “Add Prod Service”</a:t>
             </a:r>
             <a:endParaRPr lang="en-US" dirty="0"/>
           </a:p>
@@ -10359,7 +10572,7 @@
           <a:p>
             <a:r>
               <a:rPr lang="en-US" dirty="0" smtClean="0"/>
-              <a:t>Production API (4)</a:t>
+              <a:t>Production API (3)</a:t>
             </a:r>
             <a:endParaRPr lang="en-US" dirty="0"/>
           </a:p>
@@ -10390,7 +10603,7 @@
       </p:sp>
       <p:pic>
         <p:nvPicPr>
-          <p:cNvPr id="8" name="Picture 7"/>
+          <p:cNvPr id="10" name="Picture 9"/>
           <p:cNvPicPr>
             <a:picLocks noChangeAspect="1"/>
           </p:cNvPicPr>
@@ -10404,8 +10617,8 @@
         </p:blipFill>
         <p:spPr>
           <a:xfrm>
-            <a:off x="5466073" y="327100"/>
-            <a:ext cx="3018789" cy="2004196"/>
+            <a:off x="4201160" y="1006348"/>
+            <a:ext cx="4712547" cy="3250586"/>
           </a:xfrm>
           <a:prstGeom prst="rect">
             <a:avLst/>
@@ -10414,14 +10627,14 @@
       </p:pic>
       <p:sp>
         <p:nvSpPr>
-          <p:cNvPr id="12" name="Right Arrow 11"/>
+          <p:cNvPr id="11" name="Right Arrow 10"/>
           <p:cNvSpPr/>
           <p:nvPr/>
         </p:nvSpPr>
         <p:spPr bwMode="gray">
-          <a:xfrm>
-            <a:off x="4907492" y="2015879"/>
-            <a:ext cx="822748" cy="92985"/>
+          <a:xfrm rot="19638458">
+            <a:off x="2824430" y="2692861"/>
+            <a:ext cx="3638329" cy="87171"/>
           </a:xfrm>
           <a:prstGeom prst="rightArrow">
             <a:avLst/>
@@ -10475,97 +10688,10 @@
           </a:p>
         </p:txBody>
       </p:sp>
-      <p:pic>
-        <p:nvPicPr>
-          <p:cNvPr id="14" name="Picture 13"/>
-          <p:cNvPicPr>
-            <a:picLocks noChangeAspect="1"/>
-          </p:cNvPicPr>
-          <p:nvPr/>
-        </p:nvPicPr>
-        <p:blipFill>
-          <a:blip r:embed="rId3"/>
-          <a:stretch>
-            <a:fillRect/>
-          </a:stretch>
-        </p:blipFill>
-        <p:spPr>
-          <a:xfrm>
-            <a:off x="5466073" y="2621173"/>
-            <a:ext cx="2530136" cy="2084832"/>
-          </a:xfrm>
-          <a:prstGeom prst="rect">
-            <a:avLst/>
-          </a:prstGeom>
-        </p:spPr>
-      </p:pic>
-      <p:sp>
-        <p:nvSpPr>
-          <p:cNvPr id="13" name="Right Arrow 12"/>
-          <p:cNvSpPr/>
-          <p:nvPr/>
-        </p:nvSpPr>
-        <p:spPr bwMode="gray">
-          <a:xfrm rot="2497576">
-            <a:off x="4337743" y="3354320"/>
-            <a:ext cx="1460315" cy="85807"/>
-          </a:xfrm>
-          <a:prstGeom prst="rightArrow">
-            <a:avLst/>
-          </a:prstGeom>
-          <a:solidFill>
-            <a:schemeClr val="accent1"/>
-          </a:solidFill>
-          <a:ln w="9525" cap="flat" cmpd="sng" algn="ctr">
-            <a:noFill/>
-            <a:prstDash val="solid"/>
-            <a:round/>
-            <a:headEnd type="none" w="med" len="med"/>
-            <a:tailEnd type="none" w="med" len="med"/>
-          </a:ln>
-          <a:effectLst/>
-        </p:spPr>
-        <p:txBody>
-          <a:bodyPr vert="horz" wrap="square" lIns="91440" tIns="45720" rIns="91440" bIns="45720" numCol="1" rtlCol="0" anchor="ctr" anchorCtr="0" compatLnSpc="1">
-            <a:prstTxWarp prst="textNoShape">
-              <a:avLst/>
-            </a:prstTxWarp>
-          </a:bodyPr>
-          <a:lstStyle/>
-          <a:p>
-            <a:pPr marL="0" marR="0" indent="0" algn="l" defTabSz="914400" rtl="0" eaLnBrk="1" fontAlgn="base" latinLnBrk="0" hangingPunct="1">
-              <a:lnSpc>
-                <a:spcPct val="100000"/>
-              </a:lnSpc>
-              <a:spcBef>
-                <a:spcPct val="0"/>
-              </a:spcBef>
-              <a:spcAft>
-                <a:spcPct val="0"/>
-              </a:spcAft>
-              <a:buClrTx/>
-              <a:buSzTx/>
-              <a:buFontTx/>
-              <a:buNone/>
-              <a:tabLst/>
-            </a:pPr>
-            <a:endParaRPr kumimoji="0" lang="en-US" sz="2000" b="0" i="0" u="none" strike="noStrike" cap="none" normalizeH="0" baseline="0" dirty="0" smtClean="0">
-              <a:ln>
-                <a:noFill/>
-              </a:ln>
-              <a:solidFill>
-                <a:schemeClr val="bg1"/>
-              </a:solidFill>
-              <a:effectLst/>
-              <a:latin typeface="Arial" pitchFamily="2" charset="0"/>
-            </a:endParaRPr>
-          </a:p>
-        </p:txBody>
-      </p:sp>
     </p:spTree>
     <p:extLst>
       <p:ext uri="{BB962C8B-B14F-4D97-AF65-F5344CB8AC3E}">
-        <p14:creationId xmlns:p14="http://schemas.microsoft.com/office/powerpoint/2010/main" val="979097041"/>
+        <p14:creationId xmlns:p14="http://schemas.microsoft.com/office/powerpoint/2010/main" val="1440313063"/>
       </p:ext>
     </p:extLst>
   </p:cSld>
@@ -10621,22 +10747,19 @@
           <a:p>
             <a:r>
               <a:rPr lang="en-US" dirty="0" smtClean="0"/>
-              <a:t>You are prompted to certify that you have read and agreed to the Sector Insights™ or SpendingPulse™ Terms and Conditions.</a:t>
-            </a:r>
-          </a:p>
-          <a:p>
-            <a:endParaRPr lang="en-US" dirty="0"/>
-          </a:p>
-          <a:p>
-            <a:r>
-              <a:rPr lang="en-US" dirty="0" smtClean="0"/>
-              <a:t>Click “Submit” and your production request is queued for review and approval by MasterCard. </a:t>
-            </a:r>
-          </a:p>
-          <a:p>
-            <a:r>
-              <a:rPr lang="en-US" dirty="0" smtClean="0"/>
-              <a:t>The response to your request is sent to the email address you have on file in the API.</a:t>
+              <a:t>If you have not yet completed your profile, you will now be prompted to complete it.</a:t>
+            </a:r>
+          </a:p>
+          <a:p>
+            <a:r>
+              <a:rPr lang="en-US" dirty="0" smtClean="0"/>
+              <a:t>Click “Submit” and the “Production Service Request” dialogue is displayed. Scroll down and choose either “Sector Insights” or “SpendingPulse”.</a:t>
+            </a:r>
+          </a:p>
+          <a:p>
+            <a:r>
+              <a:rPr lang="en-US" dirty="0" smtClean="0"/>
+              <a:t>Click “Next”</a:t>
             </a:r>
             <a:endParaRPr lang="en-US" dirty="0"/>
           </a:p>
@@ -10684,6 +10807,372 @@
               <a:rPr lang="en-US" smtClean="0"/>
               <a:pPr/>
               <a:t>25</a:t>
+            </a:fld>
+            <a:endParaRPr lang="en-US" dirty="0"/>
+          </a:p>
+        </p:txBody>
+      </p:sp>
+      <p:sp>
+        <p:nvSpPr>
+          <p:cNvPr id="5" name="Footer Placeholder 4"/>
+          <p:cNvSpPr>
+            <a:spLocks noGrp="1"/>
+          </p:cNvSpPr>
+          <p:nvPr>
+            <p:ph type="ftr" sz="quarter" idx="12"/>
+          </p:nvPr>
+        </p:nvSpPr>
+        <p:spPr/>
+        <p:txBody>
+          <a:bodyPr/>
+          <a:lstStyle/>
+          <a:p>
+            <a:endParaRPr lang="en-US" dirty="0"/>
+          </a:p>
+        </p:txBody>
+      </p:sp>
+      <p:sp>
+        <p:nvSpPr>
+          <p:cNvPr id="6" name="Title 5"/>
+          <p:cNvSpPr>
+            <a:spLocks noGrp="1"/>
+          </p:cNvSpPr>
+          <p:nvPr>
+            <p:ph type="title"/>
+          </p:nvPr>
+        </p:nvSpPr>
+        <p:spPr/>
+        <p:txBody>
+          <a:bodyPr/>
+          <a:lstStyle/>
+          <a:p>
+            <a:r>
+              <a:rPr lang="en-US" dirty="0" smtClean="0"/>
+              <a:t>Production API (4)</a:t>
+            </a:r>
+            <a:endParaRPr lang="en-US" dirty="0"/>
+          </a:p>
+        </p:txBody>
+      </p:sp>
+      <p:sp>
+        <p:nvSpPr>
+          <p:cNvPr id="7" name="Text Placeholder 6"/>
+          <p:cNvSpPr>
+            <a:spLocks noGrp="1"/>
+          </p:cNvSpPr>
+          <p:nvPr>
+            <p:ph type="body" sz="quarter" idx="15"/>
+          </p:nvPr>
+        </p:nvSpPr>
+        <p:spPr/>
+        <p:txBody>
+          <a:bodyPr/>
+          <a:lstStyle/>
+          <a:p>
+            <a:r>
+              <a:rPr lang="en-US" dirty="0" smtClean="0"/>
+              <a:t>Customer API How To</a:t>
+            </a:r>
+            <a:endParaRPr lang="en-US" dirty="0"/>
+          </a:p>
+        </p:txBody>
+      </p:sp>
+      <p:pic>
+        <p:nvPicPr>
+          <p:cNvPr id="8" name="Picture 7"/>
+          <p:cNvPicPr>
+            <a:picLocks noChangeAspect="1"/>
+          </p:cNvPicPr>
+          <p:nvPr/>
+        </p:nvPicPr>
+        <p:blipFill>
+          <a:blip r:embed="rId2"/>
+          <a:stretch>
+            <a:fillRect/>
+          </a:stretch>
+        </p:blipFill>
+        <p:spPr>
+          <a:xfrm>
+            <a:off x="5466073" y="327100"/>
+            <a:ext cx="3018789" cy="2004196"/>
+          </a:xfrm>
+          <a:prstGeom prst="rect">
+            <a:avLst/>
+          </a:prstGeom>
+        </p:spPr>
+      </p:pic>
+      <p:sp>
+        <p:nvSpPr>
+          <p:cNvPr id="12" name="Right Arrow 11"/>
+          <p:cNvSpPr/>
+          <p:nvPr/>
+        </p:nvSpPr>
+        <p:spPr bwMode="gray">
+          <a:xfrm>
+            <a:off x="4907492" y="2015879"/>
+            <a:ext cx="822748" cy="92985"/>
+          </a:xfrm>
+          <a:prstGeom prst="rightArrow">
+            <a:avLst/>
+          </a:prstGeom>
+          <a:solidFill>
+            <a:schemeClr val="accent1"/>
+          </a:solidFill>
+          <a:ln w="9525" cap="flat" cmpd="sng" algn="ctr">
+            <a:noFill/>
+            <a:prstDash val="solid"/>
+            <a:round/>
+            <a:headEnd type="none" w="med" len="med"/>
+            <a:tailEnd type="none" w="med" len="med"/>
+          </a:ln>
+          <a:effectLst/>
+        </p:spPr>
+        <p:txBody>
+          <a:bodyPr vert="horz" wrap="square" lIns="91440" tIns="45720" rIns="91440" bIns="45720" numCol="1" rtlCol="0" anchor="ctr" anchorCtr="0" compatLnSpc="1">
+            <a:prstTxWarp prst="textNoShape">
+              <a:avLst/>
+            </a:prstTxWarp>
+          </a:bodyPr>
+          <a:lstStyle/>
+          <a:p>
+            <a:pPr marL="0" marR="0" indent="0" algn="l" defTabSz="914400" rtl="0" eaLnBrk="1" fontAlgn="base" latinLnBrk="0" hangingPunct="1">
+              <a:lnSpc>
+                <a:spcPct val="100000"/>
+              </a:lnSpc>
+              <a:spcBef>
+                <a:spcPct val="0"/>
+              </a:spcBef>
+              <a:spcAft>
+                <a:spcPct val="0"/>
+              </a:spcAft>
+              <a:buClrTx/>
+              <a:buSzTx/>
+              <a:buFontTx/>
+              <a:buNone/>
+              <a:tabLst/>
+            </a:pPr>
+            <a:endParaRPr kumimoji="0" lang="en-US" sz="2000" b="0" i="0" u="none" strike="noStrike" cap="none" normalizeH="0" baseline="0" dirty="0" smtClean="0">
+              <a:ln>
+                <a:noFill/>
+              </a:ln>
+              <a:solidFill>
+                <a:schemeClr val="bg1"/>
+              </a:solidFill>
+              <a:effectLst/>
+              <a:latin typeface="Arial" pitchFamily="2" charset="0"/>
+            </a:endParaRPr>
+          </a:p>
+        </p:txBody>
+      </p:sp>
+      <p:pic>
+        <p:nvPicPr>
+          <p:cNvPr id="14" name="Picture 13"/>
+          <p:cNvPicPr>
+            <a:picLocks noChangeAspect="1"/>
+          </p:cNvPicPr>
+          <p:nvPr/>
+        </p:nvPicPr>
+        <p:blipFill>
+          <a:blip r:embed="rId3"/>
+          <a:stretch>
+            <a:fillRect/>
+          </a:stretch>
+        </p:blipFill>
+        <p:spPr>
+          <a:xfrm>
+            <a:off x="5466073" y="2621173"/>
+            <a:ext cx="2530136" cy="2084832"/>
+          </a:xfrm>
+          <a:prstGeom prst="rect">
+            <a:avLst/>
+          </a:prstGeom>
+        </p:spPr>
+      </p:pic>
+      <p:sp>
+        <p:nvSpPr>
+          <p:cNvPr id="13" name="Right Arrow 12"/>
+          <p:cNvSpPr/>
+          <p:nvPr/>
+        </p:nvSpPr>
+        <p:spPr bwMode="gray">
+          <a:xfrm rot="2497576">
+            <a:off x="4337743" y="3354320"/>
+            <a:ext cx="1460315" cy="85807"/>
+          </a:xfrm>
+          <a:prstGeom prst="rightArrow">
+            <a:avLst/>
+          </a:prstGeom>
+          <a:solidFill>
+            <a:schemeClr val="accent1"/>
+          </a:solidFill>
+          <a:ln w="9525" cap="flat" cmpd="sng" algn="ctr">
+            <a:noFill/>
+            <a:prstDash val="solid"/>
+            <a:round/>
+            <a:headEnd type="none" w="med" len="med"/>
+            <a:tailEnd type="none" w="med" len="med"/>
+          </a:ln>
+          <a:effectLst/>
+        </p:spPr>
+        <p:txBody>
+          <a:bodyPr vert="horz" wrap="square" lIns="91440" tIns="45720" rIns="91440" bIns="45720" numCol="1" rtlCol="0" anchor="ctr" anchorCtr="0" compatLnSpc="1">
+            <a:prstTxWarp prst="textNoShape">
+              <a:avLst/>
+            </a:prstTxWarp>
+          </a:bodyPr>
+          <a:lstStyle/>
+          <a:p>
+            <a:pPr marL="0" marR="0" indent="0" algn="l" defTabSz="914400" rtl="0" eaLnBrk="1" fontAlgn="base" latinLnBrk="0" hangingPunct="1">
+              <a:lnSpc>
+                <a:spcPct val="100000"/>
+              </a:lnSpc>
+              <a:spcBef>
+                <a:spcPct val="0"/>
+              </a:spcBef>
+              <a:spcAft>
+                <a:spcPct val="0"/>
+              </a:spcAft>
+              <a:buClrTx/>
+              <a:buSzTx/>
+              <a:buFontTx/>
+              <a:buNone/>
+              <a:tabLst/>
+            </a:pPr>
+            <a:endParaRPr kumimoji="0" lang="en-US" sz="2000" b="0" i="0" u="none" strike="noStrike" cap="none" normalizeH="0" baseline="0" dirty="0" smtClean="0">
+              <a:ln>
+                <a:noFill/>
+              </a:ln>
+              <a:solidFill>
+                <a:schemeClr val="bg1"/>
+              </a:solidFill>
+              <a:effectLst/>
+              <a:latin typeface="Arial" pitchFamily="2" charset="0"/>
+            </a:endParaRPr>
+          </a:p>
+        </p:txBody>
+      </p:sp>
+    </p:spTree>
+    <p:extLst>
+      <p:ext uri="{BB962C8B-B14F-4D97-AF65-F5344CB8AC3E}">
+        <p14:creationId xmlns:p14="http://schemas.microsoft.com/office/powerpoint/2010/main" val="979097041"/>
+      </p:ext>
+    </p:extLst>
+  </p:cSld>
+  <p:clrMapOvr>
+    <a:masterClrMapping/>
+  </p:clrMapOvr>
+  <p:timing>
+    <p:tnLst>
+      <p:par>
+        <p:cTn id="1" dur="indefinite" restart="never" nodeType="tmRoot"/>
+      </p:par>
+    </p:tnLst>
+  </p:timing>
+</p:sld>
+</file>
+
+<file path=ppt/slides/slide26.xml><?xml version="1.0" encoding="utf-8"?>
+<p:sld xmlns:a="http://schemas.openxmlformats.org/drawingml/2006/main" xmlns:r="http://schemas.openxmlformats.org/officeDocument/2006/relationships" xmlns:p="http://schemas.openxmlformats.org/presentationml/2006/main">
+  <p:cSld>
+    <p:spTree>
+      <p:nvGrpSpPr>
+        <p:cNvPr id="1" name=""/>
+        <p:cNvGrpSpPr/>
+        <p:nvPr/>
+      </p:nvGrpSpPr>
+      <p:grpSpPr>
+        <a:xfrm>
+          <a:off x="0" y="0"/>
+          <a:ext cx="0" cy="0"/>
+          <a:chOff x="0" y="0"/>
+          <a:chExt cx="0" cy="0"/>
+        </a:xfrm>
+      </p:grpSpPr>
+      <p:sp>
+        <p:nvSpPr>
+          <p:cNvPr id="2" name="Text Placeholder 1"/>
+          <p:cNvSpPr>
+            <a:spLocks noGrp="1"/>
+          </p:cNvSpPr>
+          <p:nvPr>
+            <p:ph type="body" sz="quarter" idx="13"/>
+          </p:nvPr>
+        </p:nvSpPr>
+        <p:spPr>
+          <a:xfrm>
+            <a:off x="274638" y="1600199"/>
+            <a:ext cx="5191435" cy="3032124"/>
+          </a:xfrm>
+        </p:spPr>
+        <p:txBody>
+          <a:bodyPr/>
+          <a:lstStyle/>
+          <a:p>
+            <a:r>
+              <a:rPr lang="en-US" dirty="0" smtClean="0"/>
+              <a:t>You are prompted to certify that you have read and agreed to the Sector Insights™ or SpendingPulse™ Terms and Conditions.</a:t>
+            </a:r>
+          </a:p>
+          <a:p>
+            <a:endParaRPr lang="en-US" dirty="0"/>
+          </a:p>
+          <a:p>
+            <a:r>
+              <a:rPr lang="en-US" dirty="0" smtClean="0"/>
+              <a:t>Click “Submit” and your production request is queued for review and approval by MasterCard. </a:t>
+            </a:r>
+          </a:p>
+          <a:p>
+            <a:r>
+              <a:rPr lang="en-US" dirty="0" smtClean="0"/>
+              <a:t>The response to your request is sent to the email address you have on file in the API.</a:t>
+            </a:r>
+            <a:endParaRPr lang="en-US" dirty="0"/>
+          </a:p>
+        </p:txBody>
+      </p:sp>
+      <p:sp>
+        <p:nvSpPr>
+          <p:cNvPr id="3" name="Date Placeholder 2"/>
+          <p:cNvSpPr>
+            <a:spLocks noGrp="1"/>
+          </p:cNvSpPr>
+          <p:nvPr>
+            <p:ph type="dt" sz="half" idx="10"/>
+          </p:nvPr>
+        </p:nvSpPr>
+        <p:spPr/>
+        <p:txBody>
+          <a:bodyPr/>
+          <a:lstStyle/>
+          <a:p>
+            <a:r>
+              <a:rPr lang="en-US" smtClean="0"/>
+              <a:t>October 21, 2015</a:t>
+            </a:r>
+            <a:endParaRPr lang="en-US" dirty="0" smtClean="0"/>
+          </a:p>
+        </p:txBody>
+      </p:sp>
+      <p:sp>
+        <p:nvSpPr>
+          <p:cNvPr id="4" name="Slide Number Placeholder 3"/>
+          <p:cNvSpPr>
+            <a:spLocks noGrp="1"/>
+          </p:cNvSpPr>
+          <p:nvPr>
+            <p:ph type="sldNum" sz="quarter" idx="11"/>
+          </p:nvPr>
+        </p:nvSpPr>
+        <p:spPr/>
+        <p:txBody>
+          <a:bodyPr/>
+          <a:lstStyle/>
+          <a:p>
+            <a:fld id="{5698A34F-157D-4FC3-B6AE-341A8B909DED}" type="slidenum">
+              <a:rPr lang="en-US" smtClean="0"/>
+              <a:pPr/>
+              <a:t>26</a:t>
             </a:fld>
             <a:endParaRPr lang="en-US" dirty="0"/>
           </a:p>
@@ -10822,7 +11311,7 @@
 </p:sld>
 </file>
 
-<file path=ppt/slides/slide26.xml><?xml version="1.0" encoding="utf-8"?>
+<file path=ppt/slides/slide27.xml><?xml version="1.0" encoding="utf-8"?>
 <p:sld xmlns:a="http://schemas.openxmlformats.org/drawingml/2006/main" xmlns:r="http://schemas.openxmlformats.org/officeDocument/2006/relationships" xmlns:p="http://schemas.openxmlformats.org/presentationml/2006/main">
   <p:cSld>
     <p:spTree>
@@ -10913,7 +11402,7 @@
             <a:fld id="{5698A34F-157D-4FC3-B6AE-341A8B909DED}" type="slidenum">
               <a:rPr lang="en-US" smtClean="0"/>
               <a:pPr/>
-              <a:t>26</a:t>
+              <a:t>27</a:t>
             </a:fld>
             <a:endParaRPr lang="en-US" dirty="0"/>
           </a:p>
@@ -10963,7 +11452,7 @@
 </p:sld>
 </file>
 
-<file path=ppt/slides/slide27.xml><?xml version="1.0" encoding="utf-8"?>
+<file path=ppt/slides/slide28.xml><?xml version="1.0" encoding="utf-8"?>
 <p:sld xmlns:a="http://schemas.openxmlformats.org/drawingml/2006/main" xmlns:r="http://schemas.openxmlformats.org/officeDocument/2006/relationships" xmlns:p="http://schemas.openxmlformats.org/presentationml/2006/main">
   <p:cSld>
     <p:spTree>
@@ -11088,7 +11577,7 @@
             <a:fld id="{5698A34F-157D-4FC3-B6AE-341A8B909DED}" type="slidenum">
               <a:rPr lang="en-US" smtClean="0"/>
               <a:pPr/>
-              <a:t>27</a:t>
+              <a:t>28</a:t>
             </a:fld>
             <a:endParaRPr lang="en-US" dirty="0"/>
           </a:p>
@@ -11203,7 +11692,7 @@
 </p:sld>
 </file>
 
-<file path=ppt/slides/slide28.xml><?xml version="1.0" encoding="utf-8"?>
+<file path=ppt/slides/slide29.xml><?xml version="1.0" encoding="utf-8"?>
 <p:sld xmlns:a="http://schemas.openxmlformats.org/drawingml/2006/main" xmlns:r="http://schemas.openxmlformats.org/officeDocument/2006/relationships" xmlns:p="http://schemas.openxmlformats.org/presentationml/2006/main">
   <p:cSld>
     <p:spTree>
@@ -11345,7 +11834,7 @@
             <a:fld id="{5698A34F-157D-4FC3-B6AE-341A8B909DED}" type="slidenum">
               <a:rPr lang="en-US" smtClean="0"/>
               <a:pPr/>
-              <a:t>28</a:t>
+              <a:t>29</a:t>
             </a:fld>
             <a:endParaRPr lang="en-US" dirty="0"/>
           </a:p>
@@ -11633,306 +12122,6 @@
     <p:extLst>
       <p:ext uri="{BB962C8B-B14F-4D97-AF65-F5344CB8AC3E}">
         <p14:creationId xmlns:p14="http://schemas.microsoft.com/office/powerpoint/2010/main" val="2556694655"/>
-      </p:ext>
-    </p:extLst>
-  </p:cSld>
-  <p:clrMapOvr>
-    <a:masterClrMapping/>
-  </p:clrMapOvr>
-  <p:timing>
-    <p:tnLst>
-      <p:par>
-        <p:cTn id="1" dur="indefinite" restart="never" nodeType="tmRoot"/>
-      </p:par>
-    </p:tnLst>
-  </p:timing>
-</p:sld>
-</file>
-
-<file path=ppt/slides/slide29.xml><?xml version="1.0" encoding="utf-8"?>
-<p:sld xmlns:a="http://schemas.openxmlformats.org/drawingml/2006/main" xmlns:r="http://schemas.openxmlformats.org/officeDocument/2006/relationships" xmlns:p="http://schemas.openxmlformats.org/presentationml/2006/main">
-  <p:cSld>
-    <p:spTree>
-      <p:nvGrpSpPr>
-        <p:cNvPr id="1" name=""/>
-        <p:cNvGrpSpPr/>
-        <p:nvPr/>
-      </p:nvGrpSpPr>
-      <p:grpSpPr>
-        <a:xfrm>
-          <a:off x="0" y="0"/>
-          <a:ext cx="0" cy="0"/>
-          <a:chOff x="0" y="0"/>
-          <a:chExt cx="0" cy="0"/>
-        </a:xfrm>
-      </p:grpSpPr>
-      <p:sp>
-        <p:nvSpPr>
-          <p:cNvPr id="2" name="Text Placeholder 1"/>
-          <p:cNvSpPr>
-            <a:spLocks noGrp="1"/>
-          </p:cNvSpPr>
-          <p:nvPr>
-            <p:ph type="body" sz="quarter" idx="13"/>
-          </p:nvPr>
-        </p:nvSpPr>
-        <p:spPr>
-          <a:xfrm>
-            <a:off x="274638" y="1369734"/>
-            <a:ext cx="8283029" cy="3320929"/>
-          </a:xfrm>
-        </p:spPr>
-        <p:txBody>
-          <a:bodyPr/>
-          <a:lstStyle/>
-          <a:p>
-            <a:r>
-              <a:rPr lang="en-US" dirty="0" smtClean="0"/>
-              <a:t>Check the Salesforce Order Management system to determine if a valid and approved Service is in place for the API. If need be contact the salesperson/owner of the opportunity.</a:t>
-            </a:r>
-          </a:p>
-          <a:p>
-            <a:r>
-              <a:rPr lang="en-US" dirty="0" smtClean="0"/>
-              <a:t>If no valid and approved Service is in place:</a:t>
-            </a:r>
-          </a:p>
-          <a:p>
-            <a:pPr lvl="1"/>
-            <a:r>
-              <a:rPr lang="en-US" dirty="0" smtClean="0"/>
-              <a:t>And your investigation determines that a </a:t>
-            </a:r>
-            <a:br>
-              <a:rPr lang="en-US" dirty="0" smtClean="0"/>
-            </a:br>
-            <a:r>
-              <a:rPr lang="en-US" dirty="0" smtClean="0"/>
-              <a:t>valid/approved Service is not </a:t>
-            </a:r>
-            <a:br>
-              <a:rPr lang="en-US" dirty="0" smtClean="0"/>
-            </a:br>
-            <a:r>
-              <a:rPr lang="en-US" dirty="0" smtClean="0"/>
-              <a:t>forthcoming, DENY the request … </a:t>
-            </a:r>
-            <a:br>
-              <a:rPr lang="en-US" dirty="0" smtClean="0"/>
-            </a:br>
-            <a:r>
-              <a:rPr lang="en-US" dirty="0" smtClean="0"/>
-              <a:t>a denial email is sent to the requestor.</a:t>
-            </a:r>
-          </a:p>
-          <a:p>
-            <a:endParaRPr lang="en-US" dirty="0"/>
-          </a:p>
-        </p:txBody>
-      </p:sp>
-      <p:sp>
-        <p:nvSpPr>
-          <p:cNvPr id="3" name="Date Placeholder 2"/>
-          <p:cNvSpPr>
-            <a:spLocks noGrp="1"/>
-          </p:cNvSpPr>
-          <p:nvPr>
-            <p:ph type="dt" sz="half" idx="10"/>
-          </p:nvPr>
-        </p:nvSpPr>
-        <p:spPr/>
-        <p:txBody>
-          <a:bodyPr/>
-          <a:lstStyle/>
-          <a:p>
-            <a:r>
-              <a:rPr lang="en-US" smtClean="0"/>
-              <a:t>October 21, 2015</a:t>
-            </a:r>
-            <a:endParaRPr lang="en-US" dirty="0" smtClean="0"/>
-          </a:p>
-        </p:txBody>
-      </p:sp>
-      <p:sp>
-        <p:nvSpPr>
-          <p:cNvPr id="4" name="Slide Number Placeholder 3"/>
-          <p:cNvSpPr>
-            <a:spLocks noGrp="1"/>
-          </p:cNvSpPr>
-          <p:nvPr>
-            <p:ph type="sldNum" sz="quarter" idx="11"/>
-          </p:nvPr>
-        </p:nvSpPr>
-        <p:spPr/>
-        <p:txBody>
-          <a:bodyPr/>
-          <a:lstStyle/>
-          <a:p>
-            <a:fld id="{5698A34F-157D-4FC3-B6AE-341A8B909DED}" type="slidenum">
-              <a:rPr lang="en-US" smtClean="0"/>
-              <a:pPr/>
-              <a:t>29</a:t>
-            </a:fld>
-            <a:endParaRPr lang="en-US" dirty="0"/>
-          </a:p>
-        </p:txBody>
-      </p:sp>
-      <p:sp>
-        <p:nvSpPr>
-          <p:cNvPr id="5" name="Footer Placeholder 4"/>
-          <p:cNvSpPr>
-            <a:spLocks noGrp="1"/>
-          </p:cNvSpPr>
-          <p:nvPr>
-            <p:ph type="ftr" sz="quarter" idx="12"/>
-          </p:nvPr>
-        </p:nvSpPr>
-        <p:spPr/>
-        <p:txBody>
-          <a:bodyPr/>
-          <a:lstStyle/>
-          <a:p>
-            <a:endParaRPr lang="en-US" dirty="0"/>
-          </a:p>
-        </p:txBody>
-      </p:sp>
-      <p:sp>
-        <p:nvSpPr>
-          <p:cNvPr id="6" name="Title 5"/>
-          <p:cNvSpPr>
-            <a:spLocks noGrp="1"/>
-          </p:cNvSpPr>
-          <p:nvPr>
-            <p:ph type="title"/>
-          </p:nvPr>
-        </p:nvSpPr>
-        <p:spPr/>
-        <p:txBody>
-          <a:bodyPr/>
-          <a:lstStyle/>
-          <a:p>
-            <a:r>
-              <a:rPr lang="en-US" dirty="0" smtClean="0"/>
-              <a:t>Approve/Deny Key Requests (3) – No valid Service</a:t>
-            </a:r>
-            <a:endParaRPr lang="en-US" dirty="0"/>
-          </a:p>
-        </p:txBody>
-      </p:sp>
-      <p:sp>
-        <p:nvSpPr>
-          <p:cNvPr id="7" name="Text Placeholder 6"/>
-          <p:cNvSpPr>
-            <a:spLocks noGrp="1"/>
-          </p:cNvSpPr>
-          <p:nvPr>
-            <p:ph type="body" sz="quarter" idx="15"/>
-          </p:nvPr>
-        </p:nvSpPr>
-        <p:spPr/>
-        <p:txBody>
-          <a:bodyPr/>
-          <a:lstStyle/>
-          <a:p>
-            <a:r>
-              <a:rPr lang="en-US" dirty="0" smtClean="0"/>
-              <a:t>Administrator API How To</a:t>
-            </a:r>
-            <a:endParaRPr lang="en-US" dirty="0"/>
-          </a:p>
-        </p:txBody>
-      </p:sp>
-      <p:pic>
-        <p:nvPicPr>
-          <p:cNvPr id="8" name="Picture 7"/>
-          <p:cNvPicPr>
-            <a:picLocks noChangeAspect="1"/>
-          </p:cNvPicPr>
-          <p:nvPr/>
-        </p:nvPicPr>
-        <p:blipFill>
-          <a:blip r:embed="rId2"/>
-          <a:stretch>
-            <a:fillRect/>
-          </a:stretch>
-        </p:blipFill>
-        <p:spPr>
-          <a:xfrm>
-            <a:off x="5011750" y="2524452"/>
-            <a:ext cx="3777971" cy="1900610"/>
-          </a:xfrm>
-          <a:prstGeom prst="rect">
-            <a:avLst/>
-          </a:prstGeom>
-        </p:spPr>
-      </p:pic>
-      <p:sp>
-        <p:nvSpPr>
-          <p:cNvPr id="10" name="Right Arrow 9"/>
-          <p:cNvSpPr/>
-          <p:nvPr/>
-        </p:nvSpPr>
-        <p:spPr bwMode="gray">
-          <a:xfrm rot="16200000">
-            <a:off x="7482723" y="3287652"/>
-            <a:ext cx="244306" cy="237325"/>
-          </a:xfrm>
-          <a:prstGeom prst="rightArrow">
-            <a:avLst/>
-          </a:prstGeom>
-          <a:solidFill>
-            <a:schemeClr val="accent1"/>
-          </a:solidFill>
-          <a:ln w="9525" cap="flat" cmpd="sng" algn="ctr">
-            <a:noFill/>
-            <a:prstDash val="solid"/>
-            <a:round/>
-            <a:headEnd type="none" w="med" len="med"/>
-            <a:tailEnd type="none" w="med" len="med"/>
-          </a:ln>
-          <a:effectLst/>
-        </p:spPr>
-        <p:txBody>
-          <a:bodyPr vert="horz" wrap="square" lIns="91440" tIns="45720" rIns="91440" bIns="45720" numCol="1" rtlCol="0" anchor="ctr" anchorCtr="0" compatLnSpc="1">
-            <a:prstTxWarp prst="textNoShape">
-              <a:avLst/>
-            </a:prstTxWarp>
-          </a:bodyPr>
-          <a:lstStyle/>
-          <a:p>
-            <a:pPr marL="0" marR="0" indent="0" algn="l" defTabSz="914400" rtl="0" eaLnBrk="1" fontAlgn="base" latinLnBrk="0" hangingPunct="1">
-              <a:lnSpc>
-                <a:spcPct val="100000"/>
-              </a:lnSpc>
-              <a:spcBef>
-                <a:spcPct val="0"/>
-              </a:spcBef>
-              <a:spcAft>
-                <a:spcPct val="0"/>
-              </a:spcAft>
-              <a:buClrTx/>
-              <a:buSzTx/>
-              <a:buFontTx/>
-              <a:buNone/>
-              <a:tabLst/>
-            </a:pPr>
-            <a:endParaRPr kumimoji="0" lang="en-US" sz="2000" b="0" i="0" u="none" strike="noStrike" cap="none" normalizeH="0" baseline="0" dirty="0" smtClean="0">
-              <a:ln>
-                <a:noFill/>
-              </a:ln>
-              <a:solidFill>
-                <a:schemeClr val="bg1"/>
-              </a:solidFill>
-              <a:effectLst/>
-              <a:latin typeface="Arial" pitchFamily="2" charset="0"/>
-            </a:endParaRPr>
-          </a:p>
-        </p:txBody>
-      </p:sp>
-    </p:spTree>
-    <p:extLst>
-      <p:ext uri="{BB962C8B-B14F-4D97-AF65-F5344CB8AC3E}">
-        <p14:creationId xmlns:p14="http://schemas.microsoft.com/office/powerpoint/2010/main" val="2776855602"/>
       </p:ext>
     </p:extLst>
   </p:cSld>
@@ -11968,6 +12157,2523 @@
       </p:grpSpPr>
       <p:sp>
         <p:nvSpPr>
+          <p:cNvPr id="2" name="Title 1"/>
+          <p:cNvSpPr>
+            <a:spLocks noGrp="1"/>
+          </p:cNvSpPr>
+          <p:nvPr>
+            <p:ph type="title"/>
+          </p:nvPr>
+        </p:nvSpPr>
+        <p:spPr/>
+        <p:txBody>
+          <a:bodyPr/>
+          <a:lstStyle/>
+          <a:p>
+            <a:r>
+              <a:rPr lang="en-US" dirty="0" smtClean="0"/>
+              <a:t>Customer API How To</a:t>
+            </a:r>
+            <a:endParaRPr lang="en-US" dirty="0"/>
+          </a:p>
+        </p:txBody>
+      </p:sp>
+      <p:sp>
+        <p:nvSpPr>
+          <p:cNvPr id="3" name="Date Placeholder 2"/>
+          <p:cNvSpPr>
+            <a:spLocks noGrp="1"/>
+          </p:cNvSpPr>
+          <p:nvPr>
+            <p:ph type="dt" sz="half" idx="4294967295"/>
+          </p:nvPr>
+        </p:nvSpPr>
+        <p:spPr>
+          <a:xfrm>
+            <a:off x="0" y="4903788"/>
+            <a:ext cx="1068388" cy="128587"/>
+          </a:xfrm>
+        </p:spPr>
+        <p:txBody>
+          <a:bodyPr/>
+          <a:lstStyle/>
+          <a:p>
+            <a:r>
+              <a:rPr lang="en-US" smtClean="0"/>
+              <a:t>October 21, 2015</a:t>
+            </a:r>
+            <a:endParaRPr lang="en-US" dirty="0" smtClean="0"/>
+          </a:p>
+        </p:txBody>
+      </p:sp>
+      <p:sp>
+        <p:nvSpPr>
+          <p:cNvPr id="4" name="Slide Number Placeholder 3"/>
+          <p:cNvSpPr>
+            <a:spLocks noGrp="1"/>
+          </p:cNvSpPr>
+          <p:nvPr>
+            <p:ph type="sldNum" sz="quarter" idx="4294967295"/>
+          </p:nvPr>
+        </p:nvSpPr>
+        <p:spPr>
+          <a:xfrm>
+            <a:off x="0" y="4903788"/>
+            <a:ext cx="342900" cy="128587"/>
+          </a:xfrm>
+        </p:spPr>
+        <p:txBody>
+          <a:bodyPr/>
+          <a:lstStyle/>
+          <a:p>
+            <a:fld id="{5698A34F-157D-4FC3-B6AE-341A8B909DED}" type="slidenum">
+              <a:rPr lang="en-US" smtClean="0"/>
+              <a:pPr/>
+              <a:t>3</a:t>
+            </a:fld>
+            <a:endParaRPr lang="en-US" dirty="0"/>
+          </a:p>
+        </p:txBody>
+      </p:sp>
+      <p:sp>
+        <p:nvSpPr>
+          <p:cNvPr id="64" name="Text Placeholder 63"/>
+          <p:cNvSpPr>
+            <a:spLocks noGrp="1"/>
+          </p:cNvSpPr>
+          <p:nvPr>
+            <p:ph type="body" sz="quarter" idx="4294967295"/>
+          </p:nvPr>
+        </p:nvSpPr>
+        <p:spPr>
+          <a:xfrm>
+            <a:off x="0" y="19050"/>
+            <a:ext cx="7415213" cy="292100"/>
+          </a:xfrm>
+        </p:spPr>
+        <p:txBody>
+          <a:bodyPr/>
+          <a:lstStyle/>
+          <a:p>
+            <a:endParaRPr lang="en-US" dirty="0" smtClean="0"/>
+          </a:p>
+        </p:txBody>
+      </p:sp>
+    </p:spTree>
+    <p:extLst>
+      <p:ext uri="{BB962C8B-B14F-4D97-AF65-F5344CB8AC3E}">
+        <p14:creationId xmlns:p14="http://schemas.microsoft.com/office/powerpoint/2010/main" val="3183443171"/>
+      </p:ext>
+    </p:extLst>
+  </p:cSld>
+  <p:clrMapOvr>
+    <a:masterClrMapping/>
+  </p:clrMapOvr>
+  <p:timing>
+    <p:tnLst>
+      <p:par>
+        <p:cTn id="1" dur="indefinite" restart="never" nodeType="tmRoot"/>
+      </p:par>
+    </p:tnLst>
+  </p:timing>
+</p:sld>
+</file>
+
+<file path=ppt/slides/slide30.xml><?xml version="1.0" encoding="utf-8"?>
+<p:sld xmlns:a="http://schemas.openxmlformats.org/drawingml/2006/main" xmlns:r="http://schemas.openxmlformats.org/officeDocument/2006/relationships" xmlns:p="http://schemas.openxmlformats.org/presentationml/2006/main">
+  <p:cSld>
+    <p:spTree>
+      <p:nvGrpSpPr>
+        <p:cNvPr id="1" name=""/>
+        <p:cNvGrpSpPr/>
+        <p:nvPr/>
+      </p:nvGrpSpPr>
+      <p:grpSpPr>
+        <a:xfrm>
+          <a:off x="0" y="0"/>
+          <a:ext cx="0" cy="0"/>
+          <a:chOff x="0" y="0"/>
+          <a:chExt cx="0" cy="0"/>
+        </a:xfrm>
+      </p:grpSpPr>
+      <p:sp>
+        <p:nvSpPr>
+          <p:cNvPr id="2" name="Text Placeholder 1"/>
+          <p:cNvSpPr>
+            <a:spLocks noGrp="1"/>
+          </p:cNvSpPr>
+          <p:nvPr>
+            <p:ph type="body" sz="quarter" idx="13"/>
+          </p:nvPr>
+        </p:nvSpPr>
+        <p:spPr>
+          <a:xfrm>
+            <a:off x="274638" y="1369734"/>
+            <a:ext cx="8283029" cy="3320929"/>
+          </a:xfrm>
+        </p:spPr>
+        <p:txBody>
+          <a:bodyPr/>
+          <a:lstStyle/>
+          <a:p>
+            <a:r>
+              <a:rPr lang="en-US" dirty="0" smtClean="0"/>
+              <a:t>Check the Salesforce Order Management system to determine if a valid and approved Service is in place for the API. If need be contact the salesperson/owner of the opportunity.</a:t>
+            </a:r>
+          </a:p>
+          <a:p>
+            <a:r>
+              <a:rPr lang="en-US" dirty="0" smtClean="0"/>
+              <a:t>If no valid and approved Service is in place:</a:t>
+            </a:r>
+          </a:p>
+          <a:p>
+            <a:pPr lvl="1"/>
+            <a:r>
+              <a:rPr lang="en-US" dirty="0" smtClean="0"/>
+              <a:t>And your investigation determines that a </a:t>
+            </a:r>
+            <a:br>
+              <a:rPr lang="en-US" dirty="0" smtClean="0"/>
+            </a:br>
+            <a:r>
+              <a:rPr lang="en-US" dirty="0" smtClean="0"/>
+              <a:t>valid/approved Service is not </a:t>
+            </a:r>
+            <a:br>
+              <a:rPr lang="en-US" dirty="0" smtClean="0"/>
+            </a:br>
+            <a:r>
+              <a:rPr lang="en-US" dirty="0" smtClean="0"/>
+              <a:t>forthcoming, DENY the request … </a:t>
+            </a:r>
+            <a:br>
+              <a:rPr lang="en-US" dirty="0" smtClean="0"/>
+            </a:br>
+            <a:r>
+              <a:rPr lang="en-US" dirty="0" smtClean="0"/>
+              <a:t>a denial email is sent to the requestor.</a:t>
+            </a:r>
+          </a:p>
+          <a:p>
+            <a:endParaRPr lang="en-US" dirty="0"/>
+          </a:p>
+        </p:txBody>
+      </p:sp>
+      <p:sp>
+        <p:nvSpPr>
+          <p:cNvPr id="3" name="Date Placeholder 2"/>
+          <p:cNvSpPr>
+            <a:spLocks noGrp="1"/>
+          </p:cNvSpPr>
+          <p:nvPr>
+            <p:ph type="dt" sz="half" idx="10"/>
+          </p:nvPr>
+        </p:nvSpPr>
+        <p:spPr/>
+        <p:txBody>
+          <a:bodyPr/>
+          <a:lstStyle/>
+          <a:p>
+            <a:r>
+              <a:rPr lang="en-US" smtClean="0"/>
+              <a:t>October 21, 2015</a:t>
+            </a:r>
+            <a:endParaRPr lang="en-US" dirty="0" smtClean="0"/>
+          </a:p>
+        </p:txBody>
+      </p:sp>
+      <p:sp>
+        <p:nvSpPr>
+          <p:cNvPr id="4" name="Slide Number Placeholder 3"/>
+          <p:cNvSpPr>
+            <a:spLocks noGrp="1"/>
+          </p:cNvSpPr>
+          <p:nvPr>
+            <p:ph type="sldNum" sz="quarter" idx="11"/>
+          </p:nvPr>
+        </p:nvSpPr>
+        <p:spPr/>
+        <p:txBody>
+          <a:bodyPr/>
+          <a:lstStyle/>
+          <a:p>
+            <a:fld id="{5698A34F-157D-4FC3-B6AE-341A8B909DED}" type="slidenum">
+              <a:rPr lang="en-US" smtClean="0"/>
+              <a:pPr/>
+              <a:t>30</a:t>
+            </a:fld>
+            <a:endParaRPr lang="en-US" dirty="0"/>
+          </a:p>
+        </p:txBody>
+      </p:sp>
+      <p:sp>
+        <p:nvSpPr>
+          <p:cNvPr id="5" name="Footer Placeholder 4"/>
+          <p:cNvSpPr>
+            <a:spLocks noGrp="1"/>
+          </p:cNvSpPr>
+          <p:nvPr>
+            <p:ph type="ftr" sz="quarter" idx="12"/>
+          </p:nvPr>
+        </p:nvSpPr>
+        <p:spPr/>
+        <p:txBody>
+          <a:bodyPr/>
+          <a:lstStyle/>
+          <a:p>
+            <a:endParaRPr lang="en-US" dirty="0"/>
+          </a:p>
+        </p:txBody>
+      </p:sp>
+      <p:sp>
+        <p:nvSpPr>
+          <p:cNvPr id="6" name="Title 5"/>
+          <p:cNvSpPr>
+            <a:spLocks noGrp="1"/>
+          </p:cNvSpPr>
+          <p:nvPr>
+            <p:ph type="title"/>
+          </p:nvPr>
+        </p:nvSpPr>
+        <p:spPr/>
+        <p:txBody>
+          <a:bodyPr/>
+          <a:lstStyle/>
+          <a:p>
+            <a:r>
+              <a:rPr lang="en-US" dirty="0" smtClean="0"/>
+              <a:t>Approve/Deny Key Requests (3) – No valid Service</a:t>
+            </a:r>
+            <a:endParaRPr lang="en-US" dirty="0"/>
+          </a:p>
+        </p:txBody>
+      </p:sp>
+      <p:sp>
+        <p:nvSpPr>
+          <p:cNvPr id="7" name="Text Placeholder 6"/>
+          <p:cNvSpPr>
+            <a:spLocks noGrp="1"/>
+          </p:cNvSpPr>
+          <p:nvPr>
+            <p:ph type="body" sz="quarter" idx="15"/>
+          </p:nvPr>
+        </p:nvSpPr>
+        <p:spPr/>
+        <p:txBody>
+          <a:bodyPr/>
+          <a:lstStyle/>
+          <a:p>
+            <a:r>
+              <a:rPr lang="en-US" dirty="0" smtClean="0"/>
+              <a:t>Administrator API How To</a:t>
+            </a:r>
+            <a:endParaRPr lang="en-US" dirty="0"/>
+          </a:p>
+        </p:txBody>
+      </p:sp>
+      <p:pic>
+        <p:nvPicPr>
+          <p:cNvPr id="8" name="Picture 7"/>
+          <p:cNvPicPr>
+            <a:picLocks noChangeAspect="1"/>
+          </p:cNvPicPr>
+          <p:nvPr/>
+        </p:nvPicPr>
+        <p:blipFill>
+          <a:blip r:embed="rId2"/>
+          <a:stretch>
+            <a:fillRect/>
+          </a:stretch>
+        </p:blipFill>
+        <p:spPr>
+          <a:xfrm>
+            <a:off x="5011750" y="2524452"/>
+            <a:ext cx="3777971" cy="1900610"/>
+          </a:xfrm>
+          <a:prstGeom prst="rect">
+            <a:avLst/>
+          </a:prstGeom>
+        </p:spPr>
+      </p:pic>
+      <p:sp>
+        <p:nvSpPr>
+          <p:cNvPr id="10" name="Right Arrow 9"/>
+          <p:cNvSpPr/>
+          <p:nvPr/>
+        </p:nvSpPr>
+        <p:spPr bwMode="gray">
+          <a:xfrm rot="16200000">
+            <a:off x="7482723" y="3287652"/>
+            <a:ext cx="244306" cy="237325"/>
+          </a:xfrm>
+          <a:prstGeom prst="rightArrow">
+            <a:avLst/>
+          </a:prstGeom>
+          <a:solidFill>
+            <a:schemeClr val="accent1"/>
+          </a:solidFill>
+          <a:ln w="9525" cap="flat" cmpd="sng" algn="ctr">
+            <a:noFill/>
+            <a:prstDash val="solid"/>
+            <a:round/>
+            <a:headEnd type="none" w="med" len="med"/>
+            <a:tailEnd type="none" w="med" len="med"/>
+          </a:ln>
+          <a:effectLst/>
+        </p:spPr>
+        <p:txBody>
+          <a:bodyPr vert="horz" wrap="square" lIns="91440" tIns="45720" rIns="91440" bIns="45720" numCol="1" rtlCol="0" anchor="ctr" anchorCtr="0" compatLnSpc="1">
+            <a:prstTxWarp prst="textNoShape">
+              <a:avLst/>
+            </a:prstTxWarp>
+          </a:bodyPr>
+          <a:lstStyle/>
+          <a:p>
+            <a:pPr marL="0" marR="0" indent="0" algn="l" defTabSz="914400" rtl="0" eaLnBrk="1" fontAlgn="base" latinLnBrk="0" hangingPunct="1">
+              <a:lnSpc>
+                <a:spcPct val="100000"/>
+              </a:lnSpc>
+              <a:spcBef>
+                <a:spcPct val="0"/>
+              </a:spcBef>
+              <a:spcAft>
+                <a:spcPct val="0"/>
+              </a:spcAft>
+              <a:buClrTx/>
+              <a:buSzTx/>
+              <a:buFontTx/>
+              <a:buNone/>
+              <a:tabLst/>
+            </a:pPr>
+            <a:endParaRPr kumimoji="0" lang="en-US" sz="2000" b="0" i="0" u="none" strike="noStrike" cap="none" normalizeH="0" baseline="0" dirty="0" smtClean="0">
+              <a:ln>
+                <a:noFill/>
+              </a:ln>
+              <a:solidFill>
+                <a:schemeClr val="bg1"/>
+              </a:solidFill>
+              <a:effectLst/>
+              <a:latin typeface="Arial" pitchFamily="2" charset="0"/>
+            </a:endParaRPr>
+          </a:p>
+        </p:txBody>
+      </p:sp>
+    </p:spTree>
+    <p:extLst>
+      <p:ext uri="{BB962C8B-B14F-4D97-AF65-F5344CB8AC3E}">
+        <p14:creationId xmlns:p14="http://schemas.microsoft.com/office/powerpoint/2010/main" val="2776855602"/>
+      </p:ext>
+    </p:extLst>
+  </p:cSld>
+  <p:clrMapOvr>
+    <a:masterClrMapping/>
+  </p:clrMapOvr>
+  <p:timing>
+    <p:tnLst>
+      <p:par>
+        <p:cTn id="1" dur="indefinite" restart="never" nodeType="tmRoot"/>
+      </p:par>
+    </p:tnLst>
+  </p:timing>
+</p:sld>
+</file>
+
+<file path=ppt/slides/slide31.xml><?xml version="1.0" encoding="utf-8"?>
+<p:sld xmlns:a="http://schemas.openxmlformats.org/drawingml/2006/main" xmlns:r="http://schemas.openxmlformats.org/officeDocument/2006/relationships" xmlns:p="http://schemas.openxmlformats.org/presentationml/2006/main">
+  <p:cSld>
+    <p:spTree>
+      <p:nvGrpSpPr>
+        <p:cNvPr id="1" name=""/>
+        <p:cNvGrpSpPr/>
+        <p:nvPr/>
+      </p:nvGrpSpPr>
+      <p:grpSpPr>
+        <a:xfrm>
+          <a:off x="0" y="0"/>
+          <a:ext cx="0" cy="0"/>
+          <a:chOff x="0" y="0"/>
+          <a:chExt cx="0" cy="0"/>
+        </a:xfrm>
+      </p:grpSpPr>
+      <p:sp>
+        <p:nvSpPr>
+          <p:cNvPr id="2" name="Text Placeholder 1"/>
+          <p:cNvSpPr>
+            <a:spLocks noGrp="1"/>
+          </p:cNvSpPr>
+          <p:nvPr>
+            <p:ph type="body" sz="quarter" idx="13"/>
+          </p:nvPr>
+        </p:nvSpPr>
+        <p:spPr>
+          <a:xfrm>
+            <a:off x="274638" y="1369734"/>
+            <a:ext cx="8283029" cy="3320929"/>
+          </a:xfrm>
+        </p:spPr>
+        <p:txBody>
+          <a:bodyPr/>
+          <a:lstStyle/>
+          <a:p>
+            <a:r>
+              <a:rPr lang="en-US" dirty="0" smtClean="0"/>
+              <a:t>If a valid and approved Service is in place or </a:t>
+            </a:r>
+            <a:br>
+              <a:rPr lang="en-US" dirty="0" smtClean="0"/>
+            </a:br>
+            <a:r>
+              <a:rPr lang="en-US" dirty="0" smtClean="0"/>
+              <a:t>your investigation determines that a </a:t>
+            </a:r>
+            <a:br>
+              <a:rPr lang="en-US" dirty="0" smtClean="0"/>
+            </a:br>
+            <a:r>
+              <a:rPr lang="en-US" dirty="0" smtClean="0"/>
+              <a:t>valid/approved Service is forthcoming and </a:t>
+            </a:r>
+            <a:br>
+              <a:rPr lang="en-US" dirty="0" smtClean="0"/>
+            </a:br>
+            <a:r>
+              <a:rPr lang="en-US" dirty="0" smtClean="0"/>
+              <a:t>the request should be approved …</a:t>
+            </a:r>
+          </a:p>
+          <a:p>
+            <a:r>
+              <a:rPr lang="en-US" dirty="0" smtClean="0"/>
+              <a:t>Click the App tab and </a:t>
+            </a:r>
+            <a:br>
+              <a:rPr lang="en-US" dirty="0" smtClean="0"/>
+            </a:br>
+            <a:r>
+              <a:rPr lang="en-US" dirty="0" smtClean="0"/>
+              <a:t>copy the Production Client ID</a:t>
+            </a:r>
+          </a:p>
+          <a:p>
+            <a:pPr lvl="1"/>
+            <a:endParaRPr lang="en-US" b="1" dirty="0" smtClean="0"/>
+          </a:p>
+          <a:p>
+            <a:pPr lvl="1"/>
+            <a:r>
+              <a:rPr lang="en-US" b="1" dirty="0" smtClean="0"/>
+              <a:t>For Sector Insights</a:t>
+            </a:r>
+            <a:r>
+              <a:rPr lang="en-US" dirty="0" smtClean="0"/>
+              <a:t>, record the Client ID in the </a:t>
+            </a:r>
+            <a:br>
+              <a:rPr lang="en-US" dirty="0" smtClean="0"/>
+            </a:br>
+            <a:r>
+              <a:rPr lang="en-US" sz="1200" dirty="0" smtClean="0">
+                <a:latin typeface="Andale Mono" panose="020B0509000000000004" pitchFamily="49" charset="0"/>
+              </a:rPr>
+              <a:t>…/SpendingPulse/API/API Subscription files/Sector insights Keys.xlsx </a:t>
+            </a:r>
+            <a:r>
+              <a:rPr lang="en-US" dirty="0" smtClean="0"/>
+              <a:t>file.</a:t>
+            </a:r>
+          </a:p>
+          <a:p>
+            <a:pPr lvl="2"/>
+            <a:r>
+              <a:rPr lang="en-US" dirty="0" smtClean="0"/>
+              <a:t>Without this file, the only way to know who has been granted prod access is to have an API developer run a data pull against the AP database.</a:t>
+            </a:r>
+          </a:p>
+        </p:txBody>
+      </p:sp>
+      <p:sp>
+        <p:nvSpPr>
+          <p:cNvPr id="3" name="Date Placeholder 2"/>
+          <p:cNvSpPr>
+            <a:spLocks noGrp="1"/>
+          </p:cNvSpPr>
+          <p:nvPr>
+            <p:ph type="dt" sz="half" idx="10"/>
+          </p:nvPr>
+        </p:nvSpPr>
+        <p:spPr/>
+        <p:txBody>
+          <a:bodyPr/>
+          <a:lstStyle/>
+          <a:p>
+            <a:r>
+              <a:rPr lang="en-US" smtClean="0"/>
+              <a:t>October 21, 2015</a:t>
+            </a:r>
+            <a:endParaRPr lang="en-US" dirty="0" smtClean="0"/>
+          </a:p>
+        </p:txBody>
+      </p:sp>
+      <p:sp>
+        <p:nvSpPr>
+          <p:cNvPr id="4" name="Slide Number Placeholder 3"/>
+          <p:cNvSpPr>
+            <a:spLocks noGrp="1"/>
+          </p:cNvSpPr>
+          <p:nvPr>
+            <p:ph type="sldNum" sz="quarter" idx="11"/>
+          </p:nvPr>
+        </p:nvSpPr>
+        <p:spPr/>
+        <p:txBody>
+          <a:bodyPr/>
+          <a:lstStyle/>
+          <a:p>
+            <a:fld id="{5698A34F-157D-4FC3-B6AE-341A8B909DED}" type="slidenum">
+              <a:rPr lang="en-US" smtClean="0"/>
+              <a:pPr/>
+              <a:t>31</a:t>
+            </a:fld>
+            <a:endParaRPr lang="en-US" dirty="0"/>
+          </a:p>
+        </p:txBody>
+      </p:sp>
+      <p:sp>
+        <p:nvSpPr>
+          <p:cNvPr id="5" name="Footer Placeholder 4"/>
+          <p:cNvSpPr>
+            <a:spLocks noGrp="1"/>
+          </p:cNvSpPr>
+          <p:nvPr>
+            <p:ph type="ftr" sz="quarter" idx="12"/>
+          </p:nvPr>
+        </p:nvSpPr>
+        <p:spPr/>
+        <p:txBody>
+          <a:bodyPr/>
+          <a:lstStyle/>
+          <a:p>
+            <a:endParaRPr lang="en-US" dirty="0"/>
+          </a:p>
+        </p:txBody>
+      </p:sp>
+      <p:sp>
+        <p:nvSpPr>
+          <p:cNvPr id="6" name="Title 5"/>
+          <p:cNvSpPr>
+            <a:spLocks noGrp="1"/>
+          </p:cNvSpPr>
+          <p:nvPr>
+            <p:ph type="title"/>
+          </p:nvPr>
+        </p:nvSpPr>
+        <p:spPr/>
+        <p:txBody>
+          <a:bodyPr/>
+          <a:lstStyle/>
+          <a:p>
+            <a:r>
+              <a:rPr lang="en-US" dirty="0" smtClean="0"/>
+              <a:t>Approve/Deny Key Requests (4) – Valid Service</a:t>
+            </a:r>
+            <a:endParaRPr lang="en-US" dirty="0"/>
+          </a:p>
+        </p:txBody>
+      </p:sp>
+      <p:sp>
+        <p:nvSpPr>
+          <p:cNvPr id="7" name="Text Placeholder 6"/>
+          <p:cNvSpPr>
+            <a:spLocks noGrp="1"/>
+          </p:cNvSpPr>
+          <p:nvPr>
+            <p:ph type="body" sz="quarter" idx="15"/>
+          </p:nvPr>
+        </p:nvSpPr>
+        <p:spPr/>
+        <p:txBody>
+          <a:bodyPr/>
+          <a:lstStyle/>
+          <a:p>
+            <a:r>
+              <a:rPr lang="en-US" dirty="0" smtClean="0"/>
+              <a:t>Administrator API How To</a:t>
+            </a:r>
+            <a:endParaRPr lang="en-US" dirty="0"/>
+          </a:p>
+        </p:txBody>
+      </p:sp>
+      <p:pic>
+        <p:nvPicPr>
+          <p:cNvPr id="11" name="Picture 10"/>
+          <p:cNvPicPr>
+            <a:picLocks noChangeAspect="1"/>
+          </p:cNvPicPr>
+          <p:nvPr/>
+        </p:nvPicPr>
+        <p:blipFill>
+          <a:blip r:embed="rId2"/>
+          <a:stretch>
+            <a:fillRect/>
+          </a:stretch>
+        </p:blipFill>
+        <p:spPr>
+          <a:xfrm>
+            <a:off x="5192829" y="1451872"/>
+            <a:ext cx="3780156" cy="1788772"/>
+          </a:xfrm>
+          <a:prstGeom prst="rect">
+            <a:avLst/>
+          </a:prstGeom>
+        </p:spPr>
+      </p:pic>
+      <p:sp>
+        <p:nvSpPr>
+          <p:cNvPr id="13" name="Right Arrow 12"/>
+          <p:cNvSpPr/>
+          <p:nvPr/>
+        </p:nvSpPr>
+        <p:spPr bwMode="gray">
+          <a:xfrm>
+            <a:off x="3718514" y="2857717"/>
+            <a:ext cx="3174734" cy="92985"/>
+          </a:xfrm>
+          <a:prstGeom prst="rightArrow">
+            <a:avLst/>
+          </a:prstGeom>
+          <a:solidFill>
+            <a:schemeClr val="accent1"/>
+          </a:solidFill>
+          <a:ln w="9525" cap="flat" cmpd="sng" algn="ctr">
+            <a:noFill/>
+            <a:prstDash val="solid"/>
+            <a:round/>
+            <a:headEnd type="none" w="med" len="med"/>
+            <a:tailEnd type="none" w="med" len="med"/>
+          </a:ln>
+          <a:effectLst/>
+        </p:spPr>
+        <p:txBody>
+          <a:bodyPr vert="horz" wrap="square" lIns="91440" tIns="45720" rIns="91440" bIns="45720" numCol="1" rtlCol="0" anchor="ctr" anchorCtr="0" compatLnSpc="1">
+            <a:prstTxWarp prst="textNoShape">
+              <a:avLst/>
+            </a:prstTxWarp>
+          </a:bodyPr>
+          <a:lstStyle/>
+          <a:p>
+            <a:pPr marL="0" marR="0" indent="0" algn="l" defTabSz="914400" rtl="0" eaLnBrk="1" fontAlgn="base" latinLnBrk="0" hangingPunct="1">
+              <a:lnSpc>
+                <a:spcPct val="100000"/>
+              </a:lnSpc>
+              <a:spcBef>
+                <a:spcPct val="0"/>
+              </a:spcBef>
+              <a:spcAft>
+                <a:spcPct val="0"/>
+              </a:spcAft>
+              <a:buClrTx/>
+              <a:buSzTx/>
+              <a:buFontTx/>
+              <a:buNone/>
+              <a:tabLst/>
+            </a:pPr>
+            <a:endParaRPr kumimoji="0" lang="en-US" sz="2000" b="0" i="0" u="none" strike="noStrike" cap="none" normalizeH="0" baseline="0" dirty="0" smtClean="0">
+              <a:ln>
+                <a:noFill/>
+              </a:ln>
+              <a:solidFill>
+                <a:schemeClr val="bg1"/>
+              </a:solidFill>
+              <a:effectLst/>
+              <a:latin typeface="Arial" pitchFamily="2" charset="0"/>
+            </a:endParaRPr>
+          </a:p>
+        </p:txBody>
+      </p:sp>
+    </p:spTree>
+    <p:extLst>
+      <p:ext uri="{BB962C8B-B14F-4D97-AF65-F5344CB8AC3E}">
+        <p14:creationId xmlns:p14="http://schemas.microsoft.com/office/powerpoint/2010/main" val="1724074499"/>
+      </p:ext>
+    </p:extLst>
+  </p:cSld>
+  <p:clrMapOvr>
+    <a:masterClrMapping/>
+  </p:clrMapOvr>
+  <p:timing>
+    <p:tnLst>
+      <p:par>
+        <p:cTn id="1" dur="indefinite" restart="never" nodeType="tmRoot"/>
+      </p:par>
+    </p:tnLst>
+  </p:timing>
+</p:sld>
+</file>
+
+<file path=ppt/slides/slide32.xml><?xml version="1.0" encoding="utf-8"?>
+<p:sld xmlns:a="http://schemas.openxmlformats.org/drawingml/2006/main" xmlns:r="http://schemas.openxmlformats.org/officeDocument/2006/relationships" xmlns:p="http://schemas.openxmlformats.org/presentationml/2006/main">
+  <p:cSld>
+    <p:spTree>
+      <p:nvGrpSpPr>
+        <p:cNvPr id="1" name=""/>
+        <p:cNvGrpSpPr/>
+        <p:nvPr/>
+      </p:nvGrpSpPr>
+      <p:grpSpPr>
+        <a:xfrm>
+          <a:off x="0" y="0"/>
+          <a:ext cx="0" cy="0"/>
+          <a:chOff x="0" y="0"/>
+          <a:chExt cx="0" cy="0"/>
+        </a:xfrm>
+      </p:grpSpPr>
+      <p:sp>
+        <p:nvSpPr>
+          <p:cNvPr id="2" name="Text Placeholder 1"/>
+          <p:cNvSpPr>
+            <a:spLocks noGrp="1"/>
+          </p:cNvSpPr>
+          <p:nvPr>
+            <p:ph type="body" sz="quarter" idx="13"/>
+          </p:nvPr>
+        </p:nvSpPr>
+        <p:spPr>
+          <a:xfrm>
+            <a:off x="274638" y="1369734"/>
+            <a:ext cx="8283029" cy="3320929"/>
+          </a:xfrm>
+        </p:spPr>
+        <p:txBody>
+          <a:bodyPr/>
+          <a:lstStyle/>
+          <a:p>
+            <a:pPr lvl="1"/>
+            <a:r>
+              <a:rPr lang="en-US" b="1" dirty="0" smtClean="0"/>
+              <a:t>For SpendingPulse</a:t>
+            </a:r>
+            <a:r>
+              <a:rPr lang="en-US" dirty="0" smtClean="0"/>
+              <a:t>, record the Client ID in the </a:t>
+            </a:r>
+            <a:br>
+              <a:rPr lang="en-US" dirty="0" smtClean="0"/>
+            </a:br>
+            <a:r>
+              <a:rPr lang="en-US" sz="1200" dirty="0" smtClean="0">
+                <a:latin typeface="Andale Mono" panose="020B0509000000000004" pitchFamily="49" charset="0"/>
+              </a:rPr>
+              <a:t>…/SpendingPulse/API/API </a:t>
+            </a:r>
+            <a:r>
+              <a:rPr lang="en-US" sz="1200" dirty="0">
+                <a:latin typeface="Andale Mono" panose="020B0509000000000004" pitchFamily="49" charset="0"/>
+              </a:rPr>
+              <a:t>Subscription files/SpendingPulse API Subscription </a:t>
+            </a:r>
+            <a:r>
+              <a:rPr lang="en-US" sz="1200" dirty="0" smtClean="0">
+                <a:latin typeface="Andale Mono" panose="020B0509000000000004" pitchFamily="49" charset="0"/>
+              </a:rPr>
+              <a:t>Data.xlsx </a:t>
+            </a:r>
+            <a:br>
+              <a:rPr lang="en-US" sz="1200" dirty="0" smtClean="0">
+                <a:latin typeface="Andale Mono" panose="020B0509000000000004" pitchFamily="49" charset="0"/>
+              </a:rPr>
+            </a:br>
+            <a:r>
+              <a:rPr lang="en-US" dirty="0" smtClean="0"/>
+              <a:t>file.</a:t>
+            </a:r>
+          </a:p>
+          <a:p>
+            <a:pPr lvl="1"/>
+            <a:r>
+              <a:rPr lang="en-US" dirty="0"/>
+              <a:t>The “</a:t>
+            </a:r>
+            <a:r>
+              <a:rPr lang="en-US" sz="1600" dirty="0">
+                <a:latin typeface="Andale Mono" panose="020B0509000000000004" pitchFamily="49" charset="0"/>
+              </a:rPr>
+              <a:t>SpendingPulse API </a:t>
+            </a:r>
+            <a:r>
+              <a:rPr lang="en-US" sz="1600" dirty="0" smtClean="0">
+                <a:latin typeface="Andale Mono" panose="020B0509000000000004" pitchFamily="49" charset="0"/>
+              </a:rPr>
+              <a:t>Subscription</a:t>
+            </a:r>
+            <a:r>
+              <a:rPr lang="en-US" dirty="0" smtClean="0"/>
+              <a:t>” tab of this file must be saved as a .csv file and uploaded, using the API MDE Upload facility – the same facility used to upload the Sector Insights and SpendingPulse data to the API.</a:t>
+            </a:r>
+          </a:p>
+          <a:p>
+            <a:pPr lvl="1"/>
+            <a:r>
+              <a:rPr lang="en-US" dirty="0" smtClean="0"/>
+              <a:t>To upload the subscription data, use the </a:t>
+            </a:r>
+            <a:br>
+              <a:rPr lang="en-US" dirty="0" smtClean="0"/>
+            </a:br>
+            <a:r>
+              <a:rPr lang="en-US" sz="1400" dirty="0">
+                <a:latin typeface="Andale Mono" panose="020B0509000000000004" pitchFamily="49" charset="0"/>
+              </a:rPr>
+              <a:t>REL5 – DW-P-SPENDINGPULSE REPLACE SUBSCRIPTION </a:t>
+            </a:r>
+            <a:r>
+              <a:rPr lang="en-US" dirty="0" smtClean="0"/>
+              <a:t>bulk type.</a:t>
+            </a:r>
+          </a:p>
+          <a:p>
+            <a:r>
+              <a:rPr lang="en-US" dirty="0" smtClean="0"/>
+              <a:t>Once the subscription data has been successfully uploaded, Approve the request … an approval email is sent to the requestor.</a:t>
+            </a:r>
+          </a:p>
+          <a:p>
+            <a:endParaRPr lang="en-US" dirty="0"/>
+          </a:p>
+        </p:txBody>
+      </p:sp>
+      <p:sp>
+        <p:nvSpPr>
+          <p:cNvPr id="3" name="Date Placeholder 2"/>
+          <p:cNvSpPr>
+            <a:spLocks noGrp="1"/>
+          </p:cNvSpPr>
+          <p:nvPr>
+            <p:ph type="dt" sz="half" idx="10"/>
+          </p:nvPr>
+        </p:nvSpPr>
+        <p:spPr/>
+        <p:txBody>
+          <a:bodyPr/>
+          <a:lstStyle/>
+          <a:p>
+            <a:r>
+              <a:rPr lang="en-US" smtClean="0"/>
+              <a:t>October 21, 2015</a:t>
+            </a:r>
+            <a:endParaRPr lang="en-US" dirty="0" smtClean="0"/>
+          </a:p>
+        </p:txBody>
+      </p:sp>
+      <p:sp>
+        <p:nvSpPr>
+          <p:cNvPr id="4" name="Slide Number Placeholder 3"/>
+          <p:cNvSpPr>
+            <a:spLocks noGrp="1"/>
+          </p:cNvSpPr>
+          <p:nvPr>
+            <p:ph type="sldNum" sz="quarter" idx="11"/>
+          </p:nvPr>
+        </p:nvSpPr>
+        <p:spPr/>
+        <p:txBody>
+          <a:bodyPr/>
+          <a:lstStyle/>
+          <a:p>
+            <a:fld id="{5698A34F-157D-4FC3-B6AE-341A8B909DED}" type="slidenum">
+              <a:rPr lang="en-US" smtClean="0"/>
+              <a:pPr/>
+              <a:t>32</a:t>
+            </a:fld>
+            <a:endParaRPr lang="en-US" dirty="0"/>
+          </a:p>
+        </p:txBody>
+      </p:sp>
+      <p:sp>
+        <p:nvSpPr>
+          <p:cNvPr id="5" name="Footer Placeholder 4"/>
+          <p:cNvSpPr>
+            <a:spLocks noGrp="1"/>
+          </p:cNvSpPr>
+          <p:nvPr>
+            <p:ph type="ftr" sz="quarter" idx="12"/>
+          </p:nvPr>
+        </p:nvSpPr>
+        <p:spPr/>
+        <p:txBody>
+          <a:bodyPr/>
+          <a:lstStyle/>
+          <a:p>
+            <a:endParaRPr lang="en-US" dirty="0"/>
+          </a:p>
+        </p:txBody>
+      </p:sp>
+      <p:sp>
+        <p:nvSpPr>
+          <p:cNvPr id="6" name="Title 5"/>
+          <p:cNvSpPr>
+            <a:spLocks noGrp="1"/>
+          </p:cNvSpPr>
+          <p:nvPr>
+            <p:ph type="title"/>
+          </p:nvPr>
+        </p:nvSpPr>
+        <p:spPr/>
+        <p:txBody>
+          <a:bodyPr/>
+          <a:lstStyle/>
+          <a:p>
+            <a:r>
+              <a:rPr lang="en-US" dirty="0" smtClean="0"/>
+              <a:t>Approve/Deny Key Requests (5) – Valid Service</a:t>
+            </a:r>
+            <a:endParaRPr lang="en-US" dirty="0"/>
+          </a:p>
+        </p:txBody>
+      </p:sp>
+      <p:sp>
+        <p:nvSpPr>
+          <p:cNvPr id="7" name="Text Placeholder 6"/>
+          <p:cNvSpPr>
+            <a:spLocks noGrp="1"/>
+          </p:cNvSpPr>
+          <p:nvPr>
+            <p:ph type="body" sz="quarter" idx="15"/>
+          </p:nvPr>
+        </p:nvSpPr>
+        <p:spPr/>
+        <p:txBody>
+          <a:bodyPr/>
+          <a:lstStyle/>
+          <a:p>
+            <a:r>
+              <a:rPr lang="en-US" dirty="0" smtClean="0"/>
+              <a:t>Administrator API How To</a:t>
+            </a:r>
+            <a:endParaRPr lang="en-US" dirty="0"/>
+          </a:p>
+        </p:txBody>
+      </p:sp>
+    </p:spTree>
+    <p:extLst>
+      <p:ext uri="{BB962C8B-B14F-4D97-AF65-F5344CB8AC3E}">
+        <p14:creationId xmlns:p14="http://schemas.microsoft.com/office/powerpoint/2010/main" val="2378687281"/>
+      </p:ext>
+    </p:extLst>
+  </p:cSld>
+  <p:clrMapOvr>
+    <a:masterClrMapping/>
+  </p:clrMapOvr>
+  <p:timing>
+    <p:tnLst>
+      <p:par>
+        <p:cTn id="1" dur="indefinite" restart="never" nodeType="tmRoot"/>
+      </p:par>
+    </p:tnLst>
+  </p:timing>
+</p:sld>
+</file>
+
+<file path=ppt/slides/slide33.xml><?xml version="1.0" encoding="utf-8"?>
+<p:sld xmlns:a="http://schemas.openxmlformats.org/drawingml/2006/main" xmlns:r="http://schemas.openxmlformats.org/officeDocument/2006/relationships" xmlns:p="http://schemas.openxmlformats.org/presentationml/2006/main">
+  <p:cSld>
+    <p:spTree>
+      <p:nvGrpSpPr>
+        <p:cNvPr id="1" name=""/>
+        <p:cNvGrpSpPr/>
+        <p:nvPr/>
+      </p:nvGrpSpPr>
+      <p:grpSpPr>
+        <a:xfrm>
+          <a:off x="0" y="0"/>
+          <a:ext cx="0" cy="0"/>
+          <a:chOff x="0" y="0"/>
+          <a:chExt cx="0" cy="0"/>
+        </a:xfrm>
+      </p:grpSpPr>
+      <p:sp>
+        <p:nvSpPr>
+          <p:cNvPr id="2" name="Text Placeholder 1"/>
+          <p:cNvSpPr>
+            <a:spLocks noGrp="1"/>
+          </p:cNvSpPr>
+          <p:nvPr>
+            <p:ph type="body" sz="quarter" idx="13"/>
+          </p:nvPr>
+        </p:nvSpPr>
+        <p:spPr>
+          <a:xfrm>
+            <a:off x="274638" y="1369734"/>
+            <a:ext cx="8283029" cy="3320929"/>
+          </a:xfrm>
+        </p:spPr>
+        <p:txBody>
+          <a:bodyPr/>
+          <a:lstStyle/>
+          <a:p>
+            <a:r>
+              <a:rPr lang="en-US" dirty="0"/>
+              <a:t>Once the subscription data has been successfully uploaded, Approve the request … an approval email is sent to the requestor.</a:t>
+            </a:r>
+          </a:p>
+          <a:p>
+            <a:r>
+              <a:rPr lang="en-US" dirty="0" smtClean="0"/>
+              <a:t>To grant production access to</a:t>
+            </a:r>
+            <a:br>
+              <a:rPr lang="en-US" dirty="0" smtClean="0"/>
+            </a:br>
+            <a:r>
+              <a:rPr lang="en-US" dirty="0" smtClean="0"/>
+              <a:t>SpendingPulse it takes BOTH:</a:t>
+            </a:r>
+          </a:p>
+          <a:p>
+            <a:pPr lvl="1"/>
+            <a:r>
+              <a:rPr lang="en-US" dirty="0" smtClean="0"/>
+              <a:t>Uploaded subscription data for the </a:t>
+            </a:r>
+            <a:br>
+              <a:rPr lang="en-US" dirty="0" smtClean="0"/>
+            </a:br>
+            <a:r>
+              <a:rPr lang="en-US" dirty="0" smtClean="0"/>
+              <a:t>Client ID</a:t>
+            </a:r>
+          </a:p>
+          <a:p>
+            <a:pPr lvl="1"/>
+            <a:r>
+              <a:rPr lang="en-US" dirty="0" smtClean="0"/>
+              <a:t>Approved Key</a:t>
+            </a:r>
+            <a:endParaRPr lang="en-US" dirty="0"/>
+          </a:p>
+        </p:txBody>
+      </p:sp>
+      <p:sp>
+        <p:nvSpPr>
+          <p:cNvPr id="3" name="Date Placeholder 2"/>
+          <p:cNvSpPr>
+            <a:spLocks noGrp="1"/>
+          </p:cNvSpPr>
+          <p:nvPr>
+            <p:ph type="dt" sz="half" idx="10"/>
+          </p:nvPr>
+        </p:nvSpPr>
+        <p:spPr/>
+        <p:txBody>
+          <a:bodyPr/>
+          <a:lstStyle/>
+          <a:p>
+            <a:r>
+              <a:rPr lang="en-US" smtClean="0"/>
+              <a:t>October 21, 2015</a:t>
+            </a:r>
+            <a:endParaRPr lang="en-US" dirty="0" smtClean="0"/>
+          </a:p>
+        </p:txBody>
+      </p:sp>
+      <p:sp>
+        <p:nvSpPr>
+          <p:cNvPr id="4" name="Slide Number Placeholder 3"/>
+          <p:cNvSpPr>
+            <a:spLocks noGrp="1"/>
+          </p:cNvSpPr>
+          <p:nvPr>
+            <p:ph type="sldNum" sz="quarter" idx="11"/>
+          </p:nvPr>
+        </p:nvSpPr>
+        <p:spPr/>
+        <p:txBody>
+          <a:bodyPr/>
+          <a:lstStyle/>
+          <a:p>
+            <a:fld id="{5698A34F-157D-4FC3-B6AE-341A8B909DED}" type="slidenum">
+              <a:rPr lang="en-US" smtClean="0"/>
+              <a:pPr/>
+              <a:t>33</a:t>
+            </a:fld>
+            <a:endParaRPr lang="en-US" dirty="0"/>
+          </a:p>
+        </p:txBody>
+      </p:sp>
+      <p:sp>
+        <p:nvSpPr>
+          <p:cNvPr id="5" name="Footer Placeholder 4"/>
+          <p:cNvSpPr>
+            <a:spLocks noGrp="1"/>
+          </p:cNvSpPr>
+          <p:nvPr>
+            <p:ph type="ftr" sz="quarter" idx="12"/>
+          </p:nvPr>
+        </p:nvSpPr>
+        <p:spPr/>
+        <p:txBody>
+          <a:bodyPr/>
+          <a:lstStyle/>
+          <a:p>
+            <a:endParaRPr lang="en-US" dirty="0"/>
+          </a:p>
+        </p:txBody>
+      </p:sp>
+      <p:sp>
+        <p:nvSpPr>
+          <p:cNvPr id="6" name="Title 5"/>
+          <p:cNvSpPr>
+            <a:spLocks noGrp="1"/>
+          </p:cNvSpPr>
+          <p:nvPr>
+            <p:ph type="title"/>
+          </p:nvPr>
+        </p:nvSpPr>
+        <p:spPr/>
+        <p:txBody>
+          <a:bodyPr/>
+          <a:lstStyle/>
+          <a:p>
+            <a:r>
+              <a:rPr lang="en-US" dirty="0" smtClean="0"/>
+              <a:t>Approve/Deny Key Requests (6) – No valid Service</a:t>
+            </a:r>
+            <a:endParaRPr lang="en-US" dirty="0"/>
+          </a:p>
+        </p:txBody>
+      </p:sp>
+      <p:sp>
+        <p:nvSpPr>
+          <p:cNvPr id="7" name="Text Placeholder 6"/>
+          <p:cNvSpPr>
+            <a:spLocks noGrp="1"/>
+          </p:cNvSpPr>
+          <p:nvPr>
+            <p:ph type="body" sz="quarter" idx="15"/>
+          </p:nvPr>
+        </p:nvSpPr>
+        <p:spPr/>
+        <p:txBody>
+          <a:bodyPr/>
+          <a:lstStyle/>
+          <a:p>
+            <a:r>
+              <a:rPr lang="en-US" dirty="0" smtClean="0"/>
+              <a:t>Administrator API How To</a:t>
+            </a:r>
+            <a:endParaRPr lang="en-US" dirty="0"/>
+          </a:p>
+        </p:txBody>
+      </p:sp>
+      <p:pic>
+        <p:nvPicPr>
+          <p:cNvPr id="9" name="Picture 8"/>
+          <p:cNvPicPr>
+            <a:picLocks noChangeAspect="1"/>
+          </p:cNvPicPr>
+          <p:nvPr/>
+        </p:nvPicPr>
+        <p:blipFill>
+          <a:blip r:embed="rId2"/>
+          <a:stretch>
+            <a:fillRect/>
+          </a:stretch>
+        </p:blipFill>
+        <p:spPr>
+          <a:xfrm>
+            <a:off x="5079061" y="2021322"/>
+            <a:ext cx="3813654" cy="1970971"/>
+          </a:xfrm>
+          <a:prstGeom prst="rect">
+            <a:avLst/>
+          </a:prstGeom>
+        </p:spPr>
+      </p:pic>
+      <p:sp>
+        <p:nvSpPr>
+          <p:cNvPr id="10" name="Right Arrow 9"/>
+          <p:cNvSpPr/>
+          <p:nvPr/>
+        </p:nvSpPr>
+        <p:spPr bwMode="gray">
+          <a:xfrm rot="16200000">
+            <a:off x="7140695" y="2795551"/>
+            <a:ext cx="244306" cy="237325"/>
+          </a:xfrm>
+          <a:prstGeom prst="rightArrow">
+            <a:avLst/>
+          </a:prstGeom>
+          <a:solidFill>
+            <a:schemeClr val="accent1"/>
+          </a:solidFill>
+          <a:ln w="9525" cap="flat" cmpd="sng" algn="ctr">
+            <a:noFill/>
+            <a:prstDash val="solid"/>
+            <a:round/>
+            <a:headEnd type="none" w="med" len="med"/>
+            <a:tailEnd type="none" w="med" len="med"/>
+          </a:ln>
+          <a:effectLst/>
+        </p:spPr>
+        <p:txBody>
+          <a:bodyPr vert="horz" wrap="square" lIns="91440" tIns="45720" rIns="91440" bIns="45720" numCol="1" rtlCol="0" anchor="ctr" anchorCtr="0" compatLnSpc="1">
+            <a:prstTxWarp prst="textNoShape">
+              <a:avLst/>
+            </a:prstTxWarp>
+          </a:bodyPr>
+          <a:lstStyle/>
+          <a:p>
+            <a:pPr marL="0" marR="0" indent="0" algn="l" defTabSz="914400" rtl="0" eaLnBrk="1" fontAlgn="base" latinLnBrk="0" hangingPunct="1">
+              <a:lnSpc>
+                <a:spcPct val="100000"/>
+              </a:lnSpc>
+              <a:spcBef>
+                <a:spcPct val="0"/>
+              </a:spcBef>
+              <a:spcAft>
+                <a:spcPct val="0"/>
+              </a:spcAft>
+              <a:buClrTx/>
+              <a:buSzTx/>
+              <a:buFontTx/>
+              <a:buNone/>
+              <a:tabLst/>
+            </a:pPr>
+            <a:endParaRPr kumimoji="0" lang="en-US" sz="2000" b="0" i="0" u="none" strike="noStrike" cap="none" normalizeH="0" baseline="0" dirty="0" smtClean="0">
+              <a:ln>
+                <a:noFill/>
+              </a:ln>
+              <a:solidFill>
+                <a:schemeClr val="bg1"/>
+              </a:solidFill>
+              <a:effectLst/>
+              <a:latin typeface="Arial" pitchFamily="2" charset="0"/>
+            </a:endParaRPr>
+          </a:p>
+        </p:txBody>
+      </p:sp>
+    </p:spTree>
+    <p:extLst>
+      <p:ext uri="{BB962C8B-B14F-4D97-AF65-F5344CB8AC3E}">
+        <p14:creationId xmlns:p14="http://schemas.microsoft.com/office/powerpoint/2010/main" val="4192355193"/>
+      </p:ext>
+    </p:extLst>
+  </p:cSld>
+  <p:clrMapOvr>
+    <a:masterClrMapping/>
+  </p:clrMapOvr>
+  <p:timing>
+    <p:tnLst>
+      <p:par>
+        <p:cTn id="1" dur="indefinite" restart="never" nodeType="tmRoot"/>
+      </p:par>
+    </p:tnLst>
+  </p:timing>
+</p:sld>
+</file>
+
+<file path=ppt/slides/slide34.xml><?xml version="1.0" encoding="utf-8"?>
+<p:sld xmlns:a="http://schemas.openxmlformats.org/drawingml/2006/main" xmlns:r="http://schemas.openxmlformats.org/officeDocument/2006/relationships" xmlns:p="http://schemas.openxmlformats.org/presentationml/2006/main">
+  <p:cSld>
+    <p:spTree>
+      <p:nvGrpSpPr>
+        <p:cNvPr id="1" name=""/>
+        <p:cNvGrpSpPr/>
+        <p:nvPr/>
+      </p:nvGrpSpPr>
+      <p:grpSpPr>
+        <a:xfrm>
+          <a:off x="0" y="0"/>
+          <a:ext cx="0" cy="0"/>
+          <a:chOff x="0" y="0"/>
+          <a:chExt cx="0" cy="0"/>
+        </a:xfrm>
+      </p:grpSpPr>
+      <p:sp>
+        <p:nvSpPr>
+          <p:cNvPr id="2" name="Text Placeholder 1"/>
+          <p:cNvSpPr>
+            <a:spLocks noGrp="1"/>
+          </p:cNvSpPr>
+          <p:nvPr>
+            <p:ph type="body" sz="quarter" idx="13"/>
+          </p:nvPr>
+        </p:nvSpPr>
+        <p:spPr>
+          <a:xfrm>
+            <a:off x="274638" y="1369734"/>
+            <a:ext cx="8283029" cy="3320929"/>
+          </a:xfrm>
+        </p:spPr>
+        <p:txBody>
+          <a:bodyPr/>
+          <a:lstStyle/>
+          <a:p>
+            <a:r>
+              <a:rPr lang="en-US" dirty="0"/>
+              <a:t>Log in to the API Admin </a:t>
+            </a:r>
+            <a:r>
+              <a:rPr lang="en-US" dirty="0" smtClean="0"/>
+              <a:t>Application </a:t>
+            </a:r>
+            <a:br>
+              <a:rPr lang="en-US" dirty="0" smtClean="0"/>
+            </a:br>
+            <a:r>
+              <a:rPr lang="en-US" dirty="0" smtClean="0"/>
+              <a:t>(slide 27)</a:t>
+            </a:r>
+          </a:p>
+          <a:p>
+            <a:r>
+              <a:rPr lang="en-US" dirty="0"/>
+              <a:t>From the now displayed “Service </a:t>
+            </a:r>
+            <a:br>
+              <a:rPr lang="en-US" dirty="0"/>
+            </a:br>
+            <a:r>
+              <a:rPr lang="en-US" dirty="0"/>
+              <a:t>Management” list …</a:t>
+            </a:r>
+          </a:p>
+          <a:p>
+            <a:pPr lvl="1"/>
+            <a:r>
+              <a:rPr lang="en-US" dirty="0"/>
+              <a:t>Click </a:t>
+            </a:r>
+            <a:r>
+              <a:rPr lang="en-US" dirty="0" smtClean="0"/>
+              <a:t>“Client Configuration for Svc”</a:t>
+            </a:r>
+          </a:p>
+          <a:p>
+            <a:pPr lvl="1"/>
+            <a:r>
+              <a:rPr lang="en-US" dirty="0"/>
+              <a:t>Choose “Sector Insights” or </a:t>
+            </a:r>
+            <a:br>
+              <a:rPr lang="en-US" dirty="0"/>
+            </a:br>
+            <a:r>
+              <a:rPr lang="en-US" dirty="0"/>
+              <a:t>“SpendingPulse” from the </a:t>
+            </a:r>
+            <a:br>
+              <a:rPr lang="en-US" dirty="0"/>
+            </a:br>
+            <a:r>
+              <a:rPr lang="en-US" dirty="0"/>
+              <a:t>Service drop-down</a:t>
+            </a:r>
+            <a:r>
+              <a:rPr lang="en-US" dirty="0" smtClean="0"/>
+              <a:t>.</a:t>
+            </a:r>
+          </a:p>
+          <a:p>
+            <a:pPr lvl="1"/>
+            <a:r>
+              <a:rPr lang="en-US" dirty="0" smtClean="0"/>
+              <a:t>Use the “Search” fields to locate the owner/App </a:t>
+            </a:r>
+            <a:br>
+              <a:rPr lang="en-US" dirty="0" smtClean="0"/>
+            </a:br>
+            <a:r>
+              <a:rPr lang="en-US" dirty="0" smtClean="0"/>
+              <a:t>of the key you </a:t>
+            </a:r>
+            <a:r>
+              <a:rPr lang="en-US" dirty="0"/>
+              <a:t>w</a:t>
+            </a:r>
+            <a:r>
+              <a:rPr lang="en-US" dirty="0" smtClean="0"/>
+              <a:t>ant to revoke.</a:t>
+            </a:r>
+          </a:p>
+          <a:p>
+            <a:pPr lvl="1"/>
+            <a:r>
+              <a:rPr lang="en-US" dirty="0" smtClean="0"/>
+              <a:t>Select the key within the “Search Results” list.</a:t>
+            </a:r>
+            <a:endParaRPr lang="en-US" dirty="0"/>
+          </a:p>
+          <a:p>
+            <a:endParaRPr lang="en-US" dirty="0"/>
+          </a:p>
+        </p:txBody>
+      </p:sp>
+      <p:sp>
+        <p:nvSpPr>
+          <p:cNvPr id="3" name="Date Placeholder 2"/>
+          <p:cNvSpPr>
+            <a:spLocks noGrp="1"/>
+          </p:cNvSpPr>
+          <p:nvPr>
+            <p:ph type="dt" sz="half" idx="10"/>
+          </p:nvPr>
+        </p:nvSpPr>
+        <p:spPr/>
+        <p:txBody>
+          <a:bodyPr/>
+          <a:lstStyle/>
+          <a:p>
+            <a:r>
+              <a:rPr lang="en-US" smtClean="0"/>
+              <a:t>October 21, 2015</a:t>
+            </a:r>
+            <a:endParaRPr lang="en-US" dirty="0" smtClean="0"/>
+          </a:p>
+        </p:txBody>
+      </p:sp>
+      <p:sp>
+        <p:nvSpPr>
+          <p:cNvPr id="4" name="Slide Number Placeholder 3"/>
+          <p:cNvSpPr>
+            <a:spLocks noGrp="1"/>
+          </p:cNvSpPr>
+          <p:nvPr>
+            <p:ph type="sldNum" sz="quarter" idx="11"/>
+          </p:nvPr>
+        </p:nvSpPr>
+        <p:spPr/>
+        <p:txBody>
+          <a:bodyPr/>
+          <a:lstStyle/>
+          <a:p>
+            <a:fld id="{5698A34F-157D-4FC3-B6AE-341A8B909DED}" type="slidenum">
+              <a:rPr lang="en-US" smtClean="0"/>
+              <a:pPr/>
+              <a:t>34</a:t>
+            </a:fld>
+            <a:endParaRPr lang="en-US" dirty="0"/>
+          </a:p>
+        </p:txBody>
+      </p:sp>
+      <p:sp>
+        <p:nvSpPr>
+          <p:cNvPr id="5" name="Footer Placeholder 4"/>
+          <p:cNvSpPr>
+            <a:spLocks noGrp="1"/>
+          </p:cNvSpPr>
+          <p:nvPr>
+            <p:ph type="ftr" sz="quarter" idx="12"/>
+          </p:nvPr>
+        </p:nvSpPr>
+        <p:spPr/>
+        <p:txBody>
+          <a:bodyPr/>
+          <a:lstStyle/>
+          <a:p>
+            <a:endParaRPr lang="en-US" dirty="0"/>
+          </a:p>
+        </p:txBody>
+      </p:sp>
+      <p:sp>
+        <p:nvSpPr>
+          <p:cNvPr id="6" name="Title 5"/>
+          <p:cNvSpPr>
+            <a:spLocks noGrp="1"/>
+          </p:cNvSpPr>
+          <p:nvPr>
+            <p:ph type="title"/>
+          </p:nvPr>
+        </p:nvSpPr>
+        <p:spPr>
+          <a:xfrm>
+            <a:off x="273915" y="644462"/>
+            <a:ext cx="8618799" cy="486287"/>
+          </a:xfrm>
+        </p:spPr>
+        <p:txBody>
+          <a:bodyPr/>
+          <a:lstStyle/>
+          <a:p>
+            <a:r>
+              <a:rPr lang="en-US" dirty="0" smtClean="0"/>
+              <a:t>How to Deactivate/Deny a Previously Approved Key (1)</a:t>
+            </a:r>
+            <a:endParaRPr lang="en-US" dirty="0"/>
+          </a:p>
+        </p:txBody>
+      </p:sp>
+      <p:sp>
+        <p:nvSpPr>
+          <p:cNvPr id="7" name="Text Placeholder 6"/>
+          <p:cNvSpPr>
+            <a:spLocks noGrp="1"/>
+          </p:cNvSpPr>
+          <p:nvPr>
+            <p:ph type="body" sz="quarter" idx="15"/>
+          </p:nvPr>
+        </p:nvSpPr>
+        <p:spPr/>
+        <p:txBody>
+          <a:bodyPr/>
+          <a:lstStyle/>
+          <a:p>
+            <a:r>
+              <a:rPr lang="en-US" dirty="0" smtClean="0"/>
+              <a:t>Administrator API How To</a:t>
+            </a:r>
+            <a:endParaRPr lang="en-US" dirty="0"/>
+          </a:p>
+        </p:txBody>
+      </p:sp>
+      <p:pic>
+        <p:nvPicPr>
+          <p:cNvPr id="18" name="Picture 17"/>
+          <p:cNvPicPr>
+            <a:picLocks noChangeAspect="1"/>
+          </p:cNvPicPr>
+          <p:nvPr/>
+        </p:nvPicPr>
+        <p:blipFill>
+          <a:blip r:embed="rId2"/>
+          <a:stretch>
+            <a:fillRect/>
+          </a:stretch>
+        </p:blipFill>
+        <p:spPr>
+          <a:xfrm>
+            <a:off x="4647618" y="1369734"/>
+            <a:ext cx="4160520" cy="2555215"/>
+          </a:xfrm>
+          <a:prstGeom prst="rect">
+            <a:avLst/>
+          </a:prstGeom>
+        </p:spPr>
+      </p:pic>
+      <p:sp>
+        <p:nvSpPr>
+          <p:cNvPr id="12" name="Right Arrow 11"/>
+          <p:cNvSpPr/>
+          <p:nvPr/>
+        </p:nvSpPr>
+        <p:spPr bwMode="gray">
+          <a:xfrm>
+            <a:off x="4325613" y="1633569"/>
+            <a:ext cx="342027" cy="137859"/>
+          </a:xfrm>
+          <a:prstGeom prst="rightArrow">
+            <a:avLst/>
+          </a:prstGeom>
+          <a:solidFill>
+            <a:schemeClr val="accent1"/>
+          </a:solidFill>
+          <a:ln w="9525" cap="flat" cmpd="sng" algn="ctr">
+            <a:noFill/>
+            <a:prstDash val="solid"/>
+            <a:round/>
+            <a:headEnd type="none" w="med" len="med"/>
+            <a:tailEnd type="none" w="med" len="med"/>
+          </a:ln>
+          <a:effectLst/>
+        </p:spPr>
+        <p:txBody>
+          <a:bodyPr vert="horz" wrap="square" lIns="91440" tIns="45720" rIns="91440" bIns="45720" numCol="1" rtlCol="0" anchor="ctr" anchorCtr="0" compatLnSpc="1">
+            <a:prstTxWarp prst="textNoShape">
+              <a:avLst/>
+            </a:prstTxWarp>
+          </a:bodyPr>
+          <a:lstStyle/>
+          <a:p>
+            <a:pPr marL="0" marR="0" indent="0" algn="l" defTabSz="914400" rtl="0" eaLnBrk="1" fontAlgn="base" latinLnBrk="0" hangingPunct="1">
+              <a:lnSpc>
+                <a:spcPct val="100000"/>
+              </a:lnSpc>
+              <a:spcBef>
+                <a:spcPct val="0"/>
+              </a:spcBef>
+              <a:spcAft>
+                <a:spcPct val="0"/>
+              </a:spcAft>
+              <a:buClrTx/>
+              <a:buSzTx/>
+              <a:buFontTx/>
+              <a:buNone/>
+              <a:tabLst/>
+            </a:pPr>
+            <a:endParaRPr kumimoji="0" lang="en-US" sz="2000" b="0" i="0" u="none" strike="noStrike" cap="none" normalizeH="0" baseline="0" dirty="0" smtClean="0">
+              <a:ln>
+                <a:noFill/>
+              </a:ln>
+              <a:solidFill>
+                <a:schemeClr val="bg1"/>
+              </a:solidFill>
+              <a:effectLst/>
+              <a:latin typeface="Arial" pitchFamily="2" charset="0"/>
+            </a:endParaRPr>
+          </a:p>
+        </p:txBody>
+      </p:sp>
+      <p:sp>
+        <p:nvSpPr>
+          <p:cNvPr id="13" name="Right Arrow 12"/>
+          <p:cNvSpPr/>
+          <p:nvPr/>
+        </p:nvSpPr>
+        <p:spPr bwMode="gray">
+          <a:xfrm rot="16200000">
+            <a:off x="7045143" y="1561174"/>
+            <a:ext cx="221621" cy="198886"/>
+          </a:xfrm>
+          <a:prstGeom prst="rightArrow">
+            <a:avLst/>
+          </a:prstGeom>
+          <a:solidFill>
+            <a:schemeClr val="accent1"/>
+          </a:solidFill>
+          <a:ln w="9525" cap="flat" cmpd="sng" algn="ctr">
+            <a:noFill/>
+            <a:prstDash val="solid"/>
+            <a:round/>
+            <a:headEnd type="none" w="med" len="med"/>
+            <a:tailEnd type="none" w="med" len="med"/>
+          </a:ln>
+          <a:effectLst/>
+        </p:spPr>
+        <p:txBody>
+          <a:bodyPr vert="horz" wrap="square" lIns="91440" tIns="45720" rIns="91440" bIns="45720" numCol="1" rtlCol="0" anchor="ctr" anchorCtr="0" compatLnSpc="1">
+            <a:prstTxWarp prst="textNoShape">
+              <a:avLst/>
+            </a:prstTxWarp>
+          </a:bodyPr>
+          <a:lstStyle/>
+          <a:p>
+            <a:pPr marL="0" marR="0" indent="0" algn="l" defTabSz="914400" rtl="0" eaLnBrk="1" fontAlgn="base" latinLnBrk="0" hangingPunct="1">
+              <a:lnSpc>
+                <a:spcPct val="100000"/>
+              </a:lnSpc>
+              <a:spcBef>
+                <a:spcPct val="0"/>
+              </a:spcBef>
+              <a:spcAft>
+                <a:spcPct val="0"/>
+              </a:spcAft>
+              <a:buClrTx/>
+              <a:buSzTx/>
+              <a:buFontTx/>
+              <a:buNone/>
+              <a:tabLst/>
+            </a:pPr>
+            <a:endParaRPr kumimoji="0" lang="en-US" sz="2000" b="0" i="0" u="none" strike="noStrike" cap="none" normalizeH="0" baseline="0" dirty="0" smtClean="0">
+              <a:ln>
+                <a:noFill/>
+              </a:ln>
+              <a:solidFill>
+                <a:schemeClr val="bg1"/>
+              </a:solidFill>
+              <a:effectLst/>
+              <a:latin typeface="Arial" pitchFamily="2" charset="0"/>
+            </a:endParaRPr>
+          </a:p>
+        </p:txBody>
+      </p:sp>
+      <p:sp>
+        <p:nvSpPr>
+          <p:cNvPr id="15" name="Right Arrow 14"/>
+          <p:cNvSpPr/>
+          <p:nvPr/>
+        </p:nvSpPr>
+        <p:spPr bwMode="gray">
+          <a:xfrm rot="19866145">
+            <a:off x="3487319" y="3030901"/>
+            <a:ext cx="2443768" cy="102691"/>
+          </a:xfrm>
+          <a:prstGeom prst="rightArrow">
+            <a:avLst/>
+          </a:prstGeom>
+          <a:solidFill>
+            <a:schemeClr val="accent1"/>
+          </a:solidFill>
+          <a:ln w="9525" cap="flat" cmpd="sng" algn="ctr">
+            <a:noFill/>
+            <a:prstDash val="solid"/>
+            <a:round/>
+            <a:headEnd type="none" w="med" len="med"/>
+            <a:tailEnd type="none" w="med" len="med"/>
+          </a:ln>
+          <a:effectLst/>
+        </p:spPr>
+        <p:txBody>
+          <a:bodyPr vert="horz" wrap="square" lIns="91440" tIns="45720" rIns="91440" bIns="45720" numCol="1" rtlCol="0" anchor="ctr" anchorCtr="0" compatLnSpc="1">
+            <a:prstTxWarp prst="textNoShape">
+              <a:avLst/>
+            </a:prstTxWarp>
+          </a:bodyPr>
+          <a:lstStyle/>
+          <a:p>
+            <a:pPr marL="0" marR="0" indent="0" algn="l" defTabSz="914400" rtl="0" eaLnBrk="1" fontAlgn="base" latinLnBrk="0" hangingPunct="1">
+              <a:lnSpc>
+                <a:spcPct val="100000"/>
+              </a:lnSpc>
+              <a:spcBef>
+                <a:spcPct val="0"/>
+              </a:spcBef>
+              <a:spcAft>
+                <a:spcPct val="0"/>
+              </a:spcAft>
+              <a:buClrTx/>
+              <a:buSzTx/>
+              <a:buFontTx/>
+              <a:buNone/>
+              <a:tabLst/>
+            </a:pPr>
+            <a:endParaRPr kumimoji="0" lang="en-US" sz="2000" b="0" i="0" u="none" strike="noStrike" cap="none" normalizeH="0" baseline="0" dirty="0" smtClean="0">
+              <a:ln>
+                <a:noFill/>
+              </a:ln>
+              <a:solidFill>
+                <a:schemeClr val="bg1"/>
+              </a:solidFill>
+              <a:effectLst/>
+              <a:latin typeface="Arial" pitchFamily="2" charset="0"/>
+            </a:endParaRPr>
+          </a:p>
+        </p:txBody>
+      </p:sp>
+      <p:sp>
+        <p:nvSpPr>
+          <p:cNvPr id="16" name="Right Arrow 15"/>
+          <p:cNvSpPr/>
+          <p:nvPr/>
+        </p:nvSpPr>
+        <p:spPr bwMode="gray">
+          <a:xfrm rot="18373809">
+            <a:off x="5284640" y="3852578"/>
+            <a:ext cx="1209725" cy="103155"/>
+          </a:xfrm>
+          <a:prstGeom prst="rightArrow">
+            <a:avLst/>
+          </a:prstGeom>
+          <a:solidFill>
+            <a:schemeClr val="accent1"/>
+          </a:solidFill>
+          <a:ln w="9525" cap="flat" cmpd="sng" algn="ctr">
+            <a:noFill/>
+            <a:prstDash val="solid"/>
+            <a:round/>
+            <a:headEnd type="none" w="med" len="med"/>
+            <a:tailEnd type="none" w="med" len="med"/>
+          </a:ln>
+          <a:effectLst/>
+        </p:spPr>
+        <p:txBody>
+          <a:bodyPr vert="horz" wrap="square" lIns="91440" tIns="45720" rIns="91440" bIns="45720" numCol="1" rtlCol="0" anchor="ctr" anchorCtr="0" compatLnSpc="1">
+            <a:prstTxWarp prst="textNoShape">
+              <a:avLst/>
+            </a:prstTxWarp>
+          </a:bodyPr>
+          <a:lstStyle/>
+          <a:p>
+            <a:pPr marL="0" marR="0" indent="0" algn="l" defTabSz="914400" rtl="0" eaLnBrk="1" fontAlgn="base" latinLnBrk="0" hangingPunct="1">
+              <a:lnSpc>
+                <a:spcPct val="100000"/>
+              </a:lnSpc>
+              <a:spcBef>
+                <a:spcPct val="0"/>
+              </a:spcBef>
+              <a:spcAft>
+                <a:spcPct val="0"/>
+              </a:spcAft>
+              <a:buClrTx/>
+              <a:buSzTx/>
+              <a:buFontTx/>
+              <a:buNone/>
+              <a:tabLst/>
+            </a:pPr>
+            <a:endParaRPr kumimoji="0" lang="en-US" sz="2000" b="0" i="0" u="none" strike="noStrike" cap="none" normalizeH="0" baseline="0" dirty="0" smtClean="0">
+              <a:ln>
+                <a:noFill/>
+              </a:ln>
+              <a:solidFill>
+                <a:schemeClr val="bg1"/>
+              </a:solidFill>
+              <a:effectLst/>
+              <a:latin typeface="Arial" pitchFamily="2" charset="0"/>
+            </a:endParaRPr>
+          </a:p>
+        </p:txBody>
+      </p:sp>
+    </p:spTree>
+    <p:extLst>
+      <p:ext uri="{BB962C8B-B14F-4D97-AF65-F5344CB8AC3E}">
+        <p14:creationId xmlns:p14="http://schemas.microsoft.com/office/powerpoint/2010/main" val="2039868981"/>
+      </p:ext>
+    </p:extLst>
+  </p:cSld>
+  <p:clrMapOvr>
+    <a:masterClrMapping/>
+  </p:clrMapOvr>
+  <p:timing>
+    <p:tnLst>
+      <p:par>
+        <p:cTn id="1" dur="indefinite" restart="never" nodeType="tmRoot"/>
+      </p:par>
+    </p:tnLst>
+  </p:timing>
+</p:sld>
+</file>
+
+<file path=ppt/slides/slide35.xml><?xml version="1.0" encoding="utf-8"?>
+<p:sld xmlns:a="http://schemas.openxmlformats.org/drawingml/2006/main" xmlns:r="http://schemas.openxmlformats.org/officeDocument/2006/relationships" xmlns:p="http://schemas.openxmlformats.org/presentationml/2006/main">
+  <p:cSld>
+    <p:spTree>
+      <p:nvGrpSpPr>
+        <p:cNvPr id="1" name=""/>
+        <p:cNvGrpSpPr/>
+        <p:nvPr/>
+      </p:nvGrpSpPr>
+      <p:grpSpPr>
+        <a:xfrm>
+          <a:off x="0" y="0"/>
+          <a:ext cx="0" cy="0"/>
+          <a:chOff x="0" y="0"/>
+          <a:chExt cx="0" cy="0"/>
+        </a:xfrm>
+      </p:grpSpPr>
+      <p:sp>
+        <p:nvSpPr>
+          <p:cNvPr id="2" name="Text Placeholder 1"/>
+          <p:cNvSpPr>
+            <a:spLocks noGrp="1"/>
+          </p:cNvSpPr>
+          <p:nvPr>
+            <p:ph type="body" sz="quarter" idx="13"/>
+          </p:nvPr>
+        </p:nvSpPr>
+        <p:spPr>
+          <a:xfrm>
+            <a:off x="274638" y="987818"/>
+            <a:ext cx="8283029" cy="3737694"/>
+          </a:xfrm>
+        </p:spPr>
+        <p:txBody>
+          <a:bodyPr/>
+          <a:lstStyle/>
+          <a:p>
+            <a:pPr lvl="1"/>
+            <a:endParaRPr lang="en-US" dirty="0" smtClean="0"/>
+          </a:p>
+          <a:p>
+            <a:pPr lvl="1"/>
+            <a:endParaRPr lang="en-US" dirty="0"/>
+          </a:p>
+          <a:p>
+            <a:pPr lvl="1"/>
+            <a:endParaRPr lang="en-US" dirty="0" smtClean="0"/>
+          </a:p>
+          <a:p>
+            <a:pPr lvl="1"/>
+            <a:endParaRPr lang="en-US" dirty="0"/>
+          </a:p>
+          <a:p>
+            <a:pPr lvl="1"/>
+            <a:endParaRPr lang="en-US" dirty="0" smtClean="0"/>
+          </a:p>
+          <a:p>
+            <a:pPr lvl="1"/>
+            <a:endParaRPr lang="en-US" dirty="0" smtClean="0"/>
+          </a:p>
+          <a:p>
+            <a:pPr lvl="1"/>
+            <a:r>
+              <a:rPr lang="en-US" dirty="0" smtClean="0"/>
+              <a:t>Uncheck the “Granted” box</a:t>
+            </a:r>
+          </a:p>
+          <a:p>
+            <a:pPr lvl="1"/>
+            <a:endParaRPr lang="en-US" dirty="0"/>
+          </a:p>
+          <a:p>
+            <a:pPr lvl="1"/>
+            <a:endParaRPr lang="en-US" dirty="0" smtClean="0"/>
+          </a:p>
+          <a:p>
+            <a:pPr lvl="1"/>
+            <a:r>
+              <a:rPr lang="en-US" dirty="0" smtClean="0"/>
+              <a:t>Click “Submit”</a:t>
+            </a:r>
+          </a:p>
+          <a:p>
+            <a:pPr lvl="1"/>
+            <a:r>
+              <a:rPr lang="en-US" dirty="0" smtClean="0"/>
+              <a:t>Remove the Client ID from either the subscription data file (one or both) as needed. If for SpendingPulse, upload the subscription file (see slide 31).</a:t>
+            </a:r>
+            <a:br>
+              <a:rPr lang="en-US" dirty="0" smtClean="0"/>
+            </a:br>
+            <a:r>
+              <a:rPr lang="en-US" sz="1200" dirty="0" smtClean="0">
+                <a:latin typeface="Andale Mono" panose="020B0509000000000004" pitchFamily="49" charset="0"/>
+              </a:rPr>
+              <a:t>Sector </a:t>
+            </a:r>
+            <a:r>
+              <a:rPr lang="en-US" sz="1200" dirty="0">
+                <a:latin typeface="Andale Mono" panose="020B0509000000000004" pitchFamily="49" charset="0"/>
+              </a:rPr>
+              <a:t>insights Keys.xlsx </a:t>
+            </a:r>
+            <a:r>
+              <a:rPr lang="en-US" dirty="0"/>
+              <a:t>or</a:t>
+            </a:r>
+            <a:r>
+              <a:rPr lang="en-US" sz="1200" dirty="0" smtClean="0">
+                <a:latin typeface="Andale Mono" panose="020B0509000000000004" pitchFamily="49" charset="0"/>
+              </a:rPr>
+              <a:t> SpendingPulse </a:t>
+            </a:r>
+            <a:r>
+              <a:rPr lang="en-US" sz="1200" dirty="0">
+                <a:latin typeface="Andale Mono" panose="020B0509000000000004" pitchFamily="49" charset="0"/>
+              </a:rPr>
+              <a:t>API Subscription Data.xlsx </a:t>
+            </a:r>
+            <a:r>
+              <a:rPr lang="en-US" sz="1200" dirty="0" smtClean="0">
+                <a:latin typeface="Andale Mono" panose="020B0509000000000004" pitchFamily="49" charset="0"/>
+              </a:rPr>
+              <a:t/>
+            </a:r>
+            <a:br>
+              <a:rPr lang="en-US" sz="1200" dirty="0" smtClean="0">
+                <a:latin typeface="Andale Mono" panose="020B0509000000000004" pitchFamily="49" charset="0"/>
+              </a:rPr>
+            </a:br>
+            <a:endParaRPr lang="en-US" sz="1200" dirty="0">
+              <a:latin typeface="Andale Mono" panose="020B0509000000000004" pitchFamily="49" charset="0"/>
+            </a:endParaRPr>
+          </a:p>
+        </p:txBody>
+      </p:sp>
+      <p:sp>
+        <p:nvSpPr>
+          <p:cNvPr id="3" name="Date Placeholder 2"/>
+          <p:cNvSpPr>
+            <a:spLocks noGrp="1"/>
+          </p:cNvSpPr>
+          <p:nvPr>
+            <p:ph type="dt" sz="half" idx="10"/>
+          </p:nvPr>
+        </p:nvSpPr>
+        <p:spPr/>
+        <p:txBody>
+          <a:bodyPr/>
+          <a:lstStyle/>
+          <a:p>
+            <a:r>
+              <a:rPr lang="en-US" smtClean="0"/>
+              <a:t>October 21, 2015</a:t>
+            </a:r>
+            <a:endParaRPr lang="en-US" dirty="0" smtClean="0"/>
+          </a:p>
+        </p:txBody>
+      </p:sp>
+      <p:sp>
+        <p:nvSpPr>
+          <p:cNvPr id="4" name="Slide Number Placeholder 3"/>
+          <p:cNvSpPr>
+            <a:spLocks noGrp="1"/>
+          </p:cNvSpPr>
+          <p:nvPr>
+            <p:ph type="sldNum" sz="quarter" idx="11"/>
+          </p:nvPr>
+        </p:nvSpPr>
+        <p:spPr/>
+        <p:txBody>
+          <a:bodyPr/>
+          <a:lstStyle/>
+          <a:p>
+            <a:fld id="{5698A34F-157D-4FC3-B6AE-341A8B909DED}" type="slidenum">
+              <a:rPr lang="en-US" smtClean="0"/>
+              <a:pPr/>
+              <a:t>35</a:t>
+            </a:fld>
+            <a:endParaRPr lang="en-US" dirty="0"/>
+          </a:p>
+        </p:txBody>
+      </p:sp>
+      <p:sp>
+        <p:nvSpPr>
+          <p:cNvPr id="5" name="Footer Placeholder 4"/>
+          <p:cNvSpPr>
+            <a:spLocks noGrp="1"/>
+          </p:cNvSpPr>
+          <p:nvPr>
+            <p:ph type="ftr" sz="quarter" idx="12"/>
+          </p:nvPr>
+        </p:nvSpPr>
+        <p:spPr/>
+        <p:txBody>
+          <a:bodyPr/>
+          <a:lstStyle/>
+          <a:p>
+            <a:endParaRPr lang="en-US" dirty="0"/>
+          </a:p>
+        </p:txBody>
+      </p:sp>
+      <p:sp>
+        <p:nvSpPr>
+          <p:cNvPr id="6" name="Title 5"/>
+          <p:cNvSpPr>
+            <a:spLocks noGrp="1"/>
+          </p:cNvSpPr>
+          <p:nvPr>
+            <p:ph type="title"/>
+          </p:nvPr>
+        </p:nvSpPr>
+        <p:spPr>
+          <a:xfrm>
+            <a:off x="273915" y="644462"/>
+            <a:ext cx="8618799" cy="486287"/>
+          </a:xfrm>
+        </p:spPr>
+        <p:txBody>
+          <a:bodyPr/>
+          <a:lstStyle/>
+          <a:p>
+            <a:r>
+              <a:rPr lang="en-US" dirty="0" smtClean="0"/>
+              <a:t>How to Deactivate/Deny a Previously Approved Key (2)</a:t>
+            </a:r>
+            <a:endParaRPr lang="en-US" dirty="0"/>
+          </a:p>
+        </p:txBody>
+      </p:sp>
+      <p:sp>
+        <p:nvSpPr>
+          <p:cNvPr id="7" name="Text Placeholder 6"/>
+          <p:cNvSpPr>
+            <a:spLocks noGrp="1"/>
+          </p:cNvSpPr>
+          <p:nvPr>
+            <p:ph type="body" sz="quarter" idx="15"/>
+          </p:nvPr>
+        </p:nvSpPr>
+        <p:spPr/>
+        <p:txBody>
+          <a:bodyPr/>
+          <a:lstStyle/>
+          <a:p>
+            <a:r>
+              <a:rPr lang="en-US" dirty="0" smtClean="0"/>
+              <a:t>Administrator API How To</a:t>
+            </a:r>
+            <a:endParaRPr lang="en-US" dirty="0"/>
+          </a:p>
+        </p:txBody>
+      </p:sp>
+      <p:pic>
+        <p:nvPicPr>
+          <p:cNvPr id="18" name="Picture 17"/>
+          <p:cNvPicPr>
+            <a:picLocks noChangeAspect="1"/>
+          </p:cNvPicPr>
+          <p:nvPr/>
+        </p:nvPicPr>
+        <p:blipFill>
+          <a:blip r:embed="rId2"/>
+          <a:stretch>
+            <a:fillRect/>
+          </a:stretch>
+        </p:blipFill>
+        <p:spPr>
+          <a:xfrm>
+            <a:off x="4647618" y="1162824"/>
+            <a:ext cx="4160520" cy="2555215"/>
+          </a:xfrm>
+          <a:prstGeom prst="rect">
+            <a:avLst/>
+          </a:prstGeom>
+        </p:spPr>
+      </p:pic>
+      <p:sp>
+        <p:nvSpPr>
+          <p:cNvPr id="12" name="Right Arrow 11"/>
+          <p:cNvSpPr/>
+          <p:nvPr/>
+        </p:nvSpPr>
+        <p:spPr bwMode="gray">
+          <a:xfrm>
+            <a:off x="3731583" y="2846013"/>
+            <a:ext cx="3570532" cy="84070"/>
+          </a:xfrm>
+          <a:prstGeom prst="rightArrow">
+            <a:avLst/>
+          </a:prstGeom>
+          <a:solidFill>
+            <a:schemeClr val="accent1"/>
+          </a:solidFill>
+          <a:ln w="9525" cap="flat" cmpd="sng" algn="ctr">
+            <a:noFill/>
+            <a:prstDash val="solid"/>
+            <a:round/>
+            <a:headEnd type="none" w="med" len="med"/>
+            <a:tailEnd type="none" w="med" len="med"/>
+          </a:ln>
+          <a:effectLst/>
+        </p:spPr>
+        <p:txBody>
+          <a:bodyPr vert="horz" wrap="square" lIns="91440" tIns="45720" rIns="91440" bIns="45720" numCol="1" rtlCol="0" anchor="ctr" anchorCtr="0" compatLnSpc="1">
+            <a:prstTxWarp prst="textNoShape">
+              <a:avLst/>
+            </a:prstTxWarp>
+          </a:bodyPr>
+          <a:lstStyle/>
+          <a:p>
+            <a:pPr marL="0" marR="0" indent="0" algn="l" defTabSz="914400" rtl="0" eaLnBrk="1" fontAlgn="base" latinLnBrk="0" hangingPunct="1">
+              <a:lnSpc>
+                <a:spcPct val="100000"/>
+              </a:lnSpc>
+              <a:spcBef>
+                <a:spcPct val="0"/>
+              </a:spcBef>
+              <a:spcAft>
+                <a:spcPct val="0"/>
+              </a:spcAft>
+              <a:buClrTx/>
+              <a:buSzTx/>
+              <a:buFontTx/>
+              <a:buNone/>
+              <a:tabLst/>
+            </a:pPr>
+            <a:endParaRPr kumimoji="0" lang="en-US" sz="2000" b="0" i="0" u="none" strike="noStrike" cap="none" normalizeH="0" baseline="0" dirty="0" smtClean="0">
+              <a:ln>
+                <a:noFill/>
+              </a:ln>
+              <a:solidFill>
+                <a:schemeClr val="bg1"/>
+              </a:solidFill>
+              <a:effectLst/>
+              <a:latin typeface="Arial" pitchFamily="2" charset="0"/>
+            </a:endParaRPr>
+          </a:p>
+        </p:txBody>
+      </p:sp>
+      <p:sp>
+        <p:nvSpPr>
+          <p:cNvPr id="14" name="Right Arrow 13"/>
+          <p:cNvSpPr/>
+          <p:nvPr/>
+        </p:nvSpPr>
+        <p:spPr bwMode="gray">
+          <a:xfrm>
+            <a:off x="2282663" y="3605787"/>
+            <a:ext cx="5458856" cy="84070"/>
+          </a:xfrm>
+          <a:prstGeom prst="rightArrow">
+            <a:avLst/>
+          </a:prstGeom>
+          <a:solidFill>
+            <a:schemeClr val="accent1"/>
+          </a:solidFill>
+          <a:ln w="9525" cap="flat" cmpd="sng" algn="ctr">
+            <a:noFill/>
+            <a:prstDash val="solid"/>
+            <a:round/>
+            <a:headEnd type="none" w="med" len="med"/>
+            <a:tailEnd type="none" w="med" len="med"/>
+          </a:ln>
+          <a:effectLst/>
+        </p:spPr>
+        <p:txBody>
+          <a:bodyPr vert="horz" wrap="square" lIns="91440" tIns="45720" rIns="91440" bIns="45720" numCol="1" rtlCol="0" anchor="ctr" anchorCtr="0" compatLnSpc="1">
+            <a:prstTxWarp prst="textNoShape">
+              <a:avLst/>
+            </a:prstTxWarp>
+          </a:bodyPr>
+          <a:lstStyle/>
+          <a:p>
+            <a:pPr marL="0" marR="0" indent="0" algn="l" defTabSz="914400" rtl="0" eaLnBrk="1" fontAlgn="base" latinLnBrk="0" hangingPunct="1">
+              <a:lnSpc>
+                <a:spcPct val="100000"/>
+              </a:lnSpc>
+              <a:spcBef>
+                <a:spcPct val="0"/>
+              </a:spcBef>
+              <a:spcAft>
+                <a:spcPct val="0"/>
+              </a:spcAft>
+              <a:buClrTx/>
+              <a:buSzTx/>
+              <a:buFontTx/>
+              <a:buNone/>
+              <a:tabLst/>
+            </a:pPr>
+            <a:endParaRPr kumimoji="0" lang="en-US" sz="2000" b="0" i="0" u="none" strike="noStrike" cap="none" normalizeH="0" baseline="0" dirty="0" smtClean="0">
+              <a:ln>
+                <a:noFill/>
+              </a:ln>
+              <a:solidFill>
+                <a:schemeClr val="bg1"/>
+              </a:solidFill>
+              <a:effectLst/>
+              <a:latin typeface="Arial" pitchFamily="2" charset="0"/>
+            </a:endParaRPr>
+          </a:p>
+        </p:txBody>
+      </p:sp>
+    </p:spTree>
+    <p:extLst>
+      <p:ext uri="{BB962C8B-B14F-4D97-AF65-F5344CB8AC3E}">
+        <p14:creationId xmlns:p14="http://schemas.microsoft.com/office/powerpoint/2010/main" val="1326989588"/>
+      </p:ext>
+    </p:extLst>
+  </p:cSld>
+  <p:clrMapOvr>
+    <a:masterClrMapping/>
+  </p:clrMapOvr>
+  <p:timing>
+    <p:tnLst>
+      <p:par>
+        <p:cTn id="1" dur="indefinite" restart="never" nodeType="tmRoot"/>
+      </p:par>
+    </p:tnLst>
+  </p:timing>
+</p:sld>
+</file>
+
+<file path=ppt/slides/slide36.xml><?xml version="1.0" encoding="utf-8"?>
+<p:sld xmlns:a="http://schemas.openxmlformats.org/drawingml/2006/main" xmlns:r="http://schemas.openxmlformats.org/officeDocument/2006/relationships" xmlns:p="http://schemas.openxmlformats.org/presentationml/2006/main">
+  <p:cSld>
+    <p:spTree>
+      <p:nvGrpSpPr>
+        <p:cNvPr id="1" name=""/>
+        <p:cNvGrpSpPr/>
+        <p:nvPr/>
+      </p:nvGrpSpPr>
+      <p:grpSpPr>
+        <a:xfrm>
+          <a:off x="0" y="0"/>
+          <a:ext cx="0" cy="0"/>
+          <a:chOff x="0" y="0"/>
+          <a:chExt cx="0" cy="0"/>
+        </a:xfrm>
+      </p:grpSpPr>
+      <p:sp>
+        <p:nvSpPr>
+          <p:cNvPr id="2" name="Text Placeholder 1"/>
+          <p:cNvSpPr>
+            <a:spLocks noGrp="1"/>
+          </p:cNvSpPr>
+          <p:nvPr>
+            <p:ph type="body" sz="quarter" idx="13"/>
+          </p:nvPr>
+        </p:nvSpPr>
+        <p:spPr>
+          <a:xfrm>
+            <a:off x="274638" y="1416424"/>
+            <a:ext cx="8283029" cy="3309088"/>
+          </a:xfrm>
+        </p:spPr>
+        <p:txBody>
+          <a:bodyPr/>
+          <a:lstStyle/>
+          <a:p>
+            <a:r>
+              <a:rPr lang="en-US" dirty="0" smtClean="0"/>
+              <a:t>For BOTH Weekly Gasoline data and US Exec data:</a:t>
+            </a:r>
+          </a:p>
+          <a:p>
+            <a:pPr lvl="1"/>
+            <a:r>
+              <a:rPr lang="en-US" dirty="0" smtClean="0"/>
+              <a:t>Must FIRST delete last report’s data – then upload new data</a:t>
+            </a:r>
+          </a:p>
+          <a:p>
+            <a:pPr lvl="1"/>
+            <a:r>
+              <a:rPr lang="en-US" dirty="0" smtClean="0"/>
+              <a:t>If not</a:t>
+            </a:r>
+            <a:r>
+              <a:rPr lang="en-US" smtClean="0"/>
+              <a:t>, both </a:t>
+            </a:r>
+            <a:r>
+              <a:rPr lang="en-US" dirty="0" smtClean="0"/>
+              <a:t>sets of data are exposed in the </a:t>
+            </a:r>
+            <a:r>
+              <a:rPr lang="en-US" smtClean="0"/>
+              <a:t>API.</a:t>
+            </a:r>
+            <a:endParaRPr lang="en-US" sz="1200" dirty="0">
+              <a:latin typeface="Andale Mono" panose="020B0509000000000004" pitchFamily="49" charset="0"/>
+            </a:endParaRPr>
+          </a:p>
+        </p:txBody>
+      </p:sp>
+      <p:sp>
+        <p:nvSpPr>
+          <p:cNvPr id="3" name="Date Placeholder 2"/>
+          <p:cNvSpPr>
+            <a:spLocks noGrp="1"/>
+          </p:cNvSpPr>
+          <p:nvPr>
+            <p:ph type="dt" sz="half" idx="10"/>
+          </p:nvPr>
+        </p:nvSpPr>
+        <p:spPr/>
+        <p:txBody>
+          <a:bodyPr/>
+          <a:lstStyle/>
+          <a:p>
+            <a:r>
+              <a:rPr lang="en-US" smtClean="0"/>
+              <a:t>October 21, 2015</a:t>
+            </a:r>
+            <a:endParaRPr lang="en-US" dirty="0" smtClean="0"/>
+          </a:p>
+        </p:txBody>
+      </p:sp>
+      <p:sp>
+        <p:nvSpPr>
+          <p:cNvPr id="4" name="Slide Number Placeholder 3"/>
+          <p:cNvSpPr>
+            <a:spLocks noGrp="1"/>
+          </p:cNvSpPr>
+          <p:nvPr>
+            <p:ph type="sldNum" sz="quarter" idx="11"/>
+          </p:nvPr>
+        </p:nvSpPr>
+        <p:spPr/>
+        <p:txBody>
+          <a:bodyPr/>
+          <a:lstStyle/>
+          <a:p>
+            <a:fld id="{5698A34F-157D-4FC3-B6AE-341A8B909DED}" type="slidenum">
+              <a:rPr lang="en-US" smtClean="0"/>
+              <a:pPr/>
+              <a:t>36</a:t>
+            </a:fld>
+            <a:endParaRPr lang="en-US" dirty="0"/>
+          </a:p>
+        </p:txBody>
+      </p:sp>
+      <p:sp>
+        <p:nvSpPr>
+          <p:cNvPr id="5" name="Footer Placeholder 4"/>
+          <p:cNvSpPr>
+            <a:spLocks noGrp="1"/>
+          </p:cNvSpPr>
+          <p:nvPr>
+            <p:ph type="ftr" sz="quarter" idx="12"/>
+          </p:nvPr>
+        </p:nvSpPr>
+        <p:spPr/>
+        <p:txBody>
+          <a:bodyPr/>
+          <a:lstStyle/>
+          <a:p>
+            <a:endParaRPr lang="en-US" dirty="0"/>
+          </a:p>
+        </p:txBody>
+      </p:sp>
+      <p:sp>
+        <p:nvSpPr>
+          <p:cNvPr id="6" name="Title 5"/>
+          <p:cNvSpPr>
+            <a:spLocks noGrp="1"/>
+          </p:cNvSpPr>
+          <p:nvPr>
+            <p:ph type="title"/>
+          </p:nvPr>
+        </p:nvSpPr>
+        <p:spPr>
+          <a:xfrm>
+            <a:off x="273915" y="644462"/>
+            <a:ext cx="8618799" cy="486287"/>
+          </a:xfrm>
+        </p:spPr>
+        <p:txBody>
+          <a:bodyPr/>
+          <a:lstStyle/>
+          <a:p>
+            <a:r>
+              <a:rPr lang="en-US" dirty="0" smtClean="0"/>
+              <a:t>SpendingPulse Data Upload – DON’T Forget</a:t>
+            </a:r>
+            <a:endParaRPr lang="en-US" dirty="0"/>
+          </a:p>
+        </p:txBody>
+      </p:sp>
+      <p:sp>
+        <p:nvSpPr>
+          <p:cNvPr id="7" name="Text Placeholder 6"/>
+          <p:cNvSpPr>
+            <a:spLocks noGrp="1"/>
+          </p:cNvSpPr>
+          <p:nvPr>
+            <p:ph type="body" sz="quarter" idx="15"/>
+          </p:nvPr>
+        </p:nvSpPr>
+        <p:spPr/>
+        <p:txBody>
+          <a:bodyPr/>
+          <a:lstStyle/>
+          <a:p>
+            <a:r>
+              <a:rPr lang="en-US" dirty="0" smtClean="0"/>
+              <a:t>Administrator API How To</a:t>
+            </a:r>
+            <a:endParaRPr lang="en-US" dirty="0"/>
+          </a:p>
+        </p:txBody>
+      </p:sp>
+    </p:spTree>
+    <p:extLst>
+      <p:ext uri="{BB962C8B-B14F-4D97-AF65-F5344CB8AC3E}">
+        <p14:creationId xmlns:p14="http://schemas.microsoft.com/office/powerpoint/2010/main" val="1557615695"/>
+      </p:ext>
+    </p:extLst>
+  </p:cSld>
+  <p:clrMapOvr>
+    <a:masterClrMapping/>
+  </p:clrMapOvr>
+  <p:timing>
+    <p:tnLst>
+      <p:par>
+        <p:cTn id="1" dur="indefinite" restart="never" nodeType="tmRoot"/>
+      </p:par>
+    </p:tnLst>
+  </p:timing>
+</p:sld>
+</file>
+
+<file path=ppt/slides/slide4.xml><?xml version="1.0" encoding="utf-8"?>
+<p:sld xmlns:a="http://schemas.openxmlformats.org/drawingml/2006/main" xmlns:r="http://schemas.openxmlformats.org/officeDocument/2006/relationships" xmlns:p="http://schemas.openxmlformats.org/presentationml/2006/main">
+  <p:cSld>
+    <p:spTree>
+      <p:nvGrpSpPr>
+        <p:cNvPr id="1" name=""/>
+        <p:cNvGrpSpPr/>
+        <p:nvPr/>
+      </p:nvGrpSpPr>
+      <p:grpSpPr>
+        <a:xfrm>
+          <a:off x="0" y="0"/>
+          <a:ext cx="0" cy="0"/>
+          <a:chOff x="0" y="0"/>
+          <a:chExt cx="0" cy="0"/>
+        </a:xfrm>
+      </p:grpSpPr>
+      <p:sp>
+        <p:nvSpPr>
           <p:cNvPr id="2" name="Text Placeholder 1"/>
           <p:cNvSpPr>
             <a:spLocks noGrp="1"/>
@@ -12067,7 +14773,7 @@
             <a:fld id="{5698A34F-157D-4FC3-B6AE-341A8B909DED}" type="slidenum">
               <a:rPr lang="en-US" smtClean="0"/>
               <a:pPr/>
-              <a:t>3</a:t>
+              <a:t>4</a:t>
             </a:fld>
             <a:endParaRPr lang="en-US" dirty="0"/>
           </a:p>
@@ -12351,7 +15057,7 @@
 </p:sld>
 </file>
 
-<file path=ppt/slides/slide30.xml><?xml version="1.0" encoding="utf-8"?>
+<file path=ppt/slides/slide5.xml><?xml version="1.0" encoding="utf-8"?>
 <p:sld xmlns:a="http://schemas.openxmlformats.org/drawingml/2006/main" xmlns:r="http://schemas.openxmlformats.org/officeDocument/2006/relationships" xmlns:p="http://schemas.openxmlformats.org/presentationml/2006/main">
   <p:cSld>
     <p:spTree>
@@ -12380,2083 +15086,6 @@
         </p:nvSpPr>
         <p:spPr>
           <a:xfrm>
-            <a:off x="274638" y="1369734"/>
-            <a:ext cx="8283029" cy="3320929"/>
-          </a:xfrm>
-        </p:spPr>
-        <p:txBody>
-          <a:bodyPr/>
-          <a:lstStyle/>
-          <a:p>
-            <a:r>
-              <a:rPr lang="en-US" dirty="0" smtClean="0"/>
-              <a:t>If a valid and approved Service is in place or </a:t>
-            </a:r>
-            <a:br>
-              <a:rPr lang="en-US" dirty="0" smtClean="0"/>
-            </a:br>
-            <a:r>
-              <a:rPr lang="en-US" dirty="0" smtClean="0"/>
-              <a:t>your investigation determines that a </a:t>
-            </a:r>
-            <a:br>
-              <a:rPr lang="en-US" dirty="0" smtClean="0"/>
-            </a:br>
-            <a:r>
-              <a:rPr lang="en-US" dirty="0" smtClean="0"/>
-              <a:t>valid/approved Service is forthcoming and </a:t>
-            </a:r>
-            <a:br>
-              <a:rPr lang="en-US" dirty="0" smtClean="0"/>
-            </a:br>
-            <a:r>
-              <a:rPr lang="en-US" dirty="0" smtClean="0"/>
-              <a:t>the request should be approved …</a:t>
-            </a:r>
-          </a:p>
-          <a:p>
-            <a:r>
-              <a:rPr lang="en-US" dirty="0" smtClean="0"/>
-              <a:t>Click the App tab and </a:t>
-            </a:r>
-            <a:br>
-              <a:rPr lang="en-US" dirty="0" smtClean="0"/>
-            </a:br>
-            <a:r>
-              <a:rPr lang="en-US" dirty="0" smtClean="0"/>
-              <a:t>copy the Production Client ID</a:t>
-            </a:r>
-          </a:p>
-          <a:p>
-            <a:pPr lvl="1"/>
-            <a:endParaRPr lang="en-US" b="1" dirty="0" smtClean="0"/>
-          </a:p>
-          <a:p>
-            <a:pPr lvl="1"/>
-            <a:r>
-              <a:rPr lang="en-US" b="1" dirty="0" smtClean="0"/>
-              <a:t>For Sector Insights</a:t>
-            </a:r>
-            <a:r>
-              <a:rPr lang="en-US" dirty="0" smtClean="0"/>
-              <a:t>, record the Client ID in the </a:t>
-            </a:r>
-            <a:br>
-              <a:rPr lang="en-US" dirty="0" smtClean="0"/>
-            </a:br>
-            <a:r>
-              <a:rPr lang="en-US" sz="1200" dirty="0" smtClean="0">
-                <a:latin typeface="Andale Mono" panose="020B0509000000000004" pitchFamily="49" charset="0"/>
-              </a:rPr>
-              <a:t>…/SpendingPulse/API/API Subscription files/Sector insights Keys.xlsx </a:t>
-            </a:r>
-            <a:r>
-              <a:rPr lang="en-US" dirty="0" smtClean="0"/>
-              <a:t>file.</a:t>
-            </a:r>
-          </a:p>
-          <a:p>
-            <a:pPr lvl="2"/>
-            <a:r>
-              <a:rPr lang="en-US" dirty="0" smtClean="0"/>
-              <a:t>Without this file, the only way to know who has been granted prod access is to have an API developer run a data pull against the AP database.</a:t>
-            </a:r>
-          </a:p>
-        </p:txBody>
-      </p:sp>
-      <p:sp>
-        <p:nvSpPr>
-          <p:cNvPr id="3" name="Date Placeholder 2"/>
-          <p:cNvSpPr>
-            <a:spLocks noGrp="1"/>
-          </p:cNvSpPr>
-          <p:nvPr>
-            <p:ph type="dt" sz="half" idx="10"/>
-          </p:nvPr>
-        </p:nvSpPr>
-        <p:spPr/>
-        <p:txBody>
-          <a:bodyPr/>
-          <a:lstStyle/>
-          <a:p>
-            <a:r>
-              <a:rPr lang="en-US" smtClean="0"/>
-              <a:t>October 21, 2015</a:t>
-            </a:r>
-            <a:endParaRPr lang="en-US" dirty="0" smtClean="0"/>
-          </a:p>
-        </p:txBody>
-      </p:sp>
-      <p:sp>
-        <p:nvSpPr>
-          <p:cNvPr id="4" name="Slide Number Placeholder 3"/>
-          <p:cNvSpPr>
-            <a:spLocks noGrp="1"/>
-          </p:cNvSpPr>
-          <p:nvPr>
-            <p:ph type="sldNum" sz="quarter" idx="11"/>
-          </p:nvPr>
-        </p:nvSpPr>
-        <p:spPr/>
-        <p:txBody>
-          <a:bodyPr/>
-          <a:lstStyle/>
-          <a:p>
-            <a:fld id="{5698A34F-157D-4FC3-B6AE-341A8B909DED}" type="slidenum">
-              <a:rPr lang="en-US" smtClean="0"/>
-              <a:pPr/>
-              <a:t>30</a:t>
-            </a:fld>
-            <a:endParaRPr lang="en-US" dirty="0"/>
-          </a:p>
-        </p:txBody>
-      </p:sp>
-      <p:sp>
-        <p:nvSpPr>
-          <p:cNvPr id="5" name="Footer Placeholder 4"/>
-          <p:cNvSpPr>
-            <a:spLocks noGrp="1"/>
-          </p:cNvSpPr>
-          <p:nvPr>
-            <p:ph type="ftr" sz="quarter" idx="12"/>
-          </p:nvPr>
-        </p:nvSpPr>
-        <p:spPr/>
-        <p:txBody>
-          <a:bodyPr/>
-          <a:lstStyle/>
-          <a:p>
-            <a:endParaRPr lang="en-US" dirty="0"/>
-          </a:p>
-        </p:txBody>
-      </p:sp>
-      <p:sp>
-        <p:nvSpPr>
-          <p:cNvPr id="6" name="Title 5"/>
-          <p:cNvSpPr>
-            <a:spLocks noGrp="1"/>
-          </p:cNvSpPr>
-          <p:nvPr>
-            <p:ph type="title"/>
-          </p:nvPr>
-        </p:nvSpPr>
-        <p:spPr/>
-        <p:txBody>
-          <a:bodyPr/>
-          <a:lstStyle/>
-          <a:p>
-            <a:r>
-              <a:rPr lang="en-US" dirty="0" smtClean="0"/>
-              <a:t>Approve/Deny Key Requests (4) – Valid Service</a:t>
-            </a:r>
-            <a:endParaRPr lang="en-US" dirty="0"/>
-          </a:p>
-        </p:txBody>
-      </p:sp>
-      <p:sp>
-        <p:nvSpPr>
-          <p:cNvPr id="7" name="Text Placeholder 6"/>
-          <p:cNvSpPr>
-            <a:spLocks noGrp="1"/>
-          </p:cNvSpPr>
-          <p:nvPr>
-            <p:ph type="body" sz="quarter" idx="15"/>
-          </p:nvPr>
-        </p:nvSpPr>
-        <p:spPr/>
-        <p:txBody>
-          <a:bodyPr/>
-          <a:lstStyle/>
-          <a:p>
-            <a:r>
-              <a:rPr lang="en-US" dirty="0" smtClean="0"/>
-              <a:t>Administrator API How To</a:t>
-            </a:r>
-            <a:endParaRPr lang="en-US" dirty="0"/>
-          </a:p>
-        </p:txBody>
-      </p:sp>
-      <p:pic>
-        <p:nvPicPr>
-          <p:cNvPr id="11" name="Picture 10"/>
-          <p:cNvPicPr>
-            <a:picLocks noChangeAspect="1"/>
-          </p:cNvPicPr>
-          <p:nvPr/>
-        </p:nvPicPr>
-        <p:blipFill>
-          <a:blip r:embed="rId2"/>
-          <a:stretch>
-            <a:fillRect/>
-          </a:stretch>
-        </p:blipFill>
-        <p:spPr>
-          <a:xfrm>
-            <a:off x="5192829" y="1451872"/>
-            <a:ext cx="3780156" cy="1788772"/>
-          </a:xfrm>
-          <a:prstGeom prst="rect">
-            <a:avLst/>
-          </a:prstGeom>
-        </p:spPr>
-      </p:pic>
-      <p:sp>
-        <p:nvSpPr>
-          <p:cNvPr id="13" name="Right Arrow 12"/>
-          <p:cNvSpPr/>
-          <p:nvPr/>
-        </p:nvSpPr>
-        <p:spPr bwMode="gray">
-          <a:xfrm>
-            <a:off x="3718514" y="2857717"/>
-            <a:ext cx="3174734" cy="92985"/>
-          </a:xfrm>
-          <a:prstGeom prst="rightArrow">
-            <a:avLst/>
-          </a:prstGeom>
-          <a:solidFill>
-            <a:schemeClr val="accent1"/>
-          </a:solidFill>
-          <a:ln w="9525" cap="flat" cmpd="sng" algn="ctr">
-            <a:noFill/>
-            <a:prstDash val="solid"/>
-            <a:round/>
-            <a:headEnd type="none" w="med" len="med"/>
-            <a:tailEnd type="none" w="med" len="med"/>
-          </a:ln>
-          <a:effectLst/>
-        </p:spPr>
-        <p:txBody>
-          <a:bodyPr vert="horz" wrap="square" lIns="91440" tIns="45720" rIns="91440" bIns="45720" numCol="1" rtlCol="0" anchor="ctr" anchorCtr="0" compatLnSpc="1">
-            <a:prstTxWarp prst="textNoShape">
-              <a:avLst/>
-            </a:prstTxWarp>
-          </a:bodyPr>
-          <a:lstStyle/>
-          <a:p>
-            <a:pPr marL="0" marR="0" indent="0" algn="l" defTabSz="914400" rtl="0" eaLnBrk="1" fontAlgn="base" latinLnBrk="0" hangingPunct="1">
-              <a:lnSpc>
-                <a:spcPct val="100000"/>
-              </a:lnSpc>
-              <a:spcBef>
-                <a:spcPct val="0"/>
-              </a:spcBef>
-              <a:spcAft>
-                <a:spcPct val="0"/>
-              </a:spcAft>
-              <a:buClrTx/>
-              <a:buSzTx/>
-              <a:buFontTx/>
-              <a:buNone/>
-              <a:tabLst/>
-            </a:pPr>
-            <a:endParaRPr kumimoji="0" lang="en-US" sz="2000" b="0" i="0" u="none" strike="noStrike" cap="none" normalizeH="0" baseline="0" dirty="0" smtClean="0">
-              <a:ln>
-                <a:noFill/>
-              </a:ln>
-              <a:solidFill>
-                <a:schemeClr val="bg1"/>
-              </a:solidFill>
-              <a:effectLst/>
-              <a:latin typeface="Arial" pitchFamily="2" charset="0"/>
-            </a:endParaRPr>
-          </a:p>
-        </p:txBody>
-      </p:sp>
-    </p:spTree>
-    <p:extLst>
-      <p:ext uri="{BB962C8B-B14F-4D97-AF65-F5344CB8AC3E}">
-        <p14:creationId xmlns:p14="http://schemas.microsoft.com/office/powerpoint/2010/main" val="1724074499"/>
-      </p:ext>
-    </p:extLst>
-  </p:cSld>
-  <p:clrMapOvr>
-    <a:masterClrMapping/>
-  </p:clrMapOvr>
-  <p:timing>
-    <p:tnLst>
-      <p:par>
-        <p:cTn id="1" dur="indefinite" restart="never" nodeType="tmRoot"/>
-      </p:par>
-    </p:tnLst>
-  </p:timing>
-</p:sld>
-</file>
-
-<file path=ppt/slides/slide31.xml><?xml version="1.0" encoding="utf-8"?>
-<p:sld xmlns:a="http://schemas.openxmlformats.org/drawingml/2006/main" xmlns:r="http://schemas.openxmlformats.org/officeDocument/2006/relationships" xmlns:p="http://schemas.openxmlformats.org/presentationml/2006/main">
-  <p:cSld>
-    <p:spTree>
-      <p:nvGrpSpPr>
-        <p:cNvPr id="1" name=""/>
-        <p:cNvGrpSpPr/>
-        <p:nvPr/>
-      </p:nvGrpSpPr>
-      <p:grpSpPr>
-        <a:xfrm>
-          <a:off x="0" y="0"/>
-          <a:ext cx="0" cy="0"/>
-          <a:chOff x="0" y="0"/>
-          <a:chExt cx="0" cy="0"/>
-        </a:xfrm>
-      </p:grpSpPr>
-      <p:sp>
-        <p:nvSpPr>
-          <p:cNvPr id="2" name="Text Placeholder 1"/>
-          <p:cNvSpPr>
-            <a:spLocks noGrp="1"/>
-          </p:cNvSpPr>
-          <p:nvPr>
-            <p:ph type="body" sz="quarter" idx="13"/>
-          </p:nvPr>
-        </p:nvSpPr>
-        <p:spPr>
-          <a:xfrm>
-            <a:off x="274638" y="1369734"/>
-            <a:ext cx="8283029" cy="3320929"/>
-          </a:xfrm>
-        </p:spPr>
-        <p:txBody>
-          <a:bodyPr/>
-          <a:lstStyle/>
-          <a:p>
-            <a:pPr lvl="1"/>
-            <a:r>
-              <a:rPr lang="en-US" b="1" dirty="0" smtClean="0"/>
-              <a:t>For SpendingPulse</a:t>
-            </a:r>
-            <a:r>
-              <a:rPr lang="en-US" dirty="0" smtClean="0"/>
-              <a:t>, record the Client ID in the </a:t>
-            </a:r>
-            <a:br>
-              <a:rPr lang="en-US" dirty="0" smtClean="0"/>
-            </a:br>
-            <a:r>
-              <a:rPr lang="en-US" sz="1200" dirty="0" smtClean="0">
-                <a:latin typeface="Andale Mono" panose="020B0509000000000004" pitchFamily="49" charset="0"/>
-              </a:rPr>
-              <a:t>…/SpendingPulse/API/API </a:t>
-            </a:r>
-            <a:r>
-              <a:rPr lang="en-US" sz="1200" dirty="0">
-                <a:latin typeface="Andale Mono" panose="020B0509000000000004" pitchFamily="49" charset="0"/>
-              </a:rPr>
-              <a:t>Subscription files/SpendingPulse API Subscription </a:t>
-            </a:r>
-            <a:r>
-              <a:rPr lang="en-US" sz="1200" dirty="0" smtClean="0">
-                <a:latin typeface="Andale Mono" panose="020B0509000000000004" pitchFamily="49" charset="0"/>
-              </a:rPr>
-              <a:t>Data.xlsx </a:t>
-            </a:r>
-            <a:br>
-              <a:rPr lang="en-US" sz="1200" dirty="0" smtClean="0">
-                <a:latin typeface="Andale Mono" panose="020B0509000000000004" pitchFamily="49" charset="0"/>
-              </a:rPr>
-            </a:br>
-            <a:r>
-              <a:rPr lang="en-US" dirty="0" smtClean="0"/>
-              <a:t>file.</a:t>
-            </a:r>
-          </a:p>
-          <a:p>
-            <a:pPr lvl="1"/>
-            <a:r>
-              <a:rPr lang="en-US" dirty="0"/>
-              <a:t>The “</a:t>
-            </a:r>
-            <a:r>
-              <a:rPr lang="en-US" sz="1600" dirty="0">
-                <a:latin typeface="Andale Mono" panose="020B0509000000000004" pitchFamily="49" charset="0"/>
-              </a:rPr>
-              <a:t>SpendingPulse API </a:t>
-            </a:r>
-            <a:r>
-              <a:rPr lang="en-US" sz="1600" dirty="0" smtClean="0">
-                <a:latin typeface="Andale Mono" panose="020B0509000000000004" pitchFamily="49" charset="0"/>
-              </a:rPr>
-              <a:t>Subscription</a:t>
-            </a:r>
-            <a:r>
-              <a:rPr lang="en-US" dirty="0" smtClean="0"/>
-              <a:t>” tab of this file must be saved as a .csv file and uploaded, using the API MDE Upload facility – the same facility used to upload the Sector Insights and SpendingPulse data to the API.</a:t>
-            </a:r>
-          </a:p>
-          <a:p>
-            <a:pPr lvl="1"/>
-            <a:r>
-              <a:rPr lang="en-US" dirty="0" smtClean="0"/>
-              <a:t>To upload the subscription data, use the </a:t>
-            </a:r>
-            <a:br>
-              <a:rPr lang="en-US" dirty="0" smtClean="0"/>
-            </a:br>
-            <a:r>
-              <a:rPr lang="en-US" sz="1400" dirty="0">
-                <a:latin typeface="Andale Mono" panose="020B0509000000000004" pitchFamily="49" charset="0"/>
-              </a:rPr>
-              <a:t>REL5 – DW-P-SPENDINGPULSE REPLACE SUBSCRIPTION </a:t>
-            </a:r>
-            <a:r>
-              <a:rPr lang="en-US" dirty="0" smtClean="0"/>
-              <a:t>bulk type.</a:t>
-            </a:r>
-          </a:p>
-          <a:p>
-            <a:r>
-              <a:rPr lang="en-US" dirty="0" smtClean="0"/>
-              <a:t>Once the subscription data has been successfully uploaded, Approve the request … an approval email is sent to the requestor.</a:t>
-            </a:r>
-          </a:p>
-          <a:p>
-            <a:endParaRPr lang="en-US" dirty="0"/>
-          </a:p>
-        </p:txBody>
-      </p:sp>
-      <p:sp>
-        <p:nvSpPr>
-          <p:cNvPr id="3" name="Date Placeholder 2"/>
-          <p:cNvSpPr>
-            <a:spLocks noGrp="1"/>
-          </p:cNvSpPr>
-          <p:nvPr>
-            <p:ph type="dt" sz="half" idx="10"/>
-          </p:nvPr>
-        </p:nvSpPr>
-        <p:spPr/>
-        <p:txBody>
-          <a:bodyPr/>
-          <a:lstStyle/>
-          <a:p>
-            <a:r>
-              <a:rPr lang="en-US" smtClean="0"/>
-              <a:t>October 21, 2015</a:t>
-            </a:r>
-            <a:endParaRPr lang="en-US" dirty="0" smtClean="0"/>
-          </a:p>
-        </p:txBody>
-      </p:sp>
-      <p:sp>
-        <p:nvSpPr>
-          <p:cNvPr id="4" name="Slide Number Placeholder 3"/>
-          <p:cNvSpPr>
-            <a:spLocks noGrp="1"/>
-          </p:cNvSpPr>
-          <p:nvPr>
-            <p:ph type="sldNum" sz="quarter" idx="11"/>
-          </p:nvPr>
-        </p:nvSpPr>
-        <p:spPr/>
-        <p:txBody>
-          <a:bodyPr/>
-          <a:lstStyle/>
-          <a:p>
-            <a:fld id="{5698A34F-157D-4FC3-B6AE-341A8B909DED}" type="slidenum">
-              <a:rPr lang="en-US" smtClean="0"/>
-              <a:pPr/>
-              <a:t>31</a:t>
-            </a:fld>
-            <a:endParaRPr lang="en-US" dirty="0"/>
-          </a:p>
-        </p:txBody>
-      </p:sp>
-      <p:sp>
-        <p:nvSpPr>
-          <p:cNvPr id="5" name="Footer Placeholder 4"/>
-          <p:cNvSpPr>
-            <a:spLocks noGrp="1"/>
-          </p:cNvSpPr>
-          <p:nvPr>
-            <p:ph type="ftr" sz="quarter" idx="12"/>
-          </p:nvPr>
-        </p:nvSpPr>
-        <p:spPr/>
-        <p:txBody>
-          <a:bodyPr/>
-          <a:lstStyle/>
-          <a:p>
-            <a:endParaRPr lang="en-US" dirty="0"/>
-          </a:p>
-        </p:txBody>
-      </p:sp>
-      <p:sp>
-        <p:nvSpPr>
-          <p:cNvPr id="6" name="Title 5"/>
-          <p:cNvSpPr>
-            <a:spLocks noGrp="1"/>
-          </p:cNvSpPr>
-          <p:nvPr>
-            <p:ph type="title"/>
-          </p:nvPr>
-        </p:nvSpPr>
-        <p:spPr/>
-        <p:txBody>
-          <a:bodyPr/>
-          <a:lstStyle/>
-          <a:p>
-            <a:r>
-              <a:rPr lang="en-US" dirty="0" smtClean="0"/>
-              <a:t>Approve/Deny Key Requests (5) – Valid Service</a:t>
-            </a:r>
-            <a:endParaRPr lang="en-US" dirty="0"/>
-          </a:p>
-        </p:txBody>
-      </p:sp>
-      <p:sp>
-        <p:nvSpPr>
-          <p:cNvPr id="7" name="Text Placeholder 6"/>
-          <p:cNvSpPr>
-            <a:spLocks noGrp="1"/>
-          </p:cNvSpPr>
-          <p:nvPr>
-            <p:ph type="body" sz="quarter" idx="15"/>
-          </p:nvPr>
-        </p:nvSpPr>
-        <p:spPr/>
-        <p:txBody>
-          <a:bodyPr/>
-          <a:lstStyle/>
-          <a:p>
-            <a:r>
-              <a:rPr lang="en-US" dirty="0" smtClean="0"/>
-              <a:t>Administrator API How To</a:t>
-            </a:r>
-            <a:endParaRPr lang="en-US" dirty="0"/>
-          </a:p>
-        </p:txBody>
-      </p:sp>
-    </p:spTree>
-    <p:extLst>
-      <p:ext uri="{BB962C8B-B14F-4D97-AF65-F5344CB8AC3E}">
-        <p14:creationId xmlns:p14="http://schemas.microsoft.com/office/powerpoint/2010/main" val="2378687281"/>
-      </p:ext>
-    </p:extLst>
-  </p:cSld>
-  <p:clrMapOvr>
-    <a:masterClrMapping/>
-  </p:clrMapOvr>
-  <p:timing>
-    <p:tnLst>
-      <p:par>
-        <p:cTn id="1" dur="indefinite" restart="never" nodeType="tmRoot"/>
-      </p:par>
-    </p:tnLst>
-  </p:timing>
-</p:sld>
-</file>
-
-<file path=ppt/slides/slide32.xml><?xml version="1.0" encoding="utf-8"?>
-<p:sld xmlns:a="http://schemas.openxmlformats.org/drawingml/2006/main" xmlns:r="http://schemas.openxmlformats.org/officeDocument/2006/relationships" xmlns:p="http://schemas.openxmlformats.org/presentationml/2006/main">
-  <p:cSld>
-    <p:spTree>
-      <p:nvGrpSpPr>
-        <p:cNvPr id="1" name=""/>
-        <p:cNvGrpSpPr/>
-        <p:nvPr/>
-      </p:nvGrpSpPr>
-      <p:grpSpPr>
-        <a:xfrm>
-          <a:off x="0" y="0"/>
-          <a:ext cx="0" cy="0"/>
-          <a:chOff x="0" y="0"/>
-          <a:chExt cx="0" cy="0"/>
-        </a:xfrm>
-      </p:grpSpPr>
-      <p:sp>
-        <p:nvSpPr>
-          <p:cNvPr id="2" name="Text Placeholder 1"/>
-          <p:cNvSpPr>
-            <a:spLocks noGrp="1"/>
-          </p:cNvSpPr>
-          <p:nvPr>
-            <p:ph type="body" sz="quarter" idx="13"/>
-          </p:nvPr>
-        </p:nvSpPr>
-        <p:spPr>
-          <a:xfrm>
-            <a:off x="274638" y="1369734"/>
-            <a:ext cx="8283029" cy="3320929"/>
-          </a:xfrm>
-        </p:spPr>
-        <p:txBody>
-          <a:bodyPr/>
-          <a:lstStyle/>
-          <a:p>
-            <a:r>
-              <a:rPr lang="en-US" dirty="0"/>
-              <a:t>Once the subscription data has been successfully uploaded, Approve the request … an approval email is sent to the requestor.</a:t>
-            </a:r>
-          </a:p>
-          <a:p>
-            <a:r>
-              <a:rPr lang="en-US" dirty="0" smtClean="0"/>
-              <a:t>To grant production access to</a:t>
-            </a:r>
-            <a:br>
-              <a:rPr lang="en-US" dirty="0" smtClean="0"/>
-            </a:br>
-            <a:r>
-              <a:rPr lang="en-US" dirty="0" smtClean="0"/>
-              <a:t>SpendingPulse it takes BOTH:</a:t>
-            </a:r>
-          </a:p>
-          <a:p>
-            <a:pPr lvl="1"/>
-            <a:r>
-              <a:rPr lang="en-US" dirty="0" smtClean="0"/>
-              <a:t>Uploaded subscription data for the </a:t>
-            </a:r>
-            <a:br>
-              <a:rPr lang="en-US" dirty="0" smtClean="0"/>
-            </a:br>
-            <a:r>
-              <a:rPr lang="en-US" dirty="0" smtClean="0"/>
-              <a:t>Client ID</a:t>
-            </a:r>
-          </a:p>
-          <a:p>
-            <a:pPr lvl="1"/>
-            <a:r>
-              <a:rPr lang="en-US" dirty="0" smtClean="0"/>
-              <a:t>Approved Key</a:t>
-            </a:r>
-            <a:endParaRPr lang="en-US" dirty="0"/>
-          </a:p>
-        </p:txBody>
-      </p:sp>
-      <p:sp>
-        <p:nvSpPr>
-          <p:cNvPr id="3" name="Date Placeholder 2"/>
-          <p:cNvSpPr>
-            <a:spLocks noGrp="1"/>
-          </p:cNvSpPr>
-          <p:nvPr>
-            <p:ph type="dt" sz="half" idx="10"/>
-          </p:nvPr>
-        </p:nvSpPr>
-        <p:spPr/>
-        <p:txBody>
-          <a:bodyPr/>
-          <a:lstStyle/>
-          <a:p>
-            <a:r>
-              <a:rPr lang="en-US" smtClean="0"/>
-              <a:t>October 21, 2015</a:t>
-            </a:r>
-            <a:endParaRPr lang="en-US" dirty="0" smtClean="0"/>
-          </a:p>
-        </p:txBody>
-      </p:sp>
-      <p:sp>
-        <p:nvSpPr>
-          <p:cNvPr id="4" name="Slide Number Placeholder 3"/>
-          <p:cNvSpPr>
-            <a:spLocks noGrp="1"/>
-          </p:cNvSpPr>
-          <p:nvPr>
-            <p:ph type="sldNum" sz="quarter" idx="11"/>
-          </p:nvPr>
-        </p:nvSpPr>
-        <p:spPr/>
-        <p:txBody>
-          <a:bodyPr/>
-          <a:lstStyle/>
-          <a:p>
-            <a:fld id="{5698A34F-157D-4FC3-B6AE-341A8B909DED}" type="slidenum">
-              <a:rPr lang="en-US" smtClean="0"/>
-              <a:pPr/>
-              <a:t>32</a:t>
-            </a:fld>
-            <a:endParaRPr lang="en-US" dirty="0"/>
-          </a:p>
-        </p:txBody>
-      </p:sp>
-      <p:sp>
-        <p:nvSpPr>
-          <p:cNvPr id="5" name="Footer Placeholder 4"/>
-          <p:cNvSpPr>
-            <a:spLocks noGrp="1"/>
-          </p:cNvSpPr>
-          <p:nvPr>
-            <p:ph type="ftr" sz="quarter" idx="12"/>
-          </p:nvPr>
-        </p:nvSpPr>
-        <p:spPr/>
-        <p:txBody>
-          <a:bodyPr/>
-          <a:lstStyle/>
-          <a:p>
-            <a:endParaRPr lang="en-US" dirty="0"/>
-          </a:p>
-        </p:txBody>
-      </p:sp>
-      <p:sp>
-        <p:nvSpPr>
-          <p:cNvPr id="6" name="Title 5"/>
-          <p:cNvSpPr>
-            <a:spLocks noGrp="1"/>
-          </p:cNvSpPr>
-          <p:nvPr>
-            <p:ph type="title"/>
-          </p:nvPr>
-        </p:nvSpPr>
-        <p:spPr/>
-        <p:txBody>
-          <a:bodyPr/>
-          <a:lstStyle/>
-          <a:p>
-            <a:r>
-              <a:rPr lang="en-US" dirty="0" smtClean="0"/>
-              <a:t>Approve/Deny Key Requests (6) – No valid Service</a:t>
-            </a:r>
-            <a:endParaRPr lang="en-US" dirty="0"/>
-          </a:p>
-        </p:txBody>
-      </p:sp>
-      <p:sp>
-        <p:nvSpPr>
-          <p:cNvPr id="7" name="Text Placeholder 6"/>
-          <p:cNvSpPr>
-            <a:spLocks noGrp="1"/>
-          </p:cNvSpPr>
-          <p:nvPr>
-            <p:ph type="body" sz="quarter" idx="15"/>
-          </p:nvPr>
-        </p:nvSpPr>
-        <p:spPr/>
-        <p:txBody>
-          <a:bodyPr/>
-          <a:lstStyle/>
-          <a:p>
-            <a:r>
-              <a:rPr lang="en-US" dirty="0" smtClean="0"/>
-              <a:t>Administrator API How To</a:t>
-            </a:r>
-            <a:endParaRPr lang="en-US" dirty="0"/>
-          </a:p>
-        </p:txBody>
-      </p:sp>
-      <p:pic>
-        <p:nvPicPr>
-          <p:cNvPr id="9" name="Picture 8"/>
-          <p:cNvPicPr>
-            <a:picLocks noChangeAspect="1"/>
-          </p:cNvPicPr>
-          <p:nvPr/>
-        </p:nvPicPr>
-        <p:blipFill>
-          <a:blip r:embed="rId2"/>
-          <a:stretch>
-            <a:fillRect/>
-          </a:stretch>
-        </p:blipFill>
-        <p:spPr>
-          <a:xfrm>
-            <a:off x="5079061" y="2021322"/>
-            <a:ext cx="3813654" cy="1970971"/>
-          </a:xfrm>
-          <a:prstGeom prst="rect">
-            <a:avLst/>
-          </a:prstGeom>
-        </p:spPr>
-      </p:pic>
-      <p:sp>
-        <p:nvSpPr>
-          <p:cNvPr id="10" name="Right Arrow 9"/>
-          <p:cNvSpPr/>
-          <p:nvPr/>
-        </p:nvSpPr>
-        <p:spPr bwMode="gray">
-          <a:xfrm rot="16200000">
-            <a:off x="7140695" y="2795551"/>
-            <a:ext cx="244306" cy="237325"/>
-          </a:xfrm>
-          <a:prstGeom prst="rightArrow">
-            <a:avLst/>
-          </a:prstGeom>
-          <a:solidFill>
-            <a:schemeClr val="accent1"/>
-          </a:solidFill>
-          <a:ln w="9525" cap="flat" cmpd="sng" algn="ctr">
-            <a:noFill/>
-            <a:prstDash val="solid"/>
-            <a:round/>
-            <a:headEnd type="none" w="med" len="med"/>
-            <a:tailEnd type="none" w="med" len="med"/>
-          </a:ln>
-          <a:effectLst/>
-        </p:spPr>
-        <p:txBody>
-          <a:bodyPr vert="horz" wrap="square" lIns="91440" tIns="45720" rIns="91440" bIns="45720" numCol="1" rtlCol="0" anchor="ctr" anchorCtr="0" compatLnSpc="1">
-            <a:prstTxWarp prst="textNoShape">
-              <a:avLst/>
-            </a:prstTxWarp>
-          </a:bodyPr>
-          <a:lstStyle/>
-          <a:p>
-            <a:pPr marL="0" marR="0" indent="0" algn="l" defTabSz="914400" rtl="0" eaLnBrk="1" fontAlgn="base" latinLnBrk="0" hangingPunct="1">
-              <a:lnSpc>
-                <a:spcPct val="100000"/>
-              </a:lnSpc>
-              <a:spcBef>
-                <a:spcPct val="0"/>
-              </a:spcBef>
-              <a:spcAft>
-                <a:spcPct val="0"/>
-              </a:spcAft>
-              <a:buClrTx/>
-              <a:buSzTx/>
-              <a:buFontTx/>
-              <a:buNone/>
-              <a:tabLst/>
-            </a:pPr>
-            <a:endParaRPr kumimoji="0" lang="en-US" sz="2000" b="0" i="0" u="none" strike="noStrike" cap="none" normalizeH="0" baseline="0" dirty="0" smtClean="0">
-              <a:ln>
-                <a:noFill/>
-              </a:ln>
-              <a:solidFill>
-                <a:schemeClr val="bg1"/>
-              </a:solidFill>
-              <a:effectLst/>
-              <a:latin typeface="Arial" pitchFamily="2" charset="0"/>
-            </a:endParaRPr>
-          </a:p>
-        </p:txBody>
-      </p:sp>
-    </p:spTree>
-    <p:extLst>
-      <p:ext uri="{BB962C8B-B14F-4D97-AF65-F5344CB8AC3E}">
-        <p14:creationId xmlns:p14="http://schemas.microsoft.com/office/powerpoint/2010/main" val="4192355193"/>
-      </p:ext>
-    </p:extLst>
-  </p:cSld>
-  <p:clrMapOvr>
-    <a:masterClrMapping/>
-  </p:clrMapOvr>
-  <p:timing>
-    <p:tnLst>
-      <p:par>
-        <p:cTn id="1" dur="indefinite" restart="never" nodeType="tmRoot"/>
-      </p:par>
-    </p:tnLst>
-  </p:timing>
-</p:sld>
-</file>
-
-<file path=ppt/slides/slide33.xml><?xml version="1.0" encoding="utf-8"?>
-<p:sld xmlns:a="http://schemas.openxmlformats.org/drawingml/2006/main" xmlns:r="http://schemas.openxmlformats.org/officeDocument/2006/relationships" xmlns:p="http://schemas.openxmlformats.org/presentationml/2006/main">
-  <p:cSld>
-    <p:spTree>
-      <p:nvGrpSpPr>
-        <p:cNvPr id="1" name=""/>
-        <p:cNvGrpSpPr/>
-        <p:nvPr/>
-      </p:nvGrpSpPr>
-      <p:grpSpPr>
-        <a:xfrm>
-          <a:off x="0" y="0"/>
-          <a:ext cx="0" cy="0"/>
-          <a:chOff x="0" y="0"/>
-          <a:chExt cx="0" cy="0"/>
-        </a:xfrm>
-      </p:grpSpPr>
-      <p:sp>
-        <p:nvSpPr>
-          <p:cNvPr id="2" name="Text Placeholder 1"/>
-          <p:cNvSpPr>
-            <a:spLocks noGrp="1"/>
-          </p:cNvSpPr>
-          <p:nvPr>
-            <p:ph type="body" sz="quarter" idx="13"/>
-          </p:nvPr>
-        </p:nvSpPr>
-        <p:spPr>
-          <a:xfrm>
-            <a:off x="274638" y="1369734"/>
-            <a:ext cx="8283029" cy="3320929"/>
-          </a:xfrm>
-        </p:spPr>
-        <p:txBody>
-          <a:bodyPr/>
-          <a:lstStyle/>
-          <a:p>
-            <a:r>
-              <a:rPr lang="en-US" dirty="0"/>
-              <a:t>Log in to the API Admin </a:t>
-            </a:r>
-            <a:r>
-              <a:rPr lang="en-US" dirty="0" smtClean="0"/>
-              <a:t>Application </a:t>
-            </a:r>
-            <a:br>
-              <a:rPr lang="en-US" dirty="0" smtClean="0"/>
-            </a:br>
-            <a:r>
-              <a:rPr lang="en-US" dirty="0" smtClean="0"/>
-              <a:t>(slide 27)</a:t>
-            </a:r>
-          </a:p>
-          <a:p>
-            <a:r>
-              <a:rPr lang="en-US" dirty="0"/>
-              <a:t>From the now displayed “Service </a:t>
-            </a:r>
-            <a:br>
-              <a:rPr lang="en-US" dirty="0"/>
-            </a:br>
-            <a:r>
-              <a:rPr lang="en-US" dirty="0"/>
-              <a:t>Management” list …</a:t>
-            </a:r>
-          </a:p>
-          <a:p>
-            <a:pPr lvl="1"/>
-            <a:r>
-              <a:rPr lang="en-US" dirty="0"/>
-              <a:t>Click </a:t>
-            </a:r>
-            <a:r>
-              <a:rPr lang="en-US" dirty="0" smtClean="0"/>
-              <a:t>“Client Configuration for Svc”</a:t>
-            </a:r>
-          </a:p>
-          <a:p>
-            <a:pPr lvl="1"/>
-            <a:r>
-              <a:rPr lang="en-US" dirty="0"/>
-              <a:t>Choose “Sector Insights” or </a:t>
-            </a:r>
-            <a:br>
-              <a:rPr lang="en-US" dirty="0"/>
-            </a:br>
-            <a:r>
-              <a:rPr lang="en-US" dirty="0"/>
-              <a:t>“SpendingPulse” from the </a:t>
-            </a:r>
-            <a:br>
-              <a:rPr lang="en-US" dirty="0"/>
-            </a:br>
-            <a:r>
-              <a:rPr lang="en-US" dirty="0"/>
-              <a:t>Service drop-down</a:t>
-            </a:r>
-            <a:r>
-              <a:rPr lang="en-US" dirty="0" smtClean="0"/>
-              <a:t>.</a:t>
-            </a:r>
-          </a:p>
-          <a:p>
-            <a:pPr lvl="1"/>
-            <a:r>
-              <a:rPr lang="en-US" dirty="0" smtClean="0"/>
-              <a:t>Use the “Search” fields to locate the owner/App </a:t>
-            </a:r>
-            <a:br>
-              <a:rPr lang="en-US" dirty="0" smtClean="0"/>
-            </a:br>
-            <a:r>
-              <a:rPr lang="en-US" dirty="0" smtClean="0"/>
-              <a:t>of the key you </a:t>
-            </a:r>
-            <a:r>
-              <a:rPr lang="en-US" dirty="0"/>
-              <a:t>w</a:t>
-            </a:r>
-            <a:r>
-              <a:rPr lang="en-US" dirty="0" smtClean="0"/>
-              <a:t>ant to revoke.</a:t>
-            </a:r>
-          </a:p>
-          <a:p>
-            <a:pPr lvl="1"/>
-            <a:r>
-              <a:rPr lang="en-US" dirty="0" smtClean="0"/>
-              <a:t>Select the key within the “Search Results” list.</a:t>
-            </a:r>
-            <a:endParaRPr lang="en-US" dirty="0"/>
-          </a:p>
-          <a:p>
-            <a:endParaRPr lang="en-US" dirty="0"/>
-          </a:p>
-        </p:txBody>
-      </p:sp>
-      <p:sp>
-        <p:nvSpPr>
-          <p:cNvPr id="3" name="Date Placeholder 2"/>
-          <p:cNvSpPr>
-            <a:spLocks noGrp="1"/>
-          </p:cNvSpPr>
-          <p:nvPr>
-            <p:ph type="dt" sz="half" idx="10"/>
-          </p:nvPr>
-        </p:nvSpPr>
-        <p:spPr/>
-        <p:txBody>
-          <a:bodyPr/>
-          <a:lstStyle/>
-          <a:p>
-            <a:r>
-              <a:rPr lang="en-US" smtClean="0"/>
-              <a:t>October 21, 2015</a:t>
-            </a:r>
-            <a:endParaRPr lang="en-US" dirty="0" smtClean="0"/>
-          </a:p>
-        </p:txBody>
-      </p:sp>
-      <p:sp>
-        <p:nvSpPr>
-          <p:cNvPr id="4" name="Slide Number Placeholder 3"/>
-          <p:cNvSpPr>
-            <a:spLocks noGrp="1"/>
-          </p:cNvSpPr>
-          <p:nvPr>
-            <p:ph type="sldNum" sz="quarter" idx="11"/>
-          </p:nvPr>
-        </p:nvSpPr>
-        <p:spPr/>
-        <p:txBody>
-          <a:bodyPr/>
-          <a:lstStyle/>
-          <a:p>
-            <a:fld id="{5698A34F-157D-4FC3-B6AE-341A8B909DED}" type="slidenum">
-              <a:rPr lang="en-US" smtClean="0"/>
-              <a:pPr/>
-              <a:t>33</a:t>
-            </a:fld>
-            <a:endParaRPr lang="en-US" dirty="0"/>
-          </a:p>
-        </p:txBody>
-      </p:sp>
-      <p:sp>
-        <p:nvSpPr>
-          <p:cNvPr id="5" name="Footer Placeholder 4"/>
-          <p:cNvSpPr>
-            <a:spLocks noGrp="1"/>
-          </p:cNvSpPr>
-          <p:nvPr>
-            <p:ph type="ftr" sz="quarter" idx="12"/>
-          </p:nvPr>
-        </p:nvSpPr>
-        <p:spPr/>
-        <p:txBody>
-          <a:bodyPr/>
-          <a:lstStyle/>
-          <a:p>
-            <a:endParaRPr lang="en-US" dirty="0"/>
-          </a:p>
-        </p:txBody>
-      </p:sp>
-      <p:sp>
-        <p:nvSpPr>
-          <p:cNvPr id="6" name="Title 5"/>
-          <p:cNvSpPr>
-            <a:spLocks noGrp="1"/>
-          </p:cNvSpPr>
-          <p:nvPr>
-            <p:ph type="title"/>
-          </p:nvPr>
-        </p:nvSpPr>
-        <p:spPr>
-          <a:xfrm>
-            <a:off x="273915" y="644462"/>
-            <a:ext cx="8618799" cy="486287"/>
-          </a:xfrm>
-        </p:spPr>
-        <p:txBody>
-          <a:bodyPr/>
-          <a:lstStyle/>
-          <a:p>
-            <a:r>
-              <a:rPr lang="en-US" dirty="0" smtClean="0"/>
-              <a:t>How to Deactivate/Deny a Previously Approved Key (1)</a:t>
-            </a:r>
-            <a:endParaRPr lang="en-US" dirty="0"/>
-          </a:p>
-        </p:txBody>
-      </p:sp>
-      <p:sp>
-        <p:nvSpPr>
-          <p:cNvPr id="7" name="Text Placeholder 6"/>
-          <p:cNvSpPr>
-            <a:spLocks noGrp="1"/>
-          </p:cNvSpPr>
-          <p:nvPr>
-            <p:ph type="body" sz="quarter" idx="15"/>
-          </p:nvPr>
-        </p:nvSpPr>
-        <p:spPr/>
-        <p:txBody>
-          <a:bodyPr/>
-          <a:lstStyle/>
-          <a:p>
-            <a:r>
-              <a:rPr lang="en-US" dirty="0" smtClean="0"/>
-              <a:t>Administrator API How To</a:t>
-            </a:r>
-            <a:endParaRPr lang="en-US" dirty="0"/>
-          </a:p>
-        </p:txBody>
-      </p:sp>
-      <p:pic>
-        <p:nvPicPr>
-          <p:cNvPr id="18" name="Picture 17"/>
-          <p:cNvPicPr>
-            <a:picLocks noChangeAspect="1"/>
-          </p:cNvPicPr>
-          <p:nvPr/>
-        </p:nvPicPr>
-        <p:blipFill>
-          <a:blip r:embed="rId2"/>
-          <a:stretch>
-            <a:fillRect/>
-          </a:stretch>
-        </p:blipFill>
-        <p:spPr>
-          <a:xfrm>
-            <a:off x="4647618" y="1369734"/>
-            <a:ext cx="4160520" cy="2555215"/>
-          </a:xfrm>
-          <a:prstGeom prst="rect">
-            <a:avLst/>
-          </a:prstGeom>
-        </p:spPr>
-      </p:pic>
-      <p:sp>
-        <p:nvSpPr>
-          <p:cNvPr id="12" name="Right Arrow 11"/>
-          <p:cNvSpPr/>
-          <p:nvPr/>
-        </p:nvSpPr>
-        <p:spPr bwMode="gray">
-          <a:xfrm>
-            <a:off x="4325613" y="1633569"/>
-            <a:ext cx="342027" cy="137859"/>
-          </a:xfrm>
-          <a:prstGeom prst="rightArrow">
-            <a:avLst/>
-          </a:prstGeom>
-          <a:solidFill>
-            <a:schemeClr val="accent1"/>
-          </a:solidFill>
-          <a:ln w="9525" cap="flat" cmpd="sng" algn="ctr">
-            <a:noFill/>
-            <a:prstDash val="solid"/>
-            <a:round/>
-            <a:headEnd type="none" w="med" len="med"/>
-            <a:tailEnd type="none" w="med" len="med"/>
-          </a:ln>
-          <a:effectLst/>
-        </p:spPr>
-        <p:txBody>
-          <a:bodyPr vert="horz" wrap="square" lIns="91440" tIns="45720" rIns="91440" bIns="45720" numCol="1" rtlCol="0" anchor="ctr" anchorCtr="0" compatLnSpc="1">
-            <a:prstTxWarp prst="textNoShape">
-              <a:avLst/>
-            </a:prstTxWarp>
-          </a:bodyPr>
-          <a:lstStyle/>
-          <a:p>
-            <a:pPr marL="0" marR="0" indent="0" algn="l" defTabSz="914400" rtl="0" eaLnBrk="1" fontAlgn="base" latinLnBrk="0" hangingPunct="1">
-              <a:lnSpc>
-                <a:spcPct val="100000"/>
-              </a:lnSpc>
-              <a:spcBef>
-                <a:spcPct val="0"/>
-              </a:spcBef>
-              <a:spcAft>
-                <a:spcPct val="0"/>
-              </a:spcAft>
-              <a:buClrTx/>
-              <a:buSzTx/>
-              <a:buFontTx/>
-              <a:buNone/>
-              <a:tabLst/>
-            </a:pPr>
-            <a:endParaRPr kumimoji="0" lang="en-US" sz="2000" b="0" i="0" u="none" strike="noStrike" cap="none" normalizeH="0" baseline="0" dirty="0" smtClean="0">
-              <a:ln>
-                <a:noFill/>
-              </a:ln>
-              <a:solidFill>
-                <a:schemeClr val="bg1"/>
-              </a:solidFill>
-              <a:effectLst/>
-              <a:latin typeface="Arial" pitchFamily="2" charset="0"/>
-            </a:endParaRPr>
-          </a:p>
-        </p:txBody>
-      </p:sp>
-      <p:sp>
-        <p:nvSpPr>
-          <p:cNvPr id="13" name="Right Arrow 12"/>
-          <p:cNvSpPr/>
-          <p:nvPr/>
-        </p:nvSpPr>
-        <p:spPr bwMode="gray">
-          <a:xfrm rot="16200000">
-            <a:off x="7045143" y="1561174"/>
-            <a:ext cx="221621" cy="198886"/>
-          </a:xfrm>
-          <a:prstGeom prst="rightArrow">
-            <a:avLst/>
-          </a:prstGeom>
-          <a:solidFill>
-            <a:schemeClr val="accent1"/>
-          </a:solidFill>
-          <a:ln w="9525" cap="flat" cmpd="sng" algn="ctr">
-            <a:noFill/>
-            <a:prstDash val="solid"/>
-            <a:round/>
-            <a:headEnd type="none" w="med" len="med"/>
-            <a:tailEnd type="none" w="med" len="med"/>
-          </a:ln>
-          <a:effectLst/>
-        </p:spPr>
-        <p:txBody>
-          <a:bodyPr vert="horz" wrap="square" lIns="91440" tIns="45720" rIns="91440" bIns="45720" numCol="1" rtlCol="0" anchor="ctr" anchorCtr="0" compatLnSpc="1">
-            <a:prstTxWarp prst="textNoShape">
-              <a:avLst/>
-            </a:prstTxWarp>
-          </a:bodyPr>
-          <a:lstStyle/>
-          <a:p>
-            <a:pPr marL="0" marR="0" indent="0" algn="l" defTabSz="914400" rtl="0" eaLnBrk="1" fontAlgn="base" latinLnBrk="0" hangingPunct="1">
-              <a:lnSpc>
-                <a:spcPct val="100000"/>
-              </a:lnSpc>
-              <a:spcBef>
-                <a:spcPct val="0"/>
-              </a:spcBef>
-              <a:spcAft>
-                <a:spcPct val="0"/>
-              </a:spcAft>
-              <a:buClrTx/>
-              <a:buSzTx/>
-              <a:buFontTx/>
-              <a:buNone/>
-              <a:tabLst/>
-            </a:pPr>
-            <a:endParaRPr kumimoji="0" lang="en-US" sz="2000" b="0" i="0" u="none" strike="noStrike" cap="none" normalizeH="0" baseline="0" dirty="0" smtClean="0">
-              <a:ln>
-                <a:noFill/>
-              </a:ln>
-              <a:solidFill>
-                <a:schemeClr val="bg1"/>
-              </a:solidFill>
-              <a:effectLst/>
-              <a:latin typeface="Arial" pitchFamily="2" charset="0"/>
-            </a:endParaRPr>
-          </a:p>
-        </p:txBody>
-      </p:sp>
-      <p:sp>
-        <p:nvSpPr>
-          <p:cNvPr id="15" name="Right Arrow 14"/>
-          <p:cNvSpPr/>
-          <p:nvPr/>
-        </p:nvSpPr>
-        <p:spPr bwMode="gray">
-          <a:xfrm rot="19866145">
-            <a:off x="3487319" y="3030901"/>
-            <a:ext cx="2443768" cy="102691"/>
-          </a:xfrm>
-          <a:prstGeom prst="rightArrow">
-            <a:avLst/>
-          </a:prstGeom>
-          <a:solidFill>
-            <a:schemeClr val="accent1"/>
-          </a:solidFill>
-          <a:ln w="9525" cap="flat" cmpd="sng" algn="ctr">
-            <a:noFill/>
-            <a:prstDash val="solid"/>
-            <a:round/>
-            <a:headEnd type="none" w="med" len="med"/>
-            <a:tailEnd type="none" w="med" len="med"/>
-          </a:ln>
-          <a:effectLst/>
-        </p:spPr>
-        <p:txBody>
-          <a:bodyPr vert="horz" wrap="square" lIns="91440" tIns="45720" rIns="91440" bIns="45720" numCol="1" rtlCol="0" anchor="ctr" anchorCtr="0" compatLnSpc="1">
-            <a:prstTxWarp prst="textNoShape">
-              <a:avLst/>
-            </a:prstTxWarp>
-          </a:bodyPr>
-          <a:lstStyle/>
-          <a:p>
-            <a:pPr marL="0" marR="0" indent="0" algn="l" defTabSz="914400" rtl="0" eaLnBrk="1" fontAlgn="base" latinLnBrk="0" hangingPunct="1">
-              <a:lnSpc>
-                <a:spcPct val="100000"/>
-              </a:lnSpc>
-              <a:spcBef>
-                <a:spcPct val="0"/>
-              </a:spcBef>
-              <a:spcAft>
-                <a:spcPct val="0"/>
-              </a:spcAft>
-              <a:buClrTx/>
-              <a:buSzTx/>
-              <a:buFontTx/>
-              <a:buNone/>
-              <a:tabLst/>
-            </a:pPr>
-            <a:endParaRPr kumimoji="0" lang="en-US" sz="2000" b="0" i="0" u="none" strike="noStrike" cap="none" normalizeH="0" baseline="0" dirty="0" smtClean="0">
-              <a:ln>
-                <a:noFill/>
-              </a:ln>
-              <a:solidFill>
-                <a:schemeClr val="bg1"/>
-              </a:solidFill>
-              <a:effectLst/>
-              <a:latin typeface="Arial" pitchFamily="2" charset="0"/>
-            </a:endParaRPr>
-          </a:p>
-        </p:txBody>
-      </p:sp>
-      <p:sp>
-        <p:nvSpPr>
-          <p:cNvPr id="16" name="Right Arrow 15"/>
-          <p:cNvSpPr/>
-          <p:nvPr/>
-        </p:nvSpPr>
-        <p:spPr bwMode="gray">
-          <a:xfrm rot="18373809">
-            <a:off x="5284640" y="3852578"/>
-            <a:ext cx="1209725" cy="103155"/>
-          </a:xfrm>
-          <a:prstGeom prst="rightArrow">
-            <a:avLst/>
-          </a:prstGeom>
-          <a:solidFill>
-            <a:schemeClr val="accent1"/>
-          </a:solidFill>
-          <a:ln w="9525" cap="flat" cmpd="sng" algn="ctr">
-            <a:noFill/>
-            <a:prstDash val="solid"/>
-            <a:round/>
-            <a:headEnd type="none" w="med" len="med"/>
-            <a:tailEnd type="none" w="med" len="med"/>
-          </a:ln>
-          <a:effectLst/>
-        </p:spPr>
-        <p:txBody>
-          <a:bodyPr vert="horz" wrap="square" lIns="91440" tIns="45720" rIns="91440" bIns="45720" numCol="1" rtlCol="0" anchor="ctr" anchorCtr="0" compatLnSpc="1">
-            <a:prstTxWarp prst="textNoShape">
-              <a:avLst/>
-            </a:prstTxWarp>
-          </a:bodyPr>
-          <a:lstStyle/>
-          <a:p>
-            <a:pPr marL="0" marR="0" indent="0" algn="l" defTabSz="914400" rtl="0" eaLnBrk="1" fontAlgn="base" latinLnBrk="0" hangingPunct="1">
-              <a:lnSpc>
-                <a:spcPct val="100000"/>
-              </a:lnSpc>
-              <a:spcBef>
-                <a:spcPct val="0"/>
-              </a:spcBef>
-              <a:spcAft>
-                <a:spcPct val="0"/>
-              </a:spcAft>
-              <a:buClrTx/>
-              <a:buSzTx/>
-              <a:buFontTx/>
-              <a:buNone/>
-              <a:tabLst/>
-            </a:pPr>
-            <a:endParaRPr kumimoji="0" lang="en-US" sz="2000" b="0" i="0" u="none" strike="noStrike" cap="none" normalizeH="0" baseline="0" dirty="0" smtClean="0">
-              <a:ln>
-                <a:noFill/>
-              </a:ln>
-              <a:solidFill>
-                <a:schemeClr val="bg1"/>
-              </a:solidFill>
-              <a:effectLst/>
-              <a:latin typeface="Arial" pitchFamily="2" charset="0"/>
-            </a:endParaRPr>
-          </a:p>
-        </p:txBody>
-      </p:sp>
-    </p:spTree>
-    <p:extLst>
-      <p:ext uri="{BB962C8B-B14F-4D97-AF65-F5344CB8AC3E}">
-        <p14:creationId xmlns:p14="http://schemas.microsoft.com/office/powerpoint/2010/main" val="2039868981"/>
-      </p:ext>
-    </p:extLst>
-  </p:cSld>
-  <p:clrMapOvr>
-    <a:masterClrMapping/>
-  </p:clrMapOvr>
-  <p:timing>
-    <p:tnLst>
-      <p:par>
-        <p:cTn id="1" dur="indefinite" restart="never" nodeType="tmRoot"/>
-      </p:par>
-    </p:tnLst>
-  </p:timing>
-</p:sld>
-</file>
-
-<file path=ppt/slides/slide34.xml><?xml version="1.0" encoding="utf-8"?>
-<p:sld xmlns:a="http://schemas.openxmlformats.org/drawingml/2006/main" xmlns:r="http://schemas.openxmlformats.org/officeDocument/2006/relationships" xmlns:p="http://schemas.openxmlformats.org/presentationml/2006/main">
-  <p:cSld>
-    <p:spTree>
-      <p:nvGrpSpPr>
-        <p:cNvPr id="1" name=""/>
-        <p:cNvGrpSpPr/>
-        <p:nvPr/>
-      </p:nvGrpSpPr>
-      <p:grpSpPr>
-        <a:xfrm>
-          <a:off x="0" y="0"/>
-          <a:ext cx="0" cy="0"/>
-          <a:chOff x="0" y="0"/>
-          <a:chExt cx="0" cy="0"/>
-        </a:xfrm>
-      </p:grpSpPr>
-      <p:sp>
-        <p:nvSpPr>
-          <p:cNvPr id="2" name="Text Placeholder 1"/>
-          <p:cNvSpPr>
-            <a:spLocks noGrp="1"/>
-          </p:cNvSpPr>
-          <p:nvPr>
-            <p:ph type="body" sz="quarter" idx="13"/>
-          </p:nvPr>
-        </p:nvSpPr>
-        <p:spPr>
-          <a:xfrm>
-            <a:off x="274638" y="987818"/>
-            <a:ext cx="8283029" cy="3737694"/>
-          </a:xfrm>
-        </p:spPr>
-        <p:txBody>
-          <a:bodyPr/>
-          <a:lstStyle/>
-          <a:p>
-            <a:pPr lvl="1"/>
-            <a:endParaRPr lang="en-US" dirty="0" smtClean="0"/>
-          </a:p>
-          <a:p>
-            <a:pPr lvl="1"/>
-            <a:endParaRPr lang="en-US" dirty="0"/>
-          </a:p>
-          <a:p>
-            <a:pPr lvl="1"/>
-            <a:endParaRPr lang="en-US" dirty="0" smtClean="0"/>
-          </a:p>
-          <a:p>
-            <a:pPr lvl="1"/>
-            <a:endParaRPr lang="en-US" dirty="0"/>
-          </a:p>
-          <a:p>
-            <a:pPr lvl="1"/>
-            <a:endParaRPr lang="en-US" dirty="0" smtClean="0"/>
-          </a:p>
-          <a:p>
-            <a:pPr lvl="1"/>
-            <a:endParaRPr lang="en-US" dirty="0" smtClean="0"/>
-          </a:p>
-          <a:p>
-            <a:pPr lvl="1"/>
-            <a:r>
-              <a:rPr lang="en-US" dirty="0" smtClean="0"/>
-              <a:t>Uncheck the “Granted” box</a:t>
-            </a:r>
-          </a:p>
-          <a:p>
-            <a:pPr lvl="1"/>
-            <a:endParaRPr lang="en-US" dirty="0"/>
-          </a:p>
-          <a:p>
-            <a:pPr lvl="1"/>
-            <a:endParaRPr lang="en-US" dirty="0" smtClean="0"/>
-          </a:p>
-          <a:p>
-            <a:pPr lvl="1"/>
-            <a:r>
-              <a:rPr lang="en-US" dirty="0" smtClean="0"/>
-              <a:t>Click “Submit”</a:t>
-            </a:r>
-          </a:p>
-          <a:p>
-            <a:pPr lvl="1"/>
-            <a:r>
-              <a:rPr lang="en-US" dirty="0" smtClean="0"/>
-              <a:t>Remove the Client ID from either the subscription data file (one or both) as needed. If for SpendingPulse, upload the subscription file (see slide 31).</a:t>
-            </a:r>
-            <a:br>
-              <a:rPr lang="en-US" dirty="0" smtClean="0"/>
-            </a:br>
-            <a:r>
-              <a:rPr lang="en-US" sz="1200" dirty="0" smtClean="0">
-                <a:latin typeface="Andale Mono" panose="020B0509000000000004" pitchFamily="49" charset="0"/>
-              </a:rPr>
-              <a:t>Sector </a:t>
-            </a:r>
-            <a:r>
-              <a:rPr lang="en-US" sz="1200" dirty="0">
-                <a:latin typeface="Andale Mono" panose="020B0509000000000004" pitchFamily="49" charset="0"/>
-              </a:rPr>
-              <a:t>insights Keys.xlsx </a:t>
-            </a:r>
-            <a:r>
-              <a:rPr lang="en-US" dirty="0"/>
-              <a:t>or</a:t>
-            </a:r>
-            <a:r>
-              <a:rPr lang="en-US" sz="1200" dirty="0" smtClean="0">
-                <a:latin typeface="Andale Mono" panose="020B0509000000000004" pitchFamily="49" charset="0"/>
-              </a:rPr>
-              <a:t> SpendingPulse </a:t>
-            </a:r>
-            <a:r>
-              <a:rPr lang="en-US" sz="1200" dirty="0">
-                <a:latin typeface="Andale Mono" panose="020B0509000000000004" pitchFamily="49" charset="0"/>
-              </a:rPr>
-              <a:t>API Subscription Data.xlsx </a:t>
-            </a:r>
-            <a:r>
-              <a:rPr lang="en-US" sz="1200" dirty="0" smtClean="0">
-                <a:latin typeface="Andale Mono" panose="020B0509000000000004" pitchFamily="49" charset="0"/>
-              </a:rPr>
-              <a:t/>
-            </a:r>
-            <a:br>
-              <a:rPr lang="en-US" sz="1200" dirty="0" smtClean="0">
-                <a:latin typeface="Andale Mono" panose="020B0509000000000004" pitchFamily="49" charset="0"/>
-              </a:rPr>
-            </a:br>
-            <a:endParaRPr lang="en-US" sz="1200" dirty="0">
-              <a:latin typeface="Andale Mono" panose="020B0509000000000004" pitchFamily="49" charset="0"/>
-            </a:endParaRPr>
-          </a:p>
-        </p:txBody>
-      </p:sp>
-      <p:sp>
-        <p:nvSpPr>
-          <p:cNvPr id="3" name="Date Placeholder 2"/>
-          <p:cNvSpPr>
-            <a:spLocks noGrp="1"/>
-          </p:cNvSpPr>
-          <p:nvPr>
-            <p:ph type="dt" sz="half" idx="10"/>
-          </p:nvPr>
-        </p:nvSpPr>
-        <p:spPr/>
-        <p:txBody>
-          <a:bodyPr/>
-          <a:lstStyle/>
-          <a:p>
-            <a:r>
-              <a:rPr lang="en-US" smtClean="0"/>
-              <a:t>October 21, 2015</a:t>
-            </a:r>
-            <a:endParaRPr lang="en-US" dirty="0" smtClean="0"/>
-          </a:p>
-        </p:txBody>
-      </p:sp>
-      <p:sp>
-        <p:nvSpPr>
-          <p:cNvPr id="4" name="Slide Number Placeholder 3"/>
-          <p:cNvSpPr>
-            <a:spLocks noGrp="1"/>
-          </p:cNvSpPr>
-          <p:nvPr>
-            <p:ph type="sldNum" sz="quarter" idx="11"/>
-          </p:nvPr>
-        </p:nvSpPr>
-        <p:spPr/>
-        <p:txBody>
-          <a:bodyPr/>
-          <a:lstStyle/>
-          <a:p>
-            <a:fld id="{5698A34F-157D-4FC3-B6AE-341A8B909DED}" type="slidenum">
-              <a:rPr lang="en-US" smtClean="0"/>
-              <a:pPr/>
-              <a:t>34</a:t>
-            </a:fld>
-            <a:endParaRPr lang="en-US" dirty="0"/>
-          </a:p>
-        </p:txBody>
-      </p:sp>
-      <p:sp>
-        <p:nvSpPr>
-          <p:cNvPr id="5" name="Footer Placeholder 4"/>
-          <p:cNvSpPr>
-            <a:spLocks noGrp="1"/>
-          </p:cNvSpPr>
-          <p:nvPr>
-            <p:ph type="ftr" sz="quarter" idx="12"/>
-          </p:nvPr>
-        </p:nvSpPr>
-        <p:spPr/>
-        <p:txBody>
-          <a:bodyPr/>
-          <a:lstStyle/>
-          <a:p>
-            <a:endParaRPr lang="en-US" dirty="0"/>
-          </a:p>
-        </p:txBody>
-      </p:sp>
-      <p:sp>
-        <p:nvSpPr>
-          <p:cNvPr id="6" name="Title 5"/>
-          <p:cNvSpPr>
-            <a:spLocks noGrp="1"/>
-          </p:cNvSpPr>
-          <p:nvPr>
-            <p:ph type="title"/>
-          </p:nvPr>
-        </p:nvSpPr>
-        <p:spPr>
-          <a:xfrm>
-            <a:off x="273915" y="644462"/>
-            <a:ext cx="8618799" cy="486287"/>
-          </a:xfrm>
-        </p:spPr>
-        <p:txBody>
-          <a:bodyPr/>
-          <a:lstStyle/>
-          <a:p>
-            <a:r>
-              <a:rPr lang="en-US" dirty="0" smtClean="0"/>
-              <a:t>How to Deactivate/Deny a Previously Approved Key (2)</a:t>
-            </a:r>
-            <a:endParaRPr lang="en-US" dirty="0"/>
-          </a:p>
-        </p:txBody>
-      </p:sp>
-      <p:sp>
-        <p:nvSpPr>
-          <p:cNvPr id="7" name="Text Placeholder 6"/>
-          <p:cNvSpPr>
-            <a:spLocks noGrp="1"/>
-          </p:cNvSpPr>
-          <p:nvPr>
-            <p:ph type="body" sz="quarter" idx="15"/>
-          </p:nvPr>
-        </p:nvSpPr>
-        <p:spPr/>
-        <p:txBody>
-          <a:bodyPr/>
-          <a:lstStyle/>
-          <a:p>
-            <a:r>
-              <a:rPr lang="en-US" dirty="0" smtClean="0"/>
-              <a:t>Administrator API How To</a:t>
-            </a:r>
-            <a:endParaRPr lang="en-US" dirty="0"/>
-          </a:p>
-        </p:txBody>
-      </p:sp>
-      <p:pic>
-        <p:nvPicPr>
-          <p:cNvPr id="18" name="Picture 17"/>
-          <p:cNvPicPr>
-            <a:picLocks noChangeAspect="1"/>
-          </p:cNvPicPr>
-          <p:nvPr/>
-        </p:nvPicPr>
-        <p:blipFill>
-          <a:blip r:embed="rId2"/>
-          <a:stretch>
-            <a:fillRect/>
-          </a:stretch>
-        </p:blipFill>
-        <p:spPr>
-          <a:xfrm>
-            <a:off x="4647618" y="1162824"/>
-            <a:ext cx="4160520" cy="2555215"/>
-          </a:xfrm>
-          <a:prstGeom prst="rect">
-            <a:avLst/>
-          </a:prstGeom>
-        </p:spPr>
-      </p:pic>
-      <p:sp>
-        <p:nvSpPr>
-          <p:cNvPr id="12" name="Right Arrow 11"/>
-          <p:cNvSpPr/>
-          <p:nvPr/>
-        </p:nvSpPr>
-        <p:spPr bwMode="gray">
-          <a:xfrm>
-            <a:off x="3731583" y="2846013"/>
-            <a:ext cx="3570532" cy="84070"/>
-          </a:xfrm>
-          <a:prstGeom prst="rightArrow">
-            <a:avLst/>
-          </a:prstGeom>
-          <a:solidFill>
-            <a:schemeClr val="accent1"/>
-          </a:solidFill>
-          <a:ln w="9525" cap="flat" cmpd="sng" algn="ctr">
-            <a:noFill/>
-            <a:prstDash val="solid"/>
-            <a:round/>
-            <a:headEnd type="none" w="med" len="med"/>
-            <a:tailEnd type="none" w="med" len="med"/>
-          </a:ln>
-          <a:effectLst/>
-        </p:spPr>
-        <p:txBody>
-          <a:bodyPr vert="horz" wrap="square" lIns="91440" tIns="45720" rIns="91440" bIns="45720" numCol="1" rtlCol="0" anchor="ctr" anchorCtr="0" compatLnSpc="1">
-            <a:prstTxWarp prst="textNoShape">
-              <a:avLst/>
-            </a:prstTxWarp>
-          </a:bodyPr>
-          <a:lstStyle/>
-          <a:p>
-            <a:pPr marL="0" marR="0" indent="0" algn="l" defTabSz="914400" rtl="0" eaLnBrk="1" fontAlgn="base" latinLnBrk="0" hangingPunct="1">
-              <a:lnSpc>
-                <a:spcPct val="100000"/>
-              </a:lnSpc>
-              <a:spcBef>
-                <a:spcPct val="0"/>
-              </a:spcBef>
-              <a:spcAft>
-                <a:spcPct val="0"/>
-              </a:spcAft>
-              <a:buClrTx/>
-              <a:buSzTx/>
-              <a:buFontTx/>
-              <a:buNone/>
-              <a:tabLst/>
-            </a:pPr>
-            <a:endParaRPr kumimoji="0" lang="en-US" sz="2000" b="0" i="0" u="none" strike="noStrike" cap="none" normalizeH="0" baseline="0" dirty="0" smtClean="0">
-              <a:ln>
-                <a:noFill/>
-              </a:ln>
-              <a:solidFill>
-                <a:schemeClr val="bg1"/>
-              </a:solidFill>
-              <a:effectLst/>
-              <a:latin typeface="Arial" pitchFamily="2" charset="0"/>
-            </a:endParaRPr>
-          </a:p>
-        </p:txBody>
-      </p:sp>
-      <p:sp>
-        <p:nvSpPr>
-          <p:cNvPr id="14" name="Right Arrow 13"/>
-          <p:cNvSpPr/>
-          <p:nvPr/>
-        </p:nvSpPr>
-        <p:spPr bwMode="gray">
-          <a:xfrm>
-            <a:off x="2282663" y="3605787"/>
-            <a:ext cx="5458856" cy="84070"/>
-          </a:xfrm>
-          <a:prstGeom prst="rightArrow">
-            <a:avLst/>
-          </a:prstGeom>
-          <a:solidFill>
-            <a:schemeClr val="accent1"/>
-          </a:solidFill>
-          <a:ln w="9525" cap="flat" cmpd="sng" algn="ctr">
-            <a:noFill/>
-            <a:prstDash val="solid"/>
-            <a:round/>
-            <a:headEnd type="none" w="med" len="med"/>
-            <a:tailEnd type="none" w="med" len="med"/>
-          </a:ln>
-          <a:effectLst/>
-        </p:spPr>
-        <p:txBody>
-          <a:bodyPr vert="horz" wrap="square" lIns="91440" tIns="45720" rIns="91440" bIns="45720" numCol="1" rtlCol="0" anchor="ctr" anchorCtr="0" compatLnSpc="1">
-            <a:prstTxWarp prst="textNoShape">
-              <a:avLst/>
-            </a:prstTxWarp>
-          </a:bodyPr>
-          <a:lstStyle/>
-          <a:p>
-            <a:pPr marL="0" marR="0" indent="0" algn="l" defTabSz="914400" rtl="0" eaLnBrk="1" fontAlgn="base" latinLnBrk="0" hangingPunct="1">
-              <a:lnSpc>
-                <a:spcPct val="100000"/>
-              </a:lnSpc>
-              <a:spcBef>
-                <a:spcPct val="0"/>
-              </a:spcBef>
-              <a:spcAft>
-                <a:spcPct val="0"/>
-              </a:spcAft>
-              <a:buClrTx/>
-              <a:buSzTx/>
-              <a:buFontTx/>
-              <a:buNone/>
-              <a:tabLst/>
-            </a:pPr>
-            <a:endParaRPr kumimoji="0" lang="en-US" sz="2000" b="0" i="0" u="none" strike="noStrike" cap="none" normalizeH="0" baseline="0" dirty="0" smtClean="0">
-              <a:ln>
-                <a:noFill/>
-              </a:ln>
-              <a:solidFill>
-                <a:schemeClr val="bg1"/>
-              </a:solidFill>
-              <a:effectLst/>
-              <a:latin typeface="Arial" pitchFamily="2" charset="0"/>
-            </a:endParaRPr>
-          </a:p>
-        </p:txBody>
-      </p:sp>
-    </p:spTree>
-    <p:extLst>
-      <p:ext uri="{BB962C8B-B14F-4D97-AF65-F5344CB8AC3E}">
-        <p14:creationId xmlns:p14="http://schemas.microsoft.com/office/powerpoint/2010/main" val="1326989588"/>
-      </p:ext>
-    </p:extLst>
-  </p:cSld>
-  <p:clrMapOvr>
-    <a:masterClrMapping/>
-  </p:clrMapOvr>
-  <p:timing>
-    <p:tnLst>
-      <p:par>
-        <p:cTn id="1" dur="indefinite" restart="never" nodeType="tmRoot"/>
-      </p:par>
-    </p:tnLst>
-  </p:timing>
-</p:sld>
-</file>
-
-<file path=ppt/slides/slide35.xml><?xml version="1.0" encoding="utf-8"?>
-<p:sld xmlns:a="http://schemas.openxmlformats.org/drawingml/2006/main" xmlns:r="http://schemas.openxmlformats.org/officeDocument/2006/relationships" xmlns:p="http://schemas.openxmlformats.org/presentationml/2006/main">
-  <p:cSld>
-    <p:spTree>
-      <p:nvGrpSpPr>
-        <p:cNvPr id="1" name=""/>
-        <p:cNvGrpSpPr/>
-        <p:nvPr/>
-      </p:nvGrpSpPr>
-      <p:grpSpPr>
-        <a:xfrm>
-          <a:off x="0" y="0"/>
-          <a:ext cx="0" cy="0"/>
-          <a:chOff x="0" y="0"/>
-          <a:chExt cx="0" cy="0"/>
-        </a:xfrm>
-      </p:grpSpPr>
-      <p:sp>
-        <p:nvSpPr>
-          <p:cNvPr id="2" name="Text Placeholder 1"/>
-          <p:cNvSpPr>
-            <a:spLocks noGrp="1"/>
-          </p:cNvSpPr>
-          <p:nvPr>
-            <p:ph type="body" sz="quarter" idx="13"/>
-          </p:nvPr>
-        </p:nvSpPr>
-        <p:spPr>
-          <a:xfrm>
-            <a:off x="274638" y="1416424"/>
-            <a:ext cx="8283029" cy="3309088"/>
-          </a:xfrm>
-        </p:spPr>
-        <p:txBody>
-          <a:bodyPr/>
-          <a:lstStyle/>
-          <a:p>
-            <a:r>
-              <a:rPr lang="en-US" dirty="0" smtClean="0"/>
-              <a:t>For BOTH Weekly Gasoline data and US Exec data:</a:t>
-            </a:r>
-          </a:p>
-          <a:p>
-            <a:pPr lvl="1"/>
-            <a:r>
-              <a:rPr lang="en-US" dirty="0" smtClean="0"/>
-              <a:t>Must FIRST delete last report’s data – then upload new data</a:t>
-            </a:r>
-            <a:endParaRPr lang="en-US" dirty="0" smtClean="0"/>
-          </a:p>
-          <a:p>
-            <a:pPr lvl="1"/>
-            <a:r>
-              <a:rPr lang="en-US" dirty="0" smtClean="0"/>
-              <a:t>If not</a:t>
-            </a:r>
-            <a:r>
-              <a:rPr lang="en-US" smtClean="0"/>
-              <a:t>, both </a:t>
-            </a:r>
-            <a:r>
-              <a:rPr lang="en-US" dirty="0" smtClean="0"/>
-              <a:t>sets of data are exposed in the </a:t>
-            </a:r>
-            <a:r>
-              <a:rPr lang="en-US" smtClean="0"/>
-              <a:t>API.</a:t>
-            </a:r>
-            <a:endParaRPr lang="en-US" sz="1200" dirty="0">
-              <a:latin typeface="Andale Mono" panose="020B0509000000000004" pitchFamily="49" charset="0"/>
-            </a:endParaRPr>
-          </a:p>
-        </p:txBody>
-      </p:sp>
-      <p:sp>
-        <p:nvSpPr>
-          <p:cNvPr id="3" name="Date Placeholder 2"/>
-          <p:cNvSpPr>
-            <a:spLocks noGrp="1"/>
-          </p:cNvSpPr>
-          <p:nvPr>
-            <p:ph type="dt" sz="half" idx="10"/>
-          </p:nvPr>
-        </p:nvSpPr>
-        <p:spPr/>
-        <p:txBody>
-          <a:bodyPr/>
-          <a:lstStyle/>
-          <a:p>
-            <a:r>
-              <a:rPr lang="en-US" smtClean="0"/>
-              <a:t>October 21, 2015</a:t>
-            </a:r>
-            <a:endParaRPr lang="en-US" dirty="0" smtClean="0"/>
-          </a:p>
-        </p:txBody>
-      </p:sp>
-      <p:sp>
-        <p:nvSpPr>
-          <p:cNvPr id="4" name="Slide Number Placeholder 3"/>
-          <p:cNvSpPr>
-            <a:spLocks noGrp="1"/>
-          </p:cNvSpPr>
-          <p:nvPr>
-            <p:ph type="sldNum" sz="quarter" idx="11"/>
-          </p:nvPr>
-        </p:nvSpPr>
-        <p:spPr/>
-        <p:txBody>
-          <a:bodyPr/>
-          <a:lstStyle/>
-          <a:p>
-            <a:fld id="{5698A34F-157D-4FC3-B6AE-341A8B909DED}" type="slidenum">
-              <a:rPr lang="en-US" smtClean="0"/>
-              <a:pPr/>
-              <a:t>35</a:t>
-            </a:fld>
-            <a:endParaRPr lang="en-US" dirty="0"/>
-          </a:p>
-        </p:txBody>
-      </p:sp>
-      <p:sp>
-        <p:nvSpPr>
-          <p:cNvPr id="5" name="Footer Placeholder 4"/>
-          <p:cNvSpPr>
-            <a:spLocks noGrp="1"/>
-          </p:cNvSpPr>
-          <p:nvPr>
-            <p:ph type="ftr" sz="quarter" idx="12"/>
-          </p:nvPr>
-        </p:nvSpPr>
-        <p:spPr/>
-        <p:txBody>
-          <a:bodyPr/>
-          <a:lstStyle/>
-          <a:p>
-            <a:endParaRPr lang="en-US" dirty="0"/>
-          </a:p>
-        </p:txBody>
-      </p:sp>
-      <p:sp>
-        <p:nvSpPr>
-          <p:cNvPr id="6" name="Title 5"/>
-          <p:cNvSpPr>
-            <a:spLocks noGrp="1"/>
-          </p:cNvSpPr>
-          <p:nvPr>
-            <p:ph type="title"/>
-          </p:nvPr>
-        </p:nvSpPr>
-        <p:spPr>
-          <a:xfrm>
-            <a:off x="273915" y="644462"/>
-            <a:ext cx="8618799" cy="486287"/>
-          </a:xfrm>
-        </p:spPr>
-        <p:txBody>
-          <a:bodyPr/>
-          <a:lstStyle/>
-          <a:p>
-            <a:r>
-              <a:rPr lang="en-US" dirty="0" smtClean="0"/>
-              <a:t>SpendingPulse Data Upload – DON’T Forget</a:t>
-            </a:r>
-            <a:endParaRPr lang="en-US" dirty="0"/>
-          </a:p>
-        </p:txBody>
-      </p:sp>
-      <p:sp>
-        <p:nvSpPr>
-          <p:cNvPr id="7" name="Text Placeholder 6"/>
-          <p:cNvSpPr>
-            <a:spLocks noGrp="1"/>
-          </p:cNvSpPr>
-          <p:nvPr>
-            <p:ph type="body" sz="quarter" idx="15"/>
-          </p:nvPr>
-        </p:nvSpPr>
-        <p:spPr/>
-        <p:txBody>
-          <a:bodyPr/>
-          <a:lstStyle/>
-          <a:p>
-            <a:r>
-              <a:rPr lang="en-US" dirty="0" smtClean="0"/>
-              <a:t>Administrator API How To</a:t>
-            </a:r>
-            <a:endParaRPr lang="en-US" dirty="0"/>
-          </a:p>
-        </p:txBody>
-      </p:sp>
-    </p:spTree>
-    <p:extLst>
-      <p:ext uri="{BB962C8B-B14F-4D97-AF65-F5344CB8AC3E}">
-        <p14:creationId xmlns:p14="http://schemas.microsoft.com/office/powerpoint/2010/main" val="1557615695"/>
-      </p:ext>
-    </p:extLst>
-  </p:cSld>
-  <p:clrMapOvr>
-    <a:masterClrMapping/>
-  </p:clrMapOvr>
-  <p:timing>
-    <p:tnLst>
-      <p:par>
-        <p:cTn id="1" dur="indefinite" restart="never" nodeType="tmRoot"/>
-      </p:par>
-    </p:tnLst>
-  </p:timing>
-</p:sld>
-</file>
-
-<file path=ppt/slides/slide4.xml><?xml version="1.0" encoding="utf-8"?>
-<p:sld xmlns:a="http://schemas.openxmlformats.org/drawingml/2006/main" xmlns:r="http://schemas.openxmlformats.org/officeDocument/2006/relationships" xmlns:p="http://schemas.openxmlformats.org/presentationml/2006/main">
-  <p:cSld>
-    <p:spTree>
-      <p:nvGrpSpPr>
-        <p:cNvPr id="1" name=""/>
-        <p:cNvGrpSpPr/>
-        <p:nvPr/>
-      </p:nvGrpSpPr>
-      <p:grpSpPr>
-        <a:xfrm>
-          <a:off x="0" y="0"/>
-          <a:ext cx="0" cy="0"/>
-          <a:chOff x="0" y="0"/>
-          <a:chExt cx="0" cy="0"/>
-        </a:xfrm>
-      </p:grpSpPr>
-      <p:sp>
-        <p:nvSpPr>
-          <p:cNvPr id="2" name="Text Placeholder 1"/>
-          <p:cNvSpPr>
-            <a:spLocks noGrp="1"/>
-          </p:cNvSpPr>
-          <p:nvPr>
-            <p:ph type="body" sz="quarter" idx="13"/>
-          </p:nvPr>
-        </p:nvSpPr>
-        <p:spPr>
-          <a:xfrm>
             <a:off x="274638" y="1299411"/>
             <a:ext cx="4819876" cy="3332912"/>
           </a:xfrm>
@@ -14565,7 +15194,7 @@
             <a:fld id="{5698A34F-157D-4FC3-B6AE-341A8B909DED}" type="slidenum">
               <a:rPr lang="en-US" smtClean="0"/>
               <a:pPr/>
-              <a:t>4</a:t>
+              <a:t>5</a:t>
             </a:fld>
             <a:endParaRPr lang="en-US" dirty="0"/>
           </a:p>
@@ -14691,7 +15320,7 @@
 </p:sld>
 </file>
 
-<file path=ppt/slides/slide5.xml><?xml version="1.0" encoding="utf-8"?>
+<file path=ppt/slides/slide6.xml><?xml version="1.0" encoding="utf-8"?>
 <p:sld xmlns:a="http://schemas.openxmlformats.org/drawingml/2006/main" xmlns:r="http://schemas.openxmlformats.org/officeDocument/2006/relationships" xmlns:p="http://schemas.openxmlformats.org/presentationml/2006/main">
   <p:cSld>
     <p:spTree>
@@ -14831,7 +15460,7 @@
             <a:fld id="{5698A34F-157D-4FC3-B6AE-341A8B909DED}" type="slidenum">
               <a:rPr lang="en-US" smtClean="0"/>
               <a:pPr/>
-              <a:t>5</a:t>
+              <a:t>6</a:t>
             </a:fld>
             <a:endParaRPr lang="en-US" dirty="0"/>
           </a:p>
@@ -15056,7 +15685,7 @@
 </p:sld>
 </file>
 
-<file path=ppt/slides/slide6.xml><?xml version="1.0" encoding="utf-8"?>
+<file path=ppt/slides/slide7.xml><?xml version="1.0" encoding="utf-8"?>
 <p:sld xmlns:a="http://schemas.openxmlformats.org/drawingml/2006/main" xmlns:r="http://schemas.openxmlformats.org/officeDocument/2006/relationships" xmlns:p="http://schemas.openxmlformats.org/presentationml/2006/main">
   <p:cSld>
     <p:spTree>
@@ -15168,7 +15797,7 @@
             <a:fld id="{5698A34F-157D-4FC3-B6AE-341A8B909DED}" type="slidenum">
               <a:rPr lang="en-US" smtClean="0"/>
               <a:pPr/>
-              <a:t>6</a:t>
+              <a:t>7</a:t>
             </a:fld>
             <a:endParaRPr lang="en-US" dirty="0"/>
           </a:p>
@@ -15399,7 +16028,7 @@
 </p:sld>
 </file>
 
-<file path=ppt/slides/slide7.xml><?xml version="1.0" encoding="utf-8"?>
+<file path=ppt/slides/slide8.xml><?xml version="1.0" encoding="utf-8"?>
 <p:sld xmlns:a="http://schemas.openxmlformats.org/drawingml/2006/main" xmlns:r="http://schemas.openxmlformats.org/officeDocument/2006/relationships" xmlns:p="http://schemas.openxmlformats.org/presentationml/2006/main">
   <p:cSld>
     <p:spTree>
@@ -15499,7 +16128,7 @@
             <a:fld id="{5698A34F-157D-4FC3-B6AE-341A8B909DED}" type="slidenum">
               <a:rPr lang="en-US" smtClean="0"/>
               <a:pPr/>
-              <a:t>7</a:t>
+              <a:t>8</a:t>
             </a:fld>
             <a:endParaRPr lang="en-US" dirty="0"/>
           </a:p>
@@ -15705,7 +16334,7 @@
 </p:sld>
 </file>
 
-<file path=ppt/slides/slide8.xml><?xml version="1.0" encoding="utf-8"?>
+<file path=ppt/slides/slide9.xml><?xml version="1.0" encoding="utf-8"?>
 <p:sld xmlns:a="http://schemas.openxmlformats.org/drawingml/2006/main" xmlns:r="http://schemas.openxmlformats.org/officeDocument/2006/relationships" xmlns:p="http://schemas.openxmlformats.org/presentationml/2006/main">
   <p:cSld>
     <p:spTree>
@@ -15865,7 +16494,7 @@
             <a:fld id="{5698A34F-157D-4FC3-B6AE-341A8B909DED}" type="slidenum">
               <a:rPr lang="en-US" smtClean="0"/>
               <a:pPr/>
-              <a:t>8</a:t>
+              <a:t>9</a:t>
             </a:fld>
             <a:endParaRPr lang="en-US" dirty="0"/>
           </a:p>
@@ -16094,455 +16723,6 @@
     <p:extLst>
       <p:ext uri="{BB962C8B-B14F-4D97-AF65-F5344CB8AC3E}">
         <p14:creationId xmlns:p14="http://schemas.microsoft.com/office/powerpoint/2010/main" val="2837689732"/>
-      </p:ext>
-    </p:extLst>
-  </p:cSld>
-  <p:clrMapOvr>
-    <a:masterClrMapping/>
-  </p:clrMapOvr>
-  <p:timing>
-    <p:tnLst>
-      <p:par>
-        <p:cTn id="1" dur="indefinite" restart="never" nodeType="tmRoot"/>
-      </p:par>
-    </p:tnLst>
-  </p:timing>
-</p:sld>
-</file>
-
-<file path=ppt/slides/slide9.xml><?xml version="1.0" encoding="utf-8"?>
-<p:sld xmlns:a="http://schemas.openxmlformats.org/drawingml/2006/main" xmlns:r="http://schemas.openxmlformats.org/officeDocument/2006/relationships" xmlns:p="http://schemas.openxmlformats.org/presentationml/2006/main">
-  <p:cSld>
-    <p:spTree>
-      <p:nvGrpSpPr>
-        <p:cNvPr id="1" name=""/>
-        <p:cNvGrpSpPr/>
-        <p:nvPr/>
-      </p:nvGrpSpPr>
-      <p:grpSpPr>
-        <a:xfrm>
-          <a:off x="0" y="0"/>
-          <a:ext cx="0" cy="0"/>
-          <a:chOff x="0" y="0"/>
-          <a:chExt cx="0" cy="0"/>
-        </a:xfrm>
-      </p:grpSpPr>
-      <p:sp>
-        <p:nvSpPr>
-          <p:cNvPr id="2" name="Text Placeholder 1"/>
-          <p:cNvSpPr>
-            <a:spLocks noGrp="1"/>
-          </p:cNvSpPr>
-          <p:nvPr>
-            <p:ph type="body" sz="quarter" idx="13"/>
-          </p:nvPr>
-        </p:nvSpPr>
-        <p:spPr>
-          <a:xfrm>
-            <a:off x="274638" y="1368162"/>
-            <a:ext cx="7415212" cy="3264161"/>
-          </a:xfrm>
-        </p:spPr>
-        <p:txBody>
-          <a:bodyPr/>
-          <a:lstStyle/>
-          <a:p>
-            <a:r>
-              <a:rPr lang="en-US" dirty="0" smtClean="0"/>
-              <a:t>Inside </a:t>
-            </a:r>
-            <a:r>
-              <a:rPr lang="en-US" dirty="0"/>
-              <a:t>the </a:t>
-            </a:r>
-            <a:r>
-              <a:rPr lang="en-US" dirty="0" smtClean="0"/>
-              <a:t>next popup</a:t>
-            </a:r>
-            <a:r>
-              <a:rPr lang="en-US" dirty="0"/>
-              <a:t>, you will see a </a:t>
-            </a:r>
-            <a:r>
-              <a:rPr lang="en-US" dirty="0" smtClean="0"/>
-              <a:t/>
-            </a:r>
-            <a:br>
-              <a:rPr lang="en-US" dirty="0" smtClean="0"/>
-            </a:br>
-            <a:r>
-              <a:rPr lang="en-US" dirty="0" smtClean="0"/>
-              <a:t>“</a:t>
-            </a:r>
-            <a:r>
-              <a:rPr lang="en-US" b="1" dirty="0" smtClean="0">
-                <a:solidFill>
-                  <a:srgbClr val="F57A34"/>
-                </a:solidFill>
-              </a:rPr>
-              <a:t>click here</a:t>
-            </a:r>
-            <a:r>
-              <a:rPr lang="en-US" dirty="0"/>
-              <a:t>”</a:t>
-            </a:r>
-            <a:r>
-              <a:rPr lang="en-US" dirty="0" smtClean="0"/>
-              <a:t> </a:t>
-            </a:r>
-            <a:r>
-              <a:rPr lang="en-US" dirty="0"/>
-              <a:t>notation that will open the </a:t>
-            </a:r>
-            <a:r>
-              <a:rPr lang="en-US" dirty="0" smtClean="0"/>
-              <a:t/>
-            </a:r>
-            <a:br>
-              <a:rPr lang="en-US" dirty="0" smtClean="0"/>
-            </a:br>
-            <a:r>
-              <a:rPr lang="en-US" dirty="0" smtClean="0"/>
-              <a:t>MasterCard </a:t>
-            </a:r>
-            <a:r>
-              <a:rPr lang="en-US" dirty="0"/>
-              <a:t>Key Tool for your use</a:t>
-            </a:r>
-            <a:r>
-              <a:rPr lang="en-US" dirty="0" smtClean="0"/>
-              <a:t>.</a:t>
-            </a:r>
-          </a:p>
-          <a:p>
-            <a:r>
-              <a:rPr lang="en-US" dirty="0" smtClean="0"/>
-              <a:t>If you “</a:t>
-            </a:r>
-            <a:r>
-              <a:rPr lang="en-US" b="1" dirty="0">
-                <a:solidFill>
-                  <a:srgbClr val="F57A34"/>
-                </a:solidFill>
-              </a:rPr>
-              <a:t>click here</a:t>
-            </a:r>
-            <a:r>
-              <a:rPr lang="en-US" dirty="0" smtClean="0"/>
-              <a:t>”, the </a:t>
-            </a:r>
-            <a:br>
-              <a:rPr lang="en-US" dirty="0" smtClean="0"/>
-            </a:br>
-            <a:r>
-              <a:rPr lang="en-US" dirty="0" smtClean="0"/>
-              <a:t>MasterCard Key Tool is displayed.</a:t>
-            </a:r>
-            <a:endParaRPr lang="en-US" dirty="0"/>
-          </a:p>
-          <a:p>
-            <a:r>
-              <a:rPr lang="en-US" dirty="0" smtClean="0"/>
-              <a:t>Click “Generate Keys and CSR”</a:t>
-            </a:r>
-            <a:endParaRPr lang="en-US" dirty="0"/>
-          </a:p>
-        </p:txBody>
-      </p:sp>
-      <p:sp>
-        <p:nvSpPr>
-          <p:cNvPr id="3" name="Date Placeholder 2"/>
-          <p:cNvSpPr>
-            <a:spLocks noGrp="1"/>
-          </p:cNvSpPr>
-          <p:nvPr>
-            <p:ph type="dt" sz="half" idx="10"/>
-          </p:nvPr>
-        </p:nvSpPr>
-        <p:spPr/>
-        <p:txBody>
-          <a:bodyPr/>
-          <a:lstStyle/>
-          <a:p>
-            <a:r>
-              <a:rPr lang="en-US" smtClean="0"/>
-              <a:t>October 21, 2015</a:t>
-            </a:r>
-            <a:endParaRPr lang="en-US" dirty="0" smtClean="0"/>
-          </a:p>
-        </p:txBody>
-      </p:sp>
-      <p:sp>
-        <p:nvSpPr>
-          <p:cNvPr id="4" name="Slide Number Placeholder 3"/>
-          <p:cNvSpPr>
-            <a:spLocks noGrp="1"/>
-          </p:cNvSpPr>
-          <p:nvPr>
-            <p:ph type="sldNum" sz="quarter" idx="11"/>
-          </p:nvPr>
-        </p:nvSpPr>
-        <p:spPr/>
-        <p:txBody>
-          <a:bodyPr/>
-          <a:lstStyle/>
-          <a:p>
-            <a:fld id="{5698A34F-157D-4FC3-B6AE-341A8B909DED}" type="slidenum">
-              <a:rPr lang="en-US" smtClean="0"/>
-              <a:pPr/>
-              <a:t>9</a:t>
-            </a:fld>
-            <a:endParaRPr lang="en-US" dirty="0"/>
-          </a:p>
-        </p:txBody>
-      </p:sp>
-      <p:sp>
-        <p:nvSpPr>
-          <p:cNvPr id="5" name="Footer Placeholder 4"/>
-          <p:cNvSpPr>
-            <a:spLocks noGrp="1"/>
-          </p:cNvSpPr>
-          <p:nvPr>
-            <p:ph type="ftr" sz="quarter" idx="12"/>
-          </p:nvPr>
-        </p:nvSpPr>
-        <p:spPr/>
-        <p:txBody>
-          <a:bodyPr/>
-          <a:lstStyle/>
-          <a:p>
-            <a:endParaRPr lang="en-US" dirty="0"/>
-          </a:p>
-        </p:txBody>
-      </p:sp>
-      <p:sp>
-        <p:nvSpPr>
-          <p:cNvPr id="6" name="Title 5"/>
-          <p:cNvSpPr>
-            <a:spLocks noGrp="1"/>
-          </p:cNvSpPr>
-          <p:nvPr>
-            <p:ph type="title"/>
-          </p:nvPr>
-        </p:nvSpPr>
-        <p:spPr/>
-        <p:txBody>
-          <a:bodyPr/>
-          <a:lstStyle/>
-          <a:p>
-            <a:r>
-              <a:rPr lang="en-US" dirty="0"/>
-              <a:t>Create/Register a </a:t>
-            </a:r>
-            <a:r>
-              <a:rPr lang="en-US" dirty="0" smtClean="0"/>
-              <a:t>Key (3)</a:t>
-            </a:r>
-            <a:endParaRPr lang="en-US" dirty="0"/>
-          </a:p>
-        </p:txBody>
-      </p:sp>
-      <p:sp>
-        <p:nvSpPr>
-          <p:cNvPr id="7" name="Text Placeholder 6"/>
-          <p:cNvSpPr>
-            <a:spLocks noGrp="1"/>
-          </p:cNvSpPr>
-          <p:nvPr>
-            <p:ph type="body" sz="quarter" idx="15"/>
-          </p:nvPr>
-        </p:nvSpPr>
-        <p:spPr/>
-        <p:txBody>
-          <a:bodyPr/>
-          <a:lstStyle/>
-          <a:p>
-            <a:r>
-              <a:rPr lang="en-US" dirty="0" smtClean="0"/>
-              <a:t>Customer API How To</a:t>
-            </a:r>
-            <a:endParaRPr lang="en-US" dirty="0"/>
-          </a:p>
-        </p:txBody>
-      </p:sp>
-      <p:pic>
-        <p:nvPicPr>
-          <p:cNvPr id="11" name="Picture 10"/>
-          <p:cNvPicPr>
-            <a:picLocks noChangeAspect="1"/>
-          </p:cNvPicPr>
-          <p:nvPr/>
-        </p:nvPicPr>
-        <p:blipFill>
-          <a:blip r:embed="rId2"/>
-          <a:stretch>
-            <a:fillRect/>
-          </a:stretch>
-        </p:blipFill>
-        <p:spPr>
-          <a:xfrm>
-            <a:off x="5376484" y="499625"/>
-            <a:ext cx="3611821" cy="2268223"/>
-          </a:xfrm>
-          <a:prstGeom prst="rect">
-            <a:avLst/>
-          </a:prstGeom>
-        </p:spPr>
-      </p:pic>
-      <p:sp>
-        <p:nvSpPr>
-          <p:cNvPr id="10" name="Right Arrow 9"/>
-          <p:cNvSpPr/>
-          <p:nvPr/>
-        </p:nvSpPr>
-        <p:spPr bwMode="gray">
-          <a:xfrm>
-            <a:off x="4104268" y="1986485"/>
-            <a:ext cx="1471734" cy="111876"/>
-          </a:xfrm>
-          <a:prstGeom prst="rightArrow">
-            <a:avLst/>
-          </a:prstGeom>
-          <a:solidFill>
-            <a:schemeClr val="accent1"/>
-          </a:solidFill>
-          <a:ln w="9525" cap="flat" cmpd="sng" algn="ctr">
-            <a:noFill/>
-            <a:prstDash val="solid"/>
-            <a:round/>
-            <a:headEnd type="none" w="med" len="med"/>
-            <a:tailEnd type="none" w="med" len="med"/>
-          </a:ln>
-          <a:effectLst/>
-        </p:spPr>
-        <p:txBody>
-          <a:bodyPr vert="horz" wrap="square" lIns="91440" tIns="45720" rIns="91440" bIns="45720" numCol="1" rtlCol="0" anchor="ctr" anchorCtr="0" compatLnSpc="1">
-            <a:prstTxWarp prst="textNoShape">
-              <a:avLst/>
-            </a:prstTxWarp>
-          </a:bodyPr>
-          <a:lstStyle/>
-          <a:p>
-            <a:pPr marL="0" marR="0" indent="0" algn="l" defTabSz="914400" rtl="0" eaLnBrk="1" fontAlgn="base" latinLnBrk="0" hangingPunct="1">
-              <a:lnSpc>
-                <a:spcPct val="100000"/>
-              </a:lnSpc>
-              <a:spcBef>
-                <a:spcPct val="0"/>
-              </a:spcBef>
-              <a:spcAft>
-                <a:spcPct val="0"/>
-              </a:spcAft>
-              <a:buClrTx/>
-              <a:buSzTx/>
-              <a:buFontTx/>
-              <a:buNone/>
-              <a:tabLst/>
-            </a:pPr>
-            <a:endParaRPr kumimoji="0" lang="en-US" sz="2000" b="0" i="0" u="none" strike="noStrike" cap="none" normalizeH="0" baseline="0" dirty="0" smtClean="0">
-              <a:ln>
-                <a:noFill/>
-              </a:ln>
-              <a:solidFill>
-                <a:schemeClr val="bg1"/>
-              </a:solidFill>
-              <a:effectLst/>
-              <a:latin typeface="Arial" pitchFamily="2" charset="0"/>
-            </a:endParaRPr>
-          </a:p>
-        </p:txBody>
-      </p:sp>
-      <p:pic>
-        <p:nvPicPr>
-          <p:cNvPr id="12" name="Picture 11"/>
-          <p:cNvPicPr>
-            <a:picLocks noChangeAspect="1"/>
-          </p:cNvPicPr>
-          <p:nvPr/>
-        </p:nvPicPr>
-        <p:blipFill>
-          <a:blip r:embed="rId3"/>
-          <a:stretch>
-            <a:fillRect/>
-          </a:stretch>
-        </p:blipFill>
-        <p:spPr>
-          <a:xfrm>
-            <a:off x="991145" y="3350436"/>
-            <a:ext cx="2715259" cy="1413730"/>
-          </a:xfrm>
-          <a:prstGeom prst="rect">
-            <a:avLst/>
-          </a:prstGeom>
-        </p:spPr>
-      </p:pic>
-      <p:sp>
-        <p:nvSpPr>
-          <p:cNvPr id="14" name="Down Arrow 13"/>
-          <p:cNvSpPr/>
-          <p:nvPr/>
-        </p:nvSpPr>
-        <p:spPr bwMode="gray">
-          <a:xfrm>
-            <a:off x="2294525" y="3146156"/>
-            <a:ext cx="161956" cy="410705"/>
-          </a:xfrm>
-          <a:prstGeom prst="downArrow">
-            <a:avLst/>
-          </a:prstGeom>
-          <a:solidFill>
-            <a:schemeClr val="accent1"/>
-          </a:solidFill>
-          <a:ln w="9525" cap="flat" cmpd="sng" algn="ctr">
-            <a:noFill/>
-            <a:prstDash val="solid"/>
-            <a:round/>
-            <a:headEnd type="none" w="med" len="med"/>
-            <a:tailEnd type="none" w="med" len="med"/>
-          </a:ln>
-          <a:effectLst/>
-        </p:spPr>
-        <p:txBody>
-          <a:bodyPr vert="horz" wrap="square" lIns="91440" tIns="45720" rIns="91440" bIns="45720" numCol="1" rtlCol="0" anchor="ctr" anchorCtr="0" compatLnSpc="1">
-            <a:prstTxWarp prst="textNoShape">
-              <a:avLst/>
-            </a:prstTxWarp>
-          </a:bodyPr>
-          <a:lstStyle/>
-          <a:p>
-            <a:pPr marL="0" marR="0" indent="0" algn="l" defTabSz="914400" rtl="0" eaLnBrk="1" fontAlgn="base" latinLnBrk="0" hangingPunct="1">
-              <a:lnSpc>
-                <a:spcPct val="100000"/>
-              </a:lnSpc>
-              <a:spcBef>
-                <a:spcPct val="0"/>
-              </a:spcBef>
-              <a:spcAft>
-                <a:spcPct val="0"/>
-              </a:spcAft>
-              <a:buClrTx/>
-              <a:buSzTx/>
-              <a:buFontTx/>
-              <a:buNone/>
-              <a:tabLst/>
-            </a:pPr>
-            <a:endParaRPr kumimoji="0" lang="en-US" sz="2000" b="0" i="0" u="none" strike="noStrike" cap="none" normalizeH="0" baseline="0" dirty="0" smtClean="0">
-              <a:ln>
-                <a:noFill/>
-              </a:ln>
-              <a:solidFill>
-                <a:schemeClr val="bg1"/>
-              </a:solidFill>
-              <a:effectLst/>
-              <a:latin typeface="Arial" pitchFamily="2" charset="0"/>
-            </a:endParaRPr>
-          </a:p>
-        </p:txBody>
-      </p:sp>
-    </p:spTree>
-    <p:extLst>
-      <p:ext uri="{BB962C8B-B14F-4D97-AF65-F5344CB8AC3E}">
-        <p14:creationId xmlns:p14="http://schemas.microsoft.com/office/powerpoint/2010/main" val="576569413"/>
       </p:ext>
     </p:extLst>
   </p:cSld>

--- a/SpendingPulse and Sector Insights API HOW TO.pptx
+++ b/SpendingPulse and Sector Insights API HOW TO.pptx
@@ -5,48 +5,49 @@
     <p:sldMasterId id="2147483670" r:id="rId1"/>
   </p:sldMasterIdLst>
   <p:notesMasterIdLst>
-    <p:notesMasterId r:id="rId38"/>
+    <p:notesMasterId r:id="rId39"/>
   </p:notesMasterIdLst>
   <p:handoutMasterIdLst>
-    <p:handoutMasterId r:id="rId39"/>
+    <p:handoutMasterId r:id="rId40"/>
   </p:handoutMasterIdLst>
   <p:sldIdLst>
     <p:sldId id="304" r:id="rId2"/>
     <p:sldId id="340" r:id="rId3"/>
     <p:sldId id="305" r:id="rId4"/>
-    <p:sldId id="306" r:id="rId5"/>
-    <p:sldId id="308" r:id="rId6"/>
-    <p:sldId id="309" r:id="rId7"/>
-    <p:sldId id="307" r:id="rId8"/>
-    <p:sldId id="310" r:id="rId9"/>
-    <p:sldId id="311" r:id="rId10"/>
-    <p:sldId id="312" r:id="rId11"/>
-    <p:sldId id="313" r:id="rId12"/>
-    <p:sldId id="314" r:id="rId13"/>
-    <p:sldId id="315" r:id="rId14"/>
-    <p:sldId id="316" r:id="rId15"/>
-    <p:sldId id="317" r:id="rId16"/>
-    <p:sldId id="318" r:id="rId17"/>
-    <p:sldId id="319" r:id="rId18"/>
-    <p:sldId id="320" r:id="rId19"/>
-    <p:sldId id="321" r:id="rId20"/>
-    <p:sldId id="322" r:id="rId21"/>
-    <p:sldId id="327" r:id="rId22"/>
-    <p:sldId id="323" r:id="rId23"/>
-    <p:sldId id="324" r:id="rId24"/>
-    <p:sldId id="325" r:id="rId25"/>
-    <p:sldId id="326" r:id="rId26"/>
-    <p:sldId id="328" r:id="rId27"/>
-    <p:sldId id="329" r:id="rId28"/>
-    <p:sldId id="330" r:id="rId29"/>
-    <p:sldId id="331" r:id="rId30"/>
-    <p:sldId id="332" r:id="rId31"/>
-    <p:sldId id="333" r:id="rId32"/>
-    <p:sldId id="335" r:id="rId33"/>
-    <p:sldId id="336" r:id="rId34"/>
-    <p:sldId id="337" r:id="rId35"/>
-    <p:sldId id="338" r:id="rId36"/>
-    <p:sldId id="339" r:id="rId37"/>
+    <p:sldId id="341" r:id="rId5"/>
+    <p:sldId id="306" r:id="rId6"/>
+    <p:sldId id="308" r:id="rId7"/>
+    <p:sldId id="309" r:id="rId8"/>
+    <p:sldId id="307" r:id="rId9"/>
+    <p:sldId id="310" r:id="rId10"/>
+    <p:sldId id="311" r:id="rId11"/>
+    <p:sldId id="312" r:id="rId12"/>
+    <p:sldId id="313" r:id="rId13"/>
+    <p:sldId id="314" r:id="rId14"/>
+    <p:sldId id="315" r:id="rId15"/>
+    <p:sldId id="316" r:id="rId16"/>
+    <p:sldId id="317" r:id="rId17"/>
+    <p:sldId id="318" r:id="rId18"/>
+    <p:sldId id="319" r:id="rId19"/>
+    <p:sldId id="320" r:id="rId20"/>
+    <p:sldId id="321" r:id="rId21"/>
+    <p:sldId id="322" r:id="rId22"/>
+    <p:sldId id="327" r:id="rId23"/>
+    <p:sldId id="323" r:id="rId24"/>
+    <p:sldId id="324" r:id="rId25"/>
+    <p:sldId id="325" r:id="rId26"/>
+    <p:sldId id="326" r:id="rId27"/>
+    <p:sldId id="328" r:id="rId28"/>
+    <p:sldId id="329" r:id="rId29"/>
+    <p:sldId id="330" r:id="rId30"/>
+    <p:sldId id="331" r:id="rId31"/>
+    <p:sldId id="332" r:id="rId32"/>
+    <p:sldId id="333" r:id="rId33"/>
+    <p:sldId id="335" r:id="rId34"/>
+    <p:sldId id="336" r:id="rId35"/>
+    <p:sldId id="337" r:id="rId36"/>
+    <p:sldId id="338" r:id="rId37"/>
+    <p:sldId id="339" r:id="rId38"/>
   </p:sldIdLst>
   <p:sldSz cx="9144000" cy="5143500" type="screen16x9"/>
   <p:notesSz cx="7086600" cy="9374188"/>
@@ -187,6 +188,7 @@
         <p14:section name="Customer How To" id="{8D6B24E7-E965-431E-82BB-8270240698F7}">
           <p14:sldIdLst>
             <p14:sldId id="305"/>
+            <p14:sldId id="341"/>
             <p14:sldId id="306"/>
             <p14:sldId id="308"/>
             <p14:sldId id="309"/>
@@ -5939,19 +5941,36 @@
           <a:p>
             <a:r>
               <a:rPr lang="en-US" dirty="0" smtClean="0"/>
-              <a:t>Inside </a:t>
-            </a:r>
+              <a:t>In order to access the MasterCard APIs you need an approved key.</a:t>
+            </a:r>
+          </a:p>
+          <a:p>
             <a:r>
               <a:rPr lang="en-US" dirty="0"/>
-              <a:t>the </a:t>
-            </a:r>
-            <a:r>
-              <a:rPr lang="en-US" dirty="0" smtClean="0"/>
-              <a:t>next popup</a:t>
+              <a:t>To get a key for </a:t>
+            </a:r>
+            <a:r>
+              <a:rPr lang="en-US" dirty="0" err="1"/>
+              <a:t>OpenAPI</a:t>
             </a:r>
             <a:r>
               <a:rPr lang="en-US" dirty="0"/>
-              <a:t>, you will see a </a:t>
+              <a:t> you will need to upload a Certificate Signing Request (CSR). You can create the CSR on you own or by using our key tool to create the </a:t>
+            </a:r>
+            <a:r>
+              <a:rPr lang="en-US" dirty="0" smtClean="0"/>
+              <a:t>necessary</a:t>
+            </a:r>
+            <a:br>
+              <a:rPr lang="en-US" dirty="0" smtClean="0"/>
+            </a:br>
+            <a:r>
+              <a:rPr lang="en-US" dirty="0" smtClean="0"/>
+              <a:t>files </a:t>
+            </a:r>
+            <a:r>
+              <a:rPr lang="en-US" dirty="0"/>
+              <a:t>for you. This tool can be accessed by </a:t>
             </a:r>
             <a:r>
               <a:rPr lang="en-US" dirty="0" smtClean="0"/>
@@ -5962,79 +5981,42 @@
             </a:br>
             <a:r>
               <a:rPr lang="en-US" dirty="0" smtClean="0"/>
-              <a:t>“</a:t>
-            </a:r>
-            <a:r>
-              <a:rPr lang="en-US" b="1" dirty="0" smtClean="0">
-                <a:solidFill>
-                  <a:srgbClr val="F57A34"/>
-                </a:solidFill>
-              </a:rPr>
-              <a:t>click here</a:t>
+              <a:t>signing </a:t>
             </a:r>
             <a:r>
               <a:rPr lang="en-US" dirty="0"/>
-              <a:t>”</a:t>
-            </a:r>
-            <a:r>
-              <a:rPr lang="en-US" dirty="0" smtClean="0"/>
-              <a:t> </a:t>
-            </a:r>
+              <a:t>in to Developer Zone, and selecting:</a:t>
+            </a:r>
+          </a:p>
+          <a:p>
+            <a:pPr lvl="1"/>
             <a:r>
               <a:rPr lang="en-US" dirty="0"/>
-              <a:t>notation that will open the </a:t>
-            </a:r>
-            <a:r>
-              <a:rPr lang="en-US" dirty="0" smtClean="0"/>
-              <a:t/>
-            </a:r>
-            <a:br>
-              <a:rPr lang="en-US" dirty="0" smtClean="0"/>
-            </a:br>
-            <a:r>
-              <a:rPr lang="en-US" dirty="0" smtClean="0"/>
-              <a:t>MasterCard </a:t>
+              <a:t>My </a:t>
+            </a:r>
+            <a:r>
+              <a:rPr lang="en-US" dirty="0" smtClean="0"/>
+              <a:t>Dashboard (shown on previous slide)</a:t>
+            </a:r>
+            <a:endParaRPr lang="en-US" dirty="0"/>
+          </a:p>
+          <a:p>
+            <a:pPr lvl="1"/>
+            <a:r>
+              <a:rPr lang="en-US" dirty="0" smtClean="0"/>
+              <a:t>“My Keys” then “Add </a:t>
             </a:r>
             <a:r>
               <a:rPr lang="en-US" dirty="0"/>
-              <a:t>Key Tool for your use</a:t>
-            </a:r>
-            <a:r>
-              <a:rPr lang="en-US" dirty="0" smtClean="0"/>
-              <a:t>.</a:t>
-            </a:r>
-          </a:p>
-          <a:p>
-            <a:r>
-              <a:rPr lang="en-US" dirty="0" smtClean="0"/>
-              <a:t>If you “</a:t>
-            </a:r>
-            <a:r>
-              <a:rPr lang="en-US" b="1" dirty="0">
-                <a:solidFill>
-                  <a:srgbClr val="F57A34"/>
-                </a:solidFill>
-              </a:rPr>
-              <a:t>click here</a:t>
-            </a:r>
-            <a:r>
-              <a:rPr lang="en-US" dirty="0" smtClean="0"/>
-              <a:t>”, the </a:t>
-            </a:r>
-            <a:br>
-              <a:rPr lang="en-US" dirty="0" smtClean="0"/>
-            </a:br>
-            <a:r>
-              <a:rPr lang="en-US" dirty="0" smtClean="0"/>
-              <a:t>MasterCard Key Tool is displayed.</a:t>
-            </a:r>
-            <a:endParaRPr lang="en-US" dirty="0"/>
-          </a:p>
-          <a:p>
-            <a:r>
-              <a:rPr lang="en-US" dirty="0" smtClean="0"/>
-              <a:t>Click “Generate Keys and CSR”</a:t>
-            </a:r>
+              <a:t>a </a:t>
+            </a:r>
+            <a:r>
+              <a:rPr lang="en-US" dirty="0" smtClean="0"/>
+              <a:t>Key”</a:t>
+            </a:r>
+            <a:endParaRPr lang="en-US" dirty="0"/>
+          </a:p>
+          <a:p>
             <a:endParaRPr lang="en-US" dirty="0"/>
           </a:p>
         </p:txBody>
@@ -6126,7 +6108,7 @@
             </a:r>
             <a:r>
               <a:rPr lang="en-US" dirty="0" smtClean="0"/>
-              <a:t>Key (3)</a:t>
+              <a:t>Key (2)</a:t>
             </a:r>
             <a:endParaRPr lang="en-US" dirty="0"/>
           </a:p>
@@ -6157,7 +6139,7 @@
       </p:sp>
       <p:pic>
         <p:nvPicPr>
-          <p:cNvPr id="11" name="Picture 10"/>
+          <p:cNvPr id="8" name="Picture 7"/>
           <p:cNvPicPr>
             <a:picLocks noChangeAspect="1"/>
           </p:cNvPicPr>
@@ -6171,8 +6153,8 @@
         </p:blipFill>
         <p:spPr>
           <a:xfrm>
-            <a:off x="5376484" y="499625"/>
-            <a:ext cx="3611821" cy="2268223"/>
+            <a:off x="5308863" y="2480497"/>
+            <a:ext cx="3732010" cy="1990130"/>
           </a:xfrm>
           <a:prstGeom prst="rect">
             <a:avLst/>
@@ -6181,14 +6163,14 @@
       </p:pic>
       <p:sp>
         <p:nvSpPr>
-          <p:cNvPr id="10" name="Right Arrow 9"/>
+          <p:cNvPr id="9" name="Right Arrow 8"/>
           <p:cNvSpPr/>
           <p:nvPr/>
         </p:nvSpPr>
         <p:spPr bwMode="gray">
-          <a:xfrm>
-            <a:off x="4104268" y="1986485"/>
-            <a:ext cx="1471734" cy="111876"/>
+          <a:xfrm rot="10800000">
+            <a:off x="6270173" y="2743198"/>
+            <a:ext cx="453761" cy="151254"/>
           </a:xfrm>
           <a:prstGeom prst="rightArrow">
             <a:avLst/>
@@ -6242,42 +6224,18 @@
           </a:p>
         </p:txBody>
       </p:sp>
-      <p:pic>
-        <p:nvPicPr>
-          <p:cNvPr id="12" name="Picture 11"/>
-          <p:cNvPicPr>
-            <a:picLocks noChangeAspect="1"/>
-          </p:cNvPicPr>
-          <p:nvPr/>
-        </p:nvPicPr>
-        <p:blipFill>
-          <a:blip r:embed="rId3"/>
-          <a:stretch>
-            <a:fillRect/>
-          </a:stretch>
-        </p:blipFill>
-        <p:spPr>
-          <a:xfrm>
-            <a:off x="991145" y="3350436"/>
-            <a:ext cx="2715259" cy="1413730"/>
-          </a:xfrm>
-          <a:prstGeom prst="rect">
-            <a:avLst/>
-          </a:prstGeom>
-        </p:spPr>
-      </p:pic>
-      <p:sp>
-        <p:nvSpPr>
-          <p:cNvPr id="14" name="Down Arrow 13"/>
+      <p:sp>
+        <p:nvSpPr>
+          <p:cNvPr id="10" name="Right Arrow 9"/>
           <p:cNvSpPr/>
           <p:nvPr/>
         </p:nvSpPr>
         <p:spPr bwMode="gray">
-          <a:xfrm>
-            <a:off x="2294525" y="3146156"/>
-            <a:ext cx="161956" cy="410705"/>
+          <a:xfrm rot="19356795">
+            <a:off x="5102534" y="3094977"/>
+            <a:ext cx="453761" cy="151254"/>
           </a:xfrm>
-          <a:prstGeom prst="downArrow">
+          <a:prstGeom prst="rightArrow">
             <a:avLst/>
           </a:prstGeom>
           <a:solidFill>
@@ -6332,7 +6290,7 @@
     </p:spTree>
     <p:extLst>
       <p:ext uri="{BB962C8B-B14F-4D97-AF65-F5344CB8AC3E}">
-        <p14:creationId xmlns:p14="http://schemas.microsoft.com/office/powerpoint/2010/main" val="576569413"/>
+        <p14:creationId xmlns:p14="http://schemas.microsoft.com/office/powerpoint/2010/main" val="2837689732"/>
       </p:ext>
     </p:extLst>
   </p:cSld>
@@ -6388,54 +6346,101 @@
           <a:p>
             <a:r>
               <a:rPr lang="en-US" dirty="0" smtClean="0"/>
-              <a:t>A public key, a private key, and a </a:t>
+              <a:t>Inside </a:t>
+            </a:r>
+            <a:r>
+              <a:rPr lang="en-US" dirty="0"/>
+              <a:t>the </a:t>
+            </a:r>
+            <a:r>
+              <a:rPr lang="en-US" dirty="0" smtClean="0"/>
+              <a:t>next popup</a:t>
+            </a:r>
+            <a:r>
+              <a:rPr lang="en-US" dirty="0"/>
+              <a:t>, you will see a </a:t>
+            </a:r>
+            <a:r>
+              <a:rPr lang="en-US" dirty="0" smtClean="0"/>
+              <a:t/>
             </a:r>
             <a:br>
               <a:rPr lang="en-US" dirty="0" smtClean="0"/>
             </a:br>
             <a:r>
               <a:rPr lang="en-US" dirty="0" smtClean="0"/>
-              <a:t>Certificate Signing Request are generated.</a:t>
-            </a:r>
-          </a:p>
-          <a:p>
-            <a:r>
-              <a:rPr lang="en-US" dirty="0" smtClean="0"/>
-              <a:t>Click “Save To Files”</a:t>
-            </a:r>
-          </a:p>
-          <a:p>
-            <a:endParaRPr lang="en-US" dirty="0"/>
-          </a:p>
-          <a:p>
-            <a:r>
-              <a:rPr lang="en-US" dirty="0" smtClean="0"/>
-              <a:t>You are prompted to password protect the key files. You must protect them in order to save them.</a:t>
-            </a:r>
-          </a:p>
-          <a:p>
-            <a:r>
-              <a:rPr lang="en-US" dirty="0" smtClean="0"/>
-              <a:t>Click OK and choose a folder in which to save the files.</a:t>
-            </a:r>
-          </a:p>
-          <a:p>
-            <a:r>
-              <a:rPr lang="en-US" dirty="0" smtClean="0"/>
-              <a:t>The status bar on the MasterCard Key Tool window should</a:t>
+              <a:t>“</a:t>
+            </a:r>
+            <a:r>
+              <a:rPr lang="en-US" b="1" dirty="0" smtClean="0">
+                <a:solidFill>
+                  <a:srgbClr val="F57A34"/>
+                </a:solidFill>
+              </a:rPr>
+              <a:t>click here</a:t>
+            </a:r>
+            <a:r>
+              <a:rPr lang="en-US" dirty="0"/>
+              <a:t>”</a:t>
+            </a:r>
+            <a:r>
+              <a:rPr lang="en-US" dirty="0" smtClean="0"/>
+              <a:t> </a:t>
+            </a:r>
+            <a:r>
+              <a:rPr lang="en-US" dirty="0"/>
+              <a:t>notation that will open the </a:t>
+            </a:r>
+            <a:r>
+              <a:rPr lang="en-US" dirty="0" smtClean="0"/>
+              <a:t/>
             </a:r>
             <a:br>
               <a:rPr lang="en-US" dirty="0" smtClean="0"/>
             </a:br>
             <a:r>
               <a:rPr lang="en-US" dirty="0" smtClean="0"/>
-              <a:t>now read: </a:t>
-            </a:r>
-          </a:p>
-          <a:p>
-            <a:r>
-              <a:rPr lang="en-US" dirty="0" smtClean="0"/>
-              <a:t>Close the window</a:t>
+              <a:t>MasterCard </a:t>
+            </a:r>
+            <a:r>
+              <a:rPr lang="en-US" dirty="0"/>
+              <a:t>Key Tool for your use</a:t>
+            </a:r>
+            <a:r>
+              <a:rPr lang="en-US" dirty="0" smtClean="0"/>
+              <a:t>.</a:t>
+            </a:r>
+          </a:p>
+          <a:p>
+            <a:r>
+              <a:rPr lang="en-US" dirty="0" smtClean="0"/>
+              <a:t>If you “</a:t>
+            </a:r>
+            <a:r>
+              <a:rPr lang="en-US" b="1" dirty="0">
+                <a:solidFill>
+                  <a:srgbClr val="F57A34"/>
+                </a:solidFill>
+              </a:rPr>
+              <a:t>click here</a:t>
+            </a:r>
+            <a:r>
+              <a:rPr lang="en-US" dirty="0" smtClean="0"/>
+              <a:t>”, the </a:t>
+            </a:r>
+            <a:br>
+              <a:rPr lang="en-US" dirty="0" smtClean="0"/>
+            </a:br>
+            <a:r>
+              <a:rPr lang="en-US" dirty="0" smtClean="0"/>
+              <a:t>MasterCard Key Tool is displayed.</a:t>
+            </a:r>
+            <a:endParaRPr lang="en-US" dirty="0"/>
+          </a:p>
+          <a:p>
+            <a:r>
+              <a:rPr lang="en-US" dirty="0" smtClean="0"/>
+              <a:t>Click “Generate Keys and CSR”</a:t>
             </a:r>
             <a:endParaRPr lang="en-US" dirty="0"/>
           </a:p>
@@ -6483,6 +6488,408 @@
               <a:rPr lang="en-US" smtClean="0"/>
               <a:pPr/>
               <a:t>11</a:t>
+            </a:fld>
+            <a:endParaRPr lang="en-US" dirty="0"/>
+          </a:p>
+        </p:txBody>
+      </p:sp>
+      <p:sp>
+        <p:nvSpPr>
+          <p:cNvPr id="5" name="Footer Placeholder 4"/>
+          <p:cNvSpPr>
+            <a:spLocks noGrp="1"/>
+          </p:cNvSpPr>
+          <p:nvPr>
+            <p:ph type="ftr" sz="quarter" idx="12"/>
+          </p:nvPr>
+        </p:nvSpPr>
+        <p:spPr/>
+        <p:txBody>
+          <a:bodyPr/>
+          <a:lstStyle/>
+          <a:p>
+            <a:endParaRPr lang="en-US" dirty="0"/>
+          </a:p>
+        </p:txBody>
+      </p:sp>
+      <p:sp>
+        <p:nvSpPr>
+          <p:cNvPr id="6" name="Title 5"/>
+          <p:cNvSpPr>
+            <a:spLocks noGrp="1"/>
+          </p:cNvSpPr>
+          <p:nvPr>
+            <p:ph type="title"/>
+          </p:nvPr>
+        </p:nvSpPr>
+        <p:spPr/>
+        <p:txBody>
+          <a:bodyPr/>
+          <a:lstStyle/>
+          <a:p>
+            <a:r>
+              <a:rPr lang="en-US" dirty="0"/>
+              <a:t>Create/Register a </a:t>
+            </a:r>
+            <a:r>
+              <a:rPr lang="en-US" dirty="0" smtClean="0"/>
+              <a:t>Key (3)</a:t>
+            </a:r>
+            <a:endParaRPr lang="en-US" dirty="0"/>
+          </a:p>
+        </p:txBody>
+      </p:sp>
+      <p:sp>
+        <p:nvSpPr>
+          <p:cNvPr id="7" name="Text Placeholder 6"/>
+          <p:cNvSpPr>
+            <a:spLocks noGrp="1"/>
+          </p:cNvSpPr>
+          <p:nvPr>
+            <p:ph type="body" sz="quarter" idx="15"/>
+          </p:nvPr>
+        </p:nvSpPr>
+        <p:spPr/>
+        <p:txBody>
+          <a:bodyPr/>
+          <a:lstStyle/>
+          <a:p>
+            <a:r>
+              <a:rPr lang="en-US" dirty="0" smtClean="0"/>
+              <a:t>Customer API How To</a:t>
+            </a:r>
+            <a:endParaRPr lang="en-US" dirty="0"/>
+          </a:p>
+        </p:txBody>
+      </p:sp>
+      <p:pic>
+        <p:nvPicPr>
+          <p:cNvPr id="11" name="Picture 10"/>
+          <p:cNvPicPr>
+            <a:picLocks noChangeAspect="1"/>
+          </p:cNvPicPr>
+          <p:nvPr/>
+        </p:nvPicPr>
+        <p:blipFill>
+          <a:blip r:embed="rId2"/>
+          <a:stretch>
+            <a:fillRect/>
+          </a:stretch>
+        </p:blipFill>
+        <p:spPr>
+          <a:xfrm>
+            <a:off x="5376484" y="499625"/>
+            <a:ext cx="3611821" cy="2268223"/>
+          </a:xfrm>
+          <a:prstGeom prst="rect">
+            <a:avLst/>
+          </a:prstGeom>
+        </p:spPr>
+      </p:pic>
+      <p:sp>
+        <p:nvSpPr>
+          <p:cNvPr id="10" name="Right Arrow 9"/>
+          <p:cNvSpPr/>
+          <p:nvPr/>
+        </p:nvSpPr>
+        <p:spPr bwMode="gray">
+          <a:xfrm>
+            <a:off x="4104268" y="1986485"/>
+            <a:ext cx="1471734" cy="111876"/>
+          </a:xfrm>
+          <a:prstGeom prst="rightArrow">
+            <a:avLst/>
+          </a:prstGeom>
+          <a:solidFill>
+            <a:schemeClr val="accent1"/>
+          </a:solidFill>
+          <a:ln w="9525" cap="flat" cmpd="sng" algn="ctr">
+            <a:noFill/>
+            <a:prstDash val="solid"/>
+            <a:round/>
+            <a:headEnd type="none" w="med" len="med"/>
+            <a:tailEnd type="none" w="med" len="med"/>
+          </a:ln>
+          <a:effectLst/>
+        </p:spPr>
+        <p:txBody>
+          <a:bodyPr vert="horz" wrap="square" lIns="91440" tIns="45720" rIns="91440" bIns="45720" numCol="1" rtlCol="0" anchor="ctr" anchorCtr="0" compatLnSpc="1">
+            <a:prstTxWarp prst="textNoShape">
+              <a:avLst/>
+            </a:prstTxWarp>
+          </a:bodyPr>
+          <a:lstStyle/>
+          <a:p>
+            <a:pPr marL="0" marR="0" indent="0" algn="l" defTabSz="914400" rtl="0" eaLnBrk="1" fontAlgn="base" latinLnBrk="0" hangingPunct="1">
+              <a:lnSpc>
+                <a:spcPct val="100000"/>
+              </a:lnSpc>
+              <a:spcBef>
+                <a:spcPct val="0"/>
+              </a:spcBef>
+              <a:spcAft>
+                <a:spcPct val="0"/>
+              </a:spcAft>
+              <a:buClrTx/>
+              <a:buSzTx/>
+              <a:buFontTx/>
+              <a:buNone/>
+              <a:tabLst/>
+            </a:pPr>
+            <a:endParaRPr kumimoji="0" lang="en-US" sz="2000" b="0" i="0" u="none" strike="noStrike" cap="none" normalizeH="0" baseline="0" dirty="0" smtClean="0">
+              <a:ln>
+                <a:noFill/>
+              </a:ln>
+              <a:solidFill>
+                <a:schemeClr val="bg1"/>
+              </a:solidFill>
+              <a:effectLst/>
+              <a:latin typeface="Arial" pitchFamily="2" charset="0"/>
+            </a:endParaRPr>
+          </a:p>
+        </p:txBody>
+      </p:sp>
+      <p:pic>
+        <p:nvPicPr>
+          <p:cNvPr id="12" name="Picture 11"/>
+          <p:cNvPicPr>
+            <a:picLocks noChangeAspect="1"/>
+          </p:cNvPicPr>
+          <p:nvPr/>
+        </p:nvPicPr>
+        <p:blipFill>
+          <a:blip r:embed="rId3"/>
+          <a:stretch>
+            <a:fillRect/>
+          </a:stretch>
+        </p:blipFill>
+        <p:spPr>
+          <a:xfrm>
+            <a:off x="991145" y="3350436"/>
+            <a:ext cx="2715259" cy="1413730"/>
+          </a:xfrm>
+          <a:prstGeom prst="rect">
+            <a:avLst/>
+          </a:prstGeom>
+        </p:spPr>
+      </p:pic>
+      <p:sp>
+        <p:nvSpPr>
+          <p:cNvPr id="14" name="Down Arrow 13"/>
+          <p:cNvSpPr/>
+          <p:nvPr/>
+        </p:nvSpPr>
+        <p:spPr bwMode="gray">
+          <a:xfrm>
+            <a:off x="2294525" y="3146156"/>
+            <a:ext cx="161956" cy="410705"/>
+          </a:xfrm>
+          <a:prstGeom prst="downArrow">
+            <a:avLst/>
+          </a:prstGeom>
+          <a:solidFill>
+            <a:schemeClr val="accent1"/>
+          </a:solidFill>
+          <a:ln w="9525" cap="flat" cmpd="sng" algn="ctr">
+            <a:noFill/>
+            <a:prstDash val="solid"/>
+            <a:round/>
+            <a:headEnd type="none" w="med" len="med"/>
+            <a:tailEnd type="none" w="med" len="med"/>
+          </a:ln>
+          <a:effectLst/>
+        </p:spPr>
+        <p:txBody>
+          <a:bodyPr vert="horz" wrap="square" lIns="91440" tIns="45720" rIns="91440" bIns="45720" numCol="1" rtlCol="0" anchor="ctr" anchorCtr="0" compatLnSpc="1">
+            <a:prstTxWarp prst="textNoShape">
+              <a:avLst/>
+            </a:prstTxWarp>
+          </a:bodyPr>
+          <a:lstStyle/>
+          <a:p>
+            <a:pPr marL="0" marR="0" indent="0" algn="l" defTabSz="914400" rtl="0" eaLnBrk="1" fontAlgn="base" latinLnBrk="0" hangingPunct="1">
+              <a:lnSpc>
+                <a:spcPct val="100000"/>
+              </a:lnSpc>
+              <a:spcBef>
+                <a:spcPct val="0"/>
+              </a:spcBef>
+              <a:spcAft>
+                <a:spcPct val="0"/>
+              </a:spcAft>
+              <a:buClrTx/>
+              <a:buSzTx/>
+              <a:buFontTx/>
+              <a:buNone/>
+              <a:tabLst/>
+            </a:pPr>
+            <a:endParaRPr kumimoji="0" lang="en-US" sz="2000" b="0" i="0" u="none" strike="noStrike" cap="none" normalizeH="0" baseline="0" dirty="0" smtClean="0">
+              <a:ln>
+                <a:noFill/>
+              </a:ln>
+              <a:solidFill>
+                <a:schemeClr val="bg1"/>
+              </a:solidFill>
+              <a:effectLst/>
+              <a:latin typeface="Arial" pitchFamily="2" charset="0"/>
+            </a:endParaRPr>
+          </a:p>
+        </p:txBody>
+      </p:sp>
+    </p:spTree>
+    <p:extLst>
+      <p:ext uri="{BB962C8B-B14F-4D97-AF65-F5344CB8AC3E}">
+        <p14:creationId xmlns:p14="http://schemas.microsoft.com/office/powerpoint/2010/main" val="576569413"/>
+      </p:ext>
+    </p:extLst>
+  </p:cSld>
+  <p:clrMapOvr>
+    <a:masterClrMapping/>
+  </p:clrMapOvr>
+  <p:timing>
+    <p:tnLst>
+      <p:par>
+        <p:cTn id="1" dur="indefinite" restart="never" nodeType="tmRoot"/>
+      </p:par>
+    </p:tnLst>
+  </p:timing>
+</p:sld>
+</file>
+
+<file path=ppt/slides/slide12.xml><?xml version="1.0" encoding="utf-8"?>
+<p:sld xmlns:a="http://schemas.openxmlformats.org/drawingml/2006/main" xmlns:r="http://schemas.openxmlformats.org/officeDocument/2006/relationships" xmlns:p="http://schemas.openxmlformats.org/presentationml/2006/main">
+  <p:cSld>
+    <p:spTree>
+      <p:nvGrpSpPr>
+        <p:cNvPr id="1" name=""/>
+        <p:cNvGrpSpPr/>
+        <p:nvPr/>
+      </p:nvGrpSpPr>
+      <p:grpSpPr>
+        <a:xfrm>
+          <a:off x="0" y="0"/>
+          <a:ext cx="0" cy="0"/>
+          <a:chOff x="0" y="0"/>
+          <a:chExt cx="0" cy="0"/>
+        </a:xfrm>
+      </p:grpSpPr>
+      <p:sp>
+        <p:nvSpPr>
+          <p:cNvPr id="2" name="Text Placeholder 1"/>
+          <p:cNvSpPr>
+            <a:spLocks noGrp="1"/>
+          </p:cNvSpPr>
+          <p:nvPr>
+            <p:ph type="body" sz="quarter" idx="13"/>
+          </p:nvPr>
+        </p:nvSpPr>
+        <p:spPr>
+          <a:xfrm>
+            <a:off x="274638" y="1368162"/>
+            <a:ext cx="7415212" cy="3264161"/>
+          </a:xfrm>
+        </p:spPr>
+        <p:txBody>
+          <a:bodyPr/>
+          <a:lstStyle/>
+          <a:p>
+            <a:r>
+              <a:rPr lang="en-US" dirty="0" smtClean="0"/>
+              <a:t>A public key, a private key, and a </a:t>
+            </a:r>
+            <a:br>
+              <a:rPr lang="en-US" dirty="0" smtClean="0"/>
+            </a:br>
+            <a:r>
+              <a:rPr lang="en-US" dirty="0" smtClean="0"/>
+              <a:t>Certificate Signing Request are generated.</a:t>
+            </a:r>
+          </a:p>
+          <a:p>
+            <a:r>
+              <a:rPr lang="en-US" dirty="0" smtClean="0"/>
+              <a:t>Click “Save To Files”</a:t>
+            </a:r>
+          </a:p>
+          <a:p>
+            <a:endParaRPr lang="en-US" dirty="0"/>
+          </a:p>
+          <a:p>
+            <a:r>
+              <a:rPr lang="en-US" dirty="0" smtClean="0"/>
+              <a:t>You are prompted to password protect the key files. You must protect them in order to save them.</a:t>
+            </a:r>
+          </a:p>
+          <a:p>
+            <a:r>
+              <a:rPr lang="en-US" dirty="0" smtClean="0"/>
+              <a:t>Click OK and choose a folder in which to save the files.</a:t>
+            </a:r>
+          </a:p>
+          <a:p>
+            <a:r>
+              <a:rPr lang="en-US" dirty="0" smtClean="0"/>
+              <a:t>The status bar on the MasterCard Key Tool window should</a:t>
+            </a:r>
+            <a:br>
+              <a:rPr lang="en-US" dirty="0" smtClean="0"/>
+            </a:br>
+            <a:r>
+              <a:rPr lang="en-US" dirty="0" smtClean="0"/>
+              <a:t>now read: </a:t>
+            </a:r>
+          </a:p>
+          <a:p>
+            <a:r>
+              <a:rPr lang="en-US" dirty="0" smtClean="0"/>
+              <a:t>Close the window</a:t>
+            </a:r>
+            <a:endParaRPr lang="en-US" dirty="0"/>
+          </a:p>
+        </p:txBody>
+      </p:sp>
+      <p:sp>
+        <p:nvSpPr>
+          <p:cNvPr id="3" name="Date Placeholder 2"/>
+          <p:cNvSpPr>
+            <a:spLocks noGrp="1"/>
+          </p:cNvSpPr>
+          <p:nvPr>
+            <p:ph type="dt" sz="half" idx="10"/>
+          </p:nvPr>
+        </p:nvSpPr>
+        <p:spPr/>
+        <p:txBody>
+          <a:bodyPr/>
+          <a:lstStyle/>
+          <a:p>
+            <a:r>
+              <a:rPr lang="en-US" smtClean="0"/>
+              <a:t>October 21, 2015</a:t>
+            </a:r>
+            <a:endParaRPr lang="en-US" dirty="0" smtClean="0"/>
+          </a:p>
+        </p:txBody>
+      </p:sp>
+      <p:sp>
+        <p:nvSpPr>
+          <p:cNvPr id="4" name="Slide Number Placeholder 3"/>
+          <p:cNvSpPr>
+            <a:spLocks noGrp="1"/>
+          </p:cNvSpPr>
+          <p:nvPr>
+            <p:ph type="sldNum" sz="quarter" idx="11"/>
+          </p:nvPr>
+        </p:nvSpPr>
+        <p:spPr/>
+        <p:txBody>
+          <a:bodyPr/>
+          <a:lstStyle/>
+          <a:p>
+            <a:fld id="{5698A34F-157D-4FC3-B6AE-341A8B909DED}" type="slidenum">
+              <a:rPr lang="en-US" smtClean="0"/>
+              <a:pPr/>
+              <a:t>12</a:t>
             </a:fld>
             <a:endParaRPr lang="en-US" dirty="0"/>
           </a:p>
@@ -6712,7 +7119,7 @@
 </p:sld>
 </file>
 
-<file path=ppt/slides/slide12.xml><?xml version="1.0" encoding="utf-8"?>
+<file path=ppt/slides/slide13.xml><?xml version="1.0" encoding="utf-8"?>
 <p:sld xmlns:a="http://schemas.openxmlformats.org/drawingml/2006/main" xmlns:r="http://schemas.openxmlformats.org/officeDocument/2006/relationships" xmlns:p="http://schemas.openxmlformats.org/presentationml/2006/main">
   <p:cSld>
     <p:spTree>
@@ -6937,7 +7344,7 @@
             <a:fld id="{5698A34F-157D-4FC3-B6AE-341A8B909DED}" type="slidenum">
               <a:rPr lang="en-US" smtClean="0"/>
               <a:pPr/>
-              <a:t>12</a:t>
+              <a:t>13</a:t>
             </a:fld>
             <a:endParaRPr lang="en-US" dirty="0"/>
           </a:p>
@@ -7032,7 +7439,7 @@
 </p:sld>
 </file>
 
-<file path=ppt/slides/slide13.xml><?xml version="1.0" encoding="utf-8"?>
+<file path=ppt/slides/slide14.xml><?xml version="1.0" encoding="utf-8"?>
 <p:sld xmlns:a="http://schemas.openxmlformats.org/drawingml/2006/main" xmlns:r="http://schemas.openxmlformats.org/officeDocument/2006/relationships" xmlns:p="http://schemas.openxmlformats.org/presentationml/2006/main">
   <p:cSld>
     <p:spTree>
@@ -7256,7 +7663,7 @@
             <a:fld id="{5698A34F-157D-4FC3-B6AE-341A8B909DED}" type="slidenum">
               <a:rPr lang="en-US" smtClean="0"/>
               <a:pPr/>
-              <a:t>13</a:t>
+              <a:t>14</a:t>
             </a:fld>
             <a:endParaRPr lang="en-US" dirty="0"/>
           </a:p>
@@ -7414,252 +7821,6 @@
 </p:sld>
 </file>
 
-<file path=ppt/slides/slide14.xml><?xml version="1.0" encoding="utf-8"?>
-<p:sld xmlns:a="http://schemas.openxmlformats.org/drawingml/2006/main" xmlns:r="http://schemas.openxmlformats.org/officeDocument/2006/relationships" xmlns:p="http://schemas.openxmlformats.org/presentationml/2006/main">
-  <p:cSld>
-    <p:spTree>
-      <p:nvGrpSpPr>
-        <p:cNvPr id="1" name=""/>
-        <p:cNvGrpSpPr/>
-        <p:nvPr/>
-      </p:nvGrpSpPr>
-      <p:grpSpPr>
-        <a:xfrm>
-          <a:off x="0" y="0"/>
-          <a:ext cx="0" cy="0"/>
-          <a:chOff x="0" y="0"/>
-          <a:chExt cx="0" cy="0"/>
-        </a:xfrm>
-      </p:grpSpPr>
-      <p:sp>
-        <p:nvSpPr>
-          <p:cNvPr id="2" name="Text Placeholder 1"/>
-          <p:cNvSpPr>
-            <a:spLocks noGrp="1"/>
-          </p:cNvSpPr>
-          <p:nvPr>
-            <p:ph type="body" sz="quarter" idx="13"/>
-          </p:nvPr>
-        </p:nvSpPr>
-        <p:spPr>
-          <a:xfrm>
-            <a:off x="274637" y="1368162"/>
-            <a:ext cx="8164189" cy="3264161"/>
-          </a:xfrm>
-        </p:spPr>
-        <p:txBody>
-          <a:bodyPr/>
-          <a:lstStyle/>
-          <a:p>
-            <a:r>
-              <a:rPr lang="en-US" dirty="0"/>
-              <a:t>To avoid issues with key expiration, you may renew a key at any time. To do so, sign in to Developer Zone, and select:</a:t>
-            </a:r>
-          </a:p>
-          <a:p>
-            <a:pPr lvl="1"/>
-            <a:r>
-              <a:rPr lang="en-US" dirty="0"/>
-              <a:t>My Dashboard</a:t>
-            </a:r>
-          </a:p>
-          <a:p>
-            <a:pPr lvl="1"/>
-            <a:r>
-              <a:rPr lang="en-US" dirty="0"/>
-              <a:t>My Keys (locate the key you wish to renew)</a:t>
-            </a:r>
-          </a:p>
-          <a:p>
-            <a:pPr lvl="1"/>
-            <a:r>
-              <a:rPr lang="en-US" dirty="0"/>
-              <a:t>Renew Key</a:t>
-            </a:r>
-          </a:p>
-          <a:p>
-            <a:pPr lvl="1"/>
-            <a:r>
-              <a:rPr lang="en-US" dirty="0"/>
-              <a:t>Follow the instructions in the pop-up for uploading a new CSR</a:t>
-            </a:r>
-            <a:r>
-              <a:rPr lang="en-US" dirty="0" smtClean="0"/>
-              <a:t>.</a:t>
-            </a:r>
-          </a:p>
-          <a:p>
-            <a:r>
-              <a:rPr lang="en-US" dirty="0" smtClean="0">
-                <a:effectLst/>
-              </a:rPr>
-              <a:t>Additional information on key management can </a:t>
-            </a:r>
-            <a:r>
-              <a:rPr lang="en-US" dirty="0"/>
-              <a:t>be found here:</a:t>
-            </a:r>
-            <a:br>
-              <a:rPr lang="en-US" dirty="0"/>
-            </a:br>
-            <a:r>
-              <a:rPr lang="en-US" sz="1800" dirty="0">
-                <a:hlinkClick r:id="rId2"/>
-              </a:rPr>
-              <a:t>https://</a:t>
-            </a:r>
-            <a:r>
-              <a:rPr lang="en-US" sz="1800" dirty="0" smtClean="0">
-                <a:hlinkClick r:id="rId2"/>
-              </a:rPr>
-              <a:t>developer.mastercard.com/portal/display/api/Generating+RSA+Keys</a:t>
-            </a:r>
-            <a:r>
-              <a:rPr lang="en-US" sz="1800" dirty="0" smtClean="0"/>
-              <a:t> </a:t>
-            </a:r>
-            <a:endParaRPr lang="en-US" sz="1800" dirty="0">
-              <a:effectLst/>
-            </a:endParaRPr>
-          </a:p>
-        </p:txBody>
-      </p:sp>
-      <p:sp>
-        <p:nvSpPr>
-          <p:cNvPr id="3" name="Date Placeholder 2"/>
-          <p:cNvSpPr>
-            <a:spLocks noGrp="1"/>
-          </p:cNvSpPr>
-          <p:nvPr>
-            <p:ph type="dt" sz="half" idx="10"/>
-          </p:nvPr>
-        </p:nvSpPr>
-        <p:spPr/>
-        <p:txBody>
-          <a:bodyPr/>
-          <a:lstStyle/>
-          <a:p>
-            <a:r>
-              <a:rPr lang="en-US" smtClean="0"/>
-              <a:t>October 21, 2015</a:t>
-            </a:r>
-            <a:endParaRPr lang="en-US" dirty="0" smtClean="0"/>
-          </a:p>
-        </p:txBody>
-      </p:sp>
-      <p:sp>
-        <p:nvSpPr>
-          <p:cNvPr id="4" name="Slide Number Placeholder 3"/>
-          <p:cNvSpPr>
-            <a:spLocks noGrp="1"/>
-          </p:cNvSpPr>
-          <p:nvPr>
-            <p:ph type="sldNum" sz="quarter" idx="11"/>
-          </p:nvPr>
-        </p:nvSpPr>
-        <p:spPr/>
-        <p:txBody>
-          <a:bodyPr/>
-          <a:lstStyle/>
-          <a:p>
-            <a:fld id="{5698A34F-157D-4FC3-B6AE-341A8B909DED}" type="slidenum">
-              <a:rPr lang="en-US" smtClean="0"/>
-              <a:pPr/>
-              <a:t>14</a:t>
-            </a:fld>
-            <a:endParaRPr lang="en-US" dirty="0"/>
-          </a:p>
-        </p:txBody>
-      </p:sp>
-      <p:sp>
-        <p:nvSpPr>
-          <p:cNvPr id="5" name="Footer Placeholder 4"/>
-          <p:cNvSpPr>
-            <a:spLocks noGrp="1"/>
-          </p:cNvSpPr>
-          <p:nvPr>
-            <p:ph type="ftr" sz="quarter" idx="12"/>
-          </p:nvPr>
-        </p:nvSpPr>
-        <p:spPr/>
-        <p:txBody>
-          <a:bodyPr/>
-          <a:lstStyle/>
-          <a:p>
-            <a:endParaRPr lang="en-US" dirty="0"/>
-          </a:p>
-        </p:txBody>
-      </p:sp>
-      <p:sp>
-        <p:nvSpPr>
-          <p:cNvPr id="6" name="Title 5"/>
-          <p:cNvSpPr>
-            <a:spLocks noGrp="1"/>
-          </p:cNvSpPr>
-          <p:nvPr>
-            <p:ph type="title"/>
-          </p:nvPr>
-        </p:nvSpPr>
-        <p:spPr/>
-        <p:txBody>
-          <a:bodyPr/>
-          <a:lstStyle/>
-          <a:p>
-            <a:r>
-              <a:rPr lang="en-US" dirty="0"/>
-              <a:t>Create/Register a </a:t>
-            </a:r>
-            <a:r>
-              <a:rPr lang="en-US" dirty="0" smtClean="0"/>
-              <a:t>Key (6 - continued)</a:t>
-            </a:r>
-            <a:endParaRPr lang="en-US" dirty="0"/>
-          </a:p>
-        </p:txBody>
-      </p:sp>
-      <p:sp>
-        <p:nvSpPr>
-          <p:cNvPr id="7" name="Text Placeholder 6"/>
-          <p:cNvSpPr>
-            <a:spLocks noGrp="1"/>
-          </p:cNvSpPr>
-          <p:nvPr>
-            <p:ph type="body" sz="quarter" idx="15"/>
-          </p:nvPr>
-        </p:nvSpPr>
-        <p:spPr/>
-        <p:txBody>
-          <a:bodyPr/>
-          <a:lstStyle/>
-          <a:p>
-            <a:r>
-              <a:rPr lang="en-US" dirty="0" smtClean="0"/>
-              <a:t>Customer API How To</a:t>
-            </a:r>
-            <a:endParaRPr lang="en-US" dirty="0"/>
-          </a:p>
-        </p:txBody>
-      </p:sp>
-    </p:spTree>
-    <p:extLst>
-      <p:ext uri="{BB962C8B-B14F-4D97-AF65-F5344CB8AC3E}">
-        <p14:creationId xmlns:p14="http://schemas.microsoft.com/office/powerpoint/2010/main" val="1346841299"/>
-      </p:ext>
-    </p:extLst>
-  </p:cSld>
-  <p:clrMapOvr>
-    <a:masterClrMapping/>
-  </p:clrMapOvr>
-  <p:timing>
-    <p:tnLst>
-      <p:par>
-        <p:cTn id="1" dur="indefinite" restart="never" nodeType="tmRoot"/>
-      </p:par>
-    </p:tnLst>
-  </p:timing>
-</p:sld>
-</file>
-
 <file path=ppt/slides/slide15.xml><?xml version="1.0" encoding="utf-8"?>
 <p:sld xmlns:a="http://schemas.openxmlformats.org/drawingml/2006/main" xmlns:r="http://schemas.openxmlformats.org/officeDocument/2006/relationships" xmlns:p="http://schemas.openxmlformats.org/presentationml/2006/main">
   <p:cSld>
@@ -7699,28 +7860,74 @@
           <a:p>
             <a:r>
               <a:rPr lang="en-US" dirty="0"/>
-              <a:t>MasterCard maintains a very limited and representative set of sandbox data for both SpendingPulse and Sector Insights. The data provided in these two sandboxes is for </a:t>
-            </a:r>
-            <a:r>
-              <a:rPr lang="en-US" b="1" u="sng" dirty="0"/>
-              <a:t>functional or technical compatibility and connectivity testing purposes only</a:t>
-            </a:r>
+              <a:t>To avoid issues with key expiration, you may renew a key at any time. To do so, sign in to Developer Zone, and select:</a:t>
+            </a:r>
+          </a:p>
+          <a:p>
+            <a:pPr lvl="1"/>
             <a:r>
               <a:rPr lang="en-US" dirty="0"/>
-              <a:t>. The data is not based on nor intended to resemble any actual data and is not intended to be used for any purpose whatsoever other than functional or technical compatibility and connectivity testing. </a:t>
-            </a:r>
-          </a:p>
-          <a:p>
+              <a:t>My Dashboard</a:t>
+            </a:r>
+          </a:p>
+          <a:p>
+            <a:pPr lvl="1"/>
             <a:r>
               <a:rPr lang="en-US" dirty="0"/>
-              <a:t>In other words, sandbox data can be used by you, without further approval by MasterCard, to enable you to build your API application. Once your application is up and running you must request a production key and be approved for production access by MasterCard.</a:t>
-            </a:r>
-          </a:p>
-          <a:p>
+              <a:t>My Keys (locate the key you wish to renew)</a:t>
+            </a:r>
+          </a:p>
+          <a:p>
+            <a:pPr lvl="1"/>
             <a:r>
               <a:rPr lang="en-US" dirty="0"/>
-              <a:t>Production data is actual data and is available via paid subscription only.</a:t>
-            </a:r>
+              <a:t>Renew Key</a:t>
+            </a:r>
+          </a:p>
+          <a:p>
+            <a:pPr lvl="1"/>
+            <a:r>
+              <a:rPr lang="en-US" dirty="0"/>
+              <a:t>Follow the instructions in the pop-up for uploading a new CSR</a:t>
+            </a:r>
+            <a:r>
+              <a:rPr lang="en-US" dirty="0" smtClean="0"/>
+              <a:t>.</a:t>
+            </a:r>
+          </a:p>
+          <a:p>
+            <a:r>
+              <a:rPr lang="en-US" dirty="0" smtClean="0">
+                <a:effectLst/>
+              </a:rPr>
+              <a:t>Additional information on key management can </a:t>
+            </a:r>
+            <a:r>
+              <a:rPr lang="en-US" dirty="0"/>
+              <a:t>be found here:</a:t>
+            </a:r>
+            <a:br>
+              <a:rPr lang="en-US" dirty="0"/>
+            </a:br>
+            <a:r>
+              <a:rPr lang="en-US" sz="1800" dirty="0">
+                <a:hlinkClick r:id="rId2"/>
+              </a:rPr>
+              <a:t>https://</a:t>
+            </a:r>
+            <a:r>
+              <a:rPr lang="en-US" sz="1800" dirty="0" smtClean="0">
+                <a:hlinkClick r:id="rId2"/>
+              </a:rPr>
+              <a:t>developer.mastercard.com/portal/display/api/Generating+RSA+Keys</a:t>
+            </a:r>
+            <a:r>
+              <a:rPr lang="en-US" sz="1800" dirty="0" smtClean="0"/>
+              <a:t> </a:t>
+            </a:r>
+            <a:endParaRPr lang="en-US" sz="1800" dirty="0">
+              <a:effectLst/>
+            </a:endParaRPr>
           </a:p>
         </p:txBody>
       </p:sp>
@@ -7806,8 +8013,12 @@
           <a:lstStyle/>
           <a:p>
             <a:r>
-              <a:rPr lang="en-US" dirty="0" smtClean="0"/>
-              <a:t>Production vs. Sandbox Keys</a:t>
+              <a:rPr lang="en-US" dirty="0"/>
+              <a:t>Create/Register a </a:t>
+            </a:r>
+            <a:r>
+              <a:rPr lang="en-US" dirty="0" smtClean="0"/>
+              <a:t>Key (6 - continued)</a:t>
             </a:r>
             <a:endParaRPr lang="en-US" dirty="0"/>
           </a:p>
@@ -7839,7 +8050,7 @@
     </p:spTree>
     <p:extLst>
       <p:ext uri="{BB962C8B-B14F-4D97-AF65-F5344CB8AC3E}">
-        <p14:creationId xmlns:p14="http://schemas.microsoft.com/office/powerpoint/2010/main" val="2994781401"/>
+        <p14:creationId xmlns:p14="http://schemas.microsoft.com/office/powerpoint/2010/main" val="1346841299"/>
       </p:ext>
     </p:extLst>
   </p:cSld>
@@ -7895,121 +8106,27 @@
           <a:p>
             <a:r>
               <a:rPr lang="en-US" dirty="0"/>
-              <a:t>Additional information concerning the </a:t>
-            </a:r>
-            <a:r>
-              <a:rPr lang="en-US" dirty="0" smtClean="0"/>
-              <a:t>SpendingPulse™ </a:t>
+              <a:t>MasterCard maintains a very limited and representative set of sandbox data for both SpendingPulse and Sector Insights. The data provided in these two sandboxes is for </a:t>
+            </a:r>
+            <a:r>
+              <a:rPr lang="en-US" b="1" u="sng" dirty="0"/>
+              <a:t>functional or technical compatibility and connectivity testing purposes only</a:t>
             </a:r>
             <a:r>
               <a:rPr lang="en-US" dirty="0"/>
-              <a:t>API data is found here</a:t>
-            </a:r>
-            <a:r>
-              <a:rPr lang="en-US" dirty="0" smtClean="0"/>
-              <a:t>:</a:t>
-            </a:r>
+              <a:t>. The data is not based on nor intended to resemble any actual data and is not intended to be used for any purpose whatsoever other than functional or technical compatibility and connectivity testing. </a:t>
+            </a:r>
+          </a:p>
+          <a:p>
             <a:r>
               <a:rPr lang="en-US" dirty="0"/>
-              <a:t/>
-            </a:r>
-            <a:br>
+              <a:t>In other words, sandbox data can be used by you, without further approval by MasterCard, to enable you to build your API application. Once your application is up and running you must request a production key and be approved for production access by MasterCard.</a:t>
+            </a:r>
+          </a:p>
+          <a:p>
+            <a:r>
               <a:rPr lang="en-US" dirty="0"/>
-            </a:br>
-            <a:r>
-              <a:rPr lang="en-US" dirty="0" smtClean="0"/>
-              <a:t/>
-            </a:r>
-            <a:br>
-              <a:rPr lang="en-US" dirty="0" smtClean="0"/>
-            </a:br>
-            <a:r>
-              <a:rPr lang="en-US" sz="1600" dirty="0" smtClean="0">
-                <a:hlinkClick r:id="rId2"/>
-              </a:rPr>
-              <a:t>https</a:t>
-            </a:r>
-            <a:r>
-              <a:rPr lang="en-US" sz="1600" dirty="0">
-                <a:hlinkClick r:id="rId2"/>
-              </a:rPr>
-              <a:t>://</a:t>
-            </a:r>
-            <a:r>
-              <a:rPr lang="en-US" sz="1600" dirty="0" smtClean="0">
-                <a:hlinkClick r:id="rId2"/>
-              </a:rPr>
-              <a:t>developer.mastercard.com/portal/pages/viewpage.action?pageId=100597957</a:t>
-            </a:r>
-            <a:r>
-              <a:rPr lang="en-US" sz="1600" dirty="0" smtClean="0"/>
-              <a:t> </a:t>
-            </a:r>
-            <a:endParaRPr lang="en-US" sz="1600" dirty="0"/>
-          </a:p>
-          <a:p>
-            <a:endParaRPr lang="en-US" dirty="0" smtClean="0"/>
-          </a:p>
-          <a:p>
-            <a:r>
-              <a:rPr lang="en-US" dirty="0" smtClean="0"/>
-              <a:t>Additional </a:t>
-            </a:r>
-            <a:r>
-              <a:rPr lang="en-US" dirty="0"/>
-              <a:t>information concerning the </a:t>
-            </a:r>
-            <a:r>
-              <a:rPr lang="en-US" dirty="0" smtClean="0"/>
-              <a:t>Sector Insights™ </a:t>
-            </a:r>
-            <a:r>
-              <a:rPr lang="en-US" dirty="0"/>
-              <a:t>API data is found here</a:t>
-            </a:r>
-            <a:r>
-              <a:rPr lang="en-US" dirty="0" smtClean="0"/>
-              <a:t>:</a:t>
-            </a:r>
-            <a:r>
-              <a:rPr lang="en-US" dirty="0"/>
-              <a:t/>
-            </a:r>
-            <a:br>
-              <a:rPr lang="en-US" dirty="0"/>
-            </a:br>
-            <a:r>
-              <a:rPr lang="en-US" dirty="0" smtClean="0"/>
-              <a:t/>
-            </a:r>
-            <a:br>
-              <a:rPr lang="en-US" dirty="0" smtClean="0"/>
-            </a:br>
-            <a:r>
-              <a:rPr lang="en-US" sz="1600" dirty="0" smtClean="0">
-                <a:hlinkClick r:id="rId3"/>
-              </a:rPr>
-              <a:t>https</a:t>
-            </a:r>
-            <a:r>
-              <a:rPr lang="en-US" sz="1600" dirty="0">
-                <a:hlinkClick r:id="rId3"/>
-              </a:rPr>
-              <a:t>://developer.mastercard.com/portal/display/api/Sector+Insights</a:t>
-            </a:r>
-            <a:r>
-              <a:rPr lang="en-US" sz="1600" dirty="0"/>
-              <a:t> </a:t>
-            </a:r>
-            <a:endParaRPr lang="en-US" sz="1600" dirty="0" smtClean="0"/>
-          </a:p>
-          <a:p>
-            <a:endParaRPr lang="en-US" sz="1600" dirty="0"/>
-          </a:p>
-          <a:p>
-            <a:r>
-              <a:rPr lang="en-US" dirty="0"/>
-              <a:t>Now that you have a key … you need an App …</a:t>
+              <a:t>Production data is actual data and is available via paid subscription only.</a:t>
             </a:r>
           </a:p>
         </p:txBody>
@@ -8097,7 +8214,7 @@
           <a:p>
             <a:r>
               <a:rPr lang="en-US" dirty="0" smtClean="0"/>
-              <a:t>Additional Information</a:t>
+              <a:t>Production vs. Sandbox Keys</a:t>
             </a:r>
             <a:endParaRPr lang="en-US" dirty="0"/>
           </a:p>
@@ -8129,7 +8246,7 @@
     </p:spTree>
     <p:extLst>
       <p:ext uri="{BB962C8B-B14F-4D97-AF65-F5344CB8AC3E}">
-        <p14:creationId xmlns:p14="http://schemas.microsoft.com/office/powerpoint/2010/main" val="4106982293"/>
+        <p14:creationId xmlns:p14="http://schemas.microsoft.com/office/powerpoint/2010/main" val="2994781401"/>
       </p:ext>
     </p:extLst>
   </p:cSld>
@@ -8175,8 +8292,8 @@
         </p:nvSpPr>
         <p:spPr>
           <a:xfrm>
-            <a:off x="274637" y="1600199"/>
-            <a:ext cx="7717895" cy="3032124"/>
+            <a:off x="274637" y="1368162"/>
+            <a:ext cx="8164189" cy="3264161"/>
           </a:xfrm>
         </p:spPr>
         <p:txBody>
@@ -8184,41 +8301,122 @@
           <a:lstStyle/>
           <a:p>
             <a:r>
-              <a:rPr lang="en-US" dirty="0" smtClean="0"/>
-              <a:t>What is an “App”?</a:t>
-            </a:r>
-          </a:p>
-          <a:p>
-            <a:pPr lvl="1"/>
-            <a:r>
-              <a:rPr lang="en-US" dirty="0" smtClean="0"/>
-              <a:t>An “App” is the mechanism by which you associate a key with an API.</a:t>
-            </a:r>
-          </a:p>
-          <a:p>
-            <a:pPr lvl="1"/>
-            <a:r>
-              <a:rPr lang="en-US" dirty="0" smtClean="0"/>
-              <a:t>An “App” is not some code that you have written nor is it an application from MasterCard that you might use.</a:t>
-            </a:r>
-          </a:p>
-          <a:p>
-            <a:pPr lvl="1"/>
-            <a:r>
-              <a:rPr lang="en-US" dirty="0" smtClean="0"/>
-              <a:t>It is, merely, the device used to associate keys with APIs.</a:t>
-            </a:r>
-          </a:p>
-          <a:p>
-            <a:r>
-              <a:rPr lang="en-US" dirty="0" smtClean="0"/>
-              <a:t>An App is required in order to use a key. The system/code that you write, which accesses the API, must use a valid key in the authentication process.</a:t>
-            </a:r>
-          </a:p>
-          <a:p>
-            <a:r>
-              <a:rPr lang="en-US" dirty="0" smtClean="0"/>
-              <a:t>A key is deemed valid when the App associated with the key is approved for use by MasterCard.</a:t>
+              <a:rPr lang="en-US" dirty="0"/>
+              <a:t>Additional information concerning the </a:t>
+            </a:r>
+            <a:r>
+              <a:rPr lang="en-US" dirty="0" smtClean="0"/>
+              <a:t>SpendingPulse™ </a:t>
+            </a:r>
+            <a:r>
+              <a:rPr lang="en-US" dirty="0"/>
+              <a:t>API data is found here</a:t>
+            </a:r>
+            <a:r>
+              <a:rPr lang="en-US" dirty="0" smtClean="0"/>
+              <a:t>:</a:t>
+            </a:r>
+            <a:r>
+              <a:rPr lang="en-US" dirty="0"/>
+              <a:t/>
+            </a:r>
+            <a:br>
+              <a:rPr lang="en-US" dirty="0"/>
+            </a:br>
+            <a:r>
+              <a:rPr lang="en-US" dirty="0" smtClean="0"/>
+              <a:t/>
+            </a:r>
+            <a:br>
+              <a:rPr lang="en-US" dirty="0" smtClean="0"/>
+            </a:br>
+            <a:r>
+              <a:rPr lang="en-US" sz="1600" dirty="0" smtClean="0">
+                <a:hlinkClick r:id="rId2"/>
+              </a:rPr>
+              <a:t>https</a:t>
+            </a:r>
+            <a:r>
+              <a:rPr lang="en-US" sz="1600" dirty="0">
+                <a:hlinkClick r:id="rId2"/>
+              </a:rPr>
+              <a:t>://</a:t>
+            </a:r>
+            <a:r>
+              <a:rPr lang="en-US" sz="1600" dirty="0" smtClean="0">
+                <a:hlinkClick r:id="rId2"/>
+              </a:rPr>
+              <a:t>developer.mastercard.com/portal/pages/viewpage.action?pageId=100597957</a:t>
+            </a:r>
+            <a:r>
+              <a:rPr lang="en-US" sz="1600" dirty="0" smtClean="0"/>
+              <a:t> </a:t>
+            </a:r>
+            <a:endParaRPr lang="en-US" sz="1600" dirty="0"/>
+          </a:p>
+          <a:p>
+            <a:endParaRPr lang="en-US" dirty="0" smtClean="0"/>
+          </a:p>
+          <a:p>
+            <a:r>
+              <a:rPr lang="en-US" dirty="0" smtClean="0"/>
+              <a:t>Additional </a:t>
+            </a:r>
+            <a:r>
+              <a:rPr lang="en-US" dirty="0"/>
+              <a:t>information concerning the </a:t>
+            </a:r>
+            <a:r>
+              <a:rPr lang="en-US" dirty="0" smtClean="0"/>
+              <a:t>Sector Insights™ </a:t>
+            </a:r>
+            <a:r>
+              <a:rPr lang="en-US" dirty="0"/>
+              <a:t>API data is found here</a:t>
+            </a:r>
+            <a:r>
+              <a:rPr lang="en-US" dirty="0" smtClean="0"/>
+              <a:t>:</a:t>
+            </a:r>
+            <a:r>
+              <a:rPr lang="en-US" dirty="0"/>
+              <a:t/>
+            </a:r>
+            <a:br>
+              <a:rPr lang="en-US" dirty="0"/>
+            </a:br>
+            <a:r>
+              <a:rPr lang="en-US" dirty="0" smtClean="0"/>
+              <a:t/>
+            </a:r>
+            <a:br>
+              <a:rPr lang="en-US" dirty="0" smtClean="0"/>
+            </a:br>
+            <a:r>
+              <a:rPr lang="en-US" sz="1600" dirty="0" smtClean="0">
+                <a:hlinkClick r:id="rId3"/>
+              </a:rPr>
+              <a:t>https</a:t>
+            </a:r>
+            <a:r>
+              <a:rPr lang="en-US" sz="1600" dirty="0">
+                <a:hlinkClick r:id="rId3"/>
+              </a:rPr>
+              <a:t>://developer.mastercard.com/portal/display/api/Sector+Insights</a:t>
+            </a:r>
+            <a:r>
+              <a:rPr lang="en-US" sz="1600" dirty="0"/>
+              <a:t> </a:t>
+            </a:r>
+            <a:endParaRPr lang="en-US" sz="1600" dirty="0" smtClean="0"/>
+          </a:p>
+          <a:p>
+            <a:endParaRPr lang="en-US" sz="1600" dirty="0"/>
+          </a:p>
+          <a:p>
+            <a:r>
+              <a:rPr lang="en-US" dirty="0"/>
+              <a:t>Now that you have a key … you need an App …</a:t>
             </a:r>
           </a:p>
         </p:txBody>
@@ -8306,7 +8504,7 @@
           <a:p>
             <a:r>
               <a:rPr lang="en-US" dirty="0" smtClean="0"/>
-              <a:t>Creating an App (1)</a:t>
+              <a:t>Additional Information</a:t>
             </a:r>
             <a:endParaRPr lang="en-US" dirty="0"/>
           </a:p>
@@ -8328,12 +8526,8 @@
           <a:lstStyle/>
           <a:p>
             <a:r>
-              <a:rPr lang="en-US" dirty="0"/>
-              <a:t>Customer API How </a:t>
-            </a:r>
-            <a:r>
-              <a:rPr lang="en-US" dirty="0" smtClean="0"/>
-              <a:t>To</a:t>
+              <a:rPr lang="en-US" dirty="0" smtClean="0"/>
+              <a:t>Customer API How To</a:t>
             </a:r>
             <a:endParaRPr lang="en-US" dirty="0"/>
           </a:p>
@@ -8342,7 +8536,7 @@
     </p:spTree>
     <p:extLst>
       <p:ext uri="{BB962C8B-B14F-4D97-AF65-F5344CB8AC3E}">
-        <p14:creationId xmlns:p14="http://schemas.microsoft.com/office/powerpoint/2010/main" val="1122452413"/>
+        <p14:creationId xmlns:p14="http://schemas.microsoft.com/office/powerpoint/2010/main" val="4106982293"/>
       </p:ext>
     </p:extLst>
   </p:cSld>
@@ -8388,8 +8582,8 @@
         </p:nvSpPr>
         <p:spPr>
           <a:xfrm>
-            <a:off x="274638" y="1402597"/>
-            <a:ext cx="7415212" cy="3221977"/>
+            <a:off x="274637" y="1600199"/>
+            <a:ext cx="7717895" cy="3032124"/>
           </a:xfrm>
         </p:spPr>
         <p:txBody>
@@ -8398,80 +8592,41 @@
           <a:p>
             <a:r>
               <a:rPr lang="en-US" dirty="0" smtClean="0"/>
-              <a:t>From your dashboard, choose My APPS</a:t>
-            </a:r>
-          </a:p>
-          <a:p>
-            <a:r>
-              <a:rPr lang="en-US" dirty="0" smtClean="0"/>
-              <a:t>Click Add an App</a:t>
-            </a:r>
-          </a:p>
-          <a:p>
-            <a:r>
-              <a:rPr lang="en-US" dirty="0" smtClean="0"/>
-              <a:t>In the displayed dialogue:</a:t>
+              <a:t>What is an “App”?</a:t>
             </a:r>
           </a:p>
           <a:p>
             <a:pPr lvl="1"/>
             <a:r>
               <a:rPr lang="en-US" dirty="0" smtClean="0"/>
-              <a:t>Enter an Application Name</a:t>
-            </a:r>
-          </a:p>
-          <a:p>
-            <a:pPr lvl="2"/>
-            <a:r>
-              <a:rPr lang="en-US" dirty="0" smtClean="0"/>
-              <a:t>Any alphanumeric is acceptable. The name is</a:t>
-            </a:r>
-            <a:br>
-              <a:rPr lang="en-US" dirty="0" smtClean="0"/>
-            </a:br>
-            <a:r>
-              <a:rPr lang="en-US" dirty="0" smtClean="0"/>
-              <a:t>used by you to identify this App (i.e. this</a:t>
-            </a:r>
-            <a:br>
-              <a:rPr lang="en-US" dirty="0" smtClean="0"/>
-            </a:br>
-            <a:r>
-              <a:rPr lang="en-US" dirty="0" smtClean="0"/>
-              <a:t>use of a particular key)</a:t>
+              <a:t>An “App” is the mechanism by which you associate a key with an API.</a:t>
             </a:r>
           </a:p>
           <a:p>
             <a:pPr lvl="1"/>
             <a:r>
               <a:rPr lang="en-US" dirty="0" smtClean="0"/>
-              <a:t>(optional) a Description</a:t>
+              <a:t>An “App” is not some code that you have written nor is it an application from MasterCard that you might use.</a:t>
             </a:r>
           </a:p>
           <a:p>
             <a:pPr lvl="1"/>
             <a:r>
               <a:rPr lang="en-US" dirty="0" smtClean="0"/>
-              <a:t>Choose the key to be used</a:t>
-            </a:r>
-          </a:p>
-          <a:p>
-            <a:pPr lvl="2"/>
-            <a:r>
-              <a:rPr lang="en-US" dirty="0" smtClean="0"/>
-              <a:t>Key alias names are available for selection</a:t>
-            </a:r>
-          </a:p>
-          <a:p>
-            <a:pPr lvl="2"/>
-            <a:r>
-              <a:rPr lang="en-US" dirty="0" smtClean="0"/>
-              <a:t>A new key may be created at this time</a:t>
-            </a:r>
-          </a:p>
-          <a:p>
-            <a:pPr lvl="1"/>
-            <a:endParaRPr lang="en-US" dirty="0" smtClean="0"/>
+              <a:t>It is, merely, the device used to associate keys with APIs.</a:t>
+            </a:r>
+          </a:p>
+          <a:p>
+            <a:r>
+              <a:rPr lang="en-US" dirty="0" smtClean="0"/>
+              <a:t>An App is required in order to use a key. The system/code that you write, which accesses the API, must use a valid key in the authentication process.</a:t>
+            </a:r>
+          </a:p>
+          <a:p>
+            <a:r>
+              <a:rPr lang="en-US" dirty="0" smtClean="0"/>
+              <a:t>A key is deemed valid when the App associated with the key is approved for use by MasterCard.</a:t>
+            </a:r>
           </a:p>
         </p:txBody>
       </p:sp>
@@ -8558,7 +8713,7 @@
           <a:p>
             <a:r>
               <a:rPr lang="en-US" dirty="0" smtClean="0"/>
-              <a:t>Creating an App (2)</a:t>
+              <a:t>Creating an App (1)</a:t>
             </a:r>
             <a:endParaRPr lang="en-US" dirty="0"/>
           </a:p>
@@ -8588,100 +8743,13 @@
               <a:t>To</a:t>
             </a:r>
             <a:endParaRPr lang="en-US" dirty="0"/>
-          </a:p>
-        </p:txBody>
-      </p:sp>
-      <p:pic>
-        <p:nvPicPr>
-          <p:cNvPr id="8" name="Picture 7"/>
-          <p:cNvPicPr>
-            <a:picLocks noChangeAspect="1"/>
-          </p:cNvPicPr>
-          <p:nvPr/>
-        </p:nvPicPr>
-        <p:blipFill>
-          <a:blip r:embed="rId2"/>
-          <a:stretch>
-            <a:fillRect/>
-          </a:stretch>
-        </p:blipFill>
-        <p:spPr>
-          <a:xfrm>
-            <a:off x="4796728" y="1316875"/>
-            <a:ext cx="4187584" cy="1988142"/>
-          </a:xfrm>
-          <a:prstGeom prst="rect">
-            <a:avLst/>
-          </a:prstGeom>
-        </p:spPr>
-      </p:pic>
-      <p:sp>
-        <p:nvSpPr>
-          <p:cNvPr id="9" name="Right Arrow 8"/>
-          <p:cNvSpPr/>
-          <p:nvPr/>
-        </p:nvSpPr>
-        <p:spPr bwMode="gray">
-          <a:xfrm>
-            <a:off x="2347994" y="1867551"/>
-            <a:ext cx="2580467" cy="85240"/>
-          </a:xfrm>
-          <a:prstGeom prst="rightArrow">
-            <a:avLst/>
-          </a:prstGeom>
-          <a:solidFill>
-            <a:schemeClr val="accent1"/>
-          </a:solidFill>
-          <a:ln w="9525" cap="flat" cmpd="sng" algn="ctr">
-            <a:noFill/>
-            <a:prstDash val="solid"/>
-            <a:round/>
-            <a:headEnd type="none" w="med" len="med"/>
-            <a:tailEnd type="none" w="med" len="med"/>
-          </a:ln>
-          <a:effectLst/>
-        </p:spPr>
-        <p:txBody>
-          <a:bodyPr vert="horz" wrap="square" lIns="91440" tIns="45720" rIns="91440" bIns="45720" numCol="1" rtlCol="0" anchor="ctr" anchorCtr="0" compatLnSpc="1">
-            <a:prstTxWarp prst="textNoShape">
-              <a:avLst/>
-            </a:prstTxWarp>
-          </a:bodyPr>
-          <a:lstStyle/>
-          <a:p>
-            <a:pPr marL="0" marR="0" indent="0" algn="l" defTabSz="914400" rtl="0" eaLnBrk="1" fontAlgn="base" latinLnBrk="0" hangingPunct="1">
-              <a:lnSpc>
-                <a:spcPct val="100000"/>
-              </a:lnSpc>
-              <a:spcBef>
-                <a:spcPct val="0"/>
-              </a:spcBef>
-              <a:spcAft>
-                <a:spcPct val="0"/>
-              </a:spcAft>
-              <a:buClrTx/>
-              <a:buSzTx/>
-              <a:buFontTx/>
-              <a:buNone/>
-              <a:tabLst/>
-            </a:pPr>
-            <a:endParaRPr kumimoji="0" lang="en-US" sz="2000" b="0" i="0" u="none" strike="noStrike" cap="none" normalizeH="0" baseline="0" dirty="0" smtClean="0">
-              <a:ln>
-                <a:noFill/>
-              </a:ln>
-              <a:solidFill>
-                <a:schemeClr val="bg1"/>
-              </a:solidFill>
-              <a:effectLst/>
-              <a:latin typeface="Arial" pitchFamily="2" charset="0"/>
-            </a:endParaRPr>
           </a:p>
         </p:txBody>
       </p:sp>
     </p:spTree>
     <p:extLst>
       <p:ext uri="{BB962C8B-B14F-4D97-AF65-F5344CB8AC3E}">
-        <p14:creationId xmlns:p14="http://schemas.microsoft.com/office/powerpoint/2010/main" val="2163120365"/>
+        <p14:creationId xmlns:p14="http://schemas.microsoft.com/office/powerpoint/2010/main" val="1122452413"/>
       </p:ext>
     </p:extLst>
   </p:cSld>
@@ -8737,34 +8805,80 @@
           <a:p>
             <a:r>
               <a:rPr lang="en-US" dirty="0" smtClean="0"/>
+              <a:t>From your dashboard, choose My APPS</a:t>
+            </a:r>
+          </a:p>
+          <a:p>
+            <a:r>
+              <a:rPr lang="en-US" dirty="0" smtClean="0"/>
+              <a:t>Click Add an App</a:t>
+            </a:r>
+          </a:p>
+          <a:p>
+            <a:r>
+              <a:rPr lang="en-US" dirty="0" smtClean="0"/>
+              <a:t>In the displayed dialogue:</a:t>
+            </a:r>
+          </a:p>
+          <a:p>
+            <a:pPr lvl="1"/>
+            <a:r>
+              <a:rPr lang="en-US" dirty="0" smtClean="0"/>
+              <a:t>Enter an Application Name</a:t>
+            </a:r>
+          </a:p>
+          <a:p>
+            <a:pPr lvl="2"/>
+            <a:r>
+              <a:rPr lang="en-US" dirty="0" smtClean="0"/>
+              <a:t>Any alphanumeric is acceptable. The name is</a:t>
+            </a:r>
+            <a:br>
+              <a:rPr lang="en-US" dirty="0" smtClean="0"/>
+            </a:br>
+            <a:r>
+              <a:rPr lang="en-US" dirty="0" smtClean="0"/>
+              <a:t>used by you to identify this App (i.e. this</a:t>
+            </a:r>
+            <a:br>
+              <a:rPr lang="en-US" dirty="0" smtClean="0"/>
+            </a:br>
+            <a:r>
+              <a:rPr lang="en-US" dirty="0" smtClean="0"/>
+              <a:t>use of a particular key)</a:t>
+            </a:r>
+          </a:p>
+          <a:p>
+            <a:pPr lvl="1"/>
+            <a:r>
+              <a:rPr lang="en-US" dirty="0" smtClean="0"/>
+              <a:t>(optional) a Description</a:t>
+            </a:r>
+          </a:p>
+          <a:p>
+            <a:pPr lvl="1"/>
+            <a:r>
+              <a:rPr lang="en-US" dirty="0" smtClean="0"/>
               <a:t>Choose the key to be used</a:t>
             </a:r>
           </a:p>
           <a:p>
+            <a:pPr lvl="2"/>
+            <a:r>
+              <a:rPr lang="en-US" dirty="0" smtClean="0"/>
+              <a:t>Key alias names are available for selection</a:t>
+            </a:r>
+          </a:p>
+          <a:p>
+            <a:pPr lvl="2"/>
+            <a:r>
+              <a:rPr lang="en-US" dirty="0" smtClean="0"/>
+              <a:t>A new key may be created at this time</a:t>
+            </a:r>
+          </a:p>
+          <a:p>
             <a:pPr lvl="1"/>
-            <a:r>
-              <a:rPr lang="en-US" dirty="0" smtClean="0"/>
-              <a:t>Key alias names are available for selection</a:t>
-            </a:r>
-          </a:p>
-          <a:p>
-            <a:pPr lvl="1"/>
-            <a:r>
-              <a:rPr lang="en-US" dirty="0" smtClean="0"/>
-              <a:t>A new key may be created at this time</a:t>
-            </a:r>
-          </a:p>
-          <a:p>
-            <a:r>
-              <a:rPr lang="en-US" dirty="0" smtClean="0"/>
-              <a:t>Click Submit</a:t>
-            </a:r>
-          </a:p>
-          <a:p>
-            <a:r>
-              <a:rPr lang="en-US" dirty="0" smtClean="0"/>
-              <a:t>Your dashboard is redisplayed</a:t>
-            </a:r>
+            <a:endParaRPr lang="en-US" dirty="0" smtClean="0"/>
           </a:p>
         </p:txBody>
       </p:sp>
@@ -8851,7 +8965,7 @@
           <a:p>
             <a:r>
               <a:rPr lang="en-US" dirty="0" smtClean="0"/>
-              <a:t>Creating an App (3)</a:t>
+              <a:t>Creating an App (2)</a:t>
             </a:r>
             <a:endParaRPr lang="en-US" dirty="0"/>
           </a:p>
@@ -8886,7 +9000,7 @@
       </p:sp>
       <p:pic>
         <p:nvPicPr>
-          <p:cNvPr id="10" name="Picture 9"/>
+          <p:cNvPr id="8" name="Picture 7"/>
           <p:cNvPicPr>
             <a:picLocks noChangeAspect="1"/>
           </p:cNvPicPr>
@@ -8900,8 +9014,8 @@
         </p:blipFill>
         <p:spPr>
           <a:xfrm>
-            <a:off x="5124694" y="668616"/>
-            <a:ext cx="3738485" cy="1932924"/>
+            <a:off x="4796728" y="1316875"/>
+            <a:ext cx="4187584" cy="1988142"/>
           </a:xfrm>
           <a:prstGeom prst="rect">
             <a:avLst/>
@@ -8916,8 +9030,8 @@
         </p:nvSpPr>
         <p:spPr bwMode="gray">
           <a:xfrm>
-            <a:off x="1945038" y="2440988"/>
-            <a:ext cx="5129939" cy="92985"/>
+            <a:off x="2347994" y="1867551"/>
+            <a:ext cx="2580467" cy="85240"/>
           </a:xfrm>
           <a:prstGeom prst="rightArrow">
             <a:avLst/>
@@ -8974,7 +9088,7 @@
     </p:spTree>
     <p:extLst>
       <p:ext uri="{BB962C8B-B14F-4D97-AF65-F5344CB8AC3E}">
-        <p14:creationId xmlns:p14="http://schemas.microsoft.com/office/powerpoint/2010/main" val="3867393338"/>
+        <p14:creationId xmlns:p14="http://schemas.microsoft.com/office/powerpoint/2010/main" val="2163120365"/>
       </p:ext>
     </p:extLst>
   </p:cSld>
@@ -9209,70 +9323,33 @@
           <a:p>
             <a:r>
               <a:rPr lang="en-US" dirty="0" smtClean="0"/>
-              <a:t>Notice, the key you associated with the</a:t>
-            </a:r>
-            <a:br>
-              <a:rPr lang="en-US" dirty="0" smtClean="0"/>
-            </a:br>
-            <a:r>
-              <a:rPr lang="en-US" dirty="0" smtClean="0"/>
-              <a:t>App is shown, BUT it is not yet ACTIVE.</a:t>
-            </a:r>
-          </a:p>
-          <a:p>
-            <a:endParaRPr lang="en-US" dirty="0"/>
-          </a:p>
-          <a:p>
-            <a:r>
-              <a:rPr lang="en-US" dirty="0" smtClean="0"/>
-              <a:t>Click the checkbox to make the key </a:t>
-            </a:r>
-            <a:br>
-              <a:rPr lang="en-US" dirty="0" smtClean="0"/>
-            </a:br>
-            <a:r>
-              <a:rPr lang="en-US" dirty="0" smtClean="0"/>
-              <a:t>ACTIVE – you must activate the key in</a:t>
-            </a:r>
-            <a:br>
-              <a:rPr lang="en-US" dirty="0" smtClean="0"/>
-            </a:br>
-            <a:r>
-              <a:rPr lang="en-US" dirty="0" smtClean="0"/>
-              <a:t>order to use it.</a:t>
-            </a:r>
-          </a:p>
-          <a:p>
-            <a:r>
-              <a:rPr lang="en-US" dirty="0" smtClean="0"/>
-              <a:t>Once activated, the display is changed.</a:t>
-            </a:r>
-            <a:br>
-              <a:rPr lang="en-US" dirty="0" smtClean="0"/>
-            </a:br>
-            <a:r>
-              <a:rPr lang="en-US" dirty="0" smtClean="0"/>
-              <a:t>Note the display of the key.</a:t>
-            </a:r>
-          </a:p>
-          <a:p>
-            <a:r>
-              <a:rPr lang="en-US" dirty="0" smtClean="0"/>
-              <a:t>Apps for the sandbox are </a:t>
-            </a:r>
-            <a:br>
-              <a:rPr lang="en-US" dirty="0" smtClean="0"/>
-            </a:br>
-            <a:r>
-              <a:rPr lang="en-US" dirty="0" smtClean="0"/>
-              <a:t>automatically approved for use with</a:t>
-            </a:r>
-            <a:br>
-              <a:rPr lang="en-US" dirty="0" smtClean="0"/>
-            </a:br>
-            <a:r>
-              <a:rPr lang="en-US" dirty="0" smtClean="0"/>
-              <a:t>the sandbox API data.</a:t>
+              <a:t>Choose the key to be used</a:t>
+            </a:r>
+          </a:p>
+          <a:p>
+            <a:pPr lvl="1"/>
+            <a:r>
+              <a:rPr lang="en-US" dirty="0" smtClean="0"/>
+              <a:t>Key alias names are available for selection</a:t>
+            </a:r>
+          </a:p>
+          <a:p>
+            <a:pPr lvl="1"/>
+            <a:r>
+              <a:rPr lang="en-US" dirty="0" smtClean="0"/>
+              <a:t>A new key may be created at this time</a:t>
+            </a:r>
+          </a:p>
+          <a:p>
+            <a:r>
+              <a:rPr lang="en-US" dirty="0" smtClean="0"/>
+              <a:t>Click Submit</a:t>
+            </a:r>
+          </a:p>
+          <a:p>
+            <a:r>
+              <a:rPr lang="en-US" dirty="0" smtClean="0"/>
+              <a:t>Your dashboard is redisplayed</a:t>
             </a:r>
           </a:p>
         </p:txBody>
@@ -9319,6 +9396,336 @@
               <a:rPr lang="en-US" smtClean="0"/>
               <a:pPr/>
               <a:t>20</a:t>
+            </a:fld>
+            <a:endParaRPr lang="en-US" dirty="0"/>
+          </a:p>
+        </p:txBody>
+      </p:sp>
+      <p:sp>
+        <p:nvSpPr>
+          <p:cNvPr id="5" name="Footer Placeholder 4"/>
+          <p:cNvSpPr>
+            <a:spLocks noGrp="1"/>
+          </p:cNvSpPr>
+          <p:nvPr>
+            <p:ph type="ftr" sz="quarter" idx="12"/>
+          </p:nvPr>
+        </p:nvSpPr>
+        <p:spPr/>
+        <p:txBody>
+          <a:bodyPr/>
+          <a:lstStyle/>
+          <a:p>
+            <a:endParaRPr lang="en-US" dirty="0"/>
+          </a:p>
+        </p:txBody>
+      </p:sp>
+      <p:sp>
+        <p:nvSpPr>
+          <p:cNvPr id="6" name="Title 5"/>
+          <p:cNvSpPr>
+            <a:spLocks noGrp="1"/>
+          </p:cNvSpPr>
+          <p:nvPr>
+            <p:ph type="title"/>
+          </p:nvPr>
+        </p:nvSpPr>
+        <p:spPr/>
+        <p:txBody>
+          <a:bodyPr/>
+          <a:lstStyle/>
+          <a:p>
+            <a:r>
+              <a:rPr lang="en-US" dirty="0" smtClean="0"/>
+              <a:t>Creating an App (3)</a:t>
+            </a:r>
+            <a:endParaRPr lang="en-US" dirty="0"/>
+          </a:p>
+        </p:txBody>
+      </p:sp>
+      <p:sp>
+        <p:nvSpPr>
+          <p:cNvPr id="7" name="Text Placeholder 6"/>
+          <p:cNvSpPr>
+            <a:spLocks noGrp="1"/>
+          </p:cNvSpPr>
+          <p:nvPr>
+            <p:ph type="body" sz="quarter" idx="15"/>
+          </p:nvPr>
+        </p:nvSpPr>
+        <p:spPr/>
+        <p:txBody>
+          <a:bodyPr/>
+          <a:lstStyle/>
+          <a:p>
+            <a:r>
+              <a:rPr lang="en-US" dirty="0"/>
+              <a:t>Customer API How </a:t>
+            </a:r>
+            <a:r>
+              <a:rPr lang="en-US" dirty="0" smtClean="0"/>
+              <a:t>To</a:t>
+            </a:r>
+            <a:endParaRPr lang="en-US" dirty="0"/>
+          </a:p>
+        </p:txBody>
+      </p:sp>
+      <p:pic>
+        <p:nvPicPr>
+          <p:cNvPr id="10" name="Picture 9"/>
+          <p:cNvPicPr>
+            <a:picLocks noChangeAspect="1"/>
+          </p:cNvPicPr>
+          <p:nvPr/>
+        </p:nvPicPr>
+        <p:blipFill>
+          <a:blip r:embed="rId2"/>
+          <a:stretch>
+            <a:fillRect/>
+          </a:stretch>
+        </p:blipFill>
+        <p:spPr>
+          <a:xfrm>
+            <a:off x="5124694" y="668616"/>
+            <a:ext cx="3738485" cy="1932924"/>
+          </a:xfrm>
+          <a:prstGeom prst="rect">
+            <a:avLst/>
+          </a:prstGeom>
+        </p:spPr>
+      </p:pic>
+      <p:sp>
+        <p:nvSpPr>
+          <p:cNvPr id="9" name="Right Arrow 8"/>
+          <p:cNvSpPr/>
+          <p:nvPr/>
+        </p:nvSpPr>
+        <p:spPr bwMode="gray">
+          <a:xfrm>
+            <a:off x="1945038" y="2440988"/>
+            <a:ext cx="5129939" cy="92985"/>
+          </a:xfrm>
+          <a:prstGeom prst="rightArrow">
+            <a:avLst/>
+          </a:prstGeom>
+          <a:solidFill>
+            <a:schemeClr val="accent1"/>
+          </a:solidFill>
+          <a:ln w="9525" cap="flat" cmpd="sng" algn="ctr">
+            <a:noFill/>
+            <a:prstDash val="solid"/>
+            <a:round/>
+            <a:headEnd type="none" w="med" len="med"/>
+            <a:tailEnd type="none" w="med" len="med"/>
+          </a:ln>
+          <a:effectLst/>
+        </p:spPr>
+        <p:txBody>
+          <a:bodyPr vert="horz" wrap="square" lIns="91440" tIns="45720" rIns="91440" bIns="45720" numCol="1" rtlCol="0" anchor="ctr" anchorCtr="0" compatLnSpc="1">
+            <a:prstTxWarp prst="textNoShape">
+              <a:avLst/>
+            </a:prstTxWarp>
+          </a:bodyPr>
+          <a:lstStyle/>
+          <a:p>
+            <a:pPr marL="0" marR="0" indent="0" algn="l" defTabSz="914400" rtl="0" eaLnBrk="1" fontAlgn="base" latinLnBrk="0" hangingPunct="1">
+              <a:lnSpc>
+                <a:spcPct val="100000"/>
+              </a:lnSpc>
+              <a:spcBef>
+                <a:spcPct val="0"/>
+              </a:spcBef>
+              <a:spcAft>
+                <a:spcPct val="0"/>
+              </a:spcAft>
+              <a:buClrTx/>
+              <a:buSzTx/>
+              <a:buFontTx/>
+              <a:buNone/>
+              <a:tabLst/>
+            </a:pPr>
+            <a:endParaRPr kumimoji="0" lang="en-US" sz="2000" b="0" i="0" u="none" strike="noStrike" cap="none" normalizeH="0" baseline="0" dirty="0" smtClean="0">
+              <a:ln>
+                <a:noFill/>
+              </a:ln>
+              <a:solidFill>
+                <a:schemeClr val="bg1"/>
+              </a:solidFill>
+              <a:effectLst/>
+              <a:latin typeface="Arial" pitchFamily="2" charset="0"/>
+            </a:endParaRPr>
+          </a:p>
+        </p:txBody>
+      </p:sp>
+    </p:spTree>
+    <p:extLst>
+      <p:ext uri="{BB962C8B-B14F-4D97-AF65-F5344CB8AC3E}">
+        <p14:creationId xmlns:p14="http://schemas.microsoft.com/office/powerpoint/2010/main" val="3867393338"/>
+      </p:ext>
+    </p:extLst>
+  </p:cSld>
+  <p:clrMapOvr>
+    <a:masterClrMapping/>
+  </p:clrMapOvr>
+  <p:timing>
+    <p:tnLst>
+      <p:par>
+        <p:cTn id="1" dur="indefinite" restart="never" nodeType="tmRoot"/>
+      </p:par>
+    </p:tnLst>
+  </p:timing>
+</p:sld>
+</file>
+
+<file path=ppt/slides/slide21.xml><?xml version="1.0" encoding="utf-8"?>
+<p:sld xmlns:a="http://schemas.openxmlformats.org/drawingml/2006/main" xmlns:r="http://schemas.openxmlformats.org/officeDocument/2006/relationships" xmlns:p="http://schemas.openxmlformats.org/presentationml/2006/main">
+  <p:cSld>
+    <p:spTree>
+      <p:nvGrpSpPr>
+        <p:cNvPr id="1" name=""/>
+        <p:cNvGrpSpPr/>
+        <p:nvPr/>
+      </p:nvGrpSpPr>
+      <p:grpSpPr>
+        <a:xfrm>
+          <a:off x="0" y="0"/>
+          <a:ext cx="0" cy="0"/>
+          <a:chOff x="0" y="0"/>
+          <a:chExt cx="0" cy="0"/>
+        </a:xfrm>
+      </p:grpSpPr>
+      <p:sp>
+        <p:nvSpPr>
+          <p:cNvPr id="2" name="Text Placeholder 1"/>
+          <p:cNvSpPr>
+            <a:spLocks noGrp="1"/>
+          </p:cNvSpPr>
+          <p:nvPr>
+            <p:ph type="body" sz="quarter" idx="13"/>
+          </p:nvPr>
+        </p:nvSpPr>
+        <p:spPr>
+          <a:xfrm>
+            <a:off x="274638" y="1402597"/>
+            <a:ext cx="7415212" cy="3221977"/>
+          </a:xfrm>
+        </p:spPr>
+        <p:txBody>
+          <a:bodyPr/>
+          <a:lstStyle/>
+          <a:p>
+            <a:r>
+              <a:rPr lang="en-US" dirty="0" smtClean="0"/>
+              <a:t>Notice, the key you associated with the</a:t>
+            </a:r>
+            <a:br>
+              <a:rPr lang="en-US" dirty="0" smtClean="0"/>
+            </a:br>
+            <a:r>
+              <a:rPr lang="en-US" dirty="0" smtClean="0"/>
+              <a:t>App is shown, BUT it is not yet ACTIVE.</a:t>
+            </a:r>
+          </a:p>
+          <a:p>
+            <a:endParaRPr lang="en-US" dirty="0"/>
+          </a:p>
+          <a:p>
+            <a:r>
+              <a:rPr lang="en-US" dirty="0" smtClean="0"/>
+              <a:t>Click the checkbox to make the key </a:t>
+            </a:r>
+            <a:br>
+              <a:rPr lang="en-US" dirty="0" smtClean="0"/>
+            </a:br>
+            <a:r>
+              <a:rPr lang="en-US" dirty="0" smtClean="0"/>
+              <a:t>ACTIVE – you must activate the key in</a:t>
+            </a:r>
+            <a:br>
+              <a:rPr lang="en-US" dirty="0" smtClean="0"/>
+            </a:br>
+            <a:r>
+              <a:rPr lang="en-US" dirty="0" smtClean="0"/>
+              <a:t>order to use it.</a:t>
+            </a:r>
+          </a:p>
+          <a:p>
+            <a:r>
+              <a:rPr lang="en-US" dirty="0" smtClean="0"/>
+              <a:t>Once activated, the display is changed.</a:t>
+            </a:r>
+            <a:br>
+              <a:rPr lang="en-US" dirty="0" smtClean="0"/>
+            </a:br>
+            <a:r>
+              <a:rPr lang="en-US" dirty="0" smtClean="0"/>
+              <a:t>Note the display of the key.</a:t>
+            </a:r>
+          </a:p>
+          <a:p>
+            <a:r>
+              <a:rPr lang="en-US" dirty="0" smtClean="0"/>
+              <a:t>Apps for the sandbox are </a:t>
+            </a:r>
+            <a:br>
+              <a:rPr lang="en-US" dirty="0" smtClean="0"/>
+            </a:br>
+            <a:r>
+              <a:rPr lang="en-US" dirty="0" smtClean="0"/>
+              <a:t>automatically approved for use with</a:t>
+            </a:r>
+            <a:br>
+              <a:rPr lang="en-US" dirty="0" smtClean="0"/>
+            </a:br>
+            <a:r>
+              <a:rPr lang="en-US" dirty="0" smtClean="0"/>
+              <a:t>the sandbox API data.</a:t>
+            </a:r>
+          </a:p>
+        </p:txBody>
+      </p:sp>
+      <p:sp>
+        <p:nvSpPr>
+          <p:cNvPr id="3" name="Date Placeholder 2"/>
+          <p:cNvSpPr>
+            <a:spLocks noGrp="1"/>
+          </p:cNvSpPr>
+          <p:nvPr>
+            <p:ph type="dt" sz="half" idx="10"/>
+          </p:nvPr>
+        </p:nvSpPr>
+        <p:spPr/>
+        <p:txBody>
+          <a:bodyPr/>
+          <a:lstStyle/>
+          <a:p>
+            <a:r>
+              <a:rPr lang="en-US" smtClean="0"/>
+              <a:t>October 21, 2015</a:t>
+            </a:r>
+            <a:endParaRPr lang="en-US" dirty="0" smtClean="0"/>
+          </a:p>
+        </p:txBody>
+      </p:sp>
+      <p:sp>
+        <p:nvSpPr>
+          <p:cNvPr id="4" name="Slide Number Placeholder 3"/>
+          <p:cNvSpPr>
+            <a:spLocks noGrp="1"/>
+          </p:cNvSpPr>
+          <p:nvPr>
+            <p:ph type="sldNum" sz="quarter" idx="11"/>
+          </p:nvPr>
+        </p:nvSpPr>
+        <p:spPr/>
+        <p:txBody>
+          <a:bodyPr/>
+          <a:lstStyle/>
+          <a:p>
+            <a:fld id="{5698A34F-157D-4FC3-B6AE-341A8B909DED}" type="slidenum">
+              <a:rPr lang="en-US" smtClean="0"/>
+              <a:pPr/>
+              <a:t>21</a:t>
             </a:fld>
             <a:endParaRPr lang="en-US" dirty="0"/>
           </a:p>
@@ -9587,273 +9994,6 @@
 </p:sld>
 </file>
 
-<file path=ppt/slides/slide21.xml><?xml version="1.0" encoding="utf-8"?>
-<p:sld xmlns:a="http://schemas.openxmlformats.org/drawingml/2006/main" xmlns:r="http://schemas.openxmlformats.org/officeDocument/2006/relationships" xmlns:p="http://schemas.openxmlformats.org/presentationml/2006/main">
-  <p:cSld>
-    <p:spTree>
-      <p:nvGrpSpPr>
-        <p:cNvPr id="1" name=""/>
-        <p:cNvGrpSpPr/>
-        <p:nvPr/>
-      </p:nvGrpSpPr>
-      <p:grpSpPr>
-        <a:xfrm>
-          <a:off x="0" y="0"/>
-          <a:ext cx="0" cy="0"/>
-          <a:chOff x="0" y="0"/>
-          <a:chExt cx="0" cy="0"/>
-        </a:xfrm>
-      </p:grpSpPr>
-      <p:sp>
-        <p:nvSpPr>
-          <p:cNvPr id="2" name="Text Placeholder 1"/>
-          <p:cNvSpPr>
-            <a:spLocks noGrp="1"/>
-          </p:cNvSpPr>
-          <p:nvPr>
-            <p:ph type="body" sz="quarter" idx="13"/>
-          </p:nvPr>
-        </p:nvSpPr>
-        <p:spPr>
-          <a:xfrm>
-            <a:off x="274638" y="1402597"/>
-            <a:ext cx="7415212" cy="3221977"/>
-          </a:xfrm>
-        </p:spPr>
-        <p:txBody>
-          <a:bodyPr/>
-          <a:lstStyle/>
-          <a:p>
-            <a:r>
-              <a:rPr lang="en-US" dirty="0" smtClean="0"/>
-              <a:t>Now that you have an </a:t>
-            </a:r>
-            <a:r>
-              <a:rPr lang="en-US" i="1" dirty="0" smtClean="0"/>
-              <a:t>active</a:t>
-            </a:r>
-            <a:r>
-              <a:rPr lang="en-US" dirty="0"/>
-              <a:t> </a:t>
-            </a:r>
-            <a:r>
-              <a:rPr lang="en-US" dirty="0" smtClean="0"/>
-              <a:t>sandbox key, associated with an App, that is approved by MasterCard …</a:t>
-            </a:r>
-          </a:p>
-          <a:p>
-            <a:r>
-              <a:rPr lang="en-US" dirty="0" smtClean="0"/>
-              <a:t>You need to develop a system/application that you can use to access the API that uses the active key.</a:t>
-            </a:r>
-          </a:p>
-          <a:p>
-            <a:r>
-              <a:rPr lang="en-US" dirty="0" smtClean="0"/>
-              <a:t>You also need to use the appropriate sandbox URL:</a:t>
-            </a:r>
-          </a:p>
-          <a:p>
-            <a:pPr lvl="1"/>
-            <a:r>
-              <a:rPr lang="en-US" dirty="0" smtClean="0"/>
-              <a:t>For SpendingPulse™:</a:t>
-            </a:r>
-            <a:br>
-              <a:rPr lang="en-US" dirty="0" smtClean="0"/>
-            </a:br>
-            <a:r>
-              <a:rPr lang="en-US" sz="1600" dirty="0" smtClean="0">
-                <a:hlinkClick r:id="rId2"/>
-              </a:rPr>
-              <a:t>https</a:t>
-            </a:r>
-            <a:r>
-              <a:rPr lang="en-US" sz="1600" dirty="0">
-                <a:hlinkClick r:id="rId2"/>
-              </a:rPr>
-              <a:t>://</a:t>
-            </a:r>
-            <a:r>
-              <a:rPr lang="en-US" sz="1600" dirty="0" smtClean="0">
-                <a:hlinkClick r:id="rId2"/>
-              </a:rPr>
-              <a:t>sandbox.api.mastercard.com/spendingpulse/v1/spulse.svc/subscription</a:t>
-            </a:r>
-            <a:r>
-              <a:rPr lang="en-US" sz="1600" dirty="0" smtClean="0"/>
-              <a:t> </a:t>
-            </a:r>
-            <a:br>
-              <a:rPr lang="en-US" sz="1600" dirty="0" smtClean="0"/>
-            </a:br>
-            <a:endParaRPr lang="en-US" sz="1600" dirty="0" smtClean="0"/>
-          </a:p>
-          <a:p>
-            <a:pPr lvl="1"/>
-            <a:r>
-              <a:rPr lang="en-US" dirty="0" smtClean="0"/>
-              <a:t>For Sector Insights™:</a:t>
-            </a:r>
-            <a:br>
-              <a:rPr lang="en-US" dirty="0" smtClean="0"/>
-            </a:br>
-            <a:r>
-              <a:rPr lang="en-US" sz="1600" dirty="0">
-                <a:hlinkClick r:id="rId3"/>
-              </a:rPr>
-              <a:t>https://</a:t>
-            </a:r>
-            <a:r>
-              <a:rPr lang="en-US" sz="1600" dirty="0" smtClean="0">
-                <a:hlinkClick r:id="rId3"/>
-              </a:rPr>
-              <a:t>sandbox.api.mastercard.com/sectorinsights/v1/sectins.svc/parameters</a:t>
-            </a:r>
-            <a:r>
-              <a:rPr lang="en-US" sz="1600" dirty="0" smtClean="0"/>
-              <a:t> </a:t>
-            </a:r>
-            <a:endParaRPr lang="en-US" sz="1600" dirty="0"/>
-          </a:p>
-        </p:txBody>
-      </p:sp>
-      <p:sp>
-        <p:nvSpPr>
-          <p:cNvPr id="3" name="Date Placeholder 2"/>
-          <p:cNvSpPr>
-            <a:spLocks noGrp="1"/>
-          </p:cNvSpPr>
-          <p:nvPr>
-            <p:ph type="dt" sz="half" idx="10"/>
-          </p:nvPr>
-        </p:nvSpPr>
-        <p:spPr/>
-        <p:txBody>
-          <a:bodyPr/>
-          <a:lstStyle/>
-          <a:p>
-            <a:r>
-              <a:rPr lang="en-US" smtClean="0"/>
-              <a:t>October 21, 2015</a:t>
-            </a:r>
-            <a:endParaRPr lang="en-US" dirty="0" smtClean="0"/>
-          </a:p>
-        </p:txBody>
-      </p:sp>
-      <p:sp>
-        <p:nvSpPr>
-          <p:cNvPr id="4" name="Slide Number Placeholder 3"/>
-          <p:cNvSpPr>
-            <a:spLocks noGrp="1"/>
-          </p:cNvSpPr>
-          <p:nvPr>
-            <p:ph type="sldNum" sz="quarter" idx="11"/>
-          </p:nvPr>
-        </p:nvSpPr>
-        <p:spPr/>
-        <p:txBody>
-          <a:bodyPr/>
-          <a:lstStyle/>
-          <a:p>
-            <a:fld id="{5698A34F-157D-4FC3-B6AE-341A8B909DED}" type="slidenum">
-              <a:rPr lang="en-US" smtClean="0"/>
-              <a:pPr/>
-              <a:t>21</a:t>
-            </a:fld>
-            <a:endParaRPr lang="en-US" dirty="0"/>
-          </a:p>
-        </p:txBody>
-      </p:sp>
-      <p:sp>
-        <p:nvSpPr>
-          <p:cNvPr id="5" name="Footer Placeholder 4"/>
-          <p:cNvSpPr>
-            <a:spLocks noGrp="1"/>
-          </p:cNvSpPr>
-          <p:nvPr>
-            <p:ph type="ftr" sz="quarter" idx="12"/>
-          </p:nvPr>
-        </p:nvSpPr>
-        <p:spPr/>
-        <p:txBody>
-          <a:bodyPr/>
-          <a:lstStyle/>
-          <a:p>
-            <a:endParaRPr lang="en-US" dirty="0"/>
-          </a:p>
-        </p:txBody>
-      </p:sp>
-      <p:sp>
-        <p:nvSpPr>
-          <p:cNvPr id="6" name="Title 5"/>
-          <p:cNvSpPr>
-            <a:spLocks noGrp="1"/>
-          </p:cNvSpPr>
-          <p:nvPr>
-            <p:ph type="title"/>
-          </p:nvPr>
-        </p:nvSpPr>
-        <p:spPr/>
-        <p:txBody>
-          <a:bodyPr/>
-          <a:lstStyle/>
-          <a:p>
-            <a:r>
-              <a:rPr lang="en-US" dirty="0" smtClean="0"/>
-              <a:t>Use the Active Key in Your Code</a:t>
-            </a:r>
-            <a:endParaRPr lang="en-US" dirty="0"/>
-          </a:p>
-        </p:txBody>
-      </p:sp>
-      <p:sp>
-        <p:nvSpPr>
-          <p:cNvPr id="7" name="Text Placeholder 6"/>
-          <p:cNvSpPr>
-            <a:spLocks noGrp="1"/>
-          </p:cNvSpPr>
-          <p:nvPr>
-            <p:ph type="body" sz="quarter" idx="15"/>
-          </p:nvPr>
-        </p:nvSpPr>
-        <p:spPr/>
-        <p:txBody>
-          <a:bodyPr/>
-          <a:lstStyle/>
-          <a:p>
-            <a:r>
-              <a:rPr lang="en-US" dirty="0"/>
-              <a:t>Customer API How </a:t>
-            </a:r>
-            <a:r>
-              <a:rPr lang="en-US" dirty="0" smtClean="0"/>
-              <a:t>To</a:t>
-            </a:r>
-            <a:endParaRPr lang="en-US" dirty="0"/>
-          </a:p>
-        </p:txBody>
-      </p:sp>
-    </p:spTree>
-    <p:extLst>
-      <p:ext uri="{BB962C8B-B14F-4D97-AF65-F5344CB8AC3E}">
-        <p14:creationId xmlns:p14="http://schemas.microsoft.com/office/powerpoint/2010/main" val="3984128008"/>
-      </p:ext>
-    </p:extLst>
-  </p:cSld>
-  <p:clrMapOvr>
-    <a:masterClrMapping/>
-  </p:clrMapOvr>
-  <p:timing>
-    <p:tnLst>
-      <p:par>
-        <p:cTn id="1" dur="indefinite" restart="never" nodeType="tmRoot"/>
-      </p:par>
-    </p:tnLst>
-  </p:timing>
-</p:sld>
-</file>
-
 <file path=ppt/slides/slide22.xml><?xml version="1.0" encoding="utf-8"?>
 <p:sld xmlns:a="http://schemas.openxmlformats.org/drawingml/2006/main" xmlns:r="http://schemas.openxmlformats.org/officeDocument/2006/relationships" xmlns:p="http://schemas.openxmlformats.org/presentationml/2006/main">
   <p:cSld>
@@ -9883,8 +10023,8 @@
         </p:nvSpPr>
         <p:spPr>
           <a:xfrm>
-            <a:off x="274638" y="1600199"/>
-            <a:ext cx="5108024" cy="3032124"/>
+            <a:off x="274638" y="1402597"/>
+            <a:ext cx="7415212" cy="3221977"/>
           </a:xfrm>
         </p:spPr>
         <p:txBody>
@@ -9893,41 +10033,95 @@
           <a:p>
             <a:r>
               <a:rPr lang="en-US" dirty="0" smtClean="0"/>
-              <a:t>To access the production API you must have a </a:t>
+              <a:t>Now that you have an </a:t>
             </a:r>
             <a:r>
               <a:rPr lang="en-US" i="1" dirty="0" smtClean="0"/>
-              <a:t>production</a:t>
-            </a:r>
-            <a:r>
-              <a:rPr lang="en-US" dirty="0" smtClean="0"/>
-              <a:t> key.</a:t>
+              <a:t>active</a:t>
+            </a:r>
+            <a:r>
+              <a:rPr lang="en-US" dirty="0"/>
+              <a:t> </a:t>
+            </a:r>
+            <a:r>
+              <a:rPr lang="en-US" dirty="0" smtClean="0"/>
+              <a:t>sandbox key, associated with an App, that is approved by MasterCard …</a:t>
+            </a:r>
+          </a:p>
+          <a:p>
+            <a:r>
+              <a:rPr lang="en-US" dirty="0" smtClean="0"/>
+              <a:t>You need to develop a system/application that you can use to access the API that uses the active key.</a:t>
+            </a:r>
+          </a:p>
+          <a:p>
+            <a:r>
+              <a:rPr lang="en-US" dirty="0" smtClean="0"/>
+              <a:t>You also need to use the appropriate sandbox URL:</a:t>
             </a:r>
           </a:p>
           <a:p>
             <a:pPr lvl="1"/>
             <a:r>
               <a:rPr lang="en-US" dirty="0" smtClean="0"/>
-              <a:t>Review slides 7-14</a:t>
-            </a:r>
+              <a:t>For SpendingPulse™:</a:t>
+            </a:r>
+            <a:br>
+              <a:rPr lang="en-US" dirty="0" smtClean="0"/>
+            </a:br>
+            <a:r>
+              <a:rPr lang="en-US" sz="1600" dirty="0" smtClean="0">
+                <a:hlinkClick r:id="rId2"/>
+              </a:rPr>
+              <a:t>https</a:t>
+            </a:r>
+            <a:r>
+              <a:rPr lang="en-US" sz="1600" dirty="0">
+                <a:hlinkClick r:id="rId2"/>
+              </a:rPr>
+              <a:t>://</a:t>
+            </a:r>
+            <a:r>
+              <a:rPr lang="en-US" sz="1600" dirty="0" smtClean="0">
+                <a:hlinkClick r:id="rId2"/>
+              </a:rPr>
+              <a:t>sandbox.api.mastercard.com/spendingpulse/v1/spulse.svc/subscription</a:t>
+            </a:r>
+            <a:r>
+              <a:rPr lang="en-US" sz="1600" dirty="0" smtClean="0"/>
+              <a:t> </a:t>
+            </a:r>
+            <a:br>
+              <a:rPr lang="en-US" sz="1600" dirty="0" smtClean="0"/>
+            </a:br>
+            <a:endParaRPr lang="en-US" sz="1600" dirty="0" smtClean="0"/>
           </a:p>
           <a:p>
             <a:pPr lvl="1"/>
             <a:r>
               <a:rPr lang="en-US" dirty="0" smtClean="0"/>
-              <a:t>Generate a new key (see slides 9-10)</a:t>
-            </a:r>
-          </a:p>
-          <a:p>
-            <a:pPr lvl="1"/>
-            <a:r>
-              <a:rPr lang="en-US" dirty="0" smtClean="0"/>
-              <a:t>In the “Add a Key” dialogue (see slide 11) choose “Production”</a:t>
-            </a:r>
-          </a:p>
-          <a:p>
-            <a:pPr lvl="1"/>
-            <a:endParaRPr lang="en-US" dirty="0"/>
+              <a:t>For Sector Insights™:</a:t>
+            </a:r>
+            <a:br>
+              <a:rPr lang="en-US" dirty="0" smtClean="0"/>
+            </a:br>
+            <a:r>
+              <a:rPr lang="en-US" sz="1600" dirty="0">
+                <a:hlinkClick r:id="rId3"/>
+              </a:rPr>
+              <a:t>https://</a:t>
+            </a:r>
+            <a:r>
+              <a:rPr lang="en-US" sz="1600" dirty="0" smtClean="0">
+                <a:hlinkClick r:id="rId3"/>
+              </a:rPr>
+              <a:t>sandbox.api.mastercard.com/sectorinsights/v1/sectins.svc/parameters</a:t>
+            </a:r>
+            <a:r>
+              <a:rPr lang="en-US" sz="1600" dirty="0" smtClean="0"/>
+              <a:t> </a:t>
+            </a:r>
+            <a:endParaRPr lang="en-US" sz="1600" dirty="0"/>
           </a:p>
         </p:txBody>
       </p:sp>
@@ -10014,7 +10208,7 @@
           <a:p>
             <a:r>
               <a:rPr lang="en-US" dirty="0" smtClean="0"/>
-              <a:t>Production API (1)</a:t>
+              <a:t>Use the Active Key in Your Code</a:t>
             </a:r>
             <a:endParaRPr lang="en-US" dirty="0"/>
           </a:p>
@@ -10036,104 +10230,21 @@
           <a:lstStyle/>
           <a:p>
             <a:r>
-              <a:rPr lang="en-US" dirty="0" smtClean="0"/>
-              <a:t>Customer API How To</a:t>
-            </a:r>
-            <a:endParaRPr lang="en-US" dirty="0"/>
-          </a:p>
-        </p:txBody>
-      </p:sp>
-      <p:pic>
-        <p:nvPicPr>
-          <p:cNvPr id="8" name="Picture 7"/>
-          <p:cNvPicPr>
-            <a:picLocks noChangeAspect="1"/>
-          </p:cNvPicPr>
-          <p:nvPr/>
-        </p:nvPicPr>
-        <p:blipFill>
-          <a:blip r:embed="rId2"/>
-          <a:stretch>
-            <a:fillRect/>
-          </a:stretch>
-        </p:blipFill>
-        <p:spPr>
-          <a:xfrm>
-            <a:off x="5376484" y="2357057"/>
-            <a:ext cx="3611821" cy="2268223"/>
-          </a:xfrm>
-          <a:prstGeom prst="rect">
-            <a:avLst/>
-          </a:prstGeom>
-        </p:spPr>
-      </p:pic>
-      <p:sp>
-        <p:nvSpPr>
-          <p:cNvPr id="9" name="Right Arrow 8"/>
-          <p:cNvSpPr/>
-          <p:nvPr/>
-        </p:nvSpPr>
-        <p:spPr bwMode="gray">
-          <a:xfrm>
-            <a:off x="2866212" y="3145414"/>
-            <a:ext cx="3148508" cy="92985"/>
-          </a:xfrm>
-          <a:prstGeom prst="rightArrow">
-            <a:avLst/>
-          </a:prstGeom>
-          <a:solidFill>
-            <a:schemeClr val="accent1"/>
-          </a:solidFill>
-          <a:ln w="9525" cap="flat" cmpd="sng" algn="ctr">
-            <a:noFill/>
-            <a:prstDash val="solid"/>
-            <a:round/>
-            <a:headEnd type="none" w="med" len="med"/>
-            <a:tailEnd type="none" w="med" len="med"/>
-          </a:ln>
-          <a:effectLst/>
-        </p:spPr>
-        <p:txBody>
-          <a:bodyPr vert="horz" wrap="square" lIns="91440" tIns="45720" rIns="91440" bIns="45720" numCol="1" rtlCol="0" anchor="ctr" anchorCtr="0" compatLnSpc="1">
-            <a:prstTxWarp prst="textNoShape">
-              <a:avLst/>
-            </a:prstTxWarp>
-          </a:bodyPr>
-          <a:lstStyle/>
-          <a:p>
-            <a:pPr marL="0" marR="0" indent="0" algn="l" defTabSz="914400" rtl="0" eaLnBrk="1" fontAlgn="base" latinLnBrk="0" hangingPunct="1">
-              <a:lnSpc>
-                <a:spcPct val="100000"/>
-              </a:lnSpc>
-              <a:spcBef>
-                <a:spcPct val="0"/>
-              </a:spcBef>
-              <a:spcAft>
-                <a:spcPct val="0"/>
-              </a:spcAft>
-              <a:buClrTx/>
-              <a:buSzTx/>
-              <a:buFontTx/>
-              <a:buNone/>
-              <a:tabLst/>
-            </a:pPr>
-            <a:endParaRPr kumimoji="0" lang="en-US" sz="2000" b="0" i="0" u="none" strike="noStrike" cap="none" normalizeH="0" baseline="0" dirty="0" smtClean="0">
-              <a:ln>
-                <a:noFill/>
-              </a:ln>
-              <a:solidFill>
-                <a:schemeClr val="bg1"/>
-              </a:solidFill>
-              <a:effectLst/>
-              <a:latin typeface="Arial" pitchFamily="2" charset="0"/>
-            </a:endParaRPr>
+              <a:rPr lang="en-US" dirty="0"/>
+              <a:t>Customer API How </a:t>
+            </a:r>
+            <a:r>
+              <a:rPr lang="en-US" dirty="0" smtClean="0"/>
+              <a:t>To</a:t>
+            </a:r>
+            <a:endParaRPr lang="en-US" dirty="0"/>
           </a:p>
         </p:txBody>
       </p:sp>
     </p:spTree>
     <p:extLst>
       <p:ext uri="{BB962C8B-B14F-4D97-AF65-F5344CB8AC3E}">
-        <p14:creationId xmlns:p14="http://schemas.microsoft.com/office/powerpoint/2010/main" val="72586017"/>
+        <p14:creationId xmlns:p14="http://schemas.microsoft.com/office/powerpoint/2010/main" val="3984128008"/>
       </p:ext>
     </p:extLst>
   </p:cSld>
@@ -10180,7 +10291,7 @@
         <p:spPr>
           <a:xfrm>
             <a:off x="274638" y="1600199"/>
-            <a:ext cx="3858789" cy="3032124"/>
+            <a:ext cx="5108024" cy="3032124"/>
           </a:xfrm>
         </p:spPr>
         <p:txBody>
@@ -10189,22 +10300,36 @@
           <a:p>
             <a:r>
               <a:rPr lang="en-US" dirty="0" smtClean="0"/>
-              <a:t>You may create a new App or use any existing App in order to associate the new production key with the App.</a:t>
-            </a:r>
-          </a:p>
-          <a:p>
-            <a:r>
-              <a:rPr lang="en-US" dirty="0" smtClean="0"/>
-              <a:t>In this example, the existing App (from slides 18-19) was used.</a:t>
-            </a:r>
-          </a:p>
-          <a:p>
-            <a:endParaRPr lang="en-US" dirty="0"/>
-          </a:p>
-          <a:p>
-            <a:r>
-              <a:rPr lang="en-US" dirty="0" smtClean="0"/>
-              <a:t>Note: this App is still associated with the sandbox key.</a:t>
+              <a:t>To access the production API you must have a </a:t>
+            </a:r>
+            <a:r>
+              <a:rPr lang="en-US" i="1" dirty="0" smtClean="0"/>
+              <a:t>production</a:t>
+            </a:r>
+            <a:r>
+              <a:rPr lang="en-US" dirty="0" smtClean="0"/>
+              <a:t> key.</a:t>
+            </a:r>
+          </a:p>
+          <a:p>
+            <a:pPr lvl="1"/>
+            <a:r>
+              <a:rPr lang="en-US" dirty="0" smtClean="0"/>
+              <a:t>Review slides 7-14</a:t>
+            </a:r>
+          </a:p>
+          <a:p>
+            <a:pPr lvl="1"/>
+            <a:r>
+              <a:rPr lang="en-US" dirty="0" smtClean="0"/>
+              <a:t>Generate a new key (see slides 9-10)</a:t>
+            </a:r>
+          </a:p>
+          <a:p>
+            <a:pPr lvl="1"/>
+            <a:r>
+              <a:rPr lang="en-US" dirty="0" smtClean="0"/>
+              <a:t>In the “Add a Key” dialogue (see slide 11) choose “Production”</a:t>
             </a:r>
           </a:p>
           <a:p>
@@ -10296,7 +10421,7 @@
           <a:p>
             <a:r>
               <a:rPr lang="en-US" dirty="0" smtClean="0"/>
-              <a:t>Production API (2)</a:t>
+              <a:t>Production API (1)</a:t>
             </a:r>
             <a:endParaRPr lang="en-US" dirty="0"/>
           </a:p>
@@ -10327,7 +10452,7 @@
       </p:sp>
       <p:pic>
         <p:nvPicPr>
-          <p:cNvPr id="10" name="Picture 9"/>
+          <p:cNvPr id="8" name="Picture 7"/>
           <p:cNvPicPr>
             <a:picLocks noChangeAspect="1"/>
           </p:cNvPicPr>
@@ -10341,8 +10466,8 @@
         </p:blipFill>
         <p:spPr>
           <a:xfrm>
-            <a:off x="4201160" y="1006348"/>
-            <a:ext cx="4712547" cy="3250586"/>
+            <a:off x="5376484" y="2357057"/>
+            <a:ext cx="3611821" cy="2268223"/>
           </a:xfrm>
           <a:prstGeom prst="rect">
             <a:avLst/>
@@ -10351,14 +10476,14 @@
       </p:pic>
       <p:sp>
         <p:nvSpPr>
-          <p:cNvPr id="11" name="Right Arrow 10"/>
+          <p:cNvPr id="9" name="Right Arrow 8"/>
           <p:cNvSpPr/>
           <p:nvPr/>
         </p:nvSpPr>
         <p:spPr bwMode="gray">
           <a:xfrm>
-            <a:off x="2011680" y="3311427"/>
-            <a:ext cx="3174734" cy="92985"/>
+            <a:off x="2866212" y="3145414"/>
+            <a:ext cx="3148508" cy="92985"/>
           </a:xfrm>
           <a:prstGeom prst="rightArrow">
             <a:avLst/>
@@ -10415,7 +10540,7 @@
     </p:spTree>
     <p:extLst>
       <p:ext uri="{BB962C8B-B14F-4D97-AF65-F5344CB8AC3E}">
-        <p14:creationId xmlns:p14="http://schemas.microsoft.com/office/powerpoint/2010/main" val="270153099"/>
+        <p14:creationId xmlns:p14="http://schemas.microsoft.com/office/powerpoint/2010/main" val="72586017"/>
       </p:ext>
     </p:extLst>
   </p:cSld>
@@ -10471,20 +10596,26 @@
           <a:p>
             <a:r>
               <a:rPr lang="en-US" dirty="0" smtClean="0"/>
-              <a:t>You will receive an email verifying that the key is now available.</a:t>
-            </a:r>
-          </a:p>
-          <a:p>
-            <a:r>
-              <a:rPr lang="en-US" dirty="0" smtClean="0"/>
-              <a:t>As that email states, however, there is a further step you must take in order to access production data.</a:t>
-            </a:r>
-          </a:p>
-          <a:p>
-            <a:r>
-              <a:rPr lang="en-US" dirty="0" smtClean="0"/>
-              <a:t>Click “Add Prod Service”</a:t>
-            </a:r>
+              <a:t>You may create a new App or use any existing App in order to associate the new production key with the App.</a:t>
+            </a:r>
+          </a:p>
+          <a:p>
+            <a:r>
+              <a:rPr lang="en-US" dirty="0" smtClean="0"/>
+              <a:t>In this example, the existing App (from slides 18-19) was used.</a:t>
+            </a:r>
+          </a:p>
+          <a:p>
+            <a:endParaRPr lang="en-US" dirty="0"/>
+          </a:p>
+          <a:p>
+            <a:r>
+              <a:rPr lang="en-US" dirty="0" smtClean="0"/>
+              <a:t>Note: this App is still associated with the sandbox key.</a:t>
+            </a:r>
+          </a:p>
+          <a:p>
+            <a:pPr lvl="1"/>
             <a:endParaRPr lang="en-US" dirty="0"/>
           </a:p>
         </p:txBody>
@@ -10572,7 +10703,7 @@
           <a:p>
             <a:r>
               <a:rPr lang="en-US" dirty="0" smtClean="0"/>
-              <a:t>Production API (3)</a:t>
+              <a:t>Production API (2)</a:t>
             </a:r>
             <a:endParaRPr lang="en-US" dirty="0"/>
           </a:p>
@@ -10632,9 +10763,9 @@
           <p:nvPr/>
         </p:nvSpPr>
         <p:spPr bwMode="gray">
-          <a:xfrm rot="19638458">
-            <a:off x="2824430" y="2692861"/>
-            <a:ext cx="3638329" cy="87171"/>
+          <a:xfrm>
+            <a:off x="2011680" y="3311427"/>
+            <a:ext cx="3174734" cy="92985"/>
           </a:xfrm>
           <a:prstGeom prst="rightArrow">
             <a:avLst/>
@@ -10691,7 +10822,7 @@
     </p:spTree>
     <p:extLst>
       <p:ext uri="{BB962C8B-B14F-4D97-AF65-F5344CB8AC3E}">
-        <p14:creationId xmlns:p14="http://schemas.microsoft.com/office/powerpoint/2010/main" val="1440313063"/>
+        <p14:creationId xmlns:p14="http://schemas.microsoft.com/office/powerpoint/2010/main" val="270153099"/>
       </p:ext>
     </p:extLst>
   </p:cSld>
@@ -10738,7 +10869,7 @@
         <p:spPr>
           <a:xfrm>
             <a:off x="274638" y="1600199"/>
-            <a:ext cx="5191435" cy="3032124"/>
+            <a:ext cx="3858789" cy="3032124"/>
           </a:xfrm>
         </p:spPr>
         <p:txBody>
@@ -10747,19 +10878,19 @@
           <a:p>
             <a:r>
               <a:rPr lang="en-US" dirty="0" smtClean="0"/>
-              <a:t>If you have not yet completed your profile, you will now be prompted to complete it.</a:t>
-            </a:r>
-          </a:p>
-          <a:p>
-            <a:r>
-              <a:rPr lang="en-US" dirty="0" smtClean="0"/>
-              <a:t>Click “Submit” and the “Production Service Request” dialogue is displayed. Scroll down and choose either “Sector Insights” or “SpendingPulse”.</a:t>
-            </a:r>
-          </a:p>
-          <a:p>
-            <a:r>
-              <a:rPr lang="en-US" dirty="0" smtClean="0"/>
-              <a:t>Click “Next”</a:t>
+              <a:t>You will receive an email verifying that the key is now available.</a:t>
+            </a:r>
+          </a:p>
+          <a:p>
+            <a:r>
+              <a:rPr lang="en-US" dirty="0" smtClean="0"/>
+              <a:t>As that email states, however, there is a further step you must take in order to access production data.</a:t>
+            </a:r>
+          </a:p>
+          <a:p>
+            <a:r>
+              <a:rPr lang="en-US" dirty="0" smtClean="0"/>
+              <a:t>Click “Add Prod Service”</a:t>
             </a:r>
             <a:endParaRPr lang="en-US" dirty="0"/>
           </a:p>
@@ -10848,7 +10979,7 @@
           <a:p>
             <a:r>
               <a:rPr lang="en-US" dirty="0" smtClean="0"/>
-              <a:t>Production API (4)</a:t>
+              <a:t>Production API (3)</a:t>
             </a:r>
             <a:endParaRPr lang="en-US" dirty="0"/>
           </a:p>
@@ -10879,7 +11010,7 @@
       </p:sp>
       <p:pic>
         <p:nvPicPr>
-          <p:cNvPr id="8" name="Picture 7"/>
+          <p:cNvPr id="10" name="Picture 9"/>
           <p:cNvPicPr>
             <a:picLocks noChangeAspect="1"/>
           </p:cNvPicPr>
@@ -10893,8 +11024,8 @@
         </p:blipFill>
         <p:spPr>
           <a:xfrm>
-            <a:off x="5466073" y="327100"/>
-            <a:ext cx="3018789" cy="2004196"/>
+            <a:off x="4201160" y="1006348"/>
+            <a:ext cx="4712547" cy="3250586"/>
           </a:xfrm>
           <a:prstGeom prst="rect">
             <a:avLst/>
@@ -10903,14 +11034,14 @@
       </p:pic>
       <p:sp>
         <p:nvSpPr>
-          <p:cNvPr id="12" name="Right Arrow 11"/>
+          <p:cNvPr id="11" name="Right Arrow 10"/>
           <p:cNvSpPr/>
           <p:nvPr/>
         </p:nvSpPr>
         <p:spPr bwMode="gray">
-          <a:xfrm>
-            <a:off x="4907492" y="2015879"/>
-            <a:ext cx="822748" cy="92985"/>
+          <a:xfrm rot="19638458">
+            <a:off x="2824430" y="2692861"/>
+            <a:ext cx="3638329" cy="87171"/>
           </a:xfrm>
           <a:prstGeom prst="rightArrow">
             <a:avLst/>
@@ -10964,97 +11095,10 @@
           </a:p>
         </p:txBody>
       </p:sp>
-      <p:pic>
-        <p:nvPicPr>
-          <p:cNvPr id="14" name="Picture 13"/>
-          <p:cNvPicPr>
-            <a:picLocks noChangeAspect="1"/>
-          </p:cNvPicPr>
-          <p:nvPr/>
-        </p:nvPicPr>
-        <p:blipFill>
-          <a:blip r:embed="rId3"/>
-          <a:stretch>
-            <a:fillRect/>
-          </a:stretch>
-        </p:blipFill>
-        <p:spPr>
-          <a:xfrm>
-            <a:off x="5466073" y="2621173"/>
-            <a:ext cx="2530136" cy="2084832"/>
-          </a:xfrm>
-          <a:prstGeom prst="rect">
-            <a:avLst/>
-          </a:prstGeom>
-        </p:spPr>
-      </p:pic>
-      <p:sp>
-        <p:nvSpPr>
-          <p:cNvPr id="13" name="Right Arrow 12"/>
-          <p:cNvSpPr/>
-          <p:nvPr/>
-        </p:nvSpPr>
-        <p:spPr bwMode="gray">
-          <a:xfrm rot="2497576">
-            <a:off x="4337743" y="3354320"/>
-            <a:ext cx="1460315" cy="85807"/>
-          </a:xfrm>
-          <a:prstGeom prst="rightArrow">
-            <a:avLst/>
-          </a:prstGeom>
-          <a:solidFill>
-            <a:schemeClr val="accent1"/>
-          </a:solidFill>
-          <a:ln w="9525" cap="flat" cmpd="sng" algn="ctr">
-            <a:noFill/>
-            <a:prstDash val="solid"/>
-            <a:round/>
-            <a:headEnd type="none" w="med" len="med"/>
-            <a:tailEnd type="none" w="med" len="med"/>
-          </a:ln>
-          <a:effectLst/>
-        </p:spPr>
-        <p:txBody>
-          <a:bodyPr vert="horz" wrap="square" lIns="91440" tIns="45720" rIns="91440" bIns="45720" numCol="1" rtlCol="0" anchor="ctr" anchorCtr="0" compatLnSpc="1">
-            <a:prstTxWarp prst="textNoShape">
-              <a:avLst/>
-            </a:prstTxWarp>
-          </a:bodyPr>
-          <a:lstStyle/>
-          <a:p>
-            <a:pPr marL="0" marR="0" indent="0" algn="l" defTabSz="914400" rtl="0" eaLnBrk="1" fontAlgn="base" latinLnBrk="0" hangingPunct="1">
-              <a:lnSpc>
-                <a:spcPct val="100000"/>
-              </a:lnSpc>
-              <a:spcBef>
-                <a:spcPct val="0"/>
-              </a:spcBef>
-              <a:spcAft>
-                <a:spcPct val="0"/>
-              </a:spcAft>
-              <a:buClrTx/>
-              <a:buSzTx/>
-              <a:buFontTx/>
-              <a:buNone/>
-              <a:tabLst/>
-            </a:pPr>
-            <a:endParaRPr kumimoji="0" lang="en-US" sz="2000" b="0" i="0" u="none" strike="noStrike" cap="none" normalizeH="0" baseline="0" dirty="0" smtClean="0">
-              <a:ln>
-                <a:noFill/>
-              </a:ln>
-              <a:solidFill>
-                <a:schemeClr val="bg1"/>
-              </a:solidFill>
-              <a:effectLst/>
-              <a:latin typeface="Arial" pitchFamily="2" charset="0"/>
-            </a:endParaRPr>
-          </a:p>
-        </p:txBody>
-      </p:sp>
     </p:spTree>
     <p:extLst>
       <p:ext uri="{BB962C8B-B14F-4D97-AF65-F5344CB8AC3E}">
-        <p14:creationId xmlns:p14="http://schemas.microsoft.com/office/powerpoint/2010/main" val="979097041"/>
+        <p14:creationId xmlns:p14="http://schemas.microsoft.com/office/powerpoint/2010/main" val="1440313063"/>
       </p:ext>
     </p:extLst>
   </p:cSld>
@@ -11110,22 +11154,19 @@
           <a:p>
             <a:r>
               <a:rPr lang="en-US" dirty="0" smtClean="0"/>
-              <a:t>You are prompted to certify that you have read and agreed to the Sector Insights™ or SpendingPulse™ Terms and Conditions.</a:t>
-            </a:r>
-          </a:p>
-          <a:p>
-            <a:endParaRPr lang="en-US" dirty="0"/>
-          </a:p>
-          <a:p>
-            <a:r>
-              <a:rPr lang="en-US" dirty="0" smtClean="0"/>
-              <a:t>Click “Submit” and your production request is queued for review and approval by MasterCard. </a:t>
-            </a:r>
-          </a:p>
-          <a:p>
-            <a:r>
-              <a:rPr lang="en-US" dirty="0" smtClean="0"/>
-              <a:t>The response to your request is sent to the email address you have on file in the API.</a:t>
+              <a:t>If you have not yet completed your profile, you will now be prompted to complete it.</a:t>
+            </a:r>
+          </a:p>
+          <a:p>
+            <a:r>
+              <a:rPr lang="en-US" dirty="0" smtClean="0"/>
+              <a:t>Click “Submit” and the “Production Service Request” dialogue is displayed. Scroll down and choose either “Sector Insights” or “SpendingPulse”.</a:t>
+            </a:r>
+          </a:p>
+          <a:p>
+            <a:r>
+              <a:rPr lang="en-US" dirty="0" smtClean="0"/>
+              <a:t>Click “Next”</a:t>
             </a:r>
             <a:endParaRPr lang="en-US" dirty="0"/>
           </a:p>
@@ -11173,6 +11214,372 @@
               <a:rPr lang="en-US" smtClean="0"/>
               <a:pPr/>
               <a:t>26</a:t>
+            </a:fld>
+            <a:endParaRPr lang="en-US" dirty="0"/>
+          </a:p>
+        </p:txBody>
+      </p:sp>
+      <p:sp>
+        <p:nvSpPr>
+          <p:cNvPr id="5" name="Footer Placeholder 4"/>
+          <p:cNvSpPr>
+            <a:spLocks noGrp="1"/>
+          </p:cNvSpPr>
+          <p:nvPr>
+            <p:ph type="ftr" sz="quarter" idx="12"/>
+          </p:nvPr>
+        </p:nvSpPr>
+        <p:spPr/>
+        <p:txBody>
+          <a:bodyPr/>
+          <a:lstStyle/>
+          <a:p>
+            <a:endParaRPr lang="en-US" dirty="0"/>
+          </a:p>
+        </p:txBody>
+      </p:sp>
+      <p:sp>
+        <p:nvSpPr>
+          <p:cNvPr id="6" name="Title 5"/>
+          <p:cNvSpPr>
+            <a:spLocks noGrp="1"/>
+          </p:cNvSpPr>
+          <p:nvPr>
+            <p:ph type="title"/>
+          </p:nvPr>
+        </p:nvSpPr>
+        <p:spPr/>
+        <p:txBody>
+          <a:bodyPr/>
+          <a:lstStyle/>
+          <a:p>
+            <a:r>
+              <a:rPr lang="en-US" dirty="0" smtClean="0"/>
+              <a:t>Production API (4)</a:t>
+            </a:r>
+            <a:endParaRPr lang="en-US" dirty="0"/>
+          </a:p>
+        </p:txBody>
+      </p:sp>
+      <p:sp>
+        <p:nvSpPr>
+          <p:cNvPr id="7" name="Text Placeholder 6"/>
+          <p:cNvSpPr>
+            <a:spLocks noGrp="1"/>
+          </p:cNvSpPr>
+          <p:nvPr>
+            <p:ph type="body" sz="quarter" idx="15"/>
+          </p:nvPr>
+        </p:nvSpPr>
+        <p:spPr/>
+        <p:txBody>
+          <a:bodyPr/>
+          <a:lstStyle/>
+          <a:p>
+            <a:r>
+              <a:rPr lang="en-US" dirty="0" smtClean="0"/>
+              <a:t>Customer API How To</a:t>
+            </a:r>
+            <a:endParaRPr lang="en-US" dirty="0"/>
+          </a:p>
+        </p:txBody>
+      </p:sp>
+      <p:pic>
+        <p:nvPicPr>
+          <p:cNvPr id="8" name="Picture 7"/>
+          <p:cNvPicPr>
+            <a:picLocks noChangeAspect="1"/>
+          </p:cNvPicPr>
+          <p:nvPr/>
+        </p:nvPicPr>
+        <p:blipFill>
+          <a:blip r:embed="rId2"/>
+          <a:stretch>
+            <a:fillRect/>
+          </a:stretch>
+        </p:blipFill>
+        <p:spPr>
+          <a:xfrm>
+            <a:off x="5466073" y="327100"/>
+            <a:ext cx="3018789" cy="2004196"/>
+          </a:xfrm>
+          <a:prstGeom prst="rect">
+            <a:avLst/>
+          </a:prstGeom>
+        </p:spPr>
+      </p:pic>
+      <p:sp>
+        <p:nvSpPr>
+          <p:cNvPr id="12" name="Right Arrow 11"/>
+          <p:cNvSpPr/>
+          <p:nvPr/>
+        </p:nvSpPr>
+        <p:spPr bwMode="gray">
+          <a:xfrm>
+            <a:off x="4907492" y="2015879"/>
+            <a:ext cx="822748" cy="92985"/>
+          </a:xfrm>
+          <a:prstGeom prst="rightArrow">
+            <a:avLst/>
+          </a:prstGeom>
+          <a:solidFill>
+            <a:schemeClr val="accent1"/>
+          </a:solidFill>
+          <a:ln w="9525" cap="flat" cmpd="sng" algn="ctr">
+            <a:noFill/>
+            <a:prstDash val="solid"/>
+            <a:round/>
+            <a:headEnd type="none" w="med" len="med"/>
+            <a:tailEnd type="none" w="med" len="med"/>
+          </a:ln>
+          <a:effectLst/>
+        </p:spPr>
+        <p:txBody>
+          <a:bodyPr vert="horz" wrap="square" lIns="91440" tIns="45720" rIns="91440" bIns="45720" numCol="1" rtlCol="0" anchor="ctr" anchorCtr="0" compatLnSpc="1">
+            <a:prstTxWarp prst="textNoShape">
+              <a:avLst/>
+            </a:prstTxWarp>
+          </a:bodyPr>
+          <a:lstStyle/>
+          <a:p>
+            <a:pPr marL="0" marR="0" indent="0" algn="l" defTabSz="914400" rtl="0" eaLnBrk="1" fontAlgn="base" latinLnBrk="0" hangingPunct="1">
+              <a:lnSpc>
+                <a:spcPct val="100000"/>
+              </a:lnSpc>
+              <a:spcBef>
+                <a:spcPct val="0"/>
+              </a:spcBef>
+              <a:spcAft>
+                <a:spcPct val="0"/>
+              </a:spcAft>
+              <a:buClrTx/>
+              <a:buSzTx/>
+              <a:buFontTx/>
+              <a:buNone/>
+              <a:tabLst/>
+            </a:pPr>
+            <a:endParaRPr kumimoji="0" lang="en-US" sz="2000" b="0" i="0" u="none" strike="noStrike" cap="none" normalizeH="0" baseline="0" dirty="0" smtClean="0">
+              <a:ln>
+                <a:noFill/>
+              </a:ln>
+              <a:solidFill>
+                <a:schemeClr val="bg1"/>
+              </a:solidFill>
+              <a:effectLst/>
+              <a:latin typeface="Arial" pitchFamily="2" charset="0"/>
+            </a:endParaRPr>
+          </a:p>
+        </p:txBody>
+      </p:sp>
+      <p:pic>
+        <p:nvPicPr>
+          <p:cNvPr id="14" name="Picture 13"/>
+          <p:cNvPicPr>
+            <a:picLocks noChangeAspect="1"/>
+          </p:cNvPicPr>
+          <p:nvPr/>
+        </p:nvPicPr>
+        <p:blipFill>
+          <a:blip r:embed="rId3"/>
+          <a:stretch>
+            <a:fillRect/>
+          </a:stretch>
+        </p:blipFill>
+        <p:spPr>
+          <a:xfrm>
+            <a:off x="5466073" y="2621173"/>
+            <a:ext cx="2530136" cy="2084832"/>
+          </a:xfrm>
+          <a:prstGeom prst="rect">
+            <a:avLst/>
+          </a:prstGeom>
+        </p:spPr>
+      </p:pic>
+      <p:sp>
+        <p:nvSpPr>
+          <p:cNvPr id="13" name="Right Arrow 12"/>
+          <p:cNvSpPr/>
+          <p:nvPr/>
+        </p:nvSpPr>
+        <p:spPr bwMode="gray">
+          <a:xfrm rot="2497576">
+            <a:off x="4337743" y="3354320"/>
+            <a:ext cx="1460315" cy="85807"/>
+          </a:xfrm>
+          <a:prstGeom prst="rightArrow">
+            <a:avLst/>
+          </a:prstGeom>
+          <a:solidFill>
+            <a:schemeClr val="accent1"/>
+          </a:solidFill>
+          <a:ln w="9525" cap="flat" cmpd="sng" algn="ctr">
+            <a:noFill/>
+            <a:prstDash val="solid"/>
+            <a:round/>
+            <a:headEnd type="none" w="med" len="med"/>
+            <a:tailEnd type="none" w="med" len="med"/>
+          </a:ln>
+          <a:effectLst/>
+        </p:spPr>
+        <p:txBody>
+          <a:bodyPr vert="horz" wrap="square" lIns="91440" tIns="45720" rIns="91440" bIns="45720" numCol="1" rtlCol="0" anchor="ctr" anchorCtr="0" compatLnSpc="1">
+            <a:prstTxWarp prst="textNoShape">
+              <a:avLst/>
+            </a:prstTxWarp>
+          </a:bodyPr>
+          <a:lstStyle/>
+          <a:p>
+            <a:pPr marL="0" marR="0" indent="0" algn="l" defTabSz="914400" rtl="0" eaLnBrk="1" fontAlgn="base" latinLnBrk="0" hangingPunct="1">
+              <a:lnSpc>
+                <a:spcPct val="100000"/>
+              </a:lnSpc>
+              <a:spcBef>
+                <a:spcPct val="0"/>
+              </a:spcBef>
+              <a:spcAft>
+                <a:spcPct val="0"/>
+              </a:spcAft>
+              <a:buClrTx/>
+              <a:buSzTx/>
+              <a:buFontTx/>
+              <a:buNone/>
+              <a:tabLst/>
+            </a:pPr>
+            <a:endParaRPr kumimoji="0" lang="en-US" sz="2000" b="0" i="0" u="none" strike="noStrike" cap="none" normalizeH="0" baseline="0" dirty="0" smtClean="0">
+              <a:ln>
+                <a:noFill/>
+              </a:ln>
+              <a:solidFill>
+                <a:schemeClr val="bg1"/>
+              </a:solidFill>
+              <a:effectLst/>
+              <a:latin typeface="Arial" pitchFamily="2" charset="0"/>
+            </a:endParaRPr>
+          </a:p>
+        </p:txBody>
+      </p:sp>
+    </p:spTree>
+    <p:extLst>
+      <p:ext uri="{BB962C8B-B14F-4D97-AF65-F5344CB8AC3E}">
+        <p14:creationId xmlns:p14="http://schemas.microsoft.com/office/powerpoint/2010/main" val="979097041"/>
+      </p:ext>
+    </p:extLst>
+  </p:cSld>
+  <p:clrMapOvr>
+    <a:masterClrMapping/>
+  </p:clrMapOvr>
+  <p:timing>
+    <p:tnLst>
+      <p:par>
+        <p:cTn id="1" dur="indefinite" restart="never" nodeType="tmRoot"/>
+      </p:par>
+    </p:tnLst>
+  </p:timing>
+</p:sld>
+</file>
+
+<file path=ppt/slides/slide27.xml><?xml version="1.0" encoding="utf-8"?>
+<p:sld xmlns:a="http://schemas.openxmlformats.org/drawingml/2006/main" xmlns:r="http://schemas.openxmlformats.org/officeDocument/2006/relationships" xmlns:p="http://schemas.openxmlformats.org/presentationml/2006/main">
+  <p:cSld>
+    <p:spTree>
+      <p:nvGrpSpPr>
+        <p:cNvPr id="1" name=""/>
+        <p:cNvGrpSpPr/>
+        <p:nvPr/>
+      </p:nvGrpSpPr>
+      <p:grpSpPr>
+        <a:xfrm>
+          <a:off x="0" y="0"/>
+          <a:ext cx="0" cy="0"/>
+          <a:chOff x="0" y="0"/>
+          <a:chExt cx="0" cy="0"/>
+        </a:xfrm>
+      </p:grpSpPr>
+      <p:sp>
+        <p:nvSpPr>
+          <p:cNvPr id="2" name="Text Placeholder 1"/>
+          <p:cNvSpPr>
+            <a:spLocks noGrp="1"/>
+          </p:cNvSpPr>
+          <p:nvPr>
+            <p:ph type="body" sz="quarter" idx="13"/>
+          </p:nvPr>
+        </p:nvSpPr>
+        <p:spPr>
+          <a:xfrm>
+            <a:off x="274638" y="1600199"/>
+            <a:ext cx="5191435" cy="3032124"/>
+          </a:xfrm>
+        </p:spPr>
+        <p:txBody>
+          <a:bodyPr/>
+          <a:lstStyle/>
+          <a:p>
+            <a:r>
+              <a:rPr lang="en-US" dirty="0" smtClean="0"/>
+              <a:t>You are prompted to certify that you have read and agreed to the Sector Insights™ or SpendingPulse™ Terms and Conditions.</a:t>
+            </a:r>
+          </a:p>
+          <a:p>
+            <a:endParaRPr lang="en-US" dirty="0"/>
+          </a:p>
+          <a:p>
+            <a:r>
+              <a:rPr lang="en-US" dirty="0" smtClean="0"/>
+              <a:t>Click “Submit” and your production request is queued for review and approval by MasterCard. </a:t>
+            </a:r>
+          </a:p>
+          <a:p>
+            <a:r>
+              <a:rPr lang="en-US" dirty="0" smtClean="0"/>
+              <a:t>The response to your request is sent to the email address you have on file in the API.</a:t>
+            </a:r>
+            <a:endParaRPr lang="en-US" dirty="0"/>
+          </a:p>
+        </p:txBody>
+      </p:sp>
+      <p:sp>
+        <p:nvSpPr>
+          <p:cNvPr id="3" name="Date Placeholder 2"/>
+          <p:cNvSpPr>
+            <a:spLocks noGrp="1"/>
+          </p:cNvSpPr>
+          <p:nvPr>
+            <p:ph type="dt" sz="half" idx="10"/>
+          </p:nvPr>
+        </p:nvSpPr>
+        <p:spPr/>
+        <p:txBody>
+          <a:bodyPr/>
+          <a:lstStyle/>
+          <a:p>
+            <a:r>
+              <a:rPr lang="en-US" smtClean="0"/>
+              <a:t>October 21, 2015</a:t>
+            </a:r>
+            <a:endParaRPr lang="en-US" dirty="0" smtClean="0"/>
+          </a:p>
+        </p:txBody>
+      </p:sp>
+      <p:sp>
+        <p:nvSpPr>
+          <p:cNvPr id="4" name="Slide Number Placeholder 3"/>
+          <p:cNvSpPr>
+            <a:spLocks noGrp="1"/>
+          </p:cNvSpPr>
+          <p:nvPr>
+            <p:ph type="sldNum" sz="quarter" idx="11"/>
+          </p:nvPr>
+        </p:nvSpPr>
+        <p:spPr/>
+        <p:txBody>
+          <a:bodyPr/>
+          <a:lstStyle/>
+          <a:p>
+            <a:fld id="{5698A34F-157D-4FC3-B6AE-341A8B909DED}" type="slidenum">
+              <a:rPr lang="en-US" smtClean="0"/>
+              <a:pPr/>
+              <a:t>27</a:t>
             </a:fld>
             <a:endParaRPr lang="en-US" dirty="0"/>
           </a:p>
@@ -11311,7 +11718,7 @@
 </p:sld>
 </file>
 
-<file path=ppt/slides/slide27.xml><?xml version="1.0" encoding="utf-8"?>
+<file path=ppt/slides/slide28.xml><?xml version="1.0" encoding="utf-8"?>
 <p:sld xmlns:a="http://schemas.openxmlformats.org/drawingml/2006/main" xmlns:r="http://schemas.openxmlformats.org/officeDocument/2006/relationships" xmlns:p="http://schemas.openxmlformats.org/presentationml/2006/main">
   <p:cSld>
     <p:spTree>
@@ -11402,7 +11809,7 @@
             <a:fld id="{5698A34F-157D-4FC3-B6AE-341A8B909DED}" type="slidenum">
               <a:rPr lang="en-US" smtClean="0"/>
               <a:pPr/>
-              <a:t>27</a:t>
+              <a:t>28</a:t>
             </a:fld>
             <a:endParaRPr lang="en-US" dirty="0"/>
           </a:p>
@@ -11452,7 +11859,7 @@
 </p:sld>
 </file>
 
-<file path=ppt/slides/slide28.xml><?xml version="1.0" encoding="utf-8"?>
+<file path=ppt/slides/slide29.xml><?xml version="1.0" encoding="utf-8"?>
 <p:sld xmlns:a="http://schemas.openxmlformats.org/drawingml/2006/main" xmlns:r="http://schemas.openxmlformats.org/officeDocument/2006/relationships" xmlns:p="http://schemas.openxmlformats.org/presentationml/2006/main">
   <p:cSld>
     <p:spTree>
@@ -11577,7 +11984,7 @@
             <a:fld id="{5698A34F-157D-4FC3-B6AE-341A8B909DED}" type="slidenum">
               <a:rPr lang="en-US" smtClean="0"/>
               <a:pPr/>
-              <a:t>28</a:t>
+              <a:t>29</a:t>
             </a:fld>
             <a:endParaRPr lang="en-US" dirty="0"/>
           </a:p>
@@ -11692,452 +12099,6 @@
 </p:sld>
 </file>
 
-<file path=ppt/slides/slide29.xml><?xml version="1.0" encoding="utf-8"?>
-<p:sld xmlns:a="http://schemas.openxmlformats.org/drawingml/2006/main" xmlns:r="http://schemas.openxmlformats.org/officeDocument/2006/relationships" xmlns:p="http://schemas.openxmlformats.org/presentationml/2006/main">
-  <p:cSld>
-    <p:spTree>
-      <p:nvGrpSpPr>
-        <p:cNvPr id="1" name=""/>
-        <p:cNvGrpSpPr/>
-        <p:nvPr/>
-      </p:nvGrpSpPr>
-      <p:grpSpPr>
-        <a:xfrm>
-          <a:off x="0" y="0"/>
-          <a:ext cx="0" cy="0"/>
-          <a:chOff x="0" y="0"/>
-          <a:chExt cx="0" cy="0"/>
-        </a:xfrm>
-      </p:grpSpPr>
-      <p:sp>
-        <p:nvSpPr>
-          <p:cNvPr id="2" name="Text Placeholder 1"/>
-          <p:cNvSpPr>
-            <a:spLocks noGrp="1"/>
-          </p:cNvSpPr>
-          <p:nvPr>
-            <p:ph type="body" sz="quarter" idx="13"/>
-          </p:nvPr>
-        </p:nvSpPr>
-        <p:spPr>
-          <a:xfrm>
-            <a:off x="274638" y="1369734"/>
-            <a:ext cx="8283029" cy="3320929"/>
-          </a:xfrm>
-        </p:spPr>
-        <p:txBody>
-          <a:bodyPr/>
-          <a:lstStyle/>
-          <a:p>
-            <a:r>
-              <a:rPr lang="en-US" dirty="0" smtClean="0"/>
-              <a:t>From the now displayed “Service </a:t>
-            </a:r>
-            <a:br>
-              <a:rPr lang="en-US" dirty="0" smtClean="0"/>
-            </a:br>
-            <a:r>
-              <a:rPr lang="en-US" dirty="0" smtClean="0"/>
-              <a:t>Management” list …</a:t>
-            </a:r>
-          </a:p>
-          <a:p>
-            <a:pPr lvl="1"/>
-            <a:r>
-              <a:rPr lang="en-US" dirty="0" smtClean="0"/>
-              <a:t>Click “Pending Key Requests”</a:t>
-            </a:r>
-          </a:p>
-          <a:p>
-            <a:pPr lvl="1"/>
-            <a:r>
-              <a:rPr lang="en-US" dirty="0" smtClean="0"/>
-              <a:t>Choose “Sector Insights” or </a:t>
-            </a:r>
-            <a:br>
-              <a:rPr lang="en-US" dirty="0" smtClean="0"/>
-            </a:br>
-            <a:r>
-              <a:rPr lang="en-US" dirty="0" smtClean="0"/>
-              <a:t>“SpendingPulse” from the </a:t>
-            </a:r>
-            <a:br>
-              <a:rPr lang="en-US" dirty="0" smtClean="0"/>
-            </a:br>
-            <a:r>
-              <a:rPr lang="en-US" dirty="0" smtClean="0"/>
-              <a:t>Service drop-down.</a:t>
-            </a:r>
-          </a:p>
-          <a:p>
-            <a:r>
-              <a:rPr lang="en-US" dirty="0" smtClean="0"/>
-              <a:t>If any key approval requests have been </a:t>
-            </a:r>
-            <a:br>
-              <a:rPr lang="en-US" dirty="0" smtClean="0"/>
-            </a:br>
-            <a:r>
-              <a:rPr lang="en-US" dirty="0" smtClean="0"/>
-              <a:t>submitted they will be displayed in the “Pending Request” list.</a:t>
-            </a:r>
-          </a:p>
-          <a:p>
-            <a:r>
-              <a:rPr lang="en-US" dirty="0" smtClean="0"/>
-              <a:t>Click through the “Profile”, “Address” and “App” tabs to insure you know whom it is that is making the request.</a:t>
-            </a:r>
-          </a:p>
-          <a:p>
-            <a:endParaRPr lang="en-US" dirty="0"/>
-          </a:p>
-        </p:txBody>
-      </p:sp>
-      <p:sp>
-        <p:nvSpPr>
-          <p:cNvPr id="3" name="Date Placeholder 2"/>
-          <p:cNvSpPr>
-            <a:spLocks noGrp="1"/>
-          </p:cNvSpPr>
-          <p:nvPr>
-            <p:ph type="dt" sz="half" idx="10"/>
-          </p:nvPr>
-        </p:nvSpPr>
-        <p:spPr/>
-        <p:txBody>
-          <a:bodyPr/>
-          <a:lstStyle/>
-          <a:p>
-            <a:r>
-              <a:rPr lang="en-US" smtClean="0"/>
-              <a:t>October 21, 2015</a:t>
-            </a:r>
-            <a:endParaRPr lang="en-US" dirty="0" smtClean="0"/>
-          </a:p>
-        </p:txBody>
-      </p:sp>
-      <p:sp>
-        <p:nvSpPr>
-          <p:cNvPr id="4" name="Slide Number Placeholder 3"/>
-          <p:cNvSpPr>
-            <a:spLocks noGrp="1"/>
-          </p:cNvSpPr>
-          <p:nvPr>
-            <p:ph type="sldNum" sz="quarter" idx="11"/>
-          </p:nvPr>
-        </p:nvSpPr>
-        <p:spPr/>
-        <p:txBody>
-          <a:bodyPr/>
-          <a:lstStyle/>
-          <a:p>
-            <a:fld id="{5698A34F-157D-4FC3-B6AE-341A8B909DED}" type="slidenum">
-              <a:rPr lang="en-US" smtClean="0"/>
-              <a:pPr/>
-              <a:t>29</a:t>
-            </a:fld>
-            <a:endParaRPr lang="en-US" dirty="0"/>
-          </a:p>
-        </p:txBody>
-      </p:sp>
-      <p:sp>
-        <p:nvSpPr>
-          <p:cNvPr id="5" name="Footer Placeholder 4"/>
-          <p:cNvSpPr>
-            <a:spLocks noGrp="1"/>
-          </p:cNvSpPr>
-          <p:nvPr>
-            <p:ph type="ftr" sz="quarter" idx="12"/>
-          </p:nvPr>
-        </p:nvSpPr>
-        <p:spPr/>
-        <p:txBody>
-          <a:bodyPr/>
-          <a:lstStyle/>
-          <a:p>
-            <a:endParaRPr lang="en-US" dirty="0"/>
-          </a:p>
-        </p:txBody>
-      </p:sp>
-      <p:sp>
-        <p:nvSpPr>
-          <p:cNvPr id="6" name="Title 5"/>
-          <p:cNvSpPr>
-            <a:spLocks noGrp="1"/>
-          </p:cNvSpPr>
-          <p:nvPr>
-            <p:ph type="title"/>
-          </p:nvPr>
-        </p:nvSpPr>
-        <p:spPr/>
-        <p:txBody>
-          <a:bodyPr/>
-          <a:lstStyle/>
-          <a:p>
-            <a:r>
-              <a:rPr lang="en-US" dirty="0" smtClean="0"/>
-              <a:t>Approve/Deny Key Requests (2)</a:t>
-            </a:r>
-            <a:endParaRPr lang="en-US" dirty="0"/>
-          </a:p>
-        </p:txBody>
-      </p:sp>
-      <p:sp>
-        <p:nvSpPr>
-          <p:cNvPr id="7" name="Text Placeholder 6"/>
-          <p:cNvSpPr>
-            <a:spLocks noGrp="1"/>
-          </p:cNvSpPr>
-          <p:nvPr>
-            <p:ph type="body" sz="quarter" idx="15"/>
-          </p:nvPr>
-        </p:nvSpPr>
-        <p:spPr/>
-        <p:txBody>
-          <a:bodyPr/>
-          <a:lstStyle/>
-          <a:p>
-            <a:r>
-              <a:rPr lang="en-US" dirty="0" smtClean="0"/>
-              <a:t>Administrator API How To</a:t>
-            </a:r>
-            <a:endParaRPr lang="en-US" dirty="0"/>
-          </a:p>
-        </p:txBody>
-      </p:sp>
-      <p:pic>
-        <p:nvPicPr>
-          <p:cNvPr id="9" name="Picture 8"/>
-          <p:cNvPicPr>
-            <a:picLocks noChangeAspect="1"/>
-          </p:cNvPicPr>
-          <p:nvPr/>
-        </p:nvPicPr>
-        <p:blipFill>
-          <a:blip r:embed="rId2"/>
-          <a:stretch>
-            <a:fillRect/>
-          </a:stretch>
-        </p:blipFill>
-        <p:spPr>
-          <a:xfrm>
-            <a:off x="4647618" y="1369734"/>
-            <a:ext cx="4161334" cy="1551532"/>
-          </a:xfrm>
-          <a:prstGeom prst="rect">
-            <a:avLst/>
-          </a:prstGeom>
-        </p:spPr>
-      </p:pic>
-      <p:sp>
-        <p:nvSpPr>
-          <p:cNvPr id="11" name="Right Arrow 10"/>
-          <p:cNvSpPr/>
-          <p:nvPr/>
-        </p:nvSpPr>
-        <p:spPr bwMode="gray">
-          <a:xfrm>
-            <a:off x="4305591" y="1600199"/>
-            <a:ext cx="342027" cy="137859"/>
-          </a:xfrm>
-          <a:prstGeom prst="rightArrow">
-            <a:avLst/>
-          </a:prstGeom>
-          <a:solidFill>
-            <a:schemeClr val="accent1"/>
-          </a:solidFill>
-          <a:ln w="9525" cap="flat" cmpd="sng" algn="ctr">
-            <a:noFill/>
-            <a:prstDash val="solid"/>
-            <a:round/>
-            <a:headEnd type="none" w="med" len="med"/>
-            <a:tailEnd type="none" w="med" len="med"/>
-          </a:ln>
-          <a:effectLst/>
-        </p:spPr>
-        <p:txBody>
-          <a:bodyPr vert="horz" wrap="square" lIns="91440" tIns="45720" rIns="91440" bIns="45720" numCol="1" rtlCol="0" anchor="ctr" anchorCtr="0" compatLnSpc="1">
-            <a:prstTxWarp prst="textNoShape">
-              <a:avLst/>
-            </a:prstTxWarp>
-          </a:bodyPr>
-          <a:lstStyle/>
-          <a:p>
-            <a:pPr marL="0" marR="0" indent="0" algn="l" defTabSz="914400" rtl="0" eaLnBrk="1" fontAlgn="base" latinLnBrk="0" hangingPunct="1">
-              <a:lnSpc>
-                <a:spcPct val="100000"/>
-              </a:lnSpc>
-              <a:spcBef>
-                <a:spcPct val="0"/>
-              </a:spcBef>
-              <a:spcAft>
-                <a:spcPct val="0"/>
-              </a:spcAft>
-              <a:buClrTx/>
-              <a:buSzTx/>
-              <a:buFontTx/>
-              <a:buNone/>
-              <a:tabLst/>
-            </a:pPr>
-            <a:endParaRPr kumimoji="0" lang="en-US" sz="2000" b="0" i="0" u="none" strike="noStrike" cap="none" normalizeH="0" baseline="0" dirty="0" smtClean="0">
-              <a:ln>
-                <a:noFill/>
-              </a:ln>
-              <a:solidFill>
-                <a:schemeClr val="bg1"/>
-              </a:solidFill>
-              <a:effectLst/>
-              <a:latin typeface="Arial" pitchFamily="2" charset="0"/>
-            </a:endParaRPr>
-          </a:p>
-        </p:txBody>
-      </p:sp>
-      <p:sp>
-        <p:nvSpPr>
-          <p:cNvPr id="12" name="Right Arrow 11"/>
-          <p:cNvSpPr/>
-          <p:nvPr/>
-        </p:nvSpPr>
-        <p:spPr bwMode="gray">
-          <a:xfrm rot="16200000">
-            <a:off x="7605796" y="1611566"/>
-            <a:ext cx="221621" cy="198886"/>
-          </a:xfrm>
-          <a:prstGeom prst="rightArrow">
-            <a:avLst/>
-          </a:prstGeom>
-          <a:solidFill>
-            <a:schemeClr val="accent1"/>
-          </a:solidFill>
-          <a:ln w="9525" cap="flat" cmpd="sng" algn="ctr">
-            <a:noFill/>
-            <a:prstDash val="solid"/>
-            <a:round/>
-            <a:headEnd type="none" w="med" len="med"/>
-            <a:tailEnd type="none" w="med" len="med"/>
-          </a:ln>
-          <a:effectLst/>
-        </p:spPr>
-        <p:txBody>
-          <a:bodyPr vert="horz" wrap="square" lIns="91440" tIns="45720" rIns="91440" bIns="45720" numCol="1" rtlCol="0" anchor="ctr" anchorCtr="0" compatLnSpc="1">
-            <a:prstTxWarp prst="textNoShape">
-              <a:avLst/>
-            </a:prstTxWarp>
-          </a:bodyPr>
-          <a:lstStyle/>
-          <a:p>
-            <a:pPr marL="0" marR="0" indent="0" algn="l" defTabSz="914400" rtl="0" eaLnBrk="1" fontAlgn="base" latinLnBrk="0" hangingPunct="1">
-              <a:lnSpc>
-                <a:spcPct val="100000"/>
-              </a:lnSpc>
-              <a:spcBef>
-                <a:spcPct val="0"/>
-              </a:spcBef>
-              <a:spcAft>
-                <a:spcPct val="0"/>
-              </a:spcAft>
-              <a:buClrTx/>
-              <a:buSzTx/>
-              <a:buFontTx/>
-              <a:buNone/>
-              <a:tabLst/>
-            </a:pPr>
-            <a:endParaRPr kumimoji="0" lang="en-US" sz="2000" b="0" i="0" u="none" strike="noStrike" cap="none" normalizeH="0" baseline="0" dirty="0" smtClean="0">
-              <a:ln>
-                <a:noFill/>
-              </a:ln>
-              <a:solidFill>
-                <a:schemeClr val="bg1"/>
-              </a:solidFill>
-              <a:effectLst/>
-              <a:latin typeface="Arial" pitchFamily="2" charset="0"/>
-            </a:endParaRPr>
-          </a:p>
-        </p:txBody>
-      </p:sp>
-      <p:sp>
-        <p:nvSpPr>
-          <p:cNvPr id="14" name="Right Arrow 13"/>
-          <p:cNvSpPr/>
-          <p:nvPr/>
-        </p:nvSpPr>
-        <p:spPr bwMode="gray">
-          <a:xfrm rot="16200000">
-            <a:off x="5756079" y="2911410"/>
-            <a:ext cx="788177" cy="124992"/>
-          </a:xfrm>
-          <a:prstGeom prst="rightArrow">
-            <a:avLst/>
-          </a:prstGeom>
-          <a:solidFill>
-            <a:schemeClr val="accent1"/>
-          </a:solidFill>
-          <a:ln w="9525" cap="flat" cmpd="sng" algn="ctr">
-            <a:noFill/>
-            <a:prstDash val="solid"/>
-            <a:round/>
-            <a:headEnd type="none" w="med" len="med"/>
-            <a:tailEnd type="none" w="med" len="med"/>
-          </a:ln>
-          <a:effectLst/>
-        </p:spPr>
-        <p:txBody>
-          <a:bodyPr vert="horz" wrap="square" lIns="91440" tIns="45720" rIns="91440" bIns="45720" numCol="1" rtlCol="0" anchor="ctr" anchorCtr="0" compatLnSpc="1">
-            <a:prstTxWarp prst="textNoShape">
-              <a:avLst/>
-            </a:prstTxWarp>
-          </a:bodyPr>
-          <a:lstStyle/>
-          <a:p>
-            <a:pPr marL="0" marR="0" indent="0" algn="l" defTabSz="914400" rtl="0" eaLnBrk="1" fontAlgn="base" latinLnBrk="0" hangingPunct="1">
-              <a:lnSpc>
-                <a:spcPct val="100000"/>
-              </a:lnSpc>
-              <a:spcBef>
-                <a:spcPct val="0"/>
-              </a:spcBef>
-              <a:spcAft>
-                <a:spcPct val="0"/>
-              </a:spcAft>
-              <a:buClrTx/>
-              <a:buSzTx/>
-              <a:buFontTx/>
-              <a:buNone/>
-              <a:tabLst/>
-            </a:pPr>
-            <a:endParaRPr kumimoji="0" lang="en-US" sz="2000" b="0" i="0" u="none" strike="noStrike" cap="none" normalizeH="0" baseline="0" dirty="0" smtClean="0">
-              <a:ln>
-                <a:noFill/>
-              </a:ln>
-              <a:solidFill>
-                <a:schemeClr val="bg1"/>
-              </a:solidFill>
-              <a:effectLst/>
-              <a:latin typeface="Arial" pitchFamily="2" charset="0"/>
-            </a:endParaRPr>
-          </a:p>
-        </p:txBody>
-      </p:sp>
-    </p:spTree>
-    <p:extLst>
-      <p:ext uri="{BB962C8B-B14F-4D97-AF65-F5344CB8AC3E}">
-        <p14:creationId xmlns:p14="http://schemas.microsoft.com/office/powerpoint/2010/main" val="2556694655"/>
-      </p:ext>
-    </p:extLst>
-  </p:cSld>
-  <p:clrMapOvr>
-    <a:masterClrMapping/>
-  </p:clrMapOvr>
-  <p:timing>
-    <p:tnLst>
-      <p:par>
-        <p:cTn id="1" dur="indefinite" restart="never" nodeType="tmRoot"/>
-      </p:par>
-    </p:tnLst>
-  </p:timing>
-</p:sld>
-</file>
-
 <file path=ppt/slides/slide3.xml><?xml version="1.0" encoding="utf-8"?>
 <p:sld xmlns:a="http://schemas.openxmlformats.org/drawingml/2006/main" xmlns:r="http://schemas.openxmlformats.org/officeDocument/2006/relationships" xmlns:p="http://schemas.openxmlformats.org/presentationml/2006/main">
   <p:cSld>
@@ -12318,41 +12279,61 @@
           <a:p>
             <a:r>
               <a:rPr lang="en-US" dirty="0" smtClean="0"/>
-              <a:t>Check the Salesforce Order Management system to determine if a valid and approved Service is in place for the API. If need be contact the salesperson/owner of the opportunity.</a:t>
-            </a:r>
-          </a:p>
-          <a:p>
-            <a:r>
-              <a:rPr lang="en-US" dirty="0" smtClean="0"/>
-              <a:t>If no valid and approved Service is in place:</a:t>
+              <a:t>From the now displayed “Service </a:t>
+            </a:r>
+            <a:br>
+              <a:rPr lang="en-US" dirty="0" smtClean="0"/>
+            </a:br>
+            <a:r>
+              <a:rPr lang="en-US" dirty="0" smtClean="0"/>
+              <a:t>Management” list …</a:t>
             </a:r>
           </a:p>
           <a:p>
             <a:pPr lvl="1"/>
             <a:r>
               <a:rPr lang="en-US" dirty="0" smtClean="0"/>
-              <a:t>And your investigation determines that a </a:t>
+              <a:t>Click “Pending Key Requests”</a:t>
+            </a:r>
+          </a:p>
+          <a:p>
+            <a:pPr lvl="1"/>
+            <a:r>
+              <a:rPr lang="en-US" dirty="0" smtClean="0"/>
+              <a:t>Choose “Sector Insights” or </a:t>
             </a:r>
             <a:br>
               <a:rPr lang="en-US" dirty="0" smtClean="0"/>
             </a:br>
             <a:r>
               <a:rPr lang="en-US" dirty="0" smtClean="0"/>
-              <a:t>valid/approved Service is not </a:t>
+              <a:t>“SpendingPulse” from the </a:t>
             </a:r>
             <a:br>
               <a:rPr lang="en-US" dirty="0" smtClean="0"/>
             </a:br>
             <a:r>
               <a:rPr lang="en-US" dirty="0" smtClean="0"/>
-              <a:t>forthcoming, DENY the request … </a:t>
+              <a:t>Service drop-down.</a:t>
+            </a:r>
+          </a:p>
+          <a:p>
+            <a:r>
+              <a:rPr lang="en-US" dirty="0" smtClean="0"/>
+              <a:t>If any key approval requests have been </a:t>
             </a:r>
             <a:br>
               <a:rPr lang="en-US" dirty="0" smtClean="0"/>
             </a:br>
             <a:r>
               <a:rPr lang="en-US" dirty="0" smtClean="0"/>
-              <a:t>a denial email is sent to the requestor.</a:t>
+              <a:t>submitted they will be displayed in the “Pending Request” list.</a:t>
+            </a:r>
+          </a:p>
+          <a:p>
+            <a:r>
+              <a:rPr lang="en-US" dirty="0" smtClean="0"/>
+              <a:t>Click through the “Profile”, “Address” and “App” tabs to insure you know whom it is that is making the request.</a:t>
             </a:r>
           </a:p>
           <a:p>
@@ -12443,7 +12424,7 @@
           <a:p>
             <a:r>
               <a:rPr lang="en-US" dirty="0" smtClean="0"/>
-              <a:t>Approve/Deny Key Requests (3) – No valid Service</a:t>
+              <a:t>Approve/Deny Key Requests (2)</a:t>
             </a:r>
             <a:endParaRPr lang="en-US" dirty="0"/>
           </a:p>
@@ -12474,7 +12455,7 @@
       </p:sp>
       <p:pic>
         <p:nvPicPr>
-          <p:cNvPr id="8" name="Picture 7"/>
+          <p:cNvPr id="9" name="Picture 8"/>
           <p:cNvPicPr>
             <a:picLocks noChangeAspect="1"/>
           </p:cNvPicPr>
@@ -12488,8 +12469,8 @@
         </p:blipFill>
         <p:spPr>
           <a:xfrm>
-            <a:off x="5011750" y="2524452"/>
-            <a:ext cx="3777971" cy="1900610"/>
+            <a:off x="4647618" y="1369734"/>
+            <a:ext cx="4161334" cy="1551532"/>
           </a:xfrm>
           <a:prstGeom prst="rect">
             <a:avLst/>
@@ -12498,14 +12479,14 @@
       </p:pic>
       <p:sp>
         <p:nvSpPr>
-          <p:cNvPr id="10" name="Right Arrow 9"/>
+          <p:cNvPr id="11" name="Right Arrow 10"/>
           <p:cNvSpPr/>
           <p:nvPr/>
         </p:nvSpPr>
         <p:spPr bwMode="gray">
-          <a:xfrm rot="16200000">
-            <a:off x="7482723" y="3287652"/>
-            <a:ext cx="244306" cy="237325"/>
+          <a:xfrm>
+            <a:off x="4305591" y="1600199"/>
+            <a:ext cx="342027" cy="137859"/>
           </a:xfrm>
           <a:prstGeom prst="rightArrow">
             <a:avLst/>
@@ -12559,10 +12540,136 @@
           </a:p>
         </p:txBody>
       </p:sp>
+      <p:sp>
+        <p:nvSpPr>
+          <p:cNvPr id="12" name="Right Arrow 11"/>
+          <p:cNvSpPr/>
+          <p:nvPr/>
+        </p:nvSpPr>
+        <p:spPr bwMode="gray">
+          <a:xfrm rot="16200000">
+            <a:off x="7605796" y="1611566"/>
+            <a:ext cx="221621" cy="198886"/>
+          </a:xfrm>
+          <a:prstGeom prst="rightArrow">
+            <a:avLst/>
+          </a:prstGeom>
+          <a:solidFill>
+            <a:schemeClr val="accent1"/>
+          </a:solidFill>
+          <a:ln w="9525" cap="flat" cmpd="sng" algn="ctr">
+            <a:noFill/>
+            <a:prstDash val="solid"/>
+            <a:round/>
+            <a:headEnd type="none" w="med" len="med"/>
+            <a:tailEnd type="none" w="med" len="med"/>
+          </a:ln>
+          <a:effectLst/>
+        </p:spPr>
+        <p:txBody>
+          <a:bodyPr vert="horz" wrap="square" lIns="91440" tIns="45720" rIns="91440" bIns="45720" numCol="1" rtlCol="0" anchor="ctr" anchorCtr="0" compatLnSpc="1">
+            <a:prstTxWarp prst="textNoShape">
+              <a:avLst/>
+            </a:prstTxWarp>
+          </a:bodyPr>
+          <a:lstStyle/>
+          <a:p>
+            <a:pPr marL="0" marR="0" indent="0" algn="l" defTabSz="914400" rtl="0" eaLnBrk="1" fontAlgn="base" latinLnBrk="0" hangingPunct="1">
+              <a:lnSpc>
+                <a:spcPct val="100000"/>
+              </a:lnSpc>
+              <a:spcBef>
+                <a:spcPct val="0"/>
+              </a:spcBef>
+              <a:spcAft>
+                <a:spcPct val="0"/>
+              </a:spcAft>
+              <a:buClrTx/>
+              <a:buSzTx/>
+              <a:buFontTx/>
+              <a:buNone/>
+              <a:tabLst/>
+            </a:pPr>
+            <a:endParaRPr kumimoji="0" lang="en-US" sz="2000" b="0" i="0" u="none" strike="noStrike" cap="none" normalizeH="0" baseline="0" dirty="0" smtClean="0">
+              <a:ln>
+                <a:noFill/>
+              </a:ln>
+              <a:solidFill>
+                <a:schemeClr val="bg1"/>
+              </a:solidFill>
+              <a:effectLst/>
+              <a:latin typeface="Arial" pitchFamily="2" charset="0"/>
+            </a:endParaRPr>
+          </a:p>
+        </p:txBody>
+      </p:sp>
+      <p:sp>
+        <p:nvSpPr>
+          <p:cNvPr id="14" name="Right Arrow 13"/>
+          <p:cNvSpPr/>
+          <p:nvPr/>
+        </p:nvSpPr>
+        <p:spPr bwMode="gray">
+          <a:xfrm rot="16200000">
+            <a:off x="5756079" y="2911410"/>
+            <a:ext cx="788177" cy="124992"/>
+          </a:xfrm>
+          <a:prstGeom prst="rightArrow">
+            <a:avLst/>
+          </a:prstGeom>
+          <a:solidFill>
+            <a:schemeClr val="accent1"/>
+          </a:solidFill>
+          <a:ln w="9525" cap="flat" cmpd="sng" algn="ctr">
+            <a:noFill/>
+            <a:prstDash val="solid"/>
+            <a:round/>
+            <a:headEnd type="none" w="med" len="med"/>
+            <a:tailEnd type="none" w="med" len="med"/>
+          </a:ln>
+          <a:effectLst/>
+        </p:spPr>
+        <p:txBody>
+          <a:bodyPr vert="horz" wrap="square" lIns="91440" tIns="45720" rIns="91440" bIns="45720" numCol="1" rtlCol="0" anchor="ctr" anchorCtr="0" compatLnSpc="1">
+            <a:prstTxWarp prst="textNoShape">
+              <a:avLst/>
+            </a:prstTxWarp>
+          </a:bodyPr>
+          <a:lstStyle/>
+          <a:p>
+            <a:pPr marL="0" marR="0" indent="0" algn="l" defTabSz="914400" rtl="0" eaLnBrk="1" fontAlgn="base" latinLnBrk="0" hangingPunct="1">
+              <a:lnSpc>
+                <a:spcPct val="100000"/>
+              </a:lnSpc>
+              <a:spcBef>
+                <a:spcPct val="0"/>
+              </a:spcBef>
+              <a:spcAft>
+                <a:spcPct val="0"/>
+              </a:spcAft>
+              <a:buClrTx/>
+              <a:buSzTx/>
+              <a:buFontTx/>
+              <a:buNone/>
+              <a:tabLst/>
+            </a:pPr>
+            <a:endParaRPr kumimoji="0" lang="en-US" sz="2000" b="0" i="0" u="none" strike="noStrike" cap="none" normalizeH="0" baseline="0" dirty="0" smtClean="0">
+              <a:ln>
+                <a:noFill/>
+              </a:ln>
+              <a:solidFill>
+                <a:schemeClr val="bg1"/>
+              </a:solidFill>
+              <a:effectLst/>
+              <a:latin typeface="Arial" pitchFamily="2" charset="0"/>
+            </a:endParaRPr>
+          </a:p>
+        </p:txBody>
+      </p:sp>
     </p:spTree>
     <p:extLst>
       <p:ext uri="{BB962C8B-B14F-4D97-AF65-F5344CB8AC3E}">
-        <p14:creationId xmlns:p14="http://schemas.microsoft.com/office/powerpoint/2010/main" val="2776855602"/>
+        <p14:creationId xmlns:p14="http://schemas.microsoft.com/office/powerpoint/2010/main" val="2556694655"/>
       </p:ext>
     </p:extLst>
   </p:cSld>
@@ -12618,77 +12725,45 @@
           <a:p>
             <a:r>
               <a:rPr lang="en-US" dirty="0" smtClean="0"/>
-              <a:t>If a valid and approved Service is in place or </a:t>
+              <a:t>Check the Salesforce Order Management system to determine if a valid and approved Service is in place for the API. If need be contact the salesperson/owner of the opportunity.</a:t>
+            </a:r>
+          </a:p>
+          <a:p>
+            <a:r>
+              <a:rPr lang="en-US" dirty="0" smtClean="0"/>
+              <a:t>If no valid and approved Service is in place:</a:t>
+            </a:r>
+          </a:p>
+          <a:p>
+            <a:pPr lvl="1"/>
+            <a:r>
+              <a:rPr lang="en-US" dirty="0" smtClean="0"/>
+              <a:t>And your investigation determines that a </a:t>
             </a:r>
             <a:br>
               <a:rPr lang="en-US" dirty="0" smtClean="0"/>
             </a:br>
             <a:r>
               <a:rPr lang="en-US" dirty="0" smtClean="0"/>
-              <a:t>your investigation determines that a </a:t>
+              <a:t>valid/approved Service is not </a:t>
             </a:r>
             <a:br>
               <a:rPr lang="en-US" dirty="0" smtClean="0"/>
             </a:br>
             <a:r>
               <a:rPr lang="en-US" dirty="0" smtClean="0"/>
-              <a:t>valid/approved Service is forthcoming and </a:t>
+              <a:t>forthcoming, DENY the request … </a:t>
             </a:r>
             <a:br>
               <a:rPr lang="en-US" dirty="0" smtClean="0"/>
             </a:br>
             <a:r>
               <a:rPr lang="en-US" dirty="0" smtClean="0"/>
-              <a:t>the request should be approved …</a:t>
-            </a:r>
-          </a:p>
-          <a:p>
-            <a:r>
-              <a:rPr lang="en-US" dirty="0" smtClean="0"/>
-              <a:t>Click the App tab and </a:t>
-            </a:r>
-            <a:br>
-              <a:rPr lang="en-US" dirty="0" smtClean="0"/>
-            </a:br>
-            <a:r>
-              <a:rPr lang="en-US" dirty="0" smtClean="0"/>
-              <a:t>copy the Production Client ID</a:t>
-            </a:r>
-          </a:p>
-          <a:p>
-            <a:pPr lvl="1"/>
-            <a:endParaRPr lang="en-US" b="1" dirty="0" smtClean="0"/>
-          </a:p>
-          <a:p>
-            <a:pPr lvl="1"/>
-            <a:r>
-              <a:rPr lang="en-US" b="1" dirty="0" smtClean="0"/>
-              <a:t>For Sector Insights</a:t>
-            </a:r>
-            <a:r>
-              <a:rPr lang="en-US" dirty="0" smtClean="0"/>
-              <a:t>, record the Client ID in the </a:t>
-            </a:r>
-            <a:br>
-              <a:rPr lang="en-US" dirty="0" smtClean="0"/>
-            </a:br>
-            <a:r>
-              <a:rPr lang="en-US" sz="1200" dirty="0" smtClean="0">
-                <a:latin typeface="Andale Mono" panose="020B0509000000000004" pitchFamily="49" charset="0"/>
-              </a:rPr>
-              <a:t>…/SpendingPulse/API/API Subscription files/Sector insights Keys.xlsx </a:t>
-            </a:r>
-            <a:r>
-              <a:rPr lang="en-US" dirty="0" smtClean="0"/>
-              <a:t>file.</a:t>
-            </a:r>
-          </a:p>
-          <a:p>
-            <a:pPr lvl="2"/>
-            <a:r>
-              <a:rPr lang="en-US" dirty="0" smtClean="0"/>
-              <a:t>Without this file, the only way to know who has been granted prod access is to have an API developer run a data pull against the AP database.</a:t>
-            </a:r>
+              <a:t>a denial email is sent to the requestor.</a:t>
+            </a:r>
+          </a:p>
+          <a:p>
+            <a:endParaRPr lang="en-US" dirty="0"/>
           </a:p>
         </p:txBody>
       </p:sp>
@@ -12775,7 +12850,7 @@
           <a:p>
             <a:r>
               <a:rPr lang="en-US" dirty="0" smtClean="0"/>
-              <a:t>Approve/Deny Key Requests (4) – Valid Service</a:t>
+              <a:t>Approve/Deny Key Requests (3) – No valid Service</a:t>
             </a:r>
             <a:endParaRPr lang="en-US" dirty="0"/>
           </a:p>
@@ -12806,7 +12881,7 @@
       </p:sp>
       <p:pic>
         <p:nvPicPr>
-          <p:cNvPr id="11" name="Picture 10"/>
+          <p:cNvPr id="8" name="Picture 7"/>
           <p:cNvPicPr>
             <a:picLocks noChangeAspect="1"/>
           </p:cNvPicPr>
@@ -12820,8 +12895,8 @@
         </p:blipFill>
         <p:spPr>
           <a:xfrm>
-            <a:off x="5192829" y="1451872"/>
-            <a:ext cx="3780156" cy="1788772"/>
+            <a:off x="5011750" y="2524452"/>
+            <a:ext cx="3777971" cy="1900610"/>
           </a:xfrm>
           <a:prstGeom prst="rect">
             <a:avLst/>
@@ -12830,14 +12905,14 @@
       </p:pic>
       <p:sp>
         <p:nvSpPr>
-          <p:cNvPr id="13" name="Right Arrow 12"/>
+          <p:cNvPr id="10" name="Right Arrow 9"/>
           <p:cNvSpPr/>
           <p:nvPr/>
         </p:nvSpPr>
         <p:spPr bwMode="gray">
-          <a:xfrm>
-            <a:off x="3718514" y="2857717"/>
-            <a:ext cx="3174734" cy="92985"/>
+          <a:xfrm rot="16200000">
+            <a:off x="7482723" y="3287652"/>
+            <a:ext cx="244306" cy="237325"/>
           </a:xfrm>
           <a:prstGeom prst="rightArrow">
             <a:avLst/>
@@ -12894,7 +12969,7 @@
     </p:spTree>
     <p:extLst>
       <p:ext uri="{BB962C8B-B14F-4D97-AF65-F5344CB8AC3E}">
-        <p14:creationId xmlns:p14="http://schemas.microsoft.com/office/powerpoint/2010/main" val="1724074499"/>
+        <p14:creationId xmlns:p14="http://schemas.microsoft.com/office/powerpoint/2010/main" val="2776855602"/>
       </p:ext>
     </p:extLst>
   </p:cSld>
@@ -12948,10 +13023,54 @@
           <a:bodyPr/>
           <a:lstStyle/>
           <a:p>
+            <a:r>
+              <a:rPr lang="en-US" dirty="0" smtClean="0"/>
+              <a:t>If a valid and approved Service is in place or </a:t>
+            </a:r>
+            <a:br>
+              <a:rPr lang="en-US" dirty="0" smtClean="0"/>
+            </a:br>
+            <a:r>
+              <a:rPr lang="en-US" dirty="0" smtClean="0"/>
+              <a:t>your investigation determines that a </a:t>
+            </a:r>
+            <a:br>
+              <a:rPr lang="en-US" dirty="0" smtClean="0"/>
+            </a:br>
+            <a:r>
+              <a:rPr lang="en-US" dirty="0" smtClean="0"/>
+              <a:t>valid/approved Service is forthcoming and </a:t>
+            </a:r>
+            <a:br>
+              <a:rPr lang="en-US" dirty="0" smtClean="0"/>
+            </a:br>
+            <a:r>
+              <a:rPr lang="en-US" dirty="0" smtClean="0"/>
+              <a:t>the request should be approved …</a:t>
+            </a:r>
+          </a:p>
+          <a:p>
+            <a:r>
+              <a:rPr lang="en-US" dirty="0" smtClean="0"/>
+              <a:t>Click the App tab and </a:t>
+            </a:r>
+            <a:br>
+              <a:rPr lang="en-US" dirty="0" smtClean="0"/>
+            </a:br>
+            <a:r>
+              <a:rPr lang="en-US" dirty="0" smtClean="0"/>
+              <a:t>copy the Production Client ID</a:t>
+            </a:r>
+          </a:p>
+          <a:p>
             <a:pPr lvl="1"/>
+            <a:endParaRPr lang="en-US" b="1" dirty="0" smtClean="0"/>
+          </a:p>
+          <a:p>
+            <a:pPr lvl="1"/>
             <a:r>
               <a:rPr lang="en-US" b="1" dirty="0" smtClean="0"/>
-              <a:t>For SpendingPulse</a:t>
+              <a:t>For Sector Insights</a:t>
             </a:r>
             <a:r>
               <a:rPr lang="en-US" dirty="0" smtClean="0"/>
@@ -12964,81 +13083,19 @@
               <a:rPr lang="en-US" sz="1200" dirty="0" smtClean="0">
                 <a:latin typeface="Andale Mono" panose="020B0509000000000004" pitchFamily="49" charset="0"/>
               </a:rPr>
-              <a:t>…/SpendingPulse/API/API </a:t>
-            </a:r>
-            <a:r>
-              <a:rPr lang="en-US" sz="1200" dirty="0">
-                <a:latin typeface="Andale Mono" panose="020B0509000000000004" pitchFamily="49" charset="0"/>
-              </a:rPr>
-              <a:t>Subscription files/SpendingPulse API Subscription </a:t>
-            </a:r>
-            <a:r>
-              <a:rPr lang="en-US" sz="1200" dirty="0" smtClean="0">
-                <a:latin typeface="Andale Mono" panose="020B0509000000000004" pitchFamily="49" charset="0"/>
-              </a:rPr>
-              <a:t>Data.xlsx </a:t>
-            </a:r>
-            <a:br>
-              <a:rPr lang="en-US" sz="1200" dirty="0" smtClean="0">
-                <a:latin typeface="Andale Mono" panose="020B0509000000000004" pitchFamily="49" charset="0"/>
-              </a:rPr>
-            </a:br>
+              <a:t>…/SpendingPulse/API/API Subscription files/Sector insights Keys.xlsx </a:t>
+            </a:r>
             <a:r>
               <a:rPr lang="en-US" dirty="0" smtClean="0"/>
               <a:t>file.</a:t>
             </a:r>
           </a:p>
           <a:p>
-            <a:pPr lvl="1"/>
-            <a:r>
-              <a:rPr lang="en-US" dirty="0"/>
-              <a:t>The “</a:t>
-            </a:r>
-            <a:r>
-              <a:rPr lang="en-US" sz="1600" dirty="0">
-                <a:latin typeface="Andale Mono" panose="020B0509000000000004" pitchFamily="49" charset="0"/>
-              </a:rPr>
-              <a:t>SpendingPulse API </a:t>
-            </a:r>
-            <a:r>
-              <a:rPr lang="en-US" sz="1600" dirty="0" smtClean="0">
-                <a:latin typeface="Andale Mono" panose="020B0509000000000004" pitchFamily="49" charset="0"/>
-              </a:rPr>
-              <a:t>Subscription</a:t>
-            </a:r>
-            <a:r>
-              <a:rPr lang="en-US" dirty="0" smtClean="0"/>
-              <a:t>” tab of this file must be saved as a .csv file and uploaded, using the API MDE Upload facility – the same facility used to upload the Sector Insights and SpendingPulse data to the API.</a:t>
-            </a:r>
-          </a:p>
-          <a:p>
-            <a:pPr lvl="1"/>
-            <a:r>
-              <a:rPr lang="en-US" dirty="0" smtClean="0"/>
-              <a:t>To upload the subscription data, use the </a:t>
-            </a:r>
-            <a:br>
-              <a:rPr lang="en-US" dirty="0" smtClean="0"/>
-            </a:br>
-            <a:r>
-              <a:rPr lang="en-US" sz="1400" dirty="0">
-                <a:latin typeface="Andale Mono" panose="020B0509000000000004" pitchFamily="49" charset="0"/>
-              </a:rPr>
-              <a:t>REL5 – DW-P-SPENDINGPULSE REPLACE SUBSCRIPTION </a:t>
-            </a:r>
-            <a:r>
-              <a:rPr lang="en-US" dirty="0" smtClean="0"/>
-              <a:t>bulk type.</a:t>
-            </a:r>
-          </a:p>
-          <a:p>
-            <a:r>
-              <a:rPr lang="en-US" dirty="0" smtClean="0"/>
-              <a:t>Once the subscription data has been successfully uploaded, Approve the request … an approval email is sent to the requestor.</a:t>
-            </a:r>
-          </a:p>
-          <a:p>
-            <a:endParaRPr lang="en-US" dirty="0"/>
+            <a:pPr lvl="2"/>
+            <a:r>
+              <a:rPr lang="en-US" dirty="0" smtClean="0"/>
+              <a:t>Without this file, the only way to know who has been granted prod access is to have an API developer run a data pull against the AP database.</a:t>
+            </a:r>
           </a:p>
         </p:txBody>
       </p:sp>
@@ -13125,7 +13182,7 @@
           <a:p>
             <a:r>
               <a:rPr lang="en-US" dirty="0" smtClean="0"/>
-              <a:t>Approve/Deny Key Requests (5) – Valid Service</a:t>
+              <a:t>Approve/Deny Key Requests (4) – Valid Service</a:t>
             </a:r>
             <a:endParaRPr lang="en-US" dirty="0"/>
           </a:p>
@@ -13151,13 +13208,100 @@
               <a:t>Administrator API How To</a:t>
             </a:r>
             <a:endParaRPr lang="en-US" dirty="0"/>
+          </a:p>
+        </p:txBody>
+      </p:sp>
+      <p:pic>
+        <p:nvPicPr>
+          <p:cNvPr id="11" name="Picture 10"/>
+          <p:cNvPicPr>
+            <a:picLocks noChangeAspect="1"/>
+          </p:cNvPicPr>
+          <p:nvPr/>
+        </p:nvPicPr>
+        <p:blipFill>
+          <a:blip r:embed="rId2"/>
+          <a:stretch>
+            <a:fillRect/>
+          </a:stretch>
+        </p:blipFill>
+        <p:spPr>
+          <a:xfrm>
+            <a:off x="5192829" y="1451872"/>
+            <a:ext cx="3780156" cy="1788772"/>
+          </a:xfrm>
+          <a:prstGeom prst="rect">
+            <a:avLst/>
+          </a:prstGeom>
+        </p:spPr>
+      </p:pic>
+      <p:sp>
+        <p:nvSpPr>
+          <p:cNvPr id="13" name="Right Arrow 12"/>
+          <p:cNvSpPr/>
+          <p:nvPr/>
+        </p:nvSpPr>
+        <p:spPr bwMode="gray">
+          <a:xfrm>
+            <a:off x="3718514" y="2857717"/>
+            <a:ext cx="3174734" cy="92985"/>
+          </a:xfrm>
+          <a:prstGeom prst="rightArrow">
+            <a:avLst/>
+          </a:prstGeom>
+          <a:solidFill>
+            <a:schemeClr val="accent1"/>
+          </a:solidFill>
+          <a:ln w="9525" cap="flat" cmpd="sng" algn="ctr">
+            <a:noFill/>
+            <a:prstDash val="solid"/>
+            <a:round/>
+            <a:headEnd type="none" w="med" len="med"/>
+            <a:tailEnd type="none" w="med" len="med"/>
+          </a:ln>
+          <a:effectLst/>
+        </p:spPr>
+        <p:txBody>
+          <a:bodyPr vert="horz" wrap="square" lIns="91440" tIns="45720" rIns="91440" bIns="45720" numCol="1" rtlCol="0" anchor="ctr" anchorCtr="0" compatLnSpc="1">
+            <a:prstTxWarp prst="textNoShape">
+              <a:avLst/>
+            </a:prstTxWarp>
+          </a:bodyPr>
+          <a:lstStyle/>
+          <a:p>
+            <a:pPr marL="0" marR="0" indent="0" algn="l" defTabSz="914400" rtl="0" eaLnBrk="1" fontAlgn="base" latinLnBrk="0" hangingPunct="1">
+              <a:lnSpc>
+                <a:spcPct val="100000"/>
+              </a:lnSpc>
+              <a:spcBef>
+                <a:spcPct val="0"/>
+              </a:spcBef>
+              <a:spcAft>
+                <a:spcPct val="0"/>
+              </a:spcAft>
+              <a:buClrTx/>
+              <a:buSzTx/>
+              <a:buFontTx/>
+              <a:buNone/>
+              <a:tabLst/>
+            </a:pPr>
+            <a:endParaRPr kumimoji="0" lang="en-US" sz="2000" b="0" i="0" u="none" strike="noStrike" cap="none" normalizeH="0" baseline="0" dirty="0" smtClean="0">
+              <a:ln>
+                <a:noFill/>
+              </a:ln>
+              <a:solidFill>
+                <a:schemeClr val="bg1"/>
+              </a:solidFill>
+              <a:effectLst/>
+              <a:latin typeface="Arial" pitchFamily="2" charset="0"/>
+            </a:endParaRPr>
           </a:p>
         </p:txBody>
       </p:sp>
     </p:spTree>
     <p:extLst>
       <p:ext uri="{BB962C8B-B14F-4D97-AF65-F5344CB8AC3E}">
-        <p14:creationId xmlns:p14="http://schemas.microsoft.com/office/powerpoint/2010/main" val="2378687281"/>
+        <p14:creationId xmlns:p14="http://schemas.microsoft.com/office/powerpoint/2010/main" val="1724074499"/>
       </p:ext>
     </p:extLst>
   </p:cSld>
@@ -13211,44 +13355,96 @@
           <a:bodyPr/>
           <a:lstStyle/>
           <a:p>
+            <a:pPr lvl="1"/>
+            <a:r>
+              <a:rPr lang="en-US" b="1" dirty="0" smtClean="0"/>
+              <a:t>For SpendingPulse</a:t>
+            </a:r>
+            <a:r>
+              <a:rPr lang="en-US" dirty="0" smtClean="0"/>
+              <a:t>, record the Client ID in the </a:t>
+            </a:r>
+            <a:br>
+              <a:rPr lang="en-US" dirty="0" smtClean="0"/>
+            </a:br>
+            <a:r>
+              <a:rPr lang="en-US" sz="1200" dirty="0" smtClean="0">
+                <a:latin typeface="Andale Mono" panose="020B0509000000000004" pitchFamily="49" charset="0"/>
+              </a:rPr>
+              <a:t>…/SpendingPulse/API/API </a:t>
+            </a:r>
+            <a:r>
+              <a:rPr lang="en-US" sz="1200" dirty="0">
+                <a:latin typeface="Andale Mono" panose="020B0509000000000004" pitchFamily="49" charset="0"/>
+              </a:rPr>
+              <a:t>Subscription files/SpendingPulse API Subscription </a:t>
+            </a:r>
+            <a:r>
+              <a:rPr lang="en-US" sz="1200" dirty="0" smtClean="0">
+                <a:latin typeface="Andale Mono" panose="020B0509000000000004" pitchFamily="49" charset="0"/>
+              </a:rPr>
+              <a:t>Data.xlsx </a:t>
+            </a:r>
+            <a:br>
+              <a:rPr lang="en-US" sz="1200" dirty="0" smtClean="0">
+                <a:latin typeface="Andale Mono" panose="020B0509000000000004" pitchFamily="49" charset="0"/>
+              </a:rPr>
+            </a:br>
+            <a:r>
+              <a:rPr lang="en-US" dirty="0" smtClean="0"/>
+              <a:t>file.</a:t>
+            </a:r>
+          </a:p>
+          <a:p>
+            <a:pPr lvl="1"/>
             <a:r>
               <a:rPr lang="en-US" dirty="0"/>
+              <a:t>The “</a:t>
+            </a:r>
+            <a:r>
+              <a:rPr lang="en-US" sz="1600" dirty="0">
+                <a:latin typeface="Andale Mono" panose="020B0509000000000004" pitchFamily="49" charset="0"/>
+              </a:rPr>
+              <a:t>SpendingPulse API </a:t>
+            </a:r>
+            <a:r>
+              <a:rPr lang="en-US" sz="1600" dirty="0" smtClean="0">
+                <a:latin typeface="Andale Mono" panose="020B0509000000000004" pitchFamily="49" charset="0"/>
+              </a:rPr>
+              <a:t>Subscription</a:t>
+            </a:r>
+            <a:r>
+              <a:rPr lang="en-US" dirty="0" smtClean="0"/>
+              <a:t>” tab of this file must be saved as a .csv file and uploaded, using the API MDE Upload facility – the same facility used to upload the Sector Insights and SpendingPulse data to the API.</a:t>
+            </a:r>
+          </a:p>
+          <a:p>
+            <a:pPr lvl="1"/>
+            <a:r>
+              <a:rPr lang="en-US" dirty="0" smtClean="0"/>
+              <a:t>To upload the subscription data, use the </a:t>
+            </a:r>
+            <a:br>
+              <a:rPr lang="en-US" dirty="0" smtClean="0"/>
+            </a:br>
+            <a:r>
+              <a:rPr lang="en-US" sz="1400" dirty="0">
+                <a:latin typeface="Andale Mono" panose="020B0509000000000004" pitchFamily="49" charset="0"/>
+              </a:rPr>
+              <a:t>REL5 – DW-P-SPENDINGPULSE REPLACE SUBSCRIPTION </a:t>
+            </a:r>
+            <a:r>
+              <a:rPr lang="en-US" dirty="0" smtClean="0"/>
+              <a:t>bulk type.</a:t>
+            </a:r>
+          </a:p>
+          <a:p>
+            <a:r>
+              <a:rPr lang="en-US" dirty="0" smtClean="0"/>
               <a:t>Once the subscription data has been successfully uploaded, Approve the request … an approval email is sent to the requestor.</a:t>
             </a:r>
           </a:p>
           <a:p>
-            <a:r>
-              <a:rPr lang="en-US" dirty="0" smtClean="0"/>
-              <a:t>To grant production access to</a:t>
-            </a:r>
-            <a:br>
-              <a:rPr lang="en-US" dirty="0" smtClean="0"/>
-            </a:br>
-            <a:r>
-              <a:rPr lang="en-US" dirty="0" smtClean="0"/>
-              <a:t>SpendingPulse it takes BOTH:</a:t>
-            </a:r>
-          </a:p>
-          <a:p>
-            <a:pPr lvl="1"/>
-            <a:r>
-              <a:rPr lang="en-US" dirty="0" smtClean="0"/>
-              <a:t>Uploaded subscription data for the </a:t>
-            </a:r>
-            <a:br>
-              <a:rPr lang="en-US" dirty="0" smtClean="0"/>
-            </a:br>
-            <a:r>
-              <a:rPr lang="en-US" dirty="0" smtClean="0"/>
-              <a:t>Client ID</a:t>
-            </a:r>
-          </a:p>
-          <a:p>
-            <a:pPr lvl="1"/>
-            <a:r>
-              <a:rPr lang="en-US" dirty="0" smtClean="0"/>
-              <a:t>Approved Key</a:t>
-            </a:r>
             <a:endParaRPr lang="en-US" dirty="0"/>
           </a:p>
         </p:txBody>
@@ -13336,7 +13532,7 @@
           <a:p>
             <a:r>
               <a:rPr lang="en-US" dirty="0" smtClean="0"/>
-              <a:t>Approve/Deny Key Requests (6) – No valid Service</a:t>
+              <a:t>Approve/Deny Key Requests (5) – Valid Service</a:t>
             </a:r>
             <a:endParaRPr lang="en-US" dirty="0"/>
           </a:p>
@@ -13362,100 +13558,13 @@
               <a:t>Administrator API How To</a:t>
             </a:r>
             <a:endParaRPr lang="en-US" dirty="0"/>
-          </a:p>
-        </p:txBody>
-      </p:sp>
-      <p:pic>
-        <p:nvPicPr>
-          <p:cNvPr id="9" name="Picture 8"/>
-          <p:cNvPicPr>
-            <a:picLocks noChangeAspect="1"/>
-          </p:cNvPicPr>
-          <p:nvPr/>
-        </p:nvPicPr>
-        <p:blipFill>
-          <a:blip r:embed="rId2"/>
-          <a:stretch>
-            <a:fillRect/>
-          </a:stretch>
-        </p:blipFill>
-        <p:spPr>
-          <a:xfrm>
-            <a:off x="5079061" y="2021322"/>
-            <a:ext cx="3813654" cy="1970971"/>
-          </a:xfrm>
-          <a:prstGeom prst="rect">
-            <a:avLst/>
-          </a:prstGeom>
-        </p:spPr>
-      </p:pic>
-      <p:sp>
-        <p:nvSpPr>
-          <p:cNvPr id="10" name="Right Arrow 9"/>
-          <p:cNvSpPr/>
-          <p:nvPr/>
-        </p:nvSpPr>
-        <p:spPr bwMode="gray">
-          <a:xfrm rot="16200000">
-            <a:off x="7140695" y="2795551"/>
-            <a:ext cx="244306" cy="237325"/>
-          </a:xfrm>
-          <a:prstGeom prst="rightArrow">
-            <a:avLst/>
-          </a:prstGeom>
-          <a:solidFill>
-            <a:schemeClr val="accent1"/>
-          </a:solidFill>
-          <a:ln w="9525" cap="flat" cmpd="sng" algn="ctr">
-            <a:noFill/>
-            <a:prstDash val="solid"/>
-            <a:round/>
-            <a:headEnd type="none" w="med" len="med"/>
-            <a:tailEnd type="none" w="med" len="med"/>
-          </a:ln>
-          <a:effectLst/>
-        </p:spPr>
-        <p:txBody>
-          <a:bodyPr vert="horz" wrap="square" lIns="91440" tIns="45720" rIns="91440" bIns="45720" numCol="1" rtlCol="0" anchor="ctr" anchorCtr="0" compatLnSpc="1">
-            <a:prstTxWarp prst="textNoShape">
-              <a:avLst/>
-            </a:prstTxWarp>
-          </a:bodyPr>
-          <a:lstStyle/>
-          <a:p>
-            <a:pPr marL="0" marR="0" indent="0" algn="l" defTabSz="914400" rtl="0" eaLnBrk="1" fontAlgn="base" latinLnBrk="0" hangingPunct="1">
-              <a:lnSpc>
-                <a:spcPct val="100000"/>
-              </a:lnSpc>
-              <a:spcBef>
-                <a:spcPct val="0"/>
-              </a:spcBef>
-              <a:spcAft>
-                <a:spcPct val="0"/>
-              </a:spcAft>
-              <a:buClrTx/>
-              <a:buSzTx/>
-              <a:buFontTx/>
-              <a:buNone/>
-              <a:tabLst/>
-            </a:pPr>
-            <a:endParaRPr kumimoji="0" lang="en-US" sz="2000" b="0" i="0" u="none" strike="noStrike" cap="none" normalizeH="0" baseline="0" dirty="0" smtClean="0">
-              <a:ln>
-                <a:noFill/>
-              </a:ln>
-              <a:solidFill>
-                <a:schemeClr val="bg1"/>
-              </a:solidFill>
-              <a:effectLst/>
-              <a:latin typeface="Arial" pitchFamily="2" charset="0"/>
-            </a:endParaRPr>
           </a:p>
         </p:txBody>
       </p:sp>
     </p:spTree>
     <p:extLst>
       <p:ext uri="{BB962C8B-B14F-4D97-AF65-F5344CB8AC3E}">
-        <p14:creationId xmlns:p14="http://schemas.microsoft.com/office/powerpoint/2010/main" val="4192355193"/>
+        <p14:creationId xmlns:p14="http://schemas.microsoft.com/office/powerpoint/2010/main" val="2378687281"/>
       </p:ext>
     </p:extLst>
   </p:cSld>
@@ -13511,100 +13620,42 @@
           <a:p>
             <a:r>
               <a:rPr lang="en-US" dirty="0"/>
-              <a:t>Log in to the API Admin </a:t>
-            </a:r>
-            <a:r>
-              <a:rPr lang="en-US" dirty="0" smtClean="0"/>
-              <a:t>Application </a:t>
+              <a:t>Once the subscription data has been successfully uploaded, Approve the request … an approval email is sent to the requestor.</a:t>
+            </a:r>
+          </a:p>
+          <a:p>
+            <a:r>
+              <a:rPr lang="en-US" dirty="0" smtClean="0"/>
+              <a:t>To grant production access to</a:t>
             </a:r>
             <a:br>
               <a:rPr lang="en-US" dirty="0" smtClean="0"/>
             </a:br>
             <a:r>
               <a:rPr lang="en-US" dirty="0" smtClean="0"/>
-              <a:t>(slide 27)</a:t>
-            </a:r>
-          </a:p>
-          <a:p>
-            <a:r>
-              <a:rPr lang="en-US" dirty="0"/>
-              <a:t>From the now displayed “Service </a:t>
+              <a:t>SpendingPulse it takes BOTH:</a:t>
+            </a:r>
+          </a:p>
+          <a:p>
+            <a:pPr lvl="1"/>
+            <a:r>
+              <a:rPr lang="en-US" dirty="0" smtClean="0"/>
+              <a:t>Uploaded subscription data for the </a:t>
             </a:r>
             <a:br>
-              <a:rPr lang="en-US" dirty="0"/>
+              <a:rPr lang="en-US" dirty="0" smtClean="0"/>
             </a:br>
             <a:r>
-              <a:rPr lang="en-US" dirty="0"/>
-              <a:t>Management” list …</a:t>
+              <a:rPr lang="en-US" dirty="0" smtClean="0"/>
+              <a:t>Client ID</a:t>
             </a:r>
           </a:p>
           <a:p>
             <a:pPr lvl="1"/>
             <a:r>
-              <a:rPr lang="en-US" dirty="0"/>
-              <a:t>Click </a:t>
-            </a:r>
-            <a:r>
-              <a:rPr lang="en-US" dirty="0" smtClean="0"/>
-              <a:t>“Client Configuration for Svc”</a:t>
-            </a:r>
-          </a:p>
-          <a:p>
-            <a:pPr lvl="1"/>
-            <a:r>
-              <a:rPr lang="en-US" dirty="0"/>
-              <a:t>Choose “Sector Insights” or </a:t>
-            </a:r>
-            <a:br>
-              <a:rPr lang="en-US" dirty="0"/>
-            </a:br>
-            <a:r>
-              <a:rPr lang="en-US" dirty="0"/>
-              <a:t>“SpendingPulse” from the </a:t>
-            </a:r>
-            <a:br>
-              <a:rPr lang="en-US" dirty="0"/>
-            </a:br>
-            <a:r>
-              <a:rPr lang="en-US" dirty="0"/>
-              <a:t>Service drop-down</a:t>
-            </a:r>
-            <a:r>
-              <a:rPr lang="en-US" dirty="0" smtClean="0"/>
-              <a:t>.</a:t>
-            </a:r>
-          </a:p>
-          <a:p>
-            <a:pPr lvl="1"/>
-            <a:r>
-              <a:rPr lang="en-US" dirty="0" smtClean="0"/>
-              <a:t>Use the “Search” fields to locate the owner/App </a:t>
-            </a:r>
-            <a:br>
-              <a:rPr lang="en-US" dirty="0" smtClean="0"/>
-            </a:br>
-            <a:r>
-              <a:rPr lang="en-US" dirty="0" smtClean="0"/>
-              <a:t>of the key you </a:t>
-            </a:r>
-            <a:r>
-              <a:rPr lang="en-US" dirty="0"/>
-              <a:t>w</a:t>
-            </a:r>
-            <a:r>
-              <a:rPr lang="en-US" dirty="0" smtClean="0"/>
-              <a:t>ant to revoke.</a:t>
-            </a:r>
-          </a:p>
-          <a:p>
-            <a:pPr lvl="1"/>
-            <a:r>
-              <a:rPr lang="en-US" dirty="0" smtClean="0"/>
-              <a:t>Select the key within the “Search Results” list.</a:t>
-            </a:r>
-            <a:endParaRPr lang="en-US" dirty="0"/>
-          </a:p>
-          <a:p>
+              <a:rPr lang="en-US" dirty="0" smtClean="0"/>
+              <a:t>Approved Key</a:t>
+            </a:r>
             <a:endParaRPr lang="en-US" dirty="0"/>
           </a:p>
         </p:txBody>
@@ -13685,19 +13736,14 @@
             <p:ph type="title"/>
           </p:nvPr>
         </p:nvSpPr>
-        <p:spPr>
-          <a:xfrm>
-            <a:off x="273915" y="644462"/>
-            <a:ext cx="8618799" cy="486287"/>
-          </a:xfrm>
-        </p:spPr>
-        <p:txBody>
-          <a:bodyPr/>
-          <a:lstStyle/>
-          <a:p>
-            <a:r>
-              <a:rPr lang="en-US" dirty="0" smtClean="0"/>
-              <a:t>How to Deactivate/Deny a Previously Approved Key (1)</a:t>
+        <p:spPr/>
+        <p:txBody>
+          <a:bodyPr/>
+          <a:lstStyle/>
+          <a:p>
+            <a:r>
+              <a:rPr lang="en-US" dirty="0" smtClean="0"/>
+              <a:t>Approve/Deny Key Requests (6) – No valid Service</a:t>
             </a:r>
             <a:endParaRPr lang="en-US" dirty="0"/>
           </a:p>
@@ -13728,7 +13774,7 @@
       </p:sp>
       <p:pic>
         <p:nvPicPr>
-          <p:cNvPr id="18" name="Picture 17"/>
+          <p:cNvPr id="9" name="Picture 8"/>
           <p:cNvPicPr>
             <a:picLocks noChangeAspect="1"/>
           </p:cNvPicPr>
@@ -13742,8 +13788,8 @@
         </p:blipFill>
         <p:spPr>
           <a:xfrm>
-            <a:off x="4647618" y="1369734"/>
-            <a:ext cx="4160520" cy="2555215"/>
+            <a:off x="5079061" y="2021322"/>
+            <a:ext cx="3813654" cy="1970971"/>
           </a:xfrm>
           <a:prstGeom prst="rect">
             <a:avLst/>
@@ -13752,14 +13798,14 @@
       </p:pic>
       <p:sp>
         <p:nvSpPr>
-          <p:cNvPr id="12" name="Right Arrow 11"/>
+          <p:cNvPr id="10" name="Right Arrow 9"/>
           <p:cNvSpPr/>
           <p:nvPr/>
         </p:nvSpPr>
         <p:spPr bwMode="gray">
-          <a:xfrm>
-            <a:off x="4325613" y="1633569"/>
-            <a:ext cx="342027" cy="137859"/>
+          <a:xfrm rot="16200000">
+            <a:off x="7140695" y="2795551"/>
+            <a:ext cx="244306" cy="237325"/>
           </a:xfrm>
           <a:prstGeom prst="rightArrow">
             <a:avLst/>
@@ -13813,199 +13859,10 @@
           </a:p>
         </p:txBody>
       </p:sp>
-      <p:sp>
-        <p:nvSpPr>
-          <p:cNvPr id="13" name="Right Arrow 12"/>
-          <p:cNvSpPr/>
-          <p:nvPr/>
-        </p:nvSpPr>
-        <p:spPr bwMode="gray">
-          <a:xfrm rot="16200000">
-            <a:off x="7045143" y="1561174"/>
-            <a:ext cx="221621" cy="198886"/>
-          </a:xfrm>
-          <a:prstGeom prst="rightArrow">
-            <a:avLst/>
-          </a:prstGeom>
-          <a:solidFill>
-            <a:schemeClr val="accent1"/>
-          </a:solidFill>
-          <a:ln w="9525" cap="flat" cmpd="sng" algn="ctr">
-            <a:noFill/>
-            <a:prstDash val="solid"/>
-            <a:round/>
-            <a:headEnd type="none" w="med" len="med"/>
-            <a:tailEnd type="none" w="med" len="med"/>
-          </a:ln>
-          <a:effectLst/>
-        </p:spPr>
-        <p:txBody>
-          <a:bodyPr vert="horz" wrap="square" lIns="91440" tIns="45720" rIns="91440" bIns="45720" numCol="1" rtlCol="0" anchor="ctr" anchorCtr="0" compatLnSpc="1">
-            <a:prstTxWarp prst="textNoShape">
-              <a:avLst/>
-            </a:prstTxWarp>
-          </a:bodyPr>
-          <a:lstStyle/>
-          <a:p>
-            <a:pPr marL="0" marR="0" indent="0" algn="l" defTabSz="914400" rtl="0" eaLnBrk="1" fontAlgn="base" latinLnBrk="0" hangingPunct="1">
-              <a:lnSpc>
-                <a:spcPct val="100000"/>
-              </a:lnSpc>
-              <a:spcBef>
-                <a:spcPct val="0"/>
-              </a:spcBef>
-              <a:spcAft>
-                <a:spcPct val="0"/>
-              </a:spcAft>
-              <a:buClrTx/>
-              <a:buSzTx/>
-              <a:buFontTx/>
-              <a:buNone/>
-              <a:tabLst/>
-            </a:pPr>
-            <a:endParaRPr kumimoji="0" lang="en-US" sz="2000" b="0" i="0" u="none" strike="noStrike" cap="none" normalizeH="0" baseline="0" dirty="0" smtClean="0">
-              <a:ln>
-                <a:noFill/>
-              </a:ln>
-              <a:solidFill>
-                <a:schemeClr val="bg1"/>
-              </a:solidFill>
-              <a:effectLst/>
-              <a:latin typeface="Arial" pitchFamily="2" charset="0"/>
-            </a:endParaRPr>
-          </a:p>
-        </p:txBody>
-      </p:sp>
-      <p:sp>
-        <p:nvSpPr>
-          <p:cNvPr id="15" name="Right Arrow 14"/>
-          <p:cNvSpPr/>
-          <p:nvPr/>
-        </p:nvSpPr>
-        <p:spPr bwMode="gray">
-          <a:xfrm rot="19866145">
-            <a:off x="3487319" y="3030901"/>
-            <a:ext cx="2443768" cy="102691"/>
-          </a:xfrm>
-          <a:prstGeom prst="rightArrow">
-            <a:avLst/>
-          </a:prstGeom>
-          <a:solidFill>
-            <a:schemeClr val="accent1"/>
-          </a:solidFill>
-          <a:ln w="9525" cap="flat" cmpd="sng" algn="ctr">
-            <a:noFill/>
-            <a:prstDash val="solid"/>
-            <a:round/>
-            <a:headEnd type="none" w="med" len="med"/>
-            <a:tailEnd type="none" w="med" len="med"/>
-          </a:ln>
-          <a:effectLst/>
-        </p:spPr>
-        <p:txBody>
-          <a:bodyPr vert="horz" wrap="square" lIns="91440" tIns="45720" rIns="91440" bIns="45720" numCol="1" rtlCol="0" anchor="ctr" anchorCtr="0" compatLnSpc="1">
-            <a:prstTxWarp prst="textNoShape">
-              <a:avLst/>
-            </a:prstTxWarp>
-          </a:bodyPr>
-          <a:lstStyle/>
-          <a:p>
-            <a:pPr marL="0" marR="0" indent="0" algn="l" defTabSz="914400" rtl="0" eaLnBrk="1" fontAlgn="base" latinLnBrk="0" hangingPunct="1">
-              <a:lnSpc>
-                <a:spcPct val="100000"/>
-              </a:lnSpc>
-              <a:spcBef>
-                <a:spcPct val="0"/>
-              </a:spcBef>
-              <a:spcAft>
-                <a:spcPct val="0"/>
-              </a:spcAft>
-              <a:buClrTx/>
-              <a:buSzTx/>
-              <a:buFontTx/>
-              <a:buNone/>
-              <a:tabLst/>
-            </a:pPr>
-            <a:endParaRPr kumimoji="0" lang="en-US" sz="2000" b="0" i="0" u="none" strike="noStrike" cap="none" normalizeH="0" baseline="0" dirty="0" smtClean="0">
-              <a:ln>
-                <a:noFill/>
-              </a:ln>
-              <a:solidFill>
-                <a:schemeClr val="bg1"/>
-              </a:solidFill>
-              <a:effectLst/>
-              <a:latin typeface="Arial" pitchFamily="2" charset="0"/>
-            </a:endParaRPr>
-          </a:p>
-        </p:txBody>
-      </p:sp>
-      <p:sp>
-        <p:nvSpPr>
-          <p:cNvPr id="16" name="Right Arrow 15"/>
-          <p:cNvSpPr/>
-          <p:nvPr/>
-        </p:nvSpPr>
-        <p:spPr bwMode="gray">
-          <a:xfrm rot="18373809">
-            <a:off x="5284640" y="3852578"/>
-            <a:ext cx="1209725" cy="103155"/>
-          </a:xfrm>
-          <a:prstGeom prst="rightArrow">
-            <a:avLst/>
-          </a:prstGeom>
-          <a:solidFill>
-            <a:schemeClr val="accent1"/>
-          </a:solidFill>
-          <a:ln w="9525" cap="flat" cmpd="sng" algn="ctr">
-            <a:noFill/>
-            <a:prstDash val="solid"/>
-            <a:round/>
-            <a:headEnd type="none" w="med" len="med"/>
-            <a:tailEnd type="none" w="med" len="med"/>
-          </a:ln>
-          <a:effectLst/>
-        </p:spPr>
-        <p:txBody>
-          <a:bodyPr vert="horz" wrap="square" lIns="91440" tIns="45720" rIns="91440" bIns="45720" numCol="1" rtlCol="0" anchor="ctr" anchorCtr="0" compatLnSpc="1">
-            <a:prstTxWarp prst="textNoShape">
-              <a:avLst/>
-            </a:prstTxWarp>
-          </a:bodyPr>
-          <a:lstStyle/>
-          <a:p>
-            <a:pPr marL="0" marR="0" indent="0" algn="l" defTabSz="914400" rtl="0" eaLnBrk="1" fontAlgn="base" latinLnBrk="0" hangingPunct="1">
-              <a:lnSpc>
-                <a:spcPct val="100000"/>
-              </a:lnSpc>
-              <a:spcBef>
-                <a:spcPct val="0"/>
-              </a:spcBef>
-              <a:spcAft>
-                <a:spcPct val="0"/>
-              </a:spcAft>
-              <a:buClrTx/>
-              <a:buSzTx/>
-              <a:buFontTx/>
-              <a:buNone/>
-              <a:tabLst/>
-            </a:pPr>
-            <a:endParaRPr kumimoji="0" lang="en-US" sz="2000" b="0" i="0" u="none" strike="noStrike" cap="none" normalizeH="0" baseline="0" dirty="0" smtClean="0">
-              <a:ln>
-                <a:noFill/>
-              </a:ln>
-              <a:solidFill>
-                <a:schemeClr val="bg1"/>
-              </a:solidFill>
-              <a:effectLst/>
-              <a:latin typeface="Arial" pitchFamily="2" charset="0"/>
-            </a:endParaRPr>
-          </a:p>
-        </p:txBody>
-      </p:sp>
     </p:spTree>
     <p:extLst>
       <p:ext uri="{BB962C8B-B14F-4D97-AF65-F5344CB8AC3E}">
-        <p14:creationId xmlns:p14="http://schemas.microsoft.com/office/powerpoint/2010/main" val="2039868981"/>
+        <p14:creationId xmlns:p14="http://schemas.microsoft.com/office/powerpoint/2010/main" val="4192355193"/>
       </p:ext>
     </p:extLst>
   </p:cSld>
@@ -14051,110 +13908,111 @@
         </p:nvSpPr>
         <p:spPr>
           <a:xfrm>
-            <a:off x="274638" y="987818"/>
-            <a:ext cx="8283029" cy="3737694"/>
+            <a:off x="274638" y="1369734"/>
+            <a:ext cx="8283029" cy="3320929"/>
           </a:xfrm>
         </p:spPr>
         <p:txBody>
           <a:bodyPr/>
           <a:lstStyle/>
           <a:p>
+            <a:r>
+              <a:rPr lang="en-US" dirty="0"/>
+              <a:t>Log in to the API Admin </a:t>
+            </a:r>
+            <a:r>
+              <a:rPr lang="en-US" dirty="0" smtClean="0"/>
+              <a:t>Application </a:t>
+            </a:r>
+            <a:br>
+              <a:rPr lang="en-US" dirty="0" smtClean="0"/>
+            </a:br>
+            <a:r>
+              <a:rPr lang="en-US" dirty="0" smtClean="0"/>
+              <a:t>(slide 27)</a:t>
+            </a:r>
+          </a:p>
+          <a:p>
+            <a:r>
+              <a:rPr lang="en-US" dirty="0"/>
+              <a:t>From the now displayed “Service </a:t>
+            </a:r>
+            <a:br>
+              <a:rPr lang="en-US" dirty="0"/>
+            </a:br>
+            <a:r>
+              <a:rPr lang="en-US" dirty="0"/>
+              <a:t>Management” list …</a:t>
+            </a:r>
+          </a:p>
+          <a:p>
             <a:pPr lvl="1"/>
-            <a:endParaRPr lang="en-US" dirty="0" smtClean="0"/>
+            <a:r>
+              <a:rPr lang="en-US" dirty="0"/>
+              <a:t>Click </a:t>
+            </a:r>
+            <a:r>
+              <a:rPr lang="en-US" dirty="0" smtClean="0"/>
+              <a:t>“Client Configuration for Svc”</a:t>
+            </a:r>
           </a:p>
           <a:p>
             <a:pPr lvl="1"/>
-            <a:endParaRPr lang="en-US" dirty="0"/>
+            <a:r>
+              <a:rPr lang="en-US" dirty="0"/>
+              <a:t>Choose “Sector Insights” or </a:t>
+            </a:r>
+            <a:br>
+              <a:rPr lang="en-US" dirty="0"/>
+            </a:br>
+            <a:r>
+              <a:rPr lang="en-US" dirty="0"/>
+              <a:t>“SpendingPulse” from the </a:t>
+            </a:r>
+            <a:br>
+              <a:rPr lang="en-US" dirty="0"/>
+            </a:br>
+            <a:r>
+              <a:rPr lang="en-US" dirty="0"/>
+              <a:t>Service drop-down</a:t>
+            </a:r>
+            <a:r>
+              <a:rPr lang="en-US" dirty="0" smtClean="0"/>
+              <a:t>.</a:t>
+            </a:r>
           </a:p>
           <a:p>
             <a:pPr lvl="1"/>
-            <a:endParaRPr lang="en-US" dirty="0" smtClean="0"/>
+            <a:r>
+              <a:rPr lang="en-US" dirty="0" smtClean="0"/>
+              <a:t>Use the “Search” fields to locate the owner/App </a:t>
+            </a:r>
+            <a:br>
+              <a:rPr lang="en-US" dirty="0" smtClean="0"/>
+            </a:br>
+            <a:r>
+              <a:rPr lang="en-US" dirty="0" smtClean="0"/>
+              <a:t>of the key you </a:t>
+            </a:r>
+            <a:r>
+              <a:rPr lang="en-US" dirty="0"/>
+              <a:t>w</a:t>
+            </a:r>
+            <a:r>
+              <a:rPr lang="en-US" dirty="0" smtClean="0"/>
+              <a:t>ant to revoke.</a:t>
+            </a:r>
           </a:p>
           <a:p>
             <a:pPr lvl="1"/>
-            <a:endParaRPr lang="en-US" dirty="0"/>
-          </a:p>
-          <a:p>
-            <a:pPr lvl="1"/>
-            <a:endParaRPr lang="en-US" dirty="0" smtClean="0"/>
-          </a:p>
-          <a:p>
-            <a:pPr lvl="1"/>
-            <a:endParaRPr lang="en-US" dirty="0" smtClean="0"/>
-          </a:p>
-          <a:p>
-            <a:pPr lvl="1"/>
-            <a:r>
-              <a:rPr lang="en-US" dirty="0" smtClean="0"/>
-              <a:t>Uncheck the “Granted” box</a:t>
-            </a:r>
-          </a:p>
-          <a:p>
-            <a:pPr lvl="1"/>
-            <a:endParaRPr lang="en-US" dirty="0"/>
-          </a:p>
-          <a:p>
-            <a:pPr lvl="1"/>
-            <a:endParaRPr lang="en-US" dirty="0" smtClean="0"/>
-          </a:p>
-          <a:p>
-            <a:pPr lvl="1"/>
-            <a:r>
-              <a:rPr lang="en-US" dirty="0" smtClean="0"/>
-              <a:t>Click “Submit”</a:t>
-            </a:r>
-          </a:p>
-          <a:p>
-            <a:pPr lvl="1"/>
-            <a:r>
-              <a:rPr lang="en-US" dirty="0" smtClean="0"/>
-              <a:t>Remove the Client ID from either the subscription data file (one or both) as needed. If for SpendingPulse, upload the subscription file (see slide 31).</a:t>
-            </a:r>
-            <a:br>
-              <a:rPr lang="en-US" dirty="0" smtClean="0"/>
-            </a:br>
-            <a:r>
-              <a:rPr lang="en-US" sz="1200" dirty="0" smtClean="0">
-                <a:latin typeface="Andale Mono" panose="020B0509000000000004" pitchFamily="49" charset="0"/>
-              </a:rPr>
-              <a:t>Sector </a:t>
-            </a:r>
-            <a:r>
-              <a:rPr lang="en-US" sz="1200" dirty="0">
-                <a:latin typeface="Andale Mono" panose="020B0509000000000004" pitchFamily="49" charset="0"/>
-              </a:rPr>
-              <a:t>insights Keys.xlsx </a:t>
-            </a:r>
-            <a:r>
-              <a:rPr lang="en-US" dirty="0"/>
-              <a:t>or</a:t>
-            </a:r>
-            <a:r>
-              <a:rPr lang="en-US" sz="1200" dirty="0" smtClean="0">
-                <a:latin typeface="Andale Mono" panose="020B0509000000000004" pitchFamily="49" charset="0"/>
-              </a:rPr>
-              <a:t> SpendingPulse </a:t>
-            </a:r>
-            <a:r>
-              <a:rPr lang="en-US" sz="1200" dirty="0">
-                <a:latin typeface="Andale Mono" panose="020B0509000000000004" pitchFamily="49" charset="0"/>
-              </a:rPr>
-              <a:t>API Subscription Data.xlsx </a:t>
-            </a:r>
-            <a:r>
-              <a:rPr lang="en-US" sz="1200" dirty="0" smtClean="0">
-                <a:latin typeface="Andale Mono" panose="020B0509000000000004" pitchFamily="49" charset="0"/>
-              </a:rPr>
-              <a:t/>
-            </a:r>
-            <a:br>
-              <a:rPr lang="en-US" sz="1200" dirty="0" smtClean="0">
-                <a:latin typeface="Andale Mono" panose="020B0509000000000004" pitchFamily="49" charset="0"/>
-              </a:rPr>
-            </a:br>
-            <a:endParaRPr lang="en-US" sz="1200" dirty="0">
-              <a:latin typeface="Andale Mono" panose="020B0509000000000004" pitchFamily="49" charset="0"/>
-            </a:endParaRPr>
+            <a:r>
+              <a:rPr lang="en-US" dirty="0" smtClean="0"/>
+              <a:t>Select the key within the “Search Results” list.</a:t>
+            </a:r>
+            <a:endParaRPr lang="en-US" dirty="0"/>
+          </a:p>
+          <a:p>
+            <a:endParaRPr lang="en-US" dirty="0"/>
           </a:p>
         </p:txBody>
       </p:sp>
@@ -14246,7 +14104,7 @@
           <a:p>
             <a:r>
               <a:rPr lang="en-US" dirty="0" smtClean="0"/>
-              <a:t>How to Deactivate/Deny a Previously Approved Key (2)</a:t>
+              <a:t>How to Deactivate/Deny a Previously Approved Key (1)</a:t>
             </a:r>
             <a:endParaRPr lang="en-US" dirty="0"/>
           </a:p>
@@ -14291,7 +14149,7 @@
         </p:blipFill>
         <p:spPr>
           <a:xfrm>
-            <a:off x="4647618" y="1162824"/>
+            <a:off x="4647618" y="1369734"/>
             <a:ext cx="4160520" cy="2555215"/>
           </a:xfrm>
           <a:prstGeom prst="rect">
@@ -14307,8 +14165,8 @@
         </p:nvSpPr>
         <p:spPr bwMode="gray">
           <a:xfrm>
-            <a:off x="3731583" y="2846013"/>
-            <a:ext cx="3570532" cy="84070"/>
+            <a:off x="4325613" y="1633569"/>
+            <a:ext cx="342027" cy="137859"/>
           </a:xfrm>
           <a:prstGeom prst="rightArrow">
             <a:avLst/>
@@ -14364,14 +14222,14 @@
       </p:sp>
       <p:sp>
         <p:nvSpPr>
-          <p:cNvPr id="14" name="Right Arrow 13"/>
+          <p:cNvPr id="13" name="Right Arrow 12"/>
           <p:cNvSpPr/>
           <p:nvPr/>
         </p:nvSpPr>
         <p:spPr bwMode="gray">
-          <a:xfrm>
-            <a:off x="2282663" y="3605787"/>
-            <a:ext cx="5458856" cy="84070"/>
+          <a:xfrm rot="16200000">
+            <a:off x="7045143" y="1561174"/>
+            <a:ext cx="221621" cy="198886"/>
           </a:xfrm>
           <a:prstGeom prst="rightArrow">
             <a:avLst/>
@@ -14425,10 +14283,136 @@
           </a:p>
         </p:txBody>
       </p:sp>
+      <p:sp>
+        <p:nvSpPr>
+          <p:cNvPr id="15" name="Right Arrow 14"/>
+          <p:cNvSpPr/>
+          <p:nvPr/>
+        </p:nvSpPr>
+        <p:spPr bwMode="gray">
+          <a:xfrm rot="19866145">
+            <a:off x="3487319" y="3030901"/>
+            <a:ext cx="2443768" cy="102691"/>
+          </a:xfrm>
+          <a:prstGeom prst="rightArrow">
+            <a:avLst/>
+          </a:prstGeom>
+          <a:solidFill>
+            <a:schemeClr val="accent1"/>
+          </a:solidFill>
+          <a:ln w="9525" cap="flat" cmpd="sng" algn="ctr">
+            <a:noFill/>
+            <a:prstDash val="solid"/>
+            <a:round/>
+            <a:headEnd type="none" w="med" len="med"/>
+            <a:tailEnd type="none" w="med" len="med"/>
+          </a:ln>
+          <a:effectLst/>
+        </p:spPr>
+        <p:txBody>
+          <a:bodyPr vert="horz" wrap="square" lIns="91440" tIns="45720" rIns="91440" bIns="45720" numCol="1" rtlCol="0" anchor="ctr" anchorCtr="0" compatLnSpc="1">
+            <a:prstTxWarp prst="textNoShape">
+              <a:avLst/>
+            </a:prstTxWarp>
+          </a:bodyPr>
+          <a:lstStyle/>
+          <a:p>
+            <a:pPr marL="0" marR="0" indent="0" algn="l" defTabSz="914400" rtl="0" eaLnBrk="1" fontAlgn="base" latinLnBrk="0" hangingPunct="1">
+              <a:lnSpc>
+                <a:spcPct val="100000"/>
+              </a:lnSpc>
+              <a:spcBef>
+                <a:spcPct val="0"/>
+              </a:spcBef>
+              <a:spcAft>
+                <a:spcPct val="0"/>
+              </a:spcAft>
+              <a:buClrTx/>
+              <a:buSzTx/>
+              <a:buFontTx/>
+              <a:buNone/>
+              <a:tabLst/>
+            </a:pPr>
+            <a:endParaRPr kumimoji="0" lang="en-US" sz="2000" b="0" i="0" u="none" strike="noStrike" cap="none" normalizeH="0" baseline="0" dirty="0" smtClean="0">
+              <a:ln>
+                <a:noFill/>
+              </a:ln>
+              <a:solidFill>
+                <a:schemeClr val="bg1"/>
+              </a:solidFill>
+              <a:effectLst/>
+              <a:latin typeface="Arial" pitchFamily="2" charset="0"/>
+            </a:endParaRPr>
+          </a:p>
+        </p:txBody>
+      </p:sp>
+      <p:sp>
+        <p:nvSpPr>
+          <p:cNvPr id="16" name="Right Arrow 15"/>
+          <p:cNvSpPr/>
+          <p:nvPr/>
+        </p:nvSpPr>
+        <p:spPr bwMode="gray">
+          <a:xfrm rot="18373809">
+            <a:off x="5284640" y="3852578"/>
+            <a:ext cx="1209725" cy="103155"/>
+          </a:xfrm>
+          <a:prstGeom prst="rightArrow">
+            <a:avLst/>
+          </a:prstGeom>
+          <a:solidFill>
+            <a:schemeClr val="accent1"/>
+          </a:solidFill>
+          <a:ln w="9525" cap="flat" cmpd="sng" algn="ctr">
+            <a:noFill/>
+            <a:prstDash val="solid"/>
+            <a:round/>
+            <a:headEnd type="none" w="med" len="med"/>
+            <a:tailEnd type="none" w="med" len="med"/>
+          </a:ln>
+          <a:effectLst/>
+        </p:spPr>
+        <p:txBody>
+          <a:bodyPr vert="horz" wrap="square" lIns="91440" tIns="45720" rIns="91440" bIns="45720" numCol="1" rtlCol="0" anchor="ctr" anchorCtr="0" compatLnSpc="1">
+            <a:prstTxWarp prst="textNoShape">
+              <a:avLst/>
+            </a:prstTxWarp>
+          </a:bodyPr>
+          <a:lstStyle/>
+          <a:p>
+            <a:pPr marL="0" marR="0" indent="0" algn="l" defTabSz="914400" rtl="0" eaLnBrk="1" fontAlgn="base" latinLnBrk="0" hangingPunct="1">
+              <a:lnSpc>
+                <a:spcPct val="100000"/>
+              </a:lnSpc>
+              <a:spcBef>
+                <a:spcPct val="0"/>
+              </a:spcBef>
+              <a:spcAft>
+                <a:spcPct val="0"/>
+              </a:spcAft>
+              <a:buClrTx/>
+              <a:buSzTx/>
+              <a:buFontTx/>
+              <a:buNone/>
+              <a:tabLst/>
+            </a:pPr>
+            <a:endParaRPr kumimoji="0" lang="en-US" sz="2000" b="0" i="0" u="none" strike="noStrike" cap="none" normalizeH="0" baseline="0" dirty="0" smtClean="0">
+              <a:ln>
+                <a:noFill/>
+              </a:ln>
+              <a:solidFill>
+                <a:schemeClr val="bg1"/>
+              </a:solidFill>
+              <a:effectLst/>
+              <a:latin typeface="Arial" pitchFamily="2" charset="0"/>
+            </a:endParaRPr>
+          </a:p>
+        </p:txBody>
+      </p:sp>
     </p:spTree>
     <p:extLst>
       <p:ext uri="{BB962C8B-B14F-4D97-AF65-F5344CB8AC3E}">
-        <p14:creationId xmlns:p14="http://schemas.microsoft.com/office/powerpoint/2010/main" val="1326989588"/>
+        <p14:creationId xmlns:p14="http://schemas.microsoft.com/office/powerpoint/2010/main" val="2039868981"/>
       </p:ext>
     </p:extLst>
   </p:cSld>
@@ -14474,6 +14458,429 @@
         </p:nvSpPr>
         <p:spPr>
           <a:xfrm>
+            <a:off x="274638" y="987818"/>
+            <a:ext cx="8283029" cy="3737694"/>
+          </a:xfrm>
+        </p:spPr>
+        <p:txBody>
+          <a:bodyPr/>
+          <a:lstStyle/>
+          <a:p>
+            <a:pPr lvl="1"/>
+            <a:endParaRPr lang="en-US" dirty="0" smtClean="0"/>
+          </a:p>
+          <a:p>
+            <a:pPr lvl="1"/>
+            <a:endParaRPr lang="en-US" dirty="0"/>
+          </a:p>
+          <a:p>
+            <a:pPr lvl="1"/>
+            <a:endParaRPr lang="en-US" dirty="0" smtClean="0"/>
+          </a:p>
+          <a:p>
+            <a:pPr lvl="1"/>
+            <a:endParaRPr lang="en-US" dirty="0"/>
+          </a:p>
+          <a:p>
+            <a:pPr lvl="1"/>
+            <a:endParaRPr lang="en-US" dirty="0" smtClean="0"/>
+          </a:p>
+          <a:p>
+            <a:pPr lvl="1"/>
+            <a:endParaRPr lang="en-US" dirty="0" smtClean="0"/>
+          </a:p>
+          <a:p>
+            <a:pPr lvl="1"/>
+            <a:r>
+              <a:rPr lang="en-US" dirty="0" smtClean="0"/>
+              <a:t>Uncheck the “Granted” box</a:t>
+            </a:r>
+          </a:p>
+          <a:p>
+            <a:pPr lvl="1"/>
+            <a:endParaRPr lang="en-US" dirty="0"/>
+          </a:p>
+          <a:p>
+            <a:pPr lvl="1"/>
+            <a:endParaRPr lang="en-US" dirty="0" smtClean="0"/>
+          </a:p>
+          <a:p>
+            <a:pPr lvl="1"/>
+            <a:r>
+              <a:rPr lang="en-US" dirty="0" smtClean="0"/>
+              <a:t>Click “Submit”</a:t>
+            </a:r>
+          </a:p>
+          <a:p>
+            <a:pPr lvl="1"/>
+            <a:r>
+              <a:rPr lang="en-US" dirty="0" smtClean="0"/>
+              <a:t>Remove the Client ID from either the subscription data file (one or both) as needed. If for SpendingPulse, upload the subscription file (see slide 31).</a:t>
+            </a:r>
+            <a:br>
+              <a:rPr lang="en-US" dirty="0" smtClean="0"/>
+            </a:br>
+            <a:r>
+              <a:rPr lang="en-US" sz="1200" dirty="0" smtClean="0">
+                <a:latin typeface="Andale Mono" panose="020B0509000000000004" pitchFamily="49" charset="0"/>
+              </a:rPr>
+              <a:t>Sector </a:t>
+            </a:r>
+            <a:r>
+              <a:rPr lang="en-US" sz="1200" dirty="0">
+                <a:latin typeface="Andale Mono" panose="020B0509000000000004" pitchFamily="49" charset="0"/>
+              </a:rPr>
+              <a:t>insights Keys.xlsx </a:t>
+            </a:r>
+            <a:r>
+              <a:rPr lang="en-US" dirty="0"/>
+              <a:t>or</a:t>
+            </a:r>
+            <a:r>
+              <a:rPr lang="en-US" sz="1200" dirty="0" smtClean="0">
+                <a:latin typeface="Andale Mono" panose="020B0509000000000004" pitchFamily="49" charset="0"/>
+              </a:rPr>
+              <a:t> SpendingPulse </a:t>
+            </a:r>
+            <a:r>
+              <a:rPr lang="en-US" sz="1200" dirty="0">
+                <a:latin typeface="Andale Mono" panose="020B0509000000000004" pitchFamily="49" charset="0"/>
+              </a:rPr>
+              <a:t>API Subscription Data.xlsx </a:t>
+            </a:r>
+            <a:r>
+              <a:rPr lang="en-US" sz="1200" dirty="0" smtClean="0">
+                <a:latin typeface="Andale Mono" panose="020B0509000000000004" pitchFamily="49" charset="0"/>
+              </a:rPr>
+              <a:t/>
+            </a:r>
+            <a:br>
+              <a:rPr lang="en-US" sz="1200" dirty="0" smtClean="0">
+                <a:latin typeface="Andale Mono" panose="020B0509000000000004" pitchFamily="49" charset="0"/>
+              </a:rPr>
+            </a:br>
+            <a:endParaRPr lang="en-US" sz="1200" dirty="0">
+              <a:latin typeface="Andale Mono" panose="020B0509000000000004" pitchFamily="49" charset="0"/>
+            </a:endParaRPr>
+          </a:p>
+        </p:txBody>
+      </p:sp>
+      <p:sp>
+        <p:nvSpPr>
+          <p:cNvPr id="3" name="Date Placeholder 2"/>
+          <p:cNvSpPr>
+            <a:spLocks noGrp="1"/>
+          </p:cNvSpPr>
+          <p:nvPr>
+            <p:ph type="dt" sz="half" idx="10"/>
+          </p:nvPr>
+        </p:nvSpPr>
+        <p:spPr/>
+        <p:txBody>
+          <a:bodyPr/>
+          <a:lstStyle/>
+          <a:p>
+            <a:r>
+              <a:rPr lang="en-US" smtClean="0"/>
+              <a:t>October 21, 2015</a:t>
+            </a:r>
+            <a:endParaRPr lang="en-US" dirty="0" smtClean="0"/>
+          </a:p>
+        </p:txBody>
+      </p:sp>
+      <p:sp>
+        <p:nvSpPr>
+          <p:cNvPr id="4" name="Slide Number Placeholder 3"/>
+          <p:cNvSpPr>
+            <a:spLocks noGrp="1"/>
+          </p:cNvSpPr>
+          <p:nvPr>
+            <p:ph type="sldNum" sz="quarter" idx="11"/>
+          </p:nvPr>
+        </p:nvSpPr>
+        <p:spPr/>
+        <p:txBody>
+          <a:bodyPr/>
+          <a:lstStyle/>
+          <a:p>
+            <a:fld id="{5698A34F-157D-4FC3-B6AE-341A8B909DED}" type="slidenum">
+              <a:rPr lang="en-US" smtClean="0"/>
+              <a:pPr/>
+              <a:t>36</a:t>
+            </a:fld>
+            <a:endParaRPr lang="en-US" dirty="0"/>
+          </a:p>
+        </p:txBody>
+      </p:sp>
+      <p:sp>
+        <p:nvSpPr>
+          <p:cNvPr id="5" name="Footer Placeholder 4"/>
+          <p:cNvSpPr>
+            <a:spLocks noGrp="1"/>
+          </p:cNvSpPr>
+          <p:nvPr>
+            <p:ph type="ftr" sz="quarter" idx="12"/>
+          </p:nvPr>
+        </p:nvSpPr>
+        <p:spPr/>
+        <p:txBody>
+          <a:bodyPr/>
+          <a:lstStyle/>
+          <a:p>
+            <a:endParaRPr lang="en-US" dirty="0"/>
+          </a:p>
+        </p:txBody>
+      </p:sp>
+      <p:sp>
+        <p:nvSpPr>
+          <p:cNvPr id="6" name="Title 5"/>
+          <p:cNvSpPr>
+            <a:spLocks noGrp="1"/>
+          </p:cNvSpPr>
+          <p:nvPr>
+            <p:ph type="title"/>
+          </p:nvPr>
+        </p:nvSpPr>
+        <p:spPr>
+          <a:xfrm>
+            <a:off x="273915" y="644462"/>
+            <a:ext cx="8618799" cy="486287"/>
+          </a:xfrm>
+        </p:spPr>
+        <p:txBody>
+          <a:bodyPr/>
+          <a:lstStyle/>
+          <a:p>
+            <a:r>
+              <a:rPr lang="en-US" dirty="0" smtClean="0"/>
+              <a:t>How to Deactivate/Deny a Previously Approved Key (2)</a:t>
+            </a:r>
+            <a:endParaRPr lang="en-US" dirty="0"/>
+          </a:p>
+        </p:txBody>
+      </p:sp>
+      <p:sp>
+        <p:nvSpPr>
+          <p:cNvPr id="7" name="Text Placeholder 6"/>
+          <p:cNvSpPr>
+            <a:spLocks noGrp="1"/>
+          </p:cNvSpPr>
+          <p:nvPr>
+            <p:ph type="body" sz="quarter" idx="15"/>
+          </p:nvPr>
+        </p:nvSpPr>
+        <p:spPr/>
+        <p:txBody>
+          <a:bodyPr/>
+          <a:lstStyle/>
+          <a:p>
+            <a:r>
+              <a:rPr lang="en-US" dirty="0" smtClean="0"/>
+              <a:t>Administrator API How To</a:t>
+            </a:r>
+            <a:endParaRPr lang="en-US" dirty="0"/>
+          </a:p>
+        </p:txBody>
+      </p:sp>
+      <p:pic>
+        <p:nvPicPr>
+          <p:cNvPr id="18" name="Picture 17"/>
+          <p:cNvPicPr>
+            <a:picLocks noChangeAspect="1"/>
+          </p:cNvPicPr>
+          <p:nvPr/>
+        </p:nvPicPr>
+        <p:blipFill>
+          <a:blip r:embed="rId2"/>
+          <a:stretch>
+            <a:fillRect/>
+          </a:stretch>
+        </p:blipFill>
+        <p:spPr>
+          <a:xfrm>
+            <a:off x="4647618" y="1162824"/>
+            <a:ext cx="4160520" cy="2555215"/>
+          </a:xfrm>
+          <a:prstGeom prst="rect">
+            <a:avLst/>
+          </a:prstGeom>
+        </p:spPr>
+      </p:pic>
+      <p:sp>
+        <p:nvSpPr>
+          <p:cNvPr id="12" name="Right Arrow 11"/>
+          <p:cNvSpPr/>
+          <p:nvPr/>
+        </p:nvSpPr>
+        <p:spPr bwMode="gray">
+          <a:xfrm>
+            <a:off x="3731583" y="2846013"/>
+            <a:ext cx="3570532" cy="84070"/>
+          </a:xfrm>
+          <a:prstGeom prst="rightArrow">
+            <a:avLst/>
+          </a:prstGeom>
+          <a:solidFill>
+            <a:schemeClr val="accent1"/>
+          </a:solidFill>
+          <a:ln w="9525" cap="flat" cmpd="sng" algn="ctr">
+            <a:noFill/>
+            <a:prstDash val="solid"/>
+            <a:round/>
+            <a:headEnd type="none" w="med" len="med"/>
+            <a:tailEnd type="none" w="med" len="med"/>
+          </a:ln>
+          <a:effectLst/>
+        </p:spPr>
+        <p:txBody>
+          <a:bodyPr vert="horz" wrap="square" lIns="91440" tIns="45720" rIns="91440" bIns="45720" numCol="1" rtlCol="0" anchor="ctr" anchorCtr="0" compatLnSpc="1">
+            <a:prstTxWarp prst="textNoShape">
+              <a:avLst/>
+            </a:prstTxWarp>
+          </a:bodyPr>
+          <a:lstStyle/>
+          <a:p>
+            <a:pPr marL="0" marR="0" indent="0" algn="l" defTabSz="914400" rtl="0" eaLnBrk="1" fontAlgn="base" latinLnBrk="0" hangingPunct="1">
+              <a:lnSpc>
+                <a:spcPct val="100000"/>
+              </a:lnSpc>
+              <a:spcBef>
+                <a:spcPct val="0"/>
+              </a:spcBef>
+              <a:spcAft>
+                <a:spcPct val="0"/>
+              </a:spcAft>
+              <a:buClrTx/>
+              <a:buSzTx/>
+              <a:buFontTx/>
+              <a:buNone/>
+              <a:tabLst/>
+            </a:pPr>
+            <a:endParaRPr kumimoji="0" lang="en-US" sz="2000" b="0" i="0" u="none" strike="noStrike" cap="none" normalizeH="0" baseline="0" dirty="0" smtClean="0">
+              <a:ln>
+                <a:noFill/>
+              </a:ln>
+              <a:solidFill>
+                <a:schemeClr val="bg1"/>
+              </a:solidFill>
+              <a:effectLst/>
+              <a:latin typeface="Arial" pitchFamily="2" charset="0"/>
+            </a:endParaRPr>
+          </a:p>
+        </p:txBody>
+      </p:sp>
+      <p:sp>
+        <p:nvSpPr>
+          <p:cNvPr id="14" name="Right Arrow 13"/>
+          <p:cNvSpPr/>
+          <p:nvPr/>
+        </p:nvSpPr>
+        <p:spPr bwMode="gray">
+          <a:xfrm>
+            <a:off x="2282663" y="3605787"/>
+            <a:ext cx="5458856" cy="84070"/>
+          </a:xfrm>
+          <a:prstGeom prst="rightArrow">
+            <a:avLst/>
+          </a:prstGeom>
+          <a:solidFill>
+            <a:schemeClr val="accent1"/>
+          </a:solidFill>
+          <a:ln w="9525" cap="flat" cmpd="sng" algn="ctr">
+            <a:noFill/>
+            <a:prstDash val="solid"/>
+            <a:round/>
+            <a:headEnd type="none" w="med" len="med"/>
+            <a:tailEnd type="none" w="med" len="med"/>
+          </a:ln>
+          <a:effectLst/>
+        </p:spPr>
+        <p:txBody>
+          <a:bodyPr vert="horz" wrap="square" lIns="91440" tIns="45720" rIns="91440" bIns="45720" numCol="1" rtlCol="0" anchor="ctr" anchorCtr="0" compatLnSpc="1">
+            <a:prstTxWarp prst="textNoShape">
+              <a:avLst/>
+            </a:prstTxWarp>
+          </a:bodyPr>
+          <a:lstStyle/>
+          <a:p>
+            <a:pPr marL="0" marR="0" indent="0" algn="l" defTabSz="914400" rtl="0" eaLnBrk="1" fontAlgn="base" latinLnBrk="0" hangingPunct="1">
+              <a:lnSpc>
+                <a:spcPct val="100000"/>
+              </a:lnSpc>
+              <a:spcBef>
+                <a:spcPct val="0"/>
+              </a:spcBef>
+              <a:spcAft>
+                <a:spcPct val="0"/>
+              </a:spcAft>
+              <a:buClrTx/>
+              <a:buSzTx/>
+              <a:buFontTx/>
+              <a:buNone/>
+              <a:tabLst/>
+            </a:pPr>
+            <a:endParaRPr kumimoji="0" lang="en-US" sz="2000" b="0" i="0" u="none" strike="noStrike" cap="none" normalizeH="0" baseline="0" dirty="0" smtClean="0">
+              <a:ln>
+                <a:noFill/>
+              </a:ln>
+              <a:solidFill>
+                <a:schemeClr val="bg1"/>
+              </a:solidFill>
+              <a:effectLst/>
+              <a:latin typeface="Arial" pitchFamily="2" charset="0"/>
+            </a:endParaRPr>
+          </a:p>
+        </p:txBody>
+      </p:sp>
+    </p:spTree>
+    <p:extLst>
+      <p:ext uri="{BB962C8B-B14F-4D97-AF65-F5344CB8AC3E}">
+        <p14:creationId xmlns:p14="http://schemas.microsoft.com/office/powerpoint/2010/main" val="1326989588"/>
+      </p:ext>
+    </p:extLst>
+  </p:cSld>
+  <p:clrMapOvr>
+    <a:masterClrMapping/>
+  </p:clrMapOvr>
+  <p:timing>
+    <p:tnLst>
+      <p:par>
+        <p:cTn id="1" dur="indefinite" restart="never" nodeType="tmRoot"/>
+      </p:par>
+    </p:tnLst>
+  </p:timing>
+</p:sld>
+</file>
+
+<file path=ppt/slides/slide37.xml><?xml version="1.0" encoding="utf-8"?>
+<p:sld xmlns:a="http://schemas.openxmlformats.org/drawingml/2006/main" xmlns:r="http://schemas.openxmlformats.org/officeDocument/2006/relationships" xmlns:p="http://schemas.openxmlformats.org/presentationml/2006/main">
+  <p:cSld>
+    <p:spTree>
+      <p:nvGrpSpPr>
+        <p:cNvPr id="1" name=""/>
+        <p:cNvGrpSpPr/>
+        <p:nvPr/>
+      </p:nvGrpSpPr>
+      <p:grpSpPr>
+        <a:xfrm>
+          <a:off x="0" y="0"/>
+          <a:ext cx="0" cy="0"/>
+          <a:chOff x="0" y="0"/>
+          <a:chExt cx="0" cy="0"/>
+        </a:xfrm>
+      </p:grpSpPr>
+      <p:sp>
+        <p:nvSpPr>
+          <p:cNvPr id="2" name="Text Placeholder 1"/>
+          <p:cNvSpPr>
+            <a:spLocks noGrp="1"/>
+          </p:cNvSpPr>
+          <p:nvPr>
+            <p:ph type="body" sz="quarter" idx="13"/>
+          </p:nvPr>
+        </p:nvSpPr>
+        <p:spPr>
+          <a:xfrm>
             <a:off x="274638" y="1416424"/>
             <a:ext cx="8283029" cy="3309088"/>
           </a:xfrm>
@@ -14559,7 +14966,7 @@
             <a:fld id="{5698A34F-157D-4FC3-B6AE-341A8B909DED}" type="slidenum">
               <a:rPr lang="en-US" smtClean="0"/>
               <a:pPr/>
-              <a:t>36</a:t>
+              <a:t>37</a:t>
             </a:fld>
             <a:endParaRPr lang="en-US" dirty="0"/>
           </a:p>
@@ -14674,6 +15081,62 @@
       </p:grpSpPr>
       <p:sp>
         <p:nvSpPr>
+          <p:cNvPr id="2" name="Title 1"/>
+          <p:cNvSpPr>
+            <a:spLocks noGrp="1"/>
+          </p:cNvSpPr>
+          <p:nvPr>
+            <p:ph type="title"/>
+          </p:nvPr>
+        </p:nvSpPr>
+        <p:spPr/>
+        <p:txBody>
+          <a:bodyPr/>
+          <a:lstStyle/>
+          <a:p>
+            <a:endParaRPr lang="en-US"/>
+          </a:p>
+        </p:txBody>
+      </p:sp>
+    </p:spTree>
+    <p:extLst>
+      <p:ext uri="{BB962C8B-B14F-4D97-AF65-F5344CB8AC3E}">
+        <p14:creationId xmlns:p14="http://schemas.microsoft.com/office/powerpoint/2010/main" val="991234360"/>
+      </p:ext>
+    </p:extLst>
+  </p:cSld>
+  <p:clrMapOvr>
+    <a:masterClrMapping/>
+  </p:clrMapOvr>
+  <p:timing>
+    <p:tnLst>
+      <p:par>
+        <p:cTn id="1" dur="indefinite" restart="never" nodeType="tmRoot"/>
+      </p:par>
+    </p:tnLst>
+  </p:timing>
+</p:sld>
+</file>
+
+<file path=ppt/slides/slide5.xml><?xml version="1.0" encoding="utf-8"?>
+<p:sld xmlns:a="http://schemas.openxmlformats.org/drawingml/2006/main" xmlns:r="http://schemas.openxmlformats.org/officeDocument/2006/relationships" xmlns:p="http://schemas.openxmlformats.org/presentationml/2006/main">
+  <p:cSld>
+    <p:spTree>
+      <p:nvGrpSpPr>
+        <p:cNvPr id="1" name=""/>
+        <p:cNvGrpSpPr/>
+        <p:nvPr/>
+      </p:nvGrpSpPr>
+      <p:grpSpPr>
+        <a:xfrm>
+          <a:off x="0" y="0"/>
+          <a:ext cx="0" cy="0"/>
+          <a:chOff x="0" y="0"/>
+          <a:chExt cx="0" cy="0"/>
+        </a:xfrm>
+      </p:grpSpPr>
+      <p:sp>
+        <p:nvSpPr>
           <p:cNvPr id="2" name="Text Placeholder 1"/>
           <p:cNvSpPr>
             <a:spLocks noGrp="1"/>
@@ -14773,7 +15236,7 @@
             <a:fld id="{5698A34F-157D-4FC3-B6AE-341A8B909DED}" type="slidenum">
               <a:rPr lang="en-US" smtClean="0"/>
               <a:pPr/>
-              <a:t>4</a:t>
+              <a:t>5</a:t>
             </a:fld>
             <a:endParaRPr lang="en-US" dirty="0"/>
           </a:p>
@@ -15057,7 +15520,7 @@
 </p:sld>
 </file>
 
-<file path=ppt/slides/slide5.xml><?xml version="1.0" encoding="utf-8"?>
+<file path=ppt/slides/slide6.xml><?xml version="1.0" encoding="utf-8"?>
 <p:sld xmlns:a="http://schemas.openxmlformats.org/drawingml/2006/main" xmlns:r="http://schemas.openxmlformats.org/officeDocument/2006/relationships" xmlns:p="http://schemas.openxmlformats.org/presentationml/2006/main">
   <p:cSld>
     <p:spTree>
@@ -15194,7 +15657,7 @@
             <a:fld id="{5698A34F-157D-4FC3-B6AE-341A8B909DED}" type="slidenum">
               <a:rPr lang="en-US" smtClean="0"/>
               <a:pPr/>
-              <a:t>5</a:t>
+              <a:t>6</a:t>
             </a:fld>
             <a:endParaRPr lang="en-US" dirty="0"/>
           </a:p>
@@ -15320,7 +15783,7 @@
 </p:sld>
 </file>
 
-<file path=ppt/slides/slide6.xml><?xml version="1.0" encoding="utf-8"?>
+<file path=ppt/slides/slide7.xml><?xml version="1.0" encoding="utf-8"?>
 <p:sld xmlns:a="http://schemas.openxmlformats.org/drawingml/2006/main" xmlns:r="http://schemas.openxmlformats.org/officeDocument/2006/relationships" xmlns:p="http://schemas.openxmlformats.org/presentationml/2006/main">
   <p:cSld>
     <p:spTree>
@@ -15460,7 +15923,7 @@
             <a:fld id="{5698A34F-157D-4FC3-B6AE-341A8B909DED}" type="slidenum">
               <a:rPr lang="en-US" smtClean="0"/>
               <a:pPr/>
-              <a:t>6</a:t>
+              <a:t>7</a:t>
             </a:fld>
             <a:endParaRPr lang="en-US" dirty="0"/>
           </a:p>
@@ -15685,7 +16148,7 @@
 </p:sld>
 </file>
 
-<file path=ppt/slides/slide7.xml><?xml version="1.0" encoding="utf-8"?>
+<file path=ppt/slides/slide8.xml><?xml version="1.0" encoding="utf-8"?>
 <p:sld xmlns:a="http://schemas.openxmlformats.org/drawingml/2006/main" xmlns:r="http://schemas.openxmlformats.org/officeDocument/2006/relationships" xmlns:p="http://schemas.openxmlformats.org/presentationml/2006/main">
   <p:cSld>
     <p:spTree>
@@ -15797,7 +16260,7 @@
             <a:fld id="{5698A34F-157D-4FC3-B6AE-341A8B909DED}" type="slidenum">
               <a:rPr lang="en-US" smtClean="0"/>
               <a:pPr/>
-              <a:t>7</a:t>
+              <a:t>8</a:t>
             </a:fld>
             <a:endParaRPr lang="en-US" dirty="0"/>
           </a:p>
@@ -16028,7 +16491,7 @@
 </p:sld>
 </file>
 
-<file path=ppt/slides/slide8.xml><?xml version="1.0" encoding="utf-8"?>
+<file path=ppt/slides/slide9.xml><?xml version="1.0" encoding="utf-8"?>
 <p:sld xmlns:a="http://schemas.openxmlformats.org/drawingml/2006/main" xmlns:r="http://schemas.openxmlformats.org/officeDocument/2006/relationships" xmlns:p="http://schemas.openxmlformats.org/presentationml/2006/main">
   <p:cSld>
     <p:spTree>
@@ -16128,7 +16591,7 @@
             <a:fld id="{5698A34F-157D-4FC3-B6AE-341A8B909DED}" type="slidenum">
               <a:rPr lang="en-US" smtClean="0"/>
               <a:pPr/>
-              <a:t>8</a:t>
+              <a:t>9</a:t>
             </a:fld>
             <a:endParaRPr lang="en-US" dirty="0"/>
           </a:p>
@@ -16318,411 +16781,6 @@
     <p:extLst>
       <p:ext uri="{BB962C8B-B14F-4D97-AF65-F5344CB8AC3E}">
         <p14:creationId xmlns:p14="http://schemas.microsoft.com/office/powerpoint/2010/main" val="1615263290"/>
-      </p:ext>
-    </p:extLst>
-  </p:cSld>
-  <p:clrMapOvr>
-    <a:masterClrMapping/>
-  </p:clrMapOvr>
-  <p:timing>
-    <p:tnLst>
-      <p:par>
-        <p:cTn id="1" dur="indefinite" restart="never" nodeType="tmRoot"/>
-      </p:par>
-    </p:tnLst>
-  </p:timing>
-</p:sld>
-</file>
-
-<file path=ppt/slides/slide9.xml><?xml version="1.0" encoding="utf-8"?>
-<p:sld xmlns:a="http://schemas.openxmlformats.org/drawingml/2006/main" xmlns:r="http://schemas.openxmlformats.org/officeDocument/2006/relationships" xmlns:p="http://schemas.openxmlformats.org/presentationml/2006/main">
-  <p:cSld>
-    <p:spTree>
-      <p:nvGrpSpPr>
-        <p:cNvPr id="1" name=""/>
-        <p:cNvGrpSpPr/>
-        <p:nvPr/>
-      </p:nvGrpSpPr>
-      <p:grpSpPr>
-        <a:xfrm>
-          <a:off x="0" y="0"/>
-          <a:ext cx="0" cy="0"/>
-          <a:chOff x="0" y="0"/>
-          <a:chExt cx="0" cy="0"/>
-        </a:xfrm>
-      </p:grpSpPr>
-      <p:sp>
-        <p:nvSpPr>
-          <p:cNvPr id="2" name="Text Placeholder 1"/>
-          <p:cNvSpPr>
-            <a:spLocks noGrp="1"/>
-          </p:cNvSpPr>
-          <p:nvPr>
-            <p:ph type="body" sz="quarter" idx="13"/>
-          </p:nvPr>
-        </p:nvSpPr>
-        <p:spPr>
-          <a:xfrm>
-            <a:off x="274638" y="1368162"/>
-            <a:ext cx="7415212" cy="3264161"/>
-          </a:xfrm>
-        </p:spPr>
-        <p:txBody>
-          <a:bodyPr/>
-          <a:lstStyle/>
-          <a:p>
-            <a:r>
-              <a:rPr lang="en-US" dirty="0" smtClean="0"/>
-              <a:t>In order to access the MasterCard APIs you need an approved key.</a:t>
-            </a:r>
-          </a:p>
-          <a:p>
-            <a:r>
-              <a:rPr lang="en-US" dirty="0"/>
-              <a:t>To get a key for </a:t>
-            </a:r>
-            <a:r>
-              <a:rPr lang="en-US" dirty="0" err="1"/>
-              <a:t>OpenAPI</a:t>
-            </a:r>
-            <a:r>
-              <a:rPr lang="en-US" dirty="0"/>
-              <a:t> you will need to upload a Certificate Signing Request (CSR). You can create the CSR on you own or by using our key tool to create the </a:t>
-            </a:r>
-            <a:r>
-              <a:rPr lang="en-US" dirty="0" smtClean="0"/>
-              <a:t>necessary</a:t>
-            </a:r>
-            <a:br>
-              <a:rPr lang="en-US" dirty="0" smtClean="0"/>
-            </a:br>
-            <a:r>
-              <a:rPr lang="en-US" dirty="0" smtClean="0"/>
-              <a:t>files </a:t>
-            </a:r>
-            <a:r>
-              <a:rPr lang="en-US" dirty="0"/>
-              <a:t>for you. This tool can be accessed by </a:t>
-            </a:r>
-            <a:r>
-              <a:rPr lang="en-US" dirty="0" smtClean="0"/>
-              <a:t/>
-            </a:r>
-            <a:br>
-              <a:rPr lang="en-US" dirty="0" smtClean="0"/>
-            </a:br>
-            <a:r>
-              <a:rPr lang="en-US" dirty="0" smtClean="0"/>
-              <a:t>signing </a:t>
-            </a:r>
-            <a:r>
-              <a:rPr lang="en-US" dirty="0"/>
-              <a:t>in to Developer Zone, and selecting:</a:t>
-            </a:r>
-          </a:p>
-          <a:p>
-            <a:pPr lvl="1"/>
-            <a:r>
-              <a:rPr lang="en-US" dirty="0"/>
-              <a:t>My </a:t>
-            </a:r>
-            <a:r>
-              <a:rPr lang="en-US" dirty="0" smtClean="0"/>
-              <a:t>Dashboard (shown on previous slide)</a:t>
-            </a:r>
-            <a:endParaRPr lang="en-US" dirty="0"/>
-          </a:p>
-          <a:p>
-            <a:pPr lvl="1"/>
-            <a:r>
-              <a:rPr lang="en-US" dirty="0" smtClean="0"/>
-              <a:t>“My Keys” then “Add </a:t>
-            </a:r>
-            <a:r>
-              <a:rPr lang="en-US" dirty="0"/>
-              <a:t>a </a:t>
-            </a:r>
-            <a:r>
-              <a:rPr lang="en-US" dirty="0" smtClean="0"/>
-              <a:t>Key”</a:t>
-            </a:r>
-            <a:endParaRPr lang="en-US" dirty="0"/>
-          </a:p>
-          <a:p>
-            <a:endParaRPr lang="en-US" dirty="0"/>
-          </a:p>
-        </p:txBody>
-      </p:sp>
-      <p:sp>
-        <p:nvSpPr>
-          <p:cNvPr id="3" name="Date Placeholder 2"/>
-          <p:cNvSpPr>
-            <a:spLocks noGrp="1"/>
-          </p:cNvSpPr>
-          <p:nvPr>
-            <p:ph type="dt" sz="half" idx="10"/>
-          </p:nvPr>
-        </p:nvSpPr>
-        <p:spPr/>
-        <p:txBody>
-          <a:bodyPr/>
-          <a:lstStyle/>
-          <a:p>
-            <a:r>
-              <a:rPr lang="en-US" smtClean="0"/>
-              <a:t>October 21, 2015</a:t>
-            </a:r>
-            <a:endParaRPr lang="en-US" dirty="0" smtClean="0"/>
-          </a:p>
-        </p:txBody>
-      </p:sp>
-      <p:sp>
-        <p:nvSpPr>
-          <p:cNvPr id="4" name="Slide Number Placeholder 3"/>
-          <p:cNvSpPr>
-            <a:spLocks noGrp="1"/>
-          </p:cNvSpPr>
-          <p:nvPr>
-            <p:ph type="sldNum" sz="quarter" idx="11"/>
-          </p:nvPr>
-        </p:nvSpPr>
-        <p:spPr/>
-        <p:txBody>
-          <a:bodyPr/>
-          <a:lstStyle/>
-          <a:p>
-            <a:fld id="{5698A34F-157D-4FC3-B6AE-341A8B909DED}" type="slidenum">
-              <a:rPr lang="en-US" smtClean="0"/>
-              <a:pPr/>
-              <a:t>9</a:t>
-            </a:fld>
-            <a:endParaRPr lang="en-US" dirty="0"/>
-          </a:p>
-        </p:txBody>
-      </p:sp>
-      <p:sp>
-        <p:nvSpPr>
-          <p:cNvPr id="5" name="Footer Placeholder 4"/>
-          <p:cNvSpPr>
-            <a:spLocks noGrp="1"/>
-          </p:cNvSpPr>
-          <p:nvPr>
-            <p:ph type="ftr" sz="quarter" idx="12"/>
-          </p:nvPr>
-        </p:nvSpPr>
-        <p:spPr/>
-        <p:txBody>
-          <a:bodyPr/>
-          <a:lstStyle/>
-          <a:p>
-            <a:endParaRPr lang="en-US" dirty="0"/>
-          </a:p>
-        </p:txBody>
-      </p:sp>
-      <p:sp>
-        <p:nvSpPr>
-          <p:cNvPr id="6" name="Title 5"/>
-          <p:cNvSpPr>
-            <a:spLocks noGrp="1"/>
-          </p:cNvSpPr>
-          <p:nvPr>
-            <p:ph type="title"/>
-          </p:nvPr>
-        </p:nvSpPr>
-        <p:spPr/>
-        <p:txBody>
-          <a:bodyPr/>
-          <a:lstStyle/>
-          <a:p>
-            <a:r>
-              <a:rPr lang="en-US" dirty="0"/>
-              <a:t>Create/Register a </a:t>
-            </a:r>
-            <a:r>
-              <a:rPr lang="en-US" dirty="0" smtClean="0"/>
-              <a:t>Key (2)</a:t>
-            </a:r>
-            <a:endParaRPr lang="en-US" dirty="0"/>
-          </a:p>
-        </p:txBody>
-      </p:sp>
-      <p:sp>
-        <p:nvSpPr>
-          <p:cNvPr id="7" name="Text Placeholder 6"/>
-          <p:cNvSpPr>
-            <a:spLocks noGrp="1"/>
-          </p:cNvSpPr>
-          <p:nvPr>
-            <p:ph type="body" sz="quarter" idx="15"/>
-          </p:nvPr>
-        </p:nvSpPr>
-        <p:spPr/>
-        <p:txBody>
-          <a:bodyPr/>
-          <a:lstStyle/>
-          <a:p>
-            <a:r>
-              <a:rPr lang="en-US" dirty="0" smtClean="0"/>
-              <a:t>Customer API How To</a:t>
-            </a:r>
-            <a:endParaRPr lang="en-US" dirty="0"/>
-          </a:p>
-        </p:txBody>
-      </p:sp>
-      <p:pic>
-        <p:nvPicPr>
-          <p:cNvPr id="8" name="Picture 7"/>
-          <p:cNvPicPr>
-            <a:picLocks noChangeAspect="1"/>
-          </p:cNvPicPr>
-          <p:nvPr/>
-        </p:nvPicPr>
-        <p:blipFill>
-          <a:blip r:embed="rId2"/>
-          <a:stretch>
-            <a:fillRect/>
-          </a:stretch>
-        </p:blipFill>
-        <p:spPr>
-          <a:xfrm>
-            <a:off x="5308863" y="2480497"/>
-            <a:ext cx="3732010" cy="1990130"/>
-          </a:xfrm>
-          <a:prstGeom prst="rect">
-            <a:avLst/>
-          </a:prstGeom>
-        </p:spPr>
-      </p:pic>
-      <p:sp>
-        <p:nvSpPr>
-          <p:cNvPr id="9" name="Right Arrow 8"/>
-          <p:cNvSpPr/>
-          <p:nvPr/>
-        </p:nvSpPr>
-        <p:spPr bwMode="gray">
-          <a:xfrm rot="10800000">
-            <a:off x="6270173" y="2743198"/>
-            <a:ext cx="453761" cy="151254"/>
-          </a:xfrm>
-          <a:prstGeom prst="rightArrow">
-            <a:avLst/>
-          </a:prstGeom>
-          <a:solidFill>
-            <a:schemeClr val="accent1"/>
-          </a:solidFill>
-          <a:ln w="9525" cap="flat" cmpd="sng" algn="ctr">
-            <a:noFill/>
-            <a:prstDash val="solid"/>
-            <a:round/>
-            <a:headEnd type="none" w="med" len="med"/>
-            <a:tailEnd type="none" w="med" len="med"/>
-          </a:ln>
-          <a:effectLst/>
-        </p:spPr>
-        <p:txBody>
-          <a:bodyPr vert="horz" wrap="square" lIns="91440" tIns="45720" rIns="91440" bIns="45720" numCol="1" rtlCol="0" anchor="ctr" anchorCtr="0" compatLnSpc="1">
-            <a:prstTxWarp prst="textNoShape">
-              <a:avLst/>
-            </a:prstTxWarp>
-          </a:bodyPr>
-          <a:lstStyle/>
-          <a:p>
-            <a:pPr marL="0" marR="0" indent="0" algn="l" defTabSz="914400" rtl="0" eaLnBrk="1" fontAlgn="base" latinLnBrk="0" hangingPunct="1">
-              <a:lnSpc>
-                <a:spcPct val="100000"/>
-              </a:lnSpc>
-              <a:spcBef>
-                <a:spcPct val="0"/>
-              </a:spcBef>
-              <a:spcAft>
-                <a:spcPct val="0"/>
-              </a:spcAft>
-              <a:buClrTx/>
-              <a:buSzTx/>
-              <a:buFontTx/>
-              <a:buNone/>
-              <a:tabLst/>
-            </a:pPr>
-            <a:endParaRPr kumimoji="0" lang="en-US" sz="2000" b="0" i="0" u="none" strike="noStrike" cap="none" normalizeH="0" baseline="0" dirty="0" smtClean="0">
-              <a:ln>
-                <a:noFill/>
-              </a:ln>
-              <a:solidFill>
-                <a:schemeClr val="bg1"/>
-              </a:solidFill>
-              <a:effectLst/>
-              <a:latin typeface="Arial" pitchFamily="2" charset="0"/>
-            </a:endParaRPr>
-          </a:p>
-        </p:txBody>
-      </p:sp>
-      <p:sp>
-        <p:nvSpPr>
-          <p:cNvPr id="10" name="Right Arrow 9"/>
-          <p:cNvSpPr/>
-          <p:nvPr/>
-        </p:nvSpPr>
-        <p:spPr bwMode="gray">
-          <a:xfrm rot="19356795">
-            <a:off x="5102534" y="3094977"/>
-            <a:ext cx="453761" cy="151254"/>
-          </a:xfrm>
-          <a:prstGeom prst="rightArrow">
-            <a:avLst/>
-          </a:prstGeom>
-          <a:solidFill>
-            <a:schemeClr val="accent1"/>
-          </a:solidFill>
-          <a:ln w="9525" cap="flat" cmpd="sng" algn="ctr">
-            <a:noFill/>
-            <a:prstDash val="solid"/>
-            <a:round/>
-            <a:headEnd type="none" w="med" len="med"/>
-            <a:tailEnd type="none" w="med" len="med"/>
-          </a:ln>
-          <a:effectLst/>
-        </p:spPr>
-        <p:txBody>
-          <a:bodyPr vert="horz" wrap="square" lIns="91440" tIns="45720" rIns="91440" bIns="45720" numCol="1" rtlCol="0" anchor="ctr" anchorCtr="0" compatLnSpc="1">
-            <a:prstTxWarp prst="textNoShape">
-              <a:avLst/>
-            </a:prstTxWarp>
-          </a:bodyPr>
-          <a:lstStyle/>
-          <a:p>
-            <a:pPr marL="0" marR="0" indent="0" algn="l" defTabSz="914400" rtl="0" eaLnBrk="1" fontAlgn="base" latinLnBrk="0" hangingPunct="1">
-              <a:lnSpc>
-                <a:spcPct val="100000"/>
-              </a:lnSpc>
-              <a:spcBef>
-                <a:spcPct val="0"/>
-              </a:spcBef>
-              <a:spcAft>
-                <a:spcPct val="0"/>
-              </a:spcAft>
-              <a:buClrTx/>
-              <a:buSzTx/>
-              <a:buFontTx/>
-              <a:buNone/>
-              <a:tabLst/>
-            </a:pPr>
-            <a:endParaRPr kumimoji="0" lang="en-US" sz="2000" b="0" i="0" u="none" strike="noStrike" cap="none" normalizeH="0" baseline="0" dirty="0" smtClean="0">
-              <a:ln>
-                <a:noFill/>
-              </a:ln>
-              <a:solidFill>
-                <a:schemeClr val="bg1"/>
-              </a:solidFill>
-              <a:effectLst/>
-              <a:latin typeface="Arial" pitchFamily="2" charset="0"/>
-            </a:endParaRPr>
-          </a:p>
-        </p:txBody>
-      </p:sp>
-    </p:spTree>
-    <p:extLst>
-      <p:ext uri="{BB962C8B-B14F-4D97-AF65-F5344CB8AC3E}">
-        <p14:creationId xmlns:p14="http://schemas.microsoft.com/office/powerpoint/2010/main" val="2837689732"/>
       </p:ext>
     </p:extLst>
   </p:cSld>

--- a/SpendingPulse and Sector Insights API HOW TO.pptx
+++ b/SpendingPulse and Sector Insights API HOW TO.pptx
@@ -5,49 +5,48 @@
     <p:sldMasterId id="2147483670" r:id="rId1"/>
   </p:sldMasterIdLst>
   <p:notesMasterIdLst>
-    <p:notesMasterId r:id="rId39"/>
+    <p:notesMasterId r:id="rId38"/>
   </p:notesMasterIdLst>
   <p:handoutMasterIdLst>
-    <p:handoutMasterId r:id="rId40"/>
+    <p:handoutMasterId r:id="rId39"/>
   </p:handoutMasterIdLst>
   <p:sldIdLst>
     <p:sldId id="304" r:id="rId2"/>
     <p:sldId id="340" r:id="rId3"/>
     <p:sldId id="305" r:id="rId4"/>
-    <p:sldId id="341" r:id="rId5"/>
-    <p:sldId id="306" r:id="rId6"/>
-    <p:sldId id="308" r:id="rId7"/>
-    <p:sldId id="309" r:id="rId8"/>
-    <p:sldId id="307" r:id="rId9"/>
-    <p:sldId id="310" r:id="rId10"/>
-    <p:sldId id="311" r:id="rId11"/>
-    <p:sldId id="312" r:id="rId12"/>
-    <p:sldId id="313" r:id="rId13"/>
-    <p:sldId id="314" r:id="rId14"/>
-    <p:sldId id="315" r:id="rId15"/>
-    <p:sldId id="316" r:id="rId16"/>
-    <p:sldId id="317" r:id="rId17"/>
-    <p:sldId id="318" r:id="rId18"/>
-    <p:sldId id="319" r:id="rId19"/>
-    <p:sldId id="320" r:id="rId20"/>
-    <p:sldId id="321" r:id="rId21"/>
-    <p:sldId id="322" r:id="rId22"/>
-    <p:sldId id="327" r:id="rId23"/>
-    <p:sldId id="323" r:id="rId24"/>
-    <p:sldId id="324" r:id="rId25"/>
-    <p:sldId id="325" r:id="rId26"/>
-    <p:sldId id="326" r:id="rId27"/>
-    <p:sldId id="328" r:id="rId28"/>
-    <p:sldId id="329" r:id="rId29"/>
-    <p:sldId id="330" r:id="rId30"/>
-    <p:sldId id="331" r:id="rId31"/>
-    <p:sldId id="332" r:id="rId32"/>
-    <p:sldId id="333" r:id="rId33"/>
-    <p:sldId id="335" r:id="rId34"/>
-    <p:sldId id="336" r:id="rId35"/>
-    <p:sldId id="337" r:id="rId36"/>
-    <p:sldId id="338" r:id="rId37"/>
-    <p:sldId id="339" r:id="rId38"/>
+    <p:sldId id="306" r:id="rId5"/>
+    <p:sldId id="308" r:id="rId6"/>
+    <p:sldId id="309" r:id="rId7"/>
+    <p:sldId id="307" r:id="rId8"/>
+    <p:sldId id="310" r:id="rId9"/>
+    <p:sldId id="311" r:id="rId10"/>
+    <p:sldId id="312" r:id="rId11"/>
+    <p:sldId id="313" r:id="rId12"/>
+    <p:sldId id="314" r:id="rId13"/>
+    <p:sldId id="315" r:id="rId14"/>
+    <p:sldId id="316" r:id="rId15"/>
+    <p:sldId id="317" r:id="rId16"/>
+    <p:sldId id="318" r:id="rId17"/>
+    <p:sldId id="319" r:id="rId18"/>
+    <p:sldId id="320" r:id="rId19"/>
+    <p:sldId id="321" r:id="rId20"/>
+    <p:sldId id="322" r:id="rId21"/>
+    <p:sldId id="327" r:id="rId22"/>
+    <p:sldId id="323" r:id="rId23"/>
+    <p:sldId id="324" r:id="rId24"/>
+    <p:sldId id="325" r:id="rId25"/>
+    <p:sldId id="326" r:id="rId26"/>
+    <p:sldId id="328" r:id="rId27"/>
+    <p:sldId id="329" r:id="rId28"/>
+    <p:sldId id="330" r:id="rId29"/>
+    <p:sldId id="331" r:id="rId30"/>
+    <p:sldId id="332" r:id="rId31"/>
+    <p:sldId id="333" r:id="rId32"/>
+    <p:sldId id="335" r:id="rId33"/>
+    <p:sldId id="336" r:id="rId34"/>
+    <p:sldId id="337" r:id="rId35"/>
+    <p:sldId id="338" r:id="rId36"/>
+    <p:sldId id="339" r:id="rId37"/>
   </p:sldIdLst>
   <p:sldSz cx="9144000" cy="5143500" type="screen16x9"/>
   <p:notesSz cx="7086600" cy="9374188"/>
@@ -188,7 +187,6 @@
         <p14:section name="Customer How To" id="{8D6B24E7-E965-431E-82BB-8270240698F7}">
           <p14:sldIdLst>
             <p14:sldId id="305"/>
-            <p14:sldId id="341"/>
             <p14:sldId id="306"/>
             <p14:sldId id="308"/>
             <p14:sldId id="309"/>
@@ -5941,36 +5939,50 @@
           <a:p>
             <a:r>
               <a:rPr lang="en-US" dirty="0" smtClean="0"/>
-              <a:t>In order to access the MasterCard APIs you need an approved key.</a:t>
-            </a:r>
-          </a:p>
-          <a:p>
+              <a:t>Inside </a:t>
+            </a:r>
             <a:r>
               <a:rPr lang="en-US" dirty="0"/>
-              <a:t>To get a key for </a:t>
-            </a:r>
-            <a:r>
-              <a:rPr lang="en-US" dirty="0" err="1"/>
-              <a:t>OpenAPI</a:t>
+              <a:t>the </a:t>
+            </a:r>
+            <a:r>
+              <a:rPr lang="en-US" dirty="0" smtClean="0"/>
+              <a:t>next popup</a:t>
             </a:r>
             <a:r>
               <a:rPr lang="en-US" dirty="0"/>
-              <a:t> you will need to upload a Certificate Signing Request (CSR). You can create the CSR on you own or by using our key tool to create the </a:t>
-            </a:r>
-            <a:r>
-              <a:rPr lang="en-US" dirty="0" smtClean="0"/>
-              <a:t>necessary</a:t>
+              <a:t>, you will see a </a:t>
+            </a:r>
+            <a:r>
+              <a:rPr lang="en-US" dirty="0" smtClean="0"/>
+              <a:t/>
             </a:r>
             <a:br>
               <a:rPr lang="en-US" dirty="0" smtClean="0"/>
             </a:br>
             <a:r>
               <a:rPr lang="en-US" dirty="0" smtClean="0"/>
-              <a:t>files </a:t>
+              <a:t>“</a:t>
+            </a:r>
+            <a:r>
+              <a:rPr lang="en-US" b="1" dirty="0" smtClean="0">
+                <a:solidFill>
+                  <a:srgbClr val="F57A34"/>
+                </a:solidFill>
+              </a:rPr>
+              <a:t>click here</a:t>
             </a:r>
             <a:r>
               <a:rPr lang="en-US" dirty="0"/>
-              <a:t>for you. This tool can be accessed by </a:t>
+              <a:t>”</a:t>
+            </a:r>
+            <a:r>
+              <a:rPr lang="en-US" dirty="0" smtClean="0"/>
+              <a:t> </a:t>
+            </a:r>
+            <a:r>
+              <a:rPr lang="en-US" dirty="0"/>
+              <a:t>notation that will open the </a:t>
             </a:r>
             <a:r>
               <a:rPr lang="en-US" dirty="0" smtClean="0"/>
@@ -5981,42 +5993,48 @@
             </a:br>
             <a:r>
               <a:rPr lang="en-US" dirty="0" smtClean="0"/>
-              <a:t>signing </a:t>
+              <a:t>MasterCard </a:t>
             </a:r>
             <a:r>
               <a:rPr lang="en-US" dirty="0"/>
-              <a:t>in to Developer Zone, and selecting:</a:t>
-            </a:r>
-          </a:p>
-          <a:p>
-            <a:pPr lvl="1"/>
-            <a:r>
-              <a:rPr lang="en-US" dirty="0"/>
-              <a:t>My </a:t>
-            </a:r>
-            <a:r>
-              <a:rPr lang="en-US" dirty="0" smtClean="0"/>
-              <a:t>Dashboard (shown on previous slide)</a:t>
-            </a:r>
-            <a:endParaRPr lang="en-US" dirty="0"/>
-          </a:p>
-          <a:p>
-            <a:pPr lvl="1"/>
-            <a:r>
-              <a:rPr lang="en-US" dirty="0" smtClean="0"/>
-              <a:t>“My Keys” then “Add </a:t>
-            </a:r>
-            <a:r>
-              <a:rPr lang="en-US" dirty="0"/>
-              <a:t>a </a:t>
-            </a:r>
-            <a:r>
-              <a:rPr lang="en-US" dirty="0" smtClean="0"/>
-              <a:t>Key”</a:t>
-            </a:r>
-            <a:endParaRPr lang="en-US" dirty="0"/>
-          </a:p>
-          <a:p>
+              <a:t>Key Tool for your use</a:t>
+            </a:r>
+            <a:r>
+              <a:rPr lang="en-US" dirty="0" smtClean="0"/>
+              <a:t>.</a:t>
+            </a:r>
+          </a:p>
+          <a:p>
+            <a:r>
+              <a:rPr lang="en-US" dirty="0" smtClean="0"/>
+              <a:t>If you “</a:t>
+            </a:r>
+            <a:r>
+              <a:rPr lang="en-US" b="1" dirty="0">
+                <a:solidFill>
+                  <a:srgbClr val="F57A34"/>
+                </a:solidFill>
+              </a:rPr>
+              <a:t>click here</a:t>
+            </a:r>
+            <a:r>
+              <a:rPr lang="en-US" dirty="0" smtClean="0"/>
+              <a:t>”, the </a:t>
+            </a:r>
+            <a:br>
+              <a:rPr lang="en-US" dirty="0" smtClean="0"/>
+            </a:br>
+            <a:r>
+              <a:rPr lang="en-US" dirty="0" smtClean="0"/>
+              <a:t>MasterCard Key Tool is displayed.</a:t>
+            </a:r>
+            <a:endParaRPr lang="en-US" dirty="0"/>
+          </a:p>
+          <a:p>
+            <a:r>
+              <a:rPr lang="en-US" dirty="0" smtClean="0"/>
+              <a:t>Click “Generate Keys and CSR”</a:t>
+            </a:r>
             <a:endParaRPr lang="en-US" dirty="0"/>
           </a:p>
         </p:txBody>
@@ -6108,7 +6126,7 @@
             </a:r>
             <a:r>
               <a:rPr lang="en-US" dirty="0" smtClean="0"/>
-              <a:t>Key (2)</a:t>
+              <a:t>Key (3)</a:t>
             </a:r>
             <a:endParaRPr lang="en-US" dirty="0"/>
           </a:p>
@@ -6139,7 +6157,7 @@
       </p:sp>
       <p:pic>
         <p:nvPicPr>
-          <p:cNvPr id="8" name="Picture 7"/>
+          <p:cNvPr id="11" name="Picture 10"/>
           <p:cNvPicPr>
             <a:picLocks noChangeAspect="1"/>
           </p:cNvPicPr>
@@ -6153,8 +6171,8 @@
         </p:blipFill>
         <p:spPr>
           <a:xfrm>
-            <a:off x="5308863" y="2480497"/>
-            <a:ext cx="3732010" cy="1990130"/>
+            <a:off x="5376484" y="499625"/>
+            <a:ext cx="3611821" cy="2268223"/>
           </a:xfrm>
           <a:prstGeom prst="rect">
             <a:avLst/>
@@ -6163,14 +6181,14 @@
       </p:pic>
       <p:sp>
         <p:nvSpPr>
-          <p:cNvPr id="9" name="Right Arrow 8"/>
+          <p:cNvPr id="10" name="Right Arrow 9"/>
           <p:cNvSpPr/>
           <p:nvPr/>
         </p:nvSpPr>
         <p:spPr bwMode="gray">
-          <a:xfrm rot="10800000">
-            <a:off x="6270173" y="2743198"/>
-            <a:ext cx="453761" cy="151254"/>
+          <a:xfrm>
+            <a:off x="4104268" y="1986485"/>
+            <a:ext cx="1471734" cy="111876"/>
           </a:xfrm>
           <a:prstGeom prst="rightArrow">
             <a:avLst/>
@@ -6224,18 +6242,42 @@
           </a:p>
         </p:txBody>
       </p:sp>
-      <p:sp>
-        <p:nvSpPr>
-          <p:cNvPr id="10" name="Right Arrow 9"/>
+      <p:pic>
+        <p:nvPicPr>
+          <p:cNvPr id="12" name="Picture 11"/>
+          <p:cNvPicPr>
+            <a:picLocks noChangeAspect="1"/>
+          </p:cNvPicPr>
+          <p:nvPr/>
+        </p:nvPicPr>
+        <p:blipFill>
+          <a:blip r:embed="rId3"/>
+          <a:stretch>
+            <a:fillRect/>
+          </a:stretch>
+        </p:blipFill>
+        <p:spPr>
+          <a:xfrm>
+            <a:off x="991145" y="3350436"/>
+            <a:ext cx="2715259" cy="1413730"/>
+          </a:xfrm>
+          <a:prstGeom prst="rect">
+            <a:avLst/>
+          </a:prstGeom>
+        </p:spPr>
+      </p:pic>
+      <p:sp>
+        <p:nvSpPr>
+          <p:cNvPr id="14" name="Down Arrow 13"/>
           <p:cNvSpPr/>
           <p:nvPr/>
         </p:nvSpPr>
         <p:spPr bwMode="gray">
-          <a:xfrm rot="19356795">
-            <a:off x="5102534" y="3094977"/>
-            <a:ext cx="453761" cy="151254"/>
+          <a:xfrm>
+            <a:off x="2294525" y="3146156"/>
+            <a:ext cx="161956" cy="410705"/>
           </a:xfrm>
-          <a:prstGeom prst="rightArrow">
+          <a:prstGeom prst="downArrow">
             <a:avLst/>
           </a:prstGeom>
           <a:solidFill>
@@ -6290,7 +6332,7 @@
     </p:spTree>
     <p:extLst>
       <p:ext uri="{BB962C8B-B14F-4D97-AF65-F5344CB8AC3E}">
-        <p14:creationId xmlns:p14="http://schemas.microsoft.com/office/powerpoint/2010/main" val="2837689732"/>
+        <p14:creationId xmlns:p14="http://schemas.microsoft.com/office/powerpoint/2010/main" val="576569413"/>
       </p:ext>
     </p:extLst>
   </p:cSld>
@@ -6346,101 +6388,54 @@
           <a:p>
             <a:r>
               <a:rPr lang="en-US" dirty="0" smtClean="0"/>
-              <a:t>Inside </a:t>
-            </a:r>
-            <a:r>
-              <a:rPr lang="en-US" dirty="0"/>
-              <a:t>the </a:t>
-            </a:r>
-            <a:r>
-              <a:rPr lang="en-US" dirty="0" smtClean="0"/>
-              <a:t>next popup</a:t>
-            </a:r>
-            <a:r>
-              <a:rPr lang="en-US" dirty="0"/>
-              <a:t>, you will see a </a:t>
-            </a:r>
-            <a:r>
-              <a:rPr lang="en-US" dirty="0" smtClean="0"/>
-              <a:t/>
+              <a:t>A public key, a private key, and a </a:t>
             </a:r>
             <a:br>
               <a:rPr lang="en-US" dirty="0" smtClean="0"/>
             </a:br>
             <a:r>
               <a:rPr lang="en-US" dirty="0" smtClean="0"/>
-              <a:t>“</a:t>
-            </a:r>
-            <a:r>
-              <a:rPr lang="en-US" b="1" dirty="0" smtClean="0">
-                <a:solidFill>
-                  <a:srgbClr val="F57A34"/>
-                </a:solidFill>
-              </a:rPr>
-              <a:t>click here</a:t>
-            </a:r>
-            <a:r>
-              <a:rPr lang="en-US" dirty="0"/>
-              <a:t>”</a:t>
-            </a:r>
-            <a:r>
-              <a:rPr lang="en-US" dirty="0" smtClean="0"/>
-              <a:t> </a:t>
-            </a:r>
-            <a:r>
-              <a:rPr lang="en-US" dirty="0"/>
-              <a:t>notation that will open the </a:t>
-            </a:r>
-            <a:r>
-              <a:rPr lang="en-US" dirty="0" smtClean="0"/>
-              <a:t/>
+              <a:t>Certificate Signing Request are generated.</a:t>
+            </a:r>
+          </a:p>
+          <a:p>
+            <a:r>
+              <a:rPr lang="en-US" dirty="0" smtClean="0"/>
+              <a:t>Click “Save To Files”</a:t>
+            </a:r>
+          </a:p>
+          <a:p>
+            <a:endParaRPr lang="en-US" dirty="0"/>
+          </a:p>
+          <a:p>
+            <a:r>
+              <a:rPr lang="en-US" dirty="0" smtClean="0"/>
+              <a:t>You are prompted to password protect the key files. You must protect them in order to save them.</a:t>
+            </a:r>
+          </a:p>
+          <a:p>
+            <a:r>
+              <a:rPr lang="en-US" dirty="0" smtClean="0"/>
+              <a:t>Click OK and choose a folder in which to save the files.</a:t>
+            </a:r>
+          </a:p>
+          <a:p>
+            <a:r>
+              <a:rPr lang="en-US" dirty="0" smtClean="0"/>
+              <a:t>The status bar on the MasterCard Key Tool window should</a:t>
             </a:r>
             <a:br>
               <a:rPr lang="en-US" dirty="0" smtClean="0"/>
             </a:br>
             <a:r>
               <a:rPr lang="en-US" dirty="0" smtClean="0"/>
-              <a:t>MasterCard </a:t>
-            </a:r>
-            <a:r>
-              <a:rPr lang="en-US" dirty="0"/>
-              <a:t>Key Tool for your use</a:t>
-            </a:r>
-            <a:r>
-              <a:rPr lang="en-US" dirty="0" smtClean="0"/>
-              <a:t>.</a:t>
-            </a:r>
-          </a:p>
-          <a:p>
-            <a:r>
-              <a:rPr lang="en-US" dirty="0" smtClean="0"/>
-              <a:t>If you “</a:t>
-            </a:r>
-            <a:r>
-              <a:rPr lang="en-US" b="1" dirty="0">
-                <a:solidFill>
-                  <a:srgbClr val="F57A34"/>
-                </a:solidFill>
-              </a:rPr>
-              <a:t>click here</a:t>
-            </a:r>
-            <a:r>
-              <a:rPr lang="en-US" dirty="0" smtClean="0"/>
-              <a:t>”, the </a:t>
-            </a:r>
-            <a:br>
-              <a:rPr lang="en-US" dirty="0" smtClean="0"/>
-            </a:br>
-            <a:r>
-              <a:rPr lang="en-US" dirty="0" smtClean="0"/>
-              <a:t>MasterCard Key Tool is displayed.</a:t>
-            </a:r>
-            <a:endParaRPr lang="en-US" dirty="0"/>
-          </a:p>
-          <a:p>
-            <a:r>
-              <a:rPr lang="en-US" dirty="0" smtClean="0"/>
-              <a:t>Click “Generate Keys and CSR”</a:t>
+              <a:t>now read: </a:t>
+            </a:r>
+          </a:p>
+          <a:p>
+            <a:r>
+              <a:rPr lang="en-US" dirty="0" smtClean="0"/>
+              <a:t>Close the window</a:t>
             </a:r>
             <a:endParaRPr lang="en-US" dirty="0"/>
           </a:p>
@@ -6488,408 +6483,6 @@
               <a:rPr lang="en-US" smtClean="0"/>
               <a:pPr/>
               <a:t>11</a:t>
-            </a:fld>
-            <a:endParaRPr lang="en-US" dirty="0"/>
-          </a:p>
-        </p:txBody>
-      </p:sp>
-      <p:sp>
-        <p:nvSpPr>
-          <p:cNvPr id="5" name="Footer Placeholder 4"/>
-          <p:cNvSpPr>
-            <a:spLocks noGrp="1"/>
-          </p:cNvSpPr>
-          <p:nvPr>
-            <p:ph type="ftr" sz="quarter" idx="12"/>
-          </p:nvPr>
-        </p:nvSpPr>
-        <p:spPr/>
-        <p:txBody>
-          <a:bodyPr/>
-          <a:lstStyle/>
-          <a:p>
-            <a:endParaRPr lang="en-US" dirty="0"/>
-          </a:p>
-        </p:txBody>
-      </p:sp>
-      <p:sp>
-        <p:nvSpPr>
-          <p:cNvPr id="6" name="Title 5"/>
-          <p:cNvSpPr>
-            <a:spLocks noGrp="1"/>
-          </p:cNvSpPr>
-          <p:nvPr>
-            <p:ph type="title"/>
-          </p:nvPr>
-        </p:nvSpPr>
-        <p:spPr/>
-        <p:txBody>
-          <a:bodyPr/>
-          <a:lstStyle/>
-          <a:p>
-            <a:r>
-              <a:rPr lang="en-US" dirty="0"/>
-              <a:t>Create/Register a </a:t>
-            </a:r>
-            <a:r>
-              <a:rPr lang="en-US" dirty="0" smtClean="0"/>
-              <a:t>Key (3)</a:t>
-            </a:r>
-            <a:endParaRPr lang="en-US" dirty="0"/>
-          </a:p>
-        </p:txBody>
-      </p:sp>
-      <p:sp>
-        <p:nvSpPr>
-          <p:cNvPr id="7" name="Text Placeholder 6"/>
-          <p:cNvSpPr>
-            <a:spLocks noGrp="1"/>
-          </p:cNvSpPr>
-          <p:nvPr>
-            <p:ph type="body" sz="quarter" idx="15"/>
-          </p:nvPr>
-        </p:nvSpPr>
-        <p:spPr/>
-        <p:txBody>
-          <a:bodyPr/>
-          <a:lstStyle/>
-          <a:p>
-            <a:r>
-              <a:rPr lang="en-US" dirty="0" smtClean="0"/>
-              <a:t>Customer API How To</a:t>
-            </a:r>
-            <a:endParaRPr lang="en-US" dirty="0"/>
-          </a:p>
-        </p:txBody>
-      </p:sp>
-      <p:pic>
-        <p:nvPicPr>
-          <p:cNvPr id="11" name="Picture 10"/>
-          <p:cNvPicPr>
-            <a:picLocks noChangeAspect="1"/>
-          </p:cNvPicPr>
-          <p:nvPr/>
-        </p:nvPicPr>
-        <p:blipFill>
-          <a:blip r:embed="rId2"/>
-          <a:stretch>
-            <a:fillRect/>
-          </a:stretch>
-        </p:blipFill>
-        <p:spPr>
-          <a:xfrm>
-            <a:off x="5376484" y="499625"/>
-            <a:ext cx="3611821" cy="2268223"/>
-          </a:xfrm>
-          <a:prstGeom prst="rect">
-            <a:avLst/>
-          </a:prstGeom>
-        </p:spPr>
-      </p:pic>
-      <p:sp>
-        <p:nvSpPr>
-          <p:cNvPr id="10" name="Right Arrow 9"/>
-          <p:cNvSpPr/>
-          <p:nvPr/>
-        </p:nvSpPr>
-        <p:spPr bwMode="gray">
-          <a:xfrm>
-            <a:off x="4104268" y="1986485"/>
-            <a:ext cx="1471734" cy="111876"/>
-          </a:xfrm>
-          <a:prstGeom prst="rightArrow">
-            <a:avLst/>
-          </a:prstGeom>
-          <a:solidFill>
-            <a:schemeClr val="accent1"/>
-          </a:solidFill>
-          <a:ln w="9525" cap="flat" cmpd="sng" algn="ctr">
-            <a:noFill/>
-            <a:prstDash val="solid"/>
-            <a:round/>
-            <a:headEnd type="none" w="med" len="med"/>
-            <a:tailEnd type="none" w="med" len="med"/>
-          </a:ln>
-          <a:effectLst/>
-        </p:spPr>
-        <p:txBody>
-          <a:bodyPr vert="horz" wrap="square" lIns="91440" tIns="45720" rIns="91440" bIns="45720" numCol="1" rtlCol="0" anchor="ctr" anchorCtr="0" compatLnSpc="1">
-            <a:prstTxWarp prst="textNoShape">
-              <a:avLst/>
-            </a:prstTxWarp>
-          </a:bodyPr>
-          <a:lstStyle/>
-          <a:p>
-            <a:pPr marL="0" marR="0" indent="0" algn="l" defTabSz="914400" rtl="0" eaLnBrk="1" fontAlgn="base" latinLnBrk="0" hangingPunct="1">
-              <a:lnSpc>
-                <a:spcPct val="100000"/>
-              </a:lnSpc>
-              <a:spcBef>
-                <a:spcPct val="0"/>
-              </a:spcBef>
-              <a:spcAft>
-                <a:spcPct val="0"/>
-              </a:spcAft>
-              <a:buClrTx/>
-              <a:buSzTx/>
-              <a:buFontTx/>
-              <a:buNone/>
-              <a:tabLst/>
-            </a:pPr>
-            <a:endParaRPr kumimoji="0" lang="en-US" sz="2000" b="0" i="0" u="none" strike="noStrike" cap="none" normalizeH="0" baseline="0" dirty="0" smtClean="0">
-              <a:ln>
-                <a:noFill/>
-              </a:ln>
-              <a:solidFill>
-                <a:schemeClr val="bg1"/>
-              </a:solidFill>
-              <a:effectLst/>
-              <a:latin typeface="Arial" pitchFamily="2" charset="0"/>
-            </a:endParaRPr>
-          </a:p>
-        </p:txBody>
-      </p:sp>
-      <p:pic>
-        <p:nvPicPr>
-          <p:cNvPr id="12" name="Picture 11"/>
-          <p:cNvPicPr>
-            <a:picLocks noChangeAspect="1"/>
-          </p:cNvPicPr>
-          <p:nvPr/>
-        </p:nvPicPr>
-        <p:blipFill>
-          <a:blip r:embed="rId3"/>
-          <a:stretch>
-            <a:fillRect/>
-          </a:stretch>
-        </p:blipFill>
-        <p:spPr>
-          <a:xfrm>
-            <a:off x="991145" y="3350436"/>
-            <a:ext cx="2715259" cy="1413730"/>
-          </a:xfrm>
-          <a:prstGeom prst="rect">
-            <a:avLst/>
-          </a:prstGeom>
-        </p:spPr>
-      </p:pic>
-      <p:sp>
-        <p:nvSpPr>
-          <p:cNvPr id="14" name="Down Arrow 13"/>
-          <p:cNvSpPr/>
-          <p:nvPr/>
-        </p:nvSpPr>
-        <p:spPr bwMode="gray">
-          <a:xfrm>
-            <a:off x="2294525" y="3146156"/>
-            <a:ext cx="161956" cy="410705"/>
-          </a:xfrm>
-          <a:prstGeom prst="downArrow">
-            <a:avLst/>
-          </a:prstGeom>
-          <a:solidFill>
-            <a:schemeClr val="accent1"/>
-          </a:solidFill>
-          <a:ln w="9525" cap="flat" cmpd="sng" algn="ctr">
-            <a:noFill/>
-            <a:prstDash val="solid"/>
-            <a:round/>
-            <a:headEnd type="none" w="med" len="med"/>
-            <a:tailEnd type="none" w="med" len="med"/>
-          </a:ln>
-          <a:effectLst/>
-        </p:spPr>
-        <p:txBody>
-          <a:bodyPr vert="horz" wrap="square" lIns="91440" tIns="45720" rIns="91440" bIns="45720" numCol="1" rtlCol="0" anchor="ctr" anchorCtr="0" compatLnSpc="1">
-            <a:prstTxWarp prst="textNoShape">
-              <a:avLst/>
-            </a:prstTxWarp>
-          </a:bodyPr>
-          <a:lstStyle/>
-          <a:p>
-            <a:pPr marL="0" marR="0" indent="0" algn="l" defTabSz="914400" rtl="0" eaLnBrk="1" fontAlgn="base" latinLnBrk="0" hangingPunct="1">
-              <a:lnSpc>
-                <a:spcPct val="100000"/>
-              </a:lnSpc>
-              <a:spcBef>
-                <a:spcPct val="0"/>
-              </a:spcBef>
-              <a:spcAft>
-                <a:spcPct val="0"/>
-              </a:spcAft>
-              <a:buClrTx/>
-              <a:buSzTx/>
-              <a:buFontTx/>
-              <a:buNone/>
-              <a:tabLst/>
-            </a:pPr>
-            <a:endParaRPr kumimoji="0" lang="en-US" sz="2000" b="0" i="0" u="none" strike="noStrike" cap="none" normalizeH="0" baseline="0" dirty="0" smtClean="0">
-              <a:ln>
-                <a:noFill/>
-              </a:ln>
-              <a:solidFill>
-                <a:schemeClr val="bg1"/>
-              </a:solidFill>
-              <a:effectLst/>
-              <a:latin typeface="Arial" pitchFamily="2" charset="0"/>
-            </a:endParaRPr>
-          </a:p>
-        </p:txBody>
-      </p:sp>
-    </p:spTree>
-    <p:extLst>
-      <p:ext uri="{BB962C8B-B14F-4D97-AF65-F5344CB8AC3E}">
-        <p14:creationId xmlns:p14="http://schemas.microsoft.com/office/powerpoint/2010/main" val="576569413"/>
-      </p:ext>
-    </p:extLst>
-  </p:cSld>
-  <p:clrMapOvr>
-    <a:masterClrMapping/>
-  </p:clrMapOvr>
-  <p:timing>
-    <p:tnLst>
-      <p:par>
-        <p:cTn id="1" dur="indefinite" restart="never" nodeType="tmRoot"/>
-      </p:par>
-    </p:tnLst>
-  </p:timing>
-</p:sld>
-</file>
-
-<file path=ppt/slides/slide12.xml><?xml version="1.0" encoding="utf-8"?>
-<p:sld xmlns:a="http://schemas.openxmlformats.org/drawingml/2006/main" xmlns:r="http://schemas.openxmlformats.org/officeDocument/2006/relationships" xmlns:p="http://schemas.openxmlformats.org/presentationml/2006/main">
-  <p:cSld>
-    <p:spTree>
-      <p:nvGrpSpPr>
-        <p:cNvPr id="1" name=""/>
-        <p:cNvGrpSpPr/>
-        <p:nvPr/>
-      </p:nvGrpSpPr>
-      <p:grpSpPr>
-        <a:xfrm>
-          <a:off x="0" y="0"/>
-          <a:ext cx="0" cy="0"/>
-          <a:chOff x="0" y="0"/>
-          <a:chExt cx="0" cy="0"/>
-        </a:xfrm>
-      </p:grpSpPr>
-      <p:sp>
-        <p:nvSpPr>
-          <p:cNvPr id="2" name="Text Placeholder 1"/>
-          <p:cNvSpPr>
-            <a:spLocks noGrp="1"/>
-          </p:cNvSpPr>
-          <p:nvPr>
-            <p:ph type="body" sz="quarter" idx="13"/>
-          </p:nvPr>
-        </p:nvSpPr>
-        <p:spPr>
-          <a:xfrm>
-            <a:off x="274638" y="1368162"/>
-            <a:ext cx="7415212" cy="3264161"/>
-          </a:xfrm>
-        </p:spPr>
-        <p:txBody>
-          <a:bodyPr/>
-          <a:lstStyle/>
-          <a:p>
-            <a:r>
-              <a:rPr lang="en-US" dirty="0" smtClean="0"/>
-              <a:t>A public key, a private key, and a </a:t>
-            </a:r>
-            <a:br>
-              <a:rPr lang="en-US" dirty="0" smtClean="0"/>
-            </a:br>
-            <a:r>
-              <a:rPr lang="en-US" dirty="0" smtClean="0"/>
-              <a:t>Certificate Signing Request are generated.</a:t>
-            </a:r>
-          </a:p>
-          <a:p>
-            <a:r>
-              <a:rPr lang="en-US" dirty="0" smtClean="0"/>
-              <a:t>Click “Save To Files”</a:t>
-            </a:r>
-          </a:p>
-          <a:p>
-            <a:endParaRPr lang="en-US" dirty="0"/>
-          </a:p>
-          <a:p>
-            <a:r>
-              <a:rPr lang="en-US" dirty="0" smtClean="0"/>
-              <a:t>You are prompted to password protect the key files. You must protect them in order to save them.</a:t>
-            </a:r>
-          </a:p>
-          <a:p>
-            <a:r>
-              <a:rPr lang="en-US" dirty="0" smtClean="0"/>
-              <a:t>Click OK and choose a folder in which to save the files.</a:t>
-            </a:r>
-          </a:p>
-          <a:p>
-            <a:r>
-              <a:rPr lang="en-US" dirty="0" smtClean="0"/>
-              <a:t>The status bar on the MasterCard Key Tool window should</a:t>
-            </a:r>
-            <a:br>
-              <a:rPr lang="en-US" dirty="0" smtClean="0"/>
-            </a:br>
-            <a:r>
-              <a:rPr lang="en-US" dirty="0" smtClean="0"/>
-              <a:t>now read: </a:t>
-            </a:r>
-          </a:p>
-          <a:p>
-            <a:r>
-              <a:rPr lang="en-US" dirty="0" smtClean="0"/>
-              <a:t>Close the window</a:t>
-            </a:r>
-            <a:endParaRPr lang="en-US" dirty="0"/>
-          </a:p>
-        </p:txBody>
-      </p:sp>
-      <p:sp>
-        <p:nvSpPr>
-          <p:cNvPr id="3" name="Date Placeholder 2"/>
-          <p:cNvSpPr>
-            <a:spLocks noGrp="1"/>
-          </p:cNvSpPr>
-          <p:nvPr>
-            <p:ph type="dt" sz="half" idx="10"/>
-          </p:nvPr>
-        </p:nvSpPr>
-        <p:spPr/>
-        <p:txBody>
-          <a:bodyPr/>
-          <a:lstStyle/>
-          <a:p>
-            <a:r>
-              <a:rPr lang="en-US" smtClean="0"/>
-              <a:t>October 21, 2015</a:t>
-            </a:r>
-            <a:endParaRPr lang="en-US" dirty="0" smtClean="0"/>
-          </a:p>
-        </p:txBody>
-      </p:sp>
-      <p:sp>
-        <p:nvSpPr>
-          <p:cNvPr id="4" name="Slide Number Placeholder 3"/>
-          <p:cNvSpPr>
-            <a:spLocks noGrp="1"/>
-          </p:cNvSpPr>
-          <p:nvPr>
-            <p:ph type="sldNum" sz="quarter" idx="11"/>
-          </p:nvPr>
-        </p:nvSpPr>
-        <p:spPr/>
-        <p:txBody>
-          <a:bodyPr/>
-          <a:lstStyle/>
-          <a:p>
-            <a:fld id="{5698A34F-157D-4FC3-B6AE-341A8B909DED}" type="slidenum">
-              <a:rPr lang="en-US" smtClean="0"/>
-              <a:pPr/>
-              <a:t>12</a:t>
             </a:fld>
             <a:endParaRPr lang="en-US" dirty="0"/>
           </a:p>
@@ -7119,7 +6712,7 @@
 </p:sld>
 </file>
 
-<file path=ppt/slides/slide13.xml><?xml version="1.0" encoding="utf-8"?>
+<file path=ppt/slides/slide12.xml><?xml version="1.0" encoding="utf-8"?>
 <p:sld xmlns:a="http://schemas.openxmlformats.org/drawingml/2006/main" xmlns:r="http://schemas.openxmlformats.org/officeDocument/2006/relationships" xmlns:p="http://schemas.openxmlformats.org/presentationml/2006/main">
   <p:cSld>
     <p:spTree>
@@ -7344,7 +6937,7 @@
             <a:fld id="{5698A34F-157D-4FC3-B6AE-341A8B909DED}" type="slidenum">
               <a:rPr lang="en-US" smtClean="0"/>
               <a:pPr/>
-              <a:t>13</a:t>
+              <a:t>12</a:t>
             </a:fld>
             <a:endParaRPr lang="en-US" dirty="0"/>
           </a:p>
@@ -7439,7 +7032,7 @@
 </p:sld>
 </file>
 
-<file path=ppt/slides/slide14.xml><?xml version="1.0" encoding="utf-8"?>
+<file path=ppt/slides/slide13.xml><?xml version="1.0" encoding="utf-8"?>
 <p:sld xmlns:a="http://schemas.openxmlformats.org/drawingml/2006/main" xmlns:r="http://schemas.openxmlformats.org/officeDocument/2006/relationships" xmlns:p="http://schemas.openxmlformats.org/presentationml/2006/main">
   <p:cSld>
     <p:spTree>
@@ -7663,7 +7256,7 @@
             <a:fld id="{5698A34F-157D-4FC3-B6AE-341A8B909DED}" type="slidenum">
               <a:rPr lang="en-US" smtClean="0"/>
               <a:pPr/>
-              <a:t>14</a:t>
+              <a:t>13</a:t>
             </a:fld>
             <a:endParaRPr lang="en-US" dirty="0"/>
           </a:p>
@@ -7821,6 +7414,252 @@
 </p:sld>
 </file>
 
+<file path=ppt/slides/slide14.xml><?xml version="1.0" encoding="utf-8"?>
+<p:sld xmlns:a="http://schemas.openxmlformats.org/drawingml/2006/main" xmlns:r="http://schemas.openxmlformats.org/officeDocument/2006/relationships" xmlns:p="http://schemas.openxmlformats.org/presentationml/2006/main">
+  <p:cSld>
+    <p:spTree>
+      <p:nvGrpSpPr>
+        <p:cNvPr id="1" name=""/>
+        <p:cNvGrpSpPr/>
+        <p:nvPr/>
+      </p:nvGrpSpPr>
+      <p:grpSpPr>
+        <a:xfrm>
+          <a:off x="0" y="0"/>
+          <a:ext cx="0" cy="0"/>
+          <a:chOff x="0" y="0"/>
+          <a:chExt cx="0" cy="0"/>
+        </a:xfrm>
+      </p:grpSpPr>
+      <p:sp>
+        <p:nvSpPr>
+          <p:cNvPr id="2" name="Text Placeholder 1"/>
+          <p:cNvSpPr>
+            <a:spLocks noGrp="1"/>
+          </p:cNvSpPr>
+          <p:nvPr>
+            <p:ph type="body" sz="quarter" idx="13"/>
+          </p:nvPr>
+        </p:nvSpPr>
+        <p:spPr>
+          <a:xfrm>
+            <a:off x="274637" y="1368162"/>
+            <a:ext cx="8164189" cy="3264161"/>
+          </a:xfrm>
+        </p:spPr>
+        <p:txBody>
+          <a:bodyPr/>
+          <a:lstStyle/>
+          <a:p>
+            <a:r>
+              <a:rPr lang="en-US" dirty="0"/>
+              <a:t>To avoid issues with key expiration, you may renew a key at any time. To do so, sign in to Developer Zone, and select:</a:t>
+            </a:r>
+          </a:p>
+          <a:p>
+            <a:pPr lvl="1"/>
+            <a:r>
+              <a:rPr lang="en-US" dirty="0"/>
+              <a:t>My Dashboard</a:t>
+            </a:r>
+          </a:p>
+          <a:p>
+            <a:pPr lvl="1"/>
+            <a:r>
+              <a:rPr lang="en-US" dirty="0"/>
+              <a:t>My Keys (locate the key you wish to renew)</a:t>
+            </a:r>
+          </a:p>
+          <a:p>
+            <a:pPr lvl="1"/>
+            <a:r>
+              <a:rPr lang="en-US" dirty="0"/>
+              <a:t>Renew Key</a:t>
+            </a:r>
+          </a:p>
+          <a:p>
+            <a:pPr lvl="1"/>
+            <a:r>
+              <a:rPr lang="en-US" dirty="0"/>
+              <a:t>Follow the instructions in the pop-up for uploading a new CSR</a:t>
+            </a:r>
+            <a:r>
+              <a:rPr lang="en-US" dirty="0" smtClean="0"/>
+              <a:t>.</a:t>
+            </a:r>
+          </a:p>
+          <a:p>
+            <a:r>
+              <a:rPr lang="en-US" dirty="0" smtClean="0">
+                <a:effectLst/>
+              </a:rPr>
+              <a:t>Additional information on key management can </a:t>
+            </a:r>
+            <a:r>
+              <a:rPr lang="en-US" dirty="0"/>
+              <a:t>be found here:</a:t>
+            </a:r>
+            <a:br>
+              <a:rPr lang="en-US" dirty="0"/>
+            </a:br>
+            <a:r>
+              <a:rPr lang="en-US" sz="1800" dirty="0">
+                <a:hlinkClick r:id="rId2"/>
+              </a:rPr>
+              <a:t>https://</a:t>
+            </a:r>
+            <a:r>
+              <a:rPr lang="en-US" sz="1800" dirty="0" smtClean="0">
+                <a:hlinkClick r:id="rId2"/>
+              </a:rPr>
+              <a:t>developer.mastercard.com/portal/display/api/Generating+RSA+Keys</a:t>
+            </a:r>
+            <a:r>
+              <a:rPr lang="en-US" sz="1800" dirty="0" smtClean="0"/>
+              <a:t> </a:t>
+            </a:r>
+            <a:endParaRPr lang="en-US" sz="1800" dirty="0">
+              <a:effectLst/>
+            </a:endParaRPr>
+          </a:p>
+        </p:txBody>
+      </p:sp>
+      <p:sp>
+        <p:nvSpPr>
+          <p:cNvPr id="3" name="Date Placeholder 2"/>
+          <p:cNvSpPr>
+            <a:spLocks noGrp="1"/>
+          </p:cNvSpPr>
+          <p:nvPr>
+            <p:ph type="dt" sz="half" idx="10"/>
+          </p:nvPr>
+        </p:nvSpPr>
+        <p:spPr/>
+        <p:txBody>
+          <a:bodyPr/>
+          <a:lstStyle/>
+          <a:p>
+            <a:r>
+              <a:rPr lang="en-US" smtClean="0"/>
+              <a:t>October 21, 2015</a:t>
+            </a:r>
+            <a:endParaRPr lang="en-US" dirty="0" smtClean="0"/>
+          </a:p>
+        </p:txBody>
+      </p:sp>
+      <p:sp>
+        <p:nvSpPr>
+          <p:cNvPr id="4" name="Slide Number Placeholder 3"/>
+          <p:cNvSpPr>
+            <a:spLocks noGrp="1"/>
+          </p:cNvSpPr>
+          <p:nvPr>
+            <p:ph type="sldNum" sz="quarter" idx="11"/>
+          </p:nvPr>
+        </p:nvSpPr>
+        <p:spPr/>
+        <p:txBody>
+          <a:bodyPr/>
+          <a:lstStyle/>
+          <a:p>
+            <a:fld id="{5698A34F-157D-4FC3-B6AE-341A8B909DED}" type="slidenum">
+              <a:rPr lang="en-US" smtClean="0"/>
+              <a:pPr/>
+              <a:t>14</a:t>
+            </a:fld>
+            <a:endParaRPr lang="en-US" dirty="0"/>
+          </a:p>
+        </p:txBody>
+      </p:sp>
+      <p:sp>
+        <p:nvSpPr>
+          <p:cNvPr id="5" name="Footer Placeholder 4"/>
+          <p:cNvSpPr>
+            <a:spLocks noGrp="1"/>
+          </p:cNvSpPr>
+          <p:nvPr>
+            <p:ph type="ftr" sz="quarter" idx="12"/>
+          </p:nvPr>
+        </p:nvSpPr>
+        <p:spPr/>
+        <p:txBody>
+          <a:bodyPr/>
+          <a:lstStyle/>
+          <a:p>
+            <a:endParaRPr lang="en-US" dirty="0"/>
+          </a:p>
+        </p:txBody>
+      </p:sp>
+      <p:sp>
+        <p:nvSpPr>
+          <p:cNvPr id="6" name="Title 5"/>
+          <p:cNvSpPr>
+            <a:spLocks noGrp="1"/>
+          </p:cNvSpPr>
+          <p:nvPr>
+            <p:ph type="title"/>
+          </p:nvPr>
+        </p:nvSpPr>
+        <p:spPr/>
+        <p:txBody>
+          <a:bodyPr/>
+          <a:lstStyle/>
+          <a:p>
+            <a:r>
+              <a:rPr lang="en-US" dirty="0"/>
+              <a:t>Create/Register a </a:t>
+            </a:r>
+            <a:r>
+              <a:rPr lang="en-US" dirty="0" smtClean="0"/>
+              <a:t>Key (6 - continued)</a:t>
+            </a:r>
+            <a:endParaRPr lang="en-US" dirty="0"/>
+          </a:p>
+        </p:txBody>
+      </p:sp>
+      <p:sp>
+        <p:nvSpPr>
+          <p:cNvPr id="7" name="Text Placeholder 6"/>
+          <p:cNvSpPr>
+            <a:spLocks noGrp="1"/>
+          </p:cNvSpPr>
+          <p:nvPr>
+            <p:ph type="body" sz="quarter" idx="15"/>
+          </p:nvPr>
+        </p:nvSpPr>
+        <p:spPr/>
+        <p:txBody>
+          <a:bodyPr/>
+          <a:lstStyle/>
+          <a:p>
+            <a:r>
+              <a:rPr lang="en-US" dirty="0" smtClean="0"/>
+              <a:t>Customer API How To</a:t>
+            </a:r>
+            <a:endParaRPr lang="en-US" dirty="0"/>
+          </a:p>
+        </p:txBody>
+      </p:sp>
+    </p:spTree>
+    <p:extLst>
+      <p:ext uri="{BB962C8B-B14F-4D97-AF65-F5344CB8AC3E}">
+        <p14:creationId xmlns:p14="http://schemas.microsoft.com/office/powerpoint/2010/main" val="1346841299"/>
+      </p:ext>
+    </p:extLst>
+  </p:cSld>
+  <p:clrMapOvr>
+    <a:masterClrMapping/>
+  </p:clrMapOvr>
+  <p:timing>
+    <p:tnLst>
+      <p:par>
+        <p:cTn id="1" dur="indefinite" restart="never" nodeType="tmRoot"/>
+      </p:par>
+    </p:tnLst>
+  </p:timing>
+</p:sld>
+</file>
+
 <file path=ppt/slides/slide15.xml><?xml version="1.0" encoding="utf-8"?>
 <p:sld xmlns:a="http://schemas.openxmlformats.org/drawingml/2006/main" xmlns:r="http://schemas.openxmlformats.org/officeDocument/2006/relationships" xmlns:p="http://schemas.openxmlformats.org/presentationml/2006/main">
   <p:cSld>
@@ -7860,74 +7699,28 @@
           <a:p>
             <a:r>
               <a:rPr lang="en-US" dirty="0"/>
-              <a:t>To avoid issues with key expiration, you may renew a key at any time. To do so, sign in to Developer Zone, and select:</a:t>
-            </a:r>
-          </a:p>
-          <a:p>
-            <a:pPr lvl="1"/>
+              <a:t>MasterCard maintains a very limited and representative set of sandbox data for both SpendingPulse and Sector Insights. The data provided in these two sandboxes is for </a:t>
+            </a:r>
+            <a:r>
+              <a:rPr lang="en-US" b="1" u="sng" dirty="0"/>
+              <a:t>functional or technical compatibility and connectivity testing purposes only</a:t>
+            </a:r>
             <a:r>
               <a:rPr lang="en-US" dirty="0"/>
-              <a:t>My Dashboard</a:t>
-            </a:r>
-          </a:p>
-          <a:p>
-            <a:pPr lvl="1"/>
+              <a:t>. The data is not based on nor intended to resemble any actual data and is not intended to be used for any purpose whatsoever other than functional or technical compatibility and connectivity testing. </a:t>
+            </a:r>
+          </a:p>
+          <a:p>
             <a:r>
               <a:rPr lang="en-US" dirty="0"/>
-              <a:t>My Keys (locate the key you wish to renew)</a:t>
-            </a:r>
-          </a:p>
-          <a:p>
-            <a:pPr lvl="1"/>
+              <a:t>In other words, sandbox data can be used by you, without further approval by MasterCard, to enable you to build your API application. Once your application is up and running you must request a production key and be approved for production access by MasterCard.</a:t>
+            </a:r>
+          </a:p>
+          <a:p>
             <a:r>
               <a:rPr lang="en-US" dirty="0"/>
-              <a:t>Renew Key</a:t>
-            </a:r>
-          </a:p>
-          <a:p>
-            <a:pPr lvl="1"/>
-            <a:r>
-              <a:rPr lang="en-US" dirty="0"/>
-              <a:t>Follow the instructions in the pop-up for uploading a new CSR</a:t>
-            </a:r>
-            <a:r>
-              <a:rPr lang="en-US" dirty="0" smtClean="0"/>
-              <a:t>.</a:t>
-            </a:r>
-          </a:p>
-          <a:p>
-            <a:r>
-              <a:rPr lang="en-US" dirty="0" smtClean="0">
-                <a:effectLst/>
-              </a:rPr>
-              <a:t>Additional information on key management can </a:t>
-            </a:r>
-            <a:r>
-              <a:rPr lang="en-US" dirty="0"/>
-              <a:t>be found here:</a:t>
-            </a:r>
-            <a:br>
-              <a:rPr lang="en-US" dirty="0"/>
-            </a:br>
-            <a:r>
-              <a:rPr lang="en-US" sz="1800" dirty="0">
-                <a:hlinkClick r:id="rId2"/>
-              </a:rPr>
-              <a:t>https://</a:t>
-            </a:r>
-            <a:r>
-              <a:rPr lang="en-US" sz="1800" dirty="0" smtClean="0">
-                <a:hlinkClick r:id="rId2"/>
-              </a:rPr>
-              <a:t>developer.mastercard.com/portal/display/api/Generating+RSA+Keys</a:t>
-            </a:r>
-            <a:r>
-              <a:rPr lang="en-US" sz="1800" dirty="0" smtClean="0"/>
-              <a:t> </a:t>
-            </a:r>
-            <a:endParaRPr lang="en-US" sz="1800" dirty="0">
-              <a:effectLst/>
-            </a:endParaRPr>
+              <a:t>Production data is actual data and is available via paid subscription only.</a:t>
+            </a:r>
           </a:p>
         </p:txBody>
       </p:sp>
@@ -8013,12 +7806,8 @@
           <a:lstStyle/>
           <a:p>
             <a:r>
-              <a:rPr lang="en-US" dirty="0"/>
-              <a:t>Create/Register a </a:t>
-            </a:r>
-            <a:r>
-              <a:rPr lang="en-US" dirty="0" smtClean="0"/>
-              <a:t>Key (6 - continued)</a:t>
+              <a:rPr lang="en-US" dirty="0" smtClean="0"/>
+              <a:t>Production vs. Sandbox Keys</a:t>
             </a:r>
             <a:endParaRPr lang="en-US" dirty="0"/>
           </a:p>
@@ -8050,7 +7839,7 @@
     </p:spTree>
     <p:extLst>
       <p:ext uri="{BB962C8B-B14F-4D97-AF65-F5344CB8AC3E}">
-        <p14:creationId xmlns:p14="http://schemas.microsoft.com/office/powerpoint/2010/main" val="1346841299"/>
+        <p14:creationId xmlns:p14="http://schemas.microsoft.com/office/powerpoint/2010/main" val="2994781401"/>
       </p:ext>
     </p:extLst>
   </p:cSld>
@@ -8106,27 +7895,121 @@
           <a:p>
             <a:r>
               <a:rPr lang="en-US" dirty="0"/>
-              <a:t>MasterCard maintains a very limited and representative set of sandbox data for both SpendingPulse and Sector Insights. The data provided in these two sandboxes is for </a:t>
-            </a:r>
-            <a:r>
-              <a:rPr lang="en-US" b="1" u="sng" dirty="0"/>
-              <a:t>functional or technical compatibility and connectivity testing purposes only</a:t>
+              <a:t>Additional information concerning the </a:t>
+            </a:r>
+            <a:r>
+              <a:rPr lang="en-US" dirty="0" smtClean="0"/>
+              <a:t>SpendingPulse™ </a:t>
             </a:r>
             <a:r>
               <a:rPr lang="en-US" dirty="0"/>
-              <a:t>. The data is not based on nor intended to resemble any actual data and is not intended to be used for any purpose whatsoever other than functional or technical compatibility and connectivity testing. </a:t>
-            </a:r>
-          </a:p>
-          <a:p>
+              <a:t>API data is found here</a:t>
+            </a:r>
+            <a:r>
+              <a:rPr lang="en-US" dirty="0" smtClean="0"/>
+              <a:t>:</a:t>
+            </a:r>
             <a:r>
               <a:rPr lang="en-US" dirty="0"/>
-              <a:t>In other words, sandbox data can be used by you, without further approval by MasterCard, to enable you to build your API application. Once your application is up and running you must request a production key and be approved for production access by MasterCard.</a:t>
-            </a:r>
-          </a:p>
-          <a:p>
-            <a:r>
+              <a:t/>
+            </a:r>
+            <a:br>
               <a:rPr lang="en-US" dirty="0"/>
-              <a:t>Production data is actual data and is available via paid subscription only.</a:t>
+            </a:br>
+            <a:r>
+              <a:rPr lang="en-US" dirty="0" smtClean="0"/>
+              <a:t/>
+            </a:r>
+            <a:br>
+              <a:rPr lang="en-US" dirty="0" smtClean="0"/>
+            </a:br>
+            <a:r>
+              <a:rPr lang="en-US" sz="1600" dirty="0" smtClean="0">
+                <a:hlinkClick r:id="rId2"/>
+              </a:rPr>
+              <a:t>https</a:t>
+            </a:r>
+            <a:r>
+              <a:rPr lang="en-US" sz="1600" dirty="0">
+                <a:hlinkClick r:id="rId2"/>
+              </a:rPr>
+              <a:t>://</a:t>
+            </a:r>
+            <a:r>
+              <a:rPr lang="en-US" sz="1600" dirty="0" smtClean="0">
+                <a:hlinkClick r:id="rId2"/>
+              </a:rPr>
+              <a:t>developer.mastercard.com/portal/pages/viewpage.action?pageId=100597957</a:t>
+            </a:r>
+            <a:r>
+              <a:rPr lang="en-US" sz="1600" dirty="0" smtClean="0"/>
+              <a:t> </a:t>
+            </a:r>
+            <a:endParaRPr lang="en-US" sz="1600" dirty="0"/>
+          </a:p>
+          <a:p>
+            <a:endParaRPr lang="en-US" dirty="0" smtClean="0"/>
+          </a:p>
+          <a:p>
+            <a:r>
+              <a:rPr lang="en-US" dirty="0" smtClean="0"/>
+              <a:t>Additional </a:t>
+            </a:r>
+            <a:r>
+              <a:rPr lang="en-US" dirty="0"/>
+              <a:t>information concerning the </a:t>
+            </a:r>
+            <a:r>
+              <a:rPr lang="en-US" dirty="0" smtClean="0"/>
+              <a:t>Sector Insights™ </a:t>
+            </a:r>
+            <a:r>
+              <a:rPr lang="en-US" dirty="0"/>
+              <a:t>API data is found here</a:t>
+            </a:r>
+            <a:r>
+              <a:rPr lang="en-US" dirty="0" smtClean="0"/>
+              <a:t>:</a:t>
+            </a:r>
+            <a:r>
+              <a:rPr lang="en-US" dirty="0"/>
+              <a:t/>
+            </a:r>
+            <a:br>
+              <a:rPr lang="en-US" dirty="0"/>
+            </a:br>
+            <a:r>
+              <a:rPr lang="en-US" dirty="0" smtClean="0"/>
+              <a:t/>
+            </a:r>
+            <a:br>
+              <a:rPr lang="en-US" dirty="0" smtClean="0"/>
+            </a:br>
+            <a:r>
+              <a:rPr lang="en-US" sz="1600" dirty="0" smtClean="0">
+                <a:hlinkClick r:id="rId3"/>
+              </a:rPr>
+              <a:t>https</a:t>
+            </a:r>
+            <a:r>
+              <a:rPr lang="en-US" sz="1600" dirty="0">
+                <a:hlinkClick r:id="rId3"/>
+              </a:rPr>
+              <a:t>://developer.mastercard.com/portal/display/api/Sector+Insights</a:t>
+            </a:r>
+            <a:r>
+              <a:rPr lang="en-US" sz="1600" dirty="0"/>
+              <a:t> </a:t>
+            </a:r>
+            <a:endParaRPr lang="en-US" sz="1600" dirty="0" smtClean="0"/>
+          </a:p>
+          <a:p>
+            <a:endParaRPr lang="en-US" sz="1600" dirty="0"/>
+          </a:p>
+          <a:p>
+            <a:r>
+              <a:rPr lang="en-US" dirty="0"/>
+              <a:t>Now that you have a key … you need an App …</a:t>
             </a:r>
           </a:p>
         </p:txBody>
@@ -8214,7 +8097,7 @@
           <a:p>
             <a:r>
               <a:rPr lang="en-US" dirty="0" smtClean="0"/>
-              <a:t>Production vs. Sandbox Keys</a:t>
+              <a:t>Additional Information</a:t>
             </a:r>
             <a:endParaRPr lang="en-US" dirty="0"/>
           </a:p>
@@ -8246,7 +8129,7 @@
     </p:spTree>
     <p:extLst>
       <p:ext uri="{BB962C8B-B14F-4D97-AF65-F5344CB8AC3E}">
-        <p14:creationId xmlns:p14="http://schemas.microsoft.com/office/powerpoint/2010/main" val="2994781401"/>
+        <p14:creationId xmlns:p14="http://schemas.microsoft.com/office/powerpoint/2010/main" val="4106982293"/>
       </p:ext>
     </p:extLst>
   </p:cSld>
@@ -8292,8 +8175,8 @@
         </p:nvSpPr>
         <p:spPr>
           <a:xfrm>
-            <a:off x="274637" y="1368162"/>
-            <a:ext cx="8164189" cy="3264161"/>
+            <a:off x="274637" y="1600199"/>
+            <a:ext cx="7717895" cy="3032124"/>
           </a:xfrm>
         </p:spPr>
         <p:txBody>
@@ -8301,122 +8184,41 @@
           <a:lstStyle/>
           <a:p>
             <a:r>
-              <a:rPr lang="en-US" dirty="0"/>
-              <a:t>Additional information concerning the </a:t>
-            </a:r>
-            <a:r>
-              <a:rPr lang="en-US" dirty="0" smtClean="0"/>
-              <a:t>SpendingPulse™ </a:t>
-            </a:r>
-            <a:r>
-              <a:rPr lang="en-US" dirty="0"/>
-              <a:t>API data is found here</a:t>
-            </a:r>
-            <a:r>
-              <a:rPr lang="en-US" dirty="0" smtClean="0"/>
-              <a:t>:</a:t>
-            </a:r>
-            <a:r>
-              <a:rPr lang="en-US" dirty="0"/>
-              <a:t/>
-            </a:r>
-            <a:br>
-              <a:rPr lang="en-US" dirty="0"/>
-            </a:br>
-            <a:r>
-              <a:rPr lang="en-US" dirty="0" smtClean="0"/>
-              <a:t/>
-            </a:r>
-            <a:br>
-              <a:rPr lang="en-US" dirty="0" smtClean="0"/>
-            </a:br>
-            <a:r>
-              <a:rPr lang="en-US" sz="1600" dirty="0" smtClean="0">
-                <a:hlinkClick r:id="rId2"/>
-              </a:rPr>
-              <a:t>https</a:t>
-            </a:r>
-            <a:r>
-              <a:rPr lang="en-US" sz="1600" dirty="0">
-                <a:hlinkClick r:id="rId2"/>
-              </a:rPr>
-              <a:t>://</a:t>
-            </a:r>
-            <a:r>
-              <a:rPr lang="en-US" sz="1600" dirty="0" smtClean="0">
-                <a:hlinkClick r:id="rId2"/>
-              </a:rPr>
-              <a:t>developer.mastercard.com/portal/pages/viewpage.action?pageId=100597957</a:t>
-            </a:r>
-            <a:r>
-              <a:rPr lang="en-US" sz="1600" dirty="0" smtClean="0"/>
-              <a:t> </a:t>
-            </a:r>
-            <a:endParaRPr lang="en-US" sz="1600" dirty="0"/>
-          </a:p>
-          <a:p>
-            <a:endParaRPr lang="en-US" dirty="0" smtClean="0"/>
-          </a:p>
-          <a:p>
-            <a:r>
-              <a:rPr lang="en-US" dirty="0" smtClean="0"/>
-              <a:t>Additional </a:t>
-            </a:r>
-            <a:r>
-              <a:rPr lang="en-US" dirty="0"/>
-              <a:t>information concerning the </a:t>
-            </a:r>
-            <a:r>
-              <a:rPr lang="en-US" dirty="0" smtClean="0"/>
-              <a:t>Sector Insights™ </a:t>
-            </a:r>
-            <a:r>
-              <a:rPr lang="en-US" dirty="0"/>
-              <a:t>API data is found here</a:t>
-            </a:r>
-            <a:r>
-              <a:rPr lang="en-US" dirty="0" smtClean="0"/>
-              <a:t>:</a:t>
-            </a:r>
-            <a:r>
-              <a:rPr lang="en-US" dirty="0"/>
-              <a:t/>
-            </a:r>
-            <a:br>
-              <a:rPr lang="en-US" dirty="0"/>
-            </a:br>
-            <a:r>
-              <a:rPr lang="en-US" dirty="0" smtClean="0"/>
-              <a:t/>
-            </a:r>
-            <a:br>
-              <a:rPr lang="en-US" dirty="0" smtClean="0"/>
-            </a:br>
-            <a:r>
-              <a:rPr lang="en-US" sz="1600" dirty="0" smtClean="0">
-                <a:hlinkClick r:id="rId3"/>
-              </a:rPr>
-              <a:t>https</a:t>
-            </a:r>
-            <a:r>
-              <a:rPr lang="en-US" sz="1600" dirty="0">
-                <a:hlinkClick r:id="rId3"/>
-              </a:rPr>
-              <a:t>://developer.mastercard.com/portal/display/api/Sector+Insights</a:t>
-            </a:r>
-            <a:r>
-              <a:rPr lang="en-US" sz="1600" dirty="0"/>
-              <a:t> </a:t>
-            </a:r>
-            <a:endParaRPr lang="en-US" sz="1600" dirty="0" smtClean="0"/>
-          </a:p>
-          <a:p>
-            <a:endParaRPr lang="en-US" sz="1600" dirty="0"/>
-          </a:p>
-          <a:p>
-            <a:r>
-              <a:rPr lang="en-US" dirty="0"/>
-              <a:t>Now that you have a key … you need an App …</a:t>
+              <a:rPr lang="en-US" dirty="0" smtClean="0"/>
+              <a:t>What is an “App”?</a:t>
+            </a:r>
+          </a:p>
+          <a:p>
+            <a:pPr lvl="1"/>
+            <a:r>
+              <a:rPr lang="en-US" dirty="0" smtClean="0"/>
+              <a:t>An “App” is the mechanism by which you associate a key with an API.</a:t>
+            </a:r>
+          </a:p>
+          <a:p>
+            <a:pPr lvl="1"/>
+            <a:r>
+              <a:rPr lang="en-US" dirty="0" smtClean="0"/>
+              <a:t>An “App” is not some code that you have written nor is it an application from MasterCard that you might use.</a:t>
+            </a:r>
+          </a:p>
+          <a:p>
+            <a:pPr lvl="1"/>
+            <a:r>
+              <a:rPr lang="en-US" dirty="0" smtClean="0"/>
+              <a:t>It is, merely, the device used to associate keys with APIs.</a:t>
+            </a:r>
+          </a:p>
+          <a:p>
+            <a:r>
+              <a:rPr lang="en-US" dirty="0" smtClean="0"/>
+              <a:t>An App is required in order to use a key. The system/code that you write, which accesses the API, must use a valid key in the authentication process.</a:t>
+            </a:r>
+          </a:p>
+          <a:p>
+            <a:r>
+              <a:rPr lang="en-US" dirty="0" smtClean="0"/>
+              <a:t>A key is deemed valid when the App associated with the key is approved for use by MasterCard.</a:t>
             </a:r>
           </a:p>
         </p:txBody>
@@ -8504,7 +8306,7 @@
           <a:p>
             <a:r>
               <a:rPr lang="en-US" dirty="0" smtClean="0"/>
-              <a:t>Additional Information</a:t>
+              <a:t>Creating an App (1)</a:t>
             </a:r>
             <a:endParaRPr lang="en-US" dirty="0"/>
           </a:p>
@@ -8526,8 +8328,12 @@
           <a:lstStyle/>
           <a:p>
             <a:r>
-              <a:rPr lang="en-US" dirty="0" smtClean="0"/>
-              <a:t>Customer API How To</a:t>
+              <a:rPr lang="en-US" dirty="0"/>
+              <a:t>Customer API How </a:t>
+            </a:r>
+            <a:r>
+              <a:rPr lang="en-US" dirty="0" smtClean="0"/>
+              <a:t>To</a:t>
             </a:r>
             <a:endParaRPr lang="en-US" dirty="0"/>
           </a:p>
@@ -8536,7 +8342,7 @@
     </p:spTree>
     <p:extLst>
       <p:ext uri="{BB962C8B-B14F-4D97-AF65-F5344CB8AC3E}">
-        <p14:creationId xmlns:p14="http://schemas.microsoft.com/office/powerpoint/2010/main" val="4106982293"/>
+        <p14:creationId xmlns:p14="http://schemas.microsoft.com/office/powerpoint/2010/main" val="1122452413"/>
       </p:ext>
     </p:extLst>
   </p:cSld>
@@ -8582,8 +8388,8 @@
         </p:nvSpPr>
         <p:spPr>
           <a:xfrm>
-            <a:off x="274637" y="1600199"/>
-            <a:ext cx="7717895" cy="3032124"/>
+            <a:off x="274638" y="1402597"/>
+            <a:ext cx="7415212" cy="3221977"/>
           </a:xfrm>
         </p:spPr>
         <p:txBody>
@@ -8592,41 +8398,80 @@
           <a:p>
             <a:r>
               <a:rPr lang="en-US" dirty="0" smtClean="0"/>
-              <a:t>What is an “App”?</a:t>
+              <a:t>From your dashboard, choose My APPS</a:t>
+            </a:r>
+          </a:p>
+          <a:p>
+            <a:r>
+              <a:rPr lang="en-US" dirty="0" smtClean="0"/>
+              <a:t>Click Add an App</a:t>
+            </a:r>
+          </a:p>
+          <a:p>
+            <a:r>
+              <a:rPr lang="en-US" dirty="0" smtClean="0"/>
+              <a:t>In the displayed dialogue:</a:t>
             </a:r>
           </a:p>
           <a:p>
             <a:pPr lvl="1"/>
             <a:r>
               <a:rPr lang="en-US" dirty="0" smtClean="0"/>
-              <a:t>An “App” is the mechanism by which you associate a key with an API.</a:t>
+              <a:t>Enter an Application Name</a:t>
+            </a:r>
+          </a:p>
+          <a:p>
+            <a:pPr lvl="2"/>
+            <a:r>
+              <a:rPr lang="en-US" dirty="0" smtClean="0"/>
+              <a:t>Any alphanumeric is acceptable. The name is</a:t>
+            </a:r>
+            <a:br>
+              <a:rPr lang="en-US" dirty="0" smtClean="0"/>
+            </a:br>
+            <a:r>
+              <a:rPr lang="en-US" dirty="0" smtClean="0"/>
+              <a:t>used by you to identify this App (i.e. this</a:t>
+            </a:r>
+            <a:br>
+              <a:rPr lang="en-US" dirty="0" smtClean="0"/>
+            </a:br>
+            <a:r>
+              <a:rPr lang="en-US" dirty="0" smtClean="0"/>
+              <a:t>use of a particular key)</a:t>
             </a:r>
           </a:p>
           <a:p>
             <a:pPr lvl="1"/>
             <a:r>
               <a:rPr lang="en-US" dirty="0" smtClean="0"/>
-              <a:t>An “App” is not some code that you have written nor is it an application from MasterCard that you might use.</a:t>
+              <a:t>(optional) a Description</a:t>
             </a:r>
           </a:p>
           <a:p>
             <a:pPr lvl="1"/>
             <a:r>
               <a:rPr lang="en-US" dirty="0" smtClean="0"/>
-              <a:t>It is, merely, the device used to associate keys with APIs.</a:t>
-            </a:r>
-          </a:p>
-          <a:p>
-            <a:r>
-              <a:rPr lang="en-US" dirty="0" smtClean="0"/>
-              <a:t>An App is required in order to use a key. The system/code that you write, which accesses the API, must use a valid key in the authentication process.</a:t>
-            </a:r>
-          </a:p>
-          <a:p>
-            <a:r>
-              <a:rPr lang="en-US" dirty="0" smtClean="0"/>
-              <a:t>A key is deemed valid when the App associated with the key is approved for use by MasterCard.</a:t>
-            </a:r>
+              <a:t>Choose the key to be used</a:t>
+            </a:r>
+          </a:p>
+          <a:p>
+            <a:pPr lvl="2"/>
+            <a:r>
+              <a:rPr lang="en-US" dirty="0" smtClean="0"/>
+              <a:t>Key alias names are available for selection</a:t>
+            </a:r>
+          </a:p>
+          <a:p>
+            <a:pPr lvl="2"/>
+            <a:r>
+              <a:rPr lang="en-US" dirty="0" smtClean="0"/>
+              <a:t>A new key may be created at this time</a:t>
+            </a:r>
+          </a:p>
+          <a:p>
+            <a:pPr lvl="1"/>
+            <a:endParaRPr lang="en-US" dirty="0" smtClean="0"/>
           </a:p>
         </p:txBody>
       </p:sp>
@@ -8713,7 +8558,7 @@
           <a:p>
             <a:r>
               <a:rPr lang="en-US" dirty="0" smtClean="0"/>
-              <a:t>Creating an App (1)</a:t>
+              <a:t>Creating an App (2)</a:t>
             </a:r>
             <a:endParaRPr lang="en-US" dirty="0"/>
           </a:p>
@@ -8743,13 +8588,100 @@
               <a:t>To</a:t>
             </a:r>
             <a:endParaRPr lang="en-US" dirty="0"/>
+          </a:p>
+        </p:txBody>
+      </p:sp>
+      <p:pic>
+        <p:nvPicPr>
+          <p:cNvPr id="8" name="Picture 7"/>
+          <p:cNvPicPr>
+            <a:picLocks noChangeAspect="1"/>
+          </p:cNvPicPr>
+          <p:nvPr/>
+        </p:nvPicPr>
+        <p:blipFill>
+          <a:blip r:embed="rId2"/>
+          <a:stretch>
+            <a:fillRect/>
+          </a:stretch>
+        </p:blipFill>
+        <p:spPr>
+          <a:xfrm>
+            <a:off x="4796728" y="1316875"/>
+            <a:ext cx="4187584" cy="1988142"/>
+          </a:xfrm>
+          <a:prstGeom prst="rect">
+            <a:avLst/>
+          </a:prstGeom>
+        </p:spPr>
+      </p:pic>
+      <p:sp>
+        <p:nvSpPr>
+          <p:cNvPr id="9" name="Right Arrow 8"/>
+          <p:cNvSpPr/>
+          <p:nvPr/>
+        </p:nvSpPr>
+        <p:spPr bwMode="gray">
+          <a:xfrm>
+            <a:off x="2347994" y="1867551"/>
+            <a:ext cx="2580467" cy="85240"/>
+          </a:xfrm>
+          <a:prstGeom prst="rightArrow">
+            <a:avLst/>
+          </a:prstGeom>
+          <a:solidFill>
+            <a:schemeClr val="accent1"/>
+          </a:solidFill>
+          <a:ln w="9525" cap="flat" cmpd="sng" algn="ctr">
+            <a:noFill/>
+            <a:prstDash val="solid"/>
+            <a:round/>
+            <a:headEnd type="none" w="med" len="med"/>
+            <a:tailEnd type="none" w="med" len="med"/>
+          </a:ln>
+          <a:effectLst/>
+        </p:spPr>
+        <p:txBody>
+          <a:bodyPr vert="horz" wrap="square" lIns="91440" tIns="45720" rIns="91440" bIns="45720" numCol="1" rtlCol="0" anchor="ctr" anchorCtr="0" compatLnSpc="1">
+            <a:prstTxWarp prst="textNoShape">
+              <a:avLst/>
+            </a:prstTxWarp>
+          </a:bodyPr>
+          <a:lstStyle/>
+          <a:p>
+            <a:pPr marL="0" marR="0" indent="0" algn="l" defTabSz="914400" rtl="0" eaLnBrk="1" fontAlgn="base" latinLnBrk="0" hangingPunct="1">
+              <a:lnSpc>
+                <a:spcPct val="100000"/>
+              </a:lnSpc>
+              <a:spcBef>
+                <a:spcPct val="0"/>
+              </a:spcBef>
+              <a:spcAft>
+                <a:spcPct val="0"/>
+              </a:spcAft>
+              <a:buClrTx/>
+              <a:buSzTx/>
+              <a:buFontTx/>
+              <a:buNone/>
+              <a:tabLst/>
+            </a:pPr>
+            <a:endParaRPr kumimoji="0" lang="en-US" sz="2000" b="0" i="0" u="none" strike="noStrike" cap="none" normalizeH="0" baseline="0" dirty="0" smtClean="0">
+              <a:ln>
+                <a:noFill/>
+              </a:ln>
+              <a:solidFill>
+                <a:schemeClr val="bg1"/>
+              </a:solidFill>
+              <a:effectLst/>
+              <a:latin typeface="Arial" pitchFamily="2" charset="0"/>
+            </a:endParaRPr>
           </a:p>
         </p:txBody>
       </p:sp>
     </p:spTree>
     <p:extLst>
       <p:ext uri="{BB962C8B-B14F-4D97-AF65-F5344CB8AC3E}">
-        <p14:creationId xmlns:p14="http://schemas.microsoft.com/office/powerpoint/2010/main" val="1122452413"/>
+        <p14:creationId xmlns:p14="http://schemas.microsoft.com/office/powerpoint/2010/main" val="2163120365"/>
       </p:ext>
     </p:extLst>
   </p:cSld>
@@ -8805,80 +8737,34 @@
           <a:p>
             <a:r>
               <a:rPr lang="en-US" dirty="0" smtClean="0"/>
-              <a:t>From your dashboard, choose My APPS</a:t>
-            </a:r>
-          </a:p>
-          <a:p>
-            <a:r>
-              <a:rPr lang="en-US" dirty="0" smtClean="0"/>
-              <a:t>Click Add an App</a:t>
-            </a:r>
-          </a:p>
-          <a:p>
-            <a:r>
-              <a:rPr lang="en-US" dirty="0" smtClean="0"/>
-              <a:t>In the displayed dialogue:</a:t>
+              <a:t>Choose the key to be used</a:t>
             </a:r>
           </a:p>
           <a:p>
             <a:pPr lvl="1"/>
             <a:r>
               <a:rPr lang="en-US" dirty="0" smtClean="0"/>
-              <a:t>Enter an Application Name</a:t>
-            </a:r>
-          </a:p>
-          <a:p>
-            <a:pPr lvl="2"/>
-            <a:r>
-              <a:rPr lang="en-US" dirty="0" smtClean="0"/>
-              <a:t>Any alphanumeric is acceptable. The name is</a:t>
-            </a:r>
-            <a:br>
-              <a:rPr lang="en-US" dirty="0" smtClean="0"/>
-            </a:br>
-            <a:r>
-              <a:rPr lang="en-US" dirty="0" smtClean="0"/>
-              <a:t>used by you to identify this App (i.e. this</a:t>
-            </a:r>
-            <a:br>
-              <a:rPr lang="en-US" dirty="0" smtClean="0"/>
-            </a:br>
-            <a:r>
-              <a:rPr lang="en-US" dirty="0" smtClean="0"/>
-              <a:t>use of a particular key)</a:t>
+              <a:t>Key alias names are available for selection</a:t>
             </a:r>
           </a:p>
           <a:p>
             <a:pPr lvl="1"/>
             <a:r>
               <a:rPr lang="en-US" dirty="0" smtClean="0"/>
-              <a:t>(optional) a Description</a:t>
-            </a:r>
-          </a:p>
-          <a:p>
-            <a:pPr lvl="1"/>
-            <a:r>
-              <a:rPr lang="en-US" dirty="0" smtClean="0"/>
-              <a:t>Choose the key to be used</a:t>
-            </a:r>
-          </a:p>
-          <a:p>
-            <a:pPr lvl="2"/>
-            <a:r>
-              <a:rPr lang="en-US" dirty="0" smtClean="0"/>
-              <a:t>Key alias names are available for selection</a:t>
-            </a:r>
-          </a:p>
-          <a:p>
-            <a:pPr lvl="2"/>
-            <a:r>
-              <a:rPr lang="en-US" dirty="0" smtClean="0"/>
               <a:t>A new key may be created at this time</a:t>
             </a:r>
           </a:p>
           <a:p>
-            <a:pPr lvl="1"/>
-            <a:endParaRPr lang="en-US" dirty="0" smtClean="0"/>
+            <a:r>
+              <a:rPr lang="en-US" dirty="0" smtClean="0"/>
+              <a:t>Click Submit</a:t>
+            </a:r>
+          </a:p>
+          <a:p>
+            <a:r>
+              <a:rPr lang="en-US" dirty="0" smtClean="0"/>
+              <a:t>Your dashboard is redisplayed</a:t>
+            </a:r>
           </a:p>
         </p:txBody>
       </p:sp>
@@ -8965,7 +8851,7 @@
           <a:p>
             <a:r>
               <a:rPr lang="en-US" dirty="0" smtClean="0"/>
-              <a:t>Creating an App (2)</a:t>
+              <a:t>Creating an App (3)</a:t>
             </a:r>
             <a:endParaRPr lang="en-US" dirty="0"/>
           </a:p>
@@ -9000,7 +8886,7 @@
       </p:sp>
       <p:pic>
         <p:nvPicPr>
-          <p:cNvPr id="8" name="Picture 7"/>
+          <p:cNvPr id="10" name="Picture 9"/>
           <p:cNvPicPr>
             <a:picLocks noChangeAspect="1"/>
           </p:cNvPicPr>
@@ -9014,8 +8900,8 @@
         </p:blipFill>
         <p:spPr>
           <a:xfrm>
-            <a:off x="4796728" y="1316875"/>
-            <a:ext cx="4187584" cy="1988142"/>
+            <a:off x="5124694" y="668616"/>
+            <a:ext cx="3738485" cy="1932924"/>
           </a:xfrm>
           <a:prstGeom prst="rect">
             <a:avLst/>
@@ -9030,8 +8916,8 @@
         </p:nvSpPr>
         <p:spPr bwMode="gray">
           <a:xfrm>
-            <a:off x="2347994" y="1867551"/>
-            <a:ext cx="2580467" cy="85240"/>
+            <a:off x="1945038" y="2440988"/>
+            <a:ext cx="5129939" cy="92985"/>
           </a:xfrm>
           <a:prstGeom prst="rightArrow">
             <a:avLst/>
@@ -9088,7 +8974,7 @@
     </p:spTree>
     <p:extLst>
       <p:ext uri="{BB962C8B-B14F-4D97-AF65-F5344CB8AC3E}">
-        <p14:creationId xmlns:p14="http://schemas.microsoft.com/office/powerpoint/2010/main" val="2163120365"/>
+        <p14:creationId xmlns:p14="http://schemas.microsoft.com/office/powerpoint/2010/main" val="3867393338"/>
       </p:ext>
     </p:extLst>
   </p:cSld>
@@ -9323,33 +9209,70 @@
           <a:p>
             <a:r>
               <a:rPr lang="en-US" dirty="0" smtClean="0"/>
-              <a:t>Choose the key to be used</a:t>
-            </a:r>
-          </a:p>
-          <a:p>
-            <a:pPr lvl="1"/>
-            <a:r>
-              <a:rPr lang="en-US" dirty="0" smtClean="0"/>
-              <a:t>Key alias names are available for selection</a:t>
-            </a:r>
-          </a:p>
-          <a:p>
-            <a:pPr lvl="1"/>
-            <a:r>
-              <a:rPr lang="en-US" dirty="0" smtClean="0"/>
-              <a:t>A new key may be created at this time</a:t>
-            </a:r>
-          </a:p>
-          <a:p>
-            <a:r>
-              <a:rPr lang="en-US" dirty="0" smtClean="0"/>
-              <a:t>Click Submit</a:t>
-            </a:r>
-          </a:p>
-          <a:p>
-            <a:r>
-              <a:rPr lang="en-US" dirty="0" smtClean="0"/>
-              <a:t>Your dashboard is redisplayed</a:t>
+              <a:t>Notice, the key you associated with the</a:t>
+            </a:r>
+            <a:br>
+              <a:rPr lang="en-US" dirty="0" smtClean="0"/>
+            </a:br>
+            <a:r>
+              <a:rPr lang="en-US" dirty="0" smtClean="0"/>
+              <a:t>App is shown, BUT it is not yet ACTIVE.</a:t>
+            </a:r>
+          </a:p>
+          <a:p>
+            <a:endParaRPr lang="en-US" dirty="0"/>
+          </a:p>
+          <a:p>
+            <a:r>
+              <a:rPr lang="en-US" dirty="0" smtClean="0"/>
+              <a:t>Click the checkbox to make the key </a:t>
+            </a:r>
+            <a:br>
+              <a:rPr lang="en-US" dirty="0" smtClean="0"/>
+            </a:br>
+            <a:r>
+              <a:rPr lang="en-US" dirty="0" smtClean="0"/>
+              <a:t>ACTIVE – you must activate the key in</a:t>
+            </a:r>
+            <a:br>
+              <a:rPr lang="en-US" dirty="0" smtClean="0"/>
+            </a:br>
+            <a:r>
+              <a:rPr lang="en-US" dirty="0" smtClean="0"/>
+              <a:t>order to use it.</a:t>
+            </a:r>
+          </a:p>
+          <a:p>
+            <a:r>
+              <a:rPr lang="en-US" dirty="0" smtClean="0"/>
+              <a:t>Once activated, the display is changed.</a:t>
+            </a:r>
+            <a:br>
+              <a:rPr lang="en-US" dirty="0" smtClean="0"/>
+            </a:br>
+            <a:r>
+              <a:rPr lang="en-US" dirty="0" smtClean="0"/>
+              <a:t>Note the display of the key.</a:t>
+            </a:r>
+          </a:p>
+          <a:p>
+            <a:r>
+              <a:rPr lang="en-US" dirty="0" smtClean="0"/>
+              <a:t>Apps for the sandbox are </a:t>
+            </a:r>
+            <a:br>
+              <a:rPr lang="en-US" dirty="0" smtClean="0"/>
+            </a:br>
+            <a:r>
+              <a:rPr lang="en-US" dirty="0" smtClean="0"/>
+              <a:t>automatically approved for use with</a:t>
+            </a:r>
+            <a:br>
+              <a:rPr lang="en-US" dirty="0" smtClean="0"/>
+            </a:br>
+            <a:r>
+              <a:rPr lang="en-US" dirty="0" smtClean="0"/>
+              <a:t>the sandbox API data.</a:t>
             </a:r>
           </a:p>
         </p:txBody>
@@ -9396,336 +9319,6 @@
               <a:rPr lang="en-US" smtClean="0"/>
               <a:pPr/>
               <a:t>20</a:t>
-            </a:fld>
-            <a:endParaRPr lang="en-US" dirty="0"/>
-          </a:p>
-        </p:txBody>
-      </p:sp>
-      <p:sp>
-        <p:nvSpPr>
-          <p:cNvPr id="5" name="Footer Placeholder 4"/>
-          <p:cNvSpPr>
-            <a:spLocks noGrp="1"/>
-          </p:cNvSpPr>
-          <p:nvPr>
-            <p:ph type="ftr" sz="quarter" idx="12"/>
-          </p:nvPr>
-        </p:nvSpPr>
-        <p:spPr/>
-        <p:txBody>
-          <a:bodyPr/>
-          <a:lstStyle/>
-          <a:p>
-            <a:endParaRPr lang="en-US" dirty="0"/>
-          </a:p>
-        </p:txBody>
-      </p:sp>
-      <p:sp>
-        <p:nvSpPr>
-          <p:cNvPr id="6" name="Title 5"/>
-          <p:cNvSpPr>
-            <a:spLocks noGrp="1"/>
-          </p:cNvSpPr>
-          <p:nvPr>
-            <p:ph type="title"/>
-          </p:nvPr>
-        </p:nvSpPr>
-        <p:spPr/>
-        <p:txBody>
-          <a:bodyPr/>
-          <a:lstStyle/>
-          <a:p>
-            <a:r>
-              <a:rPr lang="en-US" dirty="0" smtClean="0"/>
-              <a:t>Creating an App (3)</a:t>
-            </a:r>
-            <a:endParaRPr lang="en-US" dirty="0"/>
-          </a:p>
-        </p:txBody>
-      </p:sp>
-      <p:sp>
-        <p:nvSpPr>
-          <p:cNvPr id="7" name="Text Placeholder 6"/>
-          <p:cNvSpPr>
-            <a:spLocks noGrp="1"/>
-          </p:cNvSpPr>
-          <p:nvPr>
-            <p:ph type="body" sz="quarter" idx="15"/>
-          </p:nvPr>
-        </p:nvSpPr>
-        <p:spPr/>
-        <p:txBody>
-          <a:bodyPr/>
-          <a:lstStyle/>
-          <a:p>
-            <a:r>
-              <a:rPr lang="en-US" dirty="0"/>
-              <a:t>Customer API How </a:t>
-            </a:r>
-            <a:r>
-              <a:rPr lang="en-US" dirty="0" smtClean="0"/>
-              <a:t>To</a:t>
-            </a:r>
-            <a:endParaRPr lang="en-US" dirty="0"/>
-          </a:p>
-        </p:txBody>
-      </p:sp>
-      <p:pic>
-        <p:nvPicPr>
-          <p:cNvPr id="10" name="Picture 9"/>
-          <p:cNvPicPr>
-            <a:picLocks noChangeAspect="1"/>
-          </p:cNvPicPr>
-          <p:nvPr/>
-        </p:nvPicPr>
-        <p:blipFill>
-          <a:blip r:embed="rId2"/>
-          <a:stretch>
-            <a:fillRect/>
-          </a:stretch>
-        </p:blipFill>
-        <p:spPr>
-          <a:xfrm>
-            <a:off x="5124694" y="668616"/>
-            <a:ext cx="3738485" cy="1932924"/>
-          </a:xfrm>
-          <a:prstGeom prst="rect">
-            <a:avLst/>
-          </a:prstGeom>
-        </p:spPr>
-      </p:pic>
-      <p:sp>
-        <p:nvSpPr>
-          <p:cNvPr id="9" name="Right Arrow 8"/>
-          <p:cNvSpPr/>
-          <p:nvPr/>
-        </p:nvSpPr>
-        <p:spPr bwMode="gray">
-          <a:xfrm>
-            <a:off x="1945038" y="2440988"/>
-            <a:ext cx="5129939" cy="92985"/>
-          </a:xfrm>
-          <a:prstGeom prst="rightArrow">
-            <a:avLst/>
-          </a:prstGeom>
-          <a:solidFill>
-            <a:schemeClr val="accent1"/>
-          </a:solidFill>
-          <a:ln w="9525" cap="flat" cmpd="sng" algn="ctr">
-            <a:noFill/>
-            <a:prstDash val="solid"/>
-            <a:round/>
-            <a:headEnd type="none" w="med" len="med"/>
-            <a:tailEnd type="none" w="med" len="med"/>
-          </a:ln>
-          <a:effectLst/>
-        </p:spPr>
-        <p:txBody>
-          <a:bodyPr vert="horz" wrap="square" lIns="91440" tIns="45720" rIns="91440" bIns="45720" numCol="1" rtlCol="0" anchor="ctr" anchorCtr="0" compatLnSpc="1">
-            <a:prstTxWarp prst="textNoShape">
-              <a:avLst/>
-            </a:prstTxWarp>
-          </a:bodyPr>
-          <a:lstStyle/>
-          <a:p>
-            <a:pPr marL="0" marR="0" indent="0" algn="l" defTabSz="914400" rtl="0" eaLnBrk="1" fontAlgn="base" latinLnBrk="0" hangingPunct="1">
-              <a:lnSpc>
-                <a:spcPct val="100000"/>
-              </a:lnSpc>
-              <a:spcBef>
-                <a:spcPct val="0"/>
-              </a:spcBef>
-              <a:spcAft>
-                <a:spcPct val="0"/>
-              </a:spcAft>
-              <a:buClrTx/>
-              <a:buSzTx/>
-              <a:buFontTx/>
-              <a:buNone/>
-              <a:tabLst/>
-            </a:pPr>
-            <a:endParaRPr kumimoji="0" lang="en-US" sz="2000" b="0" i="0" u="none" strike="noStrike" cap="none" normalizeH="0" baseline="0" dirty="0" smtClean="0">
-              <a:ln>
-                <a:noFill/>
-              </a:ln>
-              <a:solidFill>
-                <a:schemeClr val="bg1"/>
-              </a:solidFill>
-              <a:effectLst/>
-              <a:latin typeface="Arial" pitchFamily="2" charset="0"/>
-            </a:endParaRPr>
-          </a:p>
-        </p:txBody>
-      </p:sp>
-    </p:spTree>
-    <p:extLst>
-      <p:ext uri="{BB962C8B-B14F-4D97-AF65-F5344CB8AC3E}">
-        <p14:creationId xmlns:p14="http://schemas.microsoft.com/office/powerpoint/2010/main" val="3867393338"/>
-      </p:ext>
-    </p:extLst>
-  </p:cSld>
-  <p:clrMapOvr>
-    <a:masterClrMapping/>
-  </p:clrMapOvr>
-  <p:timing>
-    <p:tnLst>
-      <p:par>
-        <p:cTn id="1" dur="indefinite" restart="never" nodeType="tmRoot"/>
-      </p:par>
-    </p:tnLst>
-  </p:timing>
-</p:sld>
-</file>
-
-<file path=ppt/slides/slide21.xml><?xml version="1.0" encoding="utf-8"?>
-<p:sld xmlns:a="http://schemas.openxmlformats.org/drawingml/2006/main" xmlns:r="http://schemas.openxmlformats.org/officeDocument/2006/relationships" xmlns:p="http://schemas.openxmlformats.org/presentationml/2006/main">
-  <p:cSld>
-    <p:spTree>
-      <p:nvGrpSpPr>
-        <p:cNvPr id="1" name=""/>
-        <p:cNvGrpSpPr/>
-        <p:nvPr/>
-      </p:nvGrpSpPr>
-      <p:grpSpPr>
-        <a:xfrm>
-          <a:off x="0" y="0"/>
-          <a:ext cx="0" cy="0"/>
-          <a:chOff x="0" y="0"/>
-          <a:chExt cx="0" cy="0"/>
-        </a:xfrm>
-      </p:grpSpPr>
-      <p:sp>
-        <p:nvSpPr>
-          <p:cNvPr id="2" name="Text Placeholder 1"/>
-          <p:cNvSpPr>
-            <a:spLocks noGrp="1"/>
-          </p:cNvSpPr>
-          <p:nvPr>
-            <p:ph type="body" sz="quarter" idx="13"/>
-          </p:nvPr>
-        </p:nvSpPr>
-        <p:spPr>
-          <a:xfrm>
-            <a:off x="274638" y="1402597"/>
-            <a:ext cx="7415212" cy="3221977"/>
-          </a:xfrm>
-        </p:spPr>
-        <p:txBody>
-          <a:bodyPr/>
-          <a:lstStyle/>
-          <a:p>
-            <a:r>
-              <a:rPr lang="en-US" dirty="0" smtClean="0"/>
-              <a:t>Notice, the key you associated with the</a:t>
-            </a:r>
-            <a:br>
-              <a:rPr lang="en-US" dirty="0" smtClean="0"/>
-            </a:br>
-            <a:r>
-              <a:rPr lang="en-US" dirty="0" smtClean="0"/>
-              <a:t>App is shown, BUT it is not yet ACTIVE.</a:t>
-            </a:r>
-          </a:p>
-          <a:p>
-            <a:endParaRPr lang="en-US" dirty="0"/>
-          </a:p>
-          <a:p>
-            <a:r>
-              <a:rPr lang="en-US" dirty="0" smtClean="0"/>
-              <a:t>Click the checkbox to make the key </a:t>
-            </a:r>
-            <a:br>
-              <a:rPr lang="en-US" dirty="0" smtClean="0"/>
-            </a:br>
-            <a:r>
-              <a:rPr lang="en-US" dirty="0" smtClean="0"/>
-              <a:t>ACTIVE – you must activate the key in</a:t>
-            </a:r>
-            <a:br>
-              <a:rPr lang="en-US" dirty="0" smtClean="0"/>
-            </a:br>
-            <a:r>
-              <a:rPr lang="en-US" dirty="0" smtClean="0"/>
-              <a:t>order to use it.</a:t>
-            </a:r>
-          </a:p>
-          <a:p>
-            <a:r>
-              <a:rPr lang="en-US" dirty="0" smtClean="0"/>
-              <a:t>Once activated, the display is changed.</a:t>
-            </a:r>
-            <a:br>
-              <a:rPr lang="en-US" dirty="0" smtClean="0"/>
-            </a:br>
-            <a:r>
-              <a:rPr lang="en-US" dirty="0" smtClean="0"/>
-              <a:t>Note the display of the key.</a:t>
-            </a:r>
-          </a:p>
-          <a:p>
-            <a:r>
-              <a:rPr lang="en-US" dirty="0" smtClean="0"/>
-              <a:t>Apps for the sandbox are </a:t>
-            </a:r>
-            <a:br>
-              <a:rPr lang="en-US" dirty="0" smtClean="0"/>
-            </a:br>
-            <a:r>
-              <a:rPr lang="en-US" dirty="0" smtClean="0"/>
-              <a:t>automatically approved for use with</a:t>
-            </a:r>
-            <a:br>
-              <a:rPr lang="en-US" dirty="0" smtClean="0"/>
-            </a:br>
-            <a:r>
-              <a:rPr lang="en-US" dirty="0" smtClean="0"/>
-              <a:t>the sandbox API data.</a:t>
-            </a:r>
-          </a:p>
-        </p:txBody>
-      </p:sp>
-      <p:sp>
-        <p:nvSpPr>
-          <p:cNvPr id="3" name="Date Placeholder 2"/>
-          <p:cNvSpPr>
-            <a:spLocks noGrp="1"/>
-          </p:cNvSpPr>
-          <p:nvPr>
-            <p:ph type="dt" sz="half" idx="10"/>
-          </p:nvPr>
-        </p:nvSpPr>
-        <p:spPr/>
-        <p:txBody>
-          <a:bodyPr/>
-          <a:lstStyle/>
-          <a:p>
-            <a:r>
-              <a:rPr lang="en-US" smtClean="0"/>
-              <a:t>October 21, 2015</a:t>
-            </a:r>
-            <a:endParaRPr lang="en-US" dirty="0" smtClean="0"/>
-          </a:p>
-        </p:txBody>
-      </p:sp>
-      <p:sp>
-        <p:nvSpPr>
-          <p:cNvPr id="4" name="Slide Number Placeholder 3"/>
-          <p:cNvSpPr>
-            <a:spLocks noGrp="1"/>
-          </p:cNvSpPr>
-          <p:nvPr>
-            <p:ph type="sldNum" sz="quarter" idx="11"/>
-          </p:nvPr>
-        </p:nvSpPr>
-        <p:spPr/>
-        <p:txBody>
-          <a:bodyPr/>
-          <a:lstStyle/>
-          <a:p>
-            <a:fld id="{5698A34F-157D-4FC3-B6AE-341A8B909DED}" type="slidenum">
-              <a:rPr lang="en-US" smtClean="0"/>
-              <a:pPr/>
-              <a:t>21</a:t>
             </a:fld>
             <a:endParaRPr lang="en-US" dirty="0"/>
           </a:p>
@@ -9994,6 +9587,273 @@
 </p:sld>
 </file>
 
+<file path=ppt/slides/slide21.xml><?xml version="1.0" encoding="utf-8"?>
+<p:sld xmlns:a="http://schemas.openxmlformats.org/drawingml/2006/main" xmlns:r="http://schemas.openxmlformats.org/officeDocument/2006/relationships" xmlns:p="http://schemas.openxmlformats.org/presentationml/2006/main">
+  <p:cSld>
+    <p:spTree>
+      <p:nvGrpSpPr>
+        <p:cNvPr id="1" name=""/>
+        <p:cNvGrpSpPr/>
+        <p:nvPr/>
+      </p:nvGrpSpPr>
+      <p:grpSpPr>
+        <a:xfrm>
+          <a:off x="0" y="0"/>
+          <a:ext cx="0" cy="0"/>
+          <a:chOff x="0" y="0"/>
+          <a:chExt cx="0" cy="0"/>
+        </a:xfrm>
+      </p:grpSpPr>
+      <p:sp>
+        <p:nvSpPr>
+          <p:cNvPr id="2" name="Text Placeholder 1"/>
+          <p:cNvSpPr>
+            <a:spLocks noGrp="1"/>
+          </p:cNvSpPr>
+          <p:nvPr>
+            <p:ph type="body" sz="quarter" idx="13"/>
+          </p:nvPr>
+        </p:nvSpPr>
+        <p:spPr>
+          <a:xfrm>
+            <a:off x="274638" y="1402597"/>
+            <a:ext cx="7415212" cy="3221977"/>
+          </a:xfrm>
+        </p:spPr>
+        <p:txBody>
+          <a:bodyPr/>
+          <a:lstStyle/>
+          <a:p>
+            <a:r>
+              <a:rPr lang="en-US" dirty="0" smtClean="0"/>
+              <a:t>Now that you have an </a:t>
+            </a:r>
+            <a:r>
+              <a:rPr lang="en-US" i="1" dirty="0" smtClean="0"/>
+              <a:t>active</a:t>
+            </a:r>
+            <a:r>
+              <a:rPr lang="en-US" dirty="0"/>
+              <a:t> </a:t>
+            </a:r>
+            <a:r>
+              <a:rPr lang="en-US" dirty="0" smtClean="0"/>
+              <a:t>sandbox key, associated with an App, that is approved by MasterCard …</a:t>
+            </a:r>
+          </a:p>
+          <a:p>
+            <a:r>
+              <a:rPr lang="en-US" dirty="0" smtClean="0"/>
+              <a:t>You need to develop a system/application that you can use to access the API that uses the active key.</a:t>
+            </a:r>
+          </a:p>
+          <a:p>
+            <a:r>
+              <a:rPr lang="en-US" dirty="0" smtClean="0"/>
+              <a:t>You also need to use the appropriate sandbox URL:</a:t>
+            </a:r>
+          </a:p>
+          <a:p>
+            <a:pPr lvl="1"/>
+            <a:r>
+              <a:rPr lang="en-US" dirty="0" smtClean="0"/>
+              <a:t>For SpendingPulse™:</a:t>
+            </a:r>
+            <a:br>
+              <a:rPr lang="en-US" dirty="0" smtClean="0"/>
+            </a:br>
+            <a:r>
+              <a:rPr lang="en-US" sz="1600" dirty="0" smtClean="0">
+                <a:hlinkClick r:id="rId2"/>
+              </a:rPr>
+              <a:t>https</a:t>
+            </a:r>
+            <a:r>
+              <a:rPr lang="en-US" sz="1600" dirty="0">
+                <a:hlinkClick r:id="rId2"/>
+              </a:rPr>
+              <a:t>://</a:t>
+            </a:r>
+            <a:r>
+              <a:rPr lang="en-US" sz="1600" dirty="0" smtClean="0">
+                <a:hlinkClick r:id="rId2"/>
+              </a:rPr>
+              <a:t>sandbox.api.mastercard.com/spendingpulse/v1/spulse.svc/subscription</a:t>
+            </a:r>
+            <a:r>
+              <a:rPr lang="en-US" sz="1600" dirty="0" smtClean="0"/>
+              <a:t> </a:t>
+            </a:r>
+            <a:br>
+              <a:rPr lang="en-US" sz="1600" dirty="0" smtClean="0"/>
+            </a:br>
+            <a:endParaRPr lang="en-US" sz="1600" dirty="0" smtClean="0"/>
+          </a:p>
+          <a:p>
+            <a:pPr lvl="1"/>
+            <a:r>
+              <a:rPr lang="en-US" dirty="0" smtClean="0"/>
+              <a:t>For Sector Insights™:</a:t>
+            </a:r>
+            <a:br>
+              <a:rPr lang="en-US" dirty="0" smtClean="0"/>
+            </a:br>
+            <a:r>
+              <a:rPr lang="en-US" sz="1600" dirty="0">
+                <a:hlinkClick r:id="rId3"/>
+              </a:rPr>
+              <a:t>https://</a:t>
+            </a:r>
+            <a:r>
+              <a:rPr lang="en-US" sz="1600" dirty="0" smtClean="0">
+                <a:hlinkClick r:id="rId3"/>
+              </a:rPr>
+              <a:t>sandbox.api.mastercard.com/sectorinsights/v1/sectins.svc/parameters</a:t>
+            </a:r>
+            <a:r>
+              <a:rPr lang="en-US" sz="1600" dirty="0" smtClean="0"/>
+              <a:t> </a:t>
+            </a:r>
+            <a:endParaRPr lang="en-US" sz="1600" dirty="0"/>
+          </a:p>
+        </p:txBody>
+      </p:sp>
+      <p:sp>
+        <p:nvSpPr>
+          <p:cNvPr id="3" name="Date Placeholder 2"/>
+          <p:cNvSpPr>
+            <a:spLocks noGrp="1"/>
+          </p:cNvSpPr>
+          <p:nvPr>
+            <p:ph type="dt" sz="half" idx="10"/>
+          </p:nvPr>
+        </p:nvSpPr>
+        <p:spPr/>
+        <p:txBody>
+          <a:bodyPr/>
+          <a:lstStyle/>
+          <a:p>
+            <a:r>
+              <a:rPr lang="en-US" smtClean="0"/>
+              <a:t>October 21, 2015</a:t>
+            </a:r>
+            <a:endParaRPr lang="en-US" dirty="0" smtClean="0"/>
+          </a:p>
+        </p:txBody>
+      </p:sp>
+      <p:sp>
+        <p:nvSpPr>
+          <p:cNvPr id="4" name="Slide Number Placeholder 3"/>
+          <p:cNvSpPr>
+            <a:spLocks noGrp="1"/>
+          </p:cNvSpPr>
+          <p:nvPr>
+            <p:ph type="sldNum" sz="quarter" idx="11"/>
+          </p:nvPr>
+        </p:nvSpPr>
+        <p:spPr/>
+        <p:txBody>
+          <a:bodyPr/>
+          <a:lstStyle/>
+          <a:p>
+            <a:fld id="{5698A34F-157D-4FC3-B6AE-341A8B909DED}" type="slidenum">
+              <a:rPr lang="en-US" smtClean="0"/>
+              <a:pPr/>
+              <a:t>21</a:t>
+            </a:fld>
+            <a:endParaRPr lang="en-US" dirty="0"/>
+          </a:p>
+        </p:txBody>
+      </p:sp>
+      <p:sp>
+        <p:nvSpPr>
+          <p:cNvPr id="5" name="Footer Placeholder 4"/>
+          <p:cNvSpPr>
+            <a:spLocks noGrp="1"/>
+          </p:cNvSpPr>
+          <p:nvPr>
+            <p:ph type="ftr" sz="quarter" idx="12"/>
+          </p:nvPr>
+        </p:nvSpPr>
+        <p:spPr/>
+        <p:txBody>
+          <a:bodyPr/>
+          <a:lstStyle/>
+          <a:p>
+            <a:endParaRPr lang="en-US" dirty="0"/>
+          </a:p>
+        </p:txBody>
+      </p:sp>
+      <p:sp>
+        <p:nvSpPr>
+          <p:cNvPr id="6" name="Title 5"/>
+          <p:cNvSpPr>
+            <a:spLocks noGrp="1"/>
+          </p:cNvSpPr>
+          <p:nvPr>
+            <p:ph type="title"/>
+          </p:nvPr>
+        </p:nvSpPr>
+        <p:spPr/>
+        <p:txBody>
+          <a:bodyPr/>
+          <a:lstStyle/>
+          <a:p>
+            <a:r>
+              <a:rPr lang="en-US" dirty="0" smtClean="0"/>
+              <a:t>Use the Active Key in Your Code</a:t>
+            </a:r>
+            <a:endParaRPr lang="en-US" dirty="0"/>
+          </a:p>
+        </p:txBody>
+      </p:sp>
+      <p:sp>
+        <p:nvSpPr>
+          <p:cNvPr id="7" name="Text Placeholder 6"/>
+          <p:cNvSpPr>
+            <a:spLocks noGrp="1"/>
+          </p:cNvSpPr>
+          <p:nvPr>
+            <p:ph type="body" sz="quarter" idx="15"/>
+          </p:nvPr>
+        </p:nvSpPr>
+        <p:spPr/>
+        <p:txBody>
+          <a:bodyPr/>
+          <a:lstStyle/>
+          <a:p>
+            <a:r>
+              <a:rPr lang="en-US" dirty="0"/>
+              <a:t>Customer API How </a:t>
+            </a:r>
+            <a:r>
+              <a:rPr lang="en-US" dirty="0" smtClean="0"/>
+              <a:t>To</a:t>
+            </a:r>
+            <a:endParaRPr lang="en-US" dirty="0"/>
+          </a:p>
+        </p:txBody>
+      </p:sp>
+    </p:spTree>
+    <p:extLst>
+      <p:ext uri="{BB962C8B-B14F-4D97-AF65-F5344CB8AC3E}">
+        <p14:creationId xmlns:p14="http://schemas.microsoft.com/office/powerpoint/2010/main" val="3984128008"/>
+      </p:ext>
+    </p:extLst>
+  </p:cSld>
+  <p:clrMapOvr>
+    <a:masterClrMapping/>
+  </p:clrMapOvr>
+  <p:timing>
+    <p:tnLst>
+      <p:par>
+        <p:cTn id="1" dur="indefinite" restart="never" nodeType="tmRoot"/>
+      </p:par>
+    </p:tnLst>
+  </p:timing>
+</p:sld>
+</file>
+
 <file path=ppt/slides/slide22.xml><?xml version="1.0" encoding="utf-8"?>
 <p:sld xmlns:a="http://schemas.openxmlformats.org/drawingml/2006/main" xmlns:r="http://schemas.openxmlformats.org/officeDocument/2006/relationships" xmlns:p="http://schemas.openxmlformats.org/presentationml/2006/main">
   <p:cSld>
@@ -10023,8 +9883,8 @@
         </p:nvSpPr>
         <p:spPr>
           <a:xfrm>
-            <a:off x="274638" y="1402597"/>
-            <a:ext cx="7415212" cy="3221977"/>
+            <a:off x="274638" y="1600199"/>
+            <a:ext cx="5108024" cy="3032124"/>
           </a:xfrm>
         </p:spPr>
         <p:txBody>
@@ -10033,95 +9893,41 @@
           <a:p>
             <a:r>
               <a:rPr lang="en-US" dirty="0" smtClean="0"/>
-              <a:t>Now that you have an </a:t>
+              <a:t>To access the production API you must have a </a:t>
             </a:r>
             <a:r>
               <a:rPr lang="en-US" i="1" dirty="0" smtClean="0"/>
-              <a:t>active</a:t>
-            </a:r>
-            <a:r>
-              <a:rPr lang="en-US" dirty="0"/>
-              <a:t> </a:t>
-            </a:r>
-            <a:r>
-              <a:rPr lang="en-US" dirty="0" smtClean="0"/>
-              <a:t>sandbox key, associated with an App, that is approved by MasterCard …</a:t>
-            </a:r>
-          </a:p>
-          <a:p>
-            <a:r>
-              <a:rPr lang="en-US" dirty="0" smtClean="0"/>
-              <a:t>You need to develop a system/application that you can use to access the API that uses the active key.</a:t>
-            </a:r>
-          </a:p>
-          <a:p>
-            <a:r>
-              <a:rPr lang="en-US" dirty="0" smtClean="0"/>
-              <a:t>You also need to use the appropriate sandbox URL:</a:t>
+              <a:t>production</a:t>
+            </a:r>
+            <a:r>
+              <a:rPr lang="en-US" dirty="0" smtClean="0"/>
+              <a:t> key.</a:t>
             </a:r>
           </a:p>
           <a:p>
             <a:pPr lvl="1"/>
             <a:r>
               <a:rPr lang="en-US" dirty="0" smtClean="0"/>
-              <a:t>For SpendingPulse™:</a:t>
-            </a:r>
-            <a:br>
-              <a:rPr lang="en-US" dirty="0" smtClean="0"/>
-            </a:br>
-            <a:r>
-              <a:rPr lang="en-US" sz="1600" dirty="0" smtClean="0">
-                <a:hlinkClick r:id="rId2"/>
-              </a:rPr>
-              <a:t>https</a:t>
-            </a:r>
-            <a:r>
-              <a:rPr lang="en-US" sz="1600" dirty="0">
-                <a:hlinkClick r:id="rId2"/>
-              </a:rPr>
-              <a:t>://</a:t>
-            </a:r>
-            <a:r>
-              <a:rPr lang="en-US" sz="1600" dirty="0" smtClean="0">
-                <a:hlinkClick r:id="rId2"/>
-              </a:rPr>
-              <a:t>sandbox.api.mastercard.com/spendingpulse/v1/spulse.svc/subscription</a:t>
-            </a:r>
-            <a:r>
-              <a:rPr lang="en-US" sz="1600" dirty="0" smtClean="0"/>
-              <a:t> </a:t>
-            </a:r>
-            <a:br>
-              <a:rPr lang="en-US" sz="1600" dirty="0" smtClean="0"/>
-            </a:br>
-            <a:endParaRPr lang="en-US" sz="1600" dirty="0" smtClean="0"/>
+              <a:t>Review slides 7-14</a:t>
+            </a:r>
           </a:p>
           <a:p>
             <a:pPr lvl="1"/>
             <a:r>
               <a:rPr lang="en-US" dirty="0" smtClean="0"/>
-              <a:t>For Sector Insights™:</a:t>
-            </a:r>
-            <a:br>
-              <a:rPr lang="en-US" dirty="0" smtClean="0"/>
-            </a:br>
-            <a:r>
-              <a:rPr lang="en-US" sz="1600" dirty="0">
-                <a:hlinkClick r:id="rId3"/>
-              </a:rPr>
-              <a:t>https://</a:t>
-            </a:r>
-            <a:r>
-              <a:rPr lang="en-US" sz="1600" dirty="0" smtClean="0">
-                <a:hlinkClick r:id="rId3"/>
-              </a:rPr>
-              <a:t>sandbox.api.mastercard.com/sectorinsights/v1/sectins.svc/parameters</a:t>
-            </a:r>
-            <a:r>
-              <a:rPr lang="en-US" sz="1600" dirty="0" smtClean="0"/>
-              <a:t> </a:t>
-            </a:r>
-            <a:endParaRPr lang="en-US" sz="1600" dirty="0"/>
+              <a:t>Generate a new key (see slides 9-10)</a:t>
+            </a:r>
+          </a:p>
+          <a:p>
+            <a:pPr lvl="1"/>
+            <a:r>
+              <a:rPr lang="en-US" dirty="0" smtClean="0"/>
+              <a:t>In the “Add a Key” dialogue (see slide 11) choose “Production”</a:t>
+            </a:r>
+          </a:p>
+          <a:p>
+            <a:pPr lvl="1"/>
+            <a:endParaRPr lang="en-US" dirty="0"/>
           </a:p>
         </p:txBody>
       </p:sp>
@@ -10208,7 +10014,7 @@
           <a:p>
             <a:r>
               <a:rPr lang="en-US" dirty="0" smtClean="0"/>
-              <a:t>Use the Active Key in Your Code</a:t>
+              <a:t>Production API (1)</a:t>
             </a:r>
             <a:endParaRPr lang="en-US" dirty="0"/>
           </a:p>
@@ -10230,21 +10036,104 @@
           <a:lstStyle/>
           <a:p>
             <a:r>
-              <a:rPr lang="en-US" dirty="0"/>
-              <a:t>Customer API How </a:t>
-            </a:r>
-            <a:r>
-              <a:rPr lang="en-US" dirty="0" smtClean="0"/>
-              <a:t>To</a:t>
-            </a:r>
-            <a:endParaRPr lang="en-US" dirty="0"/>
+              <a:rPr lang="en-US" dirty="0" smtClean="0"/>
+              <a:t>Customer API How To</a:t>
+            </a:r>
+            <a:endParaRPr lang="en-US" dirty="0"/>
+          </a:p>
+        </p:txBody>
+      </p:sp>
+      <p:pic>
+        <p:nvPicPr>
+          <p:cNvPr id="8" name="Picture 7"/>
+          <p:cNvPicPr>
+            <a:picLocks noChangeAspect="1"/>
+          </p:cNvPicPr>
+          <p:nvPr/>
+        </p:nvPicPr>
+        <p:blipFill>
+          <a:blip r:embed="rId2"/>
+          <a:stretch>
+            <a:fillRect/>
+          </a:stretch>
+        </p:blipFill>
+        <p:spPr>
+          <a:xfrm>
+            <a:off x="5376484" y="2357057"/>
+            <a:ext cx="3611821" cy="2268223"/>
+          </a:xfrm>
+          <a:prstGeom prst="rect">
+            <a:avLst/>
+          </a:prstGeom>
+        </p:spPr>
+      </p:pic>
+      <p:sp>
+        <p:nvSpPr>
+          <p:cNvPr id="9" name="Right Arrow 8"/>
+          <p:cNvSpPr/>
+          <p:nvPr/>
+        </p:nvSpPr>
+        <p:spPr bwMode="gray">
+          <a:xfrm>
+            <a:off x="2866212" y="3145414"/>
+            <a:ext cx="3148508" cy="92985"/>
+          </a:xfrm>
+          <a:prstGeom prst="rightArrow">
+            <a:avLst/>
+          </a:prstGeom>
+          <a:solidFill>
+            <a:schemeClr val="accent1"/>
+          </a:solidFill>
+          <a:ln w="9525" cap="flat" cmpd="sng" algn="ctr">
+            <a:noFill/>
+            <a:prstDash val="solid"/>
+            <a:round/>
+            <a:headEnd type="none" w="med" len="med"/>
+            <a:tailEnd type="none" w="med" len="med"/>
+          </a:ln>
+          <a:effectLst/>
+        </p:spPr>
+        <p:txBody>
+          <a:bodyPr vert="horz" wrap="square" lIns="91440" tIns="45720" rIns="91440" bIns="45720" numCol="1" rtlCol="0" anchor="ctr" anchorCtr="0" compatLnSpc="1">
+            <a:prstTxWarp prst="textNoShape">
+              <a:avLst/>
+            </a:prstTxWarp>
+          </a:bodyPr>
+          <a:lstStyle/>
+          <a:p>
+            <a:pPr marL="0" marR="0" indent="0" algn="l" defTabSz="914400" rtl="0" eaLnBrk="1" fontAlgn="base" latinLnBrk="0" hangingPunct="1">
+              <a:lnSpc>
+                <a:spcPct val="100000"/>
+              </a:lnSpc>
+              <a:spcBef>
+                <a:spcPct val="0"/>
+              </a:spcBef>
+              <a:spcAft>
+                <a:spcPct val="0"/>
+              </a:spcAft>
+              <a:buClrTx/>
+              <a:buSzTx/>
+              <a:buFontTx/>
+              <a:buNone/>
+              <a:tabLst/>
+            </a:pPr>
+            <a:endParaRPr kumimoji="0" lang="en-US" sz="2000" b="0" i="0" u="none" strike="noStrike" cap="none" normalizeH="0" baseline="0" dirty="0" smtClean="0">
+              <a:ln>
+                <a:noFill/>
+              </a:ln>
+              <a:solidFill>
+                <a:schemeClr val="bg1"/>
+              </a:solidFill>
+              <a:effectLst/>
+              <a:latin typeface="Arial" pitchFamily="2" charset="0"/>
+            </a:endParaRPr>
           </a:p>
         </p:txBody>
       </p:sp>
     </p:spTree>
     <p:extLst>
       <p:ext uri="{BB962C8B-B14F-4D97-AF65-F5344CB8AC3E}">
-        <p14:creationId xmlns:p14="http://schemas.microsoft.com/office/powerpoint/2010/main" val="3984128008"/>
+        <p14:creationId xmlns:p14="http://schemas.microsoft.com/office/powerpoint/2010/main" val="72586017"/>
       </p:ext>
     </p:extLst>
   </p:cSld>
@@ -10291,7 +10180,7 @@
         <p:spPr>
           <a:xfrm>
             <a:off x="274638" y="1600199"/>
-            <a:ext cx="5108024" cy="3032124"/>
+            <a:ext cx="3858789" cy="3032124"/>
           </a:xfrm>
         </p:spPr>
         <p:txBody>
@@ -10300,36 +10189,22 @@
           <a:p>
             <a:r>
               <a:rPr lang="en-US" dirty="0" smtClean="0"/>
-              <a:t>To access the production API you must have a </a:t>
-            </a:r>
-            <a:r>
-              <a:rPr lang="en-US" i="1" dirty="0" smtClean="0"/>
-              <a:t>production</a:t>
-            </a:r>
-            <a:r>
-              <a:rPr lang="en-US" dirty="0" smtClean="0"/>
-              <a:t> key.</a:t>
-            </a:r>
-          </a:p>
-          <a:p>
-            <a:pPr lvl="1"/>
-            <a:r>
-              <a:rPr lang="en-US" dirty="0" smtClean="0"/>
-              <a:t>Review slides 7-14</a:t>
-            </a:r>
-          </a:p>
-          <a:p>
-            <a:pPr lvl="1"/>
-            <a:r>
-              <a:rPr lang="en-US" dirty="0" smtClean="0"/>
-              <a:t>Generate a new key (see slides 9-10)</a:t>
-            </a:r>
-          </a:p>
-          <a:p>
-            <a:pPr lvl="1"/>
-            <a:r>
-              <a:rPr lang="en-US" dirty="0" smtClean="0"/>
-              <a:t>In the “Add a Key” dialogue (see slide 11) choose “Production”</a:t>
+              <a:t>You may create a new App or use any existing App in order to associate the new production key with the App.</a:t>
+            </a:r>
+          </a:p>
+          <a:p>
+            <a:r>
+              <a:rPr lang="en-US" dirty="0" smtClean="0"/>
+              <a:t>In this example, the existing App (from slides 18-19) was used.</a:t>
+            </a:r>
+          </a:p>
+          <a:p>
+            <a:endParaRPr lang="en-US" dirty="0"/>
+          </a:p>
+          <a:p>
+            <a:r>
+              <a:rPr lang="en-US" dirty="0" smtClean="0"/>
+              <a:t>Note: this App is still associated with the sandbox key.</a:t>
             </a:r>
           </a:p>
           <a:p>
@@ -10421,7 +10296,7 @@
           <a:p>
             <a:r>
               <a:rPr lang="en-US" dirty="0" smtClean="0"/>
-              <a:t>Production API (1)</a:t>
+              <a:t>Production API (2)</a:t>
             </a:r>
             <a:endParaRPr lang="en-US" dirty="0"/>
           </a:p>
@@ -10452,7 +10327,7 @@
       </p:sp>
       <p:pic>
         <p:nvPicPr>
-          <p:cNvPr id="8" name="Picture 7"/>
+          <p:cNvPr id="10" name="Picture 9"/>
           <p:cNvPicPr>
             <a:picLocks noChangeAspect="1"/>
           </p:cNvPicPr>
@@ -10466,8 +10341,8 @@
         </p:blipFill>
         <p:spPr>
           <a:xfrm>
-            <a:off x="5376484" y="2357057"/>
-            <a:ext cx="3611821" cy="2268223"/>
+            <a:off x="4201160" y="1006348"/>
+            <a:ext cx="4712547" cy="3250586"/>
           </a:xfrm>
           <a:prstGeom prst="rect">
             <a:avLst/>
@@ -10476,14 +10351,14 @@
       </p:pic>
       <p:sp>
         <p:nvSpPr>
-          <p:cNvPr id="9" name="Right Arrow 8"/>
+          <p:cNvPr id="11" name="Right Arrow 10"/>
           <p:cNvSpPr/>
           <p:nvPr/>
         </p:nvSpPr>
         <p:spPr bwMode="gray">
           <a:xfrm>
-            <a:off x="2866212" y="3145414"/>
-            <a:ext cx="3148508" cy="92985"/>
+            <a:off x="2011680" y="3311427"/>
+            <a:ext cx="3174734" cy="92985"/>
           </a:xfrm>
           <a:prstGeom prst="rightArrow">
             <a:avLst/>
@@ -10540,7 +10415,7 @@
     </p:spTree>
     <p:extLst>
       <p:ext uri="{BB962C8B-B14F-4D97-AF65-F5344CB8AC3E}">
-        <p14:creationId xmlns:p14="http://schemas.microsoft.com/office/powerpoint/2010/main" val="72586017"/>
+        <p14:creationId xmlns:p14="http://schemas.microsoft.com/office/powerpoint/2010/main" val="270153099"/>
       </p:ext>
     </p:extLst>
   </p:cSld>
@@ -10596,26 +10471,20 @@
           <a:p>
             <a:r>
               <a:rPr lang="en-US" dirty="0" smtClean="0"/>
-              <a:t>You may create a new App or use any existing App in order to associate the new production key with the App.</a:t>
-            </a:r>
-          </a:p>
-          <a:p>
-            <a:r>
-              <a:rPr lang="en-US" dirty="0" smtClean="0"/>
-              <a:t>In this example, the existing App (from slides 18-19) was used.</a:t>
-            </a:r>
-          </a:p>
-          <a:p>
-            <a:endParaRPr lang="en-US" dirty="0"/>
-          </a:p>
-          <a:p>
-            <a:r>
-              <a:rPr lang="en-US" dirty="0" smtClean="0"/>
-              <a:t>Note: this App is still associated with the sandbox key.</a:t>
-            </a:r>
-          </a:p>
-          <a:p>
-            <a:pPr lvl="1"/>
+              <a:t>You will receive an email verifying that the key is now available.</a:t>
+            </a:r>
+          </a:p>
+          <a:p>
+            <a:r>
+              <a:rPr lang="en-US" dirty="0" smtClean="0"/>
+              <a:t>As that email states, however, there is a further step you must take in order to access production data.</a:t>
+            </a:r>
+          </a:p>
+          <a:p>
+            <a:r>
+              <a:rPr lang="en-US" dirty="0" smtClean="0"/>
+              <a:t>Click “Add Prod Service”</a:t>
+            </a:r>
             <a:endParaRPr lang="en-US" dirty="0"/>
           </a:p>
         </p:txBody>
@@ -10703,7 +10572,7 @@
           <a:p>
             <a:r>
               <a:rPr lang="en-US" dirty="0" smtClean="0"/>
-              <a:t>Production API (2)</a:t>
+              <a:t>Production API (3)</a:t>
             </a:r>
             <a:endParaRPr lang="en-US" dirty="0"/>
           </a:p>
@@ -10763,9 +10632,9 @@
           <p:nvPr/>
         </p:nvSpPr>
         <p:spPr bwMode="gray">
-          <a:xfrm>
-            <a:off x="2011680" y="3311427"/>
-            <a:ext cx="3174734" cy="92985"/>
+          <a:xfrm rot="19638458">
+            <a:off x="2824430" y="2692861"/>
+            <a:ext cx="3638329" cy="87171"/>
           </a:xfrm>
           <a:prstGeom prst="rightArrow">
             <a:avLst/>
@@ -10822,7 +10691,7 @@
     </p:spTree>
     <p:extLst>
       <p:ext uri="{BB962C8B-B14F-4D97-AF65-F5344CB8AC3E}">
-        <p14:creationId xmlns:p14="http://schemas.microsoft.com/office/powerpoint/2010/main" val="270153099"/>
+        <p14:creationId xmlns:p14="http://schemas.microsoft.com/office/powerpoint/2010/main" val="1440313063"/>
       </p:ext>
     </p:extLst>
   </p:cSld>
@@ -10869,7 +10738,7 @@
         <p:spPr>
           <a:xfrm>
             <a:off x="274638" y="1600199"/>
-            <a:ext cx="3858789" cy="3032124"/>
+            <a:ext cx="5191435" cy="3032124"/>
           </a:xfrm>
         </p:spPr>
         <p:txBody>
@@ -10878,19 +10747,19 @@
           <a:p>
             <a:r>
               <a:rPr lang="en-US" dirty="0" smtClean="0"/>
-              <a:t>You will receive an email verifying that the key is now available.</a:t>
-            </a:r>
-          </a:p>
-          <a:p>
-            <a:r>
-              <a:rPr lang="en-US" dirty="0" smtClean="0"/>
-              <a:t>As that email states, however, there is a further step you must take in order to access production data.</a:t>
-            </a:r>
-          </a:p>
-          <a:p>
-            <a:r>
-              <a:rPr lang="en-US" dirty="0" smtClean="0"/>
-              <a:t>Click “Add Prod Service”</a:t>
+              <a:t>If you have not yet completed your profile, you will now be prompted to complete it.</a:t>
+            </a:r>
+          </a:p>
+          <a:p>
+            <a:r>
+              <a:rPr lang="en-US" dirty="0" smtClean="0"/>
+              <a:t>Click “Submit” and the “Production Service Request” dialogue is displayed. Scroll down and choose either “Sector Insights” or “SpendingPulse”.</a:t>
+            </a:r>
+          </a:p>
+          <a:p>
+            <a:r>
+              <a:rPr lang="en-US" dirty="0" smtClean="0"/>
+              <a:t>Click “Next”</a:t>
             </a:r>
             <a:endParaRPr lang="en-US" dirty="0"/>
           </a:p>
@@ -10979,7 +10848,7 @@
           <a:p>
             <a:r>
               <a:rPr lang="en-US" dirty="0" smtClean="0"/>
-              <a:t>Production API (3)</a:t>
+              <a:t>Production API (4)</a:t>
             </a:r>
             <a:endParaRPr lang="en-US" dirty="0"/>
           </a:p>
@@ -11010,7 +10879,7 @@
       </p:sp>
       <p:pic>
         <p:nvPicPr>
-          <p:cNvPr id="10" name="Picture 9"/>
+          <p:cNvPr id="8" name="Picture 7"/>
           <p:cNvPicPr>
             <a:picLocks noChangeAspect="1"/>
           </p:cNvPicPr>
@@ -11024,8 +10893,8 @@
         </p:blipFill>
         <p:spPr>
           <a:xfrm>
-            <a:off x="4201160" y="1006348"/>
-            <a:ext cx="4712547" cy="3250586"/>
+            <a:off x="5466073" y="327100"/>
+            <a:ext cx="3018789" cy="2004196"/>
           </a:xfrm>
           <a:prstGeom prst="rect">
             <a:avLst/>
@@ -11034,14 +10903,14 @@
       </p:pic>
       <p:sp>
         <p:nvSpPr>
-          <p:cNvPr id="11" name="Right Arrow 10"/>
+          <p:cNvPr id="12" name="Right Arrow 11"/>
           <p:cNvSpPr/>
           <p:nvPr/>
         </p:nvSpPr>
         <p:spPr bwMode="gray">
-          <a:xfrm rot="19638458">
-            <a:off x="2824430" y="2692861"/>
-            <a:ext cx="3638329" cy="87171"/>
+          <a:xfrm>
+            <a:off x="4907492" y="2015879"/>
+            <a:ext cx="822748" cy="92985"/>
           </a:xfrm>
           <a:prstGeom prst="rightArrow">
             <a:avLst/>
@@ -11095,10 +10964,97 @@
           </a:p>
         </p:txBody>
       </p:sp>
+      <p:pic>
+        <p:nvPicPr>
+          <p:cNvPr id="14" name="Picture 13"/>
+          <p:cNvPicPr>
+            <a:picLocks noChangeAspect="1"/>
+          </p:cNvPicPr>
+          <p:nvPr/>
+        </p:nvPicPr>
+        <p:blipFill>
+          <a:blip r:embed="rId3"/>
+          <a:stretch>
+            <a:fillRect/>
+          </a:stretch>
+        </p:blipFill>
+        <p:spPr>
+          <a:xfrm>
+            <a:off x="5466073" y="2621173"/>
+            <a:ext cx="2530136" cy="2084832"/>
+          </a:xfrm>
+          <a:prstGeom prst="rect">
+            <a:avLst/>
+          </a:prstGeom>
+        </p:spPr>
+      </p:pic>
+      <p:sp>
+        <p:nvSpPr>
+          <p:cNvPr id="13" name="Right Arrow 12"/>
+          <p:cNvSpPr/>
+          <p:nvPr/>
+        </p:nvSpPr>
+        <p:spPr bwMode="gray">
+          <a:xfrm rot="2497576">
+            <a:off x="4337743" y="3354320"/>
+            <a:ext cx="1460315" cy="85807"/>
+          </a:xfrm>
+          <a:prstGeom prst="rightArrow">
+            <a:avLst/>
+          </a:prstGeom>
+          <a:solidFill>
+            <a:schemeClr val="accent1"/>
+          </a:solidFill>
+          <a:ln w="9525" cap="flat" cmpd="sng" algn="ctr">
+            <a:noFill/>
+            <a:prstDash val="solid"/>
+            <a:round/>
+            <a:headEnd type="none" w="med" len="med"/>
+            <a:tailEnd type="none" w="med" len="med"/>
+          </a:ln>
+          <a:effectLst/>
+        </p:spPr>
+        <p:txBody>
+          <a:bodyPr vert="horz" wrap="square" lIns="91440" tIns="45720" rIns="91440" bIns="45720" numCol="1" rtlCol="0" anchor="ctr" anchorCtr="0" compatLnSpc="1">
+            <a:prstTxWarp prst="textNoShape">
+              <a:avLst/>
+            </a:prstTxWarp>
+          </a:bodyPr>
+          <a:lstStyle/>
+          <a:p>
+            <a:pPr marL="0" marR="0" indent="0" algn="l" defTabSz="914400" rtl="0" eaLnBrk="1" fontAlgn="base" latinLnBrk="0" hangingPunct="1">
+              <a:lnSpc>
+                <a:spcPct val="100000"/>
+              </a:lnSpc>
+              <a:spcBef>
+                <a:spcPct val="0"/>
+              </a:spcBef>
+              <a:spcAft>
+                <a:spcPct val="0"/>
+              </a:spcAft>
+              <a:buClrTx/>
+              <a:buSzTx/>
+              <a:buFontTx/>
+              <a:buNone/>
+              <a:tabLst/>
+            </a:pPr>
+            <a:endParaRPr kumimoji="0" lang="en-US" sz="2000" b="0" i="0" u="none" strike="noStrike" cap="none" normalizeH="0" baseline="0" dirty="0" smtClean="0">
+              <a:ln>
+                <a:noFill/>
+              </a:ln>
+              <a:solidFill>
+                <a:schemeClr val="bg1"/>
+              </a:solidFill>
+              <a:effectLst/>
+              <a:latin typeface="Arial" pitchFamily="2" charset="0"/>
+            </a:endParaRPr>
+          </a:p>
+        </p:txBody>
+      </p:sp>
     </p:spTree>
     <p:extLst>
       <p:ext uri="{BB962C8B-B14F-4D97-AF65-F5344CB8AC3E}">
-        <p14:creationId xmlns:p14="http://schemas.microsoft.com/office/powerpoint/2010/main" val="1440313063"/>
+        <p14:creationId xmlns:p14="http://schemas.microsoft.com/office/powerpoint/2010/main" val="979097041"/>
       </p:ext>
     </p:extLst>
   </p:cSld>
@@ -11154,19 +11110,22 @@
           <a:p>
             <a:r>
               <a:rPr lang="en-US" dirty="0" smtClean="0"/>
-              <a:t>If you have not yet completed your profile, you will now be prompted to complete it.</a:t>
-            </a:r>
-          </a:p>
-          <a:p>
-            <a:r>
-              <a:rPr lang="en-US" dirty="0" smtClean="0"/>
-              <a:t>Click “Submit” and the “Production Service Request” dialogue is displayed. Scroll down and choose either “Sector Insights” or “SpendingPulse”.</a:t>
-            </a:r>
-          </a:p>
-          <a:p>
-            <a:r>
-              <a:rPr lang="en-US" dirty="0" smtClean="0"/>
-              <a:t>Click “Next”</a:t>
+              <a:t>You are prompted to certify that you have read and agreed to the Sector Insights™ or SpendingPulse™ Terms and Conditions.</a:t>
+            </a:r>
+          </a:p>
+          <a:p>
+            <a:endParaRPr lang="en-US" dirty="0"/>
+          </a:p>
+          <a:p>
+            <a:r>
+              <a:rPr lang="en-US" dirty="0" smtClean="0"/>
+              <a:t>Click “Submit” and your production request is queued for review and approval by MasterCard. </a:t>
+            </a:r>
+          </a:p>
+          <a:p>
+            <a:r>
+              <a:rPr lang="en-US" dirty="0" smtClean="0"/>
+              <a:t>The response to your request is sent to the email address you have on file in the API.</a:t>
             </a:r>
             <a:endParaRPr lang="en-US" dirty="0"/>
           </a:p>
@@ -11214,372 +11173,6 @@
               <a:rPr lang="en-US" smtClean="0"/>
               <a:pPr/>
               <a:t>26</a:t>
-            </a:fld>
-            <a:endParaRPr lang="en-US" dirty="0"/>
-          </a:p>
-        </p:txBody>
-      </p:sp>
-      <p:sp>
-        <p:nvSpPr>
-          <p:cNvPr id="5" name="Footer Placeholder 4"/>
-          <p:cNvSpPr>
-            <a:spLocks noGrp="1"/>
-          </p:cNvSpPr>
-          <p:nvPr>
-            <p:ph type="ftr" sz="quarter" idx="12"/>
-          </p:nvPr>
-        </p:nvSpPr>
-        <p:spPr/>
-        <p:txBody>
-          <a:bodyPr/>
-          <a:lstStyle/>
-          <a:p>
-            <a:endParaRPr lang="en-US" dirty="0"/>
-          </a:p>
-        </p:txBody>
-      </p:sp>
-      <p:sp>
-        <p:nvSpPr>
-          <p:cNvPr id="6" name="Title 5"/>
-          <p:cNvSpPr>
-            <a:spLocks noGrp="1"/>
-          </p:cNvSpPr>
-          <p:nvPr>
-            <p:ph type="title"/>
-          </p:nvPr>
-        </p:nvSpPr>
-        <p:spPr/>
-        <p:txBody>
-          <a:bodyPr/>
-          <a:lstStyle/>
-          <a:p>
-            <a:r>
-              <a:rPr lang="en-US" dirty="0" smtClean="0"/>
-              <a:t>Production API (4)</a:t>
-            </a:r>
-            <a:endParaRPr lang="en-US" dirty="0"/>
-          </a:p>
-        </p:txBody>
-      </p:sp>
-      <p:sp>
-        <p:nvSpPr>
-          <p:cNvPr id="7" name="Text Placeholder 6"/>
-          <p:cNvSpPr>
-            <a:spLocks noGrp="1"/>
-          </p:cNvSpPr>
-          <p:nvPr>
-            <p:ph type="body" sz="quarter" idx="15"/>
-          </p:nvPr>
-        </p:nvSpPr>
-        <p:spPr/>
-        <p:txBody>
-          <a:bodyPr/>
-          <a:lstStyle/>
-          <a:p>
-            <a:r>
-              <a:rPr lang="en-US" dirty="0" smtClean="0"/>
-              <a:t>Customer API How To</a:t>
-            </a:r>
-            <a:endParaRPr lang="en-US" dirty="0"/>
-          </a:p>
-        </p:txBody>
-      </p:sp>
-      <p:pic>
-        <p:nvPicPr>
-          <p:cNvPr id="8" name="Picture 7"/>
-          <p:cNvPicPr>
-            <a:picLocks noChangeAspect="1"/>
-          </p:cNvPicPr>
-          <p:nvPr/>
-        </p:nvPicPr>
-        <p:blipFill>
-          <a:blip r:embed="rId2"/>
-          <a:stretch>
-            <a:fillRect/>
-          </a:stretch>
-        </p:blipFill>
-        <p:spPr>
-          <a:xfrm>
-            <a:off x="5466073" y="327100"/>
-            <a:ext cx="3018789" cy="2004196"/>
-          </a:xfrm>
-          <a:prstGeom prst="rect">
-            <a:avLst/>
-          </a:prstGeom>
-        </p:spPr>
-      </p:pic>
-      <p:sp>
-        <p:nvSpPr>
-          <p:cNvPr id="12" name="Right Arrow 11"/>
-          <p:cNvSpPr/>
-          <p:nvPr/>
-        </p:nvSpPr>
-        <p:spPr bwMode="gray">
-          <a:xfrm>
-            <a:off x="4907492" y="2015879"/>
-            <a:ext cx="822748" cy="92985"/>
-          </a:xfrm>
-          <a:prstGeom prst="rightArrow">
-            <a:avLst/>
-          </a:prstGeom>
-          <a:solidFill>
-            <a:schemeClr val="accent1"/>
-          </a:solidFill>
-          <a:ln w="9525" cap="flat" cmpd="sng" algn="ctr">
-            <a:noFill/>
-            <a:prstDash val="solid"/>
-            <a:round/>
-            <a:headEnd type="none" w="med" len="med"/>
-            <a:tailEnd type="none" w="med" len="med"/>
-          </a:ln>
-          <a:effectLst/>
-        </p:spPr>
-        <p:txBody>
-          <a:bodyPr vert="horz" wrap="square" lIns="91440" tIns="45720" rIns="91440" bIns="45720" numCol="1" rtlCol="0" anchor="ctr" anchorCtr="0" compatLnSpc="1">
-            <a:prstTxWarp prst="textNoShape">
-              <a:avLst/>
-            </a:prstTxWarp>
-          </a:bodyPr>
-          <a:lstStyle/>
-          <a:p>
-            <a:pPr marL="0" marR="0" indent="0" algn="l" defTabSz="914400" rtl="0" eaLnBrk="1" fontAlgn="base" latinLnBrk="0" hangingPunct="1">
-              <a:lnSpc>
-                <a:spcPct val="100000"/>
-              </a:lnSpc>
-              <a:spcBef>
-                <a:spcPct val="0"/>
-              </a:spcBef>
-              <a:spcAft>
-                <a:spcPct val="0"/>
-              </a:spcAft>
-              <a:buClrTx/>
-              <a:buSzTx/>
-              <a:buFontTx/>
-              <a:buNone/>
-              <a:tabLst/>
-            </a:pPr>
-            <a:endParaRPr kumimoji="0" lang="en-US" sz="2000" b="0" i="0" u="none" strike="noStrike" cap="none" normalizeH="0" baseline="0" dirty="0" smtClean="0">
-              <a:ln>
-                <a:noFill/>
-              </a:ln>
-              <a:solidFill>
-                <a:schemeClr val="bg1"/>
-              </a:solidFill>
-              <a:effectLst/>
-              <a:latin typeface="Arial" pitchFamily="2" charset="0"/>
-            </a:endParaRPr>
-          </a:p>
-        </p:txBody>
-      </p:sp>
-      <p:pic>
-        <p:nvPicPr>
-          <p:cNvPr id="14" name="Picture 13"/>
-          <p:cNvPicPr>
-            <a:picLocks noChangeAspect="1"/>
-          </p:cNvPicPr>
-          <p:nvPr/>
-        </p:nvPicPr>
-        <p:blipFill>
-          <a:blip r:embed="rId3"/>
-          <a:stretch>
-            <a:fillRect/>
-          </a:stretch>
-        </p:blipFill>
-        <p:spPr>
-          <a:xfrm>
-            <a:off x="5466073" y="2621173"/>
-            <a:ext cx="2530136" cy="2084832"/>
-          </a:xfrm>
-          <a:prstGeom prst="rect">
-            <a:avLst/>
-          </a:prstGeom>
-        </p:spPr>
-      </p:pic>
-      <p:sp>
-        <p:nvSpPr>
-          <p:cNvPr id="13" name="Right Arrow 12"/>
-          <p:cNvSpPr/>
-          <p:nvPr/>
-        </p:nvSpPr>
-        <p:spPr bwMode="gray">
-          <a:xfrm rot="2497576">
-            <a:off x="4337743" y="3354320"/>
-            <a:ext cx="1460315" cy="85807"/>
-          </a:xfrm>
-          <a:prstGeom prst="rightArrow">
-            <a:avLst/>
-          </a:prstGeom>
-          <a:solidFill>
-            <a:schemeClr val="accent1"/>
-          </a:solidFill>
-          <a:ln w="9525" cap="flat" cmpd="sng" algn="ctr">
-            <a:noFill/>
-            <a:prstDash val="solid"/>
-            <a:round/>
-            <a:headEnd type="none" w="med" len="med"/>
-            <a:tailEnd type="none" w="med" len="med"/>
-          </a:ln>
-          <a:effectLst/>
-        </p:spPr>
-        <p:txBody>
-          <a:bodyPr vert="horz" wrap="square" lIns="91440" tIns="45720" rIns="91440" bIns="45720" numCol="1" rtlCol="0" anchor="ctr" anchorCtr="0" compatLnSpc="1">
-            <a:prstTxWarp prst="textNoShape">
-              <a:avLst/>
-            </a:prstTxWarp>
-          </a:bodyPr>
-          <a:lstStyle/>
-          <a:p>
-            <a:pPr marL="0" marR="0" indent="0" algn="l" defTabSz="914400" rtl="0" eaLnBrk="1" fontAlgn="base" latinLnBrk="0" hangingPunct="1">
-              <a:lnSpc>
-                <a:spcPct val="100000"/>
-              </a:lnSpc>
-              <a:spcBef>
-                <a:spcPct val="0"/>
-              </a:spcBef>
-              <a:spcAft>
-                <a:spcPct val="0"/>
-              </a:spcAft>
-              <a:buClrTx/>
-              <a:buSzTx/>
-              <a:buFontTx/>
-              <a:buNone/>
-              <a:tabLst/>
-            </a:pPr>
-            <a:endParaRPr kumimoji="0" lang="en-US" sz="2000" b="0" i="0" u="none" strike="noStrike" cap="none" normalizeH="0" baseline="0" dirty="0" smtClean="0">
-              <a:ln>
-                <a:noFill/>
-              </a:ln>
-              <a:solidFill>
-                <a:schemeClr val="bg1"/>
-              </a:solidFill>
-              <a:effectLst/>
-              <a:latin typeface="Arial" pitchFamily="2" charset="0"/>
-            </a:endParaRPr>
-          </a:p>
-        </p:txBody>
-      </p:sp>
-    </p:spTree>
-    <p:extLst>
-      <p:ext uri="{BB962C8B-B14F-4D97-AF65-F5344CB8AC3E}">
-        <p14:creationId xmlns:p14="http://schemas.microsoft.com/office/powerpoint/2010/main" val="979097041"/>
-      </p:ext>
-    </p:extLst>
-  </p:cSld>
-  <p:clrMapOvr>
-    <a:masterClrMapping/>
-  </p:clrMapOvr>
-  <p:timing>
-    <p:tnLst>
-      <p:par>
-        <p:cTn id="1" dur="indefinite" restart="never" nodeType="tmRoot"/>
-      </p:par>
-    </p:tnLst>
-  </p:timing>
-</p:sld>
-</file>
-
-<file path=ppt/slides/slide27.xml><?xml version="1.0" encoding="utf-8"?>
-<p:sld xmlns:a="http://schemas.openxmlformats.org/drawingml/2006/main" xmlns:r="http://schemas.openxmlformats.org/officeDocument/2006/relationships" xmlns:p="http://schemas.openxmlformats.org/presentationml/2006/main">
-  <p:cSld>
-    <p:spTree>
-      <p:nvGrpSpPr>
-        <p:cNvPr id="1" name=""/>
-        <p:cNvGrpSpPr/>
-        <p:nvPr/>
-      </p:nvGrpSpPr>
-      <p:grpSpPr>
-        <a:xfrm>
-          <a:off x="0" y="0"/>
-          <a:ext cx="0" cy="0"/>
-          <a:chOff x="0" y="0"/>
-          <a:chExt cx="0" cy="0"/>
-        </a:xfrm>
-      </p:grpSpPr>
-      <p:sp>
-        <p:nvSpPr>
-          <p:cNvPr id="2" name="Text Placeholder 1"/>
-          <p:cNvSpPr>
-            <a:spLocks noGrp="1"/>
-          </p:cNvSpPr>
-          <p:nvPr>
-            <p:ph type="body" sz="quarter" idx="13"/>
-          </p:nvPr>
-        </p:nvSpPr>
-        <p:spPr>
-          <a:xfrm>
-            <a:off x="274638" y="1600199"/>
-            <a:ext cx="5191435" cy="3032124"/>
-          </a:xfrm>
-        </p:spPr>
-        <p:txBody>
-          <a:bodyPr/>
-          <a:lstStyle/>
-          <a:p>
-            <a:r>
-              <a:rPr lang="en-US" dirty="0" smtClean="0"/>
-              <a:t>You are prompted to certify that you have read and agreed to the Sector Insights™ or SpendingPulse™ Terms and Conditions.</a:t>
-            </a:r>
-          </a:p>
-          <a:p>
-            <a:endParaRPr lang="en-US" dirty="0"/>
-          </a:p>
-          <a:p>
-            <a:r>
-              <a:rPr lang="en-US" dirty="0" smtClean="0"/>
-              <a:t>Click “Submit” and your production request is queued for review and approval by MasterCard. </a:t>
-            </a:r>
-          </a:p>
-          <a:p>
-            <a:r>
-              <a:rPr lang="en-US" dirty="0" smtClean="0"/>
-              <a:t>The response to your request is sent to the email address you have on file in the API.</a:t>
-            </a:r>
-            <a:endParaRPr lang="en-US" dirty="0"/>
-          </a:p>
-        </p:txBody>
-      </p:sp>
-      <p:sp>
-        <p:nvSpPr>
-          <p:cNvPr id="3" name="Date Placeholder 2"/>
-          <p:cNvSpPr>
-            <a:spLocks noGrp="1"/>
-          </p:cNvSpPr>
-          <p:nvPr>
-            <p:ph type="dt" sz="half" idx="10"/>
-          </p:nvPr>
-        </p:nvSpPr>
-        <p:spPr/>
-        <p:txBody>
-          <a:bodyPr/>
-          <a:lstStyle/>
-          <a:p>
-            <a:r>
-              <a:rPr lang="en-US" smtClean="0"/>
-              <a:t>October 21, 2015</a:t>
-            </a:r>
-            <a:endParaRPr lang="en-US" dirty="0" smtClean="0"/>
-          </a:p>
-        </p:txBody>
-      </p:sp>
-      <p:sp>
-        <p:nvSpPr>
-          <p:cNvPr id="4" name="Slide Number Placeholder 3"/>
-          <p:cNvSpPr>
-            <a:spLocks noGrp="1"/>
-          </p:cNvSpPr>
-          <p:nvPr>
-            <p:ph type="sldNum" sz="quarter" idx="11"/>
-          </p:nvPr>
-        </p:nvSpPr>
-        <p:spPr/>
-        <p:txBody>
-          <a:bodyPr/>
-          <a:lstStyle/>
-          <a:p>
-            <a:fld id="{5698A34F-157D-4FC3-B6AE-341A8B909DED}" type="slidenum">
-              <a:rPr lang="en-US" smtClean="0"/>
-              <a:pPr/>
-              <a:t>27</a:t>
             </a:fld>
             <a:endParaRPr lang="en-US" dirty="0"/>
           </a:p>
@@ -11718,7 +11311,7 @@
 </p:sld>
 </file>
 
-<file path=ppt/slides/slide28.xml><?xml version="1.0" encoding="utf-8"?>
+<file path=ppt/slides/slide27.xml><?xml version="1.0" encoding="utf-8"?>
 <p:sld xmlns:a="http://schemas.openxmlformats.org/drawingml/2006/main" xmlns:r="http://schemas.openxmlformats.org/officeDocument/2006/relationships" xmlns:p="http://schemas.openxmlformats.org/presentationml/2006/main">
   <p:cSld>
     <p:spTree>
@@ -11809,7 +11402,7 @@
             <a:fld id="{5698A34F-157D-4FC3-B6AE-341A8B909DED}" type="slidenum">
               <a:rPr lang="en-US" smtClean="0"/>
               <a:pPr/>
-              <a:t>28</a:t>
+              <a:t>27</a:t>
             </a:fld>
             <a:endParaRPr lang="en-US" dirty="0"/>
           </a:p>
@@ -11859,7 +11452,7 @@
 </p:sld>
 </file>
 
-<file path=ppt/slides/slide29.xml><?xml version="1.0" encoding="utf-8"?>
+<file path=ppt/slides/slide28.xml><?xml version="1.0" encoding="utf-8"?>
 <p:sld xmlns:a="http://schemas.openxmlformats.org/drawingml/2006/main" xmlns:r="http://schemas.openxmlformats.org/officeDocument/2006/relationships" xmlns:p="http://schemas.openxmlformats.org/presentationml/2006/main">
   <p:cSld>
     <p:spTree>
@@ -11984,7 +11577,7 @@
             <a:fld id="{5698A34F-157D-4FC3-B6AE-341A8B909DED}" type="slidenum">
               <a:rPr lang="en-US" smtClean="0"/>
               <a:pPr/>
-              <a:t>29</a:t>
+              <a:t>28</a:t>
             </a:fld>
             <a:endParaRPr lang="en-US" dirty="0"/>
           </a:p>
@@ -12099,6 +11692,452 @@
 </p:sld>
 </file>
 
+<file path=ppt/slides/slide29.xml><?xml version="1.0" encoding="utf-8"?>
+<p:sld xmlns:a="http://schemas.openxmlformats.org/drawingml/2006/main" xmlns:r="http://schemas.openxmlformats.org/officeDocument/2006/relationships" xmlns:p="http://schemas.openxmlformats.org/presentationml/2006/main">
+  <p:cSld>
+    <p:spTree>
+      <p:nvGrpSpPr>
+        <p:cNvPr id="1" name=""/>
+        <p:cNvGrpSpPr/>
+        <p:nvPr/>
+      </p:nvGrpSpPr>
+      <p:grpSpPr>
+        <a:xfrm>
+          <a:off x="0" y="0"/>
+          <a:ext cx="0" cy="0"/>
+          <a:chOff x="0" y="0"/>
+          <a:chExt cx="0" cy="0"/>
+        </a:xfrm>
+      </p:grpSpPr>
+      <p:sp>
+        <p:nvSpPr>
+          <p:cNvPr id="2" name="Text Placeholder 1"/>
+          <p:cNvSpPr>
+            <a:spLocks noGrp="1"/>
+          </p:cNvSpPr>
+          <p:nvPr>
+            <p:ph type="body" sz="quarter" idx="13"/>
+          </p:nvPr>
+        </p:nvSpPr>
+        <p:spPr>
+          <a:xfrm>
+            <a:off x="274638" y="1369734"/>
+            <a:ext cx="8283029" cy="3320929"/>
+          </a:xfrm>
+        </p:spPr>
+        <p:txBody>
+          <a:bodyPr/>
+          <a:lstStyle/>
+          <a:p>
+            <a:r>
+              <a:rPr lang="en-US" dirty="0" smtClean="0"/>
+              <a:t>From the now displayed “Service </a:t>
+            </a:r>
+            <a:br>
+              <a:rPr lang="en-US" dirty="0" smtClean="0"/>
+            </a:br>
+            <a:r>
+              <a:rPr lang="en-US" dirty="0" smtClean="0"/>
+              <a:t>Management” list …</a:t>
+            </a:r>
+          </a:p>
+          <a:p>
+            <a:pPr lvl="1"/>
+            <a:r>
+              <a:rPr lang="en-US" dirty="0" smtClean="0"/>
+              <a:t>Click “Pending Key Requests”</a:t>
+            </a:r>
+          </a:p>
+          <a:p>
+            <a:pPr lvl="1"/>
+            <a:r>
+              <a:rPr lang="en-US" dirty="0" smtClean="0"/>
+              <a:t>Choose “Sector Insights” or </a:t>
+            </a:r>
+            <a:br>
+              <a:rPr lang="en-US" dirty="0" smtClean="0"/>
+            </a:br>
+            <a:r>
+              <a:rPr lang="en-US" dirty="0" smtClean="0"/>
+              <a:t>“SpendingPulse” from the </a:t>
+            </a:r>
+            <a:br>
+              <a:rPr lang="en-US" dirty="0" smtClean="0"/>
+            </a:br>
+            <a:r>
+              <a:rPr lang="en-US" dirty="0" smtClean="0"/>
+              <a:t>Service drop-down.</a:t>
+            </a:r>
+          </a:p>
+          <a:p>
+            <a:r>
+              <a:rPr lang="en-US" dirty="0" smtClean="0"/>
+              <a:t>If any key approval requests have been </a:t>
+            </a:r>
+            <a:br>
+              <a:rPr lang="en-US" dirty="0" smtClean="0"/>
+            </a:br>
+            <a:r>
+              <a:rPr lang="en-US" dirty="0" smtClean="0"/>
+              <a:t>submitted they will be displayed in the “Pending Request” list.</a:t>
+            </a:r>
+          </a:p>
+          <a:p>
+            <a:r>
+              <a:rPr lang="en-US" dirty="0" smtClean="0"/>
+              <a:t>Click through the “Profile”, “Address” and “App” tabs to insure you know whom it is that is making the request.</a:t>
+            </a:r>
+          </a:p>
+          <a:p>
+            <a:endParaRPr lang="en-US" dirty="0"/>
+          </a:p>
+        </p:txBody>
+      </p:sp>
+      <p:sp>
+        <p:nvSpPr>
+          <p:cNvPr id="3" name="Date Placeholder 2"/>
+          <p:cNvSpPr>
+            <a:spLocks noGrp="1"/>
+          </p:cNvSpPr>
+          <p:nvPr>
+            <p:ph type="dt" sz="half" idx="10"/>
+          </p:nvPr>
+        </p:nvSpPr>
+        <p:spPr/>
+        <p:txBody>
+          <a:bodyPr/>
+          <a:lstStyle/>
+          <a:p>
+            <a:r>
+              <a:rPr lang="en-US" smtClean="0"/>
+              <a:t>October 21, 2015</a:t>
+            </a:r>
+            <a:endParaRPr lang="en-US" dirty="0" smtClean="0"/>
+          </a:p>
+        </p:txBody>
+      </p:sp>
+      <p:sp>
+        <p:nvSpPr>
+          <p:cNvPr id="4" name="Slide Number Placeholder 3"/>
+          <p:cNvSpPr>
+            <a:spLocks noGrp="1"/>
+          </p:cNvSpPr>
+          <p:nvPr>
+            <p:ph type="sldNum" sz="quarter" idx="11"/>
+          </p:nvPr>
+        </p:nvSpPr>
+        <p:spPr/>
+        <p:txBody>
+          <a:bodyPr/>
+          <a:lstStyle/>
+          <a:p>
+            <a:fld id="{5698A34F-157D-4FC3-B6AE-341A8B909DED}" type="slidenum">
+              <a:rPr lang="en-US" smtClean="0"/>
+              <a:pPr/>
+              <a:t>29</a:t>
+            </a:fld>
+            <a:endParaRPr lang="en-US" dirty="0"/>
+          </a:p>
+        </p:txBody>
+      </p:sp>
+      <p:sp>
+        <p:nvSpPr>
+          <p:cNvPr id="5" name="Footer Placeholder 4"/>
+          <p:cNvSpPr>
+            <a:spLocks noGrp="1"/>
+          </p:cNvSpPr>
+          <p:nvPr>
+            <p:ph type="ftr" sz="quarter" idx="12"/>
+          </p:nvPr>
+        </p:nvSpPr>
+        <p:spPr/>
+        <p:txBody>
+          <a:bodyPr/>
+          <a:lstStyle/>
+          <a:p>
+            <a:endParaRPr lang="en-US" dirty="0"/>
+          </a:p>
+        </p:txBody>
+      </p:sp>
+      <p:sp>
+        <p:nvSpPr>
+          <p:cNvPr id="6" name="Title 5"/>
+          <p:cNvSpPr>
+            <a:spLocks noGrp="1"/>
+          </p:cNvSpPr>
+          <p:nvPr>
+            <p:ph type="title"/>
+          </p:nvPr>
+        </p:nvSpPr>
+        <p:spPr/>
+        <p:txBody>
+          <a:bodyPr/>
+          <a:lstStyle/>
+          <a:p>
+            <a:r>
+              <a:rPr lang="en-US" dirty="0" smtClean="0"/>
+              <a:t>Approve/Deny Key Requests (2)</a:t>
+            </a:r>
+            <a:endParaRPr lang="en-US" dirty="0"/>
+          </a:p>
+        </p:txBody>
+      </p:sp>
+      <p:sp>
+        <p:nvSpPr>
+          <p:cNvPr id="7" name="Text Placeholder 6"/>
+          <p:cNvSpPr>
+            <a:spLocks noGrp="1"/>
+          </p:cNvSpPr>
+          <p:nvPr>
+            <p:ph type="body" sz="quarter" idx="15"/>
+          </p:nvPr>
+        </p:nvSpPr>
+        <p:spPr/>
+        <p:txBody>
+          <a:bodyPr/>
+          <a:lstStyle/>
+          <a:p>
+            <a:r>
+              <a:rPr lang="en-US" dirty="0" smtClean="0"/>
+              <a:t>Administrator API How To</a:t>
+            </a:r>
+            <a:endParaRPr lang="en-US" dirty="0"/>
+          </a:p>
+        </p:txBody>
+      </p:sp>
+      <p:pic>
+        <p:nvPicPr>
+          <p:cNvPr id="9" name="Picture 8"/>
+          <p:cNvPicPr>
+            <a:picLocks noChangeAspect="1"/>
+          </p:cNvPicPr>
+          <p:nvPr/>
+        </p:nvPicPr>
+        <p:blipFill>
+          <a:blip r:embed="rId2"/>
+          <a:stretch>
+            <a:fillRect/>
+          </a:stretch>
+        </p:blipFill>
+        <p:spPr>
+          <a:xfrm>
+            <a:off x="4647618" y="1369734"/>
+            <a:ext cx="4161334" cy="1551532"/>
+          </a:xfrm>
+          <a:prstGeom prst="rect">
+            <a:avLst/>
+          </a:prstGeom>
+        </p:spPr>
+      </p:pic>
+      <p:sp>
+        <p:nvSpPr>
+          <p:cNvPr id="11" name="Right Arrow 10"/>
+          <p:cNvSpPr/>
+          <p:nvPr/>
+        </p:nvSpPr>
+        <p:spPr bwMode="gray">
+          <a:xfrm>
+            <a:off x="4305591" y="1600199"/>
+            <a:ext cx="342027" cy="137859"/>
+          </a:xfrm>
+          <a:prstGeom prst="rightArrow">
+            <a:avLst/>
+          </a:prstGeom>
+          <a:solidFill>
+            <a:schemeClr val="accent1"/>
+          </a:solidFill>
+          <a:ln w="9525" cap="flat" cmpd="sng" algn="ctr">
+            <a:noFill/>
+            <a:prstDash val="solid"/>
+            <a:round/>
+            <a:headEnd type="none" w="med" len="med"/>
+            <a:tailEnd type="none" w="med" len="med"/>
+          </a:ln>
+          <a:effectLst/>
+        </p:spPr>
+        <p:txBody>
+          <a:bodyPr vert="horz" wrap="square" lIns="91440" tIns="45720" rIns="91440" bIns="45720" numCol="1" rtlCol="0" anchor="ctr" anchorCtr="0" compatLnSpc="1">
+            <a:prstTxWarp prst="textNoShape">
+              <a:avLst/>
+            </a:prstTxWarp>
+          </a:bodyPr>
+          <a:lstStyle/>
+          <a:p>
+            <a:pPr marL="0" marR="0" indent="0" algn="l" defTabSz="914400" rtl="0" eaLnBrk="1" fontAlgn="base" latinLnBrk="0" hangingPunct="1">
+              <a:lnSpc>
+                <a:spcPct val="100000"/>
+              </a:lnSpc>
+              <a:spcBef>
+                <a:spcPct val="0"/>
+              </a:spcBef>
+              <a:spcAft>
+                <a:spcPct val="0"/>
+              </a:spcAft>
+              <a:buClrTx/>
+              <a:buSzTx/>
+              <a:buFontTx/>
+              <a:buNone/>
+              <a:tabLst/>
+            </a:pPr>
+            <a:endParaRPr kumimoji="0" lang="en-US" sz="2000" b="0" i="0" u="none" strike="noStrike" cap="none" normalizeH="0" baseline="0" dirty="0" smtClean="0">
+              <a:ln>
+                <a:noFill/>
+              </a:ln>
+              <a:solidFill>
+                <a:schemeClr val="bg1"/>
+              </a:solidFill>
+              <a:effectLst/>
+              <a:latin typeface="Arial" pitchFamily="2" charset="0"/>
+            </a:endParaRPr>
+          </a:p>
+        </p:txBody>
+      </p:sp>
+      <p:sp>
+        <p:nvSpPr>
+          <p:cNvPr id="12" name="Right Arrow 11"/>
+          <p:cNvSpPr/>
+          <p:nvPr/>
+        </p:nvSpPr>
+        <p:spPr bwMode="gray">
+          <a:xfrm rot="16200000">
+            <a:off x="7605796" y="1611566"/>
+            <a:ext cx="221621" cy="198886"/>
+          </a:xfrm>
+          <a:prstGeom prst="rightArrow">
+            <a:avLst/>
+          </a:prstGeom>
+          <a:solidFill>
+            <a:schemeClr val="accent1"/>
+          </a:solidFill>
+          <a:ln w="9525" cap="flat" cmpd="sng" algn="ctr">
+            <a:noFill/>
+            <a:prstDash val="solid"/>
+            <a:round/>
+            <a:headEnd type="none" w="med" len="med"/>
+            <a:tailEnd type="none" w="med" len="med"/>
+          </a:ln>
+          <a:effectLst/>
+        </p:spPr>
+        <p:txBody>
+          <a:bodyPr vert="horz" wrap="square" lIns="91440" tIns="45720" rIns="91440" bIns="45720" numCol="1" rtlCol="0" anchor="ctr" anchorCtr="0" compatLnSpc="1">
+            <a:prstTxWarp prst="textNoShape">
+              <a:avLst/>
+            </a:prstTxWarp>
+          </a:bodyPr>
+          <a:lstStyle/>
+          <a:p>
+            <a:pPr marL="0" marR="0" indent="0" algn="l" defTabSz="914400" rtl="0" eaLnBrk="1" fontAlgn="base" latinLnBrk="0" hangingPunct="1">
+              <a:lnSpc>
+                <a:spcPct val="100000"/>
+              </a:lnSpc>
+              <a:spcBef>
+                <a:spcPct val="0"/>
+              </a:spcBef>
+              <a:spcAft>
+                <a:spcPct val="0"/>
+              </a:spcAft>
+              <a:buClrTx/>
+              <a:buSzTx/>
+              <a:buFontTx/>
+              <a:buNone/>
+              <a:tabLst/>
+            </a:pPr>
+            <a:endParaRPr kumimoji="0" lang="en-US" sz="2000" b="0" i="0" u="none" strike="noStrike" cap="none" normalizeH="0" baseline="0" dirty="0" smtClean="0">
+              <a:ln>
+                <a:noFill/>
+              </a:ln>
+              <a:solidFill>
+                <a:schemeClr val="bg1"/>
+              </a:solidFill>
+              <a:effectLst/>
+              <a:latin typeface="Arial" pitchFamily="2" charset="0"/>
+            </a:endParaRPr>
+          </a:p>
+        </p:txBody>
+      </p:sp>
+      <p:sp>
+        <p:nvSpPr>
+          <p:cNvPr id="14" name="Right Arrow 13"/>
+          <p:cNvSpPr/>
+          <p:nvPr/>
+        </p:nvSpPr>
+        <p:spPr bwMode="gray">
+          <a:xfrm rot="16200000">
+            <a:off x="5756079" y="2911410"/>
+            <a:ext cx="788177" cy="124992"/>
+          </a:xfrm>
+          <a:prstGeom prst="rightArrow">
+            <a:avLst/>
+          </a:prstGeom>
+          <a:solidFill>
+            <a:schemeClr val="accent1"/>
+          </a:solidFill>
+          <a:ln w="9525" cap="flat" cmpd="sng" algn="ctr">
+            <a:noFill/>
+            <a:prstDash val="solid"/>
+            <a:round/>
+            <a:headEnd type="none" w="med" len="med"/>
+            <a:tailEnd type="none" w="med" len="med"/>
+          </a:ln>
+          <a:effectLst/>
+        </p:spPr>
+        <p:txBody>
+          <a:bodyPr vert="horz" wrap="square" lIns="91440" tIns="45720" rIns="91440" bIns="45720" numCol="1" rtlCol="0" anchor="ctr" anchorCtr="0" compatLnSpc="1">
+            <a:prstTxWarp prst="textNoShape">
+              <a:avLst/>
+            </a:prstTxWarp>
+          </a:bodyPr>
+          <a:lstStyle/>
+          <a:p>
+            <a:pPr marL="0" marR="0" indent="0" algn="l" defTabSz="914400" rtl="0" eaLnBrk="1" fontAlgn="base" latinLnBrk="0" hangingPunct="1">
+              <a:lnSpc>
+                <a:spcPct val="100000"/>
+              </a:lnSpc>
+              <a:spcBef>
+                <a:spcPct val="0"/>
+              </a:spcBef>
+              <a:spcAft>
+                <a:spcPct val="0"/>
+              </a:spcAft>
+              <a:buClrTx/>
+              <a:buSzTx/>
+              <a:buFontTx/>
+              <a:buNone/>
+              <a:tabLst/>
+            </a:pPr>
+            <a:endParaRPr kumimoji="0" lang="en-US" sz="2000" b="0" i="0" u="none" strike="noStrike" cap="none" normalizeH="0" baseline="0" dirty="0" smtClean="0">
+              <a:ln>
+                <a:noFill/>
+              </a:ln>
+              <a:solidFill>
+                <a:schemeClr val="bg1"/>
+              </a:solidFill>
+              <a:effectLst/>
+              <a:latin typeface="Arial" pitchFamily="2" charset="0"/>
+            </a:endParaRPr>
+          </a:p>
+        </p:txBody>
+      </p:sp>
+    </p:spTree>
+    <p:extLst>
+      <p:ext uri="{BB962C8B-B14F-4D97-AF65-F5344CB8AC3E}">
+        <p14:creationId xmlns:p14="http://schemas.microsoft.com/office/powerpoint/2010/main" val="2556694655"/>
+      </p:ext>
+    </p:extLst>
+  </p:cSld>
+  <p:clrMapOvr>
+    <a:masterClrMapping/>
+  </p:clrMapOvr>
+  <p:timing>
+    <p:tnLst>
+      <p:par>
+        <p:cTn id="1" dur="indefinite" restart="never" nodeType="tmRoot"/>
+      </p:par>
+    </p:tnLst>
+  </p:timing>
+</p:sld>
+</file>
+
 <file path=ppt/slides/slide3.xml><?xml version="1.0" encoding="utf-8"?>
 <p:sld xmlns:a="http://schemas.openxmlformats.org/drawingml/2006/main" xmlns:r="http://schemas.openxmlformats.org/officeDocument/2006/relationships" xmlns:p="http://schemas.openxmlformats.org/presentationml/2006/main">
   <p:cSld>
@@ -12279,61 +12318,41 @@
           <a:p>
             <a:r>
               <a:rPr lang="en-US" dirty="0" smtClean="0"/>
-              <a:t>From the now displayed “Service </a:t>
+              <a:t>Check the Salesforce Order Management system to determine if a valid and approved Service is in place for the API. If need be contact the salesperson/owner of the opportunity.</a:t>
+            </a:r>
+          </a:p>
+          <a:p>
+            <a:r>
+              <a:rPr lang="en-US" dirty="0" smtClean="0"/>
+              <a:t>If no valid and approved Service is in place:</a:t>
+            </a:r>
+          </a:p>
+          <a:p>
+            <a:pPr lvl="1"/>
+            <a:r>
+              <a:rPr lang="en-US" dirty="0" smtClean="0"/>
+              <a:t>And your investigation determines that a </a:t>
             </a:r>
             <a:br>
               <a:rPr lang="en-US" dirty="0" smtClean="0"/>
             </a:br>
             <a:r>
               <a:rPr lang="en-US" dirty="0" smtClean="0"/>
-              <a:t>Management” list …</a:t>
-            </a:r>
-          </a:p>
-          <a:p>
-            <a:pPr lvl="1"/>
-            <a:r>
-              <a:rPr lang="en-US" dirty="0" smtClean="0"/>
-              <a:t>Click “Pending Key Requests”</a:t>
-            </a:r>
-          </a:p>
-          <a:p>
-            <a:pPr lvl="1"/>
-            <a:r>
-              <a:rPr lang="en-US" dirty="0" smtClean="0"/>
-              <a:t>Choose “Sector Insights” or </a:t>
+              <a:t>valid/approved Service is not </a:t>
             </a:r>
             <a:br>
               <a:rPr lang="en-US" dirty="0" smtClean="0"/>
             </a:br>
             <a:r>
               <a:rPr lang="en-US" dirty="0" smtClean="0"/>
-              <a:t>“SpendingPulse” from the </a:t>
+              <a:t>forthcoming, DENY the request … </a:t>
             </a:r>
             <a:br>
               <a:rPr lang="en-US" dirty="0" smtClean="0"/>
             </a:br>
             <a:r>
               <a:rPr lang="en-US" dirty="0" smtClean="0"/>
-              <a:t>Service drop-down.</a:t>
-            </a:r>
-          </a:p>
-          <a:p>
-            <a:r>
-              <a:rPr lang="en-US" dirty="0" smtClean="0"/>
-              <a:t>If any key approval requests have been </a:t>
-            </a:r>
-            <a:br>
-              <a:rPr lang="en-US" dirty="0" smtClean="0"/>
-            </a:br>
-            <a:r>
-              <a:rPr lang="en-US" dirty="0" smtClean="0"/>
-              <a:t>submitted they will be displayed in the “Pending Request” list.</a:t>
-            </a:r>
-          </a:p>
-          <a:p>
-            <a:r>
-              <a:rPr lang="en-US" dirty="0" smtClean="0"/>
-              <a:t>Click through the “Profile”, “Address” and “App” tabs to insure you know whom it is that is making the request.</a:t>
+              <a:t>a denial email is sent to the requestor.</a:t>
             </a:r>
           </a:p>
           <a:p>
@@ -12424,7 +12443,7 @@
           <a:p>
             <a:r>
               <a:rPr lang="en-US" dirty="0" smtClean="0"/>
-              <a:t>Approve/Deny Key Requests (2)</a:t>
+              <a:t>Approve/Deny Key Requests (3) – No valid Service</a:t>
             </a:r>
             <a:endParaRPr lang="en-US" dirty="0"/>
           </a:p>
@@ -12455,7 +12474,7 @@
       </p:sp>
       <p:pic>
         <p:nvPicPr>
-          <p:cNvPr id="9" name="Picture 8"/>
+          <p:cNvPr id="8" name="Picture 7"/>
           <p:cNvPicPr>
             <a:picLocks noChangeAspect="1"/>
           </p:cNvPicPr>
@@ -12469,8 +12488,8 @@
         </p:blipFill>
         <p:spPr>
           <a:xfrm>
-            <a:off x="4647618" y="1369734"/>
-            <a:ext cx="4161334" cy="1551532"/>
+            <a:off x="5011750" y="2524452"/>
+            <a:ext cx="3777971" cy="1900610"/>
           </a:xfrm>
           <a:prstGeom prst="rect">
             <a:avLst/>
@@ -12479,14 +12498,14 @@
       </p:pic>
       <p:sp>
         <p:nvSpPr>
-          <p:cNvPr id="11" name="Right Arrow 10"/>
+          <p:cNvPr id="10" name="Right Arrow 9"/>
           <p:cNvSpPr/>
           <p:nvPr/>
         </p:nvSpPr>
         <p:spPr bwMode="gray">
-          <a:xfrm>
-            <a:off x="4305591" y="1600199"/>
-            <a:ext cx="342027" cy="137859"/>
+          <a:xfrm rot="16200000">
+            <a:off x="7482723" y="3287652"/>
+            <a:ext cx="244306" cy="237325"/>
           </a:xfrm>
           <a:prstGeom prst="rightArrow">
             <a:avLst/>
@@ -12540,136 +12559,10 @@
           </a:p>
         </p:txBody>
       </p:sp>
-      <p:sp>
-        <p:nvSpPr>
-          <p:cNvPr id="12" name="Right Arrow 11"/>
-          <p:cNvSpPr/>
-          <p:nvPr/>
-        </p:nvSpPr>
-        <p:spPr bwMode="gray">
-          <a:xfrm rot="16200000">
-            <a:off x="7605796" y="1611566"/>
-            <a:ext cx="221621" cy="198886"/>
-          </a:xfrm>
-          <a:prstGeom prst="rightArrow">
-            <a:avLst/>
-          </a:prstGeom>
-          <a:solidFill>
-            <a:schemeClr val="accent1"/>
-          </a:solidFill>
-          <a:ln w="9525" cap="flat" cmpd="sng" algn="ctr">
-            <a:noFill/>
-            <a:prstDash val="solid"/>
-            <a:round/>
-            <a:headEnd type="none" w="med" len="med"/>
-            <a:tailEnd type="none" w="med" len="med"/>
-          </a:ln>
-          <a:effectLst/>
-        </p:spPr>
-        <p:txBody>
-          <a:bodyPr vert="horz" wrap="square" lIns="91440" tIns="45720" rIns="91440" bIns="45720" numCol="1" rtlCol="0" anchor="ctr" anchorCtr="0" compatLnSpc="1">
-            <a:prstTxWarp prst="textNoShape">
-              <a:avLst/>
-            </a:prstTxWarp>
-          </a:bodyPr>
-          <a:lstStyle/>
-          <a:p>
-            <a:pPr marL="0" marR="0" indent="0" algn="l" defTabSz="914400" rtl="0" eaLnBrk="1" fontAlgn="base" latinLnBrk="0" hangingPunct="1">
-              <a:lnSpc>
-                <a:spcPct val="100000"/>
-              </a:lnSpc>
-              <a:spcBef>
-                <a:spcPct val="0"/>
-              </a:spcBef>
-              <a:spcAft>
-                <a:spcPct val="0"/>
-              </a:spcAft>
-              <a:buClrTx/>
-              <a:buSzTx/>
-              <a:buFontTx/>
-              <a:buNone/>
-              <a:tabLst/>
-            </a:pPr>
-            <a:endParaRPr kumimoji="0" lang="en-US" sz="2000" b="0" i="0" u="none" strike="noStrike" cap="none" normalizeH="0" baseline="0" dirty="0" smtClean="0">
-              <a:ln>
-                <a:noFill/>
-              </a:ln>
-              <a:solidFill>
-                <a:schemeClr val="bg1"/>
-              </a:solidFill>
-              <a:effectLst/>
-              <a:latin typeface="Arial" pitchFamily="2" charset="0"/>
-            </a:endParaRPr>
-          </a:p>
-        </p:txBody>
-      </p:sp>
-      <p:sp>
-        <p:nvSpPr>
-          <p:cNvPr id="14" name="Right Arrow 13"/>
-          <p:cNvSpPr/>
-          <p:nvPr/>
-        </p:nvSpPr>
-        <p:spPr bwMode="gray">
-          <a:xfrm rot="16200000">
-            <a:off x="5756079" y="2911410"/>
-            <a:ext cx="788177" cy="124992"/>
-          </a:xfrm>
-          <a:prstGeom prst="rightArrow">
-            <a:avLst/>
-          </a:prstGeom>
-          <a:solidFill>
-            <a:schemeClr val="accent1"/>
-          </a:solidFill>
-          <a:ln w="9525" cap="flat" cmpd="sng" algn="ctr">
-            <a:noFill/>
-            <a:prstDash val="solid"/>
-            <a:round/>
-            <a:headEnd type="none" w="med" len="med"/>
-            <a:tailEnd type="none" w="med" len="med"/>
-          </a:ln>
-          <a:effectLst/>
-        </p:spPr>
-        <p:txBody>
-          <a:bodyPr vert="horz" wrap="square" lIns="91440" tIns="45720" rIns="91440" bIns="45720" numCol="1" rtlCol="0" anchor="ctr" anchorCtr="0" compatLnSpc="1">
-            <a:prstTxWarp prst="textNoShape">
-              <a:avLst/>
-            </a:prstTxWarp>
-          </a:bodyPr>
-          <a:lstStyle/>
-          <a:p>
-            <a:pPr marL="0" marR="0" indent="0" algn="l" defTabSz="914400" rtl="0" eaLnBrk="1" fontAlgn="base" latinLnBrk="0" hangingPunct="1">
-              <a:lnSpc>
-                <a:spcPct val="100000"/>
-              </a:lnSpc>
-              <a:spcBef>
-                <a:spcPct val="0"/>
-              </a:spcBef>
-              <a:spcAft>
-                <a:spcPct val="0"/>
-              </a:spcAft>
-              <a:buClrTx/>
-              <a:buSzTx/>
-              <a:buFontTx/>
-              <a:buNone/>
-              <a:tabLst/>
-            </a:pPr>
-            <a:endParaRPr kumimoji="0" lang="en-US" sz="2000" b="0" i="0" u="none" strike="noStrike" cap="none" normalizeH="0" baseline="0" dirty="0" smtClean="0">
-              <a:ln>
-                <a:noFill/>
-              </a:ln>
-              <a:solidFill>
-                <a:schemeClr val="bg1"/>
-              </a:solidFill>
-              <a:effectLst/>
-              <a:latin typeface="Arial" pitchFamily="2" charset="0"/>
-            </a:endParaRPr>
-          </a:p>
-        </p:txBody>
-      </p:sp>
     </p:spTree>
     <p:extLst>
       <p:ext uri="{BB962C8B-B14F-4D97-AF65-F5344CB8AC3E}">
-        <p14:creationId xmlns:p14="http://schemas.microsoft.com/office/powerpoint/2010/main" val="2556694655"/>
+        <p14:creationId xmlns:p14="http://schemas.microsoft.com/office/powerpoint/2010/main" val="2776855602"/>
       </p:ext>
     </p:extLst>
   </p:cSld>
@@ -12725,45 +12618,77 @@
           <a:p>
             <a:r>
               <a:rPr lang="en-US" dirty="0" smtClean="0"/>
-              <a:t>Check the Salesforce Order Management system to determine if a valid and approved Service is in place for the API. If need be contact the salesperson/owner of the opportunity.</a:t>
-            </a:r>
-          </a:p>
-          <a:p>
-            <a:r>
-              <a:rPr lang="en-US" dirty="0" smtClean="0"/>
-              <a:t>If no valid and approved Service is in place:</a:t>
+              <a:t>If a valid and approved Service is in place or </a:t>
+            </a:r>
+            <a:br>
+              <a:rPr lang="en-US" dirty="0" smtClean="0"/>
+            </a:br>
+            <a:r>
+              <a:rPr lang="en-US" dirty="0" smtClean="0"/>
+              <a:t>your investigation determines that a </a:t>
+            </a:r>
+            <a:br>
+              <a:rPr lang="en-US" dirty="0" smtClean="0"/>
+            </a:br>
+            <a:r>
+              <a:rPr lang="en-US" dirty="0" smtClean="0"/>
+              <a:t>valid/approved Service is forthcoming and </a:t>
+            </a:r>
+            <a:br>
+              <a:rPr lang="en-US" dirty="0" smtClean="0"/>
+            </a:br>
+            <a:r>
+              <a:rPr lang="en-US" dirty="0" smtClean="0"/>
+              <a:t>the request should be approved …</a:t>
+            </a:r>
+          </a:p>
+          <a:p>
+            <a:r>
+              <a:rPr lang="en-US" dirty="0" smtClean="0"/>
+              <a:t>Click the App tab and </a:t>
+            </a:r>
+            <a:br>
+              <a:rPr lang="en-US" dirty="0" smtClean="0"/>
+            </a:br>
+            <a:r>
+              <a:rPr lang="en-US" dirty="0" smtClean="0"/>
+              <a:t>copy the Production Client ID</a:t>
             </a:r>
           </a:p>
           <a:p>
             <a:pPr lvl="1"/>
-            <a:r>
-              <a:rPr lang="en-US" dirty="0" smtClean="0"/>
-              <a:t>And your investigation determines that a </a:t>
+            <a:endParaRPr lang="en-US" b="1" dirty="0" smtClean="0"/>
+          </a:p>
+          <a:p>
+            <a:pPr lvl="1"/>
+            <a:r>
+              <a:rPr lang="en-US" b="1" dirty="0" smtClean="0"/>
+              <a:t>For Sector Insights</a:t>
+            </a:r>
+            <a:r>
+              <a:rPr lang="en-US" dirty="0" smtClean="0"/>
+              <a:t>, record the Client ID in the </a:t>
             </a:r>
             <a:br>
               <a:rPr lang="en-US" dirty="0" smtClean="0"/>
             </a:br>
             <a:r>
-              <a:rPr lang="en-US" dirty="0" smtClean="0"/>
-              <a:t>valid/approved Service is not </a:t>
-            </a:r>
-            <a:br>
-              <a:rPr lang="en-US" dirty="0" smtClean="0"/>
-            </a:br>
-            <a:r>
-              <a:rPr lang="en-US" dirty="0" smtClean="0"/>
-              <a:t>forthcoming, DENY the request … </a:t>
-            </a:r>
-            <a:br>
-              <a:rPr lang="en-US" dirty="0" smtClean="0"/>
-            </a:br>
-            <a:r>
-              <a:rPr lang="en-US" dirty="0" smtClean="0"/>
-              <a:t>a denial email is sent to the requestor.</a:t>
-            </a:r>
-          </a:p>
-          <a:p>
-            <a:endParaRPr lang="en-US" dirty="0"/>
+              <a:rPr lang="en-US" sz="1200" dirty="0" smtClean="0">
+                <a:latin typeface="Andale Mono" panose="020B0509000000000004" pitchFamily="49" charset="0"/>
+              </a:rPr>
+              <a:t>…/SpendingPulse/API/API Subscription files/Sector insights Keys.xlsx </a:t>
+            </a:r>
+            <a:r>
+              <a:rPr lang="en-US" dirty="0" smtClean="0"/>
+              <a:t>file.</a:t>
+            </a:r>
+          </a:p>
+          <a:p>
+            <a:pPr lvl="2"/>
+            <a:r>
+              <a:rPr lang="en-US" dirty="0" smtClean="0"/>
+              <a:t>Without this file, the only way to know who has been granted prod access is to have an API developer run a data pull against the AP database.</a:t>
+            </a:r>
           </a:p>
         </p:txBody>
       </p:sp>
@@ -12850,7 +12775,7 @@
           <a:p>
             <a:r>
               <a:rPr lang="en-US" dirty="0" smtClean="0"/>
-              <a:t>Approve/Deny Key Requests (3) – No valid Service</a:t>
+              <a:t>Approve/Deny Key Requests (4) – Valid Service</a:t>
             </a:r>
             <a:endParaRPr lang="en-US" dirty="0"/>
           </a:p>
@@ -12881,7 +12806,7 @@
       </p:sp>
       <p:pic>
         <p:nvPicPr>
-          <p:cNvPr id="8" name="Picture 7"/>
+          <p:cNvPr id="11" name="Picture 10"/>
           <p:cNvPicPr>
             <a:picLocks noChangeAspect="1"/>
           </p:cNvPicPr>
@@ -12895,8 +12820,8 @@
         </p:blipFill>
         <p:spPr>
           <a:xfrm>
-            <a:off x="5011750" y="2524452"/>
-            <a:ext cx="3777971" cy="1900610"/>
+            <a:off x="5192829" y="1451872"/>
+            <a:ext cx="3780156" cy="1788772"/>
           </a:xfrm>
           <a:prstGeom prst="rect">
             <a:avLst/>
@@ -12905,14 +12830,14 @@
       </p:pic>
       <p:sp>
         <p:nvSpPr>
-          <p:cNvPr id="10" name="Right Arrow 9"/>
+          <p:cNvPr id="13" name="Right Arrow 12"/>
           <p:cNvSpPr/>
           <p:nvPr/>
         </p:nvSpPr>
         <p:spPr bwMode="gray">
-          <a:xfrm rot="16200000">
-            <a:off x="7482723" y="3287652"/>
-            <a:ext cx="244306" cy="237325"/>
+          <a:xfrm>
+            <a:off x="3718514" y="2857717"/>
+            <a:ext cx="3174734" cy="92985"/>
           </a:xfrm>
           <a:prstGeom prst="rightArrow">
             <a:avLst/>
@@ -12969,7 +12894,7 @@
     </p:spTree>
     <p:extLst>
       <p:ext uri="{BB962C8B-B14F-4D97-AF65-F5344CB8AC3E}">
-        <p14:creationId xmlns:p14="http://schemas.microsoft.com/office/powerpoint/2010/main" val="2776855602"/>
+        <p14:creationId xmlns:p14="http://schemas.microsoft.com/office/powerpoint/2010/main" val="1724074499"/>
       </p:ext>
     </p:extLst>
   </p:cSld>
@@ -13023,54 +12948,10 @@
           <a:bodyPr/>
           <a:lstStyle/>
           <a:p>
-            <a:r>
-              <a:rPr lang="en-US" dirty="0" smtClean="0"/>
-              <a:t>If a valid and approved Service is in place or </a:t>
-            </a:r>
-            <a:br>
-              <a:rPr lang="en-US" dirty="0" smtClean="0"/>
-            </a:br>
-            <a:r>
-              <a:rPr lang="en-US" dirty="0" smtClean="0"/>
-              <a:t>your investigation determines that a </a:t>
-            </a:r>
-            <a:br>
-              <a:rPr lang="en-US" dirty="0" smtClean="0"/>
-            </a:br>
-            <a:r>
-              <a:rPr lang="en-US" dirty="0" smtClean="0"/>
-              <a:t>valid/approved Service is forthcoming and </a:t>
-            </a:r>
-            <a:br>
-              <a:rPr lang="en-US" dirty="0" smtClean="0"/>
-            </a:br>
-            <a:r>
-              <a:rPr lang="en-US" dirty="0" smtClean="0"/>
-              <a:t>the request should be approved …</a:t>
-            </a:r>
-          </a:p>
-          <a:p>
-            <a:r>
-              <a:rPr lang="en-US" dirty="0" smtClean="0"/>
-              <a:t>Click the App tab and </a:t>
-            </a:r>
-            <a:br>
-              <a:rPr lang="en-US" dirty="0" smtClean="0"/>
-            </a:br>
-            <a:r>
-              <a:rPr lang="en-US" dirty="0" smtClean="0"/>
-              <a:t>copy the Production Client ID</a:t>
-            </a:r>
-          </a:p>
-          <a:p>
             <a:pPr lvl="1"/>
-            <a:endParaRPr lang="en-US" b="1" dirty="0" smtClean="0"/>
-          </a:p>
-          <a:p>
-            <a:pPr lvl="1"/>
             <a:r>
               <a:rPr lang="en-US" b="1" dirty="0" smtClean="0"/>
-              <a:t>For Sector Insights</a:t>
+              <a:t>For SpendingPulse</a:t>
             </a:r>
             <a:r>
               <a:rPr lang="en-US" dirty="0" smtClean="0"/>
@@ -13083,19 +12964,81 @@
               <a:rPr lang="en-US" sz="1200" dirty="0" smtClean="0">
                 <a:latin typeface="Andale Mono" panose="020B0509000000000004" pitchFamily="49" charset="0"/>
               </a:rPr>
-              <a:t>…/SpendingPulse/API/API Subscription files/Sector insights Keys.xlsx </a:t>
-            </a:r>
+              <a:t>…/SpendingPulse/API/API </a:t>
+            </a:r>
+            <a:r>
+              <a:rPr lang="en-US" sz="1200" dirty="0">
+                <a:latin typeface="Andale Mono" panose="020B0509000000000004" pitchFamily="49" charset="0"/>
+              </a:rPr>
+              <a:t>Subscription files/SpendingPulse API Subscription </a:t>
+            </a:r>
+            <a:r>
+              <a:rPr lang="en-US" sz="1200" dirty="0" smtClean="0">
+                <a:latin typeface="Andale Mono" panose="020B0509000000000004" pitchFamily="49" charset="0"/>
+              </a:rPr>
+              <a:t>Data.xlsx </a:t>
+            </a:r>
+            <a:br>
+              <a:rPr lang="en-US" sz="1200" dirty="0" smtClean="0">
+                <a:latin typeface="Andale Mono" panose="020B0509000000000004" pitchFamily="49" charset="0"/>
+              </a:rPr>
+            </a:br>
             <a:r>
               <a:rPr lang="en-US" dirty="0" smtClean="0"/>
               <a:t>file.</a:t>
             </a:r>
           </a:p>
           <a:p>
-            <a:pPr lvl="2"/>
-            <a:r>
-              <a:rPr lang="en-US" dirty="0" smtClean="0"/>
-              <a:t>Without this file, the only way to know who has been granted prod access is to have an API developer run a data pull against the AP database.</a:t>
-            </a:r>
+            <a:pPr lvl="1"/>
+            <a:r>
+              <a:rPr lang="en-US" dirty="0"/>
+              <a:t>The “</a:t>
+            </a:r>
+            <a:r>
+              <a:rPr lang="en-US" sz="1600" dirty="0">
+                <a:latin typeface="Andale Mono" panose="020B0509000000000004" pitchFamily="49" charset="0"/>
+              </a:rPr>
+              <a:t>SpendingPulse API </a:t>
+            </a:r>
+            <a:r>
+              <a:rPr lang="en-US" sz="1600" dirty="0" smtClean="0">
+                <a:latin typeface="Andale Mono" panose="020B0509000000000004" pitchFamily="49" charset="0"/>
+              </a:rPr>
+              <a:t>Subscription</a:t>
+            </a:r>
+            <a:r>
+              <a:rPr lang="en-US" dirty="0" smtClean="0"/>
+              <a:t>” tab of this file must be saved as a .csv file and uploaded, using the API MDE Upload facility – the same facility used to upload the Sector Insights and SpendingPulse data to the API.</a:t>
+            </a:r>
+          </a:p>
+          <a:p>
+            <a:pPr lvl="1"/>
+            <a:r>
+              <a:rPr lang="en-US" dirty="0" smtClean="0"/>
+              <a:t>To upload the subscription data, use the </a:t>
+            </a:r>
+            <a:br>
+              <a:rPr lang="en-US" dirty="0" smtClean="0"/>
+            </a:br>
+            <a:r>
+              <a:rPr lang="en-US" sz="1400" dirty="0">
+                <a:latin typeface="Andale Mono" panose="020B0509000000000004" pitchFamily="49" charset="0"/>
+              </a:rPr>
+              <a:t>REL5 – DW-P-SPENDINGPULSE REPLACE SUBSCRIPTION </a:t>
+            </a:r>
+            <a:r>
+              <a:rPr lang="en-US" dirty="0" smtClean="0"/>
+              <a:t>bulk type.</a:t>
+            </a:r>
+          </a:p>
+          <a:p>
+            <a:r>
+              <a:rPr lang="en-US" dirty="0" smtClean="0"/>
+              <a:t>Once the subscription data has been successfully uploaded, Approve the request … an approval email is sent to the requestor.</a:t>
+            </a:r>
+          </a:p>
+          <a:p>
+            <a:endParaRPr lang="en-US" dirty="0"/>
           </a:p>
         </p:txBody>
       </p:sp>
@@ -13182,7 +13125,7 @@
           <a:p>
             <a:r>
               <a:rPr lang="en-US" dirty="0" smtClean="0"/>
-              <a:t>Approve/Deny Key Requests (4) – Valid Service</a:t>
+              <a:t>Approve/Deny Key Requests (5) – Valid Service</a:t>
             </a:r>
             <a:endParaRPr lang="en-US" dirty="0"/>
           </a:p>
@@ -13208,100 +13151,13 @@
               <a:t>Administrator API How To</a:t>
             </a:r>
             <a:endParaRPr lang="en-US" dirty="0"/>
-          </a:p>
-        </p:txBody>
-      </p:sp>
-      <p:pic>
-        <p:nvPicPr>
-          <p:cNvPr id="11" name="Picture 10"/>
-          <p:cNvPicPr>
-            <a:picLocks noChangeAspect="1"/>
-          </p:cNvPicPr>
-          <p:nvPr/>
-        </p:nvPicPr>
-        <p:blipFill>
-          <a:blip r:embed="rId2"/>
-          <a:stretch>
-            <a:fillRect/>
-          </a:stretch>
-        </p:blipFill>
-        <p:spPr>
-          <a:xfrm>
-            <a:off x="5192829" y="1451872"/>
-            <a:ext cx="3780156" cy="1788772"/>
-          </a:xfrm>
-          <a:prstGeom prst="rect">
-            <a:avLst/>
-          </a:prstGeom>
-        </p:spPr>
-      </p:pic>
-      <p:sp>
-        <p:nvSpPr>
-          <p:cNvPr id="13" name="Right Arrow 12"/>
-          <p:cNvSpPr/>
-          <p:nvPr/>
-        </p:nvSpPr>
-        <p:spPr bwMode="gray">
-          <a:xfrm>
-            <a:off x="3718514" y="2857717"/>
-            <a:ext cx="3174734" cy="92985"/>
-          </a:xfrm>
-          <a:prstGeom prst="rightArrow">
-            <a:avLst/>
-          </a:prstGeom>
-          <a:solidFill>
-            <a:schemeClr val="accent1"/>
-          </a:solidFill>
-          <a:ln w="9525" cap="flat" cmpd="sng" algn="ctr">
-            <a:noFill/>
-            <a:prstDash val="solid"/>
-            <a:round/>
-            <a:headEnd type="none" w="med" len="med"/>
-            <a:tailEnd type="none" w="med" len="med"/>
-          </a:ln>
-          <a:effectLst/>
-        </p:spPr>
-        <p:txBody>
-          <a:bodyPr vert="horz" wrap="square" lIns="91440" tIns="45720" rIns="91440" bIns="45720" numCol="1" rtlCol="0" anchor="ctr" anchorCtr="0" compatLnSpc="1">
-            <a:prstTxWarp prst="textNoShape">
-              <a:avLst/>
-            </a:prstTxWarp>
-          </a:bodyPr>
-          <a:lstStyle/>
-          <a:p>
-            <a:pPr marL="0" marR="0" indent="0" algn="l" defTabSz="914400" rtl="0" eaLnBrk="1" fontAlgn="base" latinLnBrk="0" hangingPunct="1">
-              <a:lnSpc>
-                <a:spcPct val="100000"/>
-              </a:lnSpc>
-              <a:spcBef>
-                <a:spcPct val="0"/>
-              </a:spcBef>
-              <a:spcAft>
-                <a:spcPct val="0"/>
-              </a:spcAft>
-              <a:buClrTx/>
-              <a:buSzTx/>
-              <a:buFontTx/>
-              <a:buNone/>
-              <a:tabLst/>
-            </a:pPr>
-            <a:endParaRPr kumimoji="0" lang="en-US" sz="2000" b="0" i="0" u="none" strike="noStrike" cap="none" normalizeH="0" baseline="0" dirty="0" smtClean="0">
-              <a:ln>
-                <a:noFill/>
-              </a:ln>
-              <a:solidFill>
-                <a:schemeClr val="bg1"/>
-              </a:solidFill>
-              <a:effectLst/>
-              <a:latin typeface="Arial" pitchFamily="2" charset="0"/>
-            </a:endParaRPr>
           </a:p>
         </p:txBody>
       </p:sp>
     </p:spTree>
     <p:extLst>
       <p:ext uri="{BB962C8B-B14F-4D97-AF65-F5344CB8AC3E}">
-        <p14:creationId xmlns:p14="http://schemas.microsoft.com/office/powerpoint/2010/main" val="1724074499"/>
+        <p14:creationId xmlns:p14="http://schemas.microsoft.com/office/powerpoint/2010/main" val="2378687281"/>
       </p:ext>
     </p:extLst>
   </p:cSld>
@@ -13355,96 +13211,44 @@
           <a:bodyPr/>
           <a:lstStyle/>
           <a:p>
+            <a:r>
+              <a:rPr lang="en-US" dirty="0"/>
+              <a:t>Once the subscription data has been successfully uploaded, Approve the request … an approval email is sent to the requestor.</a:t>
+            </a:r>
+          </a:p>
+          <a:p>
+            <a:r>
+              <a:rPr lang="en-US" dirty="0" smtClean="0"/>
+              <a:t>To grant production access to</a:t>
+            </a:r>
+            <a:br>
+              <a:rPr lang="en-US" dirty="0" smtClean="0"/>
+            </a:br>
+            <a:r>
+              <a:rPr lang="en-US" dirty="0" smtClean="0"/>
+              <a:t>SpendingPulse it takes BOTH:</a:t>
+            </a:r>
+          </a:p>
+          <a:p>
             <a:pPr lvl="1"/>
             <a:r>
-              <a:rPr lang="en-US" b="1" dirty="0" smtClean="0"/>
-              <a:t>For SpendingPulse</a:t>
-            </a:r>
-            <a:r>
-              <a:rPr lang="en-US" dirty="0" smtClean="0"/>
-              <a:t>, record the Client ID in the </a:t>
+              <a:rPr lang="en-US" dirty="0" smtClean="0"/>
+              <a:t>Uploaded subscription data for the </a:t>
             </a:r>
             <a:br>
               <a:rPr lang="en-US" dirty="0" smtClean="0"/>
             </a:br>
             <a:r>
-              <a:rPr lang="en-US" sz="1200" dirty="0" smtClean="0">
-                <a:latin typeface="Andale Mono" panose="020B0509000000000004" pitchFamily="49" charset="0"/>
-              </a:rPr>
-              <a:t>…/SpendingPulse/API/API </a:t>
-            </a:r>
-            <a:r>
-              <a:rPr lang="en-US" sz="1200" dirty="0">
-                <a:latin typeface="Andale Mono" panose="020B0509000000000004" pitchFamily="49" charset="0"/>
-              </a:rPr>
-              <a:t>Subscription files/SpendingPulse API Subscription </a:t>
-            </a:r>
-            <a:r>
-              <a:rPr lang="en-US" sz="1200" dirty="0" smtClean="0">
-                <a:latin typeface="Andale Mono" panose="020B0509000000000004" pitchFamily="49" charset="0"/>
-              </a:rPr>
-              <a:t>Data.xlsx </a:t>
-            </a:r>
-            <a:br>
-              <a:rPr lang="en-US" sz="1200" dirty="0" smtClean="0">
-                <a:latin typeface="Andale Mono" panose="020B0509000000000004" pitchFamily="49" charset="0"/>
-              </a:rPr>
-            </a:br>
-            <a:r>
-              <a:rPr lang="en-US" dirty="0" smtClean="0"/>
-              <a:t>file.</a:t>
+              <a:rPr lang="en-US" dirty="0" smtClean="0"/>
+              <a:t>Client ID</a:t>
             </a:r>
           </a:p>
           <a:p>
             <a:pPr lvl="1"/>
             <a:r>
-              <a:rPr lang="en-US" dirty="0"/>
-              <a:t>The “</a:t>
-            </a:r>
-            <a:r>
-              <a:rPr lang="en-US" sz="1600" dirty="0">
-                <a:latin typeface="Andale Mono" panose="020B0509000000000004" pitchFamily="49" charset="0"/>
-              </a:rPr>
-              <a:t>SpendingPulse API </a:t>
-            </a:r>
-            <a:r>
-              <a:rPr lang="en-US" sz="1600" dirty="0" smtClean="0">
-                <a:latin typeface="Andale Mono" panose="020B0509000000000004" pitchFamily="49" charset="0"/>
-              </a:rPr>
-              <a:t>Subscription</a:t>
-            </a:r>
-            <a:r>
-              <a:rPr lang="en-US" dirty="0" smtClean="0"/>
-              <a:t>” tab of this file must be saved as a .csv file and uploaded, using the API MDE Upload facility – the same facility used to upload the Sector Insights and SpendingPulse data to the API.</a:t>
-            </a:r>
-          </a:p>
-          <a:p>
-            <a:pPr lvl="1"/>
-            <a:r>
-              <a:rPr lang="en-US" dirty="0" smtClean="0"/>
-              <a:t>To upload the subscription data, use the </a:t>
-            </a:r>
-            <a:br>
-              <a:rPr lang="en-US" dirty="0" smtClean="0"/>
-            </a:br>
-            <a:r>
-              <a:rPr lang="en-US" sz="1400" dirty="0">
-                <a:latin typeface="Andale Mono" panose="020B0509000000000004" pitchFamily="49" charset="0"/>
-              </a:rPr>
-              <a:t>REL5 – DW-P-SPENDINGPULSE REPLACE SUBSCRIPTION </a:t>
-            </a:r>
-            <a:r>
-              <a:rPr lang="en-US" dirty="0" smtClean="0"/>
-              <a:t>bulk type.</a:t>
-            </a:r>
-          </a:p>
-          <a:p>
-            <a:r>
-              <a:rPr lang="en-US" dirty="0" smtClean="0"/>
-              <a:t>Once the subscription data has been successfully uploaded, Approve the request … an approval email is sent to the requestor.</a:t>
-            </a:r>
-          </a:p>
-          <a:p>
+              <a:rPr lang="en-US" dirty="0" smtClean="0"/>
+              <a:t>Approved Key</a:t>
+            </a:r>
             <a:endParaRPr lang="en-US" dirty="0"/>
           </a:p>
         </p:txBody>
@@ -13532,7 +13336,7 @@
           <a:p>
             <a:r>
               <a:rPr lang="en-US" dirty="0" smtClean="0"/>
-              <a:t>Approve/Deny Key Requests (5) – Valid Service</a:t>
+              <a:t>Approve/Deny Key Requests (6) – No valid Service</a:t>
             </a:r>
             <a:endParaRPr lang="en-US" dirty="0"/>
           </a:p>
@@ -13558,13 +13362,100 @@
               <a:t>Administrator API How To</a:t>
             </a:r>
             <a:endParaRPr lang="en-US" dirty="0"/>
+          </a:p>
+        </p:txBody>
+      </p:sp>
+      <p:pic>
+        <p:nvPicPr>
+          <p:cNvPr id="9" name="Picture 8"/>
+          <p:cNvPicPr>
+            <a:picLocks noChangeAspect="1"/>
+          </p:cNvPicPr>
+          <p:nvPr/>
+        </p:nvPicPr>
+        <p:blipFill>
+          <a:blip r:embed="rId2"/>
+          <a:stretch>
+            <a:fillRect/>
+          </a:stretch>
+        </p:blipFill>
+        <p:spPr>
+          <a:xfrm>
+            <a:off x="5079061" y="2021322"/>
+            <a:ext cx="3813654" cy="1970971"/>
+          </a:xfrm>
+          <a:prstGeom prst="rect">
+            <a:avLst/>
+          </a:prstGeom>
+        </p:spPr>
+      </p:pic>
+      <p:sp>
+        <p:nvSpPr>
+          <p:cNvPr id="10" name="Right Arrow 9"/>
+          <p:cNvSpPr/>
+          <p:nvPr/>
+        </p:nvSpPr>
+        <p:spPr bwMode="gray">
+          <a:xfrm rot="16200000">
+            <a:off x="7140695" y="2795551"/>
+            <a:ext cx="244306" cy="237325"/>
+          </a:xfrm>
+          <a:prstGeom prst="rightArrow">
+            <a:avLst/>
+          </a:prstGeom>
+          <a:solidFill>
+            <a:schemeClr val="accent1"/>
+          </a:solidFill>
+          <a:ln w="9525" cap="flat" cmpd="sng" algn="ctr">
+            <a:noFill/>
+            <a:prstDash val="solid"/>
+            <a:round/>
+            <a:headEnd type="none" w="med" len="med"/>
+            <a:tailEnd type="none" w="med" len="med"/>
+          </a:ln>
+          <a:effectLst/>
+        </p:spPr>
+        <p:txBody>
+          <a:bodyPr vert="horz" wrap="square" lIns="91440" tIns="45720" rIns="91440" bIns="45720" numCol="1" rtlCol="0" anchor="ctr" anchorCtr="0" compatLnSpc="1">
+            <a:prstTxWarp prst="textNoShape">
+              <a:avLst/>
+            </a:prstTxWarp>
+          </a:bodyPr>
+          <a:lstStyle/>
+          <a:p>
+            <a:pPr marL="0" marR="0" indent="0" algn="l" defTabSz="914400" rtl="0" eaLnBrk="1" fontAlgn="base" latinLnBrk="0" hangingPunct="1">
+              <a:lnSpc>
+                <a:spcPct val="100000"/>
+              </a:lnSpc>
+              <a:spcBef>
+                <a:spcPct val="0"/>
+              </a:spcBef>
+              <a:spcAft>
+                <a:spcPct val="0"/>
+              </a:spcAft>
+              <a:buClrTx/>
+              <a:buSzTx/>
+              <a:buFontTx/>
+              <a:buNone/>
+              <a:tabLst/>
+            </a:pPr>
+            <a:endParaRPr kumimoji="0" lang="en-US" sz="2000" b="0" i="0" u="none" strike="noStrike" cap="none" normalizeH="0" baseline="0" dirty="0" smtClean="0">
+              <a:ln>
+                <a:noFill/>
+              </a:ln>
+              <a:solidFill>
+                <a:schemeClr val="bg1"/>
+              </a:solidFill>
+              <a:effectLst/>
+              <a:latin typeface="Arial" pitchFamily="2" charset="0"/>
+            </a:endParaRPr>
           </a:p>
         </p:txBody>
       </p:sp>
     </p:spTree>
     <p:extLst>
       <p:ext uri="{BB962C8B-B14F-4D97-AF65-F5344CB8AC3E}">
-        <p14:creationId xmlns:p14="http://schemas.microsoft.com/office/powerpoint/2010/main" val="2378687281"/>
+        <p14:creationId xmlns:p14="http://schemas.microsoft.com/office/powerpoint/2010/main" val="4192355193"/>
       </p:ext>
     </p:extLst>
   </p:cSld>
@@ -13620,42 +13511,100 @@
           <a:p>
             <a:r>
               <a:rPr lang="en-US" dirty="0"/>
-              <a:t>Once the subscription data has been successfully uploaded, Approve the request … an approval email is sent to the requestor.</a:t>
-            </a:r>
-          </a:p>
-          <a:p>
-            <a:r>
-              <a:rPr lang="en-US" dirty="0" smtClean="0"/>
-              <a:t>To grant production access to</a:t>
+              <a:t>Log in to the API Admin </a:t>
+            </a:r>
+            <a:r>
+              <a:rPr lang="en-US" dirty="0" smtClean="0"/>
+              <a:t>Application </a:t>
             </a:r>
             <a:br>
               <a:rPr lang="en-US" dirty="0" smtClean="0"/>
             </a:br>
             <a:r>
               <a:rPr lang="en-US" dirty="0" smtClean="0"/>
-              <a:t>SpendingPulse it takes BOTH:</a:t>
+              <a:t>(slide 27)</a:t>
+            </a:r>
+          </a:p>
+          <a:p>
+            <a:r>
+              <a:rPr lang="en-US" dirty="0"/>
+              <a:t>From the now displayed “Service </a:t>
+            </a:r>
+            <a:br>
+              <a:rPr lang="en-US" dirty="0"/>
+            </a:br>
+            <a:r>
+              <a:rPr lang="en-US" dirty="0"/>
+              <a:t>Management” list …</a:t>
             </a:r>
           </a:p>
           <a:p>
             <a:pPr lvl="1"/>
             <a:r>
-              <a:rPr lang="en-US" dirty="0" smtClean="0"/>
-              <a:t>Uploaded subscription data for the </a:t>
+              <a:rPr lang="en-US" dirty="0"/>
+              <a:t>Click </a:t>
+            </a:r>
+            <a:r>
+              <a:rPr lang="en-US" dirty="0" smtClean="0"/>
+              <a:t>“Client Configuration for Svc”</a:t>
+            </a:r>
+          </a:p>
+          <a:p>
+            <a:pPr lvl="1"/>
+            <a:r>
+              <a:rPr lang="en-US" dirty="0"/>
+              <a:t>Choose “Sector Insights” or </a:t>
             </a:r>
             <a:br>
-              <a:rPr lang="en-US" dirty="0" smtClean="0"/>
+              <a:rPr lang="en-US" dirty="0"/>
             </a:br>
             <a:r>
-              <a:rPr lang="en-US" dirty="0" smtClean="0"/>
-              <a:t>Client ID</a:t>
+              <a:rPr lang="en-US" dirty="0"/>
+              <a:t>“SpendingPulse” from the </a:t>
+            </a:r>
+            <a:br>
+              <a:rPr lang="en-US" dirty="0"/>
+            </a:br>
+            <a:r>
+              <a:rPr lang="en-US" dirty="0"/>
+              <a:t>Service drop-down</a:t>
+            </a:r>
+            <a:r>
+              <a:rPr lang="en-US" dirty="0" smtClean="0"/>
+              <a:t>.</a:t>
             </a:r>
           </a:p>
           <a:p>
             <a:pPr lvl="1"/>
             <a:r>
               <a:rPr lang="en-US" dirty="0" smtClean="0"/>
-              <a:t>Approved Key</a:t>
-            </a:r>
+              <a:t>Use the “Search” fields to locate the owner/App </a:t>
+            </a:r>
+            <a:br>
+              <a:rPr lang="en-US" dirty="0" smtClean="0"/>
+            </a:br>
+            <a:r>
+              <a:rPr lang="en-US" dirty="0" smtClean="0"/>
+              <a:t>of the key you </a:t>
+            </a:r>
+            <a:r>
+              <a:rPr lang="en-US" dirty="0"/>
+              <a:t>w</a:t>
+            </a:r>
+            <a:r>
+              <a:rPr lang="en-US" dirty="0" smtClean="0"/>
+              <a:t>ant to revoke.</a:t>
+            </a:r>
+          </a:p>
+          <a:p>
+            <a:pPr lvl="1"/>
+            <a:r>
+              <a:rPr lang="en-US" dirty="0" smtClean="0"/>
+              <a:t>Select the key within the “Search Results” list.</a:t>
+            </a:r>
+            <a:endParaRPr lang="en-US" dirty="0"/>
+          </a:p>
+          <a:p>
             <a:endParaRPr lang="en-US" dirty="0"/>
           </a:p>
         </p:txBody>
@@ -13736,14 +13685,19 @@
             <p:ph type="title"/>
           </p:nvPr>
         </p:nvSpPr>
-        <p:spPr/>
-        <p:txBody>
-          <a:bodyPr/>
-          <a:lstStyle/>
-          <a:p>
-            <a:r>
-              <a:rPr lang="en-US" dirty="0" smtClean="0"/>
-              <a:t>Approve/Deny Key Requests (6) – No valid Service</a:t>
+        <p:spPr>
+          <a:xfrm>
+            <a:off x="273915" y="644462"/>
+            <a:ext cx="8618799" cy="486287"/>
+          </a:xfrm>
+        </p:spPr>
+        <p:txBody>
+          <a:bodyPr/>
+          <a:lstStyle/>
+          <a:p>
+            <a:r>
+              <a:rPr lang="en-US" dirty="0" smtClean="0"/>
+              <a:t>How to Deactivate/Deny a Previously Approved Key (1)</a:t>
             </a:r>
             <a:endParaRPr lang="en-US" dirty="0"/>
           </a:p>
@@ -13774,7 +13728,7 @@
       </p:sp>
       <p:pic>
         <p:nvPicPr>
-          <p:cNvPr id="9" name="Picture 8"/>
+          <p:cNvPr id="18" name="Picture 17"/>
           <p:cNvPicPr>
             <a:picLocks noChangeAspect="1"/>
           </p:cNvPicPr>
@@ -13788,8 +13742,8 @@
         </p:blipFill>
         <p:spPr>
           <a:xfrm>
-            <a:off x="5079061" y="2021322"/>
-            <a:ext cx="3813654" cy="1970971"/>
+            <a:off x="4647618" y="1369734"/>
+            <a:ext cx="4160520" cy="2555215"/>
           </a:xfrm>
           <a:prstGeom prst="rect">
             <a:avLst/>
@@ -13798,14 +13752,14 @@
       </p:pic>
       <p:sp>
         <p:nvSpPr>
-          <p:cNvPr id="10" name="Right Arrow 9"/>
+          <p:cNvPr id="12" name="Right Arrow 11"/>
           <p:cNvSpPr/>
           <p:nvPr/>
         </p:nvSpPr>
         <p:spPr bwMode="gray">
-          <a:xfrm rot="16200000">
-            <a:off x="7140695" y="2795551"/>
-            <a:ext cx="244306" cy="237325"/>
+          <a:xfrm>
+            <a:off x="4325613" y="1633569"/>
+            <a:ext cx="342027" cy="137859"/>
           </a:xfrm>
           <a:prstGeom prst="rightArrow">
             <a:avLst/>
@@ -13859,10 +13813,199 @@
           </a:p>
         </p:txBody>
       </p:sp>
+      <p:sp>
+        <p:nvSpPr>
+          <p:cNvPr id="13" name="Right Arrow 12"/>
+          <p:cNvSpPr/>
+          <p:nvPr/>
+        </p:nvSpPr>
+        <p:spPr bwMode="gray">
+          <a:xfrm rot="16200000">
+            <a:off x="7045143" y="1561174"/>
+            <a:ext cx="221621" cy="198886"/>
+          </a:xfrm>
+          <a:prstGeom prst="rightArrow">
+            <a:avLst/>
+          </a:prstGeom>
+          <a:solidFill>
+            <a:schemeClr val="accent1"/>
+          </a:solidFill>
+          <a:ln w="9525" cap="flat" cmpd="sng" algn="ctr">
+            <a:noFill/>
+            <a:prstDash val="solid"/>
+            <a:round/>
+            <a:headEnd type="none" w="med" len="med"/>
+            <a:tailEnd type="none" w="med" len="med"/>
+          </a:ln>
+          <a:effectLst/>
+        </p:spPr>
+        <p:txBody>
+          <a:bodyPr vert="horz" wrap="square" lIns="91440" tIns="45720" rIns="91440" bIns="45720" numCol="1" rtlCol="0" anchor="ctr" anchorCtr="0" compatLnSpc="1">
+            <a:prstTxWarp prst="textNoShape">
+              <a:avLst/>
+            </a:prstTxWarp>
+          </a:bodyPr>
+          <a:lstStyle/>
+          <a:p>
+            <a:pPr marL="0" marR="0" indent="0" algn="l" defTabSz="914400" rtl="0" eaLnBrk="1" fontAlgn="base" latinLnBrk="0" hangingPunct="1">
+              <a:lnSpc>
+                <a:spcPct val="100000"/>
+              </a:lnSpc>
+              <a:spcBef>
+                <a:spcPct val="0"/>
+              </a:spcBef>
+              <a:spcAft>
+                <a:spcPct val="0"/>
+              </a:spcAft>
+              <a:buClrTx/>
+              <a:buSzTx/>
+              <a:buFontTx/>
+              <a:buNone/>
+              <a:tabLst/>
+            </a:pPr>
+            <a:endParaRPr kumimoji="0" lang="en-US" sz="2000" b="0" i="0" u="none" strike="noStrike" cap="none" normalizeH="0" baseline="0" dirty="0" smtClean="0">
+              <a:ln>
+                <a:noFill/>
+              </a:ln>
+              <a:solidFill>
+                <a:schemeClr val="bg1"/>
+              </a:solidFill>
+              <a:effectLst/>
+              <a:latin typeface="Arial" pitchFamily="2" charset="0"/>
+            </a:endParaRPr>
+          </a:p>
+        </p:txBody>
+      </p:sp>
+      <p:sp>
+        <p:nvSpPr>
+          <p:cNvPr id="15" name="Right Arrow 14"/>
+          <p:cNvSpPr/>
+          <p:nvPr/>
+        </p:nvSpPr>
+        <p:spPr bwMode="gray">
+          <a:xfrm rot="19866145">
+            <a:off x="3487319" y="3030901"/>
+            <a:ext cx="2443768" cy="102691"/>
+          </a:xfrm>
+          <a:prstGeom prst="rightArrow">
+            <a:avLst/>
+          </a:prstGeom>
+          <a:solidFill>
+            <a:schemeClr val="accent1"/>
+          </a:solidFill>
+          <a:ln w="9525" cap="flat" cmpd="sng" algn="ctr">
+            <a:noFill/>
+            <a:prstDash val="solid"/>
+            <a:round/>
+            <a:headEnd type="none" w="med" len="med"/>
+            <a:tailEnd type="none" w="med" len="med"/>
+          </a:ln>
+          <a:effectLst/>
+        </p:spPr>
+        <p:txBody>
+          <a:bodyPr vert="horz" wrap="square" lIns="91440" tIns="45720" rIns="91440" bIns="45720" numCol="1" rtlCol="0" anchor="ctr" anchorCtr="0" compatLnSpc="1">
+            <a:prstTxWarp prst="textNoShape">
+              <a:avLst/>
+            </a:prstTxWarp>
+          </a:bodyPr>
+          <a:lstStyle/>
+          <a:p>
+            <a:pPr marL="0" marR="0" indent="0" algn="l" defTabSz="914400" rtl="0" eaLnBrk="1" fontAlgn="base" latinLnBrk="0" hangingPunct="1">
+              <a:lnSpc>
+                <a:spcPct val="100000"/>
+              </a:lnSpc>
+              <a:spcBef>
+                <a:spcPct val="0"/>
+              </a:spcBef>
+              <a:spcAft>
+                <a:spcPct val="0"/>
+              </a:spcAft>
+              <a:buClrTx/>
+              <a:buSzTx/>
+              <a:buFontTx/>
+              <a:buNone/>
+              <a:tabLst/>
+            </a:pPr>
+            <a:endParaRPr kumimoji="0" lang="en-US" sz="2000" b="0" i="0" u="none" strike="noStrike" cap="none" normalizeH="0" baseline="0" dirty="0" smtClean="0">
+              <a:ln>
+                <a:noFill/>
+              </a:ln>
+              <a:solidFill>
+                <a:schemeClr val="bg1"/>
+              </a:solidFill>
+              <a:effectLst/>
+              <a:latin typeface="Arial" pitchFamily="2" charset="0"/>
+            </a:endParaRPr>
+          </a:p>
+        </p:txBody>
+      </p:sp>
+      <p:sp>
+        <p:nvSpPr>
+          <p:cNvPr id="16" name="Right Arrow 15"/>
+          <p:cNvSpPr/>
+          <p:nvPr/>
+        </p:nvSpPr>
+        <p:spPr bwMode="gray">
+          <a:xfrm rot="18373809">
+            <a:off x="5284640" y="3852578"/>
+            <a:ext cx="1209725" cy="103155"/>
+          </a:xfrm>
+          <a:prstGeom prst="rightArrow">
+            <a:avLst/>
+          </a:prstGeom>
+          <a:solidFill>
+            <a:schemeClr val="accent1"/>
+          </a:solidFill>
+          <a:ln w="9525" cap="flat" cmpd="sng" algn="ctr">
+            <a:noFill/>
+            <a:prstDash val="solid"/>
+            <a:round/>
+            <a:headEnd type="none" w="med" len="med"/>
+            <a:tailEnd type="none" w="med" len="med"/>
+          </a:ln>
+          <a:effectLst/>
+        </p:spPr>
+        <p:txBody>
+          <a:bodyPr vert="horz" wrap="square" lIns="91440" tIns="45720" rIns="91440" bIns="45720" numCol="1" rtlCol="0" anchor="ctr" anchorCtr="0" compatLnSpc="1">
+            <a:prstTxWarp prst="textNoShape">
+              <a:avLst/>
+            </a:prstTxWarp>
+          </a:bodyPr>
+          <a:lstStyle/>
+          <a:p>
+            <a:pPr marL="0" marR="0" indent="0" algn="l" defTabSz="914400" rtl="0" eaLnBrk="1" fontAlgn="base" latinLnBrk="0" hangingPunct="1">
+              <a:lnSpc>
+                <a:spcPct val="100000"/>
+              </a:lnSpc>
+              <a:spcBef>
+                <a:spcPct val="0"/>
+              </a:spcBef>
+              <a:spcAft>
+                <a:spcPct val="0"/>
+              </a:spcAft>
+              <a:buClrTx/>
+              <a:buSzTx/>
+              <a:buFontTx/>
+              <a:buNone/>
+              <a:tabLst/>
+            </a:pPr>
+            <a:endParaRPr kumimoji="0" lang="en-US" sz="2000" b="0" i="0" u="none" strike="noStrike" cap="none" normalizeH="0" baseline="0" dirty="0" smtClean="0">
+              <a:ln>
+                <a:noFill/>
+              </a:ln>
+              <a:solidFill>
+                <a:schemeClr val="bg1"/>
+              </a:solidFill>
+              <a:effectLst/>
+              <a:latin typeface="Arial" pitchFamily="2" charset="0"/>
+            </a:endParaRPr>
+          </a:p>
+        </p:txBody>
+      </p:sp>
     </p:spTree>
     <p:extLst>
       <p:ext uri="{BB962C8B-B14F-4D97-AF65-F5344CB8AC3E}">
-        <p14:creationId xmlns:p14="http://schemas.microsoft.com/office/powerpoint/2010/main" val="4192355193"/>
+        <p14:creationId xmlns:p14="http://schemas.microsoft.com/office/powerpoint/2010/main" val="2039868981"/>
       </p:ext>
     </p:extLst>
   </p:cSld>
@@ -13908,111 +14051,110 @@
         </p:nvSpPr>
         <p:spPr>
           <a:xfrm>
-            <a:off x="274638" y="1369734"/>
-            <a:ext cx="8283029" cy="3320929"/>
+            <a:off x="274638" y="987818"/>
+            <a:ext cx="8283029" cy="3737694"/>
           </a:xfrm>
         </p:spPr>
         <p:txBody>
           <a:bodyPr/>
           <a:lstStyle/>
           <a:p>
+            <a:pPr lvl="1"/>
+            <a:endParaRPr lang="en-US" dirty="0" smtClean="0"/>
+          </a:p>
+          <a:p>
+            <a:pPr lvl="1"/>
+            <a:endParaRPr lang="en-US" dirty="0"/>
+          </a:p>
+          <a:p>
+            <a:pPr lvl="1"/>
+            <a:endParaRPr lang="en-US" dirty="0" smtClean="0"/>
+          </a:p>
+          <a:p>
+            <a:pPr lvl="1"/>
+            <a:endParaRPr lang="en-US" dirty="0"/>
+          </a:p>
+          <a:p>
+            <a:pPr lvl="1"/>
+            <a:endParaRPr lang="en-US" dirty="0" smtClean="0"/>
+          </a:p>
+          <a:p>
+            <a:pPr lvl="1"/>
+            <a:endParaRPr lang="en-US" dirty="0" smtClean="0"/>
+          </a:p>
+          <a:p>
+            <a:pPr lvl="1"/>
+            <a:r>
+              <a:rPr lang="en-US" dirty="0" smtClean="0"/>
+              <a:t>Uncheck the “Granted” box</a:t>
+            </a:r>
+          </a:p>
+          <a:p>
+            <a:pPr lvl="1"/>
+            <a:endParaRPr lang="en-US" dirty="0"/>
+          </a:p>
+          <a:p>
+            <a:pPr lvl="1"/>
+            <a:endParaRPr lang="en-US" dirty="0" smtClean="0"/>
+          </a:p>
+          <a:p>
+            <a:pPr lvl="1"/>
+            <a:r>
+              <a:rPr lang="en-US" dirty="0" smtClean="0"/>
+              <a:t>Click “Submit”</a:t>
+            </a:r>
+          </a:p>
+          <a:p>
+            <a:pPr lvl="1"/>
+            <a:r>
+              <a:rPr lang="en-US" dirty="0" smtClean="0"/>
+              <a:t>Remove the Client ID from either the subscription data file (one or both) as needed. If for SpendingPulse, upload the subscription file (see slide 31).</a:t>
+            </a:r>
+            <a:br>
+              <a:rPr lang="en-US" dirty="0" smtClean="0"/>
+            </a:br>
+            <a:r>
+              <a:rPr lang="en-US" sz="1200" dirty="0" smtClean="0">
+                <a:latin typeface="Andale Mono" panose="020B0509000000000004" pitchFamily="49" charset="0"/>
+              </a:rPr>
+              <a:t>Sector </a:t>
+            </a:r>
+            <a:r>
+              <a:rPr lang="en-US" sz="1200" dirty="0">
+                <a:latin typeface="Andale Mono" panose="020B0509000000000004" pitchFamily="49" charset="0"/>
+              </a:rPr>
+              <a:t>insights Keys.xlsx </a:t>
+            </a:r>
             <a:r>
               <a:rPr lang="en-US" dirty="0"/>
-              <a:t>Log in to the API Admin </a:t>
-            </a:r>
-            <a:r>
-              <a:rPr lang="en-US" dirty="0" smtClean="0"/>
-              <a:t>Application </a:t>
+              <a:t>or</a:t>
+            </a:r>
+            <a:r>
+              <a:rPr lang="en-US" sz="1200" dirty="0" smtClean="0">
+                <a:latin typeface="Andale Mono" panose="020B0509000000000004" pitchFamily="49" charset="0"/>
+              </a:rPr>
+              <a:t> SpendingPulse </a:t>
+            </a:r>
+            <a:r>
+              <a:rPr lang="en-US" sz="1200" dirty="0">
+                <a:latin typeface="Andale Mono" panose="020B0509000000000004" pitchFamily="49" charset="0"/>
+              </a:rPr>
+              <a:t>API Subscription Data.xlsx </a:t>
+            </a:r>
+            <a:r>
+              <a:rPr lang="en-US" sz="1200" dirty="0" smtClean="0">
+                <a:latin typeface="Andale Mono" panose="020B0509000000000004" pitchFamily="49" charset="0"/>
+              </a:rPr>
+              <a:t/>
             </a:r>
             <a:br>
-              <a:rPr lang="en-US" dirty="0" smtClean="0"/>
+              <a:rPr lang="en-US" sz="1200" dirty="0" smtClean="0">
+                <a:latin typeface="Andale Mono" panose="020B0509000000000004" pitchFamily="49" charset="0"/>
+              </a:rPr>
             </a:br>
-            <a:r>
-              <a:rPr lang="en-US" dirty="0" smtClean="0"/>
-              <a:t>(slide 27)</a:t>
-            </a:r>
-          </a:p>
-          <a:p>
-            <a:r>
-              <a:rPr lang="en-US" dirty="0"/>
-              <a:t>From the now displayed “Service </a:t>
-            </a:r>
-            <a:br>
-              <a:rPr lang="en-US" dirty="0"/>
-            </a:br>
-            <a:r>
-              <a:rPr lang="en-US" dirty="0"/>
-              <a:t>Management” list …</a:t>
-            </a:r>
-          </a:p>
-          <a:p>
-            <a:pPr lvl="1"/>
-            <a:r>
-              <a:rPr lang="en-US" dirty="0"/>
-              <a:t>Click </a:t>
-            </a:r>
-            <a:r>
-              <a:rPr lang="en-US" dirty="0" smtClean="0"/>
-              <a:t>“Client Configuration for Svc”</a:t>
-            </a:r>
-          </a:p>
-          <a:p>
-            <a:pPr lvl="1"/>
-            <a:r>
-              <a:rPr lang="en-US" dirty="0"/>
-              <a:t>Choose “Sector Insights” or </a:t>
-            </a:r>
-            <a:br>
-              <a:rPr lang="en-US" dirty="0"/>
-            </a:br>
-            <a:r>
-              <a:rPr lang="en-US" dirty="0"/>
-              <a:t>“SpendingPulse” from the </a:t>
-            </a:r>
-            <a:br>
-              <a:rPr lang="en-US" dirty="0"/>
-            </a:br>
-            <a:r>
-              <a:rPr lang="en-US" dirty="0"/>
-              <a:t>Service drop-down</a:t>
-            </a:r>
-            <a:r>
-              <a:rPr lang="en-US" dirty="0" smtClean="0"/>
-              <a:t>.</a:t>
-            </a:r>
-          </a:p>
-          <a:p>
-            <a:pPr lvl="1"/>
-            <a:r>
-              <a:rPr lang="en-US" dirty="0" smtClean="0"/>
-              <a:t>Use the “Search” fields to locate the owner/App </a:t>
-            </a:r>
-            <a:br>
-              <a:rPr lang="en-US" dirty="0" smtClean="0"/>
-            </a:br>
-            <a:r>
-              <a:rPr lang="en-US" dirty="0" smtClean="0"/>
-              <a:t>of the key you </a:t>
-            </a:r>
-            <a:r>
-              <a:rPr lang="en-US" dirty="0"/>
-              <a:t>w</a:t>
-            </a:r>
-            <a:r>
-              <a:rPr lang="en-US" dirty="0" smtClean="0"/>
-              <a:t>ant to revoke.</a:t>
-            </a:r>
-          </a:p>
-          <a:p>
-            <a:pPr lvl="1"/>
-            <a:r>
-              <a:rPr lang="en-US" dirty="0" smtClean="0"/>
-              <a:t>Select the key within the “Search Results” list.</a:t>
-            </a:r>
-            <a:endParaRPr lang="en-US" dirty="0"/>
-          </a:p>
-          <a:p>
-            <a:endParaRPr lang="en-US" dirty="0"/>
+            <a:endParaRPr lang="en-US" sz="1200" dirty="0">
+              <a:latin typeface="Andale Mono" panose="020B0509000000000004" pitchFamily="49" charset="0"/>
+            </a:endParaRPr>
           </a:p>
         </p:txBody>
       </p:sp>
@@ -14104,7 +14246,7 @@
           <a:p>
             <a:r>
               <a:rPr lang="en-US" dirty="0" smtClean="0"/>
-              <a:t>How to Deactivate/Deny a Previously Approved Key (1)</a:t>
+              <a:t>How to Deactivate/Deny a Previously Approved Key (2)</a:t>
             </a:r>
             <a:endParaRPr lang="en-US" dirty="0"/>
           </a:p>
@@ -14149,7 +14291,7 @@
         </p:blipFill>
         <p:spPr>
           <a:xfrm>
-            <a:off x="4647618" y="1369734"/>
+            <a:off x="4647618" y="1162824"/>
             <a:ext cx="4160520" cy="2555215"/>
           </a:xfrm>
           <a:prstGeom prst="rect">
@@ -14165,8 +14307,8 @@
         </p:nvSpPr>
         <p:spPr bwMode="gray">
           <a:xfrm>
-            <a:off x="4325613" y="1633569"/>
-            <a:ext cx="342027" cy="137859"/>
+            <a:off x="3731583" y="2846013"/>
+            <a:ext cx="3570532" cy="84070"/>
           </a:xfrm>
           <a:prstGeom prst="rightArrow">
             <a:avLst/>
@@ -14222,14 +14364,14 @@
       </p:sp>
       <p:sp>
         <p:nvSpPr>
-          <p:cNvPr id="13" name="Right Arrow 12"/>
+          <p:cNvPr id="14" name="Right Arrow 13"/>
           <p:cNvSpPr/>
           <p:nvPr/>
         </p:nvSpPr>
         <p:spPr bwMode="gray">
-          <a:xfrm rot="16200000">
-            <a:off x="7045143" y="1561174"/>
-            <a:ext cx="221621" cy="198886"/>
+          <a:xfrm>
+            <a:off x="2282663" y="3605787"/>
+            <a:ext cx="5458856" cy="84070"/>
           </a:xfrm>
           <a:prstGeom prst="rightArrow">
             <a:avLst/>
@@ -14283,136 +14425,10 @@
           </a:p>
         </p:txBody>
       </p:sp>
-      <p:sp>
-        <p:nvSpPr>
-          <p:cNvPr id="15" name="Right Arrow 14"/>
-          <p:cNvSpPr/>
-          <p:nvPr/>
-        </p:nvSpPr>
-        <p:spPr bwMode="gray">
-          <a:xfrm rot="19866145">
-            <a:off x="3487319" y="3030901"/>
-            <a:ext cx="2443768" cy="102691"/>
-          </a:xfrm>
-          <a:prstGeom prst="rightArrow">
-            <a:avLst/>
-          </a:prstGeom>
-          <a:solidFill>
-            <a:schemeClr val="accent1"/>
-          </a:solidFill>
-          <a:ln w="9525" cap="flat" cmpd="sng" algn="ctr">
-            <a:noFill/>
-            <a:prstDash val="solid"/>
-            <a:round/>
-            <a:headEnd type="none" w="med" len="med"/>
-            <a:tailEnd type="none" w="med" len="med"/>
-          </a:ln>
-          <a:effectLst/>
-        </p:spPr>
-        <p:txBody>
-          <a:bodyPr vert="horz" wrap="square" lIns="91440" tIns="45720" rIns="91440" bIns="45720" numCol="1" rtlCol="0" anchor="ctr" anchorCtr="0" compatLnSpc="1">
-            <a:prstTxWarp prst="textNoShape">
-              <a:avLst/>
-            </a:prstTxWarp>
-          </a:bodyPr>
-          <a:lstStyle/>
-          <a:p>
-            <a:pPr marL="0" marR="0" indent="0" algn="l" defTabSz="914400" rtl="0" eaLnBrk="1" fontAlgn="base" latinLnBrk="0" hangingPunct="1">
-              <a:lnSpc>
-                <a:spcPct val="100000"/>
-              </a:lnSpc>
-              <a:spcBef>
-                <a:spcPct val="0"/>
-              </a:spcBef>
-              <a:spcAft>
-                <a:spcPct val="0"/>
-              </a:spcAft>
-              <a:buClrTx/>
-              <a:buSzTx/>
-              <a:buFontTx/>
-              <a:buNone/>
-              <a:tabLst/>
-            </a:pPr>
-            <a:endParaRPr kumimoji="0" lang="en-US" sz="2000" b="0" i="0" u="none" strike="noStrike" cap="none" normalizeH="0" baseline="0" dirty="0" smtClean="0">
-              <a:ln>
-                <a:noFill/>
-              </a:ln>
-              <a:solidFill>
-                <a:schemeClr val="bg1"/>
-              </a:solidFill>
-              <a:effectLst/>
-              <a:latin typeface="Arial" pitchFamily="2" charset="0"/>
-            </a:endParaRPr>
-          </a:p>
-        </p:txBody>
-      </p:sp>
-      <p:sp>
-        <p:nvSpPr>
-          <p:cNvPr id="16" name="Right Arrow 15"/>
-          <p:cNvSpPr/>
-          <p:nvPr/>
-        </p:nvSpPr>
-        <p:spPr bwMode="gray">
-          <a:xfrm rot="18373809">
-            <a:off x="5284640" y="3852578"/>
-            <a:ext cx="1209725" cy="103155"/>
-          </a:xfrm>
-          <a:prstGeom prst="rightArrow">
-            <a:avLst/>
-          </a:prstGeom>
-          <a:solidFill>
-            <a:schemeClr val="accent1"/>
-          </a:solidFill>
-          <a:ln w="9525" cap="flat" cmpd="sng" algn="ctr">
-            <a:noFill/>
-            <a:prstDash val="solid"/>
-            <a:round/>
-            <a:headEnd type="none" w="med" len="med"/>
-            <a:tailEnd type="none" w="med" len="med"/>
-          </a:ln>
-          <a:effectLst/>
-        </p:spPr>
-        <p:txBody>
-          <a:bodyPr vert="horz" wrap="square" lIns="91440" tIns="45720" rIns="91440" bIns="45720" numCol="1" rtlCol="0" anchor="ctr" anchorCtr="0" compatLnSpc="1">
-            <a:prstTxWarp prst="textNoShape">
-              <a:avLst/>
-            </a:prstTxWarp>
-          </a:bodyPr>
-          <a:lstStyle/>
-          <a:p>
-            <a:pPr marL="0" marR="0" indent="0" algn="l" defTabSz="914400" rtl="0" eaLnBrk="1" fontAlgn="base" latinLnBrk="0" hangingPunct="1">
-              <a:lnSpc>
-                <a:spcPct val="100000"/>
-              </a:lnSpc>
-              <a:spcBef>
-                <a:spcPct val="0"/>
-              </a:spcBef>
-              <a:spcAft>
-                <a:spcPct val="0"/>
-              </a:spcAft>
-              <a:buClrTx/>
-              <a:buSzTx/>
-              <a:buFontTx/>
-              <a:buNone/>
-              <a:tabLst/>
-            </a:pPr>
-            <a:endParaRPr kumimoji="0" lang="en-US" sz="2000" b="0" i="0" u="none" strike="noStrike" cap="none" normalizeH="0" baseline="0" dirty="0" smtClean="0">
-              <a:ln>
-                <a:noFill/>
-              </a:ln>
-              <a:solidFill>
-                <a:schemeClr val="bg1"/>
-              </a:solidFill>
-              <a:effectLst/>
-              <a:latin typeface="Arial" pitchFamily="2" charset="0"/>
-            </a:endParaRPr>
-          </a:p>
-        </p:txBody>
-      </p:sp>
     </p:spTree>
     <p:extLst>
       <p:ext uri="{BB962C8B-B14F-4D97-AF65-F5344CB8AC3E}">
-        <p14:creationId xmlns:p14="http://schemas.microsoft.com/office/powerpoint/2010/main" val="2039868981"/>
+        <p14:creationId xmlns:p14="http://schemas.microsoft.com/office/powerpoint/2010/main" val="1326989588"/>
       </p:ext>
     </p:extLst>
   </p:cSld>
@@ -14458,107 +14474,44 @@
         </p:nvSpPr>
         <p:spPr>
           <a:xfrm>
-            <a:off x="274638" y="987818"/>
-            <a:ext cx="8283029" cy="3737694"/>
+            <a:off x="274638" y="1416424"/>
+            <a:ext cx="8283029" cy="3309088"/>
           </a:xfrm>
         </p:spPr>
         <p:txBody>
           <a:bodyPr/>
           <a:lstStyle/>
           <a:p>
+            <a:r>
+              <a:rPr lang="en-US" dirty="0" smtClean="0"/>
+              <a:t>For BOTH Weekly Gasoline data and US Exec data:</a:t>
+            </a:r>
+          </a:p>
+          <a:p>
             <a:pPr lvl="1"/>
-            <a:endParaRPr lang="en-US" dirty="0" smtClean="0"/>
+            <a:r>
+              <a:rPr lang="en-US" dirty="0" smtClean="0"/>
+              <a:t>Must FIRST delete last report’s data – then upload new data</a:t>
+            </a:r>
           </a:p>
           <a:p>
             <a:pPr lvl="1"/>
-            <a:endParaRPr lang="en-US" dirty="0"/>
-          </a:p>
-          <a:p>
-            <a:pPr lvl="1"/>
-            <a:endParaRPr lang="en-US" dirty="0" smtClean="0"/>
-          </a:p>
-          <a:p>
-            <a:pPr lvl="1"/>
-            <a:endParaRPr lang="en-US" dirty="0"/>
-          </a:p>
-          <a:p>
-            <a:pPr lvl="1"/>
-            <a:endParaRPr lang="en-US" dirty="0" smtClean="0"/>
-          </a:p>
-          <a:p>
-            <a:pPr lvl="1"/>
-            <a:endParaRPr lang="en-US" dirty="0" smtClean="0"/>
-          </a:p>
-          <a:p>
-            <a:pPr lvl="1"/>
-            <a:r>
-              <a:rPr lang="en-US" dirty="0" smtClean="0"/>
-              <a:t>Uncheck the “Granted” box</a:t>
-            </a:r>
-          </a:p>
-          <a:p>
-            <a:pPr lvl="1"/>
-            <a:endParaRPr lang="en-US" dirty="0"/>
-          </a:p>
-          <a:p>
-            <a:pPr lvl="1"/>
-            <a:endParaRPr lang="en-US" dirty="0" smtClean="0"/>
-          </a:p>
-          <a:p>
-            <a:pPr lvl="1"/>
-            <a:r>
-              <a:rPr lang="en-US" dirty="0" smtClean="0"/>
-              <a:t>Click “Submit”</a:t>
-            </a:r>
-          </a:p>
-          <a:p>
-            <a:pPr lvl="1"/>
-            <a:r>
-              <a:rPr lang="en-US" dirty="0" smtClean="0"/>
-              <a:t>Remove the Client ID from either the subscription data file (one or both) as needed. If for SpendingPulse, upload the subscription file (see slide 31).</a:t>
-            </a:r>
-            <a:br>
-              <a:rPr lang="en-US" dirty="0" smtClean="0"/>
-            </a:br>
-            <a:r>
-              <a:rPr lang="en-US" sz="1200" dirty="0" smtClean="0">
-                <a:latin typeface="Andale Mono" panose="020B0509000000000004" pitchFamily="49" charset="0"/>
-              </a:rPr>
-              <a:t>Sector </a:t>
-            </a:r>
-            <a:r>
-              <a:rPr lang="en-US" sz="1200" dirty="0">
-                <a:latin typeface="Andale Mono" panose="020B0509000000000004" pitchFamily="49" charset="0"/>
-              </a:rPr>
-              <a:t>insights Keys.xlsx </a:t>
-            </a:r>
-            <a:r>
-              <a:rPr lang="en-US" dirty="0"/>
-              <a:t>or</a:t>
-            </a:r>
-            <a:r>
-              <a:rPr lang="en-US" sz="1200" dirty="0" smtClean="0">
-                <a:latin typeface="Andale Mono" panose="020B0509000000000004" pitchFamily="49" charset="0"/>
-              </a:rPr>
-              <a:t> SpendingPulse </a:t>
-            </a:r>
-            <a:r>
-              <a:rPr lang="en-US" sz="1200" dirty="0">
-                <a:latin typeface="Andale Mono" panose="020B0509000000000004" pitchFamily="49" charset="0"/>
-              </a:rPr>
-              <a:t>API Subscription Data.xlsx </a:t>
-            </a:r>
-            <a:r>
-              <a:rPr lang="en-US" sz="1200" dirty="0" smtClean="0">
-                <a:latin typeface="Andale Mono" panose="020B0509000000000004" pitchFamily="49" charset="0"/>
-              </a:rPr>
-              <a:t/>
-            </a:r>
-            <a:br>
-              <a:rPr lang="en-US" sz="1200" dirty="0" smtClean="0">
-                <a:latin typeface="Andale Mono" panose="020B0509000000000004" pitchFamily="49" charset="0"/>
-              </a:rPr>
-            </a:br>
+            <a:r>
+              <a:rPr lang="en-US" dirty="0" smtClean="0"/>
+              <a:t>If not</a:t>
+            </a:r>
+            <a:r>
+              <a:rPr lang="en-US" smtClean="0"/>
+              <a:t>, both </a:t>
+            </a:r>
+            <a:r>
+              <a:rPr lang="en-US" dirty="0" smtClean="0"/>
+              <a:t>sets of data are exposed in the </a:t>
+            </a:r>
+            <a:r>
+              <a:rPr lang="en-US" smtClean="0"/>
+              <a:t>API.</a:t>
+            </a:r>
             <a:endParaRPr lang="en-US" sz="1200" dirty="0">
               <a:latin typeface="Andale Mono" panose="020B0509000000000004" pitchFamily="49" charset="0"/>
             </a:endParaRPr>
@@ -14607,366 +14560,6 @@
               <a:rPr lang="en-US" smtClean="0"/>
               <a:pPr/>
               <a:t>36</a:t>
-            </a:fld>
-            <a:endParaRPr lang="en-US" dirty="0"/>
-          </a:p>
-        </p:txBody>
-      </p:sp>
-      <p:sp>
-        <p:nvSpPr>
-          <p:cNvPr id="5" name="Footer Placeholder 4"/>
-          <p:cNvSpPr>
-            <a:spLocks noGrp="1"/>
-          </p:cNvSpPr>
-          <p:nvPr>
-            <p:ph type="ftr" sz="quarter" idx="12"/>
-          </p:nvPr>
-        </p:nvSpPr>
-        <p:spPr/>
-        <p:txBody>
-          <a:bodyPr/>
-          <a:lstStyle/>
-          <a:p>
-            <a:endParaRPr lang="en-US" dirty="0"/>
-          </a:p>
-        </p:txBody>
-      </p:sp>
-      <p:sp>
-        <p:nvSpPr>
-          <p:cNvPr id="6" name="Title 5"/>
-          <p:cNvSpPr>
-            <a:spLocks noGrp="1"/>
-          </p:cNvSpPr>
-          <p:nvPr>
-            <p:ph type="title"/>
-          </p:nvPr>
-        </p:nvSpPr>
-        <p:spPr>
-          <a:xfrm>
-            <a:off x="273915" y="644462"/>
-            <a:ext cx="8618799" cy="486287"/>
-          </a:xfrm>
-        </p:spPr>
-        <p:txBody>
-          <a:bodyPr/>
-          <a:lstStyle/>
-          <a:p>
-            <a:r>
-              <a:rPr lang="en-US" dirty="0" smtClean="0"/>
-              <a:t>How to Deactivate/Deny a Previously Approved Key (2)</a:t>
-            </a:r>
-            <a:endParaRPr lang="en-US" dirty="0"/>
-          </a:p>
-        </p:txBody>
-      </p:sp>
-      <p:sp>
-        <p:nvSpPr>
-          <p:cNvPr id="7" name="Text Placeholder 6"/>
-          <p:cNvSpPr>
-            <a:spLocks noGrp="1"/>
-          </p:cNvSpPr>
-          <p:nvPr>
-            <p:ph type="body" sz="quarter" idx="15"/>
-          </p:nvPr>
-        </p:nvSpPr>
-        <p:spPr/>
-        <p:txBody>
-          <a:bodyPr/>
-          <a:lstStyle/>
-          <a:p>
-            <a:r>
-              <a:rPr lang="en-US" dirty="0" smtClean="0"/>
-              <a:t>Administrator API How To</a:t>
-            </a:r>
-            <a:endParaRPr lang="en-US" dirty="0"/>
-          </a:p>
-        </p:txBody>
-      </p:sp>
-      <p:pic>
-        <p:nvPicPr>
-          <p:cNvPr id="18" name="Picture 17"/>
-          <p:cNvPicPr>
-            <a:picLocks noChangeAspect="1"/>
-          </p:cNvPicPr>
-          <p:nvPr/>
-        </p:nvPicPr>
-        <p:blipFill>
-          <a:blip r:embed="rId2"/>
-          <a:stretch>
-            <a:fillRect/>
-          </a:stretch>
-        </p:blipFill>
-        <p:spPr>
-          <a:xfrm>
-            <a:off x="4647618" y="1162824"/>
-            <a:ext cx="4160520" cy="2555215"/>
-          </a:xfrm>
-          <a:prstGeom prst="rect">
-            <a:avLst/>
-          </a:prstGeom>
-        </p:spPr>
-      </p:pic>
-      <p:sp>
-        <p:nvSpPr>
-          <p:cNvPr id="12" name="Right Arrow 11"/>
-          <p:cNvSpPr/>
-          <p:nvPr/>
-        </p:nvSpPr>
-        <p:spPr bwMode="gray">
-          <a:xfrm>
-            <a:off x="3731583" y="2846013"/>
-            <a:ext cx="3570532" cy="84070"/>
-          </a:xfrm>
-          <a:prstGeom prst="rightArrow">
-            <a:avLst/>
-          </a:prstGeom>
-          <a:solidFill>
-            <a:schemeClr val="accent1"/>
-          </a:solidFill>
-          <a:ln w="9525" cap="flat" cmpd="sng" algn="ctr">
-            <a:noFill/>
-            <a:prstDash val="solid"/>
-            <a:round/>
-            <a:headEnd type="none" w="med" len="med"/>
-            <a:tailEnd type="none" w="med" len="med"/>
-          </a:ln>
-          <a:effectLst/>
-        </p:spPr>
-        <p:txBody>
-          <a:bodyPr vert="horz" wrap="square" lIns="91440" tIns="45720" rIns="91440" bIns="45720" numCol="1" rtlCol="0" anchor="ctr" anchorCtr="0" compatLnSpc="1">
-            <a:prstTxWarp prst="textNoShape">
-              <a:avLst/>
-            </a:prstTxWarp>
-          </a:bodyPr>
-          <a:lstStyle/>
-          <a:p>
-            <a:pPr marL="0" marR="0" indent="0" algn="l" defTabSz="914400" rtl="0" eaLnBrk="1" fontAlgn="base" latinLnBrk="0" hangingPunct="1">
-              <a:lnSpc>
-                <a:spcPct val="100000"/>
-              </a:lnSpc>
-              <a:spcBef>
-                <a:spcPct val="0"/>
-              </a:spcBef>
-              <a:spcAft>
-                <a:spcPct val="0"/>
-              </a:spcAft>
-              <a:buClrTx/>
-              <a:buSzTx/>
-              <a:buFontTx/>
-              <a:buNone/>
-              <a:tabLst/>
-            </a:pPr>
-            <a:endParaRPr kumimoji="0" lang="en-US" sz="2000" b="0" i="0" u="none" strike="noStrike" cap="none" normalizeH="0" baseline="0" dirty="0" smtClean="0">
-              <a:ln>
-                <a:noFill/>
-              </a:ln>
-              <a:solidFill>
-                <a:schemeClr val="bg1"/>
-              </a:solidFill>
-              <a:effectLst/>
-              <a:latin typeface="Arial" pitchFamily="2" charset="0"/>
-            </a:endParaRPr>
-          </a:p>
-        </p:txBody>
-      </p:sp>
-      <p:sp>
-        <p:nvSpPr>
-          <p:cNvPr id="14" name="Right Arrow 13"/>
-          <p:cNvSpPr/>
-          <p:nvPr/>
-        </p:nvSpPr>
-        <p:spPr bwMode="gray">
-          <a:xfrm>
-            <a:off x="2282663" y="3605787"/>
-            <a:ext cx="5458856" cy="84070"/>
-          </a:xfrm>
-          <a:prstGeom prst="rightArrow">
-            <a:avLst/>
-          </a:prstGeom>
-          <a:solidFill>
-            <a:schemeClr val="accent1"/>
-          </a:solidFill>
-          <a:ln w="9525" cap="flat" cmpd="sng" algn="ctr">
-            <a:noFill/>
-            <a:prstDash val="solid"/>
-            <a:round/>
-            <a:headEnd type="none" w="med" len="med"/>
-            <a:tailEnd type="none" w="med" len="med"/>
-          </a:ln>
-          <a:effectLst/>
-        </p:spPr>
-        <p:txBody>
-          <a:bodyPr vert="horz" wrap="square" lIns="91440" tIns="45720" rIns="91440" bIns="45720" numCol="1" rtlCol="0" anchor="ctr" anchorCtr="0" compatLnSpc="1">
-            <a:prstTxWarp prst="textNoShape">
-              <a:avLst/>
-            </a:prstTxWarp>
-          </a:bodyPr>
-          <a:lstStyle/>
-          <a:p>
-            <a:pPr marL="0" marR="0" indent="0" algn="l" defTabSz="914400" rtl="0" eaLnBrk="1" fontAlgn="base" latinLnBrk="0" hangingPunct="1">
-              <a:lnSpc>
-                <a:spcPct val="100000"/>
-              </a:lnSpc>
-              <a:spcBef>
-                <a:spcPct val="0"/>
-              </a:spcBef>
-              <a:spcAft>
-                <a:spcPct val="0"/>
-              </a:spcAft>
-              <a:buClrTx/>
-              <a:buSzTx/>
-              <a:buFontTx/>
-              <a:buNone/>
-              <a:tabLst/>
-            </a:pPr>
-            <a:endParaRPr kumimoji="0" lang="en-US" sz="2000" b="0" i="0" u="none" strike="noStrike" cap="none" normalizeH="0" baseline="0" dirty="0" smtClean="0">
-              <a:ln>
-                <a:noFill/>
-              </a:ln>
-              <a:solidFill>
-                <a:schemeClr val="bg1"/>
-              </a:solidFill>
-              <a:effectLst/>
-              <a:latin typeface="Arial" pitchFamily="2" charset="0"/>
-            </a:endParaRPr>
-          </a:p>
-        </p:txBody>
-      </p:sp>
-    </p:spTree>
-    <p:extLst>
-      <p:ext uri="{BB962C8B-B14F-4D97-AF65-F5344CB8AC3E}">
-        <p14:creationId xmlns:p14="http://schemas.microsoft.com/office/powerpoint/2010/main" val="1326989588"/>
-      </p:ext>
-    </p:extLst>
-  </p:cSld>
-  <p:clrMapOvr>
-    <a:masterClrMapping/>
-  </p:clrMapOvr>
-  <p:timing>
-    <p:tnLst>
-      <p:par>
-        <p:cTn id="1" dur="indefinite" restart="never" nodeType="tmRoot"/>
-      </p:par>
-    </p:tnLst>
-  </p:timing>
-</p:sld>
-</file>
-
-<file path=ppt/slides/slide37.xml><?xml version="1.0" encoding="utf-8"?>
-<p:sld xmlns:a="http://schemas.openxmlformats.org/drawingml/2006/main" xmlns:r="http://schemas.openxmlformats.org/officeDocument/2006/relationships" xmlns:p="http://schemas.openxmlformats.org/presentationml/2006/main">
-  <p:cSld>
-    <p:spTree>
-      <p:nvGrpSpPr>
-        <p:cNvPr id="1" name=""/>
-        <p:cNvGrpSpPr/>
-        <p:nvPr/>
-      </p:nvGrpSpPr>
-      <p:grpSpPr>
-        <a:xfrm>
-          <a:off x="0" y="0"/>
-          <a:ext cx="0" cy="0"/>
-          <a:chOff x="0" y="0"/>
-          <a:chExt cx="0" cy="0"/>
-        </a:xfrm>
-      </p:grpSpPr>
-      <p:sp>
-        <p:nvSpPr>
-          <p:cNvPr id="2" name="Text Placeholder 1"/>
-          <p:cNvSpPr>
-            <a:spLocks noGrp="1"/>
-          </p:cNvSpPr>
-          <p:nvPr>
-            <p:ph type="body" sz="quarter" idx="13"/>
-          </p:nvPr>
-        </p:nvSpPr>
-        <p:spPr>
-          <a:xfrm>
-            <a:off x="274638" y="1416424"/>
-            <a:ext cx="8283029" cy="3309088"/>
-          </a:xfrm>
-        </p:spPr>
-        <p:txBody>
-          <a:bodyPr/>
-          <a:lstStyle/>
-          <a:p>
-            <a:r>
-              <a:rPr lang="en-US" dirty="0" smtClean="0"/>
-              <a:t>For BOTH Weekly Gasoline data and US Exec data:</a:t>
-            </a:r>
-          </a:p>
-          <a:p>
-            <a:pPr lvl="1"/>
-            <a:r>
-              <a:rPr lang="en-US" dirty="0" smtClean="0"/>
-              <a:t>Must FIRST delete last report’s data – then upload new data</a:t>
-            </a:r>
-          </a:p>
-          <a:p>
-            <a:pPr lvl="1"/>
-            <a:r>
-              <a:rPr lang="en-US" dirty="0" smtClean="0"/>
-              <a:t>If not</a:t>
-            </a:r>
-            <a:r>
-              <a:rPr lang="en-US" smtClean="0"/>
-              <a:t>, both </a:t>
-            </a:r>
-            <a:r>
-              <a:rPr lang="en-US" dirty="0" smtClean="0"/>
-              <a:t>sets of data are exposed in the </a:t>
-            </a:r>
-            <a:r>
-              <a:rPr lang="en-US" smtClean="0"/>
-              <a:t>API.</a:t>
-            </a:r>
-            <a:endParaRPr lang="en-US" sz="1200" dirty="0">
-              <a:latin typeface="Andale Mono" panose="020B0509000000000004" pitchFamily="49" charset="0"/>
-            </a:endParaRPr>
-          </a:p>
-        </p:txBody>
-      </p:sp>
-      <p:sp>
-        <p:nvSpPr>
-          <p:cNvPr id="3" name="Date Placeholder 2"/>
-          <p:cNvSpPr>
-            <a:spLocks noGrp="1"/>
-          </p:cNvSpPr>
-          <p:nvPr>
-            <p:ph type="dt" sz="half" idx="10"/>
-          </p:nvPr>
-        </p:nvSpPr>
-        <p:spPr/>
-        <p:txBody>
-          <a:bodyPr/>
-          <a:lstStyle/>
-          <a:p>
-            <a:r>
-              <a:rPr lang="en-US" smtClean="0"/>
-              <a:t>October 21, 2015</a:t>
-            </a:r>
-            <a:endParaRPr lang="en-US" dirty="0" smtClean="0"/>
-          </a:p>
-        </p:txBody>
-      </p:sp>
-      <p:sp>
-        <p:nvSpPr>
-          <p:cNvPr id="4" name="Slide Number Placeholder 3"/>
-          <p:cNvSpPr>
-            <a:spLocks noGrp="1"/>
-          </p:cNvSpPr>
-          <p:nvPr>
-            <p:ph type="sldNum" sz="quarter" idx="11"/>
-          </p:nvPr>
-        </p:nvSpPr>
-        <p:spPr/>
-        <p:txBody>
-          <a:bodyPr/>
-          <a:lstStyle/>
-          <a:p>
-            <a:fld id="{5698A34F-157D-4FC3-B6AE-341A8B909DED}" type="slidenum">
-              <a:rPr lang="en-US" smtClean="0"/>
-              <a:pPr/>
-              <a:t>37</a:t>
             </a:fld>
             <a:endParaRPr lang="en-US" dirty="0"/>
           </a:p>
@@ -15081,62 +14674,6 @@
       </p:grpSpPr>
       <p:sp>
         <p:nvSpPr>
-          <p:cNvPr id="2" name="Title 1"/>
-          <p:cNvSpPr>
-            <a:spLocks noGrp="1"/>
-          </p:cNvSpPr>
-          <p:nvPr>
-            <p:ph type="title"/>
-          </p:nvPr>
-        </p:nvSpPr>
-        <p:spPr/>
-        <p:txBody>
-          <a:bodyPr/>
-          <a:lstStyle/>
-          <a:p>
-            <a:endParaRPr lang="en-US"/>
-          </a:p>
-        </p:txBody>
-      </p:sp>
-    </p:spTree>
-    <p:extLst>
-      <p:ext uri="{BB962C8B-B14F-4D97-AF65-F5344CB8AC3E}">
-        <p14:creationId xmlns:p14="http://schemas.microsoft.com/office/powerpoint/2010/main" val="991234360"/>
-      </p:ext>
-    </p:extLst>
-  </p:cSld>
-  <p:clrMapOvr>
-    <a:masterClrMapping/>
-  </p:clrMapOvr>
-  <p:timing>
-    <p:tnLst>
-      <p:par>
-        <p:cTn id="1" dur="indefinite" restart="never" nodeType="tmRoot"/>
-      </p:par>
-    </p:tnLst>
-  </p:timing>
-</p:sld>
-</file>
-
-<file path=ppt/slides/slide5.xml><?xml version="1.0" encoding="utf-8"?>
-<p:sld xmlns:a="http://schemas.openxmlformats.org/drawingml/2006/main" xmlns:r="http://schemas.openxmlformats.org/officeDocument/2006/relationships" xmlns:p="http://schemas.openxmlformats.org/presentationml/2006/main">
-  <p:cSld>
-    <p:spTree>
-      <p:nvGrpSpPr>
-        <p:cNvPr id="1" name=""/>
-        <p:cNvGrpSpPr/>
-        <p:nvPr/>
-      </p:nvGrpSpPr>
-      <p:grpSpPr>
-        <a:xfrm>
-          <a:off x="0" y="0"/>
-          <a:ext cx="0" cy="0"/>
-          <a:chOff x="0" y="0"/>
-          <a:chExt cx="0" cy="0"/>
-        </a:xfrm>
-      </p:grpSpPr>
-      <p:sp>
-        <p:nvSpPr>
           <p:cNvPr id="2" name="Text Placeholder 1"/>
           <p:cNvSpPr>
             <a:spLocks noGrp="1"/>
@@ -15236,7 +14773,7 @@
             <a:fld id="{5698A34F-157D-4FC3-B6AE-341A8B909DED}" type="slidenum">
               <a:rPr lang="en-US" smtClean="0"/>
               <a:pPr/>
-              <a:t>5</a:t>
+              <a:t>4</a:t>
             </a:fld>
             <a:endParaRPr lang="en-US" dirty="0"/>
           </a:p>
@@ -15520,7 +15057,7 @@
 </p:sld>
 </file>
 
-<file path=ppt/slides/slide6.xml><?xml version="1.0" encoding="utf-8"?>
+<file path=ppt/slides/slide5.xml><?xml version="1.0" encoding="utf-8"?>
 <p:sld xmlns:a="http://schemas.openxmlformats.org/drawingml/2006/main" xmlns:r="http://schemas.openxmlformats.org/officeDocument/2006/relationships" xmlns:p="http://schemas.openxmlformats.org/presentationml/2006/main">
   <p:cSld>
     <p:spTree>
@@ -15657,7 +15194,7 @@
             <a:fld id="{5698A34F-157D-4FC3-B6AE-341A8B909DED}" type="slidenum">
               <a:rPr lang="en-US" smtClean="0"/>
               <a:pPr/>
-              <a:t>6</a:t>
+              <a:t>5</a:t>
             </a:fld>
             <a:endParaRPr lang="en-US" dirty="0"/>
           </a:p>
@@ -15783,7 +15320,7 @@
 </p:sld>
 </file>
 
-<file path=ppt/slides/slide7.xml><?xml version="1.0" encoding="utf-8"?>
+<file path=ppt/slides/slide6.xml><?xml version="1.0" encoding="utf-8"?>
 <p:sld xmlns:a="http://schemas.openxmlformats.org/drawingml/2006/main" xmlns:r="http://schemas.openxmlformats.org/officeDocument/2006/relationships" xmlns:p="http://schemas.openxmlformats.org/presentationml/2006/main">
   <p:cSld>
     <p:spTree>
@@ -15923,7 +15460,7 @@
             <a:fld id="{5698A34F-157D-4FC3-B6AE-341A8B909DED}" type="slidenum">
               <a:rPr lang="en-US" smtClean="0"/>
               <a:pPr/>
-              <a:t>7</a:t>
+              <a:t>6</a:t>
             </a:fld>
             <a:endParaRPr lang="en-US" dirty="0"/>
           </a:p>
@@ -16148,7 +15685,7 @@
 </p:sld>
 </file>
 
-<file path=ppt/slides/slide8.xml><?xml version="1.0" encoding="utf-8"?>
+<file path=ppt/slides/slide7.xml><?xml version="1.0" encoding="utf-8"?>
 <p:sld xmlns:a="http://schemas.openxmlformats.org/drawingml/2006/main" xmlns:r="http://schemas.openxmlformats.org/officeDocument/2006/relationships" xmlns:p="http://schemas.openxmlformats.org/presentationml/2006/main">
   <p:cSld>
     <p:spTree>
@@ -16260,7 +15797,7 @@
             <a:fld id="{5698A34F-157D-4FC3-B6AE-341A8B909DED}" type="slidenum">
               <a:rPr lang="en-US" smtClean="0"/>
               <a:pPr/>
-              <a:t>8</a:t>
+              <a:t>7</a:t>
             </a:fld>
             <a:endParaRPr lang="en-US" dirty="0"/>
           </a:p>
@@ -16491,7 +16028,7 @@
 </p:sld>
 </file>
 
-<file path=ppt/slides/slide9.xml><?xml version="1.0" encoding="utf-8"?>
+<file path=ppt/slides/slide8.xml><?xml version="1.0" encoding="utf-8"?>
 <p:sld xmlns:a="http://schemas.openxmlformats.org/drawingml/2006/main" xmlns:r="http://schemas.openxmlformats.org/officeDocument/2006/relationships" xmlns:p="http://schemas.openxmlformats.org/presentationml/2006/main">
   <p:cSld>
     <p:spTree>
@@ -16591,7 +16128,7 @@
             <a:fld id="{5698A34F-157D-4FC3-B6AE-341A8B909DED}" type="slidenum">
               <a:rPr lang="en-US" smtClean="0"/>
               <a:pPr/>
-              <a:t>9</a:t>
+              <a:t>8</a:t>
             </a:fld>
             <a:endParaRPr lang="en-US" dirty="0"/>
           </a:p>
@@ -16781,6 +16318,411 @@
     <p:extLst>
       <p:ext uri="{BB962C8B-B14F-4D97-AF65-F5344CB8AC3E}">
         <p14:creationId xmlns:p14="http://schemas.microsoft.com/office/powerpoint/2010/main" val="1615263290"/>
+      </p:ext>
+    </p:extLst>
+  </p:cSld>
+  <p:clrMapOvr>
+    <a:masterClrMapping/>
+  </p:clrMapOvr>
+  <p:timing>
+    <p:tnLst>
+      <p:par>
+        <p:cTn id="1" dur="indefinite" restart="never" nodeType="tmRoot"/>
+      </p:par>
+    </p:tnLst>
+  </p:timing>
+</p:sld>
+</file>
+
+<file path=ppt/slides/slide9.xml><?xml version="1.0" encoding="utf-8"?>
+<p:sld xmlns:a="http://schemas.openxmlformats.org/drawingml/2006/main" xmlns:r="http://schemas.openxmlformats.org/officeDocument/2006/relationships" xmlns:p="http://schemas.openxmlformats.org/presentationml/2006/main">
+  <p:cSld>
+    <p:spTree>
+      <p:nvGrpSpPr>
+        <p:cNvPr id="1" name=""/>
+        <p:cNvGrpSpPr/>
+        <p:nvPr/>
+      </p:nvGrpSpPr>
+      <p:grpSpPr>
+        <a:xfrm>
+          <a:off x="0" y="0"/>
+          <a:ext cx="0" cy="0"/>
+          <a:chOff x="0" y="0"/>
+          <a:chExt cx="0" cy="0"/>
+        </a:xfrm>
+      </p:grpSpPr>
+      <p:sp>
+        <p:nvSpPr>
+          <p:cNvPr id="2" name="Text Placeholder 1"/>
+          <p:cNvSpPr>
+            <a:spLocks noGrp="1"/>
+          </p:cNvSpPr>
+          <p:nvPr>
+            <p:ph type="body" sz="quarter" idx="13"/>
+          </p:nvPr>
+        </p:nvSpPr>
+        <p:spPr>
+          <a:xfrm>
+            <a:off x="274638" y="1368162"/>
+            <a:ext cx="7415212" cy="3264161"/>
+          </a:xfrm>
+        </p:spPr>
+        <p:txBody>
+          <a:bodyPr/>
+          <a:lstStyle/>
+          <a:p>
+            <a:r>
+              <a:rPr lang="en-US" dirty="0" smtClean="0"/>
+              <a:t>In order to access the MasterCard APIs you need an approved key.</a:t>
+            </a:r>
+          </a:p>
+          <a:p>
+            <a:r>
+              <a:rPr lang="en-US" dirty="0"/>
+              <a:t>To get a key for </a:t>
+            </a:r>
+            <a:r>
+              <a:rPr lang="en-US" dirty="0" err="1"/>
+              <a:t>OpenAPI</a:t>
+            </a:r>
+            <a:r>
+              <a:rPr lang="en-US" dirty="0"/>
+              <a:t> you will need to upload a Certificate Signing Request (CSR). You can create the CSR on you own or by using our key tool to create the </a:t>
+            </a:r>
+            <a:r>
+              <a:rPr lang="en-US" dirty="0" smtClean="0"/>
+              <a:t>necessary</a:t>
+            </a:r>
+            <a:br>
+              <a:rPr lang="en-US" dirty="0" smtClean="0"/>
+            </a:br>
+            <a:r>
+              <a:rPr lang="en-US" dirty="0" smtClean="0"/>
+              <a:t>files </a:t>
+            </a:r>
+            <a:r>
+              <a:rPr lang="en-US" dirty="0"/>
+              <a:t>for you. This tool can be accessed by </a:t>
+            </a:r>
+            <a:r>
+              <a:rPr lang="en-US" dirty="0" smtClean="0"/>
+              <a:t/>
+            </a:r>
+            <a:br>
+              <a:rPr lang="en-US" dirty="0" smtClean="0"/>
+            </a:br>
+            <a:r>
+              <a:rPr lang="en-US" dirty="0" smtClean="0"/>
+              <a:t>signing </a:t>
+            </a:r>
+            <a:r>
+              <a:rPr lang="en-US" dirty="0"/>
+              <a:t>in to Developer Zone, and selecting:</a:t>
+            </a:r>
+          </a:p>
+          <a:p>
+            <a:pPr lvl="1"/>
+            <a:r>
+              <a:rPr lang="en-US" dirty="0"/>
+              <a:t>My </a:t>
+            </a:r>
+            <a:r>
+              <a:rPr lang="en-US" dirty="0" smtClean="0"/>
+              <a:t>Dashboard (shown on previous slide)</a:t>
+            </a:r>
+            <a:endParaRPr lang="en-US" dirty="0"/>
+          </a:p>
+          <a:p>
+            <a:pPr lvl="1"/>
+            <a:r>
+              <a:rPr lang="en-US" dirty="0" smtClean="0"/>
+              <a:t>“My Keys” then “Add </a:t>
+            </a:r>
+            <a:r>
+              <a:rPr lang="en-US" dirty="0"/>
+              <a:t>a </a:t>
+            </a:r>
+            <a:r>
+              <a:rPr lang="en-US" dirty="0" smtClean="0"/>
+              <a:t>Key”</a:t>
+            </a:r>
+            <a:endParaRPr lang="en-US" dirty="0"/>
+          </a:p>
+          <a:p>
+            <a:endParaRPr lang="en-US" dirty="0"/>
+          </a:p>
+        </p:txBody>
+      </p:sp>
+      <p:sp>
+        <p:nvSpPr>
+          <p:cNvPr id="3" name="Date Placeholder 2"/>
+          <p:cNvSpPr>
+            <a:spLocks noGrp="1"/>
+          </p:cNvSpPr>
+          <p:nvPr>
+            <p:ph type="dt" sz="half" idx="10"/>
+          </p:nvPr>
+        </p:nvSpPr>
+        <p:spPr/>
+        <p:txBody>
+          <a:bodyPr/>
+          <a:lstStyle/>
+          <a:p>
+            <a:r>
+              <a:rPr lang="en-US" smtClean="0"/>
+              <a:t>October 21, 2015</a:t>
+            </a:r>
+            <a:endParaRPr lang="en-US" dirty="0" smtClean="0"/>
+          </a:p>
+        </p:txBody>
+      </p:sp>
+      <p:sp>
+        <p:nvSpPr>
+          <p:cNvPr id="4" name="Slide Number Placeholder 3"/>
+          <p:cNvSpPr>
+            <a:spLocks noGrp="1"/>
+          </p:cNvSpPr>
+          <p:nvPr>
+            <p:ph type="sldNum" sz="quarter" idx="11"/>
+          </p:nvPr>
+        </p:nvSpPr>
+        <p:spPr/>
+        <p:txBody>
+          <a:bodyPr/>
+          <a:lstStyle/>
+          <a:p>
+            <a:fld id="{5698A34F-157D-4FC3-B6AE-341A8B909DED}" type="slidenum">
+              <a:rPr lang="en-US" smtClean="0"/>
+              <a:pPr/>
+              <a:t>9</a:t>
+            </a:fld>
+            <a:endParaRPr lang="en-US" dirty="0"/>
+          </a:p>
+        </p:txBody>
+      </p:sp>
+      <p:sp>
+        <p:nvSpPr>
+          <p:cNvPr id="5" name="Footer Placeholder 4"/>
+          <p:cNvSpPr>
+            <a:spLocks noGrp="1"/>
+          </p:cNvSpPr>
+          <p:nvPr>
+            <p:ph type="ftr" sz="quarter" idx="12"/>
+          </p:nvPr>
+        </p:nvSpPr>
+        <p:spPr/>
+        <p:txBody>
+          <a:bodyPr/>
+          <a:lstStyle/>
+          <a:p>
+            <a:endParaRPr lang="en-US" dirty="0"/>
+          </a:p>
+        </p:txBody>
+      </p:sp>
+      <p:sp>
+        <p:nvSpPr>
+          <p:cNvPr id="6" name="Title 5"/>
+          <p:cNvSpPr>
+            <a:spLocks noGrp="1"/>
+          </p:cNvSpPr>
+          <p:nvPr>
+            <p:ph type="title"/>
+          </p:nvPr>
+        </p:nvSpPr>
+        <p:spPr/>
+        <p:txBody>
+          <a:bodyPr/>
+          <a:lstStyle/>
+          <a:p>
+            <a:r>
+              <a:rPr lang="en-US" dirty="0"/>
+              <a:t>Create/Register a </a:t>
+            </a:r>
+            <a:r>
+              <a:rPr lang="en-US" dirty="0" smtClean="0"/>
+              <a:t>Key (2)</a:t>
+            </a:r>
+            <a:endParaRPr lang="en-US" dirty="0"/>
+          </a:p>
+        </p:txBody>
+      </p:sp>
+      <p:sp>
+        <p:nvSpPr>
+          <p:cNvPr id="7" name="Text Placeholder 6"/>
+          <p:cNvSpPr>
+            <a:spLocks noGrp="1"/>
+          </p:cNvSpPr>
+          <p:nvPr>
+            <p:ph type="body" sz="quarter" idx="15"/>
+          </p:nvPr>
+        </p:nvSpPr>
+        <p:spPr/>
+        <p:txBody>
+          <a:bodyPr/>
+          <a:lstStyle/>
+          <a:p>
+            <a:r>
+              <a:rPr lang="en-US" dirty="0" smtClean="0"/>
+              <a:t>Customer API How To</a:t>
+            </a:r>
+            <a:endParaRPr lang="en-US" dirty="0"/>
+          </a:p>
+        </p:txBody>
+      </p:sp>
+      <p:pic>
+        <p:nvPicPr>
+          <p:cNvPr id="8" name="Picture 7"/>
+          <p:cNvPicPr>
+            <a:picLocks noChangeAspect="1"/>
+          </p:cNvPicPr>
+          <p:nvPr/>
+        </p:nvPicPr>
+        <p:blipFill>
+          <a:blip r:embed="rId2"/>
+          <a:stretch>
+            <a:fillRect/>
+          </a:stretch>
+        </p:blipFill>
+        <p:spPr>
+          <a:xfrm>
+            <a:off x="5308863" y="2480497"/>
+            <a:ext cx="3732010" cy="1990130"/>
+          </a:xfrm>
+          <a:prstGeom prst="rect">
+            <a:avLst/>
+          </a:prstGeom>
+        </p:spPr>
+      </p:pic>
+      <p:sp>
+        <p:nvSpPr>
+          <p:cNvPr id="9" name="Right Arrow 8"/>
+          <p:cNvSpPr/>
+          <p:nvPr/>
+        </p:nvSpPr>
+        <p:spPr bwMode="gray">
+          <a:xfrm rot="10800000">
+            <a:off x="6270173" y="2743198"/>
+            <a:ext cx="453761" cy="151254"/>
+          </a:xfrm>
+          <a:prstGeom prst="rightArrow">
+            <a:avLst/>
+          </a:prstGeom>
+          <a:solidFill>
+            <a:schemeClr val="accent1"/>
+          </a:solidFill>
+          <a:ln w="9525" cap="flat" cmpd="sng" algn="ctr">
+            <a:noFill/>
+            <a:prstDash val="solid"/>
+            <a:round/>
+            <a:headEnd type="none" w="med" len="med"/>
+            <a:tailEnd type="none" w="med" len="med"/>
+          </a:ln>
+          <a:effectLst/>
+        </p:spPr>
+        <p:txBody>
+          <a:bodyPr vert="horz" wrap="square" lIns="91440" tIns="45720" rIns="91440" bIns="45720" numCol="1" rtlCol="0" anchor="ctr" anchorCtr="0" compatLnSpc="1">
+            <a:prstTxWarp prst="textNoShape">
+              <a:avLst/>
+            </a:prstTxWarp>
+          </a:bodyPr>
+          <a:lstStyle/>
+          <a:p>
+            <a:pPr marL="0" marR="0" indent="0" algn="l" defTabSz="914400" rtl="0" eaLnBrk="1" fontAlgn="base" latinLnBrk="0" hangingPunct="1">
+              <a:lnSpc>
+                <a:spcPct val="100000"/>
+              </a:lnSpc>
+              <a:spcBef>
+                <a:spcPct val="0"/>
+              </a:spcBef>
+              <a:spcAft>
+                <a:spcPct val="0"/>
+              </a:spcAft>
+              <a:buClrTx/>
+              <a:buSzTx/>
+              <a:buFontTx/>
+              <a:buNone/>
+              <a:tabLst/>
+            </a:pPr>
+            <a:endParaRPr kumimoji="0" lang="en-US" sz="2000" b="0" i="0" u="none" strike="noStrike" cap="none" normalizeH="0" baseline="0" dirty="0" smtClean="0">
+              <a:ln>
+                <a:noFill/>
+              </a:ln>
+              <a:solidFill>
+                <a:schemeClr val="bg1"/>
+              </a:solidFill>
+              <a:effectLst/>
+              <a:latin typeface="Arial" pitchFamily="2" charset="0"/>
+            </a:endParaRPr>
+          </a:p>
+        </p:txBody>
+      </p:sp>
+      <p:sp>
+        <p:nvSpPr>
+          <p:cNvPr id="10" name="Right Arrow 9"/>
+          <p:cNvSpPr/>
+          <p:nvPr/>
+        </p:nvSpPr>
+        <p:spPr bwMode="gray">
+          <a:xfrm rot="19356795">
+            <a:off x="5102534" y="3094977"/>
+            <a:ext cx="453761" cy="151254"/>
+          </a:xfrm>
+          <a:prstGeom prst="rightArrow">
+            <a:avLst/>
+          </a:prstGeom>
+          <a:solidFill>
+            <a:schemeClr val="accent1"/>
+          </a:solidFill>
+          <a:ln w="9525" cap="flat" cmpd="sng" algn="ctr">
+            <a:noFill/>
+            <a:prstDash val="solid"/>
+            <a:round/>
+            <a:headEnd type="none" w="med" len="med"/>
+            <a:tailEnd type="none" w="med" len="med"/>
+          </a:ln>
+          <a:effectLst/>
+        </p:spPr>
+        <p:txBody>
+          <a:bodyPr vert="horz" wrap="square" lIns="91440" tIns="45720" rIns="91440" bIns="45720" numCol="1" rtlCol="0" anchor="ctr" anchorCtr="0" compatLnSpc="1">
+            <a:prstTxWarp prst="textNoShape">
+              <a:avLst/>
+            </a:prstTxWarp>
+          </a:bodyPr>
+          <a:lstStyle/>
+          <a:p>
+            <a:pPr marL="0" marR="0" indent="0" algn="l" defTabSz="914400" rtl="0" eaLnBrk="1" fontAlgn="base" latinLnBrk="0" hangingPunct="1">
+              <a:lnSpc>
+                <a:spcPct val="100000"/>
+              </a:lnSpc>
+              <a:spcBef>
+                <a:spcPct val="0"/>
+              </a:spcBef>
+              <a:spcAft>
+                <a:spcPct val="0"/>
+              </a:spcAft>
+              <a:buClrTx/>
+              <a:buSzTx/>
+              <a:buFontTx/>
+              <a:buNone/>
+              <a:tabLst/>
+            </a:pPr>
+            <a:endParaRPr kumimoji="0" lang="en-US" sz="2000" b="0" i="0" u="none" strike="noStrike" cap="none" normalizeH="0" baseline="0" dirty="0" smtClean="0">
+              <a:ln>
+                <a:noFill/>
+              </a:ln>
+              <a:solidFill>
+                <a:schemeClr val="bg1"/>
+              </a:solidFill>
+              <a:effectLst/>
+              <a:latin typeface="Arial" pitchFamily="2" charset="0"/>
+            </a:endParaRPr>
+          </a:p>
+        </p:txBody>
+      </p:sp>
+    </p:spTree>
+    <p:extLst>
+      <p:ext uri="{BB962C8B-B14F-4D97-AF65-F5344CB8AC3E}">
+        <p14:creationId xmlns:p14="http://schemas.microsoft.com/office/powerpoint/2010/main" val="2837689732"/>
       </p:ext>
     </p:extLst>
   </p:cSld>

--- a/SpendingPulse and Sector Insights API HOW TO.pptx
+++ b/SpendingPulse and Sector Insights API HOW TO.pptx
@@ -5,48 +5,47 @@
     <p:sldMasterId id="2147483670" r:id="rId1"/>
   </p:sldMasterIdLst>
   <p:notesMasterIdLst>
-    <p:notesMasterId r:id="rId38"/>
+    <p:notesMasterId r:id="rId37"/>
   </p:notesMasterIdLst>
   <p:handoutMasterIdLst>
-    <p:handoutMasterId r:id="rId39"/>
+    <p:handoutMasterId r:id="rId38"/>
   </p:handoutMasterIdLst>
   <p:sldIdLst>
     <p:sldId id="304" r:id="rId2"/>
-    <p:sldId id="340" r:id="rId3"/>
-    <p:sldId id="305" r:id="rId4"/>
-    <p:sldId id="306" r:id="rId5"/>
-    <p:sldId id="308" r:id="rId6"/>
-    <p:sldId id="309" r:id="rId7"/>
-    <p:sldId id="307" r:id="rId8"/>
-    <p:sldId id="310" r:id="rId9"/>
-    <p:sldId id="311" r:id="rId10"/>
-    <p:sldId id="312" r:id="rId11"/>
-    <p:sldId id="313" r:id="rId12"/>
-    <p:sldId id="314" r:id="rId13"/>
-    <p:sldId id="315" r:id="rId14"/>
-    <p:sldId id="316" r:id="rId15"/>
-    <p:sldId id="317" r:id="rId16"/>
-    <p:sldId id="318" r:id="rId17"/>
-    <p:sldId id="319" r:id="rId18"/>
-    <p:sldId id="320" r:id="rId19"/>
-    <p:sldId id="321" r:id="rId20"/>
-    <p:sldId id="322" r:id="rId21"/>
-    <p:sldId id="327" r:id="rId22"/>
-    <p:sldId id="323" r:id="rId23"/>
-    <p:sldId id="324" r:id="rId24"/>
-    <p:sldId id="325" r:id="rId25"/>
-    <p:sldId id="326" r:id="rId26"/>
-    <p:sldId id="328" r:id="rId27"/>
-    <p:sldId id="329" r:id="rId28"/>
-    <p:sldId id="330" r:id="rId29"/>
-    <p:sldId id="331" r:id="rId30"/>
-    <p:sldId id="332" r:id="rId31"/>
-    <p:sldId id="333" r:id="rId32"/>
-    <p:sldId id="335" r:id="rId33"/>
-    <p:sldId id="336" r:id="rId34"/>
-    <p:sldId id="337" r:id="rId35"/>
-    <p:sldId id="338" r:id="rId36"/>
-    <p:sldId id="339" r:id="rId37"/>
+    <p:sldId id="305" r:id="rId3"/>
+    <p:sldId id="306" r:id="rId4"/>
+    <p:sldId id="308" r:id="rId5"/>
+    <p:sldId id="309" r:id="rId6"/>
+    <p:sldId id="307" r:id="rId7"/>
+    <p:sldId id="310" r:id="rId8"/>
+    <p:sldId id="311" r:id="rId9"/>
+    <p:sldId id="312" r:id="rId10"/>
+    <p:sldId id="313" r:id="rId11"/>
+    <p:sldId id="314" r:id="rId12"/>
+    <p:sldId id="315" r:id="rId13"/>
+    <p:sldId id="316" r:id="rId14"/>
+    <p:sldId id="317" r:id="rId15"/>
+    <p:sldId id="318" r:id="rId16"/>
+    <p:sldId id="319" r:id="rId17"/>
+    <p:sldId id="320" r:id="rId18"/>
+    <p:sldId id="321" r:id="rId19"/>
+    <p:sldId id="322" r:id="rId20"/>
+    <p:sldId id="327" r:id="rId21"/>
+    <p:sldId id="323" r:id="rId22"/>
+    <p:sldId id="324" r:id="rId23"/>
+    <p:sldId id="325" r:id="rId24"/>
+    <p:sldId id="326" r:id="rId25"/>
+    <p:sldId id="328" r:id="rId26"/>
+    <p:sldId id="329" r:id="rId27"/>
+    <p:sldId id="330" r:id="rId28"/>
+    <p:sldId id="331" r:id="rId29"/>
+    <p:sldId id="332" r:id="rId30"/>
+    <p:sldId id="333" r:id="rId31"/>
+    <p:sldId id="335" r:id="rId32"/>
+    <p:sldId id="336" r:id="rId33"/>
+    <p:sldId id="337" r:id="rId34"/>
+    <p:sldId id="338" r:id="rId35"/>
+    <p:sldId id="339" r:id="rId36"/>
   </p:sldIdLst>
   <p:sldSz cx="9144000" cy="5143500" type="screen16x9"/>
   <p:notesSz cx="7086600" cy="9374188"/>
@@ -181,7 +180,6 @@
         <p14:section name="Default Section" id="{5E68B6BD-72C5-4AC2-8BF0-D68C80FC87A3}">
           <p14:sldIdLst>
             <p14:sldId id="304"/>
-            <p14:sldId id="340"/>
           </p14:sldIdLst>
         </p14:section>
         <p14:section name="Customer How To" id="{8D6B24E7-E965-431E-82BB-8270240698F7}">
@@ -386,7 +384,7 @@
                 <a:cs typeface="Arial" pitchFamily="34" charset="0"/>
               </a:rPr>
               <a:pPr/>
-              <a:t>October 23, 2015</a:t>
+              <a:t>October 22, 2015</a:t>
             </a:fld>
             <a:endParaRPr lang="en-US" dirty="0">
               <a:latin typeface="Calibri" panose="020F0502020204030204" pitchFamily="34" charset="0"/>
@@ -5939,101 +5937,54 @@
           <a:p>
             <a:r>
               <a:rPr lang="en-US" dirty="0" smtClean="0"/>
-              <a:t>Inside </a:t>
-            </a:r>
-            <a:r>
-              <a:rPr lang="en-US" dirty="0"/>
-              <a:t>the </a:t>
-            </a:r>
-            <a:r>
-              <a:rPr lang="en-US" dirty="0" smtClean="0"/>
-              <a:t>next popup</a:t>
-            </a:r>
-            <a:r>
-              <a:rPr lang="en-US" dirty="0"/>
-              <a:t>, you will see a </a:t>
-            </a:r>
-            <a:r>
-              <a:rPr lang="en-US" dirty="0" smtClean="0"/>
-              <a:t/>
+              <a:t>A public key, a private key, and a </a:t>
             </a:r>
             <a:br>
               <a:rPr lang="en-US" dirty="0" smtClean="0"/>
             </a:br>
             <a:r>
               <a:rPr lang="en-US" dirty="0" smtClean="0"/>
-              <a:t>“</a:t>
-            </a:r>
-            <a:r>
-              <a:rPr lang="en-US" b="1" dirty="0" smtClean="0">
-                <a:solidFill>
-                  <a:srgbClr val="F57A34"/>
-                </a:solidFill>
-              </a:rPr>
-              <a:t>click here</a:t>
-            </a:r>
-            <a:r>
-              <a:rPr lang="en-US" dirty="0"/>
-              <a:t>”</a:t>
-            </a:r>
-            <a:r>
-              <a:rPr lang="en-US" dirty="0" smtClean="0"/>
-              <a:t> </a:t>
-            </a:r>
-            <a:r>
-              <a:rPr lang="en-US" dirty="0"/>
-              <a:t>notation that will open the </a:t>
-            </a:r>
-            <a:r>
-              <a:rPr lang="en-US" dirty="0" smtClean="0"/>
-              <a:t/>
+              <a:t>Certificate Signing Request are generated.</a:t>
+            </a:r>
+          </a:p>
+          <a:p>
+            <a:r>
+              <a:rPr lang="en-US" dirty="0" smtClean="0"/>
+              <a:t>Click “Save To Files”</a:t>
+            </a:r>
+          </a:p>
+          <a:p>
+            <a:endParaRPr lang="en-US" dirty="0"/>
+          </a:p>
+          <a:p>
+            <a:r>
+              <a:rPr lang="en-US" dirty="0" smtClean="0"/>
+              <a:t>You are prompted to password protect the key files. You must protect them in order to save them.</a:t>
+            </a:r>
+          </a:p>
+          <a:p>
+            <a:r>
+              <a:rPr lang="en-US" dirty="0" smtClean="0"/>
+              <a:t>Click OK and choose a folder in which to save the files.</a:t>
+            </a:r>
+          </a:p>
+          <a:p>
+            <a:r>
+              <a:rPr lang="en-US" dirty="0" smtClean="0"/>
+              <a:t>The status bar on the MasterCard Key Tool window should</a:t>
             </a:r>
             <a:br>
               <a:rPr lang="en-US" dirty="0" smtClean="0"/>
             </a:br>
             <a:r>
               <a:rPr lang="en-US" dirty="0" smtClean="0"/>
-              <a:t>MasterCard </a:t>
-            </a:r>
-            <a:r>
-              <a:rPr lang="en-US" dirty="0"/>
-              <a:t>Key Tool for your use</a:t>
-            </a:r>
-            <a:r>
-              <a:rPr lang="en-US" dirty="0" smtClean="0"/>
-              <a:t>.</a:t>
-            </a:r>
-          </a:p>
-          <a:p>
-            <a:r>
-              <a:rPr lang="en-US" dirty="0" smtClean="0"/>
-              <a:t>If you “</a:t>
-            </a:r>
-            <a:r>
-              <a:rPr lang="en-US" b="1" dirty="0">
-                <a:solidFill>
-                  <a:srgbClr val="F57A34"/>
-                </a:solidFill>
-              </a:rPr>
-              <a:t>click here</a:t>
-            </a:r>
-            <a:r>
-              <a:rPr lang="en-US" dirty="0" smtClean="0"/>
-              <a:t>”, the </a:t>
-            </a:r>
-            <a:br>
-              <a:rPr lang="en-US" dirty="0" smtClean="0"/>
-            </a:br>
-            <a:r>
-              <a:rPr lang="en-US" dirty="0" smtClean="0"/>
-              <a:t>MasterCard Key Tool is displayed.</a:t>
-            </a:r>
-            <a:endParaRPr lang="en-US" dirty="0"/>
-          </a:p>
-          <a:p>
-            <a:r>
-              <a:rPr lang="en-US" dirty="0" smtClean="0"/>
-              <a:t>Click “Generate Keys and CSR”</a:t>
+              <a:t>now read: </a:t>
+            </a:r>
+          </a:p>
+          <a:p>
+            <a:r>
+              <a:rPr lang="en-US" dirty="0" smtClean="0"/>
+              <a:t>Close the window</a:t>
             </a:r>
             <a:endParaRPr lang="en-US" dirty="0"/>
           </a:p>
@@ -6081,408 +6032,6 @@
               <a:rPr lang="en-US" smtClean="0"/>
               <a:pPr/>
               <a:t>10</a:t>
-            </a:fld>
-            <a:endParaRPr lang="en-US" dirty="0"/>
-          </a:p>
-        </p:txBody>
-      </p:sp>
-      <p:sp>
-        <p:nvSpPr>
-          <p:cNvPr id="5" name="Footer Placeholder 4"/>
-          <p:cNvSpPr>
-            <a:spLocks noGrp="1"/>
-          </p:cNvSpPr>
-          <p:nvPr>
-            <p:ph type="ftr" sz="quarter" idx="12"/>
-          </p:nvPr>
-        </p:nvSpPr>
-        <p:spPr/>
-        <p:txBody>
-          <a:bodyPr/>
-          <a:lstStyle/>
-          <a:p>
-            <a:endParaRPr lang="en-US" dirty="0"/>
-          </a:p>
-        </p:txBody>
-      </p:sp>
-      <p:sp>
-        <p:nvSpPr>
-          <p:cNvPr id="6" name="Title 5"/>
-          <p:cNvSpPr>
-            <a:spLocks noGrp="1"/>
-          </p:cNvSpPr>
-          <p:nvPr>
-            <p:ph type="title"/>
-          </p:nvPr>
-        </p:nvSpPr>
-        <p:spPr/>
-        <p:txBody>
-          <a:bodyPr/>
-          <a:lstStyle/>
-          <a:p>
-            <a:r>
-              <a:rPr lang="en-US" dirty="0"/>
-              <a:t>Create/Register a </a:t>
-            </a:r>
-            <a:r>
-              <a:rPr lang="en-US" dirty="0" smtClean="0"/>
-              <a:t>Key (3)</a:t>
-            </a:r>
-            <a:endParaRPr lang="en-US" dirty="0"/>
-          </a:p>
-        </p:txBody>
-      </p:sp>
-      <p:sp>
-        <p:nvSpPr>
-          <p:cNvPr id="7" name="Text Placeholder 6"/>
-          <p:cNvSpPr>
-            <a:spLocks noGrp="1"/>
-          </p:cNvSpPr>
-          <p:nvPr>
-            <p:ph type="body" sz="quarter" idx="15"/>
-          </p:nvPr>
-        </p:nvSpPr>
-        <p:spPr/>
-        <p:txBody>
-          <a:bodyPr/>
-          <a:lstStyle/>
-          <a:p>
-            <a:r>
-              <a:rPr lang="en-US" dirty="0" smtClean="0"/>
-              <a:t>Customer API How To</a:t>
-            </a:r>
-            <a:endParaRPr lang="en-US" dirty="0"/>
-          </a:p>
-        </p:txBody>
-      </p:sp>
-      <p:pic>
-        <p:nvPicPr>
-          <p:cNvPr id="11" name="Picture 10"/>
-          <p:cNvPicPr>
-            <a:picLocks noChangeAspect="1"/>
-          </p:cNvPicPr>
-          <p:nvPr/>
-        </p:nvPicPr>
-        <p:blipFill>
-          <a:blip r:embed="rId2"/>
-          <a:stretch>
-            <a:fillRect/>
-          </a:stretch>
-        </p:blipFill>
-        <p:spPr>
-          <a:xfrm>
-            <a:off x="5376484" y="499625"/>
-            <a:ext cx="3611821" cy="2268223"/>
-          </a:xfrm>
-          <a:prstGeom prst="rect">
-            <a:avLst/>
-          </a:prstGeom>
-        </p:spPr>
-      </p:pic>
-      <p:sp>
-        <p:nvSpPr>
-          <p:cNvPr id="10" name="Right Arrow 9"/>
-          <p:cNvSpPr/>
-          <p:nvPr/>
-        </p:nvSpPr>
-        <p:spPr bwMode="gray">
-          <a:xfrm>
-            <a:off x="4104268" y="1986485"/>
-            <a:ext cx="1471734" cy="111876"/>
-          </a:xfrm>
-          <a:prstGeom prst="rightArrow">
-            <a:avLst/>
-          </a:prstGeom>
-          <a:solidFill>
-            <a:schemeClr val="accent1"/>
-          </a:solidFill>
-          <a:ln w="9525" cap="flat" cmpd="sng" algn="ctr">
-            <a:noFill/>
-            <a:prstDash val="solid"/>
-            <a:round/>
-            <a:headEnd type="none" w="med" len="med"/>
-            <a:tailEnd type="none" w="med" len="med"/>
-          </a:ln>
-          <a:effectLst/>
-        </p:spPr>
-        <p:txBody>
-          <a:bodyPr vert="horz" wrap="square" lIns="91440" tIns="45720" rIns="91440" bIns="45720" numCol="1" rtlCol="0" anchor="ctr" anchorCtr="0" compatLnSpc="1">
-            <a:prstTxWarp prst="textNoShape">
-              <a:avLst/>
-            </a:prstTxWarp>
-          </a:bodyPr>
-          <a:lstStyle/>
-          <a:p>
-            <a:pPr marL="0" marR="0" indent="0" algn="l" defTabSz="914400" rtl="0" eaLnBrk="1" fontAlgn="base" latinLnBrk="0" hangingPunct="1">
-              <a:lnSpc>
-                <a:spcPct val="100000"/>
-              </a:lnSpc>
-              <a:spcBef>
-                <a:spcPct val="0"/>
-              </a:spcBef>
-              <a:spcAft>
-                <a:spcPct val="0"/>
-              </a:spcAft>
-              <a:buClrTx/>
-              <a:buSzTx/>
-              <a:buFontTx/>
-              <a:buNone/>
-              <a:tabLst/>
-            </a:pPr>
-            <a:endParaRPr kumimoji="0" lang="en-US" sz="2000" b="0" i="0" u="none" strike="noStrike" cap="none" normalizeH="0" baseline="0" dirty="0" smtClean="0">
-              <a:ln>
-                <a:noFill/>
-              </a:ln>
-              <a:solidFill>
-                <a:schemeClr val="bg1"/>
-              </a:solidFill>
-              <a:effectLst/>
-              <a:latin typeface="Arial" pitchFamily="2" charset="0"/>
-            </a:endParaRPr>
-          </a:p>
-        </p:txBody>
-      </p:sp>
-      <p:pic>
-        <p:nvPicPr>
-          <p:cNvPr id="12" name="Picture 11"/>
-          <p:cNvPicPr>
-            <a:picLocks noChangeAspect="1"/>
-          </p:cNvPicPr>
-          <p:nvPr/>
-        </p:nvPicPr>
-        <p:blipFill>
-          <a:blip r:embed="rId3"/>
-          <a:stretch>
-            <a:fillRect/>
-          </a:stretch>
-        </p:blipFill>
-        <p:spPr>
-          <a:xfrm>
-            <a:off x="991145" y="3350436"/>
-            <a:ext cx="2715259" cy="1413730"/>
-          </a:xfrm>
-          <a:prstGeom prst="rect">
-            <a:avLst/>
-          </a:prstGeom>
-        </p:spPr>
-      </p:pic>
-      <p:sp>
-        <p:nvSpPr>
-          <p:cNvPr id="14" name="Down Arrow 13"/>
-          <p:cNvSpPr/>
-          <p:nvPr/>
-        </p:nvSpPr>
-        <p:spPr bwMode="gray">
-          <a:xfrm>
-            <a:off x="2294525" y="3146156"/>
-            <a:ext cx="161956" cy="410705"/>
-          </a:xfrm>
-          <a:prstGeom prst="downArrow">
-            <a:avLst/>
-          </a:prstGeom>
-          <a:solidFill>
-            <a:schemeClr val="accent1"/>
-          </a:solidFill>
-          <a:ln w="9525" cap="flat" cmpd="sng" algn="ctr">
-            <a:noFill/>
-            <a:prstDash val="solid"/>
-            <a:round/>
-            <a:headEnd type="none" w="med" len="med"/>
-            <a:tailEnd type="none" w="med" len="med"/>
-          </a:ln>
-          <a:effectLst/>
-        </p:spPr>
-        <p:txBody>
-          <a:bodyPr vert="horz" wrap="square" lIns="91440" tIns="45720" rIns="91440" bIns="45720" numCol="1" rtlCol="0" anchor="ctr" anchorCtr="0" compatLnSpc="1">
-            <a:prstTxWarp prst="textNoShape">
-              <a:avLst/>
-            </a:prstTxWarp>
-          </a:bodyPr>
-          <a:lstStyle/>
-          <a:p>
-            <a:pPr marL="0" marR="0" indent="0" algn="l" defTabSz="914400" rtl="0" eaLnBrk="1" fontAlgn="base" latinLnBrk="0" hangingPunct="1">
-              <a:lnSpc>
-                <a:spcPct val="100000"/>
-              </a:lnSpc>
-              <a:spcBef>
-                <a:spcPct val="0"/>
-              </a:spcBef>
-              <a:spcAft>
-                <a:spcPct val="0"/>
-              </a:spcAft>
-              <a:buClrTx/>
-              <a:buSzTx/>
-              <a:buFontTx/>
-              <a:buNone/>
-              <a:tabLst/>
-            </a:pPr>
-            <a:endParaRPr kumimoji="0" lang="en-US" sz="2000" b="0" i="0" u="none" strike="noStrike" cap="none" normalizeH="0" baseline="0" dirty="0" smtClean="0">
-              <a:ln>
-                <a:noFill/>
-              </a:ln>
-              <a:solidFill>
-                <a:schemeClr val="bg1"/>
-              </a:solidFill>
-              <a:effectLst/>
-              <a:latin typeface="Arial" pitchFamily="2" charset="0"/>
-            </a:endParaRPr>
-          </a:p>
-        </p:txBody>
-      </p:sp>
-    </p:spTree>
-    <p:extLst>
-      <p:ext uri="{BB962C8B-B14F-4D97-AF65-F5344CB8AC3E}">
-        <p14:creationId xmlns:p14="http://schemas.microsoft.com/office/powerpoint/2010/main" val="576569413"/>
-      </p:ext>
-    </p:extLst>
-  </p:cSld>
-  <p:clrMapOvr>
-    <a:masterClrMapping/>
-  </p:clrMapOvr>
-  <p:timing>
-    <p:tnLst>
-      <p:par>
-        <p:cTn id="1" dur="indefinite" restart="never" nodeType="tmRoot"/>
-      </p:par>
-    </p:tnLst>
-  </p:timing>
-</p:sld>
-</file>
-
-<file path=ppt/slides/slide11.xml><?xml version="1.0" encoding="utf-8"?>
-<p:sld xmlns:a="http://schemas.openxmlformats.org/drawingml/2006/main" xmlns:r="http://schemas.openxmlformats.org/officeDocument/2006/relationships" xmlns:p="http://schemas.openxmlformats.org/presentationml/2006/main">
-  <p:cSld>
-    <p:spTree>
-      <p:nvGrpSpPr>
-        <p:cNvPr id="1" name=""/>
-        <p:cNvGrpSpPr/>
-        <p:nvPr/>
-      </p:nvGrpSpPr>
-      <p:grpSpPr>
-        <a:xfrm>
-          <a:off x="0" y="0"/>
-          <a:ext cx="0" cy="0"/>
-          <a:chOff x="0" y="0"/>
-          <a:chExt cx="0" cy="0"/>
-        </a:xfrm>
-      </p:grpSpPr>
-      <p:sp>
-        <p:nvSpPr>
-          <p:cNvPr id="2" name="Text Placeholder 1"/>
-          <p:cNvSpPr>
-            <a:spLocks noGrp="1"/>
-          </p:cNvSpPr>
-          <p:nvPr>
-            <p:ph type="body" sz="quarter" idx="13"/>
-          </p:nvPr>
-        </p:nvSpPr>
-        <p:spPr>
-          <a:xfrm>
-            <a:off x="274638" y="1368162"/>
-            <a:ext cx="7415212" cy="3264161"/>
-          </a:xfrm>
-        </p:spPr>
-        <p:txBody>
-          <a:bodyPr/>
-          <a:lstStyle/>
-          <a:p>
-            <a:r>
-              <a:rPr lang="en-US" dirty="0" smtClean="0"/>
-              <a:t>A public key, a private key, and a </a:t>
-            </a:r>
-            <a:br>
-              <a:rPr lang="en-US" dirty="0" smtClean="0"/>
-            </a:br>
-            <a:r>
-              <a:rPr lang="en-US" dirty="0" smtClean="0"/>
-              <a:t>Certificate Signing Request are generated.</a:t>
-            </a:r>
-          </a:p>
-          <a:p>
-            <a:r>
-              <a:rPr lang="en-US" dirty="0" smtClean="0"/>
-              <a:t>Click “Save To Files”</a:t>
-            </a:r>
-          </a:p>
-          <a:p>
-            <a:endParaRPr lang="en-US" dirty="0"/>
-          </a:p>
-          <a:p>
-            <a:r>
-              <a:rPr lang="en-US" dirty="0" smtClean="0"/>
-              <a:t>You are prompted to password protect the key files. You must protect them in order to save them.</a:t>
-            </a:r>
-          </a:p>
-          <a:p>
-            <a:r>
-              <a:rPr lang="en-US" dirty="0" smtClean="0"/>
-              <a:t>Click OK and choose a folder in which to save the files.</a:t>
-            </a:r>
-          </a:p>
-          <a:p>
-            <a:r>
-              <a:rPr lang="en-US" dirty="0" smtClean="0"/>
-              <a:t>The status bar on the MasterCard Key Tool window should</a:t>
-            </a:r>
-            <a:br>
-              <a:rPr lang="en-US" dirty="0" smtClean="0"/>
-            </a:br>
-            <a:r>
-              <a:rPr lang="en-US" dirty="0" smtClean="0"/>
-              <a:t>now read: </a:t>
-            </a:r>
-          </a:p>
-          <a:p>
-            <a:r>
-              <a:rPr lang="en-US" dirty="0" smtClean="0"/>
-              <a:t>Close the window</a:t>
-            </a:r>
-            <a:endParaRPr lang="en-US" dirty="0"/>
-          </a:p>
-        </p:txBody>
-      </p:sp>
-      <p:sp>
-        <p:nvSpPr>
-          <p:cNvPr id="3" name="Date Placeholder 2"/>
-          <p:cNvSpPr>
-            <a:spLocks noGrp="1"/>
-          </p:cNvSpPr>
-          <p:nvPr>
-            <p:ph type="dt" sz="half" idx="10"/>
-          </p:nvPr>
-        </p:nvSpPr>
-        <p:spPr/>
-        <p:txBody>
-          <a:bodyPr/>
-          <a:lstStyle/>
-          <a:p>
-            <a:r>
-              <a:rPr lang="en-US" smtClean="0"/>
-              <a:t>October 21, 2015</a:t>
-            </a:r>
-            <a:endParaRPr lang="en-US" dirty="0" smtClean="0"/>
-          </a:p>
-        </p:txBody>
-      </p:sp>
-      <p:sp>
-        <p:nvSpPr>
-          <p:cNvPr id="4" name="Slide Number Placeholder 3"/>
-          <p:cNvSpPr>
-            <a:spLocks noGrp="1"/>
-          </p:cNvSpPr>
-          <p:nvPr>
-            <p:ph type="sldNum" sz="quarter" idx="11"/>
-          </p:nvPr>
-        </p:nvSpPr>
-        <p:spPr/>
-        <p:txBody>
-          <a:bodyPr/>
-          <a:lstStyle/>
-          <a:p>
-            <a:fld id="{5698A34F-157D-4FC3-B6AE-341A8B909DED}" type="slidenum">
-              <a:rPr lang="en-US" smtClean="0"/>
-              <a:pPr/>
-              <a:t>11</a:t>
             </a:fld>
             <a:endParaRPr lang="en-US" dirty="0"/>
           </a:p>
@@ -6712,7 +6261,7 @@
 </p:sld>
 </file>
 
-<file path=ppt/slides/slide12.xml><?xml version="1.0" encoding="utf-8"?>
+<file path=ppt/slides/slide11.xml><?xml version="1.0" encoding="utf-8"?>
 <p:sld xmlns:a="http://schemas.openxmlformats.org/drawingml/2006/main" xmlns:r="http://schemas.openxmlformats.org/officeDocument/2006/relationships" xmlns:p="http://schemas.openxmlformats.org/presentationml/2006/main">
   <p:cSld>
     <p:spTree>
@@ -6937,7 +6486,7 @@
             <a:fld id="{5698A34F-157D-4FC3-B6AE-341A8B909DED}" type="slidenum">
               <a:rPr lang="en-US" smtClean="0"/>
               <a:pPr/>
-              <a:t>12</a:t>
+              <a:t>11</a:t>
             </a:fld>
             <a:endParaRPr lang="en-US" dirty="0"/>
           </a:p>
@@ -7032,7 +6581,7 @@
 </p:sld>
 </file>
 
-<file path=ppt/slides/slide13.xml><?xml version="1.0" encoding="utf-8"?>
+<file path=ppt/slides/slide12.xml><?xml version="1.0" encoding="utf-8"?>
 <p:sld xmlns:a="http://schemas.openxmlformats.org/drawingml/2006/main" xmlns:r="http://schemas.openxmlformats.org/officeDocument/2006/relationships" xmlns:p="http://schemas.openxmlformats.org/presentationml/2006/main">
   <p:cSld>
     <p:spTree>
@@ -7256,7 +6805,7 @@
             <a:fld id="{5698A34F-157D-4FC3-B6AE-341A8B909DED}" type="slidenum">
               <a:rPr lang="en-US" smtClean="0"/>
               <a:pPr/>
-              <a:t>13</a:t>
+              <a:t>12</a:t>
             </a:fld>
             <a:endParaRPr lang="en-US" dirty="0"/>
           </a:p>
@@ -7414,6 +6963,252 @@
 </p:sld>
 </file>
 
+<file path=ppt/slides/slide13.xml><?xml version="1.0" encoding="utf-8"?>
+<p:sld xmlns:a="http://schemas.openxmlformats.org/drawingml/2006/main" xmlns:r="http://schemas.openxmlformats.org/officeDocument/2006/relationships" xmlns:p="http://schemas.openxmlformats.org/presentationml/2006/main">
+  <p:cSld>
+    <p:spTree>
+      <p:nvGrpSpPr>
+        <p:cNvPr id="1" name=""/>
+        <p:cNvGrpSpPr/>
+        <p:nvPr/>
+      </p:nvGrpSpPr>
+      <p:grpSpPr>
+        <a:xfrm>
+          <a:off x="0" y="0"/>
+          <a:ext cx="0" cy="0"/>
+          <a:chOff x="0" y="0"/>
+          <a:chExt cx="0" cy="0"/>
+        </a:xfrm>
+      </p:grpSpPr>
+      <p:sp>
+        <p:nvSpPr>
+          <p:cNvPr id="2" name="Text Placeholder 1"/>
+          <p:cNvSpPr>
+            <a:spLocks noGrp="1"/>
+          </p:cNvSpPr>
+          <p:nvPr>
+            <p:ph type="body" sz="quarter" idx="13"/>
+          </p:nvPr>
+        </p:nvSpPr>
+        <p:spPr>
+          <a:xfrm>
+            <a:off x="274637" y="1368162"/>
+            <a:ext cx="8164189" cy="3264161"/>
+          </a:xfrm>
+        </p:spPr>
+        <p:txBody>
+          <a:bodyPr/>
+          <a:lstStyle/>
+          <a:p>
+            <a:r>
+              <a:rPr lang="en-US" dirty="0"/>
+              <a:t>To avoid issues with key expiration, you may renew a key at any time. To do so, sign in to Developer Zone, and select:</a:t>
+            </a:r>
+          </a:p>
+          <a:p>
+            <a:pPr lvl="1"/>
+            <a:r>
+              <a:rPr lang="en-US" dirty="0"/>
+              <a:t>My Dashboard</a:t>
+            </a:r>
+          </a:p>
+          <a:p>
+            <a:pPr lvl="1"/>
+            <a:r>
+              <a:rPr lang="en-US" dirty="0"/>
+              <a:t>My Keys (locate the key you wish to renew)</a:t>
+            </a:r>
+          </a:p>
+          <a:p>
+            <a:pPr lvl="1"/>
+            <a:r>
+              <a:rPr lang="en-US" dirty="0"/>
+              <a:t>Renew Key</a:t>
+            </a:r>
+          </a:p>
+          <a:p>
+            <a:pPr lvl="1"/>
+            <a:r>
+              <a:rPr lang="en-US" dirty="0"/>
+              <a:t>Follow the instructions in the pop-up for uploading a new CSR</a:t>
+            </a:r>
+            <a:r>
+              <a:rPr lang="en-US" dirty="0" smtClean="0"/>
+              <a:t>.</a:t>
+            </a:r>
+          </a:p>
+          <a:p>
+            <a:r>
+              <a:rPr lang="en-US" dirty="0" smtClean="0">
+                <a:effectLst/>
+              </a:rPr>
+              <a:t>Additional information on key management can </a:t>
+            </a:r>
+            <a:r>
+              <a:rPr lang="en-US" dirty="0"/>
+              <a:t>be found here:</a:t>
+            </a:r>
+            <a:br>
+              <a:rPr lang="en-US" dirty="0"/>
+            </a:br>
+            <a:r>
+              <a:rPr lang="en-US" sz="1800" dirty="0">
+                <a:hlinkClick r:id="rId2"/>
+              </a:rPr>
+              <a:t>https://</a:t>
+            </a:r>
+            <a:r>
+              <a:rPr lang="en-US" sz="1800" dirty="0" smtClean="0">
+                <a:hlinkClick r:id="rId2"/>
+              </a:rPr>
+              <a:t>developer.mastercard.com/portal/display/api/Generating+RSA+Keys</a:t>
+            </a:r>
+            <a:r>
+              <a:rPr lang="en-US" sz="1800" dirty="0" smtClean="0"/>
+              <a:t> </a:t>
+            </a:r>
+            <a:endParaRPr lang="en-US" sz="1800" dirty="0">
+              <a:effectLst/>
+            </a:endParaRPr>
+          </a:p>
+        </p:txBody>
+      </p:sp>
+      <p:sp>
+        <p:nvSpPr>
+          <p:cNvPr id="3" name="Date Placeholder 2"/>
+          <p:cNvSpPr>
+            <a:spLocks noGrp="1"/>
+          </p:cNvSpPr>
+          <p:nvPr>
+            <p:ph type="dt" sz="half" idx="10"/>
+          </p:nvPr>
+        </p:nvSpPr>
+        <p:spPr/>
+        <p:txBody>
+          <a:bodyPr/>
+          <a:lstStyle/>
+          <a:p>
+            <a:r>
+              <a:rPr lang="en-US" smtClean="0"/>
+              <a:t>October 21, 2015</a:t>
+            </a:r>
+            <a:endParaRPr lang="en-US" dirty="0" smtClean="0"/>
+          </a:p>
+        </p:txBody>
+      </p:sp>
+      <p:sp>
+        <p:nvSpPr>
+          <p:cNvPr id="4" name="Slide Number Placeholder 3"/>
+          <p:cNvSpPr>
+            <a:spLocks noGrp="1"/>
+          </p:cNvSpPr>
+          <p:nvPr>
+            <p:ph type="sldNum" sz="quarter" idx="11"/>
+          </p:nvPr>
+        </p:nvSpPr>
+        <p:spPr/>
+        <p:txBody>
+          <a:bodyPr/>
+          <a:lstStyle/>
+          <a:p>
+            <a:fld id="{5698A34F-157D-4FC3-B6AE-341A8B909DED}" type="slidenum">
+              <a:rPr lang="en-US" smtClean="0"/>
+              <a:pPr/>
+              <a:t>13</a:t>
+            </a:fld>
+            <a:endParaRPr lang="en-US" dirty="0"/>
+          </a:p>
+        </p:txBody>
+      </p:sp>
+      <p:sp>
+        <p:nvSpPr>
+          <p:cNvPr id="5" name="Footer Placeholder 4"/>
+          <p:cNvSpPr>
+            <a:spLocks noGrp="1"/>
+          </p:cNvSpPr>
+          <p:nvPr>
+            <p:ph type="ftr" sz="quarter" idx="12"/>
+          </p:nvPr>
+        </p:nvSpPr>
+        <p:spPr/>
+        <p:txBody>
+          <a:bodyPr/>
+          <a:lstStyle/>
+          <a:p>
+            <a:endParaRPr lang="en-US" dirty="0"/>
+          </a:p>
+        </p:txBody>
+      </p:sp>
+      <p:sp>
+        <p:nvSpPr>
+          <p:cNvPr id="6" name="Title 5"/>
+          <p:cNvSpPr>
+            <a:spLocks noGrp="1"/>
+          </p:cNvSpPr>
+          <p:nvPr>
+            <p:ph type="title"/>
+          </p:nvPr>
+        </p:nvSpPr>
+        <p:spPr/>
+        <p:txBody>
+          <a:bodyPr/>
+          <a:lstStyle/>
+          <a:p>
+            <a:r>
+              <a:rPr lang="en-US" dirty="0"/>
+              <a:t>Create/Register a </a:t>
+            </a:r>
+            <a:r>
+              <a:rPr lang="en-US" dirty="0" smtClean="0"/>
+              <a:t>Key (6 - continued)</a:t>
+            </a:r>
+            <a:endParaRPr lang="en-US" dirty="0"/>
+          </a:p>
+        </p:txBody>
+      </p:sp>
+      <p:sp>
+        <p:nvSpPr>
+          <p:cNvPr id="7" name="Text Placeholder 6"/>
+          <p:cNvSpPr>
+            <a:spLocks noGrp="1"/>
+          </p:cNvSpPr>
+          <p:nvPr>
+            <p:ph type="body" sz="quarter" idx="15"/>
+          </p:nvPr>
+        </p:nvSpPr>
+        <p:spPr/>
+        <p:txBody>
+          <a:bodyPr/>
+          <a:lstStyle/>
+          <a:p>
+            <a:r>
+              <a:rPr lang="en-US" dirty="0" smtClean="0"/>
+              <a:t>Customer API How To</a:t>
+            </a:r>
+            <a:endParaRPr lang="en-US" dirty="0"/>
+          </a:p>
+        </p:txBody>
+      </p:sp>
+    </p:spTree>
+    <p:extLst>
+      <p:ext uri="{BB962C8B-B14F-4D97-AF65-F5344CB8AC3E}">
+        <p14:creationId xmlns:p14="http://schemas.microsoft.com/office/powerpoint/2010/main" val="1346841299"/>
+      </p:ext>
+    </p:extLst>
+  </p:cSld>
+  <p:clrMapOvr>
+    <a:masterClrMapping/>
+  </p:clrMapOvr>
+  <p:timing>
+    <p:tnLst>
+      <p:par>
+        <p:cTn id="1" dur="indefinite" restart="never" nodeType="tmRoot"/>
+      </p:par>
+    </p:tnLst>
+  </p:timing>
+</p:sld>
+</file>
+
 <file path=ppt/slides/slide14.xml><?xml version="1.0" encoding="utf-8"?>
 <p:sld xmlns:a="http://schemas.openxmlformats.org/drawingml/2006/main" xmlns:r="http://schemas.openxmlformats.org/officeDocument/2006/relationships" xmlns:p="http://schemas.openxmlformats.org/presentationml/2006/main">
   <p:cSld>
@@ -7453,74 +7248,28 @@
           <a:p>
             <a:r>
               <a:rPr lang="en-US" dirty="0"/>
-              <a:t>To avoid issues with key expiration, you may renew a key at any time. To do so, sign in to Developer Zone, and select:</a:t>
-            </a:r>
-          </a:p>
-          <a:p>
-            <a:pPr lvl="1"/>
+              <a:t>MasterCard maintains a very limited and representative set of sandbox data for both SpendingPulse and Sector Insights. The data provided in these two sandboxes is for </a:t>
+            </a:r>
+            <a:r>
+              <a:rPr lang="en-US" b="1" u="sng" dirty="0"/>
+              <a:t>functional or technical compatibility and connectivity testing purposes only</a:t>
+            </a:r>
             <a:r>
               <a:rPr lang="en-US" dirty="0"/>
-              <a:t>My Dashboard</a:t>
-            </a:r>
-          </a:p>
-          <a:p>
-            <a:pPr lvl="1"/>
+              <a:t>. The data is not based on nor intended to resemble any actual data and is not intended to be used for any purpose whatsoever other than functional or technical compatibility and connectivity testing. </a:t>
+            </a:r>
+          </a:p>
+          <a:p>
             <a:r>
               <a:rPr lang="en-US" dirty="0"/>
-              <a:t>My Keys (locate the key you wish to renew)</a:t>
-            </a:r>
-          </a:p>
-          <a:p>
-            <a:pPr lvl="1"/>
+              <a:t>In other words, sandbox data can be used by you, without further approval by MasterCard, to enable you to build your API application. Once your application is up and running you must request a production key and be approved for production access by MasterCard.</a:t>
+            </a:r>
+          </a:p>
+          <a:p>
             <a:r>
               <a:rPr lang="en-US" dirty="0"/>
-              <a:t>Renew Key</a:t>
-            </a:r>
-          </a:p>
-          <a:p>
-            <a:pPr lvl="1"/>
-            <a:r>
-              <a:rPr lang="en-US" dirty="0"/>
-              <a:t>Follow the instructions in the pop-up for uploading a new CSR</a:t>
-            </a:r>
-            <a:r>
-              <a:rPr lang="en-US" dirty="0" smtClean="0"/>
-              <a:t>.</a:t>
-            </a:r>
-          </a:p>
-          <a:p>
-            <a:r>
-              <a:rPr lang="en-US" dirty="0" smtClean="0">
-                <a:effectLst/>
-              </a:rPr>
-              <a:t>Additional information on key management can </a:t>
-            </a:r>
-            <a:r>
-              <a:rPr lang="en-US" dirty="0"/>
-              <a:t>be found here:</a:t>
-            </a:r>
-            <a:br>
-              <a:rPr lang="en-US" dirty="0"/>
-            </a:br>
-            <a:r>
-              <a:rPr lang="en-US" sz="1800" dirty="0">
-                <a:hlinkClick r:id="rId2"/>
-              </a:rPr>
-              <a:t>https://</a:t>
-            </a:r>
-            <a:r>
-              <a:rPr lang="en-US" sz="1800" dirty="0" smtClean="0">
-                <a:hlinkClick r:id="rId2"/>
-              </a:rPr>
-              <a:t>developer.mastercard.com/portal/display/api/Generating+RSA+Keys</a:t>
-            </a:r>
-            <a:r>
-              <a:rPr lang="en-US" sz="1800" dirty="0" smtClean="0"/>
-              <a:t> </a:t>
-            </a:r>
-            <a:endParaRPr lang="en-US" sz="1800" dirty="0">
-              <a:effectLst/>
-            </a:endParaRPr>
+              <a:t>Production data is actual data and is available via paid subscription only.</a:t>
+            </a:r>
           </a:p>
         </p:txBody>
       </p:sp>
@@ -7606,12 +7355,8 @@
           <a:lstStyle/>
           <a:p>
             <a:r>
-              <a:rPr lang="en-US" dirty="0"/>
-              <a:t>Create/Register a </a:t>
-            </a:r>
-            <a:r>
-              <a:rPr lang="en-US" dirty="0" smtClean="0"/>
-              <a:t>Key (6 - continued)</a:t>
+              <a:rPr lang="en-US" dirty="0" smtClean="0"/>
+              <a:t>Production vs. Sandbox Keys</a:t>
             </a:r>
             <a:endParaRPr lang="en-US" dirty="0"/>
           </a:p>
@@ -7643,7 +7388,7 @@
     </p:spTree>
     <p:extLst>
       <p:ext uri="{BB962C8B-B14F-4D97-AF65-F5344CB8AC3E}">
-        <p14:creationId xmlns:p14="http://schemas.microsoft.com/office/powerpoint/2010/main" val="1346841299"/>
+        <p14:creationId xmlns:p14="http://schemas.microsoft.com/office/powerpoint/2010/main" val="2994781401"/>
       </p:ext>
     </p:extLst>
   </p:cSld>
@@ -7699,27 +7444,121 @@
           <a:p>
             <a:r>
               <a:rPr lang="en-US" dirty="0"/>
-              <a:t>MasterCard maintains a very limited and representative set of sandbox data for both SpendingPulse and Sector Insights. The data provided in these two sandboxes is for </a:t>
-            </a:r>
-            <a:r>
-              <a:rPr lang="en-US" b="1" u="sng" dirty="0"/>
-              <a:t>functional or technical compatibility and connectivity testing purposes only</a:t>
+              <a:t>Additional information concerning the </a:t>
+            </a:r>
+            <a:r>
+              <a:rPr lang="en-US" dirty="0" smtClean="0"/>
+              <a:t>SpendingPulse™ </a:t>
             </a:r>
             <a:r>
               <a:rPr lang="en-US" dirty="0"/>
-              <a:t>. The data is not based on nor intended to resemble any actual data and is not intended to be used for any purpose whatsoever other than functional or technical compatibility and connectivity testing. </a:t>
-            </a:r>
-          </a:p>
-          <a:p>
+              <a:t>API data is found here</a:t>
+            </a:r>
+            <a:r>
+              <a:rPr lang="en-US" dirty="0" smtClean="0"/>
+              <a:t>:</a:t>
+            </a:r>
             <a:r>
               <a:rPr lang="en-US" dirty="0"/>
-              <a:t>In other words, sandbox data can be used by you, without further approval by MasterCard, to enable you to build your API application. Once your application is up and running you must request a production key and be approved for production access by MasterCard.</a:t>
-            </a:r>
-          </a:p>
-          <a:p>
-            <a:r>
+              <a:t/>
+            </a:r>
+            <a:br>
               <a:rPr lang="en-US" dirty="0"/>
-              <a:t>Production data is actual data and is available via paid subscription only.</a:t>
+            </a:br>
+            <a:r>
+              <a:rPr lang="en-US" dirty="0" smtClean="0"/>
+              <a:t/>
+            </a:r>
+            <a:br>
+              <a:rPr lang="en-US" dirty="0" smtClean="0"/>
+            </a:br>
+            <a:r>
+              <a:rPr lang="en-US" sz="1600" dirty="0" smtClean="0">
+                <a:hlinkClick r:id="rId2"/>
+              </a:rPr>
+              <a:t>https</a:t>
+            </a:r>
+            <a:r>
+              <a:rPr lang="en-US" sz="1600" dirty="0">
+                <a:hlinkClick r:id="rId2"/>
+              </a:rPr>
+              <a:t>://</a:t>
+            </a:r>
+            <a:r>
+              <a:rPr lang="en-US" sz="1600" dirty="0" smtClean="0">
+                <a:hlinkClick r:id="rId2"/>
+              </a:rPr>
+              <a:t>developer.mastercard.com/portal/pages/viewpage.action?pageId=100597957</a:t>
+            </a:r>
+            <a:r>
+              <a:rPr lang="en-US" sz="1600" dirty="0" smtClean="0"/>
+              <a:t> </a:t>
+            </a:r>
+            <a:endParaRPr lang="en-US" sz="1600" dirty="0"/>
+          </a:p>
+          <a:p>
+            <a:endParaRPr lang="en-US" dirty="0" smtClean="0"/>
+          </a:p>
+          <a:p>
+            <a:r>
+              <a:rPr lang="en-US" dirty="0" smtClean="0"/>
+              <a:t>Additional </a:t>
+            </a:r>
+            <a:r>
+              <a:rPr lang="en-US" dirty="0"/>
+              <a:t>information concerning the </a:t>
+            </a:r>
+            <a:r>
+              <a:rPr lang="en-US" dirty="0" smtClean="0"/>
+              <a:t>Sector Insights™ </a:t>
+            </a:r>
+            <a:r>
+              <a:rPr lang="en-US" dirty="0"/>
+              <a:t>API data is found here</a:t>
+            </a:r>
+            <a:r>
+              <a:rPr lang="en-US" dirty="0" smtClean="0"/>
+              <a:t>:</a:t>
+            </a:r>
+            <a:r>
+              <a:rPr lang="en-US" dirty="0"/>
+              <a:t/>
+            </a:r>
+            <a:br>
+              <a:rPr lang="en-US" dirty="0"/>
+            </a:br>
+            <a:r>
+              <a:rPr lang="en-US" dirty="0" smtClean="0"/>
+              <a:t/>
+            </a:r>
+            <a:br>
+              <a:rPr lang="en-US" dirty="0" smtClean="0"/>
+            </a:br>
+            <a:r>
+              <a:rPr lang="en-US" sz="1600" dirty="0" smtClean="0">
+                <a:hlinkClick r:id="rId3"/>
+              </a:rPr>
+              <a:t>https</a:t>
+            </a:r>
+            <a:r>
+              <a:rPr lang="en-US" sz="1600" dirty="0">
+                <a:hlinkClick r:id="rId3"/>
+              </a:rPr>
+              <a:t>://developer.mastercard.com/portal/display/api/Sector+Insights</a:t>
+            </a:r>
+            <a:r>
+              <a:rPr lang="en-US" sz="1600" dirty="0"/>
+              <a:t> </a:t>
+            </a:r>
+            <a:endParaRPr lang="en-US" sz="1600" dirty="0" smtClean="0"/>
+          </a:p>
+          <a:p>
+            <a:endParaRPr lang="en-US" sz="1600" dirty="0"/>
+          </a:p>
+          <a:p>
+            <a:r>
+              <a:rPr lang="en-US" dirty="0"/>
+              <a:t>Now that you have a key … you need an App …</a:t>
             </a:r>
           </a:p>
         </p:txBody>
@@ -7807,7 +7646,7 @@
           <a:p>
             <a:r>
               <a:rPr lang="en-US" dirty="0" smtClean="0"/>
-              <a:t>Production vs. Sandbox Keys</a:t>
+              <a:t>Additional Information</a:t>
             </a:r>
             <a:endParaRPr lang="en-US" dirty="0"/>
           </a:p>
@@ -7839,7 +7678,7 @@
     </p:spTree>
     <p:extLst>
       <p:ext uri="{BB962C8B-B14F-4D97-AF65-F5344CB8AC3E}">
-        <p14:creationId xmlns:p14="http://schemas.microsoft.com/office/powerpoint/2010/main" val="2994781401"/>
+        <p14:creationId xmlns:p14="http://schemas.microsoft.com/office/powerpoint/2010/main" val="4106982293"/>
       </p:ext>
     </p:extLst>
   </p:cSld>
@@ -7885,8 +7724,8 @@
         </p:nvSpPr>
         <p:spPr>
           <a:xfrm>
-            <a:off x="274637" y="1368162"/>
-            <a:ext cx="8164189" cy="3264161"/>
+            <a:off x="274637" y="1600199"/>
+            <a:ext cx="7717895" cy="3032124"/>
           </a:xfrm>
         </p:spPr>
         <p:txBody>
@@ -7894,122 +7733,41 @@
           <a:lstStyle/>
           <a:p>
             <a:r>
-              <a:rPr lang="en-US" dirty="0"/>
-              <a:t>Additional information concerning the </a:t>
-            </a:r>
-            <a:r>
-              <a:rPr lang="en-US" dirty="0" smtClean="0"/>
-              <a:t>SpendingPulse™ </a:t>
-            </a:r>
-            <a:r>
-              <a:rPr lang="en-US" dirty="0"/>
-              <a:t>API data is found here</a:t>
-            </a:r>
-            <a:r>
-              <a:rPr lang="en-US" dirty="0" smtClean="0"/>
-              <a:t>:</a:t>
-            </a:r>
-            <a:r>
-              <a:rPr lang="en-US" dirty="0"/>
-              <a:t/>
-            </a:r>
-            <a:br>
-              <a:rPr lang="en-US" dirty="0"/>
-            </a:br>
-            <a:r>
-              <a:rPr lang="en-US" dirty="0" smtClean="0"/>
-              <a:t/>
-            </a:r>
-            <a:br>
-              <a:rPr lang="en-US" dirty="0" smtClean="0"/>
-            </a:br>
-            <a:r>
-              <a:rPr lang="en-US" sz="1600" dirty="0" smtClean="0">
-                <a:hlinkClick r:id="rId2"/>
-              </a:rPr>
-              <a:t>https</a:t>
-            </a:r>
-            <a:r>
-              <a:rPr lang="en-US" sz="1600" dirty="0">
-                <a:hlinkClick r:id="rId2"/>
-              </a:rPr>
-              <a:t>://</a:t>
-            </a:r>
-            <a:r>
-              <a:rPr lang="en-US" sz="1600" dirty="0" smtClean="0">
-                <a:hlinkClick r:id="rId2"/>
-              </a:rPr>
-              <a:t>developer.mastercard.com/portal/pages/viewpage.action?pageId=100597957</a:t>
-            </a:r>
-            <a:r>
-              <a:rPr lang="en-US" sz="1600" dirty="0" smtClean="0"/>
-              <a:t> </a:t>
-            </a:r>
-            <a:endParaRPr lang="en-US" sz="1600" dirty="0"/>
-          </a:p>
-          <a:p>
-            <a:endParaRPr lang="en-US" dirty="0" smtClean="0"/>
-          </a:p>
-          <a:p>
-            <a:r>
-              <a:rPr lang="en-US" dirty="0" smtClean="0"/>
-              <a:t>Additional </a:t>
-            </a:r>
-            <a:r>
-              <a:rPr lang="en-US" dirty="0"/>
-              <a:t>information concerning the </a:t>
-            </a:r>
-            <a:r>
-              <a:rPr lang="en-US" dirty="0" smtClean="0"/>
-              <a:t>Sector Insights™ </a:t>
-            </a:r>
-            <a:r>
-              <a:rPr lang="en-US" dirty="0"/>
-              <a:t>API data is found here</a:t>
-            </a:r>
-            <a:r>
-              <a:rPr lang="en-US" dirty="0" smtClean="0"/>
-              <a:t>:</a:t>
-            </a:r>
-            <a:r>
-              <a:rPr lang="en-US" dirty="0"/>
-              <a:t/>
-            </a:r>
-            <a:br>
-              <a:rPr lang="en-US" dirty="0"/>
-            </a:br>
-            <a:r>
-              <a:rPr lang="en-US" dirty="0" smtClean="0"/>
-              <a:t/>
-            </a:r>
-            <a:br>
-              <a:rPr lang="en-US" dirty="0" smtClean="0"/>
-            </a:br>
-            <a:r>
-              <a:rPr lang="en-US" sz="1600" dirty="0" smtClean="0">
-                <a:hlinkClick r:id="rId3"/>
-              </a:rPr>
-              <a:t>https</a:t>
-            </a:r>
-            <a:r>
-              <a:rPr lang="en-US" sz="1600" dirty="0">
-                <a:hlinkClick r:id="rId3"/>
-              </a:rPr>
-              <a:t>://developer.mastercard.com/portal/display/api/Sector+Insights</a:t>
-            </a:r>
-            <a:r>
-              <a:rPr lang="en-US" sz="1600" dirty="0"/>
-              <a:t> </a:t>
-            </a:r>
-            <a:endParaRPr lang="en-US" sz="1600" dirty="0" smtClean="0"/>
-          </a:p>
-          <a:p>
-            <a:endParaRPr lang="en-US" sz="1600" dirty="0"/>
-          </a:p>
-          <a:p>
-            <a:r>
-              <a:rPr lang="en-US" dirty="0"/>
-              <a:t>Now that you have a key … you need an App …</a:t>
+              <a:rPr lang="en-US" dirty="0" smtClean="0"/>
+              <a:t>What is an “App”?</a:t>
+            </a:r>
+          </a:p>
+          <a:p>
+            <a:pPr lvl="1"/>
+            <a:r>
+              <a:rPr lang="en-US" dirty="0" smtClean="0"/>
+              <a:t>An “App” is the mechanism by which you associate a key with an API.</a:t>
+            </a:r>
+          </a:p>
+          <a:p>
+            <a:pPr lvl="1"/>
+            <a:r>
+              <a:rPr lang="en-US" dirty="0" smtClean="0"/>
+              <a:t>An “App” is not some code that you have written nor is it an application from MasterCard that you might use.</a:t>
+            </a:r>
+          </a:p>
+          <a:p>
+            <a:pPr lvl="1"/>
+            <a:r>
+              <a:rPr lang="en-US" dirty="0" smtClean="0"/>
+              <a:t>It is, merely, the device used to associate keys with APIs.</a:t>
+            </a:r>
+          </a:p>
+          <a:p>
+            <a:r>
+              <a:rPr lang="en-US" dirty="0" smtClean="0"/>
+              <a:t>An App is required in order to use a key. The system/code that you write, which accesses the API, must use a valid key in the authentication process.</a:t>
+            </a:r>
+          </a:p>
+          <a:p>
+            <a:r>
+              <a:rPr lang="en-US" dirty="0" smtClean="0"/>
+              <a:t>A key is deemed valid when the App associated with the key is approved for use by MasterCard.</a:t>
             </a:r>
           </a:p>
         </p:txBody>
@@ -8097,7 +7855,7 @@
           <a:p>
             <a:r>
               <a:rPr lang="en-US" dirty="0" smtClean="0"/>
-              <a:t>Additional Information</a:t>
+              <a:t>Creating an App (1)</a:t>
             </a:r>
             <a:endParaRPr lang="en-US" dirty="0"/>
           </a:p>
@@ -8119,8 +7877,12 @@
           <a:lstStyle/>
           <a:p>
             <a:r>
-              <a:rPr lang="en-US" dirty="0" smtClean="0"/>
-              <a:t>Customer API How To</a:t>
+              <a:rPr lang="en-US" dirty="0"/>
+              <a:t>Customer API How </a:t>
+            </a:r>
+            <a:r>
+              <a:rPr lang="en-US" dirty="0" smtClean="0"/>
+              <a:t>To</a:t>
             </a:r>
             <a:endParaRPr lang="en-US" dirty="0"/>
           </a:p>
@@ -8129,7 +7891,7 @@
     </p:spTree>
     <p:extLst>
       <p:ext uri="{BB962C8B-B14F-4D97-AF65-F5344CB8AC3E}">
-        <p14:creationId xmlns:p14="http://schemas.microsoft.com/office/powerpoint/2010/main" val="4106982293"/>
+        <p14:creationId xmlns:p14="http://schemas.microsoft.com/office/powerpoint/2010/main" val="1122452413"/>
       </p:ext>
     </p:extLst>
   </p:cSld>
@@ -8175,8 +7937,8 @@
         </p:nvSpPr>
         <p:spPr>
           <a:xfrm>
-            <a:off x="274637" y="1600199"/>
-            <a:ext cx="7717895" cy="3032124"/>
+            <a:off x="274638" y="1402597"/>
+            <a:ext cx="7415212" cy="3221977"/>
           </a:xfrm>
         </p:spPr>
         <p:txBody>
@@ -8185,41 +7947,80 @@
           <a:p>
             <a:r>
               <a:rPr lang="en-US" dirty="0" smtClean="0"/>
-              <a:t>What is an “App”?</a:t>
+              <a:t>From your dashboard, choose My APPS</a:t>
+            </a:r>
+          </a:p>
+          <a:p>
+            <a:r>
+              <a:rPr lang="en-US" dirty="0" smtClean="0"/>
+              <a:t>Click Add an App</a:t>
+            </a:r>
+          </a:p>
+          <a:p>
+            <a:r>
+              <a:rPr lang="en-US" dirty="0" smtClean="0"/>
+              <a:t>In the displayed dialogue:</a:t>
             </a:r>
           </a:p>
           <a:p>
             <a:pPr lvl="1"/>
             <a:r>
               <a:rPr lang="en-US" dirty="0" smtClean="0"/>
-              <a:t>An “App” is the mechanism by which you associate a key with an API.</a:t>
+              <a:t>Enter an Application Name</a:t>
+            </a:r>
+          </a:p>
+          <a:p>
+            <a:pPr lvl="2"/>
+            <a:r>
+              <a:rPr lang="en-US" dirty="0" smtClean="0"/>
+              <a:t>Any alphanumeric is acceptable. The name is</a:t>
+            </a:r>
+            <a:br>
+              <a:rPr lang="en-US" dirty="0" smtClean="0"/>
+            </a:br>
+            <a:r>
+              <a:rPr lang="en-US" dirty="0" smtClean="0"/>
+              <a:t>used by you to identify this App (i.e. this</a:t>
+            </a:r>
+            <a:br>
+              <a:rPr lang="en-US" dirty="0" smtClean="0"/>
+            </a:br>
+            <a:r>
+              <a:rPr lang="en-US" dirty="0" smtClean="0"/>
+              <a:t>use of a particular key)</a:t>
             </a:r>
           </a:p>
           <a:p>
             <a:pPr lvl="1"/>
             <a:r>
               <a:rPr lang="en-US" dirty="0" smtClean="0"/>
-              <a:t>An “App” is not some code that you have written nor is it an application from MasterCard that you might use.</a:t>
+              <a:t>(optional) a Description</a:t>
             </a:r>
           </a:p>
           <a:p>
             <a:pPr lvl="1"/>
             <a:r>
               <a:rPr lang="en-US" dirty="0" smtClean="0"/>
-              <a:t>It is, merely, the device used to associate keys with APIs.</a:t>
-            </a:r>
-          </a:p>
-          <a:p>
-            <a:r>
-              <a:rPr lang="en-US" dirty="0" smtClean="0"/>
-              <a:t>An App is required in order to use a key. The system/code that you write, which accesses the API, must use a valid key in the authentication process.</a:t>
-            </a:r>
-          </a:p>
-          <a:p>
-            <a:r>
-              <a:rPr lang="en-US" dirty="0" smtClean="0"/>
-              <a:t>A key is deemed valid when the App associated with the key is approved for use by MasterCard.</a:t>
-            </a:r>
+              <a:t>Choose the key to be used</a:t>
+            </a:r>
+          </a:p>
+          <a:p>
+            <a:pPr lvl="2"/>
+            <a:r>
+              <a:rPr lang="en-US" dirty="0" smtClean="0"/>
+              <a:t>Key alias names are available for selection</a:t>
+            </a:r>
+          </a:p>
+          <a:p>
+            <a:pPr lvl="2"/>
+            <a:r>
+              <a:rPr lang="en-US" dirty="0" smtClean="0"/>
+              <a:t>A new key may be created at this time</a:t>
+            </a:r>
+          </a:p>
+          <a:p>
+            <a:pPr lvl="1"/>
+            <a:endParaRPr lang="en-US" dirty="0" smtClean="0"/>
           </a:p>
         </p:txBody>
       </p:sp>
@@ -8306,7 +8107,7 @@
           <a:p>
             <a:r>
               <a:rPr lang="en-US" dirty="0" smtClean="0"/>
-              <a:t>Creating an App (1)</a:t>
+              <a:t>Creating an App (2)</a:t>
             </a:r>
             <a:endParaRPr lang="en-US" dirty="0"/>
           </a:p>
@@ -8336,13 +8137,100 @@
               <a:t>To</a:t>
             </a:r>
             <a:endParaRPr lang="en-US" dirty="0"/>
+          </a:p>
+        </p:txBody>
+      </p:sp>
+      <p:pic>
+        <p:nvPicPr>
+          <p:cNvPr id="8" name="Picture 7"/>
+          <p:cNvPicPr>
+            <a:picLocks noChangeAspect="1"/>
+          </p:cNvPicPr>
+          <p:nvPr/>
+        </p:nvPicPr>
+        <p:blipFill>
+          <a:blip r:embed="rId2"/>
+          <a:stretch>
+            <a:fillRect/>
+          </a:stretch>
+        </p:blipFill>
+        <p:spPr>
+          <a:xfrm>
+            <a:off x="4796728" y="1316875"/>
+            <a:ext cx="4187584" cy="1988142"/>
+          </a:xfrm>
+          <a:prstGeom prst="rect">
+            <a:avLst/>
+          </a:prstGeom>
+        </p:spPr>
+      </p:pic>
+      <p:sp>
+        <p:nvSpPr>
+          <p:cNvPr id="9" name="Right Arrow 8"/>
+          <p:cNvSpPr/>
+          <p:nvPr/>
+        </p:nvSpPr>
+        <p:spPr bwMode="gray">
+          <a:xfrm>
+            <a:off x="2347994" y="1867551"/>
+            <a:ext cx="2580467" cy="85240"/>
+          </a:xfrm>
+          <a:prstGeom prst="rightArrow">
+            <a:avLst/>
+          </a:prstGeom>
+          <a:solidFill>
+            <a:schemeClr val="accent1"/>
+          </a:solidFill>
+          <a:ln w="9525" cap="flat" cmpd="sng" algn="ctr">
+            <a:noFill/>
+            <a:prstDash val="solid"/>
+            <a:round/>
+            <a:headEnd type="none" w="med" len="med"/>
+            <a:tailEnd type="none" w="med" len="med"/>
+          </a:ln>
+          <a:effectLst/>
+        </p:spPr>
+        <p:txBody>
+          <a:bodyPr vert="horz" wrap="square" lIns="91440" tIns="45720" rIns="91440" bIns="45720" numCol="1" rtlCol="0" anchor="ctr" anchorCtr="0" compatLnSpc="1">
+            <a:prstTxWarp prst="textNoShape">
+              <a:avLst/>
+            </a:prstTxWarp>
+          </a:bodyPr>
+          <a:lstStyle/>
+          <a:p>
+            <a:pPr marL="0" marR="0" indent="0" algn="l" defTabSz="914400" rtl="0" eaLnBrk="1" fontAlgn="base" latinLnBrk="0" hangingPunct="1">
+              <a:lnSpc>
+                <a:spcPct val="100000"/>
+              </a:lnSpc>
+              <a:spcBef>
+                <a:spcPct val="0"/>
+              </a:spcBef>
+              <a:spcAft>
+                <a:spcPct val="0"/>
+              </a:spcAft>
+              <a:buClrTx/>
+              <a:buSzTx/>
+              <a:buFontTx/>
+              <a:buNone/>
+              <a:tabLst/>
+            </a:pPr>
+            <a:endParaRPr kumimoji="0" lang="en-US" sz="2000" b="0" i="0" u="none" strike="noStrike" cap="none" normalizeH="0" baseline="0" dirty="0" smtClean="0">
+              <a:ln>
+                <a:noFill/>
+              </a:ln>
+              <a:solidFill>
+                <a:schemeClr val="bg1"/>
+              </a:solidFill>
+              <a:effectLst/>
+              <a:latin typeface="Arial" pitchFamily="2" charset="0"/>
+            </a:endParaRPr>
           </a:p>
         </p:txBody>
       </p:sp>
     </p:spTree>
     <p:extLst>
       <p:ext uri="{BB962C8B-B14F-4D97-AF65-F5344CB8AC3E}">
-        <p14:creationId xmlns:p14="http://schemas.microsoft.com/office/powerpoint/2010/main" val="1122452413"/>
+        <p14:creationId xmlns:p14="http://schemas.microsoft.com/office/powerpoint/2010/main" val="2163120365"/>
       </p:ext>
     </p:extLst>
   </p:cSld>
@@ -8398,80 +8286,34 @@
           <a:p>
             <a:r>
               <a:rPr lang="en-US" dirty="0" smtClean="0"/>
-              <a:t>From your dashboard, choose My APPS</a:t>
-            </a:r>
-          </a:p>
-          <a:p>
-            <a:r>
-              <a:rPr lang="en-US" dirty="0" smtClean="0"/>
-              <a:t>Click Add an App</a:t>
-            </a:r>
-          </a:p>
-          <a:p>
-            <a:r>
-              <a:rPr lang="en-US" dirty="0" smtClean="0"/>
-              <a:t>In the displayed dialogue:</a:t>
+              <a:t>Choose the key to be used</a:t>
             </a:r>
           </a:p>
           <a:p>
             <a:pPr lvl="1"/>
             <a:r>
               <a:rPr lang="en-US" dirty="0" smtClean="0"/>
-              <a:t>Enter an Application Name</a:t>
-            </a:r>
-          </a:p>
-          <a:p>
-            <a:pPr lvl="2"/>
-            <a:r>
-              <a:rPr lang="en-US" dirty="0" smtClean="0"/>
-              <a:t>Any alphanumeric is acceptable. The name is</a:t>
-            </a:r>
-            <a:br>
-              <a:rPr lang="en-US" dirty="0" smtClean="0"/>
-            </a:br>
-            <a:r>
-              <a:rPr lang="en-US" dirty="0" smtClean="0"/>
-              <a:t>used by you to identify this App (i.e. this</a:t>
-            </a:r>
-            <a:br>
-              <a:rPr lang="en-US" dirty="0" smtClean="0"/>
-            </a:br>
-            <a:r>
-              <a:rPr lang="en-US" dirty="0" smtClean="0"/>
-              <a:t>use of a particular key)</a:t>
+              <a:t>Key alias names are available for selection</a:t>
             </a:r>
           </a:p>
           <a:p>
             <a:pPr lvl="1"/>
             <a:r>
               <a:rPr lang="en-US" dirty="0" smtClean="0"/>
-              <a:t>(optional) a Description</a:t>
-            </a:r>
-          </a:p>
-          <a:p>
-            <a:pPr lvl="1"/>
-            <a:r>
-              <a:rPr lang="en-US" dirty="0" smtClean="0"/>
-              <a:t>Choose the key to be used</a:t>
-            </a:r>
-          </a:p>
-          <a:p>
-            <a:pPr lvl="2"/>
-            <a:r>
-              <a:rPr lang="en-US" dirty="0" smtClean="0"/>
-              <a:t>Key alias names are available for selection</a:t>
-            </a:r>
-          </a:p>
-          <a:p>
-            <a:pPr lvl="2"/>
-            <a:r>
-              <a:rPr lang="en-US" dirty="0" smtClean="0"/>
               <a:t>A new key may be created at this time</a:t>
             </a:r>
           </a:p>
           <a:p>
-            <a:pPr lvl="1"/>
-            <a:endParaRPr lang="en-US" dirty="0" smtClean="0"/>
+            <a:r>
+              <a:rPr lang="en-US" dirty="0" smtClean="0"/>
+              <a:t>Click Submit</a:t>
+            </a:r>
+          </a:p>
+          <a:p>
+            <a:r>
+              <a:rPr lang="en-US" dirty="0" smtClean="0"/>
+              <a:t>Your dashboard is redisplayed</a:t>
+            </a:r>
           </a:p>
         </p:txBody>
       </p:sp>
@@ -8558,7 +8400,7 @@
           <a:p>
             <a:r>
               <a:rPr lang="en-US" dirty="0" smtClean="0"/>
-              <a:t>Creating an App (2)</a:t>
+              <a:t>Creating an App (3)</a:t>
             </a:r>
             <a:endParaRPr lang="en-US" dirty="0"/>
           </a:p>
@@ -8593,7 +8435,7 @@
       </p:sp>
       <p:pic>
         <p:nvPicPr>
-          <p:cNvPr id="8" name="Picture 7"/>
+          <p:cNvPr id="10" name="Picture 9"/>
           <p:cNvPicPr>
             <a:picLocks noChangeAspect="1"/>
           </p:cNvPicPr>
@@ -8607,8 +8449,8 @@
         </p:blipFill>
         <p:spPr>
           <a:xfrm>
-            <a:off x="4796728" y="1316875"/>
-            <a:ext cx="4187584" cy="1988142"/>
+            <a:off x="5124694" y="668616"/>
+            <a:ext cx="3738485" cy="1932924"/>
           </a:xfrm>
           <a:prstGeom prst="rect">
             <a:avLst/>
@@ -8623,8 +8465,8 @@
         </p:nvSpPr>
         <p:spPr bwMode="gray">
           <a:xfrm>
-            <a:off x="2347994" y="1867551"/>
-            <a:ext cx="2580467" cy="85240"/>
+            <a:off x="1945038" y="2440988"/>
+            <a:ext cx="5129939" cy="92985"/>
           </a:xfrm>
           <a:prstGeom prst="rightArrow">
             <a:avLst/>
@@ -8681,7 +8523,7 @@
     </p:spTree>
     <p:extLst>
       <p:ext uri="{BB962C8B-B14F-4D97-AF65-F5344CB8AC3E}">
-        <p14:creationId xmlns:p14="http://schemas.microsoft.com/office/powerpoint/2010/main" val="2163120365"/>
+        <p14:creationId xmlns:p14="http://schemas.microsoft.com/office/powerpoint/2010/main" val="3867393338"/>
       </p:ext>
     </p:extLst>
   </p:cSld>
@@ -8737,33 +8579,70 @@
           <a:p>
             <a:r>
               <a:rPr lang="en-US" dirty="0" smtClean="0"/>
-              <a:t>Choose the key to be used</a:t>
-            </a:r>
-          </a:p>
-          <a:p>
-            <a:pPr lvl="1"/>
-            <a:r>
-              <a:rPr lang="en-US" dirty="0" smtClean="0"/>
-              <a:t>Key alias names are available for selection</a:t>
-            </a:r>
-          </a:p>
-          <a:p>
-            <a:pPr lvl="1"/>
-            <a:r>
-              <a:rPr lang="en-US" dirty="0" smtClean="0"/>
-              <a:t>A new key may be created at this time</a:t>
-            </a:r>
-          </a:p>
-          <a:p>
-            <a:r>
-              <a:rPr lang="en-US" dirty="0" smtClean="0"/>
-              <a:t>Click Submit</a:t>
-            </a:r>
-          </a:p>
-          <a:p>
-            <a:r>
-              <a:rPr lang="en-US" dirty="0" smtClean="0"/>
-              <a:t>Your dashboard is redisplayed</a:t>
+              <a:t>Notice, the key you associated with the</a:t>
+            </a:r>
+            <a:br>
+              <a:rPr lang="en-US" dirty="0" smtClean="0"/>
+            </a:br>
+            <a:r>
+              <a:rPr lang="en-US" dirty="0" smtClean="0"/>
+              <a:t>App is shown, BUT it is not yet ACTIVE.</a:t>
+            </a:r>
+          </a:p>
+          <a:p>
+            <a:endParaRPr lang="en-US" dirty="0"/>
+          </a:p>
+          <a:p>
+            <a:r>
+              <a:rPr lang="en-US" dirty="0" smtClean="0"/>
+              <a:t>Click the checkbox to make the key </a:t>
+            </a:r>
+            <a:br>
+              <a:rPr lang="en-US" dirty="0" smtClean="0"/>
+            </a:br>
+            <a:r>
+              <a:rPr lang="en-US" dirty="0" smtClean="0"/>
+              <a:t>ACTIVE – you must activate the key in</a:t>
+            </a:r>
+            <a:br>
+              <a:rPr lang="en-US" dirty="0" smtClean="0"/>
+            </a:br>
+            <a:r>
+              <a:rPr lang="en-US" dirty="0" smtClean="0"/>
+              <a:t>order to use it.</a:t>
+            </a:r>
+          </a:p>
+          <a:p>
+            <a:r>
+              <a:rPr lang="en-US" dirty="0" smtClean="0"/>
+              <a:t>Once activated, the display is changed.</a:t>
+            </a:r>
+            <a:br>
+              <a:rPr lang="en-US" dirty="0" smtClean="0"/>
+            </a:br>
+            <a:r>
+              <a:rPr lang="en-US" dirty="0" smtClean="0"/>
+              <a:t>Note the display of the key.</a:t>
+            </a:r>
+          </a:p>
+          <a:p>
+            <a:r>
+              <a:rPr lang="en-US" dirty="0" smtClean="0"/>
+              <a:t>Apps for the sandbox are </a:t>
+            </a:r>
+            <a:br>
+              <a:rPr lang="en-US" dirty="0" smtClean="0"/>
+            </a:br>
+            <a:r>
+              <a:rPr lang="en-US" dirty="0" smtClean="0"/>
+              <a:t>automatically approved for use with</a:t>
+            </a:r>
+            <a:br>
+              <a:rPr lang="en-US" dirty="0" smtClean="0"/>
+            </a:br>
+            <a:r>
+              <a:rPr lang="en-US" dirty="0" smtClean="0"/>
+              <a:t>the sandbox API data.</a:t>
             </a:r>
           </a:p>
         </p:txBody>
@@ -8810,515 +8689,6 @@
               <a:rPr lang="en-US" smtClean="0"/>
               <a:pPr/>
               <a:t>19</a:t>
-            </a:fld>
-            <a:endParaRPr lang="en-US" dirty="0"/>
-          </a:p>
-        </p:txBody>
-      </p:sp>
-      <p:sp>
-        <p:nvSpPr>
-          <p:cNvPr id="5" name="Footer Placeholder 4"/>
-          <p:cNvSpPr>
-            <a:spLocks noGrp="1"/>
-          </p:cNvSpPr>
-          <p:nvPr>
-            <p:ph type="ftr" sz="quarter" idx="12"/>
-          </p:nvPr>
-        </p:nvSpPr>
-        <p:spPr/>
-        <p:txBody>
-          <a:bodyPr/>
-          <a:lstStyle/>
-          <a:p>
-            <a:endParaRPr lang="en-US" dirty="0"/>
-          </a:p>
-        </p:txBody>
-      </p:sp>
-      <p:sp>
-        <p:nvSpPr>
-          <p:cNvPr id="6" name="Title 5"/>
-          <p:cNvSpPr>
-            <a:spLocks noGrp="1"/>
-          </p:cNvSpPr>
-          <p:nvPr>
-            <p:ph type="title"/>
-          </p:nvPr>
-        </p:nvSpPr>
-        <p:spPr/>
-        <p:txBody>
-          <a:bodyPr/>
-          <a:lstStyle/>
-          <a:p>
-            <a:r>
-              <a:rPr lang="en-US" dirty="0" smtClean="0"/>
-              <a:t>Creating an App (3)</a:t>
-            </a:r>
-            <a:endParaRPr lang="en-US" dirty="0"/>
-          </a:p>
-        </p:txBody>
-      </p:sp>
-      <p:sp>
-        <p:nvSpPr>
-          <p:cNvPr id="7" name="Text Placeholder 6"/>
-          <p:cNvSpPr>
-            <a:spLocks noGrp="1"/>
-          </p:cNvSpPr>
-          <p:nvPr>
-            <p:ph type="body" sz="quarter" idx="15"/>
-          </p:nvPr>
-        </p:nvSpPr>
-        <p:spPr/>
-        <p:txBody>
-          <a:bodyPr/>
-          <a:lstStyle/>
-          <a:p>
-            <a:r>
-              <a:rPr lang="en-US" dirty="0"/>
-              <a:t>Customer API How </a:t>
-            </a:r>
-            <a:r>
-              <a:rPr lang="en-US" dirty="0" smtClean="0"/>
-              <a:t>To</a:t>
-            </a:r>
-            <a:endParaRPr lang="en-US" dirty="0"/>
-          </a:p>
-        </p:txBody>
-      </p:sp>
-      <p:pic>
-        <p:nvPicPr>
-          <p:cNvPr id="10" name="Picture 9"/>
-          <p:cNvPicPr>
-            <a:picLocks noChangeAspect="1"/>
-          </p:cNvPicPr>
-          <p:nvPr/>
-        </p:nvPicPr>
-        <p:blipFill>
-          <a:blip r:embed="rId2"/>
-          <a:stretch>
-            <a:fillRect/>
-          </a:stretch>
-        </p:blipFill>
-        <p:spPr>
-          <a:xfrm>
-            <a:off x="5124694" y="668616"/>
-            <a:ext cx="3738485" cy="1932924"/>
-          </a:xfrm>
-          <a:prstGeom prst="rect">
-            <a:avLst/>
-          </a:prstGeom>
-        </p:spPr>
-      </p:pic>
-      <p:sp>
-        <p:nvSpPr>
-          <p:cNvPr id="9" name="Right Arrow 8"/>
-          <p:cNvSpPr/>
-          <p:nvPr/>
-        </p:nvSpPr>
-        <p:spPr bwMode="gray">
-          <a:xfrm>
-            <a:off x="1945038" y="2440988"/>
-            <a:ext cx="5129939" cy="92985"/>
-          </a:xfrm>
-          <a:prstGeom prst="rightArrow">
-            <a:avLst/>
-          </a:prstGeom>
-          <a:solidFill>
-            <a:schemeClr val="accent1"/>
-          </a:solidFill>
-          <a:ln w="9525" cap="flat" cmpd="sng" algn="ctr">
-            <a:noFill/>
-            <a:prstDash val="solid"/>
-            <a:round/>
-            <a:headEnd type="none" w="med" len="med"/>
-            <a:tailEnd type="none" w="med" len="med"/>
-          </a:ln>
-          <a:effectLst/>
-        </p:spPr>
-        <p:txBody>
-          <a:bodyPr vert="horz" wrap="square" lIns="91440" tIns="45720" rIns="91440" bIns="45720" numCol="1" rtlCol="0" anchor="ctr" anchorCtr="0" compatLnSpc="1">
-            <a:prstTxWarp prst="textNoShape">
-              <a:avLst/>
-            </a:prstTxWarp>
-          </a:bodyPr>
-          <a:lstStyle/>
-          <a:p>
-            <a:pPr marL="0" marR="0" indent="0" algn="l" defTabSz="914400" rtl="0" eaLnBrk="1" fontAlgn="base" latinLnBrk="0" hangingPunct="1">
-              <a:lnSpc>
-                <a:spcPct val="100000"/>
-              </a:lnSpc>
-              <a:spcBef>
-                <a:spcPct val="0"/>
-              </a:spcBef>
-              <a:spcAft>
-                <a:spcPct val="0"/>
-              </a:spcAft>
-              <a:buClrTx/>
-              <a:buSzTx/>
-              <a:buFontTx/>
-              <a:buNone/>
-              <a:tabLst/>
-            </a:pPr>
-            <a:endParaRPr kumimoji="0" lang="en-US" sz="2000" b="0" i="0" u="none" strike="noStrike" cap="none" normalizeH="0" baseline="0" dirty="0" smtClean="0">
-              <a:ln>
-                <a:noFill/>
-              </a:ln>
-              <a:solidFill>
-                <a:schemeClr val="bg1"/>
-              </a:solidFill>
-              <a:effectLst/>
-              <a:latin typeface="Arial" pitchFamily="2" charset="0"/>
-            </a:endParaRPr>
-          </a:p>
-        </p:txBody>
-      </p:sp>
-    </p:spTree>
-    <p:extLst>
-      <p:ext uri="{BB962C8B-B14F-4D97-AF65-F5344CB8AC3E}">
-        <p14:creationId xmlns:p14="http://schemas.microsoft.com/office/powerpoint/2010/main" val="3867393338"/>
-      </p:ext>
-    </p:extLst>
-  </p:cSld>
-  <p:clrMapOvr>
-    <a:masterClrMapping/>
-  </p:clrMapOvr>
-  <p:timing>
-    <p:tnLst>
-      <p:par>
-        <p:cTn id="1" dur="indefinite" restart="never" nodeType="tmRoot"/>
-      </p:par>
-    </p:tnLst>
-  </p:timing>
-</p:sld>
-</file>
-
-<file path=ppt/slides/slide2.xml><?xml version="1.0" encoding="utf-8"?>
-<p:sld xmlns:a="http://schemas.openxmlformats.org/drawingml/2006/main" xmlns:r="http://schemas.openxmlformats.org/officeDocument/2006/relationships" xmlns:p="http://schemas.openxmlformats.org/presentationml/2006/main">
-  <p:cSld>
-    <p:spTree>
-      <p:nvGrpSpPr>
-        <p:cNvPr id="1" name=""/>
-        <p:cNvGrpSpPr/>
-        <p:nvPr/>
-      </p:nvGrpSpPr>
-      <p:grpSpPr>
-        <a:xfrm>
-          <a:off x="0" y="0"/>
-          <a:ext cx="0" cy="0"/>
-          <a:chOff x="0" y="0"/>
-          <a:chExt cx="0" cy="0"/>
-        </a:xfrm>
-      </p:grpSpPr>
-      <p:sp>
-        <p:nvSpPr>
-          <p:cNvPr id="2" name="Text Placeholder 1"/>
-          <p:cNvSpPr>
-            <a:spLocks noGrp="1"/>
-          </p:cNvSpPr>
-          <p:nvPr>
-            <p:ph type="body" sz="quarter" idx="13"/>
-          </p:nvPr>
-        </p:nvSpPr>
-        <p:spPr/>
-        <p:txBody>
-          <a:bodyPr/>
-          <a:lstStyle/>
-          <a:p>
-            <a:endParaRPr lang="en-US"/>
-          </a:p>
-        </p:txBody>
-      </p:sp>
-      <p:sp>
-        <p:nvSpPr>
-          <p:cNvPr id="3" name="Date Placeholder 2"/>
-          <p:cNvSpPr>
-            <a:spLocks noGrp="1"/>
-          </p:cNvSpPr>
-          <p:nvPr>
-            <p:ph type="dt" sz="half" idx="10"/>
-          </p:nvPr>
-        </p:nvSpPr>
-        <p:spPr/>
-        <p:txBody>
-          <a:bodyPr/>
-          <a:lstStyle/>
-          <a:p>
-            <a:r>
-              <a:rPr lang="en-US" smtClean="0"/>
-              <a:t>October 21, 2015</a:t>
-            </a:r>
-            <a:endParaRPr lang="en-US" dirty="0" smtClean="0"/>
-          </a:p>
-        </p:txBody>
-      </p:sp>
-      <p:sp>
-        <p:nvSpPr>
-          <p:cNvPr id="4" name="Slide Number Placeholder 3"/>
-          <p:cNvSpPr>
-            <a:spLocks noGrp="1"/>
-          </p:cNvSpPr>
-          <p:nvPr>
-            <p:ph type="sldNum" sz="quarter" idx="11"/>
-          </p:nvPr>
-        </p:nvSpPr>
-        <p:spPr/>
-        <p:txBody>
-          <a:bodyPr/>
-          <a:lstStyle/>
-          <a:p>
-            <a:fld id="{5698A34F-157D-4FC3-B6AE-341A8B909DED}" type="slidenum">
-              <a:rPr lang="en-US" smtClean="0"/>
-              <a:pPr/>
-              <a:t>2</a:t>
-            </a:fld>
-            <a:endParaRPr lang="en-US" dirty="0"/>
-          </a:p>
-        </p:txBody>
-      </p:sp>
-      <p:sp>
-        <p:nvSpPr>
-          <p:cNvPr id="5" name="Footer Placeholder 4"/>
-          <p:cNvSpPr>
-            <a:spLocks noGrp="1"/>
-          </p:cNvSpPr>
-          <p:nvPr>
-            <p:ph type="ftr" sz="quarter" idx="12"/>
-          </p:nvPr>
-        </p:nvSpPr>
-        <p:spPr/>
-        <p:txBody>
-          <a:bodyPr/>
-          <a:lstStyle/>
-          <a:p>
-            <a:endParaRPr lang="en-US" dirty="0"/>
-          </a:p>
-        </p:txBody>
-      </p:sp>
-      <p:sp>
-        <p:nvSpPr>
-          <p:cNvPr id="6" name="Title 5"/>
-          <p:cNvSpPr>
-            <a:spLocks noGrp="1"/>
-          </p:cNvSpPr>
-          <p:nvPr>
-            <p:ph type="title"/>
-          </p:nvPr>
-        </p:nvSpPr>
-        <p:spPr/>
-        <p:txBody>
-          <a:bodyPr/>
-          <a:lstStyle/>
-          <a:p>
-            <a:endParaRPr lang="en-US"/>
-          </a:p>
-        </p:txBody>
-      </p:sp>
-      <p:sp>
-        <p:nvSpPr>
-          <p:cNvPr id="7" name="Text Placeholder 6"/>
-          <p:cNvSpPr>
-            <a:spLocks noGrp="1"/>
-          </p:cNvSpPr>
-          <p:nvPr>
-            <p:ph type="body" sz="quarter" idx="14"/>
-          </p:nvPr>
-        </p:nvSpPr>
-        <p:spPr/>
-        <p:txBody>
-          <a:bodyPr/>
-          <a:lstStyle/>
-          <a:p>
-            <a:endParaRPr lang="en-US"/>
-          </a:p>
-        </p:txBody>
-      </p:sp>
-      <p:sp>
-        <p:nvSpPr>
-          <p:cNvPr id="8" name="Text Placeholder 7"/>
-          <p:cNvSpPr>
-            <a:spLocks noGrp="1"/>
-          </p:cNvSpPr>
-          <p:nvPr>
-            <p:ph type="body" sz="quarter" idx="15"/>
-          </p:nvPr>
-        </p:nvSpPr>
-        <p:spPr/>
-        <p:txBody>
-          <a:bodyPr/>
-          <a:lstStyle/>
-          <a:p>
-            <a:endParaRPr lang="en-US"/>
-          </a:p>
-        </p:txBody>
-      </p:sp>
-    </p:spTree>
-    <p:extLst>
-      <p:ext uri="{BB962C8B-B14F-4D97-AF65-F5344CB8AC3E}">
-        <p14:creationId xmlns:p14="http://schemas.microsoft.com/office/powerpoint/2010/main" val="1267699667"/>
-      </p:ext>
-    </p:extLst>
-  </p:cSld>
-  <p:clrMapOvr>
-    <a:masterClrMapping/>
-  </p:clrMapOvr>
-  <p:timing>
-    <p:tnLst>
-      <p:par>
-        <p:cTn id="1" dur="indefinite" restart="never" nodeType="tmRoot"/>
-      </p:par>
-    </p:tnLst>
-  </p:timing>
-</p:sld>
-</file>
-
-<file path=ppt/slides/slide20.xml><?xml version="1.0" encoding="utf-8"?>
-<p:sld xmlns:a="http://schemas.openxmlformats.org/drawingml/2006/main" xmlns:r="http://schemas.openxmlformats.org/officeDocument/2006/relationships" xmlns:p="http://schemas.openxmlformats.org/presentationml/2006/main">
-  <p:cSld>
-    <p:spTree>
-      <p:nvGrpSpPr>
-        <p:cNvPr id="1" name=""/>
-        <p:cNvGrpSpPr/>
-        <p:nvPr/>
-      </p:nvGrpSpPr>
-      <p:grpSpPr>
-        <a:xfrm>
-          <a:off x="0" y="0"/>
-          <a:ext cx="0" cy="0"/>
-          <a:chOff x="0" y="0"/>
-          <a:chExt cx="0" cy="0"/>
-        </a:xfrm>
-      </p:grpSpPr>
-      <p:sp>
-        <p:nvSpPr>
-          <p:cNvPr id="2" name="Text Placeholder 1"/>
-          <p:cNvSpPr>
-            <a:spLocks noGrp="1"/>
-          </p:cNvSpPr>
-          <p:nvPr>
-            <p:ph type="body" sz="quarter" idx="13"/>
-          </p:nvPr>
-        </p:nvSpPr>
-        <p:spPr>
-          <a:xfrm>
-            <a:off x="274638" y="1402597"/>
-            <a:ext cx="7415212" cy="3221977"/>
-          </a:xfrm>
-        </p:spPr>
-        <p:txBody>
-          <a:bodyPr/>
-          <a:lstStyle/>
-          <a:p>
-            <a:r>
-              <a:rPr lang="en-US" dirty="0" smtClean="0"/>
-              <a:t>Notice, the key you associated with the</a:t>
-            </a:r>
-            <a:br>
-              <a:rPr lang="en-US" dirty="0" smtClean="0"/>
-            </a:br>
-            <a:r>
-              <a:rPr lang="en-US" dirty="0" smtClean="0"/>
-              <a:t>App is shown, BUT it is not yet ACTIVE.</a:t>
-            </a:r>
-          </a:p>
-          <a:p>
-            <a:endParaRPr lang="en-US" dirty="0"/>
-          </a:p>
-          <a:p>
-            <a:r>
-              <a:rPr lang="en-US" dirty="0" smtClean="0"/>
-              <a:t>Click the checkbox to make the key </a:t>
-            </a:r>
-            <a:br>
-              <a:rPr lang="en-US" dirty="0" smtClean="0"/>
-            </a:br>
-            <a:r>
-              <a:rPr lang="en-US" dirty="0" smtClean="0"/>
-              <a:t>ACTIVE – you must activate the key in</a:t>
-            </a:r>
-            <a:br>
-              <a:rPr lang="en-US" dirty="0" smtClean="0"/>
-            </a:br>
-            <a:r>
-              <a:rPr lang="en-US" dirty="0" smtClean="0"/>
-              <a:t>order to use it.</a:t>
-            </a:r>
-          </a:p>
-          <a:p>
-            <a:r>
-              <a:rPr lang="en-US" dirty="0" smtClean="0"/>
-              <a:t>Once activated, the display is changed.</a:t>
-            </a:r>
-            <a:br>
-              <a:rPr lang="en-US" dirty="0" smtClean="0"/>
-            </a:br>
-            <a:r>
-              <a:rPr lang="en-US" dirty="0" smtClean="0"/>
-              <a:t>Note the display of the key.</a:t>
-            </a:r>
-          </a:p>
-          <a:p>
-            <a:r>
-              <a:rPr lang="en-US" dirty="0" smtClean="0"/>
-              <a:t>Apps for the sandbox are </a:t>
-            </a:r>
-            <a:br>
-              <a:rPr lang="en-US" dirty="0" smtClean="0"/>
-            </a:br>
-            <a:r>
-              <a:rPr lang="en-US" dirty="0" smtClean="0"/>
-              <a:t>automatically approved for use with</a:t>
-            </a:r>
-            <a:br>
-              <a:rPr lang="en-US" dirty="0" smtClean="0"/>
-            </a:br>
-            <a:r>
-              <a:rPr lang="en-US" dirty="0" smtClean="0"/>
-              <a:t>the sandbox API data.</a:t>
-            </a:r>
-          </a:p>
-        </p:txBody>
-      </p:sp>
-      <p:sp>
-        <p:nvSpPr>
-          <p:cNvPr id="3" name="Date Placeholder 2"/>
-          <p:cNvSpPr>
-            <a:spLocks noGrp="1"/>
-          </p:cNvSpPr>
-          <p:nvPr>
-            <p:ph type="dt" sz="half" idx="10"/>
-          </p:nvPr>
-        </p:nvSpPr>
-        <p:spPr/>
-        <p:txBody>
-          <a:bodyPr/>
-          <a:lstStyle/>
-          <a:p>
-            <a:r>
-              <a:rPr lang="en-US" smtClean="0"/>
-              <a:t>October 21, 2015</a:t>
-            </a:r>
-            <a:endParaRPr lang="en-US" dirty="0" smtClean="0"/>
-          </a:p>
-        </p:txBody>
-      </p:sp>
-      <p:sp>
-        <p:nvSpPr>
-          <p:cNvPr id="4" name="Slide Number Placeholder 3"/>
-          <p:cNvSpPr>
-            <a:spLocks noGrp="1"/>
-          </p:cNvSpPr>
-          <p:nvPr>
-            <p:ph type="sldNum" sz="quarter" idx="11"/>
-          </p:nvPr>
-        </p:nvSpPr>
-        <p:spPr/>
-        <p:txBody>
-          <a:bodyPr/>
-          <a:lstStyle/>
-          <a:p>
-            <a:fld id="{5698A34F-157D-4FC3-B6AE-341A8B909DED}" type="slidenum">
-              <a:rPr lang="en-US" smtClean="0"/>
-              <a:pPr/>
-              <a:t>20</a:t>
             </a:fld>
             <a:endParaRPr lang="en-US" dirty="0"/>
           </a:p>
@@ -9587,6 +8957,414 @@
 </p:sld>
 </file>
 
+<file path=ppt/slides/slide2.xml><?xml version="1.0" encoding="utf-8"?>
+<p:sld xmlns:a="http://schemas.openxmlformats.org/drawingml/2006/main" xmlns:r="http://schemas.openxmlformats.org/officeDocument/2006/relationships" xmlns:p="http://schemas.openxmlformats.org/presentationml/2006/main">
+  <p:cSld>
+    <p:spTree>
+      <p:nvGrpSpPr>
+        <p:cNvPr id="1" name=""/>
+        <p:cNvGrpSpPr/>
+        <p:nvPr/>
+      </p:nvGrpSpPr>
+      <p:grpSpPr>
+        <a:xfrm>
+          <a:off x="0" y="0"/>
+          <a:ext cx="0" cy="0"/>
+          <a:chOff x="0" y="0"/>
+          <a:chExt cx="0" cy="0"/>
+        </a:xfrm>
+      </p:grpSpPr>
+      <p:sp>
+        <p:nvSpPr>
+          <p:cNvPr id="2" name="Title 1"/>
+          <p:cNvSpPr>
+            <a:spLocks noGrp="1"/>
+          </p:cNvSpPr>
+          <p:nvPr>
+            <p:ph type="title"/>
+          </p:nvPr>
+        </p:nvSpPr>
+        <p:spPr/>
+        <p:txBody>
+          <a:bodyPr/>
+          <a:lstStyle/>
+          <a:p>
+            <a:r>
+              <a:rPr lang="en-US" dirty="0" smtClean="0"/>
+              <a:t>Customer API How To</a:t>
+            </a:r>
+            <a:endParaRPr lang="en-US" dirty="0"/>
+          </a:p>
+        </p:txBody>
+      </p:sp>
+      <p:sp>
+        <p:nvSpPr>
+          <p:cNvPr id="3" name="Date Placeholder 2"/>
+          <p:cNvSpPr>
+            <a:spLocks noGrp="1"/>
+          </p:cNvSpPr>
+          <p:nvPr>
+            <p:ph type="dt" sz="half" idx="4294967295"/>
+          </p:nvPr>
+        </p:nvSpPr>
+        <p:spPr>
+          <a:xfrm>
+            <a:off x="0" y="4903788"/>
+            <a:ext cx="1068388" cy="128587"/>
+          </a:xfrm>
+        </p:spPr>
+        <p:txBody>
+          <a:bodyPr/>
+          <a:lstStyle/>
+          <a:p>
+            <a:r>
+              <a:rPr lang="en-US" smtClean="0"/>
+              <a:t>October 21, 2015</a:t>
+            </a:r>
+            <a:endParaRPr lang="en-US" dirty="0" smtClean="0"/>
+          </a:p>
+        </p:txBody>
+      </p:sp>
+      <p:sp>
+        <p:nvSpPr>
+          <p:cNvPr id="4" name="Slide Number Placeholder 3"/>
+          <p:cNvSpPr>
+            <a:spLocks noGrp="1"/>
+          </p:cNvSpPr>
+          <p:nvPr>
+            <p:ph type="sldNum" sz="quarter" idx="4294967295"/>
+          </p:nvPr>
+        </p:nvSpPr>
+        <p:spPr>
+          <a:xfrm>
+            <a:off x="0" y="4903788"/>
+            <a:ext cx="342900" cy="128587"/>
+          </a:xfrm>
+        </p:spPr>
+        <p:txBody>
+          <a:bodyPr/>
+          <a:lstStyle/>
+          <a:p>
+            <a:fld id="{5698A34F-157D-4FC3-B6AE-341A8B909DED}" type="slidenum">
+              <a:rPr lang="en-US" smtClean="0"/>
+              <a:pPr/>
+              <a:t>2</a:t>
+            </a:fld>
+            <a:endParaRPr lang="en-US" dirty="0"/>
+          </a:p>
+        </p:txBody>
+      </p:sp>
+      <p:sp>
+        <p:nvSpPr>
+          <p:cNvPr id="64" name="Text Placeholder 63"/>
+          <p:cNvSpPr>
+            <a:spLocks noGrp="1"/>
+          </p:cNvSpPr>
+          <p:nvPr>
+            <p:ph type="body" sz="quarter" idx="4294967295"/>
+          </p:nvPr>
+        </p:nvSpPr>
+        <p:spPr>
+          <a:xfrm>
+            <a:off x="0" y="19050"/>
+            <a:ext cx="7415213" cy="292100"/>
+          </a:xfrm>
+        </p:spPr>
+        <p:txBody>
+          <a:bodyPr/>
+          <a:lstStyle/>
+          <a:p>
+            <a:endParaRPr lang="en-US" dirty="0" smtClean="0"/>
+          </a:p>
+        </p:txBody>
+      </p:sp>
+    </p:spTree>
+    <p:extLst>
+      <p:ext uri="{BB962C8B-B14F-4D97-AF65-F5344CB8AC3E}">
+        <p14:creationId xmlns:p14="http://schemas.microsoft.com/office/powerpoint/2010/main" val="3183443171"/>
+      </p:ext>
+    </p:extLst>
+  </p:cSld>
+  <p:clrMapOvr>
+    <a:masterClrMapping/>
+  </p:clrMapOvr>
+  <p:timing>
+    <p:tnLst>
+      <p:par>
+        <p:cTn id="1" dur="indefinite" restart="never" nodeType="tmRoot"/>
+      </p:par>
+    </p:tnLst>
+  </p:timing>
+</p:sld>
+</file>
+
+<file path=ppt/slides/slide20.xml><?xml version="1.0" encoding="utf-8"?>
+<p:sld xmlns:a="http://schemas.openxmlformats.org/drawingml/2006/main" xmlns:r="http://schemas.openxmlformats.org/officeDocument/2006/relationships" xmlns:p="http://schemas.openxmlformats.org/presentationml/2006/main">
+  <p:cSld>
+    <p:spTree>
+      <p:nvGrpSpPr>
+        <p:cNvPr id="1" name=""/>
+        <p:cNvGrpSpPr/>
+        <p:nvPr/>
+      </p:nvGrpSpPr>
+      <p:grpSpPr>
+        <a:xfrm>
+          <a:off x="0" y="0"/>
+          <a:ext cx="0" cy="0"/>
+          <a:chOff x="0" y="0"/>
+          <a:chExt cx="0" cy="0"/>
+        </a:xfrm>
+      </p:grpSpPr>
+      <p:sp>
+        <p:nvSpPr>
+          <p:cNvPr id="2" name="Text Placeholder 1"/>
+          <p:cNvSpPr>
+            <a:spLocks noGrp="1"/>
+          </p:cNvSpPr>
+          <p:nvPr>
+            <p:ph type="body" sz="quarter" idx="13"/>
+          </p:nvPr>
+        </p:nvSpPr>
+        <p:spPr>
+          <a:xfrm>
+            <a:off x="274638" y="1402597"/>
+            <a:ext cx="7415212" cy="3221977"/>
+          </a:xfrm>
+        </p:spPr>
+        <p:txBody>
+          <a:bodyPr/>
+          <a:lstStyle/>
+          <a:p>
+            <a:r>
+              <a:rPr lang="en-US" dirty="0" smtClean="0"/>
+              <a:t>Now that you have an </a:t>
+            </a:r>
+            <a:r>
+              <a:rPr lang="en-US" i="1" dirty="0" smtClean="0"/>
+              <a:t>active</a:t>
+            </a:r>
+            <a:r>
+              <a:rPr lang="en-US" dirty="0"/>
+              <a:t> </a:t>
+            </a:r>
+            <a:r>
+              <a:rPr lang="en-US" dirty="0" smtClean="0"/>
+              <a:t>sandbox key, associated with an App, that is approved by MasterCard …</a:t>
+            </a:r>
+          </a:p>
+          <a:p>
+            <a:r>
+              <a:rPr lang="en-US" dirty="0" smtClean="0"/>
+              <a:t>You need to develop a system/application that you can use to access the API that uses the active key.</a:t>
+            </a:r>
+          </a:p>
+          <a:p>
+            <a:r>
+              <a:rPr lang="en-US" dirty="0" smtClean="0"/>
+              <a:t>You also need to use the appropriate sandbox URL:</a:t>
+            </a:r>
+          </a:p>
+          <a:p>
+            <a:pPr lvl="1"/>
+            <a:r>
+              <a:rPr lang="en-US" dirty="0" smtClean="0"/>
+              <a:t>For SpendingPulse™:</a:t>
+            </a:r>
+            <a:br>
+              <a:rPr lang="en-US" dirty="0" smtClean="0"/>
+            </a:br>
+            <a:r>
+              <a:rPr lang="en-US" sz="1600" dirty="0" smtClean="0">
+                <a:hlinkClick r:id="rId2"/>
+              </a:rPr>
+              <a:t>https</a:t>
+            </a:r>
+            <a:r>
+              <a:rPr lang="en-US" sz="1600" dirty="0">
+                <a:hlinkClick r:id="rId2"/>
+              </a:rPr>
+              <a:t>://</a:t>
+            </a:r>
+            <a:r>
+              <a:rPr lang="en-US" sz="1600" dirty="0" smtClean="0">
+                <a:hlinkClick r:id="rId2"/>
+              </a:rPr>
+              <a:t>sandbox.api.mastercard.com/spendingpulse/v1/spulse.svc/subscription</a:t>
+            </a:r>
+            <a:r>
+              <a:rPr lang="en-US" sz="1600" dirty="0" smtClean="0"/>
+              <a:t> </a:t>
+            </a:r>
+            <a:br>
+              <a:rPr lang="en-US" sz="1600" dirty="0" smtClean="0"/>
+            </a:br>
+            <a:endParaRPr lang="en-US" sz="1600" dirty="0" smtClean="0"/>
+          </a:p>
+          <a:p>
+            <a:pPr lvl="1"/>
+            <a:r>
+              <a:rPr lang="en-US" dirty="0" smtClean="0"/>
+              <a:t>For Sector Insights™:</a:t>
+            </a:r>
+            <a:br>
+              <a:rPr lang="en-US" dirty="0" smtClean="0"/>
+            </a:br>
+            <a:r>
+              <a:rPr lang="en-US" sz="1600" dirty="0">
+                <a:hlinkClick r:id="rId3"/>
+              </a:rPr>
+              <a:t>https://</a:t>
+            </a:r>
+            <a:r>
+              <a:rPr lang="en-US" sz="1600" dirty="0" smtClean="0">
+                <a:hlinkClick r:id="rId3"/>
+              </a:rPr>
+              <a:t>sandbox.api.mastercard.com/sectorinsights/v1/sectins.svc/parameters</a:t>
+            </a:r>
+            <a:r>
+              <a:rPr lang="en-US" sz="1600" dirty="0" smtClean="0"/>
+              <a:t> </a:t>
+            </a:r>
+            <a:endParaRPr lang="en-US" sz="1600" dirty="0"/>
+          </a:p>
+        </p:txBody>
+      </p:sp>
+      <p:sp>
+        <p:nvSpPr>
+          <p:cNvPr id="3" name="Date Placeholder 2"/>
+          <p:cNvSpPr>
+            <a:spLocks noGrp="1"/>
+          </p:cNvSpPr>
+          <p:nvPr>
+            <p:ph type="dt" sz="half" idx="10"/>
+          </p:nvPr>
+        </p:nvSpPr>
+        <p:spPr/>
+        <p:txBody>
+          <a:bodyPr/>
+          <a:lstStyle/>
+          <a:p>
+            <a:r>
+              <a:rPr lang="en-US" smtClean="0"/>
+              <a:t>October 21, 2015</a:t>
+            </a:r>
+            <a:endParaRPr lang="en-US" dirty="0" smtClean="0"/>
+          </a:p>
+        </p:txBody>
+      </p:sp>
+      <p:sp>
+        <p:nvSpPr>
+          <p:cNvPr id="4" name="Slide Number Placeholder 3"/>
+          <p:cNvSpPr>
+            <a:spLocks noGrp="1"/>
+          </p:cNvSpPr>
+          <p:nvPr>
+            <p:ph type="sldNum" sz="quarter" idx="11"/>
+          </p:nvPr>
+        </p:nvSpPr>
+        <p:spPr/>
+        <p:txBody>
+          <a:bodyPr/>
+          <a:lstStyle/>
+          <a:p>
+            <a:fld id="{5698A34F-157D-4FC3-B6AE-341A8B909DED}" type="slidenum">
+              <a:rPr lang="en-US" smtClean="0"/>
+              <a:pPr/>
+              <a:t>20</a:t>
+            </a:fld>
+            <a:endParaRPr lang="en-US" dirty="0"/>
+          </a:p>
+        </p:txBody>
+      </p:sp>
+      <p:sp>
+        <p:nvSpPr>
+          <p:cNvPr id="5" name="Footer Placeholder 4"/>
+          <p:cNvSpPr>
+            <a:spLocks noGrp="1"/>
+          </p:cNvSpPr>
+          <p:nvPr>
+            <p:ph type="ftr" sz="quarter" idx="12"/>
+          </p:nvPr>
+        </p:nvSpPr>
+        <p:spPr/>
+        <p:txBody>
+          <a:bodyPr/>
+          <a:lstStyle/>
+          <a:p>
+            <a:endParaRPr lang="en-US" dirty="0"/>
+          </a:p>
+        </p:txBody>
+      </p:sp>
+      <p:sp>
+        <p:nvSpPr>
+          <p:cNvPr id="6" name="Title 5"/>
+          <p:cNvSpPr>
+            <a:spLocks noGrp="1"/>
+          </p:cNvSpPr>
+          <p:nvPr>
+            <p:ph type="title"/>
+          </p:nvPr>
+        </p:nvSpPr>
+        <p:spPr/>
+        <p:txBody>
+          <a:bodyPr/>
+          <a:lstStyle/>
+          <a:p>
+            <a:r>
+              <a:rPr lang="en-US" dirty="0" smtClean="0"/>
+              <a:t>Use the Active Key in Your Code</a:t>
+            </a:r>
+            <a:endParaRPr lang="en-US" dirty="0"/>
+          </a:p>
+        </p:txBody>
+      </p:sp>
+      <p:sp>
+        <p:nvSpPr>
+          <p:cNvPr id="7" name="Text Placeholder 6"/>
+          <p:cNvSpPr>
+            <a:spLocks noGrp="1"/>
+          </p:cNvSpPr>
+          <p:nvPr>
+            <p:ph type="body" sz="quarter" idx="15"/>
+          </p:nvPr>
+        </p:nvSpPr>
+        <p:spPr/>
+        <p:txBody>
+          <a:bodyPr/>
+          <a:lstStyle/>
+          <a:p>
+            <a:r>
+              <a:rPr lang="en-US" dirty="0"/>
+              <a:t>Customer API How </a:t>
+            </a:r>
+            <a:r>
+              <a:rPr lang="en-US" dirty="0" smtClean="0"/>
+              <a:t>To</a:t>
+            </a:r>
+            <a:endParaRPr lang="en-US" dirty="0"/>
+          </a:p>
+        </p:txBody>
+      </p:sp>
+    </p:spTree>
+    <p:extLst>
+      <p:ext uri="{BB962C8B-B14F-4D97-AF65-F5344CB8AC3E}">
+        <p14:creationId xmlns:p14="http://schemas.microsoft.com/office/powerpoint/2010/main" val="3984128008"/>
+      </p:ext>
+    </p:extLst>
+  </p:cSld>
+  <p:clrMapOvr>
+    <a:masterClrMapping/>
+  </p:clrMapOvr>
+  <p:timing>
+    <p:tnLst>
+      <p:par>
+        <p:cTn id="1" dur="indefinite" restart="never" nodeType="tmRoot"/>
+      </p:par>
+    </p:tnLst>
+  </p:timing>
+</p:sld>
+</file>
+
 <file path=ppt/slides/slide21.xml><?xml version="1.0" encoding="utf-8"?>
 <p:sld xmlns:a="http://schemas.openxmlformats.org/drawingml/2006/main" xmlns:r="http://schemas.openxmlformats.org/officeDocument/2006/relationships" xmlns:p="http://schemas.openxmlformats.org/presentationml/2006/main">
   <p:cSld>
@@ -9616,8 +9394,8 @@
         </p:nvSpPr>
         <p:spPr>
           <a:xfrm>
-            <a:off x="274638" y="1402597"/>
-            <a:ext cx="7415212" cy="3221977"/>
+            <a:off x="274638" y="1600199"/>
+            <a:ext cx="5108024" cy="3032124"/>
           </a:xfrm>
         </p:spPr>
         <p:txBody>
@@ -9626,95 +9404,41 @@
           <a:p>
             <a:r>
               <a:rPr lang="en-US" dirty="0" smtClean="0"/>
-              <a:t>Now that you have an </a:t>
+              <a:t>To access the production API you must have a </a:t>
             </a:r>
             <a:r>
               <a:rPr lang="en-US" i="1" dirty="0" smtClean="0"/>
-              <a:t>active</a:t>
-            </a:r>
-            <a:r>
-              <a:rPr lang="en-US" dirty="0"/>
-              <a:t> </a:t>
-            </a:r>
-            <a:r>
-              <a:rPr lang="en-US" dirty="0" smtClean="0"/>
-              <a:t>sandbox key, associated with an App, that is approved by MasterCard …</a:t>
-            </a:r>
-          </a:p>
-          <a:p>
-            <a:r>
-              <a:rPr lang="en-US" dirty="0" smtClean="0"/>
-              <a:t>You need to develop a system/application that you can use to access the API that uses the active key.</a:t>
-            </a:r>
-          </a:p>
-          <a:p>
-            <a:r>
-              <a:rPr lang="en-US" dirty="0" smtClean="0"/>
-              <a:t>You also need to use the appropriate sandbox URL:</a:t>
+              <a:t>production</a:t>
+            </a:r>
+            <a:r>
+              <a:rPr lang="en-US" dirty="0" smtClean="0"/>
+              <a:t> key.</a:t>
             </a:r>
           </a:p>
           <a:p>
             <a:pPr lvl="1"/>
             <a:r>
               <a:rPr lang="en-US" dirty="0" smtClean="0"/>
-              <a:t>For SpendingPulse™:</a:t>
-            </a:r>
-            <a:br>
-              <a:rPr lang="en-US" dirty="0" smtClean="0"/>
-            </a:br>
-            <a:r>
-              <a:rPr lang="en-US" sz="1600" dirty="0" smtClean="0">
-                <a:hlinkClick r:id="rId2"/>
-              </a:rPr>
-              <a:t>https</a:t>
-            </a:r>
-            <a:r>
-              <a:rPr lang="en-US" sz="1600" dirty="0">
-                <a:hlinkClick r:id="rId2"/>
-              </a:rPr>
-              <a:t>://</a:t>
-            </a:r>
-            <a:r>
-              <a:rPr lang="en-US" sz="1600" dirty="0" smtClean="0">
-                <a:hlinkClick r:id="rId2"/>
-              </a:rPr>
-              <a:t>sandbox.api.mastercard.com/spendingpulse/v1/spulse.svc/subscription</a:t>
-            </a:r>
-            <a:r>
-              <a:rPr lang="en-US" sz="1600" dirty="0" smtClean="0"/>
-              <a:t> </a:t>
-            </a:r>
-            <a:br>
-              <a:rPr lang="en-US" sz="1600" dirty="0" smtClean="0"/>
-            </a:br>
-            <a:endParaRPr lang="en-US" sz="1600" dirty="0" smtClean="0"/>
+              <a:t>Review slides 7-14</a:t>
+            </a:r>
           </a:p>
           <a:p>
             <a:pPr lvl="1"/>
             <a:r>
               <a:rPr lang="en-US" dirty="0" smtClean="0"/>
-              <a:t>For Sector Insights™:</a:t>
-            </a:r>
-            <a:br>
-              <a:rPr lang="en-US" dirty="0" smtClean="0"/>
-            </a:br>
-            <a:r>
-              <a:rPr lang="en-US" sz="1600" dirty="0">
-                <a:hlinkClick r:id="rId3"/>
-              </a:rPr>
-              <a:t>https://</a:t>
-            </a:r>
-            <a:r>
-              <a:rPr lang="en-US" sz="1600" dirty="0" smtClean="0">
-                <a:hlinkClick r:id="rId3"/>
-              </a:rPr>
-              <a:t>sandbox.api.mastercard.com/sectorinsights/v1/sectins.svc/parameters</a:t>
-            </a:r>
-            <a:r>
-              <a:rPr lang="en-US" sz="1600" dirty="0" smtClean="0"/>
-              <a:t> </a:t>
-            </a:r>
-            <a:endParaRPr lang="en-US" sz="1600" dirty="0"/>
+              <a:t>Generate a new key (see slides 9-10)</a:t>
+            </a:r>
+          </a:p>
+          <a:p>
+            <a:pPr lvl="1"/>
+            <a:r>
+              <a:rPr lang="en-US" dirty="0" smtClean="0"/>
+              <a:t>In the “Add a Key” dialogue (see slide 11) choose “Production”</a:t>
+            </a:r>
+          </a:p>
+          <a:p>
+            <a:pPr lvl="1"/>
+            <a:endParaRPr lang="en-US" dirty="0"/>
           </a:p>
         </p:txBody>
       </p:sp>
@@ -9801,7 +9525,7 @@
           <a:p>
             <a:r>
               <a:rPr lang="en-US" dirty="0" smtClean="0"/>
-              <a:t>Use the Active Key in Your Code</a:t>
+              <a:t>Production API (1)</a:t>
             </a:r>
             <a:endParaRPr lang="en-US" dirty="0"/>
           </a:p>
@@ -9823,21 +9547,104 @@
           <a:lstStyle/>
           <a:p>
             <a:r>
-              <a:rPr lang="en-US" dirty="0"/>
-              <a:t>Customer API How </a:t>
-            </a:r>
-            <a:r>
-              <a:rPr lang="en-US" dirty="0" smtClean="0"/>
-              <a:t>To</a:t>
-            </a:r>
-            <a:endParaRPr lang="en-US" dirty="0"/>
+              <a:rPr lang="en-US" dirty="0" smtClean="0"/>
+              <a:t>Customer API How To</a:t>
+            </a:r>
+            <a:endParaRPr lang="en-US" dirty="0"/>
+          </a:p>
+        </p:txBody>
+      </p:sp>
+      <p:pic>
+        <p:nvPicPr>
+          <p:cNvPr id="8" name="Picture 7"/>
+          <p:cNvPicPr>
+            <a:picLocks noChangeAspect="1"/>
+          </p:cNvPicPr>
+          <p:nvPr/>
+        </p:nvPicPr>
+        <p:blipFill>
+          <a:blip r:embed="rId2"/>
+          <a:stretch>
+            <a:fillRect/>
+          </a:stretch>
+        </p:blipFill>
+        <p:spPr>
+          <a:xfrm>
+            <a:off x="5376484" y="2357057"/>
+            <a:ext cx="3611821" cy="2268223"/>
+          </a:xfrm>
+          <a:prstGeom prst="rect">
+            <a:avLst/>
+          </a:prstGeom>
+        </p:spPr>
+      </p:pic>
+      <p:sp>
+        <p:nvSpPr>
+          <p:cNvPr id="9" name="Right Arrow 8"/>
+          <p:cNvSpPr/>
+          <p:nvPr/>
+        </p:nvSpPr>
+        <p:spPr bwMode="gray">
+          <a:xfrm>
+            <a:off x="2866212" y="3145414"/>
+            <a:ext cx="3148508" cy="92985"/>
+          </a:xfrm>
+          <a:prstGeom prst="rightArrow">
+            <a:avLst/>
+          </a:prstGeom>
+          <a:solidFill>
+            <a:schemeClr val="accent1"/>
+          </a:solidFill>
+          <a:ln w="9525" cap="flat" cmpd="sng" algn="ctr">
+            <a:noFill/>
+            <a:prstDash val="solid"/>
+            <a:round/>
+            <a:headEnd type="none" w="med" len="med"/>
+            <a:tailEnd type="none" w="med" len="med"/>
+          </a:ln>
+          <a:effectLst/>
+        </p:spPr>
+        <p:txBody>
+          <a:bodyPr vert="horz" wrap="square" lIns="91440" tIns="45720" rIns="91440" bIns="45720" numCol="1" rtlCol="0" anchor="ctr" anchorCtr="0" compatLnSpc="1">
+            <a:prstTxWarp prst="textNoShape">
+              <a:avLst/>
+            </a:prstTxWarp>
+          </a:bodyPr>
+          <a:lstStyle/>
+          <a:p>
+            <a:pPr marL="0" marR="0" indent="0" algn="l" defTabSz="914400" rtl="0" eaLnBrk="1" fontAlgn="base" latinLnBrk="0" hangingPunct="1">
+              <a:lnSpc>
+                <a:spcPct val="100000"/>
+              </a:lnSpc>
+              <a:spcBef>
+                <a:spcPct val="0"/>
+              </a:spcBef>
+              <a:spcAft>
+                <a:spcPct val="0"/>
+              </a:spcAft>
+              <a:buClrTx/>
+              <a:buSzTx/>
+              <a:buFontTx/>
+              <a:buNone/>
+              <a:tabLst/>
+            </a:pPr>
+            <a:endParaRPr kumimoji="0" lang="en-US" sz="2000" b="0" i="0" u="none" strike="noStrike" cap="none" normalizeH="0" baseline="0" dirty="0" smtClean="0">
+              <a:ln>
+                <a:noFill/>
+              </a:ln>
+              <a:solidFill>
+                <a:schemeClr val="bg1"/>
+              </a:solidFill>
+              <a:effectLst/>
+              <a:latin typeface="Arial" pitchFamily="2" charset="0"/>
+            </a:endParaRPr>
           </a:p>
         </p:txBody>
       </p:sp>
     </p:spTree>
     <p:extLst>
       <p:ext uri="{BB962C8B-B14F-4D97-AF65-F5344CB8AC3E}">
-        <p14:creationId xmlns:p14="http://schemas.microsoft.com/office/powerpoint/2010/main" val="3984128008"/>
+        <p14:creationId xmlns:p14="http://schemas.microsoft.com/office/powerpoint/2010/main" val="72586017"/>
       </p:ext>
     </p:extLst>
   </p:cSld>
@@ -9884,7 +9691,7 @@
         <p:spPr>
           <a:xfrm>
             <a:off x="274638" y="1600199"/>
-            <a:ext cx="5108024" cy="3032124"/>
+            <a:ext cx="3858789" cy="3032124"/>
           </a:xfrm>
         </p:spPr>
         <p:txBody>
@@ -9893,36 +9700,22 @@
           <a:p>
             <a:r>
               <a:rPr lang="en-US" dirty="0" smtClean="0"/>
-              <a:t>To access the production API you must have a </a:t>
-            </a:r>
-            <a:r>
-              <a:rPr lang="en-US" i="1" dirty="0" smtClean="0"/>
-              <a:t>production</a:t>
-            </a:r>
-            <a:r>
-              <a:rPr lang="en-US" dirty="0" smtClean="0"/>
-              <a:t> key.</a:t>
-            </a:r>
-          </a:p>
-          <a:p>
-            <a:pPr lvl="1"/>
-            <a:r>
-              <a:rPr lang="en-US" dirty="0" smtClean="0"/>
-              <a:t>Review slides 7-14</a:t>
-            </a:r>
-          </a:p>
-          <a:p>
-            <a:pPr lvl="1"/>
-            <a:r>
-              <a:rPr lang="en-US" dirty="0" smtClean="0"/>
-              <a:t>Generate a new key (see slides 9-10)</a:t>
-            </a:r>
-          </a:p>
-          <a:p>
-            <a:pPr lvl="1"/>
-            <a:r>
-              <a:rPr lang="en-US" dirty="0" smtClean="0"/>
-              <a:t>In the “Add a Key” dialogue (see slide 11) choose “Production”</a:t>
+              <a:t>You may create a new App or use any existing App in order to associate the new production key with the App.</a:t>
+            </a:r>
+          </a:p>
+          <a:p>
+            <a:r>
+              <a:rPr lang="en-US" dirty="0" smtClean="0"/>
+              <a:t>In this example, the existing App (from slides 18-19) was used.</a:t>
+            </a:r>
+          </a:p>
+          <a:p>
+            <a:endParaRPr lang="en-US" dirty="0"/>
+          </a:p>
+          <a:p>
+            <a:r>
+              <a:rPr lang="en-US" dirty="0" smtClean="0"/>
+              <a:t>Note: this App is still associated with the sandbox key.</a:t>
             </a:r>
           </a:p>
           <a:p>
@@ -10014,7 +9807,7 @@
           <a:p>
             <a:r>
               <a:rPr lang="en-US" dirty="0" smtClean="0"/>
-              <a:t>Production API (1)</a:t>
+              <a:t>Production API (2)</a:t>
             </a:r>
             <a:endParaRPr lang="en-US" dirty="0"/>
           </a:p>
@@ -10045,7 +9838,7 @@
       </p:sp>
       <p:pic>
         <p:nvPicPr>
-          <p:cNvPr id="8" name="Picture 7"/>
+          <p:cNvPr id="10" name="Picture 9"/>
           <p:cNvPicPr>
             <a:picLocks noChangeAspect="1"/>
           </p:cNvPicPr>
@@ -10059,8 +9852,8 @@
         </p:blipFill>
         <p:spPr>
           <a:xfrm>
-            <a:off x="5376484" y="2357057"/>
-            <a:ext cx="3611821" cy="2268223"/>
+            <a:off x="4201160" y="1006348"/>
+            <a:ext cx="4712547" cy="3250586"/>
           </a:xfrm>
           <a:prstGeom prst="rect">
             <a:avLst/>
@@ -10069,14 +9862,14 @@
       </p:pic>
       <p:sp>
         <p:nvSpPr>
-          <p:cNvPr id="9" name="Right Arrow 8"/>
+          <p:cNvPr id="11" name="Right Arrow 10"/>
           <p:cNvSpPr/>
           <p:nvPr/>
         </p:nvSpPr>
         <p:spPr bwMode="gray">
           <a:xfrm>
-            <a:off x="2866212" y="3145414"/>
-            <a:ext cx="3148508" cy="92985"/>
+            <a:off x="2011680" y="3311427"/>
+            <a:ext cx="3174734" cy="92985"/>
           </a:xfrm>
           <a:prstGeom prst="rightArrow">
             <a:avLst/>
@@ -10133,7 +9926,7 @@
     </p:spTree>
     <p:extLst>
       <p:ext uri="{BB962C8B-B14F-4D97-AF65-F5344CB8AC3E}">
-        <p14:creationId xmlns:p14="http://schemas.microsoft.com/office/powerpoint/2010/main" val="72586017"/>
+        <p14:creationId xmlns:p14="http://schemas.microsoft.com/office/powerpoint/2010/main" val="270153099"/>
       </p:ext>
     </p:extLst>
   </p:cSld>
@@ -10189,26 +9982,20 @@
           <a:p>
             <a:r>
               <a:rPr lang="en-US" dirty="0" smtClean="0"/>
-              <a:t>You may create a new App or use any existing App in order to associate the new production key with the App.</a:t>
-            </a:r>
-          </a:p>
-          <a:p>
-            <a:r>
-              <a:rPr lang="en-US" dirty="0" smtClean="0"/>
-              <a:t>In this example, the existing App (from slides 18-19) was used.</a:t>
-            </a:r>
-          </a:p>
-          <a:p>
-            <a:endParaRPr lang="en-US" dirty="0"/>
-          </a:p>
-          <a:p>
-            <a:r>
-              <a:rPr lang="en-US" dirty="0" smtClean="0"/>
-              <a:t>Note: this App is still associated with the sandbox key.</a:t>
-            </a:r>
-          </a:p>
-          <a:p>
-            <a:pPr lvl="1"/>
+              <a:t>You will receive an email verifying that the key is now available.</a:t>
+            </a:r>
+          </a:p>
+          <a:p>
+            <a:r>
+              <a:rPr lang="en-US" dirty="0" smtClean="0"/>
+              <a:t>As that email states, however, there is a further step you must take in order to access production data.</a:t>
+            </a:r>
+          </a:p>
+          <a:p>
+            <a:r>
+              <a:rPr lang="en-US" dirty="0" smtClean="0"/>
+              <a:t>Click “Add Prod Service”</a:t>
+            </a:r>
             <a:endParaRPr lang="en-US" dirty="0"/>
           </a:p>
         </p:txBody>
@@ -10296,7 +10083,7 @@
           <a:p>
             <a:r>
               <a:rPr lang="en-US" dirty="0" smtClean="0"/>
-              <a:t>Production API (2)</a:t>
+              <a:t>Production API (3)</a:t>
             </a:r>
             <a:endParaRPr lang="en-US" dirty="0"/>
           </a:p>
@@ -10356,9 +10143,9 @@
           <p:nvPr/>
         </p:nvSpPr>
         <p:spPr bwMode="gray">
-          <a:xfrm>
-            <a:off x="2011680" y="3311427"/>
-            <a:ext cx="3174734" cy="92985"/>
+          <a:xfrm rot="19638458">
+            <a:off x="2824430" y="2692861"/>
+            <a:ext cx="3638329" cy="87171"/>
           </a:xfrm>
           <a:prstGeom prst="rightArrow">
             <a:avLst/>
@@ -10415,7 +10202,7 @@
     </p:spTree>
     <p:extLst>
       <p:ext uri="{BB962C8B-B14F-4D97-AF65-F5344CB8AC3E}">
-        <p14:creationId xmlns:p14="http://schemas.microsoft.com/office/powerpoint/2010/main" val="270153099"/>
+        <p14:creationId xmlns:p14="http://schemas.microsoft.com/office/powerpoint/2010/main" val="1440313063"/>
       </p:ext>
     </p:extLst>
   </p:cSld>
@@ -10462,7 +10249,7 @@
         <p:spPr>
           <a:xfrm>
             <a:off x="274638" y="1600199"/>
-            <a:ext cx="3858789" cy="3032124"/>
+            <a:ext cx="5191435" cy="3032124"/>
           </a:xfrm>
         </p:spPr>
         <p:txBody>
@@ -10471,19 +10258,19 @@
           <a:p>
             <a:r>
               <a:rPr lang="en-US" dirty="0" smtClean="0"/>
-              <a:t>You will receive an email verifying that the key is now available.</a:t>
-            </a:r>
-          </a:p>
-          <a:p>
-            <a:r>
-              <a:rPr lang="en-US" dirty="0" smtClean="0"/>
-              <a:t>As that email states, however, there is a further step you must take in order to access production data.</a:t>
-            </a:r>
-          </a:p>
-          <a:p>
-            <a:r>
-              <a:rPr lang="en-US" dirty="0" smtClean="0"/>
-              <a:t>Click “Add Prod Service”</a:t>
+              <a:t>If you have not yet completed your profile, you will now be prompted to complete it.</a:t>
+            </a:r>
+          </a:p>
+          <a:p>
+            <a:r>
+              <a:rPr lang="en-US" dirty="0" smtClean="0"/>
+              <a:t>Click “Submit” and the “Production Service Request” dialogue is displayed. Scroll down and choose either “Sector Insights” or “SpendingPulse”.</a:t>
+            </a:r>
+          </a:p>
+          <a:p>
+            <a:r>
+              <a:rPr lang="en-US" dirty="0" smtClean="0"/>
+              <a:t>Click “Next”</a:t>
             </a:r>
             <a:endParaRPr lang="en-US" dirty="0"/>
           </a:p>
@@ -10572,7 +10359,7 @@
           <a:p>
             <a:r>
               <a:rPr lang="en-US" dirty="0" smtClean="0"/>
-              <a:t>Production API (3)</a:t>
+              <a:t>Production API (4)</a:t>
             </a:r>
             <a:endParaRPr lang="en-US" dirty="0"/>
           </a:p>
@@ -10603,7 +10390,7 @@
       </p:sp>
       <p:pic>
         <p:nvPicPr>
-          <p:cNvPr id="10" name="Picture 9"/>
+          <p:cNvPr id="8" name="Picture 7"/>
           <p:cNvPicPr>
             <a:picLocks noChangeAspect="1"/>
           </p:cNvPicPr>
@@ -10617,8 +10404,8 @@
         </p:blipFill>
         <p:spPr>
           <a:xfrm>
-            <a:off x="4201160" y="1006348"/>
-            <a:ext cx="4712547" cy="3250586"/>
+            <a:off x="5466073" y="327100"/>
+            <a:ext cx="3018789" cy="2004196"/>
           </a:xfrm>
           <a:prstGeom prst="rect">
             <a:avLst/>
@@ -10627,14 +10414,14 @@
       </p:pic>
       <p:sp>
         <p:nvSpPr>
-          <p:cNvPr id="11" name="Right Arrow 10"/>
+          <p:cNvPr id="12" name="Right Arrow 11"/>
           <p:cNvSpPr/>
           <p:nvPr/>
         </p:nvSpPr>
         <p:spPr bwMode="gray">
-          <a:xfrm rot="19638458">
-            <a:off x="2824430" y="2692861"/>
-            <a:ext cx="3638329" cy="87171"/>
+          <a:xfrm>
+            <a:off x="4907492" y="2015879"/>
+            <a:ext cx="822748" cy="92985"/>
           </a:xfrm>
           <a:prstGeom prst="rightArrow">
             <a:avLst/>
@@ -10688,10 +10475,97 @@
           </a:p>
         </p:txBody>
       </p:sp>
+      <p:pic>
+        <p:nvPicPr>
+          <p:cNvPr id="14" name="Picture 13"/>
+          <p:cNvPicPr>
+            <a:picLocks noChangeAspect="1"/>
+          </p:cNvPicPr>
+          <p:nvPr/>
+        </p:nvPicPr>
+        <p:blipFill>
+          <a:blip r:embed="rId3"/>
+          <a:stretch>
+            <a:fillRect/>
+          </a:stretch>
+        </p:blipFill>
+        <p:spPr>
+          <a:xfrm>
+            <a:off x="5466073" y="2621173"/>
+            <a:ext cx="2530136" cy="2084832"/>
+          </a:xfrm>
+          <a:prstGeom prst="rect">
+            <a:avLst/>
+          </a:prstGeom>
+        </p:spPr>
+      </p:pic>
+      <p:sp>
+        <p:nvSpPr>
+          <p:cNvPr id="13" name="Right Arrow 12"/>
+          <p:cNvSpPr/>
+          <p:nvPr/>
+        </p:nvSpPr>
+        <p:spPr bwMode="gray">
+          <a:xfrm rot="2497576">
+            <a:off x="4337743" y="3354320"/>
+            <a:ext cx="1460315" cy="85807"/>
+          </a:xfrm>
+          <a:prstGeom prst="rightArrow">
+            <a:avLst/>
+          </a:prstGeom>
+          <a:solidFill>
+            <a:schemeClr val="accent1"/>
+          </a:solidFill>
+          <a:ln w="9525" cap="flat" cmpd="sng" algn="ctr">
+            <a:noFill/>
+            <a:prstDash val="solid"/>
+            <a:round/>
+            <a:headEnd type="none" w="med" len="med"/>
+            <a:tailEnd type="none" w="med" len="med"/>
+          </a:ln>
+          <a:effectLst/>
+        </p:spPr>
+        <p:txBody>
+          <a:bodyPr vert="horz" wrap="square" lIns="91440" tIns="45720" rIns="91440" bIns="45720" numCol="1" rtlCol="0" anchor="ctr" anchorCtr="0" compatLnSpc="1">
+            <a:prstTxWarp prst="textNoShape">
+              <a:avLst/>
+            </a:prstTxWarp>
+          </a:bodyPr>
+          <a:lstStyle/>
+          <a:p>
+            <a:pPr marL="0" marR="0" indent="0" algn="l" defTabSz="914400" rtl="0" eaLnBrk="1" fontAlgn="base" latinLnBrk="0" hangingPunct="1">
+              <a:lnSpc>
+                <a:spcPct val="100000"/>
+              </a:lnSpc>
+              <a:spcBef>
+                <a:spcPct val="0"/>
+              </a:spcBef>
+              <a:spcAft>
+                <a:spcPct val="0"/>
+              </a:spcAft>
+              <a:buClrTx/>
+              <a:buSzTx/>
+              <a:buFontTx/>
+              <a:buNone/>
+              <a:tabLst/>
+            </a:pPr>
+            <a:endParaRPr kumimoji="0" lang="en-US" sz="2000" b="0" i="0" u="none" strike="noStrike" cap="none" normalizeH="0" baseline="0" dirty="0" smtClean="0">
+              <a:ln>
+                <a:noFill/>
+              </a:ln>
+              <a:solidFill>
+                <a:schemeClr val="bg1"/>
+              </a:solidFill>
+              <a:effectLst/>
+              <a:latin typeface="Arial" pitchFamily="2" charset="0"/>
+            </a:endParaRPr>
+          </a:p>
+        </p:txBody>
+      </p:sp>
     </p:spTree>
     <p:extLst>
       <p:ext uri="{BB962C8B-B14F-4D97-AF65-F5344CB8AC3E}">
-        <p14:creationId xmlns:p14="http://schemas.microsoft.com/office/powerpoint/2010/main" val="1440313063"/>
+        <p14:creationId xmlns:p14="http://schemas.microsoft.com/office/powerpoint/2010/main" val="979097041"/>
       </p:ext>
     </p:extLst>
   </p:cSld>
@@ -10747,19 +10621,22 @@
           <a:p>
             <a:r>
               <a:rPr lang="en-US" dirty="0" smtClean="0"/>
-              <a:t>If you have not yet completed your profile, you will now be prompted to complete it.</a:t>
-            </a:r>
-          </a:p>
-          <a:p>
-            <a:r>
-              <a:rPr lang="en-US" dirty="0" smtClean="0"/>
-              <a:t>Click “Submit” and the “Production Service Request” dialogue is displayed. Scroll down and choose either “Sector Insights” or “SpendingPulse”.</a:t>
-            </a:r>
-          </a:p>
-          <a:p>
-            <a:r>
-              <a:rPr lang="en-US" dirty="0" smtClean="0"/>
-              <a:t>Click “Next”</a:t>
+              <a:t>You are prompted to certify that you have read and agreed to the Sector Insights™ or SpendingPulse™ Terms and Conditions.</a:t>
+            </a:r>
+          </a:p>
+          <a:p>
+            <a:endParaRPr lang="en-US" dirty="0"/>
+          </a:p>
+          <a:p>
+            <a:r>
+              <a:rPr lang="en-US" dirty="0" smtClean="0"/>
+              <a:t>Click “Submit” and your production request is queued for review and approval by MasterCard. </a:t>
+            </a:r>
+          </a:p>
+          <a:p>
+            <a:r>
+              <a:rPr lang="en-US" dirty="0" smtClean="0"/>
+              <a:t>The response to your request is sent to the email address you have on file in the API.</a:t>
             </a:r>
             <a:endParaRPr lang="en-US" dirty="0"/>
           </a:p>
@@ -10807,372 +10684,6 @@
               <a:rPr lang="en-US" smtClean="0"/>
               <a:pPr/>
               <a:t>25</a:t>
-            </a:fld>
-            <a:endParaRPr lang="en-US" dirty="0"/>
-          </a:p>
-        </p:txBody>
-      </p:sp>
-      <p:sp>
-        <p:nvSpPr>
-          <p:cNvPr id="5" name="Footer Placeholder 4"/>
-          <p:cNvSpPr>
-            <a:spLocks noGrp="1"/>
-          </p:cNvSpPr>
-          <p:nvPr>
-            <p:ph type="ftr" sz="quarter" idx="12"/>
-          </p:nvPr>
-        </p:nvSpPr>
-        <p:spPr/>
-        <p:txBody>
-          <a:bodyPr/>
-          <a:lstStyle/>
-          <a:p>
-            <a:endParaRPr lang="en-US" dirty="0"/>
-          </a:p>
-        </p:txBody>
-      </p:sp>
-      <p:sp>
-        <p:nvSpPr>
-          <p:cNvPr id="6" name="Title 5"/>
-          <p:cNvSpPr>
-            <a:spLocks noGrp="1"/>
-          </p:cNvSpPr>
-          <p:nvPr>
-            <p:ph type="title"/>
-          </p:nvPr>
-        </p:nvSpPr>
-        <p:spPr/>
-        <p:txBody>
-          <a:bodyPr/>
-          <a:lstStyle/>
-          <a:p>
-            <a:r>
-              <a:rPr lang="en-US" dirty="0" smtClean="0"/>
-              <a:t>Production API (4)</a:t>
-            </a:r>
-            <a:endParaRPr lang="en-US" dirty="0"/>
-          </a:p>
-        </p:txBody>
-      </p:sp>
-      <p:sp>
-        <p:nvSpPr>
-          <p:cNvPr id="7" name="Text Placeholder 6"/>
-          <p:cNvSpPr>
-            <a:spLocks noGrp="1"/>
-          </p:cNvSpPr>
-          <p:nvPr>
-            <p:ph type="body" sz="quarter" idx="15"/>
-          </p:nvPr>
-        </p:nvSpPr>
-        <p:spPr/>
-        <p:txBody>
-          <a:bodyPr/>
-          <a:lstStyle/>
-          <a:p>
-            <a:r>
-              <a:rPr lang="en-US" dirty="0" smtClean="0"/>
-              <a:t>Customer API How To</a:t>
-            </a:r>
-            <a:endParaRPr lang="en-US" dirty="0"/>
-          </a:p>
-        </p:txBody>
-      </p:sp>
-      <p:pic>
-        <p:nvPicPr>
-          <p:cNvPr id="8" name="Picture 7"/>
-          <p:cNvPicPr>
-            <a:picLocks noChangeAspect="1"/>
-          </p:cNvPicPr>
-          <p:nvPr/>
-        </p:nvPicPr>
-        <p:blipFill>
-          <a:blip r:embed="rId2"/>
-          <a:stretch>
-            <a:fillRect/>
-          </a:stretch>
-        </p:blipFill>
-        <p:spPr>
-          <a:xfrm>
-            <a:off x="5466073" y="327100"/>
-            <a:ext cx="3018789" cy="2004196"/>
-          </a:xfrm>
-          <a:prstGeom prst="rect">
-            <a:avLst/>
-          </a:prstGeom>
-        </p:spPr>
-      </p:pic>
-      <p:sp>
-        <p:nvSpPr>
-          <p:cNvPr id="12" name="Right Arrow 11"/>
-          <p:cNvSpPr/>
-          <p:nvPr/>
-        </p:nvSpPr>
-        <p:spPr bwMode="gray">
-          <a:xfrm>
-            <a:off x="4907492" y="2015879"/>
-            <a:ext cx="822748" cy="92985"/>
-          </a:xfrm>
-          <a:prstGeom prst="rightArrow">
-            <a:avLst/>
-          </a:prstGeom>
-          <a:solidFill>
-            <a:schemeClr val="accent1"/>
-          </a:solidFill>
-          <a:ln w="9525" cap="flat" cmpd="sng" algn="ctr">
-            <a:noFill/>
-            <a:prstDash val="solid"/>
-            <a:round/>
-            <a:headEnd type="none" w="med" len="med"/>
-            <a:tailEnd type="none" w="med" len="med"/>
-          </a:ln>
-          <a:effectLst/>
-        </p:spPr>
-        <p:txBody>
-          <a:bodyPr vert="horz" wrap="square" lIns="91440" tIns="45720" rIns="91440" bIns="45720" numCol="1" rtlCol="0" anchor="ctr" anchorCtr="0" compatLnSpc="1">
-            <a:prstTxWarp prst="textNoShape">
-              <a:avLst/>
-            </a:prstTxWarp>
-          </a:bodyPr>
-          <a:lstStyle/>
-          <a:p>
-            <a:pPr marL="0" marR="0" indent="0" algn="l" defTabSz="914400" rtl="0" eaLnBrk="1" fontAlgn="base" latinLnBrk="0" hangingPunct="1">
-              <a:lnSpc>
-                <a:spcPct val="100000"/>
-              </a:lnSpc>
-              <a:spcBef>
-                <a:spcPct val="0"/>
-              </a:spcBef>
-              <a:spcAft>
-                <a:spcPct val="0"/>
-              </a:spcAft>
-              <a:buClrTx/>
-              <a:buSzTx/>
-              <a:buFontTx/>
-              <a:buNone/>
-              <a:tabLst/>
-            </a:pPr>
-            <a:endParaRPr kumimoji="0" lang="en-US" sz="2000" b="0" i="0" u="none" strike="noStrike" cap="none" normalizeH="0" baseline="0" dirty="0" smtClean="0">
-              <a:ln>
-                <a:noFill/>
-              </a:ln>
-              <a:solidFill>
-                <a:schemeClr val="bg1"/>
-              </a:solidFill>
-              <a:effectLst/>
-              <a:latin typeface="Arial" pitchFamily="2" charset="0"/>
-            </a:endParaRPr>
-          </a:p>
-        </p:txBody>
-      </p:sp>
-      <p:pic>
-        <p:nvPicPr>
-          <p:cNvPr id="14" name="Picture 13"/>
-          <p:cNvPicPr>
-            <a:picLocks noChangeAspect="1"/>
-          </p:cNvPicPr>
-          <p:nvPr/>
-        </p:nvPicPr>
-        <p:blipFill>
-          <a:blip r:embed="rId3"/>
-          <a:stretch>
-            <a:fillRect/>
-          </a:stretch>
-        </p:blipFill>
-        <p:spPr>
-          <a:xfrm>
-            <a:off x="5466073" y="2621173"/>
-            <a:ext cx="2530136" cy="2084832"/>
-          </a:xfrm>
-          <a:prstGeom prst="rect">
-            <a:avLst/>
-          </a:prstGeom>
-        </p:spPr>
-      </p:pic>
-      <p:sp>
-        <p:nvSpPr>
-          <p:cNvPr id="13" name="Right Arrow 12"/>
-          <p:cNvSpPr/>
-          <p:nvPr/>
-        </p:nvSpPr>
-        <p:spPr bwMode="gray">
-          <a:xfrm rot="2497576">
-            <a:off x="4337743" y="3354320"/>
-            <a:ext cx="1460315" cy="85807"/>
-          </a:xfrm>
-          <a:prstGeom prst="rightArrow">
-            <a:avLst/>
-          </a:prstGeom>
-          <a:solidFill>
-            <a:schemeClr val="accent1"/>
-          </a:solidFill>
-          <a:ln w="9525" cap="flat" cmpd="sng" algn="ctr">
-            <a:noFill/>
-            <a:prstDash val="solid"/>
-            <a:round/>
-            <a:headEnd type="none" w="med" len="med"/>
-            <a:tailEnd type="none" w="med" len="med"/>
-          </a:ln>
-          <a:effectLst/>
-        </p:spPr>
-        <p:txBody>
-          <a:bodyPr vert="horz" wrap="square" lIns="91440" tIns="45720" rIns="91440" bIns="45720" numCol="1" rtlCol="0" anchor="ctr" anchorCtr="0" compatLnSpc="1">
-            <a:prstTxWarp prst="textNoShape">
-              <a:avLst/>
-            </a:prstTxWarp>
-          </a:bodyPr>
-          <a:lstStyle/>
-          <a:p>
-            <a:pPr marL="0" marR="0" indent="0" algn="l" defTabSz="914400" rtl="0" eaLnBrk="1" fontAlgn="base" latinLnBrk="0" hangingPunct="1">
-              <a:lnSpc>
-                <a:spcPct val="100000"/>
-              </a:lnSpc>
-              <a:spcBef>
-                <a:spcPct val="0"/>
-              </a:spcBef>
-              <a:spcAft>
-                <a:spcPct val="0"/>
-              </a:spcAft>
-              <a:buClrTx/>
-              <a:buSzTx/>
-              <a:buFontTx/>
-              <a:buNone/>
-              <a:tabLst/>
-            </a:pPr>
-            <a:endParaRPr kumimoji="0" lang="en-US" sz="2000" b="0" i="0" u="none" strike="noStrike" cap="none" normalizeH="0" baseline="0" dirty="0" smtClean="0">
-              <a:ln>
-                <a:noFill/>
-              </a:ln>
-              <a:solidFill>
-                <a:schemeClr val="bg1"/>
-              </a:solidFill>
-              <a:effectLst/>
-              <a:latin typeface="Arial" pitchFamily="2" charset="0"/>
-            </a:endParaRPr>
-          </a:p>
-        </p:txBody>
-      </p:sp>
-    </p:spTree>
-    <p:extLst>
-      <p:ext uri="{BB962C8B-B14F-4D97-AF65-F5344CB8AC3E}">
-        <p14:creationId xmlns:p14="http://schemas.microsoft.com/office/powerpoint/2010/main" val="979097041"/>
-      </p:ext>
-    </p:extLst>
-  </p:cSld>
-  <p:clrMapOvr>
-    <a:masterClrMapping/>
-  </p:clrMapOvr>
-  <p:timing>
-    <p:tnLst>
-      <p:par>
-        <p:cTn id="1" dur="indefinite" restart="never" nodeType="tmRoot"/>
-      </p:par>
-    </p:tnLst>
-  </p:timing>
-</p:sld>
-</file>
-
-<file path=ppt/slides/slide26.xml><?xml version="1.0" encoding="utf-8"?>
-<p:sld xmlns:a="http://schemas.openxmlformats.org/drawingml/2006/main" xmlns:r="http://schemas.openxmlformats.org/officeDocument/2006/relationships" xmlns:p="http://schemas.openxmlformats.org/presentationml/2006/main">
-  <p:cSld>
-    <p:spTree>
-      <p:nvGrpSpPr>
-        <p:cNvPr id="1" name=""/>
-        <p:cNvGrpSpPr/>
-        <p:nvPr/>
-      </p:nvGrpSpPr>
-      <p:grpSpPr>
-        <a:xfrm>
-          <a:off x="0" y="0"/>
-          <a:ext cx="0" cy="0"/>
-          <a:chOff x="0" y="0"/>
-          <a:chExt cx="0" cy="0"/>
-        </a:xfrm>
-      </p:grpSpPr>
-      <p:sp>
-        <p:nvSpPr>
-          <p:cNvPr id="2" name="Text Placeholder 1"/>
-          <p:cNvSpPr>
-            <a:spLocks noGrp="1"/>
-          </p:cNvSpPr>
-          <p:nvPr>
-            <p:ph type="body" sz="quarter" idx="13"/>
-          </p:nvPr>
-        </p:nvSpPr>
-        <p:spPr>
-          <a:xfrm>
-            <a:off x="274638" y="1600199"/>
-            <a:ext cx="5191435" cy="3032124"/>
-          </a:xfrm>
-        </p:spPr>
-        <p:txBody>
-          <a:bodyPr/>
-          <a:lstStyle/>
-          <a:p>
-            <a:r>
-              <a:rPr lang="en-US" dirty="0" smtClean="0"/>
-              <a:t>You are prompted to certify that you have read and agreed to the Sector Insights™ or SpendingPulse™ Terms and Conditions.</a:t>
-            </a:r>
-          </a:p>
-          <a:p>
-            <a:endParaRPr lang="en-US" dirty="0"/>
-          </a:p>
-          <a:p>
-            <a:r>
-              <a:rPr lang="en-US" dirty="0" smtClean="0"/>
-              <a:t>Click “Submit” and your production request is queued for review and approval by MasterCard. </a:t>
-            </a:r>
-          </a:p>
-          <a:p>
-            <a:r>
-              <a:rPr lang="en-US" dirty="0" smtClean="0"/>
-              <a:t>The response to your request is sent to the email address you have on file in the API.</a:t>
-            </a:r>
-            <a:endParaRPr lang="en-US" dirty="0"/>
-          </a:p>
-        </p:txBody>
-      </p:sp>
-      <p:sp>
-        <p:nvSpPr>
-          <p:cNvPr id="3" name="Date Placeholder 2"/>
-          <p:cNvSpPr>
-            <a:spLocks noGrp="1"/>
-          </p:cNvSpPr>
-          <p:nvPr>
-            <p:ph type="dt" sz="half" idx="10"/>
-          </p:nvPr>
-        </p:nvSpPr>
-        <p:spPr/>
-        <p:txBody>
-          <a:bodyPr/>
-          <a:lstStyle/>
-          <a:p>
-            <a:r>
-              <a:rPr lang="en-US" smtClean="0"/>
-              <a:t>October 21, 2015</a:t>
-            </a:r>
-            <a:endParaRPr lang="en-US" dirty="0" smtClean="0"/>
-          </a:p>
-        </p:txBody>
-      </p:sp>
-      <p:sp>
-        <p:nvSpPr>
-          <p:cNvPr id="4" name="Slide Number Placeholder 3"/>
-          <p:cNvSpPr>
-            <a:spLocks noGrp="1"/>
-          </p:cNvSpPr>
-          <p:nvPr>
-            <p:ph type="sldNum" sz="quarter" idx="11"/>
-          </p:nvPr>
-        </p:nvSpPr>
-        <p:spPr/>
-        <p:txBody>
-          <a:bodyPr/>
-          <a:lstStyle/>
-          <a:p>
-            <a:fld id="{5698A34F-157D-4FC3-B6AE-341A8B909DED}" type="slidenum">
-              <a:rPr lang="en-US" smtClean="0"/>
-              <a:pPr/>
-              <a:t>26</a:t>
             </a:fld>
             <a:endParaRPr lang="en-US" dirty="0"/>
           </a:p>
@@ -11311,7 +10822,7 @@
 </p:sld>
 </file>
 
-<file path=ppt/slides/slide27.xml><?xml version="1.0" encoding="utf-8"?>
+<file path=ppt/slides/slide26.xml><?xml version="1.0" encoding="utf-8"?>
 <p:sld xmlns:a="http://schemas.openxmlformats.org/drawingml/2006/main" xmlns:r="http://schemas.openxmlformats.org/officeDocument/2006/relationships" xmlns:p="http://schemas.openxmlformats.org/presentationml/2006/main">
   <p:cSld>
     <p:spTree>
@@ -11402,7 +10913,7 @@
             <a:fld id="{5698A34F-157D-4FC3-B6AE-341A8B909DED}" type="slidenum">
               <a:rPr lang="en-US" smtClean="0"/>
               <a:pPr/>
-              <a:t>27</a:t>
+              <a:t>26</a:t>
             </a:fld>
             <a:endParaRPr lang="en-US" dirty="0"/>
           </a:p>
@@ -11452,7 +10963,7 @@
 </p:sld>
 </file>
 
-<file path=ppt/slides/slide28.xml><?xml version="1.0" encoding="utf-8"?>
+<file path=ppt/slides/slide27.xml><?xml version="1.0" encoding="utf-8"?>
 <p:sld xmlns:a="http://schemas.openxmlformats.org/drawingml/2006/main" xmlns:r="http://schemas.openxmlformats.org/officeDocument/2006/relationships" xmlns:p="http://schemas.openxmlformats.org/presentationml/2006/main">
   <p:cSld>
     <p:spTree>
@@ -11577,7 +11088,7 @@
             <a:fld id="{5698A34F-157D-4FC3-B6AE-341A8B909DED}" type="slidenum">
               <a:rPr lang="en-US" smtClean="0"/>
               <a:pPr/>
-              <a:t>28</a:t>
+              <a:t>27</a:t>
             </a:fld>
             <a:endParaRPr lang="en-US" dirty="0"/>
           </a:p>
@@ -11692,7 +11203,7 @@
 </p:sld>
 </file>
 
-<file path=ppt/slides/slide29.xml><?xml version="1.0" encoding="utf-8"?>
+<file path=ppt/slides/slide28.xml><?xml version="1.0" encoding="utf-8"?>
 <p:sld xmlns:a="http://schemas.openxmlformats.org/drawingml/2006/main" xmlns:r="http://schemas.openxmlformats.org/officeDocument/2006/relationships" xmlns:p="http://schemas.openxmlformats.org/presentationml/2006/main">
   <p:cSld>
     <p:spTree>
@@ -11834,7 +11345,7 @@
             <a:fld id="{5698A34F-157D-4FC3-B6AE-341A8B909DED}" type="slidenum">
               <a:rPr lang="en-US" smtClean="0"/>
               <a:pPr/>
-              <a:t>29</a:t>
+              <a:t>28</a:t>
             </a:fld>
             <a:endParaRPr lang="en-US" dirty="0"/>
           </a:p>
@@ -12122,6 +11633,306 @@
     <p:extLst>
       <p:ext uri="{BB962C8B-B14F-4D97-AF65-F5344CB8AC3E}">
         <p14:creationId xmlns:p14="http://schemas.microsoft.com/office/powerpoint/2010/main" val="2556694655"/>
+      </p:ext>
+    </p:extLst>
+  </p:cSld>
+  <p:clrMapOvr>
+    <a:masterClrMapping/>
+  </p:clrMapOvr>
+  <p:timing>
+    <p:tnLst>
+      <p:par>
+        <p:cTn id="1" dur="indefinite" restart="never" nodeType="tmRoot"/>
+      </p:par>
+    </p:tnLst>
+  </p:timing>
+</p:sld>
+</file>
+
+<file path=ppt/slides/slide29.xml><?xml version="1.0" encoding="utf-8"?>
+<p:sld xmlns:a="http://schemas.openxmlformats.org/drawingml/2006/main" xmlns:r="http://schemas.openxmlformats.org/officeDocument/2006/relationships" xmlns:p="http://schemas.openxmlformats.org/presentationml/2006/main">
+  <p:cSld>
+    <p:spTree>
+      <p:nvGrpSpPr>
+        <p:cNvPr id="1" name=""/>
+        <p:cNvGrpSpPr/>
+        <p:nvPr/>
+      </p:nvGrpSpPr>
+      <p:grpSpPr>
+        <a:xfrm>
+          <a:off x="0" y="0"/>
+          <a:ext cx="0" cy="0"/>
+          <a:chOff x="0" y="0"/>
+          <a:chExt cx="0" cy="0"/>
+        </a:xfrm>
+      </p:grpSpPr>
+      <p:sp>
+        <p:nvSpPr>
+          <p:cNvPr id="2" name="Text Placeholder 1"/>
+          <p:cNvSpPr>
+            <a:spLocks noGrp="1"/>
+          </p:cNvSpPr>
+          <p:nvPr>
+            <p:ph type="body" sz="quarter" idx="13"/>
+          </p:nvPr>
+        </p:nvSpPr>
+        <p:spPr>
+          <a:xfrm>
+            <a:off x="274638" y="1369734"/>
+            <a:ext cx="8283029" cy="3320929"/>
+          </a:xfrm>
+        </p:spPr>
+        <p:txBody>
+          <a:bodyPr/>
+          <a:lstStyle/>
+          <a:p>
+            <a:r>
+              <a:rPr lang="en-US" dirty="0" smtClean="0"/>
+              <a:t>Check the Salesforce Order Management system to determine if a valid and approved Service is in place for the API. If need be contact the salesperson/owner of the opportunity.</a:t>
+            </a:r>
+          </a:p>
+          <a:p>
+            <a:r>
+              <a:rPr lang="en-US" dirty="0" smtClean="0"/>
+              <a:t>If no valid and approved Service is in place:</a:t>
+            </a:r>
+          </a:p>
+          <a:p>
+            <a:pPr lvl="1"/>
+            <a:r>
+              <a:rPr lang="en-US" dirty="0" smtClean="0"/>
+              <a:t>And your investigation determines that a </a:t>
+            </a:r>
+            <a:br>
+              <a:rPr lang="en-US" dirty="0" smtClean="0"/>
+            </a:br>
+            <a:r>
+              <a:rPr lang="en-US" dirty="0" smtClean="0"/>
+              <a:t>valid/approved Service is not </a:t>
+            </a:r>
+            <a:br>
+              <a:rPr lang="en-US" dirty="0" smtClean="0"/>
+            </a:br>
+            <a:r>
+              <a:rPr lang="en-US" dirty="0" smtClean="0"/>
+              <a:t>forthcoming, DENY the request … </a:t>
+            </a:r>
+            <a:br>
+              <a:rPr lang="en-US" dirty="0" smtClean="0"/>
+            </a:br>
+            <a:r>
+              <a:rPr lang="en-US" dirty="0" smtClean="0"/>
+              <a:t>a denial email is sent to the requestor.</a:t>
+            </a:r>
+          </a:p>
+          <a:p>
+            <a:endParaRPr lang="en-US" dirty="0"/>
+          </a:p>
+        </p:txBody>
+      </p:sp>
+      <p:sp>
+        <p:nvSpPr>
+          <p:cNvPr id="3" name="Date Placeholder 2"/>
+          <p:cNvSpPr>
+            <a:spLocks noGrp="1"/>
+          </p:cNvSpPr>
+          <p:nvPr>
+            <p:ph type="dt" sz="half" idx="10"/>
+          </p:nvPr>
+        </p:nvSpPr>
+        <p:spPr/>
+        <p:txBody>
+          <a:bodyPr/>
+          <a:lstStyle/>
+          <a:p>
+            <a:r>
+              <a:rPr lang="en-US" smtClean="0"/>
+              <a:t>October 21, 2015</a:t>
+            </a:r>
+            <a:endParaRPr lang="en-US" dirty="0" smtClean="0"/>
+          </a:p>
+        </p:txBody>
+      </p:sp>
+      <p:sp>
+        <p:nvSpPr>
+          <p:cNvPr id="4" name="Slide Number Placeholder 3"/>
+          <p:cNvSpPr>
+            <a:spLocks noGrp="1"/>
+          </p:cNvSpPr>
+          <p:nvPr>
+            <p:ph type="sldNum" sz="quarter" idx="11"/>
+          </p:nvPr>
+        </p:nvSpPr>
+        <p:spPr/>
+        <p:txBody>
+          <a:bodyPr/>
+          <a:lstStyle/>
+          <a:p>
+            <a:fld id="{5698A34F-157D-4FC3-B6AE-341A8B909DED}" type="slidenum">
+              <a:rPr lang="en-US" smtClean="0"/>
+              <a:pPr/>
+              <a:t>29</a:t>
+            </a:fld>
+            <a:endParaRPr lang="en-US" dirty="0"/>
+          </a:p>
+        </p:txBody>
+      </p:sp>
+      <p:sp>
+        <p:nvSpPr>
+          <p:cNvPr id="5" name="Footer Placeholder 4"/>
+          <p:cNvSpPr>
+            <a:spLocks noGrp="1"/>
+          </p:cNvSpPr>
+          <p:nvPr>
+            <p:ph type="ftr" sz="quarter" idx="12"/>
+          </p:nvPr>
+        </p:nvSpPr>
+        <p:spPr/>
+        <p:txBody>
+          <a:bodyPr/>
+          <a:lstStyle/>
+          <a:p>
+            <a:endParaRPr lang="en-US" dirty="0"/>
+          </a:p>
+        </p:txBody>
+      </p:sp>
+      <p:sp>
+        <p:nvSpPr>
+          <p:cNvPr id="6" name="Title 5"/>
+          <p:cNvSpPr>
+            <a:spLocks noGrp="1"/>
+          </p:cNvSpPr>
+          <p:nvPr>
+            <p:ph type="title"/>
+          </p:nvPr>
+        </p:nvSpPr>
+        <p:spPr/>
+        <p:txBody>
+          <a:bodyPr/>
+          <a:lstStyle/>
+          <a:p>
+            <a:r>
+              <a:rPr lang="en-US" dirty="0" smtClean="0"/>
+              <a:t>Approve/Deny Key Requests (3) – No valid Service</a:t>
+            </a:r>
+            <a:endParaRPr lang="en-US" dirty="0"/>
+          </a:p>
+        </p:txBody>
+      </p:sp>
+      <p:sp>
+        <p:nvSpPr>
+          <p:cNvPr id="7" name="Text Placeholder 6"/>
+          <p:cNvSpPr>
+            <a:spLocks noGrp="1"/>
+          </p:cNvSpPr>
+          <p:nvPr>
+            <p:ph type="body" sz="quarter" idx="15"/>
+          </p:nvPr>
+        </p:nvSpPr>
+        <p:spPr/>
+        <p:txBody>
+          <a:bodyPr/>
+          <a:lstStyle/>
+          <a:p>
+            <a:r>
+              <a:rPr lang="en-US" dirty="0" smtClean="0"/>
+              <a:t>Administrator API How To</a:t>
+            </a:r>
+            <a:endParaRPr lang="en-US" dirty="0"/>
+          </a:p>
+        </p:txBody>
+      </p:sp>
+      <p:pic>
+        <p:nvPicPr>
+          <p:cNvPr id="8" name="Picture 7"/>
+          <p:cNvPicPr>
+            <a:picLocks noChangeAspect="1"/>
+          </p:cNvPicPr>
+          <p:nvPr/>
+        </p:nvPicPr>
+        <p:blipFill>
+          <a:blip r:embed="rId2"/>
+          <a:stretch>
+            <a:fillRect/>
+          </a:stretch>
+        </p:blipFill>
+        <p:spPr>
+          <a:xfrm>
+            <a:off x="5011750" y="2524452"/>
+            <a:ext cx="3777971" cy="1900610"/>
+          </a:xfrm>
+          <a:prstGeom prst="rect">
+            <a:avLst/>
+          </a:prstGeom>
+        </p:spPr>
+      </p:pic>
+      <p:sp>
+        <p:nvSpPr>
+          <p:cNvPr id="10" name="Right Arrow 9"/>
+          <p:cNvSpPr/>
+          <p:nvPr/>
+        </p:nvSpPr>
+        <p:spPr bwMode="gray">
+          <a:xfrm rot="16200000">
+            <a:off x="7482723" y="3287652"/>
+            <a:ext cx="244306" cy="237325"/>
+          </a:xfrm>
+          <a:prstGeom prst="rightArrow">
+            <a:avLst/>
+          </a:prstGeom>
+          <a:solidFill>
+            <a:schemeClr val="accent1"/>
+          </a:solidFill>
+          <a:ln w="9525" cap="flat" cmpd="sng" algn="ctr">
+            <a:noFill/>
+            <a:prstDash val="solid"/>
+            <a:round/>
+            <a:headEnd type="none" w="med" len="med"/>
+            <a:tailEnd type="none" w="med" len="med"/>
+          </a:ln>
+          <a:effectLst/>
+        </p:spPr>
+        <p:txBody>
+          <a:bodyPr vert="horz" wrap="square" lIns="91440" tIns="45720" rIns="91440" bIns="45720" numCol="1" rtlCol="0" anchor="ctr" anchorCtr="0" compatLnSpc="1">
+            <a:prstTxWarp prst="textNoShape">
+              <a:avLst/>
+            </a:prstTxWarp>
+          </a:bodyPr>
+          <a:lstStyle/>
+          <a:p>
+            <a:pPr marL="0" marR="0" indent="0" algn="l" defTabSz="914400" rtl="0" eaLnBrk="1" fontAlgn="base" latinLnBrk="0" hangingPunct="1">
+              <a:lnSpc>
+                <a:spcPct val="100000"/>
+              </a:lnSpc>
+              <a:spcBef>
+                <a:spcPct val="0"/>
+              </a:spcBef>
+              <a:spcAft>
+                <a:spcPct val="0"/>
+              </a:spcAft>
+              <a:buClrTx/>
+              <a:buSzTx/>
+              <a:buFontTx/>
+              <a:buNone/>
+              <a:tabLst/>
+            </a:pPr>
+            <a:endParaRPr kumimoji="0" lang="en-US" sz="2000" b="0" i="0" u="none" strike="noStrike" cap="none" normalizeH="0" baseline="0" dirty="0" smtClean="0">
+              <a:ln>
+                <a:noFill/>
+              </a:ln>
+              <a:solidFill>
+                <a:schemeClr val="bg1"/>
+              </a:solidFill>
+              <a:effectLst/>
+              <a:latin typeface="Arial" pitchFamily="2" charset="0"/>
+            </a:endParaRPr>
+          </a:p>
+        </p:txBody>
+      </p:sp>
+    </p:spTree>
+    <p:extLst>
+      <p:ext uri="{BB962C8B-B14F-4D97-AF65-F5344CB8AC3E}">
+        <p14:creationId xmlns:p14="http://schemas.microsoft.com/office/powerpoint/2010/main" val="2776855602"/>
       </p:ext>
     </p:extLst>
   </p:cSld>
@@ -12157,2523 +11968,6 @@
       </p:grpSpPr>
       <p:sp>
         <p:nvSpPr>
-          <p:cNvPr id="2" name="Title 1"/>
-          <p:cNvSpPr>
-            <a:spLocks noGrp="1"/>
-          </p:cNvSpPr>
-          <p:nvPr>
-            <p:ph type="title"/>
-          </p:nvPr>
-        </p:nvSpPr>
-        <p:spPr/>
-        <p:txBody>
-          <a:bodyPr/>
-          <a:lstStyle/>
-          <a:p>
-            <a:r>
-              <a:rPr lang="en-US" dirty="0" smtClean="0"/>
-              <a:t>Customer API How To</a:t>
-            </a:r>
-            <a:endParaRPr lang="en-US" dirty="0"/>
-          </a:p>
-        </p:txBody>
-      </p:sp>
-      <p:sp>
-        <p:nvSpPr>
-          <p:cNvPr id="3" name="Date Placeholder 2"/>
-          <p:cNvSpPr>
-            <a:spLocks noGrp="1"/>
-          </p:cNvSpPr>
-          <p:nvPr>
-            <p:ph type="dt" sz="half" idx="4294967295"/>
-          </p:nvPr>
-        </p:nvSpPr>
-        <p:spPr>
-          <a:xfrm>
-            <a:off x="0" y="4903788"/>
-            <a:ext cx="1068388" cy="128587"/>
-          </a:xfrm>
-        </p:spPr>
-        <p:txBody>
-          <a:bodyPr/>
-          <a:lstStyle/>
-          <a:p>
-            <a:r>
-              <a:rPr lang="en-US" smtClean="0"/>
-              <a:t>October 21, 2015</a:t>
-            </a:r>
-            <a:endParaRPr lang="en-US" dirty="0" smtClean="0"/>
-          </a:p>
-        </p:txBody>
-      </p:sp>
-      <p:sp>
-        <p:nvSpPr>
-          <p:cNvPr id="4" name="Slide Number Placeholder 3"/>
-          <p:cNvSpPr>
-            <a:spLocks noGrp="1"/>
-          </p:cNvSpPr>
-          <p:nvPr>
-            <p:ph type="sldNum" sz="quarter" idx="4294967295"/>
-          </p:nvPr>
-        </p:nvSpPr>
-        <p:spPr>
-          <a:xfrm>
-            <a:off x="0" y="4903788"/>
-            <a:ext cx="342900" cy="128587"/>
-          </a:xfrm>
-        </p:spPr>
-        <p:txBody>
-          <a:bodyPr/>
-          <a:lstStyle/>
-          <a:p>
-            <a:fld id="{5698A34F-157D-4FC3-B6AE-341A8B909DED}" type="slidenum">
-              <a:rPr lang="en-US" smtClean="0"/>
-              <a:pPr/>
-              <a:t>3</a:t>
-            </a:fld>
-            <a:endParaRPr lang="en-US" dirty="0"/>
-          </a:p>
-        </p:txBody>
-      </p:sp>
-      <p:sp>
-        <p:nvSpPr>
-          <p:cNvPr id="64" name="Text Placeholder 63"/>
-          <p:cNvSpPr>
-            <a:spLocks noGrp="1"/>
-          </p:cNvSpPr>
-          <p:nvPr>
-            <p:ph type="body" sz="quarter" idx="4294967295"/>
-          </p:nvPr>
-        </p:nvSpPr>
-        <p:spPr>
-          <a:xfrm>
-            <a:off x="0" y="19050"/>
-            <a:ext cx="7415213" cy="292100"/>
-          </a:xfrm>
-        </p:spPr>
-        <p:txBody>
-          <a:bodyPr/>
-          <a:lstStyle/>
-          <a:p>
-            <a:endParaRPr lang="en-US" dirty="0" smtClean="0"/>
-          </a:p>
-        </p:txBody>
-      </p:sp>
-    </p:spTree>
-    <p:extLst>
-      <p:ext uri="{BB962C8B-B14F-4D97-AF65-F5344CB8AC3E}">
-        <p14:creationId xmlns:p14="http://schemas.microsoft.com/office/powerpoint/2010/main" val="3183443171"/>
-      </p:ext>
-    </p:extLst>
-  </p:cSld>
-  <p:clrMapOvr>
-    <a:masterClrMapping/>
-  </p:clrMapOvr>
-  <p:timing>
-    <p:tnLst>
-      <p:par>
-        <p:cTn id="1" dur="indefinite" restart="never" nodeType="tmRoot"/>
-      </p:par>
-    </p:tnLst>
-  </p:timing>
-</p:sld>
-</file>
-
-<file path=ppt/slides/slide30.xml><?xml version="1.0" encoding="utf-8"?>
-<p:sld xmlns:a="http://schemas.openxmlformats.org/drawingml/2006/main" xmlns:r="http://schemas.openxmlformats.org/officeDocument/2006/relationships" xmlns:p="http://schemas.openxmlformats.org/presentationml/2006/main">
-  <p:cSld>
-    <p:spTree>
-      <p:nvGrpSpPr>
-        <p:cNvPr id="1" name=""/>
-        <p:cNvGrpSpPr/>
-        <p:nvPr/>
-      </p:nvGrpSpPr>
-      <p:grpSpPr>
-        <a:xfrm>
-          <a:off x="0" y="0"/>
-          <a:ext cx="0" cy="0"/>
-          <a:chOff x="0" y="0"/>
-          <a:chExt cx="0" cy="0"/>
-        </a:xfrm>
-      </p:grpSpPr>
-      <p:sp>
-        <p:nvSpPr>
-          <p:cNvPr id="2" name="Text Placeholder 1"/>
-          <p:cNvSpPr>
-            <a:spLocks noGrp="1"/>
-          </p:cNvSpPr>
-          <p:nvPr>
-            <p:ph type="body" sz="quarter" idx="13"/>
-          </p:nvPr>
-        </p:nvSpPr>
-        <p:spPr>
-          <a:xfrm>
-            <a:off x="274638" y="1369734"/>
-            <a:ext cx="8283029" cy="3320929"/>
-          </a:xfrm>
-        </p:spPr>
-        <p:txBody>
-          <a:bodyPr/>
-          <a:lstStyle/>
-          <a:p>
-            <a:r>
-              <a:rPr lang="en-US" dirty="0" smtClean="0"/>
-              <a:t>Check the Salesforce Order Management system to determine if a valid and approved Service is in place for the API. If need be contact the salesperson/owner of the opportunity.</a:t>
-            </a:r>
-          </a:p>
-          <a:p>
-            <a:r>
-              <a:rPr lang="en-US" dirty="0" smtClean="0"/>
-              <a:t>If no valid and approved Service is in place:</a:t>
-            </a:r>
-          </a:p>
-          <a:p>
-            <a:pPr lvl="1"/>
-            <a:r>
-              <a:rPr lang="en-US" dirty="0" smtClean="0"/>
-              <a:t>And your investigation determines that a </a:t>
-            </a:r>
-            <a:br>
-              <a:rPr lang="en-US" dirty="0" smtClean="0"/>
-            </a:br>
-            <a:r>
-              <a:rPr lang="en-US" dirty="0" smtClean="0"/>
-              <a:t>valid/approved Service is not </a:t>
-            </a:r>
-            <a:br>
-              <a:rPr lang="en-US" dirty="0" smtClean="0"/>
-            </a:br>
-            <a:r>
-              <a:rPr lang="en-US" dirty="0" smtClean="0"/>
-              <a:t>forthcoming, DENY the request … </a:t>
-            </a:r>
-            <a:br>
-              <a:rPr lang="en-US" dirty="0" smtClean="0"/>
-            </a:br>
-            <a:r>
-              <a:rPr lang="en-US" dirty="0" smtClean="0"/>
-              <a:t>a denial email is sent to the requestor.</a:t>
-            </a:r>
-          </a:p>
-          <a:p>
-            <a:endParaRPr lang="en-US" dirty="0"/>
-          </a:p>
-        </p:txBody>
-      </p:sp>
-      <p:sp>
-        <p:nvSpPr>
-          <p:cNvPr id="3" name="Date Placeholder 2"/>
-          <p:cNvSpPr>
-            <a:spLocks noGrp="1"/>
-          </p:cNvSpPr>
-          <p:nvPr>
-            <p:ph type="dt" sz="half" idx="10"/>
-          </p:nvPr>
-        </p:nvSpPr>
-        <p:spPr/>
-        <p:txBody>
-          <a:bodyPr/>
-          <a:lstStyle/>
-          <a:p>
-            <a:r>
-              <a:rPr lang="en-US" smtClean="0"/>
-              <a:t>October 21, 2015</a:t>
-            </a:r>
-            <a:endParaRPr lang="en-US" dirty="0" smtClean="0"/>
-          </a:p>
-        </p:txBody>
-      </p:sp>
-      <p:sp>
-        <p:nvSpPr>
-          <p:cNvPr id="4" name="Slide Number Placeholder 3"/>
-          <p:cNvSpPr>
-            <a:spLocks noGrp="1"/>
-          </p:cNvSpPr>
-          <p:nvPr>
-            <p:ph type="sldNum" sz="quarter" idx="11"/>
-          </p:nvPr>
-        </p:nvSpPr>
-        <p:spPr/>
-        <p:txBody>
-          <a:bodyPr/>
-          <a:lstStyle/>
-          <a:p>
-            <a:fld id="{5698A34F-157D-4FC3-B6AE-341A8B909DED}" type="slidenum">
-              <a:rPr lang="en-US" smtClean="0"/>
-              <a:pPr/>
-              <a:t>30</a:t>
-            </a:fld>
-            <a:endParaRPr lang="en-US" dirty="0"/>
-          </a:p>
-        </p:txBody>
-      </p:sp>
-      <p:sp>
-        <p:nvSpPr>
-          <p:cNvPr id="5" name="Footer Placeholder 4"/>
-          <p:cNvSpPr>
-            <a:spLocks noGrp="1"/>
-          </p:cNvSpPr>
-          <p:nvPr>
-            <p:ph type="ftr" sz="quarter" idx="12"/>
-          </p:nvPr>
-        </p:nvSpPr>
-        <p:spPr/>
-        <p:txBody>
-          <a:bodyPr/>
-          <a:lstStyle/>
-          <a:p>
-            <a:endParaRPr lang="en-US" dirty="0"/>
-          </a:p>
-        </p:txBody>
-      </p:sp>
-      <p:sp>
-        <p:nvSpPr>
-          <p:cNvPr id="6" name="Title 5"/>
-          <p:cNvSpPr>
-            <a:spLocks noGrp="1"/>
-          </p:cNvSpPr>
-          <p:nvPr>
-            <p:ph type="title"/>
-          </p:nvPr>
-        </p:nvSpPr>
-        <p:spPr/>
-        <p:txBody>
-          <a:bodyPr/>
-          <a:lstStyle/>
-          <a:p>
-            <a:r>
-              <a:rPr lang="en-US" dirty="0" smtClean="0"/>
-              <a:t>Approve/Deny Key Requests (3) – No valid Service</a:t>
-            </a:r>
-            <a:endParaRPr lang="en-US" dirty="0"/>
-          </a:p>
-        </p:txBody>
-      </p:sp>
-      <p:sp>
-        <p:nvSpPr>
-          <p:cNvPr id="7" name="Text Placeholder 6"/>
-          <p:cNvSpPr>
-            <a:spLocks noGrp="1"/>
-          </p:cNvSpPr>
-          <p:nvPr>
-            <p:ph type="body" sz="quarter" idx="15"/>
-          </p:nvPr>
-        </p:nvSpPr>
-        <p:spPr/>
-        <p:txBody>
-          <a:bodyPr/>
-          <a:lstStyle/>
-          <a:p>
-            <a:r>
-              <a:rPr lang="en-US" dirty="0" smtClean="0"/>
-              <a:t>Administrator API How To</a:t>
-            </a:r>
-            <a:endParaRPr lang="en-US" dirty="0"/>
-          </a:p>
-        </p:txBody>
-      </p:sp>
-      <p:pic>
-        <p:nvPicPr>
-          <p:cNvPr id="8" name="Picture 7"/>
-          <p:cNvPicPr>
-            <a:picLocks noChangeAspect="1"/>
-          </p:cNvPicPr>
-          <p:nvPr/>
-        </p:nvPicPr>
-        <p:blipFill>
-          <a:blip r:embed="rId2"/>
-          <a:stretch>
-            <a:fillRect/>
-          </a:stretch>
-        </p:blipFill>
-        <p:spPr>
-          <a:xfrm>
-            <a:off x="5011750" y="2524452"/>
-            <a:ext cx="3777971" cy="1900610"/>
-          </a:xfrm>
-          <a:prstGeom prst="rect">
-            <a:avLst/>
-          </a:prstGeom>
-        </p:spPr>
-      </p:pic>
-      <p:sp>
-        <p:nvSpPr>
-          <p:cNvPr id="10" name="Right Arrow 9"/>
-          <p:cNvSpPr/>
-          <p:nvPr/>
-        </p:nvSpPr>
-        <p:spPr bwMode="gray">
-          <a:xfrm rot="16200000">
-            <a:off x="7482723" y="3287652"/>
-            <a:ext cx="244306" cy="237325"/>
-          </a:xfrm>
-          <a:prstGeom prst="rightArrow">
-            <a:avLst/>
-          </a:prstGeom>
-          <a:solidFill>
-            <a:schemeClr val="accent1"/>
-          </a:solidFill>
-          <a:ln w="9525" cap="flat" cmpd="sng" algn="ctr">
-            <a:noFill/>
-            <a:prstDash val="solid"/>
-            <a:round/>
-            <a:headEnd type="none" w="med" len="med"/>
-            <a:tailEnd type="none" w="med" len="med"/>
-          </a:ln>
-          <a:effectLst/>
-        </p:spPr>
-        <p:txBody>
-          <a:bodyPr vert="horz" wrap="square" lIns="91440" tIns="45720" rIns="91440" bIns="45720" numCol="1" rtlCol="0" anchor="ctr" anchorCtr="0" compatLnSpc="1">
-            <a:prstTxWarp prst="textNoShape">
-              <a:avLst/>
-            </a:prstTxWarp>
-          </a:bodyPr>
-          <a:lstStyle/>
-          <a:p>
-            <a:pPr marL="0" marR="0" indent="0" algn="l" defTabSz="914400" rtl="0" eaLnBrk="1" fontAlgn="base" latinLnBrk="0" hangingPunct="1">
-              <a:lnSpc>
-                <a:spcPct val="100000"/>
-              </a:lnSpc>
-              <a:spcBef>
-                <a:spcPct val="0"/>
-              </a:spcBef>
-              <a:spcAft>
-                <a:spcPct val="0"/>
-              </a:spcAft>
-              <a:buClrTx/>
-              <a:buSzTx/>
-              <a:buFontTx/>
-              <a:buNone/>
-              <a:tabLst/>
-            </a:pPr>
-            <a:endParaRPr kumimoji="0" lang="en-US" sz="2000" b="0" i="0" u="none" strike="noStrike" cap="none" normalizeH="0" baseline="0" dirty="0" smtClean="0">
-              <a:ln>
-                <a:noFill/>
-              </a:ln>
-              <a:solidFill>
-                <a:schemeClr val="bg1"/>
-              </a:solidFill>
-              <a:effectLst/>
-              <a:latin typeface="Arial" pitchFamily="2" charset="0"/>
-            </a:endParaRPr>
-          </a:p>
-        </p:txBody>
-      </p:sp>
-    </p:spTree>
-    <p:extLst>
-      <p:ext uri="{BB962C8B-B14F-4D97-AF65-F5344CB8AC3E}">
-        <p14:creationId xmlns:p14="http://schemas.microsoft.com/office/powerpoint/2010/main" val="2776855602"/>
-      </p:ext>
-    </p:extLst>
-  </p:cSld>
-  <p:clrMapOvr>
-    <a:masterClrMapping/>
-  </p:clrMapOvr>
-  <p:timing>
-    <p:tnLst>
-      <p:par>
-        <p:cTn id="1" dur="indefinite" restart="never" nodeType="tmRoot"/>
-      </p:par>
-    </p:tnLst>
-  </p:timing>
-</p:sld>
-</file>
-
-<file path=ppt/slides/slide31.xml><?xml version="1.0" encoding="utf-8"?>
-<p:sld xmlns:a="http://schemas.openxmlformats.org/drawingml/2006/main" xmlns:r="http://schemas.openxmlformats.org/officeDocument/2006/relationships" xmlns:p="http://schemas.openxmlformats.org/presentationml/2006/main">
-  <p:cSld>
-    <p:spTree>
-      <p:nvGrpSpPr>
-        <p:cNvPr id="1" name=""/>
-        <p:cNvGrpSpPr/>
-        <p:nvPr/>
-      </p:nvGrpSpPr>
-      <p:grpSpPr>
-        <a:xfrm>
-          <a:off x="0" y="0"/>
-          <a:ext cx="0" cy="0"/>
-          <a:chOff x="0" y="0"/>
-          <a:chExt cx="0" cy="0"/>
-        </a:xfrm>
-      </p:grpSpPr>
-      <p:sp>
-        <p:nvSpPr>
-          <p:cNvPr id="2" name="Text Placeholder 1"/>
-          <p:cNvSpPr>
-            <a:spLocks noGrp="1"/>
-          </p:cNvSpPr>
-          <p:nvPr>
-            <p:ph type="body" sz="quarter" idx="13"/>
-          </p:nvPr>
-        </p:nvSpPr>
-        <p:spPr>
-          <a:xfrm>
-            <a:off x="274638" y="1369734"/>
-            <a:ext cx="8283029" cy="3320929"/>
-          </a:xfrm>
-        </p:spPr>
-        <p:txBody>
-          <a:bodyPr/>
-          <a:lstStyle/>
-          <a:p>
-            <a:r>
-              <a:rPr lang="en-US" dirty="0" smtClean="0"/>
-              <a:t>If a valid and approved Service is in place or </a:t>
-            </a:r>
-            <a:br>
-              <a:rPr lang="en-US" dirty="0" smtClean="0"/>
-            </a:br>
-            <a:r>
-              <a:rPr lang="en-US" dirty="0" smtClean="0"/>
-              <a:t>your investigation determines that a </a:t>
-            </a:r>
-            <a:br>
-              <a:rPr lang="en-US" dirty="0" smtClean="0"/>
-            </a:br>
-            <a:r>
-              <a:rPr lang="en-US" dirty="0" smtClean="0"/>
-              <a:t>valid/approved Service is forthcoming and </a:t>
-            </a:r>
-            <a:br>
-              <a:rPr lang="en-US" dirty="0" smtClean="0"/>
-            </a:br>
-            <a:r>
-              <a:rPr lang="en-US" dirty="0" smtClean="0"/>
-              <a:t>the request should be approved …</a:t>
-            </a:r>
-          </a:p>
-          <a:p>
-            <a:r>
-              <a:rPr lang="en-US" dirty="0" smtClean="0"/>
-              <a:t>Click the App tab and </a:t>
-            </a:r>
-            <a:br>
-              <a:rPr lang="en-US" dirty="0" smtClean="0"/>
-            </a:br>
-            <a:r>
-              <a:rPr lang="en-US" dirty="0" smtClean="0"/>
-              <a:t>copy the Production Client ID</a:t>
-            </a:r>
-          </a:p>
-          <a:p>
-            <a:pPr lvl="1"/>
-            <a:endParaRPr lang="en-US" b="1" dirty="0" smtClean="0"/>
-          </a:p>
-          <a:p>
-            <a:pPr lvl="1"/>
-            <a:r>
-              <a:rPr lang="en-US" b="1" dirty="0" smtClean="0"/>
-              <a:t>For Sector Insights</a:t>
-            </a:r>
-            <a:r>
-              <a:rPr lang="en-US" dirty="0" smtClean="0"/>
-              <a:t>, record the Client ID in the </a:t>
-            </a:r>
-            <a:br>
-              <a:rPr lang="en-US" dirty="0" smtClean="0"/>
-            </a:br>
-            <a:r>
-              <a:rPr lang="en-US" sz="1200" dirty="0" smtClean="0">
-                <a:latin typeface="Andale Mono" panose="020B0509000000000004" pitchFamily="49" charset="0"/>
-              </a:rPr>
-              <a:t>…/SpendingPulse/API/API Subscription files/Sector insights Keys.xlsx </a:t>
-            </a:r>
-            <a:r>
-              <a:rPr lang="en-US" dirty="0" smtClean="0"/>
-              <a:t>file.</a:t>
-            </a:r>
-          </a:p>
-          <a:p>
-            <a:pPr lvl="2"/>
-            <a:r>
-              <a:rPr lang="en-US" dirty="0" smtClean="0"/>
-              <a:t>Without this file, the only way to know who has been granted prod access is to have an API developer run a data pull against the AP database.</a:t>
-            </a:r>
-          </a:p>
-        </p:txBody>
-      </p:sp>
-      <p:sp>
-        <p:nvSpPr>
-          <p:cNvPr id="3" name="Date Placeholder 2"/>
-          <p:cNvSpPr>
-            <a:spLocks noGrp="1"/>
-          </p:cNvSpPr>
-          <p:nvPr>
-            <p:ph type="dt" sz="half" idx="10"/>
-          </p:nvPr>
-        </p:nvSpPr>
-        <p:spPr/>
-        <p:txBody>
-          <a:bodyPr/>
-          <a:lstStyle/>
-          <a:p>
-            <a:r>
-              <a:rPr lang="en-US" smtClean="0"/>
-              <a:t>October 21, 2015</a:t>
-            </a:r>
-            <a:endParaRPr lang="en-US" dirty="0" smtClean="0"/>
-          </a:p>
-        </p:txBody>
-      </p:sp>
-      <p:sp>
-        <p:nvSpPr>
-          <p:cNvPr id="4" name="Slide Number Placeholder 3"/>
-          <p:cNvSpPr>
-            <a:spLocks noGrp="1"/>
-          </p:cNvSpPr>
-          <p:nvPr>
-            <p:ph type="sldNum" sz="quarter" idx="11"/>
-          </p:nvPr>
-        </p:nvSpPr>
-        <p:spPr/>
-        <p:txBody>
-          <a:bodyPr/>
-          <a:lstStyle/>
-          <a:p>
-            <a:fld id="{5698A34F-157D-4FC3-B6AE-341A8B909DED}" type="slidenum">
-              <a:rPr lang="en-US" smtClean="0"/>
-              <a:pPr/>
-              <a:t>31</a:t>
-            </a:fld>
-            <a:endParaRPr lang="en-US" dirty="0"/>
-          </a:p>
-        </p:txBody>
-      </p:sp>
-      <p:sp>
-        <p:nvSpPr>
-          <p:cNvPr id="5" name="Footer Placeholder 4"/>
-          <p:cNvSpPr>
-            <a:spLocks noGrp="1"/>
-          </p:cNvSpPr>
-          <p:nvPr>
-            <p:ph type="ftr" sz="quarter" idx="12"/>
-          </p:nvPr>
-        </p:nvSpPr>
-        <p:spPr/>
-        <p:txBody>
-          <a:bodyPr/>
-          <a:lstStyle/>
-          <a:p>
-            <a:endParaRPr lang="en-US" dirty="0"/>
-          </a:p>
-        </p:txBody>
-      </p:sp>
-      <p:sp>
-        <p:nvSpPr>
-          <p:cNvPr id="6" name="Title 5"/>
-          <p:cNvSpPr>
-            <a:spLocks noGrp="1"/>
-          </p:cNvSpPr>
-          <p:nvPr>
-            <p:ph type="title"/>
-          </p:nvPr>
-        </p:nvSpPr>
-        <p:spPr/>
-        <p:txBody>
-          <a:bodyPr/>
-          <a:lstStyle/>
-          <a:p>
-            <a:r>
-              <a:rPr lang="en-US" dirty="0" smtClean="0"/>
-              <a:t>Approve/Deny Key Requests (4) – Valid Service</a:t>
-            </a:r>
-            <a:endParaRPr lang="en-US" dirty="0"/>
-          </a:p>
-        </p:txBody>
-      </p:sp>
-      <p:sp>
-        <p:nvSpPr>
-          <p:cNvPr id="7" name="Text Placeholder 6"/>
-          <p:cNvSpPr>
-            <a:spLocks noGrp="1"/>
-          </p:cNvSpPr>
-          <p:nvPr>
-            <p:ph type="body" sz="quarter" idx="15"/>
-          </p:nvPr>
-        </p:nvSpPr>
-        <p:spPr/>
-        <p:txBody>
-          <a:bodyPr/>
-          <a:lstStyle/>
-          <a:p>
-            <a:r>
-              <a:rPr lang="en-US" dirty="0" smtClean="0"/>
-              <a:t>Administrator API How To</a:t>
-            </a:r>
-            <a:endParaRPr lang="en-US" dirty="0"/>
-          </a:p>
-        </p:txBody>
-      </p:sp>
-      <p:pic>
-        <p:nvPicPr>
-          <p:cNvPr id="11" name="Picture 10"/>
-          <p:cNvPicPr>
-            <a:picLocks noChangeAspect="1"/>
-          </p:cNvPicPr>
-          <p:nvPr/>
-        </p:nvPicPr>
-        <p:blipFill>
-          <a:blip r:embed="rId2"/>
-          <a:stretch>
-            <a:fillRect/>
-          </a:stretch>
-        </p:blipFill>
-        <p:spPr>
-          <a:xfrm>
-            <a:off x="5192829" y="1451872"/>
-            <a:ext cx="3780156" cy="1788772"/>
-          </a:xfrm>
-          <a:prstGeom prst="rect">
-            <a:avLst/>
-          </a:prstGeom>
-        </p:spPr>
-      </p:pic>
-      <p:sp>
-        <p:nvSpPr>
-          <p:cNvPr id="13" name="Right Arrow 12"/>
-          <p:cNvSpPr/>
-          <p:nvPr/>
-        </p:nvSpPr>
-        <p:spPr bwMode="gray">
-          <a:xfrm>
-            <a:off x="3718514" y="2857717"/>
-            <a:ext cx="3174734" cy="92985"/>
-          </a:xfrm>
-          <a:prstGeom prst="rightArrow">
-            <a:avLst/>
-          </a:prstGeom>
-          <a:solidFill>
-            <a:schemeClr val="accent1"/>
-          </a:solidFill>
-          <a:ln w="9525" cap="flat" cmpd="sng" algn="ctr">
-            <a:noFill/>
-            <a:prstDash val="solid"/>
-            <a:round/>
-            <a:headEnd type="none" w="med" len="med"/>
-            <a:tailEnd type="none" w="med" len="med"/>
-          </a:ln>
-          <a:effectLst/>
-        </p:spPr>
-        <p:txBody>
-          <a:bodyPr vert="horz" wrap="square" lIns="91440" tIns="45720" rIns="91440" bIns="45720" numCol="1" rtlCol="0" anchor="ctr" anchorCtr="0" compatLnSpc="1">
-            <a:prstTxWarp prst="textNoShape">
-              <a:avLst/>
-            </a:prstTxWarp>
-          </a:bodyPr>
-          <a:lstStyle/>
-          <a:p>
-            <a:pPr marL="0" marR="0" indent="0" algn="l" defTabSz="914400" rtl="0" eaLnBrk="1" fontAlgn="base" latinLnBrk="0" hangingPunct="1">
-              <a:lnSpc>
-                <a:spcPct val="100000"/>
-              </a:lnSpc>
-              <a:spcBef>
-                <a:spcPct val="0"/>
-              </a:spcBef>
-              <a:spcAft>
-                <a:spcPct val="0"/>
-              </a:spcAft>
-              <a:buClrTx/>
-              <a:buSzTx/>
-              <a:buFontTx/>
-              <a:buNone/>
-              <a:tabLst/>
-            </a:pPr>
-            <a:endParaRPr kumimoji="0" lang="en-US" sz="2000" b="0" i="0" u="none" strike="noStrike" cap="none" normalizeH="0" baseline="0" dirty="0" smtClean="0">
-              <a:ln>
-                <a:noFill/>
-              </a:ln>
-              <a:solidFill>
-                <a:schemeClr val="bg1"/>
-              </a:solidFill>
-              <a:effectLst/>
-              <a:latin typeface="Arial" pitchFamily="2" charset="0"/>
-            </a:endParaRPr>
-          </a:p>
-        </p:txBody>
-      </p:sp>
-    </p:spTree>
-    <p:extLst>
-      <p:ext uri="{BB962C8B-B14F-4D97-AF65-F5344CB8AC3E}">
-        <p14:creationId xmlns:p14="http://schemas.microsoft.com/office/powerpoint/2010/main" val="1724074499"/>
-      </p:ext>
-    </p:extLst>
-  </p:cSld>
-  <p:clrMapOvr>
-    <a:masterClrMapping/>
-  </p:clrMapOvr>
-  <p:timing>
-    <p:tnLst>
-      <p:par>
-        <p:cTn id="1" dur="indefinite" restart="never" nodeType="tmRoot"/>
-      </p:par>
-    </p:tnLst>
-  </p:timing>
-</p:sld>
-</file>
-
-<file path=ppt/slides/slide32.xml><?xml version="1.0" encoding="utf-8"?>
-<p:sld xmlns:a="http://schemas.openxmlformats.org/drawingml/2006/main" xmlns:r="http://schemas.openxmlformats.org/officeDocument/2006/relationships" xmlns:p="http://schemas.openxmlformats.org/presentationml/2006/main">
-  <p:cSld>
-    <p:spTree>
-      <p:nvGrpSpPr>
-        <p:cNvPr id="1" name=""/>
-        <p:cNvGrpSpPr/>
-        <p:nvPr/>
-      </p:nvGrpSpPr>
-      <p:grpSpPr>
-        <a:xfrm>
-          <a:off x="0" y="0"/>
-          <a:ext cx="0" cy="0"/>
-          <a:chOff x="0" y="0"/>
-          <a:chExt cx="0" cy="0"/>
-        </a:xfrm>
-      </p:grpSpPr>
-      <p:sp>
-        <p:nvSpPr>
-          <p:cNvPr id="2" name="Text Placeholder 1"/>
-          <p:cNvSpPr>
-            <a:spLocks noGrp="1"/>
-          </p:cNvSpPr>
-          <p:nvPr>
-            <p:ph type="body" sz="quarter" idx="13"/>
-          </p:nvPr>
-        </p:nvSpPr>
-        <p:spPr>
-          <a:xfrm>
-            <a:off x="274638" y="1369734"/>
-            <a:ext cx="8283029" cy="3320929"/>
-          </a:xfrm>
-        </p:spPr>
-        <p:txBody>
-          <a:bodyPr/>
-          <a:lstStyle/>
-          <a:p>
-            <a:pPr lvl="1"/>
-            <a:r>
-              <a:rPr lang="en-US" b="1" dirty="0" smtClean="0"/>
-              <a:t>For SpendingPulse</a:t>
-            </a:r>
-            <a:r>
-              <a:rPr lang="en-US" dirty="0" smtClean="0"/>
-              <a:t>, record the Client ID in the </a:t>
-            </a:r>
-            <a:br>
-              <a:rPr lang="en-US" dirty="0" smtClean="0"/>
-            </a:br>
-            <a:r>
-              <a:rPr lang="en-US" sz="1200" dirty="0" smtClean="0">
-                <a:latin typeface="Andale Mono" panose="020B0509000000000004" pitchFamily="49" charset="0"/>
-              </a:rPr>
-              <a:t>…/SpendingPulse/API/API </a:t>
-            </a:r>
-            <a:r>
-              <a:rPr lang="en-US" sz="1200" dirty="0">
-                <a:latin typeface="Andale Mono" panose="020B0509000000000004" pitchFamily="49" charset="0"/>
-              </a:rPr>
-              <a:t>Subscription files/SpendingPulse API Subscription </a:t>
-            </a:r>
-            <a:r>
-              <a:rPr lang="en-US" sz="1200" dirty="0" smtClean="0">
-                <a:latin typeface="Andale Mono" panose="020B0509000000000004" pitchFamily="49" charset="0"/>
-              </a:rPr>
-              <a:t>Data.xlsx </a:t>
-            </a:r>
-            <a:br>
-              <a:rPr lang="en-US" sz="1200" dirty="0" smtClean="0">
-                <a:latin typeface="Andale Mono" panose="020B0509000000000004" pitchFamily="49" charset="0"/>
-              </a:rPr>
-            </a:br>
-            <a:r>
-              <a:rPr lang="en-US" dirty="0" smtClean="0"/>
-              <a:t>file.</a:t>
-            </a:r>
-          </a:p>
-          <a:p>
-            <a:pPr lvl="1"/>
-            <a:r>
-              <a:rPr lang="en-US" dirty="0"/>
-              <a:t>The “</a:t>
-            </a:r>
-            <a:r>
-              <a:rPr lang="en-US" sz="1600" dirty="0">
-                <a:latin typeface="Andale Mono" panose="020B0509000000000004" pitchFamily="49" charset="0"/>
-              </a:rPr>
-              <a:t>SpendingPulse API </a:t>
-            </a:r>
-            <a:r>
-              <a:rPr lang="en-US" sz="1600" dirty="0" smtClean="0">
-                <a:latin typeface="Andale Mono" panose="020B0509000000000004" pitchFamily="49" charset="0"/>
-              </a:rPr>
-              <a:t>Subscription</a:t>
-            </a:r>
-            <a:r>
-              <a:rPr lang="en-US" dirty="0" smtClean="0"/>
-              <a:t>” tab of this file must be saved as a .csv file and uploaded, using the API MDE Upload facility – the same facility used to upload the Sector Insights and SpendingPulse data to the API.</a:t>
-            </a:r>
-          </a:p>
-          <a:p>
-            <a:pPr lvl="1"/>
-            <a:r>
-              <a:rPr lang="en-US" dirty="0" smtClean="0"/>
-              <a:t>To upload the subscription data, use the </a:t>
-            </a:r>
-            <a:br>
-              <a:rPr lang="en-US" dirty="0" smtClean="0"/>
-            </a:br>
-            <a:r>
-              <a:rPr lang="en-US" sz="1400" dirty="0">
-                <a:latin typeface="Andale Mono" panose="020B0509000000000004" pitchFamily="49" charset="0"/>
-              </a:rPr>
-              <a:t>REL5 – DW-P-SPENDINGPULSE REPLACE SUBSCRIPTION </a:t>
-            </a:r>
-            <a:r>
-              <a:rPr lang="en-US" dirty="0" smtClean="0"/>
-              <a:t>bulk type.</a:t>
-            </a:r>
-          </a:p>
-          <a:p>
-            <a:r>
-              <a:rPr lang="en-US" dirty="0" smtClean="0"/>
-              <a:t>Once the subscription data has been successfully uploaded, Approve the request … an approval email is sent to the requestor.</a:t>
-            </a:r>
-          </a:p>
-          <a:p>
-            <a:endParaRPr lang="en-US" dirty="0"/>
-          </a:p>
-        </p:txBody>
-      </p:sp>
-      <p:sp>
-        <p:nvSpPr>
-          <p:cNvPr id="3" name="Date Placeholder 2"/>
-          <p:cNvSpPr>
-            <a:spLocks noGrp="1"/>
-          </p:cNvSpPr>
-          <p:nvPr>
-            <p:ph type="dt" sz="half" idx="10"/>
-          </p:nvPr>
-        </p:nvSpPr>
-        <p:spPr/>
-        <p:txBody>
-          <a:bodyPr/>
-          <a:lstStyle/>
-          <a:p>
-            <a:r>
-              <a:rPr lang="en-US" smtClean="0"/>
-              <a:t>October 21, 2015</a:t>
-            </a:r>
-            <a:endParaRPr lang="en-US" dirty="0" smtClean="0"/>
-          </a:p>
-        </p:txBody>
-      </p:sp>
-      <p:sp>
-        <p:nvSpPr>
-          <p:cNvPr id="4" name="Slide Number Placeholder 3"/>
-          <p:cNvSpPr>
-            <a:spLocks noGrp="1"/>
-          </p:cNvSpPr>
-          <p:nvPr>
-            <p:ph type="sldNum" sz="quarter" idx="11"/>
-          </p:nvPr>
-        </p:nvSpPr>
-        <p:spPr/>
-        <p:txBody>
-          <a:bodyPr/>
-          <a:lstStyle/>
-          <a:p>
-            <a:fld id="{5698A34F-157D-4FC3-B6AE-341A8B909DED}" type="slidenum">
-              <a:rPr lang="en-US" smtClean="0"/>
-              <a:pPr/>
-              <a:t>32</a:t>
-            </a:fld>
-            <a:endParaRPr lang="en-US" dirty="0"/>
-          </a:p>
-        </p:txBody>
-      </p:sp>
-      <p:sp>
-        <p:nvSpPr>
-          <p:cNvPr id="5" name="Footer Placeholder 4"/>
-          <p:cNvSpPr>
-            <a:spLocks noGrp="1"/>
-          </p:cNvSpPr>
-          <p:nvPr>
-            <p:ph type="ftr" sz="quarter" idx="12"/>
-          </p:nvPr>
-        </p:nvSpPr>
-        <p:spPr/>
-        <p:txBody>
-          <a:bodyPr/>
-          <a:lstStyle/>
-          <a:p>
-            <a:endParaRPr lang="en-US" dirty="0"/>
-          </a:p>
-        </p:txBody>
-      </p:sp>
-      <p:sp>
-        <p:nvSpPr>
-          <p:cNvPr id="6" name="Title 5"/>
-          <p:cNvSpPr>
-            <a:spLocks noGrp="1"/>
-          </p:cNvSpPr>
-          <p:nvPr>
-            <p:ph type="title"/>
-          </p:nvPr>
-        </p:nvSpPr>
-        <p:spPr/>
-        <p:txBody>
-          <a:bodyPr/>
-          <a:lstStyle/>
-          <a:p>
-            <a:r>
-              <a:rPr lang="en-US" dirty="0" smtClean="0"/>
-              <a:t>Approve/Deny Key Requests (5) – Valid Service</a:t>
-            </a:r>
-            <a:endParaRPr lang="en-US" dirty="0"/>
-          </a:p>
-        </p:txBody>
-      </p:sp>
-      <p:sp>
-        <p:nvSpPr>
-          <p:cNvPr id="7" name="Text Placeholder 6"/>
-          <p:cNvSpPr>
-            <a:spLocks noGrp="1"/>
-          </p:cNvSpPr>
-          <p:nvPr>
-            <p:ph type="body" sz="quarter" idx="15"/>
-          </p:nvPr>
-        </p:nvSpPr>
-        <p:spPr/>
-        <p:txBody>
-          <a:bodyPr/>
-          <a:lstStyle/>
-          <a:p>
-            <a:r>
-              <a:rPr lang="en-US" dirty="0" smtClean="0"/>
-              <a:t>Administrator API How To</a:t>
-            </a:r>
-            <a:endParaRPr lang="en-US" dirty="0"/>
-          </a:p>
-        </p:txBody>
-      </p:sp>
-    </p:spTree>
-    <p:extLst>
-      <p:ext uri="{BB962C8B-B14F-4D97-AF65-F5344CB8AC3E}">
-        <p14:creationId xmlns:p14="http://schemas.microsoft.com/office/powerpoint/2010/main" val="2378687281"/>
-      </p:ext>
-    </p:extLst>
-  </p:cSld>
-  <p:clrMapOvr>
-    <a:masterClrMapping/>
-  </p:clrMapOvr>
-  <p:timing>
-    <p:tnLst>
-      <p:par>
-        <p:cTn id="1" dur="indefinite" restart="never" nodeType="tmRoot"/>
-      </p:par>
-    </p:tnLst>
-  </p:timing>
-</p:sld>
-</file>
-
-<file path=ppt/slides/slide33.xml><?xml version="1.0" encoding="utf-8"?>
-<p:sld xmlns:a="http://schemas.openxmlformats.org/drawingml/2006/main" xmlns:r="http://schemas.openxmlformats.org/officeDocument/2006/relationships" xmlns:p="http://schemas.openxmlformats.org/presentationml/2006/main">
-  <p:cSld>
-    <p:spTree>
-      <p:nvGrpSpPr>
-        <p:cNvPr id="1" name=""/>
-        <p:cNvGrpSpPr/>
-        <p:nvPr/>
-      </p:nvGrpSpPr>
-      <p:grpSpPr>
-        <a:xfrm>
-          <a:off x="0" y="0"/>
-          <a:ext cx="0" cy="0"/>
-          <a:chOff x="0" y="0"/>
-          <a:chExt cx="0" cy="0"/>
-        </a:xfrm>
-      </p:grpSpPr>
-      <p:sp>
-        <p:nvSpPr>
-          <p:cNvPr id="2" name="Text Placeholder 1"/>
-          <p:cNvSpPr>
-            <a:spLocks noGrp="1"/>
-          </p:cNvSpPr>
-          <p:nvPr>
-            <p:ph type="body" sz="quarter" idx="13"/>
-          </p:nvPr>
-        </p:nvSpPr>
-        <p:spPr>
-          <a:xfrm>
-            <a:off x="274638" y="1369734"/>
-            <a:ext cx="8283029" cy="3320929"/>
-          </a:xfrm>
-        </p:spPr>
-        <p:txBody>
-          <a:bodyPr/>
-          <a:lstStyle/>
-          <a:p>
-            <a:r>
-              <a:rPr lang="en-US" dirty="0"/>
-              <a:t>Once the subscription data has been successfully uploaded, Approve the request … an approval email is sent to the requestor.</a:t>
-            </a:r>
-          </a:p>
-          <a:p>
-            <a:r>
-              <a:rPr lang="en-US" dirty="0" smtClean="0"/>
-              <a:t>To grant production access to</a:t>
-            </a:r>
-            <a:br>
-              <a:rPr lang="en-US" dirty="0" smtClean="0"/>
-            </a:br>
-            <a:r>
-              <a:rPr lang="en-US" dirty="0" smtClean="0"/>
-              <a:t>SpendingPulse it takes BOTH:</a:t>
-            </a:r>
-          </a:p>
-          <a:p>
-            <a:pPr lvl="1"/>
-            <a:r>
-              <a:rPr lang="en-US" dirty="0" smtClean="0"/>
-              <a:t>Uploaded subscription data for the </a:t>
-            </a:r>
-            <a:br>
-              <a:rPr lang="en-US" dirty="0" smtClean="0"/>
-            </a:br>
-            <a:r>
-              <a:rPr lang="en-US" dirty="0" smtClean="0"/>
-              <a:t>Client ID</a:t>
-            </a:r>
-          </a:p>
-          <a:p>
-            <a:pPr lvl="1"/>
-            <a:r>
-              <a:rPr lang="en-US" dirty="0" smtClean="0"/>
-              <a:t>Approved Key</a:t>
-            </a:r>
-            <a:endParaRPr lang="en-US" dirty="0"/>
-          </a:p>
-        </p:txBody>
-      </p:sp>
-      <p:sp>
-        <p:nvSpPr>
-          <p:cNvPr id="3" name="Date Placeholder 2"/>
-          <p:cNvSpPr>
-            <a:spLocks noGrp="1"/>
-          </p:cNvSpPr>
-          <p:nvPr>
-            <p:ph type="dt" sz="half" idx="10"/>
-          </p:nvPr>
-        </p:nvSpPr>
-        <p:spPr/>
-        <p:txBody>
-          <a:bodyPr/>
-          <a:lstStyle/>
-          <a:p>
-            <a:r>
-              <a:rPr lang="en-US" smtClean="0"/>
-              <a:t>October 21, 2015</a:t>
-            </a:r>
-            <a:endParaRPr lang="en-US" dirty="0" smtClean="0"/>
-          </a:p>
-        </p:txBody>
-      </p:sp>
-      <p:sp>
-        <p:nvSpPr>
-          <p:cNvPr id="4" name="Slide Number Placeholder 3"/>
-          <p:cNvSpPr>
-            <a:spLocks noGrp="1"/>
-          </p:cNvSpPr>
-          <p:nvPr>
-            <p:ph type="sldNum" sz="quarter" idx="11"/>
-          </p:nvPr>
-        </p:nvSpPr>
-        <p:spPr/>
-        <p:txBody>
-          <a:bodyPr/>
-          <a:lstStyle/>
-          <a:p>
-            <a:fld id="{5698A34F-157D-4FC3-B6AE-341A8B909DED}" type="slidenum">
-              <a:rPr lang="en-US" smtClean="0"/>
-              <a:pPr/>
-              <a:t>33</a:t>
-            </a:fld>
-            <a:endParaRPr lang="en-US" dirty="0"/>
-          </a:p>
-        </p:txBody>
-      </p:sp>
-      <p:sp>
-        <p:nvSpPr>
-          <p:cNvPr id="5" name="Footer Placeholder 4"/>
-          <p:cNvSpPr>
-            <a:spLocks noGrp="1"/>
-          </p:cNvSpPr>
-          <p:nvPr>
-            <p:ph type="ftr" sz="quarter" idx="12"/>
-          </p:nvPr>
-        </p:nvSpPr>
-        <p:spPr/>
-        <p:txBody>
-          <a:bodyPr/>
-          <a:lstStyle/>
-          <a:p>
-            <a:endParaRPr lang="en-US" dirty="0"/>
-          </a:p>
-        </p:txBody>
-      </p:sp>
-      <p:sp>
-        <p:nvSpPr>
-          <p:cNvPr id="6" name="Title 5"/>
-          <p:cNvSpPr>
-            <a:spLocks noGrp="1"/>
-          </p:cNvSpPr>
-          <p:nvPr>
-            <p:ph type="title"/>
-          </p:nvPr>
-        </p:nvSpPr>
-        <p:spPr/>
-        <p:txBody>
-          <a:bodyPr/>
-          <a:lstStyle/>
-          <a:p>
-            <a:r>
-              <a:rPr lang="en-US" dirty="0" smtClean="0"/>
-              <a:t>Approve/Deny Key Requests (6) – No valid Service</a:t>
-            </a:r>
-            <a:endParaRPr lang="en-US" dirty="0"/>
-          </a:p>
-        </p:txBody>
-      </p:sp>
-      <p:sp>
-        <p:nvSpPr>
-          <p:cNvPr id="7" name="Text Placeholder 6"/>
-          <p:cNvSpPr>
-            <a:spLocks noGrp="1"/>
-          </p:cNvSpPr>
-          <p:nvPr>
-            <p:ph type="body" sz="quarter" idx="15"/>
-          </p:nvPr>
-        </p:nvSpPr>
-        <p:spPr/>
-        <p:txBody>
-          <a:bodyPr/>
-          <a:lstStyle/>
-          <a:p>
-            <a:r>
-              <a:rPr lang="en-US" dirty="0" smtClean="0"/>
-              <a:t>Administrator API How To</a:t>
-            </a:r>
-            <a:endParaRPr lang="en-US" dirty="0"/>
-          </a:p>
-        </p:txBody>
-      </p:sp>
-      <p:pic>
-        <p:nvPicPr>
-          <p:cNvPr id="9" name="Picture 8"/>
-          <p:cNvPicPr>
-            <a:picLocks noChangeAspect="1"/>
-          </p:cNvPicPr>
-          <p:nvPr/>
-        </p:nvPicPr>
-        <p:blipFill>
-          <a:blip r:embed="rId2"/>
-          <a:stretch>
-            <a:fillRect/>
-          </a:stretch>
-        </p:blipFill>
-        <p:spPr>
-          <a:xfrm>
-            <a:off x="5079061" y="2021322"/>
-            <a:ext cx="3813654" cy="1970971"/>
-          </a:xfrm>
-          <a:prstGeom prst="rect">
-            <a:avLst/>
-          </a:prstGeom>
-        </p:spPr>
-      </p:pic>
-      <p:sp>
-        <p:nvSpPr>
-          <p:cNvPr id="10" name="Right Arrow 9"/>
-          <p:cNvSpPr/>
-          <p:nvPr/>
-        </p:nvSpPr>
-        <p:spPr bwMode="gray">
-          <a:xfrm rot="16200000">
-            <a:off x="7140695" y="2795551"/>
-            <a:ext cx="244306" cy="237325"/>
-          </a:xfrm>
-          <a:prstGeom prst="rightArrow">
-            <a:avLst/>
-          </a:prstGeom>
-          <a:solidFill>
-            <a:schemeClr val="accent1"/>
-          </a:solidFill>
-          <a:ln w="9525" cap="flat" cmpd="sng" algn="ctr">
-            <a:noFill/>
-            <a:prstDash val="solid"/>
-            <a:round/>
-            <a:headEnd type="none" w="med" len="med"/>
-            <a:tailEnd type="none" w="med" len="med"/>
-          </a:ln>
-          <a:effectLst/>
-        </p:spPr>
-        <p:txBody>
-          <a:bodyPr vert="horz" wrap="square" lIns="91440" tIns="45720" rIns="91440" bIns="45720" numCol="1" rtlCol="0" anchor="ctr" anchorCtr="0" compatLnSpc="1">
-            <a:prstTxWarp prst="textNoShape">
-              <a:avLst/>
-            </a:prstTxWarp>
-          </a:bodyPr>
-          <a:lstStyle/>
-          <a:p>
-            <a:pPr marL="0" marR="0" indent="0" algn="l" defTabSz="914400" rtl="0" eaLnBrk="1" fontAlgn="base" latinLnBrk="0" hangingPunct="1">
-              <a:lnSpc>
-                <a:spcPct val="100000"/>
-              </a:lnSpc>
-              <a:spcBef>
-                <a:spcPct val="0"/>
-              </a:spcBef>
-              <a:spcAft>
-                <a:spcPct val="0"/>
-              </a:spcAft>
-              <a:buClrTx/>
-              <a:buSzTx/>
-              <a:buFontTx/>
-              <a:buNone/>
-              <a:tabLst/>
-            </a:pPr>
-            <a:endParaRPr kumimoji="0" lang="en-US" sz="2000" b="0" i="0" u="none" strike="noStrike" cap="none" normalizeH="0" baseline="0" dirty="0" smtClean="0">
-              <a:ln>
-                <a:noFill/>
-              </a:ln>
-              <a:solidFill>
-                <a:schemeClr val="bg1"/>
-              </a:solidFill>
-              <a:effectLst/>
-              <a:latin typeface="Arial" pitchFamily="2" charset="0"/>
-            </a:endParaRPr>
-          </a:p>
-        </p:txBody>
-      </p:sp>
-    </p:spTree>
-    <p:extLst>
-      <p:ext uri="{BB962C8B-B14F-4D97-AF65-F5344CB8AC3E}">
-        <p14:creationId xmlns:p14="http://schemas.microsoft.com/office/powerpoint/2010/main" val="4192355193"/>
-      </p:ext>
-    </p:extLst>
-  </p:cSld>
-  <p:clrMapOvr>
-    <a:masterClrMapping/>
-  </p:clrMapOvr>
-  <p:timing>
-    <p:tnLst>
-      <p:par>
-        <p:cTn id="1" dur="indefinite" restart="never" nodeType="tmRoot"/>
-      </p:par>
-    </p:tnLst>
-  </p:timing>
-</p:sld>
-</file>
-
-<file path=ppt/slides/slide34.xml><?xml version="1.0" encoding="utf-8"?>
-<p:sld xmlns:a="http://schemas.openxmlformats.org/drawingml/2006/main" xmlns:r="http://schemas.openxmlformats.org/officeDocument/2006/relationships" xmlns:p="http://schemas.openxmlformats.org/presentationml/2006/main">
-  <p:cSld>
-    <p:spTree>
-      <p:nvGrpSpPr>
-        <p:cNvPr id="1" name=""/>
-        <p:cNvGrpSpPr/>
-        <p:nvPr/>
-      </p:nvGrpSpPr>
-      <p:grpSpPr>
-        <a:xfrm>
-          <a:off x="0" y="0"/>
-          <a:ext cx="0" cy="0"/>
-          <a:chOff x="0" y="0"/>
-          <a:chExt cx="0" cy="0"/>
-        </a:xfrm>
-      </p:grpSpPr>
-      <p:sp>
-        <p:nvSpPr>
-          <p:cNvPr id="2" name="Text Placeholder 1"/>
-          <p:cNvSpPr>
-            <a:spLocks noGrp="1"/>
-          </p:cNvSpPr>
-          <p:nvPr>
-            <p:ph type="body" sz="quarter" idx="13"/>
-          </p:nvPr>
-        </p:nvSpPr>
-        <p:spPr>
-          <a:xfrm>
-            <a:off x="274638" y="1369734"/>
-            <a:ext cx="8283029" cy="3320929"/>
-          </a:xfrm>
-        </p:spPr>
-        <p:txBody>
-          <a:bodyPr/>
-          <a:lstStyle/>
-          <a:p>
-            <a:r>
-              <a:rPr lang="en-US" dirty="0"/>
-              <a:t>Log in to the API Admin </a:t>
-            </a:r>
-            <a:r>
-              <a:rPr lang="en-US" dirty="0" smtClean="0"/>
-              <a:t>Application </a:t>
-            </a:r>
-            <a:br>
-              <a:rPr lang="en-US" dirty="0" smtClean="0"/>
-            </a:br>
-            <a:r>
-              <a:rPr lang="en-US" dirty="0" smtClean="0"/>
-              <a:t>(slide 27)</a:t>
-            </a:r>
-          </a:p>
-          <a:p>
-            <a:r>
-              <a:rPr lang="en-US" dirty="0"/>
-              <a:t>From the now displayed “Service </a:t>
-            </a:r>
-            <a:br>
-              <a:rPr lang="en-US" dirty="0"/>
-            </a:br>
-            <a:r>
-              <a:rPr lang="en-US" dirty="0"/>
-              <a:t>Management” list …</a:t>
-            </a:r>
-          </a:p>
-          <a:p>
-            <a:pPr lvl="1"/>
-            <a:r>
-              <a:rPr lang="en-US" dirty="0"/>
-              <a:t>Click </a:t>
-            </a:r>
-            <a:r>
-              <a:rPr lang="en-US" dirty="0" smtClean="0"/>
-              <a:t>“Client Configuration for Svc”</a:t>
-            </a:r>
-          </a:p>
-          <a:p>
-            <a:pPr lvl="1"/>
-            <a:r>
-              <a:rPr lang="en-US" dirty="0"/>
-              <a:t>Choose “Sector Insights” or </a:t>
-            </a:r>
-            <a:br>
-              <a:rPr lang="en-US" dirty="0"/>
-            </a:br>
-            <a:r>
-              <a:rPr lang="en-US" dirty="0"/>
-              <a:t>“SpendingPulse” from the </a:t>
-            </a:r>
-            <a:br>
-              <a:rPr lang="en-US" dirty="0"/>
-            </a:br>
-            <a:r>
-              <a:rPr lang="en-US" dirty="0"/>
-              <a:t>Service drop-down</a:t>
-            </a:r>
-            <a:r>
-              <a:rPr lang="en-US" dirty="0" smtClean="0"/>
-              <a:t>.</a:t>
-            </a:r>
-          </a:p>
-          <a:p>
-            <a:pPr lvl="1"/>
-            <a:r>
-              <a:rPr lang="en-US" dirty="0" smtClean="0"/>
-              <a:t>Use the “Search” fields to locate the owner/App </a:t>
-            </a:r>
-            <a:br>
-              <a:rPr lang="en-US" dirty="0" smtClean="0"/>
-            </a:br>
-            <a:r>
-              <a:rPr lang="en-US" dirty="0" smtClean="0"/>
-              <a:t>of the key you </a:t>
-            </a:r>
-            <a:r>
-              <a:rPr lang="en-US" dirty="0"/>
-              <a:t>w</a:t>
-            </a:r>
-            <a:r>
-              <a:rPr lang="en-US" dirty="0" smtClean="0"/>
-              <a:t>ant to revoke.</a:t>
-            </a:r>
-          </a:p>
-          <a:p>
-            <a:pPr lvl="1"/>
-            <a:r>
-              <a:rPr lang="en-US" dirty="0" smtClean="0"/>
-              <a:t>Select the key within the “Search Results” list.</a:t>
-            </a:r>
-            <a:endParaRPr lang="en-US" dirty="0"/>
-          </a:p>
-          <a:p>
-            <a:endParaRPr lang="en-US" dirty="0"/>
-          </a:p>
-        </p:txBody>
-      </p:sp>
-      <p:sp>
-        <p:nvSpPr>
-          <p:cNvPr id="3" name="Date Placeholder 2"/>
-          <p:cNvSpPr>
-            <a:spLocks noGrp="1"/>
-          </p:cNvSpPr>
-          <p:nvPr>
-            <p:ph type="dt" sz="half" idx="10"/>
-          </p:nvPr>
-        </p:nvSpPr>
-        <p:spPr/>
-        <p:txBody>
-          <a:bodyPr/>
-          <a:lstStyle/>
-          <a:p>
-            <a:r>
-              <a:rPr lang="en-US" smtClean="0"/>
-              <a:t>October 21, 2015</a:t>
-            </a:r>
-            <a:endParaRPr lang="en-US" dirty="0" smtClean="0"/>
-          </a:p>
-        </p:txBody>
-      </p:sp>
-      <p:sp>
-        <p:nvSpPr>
-          <p:cNvPr id="4" name="Slide Number Placeholder 3"/>
-          <p:cNvSpPr>
-            <a:spLocks noGrp="1"/>
-          </p:cNvSpPr>
-          <p:nvPr>
-            <p:ph type="sldNum" sz="quarter" idx="11"/>
-          </p:nvPr>
-        </p:nvSpPr>
-        <p:spPr/>
-        <p:txBody>
-          <a:bodyPr/>
-          <a:lstStyle/>
-          <a:p>
-            <a:fld id="{5698A34F-157D-4FC3-B6AE-341A8B909DED}" type="slidenum">
-              <a:rPr lang="en-US" smtClean="0"/>
-              <a:pPr/>
-              <a:t>34</a:t>
-            </a:fld>
-            <a:endParaRPr lang="en-US" dirty="0"/>
-          </a:p>
-        </p:txBody>
-      </p:sp>
-      <p:sp>
-        <p:nvSpPr>
-          <p:cNvPr id="5" name="Footer Placeholder 4"/>
-          <p:cNvSpPr>
-            <a:spLocks noGrp="1"/>
-          </p:cNvSpPr>
-          <p:nvPr>
-            <p:ph type="ftr" sz="quarter" idx="12"/>
-          </p:nvPr>
-        </p:nvSpPr>
-        <p:spPr/>
-        <p:txBody>
-          <a:bodyPr/>
-          <a:lstStyle/>
-          <a:p>
-            <a:endParaRPr lang="en-US" dirty="0"/>
-          </a:p>
-        </p:txBody>
-      </p:sp>
-      <p:sp>
-        <p:nvSpPr>
-          <p:cNvPr id="6" name="Title 5"/>
-          <p:cNvSpPr>
-            <a:spLocks noGrp="1"/>
-          </p:cNvSpPr>
-          <p:nvPr>
-            <p:ph type="title"/>
-          </p:nvPr>
-        </p:nvSpPr>
-        <p:spPr>
-          <a:xfrm>
-            <a:off x="273915" y="644462"/>
-            <a:ext cx="8618799" cy="486287"/>
-          </a:xfrm>
-        </p:spPr>
-        <p:txBody>
-          <a:bodyPr/>
-          <a:lstStyle/>
-          <a:p>
-            <a:r>
-              <a:rPr lang="en-US" dirty="0" smtClean="0"/>
-              <a:t>How to Deactivate/Deny a Previously Approved Key (1)</a:t>
-            </a:r>
-            <a:endParaRPr lang="en-US" dirty="0"/>
-          </a:p>
-        </p:txBody>
-      </p:sp>
-      <p:sp>
-        <p:nvSpPr>
-          <p:cNvPr id="7" name="Text Placeholder 6"/>
-          <p:cNvSpPr>
-            <a:spLocks noGrp="1"/>
-          </p:cNvSpPr>
-          <p:nvPr>
-            <p:ph type="body" sz="quarter" idx="15"/>
-          </p:nvPr>
-        </p:nvSpPr>
-        <p:spPr/>
-        <p:txBody>
-          <a:bodyPr/>
-          <a:lstStyle/>
-          <a:p>
-            <a:r>
-              <a:rPr lang="en-US" dirty="0" smtClean="0"/>
-              <a:t>Administrator API How To</a:t>
-            </a:r>
-            <a:endParaRPr lang="en-US" dirty="0"/>
-          </a:p>
-        </p:txBody>
-      </p:sp>
-      <p:pic>
-        <p:nvPicPr>
-          <p:cNvPr id="18" name="Picture 17"/>
-          <p:cNvPicPr>
-            <a:picLocks noChangeAspect="1"/>
-          </p:cNvPicPr>
-          <p:nvPr/>
-        </p:nvPicPr>
-        <p:blipFill>
-          <a:blip r:embed="rId2"/>
-          <a:stretch>
-            <a:fillRect/>
-          </a:stretch>
-        </p:blipFill>
-        <p:spPr>
-          <a:xfrm>
-            <a:off x="4647618" y="1369734"/>
-            <a:ext cx="4160520" cy="2555215"/>
-          </a:xfrm>
-          <a:prstGeom prst="rect">
-            <a:avLst/>
-          </a:prstGeom>
-        </p:spPr>
-      </p:pic>
-      <p:sp>
-        <p:nvSpPr>
-          <p:cNvPr id="12" name="Right Arrow 11"/>
-          <p:cNvSpPr/>
-          <p:nvPr/>
-        </p:nvSpPr>
-        <p:spPr bwMode="gray">
-          <a:xfrm>
-            <a:off x="4325613" y="1633569"/>
-            <a:ext cx="342027" cy="137859"/>
-          </a:xfrm>
-          <a:prstGeom prst="rightArrow">
-            <a:avLst/>
-          </a:prstGeom>
-          <a:solidFill>
-            <a:schemeClr val="accent1"/>
-          </a:solidFill>
-          <a:ln w="9525" cap="flat" cmpd="sng" algn="ctr">
-            <a:noFill/>
-            <a:prstDash val="solid"/>
-            <a:round/>
-            <a:headEnd type="none" w="med" len="med"/>
-            <a:tailEnd type="none" w="med" len="med"/>
-          </a:ln>
-          <a:effectLst/>
-        </p:spPr>
-        <p:txBody>
-          <a:bodyPr vert="horz" wrap="square" lIns="91440" tIns="45720" rIns="91440" bIns="45720" numCol="1" rtlCol="0" anchor="ctr" anchorCtr="0" compatLnSpc="1">
-            <a:prstTxWarp prst="textNoShape">
-              <a:avLst/>
-            </a:prstTxWarp>
-          </a:bodyPr>
-          <a:lstStyle/>
-          <a:p>
-            <a:pPr marL="0" marR="0" indent="0" algn="l" defTabSz="914400" rtl="0" eaLnBrk="1" fontAlgn="base" latinLnBrk="0" hangingPunct="1">
-              <a:lnSpc>
-                <a:spcPct val="100000"/>
-              </a:lnSpc>
-              <a:spcBef>
-                <a:spcPct val="0"/>
-              </a:spcBef>
-              <a:spcAft>
-                <a:spcPct val="0"/>
-              </a:spcAft>
-              <a:buClrTx/>
-              <a:buSzTx/>
-              <a:buFontTx/>
-              <a:buNone/>
-              <a:tabLst/>
-            </a:pPr>
-            <a:endParaRPr kumimoji="0" lang="en-US" sz="2000" b="0" i="0" u="none" strike="noStrike" cap="none" normalizeH="0" baseline="0" dirty="0" smtClean="0">
-              <a:ln>
-                <a:noFill/>
-              </a:ln>
-              <a:solidFill>
-                <a:schemeClr val="bg1"/>
-              </a:solidFill>
-              <a:effectLst/>
-              <a:latin typeface="Arial" pitchFamily="2" charset="0"/>
-            </a:endParaRPr>
-          </a:p>
-        </p:txBody>
-      </p:sp>
-      <p:sp>
-        <p:nvSpPr>
-          <p:cNvPr id="13" name="Right Arrow 12"/>
-          <p:cNvSpPr/>
-          <p:nvPr/>
-        </p:nvSpPr>
-        <p:spPr bwMode="gray">
-          <a:xfrm rot="16200000">
-            <a:off x="7045143" y="1561174"/>
-            <a:ext cx="221621" cy="198886"/>
-          </a:xfrm>
-          <a:prstGeom prst="rightArrow">
-            <a:avLst/>
-          </a:prstGeom>
-          <a:solidFill>
-            <a:schemeClr val="accent1"/>
-          </a:solidFill>
-          <a:ln w="9525" cap="flat" cmpd="sng" algn="ctr">
-            <a:noFill/>
-            <a:prstDash val="solid"/>
-            <a:round/>
-            <a:headEnd type="none" w="med" len="med"/>
-            <a:tailEnd type="none" w="med" len="med"/>
-          </a:ln>
-          <a:effectLst/>
-        </p:spPr>
-        <p:txBody>
-          <a:bodyPr vert="horz" wrap="square" lIns="91440" tIns="45720" rIns="91440" bIns="45720" numCol="1" rtlCol="0" anchor="ctr" anchorCtr="0" compatLnSpc="1">
-            <a:prstTxWarp prst="textNoShape">
-              <a:avLst/>
-            </a:prstTxWarp>
-          </a:bodyPr>
-          <a:lstStyle/>
-          <a:p>
-            <a:pPr marL="0" marR="0" indent="0" algn="l" defTabSz="914400" rtl="0" eaLnBrk="1" fontAlgn="base" latinLnBrk="0" hangingPunct="1">
-              <a:lnSpc>
-                <a:spcPct val="100000"/>
-              </a:lnSpc>
-              <a:spcBef>
-                <a:spcPct val="0"/>
-              </a:spcBef>
-              <a:spcAft>
-                <a:spcPct val="0"/>
-              </a:spcAft>
-              <a:buClrTx/>
-              <a:buSzTx/>
-              <a:buFontTx/>
-              <a:buNone/>
-              <a:tabLst/>
-            </a:pPr>
-            <a:endParaRPr kumimoji="0" lang="en-US" sz="2000" b="0" i="0" u="none" strike="noStrike" cap="none" normalizeH="0" baseline="0" dirty="0" smtClean="0">
-              <a:ln>
-                <a:noFill/>
-              </a:ln>
-              <a:solidFill>
-                <a:schemeClr val="bg1"/>
-              </a:solidFill>
-              <a:effectLst/>
-              <a:latin typeface="Arial" pitchFamily="2" charset="0"/>
-            </a:endParaRPr>
-          </a:p>
-        </p:txBody>
-      </p:sp>
-      <p:sp>
-        <p:nvSpPr>
-          <p:cNvPr id="15" name="Right Arrow 14"/>
-          <p:cNvSpPr/>
-          <p:nvPr/>
-        </p:nvSpPr>
-        <p:spPr bwMode="gray">
-          <a:xfrm rot="19866145">
-            <a:off x="3487319" y="3030901"/>
-            <a:ext cx="2443768" cy="102691"/>
-          </a:xfrm>
-          <a:prstGeom prst="rightArrow">
-            <a:avLst/>
-          </a:prstGeom>
-          <a:solidFill>
-            <a:schemeClr val="accent1"/>
-          </a:solidFill>
-          <a:ln w="9525" cap="flat" cmpd="sng" algn="ctr">
-            <a:noFill/>
-            <a:prstDash val="solid"/>
-            <a:round/>
-            <a:headEnd type="none" w="med" len="med"/>
-            <a:tailEnd type="none" w="med" len="med"/>
-          </a:ln>
-          <a:effectLst/>
-        </p:spPr>
-        <p:txBody>
-          <a:bodyPr vert="horz" wrap="square" lIns="91440" tIns="45720" rIns="91440" bIns="45720" numCol="1" rtlCol="0" anchor="ctr" anchorCtr="0" compatLnSpc="1">
-            <a:prstTxWarp prst="textNoShape">
-              <a:avLst/>
-            </a:prstTxWarp>
-          </a:bodyPr>
-          <a:lstStyle/>
-          <a:p>
-            <a:pPr marL="0" marR="0" indent="0" algn="l" defTabSz="914400" rtl="0" eaLnBrk="1" fontAlgn="base" latinLnBrk="0" hangingPunct="1">
-              <a:lnSpc>
-                <a:spcPct val="100000"/>
-              </a:lnSpc>
-              <a:spcBef>
-                <a:spcPct val="0"/>
-              </a:spcBef>
-              <a:spcAft>
-                <a:spcPct val="0"/>
-              </a:spcAft>
-              <a:buClrTx/>
-              <a:buSzTx/>
-              <a:buFontTx/>
-              <a:buNone/>
-              <a:tabLst/>
-            </a:pPr>
-            <a:endParaRPr kumimoji="0" lang="en-US" sz="2000" b="0" i="0" u="none" strike="noStrike" cap="none" normalizeH="0" baseline="0" dirty="0" smtClean="0">
-              <a:ln>
-                <a:noFill/>
-              </a:ln>
-              <a:solidFill>
-                <a:schemeClr val="bg1"/>
-              </a:solidFill>
-              <a:effectLst/>
-              <a:latin typeface="Arial" pitchFamily="2" charset="0"/>
-            </a:endParaRPr>
-          </a:p>
-        </p:txBody>
-      </p:sp>
-      <p:sp>
-        <p:nvSpPr>
-          <p:cNvPr id="16" name="Right Arrow 15"/>
-          <p:cNvSpPr/>
-          <p:nvPr/>
-        </p:nvSpPr>
-        <p:spPr bwMode="gray">
-          <a:xfrm rot="18373809">
-            <a:off x="5284640" y="3852578"/>
-            <a:ext cx="1209725" cy="103155"/>
-          </a:xfrm>
-          <a:prstGeom prst="rightArrow">
-            <a:avLst/>
-          </a:prstGeom>
-          <a:solidFill>
-            <a:schemeClr val="accent1"/>
-          </a:solidFill>
-          <a:ln w="9525" cap="flat" cmpd="sng" algn="ctr">
-            <a:noFill/>
-            <a:prstDash val="solid"/>
-            <a:round/>
-            <a:headEnd type="none" w="med" len="med"/>
-            <a:tailEnd type="none" w="med" len="med"/>
-          </a:ln>
-          <a:effectLst/>
-        </p:spPr>
-        <p:txBody>
-          <a:bodyPr vert="horz" wrap="square" lIns="91440" tIns="45720" rIns="91440" bIns="45720" numCol="1" rtlCol="0" anchor="ctr" anchorCtr="0" compatLnSpc="1">
-            <a:prstTxWarp prst="textNoShape">
-              <a:avLst/>
-            </a:prstTxWarp>
-          </a:bodyPr>
-          <a:lstStyle/>
-          <a:p>
-            <a:pPr marL="0" marR="0" indent="0" algn="l" defTabSz="914400" rtl="0" eaLnBrk="1" fontAlgn="base" latinLnBrk="0" hangingPunct="1">
-              <a:lnSpc>
-                <a:spcPct val="100000"/>
-              </a:lnSpc>
-              <a:spcBef>
-                <a:spcPct val="0"/>
-              </a:spcBef>
-              <a:spcAft>
-                <a:spcPct val="0"/>
-              </a:spcAft>
-              <a:buClrTx/>
-              <a:buSzTx/>
-              <a:buFontTx/>
-              <a:buNone/>
-              <a:tabLst/>
-            </a:pPr>
-            <a:endParaRPr kumimoji="0" lang="en-US" sz="2000" b="0" i="0" u="none" strike="noStrike" cap="none" normalizeH="0" baseline="0" dirty="0" smtClean="0">
-              <a:ln>
-                <a:noFill/>
-              </a:ln>
-              <a:solidFill>
-                <a:schemeClr val="bg1"/>
-              </a:solidFill>
-              <a:effectLst/>
-              <a:latin typeface="Arial" pitchFamily="2" charset="0"/>
-            </a:endParaRPr>
-          </a:p>
-        </p:txBody>
-      </p:sp>
-    </p:spTree>
-    <p:extLst>
-      <p:ext uri="{BB962C8B-B14F-4D97-AF65-F5344CB8AC3E}">
-        <p14:creationId xmlns:p14="http://schemas.microsoft.com/office/powerpoint/2010/main" val="2039868981"/>
-      </p:ext>
-    </p:extLst>
-  </p:cSld>
-  <p:clrMapOvr>
-    <a:masterClrMapping/>
-  </p:clrMapOvr>
-  <p:timing>
-    <p:tnLst>
-      <p:par>
-        <p:cTn id="1" dur="indefinite" restart="never" nodeType="tmRoot"/>
-      </p:par>
-    </p:tnLst>
-  </p:timing>
-</p:sld>
-</file>
-
-<file path=ppt/slides/slide35.xml><?xml version="1.0" encoding="utf-8"?>
-<p:sld xmlns:a="http://schemas.openxmlformats.org/drawingml/2006/main" xmlns:r="http://schemas.openxmlformats.org/officeDocument/2006/relationships" xmlns:p="http://schemas.openxmlformats.org/presentationml/2006/main">
-  <p:cSld>
-    <p:spTree>
-      <p:nvGrpSpPr>
-        <p:cNvPr id="1" name=""/>
-        <p:cNvGrpSpPr/>
-        <p:nvPr/>
-      </p:nvGrpSpPr>
-      <p:grpSpPr>
-        <a:xfrm>
-          <a:off x="0" y="0"/>
-          <a:ext cx="0" cy="0"/>
-          <a:chOff x="0" y="0"/>
-          <a:chExt cx="0" cy="0"/>
-        </a:xfrm>
-      </p:grpSpPr>
-      <p:sp>
-        <p:nvSpPr>
-          <p:cNvPr id="2" name="Text Placeholder 1"/>
-          <p:cNvSpPr>
-            <a:spLocks noGrp="1"/>
-          </p:cNvSpPr>
-          <p:nvPr>
-            <p:ph type="body" sz="quarter" idx="13"/>
-          </p:nvPr>
-        </p:nvSpPr>
-        <p:spPr>
-          <a:xfrm>
-            <a:off x="274638" y="987818"/>
-            <a:ext cx="8283029" cy="3737694"/>
-          </a:xfrm>
-        </p:spPr>
-        <p:txBody>
-          <a:bodyPr/>
-          <a:lstStyle/>
-          <a:p>
-            <a:pPr lvl="1"/>
-            <a:endParaRPr lang="en-US" dirty="0" smtClean="0"/>
-          </a:p>
-          <a:p>
-            <a:pPr lvl="1"/>
-            <a:endParaRPr lang="en-US" dirty="0"/>
-          </a:p>
-          <a:p>
-            <a:pPr lvl="1"/>
-            <a:endParaRPr lang="en-US" dirty="0" smtClean="0"/>
-          </a:p>
-          <a:p>
-            <a:pPr lvl="1"/>
-            <a:endParaRPr lang="en-US" dirty="0"/>
-          </a:p>
-          <a:p>
-            <a:pPr lvl="1"/>
-            <a:endParaRPr lang="en-US" dirty="0" smtClean="0"/>
-          </a:p>
-          <a:p>
-            <a:pPr lvl="1"/>
-            <a:endParaRPr lang="en-US" dirty="0" smtClean="0"/>
-          </a:p>
-          <a:p>
-            <a:pPr lvl="1"/>
-            <a:r>
-              <a:rPr lang="en-US" dirty="0" smtClean="0"/>
-              <a:t>Uncheck the “Granted” box</a:t>
-            </a:r>
-          </a:p>
-          <a:p>
-            <a:pPr lvl="1"/>
-            <a:endParaRPr lang="en-US" dirty="0"/>
-          </a:p>
-          <a:p>
-            <a:pPr lvl="1"/>
-            <a:endParaRPr lang="en-US" dirty="0" smtClean="0"/>
-          </a:p>
-          <a:p>
-            <a:pPr lvl="1"/>
-            <a:r>
-              <a:rPr lang="en-US" dirty="0" smtClean="0"/>
-              <a:t>Click “Submit”</a:t>
-            </a:r>
-          </a:p>
-          <a:p>
-            <a:pPr lvl="1"/>
-            <a:r>
-              <a:rPr lang="en-US" dirty="0" smtClean="0"/>
-              <a:t>Remove the Client ID from either the subscription data file (one or both) as needed. If for SpendingPulse, upload the subscription file (see slide 31).</a:t>
-            </a:r>
-            <a:br>
-              <a:rPr lang="en-US" dirty="0" smtClean="0"/>
-            </a:br>
-            <a:r>
-              <a:rPr lang="en-US" sz="1200" dirty="0" smtClean="0">
-                <a:latin typeface="Andale Mono" panose="020B0509000000000004" pitchFamily="49" charset="0"/>
-              </a:rPr>
-              <a:t>Sector </a:t>
-            </a:r>
-            <a:r>
-              <a:rPr lang="en-US" sz="1200" dirty="0">
-                <a:latin typeface="Andale Mono" panose="020B0509000000000004" pitchFamily="49" charset="0"/>
-              </a:rPr>
-              <a:t>insights Keys.xlsx </a:t>
-            </a:r>
-            <a:r>
-              <a:rPr lang="en-US" dirty="0"/>
-              <a:t>or</a:t>
-            </a:r>
-            <a:r>
-              <a:rPr lang="en-US" sz="1200" dirty="0" smtClean="0">
-                <a:latin typeface="Andale Mono" panose="020B0509000000000004" pitchFamily="49" charset="0"/>
-              </a:rPr>
-              <a:t> SpendingPulse </a:t>
-            </a:r>
-            <a:r>
-              <a:rPr lang="en-US" sz="1200" dirty="0">
-                <a:latin typeface="Andale Mono" panose="020B0509000000000004" pitchFamily="49" charset="0"/>
-              </a:rPr>
-              <a:t>API Subscription Data.xlsx </a:t>
-            </a:r>
-            <a:r>
-              <a:rPr lang="en-US" sz="1200" dirty="0" smtClean="0">
-                <a:latin typeface="Andale Mono" panose="020B0509000000000004" pitchFamily="49" charset="0"/>
-              </a:rPr>
-              <a:t/>
-            </a:r>
-            <a:br>
-              <a:rPr lang="en-US" sz="1200" dirty="0" smtClean="0">
-                <a:latin typeface="Andale Mono" panose="020B0509000000000004" pitchFamily="49" charset="0"/>
-              </a:rPr>
-            </a:br>
-            <a:endParaRPr lang="en-US" sz="1200" dirty="0">
-              <a:latin typeface="Andale Mono" panose="020B0509000000000004" pitchFamily="49" charset="0"/>
-            </a:endParaRPr>
-          </a:p>
-        </p:txBody>
-      </p:sp>
-      <p:sp>
-        <p:nvSpPr>
-          <p:cNvPr id="3" name="Date Placeholder 2"/>
-          <p:cNvSpPr>
-            <a:spLocks noGrp="1"/>
-          </p:cNvSpPr>
-          <p:nvPr>
-            <p:ph type="dt" sz="half" idx="10"/>
-          </p:nvPr>
-        </p:nvSpPr>
-        <p:spPr/>
-        <p:txBody>
-          <a:bodyPr/>
-          <a:lstStyle/>
-          <a:p>
-            <a:r>
-              <a:rPr lang="en-US" smtClean="0"/>
-              <a:t>October 21, 2015</a:t>
-            </a:r>
-            <a:endParaRPr lang="en-US" dirty="0" smtClean="0"/>
-          </a:p>
-        </p:txBody>
-      </p:sp>
-      <p:sp>
-        <p:nvSpPr>
-          <p:cNvPr id="4" name="Slide Number Placeholder 3"/>
-          <p:cNvSpPr>
-            <a:spLocks noGrp="1"/>
-          </p:cNvSpPr>
-          <p:nvPr>
-            <p:ph type="sldNum" sz="quarter" idx="11"/>
-          </p:nvPr>
-        </p:nvSpPr>
-        <p:spPr/>
-        <p:txBody>
-          <a:bodyPr/>
-          <a:lstStyle/>
-          <a:p>
-            <a:fld id="{5698A34F-157D-4FC3-B6AE-341A8B909DED}" type="slidenum">
-              <a:rPr lang="en-US" smtClean="0"/>
-              <a:pPr/>
-              <a:t>35</a:t>
-            </a:fld>
-            <a:endParaRPr lang="en-US" dirty="0"/>
-          </a:p>
-        </p:txBody>
-      </p:sp>
-      <p:sp>
-        <p:nvSpPr>
-          <p:cNvPr id="5" name="Footer Placeholder 4"/>
-          <p:cNvSpPr>
-            <a:spLocks noGrp="1"/>
-          </p:cNvSpPr>
-          <p:nvPr>
-            <p:ph type="ftr" sz="quarter" idx="12"/>
-          </p:nvPr>
-        </p:nvSpPr>
-        <p:spPr/>
-        <p:txBody>
-          <a:bodyPr/>
-          <a:lstStyle/>
-          <a:p>
-            <a:endParaRPr lang="en-US" dirty="0"/>
-          </a:p>
-        </p:txBody>
-      </p:sp>
-      <p:sp>
-        <p:nvSpPr>
-          <p:cNvPr id="6" name="Title 5"/>
-          <p:cNvSpPr>
-            <a:spLocks noGrp="1"/>
-          </p:cNvSpPr>
-          <p:nvPr>
-            <p:ph type="title"/>
-          </p:nvPr>
-        </p:nvSpPr>
-        <p:spPr>
-          <a:xfrm>
-            <a:off x="273915" y="644462"/>
-            <a:ext cx="8618799" cy="486287"/>
-          </a:xfrm>
-        </p:spPr>
-        <p:txBody>
-          <a:bodyPr/>
-          <a:lstStyle/>
-          <a:p>
-            <a:r>
-              <a:rPr lang="en-US" dirty="0" smtClean="0"/>
-              <a:t>How to Deactivate/Deny a Previously Approved Key (2)</a:t>
-            </a:r>
-            <a:endParaRPr lang="en-US" dirty="0"/>
-          </a:p>
-        </p:txBody>
-      </p:sp>
-      <p:sp>
-        <p:nvSpPr>
-          <p:cNvPr id="7" name="Text Placeholder 6"/>
-          <p:cNvSpPr>
-            <a:spLocks noGrp="1"/>
-          </p:cNvSpPr>
-          <p:nvPr>
-            <p:ph type="body" sz="quarter" idx="15"/>
-          </p:nvPr>
-        </p:nvSpPr>
-        <p:spPr/>
-        <p:txBody>
-          <a:bodyPr/>
-          <a:lstStyle/>
-          <a:p>
-            <a:r>
-              <a:rPr lang="en-US" dirty="0" smtClean="0"/>
-              <a:t>Administrator API How To</a:t>
-            </a:r>
-            <a:endParaRPr lang="en-US" dirty="0"/>
-          </a:p>
-        </p:txBody>
-      </p:sp>
-      <p:pic>
-        <p:nvPicPr>
-          <p:cNvPr id="18" name="Picture 17"/>
-          <p:cNvPicPr>
-            <a:picLocks noChangeAspect="1"/>
-          </p:cNvPicPr>
-          <p:nvPr/>
-        </p:nvPicPr>
-        <p:blipFill>
-          <a:blip r:embed="rId2"/>
-          <a:stretch>
-            <a:fillRect/>
-          </a:stretch>
-        </p:blipFill>
-        <p:spPr>
-          <a:xfrm>
-            <a:off x="4647618" y="1162824"/>
-            <a:ext cx="4160520" cy="2555215"/>
-          </a:xfrm>
-          <a:prstGeom prst="rect">
-            <a:avLst/>
-          </a:prstGeom>
-        </p:spPr>
-      </p:pic>
-      <p:sp>
-        <p:nvSpPr>
-          <p:cNvPr id="12" name="Right Arrow 11"/>
-          <p:cNvSpPr/>
-          <p:nvPr/>
-        </p:nvSpPr>
-        <p:spPr bwMode="gray">
-          <a:xfrm>
-            <a:off x="3731583" y="2846013"/>
-            <a:ext cx="3570532" cy="84070"/>
-          </a:xfrm>
-          <a:prstGeom prst="rightArrow">
-            <a:avLst/>
-          </a:prstGeom>
-          <a:solidFill>
-            <a:schemeClr val="accent1"/>
-          </a:solidFill>
-          <a:ln w="9525" cap="flat" cmpd="sng" algn="ctr">
-            <a:noFill/>
-            <a:prstDash val="solid"/>
-            <a:round/>
-            <a:headEnd type="none" w="med" len="med"/>
-            <a:tailEnd type="none" w="med" len="med"/>
-          </a:ln>
-          <a:effectLst/>
-        </p:spPr>
-        <p:txBody>
-          <a:bodyPr vert="horz" wrap="square" lIns="91440" tIns="45720" rIns="91440" bIns="45720" numCol="1" rtlCol="0" anchor="ctr" anchorCtr="0" compatLnSpc="1">
-            <a:prstTxWarp prst="textNoShape">
-              <a:avLst/>
-            </a:prstTxWarp>
-          </a:bodyPr>
-          <a:lstStyle/>
-          <a:p>
-            <a:pPr marL="0" marR="0" indent="0" algn="l" defTabSz="914400" rtl="0" eaLnBrk="1" fontAlgn="base" latinLnBrk="0" hangingPunct="1">
-              <a:lnSpc>
-                <a:spcPct val="100000"/>
-              </a:lnSpc>
-              <a:spcBef>
-                <a:spcPct val="0"/>
-              </a:spcBef>
-              <a:spcAft>
-                <a:spcPct val="0"/>
-              </a:spcAft>
-              <a:buClrTx/>
-              <a:buSzTx/>
-              <a:buFontTx/>
-              <a:buNone/>
-              <a:tabLst/>
-            </a:pPr>
-            <a:endParaRPr kumimoji="0" lang="en-US" sz="2000" b="0" i="0" u="none" strike="noStrike" cap="none" normalizeH="0" baseline="0" dirty="0" smtClean="0">
-              <a:ln>
-                <a:noFill/>
-              </a:ln>
-              <a:solidFill>
-                <a:schemeClr val="bg1"/>
-              </a:solidFill>
-              <a:effectLst/>
-              <a:latin typeface="Arial" pitchFamily="2" charset="0"/>
-            </a:endParaRPr>
-          </a:p>
-        </p:txBody>
-      </p:sp>
-      <p:sp>
-        <p:nvSpPr>
-          <p:cNvPr id="14" name="Right Arrow 13"/>
-          <p:cNvSpPr/>
-          <p:nvPr/>
-        </p:nvSpPr>
-        <p:spPr bwMode="gray">
-          <a:xfrm>
-            <a:off x="2282663" y="3605787"/>
-            <a:ext cx="5458856" cy="84070"/>
-          </a:xfrm>
-          <a:prstGeom prst="rightArrow">
-            <a:avLst/>
-          </a:prstGeom>
-          <a:solidFill>
-            <a:schemeClr val="accent1"/>
-          </a:solidFill>
-          <a:ln w="9525" cap="flat" cmpd="sng" algn="ctr">
-            <a:noFill/>
-            <a:prstDash val="solid"/>
-            <a:round/>
-            <a:headEnd type="none" w="med" len="med"/>
-            <a:tailEnd type="none" w="med" len="med"/>
-          </a:ln>
-          <a:effectLst/>
-        </p:spPr>
-        <p:txBody>
-          <a:bodyPr vert="horz" wrap="square" lIns="91440" tIns="45720" rIns="91440" bIns="45720" numCol="1" rtlCol="0" anchor="ctr" anchorCtr="0" compatLnSpc="1">
-            <a:prstTxWarp prst="textNoShape">
-              <a:avLst/>
-            </a:prstTxWarp>
-          </a:bodyPr>
-          <a:lstStyle/>
-          <a:p>
-            <a:pPr marL="0" marR="0" indent="0" algn="l" defTabSz="914400" rtl="0" eaLnBrk="1" fontAlgn="base" latinLnBrk="0" hangingPunct="1">
-              <a:lnSpc>
-                <a:spcPct val="100000"/>
-              </a:lnSpc>
-              <a:spcBef>
-                <a:spcPct val="0"/>
-              </a:spcBef>
-              <a:spcAft>
-                <a:spcPct val="0"/>
-              </a:spcAft>
-              <a:buClrTx/>
-              <a:buSzTx/>
-              <a:buFontTx/>
-              <a:buNone/>
-              <a:tabLst/>
-            </a:pPr>
-            <a:endParaRPr kumimoji="0" lang="en-US" sz="2000" b="0" i="0" u="none" strike="noStrike" cap="none" normalizeH="0" baseline="0" dirty="0" smtClean="0">
-              <a:ln>
-                <a:noFill/>
-              </a:ln>
-              <a:solidFill>
-                <a:schemeClr val="bg1"/>
-              </a:solidFill>
-              <a:effectLst/>
-              <a:latin typeface="Arial" pitchFamily="2" charset="0"/>
-            </a:endParaRPr>
-          </a:p>
-        </p:txBody>
-      </p:sp>
-    </p:spTree>
-    <p:extLst>
-      <p:ext uri="{BB962C8B-B14F-4D97-AF65-F5344CB8AC3E}">
-        <p14:creationId xmlns:p14="http://schemas.microsoft.com/office/powerpoint/2010/main" val="1326989588"/>
-      </p:ext>
-    </p:extLst>
-  </p:cSld>
-  <p:clrMapOvr>
-    <a:masterClrMapping/>
-  </p:clrMapOvr>
-  <p:timing>
-    <p:tnLst>
-      <p:par>
-        <p:cTn id="1" dur="indefinite" restart="never" nodeType="tmRoot"/>
-      </p:par>
-    </p:tnLst>
-  </p:timing>
-</p:sld>
-</file>
-
-<file path=ppt/slides/slide36.xml><?xml version="1.0" encoding="utf-8"?>
-<p:sld xmlns:a="http://schemas.openxmlformats.org/drawingml/2006/main" xmlns:r="http://schemas.openxmlformats.org/officeDocument/2006/relationships" xmlns:p="http://schemas.openxmlformats.org/presentationml/2006/main">
-  <p:cSld>
-    <p:spTree>
-      <p:nvGrpSpPr>
-        <p:cNvPr id="1" name=""/>
-        <p:cNvGrpSpPr/>
-        <p:nvPr/>
-      </p:nvGrpSpPr>
-      <p:grpSpPr>
-        <a:xfrm>
-          <a:off x="0" y="0"/>
-          <a:ext cx="0" cy="0"/>
-          <a:chOff x="0" y="0"/>
-          <a:chExt cx="0" cy="0"/>
-        </a:xfrm>
-      </p:grpSpPr>
-      <p:sp>
-        <p:nvSpPr>
-          <p:cNvPr id="2" name="Text Placeholder 1"/>
-          <p:cNvSpPr>
-            <a:spLocks noGrp="1"/>
-          </p:cNvSpPr>
-          <p:nvPr>
-            <p:ph type="body" sz="quarter" idx="13"/>
-          </p:nvPr>
-        </p:nvSpPr>
-        <p:spPr>
-          <a:xfrm>
-            <a:off x="274638" y="1416424"/>
-            <a:ext cx="8283029" cy="3309088"/>
-          </a:xfrm>
-        </p:spPr>
-        <p:txBody>
-          <a:bodyPr/>
-          <a:lstStyle/>
-          <a:p>
-            <a:r>
-              <a:rPr lang="en-US" dirty="0" smtClean="0"/>
-              <a:t>For BOTH Weekly Gasoline data and US Exec data:</a:t>
-            </a:r>
-          </a:p>
-          <a:p>
-            <a:pPr lvl="1"/>
-            <a:r>
-              <a:rPr lang="en-US" dirty="0" smtClean="0"/>
-              <a:t>Must FIRST delete last report’s data – then upload new data</a:t>
-            </a:r>
-          </a:p>
-          <a:p>
-            <a:pPr lvl="1"/>
-            <a:r>
-              <a:rPr lang="en-US" dirty="0" smtClean="0"/>
-              <a:t>If not</a:t>
-            </a:r>
-            <a:r>
-              <a:rPr lang="en-US" smtClean="0"/>
-              <a:t>, both </a:t>
-            </a:r>
-            <a:r>
-              <a:rPr lang="en-US" dirty="0" smtClean="0"/>
-              <a:t>sets of data are exposed in the </a:t>
-            </a:r>
-            <a:r>
-              <a:rPr lang="en-US" smtClean="0"/>
-              <a:t>API.</a:t>
-            </a:r>
-            <a:endParaRPr lang="en-US" sz="1200" dirty="0">
-              <a:latin typeface="Andale Mono" panose="020B0509000000000004" pitchFamily="49" charset="0"/>
-            </a:endParaRPr>
-          </a:p>
-        </p:txBody>
-      </p:sp>
-      <p:sp>
-        <p:nvSpPr>
-          <p:cNvPr id="3" name="Date Placeholder 2"/>
-          <p:cNvSpPr>
-            <a:spLocks noGrp="1"/>
-          </p:cNvSpPr>
-          <p:nvPr>
-            <p:ph type="dt" sz="half" idx="10"/>
-          </p:nvPr>
-        </p:nvSpPr>
-        <p:spPr/>
-        <p:txBody>
-          <a:bodyPr/>
-          <a:lstStyle/>
-          <a:p>
-            <a:r>
-              <a:rPr lang="en-US" smtClean="0"/>
-              <a:t>October 21, 2015</a:t>
-            </a:r>
-            <a:endParaRPr lang="en-US" dirty="0" smtClean="0"/>
-          </a:p>
-        </p:txBody>
-      </p:sp>
-      <p:sp>
-        <p:nvSpPr>
-          <p:cNvPr id="4" name="Slide Number Placeholder 3"/>
-          <p:cNvSpPr>
-            <a:spLocks noGrp="1"/>
-          </p:cNvSpPr>
-          <p:nvPr>
-            <p:ph type="sldNum" sz="quarter" idx="11"/>
-          </p:nvPr>
-        </p:nvSpPr>
-        <p:spPr/>
-        <p:txBody>
-          <a:bodyPr/>
-          <a:lstStyle/>
-          <a:p>
-            <a:fld id="{5698A34F-157D-4FC3-B6AE-341A8B909DED}" type="slidenum">
-              <a:rPr lang="en-US" smtClean="0"/>
-              <a:pPr/>
-              <a:t>36</a:t>
-            </a:fld>
-            <a:endParaRPr lang="en-US" dirty="0"/>
-          </a:p>
-        </p:txBody>
-      </p:sp>
-      <p:sp>
-        <p:nvSpPr>
-          <p:cNvPr id="5" name="Footer Placeholder 4"/>
-          <p:cNvSpPr>
-            <a:spLocks noGrp="1"/>
-          </p:cNvSpPr>
-          <p:nvPr>
-            <p:ph type="ftr" sz="quarter" idx="12"/>
-          </p:nvPr>
-        </p:nvSpPr>
-        <p:spPr/>
-        <p:txBody>
-          <a:bodyPr/>
-          <a:lstStyle/>
-          <a:p>
-            <a:endParaRPr lang="en-US" dirty="0"/>
-          </a:p>
-        </p:txBody>
-      </p:sp>
-      <p:sp>
-        <p:nvSpPr>
-          <p:cNvPr id="6" name="Title 5"/>
-          <p:cNvSpPr>
-            <a:spLocks noGrp="1"/>
-          </p:cNvSpPr>
-          <p:nvPr>
-            <p:ph type="title"/>
-          </p:nvPr>
-        </p:nvSpPr>
-        <p:spPr>
-          <a:xfrm>
-            <a:off x="273915" y="644462"/>
-            <a:ext cx="8618799" cy="486287"/>
-          </a:xfrm>
-        </p:spPr>
-        <p:txBody>
-          <a:bodyPr/>
-          <a:lstStyle/>
-          <a:p>
-            <a:r>
-              <a:rPr lang="en-US" dirty="0" smtClean="0"/>
-              <a:t>SpendingPulse Data Upload – DON’T Forget</a:t>
-            </a:r>
-            <a:endParaRPr lang="en-US" dirty="0"/>
-          </a:p>
-        </p:txBody>
-      </p:sp>
-      <p:sp>
-        <p:nvSpPr>
-          <p:cNvPr id="7" name="Text Placeholder 6"/>
-          <p:cNvSpPr>
-            <a:spLocks noGrp="1"/>
-          </p:cNvSpPr>
-          <p:nvPr>
-            <p:ph type="body" sz="quarter" idx="15"/>
-          </p:nvPr>
-        </p:nvSpPr>
-        <p:spPr/>
-        <p:txBody>
-          <a:bodyPr/>
-          <a:lstStyle/>
-          <a:p>
-            <a:r>
-              <a:rPr lang="en-US" dirty="0" smtClean="0"/>
-              <a:t>Administrator API How To</a:t>
-            </a:r>
-            <a:endParaRPr lang="en-US" dirty="0"/>
-          </a:p>
-        </p:txBody>
-      </p:sp>
-    </p:spTree>
-    <p:extLst>
-      <p:ext uri="{BB962C8B-B14F-4D97-AF65-F5344CB8AC3E}">
-        <p14:creationId xmlns:p14="http://schemas.microsoft.com/office/powerpoint/2010/main" val="1557615695"/>
-      </p:ext>
-    </p:extLst>
-  </p:cSld>
-  <p:clrMapOvr>
-    <a:masterClrMapping/>
-  </p:clrMapOvr>
-  <p:timing>
-    <p:tnLst>
-      <p:par>
-        <p:cTn id="1" dur="indefinite" restart="never" nodeType="tmRoot"/>
-      </p:par>
-    </p:tnLst>
-  </p:timing>
-</p:sld>
-</file>
-
-<file path=ppt/slides/slide4.xml><?xml version="1.0" encoding="utf-8"?>
-<p:sld xmlns:a="http://schemas.openxmlformats.org/drawingml/2006/main" xmlns:r="http://schemas.openxmlformats.org/officeDocument/2006/relationships" xmlns:p="http://schemas.openxmlformats.org/presentationml/2006/main">
-  <p:cSld>
-    <p:spTree>
-      <p:nvGrpSpPr>
-        <p:cNvPr id="1" name=""/>
-        <p:cNvGrpSpPr/>
-        <p:nvPr/>
-      </p:nvGrpSpPr>
-      <p:grpSpPr>
-        <a:xfrm>
-          <a:off x="0" y="0"/>
-          <a:ext cx="0" cy="0"/>
-          <a:chOff x="0" y="0"/>
-          <a:chExt cx="0" cy="0"/>
-        </a:xfrm>
-      </p:grpSpPr>
-      <p:sp>
-        <p:nvSpPr>
           <p:cNvPr id="2" name="Text Placeholder 1"/>
           <p:cNvSpPr>
             <a:spLocks noGrp="1"/>
@@ -14773,7 +12067,7 @@
             <a:fld id="{5698A34F-157D-4FC3-B6AE-341A8B909DED}" type="slidenum">
               <a:rPr lang="en-US" smtClean="0"/>
               <a:pPr/>
-              <a:t>4</a:t>
+              <a:t>3</a:t>
             </a:fld>
             <a:endParaRPr lang="en-US" dirty="0"/>
           </a:p>
@@ -15057,7 +12351,7 @@
 </p:sld>
 </file>
 
-<file path=ppt/slides/slide5.xml><?xml version="1.0" encoding="utf-8"?>
+<file path=ppt/slides/slide30.xml><?xml version="1.0" encoding="utf-8"?>
 <p:sld xmlns:a="http://schemas.openxmlformats.org/drawingml/2006/main" xmlns:r="http://schemas.openxmlformats.org/officeDocument/2006/relationships" xmlns:p="http://schemas.openxmlformats.org/presentationml/2006/main">
   <p:cSld>
     <p:spTree>
@@ -15086,6 +12380,2083 @@
         </p:nvSpPr>
         <p:spPr>
           <a:xfrm>
+            <a:off x="274638" y="1369734"/>
+            <a:ext cx="8283029" cy="3320929"/>
+          </a:xfrm>
+        </p:spPr>
+        <p:txBody>
+          <a:bodyPr/>
+          <a:lstStyle/>
+          <a:p>
+            <a:r>
+              <a:rPr lang="en-US" dirty="0" smtClean="0"/>
+              <a:t>If a valid and approved Service is in place or </a:t>
+            </a:r>
+            <a:br>
+              <a:rPr lang="en-US" dirty="0" smtClean="0"/>
+            </a:br>
+            <a:r>
+              <a:rPr lang="en-US" dirty="0" smtClean="0"/>
+              <a:t>your investigation determines that a </a:t>
+            </a:r>
+            <a:br>
+              <a:rPr lang="en-US" dirty="0" smtClean="0"/>
+            </a:br>
+            <a:r>
+              <a:rPr lang="en-US" dirty="0" smtClean="0"/>
+              <a:t>valid/approved Service is forthcoming and </a:t>
+            </a:r>
+            <a:br>
+              <a:rPr lang="en-US" dirty="0" smtClean="0"/>
+            </a:br>
+            <a:r>
+              <a:rPr lang="en-US" dirty="0" smtClean="0"/>
+              <a:t>the request should be approved …</a:t>
+            </a:r>
+          </a:p>
+          <a:p>
+            <a:r>
+              <a:rPr lang="en-US" dirty="0" smtClean="0"/>
+              <a:t>Click the App tab and </a:t>
+            </a:r>
+            <a:br>
+              <a:rPr lang="en-US" dirty="0" smtClean="0"/>
+            </a:br>
+            <a:r>
+              <a:rPr lang="en-US" dirty="0" smtClean="0"/>
+              <a:t>copy the Production Client ID</a:t>
+            </a:r>
+          </a:p>
+          <a:p>
+            <a:pPr lvl="1"/>
+            <a:endParaRPr lang="en-US" b="1" dirty="0" smtClean="0"/>
+          </a:p>
+          <a:p>
+            <a:pPr lvl="1"/>
+            <a:r>
+              <a:rPr lang="en-US" b="1" dirty="0" smtClean="0"/>
+              <a:t>For Sector Insights</a:t>
+            </a:r>
+            <a:r>
+              <a:rPr lang="en-US" dirty="0" smtClean="0"/>
+              <a:t>, record the Client ID in the </a:t>
+            </a:r>
+            <a:br>
+              <a:rPr lang="en-US" dirty="0" smtClean="0"/>
+            </a:br>
+            <a:r>
+              <a:rPr lang="en-US" sz="1200" dirty="0" smtClean="0">
+                <a:latin typeface="Andale Mono" panose="020B0509000000000004" pitchFamily="49" charset="0"/>
+              </a:rPr>
+              <a:t>…/SpendingPulse/API/API Subscription files/Sector insights Keys.xlsx </a:t>
+            </a:r>
+            <a:r>
+              <a:rPr lang="en-US" dirty="0" smtClean="0"/>
+              <a:t>file.</a:t>
+            </a:r>
+          </a:p>
+          <a:p>
+            <a:pPr lvl="2"/>
+            <a:r>
+              <a:rPr lang="en-US" dirty="0" smtClean="0"/>
+              <a:t>Without this file, the only way to know who has been granted prod access is to have an API developer run a data pull against the AP database.</a:t>
+            </a:r>
+          </a:p>
+        </p:txBody>
+      </p:sp>
+      <p:sp>
+        <p:nvSpPr>
+          <p:cNvPr id="3" name="Date Placeholder 2"/>
+          <p:cNvSpPr>
+            <a:spLocks noGrp="1"/>
+          </p:cNvSpPr>
+          <p:nvPr>
+            <p:ph type="dt" sz="half" idx="10"/>
+          </p:nvPr>
+        </p:nvSpPr>
+        <p:spPr/>
+        <p:txBody>
+          <a:bodyPr/>
+          <a:lstStyle/>
+          <a:p>
+            <a:r>
+              <a:rPr lang="en-US" smtClean="0"/>
+              <a:t>October 21, 2015</a:t>
+            </a:r>
+            <a:endParaRPr lang="en-US" dirty="0" smtClean="0"/>
+          </a:p>
+        </p:txBody>
+      </p:sp>
+      <p:sp>
+        <p:nvSpPr>
+          <p:cNvPr id="4" name="Slide Number Placeholder 3"/>
+          <p:cNvSpPr>
+            <a:spLocks noGrp="1"/>
+          </p:cNvSpPr>
+          <p:nvPr>
+            <p:ph type="sldNum" sz="quarter" idx="11"/>
+          </p:nvPr>
+        </p:nvSpPr>
+        <p:spPr/>
+        <p:txBody>
+          <a:bodyPr/>
+          <a:lstStyle/>
+          <a:p>
+            <a:fld id="{5698A34F-157D-4FC3-B6AE-341A8B909DED}" type="slidenum">
+              <a:rPr lang="en-US" smtClean="0"/>
+              <a:pPr/>
+              <a:t>30</a:t>
+            </a:fld>
+            <a:endParaRPr lang="en-US" dirty="0"/>
+          </a:p>
+        </p:txBody>
+      </p:sp>
+      <p:sp>
+        <p:nvSpPr>
+          <p:cNvPr id="5" name="Footer Placeholder 4"/>
+          <p:cNvSpPr>
+            <a:spLocks noGrp="1"/>
+          </p:cNvSpPr>
+          <p:nvPr>
+            <p:ph type="ftr" sz="quarter" idx="12"/>
+          </p:nvPr>
+        </p:nvSpPr>
+        <p:spPr/>
+        <p:txBody>
+          <a:bodyPr/>
+          <a:lstStyle/>
+          <a:p>
+            <a:endParaRPr lang="en-US" dirty="0"/>
+          </a:p>
+        </p:txBody>
+      </p:sp>
+      <p:sp>
+        <p:nvSpPr>
+          <p:cNvPr id="6" name="Title 5"/>
+          <p:cNvSpPr>
+            <a:spLocks noGrp="1"/>
+          </p:cNvSpPr>
+          <p:nvPr>
+            <p:ph type="title"/>
+          </p:nvPr>
+        </p:nvSpPr>
+        <p:spPr/>
+        <p:txBody>
+          <a:bodyPr/>
+          <a:lstStyle/>
+          <a:p>
+            <a:r>
+              <a:rPr lang="en-US" dirty="0" smtClean="0"/>
+              <a:t>Approve/Deny Key Requests (4) – Valid Service</a:t>
+            </a:r>
+            <a:endParaRPr lang="en-US" dirty="0"/>
+          </a:p>
+        </p:txBody>
+      </p:sp>
+      <p:sp>
+        <p:nvSpPr>
+          <p:cNvPr id="7" name="Text Placeholder 6"/>
+          <p:cNvSpPr>
+            <a:spLocks noGrp="1"/>
+          </p:cNvSpPr>
+          <p:nvPr>
+            <p:ph type="body" sz="quarter" idx="15"/>
+          </p:nvPr>
+        </p:nvSpPr>
+        <p:spPr/>
+        <p:txBody>
+          <a:bodyPr/>
+          <a:lstStyle/>
+          <a:p>
+            <a:r>
+              <a:rPr lang="en-US" dirty="0" smtClean="0"/>
+              <a:t>Administrator API How To</a:t>
+            </a:r>
+            <a:endParaRPr lang="en-US" dirty="0"/>
+          </a:p>
+        </p:txBody>
+      </p:sp>
+      <p:pic>
+        <p:nvPicPr>
+          <p:cNvPr id="11" name="Picture 10"/>
+          <p:cNvPicPr>
+            <a:picLocks noChangeAspect="1"/>
+          </p:cNvPicPr>
+          <p:nvPr/>
+        </p:nvPicPr>
+        <p:blipFill>
+          <a:blip r:embed="rId2"/>
+          <a:stretch>
+            <a:fillRect/>
+          </a:stretch>
+        </p:blipFill>
+        <p:spPr>
+          <a:xfrm>
+            <a:off x="5192829" y="1451872"/>
+            <a:ext cx="3780156" cy="1788772"/>
+          </a:xfrm>
+          <a:prstGeom prst="rect">
+            <a:avLst/>
+          </a:prstGeom>
+        </p:spPr>
+      </p:pic>
+      <p:sp>
+        <p:nvSpPr>
+          <p:cNvPr id="13" name="Right Arrow 12"/>
+          <p:cNvSpPr/>
+          <p:nvPr/>
+        </p:nvSpPr>
+        <p:spPr bwMode="gray">
+          <a:xfrm>
+            <a:off x="3718514" y="2857717"/>
+            <a:ext cx="3174734" cy="92985"/>
+          </a:xfrm>
+          <a:prstGeom prst="rightArrow">
+            <a:avLst/>
+          </a:prstGeom>
+          <a:solidFill>
+            <a:schemeClr val="accent1"/>
+          </a:solidFill>
+          <a:ln w="9525" cap="flat" cmpd="sng" algn="ctr">
+            <a:noFill/>
+            <a:prstDash val="solid"/>
+            <a:round/>
+            <a:headEnd type="none" w="med" len="med"/>
+            <a:tailEnd type="none" w="med" len="med"/>
+          </a:ln>
+          <a:effectLst/>
+        </p:spPr>
+        <p:txBody>
+          <a:bodyPr vert="horz" wrap="square" lIns="91440" tIns="45720" rIns="91440" bIns="45720" numCol="1" rtlCol="0" anchor="ctr" anchorCtr="0" compatLnSpc="1">
+            <a:prstTxWarp prst="textNoShape">
+              <a:avLst/>
+            </a:prstTxWarp>
+          </a:bodyPr>
+          <a:lstStyle/>
+          <a:p>
+            <a:pPr marL="0" marR="0" indent="0" algn="l" defTabSz="914400" rtl="0" eaLnBrk="1" fontAlgn="base" latinLnBrk="0" hangingPunct="1">
+              <a:lnSpc>
+                <a:spcPct val="100000"/>
+              </a:lnSpc>
+              <a:spcBef>
+                <a:spcPct val="0"/>
+              </a:spcBef>
+              <a:spcAft>
+                <a:spcPct val="0"/>
+              </a:spcAft>
+              <a:buClrTx/>
+              <a:buSzTx/>
+              <a:buFontTx/>
+              <a:buNone/>
+              <a:tabLst/>
+            </a:pPr>
+            <a:endParaRPr kumimoji="0" lang="en-US" sz="2000" b="0" i="0" u="none" strike="noStrike" cap="none" normalizeH="0" baseline="0" dirty="0" smtClean="0">
+              <a:ln>
+                <a:noFill/>
+              </a:ln>
+              <a:solidFill>
+                <a:schemeClr val="bg1"/>
+              </a:solidFill>
+              <a:effectLst/>
+              <a:latin typeface="Arial" pitchFamily="2" charset="0"/>
+            </a:endParaRPr>
+          </a:p>
+        </p:txBody>
+      </p:sp>
+    </p:spTree>
+    <p:extLst>
+      <p:ext uri="{BB962C8B-B14F-4D97-AF65-F5344CB8AC3E}">
+        <p14:creationId xmlns:p14="http://schemas.microsoft.com/office/powerpoint/2010/main" val="1724074499"/>
+      </p:ext>
+    </p:extLst>
+  </p:cSld>
+  <p:clrMapOvr>
+    <a:masterClrMapping/>
+  </p:clrMapOvr>
+  <p:timing>
+    <p:tnLst>
+      <p:par>
+        <p:cTn id="1" dur="indefinite" restart="never" nodeType="tmRoot"/>
+      </p:par>
+    </p:tnLst>
+  </p:timing>
+</p:sld>
+</file>
+
+<file path=ppt/slides/slide31.xml><?xml version="1.0" encoding="utf-8"?>
+<p:sld xmlns:a="http://schemas.openxmlformats.org/drawingml/2006/main" xmlns:r="http://schemas.openxmlformats.org/officeDocument/2006/relationships" xmlns:p="http://schemas.openxmlformats.org/presentationml/2006/main">
+  <p:cSld>
+    <p:spTree>
+      <p:nvGrpSpPr>
+        <p:cNvPr id="1" name=""/>
+        <p:cNvGrpSpPr/>
+        <p:nvPr/>
+      </p:nvGrpSpPr>
+      <p:grpSpPr>
+        <a:xfrm>
+          <a:off x="0" y="0"/>
+          <a:ext cx="0" cy="0"/>
+          <a:chOff x="0" y="0"/>
+          <a:chExt cx="0" cy="0"/>
+        </a:xfrm>
+      </p:grpSpPr>
+      <p:sp>
+        <p:nvSpPr>
+          <p:cNvPr id="2" name="Text Placeholder 1"/>
+          <p:cNvSpPr>
+            <a:spLocks noGrp="1"/>
+          </p:cNvSpPr>
+          <p:nvPr>
+            <p:ph type="body" sz="quarter" idx="13"/>
+          </p:nvPr>
+        </p:nvSpPr>
+        <p:spPr>
+          <a:xfrm>
+            <a:off x="274638" y="1369734"/>
+            <a:ext cx="8283029" cy="3320929"/>
+          </a:xfrm>
+        </p:spPr>
+        <p:txBody>
+          <a:bodyPr/>
+          <a:lstStyle/>
+          <a:p>
+            <a:pPr lvl="1"/>
+            <a:r>
+              <a:rPr lang="en-US" b="1" dirty="0" smtClean="0"/>
+              <a:t>For SpendingPulse</a:t>
+            </a:r>
+            <a:r>
+              <a:rPr lang="en-US" dirty="0" smtClean="0"/>
+              <a:t>, record the Client ID in the </a:t>
+            </a:r>
+            <a:br>
+              <a:rPr lang="en-US" dirty="0" smtClean="0"/>
+            </a:br>
+            <a:r>
+              <a:rPr lang="en-US" sz="1200" dirty="0" smtClean="0">
+                <a:latin typeface="Andale Mono" panose="020B0509000000000004" pitchFamily="49" charset="0"/>
+              </a:rPr>
+              <a:t>…/SpendingPulse/API/API </a:t>
+            </a:r>
+            <a:r>
+              <a:rPr lang="en-US" sz="1200" dirty="0">
+                <a:latin typeface="Andale Mono" panose="020B0509000000000004" pitchFamily="49" charset="0"/>
+              </a:rPr>
+              <a:t>Subscription files/SpendingPulse API Subscription </a:t>
+            </a:r>
+            <a:r>
+              <a:rPr lang="en-US" sz="1200" dirty="0" smtClean="0">
+                <a:latin typeface="Andale Mono" panose="020B0509000000000004" pitchFamily="49" charset="0"/>
+              </a:rPr>
+              <a:t>Data.xlsx </a:t>
+            </a:r>
+            <a:br>
+              <a:rPr lang="en-US" sz="1200" dirty="0" smtClean="0">
+                <a:latin typeface="Andale Mono" panose="020B0509000000000004" pitchFamily="49" charset="0"/>
+              </a:rPr>
+            </a:br>
+            <a:r>
+              <a:rPr lang="en-US" dirty="0" smtClean="0"/>
+              <a:t>file.</a:t>
+            </a:r>
+          </a:p>
+          <a:p>
+            <a:pPr lvl="1"/>
+            <a:r>
+              <a:rPr lang="en-US" dirty="0"/>
+              <a:t>The “</a:t>
+            </a:r>
+            <a:r>
+              <a:rPr lang="en-US" sz="1600" dirty="0">
+                <a:latin typeface="Andale Mono" panose="020B0509000000000004" pitchFamily="49" charset="0"/>
+              </a:rPr>
+              <a:t>SpendingPulse API </a:t>
+            </a:r>
+            <a:r>
+              <a:rPr lang="en-US" sz="1600" dirty="0" smtClean="0">
+                <a:latin typeface="Andale Mono" panose="020B0509000000000004" pitchFamily="49" charset="0"/>
+              </a:rPr>
+              <a:t>Subscription</a:t>
+            </a:r>
+            <a:r>
+              <a:rPr lang="en-US" dirty="0" smtClean="0"/>
+              <a:t>” tab of this file must be saved as a .csv file and uploaded, using the API MDE Upload facility – the same facility used to upload the Sector Insights and SpendingPulse data to the API.</a:t>
+            </a:r>
+          </a:p>
+          <a:p>
+            <a:pPr lvl="1"/>
+            <a:r>
+              <a:rPr lang="en-US" dirty="0" smtClean="0"/>
+              <a:t>To upload the subscription data, use the </a:t>
+            </a:r>
+            <a:br>
+              <a:rPr lang="en-US" dirty="0" smtClean="0"/>
+            </a:br>
+            <a:r>
+              <a:rPr lang="en-US" sz="1400" dirty="0">
+                <a:latin typeface="Andale Mono" panose="020B0509000000000004" pitchFamily="49" charset="0"/>
+              </a:rPr>
+              <a:t>REL5 – DW-P-SPENDINGPULSE REPLACE SUBSCRIPTION </a:t>
+            </a:r>
+            <a:r>
+              <a:rPr lang="en-US" dirty="0" smtClean="0"/>
+              <a:t>bulk type.</a:t>
+            </a:r>
+          </a:p>
+          <a:p>
+            <a:r>
+              <a:rPr lang="en-US" dirty="0" smtClean="0"/>
+              <a:t>Once the subscription data has been successfully uploaded, Approve the request … an approval email is sent to the requestor.</a:t>
+            </a:r>
+          </a:p>
+          <a:p>
+            <a:endParaRPr lang="en-US" dirty="0"/>
+          </a:p>
+        </p:txBody>
+      </p:sp>
+      <p:sp>
+        <p:nvSpPr>
+          <p:cNvPr id="3" name="Date Placeholder 2"/>
+          <p:cNvSpPr>
+            <a:spLocks noGrp="1"/>
+          </p:cNvSpPr>
+          <p:nvPr>
+            <p:ph type="dt" sz="half" idx="10"/>
+          </p:nvPr>
+        </p:nvSpPr>
+        <p:spPr/>
+        <p:txBody>
+          <a:bodyPr/>
+          <a:lstStyle/>
+          <a:p>
+            <a:r>
+              <a:rPr lang="en-US" smtClean="0"/>
+              <a:t>October 21, 2015</a:t>
+            </a:r>
+            <a:endParaRPr lang="en-US" dirty="0" smtClean="0"/>
+          </a:p>
+        </p:txBody>
+      </p:sp>
+      <p:sp>
+        <p:nvSpPr>
+          <p:cNvPr id="4" name="Slide Number Placeholder 3"/>
+          <p:cNvSpPr>
+            <a:spLocks noGrp="1"/>
+          </p:cNvSpPr>
+          <p:nvPr>
+            <p:ph type="sldNum" sz="quarter" idx="11"/>
+          </p:nvPr>
+        </p:nvSpPr>
+        <p:spPr/>
+        <p:txBody>
+          <a:bodyPr/>
+          <a:lstStyle/>
+          <a:p>
+            <a:fld id="{5698A34F-157D-4FC3-B6AE-341A8B909DED}" type="slidenum">
+              <a:rPr lang="en-US" smtClean="0"/>
+              <a:pPr/>
+              <a:t>31</a:t>
+            </a:fld>
+            <a:endParaRPr lang="en-US" dirty="0"/>
+          </a:p>
+        </p:txBody>
+      </p:sp>
+      <p:sp>
+        <p:nvSpPr>
+          <p:cNvPr id="5" name="Footer Placeholder 4"/>
+          <p:cNvSpPr>
+            <a:spLocks noGrp="1"/>
+          </p:cNvSpPr>
+          <p:nvPr>
+            <p:ph type="ftr" sz="quarter" idx="12"/>
+          </p:nvPr>
+        </p:nvSpPr>
+        <p:spPr/>
+        <p:txBody>
+          <a:bodyPr/>
+          <a:lstStyle/>
+          <a:p>
+            <a:endParaRPr lang="en-US" dirty="0"/>
+          </a:p>
+        </p:txBody>
+      </p:sp>
+      <p:sp>
+        <p:nvSpPr>
+          <p:cNvPr id="6" name="Title 5"/>
+          <p:cNvSpPr>
+            <a:spLocks noGrp="1"/>
+          </p:cNvSpPr>
+          <p:nvPr>
+            <p:ph type="title"/>
+          </p:nvPr>
+        </p:nvSpPr>
+        <p:spPr/>
+        <p:txBody>
+          <a:bodyPr/>
+          <a:lstStyle/>
+          <a:p>
+            <a:r>
+              <a:rPr lang="en-US" dirty="0" smtClean="0"/>
+              <a:t>Approve/Deny Key Requests (5) – Valid Service</a:t>
+            </a:r>
+            <a:endParaRPr lang="en-US" dirty="0"/>
+          </a:p>
+        </p:txBody>
+      </p:sp>
+      <p:sp>
+        <p:nvSpPr>
+          <p:cNvPr id="7" name="Text Placeholder 6"/>
+          <p:cNvSpPr>
+            <a:spLocks noGrp="1"/>
+          </p:cNvSpPr>
+          <p:nvPr>
+            <p:ph type="body" sz="quarter" idx="15"/>
+          </p:nvPr>
+        </p:nvSpPr>
+        <p:spPr/>
+        <p:txBody>
+          <a:bodyPr/>
+          <a:lstStyle/>
+          <a:p>
+            <a:r>
+              <a:rPr lang="en-US" dirty="0" smtClean="0"/>
+              <a:t>Administrator API How To</a:t>
+            </a:r>
+            <a:endParaRPr lang="en-US" dirty="0"/>
+          </a:p>
+        </p:txBody>
+      </p:sp>
+    </p:spTree>
+    <p:extLst>
+      <p:ext uri="{BB962C8B-B14F-4D97-AF65-F5344CB8AC3E}">
+        <p14:creationId xmlns:p14="http://schemas.microsoft.com/office/powerpoint/2010/main" val="2378687281"/>
+      </p:ext>
+    </p:extLst>
+  </p:cSld>
+  <p:clrMapOvr>
+    <a:masterClrMapping/>
+  </p:clrMapOvr>
+  <p:timing>
+    <p:tnLst>
+      <p:par>
+        <p:cTn id="1" dur="indefinite" restart="never" nodeType="tmRoot"/>
+      </p:par>
+    </p:tnLst>
+  </p:timing>
+</p:sld>
+</file>
+
+<file path=ppt/slides/slide32.xml><?xml version="1.0" encoding="utf-8"?>
+<p:sld xmlns:a="http://schemas.openxmlformats.org/drawingml/2006/main" xmlns:r="http://schemas.openxmlformats.org/officeDocument/2006/relationships" xmlns:p="http://schemas.openxmlformats.org/presentationml/2006/main">
+  <p:cSld>
+    <p:spTree>
+      <p:nvGrpSpPr>
+        <p:cNvPr id="1" name=""/>
+        <p:cNvGrpSpPr/>
+        <p:nvPr/>
+      </p:nvGrpSpPr>
+      <p:grpSpPr>
+        <a:xfrm>
+          <a:off x="0" y="0"/>
+          <a:ext cx="0" cy="0"/>
+          <a:chOff x="0" y="0"/>
+          <a:chExt cx="0" cy="0"/>
+        </a:xfrm>
+      </p:grpSpPr>
+      <p:sp>
+        <p:nvSpPr>
+          <p:cNvPr id="2" name="Text Placeholder 1"/>
+          <p:cNvSpPr>
+            <a:spLocks noGrp="1"/>
+          </p:cNvSpPr>
+          <p:nvPr>
+            <p:ph type="body" sz="quarter" idx="13"/>
+          </p:nvPr>
+        </p:nvSpPr>
+        <p:spPr>
+          <a:xfrm>
+            <a:off x="274638" y="1369734"/>
+            <a:ext cx="8283029" cy="3320929"/>
+          </a:xfrm>
+        </p:spPr>
+        <p:txBody>
+          <a:bodyPr/>
+          <a:lstStyle/>
+          <a:p>
+            <a:r>
+              <a:rPr lang="en-US" dirty="0"/>
+              <a:t>Once the subscription data has been successfully uploaded, Approve the request … an approval email is sent to the requestor.</a:t>
+            </a:r>
+          </a:p>
+          <a:p>
+            <a:r>
+              <a:rPr lang="en-US" dirty="0" smtClean="0"/>
+              <a:t>To grant production access to</a:t>
+            </a:r>
+            <a:br>
+              <a:rPr lang="en-US" dirty="0" smtClean="0"/>
+            </a:br>
+            <a:r>
+              <a:rPr lang="en-US" dirty="0" smtClean="0"/>
+              <a:t>SpendingPulse it takes BOTH:</a:t>
+            </a:r>
+          </a:p>
+          <a:p>
+            <a:pPr lvl="1"/>
+            <a:r>
+              <a:rPr lang="en-US" dirty="0" smtClean="0"/>
+              <a:t>Uploaded subscription data for the </a:t>
+            </a:r>
+            <a:br>
+              <a:rPr lang="en-US" dirty="0" smtClean="0"/>
+            </a:br>
+            <a:r>
+              <a:rPr lang="en-US" dirty="0" smtClean="0"/>
+              <a:t>Client ID</a:t>
+            </a:r>
+          </a:p>
+          <a:p>
+            <a:pPr lvl="1"/>
+            <a:r>
+              <a:rPr lang="en-US" dirty="0" smtClean="0"/>
+              <a:t>Approved Key</a:t>
+            </a:r>
+            <a:endParaRPr lang="en-US" dirty="0"/>
+          </a:p>
+        </p:txBody>
+      </p:sp>
+      <p:sp>
+        <p:nvSpPr>
+          <p:cNvPr id="3" name="Date Placeholder 2"/>
+          <p:cNvSpPr>
+            <a:spLocks noGrp="1"/>
+          </p:cNvSpPr>
+          <p:nvPr>
+            <p:ph type="dt" sz="half" idx="10"/>
+          </p:nvPr>
+        </p:nvSpPr>
+        <p:spPr/>
+        <p:txBody>
+          <a:bodyPr/>
+          <a:lstStyle/>
+          <a:p>
+            <a:r>
+              <a:rPr lang="en-US" smtClean="0"/>
+              <a:t>October 21, 2015</a:t>
+            </a:r>
+            <a:endParaRPr lang="en-US" dirty="0" smtClean="0"/>
+          </a:p>
+        </p:txBody>
+      </p:sp>
+      <p:sp>
+        <p:nvSpPr>
+          <p:cNvPr id="4" name="Slide Number Placeholder 3"/>
+          <p:cNvSpPr>
+            <a:spLocks noGrp="1"/>
+          </p:cNvSpPr>
+          <p:nvPr>
+            <p:ph type="sldNum" sz="quarter" idx="11"/>
+          </p:nvPr>
+        </p:nvSpPr>
+        <p:spPr/>
+        <p:txBody>
+          <a:bodyPr/>
+          <a:lstStyle/>
+          <a:p>
+            <a:fld id="{5698A34F-157D-4FC3-B6AE-341A8B909DED}" type="slidenum">
+              <a:rPr lang="en-US" smtClean="0"/>
+              <a:pPr/>
+              <a:t>32</a:t>
+            </a:fld>
+            <a:endParaRPr lang="en-US" dirty="0"/>
+          </a:p>
+        </p:txBody>
+      </p:sp>
+      <p:sp>
+        <p:nvSpPr>
+          <p:cNvPr id="5" name="Footer Placeholder 4"/>
+          <p:cNvSpPr>
+            <a:spLocks noGrp="1"/>
+          </p:cNvSpPr>
+          <p:nvPr>
+            <p:ph type="ftr" sz="quarter" idx="12"/>
+          </p:nvPr>
+        </p:nvSpPr>
+        <p:spPr/>
+        <p:txBody>
+          <a:bodyPr/>
+          <a:lstStyle/>
+          <a:p>
+            <a:endParaRPr lang="en-US" dirty="0"/>
+          </a:p>
+        </p:txBody>
+      </p:sp>
+      <p:sp>
+        <p:nvSpPr>
+          <p:cNvPr id="6" name="Title 5"/>
+          <p:cNvSpPr>
+            <a:spLocks noGrp="1"/>
+          </p:cNvSpPr>
+          <p:nvPr>
+            <p:ph type="title"/>
+          </p:nvPr>
+        </p:nvSpPr>
+        <p:spPr/>
+        <p:txBody>
+          <a:bodyPr/>
+          <a:lstStyle/>
+          <a:p>
+            <a:r>
+              <a:rPr lang="en-US" dirty="0" smtClean="0"/>
+              <a:t>Approve/Deny Key Requests (6) – No valid Service</a:t>
+            </a:r>
+            <a:endParaRPr lang="en-US" dirty="0"/>
+          </a:p>
+        </p:txBody>
+      </p:sp>
+      <p:sp>
+        <p:nvSpPr>
+          <p:cNvPr id="7" name="Text Placeholder 6"/>
+          <p:cNvSpPr>
+            <a:spLocks noGrp="1"/>
+          </p:cNvSpPr>
+          <p:nvPr>
+            <p:ph type="body" sz="quarter" idx="15"/>
+          </p:nvPr>
+        </p:nvSpPr>
+        <p:spPr/>
+        <p:txBody>
+          <a:bodyPr/>
+          <a:lstStyle/>
+          <a:p>
+            <a:r>
+              <a:rPr lang="en-US" dirty="0" smtClean="0"/>
+              <a:t>Administrator API How To</a:t>
+            </a:r>
+            <a:endParaRPr lang="en-US" dirty="0"/>
+          </a:p>
+        </p:txBody>
+      </p:sp>
+      <p:pic>
+        <p:nvPicPr>
+          <p:cNvPr id="9" name="Picture 8"/>
+          <p:cNvPicPr>
+            <a:picLocks noChangeAspect="1"/>
+          </p:cNvPicPr>
+          <p:nvPr/>
+        </p:nvPicPr>
+        <p:blipFill>
+          <a:blip r:embed="rId2"/>
+          <a:stretch>
+            <a:fillRect/>
+          </a:stretch>
+        </p:blipFill>
+        <p:spPr>
+          <a:xfrm>
+            <a:off x="5079061" y="2021322"/>
+            <a:ext cx="3813654" cy="1970971"/>
+          </a:xfrm>
+          <a:prstGeom prst="rect">
+            <a:avLst/>
+          </a:prstGeom>
+        </p:spPr>
+      </p:pic>
+      <p:sp>
+        <p:nvSpPr>
+          <p:cNvPr id="10" name="Right Arrow 9"/>
+          <p:cNvSpPr/>
+          <p:nvPr/>
+        </p:nvSpPr>
+        <p:spPr bwMode="gray">
+          <a:xfrm rot="16200000">
+            <a:off x="7140695" y="2795551"/>
+            <a:ext cx="244306" cy="237325"/>
+          </a:xfrm>
+          <a:prstGeom prst="rightArrow">
+            <a:avLst/>
+          </a:prstGeom>
+          <a:solidFill>
+            <a:schemeClr val="accent1"/>
+          </a:solidFill>
+          <a:ln w="9525" cap="flat" cmpd="sng" algn="ctr">
+            <a:noFill/>
+            <a:prstDash val="solid"/>
+            <a:round/>
+            <a:headEnd type="none" w="med" len="med"/>
+            <a:tailEnd type="none" w="med" len="med"/>
+          </a:ln>
+          <a:effectLst/>
+        </p:spPr>
+        <p:txBody>
+          <a:bodyPr vert="horz" wrap="square" lIns="91440" tIns="45720" rIns="91440" bIns="45720" numCol="1" rtlCol="0" anchor="ctr" anchorCtr="0" compatLnSpc="1">
+            <a:prstTxWarp prst="textNoShape">
+              <a:avLst/>
+            </a:prstTxWarp>
+          </a:bodyPr>
+          <a:lstStyle/>
+          <a:p>
+            <a:pPr marL="0" marR="0" indent="0" algn="l" defTabSz="914400" rtl="0" eaLnBrk="1" fontAlgn="base" latinLnBrk="0" hangingPunct="1">
+              <a:lnSpc>
+                <a:spcPct val="100000"/>
+              </a:lnSpc>
+              <a:spcBef>
+                <a:spcPct val="0"/>
+              </a:spcBef>
+              <a:spcAft>
+                <a:spcPct val="0"/>
+              </a:spcAft>
+              <a:buClrTx/>
+              <a:buSzTx/>
+              <a:buFontTx/>
+              <a:buNone/>
+              <a:tabLst/>
+            </a:pPr>
+            <a:endParaRPr kumimoji="0" lang="en-US" sz="2000" b="0" i="0" u="none" strike="noStrike" cap="none" normalizeH="0" baseline="0" dirty="0" smtClean="0">
+              <a:ln>
+                <a:noFill/>
+              </a:ln>
+              <a:solidFill>
+                <a:schemeClr val="bg1"/>
+              </a:solidFill>
+              <a:effectLst/>
+              <a:latin typeface="Arial" pitchFamily="2" charset="0"/>
+            </a:endParaRPr>
+          </a:p>
+        </p:txBody>
+      </p:sp>
+    </p:spTree>
+    <p:extLst>
+      <p:ext uri="{BB962C8B-B14F-4D97-AF65-F5344CB8AC3E}">
+        <p14:creationId xmlns:p14="http://schemas.microsoft.com/office/powerpoint/2010/main" val="4192355193"/>
+      </p:ext>
+    </p:extLst>
+  </p:cSld>
+  <p:clrMapOvr>
+    <a:masterClrMapping/>
+  </p:clrMapOvr>
+  <p:timing>
+    <p:tnLst>
+      <p:par>
+        <p:cTn id="1" dur="indefinite" restart="never" nodeType="tmRoot"/>
+      </p:par>
+    </p:tnLst>
+  </p:timing>
+</p:sld>
+</file>
+
+<file path=ppt/slides/slide33.xml><?xml version="1.0" encoding="utf-8"?>
+<p:sld xmlns:a="http://schemas.openxmlformats.org/drawingml/2006/main" xmlns:r="http://schemas.openxmlformats.org/officeDocument/2006/relationships" xmlns:p="http://schemas.openxmlformats.org/presentationml/2006/main">
+  <p:cSld>
+    <p:spTree>
+      <p:nvGrpSpPr>
+        <p:cNvPr id="1" name=""/>
+        <p:cNvGrpSpPr/>
+        <p:nvPr/>
+      </p:nvGrpSpPr>
+      <p:grpSpPr>
+        <a:xfrm>
+          <a:off x="0" y="0"/>
+          <a:ext cx="0" cy="0"/>
+          <a:chOff x="0" y="0"/>
+          <a:chExt cx="0" cy="0"/>
+        </a:xfrm>
+      </p:grpSpPr>
+      <p:sp>
+        <p:nvSpPr>
+          <p:cNvPr id="2" name="Text Placeholder 1"/>
+          <p:cNvSpPr>
+            <a:spLocks noGrp="1"/>
+          </p:cNvSpPr>
+          <p:nvPr>
+            <p:ph type="body" sz="quarter" idx="13"/>
+          </p:nvPr>
+        </p:nvSpPr>
+        <p:spPr>
+          <a:xfrm>
+            <a:off x="274638" y="1369734"/>
+            <a:ext cx="8283029" cy="3320929"/>
+          </a:xfrm>
+        </p:spPr>
+        <p:txBody>
+          <a:bodyPr/>
+          <a:lstStyle/>
+          <a:p>
+            <a:r>
+              <a:rPr lang="en-US" dirty="0"/>
+              <a:t>Log in to the API Admin </a:t>
+            </a:r>
+            <a:r>
+              <a:rPr lang="en-US" dirty="0" smtClean="0"/>
+              <a:t>Application </a:t>
+            </a:r>
+            <a:br>
+              <a:rPr lang="en-US" dirty="0" smtClean="0"/>
+            </a:br>
+            <a:r>
+              <a:rPr lang="en-US" dirty="0" smtClean="0"/>
+              <a:t>(slide 27)</a:t>
+            </a:r>
+          </a:p>
+          <a:p>
+            <a:r>
+              <a:rPr lang="en-US" dirty="0"/>
+              <a:t>From the now displayed “Service </a:t>
+            </a:r>
+            <a:br>
+              <a:rPr lang="en-US" dirty="0"/>
+            </a:br>
+            <a:r>
+              <a:rPr lang="en-US" dirty="0"/>
+              <a:t>Management” list …</a:t>
+            </a:r>
+          </a:p>
+          <a:p>
+            <a:pPr lvl="1"/>
+            <a:r>
+              <a:rPr lang="en-US" dirty="0"/>
+              <a:t>Click </a:t>
+            </a:r>
+            <a:r>
+              <a:rPr lang="en-US" dirty="0" smtClean="0"/>
+              <a:t>“Client Configuration for Svc”</a:t>
+            </a:r>
+          </a:p>
+          <a:p>
+            <a:pPr lvl="1"/>
+            <a:r>
+              <a:rPr lang="en-US" dirty="0"/>
+              <a:t>Choose “Sector Insights” or </a:t>
+            </a:r>
+            <a:br>
+              <a:rPr lang="en-US" dirty="0"/>
+            </a:br>
+            <a:r>
+              <a:rPr lang="en-US" dirty="0"/>
+              <a:t>“SpendingPulse” from the </a:t>
+            </a:r>
+            <a:br>
+              <a:rPr lang="en-US" dirty="0"/>
+            </a:br>
+            <a:r>
+              <a:rPr lang="en-US" dirty="0"/>
+              <a:t>Service drop-down</a:t>
+            </a:r>
+            <a:r>
+              <a:rPr lang="en-US" dirty="0" smtClean="0"/>
+              <a:t>.</a:t>
+            </a:r>
+          </a:p>
+          <a:p>
+            <a:pPr lvl="1"/>
+            <a:r>
+              <a:rPr lang="en-US" dirty="0" smtClean="0"/>
+              <a:t>Use the “Search” fields to locate the owner/App </a:t>
+            </a:r>
+            <a:br>
+              <a:rPr lang="en-US" dirty="0" smtClean="0"/>
+            </a:br>
+            <a:r>
+              <a:rPr lang="en-US" dirty="0" smtClean="0"/>
+              <a:t>of the key you </a:t>
+            </a:r>
+            <a:r>
+              <a:rPr lang="en-US" dirty="0"/>
+              <a:t>w</a:t>
+            </a:r>
+            <a:r>
+              <a:rPr lang="en-US" dirty="0" smtClean="0"/>
+              <a:t>ant to revoke.</a:t>
+            </a:r>
+          </a:p>
+          <a:p>
+            <a:pPr lvl="1"/>
+            <a:r>
+              <a:rPr lang="en-US" dirty="0" smtClean="0"/>
+              <a:t>Select the key within the “Search Results” list.</a:t>
+            </a:r>
+            <a:endParaRPr lang="en-US" dirty="0"/>
+          </a:p>
+          <a:p>
+            <a:endParaRPr lang="en-US" dirty="0"/>
+          </a:p>
+        </p:txBody>
+      </p:sp>
+      <p:sp>
+        <p:nvSpPr>
+          <p:cNvPr id="3" name="Date Placeholder 2"/>
+          <p:cNvSpPr>
+            <a:spLocks noGrp="1"/>
+          </p:cNvSpPr>
+          <p:nvPr>
+            <p:ph type="dt" sz="half" idx="10"/>
+          </p:nvPr>
+        </p:nvSpPr>
+        <p:spPr/>
+        <p:txBody>
+          <a:bodyPr/>
+          <a:lstStyle/>
+          <a:p>
+            <a:r>
+              <a:rPr lang="en-US" smtClean="0"/>
+              <a:t>October 21, 2015</a:t>
+            </a:r>
+            <a:endParaRPr lang="en-US" dirty="0" smtClean="0"/>
+          </a:p>
+        </p:txBody>
+      </p:sp>
+      <p:sp>
+        <p:nvSpPr>
+          <p:cNvPr id="4" name="Slide Number Placeholder 3"/>
+          <p:cNvSpPr>
+            <a:spLocks noGrp="1"/>
+          </p:cNvSpPr>
+          <p:nvPr>
+            <p:ph type="sldNum" sz="quarter" idx="11"/>
+          </p:nvPr>
+        </p:nvSpPr>
+        <p:spPr/>
+        <p:txBody>
+          <a:bodyPr/>
+          <a:lstStyle/>
+          <a:p>
+            <a:fld id="{5698A34F-157D-4FC3-B6AE-341A8B909DED}" type="slidenum">
+              <a:rPr lang="en-US" smtClean="0"/>
+              <a:pPr/>
+              <a:t>33</a:t>
+            </a:fld>
+            <a:endParaRPr lang="en-US" dirty="0"/>
+          </a:p>
+        </p:txBody>
+      </p:sp>
+      <p:sp>
+        <p:nvSpPr>
+          <p:cNvPr id="5" name="Footer Placeholder 4"/>
+          <p:cNvSpPr>
+            <a:spLocks noGrp="1"/>
+          </p:cNvSpPr>
+          <p:nvPr>
+            <p:ph type="ftr" sz="quarter" idx="12"/>
+          </p:nvPr>
+        </p:nvSpPr>
+        <p:spPr/>
+        <p:txBody>
+          <a:bodyPr/>
+          <a:lstStyle/>
+          <a:p>
+            <a:endParaRPr lang="en-US" dirty="0"/>
+          </a:p>
+        </p:txBody>
+      </p:sp>
+      <p:sp>
+        <p:nvSpPr>
+          <p:cNvPr id="6" name="Title 5"/>
+          <p:cNvSpPr>
+            <a:spLocks noGrp="1"/>
+          </p:cNvSpPr>
+          <p:nvPr>
+            <p:ph type="title"/>
+          </p:nvPr>
+        </p:nvSpPr>
+        <p:spPr>
+          <a:xfrm>
+            <a:off x="273915" y="644462"/>
+            <a:ext cx="8618799" cy="486287"/>
+          </a:xfrm>
+        </p:spPr>
+        <p:txBody>
+          <a:bodyPr/>
+          <a:lstStyle/>
+          <a:p>
+            <a:r>
+              <a:rPr lang="en-US" dirty="0" smtClean="0"/>
+              <a:t>How to Deactivate/Deny a Previously Approved Key (1)</a:t>
+            </a:r>
+            <a:endParaRPr lang="en-US" dirty="0"/>
+          </a:p>
+        </p:txBody>
+      </p:sp>
+      <p:sp>
+        <p:nvSpPr>
+          <p:cNvPr id="7" name="Text Placeholder 6"/>
+          <p:cNvSpPr>
+            <a:spLocks noGrp="1"/>
+          </p:cNvSpPr>
+          <p:nvPr>
+            <p:ph type="body" sz="quarter" idx="15"/>
+          </p:nvPr>
+        </p:nvSpPr>
+        <p:spPr/>
+        <p:txBody>
+          <a:bodyPr/>
+          <a:lstStyle/>
+          <a:p>
+            <a:r>
+              <a:rPr lang="en-US" dirty="0" smtClean="0"/>
+              <a:t>Administrator API How To</a:t>
+            </a:r>
+            <a:endParaRPr lang="en-US" dirty="0"/>
+          </a:p>
+        </p:txBody>
+      </p:sp>
+      <p:pic>
+        <p:nvPicPr>
+          <p:cNvPr id="18" name="Picture 17"/>
+          <p:cNvPicPr>
+            <a:picLocks noChangeAspect="1"/>
+          </p:cNvPicPr>
+          <p:nvPr/>
+        </p:nvPicPr>
+        <p:blipFill>
+          <a:blip r:embed="rId2"/>
+          <a:stretch>
+            <a:fillRect/>
+          </a:stretch>
+        </p:blipFill>
+        <p:spPr>
+          <a:xfrm>
+            <a:off x="4647618" y="1369734"/>
+            <a:ext cx="4160520" cy="2555215"/>
+          </a:xfrm>
+          <a:prstGeom prst="rect">
+            <a:avLst/>
+          </a:prstGeom>
+        </p:spPr>
+      </p:pic>
+      <p:sp>
+        <p:nvSpPr>
+          <p:cNvPr id="12" name="Right Arrow 11"/>
+          <p:cNvSpPr/>
+          <p:nvPr/>
+        </p:nvSpPr>
+        <p:spPr bwMode="gray">
+          <a:xfrm>
+            <a:off x="4325613" y="1633569"/>
+            <a:ext cx="342027" cy="137859"/>
+          </a:xfrm>
+          <a:prstGeom prst="rightArrow">
+            <a:avLst/>
+          </a:prstGeom>
+          <a:solidFill>
+            <a:schemeClr val="accent1"/>
+          </a:solidFill>
+          <a:ln w="9525" cap="flat" cmpd="sng" algn="ctr">
+            <a:noFill/>
+            <a:prstDash val="solid"/>
+            <a:round/>
+            <a:headEnd type="none" w="med" len="med"/>
+            <a:tailEnd type="none" w="med" len="med"/>
+          </a:ln>
+          <a:effectLst/>
+        </p:spPr>
+        <p:txBody>
+          <a:bodyPr vert="horz" wrap="square" lIns="91440" tIns="45720" rIns="91440" bIns="45720" numCol="1" rtlCol="0" anchor="ctr" anchorCtr="0" compatLnSpc="1">
+            <a:prstTxWarp prst="textNoShape">
+              <a:avLst/>
+            </a:prstTxWarp>
+          </a:bodyPr>
+          <a:lstStyle/>
+          <a:p>
+            <a:pPr marL="0" marR="0" indent="0" algn="l" defTabSz="914400" rtl="0" eaLnBrk="1" fontAlgn="base" latinLnBrk="0" hangingPunct="1">
+              <a:lnSpc>
+                <a:spcPct val="100000"/>
+              </a:lnSpc>
+              <a:spcBef>
+                <a:spcPct val="0"/>
+              </a:spcBef>
+              <a:spcAft>
+                <a:spcPct val="0"/>
+              </a:spcAft>
+              <a:buClrTx/>
+              <a:buSzTx/>
+              <a:buFontTx/>
+              <a:buNone/>
+              <a:tabLst/>
+            </a:pPr>
+            <a:endParaRPr kumimoji="0" lang="en-US" sz="2000" b="0" i="0" u="none" strike="noStrike" cap="none" normalizeH="0" baseline="0" dirty="0" smtClean="0">
+              <a:ln>
+                <a:noFill/>
+              </a:ln>
+              <a:solidFill>
+                <a:schemeClr val="bg1"/>
+              </a:solidFill>
+              <a:effectLst/>
+              <a:latin typeface="Arial" pitchFamily="2" charset="0"/>
+            </a:endParaRPr>
+          </a:p>
+        </p:txBody>
+      </p:sp>
+      <p:sp>
+        <p:nvSpPr>
+          <p:cNvPr id="13" name="Right Arrow 12"/>
+          <p:cNvSpPr/>
+          <p:nvPr/>
+        </p:nvSpPr>
+        <p:spPr bwMode="gray">
+          <a:xfrm rot="16200000">
+            <a:off x="7045143" y="1561174"/>
+            <a:ext cx="221621" cy="198886"/>
+          </a:xfrm>
+          <a:prstGeom prst="rightArrow">
+            <a:avLst/>
+          </a:prstGeom>
+          <a:solidFill>
+            <a:schemeClr val="accent1"/>
+          </a:solidFill>
+          <a:ln w="9525" cap="flat" cmpd="sng" algn="ctr">
+            <a:noFill/>
+            <a:prstDash val="solid"/>
+            <a:round/>
+            <a:headEnd type="none" w="med" len="med"/>
+            <a:tailEnd type="none" w="med" len="med"/>
+          </a:ln>
+          <a:effectLst/>
+        </p:spPr>
+        <p:txBody>
+          <a:bodyPr vert="horz" wrap="square" lIns="91440" tIns="45720" rIns="91440" bIns="45720" numCol="1" rtlCol="0" anchor="ctr" anchorCtr="0" compatLnSpc="1">
+            <a:prstTxWarp prst="textNoShape">
+              <a:avLst/>
+            </a:prstTxWarp>
+          </a:bodyPr>
+          <a:lstStyle/>
+          <a:p>
+            <a:pPr marL="0" marR="0" indent="0" algn="l" defTabSz="914400" rtl="0" eaLnBrk="1" fontAlgn="base" latinLnBrk="0" hangingPunct="1">
+              <a:lnSpc>
+                <a:spcPct val="100000"/>
+              </a:lnSpc>
+              <a:spcBef>
+                <a:spcPct val="0"/>
+              </a:spcBef>
+              <a:spcAft>
+                <a:spcPct val="0"/>
+              </a:spcAft>
+              <a:buClrTx/>
+              <a:buSzTx/>
+              <a:buFontTx/>
+              <a:buNone/>
+              <a:tabLst/>
+            </a:pPr>
+            <a:endParaRPr kumimoji="0" lang="en-US" sz="2000" b="0" i="0" u="none" strike="noStrike" cap="none" normalizeH="0" baseline="0" dirty="0" smtClean="0">
+              <a:ln>
+                <a:noFill/>
+              </a:ln>
+              <a:solidFill>
+                <a:schemeClr val="bg1"/>
+              </a:solidFill>
+              <a:effectLst/>
+              <a:latin typeface="Arial" pitchFamily="2" charset="0"/>
+            </a:endParaRPr>
+          </a:p>
+        </p:txBody>
+      </p:sp>
+      <p:sp>
+        <p:nvSpPr>
+          <p:cNvPr id="15" name="Right Arrow 14"/>
+          <p:cNvSpPr/>
+          <p:nvPr/>
+        </p:nvSpPr>
+        <p:spPr bwMode="gray">
+          <a:xfrm rot="19866145">
+            <a:off x="3487319" y="3030901"/>
+            <a:ext cx="2443768" cy="102691"/>
+          </a:xfrm>
+          <a:prstGeom prst="rightArrow">
+            <a:avLst/>
+          </a:prstGeom>
+          <a:solidFill>
+            <a:schemeClr val="accent1"/>
+          </a:solidFill>
+          <a:ln w="9525" cap="flat" cmpd="sng" algn="ctr">
+            <a:noFill/>
+            <a:prstDash val="solid"/>
+            <a:round/>
+            <a:headEnd type="none" w="med" len="med"/>
+            <a:tailEnd type="none" w="med" len="med"/>
+          </a:ln>
+          <a:effectLst/>
+        </p:spPr>
+        <p:txBody>
+          <a:bodyPr vert="horz" wrap="square" lIns="91440" tIns="45720" rIns="91440" bIns="45720" numCol="1" rtlCol="0" anchor="ctr" anchorCtr="0" compatLnSpc="1">
+            <a:prstTxWarp prst="textNoShape">
+              <a:avLst/>
+            </a:prstTxWarp>
+          </a:bodyPr>
+          <a:lstStyle/>
+          <a:p>
+            <a:pPr marL="0" marR="0" indent="0" algn="l" defTabSz="914400" rtl="0" eaLnBrk="1" fontAlgn="base" latinLnBrk="0" hangingPunct="1">
+              <a:lnSpc>
+                <a:spcPct val="100000"/>
+              </a:lnSpc>
+              <a:spcBef>
+                <a:spcPct val="0"/>
+              </a:spcBef>
+              <a:spcAft>
+                <a:spcPct val="0"/>
+              </a:spcAft>
+              <a:buClrTx/>
+              <a:buSzTx/>
+              <a:buFontTx/>
+              <a:buNone/>
+              <a:tabLst/>
+            </a:pPr>
+            <a:endParaRPr kumimoji="0" lang="en-US" sz="2000" b="0" i="0" u="none" strike="noStrike" cap="none" normalizeH="0" baseline="0" dirty="0" smtClean="0">
+              <a:ln>
+                <a:noFill/>
+              </a:ln>
+              <a:solidFill>
+                <a:schemeClr val="bg1"/>
+              </a:solidFill>
+              <a:effectLst/>
+              <a:latin typeface="Arial" pitchFamily="2" charset="0"/>
+            </a:endParaRPr>
+          </a:p>
+        </p:txBody>
+      </p:sp>
+      <p:sp>
+        <p:nvSpPr>
+          <p:cNvPr id="16" name="Right Arrow 15"/>
+          <p:cNvSpPr/>
+          <p:nvPr/>
+        </p:nvSpPr>
+        <p:spPr bwMode="gray">
+          <a:xfrm rot="18373809">
+            <a:off x="5284640" y="3852578"/>
+            <a:ext cx="1209725" cy="103155"/>
+          </a:xfrm>
+          <a:prstGeom prst="rightArrow">
+            <a:avLst/>
+          </a:prstGeom>
+          <a:solidFill>
+            <a:schemeClr val="accent1"/>
+          </a:solidFill>
+          <a:ln w="9525" cap="flat" cmpd="sng" algn="ctr">
+            <a:noFill/>
+            <a:prstDash val="solid"/>
+            <a:round/>
+            <a:headEnd type="none" w="med" len="med"/>
+            <a:tailEnd type="none" w="med" len="med"/>
+          </a:ln>
+          <a:effectLst/>
+        </p:spPr>
+        <p:txBody>
+          <a:bodyPr vert="horz" wrap="square" lIns="91440" tIns="45720" rIns="91440" bIns="45720" numCol="1" rtlCol="0" anchor="ctr" anchorCtr="0" compatLnSpc="1">
+            <a:prstTxWarp prst="textNoShape">
+              <a:avLst/>
+            </a:prstTxWarp>
+          </a:bodyPr>
+          <a:lstStyle/>
+          <a:p>
+            <a:pPr marL="0" marR="0" indent="0" algn="l" defTabSz="914400" rtl="0" eaLnBrk="1" fontAlgn="base" latinLnBrk="0" hangingPunct="1">
+              <a:lnSpc>
+                <a:spcPct val="100000"/>
+              </a:lnSpc>
+              <a:spcBef>
+                <a:spcPct val="0"/>
+              </a:spcBef>
+              <a:spcAft>
+                <a:spcPct val="0"/>
+              </a:spcAft>
+              <a:buClrTx/>
+              <a:buSzTx/>
+              <a:buFontTx/>
+              <a:buNone/>
+              <a:tabLst/>
+            </a:pPr>
+            <a:endParaRPr kumimoji="0" lang="en-US" sz="2000" b="0" i="0" u="none" strike="noStrike" cap="none" normalizeH="0" baseline="0" dirty="0" smtClean="0">
+              <a:ln>
+                <a:noFill/>
+              </a:ln>
+              <a:solidFill>
+                <a:schemeClr val="bg1"/>
+              </a:solidFill>
+              <a:effectLst/>
+              <a:latin typeface="Arial" pitchFamily="2" charset="0"/>
+            </a:endParaRPr>
+          </a:p>
+        </p:txBody>
+      </p:sp>
+    </p:spTree>
+    <p:extLst>
+      <p:ext uri="{BB962C8B-B14F-4D97-AF65-F5344CB8AC3E}">
+        <p14:creationId xmlns:p14="http://schemas.microsoft.com/office/powerpoint/2010/main" val="2039868981"/>
+      </p:ext>
+    </p:extLst>
+  </p:cSld>
+  <p:clrMapOvr>
+    <a:masterClrMapping/>
+  </p:clrMapOvr>
+  <p:timing>
+    <p:tnLst>
+      <p:par>
+        <p:cTn id="1" dur="indefinite" restart="never" nodeType="tmRoot"/>
+      </p:par>
+    </p:tnLst>
+  </p:timing>
+</p:sld>
+</file>
+
+<file path=ppt/slides/slide34.xml><?xml version="1.0" encoding="utf-8"?>
+<p:sld xmlns:a="http://schemas.openxmlformats.org/drawingml/2006/main" xmlns:r="http://schemas.openxmlformats.org/officeDocument/2006/relationships" xmlns:p="http://schemas.openxmlformats.org/presentationml/2006/main">
+  <p:cSld>
+    <p:spTree>
+      <p:nvGrpSpPr>
+        <p:cNvPr id="1" name=""/>
+        <p:cNvGrpSpPr/>
+        <p:nvPr/>
+      </p:nvGrpSpPr>
+      <p:grpSpPr>
+        <a:xfrm>
+          <a:off x="0" y="0"/>
+          <a:ext cx="0" cy="0"/>
+          <a:chOff x="0" y="0"/>
+          <a:chExt cx="0" cy="0"/>
+        </a:xfrm>
+      </p:grpSpPr>
+      <p:sp>
+        <p:nvSpPr>
+          <p:cNvPr id="2" name="Text Placeholder 1"/>
+          <p:cNvSpPr>
+            <a:spLocks noGrp="1"/>
+          </p:cNvSpPr>
+          <p:nvPr>
+            <p:ph type="body" sz="quarter" idx="13"/>
+          </p:nvPr>
+        </p:nvSpPr>
+        <p:spPr>
+          <a:xfrm>
+            <a:off x="274638" y="987818"/>
+            <a:ext cx="8283029" cy="3737694"/>
+          </a:xfrm>
+        </p:spPr>
+        <p:txBody>
+          <a:bodyPr/>
+          <a:lstStyle/>
+          <a:p>
+            <a:pPr lvl="1"/>
+            <a:endParaRPr lang="en-US" dirty="0" smtClean="0"/>
+          </a:p>
+          <a:p>
+            <a:pPr lvl="1"/>
+            <a:endParaRPr lang="en-US" dirty="0"/>
+          </a:p>
+          <a:p>
+            <a:pPr lvl="1"/>
+            <a:endParaRPr lang="en-US" dirty="0" smtClean="0"/>
+          </a:p>
+          <a:p>
+            <a:pPr lvl="1"/>
+            <a:endParaRPr lang="en-US" dirty="0"/>
+          </a:p>
+          <a:p>
+            <a:pPr lvl="1"/>
+            <a:endParaRPr lang="en-US" dirty="0" smtClean="0"/>
+          </a:p>
+          <a:p>
+            <a:pPr lvl="1"/>
+            <a:endParaRPr lang="en-US" dirty="0" smtClean="0"/>
+          </a:p>
+          <a:p>
+            <a:pPr lvl="1"/>
+            <a:r>
+              <a:rPr lang="en-US" dirty="0" smtClean="0"/>
+              <a:t>Uncheck the “Granted” box</a:t>
+            </a:r>
+          </a:p>
+          <a:p>
+            <a:pPr lvl="1"/>
+            <a:endParaRPr lang="en-US" dirty="0"/>
+          </a:p>
+          <a:p>
+            <a:pPr lvl="1"/>
+            <a:endParaRPr lang="en-US" dirty="0" smtClean="0"/>
+          </a:p>
+          <a:p>
+            <a:pPr lvl="1"/>
+            <a:r>
+              <a:rPr lang="en-US" dirty="0" smtClean="0"/>
+              <a:t>Click “Submit”</a:t>
+            </a:r>
+          </a:p>
+          <a:p>
+            <a:pPr lvl="1"/>
+            <a:r>
+              <a:rPr lang="en-US" dirty="0" smtClean="0"/>
+              <a:t>Remove the Client ID from either the subscription data file (one or both) as needed. If for SpendingPulse, upload the subscription file (see slide 31).</a:t>
+            </a:r>
+            <a:br>
+              <a:rPr lang="en-US" dirty="0" smtClean="0"/>
+            </a:br>
+            <a:r>
+              <a:rPr lang="en-US" sz="1200" dirty="0" smtClean="0">
+                <a:latin typeface="Andale Mono" panose="020B0509000000000004" pitchFamily="49" charset="0"/>
+              </a:rPr>
+              <a:t>Sector </a:t>
+            </a:r>
+            <a:r>
+              <a:rPr lang="en-US" sz="1200" dirty="0">
+                <a:latin typeface="Andale Mono" panose="020B0509000000000004" pitchFamily="49" charset="0"/>
+              </a:rPr>
+              <a:t>insights Keys.xlsx </a:t>
+            </a:r>
+            <a:r>
+              <a:rPr lang="en-US" dirty="0"/>
+              <a:t>or</a:t>
+            </a:r>
+            <a:r>
+              <a:rPr lang="en-US" sz="1200" dirty="0" smtClean="0">
+                <a:latin typeface="Andale Mono" panose="020B0509000000000004" pitchFamily="49" charset="0"/>
+              </a:rPr>
+              <a:t> SpendingPulse </a:t>
+            </a:r>
+            <a:r>
+              <a:rPr lang="en-US" sz="1200" dirty="0">
+                <a:latin typeface="Andale Mono" panose="020B0509000000000004" pitchFamily="49" charset="0"/>
+              </a:rPr>
+              <a:t>API Subscription Data.xlsx </a:t>
+            </a:r>
+            <a:r>
+              <a:rPr lang="en-US" sz="1200" dirty="0" smtClean="0">
+                <a:latin typeface="Andale Mono" panose="020B0509000000000004" pitchFamily="49" charset="0"/>
+              </a:rPr>
+              <a:t/>
+            </a:r>
+            <a:br>
+              <a:rPr lang="en-US" sz="1200" dirty="0" smtClean="0">
+                <a:latin typeface="Andale Mono" panose="020B0509000000000004" pitchFamily="49" charset="0"/>
+              </a:rPr>
+            </a:br>
+            <a:endParaRPr lang="en-US" sz="1200" dirty="0">
+              <a:latin typeface="Andale Mono" panose="020B0509000000000004" pitchFamily="49" charset="0"/>
+            </a:endParaRPr>
+          </a:p>
+        </p:txBody>
+      </p:sp>
+      <p:sp>
+        <p:nvSpPr>
+          <p:cNvPr id="3" name="Date Placeholder 2"/>
+          <p:cNvSpPr>
+            <a:spLocks noGrp="1"/>
+          </p:cNvSpPr>
+          <p:nvPr>
+            <p:ph type="dt" sz="half" idx="10"/>
+          </p:nvPr>
+        </p:nvSpPr>
+        <p:spPr/>
+        <p:txBody>
+          <a:bodyPr/>
+          <a:lstStyle/>
+          <a:p>
+            <a:r>
+              <a:rPr lang="en-US" smtClean="0"/>
+              <a:t>October 21, 2015</a:t>
+            </a:r>
+            <a:endParaRPr lang="en-US" dirty="0" smtClean="0"/>
+          </a:p>
+        </p:txBody>
+      </p:sp>
+      <p:sp>
+        <p:nvSpPr>
+          <p:cNvPr id="4" name="Slide Number Placeholder 3"/>
+          <p:cNvSpPr>
+            <a:spLocks noGrp="1"/>
+          </p:cNvSpPr>
+          <p:nvPr>
+            <p:ph type="sldNum" sz="quarter" idx="11"/>
+          </p:nvPr>
+        </p:nvSpPr>
+        <p:spPr/>
+        <p:txBody>
+          <a:bodyPr/>
+          <a:lstStyle/>
+          <a:p>
+            <a:fld id="{5698A34F-157D-4FC3-B6AE-341A8B909DED}" type="slidenum">
+              <a:rPr lang="en-US" smtClean="0"/>
+              <a:pPr/>
+              <a:t>34</a:t>
+            </a:fld>
+            <a:endParaRPr lang="en-US" dirty="0"/>
+          </a:p>
+        </p:txBody>
+      </p:sp>
+      <p:sp>
+        <p:nvSpPr>
+          <p:cNvPr id="5" name="Footer Placeholder 4"/>
+          <p:cNvSpPr>
+            <a:spLocks noGrp="1"/>
+          </p:cNvSpPr>
+          <p:nvPr>
+            <p:ph type="ftr" sz="quarter" idx="12"/>
+          </p:nvPr>
+        </p:nvSpPr>
+        <p:spPr/>
+        <p:txBody>
+          <a:bodyPr/>
+          <a:lstStyle/>
+          <a:p>
+            <a:endParaRPr lang="en-US" dirty="0"/>
+          </a:p>
+        </p:txBody>
+      </p:sp>
+      <p:sp>
+        <p:nvSpPr>
+          <p:cNvPr id="6" name="Title 5"/>
+          <p:cNvSpPr>
+            <a:spLocks noGrp="1"/>
+          </p:cNvSpPr>
+          <p:nvPr>
+            <p:ph type="title"/>
+          </p:nvPr>
+        </p:nvSpPr>
+        <p:spPr>
+          <a:xfrm>
+            <a:off x="273915" y="644462"/>
+            <a:ext cx="8618799" cy="486287"/>
+          </a:xfrm>
+        </p:spPr>
+        <p:txBody>
+          <a:bodyPr/>
+          <a:lstStyle/>
+          <a:p>
+            <a:r>
+              <a:rPr lang="en-US" dirty="0" smtClean="0"/>
+              <a:t>How to Deactivate/Deny a Previously Approved Key (2)</a:t>
+            </a:r>
+            <a:endParaRPr lang="en-US" dirty="0"/>
+          </a:p>
+        </p:txBody>
+      </p:sp>
+      <p:sp>
+        <p:nvSpPr>
+          <p:cNvPr id="7" name="Text Placeholder 6"/>
+          <p:cNvSpPr>
+            <a:spLocks noGrp="1"/>
+          </p:cNvSpPr>
+          <p:nvPr>
+            <p:ph type="body" sz="quarter" idx="15"/>
+          </p:nvPr>
+        </p:nvSpPr>
+        <p:spPr/>
+        <p:txBody>
+          <a:bodyPr/>
+          <a:lstStyle/>
+          <a:p>
+            <a:r>
+              <a:rPr lang="en-US" dirty="0" smtClean="0"/>
+              <a:t>Administrator API How To</a:t>
+            </a:r>
+            <a:endParaRPr lang="en-US" dirty="0"/>
+          </a:p>
+        </p:txBody>
+      </p:sp>
+      <p:pic>
+        <p:nvPicPr>
+          <p:cNvPr id="18" name="Picture 17"/>
+          <p:cNvPicPr>
+            <a:picLocks noChangeAspect="1"/>
+          </p:cNvPicPr>
+          <p:nvPr/>
+        </p:nvPicPr>
+        <p:blipFill>
+          <a:blip r:embed="rId2"/>
+          <a:stretch>
+            <a:fillRect/>
+          </a:stretch>
+        </p:blipFill>
+        <p:spPr>
+          <a:xfrm>
+            <a:off x="4647618" y="1162824"/>
+            <a:ext cx="4160520" cy="2555215"/>
+          </a:xfrm>
+          <a:prstGeom prst="rect">
+            <a:avLst/>
+          </a:prstGeom>
+        </p:spPr>
+      </p:pic>
+      <p:sp>
+        <p:nvSpPr>
+          <p:cNvPr id="12" name="Right Arrow 11"/>
+          <p:cNvSpPr/>
+          <p:nvPr/>
+        </p:nvSpPr>
+        <p:spPr bwMode="gray">
+          <a:xfrm>
+            <a:off x="3731583" y="2846013"/>
+            <a:ext cx="3570532" cy="84070"/>
+          </a:xfrm>
+          <a:prstGeom prst="rightArrow">
+            <a:avLst/>
+          </a:prstGeom>
+          <a:solidFill>
+            <a:schemeClr val="accent1"/>
+          </a:solidFill>
+          <a:ln w="9525" cap="flat" cmpd="sng" algn="ctr">
+            <a:noFill/>
+            <a:prstDash val="solid"/>
+            <a:round/>
+            <a:headEnd type="none" w="med" len="med"/>
+            <a:tailEnd type="none" w="med" len="med"/>
+          </a:ln>
+          <a:effectLst/>
+        </p:spPr>
+        <p:txBody>
+          <a:bodyPr vert="horz" wrap="square" lIns="91440" tIns="45720" rIns="91440" bIns="45720" numCol="1" rtlCol="0" anchor="ctr" anchorCtr="0" compatLnSpc="1">
+            <a:prstTxWarp prst="textNoShape">
+              <a:avLst/>
+            </a:prstTxWarp>
+          </a:bodyPr>
+          <a:lstStyle/>
+          <a:p>
+            <a:pPr marL="0" marR="0" indent="0" algn="l" defTabSz="914400" rtl="0" eaLnBrk="1" fontAlgn="base" latinLnBrk="0" hangingPunct="1">
+              <a:lnSpc>
+                <a:spcPct val="100000"/>
+              </a:lnSpc>
+              <a:spcBef>
+                <a:spcPct val="0"/>
+              </a:spcBef>
+              <a:spcAft>
+                <a:spcPct val="0"/>
+              </a:spcAft>
+              <a:buClrTx/>
+              <a:buSzTx/>
+              <a:buFontTx/>
+              <a:buNone/>
+              <a:tabLst/>
+            </a:pPr>
+            <a:endParaRPr kumimoji="0" lang="en-US" sz="2000" b="0" i="0" u="none" strike="noStrike" cap="none" normalizeH="0" baseline="0" dirty="0" smtClean="0">
+              <a:ln>
+                <a:noFill/>
+              </a:ln>
+              <a:solidFill>
+                <a:schemeClr val="bg1"/>
+              </a:solidFill>
+              <a:effectLst/>
+              <a:latin typeface="Arial" pitchFamily="2" charset="0"/>
+            </a:endParaRPr>
+          </a:p>
+        </p:txBody>
+      </p:sp>
+      <p:sp>
+        <p:nvSpPr>
+          <p:cNvPr id="14" name="Right Arrow 13"/>
+          <p:cNvSpPr/>
+          <p:nvPr/>
+        </p:nvSpPr>
+        <p:spPr bwMode="gray">
+          <a:xfrm>
+            <a:off x="2282663" y="3605787"/>
+            <a:ext cx="5458856" cy="84070"/>
+          </a:xfrm>
+          <a:prstGeom prst="rightArrow">
+            <a:avLst/>
+          </a:prstGeom>
+          <a:solidFill>
+            <a:schemeClr val="accent1"/>
+          </a:solidFill>
+          <a:ln w="9525" cap="flat" cmpd="sng" algn="ctr">
+            <a:noFill/>
+            <a:prstDash val="solid"/>
+            <a:round/>
+            <a:headEnd type="none" w="med" len="med"/>
+            <a:tailEnd type="none" w="med" len="med"/>
+          </a:ln>
+          <a:effectLst/>
+        </p:spPr>
+        <p:txBody>
+          <a:bodyPr vert="horz" wrap="square" lIns="91440" tIns="45720" rIns="91440" bIns="45720" numCol="1" rtlCol="0" anchor="ctr" anchorCtr="0" compatLnSpc="1">
+            <a:prstTxWarp prst="textNoShape">
+              <a:avLst/>
+            </a:prstTxWarp>
+          </a:bodyPr>
+          <a:lstStyle/>
+          <a:p>
+            <a:pPr marL="0" marR="0" indent="0" algn="l" defTabSz="914400" rtl="0" eaLnBrk="1" fontAlgn="base" latinLnBrk="0" hangingPunct="1">
+              <a:lnSpc>
+                <a:spcPct val="100000"/>
+              </a:lnSpc>
+              <a:spcBef>
+                <a:spcPct val="0"/>
+              </a:spcBef>
+              <a:spcAft>
+                <a:spcPct val="0"/>
+              </a:spcAft>
+              <a:buClrTx/>
+              <a:buSzTx/>
+              <a:buFontTx/>
+              <a:buNone/>
+              <a:tabLst/>
+            </a:pPr>
+            <a:endParaRPr kumimoji="0" lang="en-US" sz="2000" b="0" i="0" u="none" strike="noStrike" cap="none" normalizeH="0" baseline="0" dirty="0" smtClean="0">
+              <a:ln>
+                <a:noFill/>
+              </a:ln>
+              <a:solidFill>
+                <a:schemeClr val="bg1"/>
+              </a:solidFill>
+              <a:effectLst/>
+              <a:latin typeface="Arial" pitchFamily="2" charset="0"/>
+            </a:endParaRPr>
+          </a:p>
+        </p:txBody>
+      </p:sp>
+    </p:spTree>
+    <p:extLst>
+      <p:ext uri="{BB962C8B-B14F-4D97-AF65-F5344CB8AC3E}">
+        <p14:creationId xmlns:p14="http://schemas.microsoft.com/office/powerpoint/2010/main" val="1326989588"/>
+      </p:ext>
+    </p:extLst>
+  </p:cSld>
+  <p:clrMapOvr>
+    <a:masterClrMapping/>
+  </p:clrMapOvr>
+  <p:timing>
+    <p:tnLst>
+      <p:par>
+        <p:cTn id="1" dur="indefinite" restart="never" nodeType="tmRoot"/>
+      </p:par>
+    </p:tnLst>
+  </p:timing>
+</p:sld>
+</file>
+
+<file path=ppt/slides/slide35.xml><?xml version="1.0" encoding="utf-8"?>
+<p:sld xmlns:a="http://schemas.openxmlformats.org/drawingml/2006/main" xmlns:r="http://schemas.openxmlformats.org/officeDocument/2006/relationships" xmlns:p="http://schemas.openxmlformats.org/presentationml/2006/main">
+  <p:cSld>
+    <p:spTree>
+      <p:nvGrpSpPr>
+        <p:cNvPr id="1" name=""/>
+        <p:cNvGrpSpPr/>
+        <p:nvPr/>
+      </p:nvGrpSpPr>
+      <p:grpSpPr>
+        <a:xfrm>
+          <a:off x="0" y="0"/>
+          <a:ext cx="0" cy="0"/>
+          <a:chOff x="0" y="0"/>
+          <a:chExt cx="0" cy="0"/>
+        </a:xfrm>
+      </p:grpSpPr>
+      <p:sp>
+        <p:nvSpPr>
+          <p:cNvPr id="2" name="Text Placeholder 1"/>
+          <p:cNvSpPr>
+            <a:spLocks noGrp="1"/>
+          </p:cNvSpPr>
+          <p:nvPr>
+            <p:ph type="body" sz="quarter" idx="13"/>
+          </p:nvPr>
+        </p:nvSpPr>
+        <p:spPr>
+          <a:xfrm>
+            <a:off x="274638" y="1416424"/>
+            <a:ext cx="8283029" cy="3309088"/>
+          </a:xfrm>
+        </p:spPr>
+        <p:txBody>
+          <a:bodyPr/>
+          <a:lstStyle/>
+          <a:p>
+            <a:r>
+              <a:rPr lang="en-US" dirty="0" smtClean="0"/>
+              <a:t>For BOTH Weekly Gasoline data and US Exec data:</a:t>
+            </a:r>
+          </a:p>
+          <a:p>
+            <a:pPr lvl="1"/>
+            <a:r>
+              <a:rPr lang="en-US" dirty="0" smtClean="0"/>
+              <a:t>Must FIRST delete last report’s data – then upload new data</a:t>
+            </a:r>
+            <a:endParaRPr lang="en-US" dirty="0" smtClean="0"/>
+          </a:p>
+          <a:p>
+            <a:pPr lvl="1"/>
+            <a:r>
+              <a:rPr lang="en-US" dirty="0" smtClean="0"/>
+              <a:t>If not</a:t>
+            </a:r>
+            <a:r>
+              <a:rPr lang="en-US" smtClean="0"/>
+              <a:t>, both </a:t>
+            </a:r>
+            <a:r>
+              <a:rPr lang="en-US" dirty="0" smtClean="0"/>
+              <a:t>sets of data are exposed in the </a:t>
+            </a:r>
+            <a:r>
+              <a:rPr lang="en-US" smtClean="0"/>
+              <a:t>API.</a:t>
+            </a:r>
+            <a:endParaRPr lang="en-US" sz="1200" dirty="0">
+              <a:latin typeface="Andale Mono" panose="020B0509000000000004" pitchFamily="49" charset="0"/>
+            </a:endParaRPr>
+          </a:p>
+        </p:txBody>
+      </p:sp>
+      <p:sp>
+        <p:nvSpPr>
+          <p:cNvPr id="3" name="Date Placeholder 2"/>
+          <p:cNvSpPr>
+            <a:spLocks noGrp="1"/>
+          </p:cNvSpPr>
+          <p:nvPr>
+            <p:ph type="dt" sz="half" idx="10"/>
+          </p:nvPr>
+        </p:nvSpPr>
+        <p:spPr/>
+        <p:txBody>
+          <a:bodyPr/>
+          <a:lstStyle/>
+          <a:p>
+            <a:r>
+              <a:rPr lang="en-US" smtClean="0"/>
+              <a:t>October 21, 2015</a:t>
+            </a:r>
+            <a:endParaRPr lang="en-US" dirty="0" smtClean="0"/>
+          </a:p>
+        </p:txBody>
+      </p:sp>
+      <p:sp>
+        <p:nvSpPr>
+          <p:cNvPr id="4" name="Slide Number Placeholder 3"/>
+          <p:cNvSpPr>
+            <a:spLocks noGrp="1"/>
+          </p:cNvSpPr>
+          <p:nvPr>
+            <p:ph type="sldNum" sz="quarter" idx="11"/>
+          </p:nvPr>
+        </p:nvSpPr>
+        <p:spPr/>
+        <p:txBody>
+          <a:bodyPr/>
+          <a:lstStyle/>
+          <a:p>
+            <a:fld id="{5698A34F-157D-4FC3-B6AE-341A8B909DED}" type="slidenum">
+              <a:rPr lang="en-US" smtClean="0"/>
+              <a:pPr/>
+              <a:t>35</a:t>
+            </a:fld>
+            <a:endParaRPr lang="en-US" dirty="0"/>
+          </a:p>
+        </p:txBody>
+      </p:sp>
+      <p:sp>
+        <p:nvSpPr>
+          <p:cNvPr id="5" name="Footer Placeholder 4"/>
+          <p:cNvSpPr>
+            <a:spLocks noGrp="1"/>
+          </p:cNvSpPr>
+          <p:nvPr>
+            <p:ph type="ftr" sz="quarter" idx="12"/>
+          </p:nvPr>
+        </p:nvSpPr>
+        <p:spPr/>
+        <p:txBody>
+          <a:bodyPr/>
+          <a:lstStyle/>
+          <a:p>
+            <a:endParaRPr lang="en-US" dirty="0"/>
+          </a:p>
+        </p:txBody>
+      </p:sp>
+      <p:sp>
+        <p:nvSpPr>
+          <p:cNvPr id="6" name="Title 5"/>
+          <p:cNvSpPr>
+            <a:spLocks noGrp="1"/>
+          </p:cNvSpPr>
+          <p:nvPr>
+            <p:ph type="title"/>
+          </p:nvPr>
+        </p:nvSpPr>
+        <p:spPr>
+          <a:xfrm>
+            <a:off x="273915" y="644462"/>
+            <a:ext cx="8618799" cy="486287"/>
+          </a:xfrm>
+        </p:spPr>
+        <p:txBody>
+          <a:bodyPr/>
+          <a:lstStyle/>
+          <a:p>
+            <a:r>
+              <a:rPr lang="en-US" dirty="0" smtClean="0"/>
+              <a:t>SpendingPulse Data Upload – DON’T Forget</a:t>
+            </a:r>
+            <a:endParaRPr lang="en-US" dirty="0"/>
+          </a:p>
+        </p:txBody>
+      </p:sp>
+      <p:sp>
+        <p:nvSpPr>
+          <p:cNvPr id="7" name="Text Placeholder 6"/>
+          <p:cNvSpPr>
+            <a:spLocks noGrp="1"/>
+          </p:cNvSpPr>
+          <p:nvPr>
+            <p:ph type="body" sz="quarter" idx="15"/>
+          </p:nvPr>
+        </p:nvSpPr>
+        <p:spPr/>
+        <p:txBody>
+          <a:bodyPr/>
+          <a:lstStyle/>
+          <a:p>
+            <a:r>
+              <a:rPr lang="en-US" dirty="0" smtClean="0"/>
+              <a:t>Administrator API How To</a:t>
+            </a:r>
+            <a:endParaRPr lang="en-US" dirty="0"/>
+          </a:p>
+        </p:txBody>
+      </p:sp>
+    </p:spTree>
+    <p:extLst>
+      <p:ext uri="{BB962C8B-B14F-4D97-AF65-F5344CB8AC3E}">
+        <p14:creationId xmlns:p14="http://schemas.microsoft.com/office/powerpoint/2010/main" val="1557615695"/>
+      </p:ext>
+    </p:extLst>
+  </p:cSld>
+  <p:clrMapOvr>
+    <a:masterClrMapping/>
+  </p:clrMapOvr>
+  <p:timing>
+    <p:tnLst>
+      <p:par>
+        <p:cTn id="1" dur="indefinite" restart="never" nodeType="tmRoot"/>
+      </p:par>
+    </p:tnLst>
+  </p:timing>
+</p:sld>
+</file>
+
+<file path=ppt/slides/slide4.xml><?xml version="1.0" encoding="utf-8"?>
+<p:sld xmlns:a="http://schemas.openxmlformats.org/drawingml/2006/main" xmlns:r="http://schemas.openxmlformats.org/officeDocument/2006/relationships" xmlns:p="http://schemas.openxmlformats.org/presentationml/2006/main">
+  <p:cSld>
+    <p:spTree>
+      <p:nvGrpSpPr>
+        <p:cNvPr id="1" name=""/>
+        <p:cNvGrpSpPr/>
+        <p:nvPr/>
+      </p:nvGrpSpPr>
+      <p:grpSpPr>
+        <a:xfrm>
+          <a:off x="0" y="0"/>
+          <a:ext cx="0" cy="0"/>
+          <a:chOff x="0" y="0"/>
+          <a:chExt cx="0" cy="0"/>
+        </a:xfrm>
+      </p:grpSpPr>
+      <p:sp>
+        <p:nvSpPr>
+          <p:cNvPr id="2" name="Text Placeholder 1"/>
+          <p:cNvSpPr>
+            <a:spLocks noGrp="1"/>
+          </p:cNvSpPr>
+          <p:nvPr>
+            <p:ph type="body" sz="quarter" idx="13"/>
+          </p:nvPr>
+        </p:nvSpPr>
+        <p:spPr>
+          <a:xfrm>
             <a:off x="274638" y="1299411"/>
             <a:ext cx="4819876" cy="3332912"/>
           </a:xfrm>
@@ -15194,7 +14565,7 @@
             <a:fld id="{5698A34F-157D-4FC3-B6AE-341A8B909DED}" type="slidenum">
               <a:rPr lang="en-US" smtClean="0"/>
               <a:pPr/>
-              <a:t>5</a:t>
+              <a:t>4</a:t>
             </a:fld>
             <a:endParaRPr lang="en-US" dirty="0"/>
           </a:p>
@@ -15320,7 +14691,7 @@
 </p:sld>
 </file>
 
-<file path=ppt/slides/slide6.xml><?xml version="1.0" encoding="utf-8"?>
+<file path=ppt/slides/slide5.xml><?xml version="1.0" encoding="utf-8"?>
 <p:sld xmlns:a="http://schemas.openxmlformats.org/drawingml/2006/main" xmlns:r="http://schemas.openxmlformats.org/officeDocument/2006/relationships" xmlns:p="http://schemas.openxmlformats.org/presentationml/2006/main">
   <p:cSld>
     <p:spTree>
@@ -15460,7 +14831,7 @@
             <a:fld id="{5698A34F-157D-4FC3-B6AE-341A8B909DED}" type="slidenum">
               <a:rPr lang="en-US" smtClean="0"/>
               <a:pPr/>
-              <a:t>6</a:t>
+              <a:t>5</a:t>
             </a:fld>
             <a:endParaRPr lang="en-US" dirty="0"/>
           </a:p>
@@ -15685,7 +15056,7 @@
 </p:sld>
 </file>
 
-<file path=ppt/slides/slide7.xml><?xml version="1.0" encoding="utf-8"?>
+<file path=ppt/slides/slide6.xml><?xml version="1.0" encoding="utf-8"?>
 <p:sld xmlns:a="http://schemas.openxmlformats.org/drawingml/2006/main" xmlns:r="http://schemas.openxmlformats.org/officeDocument/2006/relationships" xmlns:p="http://schemas.openxmlformats.org/presentationml/2006/main">
   <p:cSld>
     <p:spTree>
@@ -15797,7 +15168,7 @@
             <a:fld id="{5698A34F-157D-4FC3-B6AE-341A8B909DED}" type="slidenum">
               <a:rPr lang="en-US" smtClean="0"/>
               <a:pPr/>
-              <a:t>7</a:t>
+              <a:t>6</a:t>
             </a:fld>
             <a:endParaRPr lang="en-US" dirty="0"/>
           </a:p>
@@ -16028,7 +15399,7 @@
 </p:sld>
 </file>
 
-<file path=ppt/slides/slide8.xml><?xml version="1.0" encoding="utf-8"?>
+<file path=ppt/slides/slide7.xml><?xml version="1.0" encoding="utf-8"?>
 <p:sld xmlns:a="http://schemas.openxmlformats.org/drawingml/2006/main" xmlns:r="http://schemas.openxmlformats.org/officeDocument/2006/relationships" xmlns:p="http://schemas.openxmlformats.org/presentationml/2006/main">
   <p:cSld>
     <p:spTree>
@@ -16128,7 +15499,7 @@
             <a:fld id="{5698A34F-157D-4FC3-B6AE-341A8B909DED}" type="slidenum">
               <a:rPr lang="en-US" smtClean="0"/>
               <a:pPr/>
-              <a:t>8</a:t>
+              <a:t>7</a:t>
             </a:fld>
             <a:endParaRPr lang="en-US" dirty="0"/>
           </a:p>
@@ -16334,7 +15705,7 @@
 </p:sld>
 </file>
 
-<file path=ppt/slides/slide9.xml><?xml version="1.0" encoding="utf-8"?>
+<file path=ppt/slides/slide8.xml><?xml version="1.0" encoding="utf-8"?>
 <p:sld xmlns:a="http://schemas.openxmlformats.org/drawingml/2006/main" xmlns:r="http://schemas.openxmlformats.org/officeDocument/2006/relationships" xmlns:p="http://schemas.openxmlformats.org/presentationml/2006/main">
   <p:cSld>
     <p:spTree>
@@ -16494,7 +15865,7 @@
             <a:fld id="{5698A34F-157D-4FC3-B6AE-341A8B909DED}" type="slidenum">
               <a:rPr lang="en-US" smtClean="0"/>
               <a:pPr/>
-              <a:t>9</a:t>
+              <a:t>8</a:t>
             </a:fld>
             <a:endParaRPr lang="en-US" dirty="0"/>
           </a:p>
@@ -16723,6 +16094,455 @@
     <p:extLst>
       <p:ext uri="{BB962C8B-B14F-4D97-AF65-F5344CB8AC3E}">
         <p14:creationId xmlns:p14="http://schemas.microsoft.com/office/powerpoint/2010/main" val="2837689732"/>
+      </p:ext>
+    </p:extLst>
+  </p:cSld>
+  <p:clrMapOvr>
+    <a:masterClrMapping/>
+  </p:clrMapOvr>
+  <p:timing>
+    <p:tnLst>
+      <p:par>
+        <p:cTn id="1" dur="indefinite" restart="never" nodeType="tmRoot"/>
+      </p:par>
+    </p:tnLst>
+  </p:timing>
+</p:sld>
+</file>
+
+<file path=ppt/slides/slide9.xml><?xml version="1.0" encoding="utf-8"?>
+<p:sld xmlns:a="http://schemas.openxmlformats.org/drawingml/2006/main" xmlns:r="http://schemas.openxmlformats.org/officeDocument/2006/relationships" xmlns:p="http://schemas.openxmlformats.org/presentationml/2006/main">
+  <p:cSld>
+    <p:spTree>
+      <p:nvGrpSpPr>
+        <p:cNvPr id="1" name=""/>
+        <p:cNvGrpSpPr/>
+        <p:nvPr/>
+      </p:nvGrpSpPr>
+      <p:grpSpPr>
+        <a:xfrm>
+          <a:off x="0" y="0"/>
+          <a:ext cx="0" cy="0"/>
+          <a:chOff x="0" y="0"/>
+          <a:chExt cx="0" cy="0"/>
+        </a:xfrm>
+      </p:grpSpPr>
+      <p:sp>
+        <p:nvSpPr>
+          <p:cNvPr id="2" name="Text Placeholder 1"/>
+          <p:cNvSpPr>
+            <a:spLocks noGrp="1"/>
+          </p:cNvSpPr>
+          <p:nvPr>
+            <p:ph type="body" sz="quarter" idx="13"/>
+          </p:nvPr>
+        </p:nvSpPr>
+        <p:spPr>
+          <a:xfrm>
+            <a:off x="274638" y="1368162"/>
+            <a:ext cx="7415212" cy="3264161"/>
+          </a:xfrm>
+        </p:spPr>
+        <p:txBody>
+          <a:bodyPr/>
+          <a:lstStyle/>
+          <a:p>
+            <a:r>
+              <a:rPr lang="en-US" dirty="0" smtClean="0"/>
+              <a:t>Inside </a:t>
+            </a:r>
+            <a:r>
+              <a:rPr lang="en-US" dirty="0"/>
+              <a:t>the </a:t>
+            </a:r>
+            <a:r>
+              <a:rPr lang="en-US" dirty="0" smtClean="0"/>
+              <a:t>next popup</a:t>
+            </a:r>
+            <a:r>
+              <a:rPr lang="en-US" dirty="0"/>
+              <a:t>, you will see a </a:t>
+            </a:r>
+            <a:r>
+              <a:rPr lang="en-US" dirty="0" smtClean="0"/>
+              <a:t/>
+            </a:r>
+            <a:br>
+              <a:rPr lang="en-US" dirty="0" smtClean="0"/>
+            </a:br>
+            <a:r>
+              <a:rPr lang="en-US" dirty="0" smtClean="0"/>
+              <a:t>“</a:t>
+            </a:r>
+            <a:r>
+              <a:rPr lang="en-US" b="1" dirty="0" smtClean="0">
+                <a:solidFill>
+                  <a:srgbClr val="F57A34"/>
+                </a:solidFill>
+              </a:rPr>
+              <a:t>click here</a:t>
+            </a:r>
+            <a:r>
+              <a:rPr lang="en-US" dirty="0"/>
+              <a:t>”</a:t>
+            </a:r>
+            <a:r>
+              <a:rPr lang="en-US" dirty="0" smtClean="0"/>
+              <a:t> </a:t>
+            </a:r>
+            <a:r>
+              <a:rPr lang="en-US" dirty="0"/>
+              <a:t>notation that will open the </a:t>
+            </a:r>
+            <a:r>
+              <a:rPr lang="en-US" dirty="0" smtClean="0"/>
+              <a:t/>
+            </a:r>
+            <a:br>
+              <a:rPr lang="en-US" dirty="0" smtClean="0"/>
+            </a:br>
+            <a:r>
+              <a:rPr lang="en-US" dirty="0" smtClean="0"/>
+              <a:t>MasterCard </a:t>
+            </a:r>
+            <a:r>
+              <a:rPr lang="en-US" dirty="0"/>
+              <a:t>Key Tool for your use</a:t>
+            </a:r>
+            <a:r>
+              <a:rPr lang="en-US" dirty="0" smtClean="0"/>
+              <a:t>.</a:t>
+            </a:r>
+          </a:p>
+          <a:p>
+            <a:r>
+              <a:rPr lang="en-US" dirty="0" smtClean="0"/>
+              <a:t>If you “</a:t>
+            </a:r>
+            <a:r>
+              <a:rPr lang="en-US" b="1" dirty="0">
+                <a:solidFill>
+                  <a:srgbClr val="F57A34"/>
+                </a:solidFill>
+              </a:rPr>
+              <a:t>click here</a:t>
+            </a:r>
+            <a:r>
+              <a:rPr lang="en-US" dirty="0" smtClean="0"/>
+              <a:t>”, the </a:t>
+            </a:r>
+            <a:br>
+              <a:rPr lang="en-US" dirty="0" smtClean="0"/>
+            </a:br>
+            <a:r>
+              <a:rPr lang="en-US" dirty="0" smtClean="0"/>
+              <a:t>MasterCard Key Tool is displayed.</a:t>
+            </a:r>
+            <a:endParaRPr lang="en-US" dirty="0"/>
+          </a:p>
+          <a:p>
+            <a:r>
+              <a:rPr lang="en-US" dirty="0" smtClean="0"/>
+              <a:t>Click “Generate Keys and CSR”</a:t>
+            </a:r>
+            <a:endParaRPr lang="en-US" dirty="0"/>
+          </a:p>
+        </p:txBody>
+      </p:sp>
+      <p:sp>
+        <p:nvSpPr>
+          <p:cNvPr id="3" name="Date Placeholder 2"/>
+          <p:cNvSpPr>
+            <a:spLocks noGrp="1"/>
+          </p:cNvSpPr>
+          <p:nvPr>
+            <p:ph type="dt" sz="half" idx="10"/>
+          </p:nvPr>
+        </p:nvSpPr>
+        <p:spPr/>
+        <p:txBody>
+          <a:bodyPr/>
+          <a:lstStyle/>
+          <a:p>
+            <a:r>
+              <a:rPr lang="en-US" smtClean="0"/>
+              <a:t>October 21, 2015</a:t>
+            </a:r>
+            <a:endParaRPr lang="en-US" dirty="0" smtClean="0"/>
+          </a:p>
+        </p:txBody>
+      </p:sp>
+      <p:sp>
+        <p:nvSpPr>
+          <p:cNvPr id="4" name="Slide Number Placeholder 3"/>
+          <p:cNvSpPr>
+            <a:spLocks noGrp="1"/>
+          </p:cNvSpPr>
+          <p:nvPr>
+            <p:ph type="sldNum" sz="quarter" idx="11"/>
+          </p:nvPr>
+        </p:nvSpPr>
+        <p:spPr/>
+        <p:txBody>
+          <a:bodyPr/>
+          <a:lstStyle/>
+          <a:p>
+            <a:fld id="{5698A34F-157D-4FC3-B6AE-341A8B909DED}" type="slidenum">
+              <a:rPr lang="en-US" smtClean="0"/>
+              <a:pPr/>
+              <a:t>9</a:t>
+            </a:fld>
+            <a:endParaRPr lang="en-US" dirty="0"/>
+          </a:p>
+        </p:txBody>
+      </p:sp>
+      <p:sp>
+        <p:nvSpPr>
+          <p:cNvPr id="5" name="Footer Placeholder 4"/>
+          <p:cNvSpPr>
+            <a:spLocks noGrp="1"/>
+          </p:cNvSpPr>
+          <p:nvPr>
+            <p:ph type="ftr" sz="quarter" idx="12"/>
+          </p:nvPr>
+        </p:nvSpPr>
+        <p:spPr/>
+        <p:txBody>
+          <a:bodyPr/>
+          <a:lstStyle/>
+          <a:p>
+            <a:endParaRPr lang="en-US" dirty="0"/>
+          </a:p>
+        </p:txBody>
+      </p:sp>
+      <p:sp>
+        <p:nvSpPr>
+          <p:cNvPr id="6" name="Title 5"/>
+          <p:cNvSpPr>
+            <a:spLocks noGrp="1"/>
+          </p:cNvSpPr>
+          <p:nvPr>
+            <p:ph type="title"/>
+          </p:nvPr>
+        </p:nvSpPr>
+        <p:spPr/>
+        <p:txBody>
+          <a:bodyPr/>
+          <a:lstStyle/>
+          <a:p>
+            <a:r>
+              <a:rPr lang="en-US" dirty="0"/>
+              <a:t>Create/Register a </a:t>
+            </a:r>
+            <a:r>
+              <a:rPr lang="en-US" dirty="0" smtClean="0"/>
+              <a:t>Key (3)</a:t>
+            </a:r>
+            <a:endParaRPr lang="en-US" dirty="0"/>
+          </a:p>
+        </p:txBody>
+      </p:sp>
+      <p:sp>
+        <p:nvSpPr>
+          <p:cNvPr id="7" name="Text Placeholder 6"/>
+          <p:cNvSpPr>
+            <a:spLocks noGrp="1"/>
+          </p:cNvSpPr>
+          <p:nvPr>
+            <p:ph type="body" sz="quarter" idx="15"/>
+          </p:nvPr>
+        </p:nvSpPr>
+        <p:spPr/>
+        <p:txBody>
+          <a:bodyPr/>
+          <a:lstStyle/>
+          <a:p>
+            <a:r>
+              <a:rPr lang="en-US" dirty="0" smtClean="0"/>
+              <a:t>Customer API How To</a:t>
+            </a:r>
+            <a:endParaRPr lang="en-US" dirty="0"/>
+          </a:p>
+        </p:txBody>
+      </p:sp>
+      <p:pic>
+        <p:nvPicPr>
+          <p:cNvPr id="11" name="Picture 10"/>
+          <p:cNvPicPr>
+            <a:picLocks noChangeAspect="1"/>
+          </p:cNvPicPr>
+          <p:nvPr/>
+        </p:nvPicPr>
+        <p:blipFill>
+          <a:blip r:embed="rId2"/>
+          <a:stretch>
+            <a:fillRect/>
+          </a:stretch>
+        </p:blipFill>
+        <p:spPr>
+          <a:xfrm>
+            <a:off x="5376484" y="499625"/>
+            <a:ext cx="3611821" cy="2268223"/>
+          </a:xfrm>
+          <a:prstGeom prst="rect">
+            <a:avLst/>
+          </a:prstGeom>
+        </p:spPr>
+      </p:pic>
+      <p:sp>
+        <p:nvSpPr>
+          <p:cNvPr id="10" name="Right Arrow 9"/>
+          <p:cNvSpPr/>
+          <p:nvPr/>
+        </p:nvSpPr>
+        <p:spPr bwMode="gray">
+          <a:xfrm>
+            <a:off x="4104268" y="1986485"/>
+            <a:ext cx="1471734" cy="111876"/>
+          </a:xfrm>
+          <a:prstGeom prst="rightArrow">
+            <a:avLst/>
+          </a:prstGeom>
+          <a:solidFill>
+            <a:schemeClr val="accent1"/>
+          </a:solidFill>
+          <a:ln w="9525" cap="flat" cmpd="sng" algn="ctr">
+            <a:noFill/>
+            <a:prstDash val="solid"/>
+            <a:round/>
+            <a:headEnd type="none" w="med" len="med"/>
+            <a:tailEnd type="none" w="med" len="med"/>
+          </a:ln>
+          <a:effectLst/>
+        </p:spPr>
+        <p:txBody>
+          <a:bodyPr vert="horz" wrap="square" lIns="91440" tIns="45720" rIns="91440" bIns="45720" numCol="1" rtlCol="0" anchor="ctr" anchorCtr="0" compatLnSpc="1">
+            <a:prstTxWarp prst="textNoShape">
+              <a:avLst/>
+            </a:prstTxWarp>
+          </a:bodyPr>
+          <a:lstStyle/>
+          <a:p>
+            <a:pPr marL="0" marR="0" indent="0" algn="l" defTabSz="914400" rtl="0" eaLnBrk="1" fontAlgn="base" latinLnBrk="0" hangingPunct="1">
+              <a:lnSpc>
+                <a:spcPct val="100000"/>
+              </a:lnSpc>
+              <a:spcBef>
+                <a:spcPct val="0"/>
+              </a:spcBef>
+              <a:spcAft>
+                <a:spcPct val="0"/>
+              </a:spcAft>
+              <a:buClrTx/>
+              <a:buSzTx/>
+              <a:buFontTx/>
+              <a:buNone/>
+              <a:tabLst/>
+            </a:pPr>
+            <a:endParaRPr kumimoji="0" lang="en-US" sz="2000" b="0" i="0" u="none" strike="noStrike" cap="none" normalizeH="0" baseline="0" dirty="0" smtClean="0">
+              <a:ln>
+                <a:noFill/>
+              </a:ln>
+              <a:solidFill>
+                <a:schemeClr val="bg1"/>
+              </a:solidFill>
+              <a:effectLst/>
+              <a:latin typeface="Arial" pitchFamily="2" charset="0"/>
+            </a:endParaRPr>
+          </a:p>
+        </p:txBody>
+      </p:sp>
+      <p:pic>
+        <p:nvPicPr>
+          <p:cNvPr id="12" name="Picture 11"/>
+          <p:cNvPicPr>
+            <a:picLocks noChangeAspect="1"/>
+          </p:cNvPicPr>
+          <p:nvPr/>
+        </p:nvPicPr>
+        <p:blipFill>
+          <a:blip r:embed="rId3"/>
+          <a:stretch>
+            <a:fillRect/>
+          </a:stretch>
+        </p:blipFill>
+        <p:spPr>
+          <a:xfrm>
+            <a:off x="991145" y="3350436"/>
+            <a:ext cx="2715259" cy="1413730"/>
+          </a:xfrm>
+          <a:prstGeom prst="rect">
+            <a:avLst/>
+          </a:prstGeom>
+        </p:spPr>
+      </p:pic>
+      <p:sp>
+        <p:nvSpPr>
+          <p:cNvPr id="14" name="Down Arrow 13"/>
+          <p:cNvSpPr/>
+          <p:nvPr/>
+        </p:nvSpPr>
+        <p:spPr bwMode="gray">
+          <a:xfrm>
+            <a:off x="2294525" y="3146156"/>
+            <a:ext cx="161956" cy="410705"/>
+          </a:xfrm>
+          <a:prstGeom prst="downArrow">
+            <a:avLst/>
+          </a:prstGeom>
+          <a:solidFill>
+            <a:schemeClr val="accent1"/>
+          </a:solidFill>
+          <a:ln w="9525" cap="flat" cmpd="sng" algn="ctr">
+            <a:noFill/>
+            <a:prstDash val="solid"/>
+            <a:round/>
+            <a:headEnd type="none" w="med" len="med"/>
+            <a:tailEnd type="none" w="med" len="med"/>
+          </a:ln>
+          <a:effectLst/>
+        </p:spPr>
+        <p:txBody>
+          <a:bodyPr vert="horz" wrap="square" lIns="91440" tIns="45720" rIns="91440" bIns="45720" numCol="1" rtlCol="0" anchor="ctr" anchorCtr="0" compatLnSpc="1">
+            <a:prstTxWarp prst="textNoShape">
+              <a:avLst/>
+            </a:prstTxWarp>
+          </a:bodyPr>
+          <a:lstStyle/>
+          <a:p>
+            <a:pPr marL="0" marR="0" indent="0" algn="l" defTabSz="914400" rtl="0" eaLnBrk="1" fontAlgn="base" latinLnBrk="0" hangingPunct="1">
+              <a:lnSpc>
+                <a:spcPct val="100000"/>
+              </a:lnSpc>
+              <a:spcBef>
+                <a:spcPct val="0"/>
+              </a:spcBef>
+              <a:spcAft>
+                <a:spcPct val="0"/>
+              </a:spcAft>
+              <a:buClrTx/>
+              <a:buSzTx/>
+              <a:buFontTx/>
+              <a:buNone/>
+              <a:tabLst/>
+            </a:pPr>
+            <a:endParaRPr kumimoji="0" lang="en-US" sz="2000" b="0" i="0" u="none" strike="noStrike" cap="none" normalizeH="0" baseline="0" dirty="0" smtClean="0">
+              <a:ln>
+                <a:noFill/>
+              </a:ln>
+              <a:solidFill>
+                <a:schemeClr val="bg1"/>
+              </a:solidFill>
+              <a:effectLst/>
+              <a:latin typeface="Arial" pitchFamily="2" charset="0"/>
+            </a:endParaRPr>
+          </a:p>
+        </p:txBody>
+      </p:sp>
+    </p:spTree>
+    <p:extLst>
+      <p:ext uri="{BB962C8B-B14F-4D97-AF65-F5344CB8AC3E}">
+        <p14:creationId xmlns:p14="http://schemas.microsoft.com/office/powerpoint/2010/main" val="576569413"/>
       </p:ext>
     </p:extLst>
   </p:cSld>

--- a/SpendingPulse and Sector Insights API HOW TO.pptx
+++ b/SpendingPulse and Sector Insights API HOW TO.pptx
@@ -5,47 +5,48 @@
     <p:sldMasterId id="2147483670" r:id="rId1"/>
   </p:sldMasterIdLst>
   <p:notesMasterIdLst>
-    <p:notesMasterId r:id="rId37"/>
+    <p:notesMasterId r:id="rId38"/>
   </p:notesMasterIdLst>
   <p:handoutMasterIdLst>
-    <p:handoutMasterId r:id="rId38"/>
+    <p:handoutMasterId r:id="rId39"/>
   </p:handoutMasterIdLst>
   <p:sldIdLst>
     <p:sldId id="304" r:id="rId2"/>
     <p:sldId id="305" r:id="rId3"/>
-    <p:sldId id="306" r:id="rId4"/>
-    <p:sldId id="308" r:id="rId5"/>
-    <p:sldId id="309" r:id="rId6"/>
-    <p:sldId id="307" r:id="rId7"/>
-    <p:sldId id="310" r:id="rId8"/>
-    <p:sldId id="311" r:id="rId9"/>
-    <p:sldId id="312" r:id="rId10"/>
-    <p:sldId id="313" r:id="rId11"/>
-    <p:sldId id="314" r:id="rId12"/>
-    <p:sldId id="315" r:id="rId13"/>
-    <p:sldId id="316" r:id="rId14"/>
-    <p:sldId id="317" r:id="rId15"/>
-    <p:sldId id="318" r:id="rId16"/>
-    <p:sldId id="319" r:id="rId17"/>
-    <p:sldId id="320" r:id="rId18"/>
-    <p:sldId id="321" r:id="rId19"/>
-    <p:sldId id="322" r:id="rId20"/>
-    <p:sldId id="327" r:id="rId21"/>
-    <p:sldId id="323" r:id="rId22"/>
-    <p:sldId id="324" r:id="rId23"/>
-    <p:sldId id="325" r:id="rId24"/>
-    <p:sldId id="326" r:id="rId25"/>
-    <p:sldId id="328" r:id="rId26"/>
-    <p:sldId id="329" r:id="rId27"/>
-    <p:sldId id="330" r:id="rId28"/>
-    <p:sldId id="331" r:id="rId29"/>
-    <p:sldId id="332" r:id="rId30"/>
-    <p:sldId id="333" r:id="rId31"/>
-    <p:sldId id="335" r:id="rId32"/>
-    <p:sldId id="336" r:id="rId33"/>
-    <p:sldId id="337" r:id="rId34"/>
-    <p:sldId id="338" r:id="rId35"/>
-    <p:sldId id="339" r:id="rId36"/>
+    <p:sldId id="340" r:id="rId4"/>
+    <p:sldId id="306" r:id="rId5"/>
+    <p:sldId id="308" r:id="rId6"/>
+    <p:sldId id="309" r:id="rId7"/>
+    <p:sldId id="307" r:id="rId8"/>
+    <p:sldId id="310" r:id="rId9"/>
+    <p:sldId id="311" r:id="rId10"/>
+    <p:sldId id="312" r:id="rId11"/>
+    <p:sldId id="313" r:id="rId12"/>
+    <p:sldId id="314" r:id="rId13"/>
+    <p:sldId id="315" r:id="rId14"/>
+    <p:sldId id="316" r:id="rId15"/>
+    <p:sldId id="317" r:id="rId16"/>
+    <p:sldId id="318" r:id="rId17"/>
+    <p:sldId id="319" r:id="rId18"/>
+    <p:sldId id="320" r:id="rId19"/>
+    <p:sldId id="321" r:id="rId20"/>
+    <p:sldId id="322" r:id="rId21"/>
+    <p:sldId id="327" r:id="rId22"/>
+    <p:sldId id="323" r:id="rId23"/>
+    <p:sldId id="324" r:id="rId24"/>
+    <p:sldId id="325" r:id="rId25"/>
+    <p:sldId id="326" r:id="rId26"/>
+    <p:sldId id="328" r:id="rId27"/>
+    <p:sldId id="329" r:id="rId28"/>
+    <p:sldId id="330" r:id="rId29"/>
+    <p:sldId id="331" r:id="rId30"/>
+    <p:sldId id="332" r:id="rId31"/>
+    <p:sldId id="333" r:id="rId32"/>
+    <p:sldId id="335" r:id="rId33"/>
+    <p:sldId id="336" r:id="rId34"/>
+    <p:sldId id="337" r:id="rId35"/>
+    <p:sldId id="338" r:id="rId36"/>
+    <p:sldId id="339" r:id="rId37"/>
   </p:sldIdLst>
   <p:sldSz cx="9144000" cy="5143500" type="screen16x9"/>
   <p:notesSz cx="7086600" cy="9374188"/>
@@ -185,6 +186,7 @@
         <p14:section name="Customer How To" id="{8D6B24E7-E965-431E-82BB-8270240698F7}">
           <p14:sldIdLst>
             <p14:sldId id="305"/>
+            <p14:sldId id="340"/>
             <p14:sldId id="306"/>
             <p14:sldId id="308"/>
             <p14:sldId id="309"/>
@@ -384,7 +386,7 @@
                 <a:cs typeface="Arial" pitchFamily="34" charset="0"/>
               </a:rPr>
               <a:pPr/>
-              <a:t>October 22, 2015</a:t>
+              <a:t>October 23, 2015</a:t>
             </a:fld>
             <a:endParaRPr lang="en-US" dirty="0">
               <a:latin typeface="Calibri" panose="020F0502020204030204" pitchFamily="34" charset="0"/>
@@ -5937,54 +5939,101 @@
           <a:p>
             <a:r>
               <a:rPr lang="en-US" dirty="0" smtClean="0"/>
-              <a:t>A public key, a private key, and a </a:t>
+              <a:t>Inside </a:t>
+            </a:r>
+            <a:r>
+              <a:rPr lang="en-US" dirty="0"/>
+              <a:t>the </a:t>
+            </a:r>
+            <a:r>
+              <a:rPr lang="en-US" dirty="0" smtClean="0"/>
+              <a:t>next popup</a:t>
+            </a:r>
+            <a:r>
+              <a:rPr lang="en-US" dirty="0"/>
+              <a:t>, you will see a </a:t>
+            </a:r>
+            <a:r>
+              <a:rPr lang="en-US" dirty="0" smtClean="0"/>
+              <a:t/>
             </a:r>
             <a:br>
               <a:rPr lang="en-US" dirty="0" smtClean="0"/>
             </a:br>
             <a:r>
               <a:rPr lang="en-US" dirty="0" smtClean="0"/>
-              <a:t>Certificate Signing Request are generated.</a:t>
-            </a:r>
-          </a:p>
-          <a:p>
-            <a:r>
-              <a:rPr lang="en-US" dirty="0" smtClean="0"/>
-              <a:t>Click “Save To Files”</a:t>
-            </a:r>
-          </a:p>
-          <a:p>
-            <a:endParaRPr lang="en-US" dirty="0"/>
-          </a:p>
-          <a:p>
-            <a:r>
-              <a:rPr lang="en-US" dirty="0" smtClean="0"/>
-              <a:t>You are prompted to password protect the key files. You must protect them in order to save them.</a:t>
-            </a:r>
-          </a:p>
-          <a:p>
-            <a:r>
-              <a:rPr lang="en-US" dirty="0" smtClean="0"/>
-              <a:t>Click OK and choose a folder in which to save the files.</a:t>
-            </a:r>
-          </a:p>
-          <a:p>
-            <a:r>
-              <a:rPr lang="en-US" dirty="0" smtClean="0"/>
-              <a:t>The status bar on the MasterCard Key Tool window should</a:t>
+              <a:t>“</a:t>
+            </a:r>
+            <a:r>
+              <a:rPr lang="en-US" b="1" dirty="0" smtClean="0">
+                <a:solidFill>
+                  <a:srgbClr val="F57A34"/>
+                </a:solidFill>
+              </a:rPr>
+              <a:t>click here</a:t>
+            </a:r>
+            <a:r>
+              <a:rPr lang="en-US" dirty="0"/>
+              <a:t>”</a:t>
+            </a:r>
+            <a:r>
+              <a:rPr lang="en-US" dirty="0" smtClean="0"/>
+              <a:t> </a:t>
+            </a:r>
+            <a:r>
+              <a:rPr lang="en-US" dirty="0"/>
+              <a:t>notation that will open the </a:t>
+            </a:r>
+            <a:r>
+              <a:rPr lang="en-US" dirty="0" smtClean="0"/>
+              <a:t/>
             </a:r>
             <a:br>
               <a:rPr lang="en-US" dirty="0" smtClean="0"/>
             </a:br>
             <a:r>
               <a:rPr lang="en-US" dirty="0" smtClean="0"/>
-              <a:t>now read: </a:t>
-            </a:r>
-          </a:p>
-          <a:p>
-            <a:r>
-              <a:rPr lang="en-US" dirty="0" smtClean="0"/>
-              <a:t>Close the window</a:t>
+              <a:t>MasterCard </a:t>
+            </a:r>
+            <a:r>
+              <a:rPr lang="en-US" dirty="0"/>
+              <a:t>Key Tool for your use</a:t>
+            </a:r>
+            <a:r>
+              <a:rPr lang="en-US" dirty="0" smtClean="0"/>
+              <a:t>.</a:t>
+            </a:r>
+          </a:p>
+          <a:p>
+            <a:r>
+              <a:rPr lang="en-US" dirty="0" smtClean="0"/>
+              <a:t>If you “</a:t>
+            </a:r>
+            <a:r>
+              <a:rPr lang="en-US" b="1" dirty="0">
+                <a:solidFill>
+                  <a:srgbClr val="F57A34"/>
+                </a:solidFill>
+              </a:rPr>
+              <a:t>click here</a:t>
+            </a:r>
+            <a:r>
+              <a:rPr lang="en-US" dirty="0" smtClean="0"/>
+              <a:t>”, the </a:t>
+            </a:r>
+            <a:br>
+              <a:rPr lang="en-US" dirty="0" smtClean="0"/>
+            </a:br>
+            <a:r>
+              <a:rPr lang="en-US" dirty="0" smtClean="0"/>
+              <a:t>MasterCard Key Tool is displayed.</a:t>
+            </a:r>
+            <a:endParaRPr lang="en-US" dirty="0"/>
+          </a:p>
+          <a:p>
+            <a:r>
+              <a:rPr lang="en-US" dirty="0" smtClean="0"/>
+              <a:t>Click “Generate Keys and CSR”</a:t>
             </a:r>
             <a:endParaRPr lang="en-US" dirty="0"/>
           </a:p>
@@ -6032,6 +6081,408 @@
               <a:rPr lang="en-US" smtClean="0"/>
               <a:pPr/>
               <a:t>10</a:t>
+            </a:fld>
+            <a:endParaRPr lang="en-US" dirty="0"/>
+          </a:p>
+        </p:txBody>
+      </p:sp>
+      <p:sp>
+        <p:nvSpPr>
+          <p:cNvPr id="5" name="Footer Placeholder 4"/>
+          <p:cNvSpPr>
+            <a:spLocks noGrp="1"/>
+          </p:cNvSpPr>
+          <p:nvPr>
+            <p:ph type="ftr" sz="quarter" idx="12"/>
+          </p:nvPr>
+        </p:nvSpPr>
+        <p:spPr/>
+        <p:txBody>
+          <a:bodyPr/>
+          <a:lstStyle/>
+          <a:p>
+            <a:endParaRPr lang="en-US" dirty="0"/>
+          </a:p>
+        </p:txBody>
+      </p:sp>
+      <p:sp>
+        <p:nvSpPr>
+          <p:cNvPr id="6" name="Title 5"/>
+          <p:cNvSpPr>
+            <a:spLocks noGrp="1"/>
+          </p:cNvSpPr>
+          <p:nvPr>
+            <p:ph type="title"/>
+          </p:nvPr>
+        </p:nvSpPr>
+        <p:spPr/>
+        <p:txBody>
+          <a:bodyPr/>
+          <a:lstStyle/>
+          <a:p>
+            <a:r>
+              <a:rPr lang="en-US" dirty="0"/>
+              <a:t>Create/Register a </a:t>
+            </a:r>
+            <a:r>
+              <a:rPr lang="en-US" dirty="0" smtClean="0"/>
+              <a:t>Key (3)</a:t>
+            </a:r>
+            <a:endParaRPr lang="en-US" dirty="0"/>
+          </a:p>
+        </p:txBody>
+      </p:sp>
+      <p:sp>
+        <p:nvSpPr>
+          <p:cNvPr id="7" name="Text Placeholder 6"/>
+          <p:cNvSpPr>
+            <a:spLocks noGrp="1"/>
+          </p:cNvSpPr>
+          <p:nvPr>
+            <p:ph type="body" sz="quarter" idx="15"/>
+          </p:nvPr>
+        </p:nvSpPr>
+        <p:spPr/>
+        <p:txBody>
+          <a:bodyPr/>
+          <a:lstStyle/>
+          <a:p>
+            <a:r>
+              <a:rPr lang="en-US" dirty="0" smtClean="0"/>
+              <a:t>Customer API How To</a:t>
+            </a:r>
+            <a:endParaRPr lang="en-US" dirty="0"/>
+          </a:p>
+        </p:txBody>
+      </p:sp>
+      <p:pic>
+        <p:nvPicPr>
+          <p:cNvPr id="11" name="Picture 10"/>
+          <p:cNvPicPr>
+            <a:picLocks noChangeAspect="1"/>
+          </p:cNvPicPr>
+          <p:nvPr/>
+        </p:nvPicPr>
+        <p:blipFill>
+          <a:blip r:embed="rId2"/>
+          <a:stretch>
+            <a:fillRect/>
+          </a:stretch>
+        </p:blipFill>
+        <p:spPr>
+          <a:xfrm>
+            <a:off x="5376484" y="499625"/>
+            <a:ext cx="3611821" cy="2268223"/>
+          </a:xfrm>
+          <a:prstGeom prst="rect">
+            <a:avLst/>
+          </a:prstGeom>
+        </p:spPr>
+      </p:pic>
+      <p:sp>
+        <p:nvSpPr>
+          <p:cNvPr id="10" name="Right Arrow 9"/>
+          <p:cNvSpPr/>
+          <p:nvPr/>
+        </p:nvSpPr>
+        <p:spPr bwMode="gray">
+          <a:xfrm>
+            <a:off x="4104268" y="1986485"/>
+            <a:ext cx="1471734" cy="111876"/>
+          </a:xfrm>
+          <a:prstGeom prst="rightArrow">
+            <a:avLst/>
+          </a:prstGeom>
+          <a:solidFill>
+            <a:schemeClr val="accent1"/>
+          </a:solidFill>
+          <a:ln w="9525" cap="flat" cmpd="sng" algn="ctr">
+            <a:noFill/>
+            <a:prstDash val="solid"/>
+            <a:round/>
+            <a:headEnd type="none" w="med" len="med"/>
+            <a:tailEnd type="none" w="med" len="med"/>
+          </a:ln>
+          <a:effectLst/>
+        </p:spPr>
+        <p:txBody>
+          <a:bodyPr vert="horz" wrap="square" lIns="91440" tIns="45720" rIns="91440" bIns="45720" numCol="1" rtlCol="0" anchor="ctr" anchorCtr="0" compatLnSpc="1">
+            <a:prstTxWarp prst="textNoShape">
+              <a:avLst/>
+            </a:prstTxWarp>
+          </a:bodyPr>
+          <a:lstStyle/>
+          <a:p>
+            <a:pPr marL="0" marR="0" indent="0" algn="l" defTabSz="914400" rtl="0" eaLnBrk="1" fontAlgn="base" latinLnBrk="0" hangingPunct="1">
+              <a:lnSpc>
+                <a:spcPct val="100000"/>
+              </a:lnSpc>
+              <a:spcBef>
+                <a:spcPct val="0"/>
+              </a:spcBef>
+              <a:spcAft>
+                <a:spcPct val="0"/>
+              </a:spcAft>
+              <a:buClrTx/>
+              <a:buSzTx/>
+              <a:buFontTx/>
+              <a:buNone/>
+              <a:tabLst/>
+            </a:pPr>
+            <a:endParaRPr kumimoji="0" lang="en-US" sz="2000" b="0" i="0" u="none" strike="noStrike" cap="none" normalizeH="0" baseline="0" dirty="0" smtClean="0">
+              <a:ln>
+                <a:noFill/>
+              </a:ln>
+              <a:solidFill>
+                <a:schemeClr val="bg1"/>
+              </a:solidFill>
+              <a:effectLst/>
+              <a:latin typeface="Arial" pitchFamily="2" charset="0"/>
+            </a:endParaRPr>
+          </a:p>
+        </p:txBody>
+      </p:sp>
+      <p:pic>
+        <p:nvPicPr>
+          <p:cNvPr id="12" name="Picture 11"/>
+          <p:cNvPicPr>
+            <a:picLocks noChangeAspect="1"/>
+          </p:cNvPicPr>
+          <p:nvPr/>
+        </p:nvPicPr>
+        <p:blipFill>
+          <a:blip r:embed="rId3"/>
+          <a:stretch>
+            <a:fillRect/>
+          </a:stretch>
+        </p:blipFill>
+        <p:spPr>
+          <a:xfrm>
+            <a:off x="991145" y="3350436"/>
+            <a:ext cx="2715259" cy="1413730"/>
+          </a:xfrm>
+          <a:prstGeom prst="rect">
+            <a:avLst/>
+          </a:prstGeom>
+        </p:spPr>
+      </p:pic>
+      <p:sp>
+        <p:nvSpPr>
+          <p:cNvPr id="14" name="Down Arrow 13"/>
+          <p:cNvSpPr/>
+          <p:nvPr/>
+        </p:nvSpPr>
+        <p:spPr bwMode="gray">
+          <a:xfrm>
+            <a:off x="2294525" y="3146156"/>
+            <a:ext cx="161956" cy="410705"/>
+          </a:xfrm>
+          <a:prstGeom prst="downArrow">
+            <a:avLst/>
+          </a:prstGeom>
+          <a:solidFill>
+            <a:schemeClr val="accent1"/>
+          </a:solidFill>
+          <a:ln w="9525" cap="flat" cmpd="sng" algn="ctr">
+            <a:noFill/>
+            <a:prstDash val="solid"/>
+            <a:round/>
+            <a:headEnd type="none" w="med" len="med"/>
+            <a:tailEnd type="none" w="med" len="med"/>
+          </a:ln>
+          <a:effectLst/>
+        </p:spPr>
+        <p:txBody>
+          <a:bodyPr vert="horz" wrap="square" lIns="91440" tIns="45720" rIns="91440" bIns="45720" numCol="1" rtlCol="0" anchor="ctr" anchorCtr="0" compatLnSpc="1">
+            <a:prstTxWarp prst="textNoShape">
+              <a:avLst/>
+            </a:prstTxWarp>
+          </a:bodyPr>
+          <a:lstStyle/>
+          <a:p>
+            <a:pPr marL="0" marR="0" indent="0" algn="l" defTabSz="914400" rtl="0" eaLnBrk="1" fontAlgn="base" latinLnBrk="0" hangingPunct="1">
+              <a:lnSpc>
+                <a:spcPct val="100000"/>
+              </a:lnSpc>
+              <a:spcBef>
+                <a:spcPct val="0"/>
+              </a:spcBef>
+              <a:spcAft>
+                <a:spcPct val="0"/>
+              </a:spcAft>
+              <a:buClrTx/>
+              <a:buSzTx/>
+              <a:buFontTx/>
+              <a:buNone/>
+              <a:tabLst/>
+            </a:pPr>
+            <a:endParaRPr kumimoji="0" lang="en-US" sz="2000" b="0" i="0" u="none" strike="noStrike" cap="none" normalizeH="0" baseline="0" dirty="0" smtClean="0">
+              <a:ln>
+                <a:noFill/>
+              </a:ln>
+              <a:solidFill>
+                <a:schemeClr val="bg1"/>
+              </a:solidFill>
+              <a:effectLst/>
+              <a:latin typeface="Arial" pitchFamily="2" charset="0"/>
+            </a:endParaRPr>
+          </a:p>
+        </p:txBody>
+      </p:sp>
+    </p:spTree>
+    <p:extLst>
+      <p:ext uri="{BB962C8B-B14F-4D97-AF65-F5344CB8AC3E}">
+        <p14:creationId xmlns:p14="http://schemas.microsoft.com/office/powerpoint/2010/main" val="576569413"/>
+      </p:ext>
+    </p:extLst>
+  </p:cSld>
+  <p:clrMapOvr>
+    <a:masterClrMapping/>
+  </p:clrMapOvr>
+  <p:timing>
+    <p:tnLst>
+      <p:par>
+        <p:cTn id="1" dur="indefinite" restart="never" nodeType="tmRoot"/>
+      </p:par>
+    </p:tnLst>
+  </p:timing>
+</p:sld>
+</file>
+
+<file path=ppt/slides/slide11.xml><?xml version="1.0" encoding="utf-8"?>
+<p:sld xmlns:a="http://schemas.openxmlformats.org/drawingml/2006/main" xmlns:r="http://schemas.openxmlformats.org/officeDocument/2006/relationships" xmlns:p="http://schemas.openxmlformats.org/presentationml/2006/main">
+  <p:cSld>
+    <p:spTree>
+      <p:nvGrpSpPr>
+        <p:cNvPr id="1" name=""/>
+        <p:cNvGrpSpPr/>
+        <p:nvPr/>
+      </p:nvGrpSpPr>
+      <p:grpSpPr>
+        <a:xfrm>
+          <a:off x="0" y="0"/>
+          <a:ext cx="0" cy="0"/>
+          <a:chOff x="0" y="0"/>
+          <a:chExt cx="0" cy="0"/>
+        </a:xfrm>
+      </p:grpSpPr>
+      <p:sp>
+        <p:nvSpPr>
+          <p:cNvPr id="2" name="Text Placeholder 1"/>
+          <p:cNvSpPr>
+            <a:spLocks noGrp="1"/>
+          </p:cNvSpPr>
+          <p:nvPr>
+            <p:ph type="body" sz="quarter" idx="13"/>
+          </p:nvPr>
+        </p:nvSpPr>
+        <p:spPr>
+          <a:xfrm>
+            <a:off x="274638" y="1368162"/>
+            <a:ext cx="7415212" cy="3264161"/>
+          </a:xfrm>
+        </p:spPr>
+        <p:txBody>
+          <a:bodyPr/>
+          <a:lstStyle/>
+          <a:p>
+            <a:r>
+              <a:rPr lang="en-US" dirty="0" smtClean="0"/>
+              <a:t>A public key, a private key, and a </a:t>
+            </a:r>
+            <a:br>
+              <a:rPr lang="en-US" dirty="0" smtClean="0"/>
+            </a:br>
+            <a:r>
+              <a:rPr lang="en-US" dirty="0" smtClean="0"/>
+              <a:t>Certificate Signing Request are generated.</a:t>
+            </a:r>
+          </a:p>
+          <a:p>
+            <a:r>
+              <a:rPr lang="en-US" dirty="0" smtClean="0"/>
+              <a:t>Click “Save To Files”</a:t>
+            </a:r>
+          </a:p>
+          <a:p>
+            <a:endParaRPr lang="en-US" dirty="0"/>
+          </a:p>
+          <a:p>
+            <a:r>
+              <a:rPr lang="en-US" dirty="0" smtClean="0"/>
+              <a:t>You are prompted to password protect the key files. You must protect them in order to save them.</a:t>
+            </a:r>
+          </a:p>
+          <a:p>
+            <a:r>
+              <a:rPr lang="en-US" dirty="0" smtClean="0"/>
+              <a:t>Click OK and choose a folder in which to save the files.</a:t>
+            </a:r>
+          </a:p>
+          <a:p>
+            <a:r>
+              <a:rPr lang="en-US" dirty="0" smtClean="0"/>
+              <a:t>The status bar on the MasterCard Key Tool window should</a:t>
+            </a:r>
+            <a:br>
+              <a:rPr lang="en-US" dirty="0" smtClean="0"/>
+            </a:br>
+            <a:r>
+              <a:rPr lang="en-US" dirty="0" smtClean="0"/>
+              <a:t>now read: </a:t>
+            </a:r>
+          </a:p>
+          <a:p>
+            <a:r>
+              <a:rPr lang="en-US" dirty="0" smtClean="0"/>
+              <a:t>Close the window</a:t>
+            </a:r>
+            <a:endParaRPr lang="en-US" dirty="0"/>
+          </a:p>
+        </p:txBody>
+      </p:sp>
+      <p:sp>
+        <p:nvSpPr>
+          <p:cNvPr id="3" name="Date Placeholder 2"/>
+          <p:cNvSpPr>
+            <a:spLocks noGrp="1"/>
+          </p:cNvSpPr>
+          <p:nvPr>
+            <p:ph type="dt" sz="half" idx="10"/>
+          </p:nvPr>
+        </p:nvSpPr>
+        <p:spPr/>
+        <p:txBody>
+          <a:bodyPr/>
+          <a:lstStyle/>
+          <a:p>
+            <a:r>
+              <a:rPr lang="en-US" smtClean="0"/>
+              <a:t>October 21, 2015</a:t>
+            </a:r>
+            <a:endParaRPr lang="en-US" dirty="0" smtClean="0"/>
+          </a:p>
+        </p:txBody>
+      </p:sp>
+      <p:sp>
+        <p:nvSpPr>
+          <p:cNvPr id="4" name="Slide Number Placeholder 3"/>
+          <p:cNvSpPr>
+            <a:spLocks noGrp="1"/>
+          </p:cNvSpPr>
+          <p:nvPr>
+            <p:ph type="sldNum" sz="quarter" idx="11"/>
+          </p:nvPr>
+        </p:nvSpPr>
+        <p:spPr/>
+        <p:txBody>
+          <a:bodyPr/>
+          <a:lstStyle/>
+          <a:p>
+            <a:fld id="{5698A34F-157D-4FC3-B6AE-341A8B909DED}" type="slidenum">
+              <a:rPr lang="en-US" smtClean="0"/>
+              <a:pPr/>
+              <a:t>11</a:t>
             </a:fld>
             <a:endParaRPr lang="en-US" dirty="0"/>
           </a:p>
@@ -6261,7 +6712,7 @@
 </p:sld>
 </file>
 
-<file path=ppt/slides/slide11.xml><?xml version="1.0" encoding="utf-8"?>
+<file path=ppt/slides/slide12.xml><?xml version="1.0" encoding="utf-8"?>
 <p:sld xmlns:a="http://schemas.openxmlformats.org/drawingml/2006/main" xmlns:r="http://schemas.openxmlformats.org/officeDocument/2006/relationships" xmlns:p="http://schemas.openxmlformats.org/presentationml/2006/main">
   <p:cSld>
     <p:spTree>
@@ -6486,7 +6937,7 @@
             <a:fld id="{5698A34F-157D-4FC3-B6AE-341A8B909DED}" type="slidenum">
               <a:rPr lang="en-US" smtClean="0"/>
               <a:pPr/>
-              <a:t>11</a:t>
+              <a:t>12</a:t>
             </a:fld>
             <a:endParaRPr lang="en-US" dirty="0"/>
           </a:p>
@@ -6581,7 +7032,7 @@
 </p:sld>
 </file>
 
-<file path=ppt/slides/slide12.xml><?xml version="1.0" encoding="utf-8"?>
+<file path=ppt/slides/slide13.xml><?xml version="1.0" encoding="utf-8"?>
 <p:sld xmlns:a="http://schemas.openxmlformats.org/drawingml/2006/main" xmlns:r="http://schemas.openxmlformats.org/officeDocument/2006/relationships" xmlns:p="http://schemas.openxmlformats.org/presentationml/2006/main">
   <p:cSld>
     <p:spTree>
@@ -6805,7 +7256,7 @@
             <a:fld id="{5698A34F-157D-4FC3-B6AE-341A8B909DED}" type="slidenum">
               <a:rPr lang="en-US" smtClean="0"/>
               <a:pPr/>
-              <a:t>12</a:t>
+              <a:t>13</a:t>
             </a:fld>
             <a:endParaRPr lang="en-US" dirty="0"/>
           </a:p>
@@ -6963,252 +7414,6 @@
 </p:sld>
 </file>
 
-<file path=ppt/slides/slide13.xml><?xml version="1.0" encoding="utf-8"?>
-<p:sld xmlns:a="http://schemas.openxmlformats.org/drawingml/2006/main" xmlns:r="http://schemas.openxmlformats.org/officeDocument/2006/relationships" xmlns:p="http://schemas.openxmlformats.org/presentationml/2006/main">
-  <p:cSld>
-    <p:spTree>
-      <p:nvGrpSpPr>
-        <p:cNvPr id="1" name=""/>
-        <p:cNvGrpSpPr/>
-        <p:nvPr/>
-      </p:nvGrpSpPr>
-      <p:grpSpPr>
-        <a:xfrm>
-          <a:off x="0" y="0"/>
-          <a:ext cx="0" cy="0"/>
-          <a:chOff x="0" y="0"/>
-          <a:chExt cx="0" cy="0"/>
-        </a:xfrm>
-      </p:grpSpPr>
-      <p:sp>
-        <p:nvSpPr>
-          <p:cNvPr id="2" name="Text Placeholder 1"/>
-          <p:cNvSpPr>
-            <a:spLocks noGrp="1"/>
-          </p:cNvSpPr>
-          <p:nvPr>
-            <p:ph type="body" sz="quarter" idx="13"/>
-          </p:nvPr>
-        </p:nvSpPr>
-        <p:spPr>
-          <a:xfrm>
-            <a:off x="274637" y="1368162"/>
-            <a:ext cx="8164189" cy="3264161"/>
-          </a:xfrm>
-        </p:spPr>
-        <p:txBody>
-          <a:bodyPr/>
-          <a:lstStyle/>
-          <a:p>
-            <a:r>
-              <a:rPr lang="en-US" dirty="0"/>
-              <a:t>To avoid issues with key expiration, you may renew a key at any time. To do so, sign in to Developer Zone, and select:</a:t>
-            </a:r>
-          </a:p>
-          <a:p>
-            <a:pPr lvl="1"/>
-            <a:r>
-              <a:rPr lang="en-US" dirty="0"/>
-              <a:t>My Dashboard</a:t>
-            </a:r>
-          </a:p>
-          <a:p>
-            <a:pPr lvl="1"/>
-            <a:r>
-              <a:rPr lang="en-US" dirty="0"/>
-              <a:t>My Keys (locate the key you wish to renew)</a:t>
-            </a:r>
-          </a:p>
-          <a:p>
-            <a:pPr lvl="1"/>
-            <a:r>
-              <a:rPr lang="en-US" dirty="0"/>
-              <a:t>Renew Key</a:t>
-            </a:r>
-          </a:p>
-          <a:p>
-            <a:pPr lvl="1"/>
-            <a:r>
-              <a:rPr lang="en-US" dirty="0"/>
-              <a:t>Follow the instructions in the pop-up for uploading a new CSR</a:t>
-            </a:r>
-            <a:r>
-              <a:rPr lang="en-US" dirty="0" smtClean="0"/>
-              <a:t>.</a:t>
-            </a:r>
-          </a:p>
-          <a:p>
-            <a:r>
-              <a:rPr lang="en-US" dirty="0" smtClean="0">
-                <a:effectLst/>
-              </a:rPr>
-              <a:t>Additional information on key management can </a:t>
-            </a:r>
-            <a:r>
-              <a:rPr lang="en-US" dirty="0"/>
-              <a:t>be found here:</a:t>
-            </a:r>
-            <a:br>
-              <a:rPr lang="en-US" dirty="0"/>
-            </a:br>
-            <a:r>
-              <a:rPr lang="en-US" sz="1800" dirty="0">
-                <a:hlinkClick r:id="rId2"/>
-              </a:rPr>
-              <a:t>https://</a:t>
-            </a:r>
-            <a:r>
-              <a:rPr lang="en-US" sz="1800" dirty="0" smtClean="0">
-                <a:hlinkClick r:id="rId2"/>
-              </a:rPr>
-              <a:t>developer.mastercard.com/portal/display/api/Generating+RSA+Keys</a:t>
-            </a:r>
-            <a:r>
-              <a:rPr lang="en-US" sz="1800" dirty="0" smtClean="0"/>
-              <a:t> </a:t>
-            </a:r>
-            <a:endParaRPr lang="en-US" sz="1800" dirty="0">
-              <a:effectLst/>
-            </a:endParaRPr>
-          </a:p>
-        </p:txBody>
-      </p:sp>
-      <p:sp>
-        <p:nvSpPr>
-          <p:cNvPr id="3" name="Date Placeholder 2"/>
-          <p:cNvSpPr>
-            <a:spLocks noGrp="1"/>
-          </p:cNvSpPr>
-          <p:nvPr>
-            <p:ph type="dt" sz="half" idx="10"/>
-          </p:nvPr>
-        </p:nvSpPr>
-        <p:spPr/>
-        <p:txBody>
-          <a:bodyPr/>
-          <a:lstStyle/>
-          <a:p>
-            <a:r>
-              <a:rPr lang="en-US" smtClean="0"/>
-              <a:t>October 21, 2015</a:t>
-            </a:r>
-            <a:endParaRPr lang="en-US" dirty="0" smtClean="0"/>
-          </a:p>
-        </p:txBody>
-      </p:sp>
-      <p:sp>
-        <p:nvSpPr>
-          <p:cNvPr id="4" name="Slide Number Placeholder 3"/>
-          <p:cNvSpPr>
-            <a:spLocks noGrp="1"/>
-          </p:cNvSpPr>
-          <p:nvPr>
-            <p:ph type="sldNum" sz="quarter" idx="11"/>
-          </p:nvPr>
-        </p:nvSpPr>
-        <p:spPr/>
-        <p:txBody>
-          <a:bodyPr/>
-          <a:lstStyle/>
-          <a:p>
-            <a:fld id="{5698A34F-157D-4FC3-B6AE-341A8B909DED}" type="slidenum">
-              <a:rPr lang="en-US" smtClean="0"/>
-              <a:pPr/>
-              <a:t>13</a:t>
-            </a:fld>
-            <a:endParaRPr lang="en-US" dirty="0"/>
-          </a:p>
-        </p:txBody>
-      </p:sp>
-      <p:sp>
-        <p:nvSpPr>
-          <p:cNvPr id="5" name="Footer Placeholder 4"/>
-          <p:cNvSpPr>
-            <a:spLocks noGrp="1"/>
-          </p:cNvSpPr>
-          <p:nvPr>
-            <p:ph type="ftr" sz="quarter" idx="12"/>
-          </p:nvPr>
-        </p:nvSpPr>
-        <p:spPr/>
-        <p:txBody>
-          <a:bodyPr/>
-          <a:lstStyle/>
-          <a:p>
-            <a:endParaRPr lang="en-US" dirty="0"/>
-          </a:p>
-        </p:txBody>
-      </p:sp>
-      <p:sp>
-        <p:nvSpPr>
-          <p:cNvPr id="6" name="Title 5"/>
-          <p:cNvSpPr>
-            <a:spLocks noGrp="1"/>
-          </p:cNvSpPr>
-          <p:nvPr>
-            <p:ph type="title"/>
-          </p:nvPr>
-        </p:nvSpPr>
-        <p:spPr/>
-        <p:txBody>
-          <a:bodyPr/>
-          <a:lstStyle/>
-          <a:p>
-            <a:r>
-              <a:rPr lang="en-US" dirty="0"/>
-              <a:t>Create/Register a </a:t>
-            </a:r>
-            <a:r>
-              <a:rPr lang="en-US" dirty="0" smtClean="0"/>
-              <a:t>Key (6 - continued)</a:t>
-            </a:r>
-            <a:endParaRPr lang="en-US" dirty="0"/>
-          </a:p>
-        </p:txBody>
-      </p:sp>
-      <p:sp>
-        <p:nvSpPr>
-          <p:cNvPr id="7" name="Text Placeholder 6"/>
-          <p:cNvSpPr>
-            <a:spLocks noGrp="1"/>
-          </p:cNvSpPr>
-          <p:nvPr>
-            <p:ph type="body" sz="quarter" idx="15"/>
-          </p:nvPr>
-        </p:nvSpPr>
-        <p:spPr/>
-        <p:txBody>
-          <a:bodyPr/>
-          <a:lstStyle/>
-          <a:p>
-            <a:r>
-              <a:rPr lang="en-US" dirty="0" smtClean="0"/>
-              <a:t>Customer API How To</a:t>
-            </a:r>
-            <a:endParaRPr lang="en-US" dirty="0"/>
-          </a:p>
-        </p:txBody>
-      </p:sp>
-    </p:spTree>
-    <p:extLst>
-      <p:ext uri="{BB962C8B-B14F-4D97-AF65-F5344CB8AC3E}">
-        <p14:creationId xmlns:p14="http://schemas.microsoft.com/office/powerpoint/2010/main" val="1346841299"/>
-      </p:ext>
-    </p:extLst>
-  </p:cSld>
-  <p:clrMapOvr>
-    <a:masterClrMapping/>
-  </p:clrMapOvr>
-  <p:timing>
-    <p:tnLst>
-      <p:par>
-        <p:cTn id="1" dur="indefinite" restart="never" nodeType="tmRoot"/>
-      </p:par>
-    </p:tnLst>
-  </p:timing>
-</p:sld>
-</file>
-
 <file path=ppt/slides/slide14.xml><?xml version="1.0" encoding="utf-8"?>
 <p:sld xmlns:a="http://schemas.openxmlformats.org/drawingml/2006/main" xmlns:r="http://schemas.openxmlformats.org/officeDocument/2006/relationships" xmlns:p="http://schemas.openxmlformats.org/presentationml/2006/main">
   <p:cSld>
@@ -7248,28 +7453,74 @@
           <a:p>
             <a:r>
               <a:rPr lang="en-US" dirty="0"/>
-              <a:t>MasterCard maintains a very limited and representative set of sandbox data for both SpendingPulse and Sector Insights. The data provided in these two sandboxes is for </a:t>
-            </a:r>
-            <a:r>
-              <a:rPr lang="en-US" b="1" u="sng" dirty="0"/>
-              <a:t>functional or technical compatibility and connectivity testing purposes only</a:t>
-            </a:r>
+              <a:t>To avoid issues with key expiration, you may renew a key at any time. To do so, sign in to Developer Zone, and select:</a:t>
+            </a:r>
+          </a:p>
+          <a:p>
+            <a:pPr lvl="1"/>
             <a:r>
               <a:rPr lang="en-US" dirty="0"/>
-              <a:t>. The data is not based on nor intended to resemble any actual data and is not intended to be used for any purpose whatsoever other than functional or technical compatibility and connectivity testing. </a:t>
-            </a:r>
-          </a:p>
-          <a:p>
+              <a:t>My Dashboard</a:t>
+            </a:r>
+          </a:p>
+          <a:p>
+            <a:pPr lvl="1"/>
             <a:r>
               <a:rPr lang="en-US" dirty="0"/>
-              <a:t>In other words, sandbox data can be used by you, without further approval by MasterCard, to enable you to build your API application. Once your application is up and running you must request a production key and be approved for production access by MasterCard.</a:t>
-            </a:r>
-          </a:p>
-          <a:p>
+              <a:t>My Keys (locate the key you wish to renew)</a:t>
+            </a:r>
+          </a:p>
+          <a:p>
+            <a:pPr lvl="1"/>
             <a:r>
               <a:rPr lang="en-US" dirty="0"/>
-              <a:t>Production data is actual data and is available via paid subscription only.</a:t>
-            </a:r>
+              <a:t>Renew Key</a:t>
+            </a:r>
+          </a:p>
+          <a:p>
+            <a:pPr lvl="1"/>
+            <a:r>
+              <a:rPr lang="en-US" dirty="0"/>
+              <a:t>Follow the instructions in the pop-up for uploading a new CSR</a:t>
+            </a:r>
+            <a:r>
+              <a:rPr lang="en-US" dirty="0" smtClean="0"/>
+              <a:t>.</a:t>
+            </a:r>
+          </a:p>
+          <a:p>
+            <a:r>
+              <a:rPr lang="en-US" dirty="0" smtClean="0">
+                <a:effectLst/>
+              </a:rPr>
+              <a:t>Additional information on key management can </a:t>
+            </a:r>
+            <a:r>
+              <a:rPr lang="en-US" dirty="0"/>
+              <a:t>be found here:</a:t>
+            </a:r>
+            <a:br>
+              <a:rPr lang="en-US" dirty="0"/>
+            </a:br>
+            <a:r>
+              <a:rPr lang="en-US" sz="1800" dirty="0">
+                <a:hlinkClick r:id="rId2"/>
+              </a:rPr>
+              <a:t>https://</a:t>
+            </a:r>
+            <a:r>
+              <a:rPr lang="en-US" sz="1800" dirty="0" smtClean="0">
+                <a:hlinkClick r:id="rId2"/>
+              </a:rPr>
+              <a:t>developer.mastercard.com/portal/display/api/Generating+RSA+Keys</a:t>
+            </a:r>
+            <a:r>
+              <a:rPr lang="en-US" sz="1800" dirty="0" smtClean="0"/>
+              <a:t> </a:t>
+            </a:r>
+            <a:endParaRPr lang="en-US" sz="1800" dirty="0">
+              <a:effectLst/>
+            </a:endParaRPr>
           </a:p>
         </p:txBody>
       </p:sp>
@@ -7355,8 +7606,12 @@
           <a:lstStyle/>
           <a:p>
             <a:r>
-              <a:rPr lang="en-US" dirty="0" smtClean="0"/>
-              <a:t>Production vs. Sandbox Keys</a:t>
+              <a:rPr lang="en-US" dirty="0"/>
+              <a:t>Create/Register a </a:t>
+            </a:r>
+            <a:r>
+              <a:rPr lang="en-US" dirty="0" smtClean="0"/>
+              <a:t>Key (6 - continued)</a:t>
             </a:r>
             <a:endParaRPr lang="en-US" dirty="0"/>
           </a:p>
@@ -7388,7 +7643,7 @@
     </p:spTree>
     <p:extLst>
       <p:ext uri="{BB962C8B-B14F-4D97-AF65-F5344CB8AC3E}">
-        <p14:creationId xmlns:p14="http://schemas.microsoft.com/office/powerpoint/2010/main" val="2994781401"/>
+        <p14:creationId xmlns:p14="http://schemas.microsoft.com/office/powerpoint/2010/main" val="1346841299"/>
       </p:ext>
     </p:extLst>
   </p:cSld>
@@ -7444,121 +7699,27 @@
           <a:p>
             <a:r>
               <a:rPr lang="en-US" dirty="0"/>
-              <a:t>Additional information concerning the </a:t>
-            </a:r>
-            <a:r>
-              <a:rPr lang="en-US" dirty="0" smtClean="0"/>
-              <a:t>SpendingPulse™ </a:t>
+              <a:t>MasterCard maintains a very limited and representative set of sandbox data for both SpendingPulse and Sector Insights. The data provided in these two sandboxes is for </a:t>
+            </a:r>
+            <a:r>
+              <a:rPr lang="en-US" b="1" u="sng" dirty="0"/>
+              <a:t>functional or technical compatibility and connectivity testing purposes only</a:t>
             </a:r>
             <a:r>
               <a:rPr lang="en-US" dirty="0"/>
-              <a:t>API data is found here</a:t>
-            </a:r>
-            <a:r>
-              <a:rPr lang="en-US" dirty="0" smtClean="0"/>
-              <a:t>:</a:t>
-            </a:r>
+              <a:t>. The data is not based on nor intended to resemble any actual data and is not intended to be used for any purpose whatsoever other than functional or technical compatibility and connectivity testing. </a:t>
+            </a:r>
+          </a:p>
+          <a:p>
             <a:r>
               <a:rPr lang="en-US" dirty="0"/>
-              <a:t/>
-            </a:r>
-            <a:br>
+              <a:t>In other words, sandbox data can be used by you, without further approval by MasterCard, to enable you to build your API application. Once your application is up and running you must request a production key and be approved for production access by MasterCard.</a:t>
+            </a:r>
+          </a:p>
+          <a:p>
+            <a:r>
               <a:rPr lang="en-US" dirty="0"/>
-            </a:br>
-            <a:r>
-              <a:rPr lang="en-US" dirty="0" smtClean="0"/>
-              <a:t/>
-            </a:r>
-            <a:br>
-              <a:rPr lang="en-US" dirty="0" smtClean="0"/>
-            </a:br>
-            <a:r>
-              <a:rPr lang="en-US" sz="1600" dirty="0" smtClean="0">
-                <a:hlinkClick r:id="rId2"/>
-              </a:rPr>
-              <a:t>https</a:t>
-            </a:r>
-            <a:r>
-              <a:rPr lang="en-US" sz="1600" dirty="0">
-                <a:hlinkClick r:id="rId2"/>
-              </a:rPr>
-              <a:t>://</a:t>
-            </a:r>
-            <a:r>
-              <a:rPr lang="en-US" sz="1600" dirty="0" smtClean="0">
-                <a:hlinkClick r:id="rId2"/>
-              </a:rPr>
-              <a:t>developer.mastercard.com/portal/pages/viewpage.action?pageId=100597957</a:t>
-            </a:r>
-            <a:r>
-              <a:rPr lang="en-US" sz="1600" dirty="0" smtClean="0"/>
-              <a:t> </a:t>
-            </a:r>
-            <a:endParaRPr lang="en-US" sz="1600" dirty="0"/>
-          </a:p>
-          <a:p>
-            <a:endParaRPr lang="en-US" dirty="0" smtClean="0"/>
-          </a:p>
-          <a:p>
-            <a:r>
-              <a:rPr lang="en-US" dirty="0" smtClean="0"/>
-              <a:t>Additional </a:t>
-            </a:r>
-            <a:r>
-              <a:rPr lang="en-US" dirty="0"/>
-              <a:t>information concerning the </a:t>
-            </a:r>
-            <a:r>
-              <a:rPr lang="en-US" dirty="0" smtClean="0"/>
-              <a:t>Sector Insights™ </a:t>
-            </a:r>
-            <a:r>
-              <a:rPr lang="en-US" dirty="0"/>
-              <a:t>API data is found here</a:t>
-            </a:r>
-            <a:r>
-              <a:rPr lang="en-US" dirty="0" smtClean="0"/>
-              <a:t>:</a:t>
-            </a:r>
-            <a:r>
-              <a:rPr lang="en-US" dirty="0"/>
-              <a:t/>
-            </a:r>
-            <a:br>
-              <a:rPr lang="en-US" dirty="0"/>
-            </a:br>
-            <a:r>
-              <a:rPr lang="en-US" dirty="0" smtClean="0"/>
-              <a:t/>
-            </a:r>
-            <a:br>
-              <a:rPr lang="en-US" dirty="0" smtClean="0"/>
-            </a:br>
-            <a:r>
-              <a:rPr lang="en-US" sz="1600" dirty="0" smtClean="0">
-                <a:hlinkClick r:id="rId3"/>
-              </a:rPr>
-              <a:t>https</a:t>
-            </a:r>
-            <a:r>
-              <a:rPr lang="en-US" sz="1600" dirty="0">
-                <a:hlinkClick r:id="rId3"/>
-              </a:rPr>
-              <a:t>://developer.mastercard.com/portal/display/api/Sector+Insights</a:t>
-            </a:r>
-            <a:r>
-              <a:rPr lang="en-US" sz="1600" dirty="0"/>
-              <a:t> </a:t>
-            </a:r>
-            <a:endParaRPr lang="en-US" sz="1600" dirty="0" smtClean="0"/>
-          </a:p>
-          <a:p>
-            <a:endParaRPr lang="en-US" sz="1600" dirty="0"/>
-          </a:p>
-          <a:p>
-            <a:r>
-              <a:rPr lang="en-US" dirty="0"/>
-              <a:t>Now that you have a key … you need an App …</a:t>
+              <a:t>Production data is actual data and is available via paid subscription only.</a:t>
             </a:r>
           </a:p>
         </p:txBody>
@@ -7646,7 +7807,7 @@
           <a:p>
             <a:r>
               <a:rPr lang="en-US" dirty="0" smtClean="0"/>
-              <a:t>Additional Information</a:t>
+              <a:t>Production vs. Sandbox Keys</a:t>
             </a:r>
             <a:endParaRPr lang="en-US" dirty="0"/>
           </a:p>
@@ -7678,7 +7839,7 @@
     </p:spTree>
     <p:extLst>
       <p:ext uri="{BB962C8B-B14F-4D97-AF65-F5344CB8AC3E}">
-        <p14:creationId xmlns:p14="http://schemas.microsoft.com/office/powerpoint/2010/main" val="4106982293"/>
+        <p14:creationId xmlns:p14="http://schemas.microsoft.com/office/powerpoint/2010/main" val="2994781401"/>
       </p:ext>
     </p:extLst>
   </p:cSld>
@@ -7724,8 +7885,8 @@
         </p:nvSpPr>
         <p:spPr>
           <a:xfrm>
-            <a:off x="274637" y="1600199"/>
-            <a:ext cx="7717895" cy="3032124"/>
+            <a:off x="274637" y="1368162"/>
+            <a:ext cx="8164189" cy="3264161"/>
           </a:xfrm>
         </p:spPr>
         <p:txBody>
@@ -7733,41 +7894,122 @@
           <a:lstStyle/>
           <a:p>
             <a:r>
-              <a:rPr lang="en-US" dirty="0" smtClean="0"/>
-              <a:t>What is an “App”?</a:t>
-            </a:r>
-          </a:p>
-          <a:p>
-            <a:pPr lvl="1"/>
-            <a:r>
-              <a:rPr lang="en-US" dirty="0" smtClean="0"/>
-              <a:t>An “App” is the mechanism by which you associate a key with an API.</a:t>
-            </a:r>
-          </a:p>
-          <a:p>
-            <a:pPr lvl="1"/>
-            <a:r>
-              <a:rPr lang="en-US" dirty="0" smtClean="0"/>
-              <a:t>An “App” is not some code that you have written nor is it an application from MasterCard that you might use.</a:t>
-            </a:r>
-          </a:p>
-          <a:p>
-            <a:pPr lvl="1"/>
-            <a:r>
-              <a:rPr lang="en-US" dirty="0" smtClean="0"/>
-              <a:t>It is, merely, the device used to associate keys with APIs.</a:t>
-            </a:r>
-          </a:p>
-          <a:p>
-            <a:r>
-              <a:rPr lang="en-US" dirty="0" smtClean="0"/>
-              <a:t>An App is required in order to use a key. The system/code that you write, which accesses the API, must use a valid key in the authentication process.</a:t>
-            </a:r>
-          </a:p>
-          <a:p>
-            <a:r>
-              <a:rPr lang="en-US" dirty="0" smtClean="0"/>
-              <a:t>A key is deemed valid when the App associated with the key is approved for use by MasterCard.</a:t>
+              <a:rPr lang="en-US" dirty="0"/>
+              <a:t>Additional information concerning the </a:t>
+            </a:r>
+            <a:r>
+              <a:rPr lang="en-US" dirty="0" smtClean="0"/>
+              <a:t>SpendingPulse™ </a:t>
+            </a:r>
+            <a:r>
+              <a:rPr lang="en-US" dirty="0"/>
+              <a:t>API data is found here</a:t>
+            </a:r>
+            <a:r>
+              <a:rPr lang="en-US" dirty="0" smtClean="0"/>
+              <a:t>:</a:t>
+            </a:r>
+            <a:r>
+              <a:rPr lang="en-US" dirty="0"/>
+              <a:t/>
+            </a:r>
+            <a:br>
+              <a:rPr lang="en-US" dirty="0"/>
+            </a:br>
+            <a:r>
+              <a:rPr lang="en-US" dirty="0" smtClean="0"/>
+              <a:t/>
+            </a:r>
+            <a:br>
+              <a:rPr lang="en-US" dirty="0" smtClean="0"/>
+            </a:br>
+            <a:r>
+              <a:rPr lang="en-US" sz="1600" dirty="0" smtClean="0">
+                <a:hlinkClick r:id="rId2"/>
+              </a:rPr>
+              <a:t>https</a:t>
+            </a:r>
+            <a:r>
+              <a:rPr lang="en-US" sz="1600" dirty="0">
+                <a:hlinkClick r:id="rId2"/>
+              </a:rPr>
+              <a:t>://</a:t>
+            </a:r>
+            <a:r>
+              <a:rPr lang="en-US" sz="1600" dirty="0" smtClean="0">
+                <a:hlinkClick r:id="rId2"/>
+              </a:rPr>
+              <a:t>developer.mastercard.com/portal/pages/viewpage.action?pageId=100597957</a:t>
+            </a:r>
+            <a:r>
+              <a:rPr lang="en-US" sz="1600" dirty="0" smtClean="0"/>
+              <a:t> </a:t>
+            </a:r>
+            <a:endParaRPr lang="en-US" sz="1600" dirty="0"/>
+          </a:p>
+          <a:p>
+            <a:endParaRPr lang="en-US" dirty="0" smtClean="0"/>
+          </a:p>
+          <a:p>
+            <a:r>
+              <a:rPr lang="en-US" dirty="0" smtClean="0"/>
+              <a:t>Additional </a:t>
+            </a:r>
+            <a:r>
+              <a:rPr lang="en-US" dirty="0"/>
+              <a:t>information concerning the </a:t>
+            </a:r>
+            <a:r>
+              <a:rPr lang="en-US" dirty="0" smtClean="0"/>
+              <a:t>Sector Insights™ </a:t>
+            </a:r>
+            <a:r>
+              <a:rPr lang="en-US" dirty="0"/>
+              <a:t>API data is found here</a:t>
+            </a:r>
+            <a:r>
+              <a:rPr lang="en-US" dirty="0" smtClean="0"/>
+              <a:t>:</a:t>
+            </a:r>
+            <a:r>
+              <a:rPr lang="en-US" dirty="0"/>
+              <a:t/>
+            </a:r>
+            <a:br>
+              <a:rPr lang="en-US" dirty="0"/>
+            </a:br>
+            <a:r>
+              <a:rPr lang="en-US" dirty="0" smtClean="0"/>
+              <a:t/>
+            </a:r>
+            <a:br>
+              <a:rPr lang="en-US" dirty="0" smtClean="0"/>
+            </a:br>
+            <a:r>
+              <a:rPr lang="en-US" sz="1600" dirty="0" smtClean="0">
+                <a:hlinkClick r:id="rId3"/>
+              </a:rPr>
+              <a:t>https</a:t>
+            </a:r>
+            <a:r>
+              <a:rPr lang="en-US" sz="1600" dirty="0">
+                <a:hlinkClick r:id="rId3"/>
+              </a:rPr>
+              <a:t>://developer.mastercard.com/portal/display/api/Sector+Insights</a:t>
+            </a:r>
+            <a:r>
+              <a:rPr lang="en-US" sz="1600" dirty="0"/>
+              <a:t> </a:t>
+            </a:r>
+            <a:endParaRPr lang="en-US" sz="1600" dirty="0" smtClean="0"/>
+          </a:p>
+          <a:p>
+            <a:endParaRPr lang="en-US" sz="1600" dirty="0"/>
+          </a:p>
+          <a:p>
+            <a:r>
+              <a:rPr lang="en-US" dirty="0"/>
+              <a:t>Now that you have a key … you need an App …</a:t>
             </a:r>
           </a:p>
         </p:txBody>
@@ -7855,7 +8097,7 @@
           <a:p>
             <a:r>
               <a:rPr lang="en-US" dirty="0" smtClean="0"/>
-              <a:t>Creating an App (1)</a:t>
+              <a:t>Additional Information</a:t>
             </a:r>
             <a:endParaRPr lang="en-US" dirty="0"/>
           </a:p>
@@ -7877,12 +8119,8 @@
           <a:lstStyle/>
           <a:p>
             <a:r>
-              <a:rPr lang="en-US" dirty="0"/>
-              <a:t>Customer API How </a:t>
-            </a:r>
-            <a:r>
-              <a:rPr lang="en-US" dirty="0" smtClean="0"/>
-              <a:t>To</a:t>
+              <a:rPr lang="en-US" dirty="0" smtClean="0"/>
+              <a:t>Customer API How To</a:t>
             </a:r>
             <a:endParaRPr lang="en-US" dirty="0"/>
           </a:p>
@@ -7891,7 +8129,7 @@
     </p:spTree>
     <p:extLst>
       <p:ext uri="{BB962C8B-B14F-4D97-AF65-F5344CB8AC3E}">
-        <p14:creationId xmlns:p14="http://schemas.microsoft.com/office/powerpoint/2010/main" val="1122452413"/>
+        <p14:creationId xmlns:p14="http://schemas.microsoft.com/office/powerpoint/2010/main" val="4106982293"/>
       </p:ext>
     </p:extLst>
   </p:cSld>
@@ -7937,8 +8175,8 @@
         </p:nvSpPr>
         <p:spPr>
           <a:xfrm>
-            <a:off x="274638" y="1402597"/>
-            <a:ext cx="7415212" cy="3221977"/>
+            <a:off x="274637" y="1600199"/>
+            <a:ext cx="7717895" cy="3032124"/>
           </a:xfrm>
         </p:spPr>
         <p:txBody>
@@ -7947,80 +8185,41 @@
           <a:p>
             <a:r>
               <a:rPr lang="en-US" dirty="0" smtClean="0"/>
-              <a:t>From your dashboard, choose My APPS</a:t>
-            </a:r>
-          </a:p>
-          <a:p>
-            <a:r>
-              <a:rPr lang="en-US" dirty="0" smtClean="0"/>
-              <a:t>Click Add an App</a:t>
-            </a:r>
-          </a:p>
-          <a:p>
-            <a:r>
-              <a:rPr lang="en-US" dirty="0" smtClean="0"/>
-              <a:t>In the displayed dialogue:</a:t>
+              <a:t>What is an “App”?</a:t>
             </a:r>
           </a:p>
           <a:p>
             <a:pPr lvl="1"/>
             <a:r>
               <a:rPr lang="en-US" dirty="0" smtClean="0"/>
-              <a:t>Enter an Application Name</a:t>
-            </a:r>
-          </a:p>
-          <a:p>
-            <a:pPr lvl="2"/>
-            <a:r>
-              <a:rPr lang="en-US" dirty="0" smtClean="0"/>
-              <a:t>Any alphanumeric is acceptable. The name is</a:t>
-            </a:r>
-            <a:br>
-              <a:rPr lang="en-US" dirty="0" smtClean="0"/>
-            </a:br>
-            <a:r>
-              <a:rPr lang="en-US" dirty="0" smtClean="0"/>
-              <a:t>used by you to identify this App (i.e. this</a:t>
-            </a:r>
-            <a:br>
-              <a:rPr lang="en-US" dirty="0" smtClean="0"/>
-            </a:br>
-            <a:r>
-              <a:rPr lang="en-US" dirty="0" smtClean="0"/>
-              <a:t>use of a particular key)</a:t>
+              <a:t>An “App” is the mechanism by which you associate a key with an API.</a:t>
             </a:r>
           </a:p>
           <a:p>
             <a:pPr lvl="1"/>
             <a:r>
               <a:rPr lang="en-US" dirty="0" smtClean="0"/>
-              <a:t>(optional) a Description</a:t>
+              <a:t>An “App” is not some code that you have written nor is it an application from MasterCard that you might use.</a:t>
             </a:r>
           </a:p>
           <a:p>
             <a:pPr lvl="1"/>
             <a:r>
               <a:rPr lang="en-US" dirty="0" smtClean="0"/>
-              <a:t>Choose the key to be used</a:t>
-            </a:r>
-          </a:p>
-          <a:p>
-            <a:pPr lvl="2"/>
-            <a:r>
-              <a:rPr lang="en-US" dirty="0" smtClean="0"/>
-              <a:t>Key alias names are available for selection</a:t>
-            </a:r>
-          </a:p>
-          <a:p>
-            <a:pPr lvl="2"/>
-            <a:r>
-              <a:rPr lang="en-US" dirty="0" smtClean="0"/>
-              <a:t>A new key may be created at this time</a:t>
-            </a:r>
-          </a:p>
-          <a:p>
-            <a:pPr lvl="1"/>
-            <a:endParaRPr lang="en-US" dirty="0" smtClean="0"/>
+              <a:t>It is, merely, the device used to associate keys with APIs.</a:t>
+            </a:r>
+          </a:p>
+          <a:p>
+            <a:r>
+              <a:rPr lang="en-US" dirty="0" smtClean="0"/>
+              <a:t>An App is required in order to use a key. The system/code that you write, which accesses the API, must use a valid key in the authentication process.</a:t>
+            </a:r>
+          </a:p>
+          <a:p>
+            <a:r>
+              <a:rPr lang="en-US" dirty="0" smtClean="0"/>
+              <a:t>A key is deemed valid when the App associated with the key is approved for use by MasterCard.</a:t>
+            </a:r>
           </a:p>
         </p:txBody>
       </p:sp>
@@ -8107,7 +8306,7 @@
           <a:p>
             <a:r>
               <a:rPr lang="en-US" dirty="0" smtClean="0"/>
-              <a:t>Creating an App (2)</a:t>
+              <a:t>Creating an App (1)</a:t>
             </a:r>
             <a:endParaRPr lang="en-US" dirty="0"/>
           </a:p>
@@ -8137,100 +8336,13 @@
               <a:t>To</a:t>
             </a:r>
             <a:endParaRPr lang="en-US" dirty="0"/>
-          </a:p>
-        </p:txBody>
-      </p:sp>
-      <p:pic>
-        <p:nvPicPr>
-          <p:cNvPr id="8" name="Picture 7"/>
-          <p:cNvPicPr>
-            <a:picLocks noChangeAspect="1"/>
-          </p:cNvPicPr>
-          <p:nvPr/>
-        </p:nvPicPr>
-        <p:blipFill>
-          <a:blip r:embed="rId2"/>
-          <a:stretch>
-            <a:fillRect/>
-          </a:stretch>
-        </p:blipFill>
-        <p:spPr>
-          <a:xfrm>
-            <a:off x="4796728" y="1316875"/>
-            <a:ext cx="4187584" cy="1988142"/>
-          </a:xfrm>
-          <a:prstGeom prst="rect">
-            <a:avLst/>
-          </a:prstGeom>
-        </p:spPr>
-      </p:pic>
-      <p:sp>
-        <p:nvSpPr>
-          <p:cNvPr id="9" name="Right Arrow 8"/>
-          <p:cNvSpPr/>
-          <p:nvPr/>
-        </p:nvSpPr>
-        <p:spPr bwMode="gray">
-          <a:xfrm>
-            <a:off x="2347994" y="1867551"/>
-            <a:ext cx="2580467" cy="85240"/>
-          </a:xfrm>
-          <a:prstGeom prst="rightArrow">
-            <a:avLst/>
-          </a:prstGeom>
-          <a:solidFill>
-            <a:schemeClr val="accent1"/>
-          </a:solidFill>
-          <a:ln w="9525" cap="flat" cmpd="sng" algn="ctr">
-            <a:noFill/>
-            <a:prstDash val="solid"/>
-            <a:round/>
-            <a:headEnd type="none" w="med" len="med"/>
-            <a:tailEnd type="none" w="med" len="med"/>
-          </a:ln>
-          <a:effectLst/>
-        </p:spPr>
-        <p:txBody>
-          <a:bodyPr vert="horz" wrap="square" lIns="91440" tIns="45720" rIns="91440" bIns="45720" numCol="1" rtlCol="0" anchor="ctr" anchorCtr="0" compatLnSpc="1">
-            <a:prstTxWarp prst="textNoShape">
-              <a:avLst/>
-            </a:prstTxWarp>
-          </a:bodyPr>
-          <a:lstStyle/>
-          <a:p>
-            <a:pPr marL="0" marR="0" indent="0" algn="l" defTabSz="914400" rtl="0" eaLnBrk="1" fontAlgn="base" latinLnBrk="0" hangingPunct="1">
-              <a:lnSpc>
-                <a:spcPct val="100000"/>
-              </a:lnSpc>
-              <a:spcBef>
-                <a:spcPct val="0"/>
-              </a:spcBef>
-              <a:spcAft>
-                <a:spcPct val="0"/>
-              </a:spcAft>
-              <a:buClrTx/>
-              <a:buSzTx/>
-              <a:buFontTx/>
-              <a:buNone/>
-              <a:tabLst/>
-            </a:pPr>
-            <a:endParaRPr kumimoji="0" lang="en-US" sz="2000" b="0" i="0" u="none" strike="noStrike" cap="none" normalizeH="0" baseline="0" dirty="0" smtClean="0">
-              <a:ln>
-                <a:noFill/>
-              </a:ln>
-              <a:solidFill>
-                <a:schemeClr val="bg1"/>
-              </a:solidFill>
-              <a:effectLst/>
-              <a:latin typeface="Arial" pitchFamily="2" charset="0"/>
-            </a:endParaRPr>
           </a:p>
         </p:txBody>
       </p:sp>
     </p:spTree>
     <p:extLst>
       <p:ext uri="{BB962C8B-B14F-4D97-AF65-F5344CB8AC3E}">
-        <p14:creationId xmlns:p14="http://schemas.microsoft.com/office/powerpoint/2010/main" val="2163120365"/>
+        <p14:creationId xmlns:p14="http://schemas.microsoft.com/office/powerpoint/2010/main" val="1122452413"/>
       </p:ext>
     </p:extLst>
   </p:cSld>
@@ -8286,34 +8398,80 @@
           <a:p>
             <a:r>
               <a:rPr lang="en-US" dirty="0" smtClean="0"/>
+              <a:t>From your dashboard, choose My APPS</a:t>
+            </a:r>
+          </a:p>
+          <a:p>
+            <a:r>
+              <a:rPr lang="en-US" dirty="0" smtClean="0"/>
+              <a:t>Click Add an App</a:t>
+            </a:r>
+          </a:p>
+          <a:p>
+            <a:r>
+              <a:rPr lang="en-US" dirty="0" smtClean="0"/>
+              <a:t>In the displayed dialogue:</a:t>
+            </a:r>
+          </a:p>
+          <a:p>
+            <a:pPr lvl="1"/>
+            <a:r>
+              <a:rPr lang="en-US" dirty="0" smtClean="0"/>
+              <a:t>Enter an Application Name</a:t>
+            </a:r>
+          </a:p>
+          <a:p>
+            <a:pPr lvl="2"/>
+            <a:r>
+              <a:rPr lang="en-US" dirty="0" smtClean="0"/>
+              <a:t>Any alphanumeric is acceptable. The name is</a:t>
+            </a:r>
+            <a:br>
+              <a:rPr lang="en-US" dirty="0" smtClean="0"/>
+            </a:br>
+            <a:r>
+              <a:rPr lang="en-US" dirty="0" smtClean="0"/>
+              <a:t>used by you to identify this App (i.e. this</a:t>
+            </a:r>
+            <a:br>
+              <a:rPr lang="en-US" dirty="0" smtClean="0"/>
+            </a:br>
+            <a:r>
+              <a:rPr lang="en-US" dirty="0" smtClean="0"/>
+              <a:t>use of a particular key)</a:t>
+            </a:r>
+          </a:p>
+          <a:p>
+            <a:pPr lvl="1"/>
+            <a:r>
+              <a:rPr lang="en-US" dirty="0" smtClean="0"/>
+              <a:t>(optional) a Description</a:t>
+            </a:r>
+          </a:p>
+          <a:p>
+            <a:pPr lvl="1"/>
+            <a:r>
+              <a:rPr lang="en-US" dirty="0" smtClean="0"/>
               <a:t>Choose the key to be used</a:t>
             </a:r>
           </a:p>
           <a:p>
+            <a:pPr lvl="2"/>
+            <a:r>
+              <a:rPr lang="en-US" dirty="0" smtClean="0"/>
+              <a:t>Key alias names are available for selection</a:t>
+            </a:r>
+          </a:p>
+          <a:p>
+            <a:pPr lvl="2"/>
+            <a:r>
+              <a:rPr lang="en-US" dirty="0" smtClean="0"/>
+              <a:t>A new key may be created at this time</a:t>
+            </a:r>
+          </a:p>
+          <a:p>
             <a:pPr lvl="1"/>
-            <a:r>
-              <a:rPr lang="en-US" dirty="0" smtClean="0"/>
-              <a:t>Key alias names are available for selection</a:t>
-            </a:r>
-          </a:p>
-          <a:p>
-            <a:pPr lvl="1"/>
-            <a:r>
-              <a:rPr lang="en-US" dirty="0" smtClean="0"/>
-              <a:t>A new key may be created at this time</a:t>
-            </a:r>
-          </a:p>
-          <a:p>
-            <a:r>
-              <a:rPr lang="en-US" dirty="0" smtClean="0"/>
-              <a:t>Click Submit</a:t>
-            </a:r>
-          </a:p>
-          <a:p>
-            <a:r>
-              <a:rPr lang="en-US" dirty="0" smtClean="0"/>
-              <a:t>Your dashboard is redisplayed</a:t>
-            </a:r>
+            <a:endParaRPr lang="en-US" dirty="0" smtClean="0"/>
           </a:p>
         </p:txBody>
       </p:sp>
@@ -8400,7 +8558,7 @@
           <a:p>
             <a:r>
               <a:rPr lang="en-US" dirty="0" smtClean="0"/>
-              <a:t>Creating an App (3)</a:t>
+              <a:t>Creating an App (2)</a:t>
             </a:r>
             <a:endParaRPr lang="en-US" dirty="0"/>
           </a:p>
@@ -8435,7 +8593,7 @@
       </p:sp>
       <p:pic>
         <p:nvPicPr>
-          <p:cNvPr id="10" name="Picture 9"/>
+          <p:cNvPr id="8" name="Picture 7"/>
           <p:cNvPicPr>
             <a:picLocks noChangeAspect="1"/>
           </p:cNvPicPr>
@@ -8449,8 +8607,8 @@
         </p:blipFill>
         <p:spPr>
           <a:xfrm>
-            <a:off x="5124694" y="668616"/>
-            <a:ext cx="3738485" cy="1932924"/>
+            <a:off x="4796728" y="1316875"/>
+            <a:ext cx="4187584" cy="1988142"/>
           </a:xfrm>
           <a:prstGeom prst="rect">
             <a:avLst/>
@@ -8465,8 +8623,8 @@
         </p:nvSpPr>
         <p:spPr bwMode="gray">
           <a:xfrm>
-            <a:off x="1945038" y="2440988"/>
-            <a:ext cx="5129939" cy="92985"/>
+            <a:off x="2347994" y="1867551"/>
+            <a:ext cx="2580467" cy="85240"/>
           </a:xfrm>
           <a:prstGeom prst="rightArrow">
             <a:avLst/>
@@ -8523,7 +8681,7 @@
     </p:spTree>
     <p:extLst>
       <p:ext uri="{BB962C8B-B14F-4D97-AF65-F5344CB8AC3E}">
-        <p14:creationId xmlns:p14="http://schemas.microsoft.com/office/powerpoint/2010/main" val="3867393338"/>
+        <p14:creationId xmlns:p14="http://schemas.microsoft.com/office/powerpoint/2010/main" val="2163120365"/>
       </p:ext>
     </p:extLst>
   </p:cSld>
@@ -8579,70 +8737,33 @@
           <a:p>
             <a:r>
               <a:rPr lang="en-US" dirty="0" smtClean="0"/>
-              <a:t>Notice, the key you associated with the</a:t>
-            </a:r>
-            <a:br>
-              <a:rPr lang="en-US" dirty="0" smtClean="0"/>
-            </a:br>
-            <a:r>
-              <a:rPr lang="en-US" dirty="0" smtClean="0"/>
-              <a:t>App is shown, BUT it is not yet ACTIVE.</a:t>
-            </a:r>
-          </a:p>
-          <a:p>
-            <a:endParaRPr lang="en-US" dirty="0"/>
-          </a:p>
-          <a:p>
-            <a:r>
-              <a:rPr lang="en-US" dirty="0" smtClean="0"/>
-              <a:t>Click the checkbox to make the key </a:t>
-            </a:r>
-            <a:br>
-              <a:rPr lang="en-US" dirty="0" smtClean="0"/>
-            </a:br>
-            <a:r>
-              <a:rPr lang="en-US" dirty="0" smtClean="0"/>
-              <a:t>ACTIVE – you must activate the key in</a:t>
-            </a:r>
-            <a:br>
-              <a:rPr lang="en-US" dirty="0" smtClean="0"/>
-            </a:br>
-            <a:r>
-              <a:rPr lang="en-US" dirty="0" smtClean="0"/>
-              <a:t>order to use it.</a:t>
-            </a:r>
-          </a:p>
-          <a:p>
-            <a:r>
-              <a:rPr lang="en-US" dirty="0" smtClean="0"/>
-              <a:t>Once activated, the display is changed.</a:t>
-            </a:r>
-            <a:br>
-              <a:rPr lang="en-US" dirty="0" smtClean="0"/>
-            </a:br>
-            <a:r>
-              <a:rPr lang="en-US" dirty="0" smtClean="0"/>
-              <a:t>Note the display of the key.</a:t>
-            </a:r>
-          </a:p>
-          <a:p>
-            <a:r>
-              <a:rPr lang="en-US" dirty="0" smtClean="0"/>
-              <a:t>Apps for the sandbox are </a:t>
-            </a:r>
-            <a:br>
-              <a:rPr lang="en-US" dirty="0" smtClean="0"/>
-            </a:br>
-            <a:r>
-              <a:rPr lang="en-US" dirty="0" smtClean="0"/>
-              <a:t>automatically approved for use with</a:t>
-            </a:r>
-            <a:br>
-              <a:rPr lang="en-US" dirty="0" smtClean="0"/>
-            </a:br>
-            <a:r>
-              <a:rPr lang="en-US" dirty="0" smtClean="0"/>
-              <a:t>the sandbox API data.</a:t>
+              <a:t>Choose the key to be used</a:t>
+            </a:r>
+          </a:p>
+          <a:p>
+            <a:pPr lvl="1"/>
+            <a:r>
+              <a:rPr lang="en-US" dirty="0" smtClean="0"/>
+              <a:t>Key alias names are available for selection</a:t>
+            </a:r>
+          </a:p>
+          <a:p>
+            <a:pPr lvl="1"/>
+            <a:r>
+              <a:rPr lang="en-US" dirty="0" smtClean="0"/>
+              <a:t>A new key may be created at this time</a:t>
+            </a:r>
+          </a:p>
+          <a:p>
+            <a:r>
+              <a:rPr lang="en-US" dirty="0" smtClean="0"/>
+              <a:t>Click Submit</a:t>
+            </a:r>
+          </a:p>
+          <a:p>
+            <a:r>
+              <a:rPr lang="en-US" dirty="0" smtClean="0"/>
+              <a:t>Your dashboard is redisplayed</a:t>
             </a:r>
           </a:p>
         </p:txBody>
@@ -8689,6 +8810,477 @@
               <a:rPr lang="en-US" smtClean="0"/>
               <a:pPr/>
               <a:t>19</a:t>
+            </a:fld>
+            <a:endParaRPr lang="en-US" dirty="0"/>
+          </a:p>
+        </p:txBody>
+      </p:sp>
+      <p:sp>
+        <p:nvSpPr>
+          <p:cNvPr id="5" name="Footer Placeholder 4"/>
+          <p:cNvSpPr>
+            <a:spLocks noGrp="1"/>
+          </p:cNvSpPr>
+          <p:nvPr>
+            <p:ph type="ftr" sz="quarter" idx="12"/>
+          </p:nvPr>
+        </p:nvSpPr>
+        <p:spPr/>
+        <p:txBody>
+          <a:bodyPr/>
+          <a:lstStyle/>
+          <a:p>
+            <a:endParaRPr lang="en-US" dirty="0"/>
+          </a:p>
+        </p:txBody>
+      </p:sp>
+      <p:sp>
+        <p:nvSpPr>
+          <p:cNvPr id="6" name="Title 5"/>
+          <p:cNvSpPr>
+            <a:spLocks noGrp="1"/>
+          </p:cNvSpPr>
+          <p:nvPr>
+            <p:ph type="title"/>
+          </p:nvPr>
+        </p:nvSpPr>
+        <p:spPr/>
+        <p:txBody>
+          <a:bodyPr/>
+          <a:lstStyle/>
+          <a:p>
+            <a:r>
+              <a:rPr lang="en-US" dirty="0" smtClean="0"/>
+              <a:t>Creating an App (3)</a:t>
+            </a:r>
+            <a:endParaRPr lang="en-US" dirty="0"/>
+          </a:p>
+        </p:txBody>
+      </p:sp>
+      <p:sp>
+        <p:nvSpPr>
+          <p:cNvPr id="7" name="Text Placeholder 6"/>
+          <p:cNvSpPr>
+            <a:spLocks noGrp="1"/>
+          </p:cNvSpPr>
+          <p:nvPr>
+            <p:ph type="body" sz="quarter" idx="15"/>
+          </p:nvPr>
+        </p:nvSpPr>
+        <p:spPr/>
+        <p:txBody>
+          <a:bodyPr/>
+          <a:lstStyle/>
+          <a:p>
+            <a:r>
+              <a:rPr lang="en-US" dirty="0"/>
+              <a:t>Customer API How </a:t>
+            </a:r>
+            <a:r>
+              <a:rPr lang="en-US" dirty="0" smtClean="0"/>
+              <a:t>To</a:t>
+            </a:r>
+            <a:endParaRPr lang="en-US" dirty="0"/>
+          </a:p>
+        </p:txBody>
+      </p:sp>
+      <p:pic>
+        <p:nvPicPr>
+          <p:cNvPr id="10" name="Picture 9"/>
+          <p:cNvPicPr>
+            <a:picLocks noChangeAspect="1"/>
+          </p:cNvPicPr>
+          <p:nvPr/>
+        </p:nvPicPr>
+        <p:blipFill>
+          <a:blip r:embed="rId2"/>
+          <a:stretch>
+            <a:fillRect/>
+          </a:stretch>
+        </p:blipFill>
+        <p:spPr>
+          <a:xfrm>
+            <a:off x="5124694" y="668616"/>
+            <a:ext cx="3738485" cy="1932924"/>
+          </a:xfrm>
+          <a:prstGeom prst="rect">
+            <a:avLst/>
+          </a:prstGeom>
+        </p:spPr>
+      </p:pic>
+      <p:sp>
+        <p:nvSpPr>
+          <p:cNvPr id="9" name="Right Arrow 8"/>
+          <p:cNvSpPr/>
+          <p:nvPr/>
+        </p:nvSpPr>
+        <p:spPr bwMode="gray">
+          <a:xfrm>
+            <a:off x="1945038" y="2440988"/>
+            <a:ext cx="5129939" cy="92985"/>
+          </a:xfrm>
+          <a:prstGeom prst="rightArrow">
+            <a:avLst/>
+          </a:prstGeom>
+          <a:solidFill>
+            <a:schemeClr val="accent1"/>
+          </a:solidFill>
+          <a:ln w="9525" cap="flat" cmpd="sng" algn="ctr">
+            <a:noFill/>
+            <a:prstDash val="solid"/>
+            <a:round/>
+            <a:headEnd type="none" w="med" len="med"/>
+            <a:tailEnd type="none" w="med" len="med"/>
+          </a:ln>
+          <a:effectLst/>
+        </p:spPr>
+        <p:txBody>
+          <a:bodyPr vert="horz" wrap="square" lIns="91440" tIns="45720" rIns="91440" bIns="45720" numCol="1" rtlCol="0" anchor="ctr" anchorCtr="0" compatLnSpc="1">
+            <a:prstTxWarp prst="textNoShape">
+              <a:avLst/>
+            </a:prstTxWarp>
+          </a:bodyPr>
+          <a:lstStyle/>
+          <a:p>
+            <a:pPr marL="0" marR="0" indent="0" algn="l" defTabSz="914400" rtl="0" eaLnBrk="1" fontAlgn="base" latinLnBrk="0" hangingPunct="1">
+              <a:lnSpc>
+                <a:spcPct val="100000"/>
+              </a:lnSpc>
+              <a:spcBef>
+                <a:spcPct val="0"/>
+              </a:spcBef>
+              <a:spcAft>
+                <a:spcPct val="0"/>
+              </a:spcAft>
+              <a:buClrTx/>
+              <a:buSzTx/>
+              <a:buFontTx/>
+              <a:buNone/>
+              <a:tabLst/>
+            </a:pPr>
+            <a:endParaRPr kumimoji="0" lang="en-US" sz="2000" b="0" i="0" u="none" strike="noStrike" cap="none" normalizeH="0" baseline="0" dirty="0" smtClean="0">
+              <a:ln>
+                <a:noFill/>
+              </a:ln>
+              <a:solidFill>
+                <a:schemeClr val="bg1"/>
+              </a:solidFill>
+              <a:effectLst/>
+              <a:latin typeface="Arial" pitchFamily="2" charset="0"/>
+            </a:endParaRPr>
+          </a:p>
+        </p:txBody>
+      </p:sp>
+    </p:spTree>
+    <p:extLst>
+      <p:ext uri="{BB962C8B-B14F-4D97-AF65-F5344CB8AC3E}">
+        <p14:creationId xmlns:p14="http://schemas.microsoft.com/office/powerpoint/2010/main" val="3867393338"/>
+      </p:ext>
+    </p:extLst>
+  </p:cSld>
+  <p:clrMapOvr>
+    <a:masterClrMapping/>
+  </p:clrMapOvr>
+  <p:timing>
+    <p:tnLst>
+      <p:par>
+        <p:cTn id="1" dur="indefinite" restart="never" nodeType="tmRoot"/>
+      </p:par>
+    </p:tnLst>
+  </p:timing>
+</p:sld>
+</file>
+
+<file path=ppt/slides/slide2.xml><?xml version="1.0" encoding="utf-8"?>
+<p:sld xmlns:a="http://schemas.openxmlformats.org/drawingml/2006/main" xmlns:r="http://schemas.openxmlformats.org/officeDocument/2006/relationships" xmlns:p="http://schemas.openxmlformats.org/presentationml/2006/main">
+  <p:cSld>
+    <p:spTree>
+      <p:nvGrpSpPr>
+        <p:cNvPr id="1" name=""/>
+        <p:cNvGrpSpPr/>
+        <p:nvPr/>
+      </p:nvGrpSpPr>
+      <p:grpSpPr>
+        <a:xfrm>
+          <a:off x="0" y="0"/>
+          <a:ext cx="0" cy="0"/>
+          <a:chOff x="0" y="0"/>
+          <a:chExt cx="0" cy="0"/>
+        </a:xfrm>
+      </p:grpSpPr>
+      <p:sp>
+        <p:nvSpPr>
+          <p:cNvPr id="2" name="Title 1"/>
+          <p:cNvSpPr>
+            <a:spLocks noGrp="1"/>
+          </p:cNvSpPr>
+          <p:nvPr>
+            <p:ph type="title"/>
+          </p:nvPr>
+        </p:nvSpPr>
+        <p:spPr/>
+        <p:txBody>
+          <a:bodyPr/>
+          <a:lstStyle/>
+          <a:p>
+            <a:r>
+              <a:rPr lang="en-US" dirty="0" smtClean="0"/>
+              <a:t>Customer API How To</a:t>
+            </a:r>
+            <a:endParaRPr lang="en-US" dirty="0"/>
+          </a:p>
+        </p:txBody>
+      </p:sp>
+      <p:sp>
+        <p:nvSpPr>
+          <p:cNvPr id="3" name="Date Placeholder 2"/>
+          <p:cNvSpPr>
+            <a:spLocks noGrp="1"/>
+          </p:cNvSpPr>
+          <p:nvPr>
+            <p:ph type="dt" sz="half" idx="4294967295"/>
+          </p:nvPr>
+        </p:nvSpPr>
+        <p:spPr>
+          <a:xfrm>
+            <a:off x="0" y="4903788"/>
+            <a:ext cx="1068388" cy="128587"/>
+          </a:xfrm>
+        </p:spPr>
+        <p:txBody>
+          <a:bodyPr/>
+          <a:lstStyle/>
+          <a:p>
+            <a:r>
+              <a:rPr lang="en-US" smtClean="0"/>
+              <a:t>October 21, 2015</a:t>
+            </a:r>
+            <a:endParaRPr lang="en-US" dirty="0" smtClean="0"/>
+          </a:p>
+        </p:txBody>
+      </p:sp>
+      <p:sp>
+        <p:nvSpPr>
+          <p:cNvPr id="4" name="Slide Number Placeholder 3"/>
+          <p:cNvSpPr>
+            <a:spLocks noGrp="1"/>
+          </p:cNvSpPr>
+          <p:nvPr>
+            <p:ph type="sldNum" sz="quarter" idx="4294967295"/>
+          </p:nvPr>
+        </p:nvSpPr>
+        <p:spPr>
+          <a:xfrm>
+            <a:off x="0" y="4903788"/>
+            <a:ext cx="342900" cy="128587"/>
+          </a:xfrm>
+        </p:spPr>
+        <p:txBody>
+          <a:bodyPr/>
+          <a:lstStyle/>
+          <a:p>
+            <a:fld id="{5698A34F-157D-4FC3-B6AE-341A8B909DED}" type="slidenum">
+              <a:rPr lang="en-US" smtClean="0"/>
+              <a:pPr/>
+              <a:t>2</a:t>
+            </a:fld>
+            <a:endParaRPr lang="en-US" dirty="0"/>
+          </a:p>
+        </p:txBody>
+      </p:sp>
+      <p:sp>
+        <p:nvSpPr>
+          <p:cNvPr id="64" name="Text Placeholder 63"/>
+          <p:cNvSpPr>
+            <a:spLocks noGrp="1"/>
+          </p:cNvSpPr>
+          <p:nvPr>
+            <p:ph type="body" sz="quarter" idx="4294967295"/>
+          </p:nvPr>
+        </p:nvSpPr>
+        <p:spPr>
+          <a:xfrm>
+            <a:off x="0" y="19050"/>
+            <a:ext cx="7415213" cy="292100"/>
+          </a:xfrm>
+        </p:spPr>
+        <p:txBody>
+          <a:bodyPr/>
+          <a:lstStyle/>
+          <a:p>
+            <a:endParaRPr lang="en-US" dirty="0" smtClean="0"/>
+          </a:p>
+        </p:txBody>
+      </p:sp>
+    </p:spTree>
+    <p:extLst>
+      <p:ext uri="{BB962C8B-B14F-4D97-AF65-F5344CB8AC3E}">
+        <p14:creationId xmlns:p14="http://schemas.microsoft.com/office/powerpoint/2010/main" val="3183443171"/>
+      </p:ext>
+    </p:extLst>
+  </p:cSld>
+  <p:clrMapOvr>
+    <a:masterClrMapping/>
+  </p:clrMapOvr>
+  <p:timing>
+    <p:tnLst>
+      <p:par>
+        <p:cTn id="1" dur="indefinite" restart="never" nodeType="tmRoot"/>
+      </p:par>
+    </p:tnLst>
+  </p:timing>
+</p:sld>
+</file>
+
+<file path=ppt/slides/slide20.xml><?xml version="1.0" encoding="utf-8"?>
+<p:sld xmlns:a="http://schemas.openxmlformats.org/drawingml/2006/main" xmlns:r="http://schemas.openxmlformats.org/officeDocument/2006/relationships" xmlns:p="http://schemas.openxmlformats.org/presentationml/2006/main">
+  <p:cSld>
+    <p:spTree>
+      <p:nvGrpSpPr>
+        <p:cNvPr id="1" name=""/>
+        <p:cNvGrpSpPr/>
+        <p:nvPr/>
+      </p:nvGrpSpPr>
+      <p:grpSpPr>
+        <a:xfrm>
+          <a:off x="0" y="0"/>
+          <a:ext cx="0" cy="0"/>
+          <a:chOff x="0" y="0"/>
+          <a:chExt cx="0" cy="0"/>
+        </a:xfrm>
+      </p:grpSpPr>
+      <p:sp>
+        <p:nvSpPr>
+          <p:cNvPr id="2" name="Text Placeholder 1"/>
+          <p:cNvSpPr>
+            <a:spLocks noGrp="1"/>
+          </p:cNvSpPr>
+          <p:nvPr>
+            <p:ph type="body" sz="quarter" idx="13"/>
+          </p:nvPr>
+        </p:nvSpPr>
+        <p:spPr>
+          <a:xfrm>
+            <a:off x="274638" y="1402597"/>
+            <a:ext cx="7415212" cy="3221977"/>
+          </a:xfrm>
+        </p:spPr>
+        <p:txBody>
+          <a:bodyPr/>
+          <a:lstStyle/>
+          <a:p>
+            <a:r>
+              <a:rPr lang="en-US" dirty="0" smtClean="0"/>
+              <a:t>Notice, the key you associated with the</a:t>
+            </a:r>
+            <a:br>
+              <a:rPr lang="en-US" dirty="0" smtClean="0"/>
+            </a:br>
+            <a:r>
+              <a:rPr lang="en-US" dirty="0" smtClean="0"/>
+              <a:t>App is shown, BUT it is not yet ACTIVE.</a:t>
+            </a:r>
+          </a:p>
+          <a:p>
+            <a:endParaRPr lang="en-US" dirty="0"/>
+          </a:p>
+          <a:p>
+            <a:r>
+              <a:rPr lang="en-US" dirty="0" smtClean="0"/>
+              <a:t>Click the checkbox to make the key </a:t>
+            </a:r>
+            <a:br>
+              <a:rPr lang="en-US" dirty="0" smtClean="0"/>
+            </a:br>
+            <a:r>
+              <a:rPr lang="en-US" dirty="0" smtClean="0"/>
+              <a:t>ACTIVE – you must activate the key in</a:t>
+            </a:r>
+            <a:br>
+              <a:rPr lang="en-US" dirty="0" smtClean="0"/>
+            </a:br>
+            <a:r>
+              <a:rPr lang="en-US" dirty="0" smtClean="0"/>
+              <a:t>order to use it.</a:t>
+            </a:r>
+          </a:p>
+          <a:p>
+            <a:r>
+              <a:rPr lang="en-US" dirty="0" smtClean="0"/>
+              <a:t>Once activated, the display is changed.</a:t>
+            </a:r>
+            <a:br>
+              <a:rPr lang="en-US" dirty="0" smtClean="0"/>
+            </a:br>
+            <a:r>
+              <a:rPr lang="en-US" dirty="0" smtClean="0"/>
+              <a:t>Note the display of the key.</a:t>
+            </a:r>
+          </a:p>
+          <a:p>
+            <a:r>
+              <a:rPr lang="en-US" dirty="0" smtClean="0"/>
+              <a:t>Apps for the sandbox are </a:t>
+            </a:r>
+            <a:br>
+              <a:rPr lang="en-US" dirty="0" smtClean="0"/>
+            </a:br>
+            <a:r>
+              <a:rPr lang="en-US" dirty="0" smtClean="0"/>
+              <a:t>automatically approved for use with</a:t>
+            </a:r>
+            <a:br>
+              <a:rPr lang="en-US" dirty="0" smtClean="0"/>
+            </a:br>
+            <a:r>
+              <a:rPr lang="en-US" dirty="0" smtClean="0"/>
+              <a:t>the sandbox API data.</a:t>
+            </a:r>
+          </a:p>
+        </p:txBody>
+      </p:sp>
+      <p:sp>
+        <p:nvSpPr>
+          <p:cNvPr id="3" name="Date Placeholder 2"/>
+          <p:cNvSpPr>
+            <a:spLocks noGrp="1"/>
+          </p:cNvSpPr>
+          <p:nvPr>
+            <p:ph type="dt" sz="half" idx="10"/>
+          </p:nvPr>
+        </p:nvSpPr>
+        <p:spPr/>
+        <p:txBody>
+          <a:bodyPr/>
+          <a:lstStyle/>
+          <a:p>
+            <a:r>
+              <a:rPr lang="en-US" smtClean="0"/>
+              <a:t>October 21, 2015</a:t>
+            </a:r>
+            <a:endParaRPr lang="en-US" dirty="0" smtClean="0"/>
+          </a:p>
+        </p:txBody>
+      </p:sp>
+      <p:sp>
+        <p:nvSpPr>
+          <p:cNvPr id="4" name="Slide Number Placeholder 3"/>
+          <p:cNvSpPr>
+            <a:spLocks noGrp="1"/>
+          </p:cNvSpPr>
+          <p:nvPr>
+            <p:ph type="sldNum" sz="quarter" idx="11"/>
+          </p:nvPr>
+        </p:nvSpPr>
+        <p:spPr/>
+        <p:txBody>
+          <a:bodyPr/>
+          <a:lstStyle/>
+          <a:p>
+            <a:fld id="{5698A34F-157D-4FC3-B6AE-341A8B909DED}" type="slidenum">
+              <a:rPr lang="en-US" smtClean="0"/>
+              <a:pPr/>
+              <a:t>20</a:t>
             </a:fld>
             <a:endParaRPr lang="en-US" dirty="0"/>
           </a:p>
@@ -8957,414 +9549,6 @@
 </p:sld>
 </file>
 
-<file path=ppt/slides/slide2.xml><?xml version="1.0" encoding="utf-8"?>
-<p:sld xmlns:a="http://schemas.openxmlformats.org/drawingml/2006/main" xmlns:r="http://schemas.openxmlformats.org/officeDocument/2006/relationships" xmlns:p="http://schemas.openxmlformats.org/presentationml/2006/main">
-  <p:cSld>
-    <p:spTree>
-      <p:nvGrpSpPr>
-        <p:cNvPr id="1" name=""/>
-        <p:cNvGrpSpPr/>
-        <p:nvPr/>
-      </p:nvGrpSpPr>
-      <p:grpSpPr>
-        <a:xfrm>
-          <a:off x="0" y="0"/>
-          <a:ext cx="0" cy="0"/>
-          <a:chOff x="0" y="0"/>
-          <a:chExt cx="0" cy="0"/>
-        </a:xfrm>
-      </p:grpSpPr>
-      <p:sp>
-        <p:nvSpPr>
-          <p:cNvPr id="2" name="Title 1"/>
-          <p:cNvSpPr>
-            <a:spLocks noGrp="1"/>
-          </p:cNvSpPr>
-          <p:nvPr>
-            <p:ph type="title"/>
-          </p:nvPr>
-        </p:nvSpPr>
-        <p:spPr/>
-        <p:txBody>
-          <a:bodyPr/>
-          <a:lstStyle/>
-          <a:p>
-            <a:r>
-              <a:rPr lang="en-US" dirty="0" smtClean="0"/>
-              <a:t>Customer API How To</a:t>
-            </a:r>
-            <a:endParaRPr lang="en-US" dirty="0"/>
-          </a:p>
-        </p:txBody>
-      </p:sp>
-      <p:sp>
-        <p:nvSpPr>
-          <p:cNvPr id="3" name="Date Placeholder 2"/>
-          <p:cNvSpPr>
-            <a:spLocks noGrp="1"/>
-          </p:cNvSpPr>
-          <p:nvPr>
-            <p:ph type="dt" sz="half" idx="4294967295"/>
-          </p:nvPr>
-        </p:nvSpPr>
-        <p:spPr>
-          <a:xfrm>
-            <a:off x="0" y="4903788"/>
-            <a:ext cx="1068388" cy="128587"/>
-          </a:xfrm>
-        </p:spPr>
-        <p:txBody>
-          <a:bodyPr/>
-          <a:lstStyle/>
-          <a:p>
-            <a:r>
-              <a:rPr lang="en-US" smtClean="0"/>
-              <a:t>October 21, 2015</a:t>
-            </a:r>
-            <a:endParaRPr lang="en-US" dirty="0" smtClean="0"/>
-          </a:p>
-        </p:txBody>
-      </p:sp>
-      <p:sp>
-        <p:nvSpPr>
-          <p:cNvPr id="4" name="Slide Number Placeholder 3"/>
-          <p:cNvSpPr>
-            <a:spLocks noGrp="1"/>
-          </p:cNvSpPr>
-          <p:nvPr>
-            <p:ph type="sldNum" sz="quarter" idx="4294967295"/>
-          </p:nvPr>
-        </p:nvSpPr>
-        <p:spPr>
-          <a:xfrm>
-            <a:off x="0" y="4903788"/>
-            <a:ext cx="342900" cy="128587"/>
-          </a:xfrm>
-        </p:spPr>
-        <p:txBody>
-          <a:bodyPr/>
-          <a:lstStyle/>
-          <a:p>
-            <a:fld id="{5698A34F-157D-4FC3-B6AE-341A8B909DED}" type="slidenum">
-              <a:rPr lang="en-US" smtClean="0"/>
-              <a:pPr/>
-              <a:t>2</a:t>
-            </a:fld>
-            <a:endParaRPr lang="en-US" dirty="0"/>
-          </a:p>
-        </p:txBody>
-      </p:sp>
-      <p:sp>
-        <p:nvSpPr>
-          <p:cNvPr id="64" name="Text Placeholder 63"/>
-          <p:cNvSpPr>
-            <a:spLocks noGrp="1"/>
-          </p:cNvSpPr>
-          <p:nvPr>
-            <p:ph type="body" sz="quarter" idx="4294967295"/>
-          </p:nvPr>
-        </p:nvSpPr>
-        <p:spPr>
-          <a:xfrm>
-            <a:off x="0" y="19050"/>
-            <a:ext cx="7415213" cy="292100"/>
-          </a:xfrm>
-        </p:spPr>
-        <p:txBody>
-          <a:bodyPr/>
-          <a:lstStyle/>
-          <a:p>
-            <a:endParaRPr lang="en-US" dirty="0" smtClean="0"/>
-          </a:p>
-        </p:txBody>
-      </p:sp>
-    </p:spTree>
-    <p:extLst>
-      <p:ext uri="{BB962C8B-B14F-4D97-AF65-F5344CB8AC3E}">
-        <p14:creationId xmlns:p14="http://schemas.microsoft.com/office/powerpoint/2010/main" val="3183443171"/>
-      </p:ext>
-    </p:extLst>
-  </p:cSld>
-  <p:clrMapOvr>
-    <a:masterClrMapping/>
-  </p:clrMapOvr>
-  <p:timing>
-    <p:tnLst>
-      <p:par>
-        <p:cTn id="1" dur="indefinite" restart="never" nodeType="tmRoot"/>
-      </p:par>
-    </p:tnLst>
-  </p:timing>
-</p:sld>
-</file>
-
-<file path=ppt/slides/slide20.xml><?xml version="1.0" encoding="utf-8"?>
-<p:sld xmlns:a="http://schemas.openxmlformats.org/drawingml/2006/main" xmlns:r="http://schemas.openxmlformats.org/officeDocument/2006/relationships" xmlns:p="http://schemas.openxmlformats.org/presentationml/2006/main">
-  <p:cSld>
-    <p:spTree>
-      <p:nvGrpSpPr>
-        <p:cNvPr id="1" name=""/>
-        <p:cNvGrpSpPr/>
-        <p:nvPr/>
-      </p:nvGrpSpPr>
-      <p:grpSpPr>
-        <a:xfrm>
-          <a:off x="0" y="0"/>
-          <a:ext cx="0" cy="0"/>
-          <a:chOff x="0" y="0"/>
-          <a:chExt cx="0" cy="0"/>
-        </a:xfrm>
-      </p:grpSpPr>
-      <p:sp>
-        <p:nvSpPr>
-          <p:cNvPr id="2" name="Text Placeholder 1"/>
-          <p:cNvSpPr>
-            <a:spLocks noGrp="1"/>
-          </p:cNvSpPr>
-          <p:nvPr>
-            <p:ph type="body" sz="quarter" idx="13"/>
-          </p:nvPr>
-        </p:nvSpPr>
-        <p:spPr>
-          <a:xfrm>
-            <a:off x="274638" y="1402597"/>
-            <a:ext cx="7415212" cy="3221977"/>
-          </a:xfrm>
-        </p:spPr>
-        <p:txBody>
-          <a:bodyPr/>
-          <a:lstStyle/>
-          <a:p>
-            <a:r>
-              <a:rPr lang="en-US" dirty="0" smtClean="0"/>
-              <a:t>Now that you have an </a:t>
-            </a:r>
-            <a:r>
-              <a:rPr lang="en-US" i="1" dirty="0" smtClean="0"/>
-              <a:t>active</a:t>
-            </a:r>
-            <a:r>
-              <a:rPr lang="en-US" dirty="0"/>
-              <a:t> </a:t>
-            </a:r>
-            <a:r>
-              <a:rPr lang="en-US" dirty="0" smtClean="0"/>
-              <a:t>sandbox key, associated with an App, that is approved by MasterCard …</a:t>
-            </a:r>
-          </a:p>
-          <a:p>
-            <a:r>
-              <a:rPr lang="en-US" dirty="0" smtClean="0"/>
-              <a:t>You need to develop a system/application that you can use to access the API that uses the active key.</a:t>
-            </a:r>
-          </a:p>
-          <a:p>
-            <a:r>
-              <a:rPr lang="en-US" dirty="0" smtClean="0"/>
-              <a:t>You also need to use the appropriate sandbox URL:</a:t>
-            </a:r>
-          </a:p>
-          <a:p>
-            <a:pPr lvl="1"/>
-            <a:r>
-              <a:rPr lang="en-US" dirty="0" smtClean="0"/>
-              <a:t>For SpendingPulse™:</a:t>
-            </a:r>
-            <a:br>
-              <a:rPr lang="en-US" dirty="0" smtClean="0"/>
-            </a:br>
-            <a:r>
-              <a:rPr lang="en-US" sz="1600" dirty="0" smtClean="0">
-                <a:hlinkClick r:id="rId2"/>
-              </a:rPr>
-              <a:t>https</a:t>
-            </a:r>
-            <a:r>
-              <a:rPr lang="en-US" sz="1600" dirty="0">
-                <a:hlinkClick r:id="rId2"/>
-              </a:rPr>
-              <a:t>://</a:t>
-            </a:r>
-            <a:r>
-              <a:rPr lang="en-US" sz="1600" dirty="0" smtClean="0">
-                <a:hlinkClick r:id="rId2"/>
-              </a:rPr>
-              <a:t>sandbox.api.mastercard.com/spendingpulse/v1/spulse.svc/subscription</a:t>
-            </a:r>
-            <a:r>
-              <a:rPr lang="en-US" sz="1600" dirty="0" smtClean="0"/>
-              <a:t> </a:t>
-            </a:r>
-            <a:br>
-              <a:rPr lang="en-US" sz="1600" dirty="0" smtClean="0"/>
-            </a:br>
-            <a:endParaRPr lang="en-US" sz="1600" dirty="0" smtClean="0"/>
-          </a:p>
-          <a:p>
-            <a:pPr lvl="1"/>
-            <a:r>
-              <a:rPr lang="en-US" dirty="0" smtClean="0"/>
-              <a:t>For Sector Insights™:</a:t>
-            </a:r>
-            <a:br>
-              <a:rPr lang="en-US" dirty="0" smtClean="0"/>
-            </a:br>
-            <a:r>
-              <a:rPr lang="en-US" sz="1600" dirty="0">
-                <a:hlinkClick r:id="rId3"/>
-              </a:rPr>
-              <a:t>https://</a:t>
-            </a:r>
-            <a:r>
-              <a:rPr lang="en-US" sz="1600" dirty="0" smtClean="0">
-                <a:hlinkClick r:id="rId3"/>
-              </a:rPr>
-              <a:t>sandbox.api.mastercard.com/sectorinsights/v1/sectins.svc/parameters</a:t>
-            </a:r>
-            <a:r>
-              <a:rPr lang="en-US" sz="1600" dirty="0" smtClean="0"/>
-              <a:t> </a:t>
-            </a:r>
-            <a:endParaRPr lang="en-US" sz="1600" dirty="0"/>
-          </a:p>
-        </p:txBody>
-      </p:sp>
-      <p:sp>
-        <p:nvSpPr>
-          <p:cNvPr id="3" name="Date Placeholder 2"/>
-          <p:cNvSpPr>
-            <a:spLocks noGrp="1"/>
-          </p:cNvSpPr>
-          <p:nvPr>
-            <p:ph type="dt" sz="half" idx="10"/>
-          </p:nvPr>
-        </p:nvSpPr>
-        <p:spPr/>
-        <p:txBody>
-          <a:bodyPr/>
-          <a:lstStyle/>
-          <a:p>
-            <a:r>
-              <a:rPr lang="en-US" smtClean="0"/>
-              <a:t>October 21, 2015</a:t>
-            </a:r>
-            <a:endParaRPr lang="en-US" dirty="0" smtClean="0"/>
-          </a:p>
-        </p:txBody>
-      </p:sp>
-      <p:sp>
-        <p:nvSpPr>
-          <p:cNvPr id="4" name="Slide Number Placeholder 3"/>
-          <p:cNvSpPr>
-            <a:spLocks noGrp="1"/>
-          </p:cNvSpPr>
-          <p:nvPr>
-            <p:ph type="sldNum" sz="quarter" idx="11"/>
-          </p:nvPr>
-        </p:nvSpPr>
-        <p:spPr/>
-        <p:txBody>
-          <a:bodyPr/>
-          <a:lstStyle/>
-          <a:p>
-            <a:fld id="{5698A34F-157D-4FC3-B6AE-341A8B909DED}" type="slidenum">
-              <a:rPr lang="en-US" smtClean="0"/>
-              <a:pPr/>
-              <a:t>20</a:t>
-            </a:fld>
-            <a:endParaRPr lang="en-US" dirty="0"/>
-          </a:p>
-        </p:txBody>
-      </p:sp>
-      <p:sp>
-        <p:nvSpPr>
-          <p:cNvPr id="5" name="Footer Placeholder 4"/>
-          <p:cNvSpPr>
-            <a:spLocks noGrp="1"/>
-          </p:cNvSpPr>
-          <p:nvPr>
-            <p:ph type="ftr" sz="quarter" idx="12"/>
-          </p:nvPr>
-        </p:nvSpPr>
-        <p:spPr/>
-        <p:txBody>
-          <a:bodyPr/>
-          <a:lstStyle/>
-          <a:p>
-            <a:endParaRPr lang="en-US" dirty="0"/>
-          </a:p>
-        </p:txBody>
-      </p:sp>
-      <p:sp>
-        <p:nvSpPr>
-          <p:cNvPr id="6" name="Title 5"/>
-          <p:cNvSpPr>
-            <a:spLocks noGrp="1"/>
-          </p:cNvSpPr>
-          <p:nvPr>
-            <p:ph type="title"/>
-          </p:nvPr>
-        </p:nvSpPr>
-        <p:spPr/>
-        <p:txBody>
-          <a:bodyPr/>
-          <a:lstStyle/>
-          <a:p>
-            <a:r>
-              <a:rPr lang="en-US" dirty="0" smtClean="0"/>
-              <a:t>Use the Active Key in Your Code</a:t>
-            </a:r>
-            <a:endParaRPr lang="en-US" dirty="0"/>
-          </a:p>
-        </p:txBody>
-      </p:sp>
-      <p:sp>
-        <p:nvSpPr>
-          <p:cNvPr id="7" name="Text Placeholder 6"/>
-          <p:cNvSpPr>
-            <a:spLocks noGrp="1"/>
-          </p:cNvSpPr>
-          <p:nvPr>
-            <p:ph type="body" sz="quarter" idx="15"/>
-          </p:nvPr>
-        </p:nvSpPr>
-        <p:spPr/>
-        <p:txBody>
-          <a:bodyPr/>
-          <a:lstStyle/>
-          <a:p>
-            <a:r>
-              <a:rPr lang="en-US" dirty="0"/>
-              <a:t>Customer API How </a:t>
-            </a:r>
-            <a:r>
-              <a:rPr lang="en-US" dirty="0" smtClean="0"/>
-              <a:t>To</a:t>
-            </a:r>
-            <a:endParaRPr lang="en-US" dirty="0"/>
-          </a:p>
-        </p:txBody>
-      </p:sp>
-    </p:spTree>
-    <p:extLst>
-      <p:ext uri="{BB962C8B-B14F-4D97-AF65-F5344CB8AC3E}">
-        <p14:creationId xmlns:p14="http://schemas.microsoft.com/office/powerpoint/2010/main" val="3984128008"/>
-      </p:ext>
-    </p:extLst>
-  </p:cSld>
-  <p:clrMapOvr>
-    <a:masterClrMapping/>
-  </p:clrMapOvr>
-  <p:timing>
-    <p:tnLst>
-      <p:par>
-        <p:cTn id="1" dur="indefinite" restart="never" nodeType="tmRoot"/>
-      </p:par>
-    </p:tnLst>
-  </p:timing>
-</p:sld>
-</file>
-
 <file path=ppt/slides/slide21.xml><?xml version="1.0" encoding="utf-8"?>
 <p:sld xmlns:a="http://schemas.openxmlformats.org/drawingml/2006/main" xmlns:r="http://schemas.openxmlformats.org/officeDocument/2006/relationships" xmlns:p="http://schemas.openxmlformats.org/presentationml/2006/main">
   <p:cSld>
@@ -9394,8 +9578,8 @@
         </p:nvSpPr>
         <p:spPr>
           <a:xfrm>
-            <a:off x="274638" y="1600199"/>
-            <a:ext cx="5108024" cy="3032124"/>
+            <a:off x="274638" y="1402597"/>
+            <a:ext cx="7415212" cy="3221977"/>
           </a:xfrm>
         </p:spPr>
         <p:txBody>
@@ -9404,41 +9588,95 @@
           <a:p>
             <a:r>
               <a:rPr lang="en-US" dirty="0" smtClean="0"/>
-              <a:t>To access the production API you must have a </a:t>
+              <a:t>Now that you have an </a:t>
             </a:r>
             <a:r>
               <a:rPr lang="en-US" i="1" dirty="0" smtClean="0"/>
-              <a:t>production</a:t>
-            </a:r>
-            <a:r>
-              <a:rPr lang="en-US" dirty="0" smtClean="0"/>
-              <a:t> key.</a:t>
+              <a:t>active</a:t>
+            </a:r>
+            <a:r>
+              <a:rPr lang="en-US" dirty="0"/>
+              <a:t> </a:t>
+            </a:r>
+            <a:r>
+              <a:rPr lang="en-US" dirty="0" smtClean="0"/>
+              <a:t>sandbox key, associated with an App, that is approved by MasterCard …</a:t>
+            </a:r>
+          </a:p>
+          <a:p>
+            <a:r>
+              <a:rPr lang="en-US" dirty="0" smtClean="0"/>
+              <a:t>You need to develop a system/application that you can use to access the API that uses the active key.</a:t>
+            </a:r>
+          </a:p>
+          <a:p>
+            <a:r>
+              <a:rPr lang="en-US" dirty="0" smtClean="0"/>
+              <a:t>You also need to use the appropriate sandbox URL:</a:t>
             </a:r>
           </a:p>
           <a:p>
             <a:pPr lvl="1"/>
             <a:r>
               <a:rPr lang="en-US" dirty="0" smtClean="0"/>
-              <a:t>Review slides 7-14</a:t>
-            </a:r>
+              <a:t>For SpendingPulse™:</a:t>
+            </a:r>
+            <a:br>
+              <a:rPr lang="en-US" dirty="0" smtClean="0"/>
+            </a:br>
+            <a:r>
+              <a:rPr lang="en-US" sz="1600" dirty="0" smtClean="0">
+                <a:hlinkClick r:id="rId2"/>
+              </a:rPr>
+              <a:t>https</a:t>
+            </a:r>
+            <a:r>
+              <a:rPr lang="en-US" sz="1600" dirty="0">
+                <a:hlinkClick r:id="rId2"/>
+              </a:rPr>
+              <a:t>://</a:t>
+            </a:r>
+            <a:r>
+              <a:rPr lang="en-US" sz="1600" dirty="0" smtClean="0">
+                <a:hlinkClick r:id="rId2"/>
+              </a:rPr>
+              <a:t>sandbox.api.mastercard.com/spendingpulse/v1/spulse.svc/subscription</a:t>
+            </a:r>
+            <a:r>
+              <a:rPr lang="en-US" sz="1600" dirty="0" smtClean="0"/>
+              <a:t> </a:t>
+            </a:r>
+            <a:br>
+              <a:rPr lang="en-US" sz="1600" dirty="0" smtClean="0"/>
+            </a:br>
+            <a:endParaRPr lang="en-US" sz="1600" dirty="0" smtClean="0"/>
           </a:p>
           <a:p>
             <a:pPr lvl="1"/>
             <a:r>
               <a:rPr lang="en-US" dirty="0" smtClean="0"/>
-              <a:t>Generate a new key (see slides 9-10)</a:t>
-            </a:r>
-          </a:p>
-          <a:p>
-            <a:pPr lvl="1"/>
-            <a:r>
-              <a:rPr lang="en-US" dirty="0" smtClean="0"/>
-              <a:t>In the “Add a Key” dialogue (see slide 11) choose “Production”</a:t>
-            </a:r>
-          </a:p>
-          <a:p>
-            <a:pPr lvl="1"/>
-            <a:endParaRPr lang="en-US" dirty="0"/>
+              <a:t>For Sector Insights™:</a:t>
+            </a:r>
+            <a:br>
+              <a:rPr lang="en-US" dirty="0" smtClean="0"/>
+            </a:br>
+            <a:r>
+              <a:rPr lang="en-US" sz="1600" dirty="0">
+                <a:hlinkClick r:id="rId3"/>
+              </a:rPr>
+              <a:t>https://</a:t>
+            </a:r>
+            <a:r>
+              <a:rPr lang="en-US" sz="1600" dirty="0" smtClean="0">
+                <a:hlinkClick r:id="rId3"/>
+              </a:rPr>
+              <a:t>sandbox.api.mastercard.com/sectorinsights/v1/sectins.svc/parameters</a:t>
+            </a:r>
+            <a:r>
+              <a:rPr lang="en-US" sz="1600" dirty="0" smtClean="0"/>
+              <a:t> </a:t>
+            </a:r>
+            <a:endParaRPr lang="en-US" sz="1600" dirty="0"/>
           </a:p>
         </p:txBody>
       </p:sp>
@@ -9525,7 +9763,7 @@
           <a:p>
             <a:r>
               <a:rPr lang="en-US" dirty="0" smtClean="0"/>
-              <a:t>Production API (1)</a:t>
+              <a:t>Use the Active Key in Your Code</a:t>
             </a:r>
             <a:endParaRPr lang="en-US" dirty="0"/>
           </a:p>
@@ -9547,104 +9785,21 @@
           <a:lstStyle/>
           <a:p>
             <a:r>
-              <a:rPr lang="en-US" dirty="0" smtClean="0"/>
-              <a:t>Customer API How To</a:t>
-            </a:r>
-            <a:endParaRPr lang="en-US" dirty="0"/>
-          </a:p>
-        </p:txBody>
-      </p:sp>
-      <p:pic>
-        <p:nvPicPr>
-          <p:cNvPr id="8" name="Picture 7"/>
-          <p:cNvPicPr>
-            <a:picLocks noChangeAspect="1"/>
-          </p:cNvPicPr>
-          <p:nvPr/>
-        </p:nvPicPr>
-        <p:blipFill>
-          <a:blip r:embed="rId2"/>
-          <a:stretch>
-            <a:fillRect/>
-          </a:stretch>
-        </p:blipFill>
-        <p:spPr>
-          <a:xfrm>
-            <a:off x="5376484" y="2357057"/>
-            <a:ext cx="3611821" cy="2268223"/>
-          </a:xfrm>
-          <a:prstGeom prst="rect">
-            <a:avLst/>
-          </a:prstGeom>
-        </p:spPr>
-      </p:pic>
-      <p:sp>
-        <p:nvSpPr>
-          <p:cNvPr id="9" name="Right Arrow 8"/>
-          <p:cNvSpPr/>
-          <p:nvPr/>
-        </p:nvSpPr>
-        <p:spPr bwMode="gray">
-          <a:xfrm>
-            <a:off x="2866212" y="3145414"/>
-            <a:ext cx="3148508" cy="92985"/>
-          </a:xfrm>
-          <a:prstGeom prst="rightArrow">
-            <a:avLst/>
-          </a:prstGeom>
-          <a:solidFill>
-            <a:schemeClr val="accent1"/>
-          </a:solidFill>
-          <a:ln w="9525" cap="flat" cmpd="sng" algn="ctr">
-            <a:noFill/>
-            <a:prstDash val="solid"/>
-            <a:round/>
-            <a:headEnd type="none" w="med" len="med"/>
-            <a:tailEnd type="none" w="med" len="med"/>
-          </a:ln>
-          <a:effectLst/>
-        </p:spPr>
-        <p:txBody>
-          <a:bodyPr vert="horz" wrap="square" lIns="91440" tIns="45720" rIns="91440" bIns="45720" numCol="1" rtlCol="0" anchor="ctr" anchorCtr="0" compatLnSpc="1">
-            <a:prstTxWarp prst="textNoShape">
-              <a:avLst/>
-            </a:prstTxWarp>
-          </a:bodyPr>
-          <a:lstStyle/>
-          <a:p>
-            <a:pPr marL="0" marR="0" indent="0" algn="l" defTabSz="914400" rtl="0" eaLnBrk="1" fontAlgn="base" latinLnBrk="0" hangingPunct="1">
-              <a:lnSpc>
-                <a:spcPct val="100000"/>
-              </a:lnSpc>
-              <a:spcBef>
-                <a:spcPct val="0"/>
-              </a:spcBef>
-              <a:spcAft>
-                <a:spcPct val="0"/>
-              </a:spcAft>
-              <a:buClrTx/>
-              <a:buSzTx/>
-              <a:buFontTx/>
-              <a:buNone/>
-              <a:tabLst/>
-            </a:pPr>
-            <a:endParaRPr kumimoji="0" lang="en-US" sz="2000" b="0" i="0" u="none" strike="noStrike" cap="none" normalizeH="0" baseline="0" dirty="0" smtClean="0">
-              <a:ln>
-                <a:noFill/>
-              </a:ln>
-              <a:solidFill>
-                <a:schemeClr val="bg1"/>
-              </a:solidFill>
-              <a:effectLst/>
-              <a:latin typeface="Arial" pitchFamily="2" charset="0"/>
-            </a:endParaRPr>
+              <a:rPr lang="en-US" dirty="0"/>
+              <a:t>Customer API How </a:t>
+            </a:r>
+            <a:r>
+              <a:rPr lang="en-US" dirty="0" smtClean="0"/>
+              <a:t>To</a:t>
+            </a:r>
+            <a:endParaRPr lang="en-US" dirty="0"/>
           </a:p>
         </p:txBody>
       </p:sp>
     </p:spTree>
     <p:extLst>
       <p:ext uri="{BB962C8B-B14F-4D97-AF65-F5344CB8AC3E}">
-        <p14:creationId xmlns:p14="http://schemas.microsoft.com/office/powerpoint/2010/main" val="72586017"/>
+        <p14:creationId xmlns:p14="http://schemas.microsoft.com/office/powerpoint/2010/main" val="3984128008"/>
       </p:ext>
     </p:extLst>
   </p:cSld>
@@ -9691,7 +9846,7 @@
         <p:spPr>
           <a:xfrm>
             <a:off x="274638" y="1600199"/>
-            <a:ext cx="3858789" cy="3032124"/>
+            <a:ext cx="5108024" cy="3032124"/>
           </a:xfrm>
         </p:spPr>
         <p:txBody>
@@ -9700,22 +9855,36 @@
           <a:p>
             <a:r>
               <a:rPr lang="en-US" dirty="0" smtClean="0"/>
-              <a:t>You may create a new App or use any existing App in order to associate the new production key with the App.</a:t>
-            </a:r>
-          </a:p>
-          <a:p>
-            <a:r>
-              <a:rPr lang="en-US" dirty="0" smtClean="0"/>
-              <a:t>In this example, the existing App (from slides 18-19) was used.</a:t>
-            </a:r>
-          </a:p>
-          <a:p>
-            <a:endParaRPr lang="en-US" dirty="0"/>
-          </a:p>
-          <a:p>
-            <a:r>
-              <a:rPr lang="en-US" dirty="0" smtClean="0"/>
-              <a:t>Note: this App is still associated with the sandbox key.</a:t>
+              <a:t>To access the production API you must have a </a:t>
+            </a:r>
+            <a:r>
+              <a:rPr lang="en-US" i="1" dirty="0" smtClean="0"/>
+              <a:t>production</a:t>
+            </a:r>
+            <a:r>
+              <a:rPr lang="en-US" dirty="0" smtClean="0"/>
+              <a:t> key.</a:t>
+            </a:r>
+          </a:p>
+          <a:p>
+            <a:pPr lvl="1"/>
+            <a:r>
+              <a:rPr lang="en-US" dirty="0" smtClean="0"/>
+              <a:t>Review slides 7-14</a:t>
+            </a:r>
+          </a:p>
+          <a:p>
+            <a:pPr lvl="1"/>
+            <a:r>
+              <a:rPr lang="en-US" dirty="0" smtClean="0"/>
+              <a:t>Generate a new key (see slides 9-10)</a:t>
+            </a:r>
+          </a:p>
+          <a:p>
+            <a:pPr lvl="1"/>
+            <a:r>
+              <a:rPr lang="en-US" dirty="0" smtClean="0"/>
+              <a:t>In the “Add a Key” dialogue (see slide 11) choose “Production”</a:t>
             </a:r>
           </a:p>
           <a:p>
@@ -9807,7 +9976,7 @@
           <a:p>
             <a:r>
               <a:rPr lang="en-US" dirty="0" smtClean="0"/>
-              <a:t>Production API (2)</a:t>
+              <a:t>Production API (1)</a:t>
             </a:r>
             <a:endParaRPr lang="en-US" dirty="0"/>
           </a:p>
@@ -9838,7 +10007,7 @@
       </p:sp>
       <p:pic>
         <p:nvPicPr>
-          <p:cNvPr id="10" name="Picture 9"/>
+          <p:cNvPr id="8" name="Picture 7"/>
           <p:cNvPicPr>
             <a:picLocks noChangeAspect="1"/>
           </p:cNvPicPr>
@@ -9852,8 +10021,8 @@
         </p:blipFill>
         <p:spPr>
           <a:xfrm>
-            <a:off x="4201160" y="1006348"/>
-            <a:ext cx="4712547" cy="3250586"/>
+            <a:off x="5376484" y="2357057"/>
+            <a:ext cx="3611821" cy="2268223"/>
           </a:xfrm>
           <a:prstGeom prst="rect">
             <a:avLst/>
@@ -9862,14 +10031,14 @@
       </p:pic>
       <p:sp>
         <p:nvSpPr>
-          <p:cNvPr id="11" name="Right Arrow 10"/>
+          <p:cNvPr id="9" name="Right Arrow 8"/>
           <p:cNvSpPr/>
           <p:nvPr/>
         </p:nvSpPr>
         <p:spPr bwMode="gray">
           <a:xfrm>
-            <a:off x="2011680" y="3311427"/>
-            <a:ext cx="3174734" cy="92985"/>
+            <a:off x="2866212" y="3145414"/>
+            <a:ext cx="3148508" cy="92985"/>
           </a:xfrm>
           <a:prstGeom prst="rightArrow">
             <a:avLst/>
@@ -9926,7 +10095,7 @@
     </p:spTree>
     <p:extLst>
       <p:ext uri="{BB962C8B-B14F-4D97-AF65-F5344CB8AC3E}">
-        <p14:creationId xmlns:p14="http://schemas.microsoft.com/office/powerpoint/2010/main" val="270153099"/>
+        <p14:creationId xmlns:p14="http://schemas.microsoft.com/office/powerpoint/2010/main" val="72586017"/>
       </p:ext>
     </p:extLst>
   </p:cSld>
@@ -9982,20 +10151,26 @@
           <a:p>
             <a:r>
               <a:rPr lang="en-US" dirty="0" smtClean="0"/>
-              <a:t>You will receive an email verifying that the key is now available.</a:t>
-            </a:r>
-          </a:p>
-          <a:p>
-            <a:r>
-              <a:rPr lang="en-US" dirty="0" smtClean="0"/>
-              <a:t>As that email states, however, there is a further step you must take in order to access production data.</a:t>
-            </a:r>
-          </a:p>
-          <a:p>
-            <a:r>
-              <a:rPr lang="en-US" dirty="0" smtClean="0"/>
-              <a:t>Click “Add Prod Service”</a:t>
-            </a:r>
+              <a:t>You may create a new App or use any existing App in order to associate the new production key with the App.</a:t>
+            </a:r>
+          </a:p>
+          <a:p>
+            <a:r>
+              <a:rPr lang="en-US" dirty="0" smtClean="0"/>
+              <a:t>In this example, the existing App (from slides 18-19) was used.</a:t>
+            </a:r>
+          </a:p>
+          <a:p>
+            <a:endParaRPr lang="en-US" dirty="0"/>
+          </a:p>
+          <a:p>
+            <a:r>
+              <a:rPr lang="en-US" dirty="0" smtClean="0"/>
+              <a:t>Note: this App is still associated with the sandbox key.</a:t>
+            </a:r>
+          </a:p>
+          <a:p>
+            <a:pPr lvl="1"/>
             <a:endParaRPr lang="en-US" dirty="0"/>
           </a:p>
         </p:txBody>
@@ -10083,7 +10258,7 @@
           <a:p>
             <a:r>
               <a:rPr lang="en-US" dirty="0" smtClean="0"/>
-              <a:t>Production API (3)</a:t>
+              <a:t>Production API (2)</a:t>
             </a:r>
             <a:endParaRPr lang="en-US" dirty="0"/>
           </a:p>
@@ -10143,9 +10318,9 @@
           <p:nvPr/>
         </p:nvSpPr>
         <p:spPr bwMode="gray">
-          <a:xfrm rot="19638458">
-            <a:off x="2824430" y="2692861"/>
-            <a:ext cx="3638329" cy="87171"/>
+          <a:xfrm>
+            <a:off x="2011680" y="3311427"/>
+            <a:ext cx="3174734" cy="92985"/>
           </a:xfrm>
           <a:prstGeom prst="rightArrow">
             <a:avLst/>
@@ -10202,7 +10377,7 @@
     </p:spTree>
     <p:extLst>
       <p:ext uri="{BB962C8B-B14F-4D97-AF65-F5344CB8AC3E}">
-        <p14:creationId xmlns:p14="http://schemas.microsoft.com/office/powerpoint/2010/main" val="1440313063"/>
+        <p14:creationId xmlns:p14="http://schemas.microsoft.com/office/powerpoint/2010/main" val="270153099"/>
       </p:ext>
     </p:extLst>
   </p:cSld>
@@ -10249,7 +10424,7 @@
         <p:spPr>
           <a:xfrm>
             <a:off x="274638" y="1600199"/>
-            <a:ext cx="5191435" cy="3032124"/>
+            <a:ext cx="3858789" cy="3032124"/>
           </a:xfrm>
         </p:spPr>
         <p:txBody>
@@ -10258,19 +10433,19 @@
           <a:p>
             <a:r>
               <a:rPr lang="en-US" dirty="0" smtClean="0"/>
-              <a:t>If you have not yet completed your profile, you will now be prompted to complete it.</a:t>
-            </a:r>
-          </a:p>
-          <a:p>
-            <a:r>
-              <a:rPr lang="en-US" dirty="0" smtClean="0"/>
-              <a:t>Click “Submit” and the “Production Service Request” dialogue is displayed. Scroll down and choose either “Sector Insights” or “SpendingPulse”.</a:t>
-            </a:r>
-          </a:p>
-          <a:p>
-            <a:r>
-              <a:rPr lang="en-US" dirty="0" smtClean="0"/>
-              <a:t>Click “Next”</a:t>
+              <a:t>You will receive an email verifying that the key is now available.</a:t>
+            </a:r>
+          </a:p>
+          <a:p>
+            <a:r>
+              <a:rPr lang="en-US" dirty="0" smtClean="0"/>
+              <a:t>As that email states, however, there is a further step you must take in order to access production data.</a:t>
+            </a:r>
+          </a:p>
+          <a:p>
+            <a:r>
+              <a:rPr lang="en-US" dirty="0" smtClean="0"/>
+              <a:t>Click “Add Prod Service”</a:t>
             </a:r>
             <a:endParaRPr lang="en-US" dirty="0"/>
           </a:p>
@@ -10359,7 +10534,7 @@
           <a:p>
             <a:r>
               <a:rPr lang="en-US" dirty="0" smtClean="0"/>
-              <a:t>Production API (4)</a:t>
+              <a:t>Production API (3)</a:t>
             </a:r>
             <a:endParaRPr lang="en-US" dirty="0"/>
           </a:p>
@@ -10390,7 +10565,7 @@
       </p:sp>
       <p:pic>
         <p:nvPicPr>
-          <p:cNvPr id="8" name="Picture 7"/>
+          <p:cNvPr id="10" name="Picture 9"/>
           <p:cNvPicPr>
             <a:picLocks noChangeAspect="1"/>
           </p:cNvPicPr>
@@ -10404,8 +10579,8 @@
         </p:blipFill>
         <p:spPr>
           <a:xfrm>
-            <a:off x="5466073" y="327100"/>
-            <a:ext cx="3018789" cy="2004196"/>
+            <a:off x="4201160" y="1006348"/>
+            <a:ext cx="4712547" cy="3250586"/>
           </a:xfrm>
           <a:prstGeom prst="rect">
             <a:avLst/>
@@ -10414,14 +10589,14 @@
       </p:pic>
       <p:sp>
         <p:nvSpPr>
-          <p:cNvPr id="12" name="Right Arrow 11"/>
+          <p:cNvPr id="11" name="Right Arrow 10"/>
           <p:cNvSpPr/>
           <p:nvPr/>
         </p:nvSpPr>
         <p:spPr bwMode="gray">
-          <a:xfrm>
-            <a:off x="4907492" y="2015879"/>
-            <a:ext cx="822748" cy="92985"/>
+          <a:xfrm rot="19638458">
+            <a:off x="2824430" y="2692861"/>
+            <a:ext cx="3638329" cy="87171"/>
           </a:xfrm>
           <a:prstGeom prst="rightArrow">
             <a:avLst/>
@@ -10475,97 +10650,10 @@
           </a:p>
         </p:txBody>
       </p:sp>
-      <p:pic>
-        <p:nvPicPr>
-          <p:cNvPr id="14" name="Picture 13"/>
-          <p:cNvPicPr>
-            <a:picLocks noChangeAspect="1"/>
-          </p:cNvPicPr>
-          <p:nvPr/>
-        </p:nvPicPr>
-        <p:blipFill>
-          <a:blip r:embed="rId3"/>
-          <a:stretch>
-            <a:fillRect/>
-          </a:stretch>
-        </p:blipFill>
-        <p:spPr>
-          <a:xfrm>
-            <a:off x="5466073" y="2621173"/>
-            <a:ext cx="2530136" cy="2084832"/>
-          </a:xfrm>
-          <a:prstGeom prst="rect">
-            <a:avLst/>
-          </a:prstGeom>
-        </p:spPr>
-      </p:pic>
-      <p:sp>
-        <p:nvSpPr>
-          <p:cNvPr id="13" name="Right Arrow 12"/>
-          <p:cNvSpPr/>
-          <p:nvPr/>
-        </p:nvSpPr>
-        <p:spPr bwMode="gray">
-          <a:xfrm rot="2497576">
-            <a:off x="4337743" y="3354320"/>
-            <a:ext cx="1460315" cy="85807"/>
-          </a:xfrm>
-          <a:prstGeom prst="rightArrow">
-            <a:avLst/>
-          </a:prstGeom>
-          <a:solidFill>
-            <a:schemeClr val="accent1"/>
-          </a:solidFill>
-          <a:ln w="9525" cap="flat" cmpd="sng" algn="ctr">
-            <a:noFill/>
-            <a:prstDash val="solid"/>
-            <a:round/>
-            <a:headEnd type="none" w="med" len="med"/>
-            <a:tailEnd type="none" w="med" len="med"/>
-          </a:ln>
-          <a:effectLst/>
-        </p:spPr>
-        <p:txBody>
-          <a:bodyPr vert="horz" wrap="square" lIns="91440" tIns="45720" rIns="91440" bIns="45720" numCol="1" rtlCol="0" anchor="ctr" anchorCtr="0" compatLnSpc="1">
-            <a:prstTxWarp prst="textNoShape">
-              <a:avLst/>
-            </a:prstTxWarp>
-          </a:bodyPr>
-          <a:lstStyle/>
-          <a:p>
-            <a:pPr marL="0" marR="0" indent="0" algn="l" defTabSz="914400" rtl="0" eaLnBrk="1" fontAlgn="base" latinLnBrk="0" hangingPunct="1">
-              <a:lnSpc>
-                <a:spcPct val="100000"/>
-              </a:lnSpc>
-              <a:spcBef>
-                <a:spcPct val="0"/>
-              </a:spcBef>
-              <a:spcAft>
-                <a:spcPct val="0"/>
-              </a:spcAft>
-              <a:buClrTx/>
-              <a:buSzTx/>
-              <a:buFontTx/>
-              <a:buNone/>
-              <a:tabLst/>
-            </a:pPr>
-            <a:endParaRPr kumimoji="0" lang="en-US" sz="2000" b="0" i="0" u="none" strike="noStrike" cap="none" normalizeH="0" baseline="0" dirty="0" smtClean="0">
-              <a:ln>
-                <a:noFill/>
-              </a:ln>
-              <a:solidFill>
-                <a:schemeClr val="bg1"/>
-              </a:solidFill>
-              <a:effectLst/>
-              <a:latin typeface="Arial" pitchFamily="2" charset="0"/>
-            </a:endParaRPr>
-          </a:p>
-        </p:txBody>
-      </p:sp>
     </p:spTree>
     <p:extLst>
       <p:ext uri="{BB962C8B-B14F-4D97-AF65-F5344CB8AC3E}">
-        <p14:creationId xmlns:p14="http://schemas.microsoft.com/office/powerpoint/2010/main" val="979097041"/>
+        <p14:creationId xmlns:p14="http://schemas.microsoft.com/office/powerpoint/2010/main" val="1440313063"/>
       </p:ext>
     </p:extLst>
   </p:cSld>
@@ -10621,22 +10709,19 @@
           <a:p>
             <a:r>
               <a:rPr lang="en-US" dirty="0" smtClean="0"/>
-              <a:t>You are prompted to certify that you have read and agreed to the Sector Insights™ or SpendingPulse™ Terms and Conditions.</a:t>
-            </a:r>
-          </a:p>
-          <a:p>
-            <a:endParaRPr lang="en-US" dirty="0"/>
-          </a:p>
-          <a:p>
-            <a:r>
-              <a:rPr lang="en-US" dirty="0" smtClean="0"/>
-              <a:t>Click “Submit” and your production request is queued for review and approval by MasterCard. </a:t>
-            </a:r>
-          </a:p>
-          <a:p>
-            <a:r>
-              <a:rPr lang="en-US" dirty="0" smtClean="0"/>
-              <a:t>The response to your request is sent to the email address you have on file in the API.</a:t>
+              <a:t>If you have not yet completed your profile, you will now be prompted to complete it.</a:t>
+            </a:r>
+          </a:p>
+          <a:p>
+            <a:r>
+              <a:rPr lang="en-US" dirty="0" smtClean="0"/>
+              <a:t>Click “Submit” and the “Production Service Request” dialogue is displayed. Scroll down and choose either “Sector Insights” or “SpendingPulse”.</a:t>
+            </a:r>
+          </a:p>
+          <a:p>
+            <a:r>
+              <a:rPr lang="en-US" dirty="0" smtClean="0"/>
+              <a:t>Click “Next”</a:t>
             </a:r>
             <a:endParaRPr lang="en-US" dirty="0"/>
           </a:p>
@@ -10684,6 +10769,372 @@
               <a:rPr lang="en-US" smtClean="0"/>
               <a:pPr/>
               <a:t>25</a:t>
+            </a:fld>
+            <a:endParaRPr lang="en-US" dirty="0"/>
+          </a:p>
+        </p:txBody>
+      </p:sp>
+      <p:sp>
+        <p:nvSpPr>
+          <p:cNvPr id="5" name="Footer Placeholder 4"/>
+          <p:cNvSpPr>
+            <a:spLocks noGrp="1"/>
+          </p:cNvSpPr>
+          <p:nvPr>
+            <p:ph type="ftr" sz="quarter" idx="12"/>
+          </p:nvPr>
+        </p:nvSpPr>
+        <p:spPr/>
+        <p:txBody>
+          <a:bodyPr/>
+          <a:lstStyle/>
+          <a:p>
+            <a:endParaRPr lang="en-US" dirty="0"/>
+          </a:p>
+        </p:txBody>
+      </p:sp>
+      <p:sp>
+        <p:nvSpPr>
+          <p:cNvPr id="6" name="Title 5"/>
+          <p:cNvSpPr>
+            <a:spLocks noGrp="1"/>
+          </p:cNvSpPr>
+          <p:nvPr>
+            <p:ph type="title"/>
+          </p:nvPr>
+        </p:nvSpPr>
+        <p:spPr/>
+        <p:txBody>
+          <a:bodyPr/>
+          <a:lstStyle/>
+          <a:p>
+            <a:r>
+              <a:rPr lang="en-US" dirty="0" smtClean="0"/>
+              <a:t>Production API (4)</a:t>
+            </a:r>
+            <a:endParaRPr lang="en-US" dirty="0"/>
+          </a:p>
+        </p:txBody>
+      </p:sp>
+      <p:sp>
+        <p:nvSpPr>
+          <p:cNvPr id="7" name="Text Placeholder 6"/>
+          <p:cNvSpPr>
+            <a:spLocks noGrp="1"/>
+          </p:cNvSpPr>
+          <p:nvPr>
+            <p:ph type="body" sz="quarter" idx="15"/>
+          </p:nvPr>
+        </p:nvSpPr>
+        <p:spPr/>
+        <p:txBody>
+          <a:bodyPr/>
+          <a:lstStyle/>
+          <a:p>
+            <a:r>
+              <a:rPr lang="en-US" dirty="0" smtClean="0"/>
+              <a:t>Customer API How To</a:t>
+            </a:r>
+            <a:endParaRPr lang="en-US" dirty="0"/>
+          </a:p>
+        </p:txBody>
+      </p:sp>
+      <p:pic>
+        <p:nvPicPr>
+          <p:cNvPr id="8" name="Picture 7"/>
+          <p:cNvPicPr>
+            <a:picLocks noChangeAspect="1"/>
+          </p:cNvPicPr>
+          <p:nvPr/>
+        </p:nvPicPr>
+        <p:blipFill>
+          <a:blip r:embed="rId2"/>
+          <a:stretch>
+            <a:fillRect/>
+          </a:stretch>
+        </p:blipFill>
+        <p:spPr>
+          <a:xfrm>
+            <a:off x="5466073" y="327100"/>
+            <a:ext cx="3018789" cy="2004196"/>
+          </a:xfrm>
+          <a:prstGeom prst="rect">
+            <a:avLst/>
+          </a:prstGeom>
+        </p:spPr>
+      </p:pic>
+      <p:sp>
+        <p:nvSpPr>
+          <p:cNvPr id="12" name="Right Arrow 11"/>
+          <p:cNvSpPr/>
+          <p:nvPr/>
+        </p:nvSpPr>
+        <p:spPr bwMode="gray">
+          <a:xfrm>
+            <a:off x="4907492" y="2015879"/>
+            <a:ext cx="822748" cy="92985"/>
+          </a:xfrm>
+          <a:prstGeom prst="rightArrow">
+            <a:avLst/>
+          </a:prstGeom>
+          <a:solidFill>
+            <a:schemeClr val="accent1"/>
+          </a:solidFill>
+          <a:ln w="9525" cap="flat" cmpd="sng" algn="ctr">
+            <a:noFill/>
+            <a:prstDash val="solid"/>
+            <a:round/>
+            <a:headEnd type="none" w="med" len="med"/>
+            <a:tailEnd type="none" w="med" len="med"/>
+          </a:ln>
+          <a:effectLst/>
+        </p:spPr>
+        <p:txBody>
+          <a:bodyPr vert="horz" wrap="square" lIns="91440" tIns="45720" rIns="91440" bIns="45720" numCol="1" rtlCol="0" anchor="ctr" anchorCtr="0" compatLnSpc="1">
+            <a:prstTxWarp prst="textNoShape">
+              <a:avLst/>
+            </a:prstTxWarp>
+          </a:bodyPr>
+          <a:lstStyle/>
+          <a:p>
+            <a:pPr marL="0" marR="0" indent="0" algn="l" defTabSz="914400" rtl="0" eaLnBrk="1" fontAlgn="base" latinLnBrk="0" hangingPunct="1">
+              <a:lnSpc>
+                <a:spcPct val="100000"/>
+              </a:lnSpc>
+              <a:spcBef>
+                <a:spcPct val="0"/>
+              </a:spcBef>
+              <a:spcAft>
+                <a:spcPct val="0"/>
+              </a:spcAft>
+              <a:buClrTx/>
+              <a:buSzTx/>
+              <a:buFontTx/>
+              <a:buNone/>
+              <a:tabLst/>
+            </a:pPr>
+            <a:endParaRPr kumimoji="0" lang="en-US" sz="2000" b="0" i="0" u="none" strike="noStrike" cap="none" normalizeH="0" baseline="0" dirty="0" smtClean="0">
+              <a:ln>
+                <a:noFill/>
+              </a:ln>
+              <a:solidFill>
+                <a:schemeClr val="bg1"/>
+              </a:solidFill>
+              <a:effectLst/>
+              <a:latin typeface="Arial" pitchFamily="2" charset="0"/>
+            </a:endParaRPr>
+          </a:p>
+        </p:txBody>
+      </p:sp>
+      <p:pic>
+        <p:nvPicPr>
+          <p:cNvPr id="14" name="Picture 13"/>
+          <p:cNvPicPr>
+            <a:picLocks noChangeAspect="1"/>
+          </p:cNvPicPr>
+          <p:nvPr/>
+        </p:nvPicPr>
+        <p:blipFill>
+          <a:blip r:embed="rId3"/>
+          <a:stretch>
+            <a:fillRect/>
+          </a:stretch>
+        </p:blipFill>
+        <p:spPr>
+          <a:xfrm>
+            <a:off x="5466073" y="2621173"/>
+            <a:ext cx="2530136" cy="2084832"/>
+          </a:xfrm>
+          <a:prstGeom prst="rect">
+            <a:avLst/>
+          </a:prstGeom>
+        </p:spPr>
+      </p:pic>
+      <p:sp>
+        <p:nvSpPr>
+          <p:cNvPr id="13" name="Right Arrow 12"/>
+          <p:cNvSpPr/>
+          <p:nvPr/>
+        </p:nvSpPr>
+        <p:spPr bwMode="gray">
+          <a:xfrm rot="2497576">
+            <a:off x="4337743" y="3354320"/>
+            <a:ext cx="1460315" cy="85807"/>
+          </a:xfrm>
+          <a:prstGeom prst="rightArrow">
+            <a:avLst/>
+          </a:prstGeom>
+          <a:solidFill>
+            <a:schemeClr val="accent1"/>
+          </a:solidFill>
+          <a:ln w="9525" cap="flat" cmpd="sng" algn="ctr">
+            <a:noFill/>
+            <a:prstDash val="solid"/>
+            <a:round/>
+            <a:headEnd type="none" w="med" len="med"/>
+            <a:tailEnd type="none" w="med" len="med"/>
+          </a:ln>
+          <a:effectLst/>
+        </p:spPr>
+        <p:txBody>
+          <a:bodyPr vert="horz" wrap="square" lIns="91440" tIns="45720" rIns="91440" bIns="45720" numCol="1" rtlCol="0" anchor="ctr" anchorCtr="0" compatLnSpc="1">
+            <a:prstTxWarp prst="textNoShape">
+              <a:avLst/>
+            </a:prstTxWarp>
+          </a:bodyPr>
+          <a:lstStyle/>
+          <a:p>
+            <a:pPr marL="0" marR="0" indent="0" algn="l" defTabSz="914400" rtl="0" eaLnBrk="1" fontAlgn="base" latinLnBrk="0" hangingPunct="1">
+              <a:lnSpc>
+                <a:spcPct val="100000"/>
+              </a:lnSpc>
+              <a:spcBef>
+                <a:spcPct val="0"/>
+              </a:spcBef>
+              <a:spcAft>
+                <a:spcPct val="0"/>
+              </a:spcAft>
+              <a:buClrTx/>
+              <a:buSzTx/>
+              <a:buFontTx/>
+              <a:buNone/>
+              <a:tabLst/>
+            </a:pPr>
+            <a:endParaRPr kumimoji="0" lang="en-US" sz="2000" b="0" i="0" u="none" strike="noStrike" cap="none" normalizeH="0" baseline="0" dirty="0" smtClean="0">
+              <a:ln>
+                <a:noFill/>
+              </a:ln>
+              <a:solidFill>
+                <a:schemeClr val="bg1"/>
+              </a:solidFill>
+              <a:effectLst/>
+              <a:latin typeface="Arial" pitchFamily="2" charset="0"/>
+            </a:endParaRPr>
+          </a:p>
+        </p:txBody>
+      </p:sp>
+    </p:spTree>
+    <p:extLst>
+      <p:ext uri="{BB962C8B-B14F-4D97-AF65-F5344CB8AC3E}">
+        <p14:creationId xmlns:p14="http://schemas.microsoft.com/office/powerpoint/2010/main" val="979097041"/>
+      </p:ext>
+    </p:extLst>
+  </p:cSld>
+  <p:clrMapOvr>
+    <a:masterClrMapping/>
+  </p:clrMapOvr>
+  <p:timing>
+    <p:tnLst>
+      <p:par>
+        <p:cTn id="1" dur="indefinite" restart="never" nodeType="tmRoot"/>
+      </p:par>
+    </p:tnLst>
+  </p:timing>
+</p:sld>
+</file>
+
+<file path=ppt/slides/slide26.xml><?xml version="1.0" encoding="utf-8"?>
+<p:sld xmlns:a="http://schemas.openxmlformats.org/drawingml/2006/main" xmlns:r="http://schemas.openxmlformats.org/officeDocument/2006/relationships" xmlns:p="http://schemas.openxmlformats.org/presentationml/2006/main">
+  <p:cSld>
+    <p:spTree>
+      <p:nvGrpSpPr>
+        <p:cNvPr id="1" name=""/>
+        <p:cNvGrpSpPr/>
+        <p:nvPr/>
+      </p:nvGrpSpPr>
+      <p:grpSpPr>
+        <a:xfrm>
+          <a:off x="0" y="0"/>
+          <a:ext cx="0" cy="0"/>
+          <a:chOff x="0" y="0"/>
+          <a:chExt cx="0" cy="0"/>
+        </a:xfrm>
+      </p:grpSpPr>
+      <p:sp>
+        <p:nvSpPr>
+          <p:cNvPr id="2" name="Text Placeholder 1"/>
+          <p:cNvSpPr>
+            <a:spLocks noGrp="1"/>
+          </p:cNvSpPr>
+          <p:nvPr>
+            <p:ph type="body" sz="quarter" idx="13"/>
+          </p:nvPr>
+        </p:nvSpPr>
+        <p:spPr>
+          <a:xfrm>
+            <a:off x="274638" y="1600199"/>
+            <a:ext cx="5191435" cy="3032124"/>
+          </a:xfrm>
+        </p:spPr>
+        <p:txBody>
+          <a:bodyPr/>
+          <a:lstStyle/>
+          <a:p>
+            <a:r>
+              <a:rPr lang="en-US" dirty="0" smtClean="0"/>
+              <a:t>You are prompted to certify that you have read and agreed to the Sector Insights™ or SpendingPulse™ Terms and Conditions.</a:t>
+            </a:r>
+          </a:p>
+          <a:p>
+            <a:endParaRPr lang="en-US" dirty="0"/>
+          </a:p>
+          <a:p>
+            <a:r>
+              <a:rPr lang="en-US" dirty="0" smtClean="0"/>
+              <a:t>Click “Submit” and your production request is queued for review and approval by MasterCard. </a:t>
+            </a:r>
+          </a:p>
+          <a:p>
+            <a:r>
+              <a:rPr lang="en-US" dirty="0" smtClean="0"/>
+              <a:t>The response to your request is sent to the email address you have on file in the API.</a:t>
+            </a:r>
+            <a:endParaRPr lang="en-US" dirty="0"/>
+          </a:p>
+        </p:txBody>
+      </p:sp>
+      <p:sp>
+        <p:nvSpPr>
+          <p:cNvPr id="3" name="Date Placeholder 2"/>
+          <p:cNvSpPr>
+            <a:spLocks noGrp="1"/>
+          </p:cNvSpPr>
+          <p:nvPr>
+            <p:ph type="dt" sz="half" idx="10"/>
+          </p:nvPr>
+        </p:nvSpPr>
+        <p:spPr/>
+        <p:txBody>
+          <a:bodyPr/>
+          <a:lstStyle/>
+          <a:p>
+            <a:r>
+              <a:rPr lang="en-US" smtClean="0"/>
+              <a:t>October 21, 2015</a:t>
+            </a:r>
+            <a:endParaRPr lang="en-US" dirty="0" smtClean="0"/>
+          </a:p>
+        </p:txBody>
+      </p:sp>
+      <p:sp>
+        <p:nvSpPr>
+          <p:cNvPr id="4" name="Slide Number Placeholder 3"/>
+          <p:cNvSpPr>
+            <a:spLocks noGrp="1"/>
+          </p:cNvSpPr>
+          <p:nvPr>
+            <p:ph type="sldNum" sz="quarter" idx="11"/>
+          </p:nvPr>
+        </p:nvSpPr>
+        <p:spPr/>
+        <p:txBody>
+          <a:bodyPr/>
+          <a:lstStyle/>
+          <a:p>
+            <a:fld id="{5698A34F-157D-4FC3-B6AE-341A8B909DED}" type="slidenum">
+              <a:rPr lang="en-US" smtClean="0"/>
+              <a:pPr/>
+              <a:t>26</a:t>
             </a:fld>
             <a:endParaRPr lang="en-US" dirty="0"/>
           </a:p>
@@ -10822,7 +11273,7 @@
 </p:sld>
 </file>
 
-<file path=ppt/slides/slide26.xml><?xml version="1.0" encoding="utf-8"?>
+<file path=ppt/slides/slide27.xml><?xml version="1.0" encoding="utf-8"?>
 <p:sld xmlns:a="http://schemas.openxmlformats.org/drawingml/2006/main" xmlns:r="http://schemas.openxmlformats.org/officeDocument/2006/relationships" xmlns:p="http://schemas.openxmlformats.org/presentationml/2006/main">
   <p:cSld>
     <p:spTree>
@@ -10913,7 +11364,7 @@
             <a:fld id="{5698A34F-157D-4FC3-B6AE-341A8B909DED}" type="slidenum">
               <a:rPr lang="en-US" smtClean="0"/>
               <a:pPr/>
-              <a:t>26</a:t>
+              <a:t>27</a:t>
             </a:fld>
             <a:endParaRPr lang="en-US" dirty="0"/>
           </a:p>
@@ -10963,7 +11414,7 @@
 </p:sld>
 </file>
 
-<file path=ppt/slides/slide27.xml><?xml version="1.0" encoding="utf-8"?>
+<file path=ppt/slides/slide28.xml><?xml version="1.0" encoding="utf-8"?>
 <p:sld xmlns:a="http://schemas.openxmlformats.org/drawingml/2006/main" xmlns:r="http://schemas.openxmlformats.org/officeDocument/2006/relationships" xmlns:p="http://schemas.openxmlformats.org/presentationml/2006/main">
   <p:cSld>
     <p:spTree>
@@ -11088,7 +11539,7 @@
             <a:fld id="{5698A34F-157D-4FC3-B6AE-341A8B909DED}" type="slidenum">
               <a:rPr lang="en-US" smtClean="0"/>
               <a:pPr/>
-              <a:t>27</a:t>
+              <a:t>28</a:t>
             </a:fld>
             <a:endParaRPr lang="en-US" dirty="0"/>
           </a:p>
@@ -11203,7 +11654,7 @@
 </p:sld>
 </file>
 
-<file path=ppt/slides/slide28.xml><?xml version="1.0" encoding="utf-8"?>
+<file path=ppt/slides/slide29.xml><?xml version="1.0" encoding="utf-8"?>
 <p:sld xmlns:a="http://schemas.openxmlformats.org/drawingml/2006/main" xmlns:r="http://schemas.openxmlformats.org/officeDocument/2006/relationships" xmlns:p="http://schemas.openxmlformats.org/presentationml/2006/main">
   <p:cSld>
     <p:spTree>
@@ -11345,7 +11796,7 @@
             <a:fld id="{5698A34F-157D-4FC3-B6AE-341A8B909DED}" type="slidenum">
               <a:rPr lang="en-US" smtClean="0"/>
               <a:pPr/>
-              <a:t>28</a:t>
+              <a:t>29</a:t>
             </a:fld>
             <a:endParaRPr lang="en-US" dirty="0"/>
           </a:p>
@@ -11633,306 +12084,6 @@
     <p:extLst>
       <p:ext uri="{BB962C8B-B14F-4D97-AF65-F5344CB8AC3E}">
         <p14:creationId xmlns:p14="http://schemas.microsoft.com/office/powerpoint/2010/main" val="2556694655"/>
-      </p:ext>
-    </p:extLst>
-  </p:cSld>
-  <p:clrMapOvr>
-    <a:masterClrMapping/>
-  </p:clrMapOvr>
-  <p:timing>
-    <p:tnLst>
-      <p:par>
-        <p:cTn id="1" dur="indefinite" restart="never" nodeType="tmRoot"/>
-      </p:par>
-    </p:tnLst>
-  </p:timing>
-</p:sld>
-</file>
-
-<file path=ppt/slides/slide29.xml><?xml version="1.0" encoding="utf-8"?>
-<p:sld xmlns:a="http://schemas.openxmlformats.org/drawingml/2006/main" xmlns:r="http://schemas.openxmlformats.org/officeDocument/2006/relationships" xmlns:p="http://schemas.openxmlformats.org/presentationml/2006/main">
-  <p:cSld>
-    <p:spTree>
-      <p:nvGrpSpPr>
-        <p:cNvPr id="1" name=""/>
-        <p:cNvGrpSpPr/>
-        <p:nvPr/>
-      </p:nvGrpSpPr>
-      <p:grpSpPr>
-        <a:xfrm>
-          <a:off x="0" y="0"/>
-          <a:ext cx="0" cy="0"/>
-          <a:chOff x="0" y="0"/>
-          <a:chExt cx="0" cy="0"/>
-        </a:xfrm>
-      </p:grpSpPr>
-      <p:sp>
-        <p:nvSpPr>
-          <p:cNvPr id="2" name="Text Placeholder 1"/>
-          <p:cNvSpPr>
-            <a:spLocks noGrp="1"/>
-          </p:cNvSpPr>
-          <p:nvPr>
-            <p:ph type="body" sz="quarter" idx="13"/>
-          </p:nvPr>
-        </p:nvSpPr>
-        <p:spPr>
-          <a:xfrm>
-            <a:off x="274638" y="1369734"/>
-            <a:ext cx="8283029" cy="3320929"/>
-          </a:xfrm>
-        </p:spPr>
-        <p:txBody>
-          <a:bodyPr/>
-          <a:lstStyle/>
-          <a:p>
-            <a:r>
-              <a:rPr lang="en-US" dirty="0" smtClean="0"/>
-              <a:t>Check the Salesforce Order Management system to determine if a valid and approved Service is in place for the API. If need be contact the salesperson/owner of the opportunity.</a:t>
-            </a:r>
-          </a:p>
-          <a:p>
-            <a:r>
-              <a:rPr lang="en-US" dirty="0" smtClean="0"/>
-              <a:t>If no valid and approved Service is in place:</a:t>
-            </a:r>
-          </a:p>
-          <a:p>
-            <a:pPr lvl="1"/>
-            <a:r>
-              <a:rPr lang="en-US" dirty="0" smtClean="0"/>
-              <a:t>And your investigation determines that a </a:t>
-            </a:r>
-            <a:br>
-              <a:rPr lang="en-US" dirty="0" smtClean="0"/>
-            </a:br>
-            <a:r>
-              <a:rPr lang="en-US" dirty="0" smtClean="0"/>
-              <a:t>valid/approved Service is not </a:t>
-            </a:r>
-            <a:br>
-              <a:rPr lang="en-US" dirty="0" smtClean="0"/>
-            </a:br>
-            <a:r>
-              <a:rPr lang="en-US" dirty="0" smtClean="0"/>
-              <a:t>forthcoming, DENY the request … </a:t>
-            </a:r>
-            <a:br>
-              <a:rPr lang="en-US" dirty="0" smtClean="0"/>
-            </a:br>
-            <a:r>
-              <a:rPr lang="en-US" dirty="0" smtClean="0"/>
-              <a:t>a denial email is sent to the requestor.</a:t>
-            </a:r>
-          </a:p>
-          <a:p>
-            <a:endParaRPr lang="en-US" dirty="0"/>
-          </a:p>
-        </p:txBody>
-      </p:sp>
-      <p:sp>
-        <p:nvSpPr>
-          <p:cNvPr id="3" name="Date Placeholder 2"/>
-          <p:cNvSpPr>
-            <a:spLocks noGrp="1"/>
-          </p:cNvSpPr>
-          <p:nvPr>
-            <p:ph type="dt" sz="half" idx="10"/>
-          </p:nvPr>
-        </p:nvSpPr>
-        <p:spPr/>
-        <p:txBody>
-          <a:bodyPr/>
-          <a:lstStyle/>
-          <a:p>
-            <a:r>
-              <a:rPr lang="en-US" smtClean="0"/>
-              <a:t>October 21, 2015</a:t>
-            </a:r>
-            <a:endParaRPr lang="en-US" dirty="0" smtClean="0"/>
-          </a:p>
-        </p:txBody>
-      </p:sp>
-      <p:sp>
-        <p:nvSpPr>
-          <p:cNvPr id="4" name="Slide Number Placeholder 3"/>
-          <p:cNvSpPr>
-            <a:spLocks noGrp="1"/>
-          </p:cNvSpPr>
-          <p:nvPr>
-            <p:ph type="sldNum" sz="quarter" idx="11"/>
-          </p:nvPr>
-        </p:nvSpPr>
-        <p:spPr/>
-        <p:txBody>
-          <a:bodyPr/>
-          <a:lstStyle/>
-          <a:p>
-            <a:fld id="{5698A34F-157D-4FC3-B6AE-341A8B909DED}" type="slidenum">
-              <a:rPr lang="en-US" smtClean="0"/>
-              <a:pPr/>
-              <a:t>29</a:t>
-            </a:fld>
-            <a:endParaRPr lang="en-US" dirty="0"/>
-          </a:p>
-        </p:txBody>
-      </p:sp>
-      <p:sp>
-        <p:nvSpPr>
-          <p:cNvPr id="5" name="Footer Placeholder 4"/>
-          <p:cNvSpPr>
-            <a:spLocks noGrp="1"/>
-          </p:cNvSpPr>
-          <p:nvPr>
-            <p:ph type="ftr" sz="quarter" idx="12"/>
-          </p:nvPr>
-        </p:nvSpPr>
-        <p:spPr/>
-        <p:txBody>
-          <a:bodyPr/>
-          <a:lstStyle/>
-          <a:p>
-            <a:endParaRPr lang="en-US" dirty="0"/>
-          </a:p>
-        </p:txBody>
-      </p:sp>
-      <p:sp>
-        <p:nvSpPr>
-          <p:cNvPr id="6" name="Title 5"/>
-          <p:cNvSpPr>
-            <a:spLocks noGrp="1"/>
-          </p:cNvSpPr>
-          <p:nvPr>
-            <p:ph type="title"/>
-          </p:nvPr>
-        </p:nvSpPr>
-        <p:spPr/>
-        <p:txBody>
-          <a:bodyPr/>
-          <a:lstStyle/>
-          <a:p>
-            <a:r>
-              <a:rPr lang="en-US" dirty="0" smtClean="0"/>
-              <a:t>Approve/Deny Key Requests (3) – No valid Service</a:t>
-            </a:r>
-            <a:endParaRPr lang="en-US" dirty="0"/>
-          </a:p>
-        </p:txBody>
-      </p:sp>
-      <p:sp>
-        <p:nvSpPr>
-          <p:cNvPr id="7" name="Text Placeholder 6"/>
-          <p:cNvSpPr>
-            <a:spLocks noGrp="1"/>
-          </p:cNvSpPr>
-          <p:nvPr>
-            <p:ph type="body" sz="quarter" idx="15"/>
-          </p:nvPr>
-        </p:nvSpPr>
-        <p:spPr/>
-        <p:txBody>
-          <a:bodyPr/>
-          <a:lstStyle/>
-          <a:p>
-            <a:r>
-              <a:rPr lang="en-US" dirty="0" smtClean="0"/>
-              <a:t>Administrator API How To</a:t>
-            </a:r>
-            <a:endParaRPr lang="en-US" dirty="0"/>
-          </a:p>
-        </p:txBody>
-      </p:sp>
-      <p:pic>
-        <p:nvPicPr>
-          <p:cNvPr id="8" name="Picture 7"/>
-          <p:cNvPicPr>
-            <a:picLocks noChangeAspect="1"/>
-          </p:cNvPicPr>
-          <p:nvPr/>
-        </p:nvPicPr>
-        <p:blipFill>
-          <a:blip r:embed="rId2"/>
-          <a:stretch>
-            <a:fillRect/>
-          </a:stretch>
-        </p:blipFill>
-        <p:spPr>
-          <a:xfrm>
-            <a:off x="5011750" y="2524452"/>
-            <a:ext cx="3777971" cy="1900610"/>
-          </a:xfrm>
-          <a:prstGeom prst="rect">
-            <a:avLst/>
-          </a:prstGeom>
-        </p:spPr>
-      </p:pic>
-      <p:sp>
-        <p:nvSpPr>
-          <p:cNvPr id="10" name="Right Arrow 9"/>
-          <p:cNvSpPr/>
-          <p:nvPr/>
-        </p:nvSpPr>
-        <p:spPr bwMode="gray">
-          <a:xfrm rot="16200000">
-            <a:off x="7482723" y="3287652"/>
-            <a:ext cx="244306" cy="237325"/>
-          </a:xfrm>
-          <a:prstGeom prst="rightArrow">
-            <a:avLst/>
-          </a:prstGeom>
-          <a:solidFill>
-            <a:schemeClr val="accent1"/>
-          </a:solidFill>
-          <a:ln w="9525" cap="flat" cmpd="sng" algn="ctr">
-            <a:noFill/>
-            <a:prstDash val="solid"/>
-            <a:round/>
-            <a:headEnd type="none" w="med" len="med"/>
-            <a:tailEnd type="none" w="med" len="med"/>
-          </a:ln>
-          <a:effectLst/>
-        </p:spPr>
-        <p:txBody>
-          <a:bodyPr vert="horz" wrap="square" lIns="91440" tIns="45720" rIns="91440" bIns="45720" numCol="1" rtlCol="0" anchor="ctr" anchorCtr="0" compatLnSpc="1">
-            <a:prstTxWarp prst="textNoShape">
-              <a:avLst/>
-            </a:prstTxWarp>
-          </a:bodyPr>
-          <a:lstStyle/>
-          <a:p>
-            <a:pPr marL="0" marR="0" indent="0" algn="l" defTabSz="914400" rtl="0" eaLnBrk="1" fontAlgn="base" latinLnBrk="0" hangingPunct="1">
-              <a:lnSpc>
-                <a:spcPct val="100000"/>
-              </a:lnSpc>
-              <a:spcBef>
-                <a:spcPct val="0"/>
-              </a:spcBef>
-              <a:spcAft>
-                <a:spcPct val="0"/>
-              </a:spcAft>
-              <a:buClrTx/>
-              <a:buSzTx/>
-              <a:buFontTx/>
-              <a:buNone/>
-              <a:tabLst/>
-            </a:pPr>
-            <a:endParaRPr kumimoji="0" lang="en-US" sz="2000" b="0" i="0" u="none" strike="noStrike" cap="none" normalizeH="0" baseline="0" dirty="0" smtClean="0">
-              <a:ln>
-                <a:noFill/>
-              </a:ln>
-              <a:solidFill>
-                <a:schemeClr val="bg1"/>
-              </a:solidFill>
-              <a:effectLst/>
-              <a:latin typeface="Arial" pitchFamily="2" charset="0"/>
-            </a:endParaRPr>
-          </a:p>
-        </p:txBody>
-      </p:sp>
-    </p:spTree>
-    <p:extLst>
-      <p:ext uri="{BB962C8B-B14F-4D97-AF65-F5344CB8AC3E}">
-        <p14:creationId xmlns:p14="http://schemas.microsoft.com/office/powerpoint/2010/main" val="2776855602"/>
       </p:ext>
     </p:extLst>
   </p:cSld>
@@ -11968,6 +12119,2438 @@
       </p:grpSpPr>
       <p:sp>
         <p:nvSpPr>
+          <p:cNvPr id="2" name="Title 1"/>
+          <p:cNvSpPr>
+            <a:spLocks noGrp="1"/>
+          </p:cNvSpPr>
+          <p:nvPr>
+            <p:ph type="title"/>
+          </p:nvPr>
+        </p:nvSpPr>
+        <p:spPr/>
+        <p:txBody>
+          <a:bodyPr/>
+          <a:lstStyle/>
+          <a:p>
+            <a:endParaRPr lang="en-US"/>
+          </a:p>
+        </p:txBody>
+      </p:sp>
+    </p:spTree>
+    <p:extLst>
+      <p:ext uri="{BB962C8B-B14F-4D97-AF65-F5344CB8AC3E}">
+        <p14:creationId xmlns:p14="http://schemas.microsoft.com/office/powerpoint/2010/main" val="2806126454"/>
+      </p:ext>
+    </p:extLst>
+  </p:cSld>
+  <p:clrMapOvr>
+    <a:masterClrMapping/>
+  </p:clrMapOvr>
+  <p:timing>
+    <p:tnLst>
+      <p:par>
+        <p:cTn id="1" dur="indefinite" restart="never" nodeType="tmRoot"/>
+      </p:par>
+    </p:tnLst>
+  </p:timing>
+</p:sld>
+</file>
+
+<file path=ppt/slides/slide30.xml><?xml version="1.0" encoding="utf-8"?>
+<p:sld xmlns:a="http://schemas.openxmlformats.org/drawingml/2006/main" xmlns:r="http://schemas.openxmlformats.org/officeDocument/2006/relationships" xmlns:p="http://schemas.openxmlformats.org/presentationml/2006/main">
+  <p:cSld>
+    <p:spTree>
+      <p:nvGrpSpPr>
+        <p:cNvPr id="1" name=""/>
+        <p:cNvGrpSpPr/>
+        <p:nvPr/>
+      </p:nvGrpSpPr>
+      <p:grpSpPr>
+        <a:xfrm>
+          <a:off x="0" y="0"/>
+          <a:ext cx="0" cy="0"/>
+          <a:chOff x="0" y="0"/>
+          <a:chExt cx="0" cy="0"/>
+        </a:xfrm>
+      </p:grpSpPr>
+      <p:sp>
+        <p:nvSpPr>
+          <p:cNvPr id="2" name="Text Placeholder 1"/>
+          <p:cNvSpPr>
+            <a:spLocks noGrp="1"/>
+          </p:cNvSpPr>
+          <p:nvPr>
+            <p:ph type="body" sz="quarter" idx="13"/>
+          </p:nvPr>
+        </p:nvSpPr>
+        <p:spPr>
+          <a:xfrm>
+            <a:off x="274638" y="1369734"/>
+            <a:ext cx="8283029" cy="3320929"/>
+          </a:xfrm>
+        </p:spPr>
+        <p:txBody>
+          <a:bodyPr/>
+          <a:lstStyle/>
+          <a:p>
+            <a:r>
+              <a:rPr lang="en-US" dirty="0" smtClean="0"/>
+              <a:t>Check the Salesforce Order Management system to determine if a valid and approved Service is in place for the API. If need be contact the salesperson/owner of the opportunity.</a:t>
+            </a:r>
+          </a:p>
+          <a:p>
+            <a:r>
+              <a:rPr lang="en-US" dirty="0" smtClean="0"/>
+              <a:t>If no valid and approved Service is in place:</a:t>
+            </a:r>
+          </a:p>
+          <a:p>
+            <a:pPr lvl="1"/>
+            <a:r>
+              <a:rPr lang="en-US" dirty="0" smtClean="0"/>
+              <a:t>And your investigation determines that a </a:t>
+            </a:r>
+            <a:br>
+              <a:rPr lang="en-US" dirty="0" smtClean="0"/>
+            </a:br>
+            <a:r>
+              <a:rPr lang="en-US" dirty="0" smtClean="0"/>
+              <a:t>valid/approved Service is not </a:t>
+            </a:r>
+            <a:br>
+              <a:rPr lang="en-US" dirty="0" smtClean="0"/>
+            </a:br>
+            <a:r>
+              <a:rPr lang="en-US" dirty="0" smtClean="0"/>
+              <a:t>forthcoming, DENY the request … </a:t>
+            </a:r>
+            <a:br>
+              <a:rPr lang="en-US" dirty="0" smtClean="0"/>
+            </a:br>
+            <a:r>
+              <a:rPr lang="en-US" dirty="0" smtClean="0"/>
+              <a:t>a denial email is sent to the requestor.</a:t>
+            </a:r>
+          </a:p>
+          <a:p>
+            <a:endParaRPr lang="en-US" dirty="0"/>
+          </a:p>
+        </p:txBody>
+      </p:sp>
+      <p:sp>
+        <p:nvSpPr>
+          <p:cNvPr id="3" name="Date Placeholder 2"/>
+          <p:cNvSpPr>
+            <a:spLocks noGrp="1"/>
+          </p:cNvSpPr>
+          <p:nvPr>
+            <p:ph type="dt" sz="half" idx="10"/>
+          </p:nvPr>
+        </p:nvSpPr>
+        <p:spPr/>
+        <p:txBody>
+          <a:bodyPr/>
+          <a:lstStyle/>
+          <a:p>
+            <a:r>
+              <a:rPr lang="en-US" smtClean="0"/>
+              <a:t>October 21, 2015</a:t>
+            </a:r>
+            <a:endParaRPr lang="en-US" dirty="0" smtClean="0"/>
+          </a:p>
+        </p:txBody>
+      </p:sp>
+      <p:sp>
+        <p:nvSpPr>
+          <p:cNvPr id="4" name="Slide Number Placeholder 3"/>
+          <p:cNvSpPr>
+            <a:spLocks noGrp="1"/>
+          </p:cNvSpPr>
+          <p:nvPr>
+            <p:ph type="sldNum" sz="quarter" idx="11"/>
+          </p:nvPr>
+        </p:nvSpPr>
+        <p:spPr/>
+        <p:txBody>
+          <a:bodyPr/>
+          <a:lstStyle/>
+          <a:p>
+            <a:fld id="{5698A34F-157D-4FC3-B6AE-341A8B909DED}" type="slidenum">
+              <a:rPr lang="en-US" smtClean="0"/>
+              <a:pPr/>
+              <a:t>30</a:t>
+            </a:fld>
+            <a:endParaRPr lang="en-US" dirty="0"/>
+          </a:p>
+        </p:txBody>
+      </p:sp>
+      <p:sp>
+        <p:nvSpPr>
+          <p:cNvPr id="5" name="Footer Placeholder 4"/>
+          <p:cNvSpPr>
+            <a:spLocks noGrp="1"/>
+          </p:cNvSpPr>
+          <p:nvPr>
+            <p:ph type="ftr" sz="quarter" idx="12"/>
+          </p:nvPr>
+        </p:nvSpPr>
+        <p:spPr/>
+        <p:txBody>
+          <a:bodyPr/>
+          <a:lstStyle/>
+          <a:p>
+            <a:endParaRPr lang="en-US" dirty="0"/>
+          </a:p>
+        </p:txBody>
+      </p:sp>
+      <p:sp>
+        <p:nvSpPr>
+          <p:cNvPr id="6" name="Title 5"/>
+          <p:cNvSpPr>
+            <a:spLocks noGrp="1"/>
+          </p:cNvSpPr>
+          <p:nvPr>
+            <p:ph type="title"/>
+          </p:nvPr>
+        </p:nvSpPr>
+        <p:spPr/>
+        <p:txBody>
+          <a:bodyPr/>
+          <a:lstStyle/>
+          <a:p>
+            <a:r>
+              <a:rPr lang="en-US" dirty="0" smtClean="0"/>
+              <a:t>Approve/Deny Key Requests (3) – No valid Service</a:t>
+            </a:r>
+            <a:endParaRPr lang="en-US" dirty="0"/>
+          </a:p>
+        </p:txBody>
+      </p:sp>
+      <p:sp>
+        <p:nvSpPr>
+          <p:cNvPr id="7" name="Text Placeholder 6"/>
+          <p:cNvSpPr>
+            <a:spLocks noGrp="1"/>
+          </p:cNvSpPr>
+          <p:nvPr>
+            <p:ph type="body" sz="quarter" idx="15"/>
+          </p:nvPr>
+        </p:nvSpPr>
+        <p:spPr/>
+        <p:txBody>
+          <a:bodyPr/>
+          <a:lstStyle/>
+          <a:p>
+            <a:r>
+              <a:rPr lang="en-US" dirty="0" smtClean="0"/>
+              <a:t>Administrator API How To</a:t>
+            </a:r>
+            <a:endParaRPr lang="en-US" dirty="0"/>
+          </a:p>
+        </p:txBody>
+      </p:sp>
+      <p:pic>
+        <p:nvPicPr>
+          <p:cNvPr id="8" name="Picture 7"/>
+          <p:cNvPicPr>
+            <a:picLocks noChangeAspect="1"/>
+          </p:cNvPicPr>
+          <p:nvPr/>
+        </p:nvPicPr>
+        <p:blipFill>
+          <a:blip r:embed="rId2"/>
+          <a:stretch>
+            <a:fillRect/>
+          </a:stretch>
+        </p:blipFill>
+        <p:spPr>
+          <a:xfrm>
+            <a:off x="5011750" y="2524452"/>
+            <a:ext cx="3777971" cy="1900610"/>
+          </a:xfrm>
+          <a:prstGeom prst="rect">
+            <a:avLst/>
+          </a:prstGeom>
+        </p:spPr>
+      </p:pic>
+      <p:sp>
+        <p:nvSpPr>
+          <p:cNvPr id="10" name="Right Arrow 9"/>
+          <p:cNvSpPr/>
+          <p:nvPr/>
+        </p:nvSpPr>
+        <p:spPr bwMode="gray">
+          <a:xfrm rot="16200000">
+            <a:off x="7482723" y="3287652"/>
+            <a:ext cx="244306" cy="237325"/>
+          </a:xfrm>
+          <a:prstGeom prst="rightArrow">
+            <a:avLst/>
+          </a:prstGeom>
+          <a:solidFill>
+            <a:schemeClr val="accent1"/>
+          </a:solidFill>
+          <a:ln w="9525" cap="flat" cmpd="sng" algn="ctr">
+            <a:noFill/>
+            <a:prstDash val="solid"/>
+            <a:round/>
+            <a:headEnd type="none" w="med" len="med"/>
+            <a:tailEnd type="none" w="med" len="med"/>
+          </a:ln>
+          <a:effectLst/>
+        </p:spPr>
+        <p:txBody>
+          <a:bodyPr vert="horz" wrap="square" lIns="91440" tIns="45720" rIns="91440" bIns="45720" numCol="1" rtlCol="0" anchor="ctr" anchorCtr="0" compatLnSpc="1">
+            <a:prstTxWarp prst="textNoShape">
+              <a:avLst/>
+            </a:prstTxWarp>
+          </a:bodyPr>
+          <a:lstStyle/>
+          <a:p>
+            <a:pPr marL="0" marR="0" indent="0" algn="l" defTabSz="914400" rtl="0" eaLnBrk="1" fontAlgn="base" latinLnBrk="0" hangingPunct="1">
+              <a:lnSpc>
+                <a:spcPct val="100000"/>
+              </a:lnSpc>
+              <a:spcBef>
+                <a:spcPct val="0"/>
+              </a:spcBef>
+              <a:spcAft>
+                <a:spcPct val="0"/>
+              </a:spcAft>
+              <a:buClrTx/>
+              <a:buSzTx/>
+              <a:buFontTx/>
+              <a:buNone/>
+              <a:tabLst/>
+            </a:pPr>
+            <a:endParaRPr kumimoji="0" lang="en-US" sz="2000" b="0" i="0" u="none" strike="noStrike" cap="none" normalizeH="0" baseline="0" dirty="0" smtClean="0">
+              <a:ln>
+                <a:noFill/>
+              </a:ln>
+              <a:solidFill>
+                <a:schemeClr val="bg1"/>
+              </a:solidFill>
+              <a:effectLst/>
+              <a:latin typeface="Arial" pitchFamily="2" charset="0"/>
+            </a:endParaRPr>
+          </a:p>
+        </p:txBody>
+      </p:sp>
+    </p:spTree>
+    <p:extLst>
+      <p:ext uri="{BB962C8B-B14F-4D97-AF65-F5344CB8AC3E}">
+        <p14:creationId xmlns:p14="http://schemas.microsoft.com/office/powerpoint/2010/main" val="2776855602"/>
+      </p:ext>
+    </p:extLst>
+  </p:cSld>
+  <p:clrMapOvr>
+    <a:masterClrMapping/>
+  </p:clrMapOvr>
+  <p:timing>
+    <p:tnLst>
+      <p:par>
+        <p:cTn id="1" dur="indefinite" restart="never" nodeType="tmRoot"/>
+      </p:par>
+    </p:tnLst>
+  </p:timing>
+</p:sld>
+</file>
+
+<file path=ppt/slides/slide31.xml><?xml version="1.0" encoding="utf-8"?>
+<p:sld xmlns:a="http://schemas.openxmlformats.org/drawingml/2006/main" xmlns:r="http://schemas.openxmlformats.org/officeDocument/2006/relationships" xmlns:p="http://schemas.openxmlformats.org/presentationml/2006/main">
+  <p:cSld>
+    <p:spTree>
+      <p:nvGrpSpPr>
+        <p:cNvPr id="1" name=""/>
+        <p:cNvGrpSpPr/>
+        <p:nvPr/>
+      </p:nvGrpSpPr>
+      <p:grpSpPr>
+        <a:xfrm>
+          <a:off x="0" y="0"/>
+          <a:ext cx="0" cy="0"/>
+          <a:chOff x="0" y="0"/>
+          <a:chExt cx="0" cy="0"/>
+        </a:xfrm>
+      </p:grpSpPr>
+      <p:sp>
+        <p:nvSpPr>
+          <p:cNvPr id="2" name="Text Placeholder 1"/>
+          <p:cNvSpPr>
+            <a:spLocks noGrp="1"/>
+          </p:cNvSpPr>
+          <p:nvPr>
+            <p:ph type="body" sz="quarter" idx="13"/>
+          </p:nvPr>
+        </p:nvSpPr>
+        <p:spPr>
+          <a:xfrm>
+            <a:off x="274638" y="1369734"/>
+            <a:ext cx="8283029" cy="3320929"/>
+          </a:xfrm>
+        </p:spPr>
+        <p:txBody>
+          <a:bodyPr/>
+          <a:lstStyle/>
+          <a:p>
+            <a:r>
+              <a:rPr lang="en-US" dirty="0" smtClean="0"/>
+              <a:t>If a valid and approved Service is in place or </a:t>
+            </a:r>
+            <a:br>
+              <a:rPr lang="en-US" dirty="0" smtClean="0"/>
+            </a:br>
+            <a:r>
+              <a:rPr lang="en-US" dirty="0" smtClean="0"/>
+              <a:t>your investigation determines that a </a:t>
+            </a:r>
+            <a:br>
+              <a:rPr lang="en-US" dirty="0" smtClean="0"/>
+            </a:br>
+            <a:r>
+              <a:rPr lang="en-US" dirty="0" smtClean="0"/>
+              <a:t>valid/approved Service is forthcoming and </a:t>
+            </a:r>
+            <a:br>
+              <a:rPr lang="en-US" dirty="0" smtClean="0"/>
+            </a:br>
+            <a:r>
+              <a:rPr lang="en-US" dirty="0" smtClean="0"/>
+              <a:t>the request should be approved …</a:t>
+            </a:r>
+          </a:p>
+          <a:p>
+            <a:r>
+              <a:rPr lang="en-US" dirty="0" smtClean="0"/>
+              <a:t>Click the App tab and </a:t>
+            </a:r>
+            <a:br>
+              <a:rPr lang="en-US" dirty="0" smtClean="0"/>
+            </a:br>
+            <a:r>
+              <a:rPr lang="en-US" dirty="0" smtClean="0"/>
+              <a:t>copy the Production Client ID</a:t>
+            </a:r>
+          </a:p>
+          <a:p>
+            <a:pPr lvl="1"/>
+            <a:endParaRPr lang="en-US" b="1" dirty="0" smtClean="0"/>
+          </a:p>
+          <a:p>
+            <a:pPr lvl="1"/>
+            <a:r>
+              <a:rPr lang="en-US" b="1" dirty="0" smtClean="0"/>
+              <a:t>For Sector Insights</a:t>
+            </a:r>
+            <a:r>
+              <a:rPr lang="en-US" dirty="0" smtClean="0"/>
+              <a:t>, record the Client ID in the </a:t>
+            </a:r>
+            <a:br>
+              <a:rPr lang="en-US" dirty="0" smtClean="0"/>
+            </a:br>
+            <a:r>
+              <a:rPr lang="en-US" sz="1200" dirty="0" smtClean="0">
+                <a:latin typeface="Andale Mono" panose="020B0509000000000004" pitchFamily="49" charset="0"/>
+              </a:rPr>
+              <a:t>…/SpendingPulse/API/API Subscription files/Sector insights Keys.xlsx </a:t>
+            </a:r>
+            <a:r>
+              <a:rPr lang="en-US" dirty="0" smtClean="0"/>
+              <a:t>file.</a:t>
+            </a:r>
+          </a:p>
+          <a:p>
+            <a:pPr lvl="2"/>
+            <a:r>
+              <a:rPr lang="en-US" dirty="0" smtClean="0"/>
+              <a:t>Without this file, the only way to know who has been granted prod access is to have an API developer run a data pull against the AP database.</a:t>
+            </a:r>
+          </a:p>
+        </p:txBody>
+      </p:sp>
+      <p:sp>
+        <p:nvSpPr>
+          <p:cNvPr id="3" name="Date Placeholder 2"/>
+          <p:cNvSpPr>
+            <a:spLocks noGrp="1"/>
+          </p:cNvSpPr>
+          <p:nvPr>
+            <p:ph type="dt" sz="half" idx="10"/>
+          </p:nvPr>
+        </p:nvSpPr>
+        <p:spPr/>
+        <p:txBody>
+          <a:bodyPr/>
+          <a:lstStyle/>
+          <a:p>
+            <a:r>
+              <a:rPr lang="en-US" smtClean="0"/>
+              <a:t>October 21, 2015</a:t>
+            </a:r>
+            <a:endParaRPr lang="en-US" dirty="0" smtClean="0"/>
+          </a:p>
+        </p:txBody>
+      </p:sp>
+      <p:sp>
+        <p:nvSpPr>
+          <p:cNvPr id="4" name="Slide Number Placeholder 3"/>
+          <p:cNvSpPr>
+            <a:spLocks noGrp="1"/>
+          </p:cNvSpPr>
+          <p:nvPr>
+            <p:ph type="sldNum" sz="quarter" idx="11"/>
+          </p:nvPr>
+        </p:nvSpPr>
+        <p:spPr/>
+        <p:txBody>
+          <a:bodyPr/>
+          <a:lstStyle/>
+          <a:p>
+            <a:fld id="{5698A34F-157D-4FC3-B6AE-341A8B909DED}" type="slidenum">
+              <a:rPr lang="en-US" smtClean="0"/>
+              <a:pPr/>
+              <a:t>31</a:t>
+            </a:fld>
+            <a:endParaRPr lang="en-US" dirty="0"/>
+          </a:p>
+        </p:txBody>
+      </p:sp>
+      <p:sp>
+        <p:nvSpPr>
+          <p:cNvPr id="5" name="Footer Placeholder 4"/>
+          <p:cNvSpPr>
+            <a:spLocks noGrp="1"/>
+          </p:cNvSpPr>
+          <p:nvPr>
+            <p:ph type="ftr" sz="quarter" idx="12"/>
+          </p:nvPr>
+        </p:nvSpPr>
+        <p:spPr/>
+        <p:txBody>
+          <a:bodyPr/>
+          <a:lstStyle/>
+          <a:p>
+            <a:endParaRPr lang="en-US" dirty="0"/>
+          </a:p>
+        </p:txBody>
+      </p:sp>
+      <p:sp>
+        <p:nvSpPr>
+          <p:cNvPr id="6" name="Title 5"/>
+          <p:cNvSpPr>
+            <a:spLocks noGrp="1"/>
+          </p:cNvSpPr>
+          <p:nvPr>
+            <p:ph type="title"/>
+          </p:nvPr>
+        </p:nvSpPr>
+        <p:spPr/>
+        <p:txBody>
+          <a:bodyPr/>
+          <a:lstStyle/>
+          <a:p>
+            <a:r>
+              <a:rPr lang="en-US" dirty="0" smtClean="0"/>
+              <a:t>Approve/Deny Key Requests (4) – Valid Service</a:t>
+            </a:r>
+            <a:endParaRPr lang="en-US" dirty="0"/>
+          </a:p>
+        </p:txBody>
+      </p:sp>
+      <p:sp>
+        <p:nvSpPr>
+          <p:cNvPr id="7" name="Text Placeholder 6"/>
+          <p:cNvSpPr>
+            <a:spLocks noGrp="1"/>
+          </p:cNvSpPr>
+          <p:nvPr>
+            <p:ph type="body" sz="quarter" idx="15"/>
+          </p:nvPr>
+        </p:nvSpPr>
+        <p:spPr/>
+        <p:txBody>
+          <a:bodyPr/>
+          <a:lstStyle/>
+          <a:p>
+            <a:r>
+              <a:rPr lang="en-US" dirty="0" smtClean="0"/>
+              <a:t>Administrator API How To</a:t>
+            </a:r>
+            <a:endParaRPr lang="en-US" dirty="0"/>
+          </a:p>
+        </p:txBody>
+      </p:sp>
+      <p:pic>
+        <p:nvPicPr>
+          <p:cNvPr id="11" name="Picture 10"/>
+          <p:cNvPicPr>
+            <a:picLocks noChangeAspect="1"/>
+          </p:cNvPicPr>
+          <p:nvPr/>
+        </p:nvPicPr>
+        <p:blipFill>
+          <a:blip r:embed="rId2"/>
+          <a:stretch>
+            <a:fillRect/>
+          </a:stretch>
+        </p:blipFill>
+        <p:spPr>
+          <a:xfrm>
+            <a:off x="5192829" y="1451872"/>
+            <a:ext cx="3780156" cy="1788772"/>
+          </a:xfrm>
+          <a:prstGeom prst="rect">
+            <a:avLst/>
+          </a:prstGeom>
+        </p:spPr>
+      </p:pic>
+      <p:sp>
+        <p:nvSpPr>
+          <p:cNvPr id="13" name="Right Arrow 12"/>
+          <p:cNvSpPr/>
+          <p:nvPr/>
+        </p:nvSpPr>
+        <p:spPr bwMode="gray">
+          <a:xfrm>
+            <a:off x="3718514" y="2857717"/>
+            <a:ext cx="3174734" cy="92985"/>
+          </a:xfrm>
+          <a:prstGeom prst="rightArrow">
+            <a:avLst/>
+          </a:prstGeom>
+          <a:solidFill>
+            <a:schemeClr val="accent1"/>
+          </a:solidFill>
+          <a:ln w="9525" cap="flat" cmpd="sng" algn="ctr">
+            <a:noFill/>
+            <a:prstDash val="solid"/>
+            <a:round/>
+            <a:headEnd type="none" w="med" len="med"/>
+            <a:tailEnd type="none" w="med" len="med"/>
+          </a:ln>
+          <a:effectLst/>
+        </p:spPr>
+        <p:txBody>
+          <a:bodyPr vert="horz" wrap="square" lIns="91440" tIns="45720" rIns="91440" bIns="45720" numCol="1" rtlCol="0" anchor="ctr" anchorCtr="0" compatLnSpc="1">
+            <a:prstTxWarp prst="textNoShape">
+              <a:avLst/>
+            </a:prstTxWarp>
+          </a:bodyPr>
+          <a:lstStyle/>
+          <a:p>
+            <a:pPr marL="0" marR="0" indent="0" algn="l" defTabSz="914400" rtl="0" eaLnBrk="1" fontAlgn="base" latinLnBrk="0" hangingPunct="1">
+              <a:lnSpc>
+                <a:spcPct val="100000"/>
+              </a:lnSpc>
+              <a:spcBef>
+                <a:spcPct val="0"/>
+              </a:spcBef>
+              <a:spcAft>
+                <a:spcPct val="0"/>
+              </a:spcAft>
+              <a:buClrTx/>
+              <a:buSzTx/>
+              <a:buFontTx/>
+              <a:buNone/>
+              <a:tabLst/>
+            </a:pPr>
+            <a:endParaRPr kumimoji="0" lang="en-US" sz="2000" b="0" i="0" u="none" strike="noStrike" cap="none" normalizeH="0" baseline="0" dirty="0" smtClean="0">
+              <a:ln>
+                <a:noFill/>
+              </a:ln>
+              <a:solidFill>
+                <a:schemeClr val="bg1"/>
+              </a:solidFill>
+              <a:effectLst/>
+              <a:latin typeface="Arial" pitchFamily="2" charset="0"/>
+            </a:endParaRPr>
+          </a:p>
+        </p:txBody>
+      </p:sp>
+    </p:spTree>
+    <p:extLst>
+      <p:ext uri="{BB962C8B-B14F-4D97-AF65-F5344CB8AC3E}">
+        <p14:creationId xmlns:p14="http://schemas.microsoft.com/office/powerpoint/2010/main" val="1724074499"/>
+      </p:ext>
+    </p:extLst>
+  </p:cSld>
+  <p:clrMapOvr>
+    <a:masterClrMapping/>
+  </p:clrMapOvr>
+  <p:timing>
+    <p:tnLst>
+      <p:par>
+        <p:cTn id="1" dur="indefinite" restart="never" nodeType="tmRoot"/>
+      </p:par>
+    </p:tnLst>
+  </p:timing>
+</p:sld>
+</file>
+
+<file path=ppt/slides/slide32.xml><?xml version="1.0" encoding="utf-8"?>
+<p:sld xmlns:a="http://schemas.openxmlformats.org/drawingml/2006/main" xmlns:r="http://schemas.openxmlformats.org/officeDocument/2006/relationships" xmlns:p="http://schemas.openxmlformats.org/presentationml/2006/main">
+  <p:cSld>
+    <p:spTree>
+      <p:nvGrpSpPr>
+        <p:cNvPr id="1" name=""/>
+        <p:cNvGrpSpPr/>
+        <p:nvPr/>
+      </p:nvGrpSpPr>
+      <p:grpSpPr>
+        <a:xfrm>
+          <a:off x="0" y="0"/>
+          <a:ext cx="0" cy="0"/>
+          <a:chOff x="0" y="0"/>
+          <a:chExt cx="0" cy="0"/>
+        </a:xfrm>
+      </p:grpSpPr>
+      <p:sp>
+        <p:nvSpPr>
+          <p:cNvPr id="2" name="Text Placeholder 1"/>
+          <p:cNvSpPr>
+            <a:spLocks noGrp="1"/>
+          </p:cNvSpPr>
+          <p:nvPr>
+            <p:ph type="body" sz="quarter" idx="13"/>
+          </p:nvPr>
+        </p:nvSpPr>
+        <p:spPr>
+          <a:xfrm>
+            <a:off x="274638" y="1369734"/>
+            <a:ext cx="8283029" cy="3320929"/>
+          </a:xfrm>
+        </p:spPr>
+        <p:txBody>
+          <a:bodyPr/>
+          <a:lstStyle/>
+          <a:p>
+            <a:pPr lvl="1"/>
+            <a:r>
+              <a:rPr lang="en-US" b="1" dirty="0" smtClean="0"/>
+              <a:t>For SpendingPulse</a:t>
+            </a:r>
+            <a:r>
+              <a:rPr lang="en-US" dirty="0" smtClean="0"/>
+              <a:t>, record the Client ID in the </a:t>
+            </a:r>
+            <a:br>
+              <a:rPr lang="en-US" dirty="0" smtClean="0"/>
+            </a:br>
+            <a:r>
+              <a:rPr lang="en-US" sz="1200" dirty="0" smtClean="0">
+                <a:latin typeface="Andale Mono" panose="020B0509000000000004" pitchFamily="49" charset="0"/>
+              </a:rPr>
+              <a:t>…/SpendingPulse/API/API </a:t>
+            </a:r>
+            <a:r>
+              <a:rPr lang="en-US" sz="1200" dirty="0">
+                <a:latin typeface="Andale Mono" panose="020B0509000000000004" pitchFamily="49" charset="0"/>
+              </a:rPr>
+              <a:t>Subscription files/SpendingPulse API Subscription </a:t>
+            </a:r>
+            <a:r>
+              <a:rPr lang="en-US" sz="1200" dirty="0" smtClean="0">
+                <a:latin typeface="Andale Mono" panose="020B0509000000000004" pitchFamily="49" charset="0"/>
+              </a:rPr>
+              <a:t>Data.xlsx </a:t>
+            </a:r>
+            <a:br>
+              <a:rPr lang="en-US" sz="1200" dirty="0" smtClean="0">
+                <a:latin typeface="Andale Mono" panose="020B0509000000000004" pitchFamily="49" charset="0"/>
+              </a:rPr>
+            </a:br>
+            <a:r>
+              <a:rPr lang="en-US" dirty="0" smtClean="0"/>
+              <a:t>file.</a:t>
+            </a:r>
+          </a:p>
+          <a:p>
+            <a:pPr lvl="1"/>
+            <a:r>
+              <a:rPr lang="en-US" dirty="0"/>
+              <a:t>The “</a:t>
+            </a:r>
+            <a:r>
+              <a:rPr lang="en-US" sz="1600" dirty="0">
+                <a:latin typeface="Andale Mono" panose="020B0509000000000004" pitchFamily="49" charset="0"/>
+              </a:rPr>
+              <a:t>SpendingPulse API </a:t>
+            </a:r>
+            <a:r>
+              <a:rPr lang="en-US" sz="1600" dirty="0" smtClean="0">
+                <a:latin typeface="Andale Mono" panose="020B0509000000000004" pitchFamily="49" charset="0"/>
+              </a:rPr>
+              <a:t>Subscription</a:t>
+            </a:r>
+            <a:r>
+              <a:rPr lang="en-US" dirty="0" smtClean="0"/>
+              <a:t>” tab of this file must be saved as a .csv file and uploaded, using the API MDE Upload facility – the same facility used to upload the Sector Insights and SpendingPulse data to the API.</a:t>
+            </a:r>
+          </a:p>
+          <a:p>
+            <a:pPr lvl="1"/>
+            <a:r>
+              <a:rPr lang="en-US" dirty="0" smtClean="0"/>
+              <a:t>To upload the subscription data, use the </a:t>
+            </a:r>
+            <a:br>
+              <a:rPr lang="en-US" dirty="0" smtClean="0"/>
+            </a:br>
+            <a:r>
+              <a:rPr lang="en-US" sz="1400" dirty="0">
+                <a:latin typeface="Andale Mono" panose="020B0509000000000004" pitchFamily="49" charset="0"/>
+              </a:rPr>
+              <a:t>REL5 – DW-P-SPENDINGPULSE REPLACE SUBSCRIPTION </a:t>
+            </a:r>
+            <a:r>
+              <a:rPr lang="en-US" dirty="0" smtClean="0"/>
+              <a:t>bulk type.</a:t>
+            </a:r>
+          </a:p>
+          <a:p>
+            <a:r>
+              <a:rPr lang="en-US" dirty="0" smtClean="0"/>
+              <a:t>Once the subscription data has been successfully uploaded, Approve the request … an approval email is sent to the requestor.</a:t>
+            </a:r>
+          </a:p>
+          <a:p>
+            <a:endParaRPr lang="en-US" dirty="0"/>
+          </a:p>
+        </p:txBody>
+      </p:sp>
+      <p:sp>
+        <p:nvSpPr>
+          <p:cNvPr id="3" name="Date Placeholder 2"/>
+          <p:cNvSpPr>
+            <a:spLocks noGrp="1"/>
+          </p:cNvSpPr>
+          <p:nvPr>
+            <p:ph type="dt" sz="half" idx="10"/>
+          </p:nvPr>
+        </p:nvSpPr>
+        <p:spPr/>
+        <p:txBody>
+          <a:bodyPr/>
+          <a:lstStyle/>
+          <a:p>
+            <a:r>
+              <a:rPr lang="en-US" smtClean="0"/>
+              <a:t>October 21, 2015</a:t>
+            </a:r>
+            <a:endParaRPr lang="en-US" dirty="0" smtClean="0"/>
+          </a:p>
+        </p:txBody>
+      </p:sp>
+      <p:sp>
+        <p:nvSpPr>
+          <p:cNvPr id="4" name="Slide Number Placeholder 3"/>
+          <p:cNvSpPr>
+            <a:spLocks noGrp="1"/>
+          </p:cNvSpPr>
+          <p:nvPr>
+            <p:ph type="sldNum" sz="quarter" idx="11"/>
+          </p:nvPr>
+        </p:nvSpPr>
+        <p:spPr/>
+        <p:txBody>
+          <a:bodyPr/>
+          <a:lstStyle/>
+          <a:p>
+            <a:fld id="{5698A34F-157D-4FC3-B6AE-341A8B909DED}" type="slidenum">
+              <a:rPr lang="en-US" smtClean="0"/>
+              <a:pPr/>
+              <a:t>32</a:t>
+            </a:fld>
+            <a:endParaRPr lang="en-US" dirty="0"/>
+          </a:p>
+        </p:txBody>
+      </p:sp>
+      <p:sp>
+        <p:nvSpPr>
+          <p:cNvPr id="5" name="Footer Placeholder 4"/>
+          <p:cNvSpPr>
+            <a:spLocks noGrp="1"/>
+          </p:cNvSpPr>
+          <p:nvPr>
+            <p:ph type="ftr" sz="quarter" idx="12"/>
+          </p:nvPr>
+        </p:nvSpPr>
+        <p:spPr/>
+        <p:txBody>
+          <a:bodyPr/>
+          <a:lstStyle/>
+          <a:p>
+            <a:endParaRPr lang="en-US" dirty="0"/>
+          </a:p>
+        </p:txBody>
+      </p:sp>
+      <p:sp>
+        <p:nvSpPr>
+          <p:cNvPr id="6" name="Title 5"/>
+          <p:cNvSpPr>
+            <a:spLocks noGrp="1"/>
+          </p:cNvSpPr>
+          <p:nvPr>
+            <p:ph type="title"/>
+          </p:nvPr>
+        </p:nvSpPr>
+        <p:spPr/>
+        <p:txBody>
+          <a:bodyPr/>
+          <a:lstStyle/>
+          <a:p>
+            <a:r>
+              <a:rPr lang="en-US" dirty="0" smtClean="0"/>
+              <a:t>Approve/Deny Key Requests (5) – Valid Service</a:t>
+            </a:r>
+            <a:endParaRPr lang="en-US" dirty="0"/>
+          </a:p>
+        </p:txBody>
+      </p:sp>
+      <p:sp>
+        <p:nvSpPr>
+          <p:cNvPr id="7" name="Text Placeholder 6"/>
+          <p:cNvSpPr>
+            <a:spLocks noGrp="1"/>
+          </p:cNvSpPr>
+          <p:nvPr>
+            <p:ph type="body" sz="quarter" idx="15"/>
+          </p:nvPr>
+        </p:nvSpPr>
+        <p:spPr/>
+        <p:txBody>
+          <a:bodyPr/>
+          <a:lstStyle/>
+          <a:p>
+            <a:r>
+              <a:rPr lang="en-US" dirty="0" smtClean="0"/>
+              <a:t>Administrator API How To</a:t>
+            </a:r>
+            <a:endParaRPr lang="en-US" dirty="0"/>
+          </a:p>
+        </p:txBody>
+      </p:sp>
+    </p:spTree>
+    <p:extLst>
+      <p:ext uri="{BB962C8B-B14F-4D97-AF65-F5344CB8AC3E}">
+        <p14:creationId xmlns:p14="http://schemas.microsoft.com/office/powerpoint/2010/main" val="2378687281"/>
+      </p:ext>
+    </p:extLst>
+  </p:cSld>
+  <p:clrMapOvr>
+    <a:masterClrMapping/>
+  </p:clrMapOvr>
+  <p:timing>
+    <p:tnLst>
+      <p:par>
+        <p:cTn id="1" dur="indefinite" restart="never" nodeType="tmRoot"/>
+      </p:par>
+    </p:tnLst>
+  </p:timing>
+</p:sld>
+</file>
+
+<file path=ppt/slides/slide33.xml><?xml version="1.0" encoding="utf-8"?>
+<p:sld xmlns:a="http://schemas.openxmlformats.org/drawingml/2006/main" xmlns:r="http://schemas.openxmlformats.org/officeDocument/2006/relationships" xmlns:p="http://schemas.openxmlformats.org/presentationml/2006/main">
+  <p:cSld>
+    <p:spTree>
+      <p:nvGrpSpPr>
+        <p:cNvPr id="1" name=""/>
+        <p:cNvGrpSpPr/>
+        <p:nvPr/>
+      </p:nvGrpSpPr>
+      <p:grpSpPr>
+        <a:xfrm>
+          <a:off x="0" y="0"/>
+          <a:ext cx="0" cy="0"/>
+          <a:chOff x="0" y="0"/>
+          <a:chExt cx="0" cy="0"/>
+        </a:xfrm>
+      </p:grpSpPr>
+      <p:sp>
+        <p:nvSpPr>
+          <p:cNvPr id="2" name="Text Placeholder 1"/>
+          <p:cNvSpPr>
+            <a:spLocks noGrp="1"/>
+          </p:cNvSpPr>
+          <p:nvPr>
+            <p:ph type="body" sz="quarter" idx="13"/>
+          </p:nvPr>
+        </p:nvSpPr>
+        <p:spPr>
+          <a:xfrm>
+            <a:off x="274638" y="1369734"/>
+            <a:ext cx="8283029" cy="3320929"/>
+          </a:xfrm>
+        </p:spPr>
+        <p:txBody>
+          <a:bodyPr/>
+          <a:lstStyle/>
+          <a:p>
+            <a:r>
+              <a:rPr lang="en-US" dirty="0"/>
+              <a:t>Once the subscription data has been successfully uploaded, Approve the request … an approval email is sent to the requestor.</a:t>
+            </a:r>
+          </a:p>
+          <a:p>
+            <a:r>
+              <a:rPr lang="en-US" dirty="0" smtClean="0"/>
+              <a:t>To grant production access to</a:t>
+            </a:r>
+            <a:br>
+              <a:rPr lang="en-US" dirty="0" smtClean="0"/>
+            </a:br>
+            <a:r>
+              <a:rPr lang="en-US" dirty="0" smtClean="0"/>
+              <a:t>SpendingPulse it takes BOTH:</a:t>
+            </a:r>
+          </a:p>
+          <a:p>
+            <a:pPr lvl="1"/>
+            <a:r>
+              <a:rPr lang="en-US" dirty="0" smtClean="0"/>
+              <a:t>Uploaded subscription data for the </a:t>
+            </a:r>
+            <a:br>
+              <a:rPr lang="en-US" dirty="0" smtClean="0"/>
+            </a:br>
+            <a:r>
+              <a:rPr lang="en-US" dirty="0" smtClean="0"/>
+              <a:t>Client ID</a:t>
+            </a:r>
+          </a:p>
+          <a:p>
+            <a:pPr lvl="1"/>
+            <a:r>
+              <a:rPr lang="en-US" dirty="0" smtClean="0"/>
+              <a:t>Approved Key</a:t>
+            </a:r>
+            <a:endParaRPr lang="en-US" dirty="0"/>
+          </a:p>
+        </p:txBody>
+      </p:sp>
+      <p:sp>
+        <p:nvSpPr>
+          <p:cNvPr id="3" name="Date Placeholder 2"/>
+          <p:cNvSpPr>
+            <a:spLocks noGrp="1"/>
+          </p:cNvSpPr>
+          <p:nvPr>
+            <p:ph type="dt" sz="half" idx="10"/>
+          </p:nvPr>
+        </p:nvSpPr>
+        <p:spPr/>
+        <p:txBody>
+          <a:bodyPr/>
+          <a:lstStyle/>
+          <a:p>
+            <a:r>
+              <a:rPr lang="en-US" smtClean="0"/>
+              <a:t>October 21, 2015</a:t>
+            </a:r>
+            <a:endParaRPr lang="en-US" dirty="0" smtClean="0"/>
+          </a:p>
+        </p:txBody>
+      </p:sp>
+      <p:sp>
+        <p:nvSpPr>
+          <p:cNvPr id="4" name="Slide Number Placeholder 3"/>
+          <p:cNvSpPr>
+            <a:spLocks noGrp="1"/>
+          </p:cNvSpPr>
+          <p:nvPr>
+            <p:ph type="sldNum" sz="quarter" idx="11"/>
+          </p:nvPr>
+        </p:nvSpPr>
+        <p:spPr/>
+        <p:txBody>
+          <a:bodyPr/>
+          <a:lstStyle/>
+          <a:p>
+            <a:fld id="{5698A34F-157D-4FC3-B6AE-341A8B909DED}" type="slidenum">
+              <a:rPr lang="en-US" smtClean="0"/>
+              <a:pPr/>
+              <a:t>33</a:t>
+            </a:fld>
+            <a:endParaRPr lang="en-US" dirty="0"/>
+          </a:p>
+        </p:txBody>
+      </p:sp>
+      <p:sp>
+        <p:nvSpPr>
+          <p:cNvPr id="5" name="Footer Placeholder 4"/>
+          <p:cNvSpPr>
+            <a:spLocks noGrp="1"/>
+          </p:cNvSpPr>
+          <p:nvPr>
+            <p:ph type="ftr" sz="quarter" idx="12"/>
+          </p:nvPr>
+        </p:nvSpPr>
+        <p:spPr/>
+        <p:txBody>
+          <a:bodyPr/>
+          <a:lstStyle/>
+          <a:p>
+            <a:endParaRPr lang="en-US" dirty="0"/>
+          </a:p>
+        </p:txBody>
+      </p:sp>
+      <p:sp>
+        <p:nvSpPr>
+          <p:cNvPr id="6" name="Title 5"/>
+          <p:cNvSpPr>
+            <a:spLocks noGrp="1"/>
+          </p:cNvSpPr>
+          <p:nvPr>
+            <p:ph type="title"/>
+          </p:nvPr>
+        </p:nvSpPr>
+        <p:spPr/>
+        <p:txBody>
+          <a:bodyPr/>
+          <a:lstStyle/>
+          <a:p>
+            <a:r>
+              <a:rPr lang="en-US" dirty="0" smtClean="0"/>
+              <a:t>Approve/Deny Key Requests (6) – No valid Service</a:t>
+            </a:r>
+            <a:endParaRPr lang="en-US" dirty="0"/>
+          </a:p>
+        </p:txBody>
+      </p:sp>
+      <p:sp>
+        <p:nvSpPr>
+          <p:cNvPr id="7" name="Text Placeholder 6"/>
+          <p:cNvSpPr>
+            <a:spLocks noGrp="1"/>
+          </p:cNvSpPr>
+          <p:nvPr>
+            <p:ph type="body" sz="quarter" idx="15"/>
+          </p:nvPr>
+        </p:nvSpPr>
+        <p:spPr/>
+        <p:txBody>
+          <a:bodyPr/>
+          <a:lstStyle/>
+          <a:p>
+            <a:r>
+              <a:rPr lang="en-US" dirty="0" smtClean="0"/>
+              <a:t>Administrator API How To</a:t>
+            </a:r>
+            <a:endParaRPr lang="en-US" dirty="0"/>
+          </a:p>
+        </p:txBody>
+      </p:sp>
+      <p:pic>
+        <p:nvPicPr>
+          <p:cNvPr id="9" name="Picture 8"/>
+          <p:cNvPicPr>
+            <a:picLocks noChangeAspect="1"/>
+          </p:cNvPicPr>
+          <p:nvPr/>
+        </p:nvPicPr>
+        <p:blipFill>
+          <a:blip r:embed="rId2"/>
+          <a:stretch>
+            <a:fillRect/>
+          </a:stretch>
+        </p:blipFill>
+        <p:spPr>
+          <a:xfrm>
+            <a:off x="5079061" y="2021322"/>
+            <a:ext cx="3813654" cy="1970971"/>
+          </a:xfrm>
+          <a:prstGeom prst="rect">
+            <a:avLst/>
+          </a:prstGeom>
+        </p:spPr>
+      </p:pic>
+      <p:sp>
+        <p:nvSpPr>
+          <p:cNvPr id="10" name="Right Arrow 9"/>
+          <p:cNvSpPr/>
+          <p:nvPr/>
+        </p:nvSpPr>
+        <p:spPr bwMode="gray">
+          <a:xfrm rot="16200000">
+            <a:off x="7140695" y="2795551"/>
+            <a:ext cx="244306" cy="237325"/>
+          </a:xfrm>
+          <a:prstGeom prst="rightArrow">
+            <a:avLst/>
+          </a:prstGeom>
+          <a:solidFill>
+            <a:schemeClr val="accent1"/>
+          </a:solidFill>
+          <a:ln w="9525" cap="flat" cmpd="sng" algn="ctr">
+            <a:noFill/>
+            <a:prstDash val="solid"/>
+            <a:round/>
+            <a:headEnd type="none" w="med" len="med"/>
+            <a:tailEnd type="none" w="med" len="med"/>
+          </a:ln>
+          <a:effectLst/>
+        </p:spPr>
+        <p:txBody>
+          <a:bodyPr vert="horz" wrap="square" lIns="91440" tIns="45720" rIns="91440" bIns="45720" numCol="1" rtlCol="0" anchor="ctr" anchorCtr="0" compatLnSpc="1">
+            <a:prstTxWarp prst="textNoShape">
+              <a:avLst/>
+            </a:prstTxWarp>
+          </a:bodyPr>
+          <a:lstStyle/>
+          <a:p>
+            <a:pPr marL="0" marR="0" indent="0" algn="l" defTabSz="914400" rtl="0" eaLnBrk="1" fontAlgn="base" latinLnBrk="0" hangingPunct="1">
+              <a:lnSpc>
+                <a:spcPct val="100000"/>
+              </a:lnSpc>
+              <a:spcBef>
+                <a:spcPct val="0"/>
+              </a:spcBef>
+              <a:spcAft>
+                <a:spcPct val="0"/>
+              </a:spcAft>
+              <a:buClrTx/>
+              <a:buSzTx/>
+              <a:buFontTx/>
+              <a:buNone/>
+              <a:tabLst/>
+            </a:pPr>
+            <a:endParaRPr kumimoji="0" lang="en-US" sz="2000" b="0" i="0" u="none" strike="noStrike" cap="none" normalizeH="0" baseline="0" dirty="0" smtClean="0">
+              <a:ln>
+                <a:noFill/>
+              </a:ln>
+              <a:solidFill>
+                <a:schemeClr val="bg1"/>
+              </a:solidFill>
+              <a:effectLst/>
+              <a:latin typeface="Arial" pitchFamily="2" charset="0"/>
+            </a:endParaRPr>
+          </a:p>
+        </p:txBody>
+      </p:sp>
+    </p:spTree>
+    <p:extLst>
+      <p:ext uri="{BB962C8B-B14F-4D97-AF65-F5344CB8AC3E}">
+        <p14:creationId xmlns:p14="http://schemas.microsoft.com/office/powerpoint/2010/main" val="4192355193"/>
+      </p:ext>
+    </p:extLst>
+  </p:cSld>
+  <p:clrMapOvr>
+    <a:masterClrMapping/>
+  </p:clrMapOvr>
+  <p:timing>
+    <p:tnLst>
+      <p:par>
+        <p:cTn id="1" dur="indefinite" restart="never" nodeType="tmRoot"/>
+      </p:par>
+    </p:tnLst>
+  </p:timing>
+</p:sld>
+</file>
+
+<file path=ppt/slides/slide34.xml><?xml version="1.0" encoding="utf-8"?>
+<p:sld xmlns:a="http://schemas.openxmlformats.org/drawingml/2006/main" xmlns:r="http://schemas.openxmlformats.org/officeDocument/2006/relationships" xmlns:p="http://schemas.openxmlformats.org/presentationml/2006/main">
+  <p:cSld>
+    <p:spTree>
+      <p:nvGrpSpPr>
+        <p:cNvPr id="1" name=""/>
+        <p:cNvGrpSpPr/>
+        <p:nvPr/>
+      </p:nvGrpSpPr>
+      <p:grpSpPr>
+        <a:xfrm>
+          <a:off x="0" y="0"/>
+          <a:ext cx="0" cy="0"/>
+          <a:chOff x="0" y="0"/>
+          <a:chExt cx="0" cy="0"/>
+        </a:xfrm>
+      </p:grpSpPr>
+      <p:sp>
+        <p:nvSpPr>
+          <p:cNvPr id="2" name="Text Placeholder 1"/>
+          <p:cNvSpPr>
+            <a:spLocks noGrp="1"/>
+          </p:cNvSpPr>
+          <p:nvPr>
+            <p:ph type="body" sz="quarter" idx="13"/>
+          </p:nvPr>
+        </p:nvSpPr>
+        <p:spPr>
+          <a:xfrm>
+            <a:off x="274638" y="1369734"/>
+            <a:ext cx="8283029" cy="3320929"/>
+          </a:xfrm>
+        </p:spPr>
+        <p:txBody>
+          <a:bodyPr/>
+          <a:lstStyle/>
+          <a:p>
+            <a:r>
+              <a:rPr lang="en-US" dirty="0"/>
+              <a:t>Log in to the API Admin </a:t>
+            </a:r>
+            <a:r>
+              <a:rPr lang="en-US" dirty="0" smtClean="0"/>
+              <a:t>Application </a:t>
+            </a:r>
+            <a:br>
+              <a:rPr lang="en-US" dirty="0" smtClean="0"/>
+            </a:br>
+            <a:r>
+              <a:rPr lang="en-US" dirty="0" smtClean="0"/>
+              <a:t>(slide 27)</a:t>
+            </a:r>
+          </a:p>
+          <a:p>
+            <a:r>
+              <a:rPr lang="en-US" dirty="0"/>
+              <a:t>From the now displayed “Service </a:t>
+            </a:r>
+            <a:br>
+              <a:rPr lang="en-US" dirty="0"/>
+            </a:br>
+            <a:r>
+              <a:rPr lang="en-US" dirty="0"/>
+              <a:t>Management” list …</a:t>
+            </a:r>
+          </a:p>
+          <a:p>
+            <a:pPr lvl="1"/>
+            <a:r>
+              <a:rPr lang="en-US" dirty="0"/>
+              <a:t>Click </a:t>
+            </a:r>
+            <a:r>
+              <a:rPr lang="en-US" dirty="0" smtClean="0"/>
+              <a:t>“Client Configuration for Svc”</a:t>
+            </a:r>
+          </a:p>
+          <a:p>
+            <a:pPr lvl="1"/>
+            <a:r>
+              <a:rPr lang="en-US" dirty="0"/>
+              <a:t>Choose “Sector Insights” or </a:t>
+            </a:r>
+            <a:br>
+              <a:rPr lang="en-US" dirty="0"/>
+            </a:br>
+            <a:r>
+              <a:rPr lang="en-US" dirty="0"/>
+              <a:t>“SpendingPulse” from the </a:t>
+            </a:r>
+            <a:br>
+              <a:rPr lang="en-US" dirty="0"/>
+            </a:br>
+            <a:r>
+              <a:rPr lang="en-US" dirty="0"/>
+              <a:t>Service drop-down</a:t>
+            </a:r>
+            <a:r>
+              <a:rPr lang="en-US" dirty="0" smtClean="0"/>
+              <a:t>.</a:t>
+            </a:r>
+          </a:p>
+          <a:p>
+            <a:pPr lvl="1"/>
+            <a:r>
+              <a:rPr lang="en-US" dirty="0" smtClean="0"/>
+              <a:t>Use the “Search” fields to locate the owner/App </a:t>
+            </a:r>
+            <a:br>
+              <a:rPr lang="en-US" dirty="0" smtClean="0"/>
+            </a:br>
+            <a:r>
+              <a:rPr lang="en-US" dirty="0" smtClean="0"/>
+              <a:t>of the key you </a:t>
+            </a:r>
+            <a:r>
+              <a:rPr lang="en-US" dirty="0"/>
+              <a:t>w</a:t>
+            </a:r>
+            <a:r>
+              <a:rPr lang="en-US" dirty="0" smtClean="0"/>
+              <a:t>ant to revoke.</a:t>
+            </a:r>
+          </a:p>
+          <a:p>
+            <a:pPr lvl="1"/>
+            <a:r>
+              <a:rPr lang="en-US" dirty="0" smtClean="0"/>
+              <a:t>Select the key within the “Search Results” list.</a:t>
+            </a:r>
+            <a:endParaRPr lang="en-US" dirty="0"/>
+          </a:p>
+          <a:p>
+            <a:endParaRPr lang="en-US" dirty="0"/>
+          </a:p>
+        </p:txBody>
+      </p:sp>
+      <p:sp>
+        <p:nvSpPr>
+          <p:cNvPr id="3" name="Date Placeholder 2"/>
+          <p:cNvSpPr>
+            <a:spLocks noGrp="1"/>
+          </p:cNvSpPr>
+          <p:nvPr>
+            <p:ph type="dt" sz="half" idx="10"/>
+          </p:nvPr>
+        </p:nvSpPr>
+        <p:spPr/>
+        <p:txBody>
+          <a:bodyPr/>
+          <a:lstStyle/>
+          <a:p>
+            <a:r>
+              <a:rPr lang="en-US" smtClean="0"/>
+              <a:t>October 21, 2015</a:t>
+            </a:r>
+            <a:endParaRPr lang="en-US" dirty="0" smtClean="0"/>
+          </a:p>
+        </p:txBody>
+      </p:sp>
+      <p:sp>
+        <p:nvSpPr>
+          <p:cNvPr id="4" name="Slide Number Placeholder 3"/>
+          <p:cNvSpPr>
+            <a:spLocks noGrp="1"/>
+          </p:cNvSpPr>
+          <p:nvPr>
+            <p:ph type="sldNum" sz="quarter" idx="11"/>
+          </p:nvPr>
+        </p:nvSpPr>
+        <p:spPr/>
+        <p:txBody>
+          <a:bodyPr/>
+          <a:lstStyle/>
+          <a:p>
+            <a:fld id="{5698A34F-157D-4FC3-B6AE-341A8B909DED}" type="slidenum">
+              <a:rPr lang="en-US" smtClean="0"/>
+              <a:pPr/>
+              <a:t>34</a:t>
+            </a:fld>
+            <a:endParaRPr lang="en-US" dirty="0"/>
+          </a:p>
+        </p:txBody>
+      </p:sp>
+      <p:sp>
+        <p:nvSpPr>
+          <p:cNvPr id="5" name="Footer Placeholder 4"/>
+          <p:cNvSpPr>
+            <a:spLocks noGrp="1"/>
+          </p:cNvSpPr>
+          <p:nvPr>
+            <p:ph type="ftr" sz="quarter" idx="12"/>
+          </p:nvPr>
+        </p:nvSpPr>
+        <p:spPr/>
+        <p:txBody>
+          <a:bodyPr/>
+          <a:lstStyle/>
+          <a:p>
+            <a:endParaRPr lang="en-US" dirty="0"/>
+          </a:p>
+        </p:txBody>
+      </p:sp>
+      <p:sp>
+        <p:nvSpPr>
+          <p:cNvPr id="6" name="Title 5"/>
+          <p:cNvSpPr>
+            <a:spLocks noGrp="1"/>
+          </p:cNvSpPr>
+          <p:nvPr>
+            <p:ph type="title"/>
+          </p:nvPr>
+        </p:nvSpPr>
+        <p:spPr>
+          <a:xfrm>
+            <a:off x="273915" y="644462"/>
+            <a:ext cx="8618799" cy="486287"/>
+          </a:xfrm>
+        </p:spPr>
+        <p:txBody>
+          <a:bodyPr/>
+          <a:lstStyle/>
+          <a:p>
+            <a:r>
+              <a:rPr lang="en-US" dirty="0" smtClean="0"/>
+              <a:t>How to Deactivate/Deny a Previously Approved Key (1)</a:t>
+            </a:r>
+            <a:endParaRPr lang="en-US" dirty="0"/>
+          </a:p>
+        </p:txBody>
+      </p:sp>
+      <p:sp>
+        <p:nvSpPr>
+          <p:cNvPr id="7" name="Text Placeholder 6"/>
+          <p:cNvSpPr>
+            <a:spLocks noGrp="1"/>
+          </p:cNvSpPr>
+          <p:nvPr>
+            <p:ph type="body" sz="quarter" idx="15"/>
+          </p:nvPr>
+        </p:nvSpPr>
+        <p:spPr/>
+        <p:txBody>
+          <a:bodyPr/>
+          <a:lstStyle/>
+          <a:p>
+            <a:r>
+              <a:rPr lang="en-US" dirty="0" smtClean="0"/>
+              <a:t>Administrator API How To</a:t>
+            </a:r>
+            <a:endParaRPr lang="en-US" dirty="0"/>
+          </a:p>
+        </p:txBody>
+      </p:sp>
+      <p:pic>
+        <p:nvPicPr>
+          <p:cNvPr id="18" name="Picture 17"/>
+          <p:cNvPicPr>
+            <a:picLocks noChangeAspect="1"/>
+          </p:cNvPicPr>
+          <p:nvPr/>
+        </p:nvPicPr>
+        <p:blipFill>
+          <a:blip r:embed="rId2"/>
+          <a:stretch>
+            <a:fillRect/>
+          </a:stretch>
+        </p:blipFill>
+        <p:spPr>
+          <a:xfrm>
+            <a:off x="4647618" y="1369734"/>
+            <a:ext cx="4160520" cy="2555215"/>
+          </a:xfrm>
+          <a:prstGeom prst="rect">
+            <a:avLst/>
+          </a:prstGeom>
+        </p:spPr>
+      </p:pic>
+      <p:sp>
+        <p:nvSpPr>
+          <p:cNvPr id="12" name="Right Arrow 11"/>
+          <p:cNvSpPr/>
+          <p:nvPr/>
+        </p:nvSpPr>
+        <p:spPr bwMode="gray">
+          <a:xfrm>
+            <a:off x="4325613" y="1633569"/>
+            <a:ext cx="342027" cy="137859"/>
+          </a:xfrm>
+          <a:prstGeom prst="rightArrow">
+            <a:avLst/>
+          </a:prstGeom>
+          <a:solidFill>
+            <a:schemeClr val="accent1"/>
+          </a:solidFill>
+          <a:ln w="9525" cap="flat" cmpd="sng" algn="ctr">
+            <a:noFill/>
+            <a:prstDash val="solid"/>
+            <a:round/>
+            <a:headEnd type="none" w="med" len="med"/>
+            <a:tailEnd type="none" w="med" len="med"/>
+          </a:ln>
+          <a:effectLst/>
+        </p:spPr>
+        <p:txBody>
+          <a:bodyPr vert="horz" wrap="square" lIns="91440" tIns="45720" rIns="91440" bIns="45720" numCol="1" rtlCol="0" anchor="ctr" anchorCtr="0" compatLnSpc="1">
+            <a:prstTxWarp prst="textNoShape">
+              <a:avLst/>
+            </a:prstTxWarp>
+          </a:bodyPr>
+          <a:lstStyle/>
+          <a:p>
+            <a:pPr marL="0" marR="0" indent="0" algn="l" defTabSz="914400" rtl="0" eaLnBrk="1" fontAlgn="base" latinLnBrk="0" hangingPunct="1">
+              <a:lnSpc>
+                <a:spcPct val="100000"/>
+              </a:lnSpc>
+              <a:spcBef>
+                <a:spcPct val="0"/>
+              </a:spcBef>
+              <a:spcAft>
+                <a:spcPct val="0"/>
+              </a:spcAft>
+              <a:buClrTx/>
+              <a:buSzTx/>
+              <a:buFontTx/>
+              <a:buNone/>
+              <a:tabLst/>
+            </a:pPr>
+            <a:endParaRPr kumimoji="0" lang="en-US" sz="2000" b="0" i="0" u="none" strike="noStrike" cap="none" normalizeH="0" baseline="0" dirty="0" smtClean="0">
+              <a:ln>
+                <a:noFill/>
+              </a:ln>
+              <a:solidFill>
+                <a:schemeClr val="bg1"/>
+              </a:solidFill>
+              <a:effectLst/>
+              <a:latin typeface="Arial" pitchFamily="2" charset="0"/>
+            </a:endParaRPr>
+          </a:p>
+        </p:txBody>
+      </p:sp>
+      <p:sp>
+        <p:nvSpPr>
+          <p:cNvPr id="13" name="Right Arrow 12"/>
+          <p:cNvSpPr/>
+          <p:nvPr/>
+        </p:nvSpPr>
+        <p:spPr bwMode="gray">
+          <a:xfrm rot="16200000">
+            <a:off x="7045143" y="1561174"/>
+            <a:ext cx="221621" cy="198886"/>
+          </a:xfrm>
+          <a:prstGeom prst="rightArrow">
+            <a:avLst/>
+          </a:prstGeom>
+          <a:solidFill>
+            <a:schemeClr val="accent1"/>
+          </a:solidFill>
+          <a:ln w="9525" cap="flat" cmpd="sng" algn="ctr">
+            <a:noFill/>
+            <a:prstDash val="solid"/>
+            <a:round/>
+            <a:headEnd type="none" w="med" len="med"/>
+            <a:tailEnd type="none" w="med" len="med"/>
+          </a:ln>
+          <a:effectLst/>
+        </p:spPr>
+        <p:txBody>
+          <a:bodyPr vert="horz" wrap="square" lIns="91440" tIns="45720" rIns="91440" bIns="45720" numCol="1" rtlCol="0" anchor="ctr" anchorCtr="0" compatLnSpc="1">
+            <a:prstTxWarp prst="textNoShape">
+              <a:avLst/>
+            </a:prstTxWarp>
+          </a:bodyPr>
+          <a:lstStyle/>
+          <a:p>
+            <a:pPr marL="0" marR="0" indent="0" algn="l" defTabSz="914400" rtl="0" eaLnBrk="1" fontAlgn="base" latinLnBrk="0" hangingPunct="1">
+              <a:lnSpc>
+                <a:spcPct val="100000"/>
+              </a:lnSpc>
+              <a:spcBef>
+                <a:spcPct val="0"/>
+              </a:spcBef>
+              <a:spcAft>
+                <a:spcPct val="0"/>
+              </a:spcAft>
+              <a:buClrTx/>
+              <a:buSzTx/>
+              <a:buFontTx/>
+              <a:buNone/>
+              <a:tabLst/>
+            </a:pPr>
+            <a:endParaRPr kumimoji="0" lang="en-US" sz="2000" b="0" i="0" u="none" strike="noStrike" cap="none" normalizeH="0" baseline="0" dirty="0" smtClean="0">
+              <a:ln>
+                <a:noFill/>
+              </a:ln>
+              <a:solidFill>
+                <a:schemeClr val="bg1"/>
+              </a:solidFill>
+              <a:effectLst/>
+              <a:latin typeface="Arial" pitchFamily="2" charset="0"/>
+            </a:endParaRPr>
+          </a:p>
+        </p:txBody>
+      </p:sp>
+      <p:sp>
+        <p:nvSpPr>
+          <p:cNvPr id="15" name="Right Arrow 14"/>
+          <p:cNvSpPr/>
+          <p:nvPr/>
+        </p:nvSpPr>
+        <p:spPr bwMode="gray">
+          <a:xfrm rot="19866145">
+            <a:off x="3487319" y="3030901"/>
+            <a:ext cx="2443768" cy="102691"/>
+          </a:xfrm>
+          <a:prstGeom prst="rightArrow">
+            <a:avLst/>
+          </a:prstGeom>
+          <a:solidFill>
+            <a:schemeClr val="accent1"/>
+          </a:solidFill>
+          <a:ln w="9525" cap="flat" cmpd="sng" algn="ctr">
+            <a:noFill/>
+            <a:prstDash val="solid"/>
+            <a:round/>
+            <a:headEnd type="none" w="med" len="med"/>
+            <a:tailEnd type="none" w="med" len="med"/>
+          </a:ln>
+          <a:effectLst/>
+        </p:spPr>
+        <p:txBody>
+          <a:bodyPr vert="horz" wrap="square" lIns="91440" tIns="45720" rIns="91440" bIns="45720" numCol="1" rtlCol="0" anchor="ctr" anchorCtr="0" compatLnSpc="1">
+            <a:prstTxWarp prst="textNoShape">
+              <a:avLst/>
+            </a:prstTxWarp>
+          </a:bodyPr>
+          <a:lstStyle/>
+          <a:p>
+            <a:pPr marL="0" marR="0" indent="0" algn="l" defTabSz="914400" rtl="0" eaLnBrk="1" fontAlgn="base" latinLnBrk="0" hangingPunct="1">
+              <a:lnSpc>
+                <a:spcPct val="100000"/>
+              </a:lnSpc>
+              <a:spcBef>
+                <a:spcPct val="0"/>
+              </a:spcBef>
+              <a:spcAft>
+                <a:spcPct val="0"/>
+              </a:spcAft>
+              <a:buClrTx/>
+              <a:buSzTx/>
+              <a:buFontTx/>
+              <a:buNone/>
+              <a:tabLst/>
+            </a:pPr>
+            <a:endParaRPr kumimoji="0" lang="en-US" sz="2000" b="0" i="0" u="none" strike="noStrike" cap="none" normalizeH="0" baseline="0" dirty="0" smtClean="0">
+              <a:ln>
+                <a:noFill/>
+              </a:ln>
+              <a:solidFill>
+                <a:schemeClr val="bg1"/>
+              </a:solidFill>
+              <a:effectLst/>
+              <a:latin typeface="Arial" pitchFamily="2" charset="0"/>
+            </a:endParaRPr>
+          </a:p>
+        </p:txBody>
+      </p:sp>
+      <p:sp>
+        <p:nvSpPr>
+          <p:cNvPr id="16" name="Right Arrow 15"/>
+          <p:cNvSpPr/>
+          <p:nvPr/>
+        </p:nvSpPr>
+        <p:spPr bwMode="gray">
+          <a:xfrm rot="18373809">
+            <a:off x="5284640" y="3852578"/>
+            <a:ext cx="1209725" cy="103155"/>
+          </a:xfrm>
+          <a:prstGeom prst="rightArrow">
+            <a:avLst/>
+          </a:prstGeom>
+          <a:solidFill>
+            <a:schemeClr val="accent1"/>
+          </a:solidFill>
+          <a:ln w="9525" cap="flat" cmpd="sng" algn="ctr">
+            <a:noFill/>
+            <a:prstDash val="solid"/>
+            <a:round/>
+            <a:headEnd type="none" w="med" len="med"/>
+            <a:tailEnd type="none" w="med" len="med"/>
+          </a:ln>
+          <a:effectLst/>
+        </p:spPr>
+        <p:txBody>
+          <a:bodyPr vert="horz" wrap="square" lIns="91440" tIns="45720" rIns="91440" bIns="45720" numCol="1" rtlCol="0" anchor="ctr" anchorCtr="0" compatLnSpc="1">
+            <a:prstTxWarp prst="textNoShape">
+              <a:avLst/>
+            </a:prstTxWarp>
+          </a:bodyPr>
+          <a:lstStyle/>
+          <a:p>
+            <a:pPr marL="0" marR="0" indent="0" algn="l" defTabSz="914400" rtl="0" eaLnBrk="1" fontAlgn="base" latinLnBrk="0" hangingPunct="1">
+              <a:lnSpc>
+                <a:spcPct val="100000"/>
+              </a:lnSpc>
+              <a:spcBef>
+                <a:spcPct val="0"/>
+              </a:spcBef>
+              <a:spcAft>
+                <a:spcPct val="0"/>
+              </a:spcAft>
+              <a:buClrTx/>
+              <a:buSzTx/>
+              <a:buFontTx/>
+              <a:buNone/>
+              <a:tabLst/>
+            </a:pPr>
+            <a:endParaRPr kumimoji="0" lang="en-US" sz="2000" b="0" i="0" u="none" strike="noStrike" cap="none" normalizeH="0" baseline="0" dirty="0" smtClean="0">
+              <a:ln>
+                <a:noFill/>
+              </a:ln>
+              <a:solidFill>
+                <a:schemeClr val="bg1"/>
+              </a:solidFill>
+              <a:effectLst/>
+              <a:latin typeface="Arial" pitchFamily="2" charset="0"/>
+            </a:endParaRPr>
+          </a:p>
+        </p:txBody>
+      </p:sp>
+    </p:spTree>
+    <p:extLst>
+      <p:ext uri="{BB962C8B-B14F-4D97-AF65-F5344CB8AC3E}">
+        <p14:creationId xmlns:p14="http://schemas.microsoft.com/office/powerpoint/2010/main" val="2039868981"/>
+      </p:ext>
+    </p:extLst>
+  </p:cSld>
+  <p:clrMapOvr>
+    <a:masterClrMapping/>
+  </p:clrMapOvr>
+  <p:timing>
+    <p:tnLst>
+      <p:par>
+        <p:cTn id="1" dur="indefinite" restart="never" nodeType="tmRoot"/>
+      </p:par>
+    </p:tnLst>
+  </p:timing>
+</p:sld>
+</file>
+
+<file path=ppt/slides/slide35.xml><?xml version="1.0" encoding="utf-8"?>
+<p:sld xmlns:a="http://schemas.openxmlformats.org/drawingml/2006/main" xmlns:r="http://schemas.openxmlformats.org/officeDocument/2006/relationships" xmlns:p="http://schemas.openxmlformats.org/presentationml/2006/main">
+  <p:cSld>
+    <p:spTree>
+      <p:nvGrpSpPr>
+        <p:cNvPr id="1" name=""/>
+        <p:cNvGrpSpPr/>
+        <p:nvPr/>
+      </p:nvGrpSpPr>
+      <p:grpSpPr>
+        <a:xfrm>
+          <a:off x="0" y="0"/>
+          <a:ext cx="0" cy="0"/>
+          <a:chOff x="0" y="0"/>
+          <a:chExt cx="0" cy="0"/>
+        </a:xfrm>
+      </p:grpSpPr>
+      <p:sp>
+        <p:nvSpPr>
+          <p:cNvPr id="2" name="Text Placeholder 1"/>
+          <p:cNvSpPr>
+            <a:spLocks noGrp="1"/>
+          </p:cNvSpPr>
+          <p:nvPr>
+            <p:ph type="body" sz="quarter" idx="13"/>
+          </p:nvPr>
+        </p:nvSpPr>
+        <p:spPr>
+          <a:xfrm>
+            <a:off x="274638" y="987818"/>
+            <a:ext cx="8283029" cy="3737694"/>
+          </a:xfrm>
+        </p:spPr>
+        <p:txBody>
+          <a:bodyPr/>
+          <a:lstStyle/>
+          <a:p>
+            <a:pPr lvl="1"/>
+            <a:endParaRPr lang="en-US" dirty="0" smtClean="0"/>
+          </a:p>
+          <a:p>
+            <a:pPr lvl="1"/>
+            <a:endParaRPr lang="en-US" dirty="0"/>
+          </a:p>
+          <a:p>
+            <a:pPr lvl="1"/>
+            <a:endParaRPr lang="en-US" dirty="0" smtClean="0"/>
+          </a:p>
+          <a:p>
+            <a:pPr lvl="1"/>
+            <a:endParaRPr lang="en-US" dirty="0"/>
+          </a:p>
+          <a:p>
+            <a:pPr lvl="1"/>
+            <a:endParaRPr lang="en-US" dirty="0" smtClean="0"/>
+          </a:p>
+          <a:p>
+            <a:pPr lvl="1"/>
+            <a:endParaRPr lang="en-US" dirty="0" smtClean="0"/>
+          </a:p>
+          <a:p>
+            <a:pPr lvl="1"/>
+            <a:r>
+              <a:rPr lang="en-US" dirty="0" smtClean="0"/>
+              <a:t>Uncheck the “Granted” box</a:t>
+            </a:r>
+          </a:p>
+          <a:p>
+            <a:pPr lvl="1"/>
+            <a:endParaRPr lang="en-US" dirty="0"/>
+          </a:p>
+          <a:p>
+            <a:pPr lvl="1"/>
+            <a:endParaRPr lang="en-US" dirty="0" smtClean="0"/>
+          </a:p>
+          <a:p>
+            <a:pPr lvl="1"/>
+            <a:r>
+              <a:rPr lang="en-US" dirty="0" smtClean="0"/>
+              <a:t>Click “Submit”</a:t>
+            </a:r>
+          </a:p>
+          <a:p>
+            <a:pPr lvl="1"/>
+            <a:r>
+              <a:rPr lang="en-US" dirty="0" smtClean="0"/>
+              <a:t>Remove the Client ID from either the subscription data file (one or both) as needed. If for SpendingPulse, upload the subscription file (see slide 31).</a:t>
+            </a:r>
+            <a:br>
+              <a:rPr lang="en-US" dirty="0" smtClean="0"/>
+            </a:br>
+            <a:r>
+              <a:rPr lang="en-US" sz="1200" dirty="0" smtClean="0">
+                <a:latin typeface="Andale Mono" panose="020B0509000000000004" pitchFamily="49" charset="0"/>
+              </a:rPr>
+              <a:t>Sector </a:t>
+            </a:r>
+            <a:r>
+              <a:rPr lang="en-US" sz="1200" dirty="0">
+                <a:latin typeface="Andale Mono" panose="020B0509000000000004" pitchFamily="49" charset="0"/>
+              </a:rPr>
+              <a:t>insights Keys.xlsx </a:t>
+            </a:r>
+            <a:r>
+              <a:rPr lang="en-US" dirty="0"/>
+              <a:t>or</a:t>
+            </a:r>
+            <a:r>
+              <a:rPr lang="en-US" sz="1200" dirty="0" smtClean="0">
+                <a:latin typeface="Andale Mono" panose="020B0509000000000004" pitchFamily="49" charset="0"/>
+              </a:rPr>
+              <a:t> SpendingPulse </a:t>
+            </a:r>
+            <a:r>
+              <a:rPr lang="en-US" sz="1200" dirty="0">
+                <a:latin typeface="Andale Mono" panose="020B0509000000000004" pitchFamily="49" charset="0"/>
+              </a:rPr>
+              <a:t>API Subscription Data.xlsx </a:t>
+            </a:r>
+            <a:r>
+              <a:rPr lang="en-US" sz="1200" dirty="0" smtClean="0">
+                <a:latin typeface="Andale Mono" panose="020B0509000000000004" pitchFamily="49" charset="0"/>
+              </a:rPr>
+              <a:t/>
+            </a:r>
+            <a:br>
+              <a:rPr lang="en-US" sz="1200" dirty="0" smtClean="0">
+                <a:latin typeface="Andale Mono" panose="020B0509000000000004" pitchFamily="49" charset="0"/>
+              </a:rPr>
+            </a:br>
+            <a:endParaRPr lang="en-US" sz="1200" dirty="0">
+              <a:latin typeface="Andale Mono" panose="020B0509000000000004" pitchFamily="49" charset="0"/>
+            </a:endParaRPr>
+          </a:p>
+        </p:txBody>
+      </p:sp>
+      <p:sp>
+        <p:nvSpPr>
+          <p:cNvPr id="3" name="Date Placeholder 2"/>
+          <p:cNvSpPr>
+            <a:spLocks noGrp="1"/>
+          </p:cNvSpPr>
+          <p:nvPr>
+            <p:ph type="dt" sz="half" idx="10"/>
+          </p:nvPr>
+        </p:nvSpPr>
+        <p:spPr/>
+        <p:txBody>
+          <a:bodyPr/>
+          <a:lstStyle/>
+          <a:p>
+            <a:r>
+              <a:rPr lang="en-US" smtClean="0"/>
+              <a:t>October 21, 2015</a:t>
+            </a:r>
+            <a:endParaRPr lang="en-US" dirty="0" smtClean="0"/>
+          </a:p>
+        </p:txBody>
+      </p:sp>
+      <p:sp>
+        <p:nvSpPr>
+          <p:cNvPr id="4" name="Slide Number Placeholder 3"/>
+          <p:cNvSpPr>
+            <a:spLocks noGrp="1"/>
+          </p:cNvSpPr>
+          <p:nvPr>
+            <p:ph type="sldNum" sz="quarter" idx="11"/>
+          </p:nvPr>
+        </p:nvSpPr>
+        <p:spPr/>
+        <p:txBody>
+          <a:bodyPr/>
+          <a:lstStyle/>
+          <a:p>
+            <a:fld id="{5698A34F-157D-4FC3-B6AE-341A8B909DED}" type="slidenum">
+              <a:rPr lang="en-US" smtClean="0"/>
+              <a:pPr/>
+              <a:t>35</a:t>
+            </a:fld>
+            <a:endParaRPr lang="en-US" dirty="0"/>
+          </a:p>
+        </p:txBody>
+      </p:sp>
+      <p:sp>
+        <p:nvSpPr>
+          <p:cNvPr id="5" name="Footer Placeholder 4"/>
+          <p:cNvSpPr>
+            <a:spLocks noGrp="1"/>
+          </p:cNvSpPr>
+          <p:nvPr>
+            <p:ph type="ftr" sz="quarter" idx="12"/>
+          </p:nvPr>
+        </p:nvSpPr>
+        <p:spPr/>
+        <p:txBody>
+          <a:bodyPr/>
+          <a:lstStyle/>
+          <a:p>
+            <a:endParaRPr lang="en-US" dirty="0"/>
+          </a:p>
+        </p:txBody>
+      </p:sp>
+      <p:sp>
+        <p:nvSpPr>
+          <p:cNvPr id="6" name="Title 5"/>
+          <p:cNvSpPr>
+            <a:spLocks noGrp="1"/>
+          </p:cNvSpPr>
+          <p:nvPr>
+            <p:ph type="title"/>
+          </p:nvPr>
+        </p:nvSpPr>
+        <p:spPr>
+          <a:xfrm>
+            <a:off x="273915" y="644462"/>
+            <a:ext cx="8618799" cy="486287"/>
+          </a:xfrm>
+        </p:spPr>
+        <p:txBody>
+          <a:bodyPr/>
+          <a:lstStyle/>
+          <a:p>
+            <a:r>
+              <a:rPr lang="en-US" dirty="0" smtClean="0"/>
+              <a:t>How to Deactivate/Deny a Previously Approved Key (2)</a:t>
+            </a:r>
+            <a:endParaRPr lang="en-US" dirty="0"/>
+          </a:p>
+        </p:txBody>
+      </p:sp>
+      <p:sp>
+        <p:nvSpPr>
+          <p:cNvPr id="7" name="Text Placeholder 6"/>
+          <p:cNvSpPr>
+            <a:spLocks noGrp="1"/>
+          </p:cNvSpPr>
+          <p:nvPr>
+            <p:ph type="body" sz="quarter" idx="15"/>
+          </p:nvPr>
+        </p:nvSpPr>
+        <p:spPr/>
+        <p:txBody>
+          <a:bodyPr/>
+          <a:lstStyle/>
+          <a:p>
+            <a:r>
+              <a:rPr lang="en-US" dirty="0" smtClean="0"/>
+              <a:t>Administrator API How To</a:t>
+            </a:r>
+            <a:endParaRPr lang="en-US" dirty="0"/>
+          </a:p>
+        </p:txBody>
+      </p:sp>
+      <p:pic>
+        <p:nvPicPr>
+          <p:cNvPr id="18" name="Picture 17"/>
+          <p:cNvPicPr>
+            <a:picLocks noChangeAspect="1"/>
+          </p:cNvPicPr>
+          <p:nvPr/>
+        </p:nvPicPr>
+        <p:blipFill>
+          <a:blip r:embed="rId2"/>
+          <a:stretch>
+            <a:fillRect/>
+          </a:stretch>
+        </p:blipFill>
+        <p:spPr>
+          <a:xfrm>
+            <a:off x="4647618" y="1162824"/>
+            <a:ext cx="4160520" cy="2555215"/>
+          </a:xfrm>
+          <a:prstGeom prst="rect">
+            <a:avLst/>
+          </a:prstGeom>
+        </p:spPr>
+      </p:pic>
+      <p:sp>
+        <p:nvSpPr>
+          <p:cNvPr id="12" name="Right Arrow 11"/>
+          <p:cNvSpPr/>
+          <p:nvPr/>
+        </p:nvSpPr>
+        <p:spPr bwMode="gray">
+          <a:xfrm>
+            <a:off x="3731583" y="2846013"/>
+            <a:ext cx="3570532" cy="84070"/>
+          </a:xfrm>
+          <a:prstGeom prst="rightArrow">
+            <a:avLst/>
+          </a:prstGeom>
+          <a:solidFill>
+            <a:schemeClr val="accent1"/>
+          </a:solidFill>
+          <a:ln w="9525" cap="flat" cmpd="sng" algn="ctr">
+            <a:noFill/>
+            <a:prstDash val="solid"/>
+            <a:round/>
+            <a:headEnd type="none" w="med" len="med"/>
+            <a:tailEnd type="none" w="med" len="med"/>
+          </a:ln>
+          <a:effectLst/>
+        </p:spPr>
+        <p:txBody>
+          <a:bodyPr vert="horz" wrap="square" lIns="91440" tIns="45720" rIns="91440" bIns="45720" numCol="1" rtlCol="0" anchor="ctr" anchorCtr="0" compatLnSpc="1">
+            <a:prstTxWarp prst="textNoShape">
+              <a:avLst/>
+            </a:prstTxWarp>
+          </a:bodyPr>
+          <a:lstStyle/>
+          <a:p>
+            <a:pPr marL="0" marR="0" indent="0" algn="l" defTabSz="914400" rtl="0" eaLnBrk="1" fontAlgn="base" latinLnBrk="0" hangingPunct="1">
+              <a:lnSpc>
+                <a:spcPct val="100000"/>
+              </a:lnSpc>
+              <a:spcBef>
+                <a:spcPct val="0"/>
+              </a:spcBef>
+              <a:spcAft>
+                <a:spcPct val="0"/>
+              </a:spcAft>
+              <a:buClrTx/>
+              <a:buSzTx/>
+              <a:buFontTx/>
+              <a:buNone/>
+              <a:tabLst/>
+            </a:pPr>
+            <a:endParaRPr kumimoji="0" lang="en-US" sz="2000" b="0" i="0" u="none" strike="noStrike" cap="none" normalizeH="0" baseline="0" dirty="0" smtClean="0">
+              <a:ln>
+                <a:noFill/>
+              </a:ln>
+              <a:solidFill>
+                <a:schemeClr val="bg1"/>
+              </a:solidFill>
+              <a:effectLst/>
+              <a:latin typeface="Arial" pitchFamily="2" charset="0"/>
+            </a:endParaRPr>
+          </a:p>
+        </p:txBody>
+      </p:sp>
+      <p:sp>
+        <p:nvSpPr>
+          <p:cNvPr id="14" name="Right Arrow 13"/>
+          <p:cNvSpPr/>
+          <p:nvPr/>
+        </p:nvSpPr>
+        <p:spPr bwMode="gray">
+          <a:xfrm>
+            <a:off x="2282663" y="3605787"/>
+            <a:ext cx="5458856" cy="84070"/>
+          </a:xfrm>
+          <a:prstGeom prst="rightArrow">
+            <a:avLst/>
+          </a:prstGeom>
+          <a:solidFill>
+            <a:schemeClr val="accent1"/>
+          </a:solidFill>
+          <a:ln w="9525" cap="flat" cmpd="sng" algn="ctr">
+            <a:noFill/>
+            <a:prstDash val="solid"/>
+            <a:round/>
+            <a:headEnd type="none" w="med" len="med"/>
+            <a:tailEnd type="none" w="med" len="med"/>
+          </a:ln>
+          <a:effectLst/>
+        </p:spPr>
+        <p:txBody>
+          <a:bodyPr vert="horz" wrap="square" lIns="91440" tIns="45720" rIns="91440" bIns="45720" numCol="1" rtlCol="0" anchor="ctr" anchorCtr="0" compatLnSpc="1">
+            <a:prstTxWarp prst="textNoShape">
+              <a:avLst/>
+            </a:prstTxWarp>
+          </a:bodyPr>
+          <a:lstStyle/>
+          <a:p>
+            <a:pPr marL="0" marR="0" indent="0" algn="l" defTabSz="914400" rtl="0" eaLnBrk="1" fontAlgn="base" latinLnBrk="0" hangingPunct="1">
+              <a:lnSpc>
+                <a:spcPct val="100000"/>
+              </a:lnSpc>
+              <a:spcBef>
+                <a:spcPct val="0"/>
+              </a:spcBef>
+              <a:spcAft>
+                <a:spcPct val="0"/>
+              </a:spcAft>
+              <a:buClrTx/>
+              <a:buSzTx/>
+              <a:buFontTx/>
+              <a:buNone/>
+              <a:tabLst/>
+            </a:pPr>
+            <a:endParaRPr kumimoji="0" lang="en-US" sz="2000" b="0" i="0" u="none" strike="noStrike" cap="none" normalizeH="0" baseline="0" dirty="0" smtClean="0">
+              <a:ln>
+                <a:noFill/>
+              </a:ln>
+              <a:solidFill>
+                <a:schemeClr val="bg1"/>
+              </a:solidFill>
+              <a:effectLst/>
+              <a:latin typeface="Arial" pitchFamily="2" charset="0"/>
+            </a:endParaRPr>
+          </a:p>
+        </p:txBody>
+      </p:sp>
+    </p:spTree>
+    <p:extLst>
+      <p:ext uri="{BB962C8B-B14F-4D97-AF65-F5344CB8AC3E}">
+        <p14:creationId xmlns:p14="http://schemas.microsoft.com/office/powerpoint/2010/main" val="1326989588"/>
+      </p:ext>
+    </p:extLst>
+  </p:cSld>
+  <p:clrMapOvr>
+    <a:masterClrMapping/>
+  </p:clrMapOvr>
+  <p:timing>
+    <p:tnLst>
+      <p:par>
+        <p:cTn id="1" dur="indefinite" restart="never" nodeType="tmRoot"/>
+      </p:par>
+    </p:tnLst>
+  </p:timing>
+</p:sld>
+</file>
+
+<file path=ppt/slides/slide36.xml><?xml version="1.0" encoding="utf-8"?>
+<p:sld xmlns:a="http://schemas.openxmlformats.org/drawingml/2006/main" xmlns:r="http://schemas.openxmlformats.org/officeDocument/2006/relationships" xmlns:p="http://schemas.openxmlformats.org/presentationml/2006/main">
+  <p:cSld>
+    <p:spTree>
+      <p:nvGrpSpPr>
+        <p:cNvPr id="1" name=""/>
+        <p:cNvGrpSpPr/>
+        <p:nvPr/>
+      </p:nvGrpSpPr>
+      <p:grpSpPr>
+        <a:xfrm>
+          <a:off x="0" y="0"/>
+          <a:ext cx="0" cy="0"/>
+          <a:chOff x="0" y="0"/>
+          <a:chExt cx="0" cy="0"/>
+        </a:xfrm>
+      </p:grpSpPr>
+      <p:sp>
+        <p:nvSpPr>
+          <p:cNvPr id="2" name="Text Placeholder 1"/>
+          <p:cNvSpPr>
+            <a:spLocks noGrp="1"/>
+          </p:cNvSpPr>
+          <p:nvPr>
+            <p:ph type="body" sz="quarter" idx="13"/>
+          </p:nvPr>
+        </p:nvSpPr>
+        <p:spPr>
+          <a:xfrm>
+            <a:off x="274638" y="1416424"/>
+            <a:ext cx="8283029" cy="3309088"/>
+          </a:xfrm>
+        </p:spPr>
+        <p:txBody>
+          <a:bodyPr/>
+          <a:lstStyle/>
+          <a:p>
+            <a:r>
+              <a:rPr lang="en-US" dirty="0" smtClean="0"/>
+              <a:t>For BOTH Weekly Gasoline data and US Exec data:</a:t>
+            </a:r>
+          </a:p>
+          <a:p>
+            <a:pPr lvl="1"/>
+            <a:r>
+              <a:rPr lang="en-US" dirty="0" smtClean="0"/>
+              <a:t>Must FIRST delete last report’s data – then upload new data</a:t>
+            </a:r>
+          </a:p>
+          <a:p>
+            <a:pPr lvl="1"/>
+            <a:r>
+              <a:rPr lang="en-US" dirty="0" smtClean="0"/>
+              <a:t>If not</a:t>
+            </a:r>
+            <a:r>
+              <a:rPr lang="en-US" smtClean="0"/>
+              <a:t>, both </a:t>
+            </a:r>
+            <a:r>
+              <a:rPr lang="en-US" dirty="0" smtClean="0"/>
+              <a:t>sets of data are exposed in the </a:t>
+            </a:r>
+            <a:r>
+              <a:rPr lang="en-US" smtClean="0"/>
+              <a:t>API.</a:t>
+            </a:r>
+            <a:endParaRPr lang="en-US" sz="1200" dirty="0">
+              <a:latin typeface="Andale Mono" panose="020B0509000000000004" pitchFamily="49" charset="0"/>
+            </a:endParaRPr>
+          </a:p>
+        </p:txBody>
+      </p:sp>
+      <p:sp>
+        <p:nvSpPr>
+          <p:cNvPr id="3" name="Date Placeholder 2"/>
+          <p:cNvSpPr>
+            <a:spLocks noGrp="1"/>
+          </p:cNvSpPr>
+          <p:nvPr>
+            <p:ph type="dt" sz="half" idx="10"/>
+          </p:nvPr>
+        </p:nvSpPr>
+        <p:spPr/>
+        <p:txBody>
+          <a:bodyPr/>
+          <a:lstStyle/>
+          <a:p>
+            <a:r>
+              <a:rPr lang="en-US" smtClean="0"/>
+              <a:t>October 21, 2015</a:t>
+            </a:r>
+            <a:endParaRPr lang="en-US" dirty="0" smtClean="0"/>
+          </a:p>
+        </p:txBody>
+      </p:sp>
+      <p:sp>
+        <p:nvSpPr>
+          <p:cNvPr id="4" name="Slide Number Placeholder 3"/>
+          <p:cNvSpPr>
+            <a:spLocks noGrp="1"/>
+          </p:cNvSpPr>
+          <p:nvPr>
+            <p:ph type="sldNum" sz="quarter" idx="11"/>
+          </p:nvPr>
+        </p:nvSpPr>
+        <p:spPr/>
+        <p:txBody>
+          <a:bodyPr/>
+          <a:lstStyle/>
+          <a:p>
+            <a:fld id="{5698A34F-157D-4FC3-B6AE-341A8B909DED}" type="slidenum">
+              <a:rPr lang="en-US" smtClean="0"/>
+              <a:pPr/>
+              <a:t>36</a:t>
+            </a:fld>
+            <a:endParaRPr lang="en-US" dirty="0"/>
+          </a:p>
+        </p:txBody>
+      </p:sp>
+      <p:sp>
+        <p:nvSpPr>
+          <p:cNvPr id="5" name="Footer Placeholder 4"/>
+          <p:cNvSpPr>
+            <a:spLocks noGrp="1"/>
+          </p:cNvSpPr>
+          <p:nvPr>
+            <p:ph type="ftr" sz="quarter" idx="12"/>
+          </p:nvPr>
+        </p:nvSpPr>
+        <p:spPr/>
+        <p:txBody>
+          <a:bodyPr/>
+          <a:lstStyle/>
+          <a:p>
+            <a:endParaRPr lang="en-US" dirty="0"/>
+          </a:p>
+        </p:txBody>
+      </p:sp>
+      <p:sp>
+        <p:nvSpPr>
+          <p:cNvPr id="6" name="Title 5"/>
+          <p:cNvSpPr>
+            <a:spLocks noGrp="1"/>
+          </p:cNvSpPr>
+          <p:nvPr>
+            <p:ph type="title"/>
+          </p:nvPr>
+        </p:nvSpPr>
+        <p:spPr>
+          <a:xfrm>
+            <a:off x="273915" y="644462"/>
+            <a:ext cx="8618799" cy="486287"/>
+          </a:xfrm>
+        </p:spPr>
+        <p:txBody>
+          <a:bodyPr/>
+          <a:lstStyle/>
+          <a:p>
+            <a:r>
+              <a:rPr lang="en-US" dirty="0" smtClean="0"/>
+              <a:t>SpendingPulse Data Upload – DON’T Forget</a:t>
+            </a:r>
+            <a:endParaRPr lang="en-US" dirty="0"/>
+          </a:p>
+        </p:txBody>
+      </p:sp>
+      <p:sp>
+        <p:nvSpPr>
+          <p:cNvPr id="7" name="Text Placeholder 6"/>
+          <p:cNvSpPr>
+            <a:spLocks noGrp="1"/>
+          </p:cNvSpPr>
+          <p:nvPr>
+            <p:ph type="body" sz="quarter" idx="15"/>
+          </p:nvPr>
+        </p:nvSpPr>
+        <p:spPr/>
+        <p:txBody>
+          <a:bodyPr/>
+          <a:lstStyle/>
+          <a:p>
+            <a:r>
+              <a:rPr lang="en-US" dirty="0" smtClean="0"/>
+              <a:t>Administrator API How To</a:t>
+            </a:r>
+            <a:endParaRPr lang="en-US" dirty="0"/>
+          </a:p>
+        </p:txBody>
+      </p:sp>
+    </p:spTree>
+    <p:extLst>
+      <p:ext uri="{BB962C8B-B14F-4D97-AF65-F5344CB8AC3E}">
+        <p14:creationId xmlns:p14="http://schemas.microsoft.com/office/powerpoint/2010/main" val="1557615695"/>
+      </p:ext>
+    </p:extLst>
+  </p:cSld>
+  <p:clrMapOvr>
+    <a:masterClrMapping/>
+  </p:clrMapOvr>
+  <p:timing>
+    <p:tnLst>
+      <p:par>
+        <p:cTn id="1" dur="indefinite" restart="never" nodeType="tmRoot"/>
+      </p:par>
+    </p:tnLst>
+  </p:timing>
+</p:sld>
+</file>
+
+<file path=ppt/slides/slide4.xml><?xml version="1.0" encoding="utf-8"?>
+<p:sld xmlns:a="http://schemas.openxmlformats.org/drawingml/2006/main" xmlns:r="http://schemas.openxmlformats.org/officeDocument/2006/relationships" xmlns:p="http://schemas.openxmlformats.org/presentationml/2006/main">
+  <p:cSld>
+    <p:spTree>
+      <p:nvGrpSpPr>
+        <p:cNvPr id="1" name=""/>
+        <p:cNvGrpSpPr/>
+        <p:nvPr/>
+      </p:nvGrpSpPr>
+      <p:grpSpPr>
+        <a:xfrm>
+          <a:off x="0" y="0"/>
+          <a:ext cx="0" cy="0"/>
+          <a:chOff x="0" y="0"/>
+          <a:chExt cx="0" cy="0"/>
+        </a:xfrm>
+      </p:grpSpPr>
+      <p:sp>
+        <p:nvSpPr>
           <p:cNvPr id="2" name="Text Placeholder 1"/>
           <p:cNvSpPr>
             <a:spLocks noGrp="1"/>
@@ -12067,7 +14650,7 @@
             <a:fld id="{5698A34F-157D-4FC3-B6AE-341A8B909DED}" type="slidenum">
               <a:rPr lang="en-US" smtClean="0"/>
               <a:pPr/>
-              <a:t>3</a:t>
+              <a:t>4</a:t>
             </a:fld>
             <a:endParaRPr lang="en-US" dirty="0"/>
           </a:p>
@@ -12351,7 +14934,7 @@
 </p:sld>
 </file>
 
-<file path=ppt/slides/slide30.xml><?xml version="1.0" encoding="utf-8"?>
+<file path=ppt/slides/slide5.xml><?xml version="1.0" encoding="utf-8"?>
 <p:sld xmlns:a="http://schemas.openxmlformats.org/drawingml/2006/main" xmlns:r="http://schemas.openxmlformats.org/officeDocument/2006/relationships" xmlns:p="http://schemas.openxmlformats.org/presentationml/2006/main">
   <p:cSld>
     <p:spTree>
@@ -12380,2083 +14963,6 @@
         </p:nvSpPr>
         <p:spPr>
           <a:xfrm>
-            <a:off x="274638" y="1369734"/>
-            <a:ext cx="8283029" cy="3320929"/>
-          </a:xfrm>
-        </p:spPr>
-        <p:txBody>
-          <a:bodyPr/>
-          <a:lstStyle/>
-          <a:p>
-            <a:r>
-              <a:rPr lang="en-US" dirty="0" smtClean="0"/>
-              <a:t>If a valid and approved Service is in place or </a:t>
-            </a:r>
-            <a:br>
-              <a:rPr lang="en-US" dirty="0" smtClean="0"/>
-            </a:br>
-            <a:r>
-              <a:rPr lang="en-US" dirty="0" smtClean="0"/>
-              <a:t>your investigation determines that a </a:t>
-            </a:r>
-            <a:br>
-              <a:rPr lang="en-US" dirty="0" smtClean="0"/>
-            </a:br>
-            <a:r>
-              <a:rPr lang="en-US" dirty="0" smtClean="0"/>
-              <a:t>valid/approved Service is forthcoming and </a:t>
-            </a:r>
-            <a:br>
-              <a:rPr lang="en-US" dirty="0" smtClean="0"/>
-            </a:br>
-            <a:r>
-              <a:rPr lang="en-US" dirty="0" smtClean="0"/>
-              <a:t>the request should be approved …</a:t>
-            </a:r>
-          </a:p>
-          <a:p>
-            <a:r>
-              <a:rPr lang="en-US" dirty="0" smtClean="0"/>
-              <a:t>Click the App tab and </a:t>
-            </a:r>
-            <a:br>
-              <a:rPr lang="en-US" dirty="0" smtClean="0"/>
-            </a:br>
-            <a:r>
-              <a:rPr lang="en-US" dirty="0" smtClean="0"/>
-              <a:t>copy the Production Client ID</a:t>
-            </a:r>
-          </a:p>
-          <a:p>
-            <a:pPr lvl="1"/>
-            <a:endParaRPr lang="en-US" b="1" dirty="0" smtClean="0"/>
-          </a:p>
-          <a:p>
-            <a:pPr lvl="1"/>
-            <a:r>
-              <a:rPr lang="en-US" b="1" dirty="0" smtClean="0"/>
-              <a:t>For Sector Insights</a:t>
-            </a:r>
-            <a:r>
-              <a:rPr lang="en-US" dirty="0" smtClean="0"/>
-              <a:t>, record the Client ID in the </a:t>
-            </a:r>
-            <a:br>
-              <a:rPr lang="en-US" dirty="0" smtClean="0"/>
-            </a:br>
-            <a:r>
-              <a:rPr lang="en-US" sz="1200" dirty="0" smtClean="0">
-                <a:latin typeface="Andale Mono" panose="020B0509000000000004" pitchFamily="49" charset="0"/>
-              </a:rPr>
-              <a:t>…/SpendingPulse/API/API Subscription files/Sector insights Keys.xlsx </a:t>
-            </a:r>
-            <a:r>
-              <a:rPr lang="en-US" dirty="0" smtClean="0"/>
-              <a:t>file.</a:t>
-            </a:r>
-          </a:p>
-          <a:p>
-            <a:pPr lvl="2"/>
-            <a:r>
-              <a:rPr lang="en-US" dirty="0" smtClean="0"/>
-              <a:t>Without this file, the only way to know who has been granted prod access is to have an API developer run a data pull against the AP database.</a:t>
-            </a:r>
-          </a:p>
-        </p:txBody>
-      </p:sp>
-      <p:sp>
-        <p:nvSpPr>
-          <p:cNvPr id="3" name="Date Placeholder 2"/>
-          <p:cNvSpPr>
-            <a:spLocks noGrp="1"/>
-          </p:cNvSpPr>
-          <p:nvPr>
-            <p:ph type="dt" sz="half" idx="10"/>
-          </p:nvPr>
-        </p:nvSpPr>
-        <p:spPr/>
-        <p:txBody>
-          <a:bodyPr/>
-          <a:lstStyle/>
-          <a:p>
-            <a:r>
-              <a:rPr lang="en-US" smtClean="0"/>
-              <a:t>October 21, 2015</a:t>
-            </a:r>
-            <a:endParaRPr lang="en-US" dirty="0" smtClean="0"/>
-          </a:p>
-        </p:txBody>
-      </p:sp>
-      <p:sp>
-        <p:nvSpPr>
-          <p:cNvPr id="4" name="Slide Number Placeholder 3"/>
-          <p:cNvSpPr>
-            <a:spLocks noGrp="1"/>
-          </p:cNvSpPr>
-          <p:nvPr>
-            <p:ph type="sldNum" sz="quarter" idx="11"/>
-          </p:nvPr>
-        </p:nvSpPr>
-        <p:spPr/>
-        <p:txBody>
-          <a:bodyPr/>
-          <a:lstStyle/>
-          <a:p>
-            <a:fld id="{5698A34F-157D-4FC3-B6AE-341A8B909DED}" type="slidenum">
-              <a:rPr lang="en-US" smtClean="0"/>
-              <a:pPr/>
-              <a:t>30</a:t>
-            </a:fld>
-            <a:endParaRPr lang="en-US" dirty="0"/>
-          </a:p>
-        </p:txBody>
-      </p:sp>
-      <p:sp>
-        <p:nvSpPr>
-          <p:cNvPr id="5" name="Footer Placeholder 4"/>
-          <p:cNvSpPr>
-            <a:spLocks noGrp="1"/>
-          </p:cNvSpPr>
-          <p:nvPr>
-            <p:ph type="ftr" sz="quarter" idx="12"/>
-          </p:nvPr>
-        </p:nvSpPr>
-        <p:spPr/>
-        <p:txBody>
-          <a:bodyPr/>
-          <a:lstStyle/>
-          <a:p>
-            <a:endParaRPr lang="en-US" dirty="0"/>
-          </a:p>
-        </p:txBody>
-      </p:sp>
-      <p:sp>
-        <p:nvSpPr>
-          <p:cNvPr id="6" name="Title 5"/>
-          <p:cNvSpPr>
-            <a:spLocks noGrp="1"/>
-          </p:cNvSpPr>
-          <p:nvPr>
-            <p:ph type="title"/>
-          </p:nvPr>
-        </p:nvSpPr>
-        <p:spPr/>
-        <p:txBody>
-          <a:bodyPr/>
-          <a:lstStyle/>
-          <a:p>
-            <a:r>
-              <a:rPr lang="en-US" dirty="0" smtClean="0"/>
-              <a:t>Approve/Deny Key Requests (4) – Valid Service</a:t>
-            </a:r>
-            <a:endParaRPr lang="en-US" dirty="0"/>
-          </a:p>
-        </p:txBody>
-      </p:sp>
-      <p:sp>
-        <p:nvSpPr>
-          <p:cNvPr id="7" name="Text Placeholder 6"/>
-          <p:cNvSpPr>
-            <a:spLocks noGrp="1"/>
-          </p:cNvSpPr>
-          <p:nvPr>
-            <p:ph type="body" sz="quarter" idx="15"/>
-          </p:nvPr>
-        </p:nvSpPr>
-        <p:spPr/>
-        <p:txBody>
-          <a:bodyPr/>
-          <a:lstStyle/>
-          <a:p>
-            <a:r>
-              <a:rPr lang="en-US" dirty="0" smtClean="0"/>
-              <a:t>Administrator API How To</a:t>
-            </a:r>
-            <a:endParaRPr lang="en-US" dirty="0"/>
-          </a:p>
-        </p:txBody>
-      </p:sp>
-      <p:pic>
-        <p:nvPicPr>
-          <p:cNvPr id="11" name="Picture 10"/>
-          <p:cNvPicPr>
-            <a:picLocks noChangeAspect="1"/>
-          </p:cNvPicPr>
-          <p:nvPr/>
-        </p:nvPicPr>
-        <p:blipFill>
-          <a:blip r:embed="rId2"/>
-          <a:stretch>
-            <a:fillRect/>
-          </a:stretch>
-        </p:blipFill>
-        <p:spPr>
-          <a:xfrm>
-            <a:off x="5192829" y="1451872"/>
-            <a:ext cx="3780156" cy="1788772"/>
-          </a:xfrm>
-          <a:prstGeom prst="rect">
-            <a:avLst/>
-          </a:prstGeom>
-        </p:spPr>
-      </p:pic>
-      <p:sp>
-        <p:nvSpPr>
-          <p:cNvPr id="13" name="Right Arrow 12"/>
-          <p:cNvSpPr/>
-          <p:nvPr/>
-        </p:nvSpPr>
-        <p:spPr bwMode="gray">
-          <a:xfrm>
-            <a:off x="3718514" y="2857717"/>
-            <a:ext cx="3174734" cy="92985"/>
-          </a:xfrm>
-          <a:prstGeom prst="rightArrow">
-            <a:avLst/>
-          </a:prstGeom>
-          <a:solidFill>
-            <a:schemeClr val="accent1"/>
-          </a:solidFill>
-          <a:ln w="9525" cap="flat" cmpd="sng" algn="ctr">
-            <a:noFill/>
-            <a:prstDash val="solid"/>
-            <a:round/>
-            <a:headEnd type="none" w="med" len="med"/>
-            <a:tailEnd type="none" w="med" len="med"/>
-          </a:ln>
-          <a:effectLst/>
-        </p:spPr>
-        <p:txBody>
-          <a:bodyPr vert="horz" wrap="square" lIns="91440" tIns="45720" rIns="91440" bIns="45720" numCol="1" rtlCol="0" anchor="ctr" anchorCtr="0" compatLnSpc="1">
-            <a:prstTxWarp prst="textNoShape">
-              <a:avLst/>
-            </a:prstTxWarp>
-          </a:bodyPr>
-          <a:lstStyle/>
-          <a:p>
-            <a:pPr marL="0" marR="0" indent="0" algn="l" defTabSz="914400" rtl="0" eaLnBrk="1" fontAlgn="base" latinLnBrk="0" hangingPunct="1">
-              <a:lnSpc>
-                <a:spcPct val="100000"/>
-              </a:lnSpc>
-              <a:spcBef>
-                <a:spcPct val="0"/>
-              </a:spcBef>
-              <a:spcAft>
-                <a:spcPct val="0"/>
-              </a:spcAft>
-              <a:buClrTx/>
-              <a:buSzTx/>
-              <a:buFontTx/>
-              <a:buNone/>
-              <a:tabLst/>
-            </a:pPr>
-            <a:endParaRPr kumimoji="0" lang="en-US" sz="2000" b="0" i="0" u="none" strike="noStrike" cap="none" normalizeH="0" baseline="0" dirty="0" smtClean="0">
-              <a:ln>
-                <a:noFill/>
-              </a:ln>
-              <a:solidFill>
-                <a:schemeClr val="bg1"/>
-              </a:solidFill>
-              <a:effectLst/>
-              <a:latin typeface="Arial" pitchFamily="2" charset="0"/>
-            </a:endParaRPr>
-          </a:p>
-        </p:txBody>
-      </p:sp>
-    </p:spTree>
-    <p:extLst>
-      <p:ext uri="{BB962C8B-B14F-4D97-AF65-F5344CB8AC3E}">
-        <p14:creationId xmlns:p14="http://schemas.microsoft.com/office/powerpoint/2010/main" val="1724074499"/>
-      </p:ext>
-    </p:extLst>
-  </p:cSld>
-  <p:clrMapOvr>
-    <a:masterClrMapping/>
-  </p:clrMapOvr>
-  <p:timing>
-    <p:tnLst>
-      <p:par>
-        <p:cTn id="1" dur="indefinite" restart="never" nodeType="tmRoot"/>
-      </p:par>
-    </p:tnLst>
-  </p:timing>
-</p:sld>
-</file>
-
-<file path=ppt/slides/slide31.xml><?xml version="1.0" encoding="utf-8"?>
-<p:sld xmlns:a="http://schemas.openxmlformats.org/drawingml/2006/main" xmlns:r="http://schemas.openxmlformats.org/officeDocument/2006/relationships" xmlns:p="http://schemas.openxmlformats.org/presentationml/2006/main">
-  <p:cSld>
-    <p:spTree>
-      <p:nvGrpSpPr>
-        <p:cNvPr id="1" name=""/>
-        <p:cNvGrpSpPr/>
-        <p:nvPr/>
-      </p:nvGrpSpPr>
-      <p:grpSpPr>
-        <a:xfrm>
-          <a:off x="0" y="0"/>
-          <a:ext cx="0" cy="0"/>
-          <a:chOff x="0" y="0"/>
-          <a:chExt cx="0" cy="0"/>
-        </a:xfrm>
-      </p:grpSpPr>
-      <p:sp>
-        <p:nvSpPr>
-          <p:cNvPr id="2" name="Text Placeholder 1"/>
-          <p:cNvSpPr>
-            <a:spLocks noGrp="1"/>
-          </p:cNvSpPr>
-          <p:nvPr>
-            <p:ph type="body" sz="quarter" idx="13"/>
-          </p:nvPr>
-        </p:nvSpPr>
-        <p:spPr>
-          <a:xfrm>
-            <a:off x="274638" y="1369734"/>
-            <a:ext cx="8283029" cy="3320929"/>
-          </a:xfrm>
-        </p:spPr>
-        <p:txBody>
-          <a:bodyPr/>
-          <a:lstStyle/>
-          <a:p>
-            <a:pPr lvl="1"/>
-            <a:r>
-              <a:rPr lang="en-US" b="1" dirty="0" smtClean="0"/>
-              <a:t>For SpendingPulse</a:t>
-            </a:r>
-            <a:r>
-              <a:rPr lang="en-US" dirty="0" smtClean="0"/>
-              <a:t>, record the Client ID in the </a:t>
-            </a:r>
-            <a:br>
-              <a:rPr lang="en-US" dirty="0" smtClean="0"/>
-            </a:br>
-            <a:r>
-              <a:rPr lang="en-US" sz="1200" dirty="0" smtClean="0">
-                <a:latin typeface="Andale Mono" panose="020B0509000000000004" pitchFamily="49" charset="0"/>
-              </a:rPr>
-              <a:t>…/SpendingPulse/API/API </a:t>
-            </a:r>
-            <a:r>
-              <a:rPr lang="en-US" sz="1200" dirty="0">
-                <a:latin typeface="Andale Mono" panose="020B0509000000000004" pitchFamily="49" charset="0"/>
-              </a:rPr>
-              <a:t>Subscription files/SpendingPulse API Subscription </a:t>
-            </a:r>
-            <a:r>
-              <a:rPr lang="en-US" sz="1200" dirty="0" smtClean="0">
-                <a:latin typeface="Andale Mono" panose="020B0509000000000004" pitchFamily="49" charset="0"/>
-              </a:rPr>
-              <a:t>Data.xlsx </a:t>
-            </a:r>
-            <a:br>
-              <a:rPr lang="en-US" sz="1200" dirty="0" smtClean="0">
-                <a:latin typeface="Andale Mono" panose="020B0509000000000004" pitchFamily="49" charset="0"/>
-              </a:rPr>
-            </a:br>
-            <a:r>
-              <a:rPr lang="en-US" dirty="0" smtClean="0"/>
-              <a:t>file.</a:t>
-            </a:r>
-          </a:p>
-          <a:p>
-            <a:pPr lvl="1"/>
-            <a:r>
-              <a:rPr lang="en-US" dirty="0"/>
-              <a:t>The “</a:t>
-            </a:r>
-            <a:r>
-              <a:rPr lang="en-US" sz="1600" dirty="0">
-                <a:latin typeface="Andale Mono" panose="020B0509000000000004" pitchFamily="49" charset="0"/>
-              </a:rPr>
-              <a:t>SpendingPulse API </a:t>
-            </a:r>
-            <a:r>
-              <a:rPr lang="en-US" sz="1600" dirty="0" smtClean="0">
-                <a:latin typeface="Andale Mono" panose="020B0509000000000004" pitchFamily="49" charset="0"/>
-              </a:rPr>
-              <a:t>Subscription</a:t>
-            </a:r>
-            <a:r>
-              <a:rPr lang="en-US" dirty="0" smtClean="0"/>
-              <a:t>” tab of this file must be saved as a .csv file and uploaded, using the API MDE Upload facility – the same facility used to upload the Sector Insights and SpendingPulse data to the API.</a:t>
-            </a:r>
-          </a:p>
-          <a:p>
-            <a:pPr lvl="1"/>
-            <a:r>
-              <a:rPr lang="en-US" dirty="0" smtClean="0"/>
-              <a:t>To upload the subscription data, use the </a:t>
-            </a:r>
-            <a:br>
-              <a:rPr lang="en-US" dirty="0" smtClean="0"/>
-            </a:br>
-            <a:r>
-              <a:rPr lang="en-US" sz="1400" dirty="0">
-                <a:latin typeface="Andale Mono" panose="020B0509000000000004" pitchFamily="49" charset="0"/>
-              </a:rPr>
-              <a:t>REL5 – DW-P-SPENDINGPULSE REPLACE SUBSCRIPTION </a:t>
-            </a:r>
-            <a:r>
-              <a:rPr lang="en-US" dirty="0" smtClean="0"/>
-              <a:t>bulk type.</a:t>
-            </a:r>
-          </a:p>
-          <a:p>
-            <a:r>
-              <a:rPr lang="en-US" dirty="0" smtClean="0"/>
-              <a:t>Once the subscription data has been successfully uploaded, Approve the request … an approval email is sent to the requestor.</a:t>
-            </a:r>
-          </a:p>
-          <a:p>
-            <a:endParaRPr lang="en-US" dirty="0"/>
-          </a:p>
-        </p:txBody>
-      </p:sp>
-      <p:sp>
-        <p:nvSpPr>
-          <p:cNvPr id="3" name="Date Placeholder 2"/>
-          <p:cNvSpPr>
-            <a:spLocks noGrp="1"/>
-          </p:cNvSpPr>
-          <p:nvPr>
-            <p:ph type="dt" sz="half" idx="10"/>
-          </p:nvPr>
-        </p:nvSpPr>
-        <p:spPr/>
-        <p:txBody>
-          <a:bodyPr/>
-          <a:lstStyle/>
-          <a:p>
-            <a:r>
-              <a:rPr lang="en-US" smtClean="0"/>
-              <a:t>October 21, 2015</a:t>
-            </a:r>
-            <a:endParaRPr lang="en-US" dirty="0" smtClean="0"/>
-          </a:p>
-        </p:txBody>
-      </p:sp>
-      <p:sp>
-        <p:nvSpPr>
-          <p:cNvPr id="4" name="Slide Number Placeholder 3"/>
-          <p:cNvSpPr>
-            <a:spLocks noGrp="1"/>
-          </p:cNvSpPr>
-          <p:nvPr>
-            <p:ph type="sldNum" sz="quarter" idx="11"/>
-          </p:nvPr>
-        </p:nvSpPr>
-        <p:spPr/>
-        <p:txBody>
-          <a:bodyPr/>
-          <a:lstStyle/>
-          <a:p>
-            <a:fld id="{5698A34F-157D-4FC3-B6AE-341A8B909DED}" type="slidenum">
-              <a:rPr lang="en-US" smtClean="0"/>
-              <a:pPr/>
-              <a:t>31</a:t>
-            </a:fld>
-            <a:endParaRPr lang="en-US" dirty="0"/>
-          </a:p>
-        </p:txBody>
-      </p:sp>
-      <p:sp>
-        <p:nvSpPr>
-          <p:cNvPr id="5" name="Footer Placeholder 4"/>
-          <p:cNvSpPr>
-            <a:spLocks noGrp="1"/>
-          </p:cNvSpPr>
-          <p:nvPr>
-            <p:ph type="ftr" sz="quarter" idx="12"/>
-          </p:nvPr>
-        </p:nvSpPr>
-        <p:spPr/>
-        <p:txBody>
-          <a:bodyPr/>
-          <a:lstStyle/>
-          <a:p>
-            <a:endParaRPr lang="en-US" dirty="0"/>
-          </a:p>
-        </p:txBody>
-      </p:sp>
-      <p:sp>
-        <p:nvSpPr>
-          <p:cNvPr id="6" name="Title 5"/>
-          <p:cNvSpPr>
-            <a:spLocks noGrp="1"/>
-          </p:cNvSpPr>
-          <p:nvPr>
-            <p:ph type="title"/>
-          </p:nvPr>
-        </p:nvSpPr>
-        <p:spPr/>
-        <p:txBody>
-          <a:bodyPr/>
-          <a:lstStyle/>
-          <a:p>
-            <a:r>
-              <a:rPr lang="en-US" dirty="0" smtClean="0"/>
-              <a:t>Approve/Deny Key Requests (5) – Valid Service</a:t>
-            </a:r>
-            <a:endParaRPr lang="en-US" dirty="0"/>
-          </a:p>
-        </p:txBody>
-      </p:sp>
-      <p:sp>
-        <p:nvSpPr>
-          <p:cNvPr id="7" name="Text Placeholder 6"/>
-          <p:cNvSpPr>
-            <a:spLocks noGrp="1"/>
-          </p:cNvSpPr>
-          <p:nvPr>
-            <p:ph type="body" sz="quarter" idx="15"/>
-          </p:nvPr>
-        </p:nvSpPr>
-        <p:spPr/>
-        <p:txBody>
-          <a:bodyPr/>
-          <a:lstStyle/>
-          <a:p>
-            <a:r>
-              <a:rPr lang="en-US" dirty="0" smtClean="0"/>
-              <a:t>Administrator API How To</a:t>
-            </a:r>
-            <a:endParaRPr lang="en-US" dirty="0"/>
-          </a:p>
-        </p:txBody>
-      </p:sp>
-    </p:spTree>
-    <p:extLst>
-      <p:ext uri="{BB962C8B-B14F-4D97-AF65-F5344CB8AC3E}">
-        <p14:creationId xmlns:p14="http://schemas.microsoft.com/office/powerpoint/2010/main" val="2378687281"/>
-      </p:ext>
-    </p:extLst>
-  </p:cSld>
-  <p:clrMapOvr>
-    <a:masterClrMapping/>
-  </p:clrMapOvr>
-  <p:timing>
-    <p:tnLst>
-      <p:par>
-        <p:cTn id="1" dur="indefinite" restart="never" nodeType="tmRoot"/>
-      </p:par>
-    </p:tnLst>
-  </p:timing>
-</p:sld>
-</file>
-
-<file path=ppt/slides/slide32.xml><?xml version="1.0" encoding="utf-8"?>
-<p:sld xmlns:a="http://schemas.openxmlformats.org/drawingml/2006/main" xmlns:r="http://schemas.openxmlformats.org/officeDocument/2006/relationships" xmlns:p="http://schemas.openxmlformats.org/presentationml/2006/main">
-  <p:cSld>
-    <p:spTree>
-      <p:nvGrpSpPr>
-        <p:cNvPr id="1" name=""/>
-        <p:cNvGrpSpPr/>
-        <p:nvPr/>
-      </p:nvGrpSpPr>
-      <p:grpSpPr>
-        <a:xfrm>
-          <a:off x="0" y="0"/>
-          <a:ext cx="0" cy="0"/>
-          <a:chOff x="0" y="0"/>
-          <a:chExt cx="0" cy="0"/>
-        </a:xfrm>
-      </p:grpSpPr>
-      <p:sp>
-        <p:nvSpPr>
-          <p:cNvPr id="2" name="Text Placeholder 1"/>
-          <p:cNvSpPr>
-            <a:spLocks noGrp="1"/>
-          </p:cNvSpPr>
-          <p:nvPr>
-            <p:ph type="body" sz="quarter" idx="13"/>
-          </p:nvPr>
-        </p:nvSpPr>
-        <p:spPr>
-          <a:xfrm>
-            <a:off x="274638" y="1369734"/>
-            <a:ext cx="8283029" cy="3320929"/>
-          </a:xfrm>
-        </p:spPr>
-        <p:txBody>
-          <a:bodyPr/>
-          <a:lstStyle/>
-          <a:p>
-            <a:r>
-              <a:rPr lang="en-US" dirty="0"/>
-              <a:t>Once the subscription data has been successfully uploaded, Approve the request … an approval email is sent to the requestor.</a:t>
-            </a:r>
-          </a:p>
-          <a:p>
-            <a:r>
-              <a:rPr lang="en-US" dirty="0" smtClean="0"/>
-              <a:t>To grant production access to</a:t>
-            </a:r>
-            <a:br>
-              <a:rPr lang="en-US" dirty="0" smtClean="0"/>
-            </a:br>
-            <a:r>
-              <a:rPr lang="en-US" dirty="0" smtClean="0"/>
-              <a:t>SpendingPulse it takes BOTH:</a:t>
-            </a:r>
-          </a:p>
-          <a:p>
-            <a:pPr lvl="1"/>
-            <a:r>
-              <a:rPr lang="en-US" dirty="0" smtClean="0"/>
-              <a:t>Uploaded subscription data for the </a:t>
-            </a:r>
-            <a:br>
-              <a:rPr lang="en-US" dirty="0" smtClean="0"/>
-            </a:br>
-            <a:r>
-              <a:rPr lang="en-US" dirty="0" smtClean="0"/>
-              <a:t>Client ID</a:t>
-            </a:r>
-          </a:p>
-          <a:p>
-            <a:pPr lvl="1"/>
-            <a:r>
-              <a:rPr lang="en-US" dirty="0" smtClean="0"/>
-              <a:t>Approved Key</a:t>
-            </a:r>
-            <a:endParaRPr lang="en-US" dirty="0"/>
-          </a:p>
-        </p:txBody>
-      </p:sp>
-      <p:sp>
-        <p:nvSpPr>
-          <p:cNvPr id="3" name="Date Placeholder 2"/>
-          <p:cNvSpPr>
-            <a:spLocks noGrp="1"/>
-          </p:cNvSpPr>
-          <p:nvPr>
-            <p:ph type="dt" sz="half" idx="10"/>
-          </p:nvPr>
-        </p:nvSpPr>
-        <p:spPr/>
-        <p:txBody>
-          <a:bodyPr/>
-          <a:lstStyle/>
-          <a:p>
-            <a:r>
-              <a:rPr lang="en-US" smtClean="0"/>
-              <a:t>October 21, 2015</a:t>
-            </a:r>
-            <a:endParaRPr lang="en-US" dirty="0" smtClean="0"/>
-          </a:p>
-        </p:txBody>
-      </p:sp>
-      <p:sp>
-        <p:nvSpPr>
-          <p:cNvPr id="4" name="Slide Number Placeholder 3"/>
-          <p:cNvSpPr>
-            <a:spLocks noGrp="1"/>
-          </p:cNvSpPr>
-          <p:nvPr>
-            <p:ph type="sldNum" sz="quarter" idx="11"/>
-          </p:nvPr>
-        </p:nvSpPr>
-        <p:spPr/>
-        <p:txBody>
-          <a:bodyPr/>
-          <a:lstStyle/>
-          <a:p>
-            <a:fld id="{5698A34F-157D-4FC3-B6AE-341A8B909DED}" type="slidenum">
-              <a:rPr lang="en-US" smtClean="0"/>
-              <a:pPr/>
-              <a:t>32</a:t>
-            </a:fld>
-            <a:endParaRPr lang="en-US" dirty="0"/>
-          </a:p>
-        </p:txBody>
-      </p:sp>
-      <p:sp>
-        <p:nvSpPr>
-          <p:cNvPr id="5" name="Footer Placeholder 4"/>
-          <p:cNvSpPr>
-            <a:spLocks noGrp="1"/>
-          </p:cNvSpPr>
-          <p:nvPr>
-            <p:ph type="ftr" sz="quarter" idx="12"/>
-          </p:nvPr>
-        </p:nvSpPr>
-        <p:spPr/>
-        <p:txBody>
-          <a:bodyPr/>
-          <a:lstStyle/>
-          <a:p>
-            <a:endParaRPr lang="en-US" dirty="0"/>
-          </a:p>
-        </p:txBody>
-      </p:sp>
-      <p:sp>
-        <p:nvSpPr>
-          <p:cNvPr id="6" name="Title 5"/>
-          <p:cNvSpPr>
-            <a:spLocks noGrp="1"/>
-          </p:cNvSpPr>
-          <p:nvPr>
-            <p:ph type="title"/>
-          </p:nvPr>
-        </p:nvSpPr>
-        <p:spPr/>
-        <p:txBody>
-          <a:bodyPr/>
-          <a:lstStyle/>
-          <a:p>
-            <a:r>
-              <a:rPr lang="en-US" dirty="0" smtClean="0"/>
-              <a:t>Approve/Deny Key Requests (6) – No valid Service</a:t>
-            </a:r>
-            <a:endParaRPr lang="en-US" dirty="0"/>
-          </a:p>
-        </p:txBody>
-      </p:sp>
-      <p:sp>
-        <p:nvSpPr>
-          <p:cNvPr id="7" name="Text Placeholder 6"/>
-          <p:cNvSpPr>
-            <a:spLocks noGrp="1"/>
-          </p:cNvSpPr>
-          <p:nvPr>
-            <p:ph type="body" sz="quarter" idx="15"/>
-          </p:nvPr>
-        </p:nvSpPr>
-        <p:spPr/>
-        <p:txBody>
-          <a:bodyPr/>
-          <a:lstStyle/>
-          <a:p>
-            <a:r>
-              <a:rPr lang="en-US" dirty="0" smtClean="0"/>
-              <a:t>Administrator API How To</a:t>
-            </a:r>
-            <a:endParaRPr lang="en-US" dirty="0"/>
-          </a:p>
-        </p:txBody>
-      </p:sp>
-      <p:pic>
-        <p:nvPicPr>
-          <p:cNvPr id="9" name="Picture 8"/>
-          <p:cNvPicPr>
-            <a:picLocks noChangeAspect="1"/>
-          </p:cNvPicPr>
-          <p:nvPr/>
-        </p:nvPicPr>
-        <p:blipFill>
-          <a:blip r:embed="rId2"/>
-          <a:stretch>
-            <a:fillRect/>
-          </a:stretch>
-        </p:blipFill>
-        <p:spPr>
-          <a:xfrm>
-            <a:off x="5079061" y="2021322"/>
-            <a:ext cx="3813654" cy="1970971"/>
-          </a:xfrm>
-          <a:prstGeom prst="rect">
-            <a:avLst/>
-          </a:prstGeom>
-        </p:spPr>
-      </p:pic>
-      <p:sp>
-        <p:nvSpPr>
-          <p:cNvPr id="10" name="Right Arrow 9"/>
-          <p:cNvSpPr/>
-          <p:nvPr/>
-        </p:nvSpPr>
-        <p:spPr bwMode="gray">
-          <a:xfrm rot="16200000">
-            <a:off x="7140695" y="2795551"/>
-            <a:ext cx="244306" cy="237325"/>
-          </a:xfrm>
-          <a:prstGeom prst="rightArrow">
-            <a:avLst/>
-          </a:prstGeom>
-          <a:solidFill>
-            <a:schemeClr val="accent1"/>
-          </a:solidFill>
-          <a:ln w="9525" cap="flat" cmpd="sng" algn="ctr">
-            <a:noFill/>
-            <a:prstDash val="solid"/>
-            <a:round/>
-            <a:headEnd type="none" w="med" len="med"/>
-            <a:tailEnd type="none" w="med" len="med"/>
-          </a:ln>
-          <a:effectLst/>
-        </p:spPr>
-        <p:txBody>
-          <a:bodyPr vert="horz" wrap="square" lIns="91440" tIns="45720" rIns="91440" bIns="45720" numCol="1" rtlCol="0" anchor="ctr" anchorCtr="0" compatLnSpc="1">
-            <a:prstTxWarp prst="textNoShape">
-              <a:avLst/>
-            </a:prstTxWarp>
-          </a:bodyPr>
-          <a:lstStyle/>
-          <a:p>
-            <a:pPr marL="0" marR="0" indent="0" algn="l" defTabSz="914400" rtl="0" eaLnBrk="1" fontAlgn="base" latinLnBrk="0" hangingPunct="1">
-              <a:lnSpc>
-                <a:spcPct val="100000"/>
-              </a:lnSpc>
-              <a:spcBef>
-                <a:spcPct val="0"/>
-              </a:spcBef>
-              <a:spcAft>
-                <a:spcPct val="0"/>
-              </a:spcAft>
-              <a:buClrTx/>
-              <a:buSzTx/>
-              <a:buFontTx/>
-              <a:buNone/>
-              <a:tabLst/>
-            </a:pPr>
-            <a:endParaRPr kumimoji="0" lang="en-US" sz="2000" b="0" i="0" u="none" strike="noStrike" cap="none" normalizeH="0" baseline="0" dirty="0" smtClean="0">
-              <a:ln>
-                <a:noFill/>
-              </a:ln>
-              <a:solidFill>
-                <a:schemeClr val="bg1"/>
-              </a:solidFill>
-              <a:effectLst/>
-              <a:latin typeface="Arial" pitchFamily="2" charset="0"/>
-            </a:endParaRPr>
-          </a:p>
-        </p:txBody>
-      </p:sp>
-    </p:spTree>
-    <p:extLst>
-      <p:ext uri="{BB962C8B-B14F-4D97-AF65-F5344CB8AC3E}">
-        <p14:creationId xmlns:p14="http://schemas.microsoft.com/office/powerpoint/2010/main" val="4192355193"/>
-      </p:ext>
-    </p:extLst>
-  </p:cSld>
-  <p:clrMapOvr>
-    <a:masterClrMapping/>
-  </p:clrMapOvr>
-  <p:timing>
-    <p:tnLst>
-      <p:par>
-        <p:cTn id="1" dur="indefinite" restart="never" nodeType="tmRoot"/>
-      </p:par>
-    </p:tnLst>
-  </p:timing>
-</p:sld>
-</file>
-
-<file path=ppt/slides/slide33.xml><?xml version="1.0" encoding="utf-8"?>
-<p:sld xmlns:a="http://schemas.openxmlformats.org/drawingml/2006/main" xmlns:r="http://schemas.openxmlformats.org/officeDocument/2006/relationships" xmlns:p="http://schemas.openxmlformats.org/presentationml/2006/main">
-  <p:cSld>
-    <p:spTree>
-      <p:nvGrpSpPr>
-        <p:cNvPr id="1" name=""/>
-        <p:cNvGrpSpPr/>
-        <p:nvPr/>
-      </p:nvGrpSpPr>
-      <p:grpSpPr>
-        <a:xfrm>
-          <a:off x="0" y="0"/>
-          <a:ext cx="0" cy="0"/>
-          <a:chOff x="0" y="0"/>
-          <a:chExt cx="0" cy="0"/>
-        </a:xfrm>
-      </p:grpSpPr>
-      <p:sp>
-        <p:nvSpPr>
-          <p:cNvPr id="2" name="Text Placeholder 1"/>
-          <p:cNvSpPr>
-            <a:spLocks noGrp="1"/>
-          </p:cNvSpPr>
-          <p:nvPr>
-            <p:ph type="body" sz="quarter" idx="13"/>
-          </p:nvPr>
-        </p:nvSpPr>
-        <p:spPr>
-          <a:xfrm>
-            <a:off x="274638" y="1369734"/>
-            <a:ext cx="8283029" cy="3320929"/>
-          </a:xfrm>
-        </p:spPr>
-        <p:txBody>
-          <a:bodyPr/>
-          <a:lstStyle/>
-          <a:p>
-            <a:r>
-              <a:rPr lang="en-US" dirty="0"/>
-              <a:t>Log in to the API Admin </a:t>
-            </a:r>
-            <a:r>
-              <a:rPr lang="en-US" dirty="0" smtClean="0"/>
-              <a:t>Application </a:t>
-            </a:r>
-            <a:br>
-              <a:rPr lang="en-US" dirty="0" smtClean="0"/>
-            </a:br>
-            <a:r>
-              <a:rPr lang="en-US" dirty="0" smtClean="0"/>
-              <a:t>(slide 27)</a:t>
-            </a:r>
-          </a:p>
-          <a:p>
-            <a:r>
-              <a:rPr lang="en-US" dirty="0"/>
-              <a:t>From the now displayed “Service </a:t>
-            </a:r>
-            <a:br>
-              <a:rPr lang="en-US" dirty="0"/>
-            </a:br>
-            <a:r>
-              <a:rPr lang="en-US" dirty="0"/>
-              <a:t>Management” list …</a:t>
-            </a:r>
-          </a:p>
-          <a:p>
-            <a:pPr lvl="1"/>
-            <a:r>
-              <a:rPr lang="en-US" dirty="0"/>
-              <a:t>Click </a:t>
-            </a:r>
-            <a:r>
-              <a:rPr lang="en-US" dirty="0" smtClean="0"/>
-              <a:t>“Client Configuration for Svc”</a:t>
-            </a:r>
-          </a:p>
-          <a:p>
-            <a:pPr lvl="1"/>
-            <a:r>
-              <a:rPr lang="en-US" dirty="0"/>
-              <a:t>Choose “Sector Insights” or </a:t>
-            </a:r>
-            <a:br>
-              <a:rPr lang="en-US" dirty="0"/>
-            </a:br>
-            <a:r>
-              <a:rPr lang="en-US" dirty="0"/>
-              <a:t>“SpendingPulse” from the </a:t>
-            </a:r>
-            <a:br>
-              <a:rPr lang="en-US" dirty="0"/>
-            </a:br>
-            <a:r>
-              <a:rPr lang="en-US" dirty="0"/>
-              <a:t>Service drop-down</a:t>
-            </a:r>
-            <a:r>
-              <a:rPr lang="en-US" dirty="0" smtClean="0"/>
-              <a:t>.</a:t>
-            </a:r>
-          </a:p>
-          <a:p>
-            <a:pPr lvl="1"/>
-            <a:r>
-              <a:rPr lang="en-US" dirty="0" smtClean="0"/>
-              <a:t>Use the “Search” fields to locate the owner/App </a:t>
-            </a:r>
-            <a:br>
-              <a:rPr lang="en-US" dirty="0" smtClean="0"/>
-            </a:br>
-            <a:r>
-              <a:rPr lang="en-US" dirty="0" smtClean="0"/>
-              <a:t>of the key you </a:t>
-            </a:r>
-            <a:r>
-              <a:rPr lang="en-US" dirty="0"/>
-              <a:t>w</a:t>
-            </a:r>
-            <a:r>
-              <a:rPr lang="en-US" dirty="0" smtClean="0"/>
-              <a:t>ant to revoke.</a:t>
-            </a:r>
-          </a:p>
-          <a:p>
-            <a:pPr lvl="1"/>
-            <a:r>
-              <a:rPr lang="en-US" dirty="0" smtClean="0"/>
-              <a:t>Select the key within the “Search Results” list.</a:t>
-            </a:r>
-            <a:endParaRPr lang="en-US" dirty="0"/>
-          </a:p>
-          <a:p>
-            <a:endParaRPr lang="en-US" dirty="0"/>
-          </a:p>
-        </p:txBody>
-      </p:sp>
-      <p:sp>
-        <p:nvSpPr>
-          <p:cNvPr id="3" name="Date Placeholder 2"/>
-          <p:cNvSpPr>
-            <a:spLocks noGrp="1"/>
-          </p:cNvSpPr>
-          <p:nvPr>
-            <p:ph type="dt" sz="half" idx="10"/>
-          </p:nvPr>
-        </p:nvSpPr>
-        <p:spPr/>
-        <p:txBody>
-          <a:bodyPr/>
-          <a:lstStyle/>
-          <a:p>
-            <a:r>
-              <a:rPr lang="en-US" smtClean="0"/>
-              <a:t>October 21, 2015</a:t>
-            </a:r>
-            <a:endParaRPr lang="en-US" dirty="0" smtClean="0"/>
-          </a:p>
-        </p:txBody>
-      </p:sp>
-      <p:sp>
-        <p:nvSpPr>
-          <p:cNvPr id="4" name="Slide Number Placeholder 3"/>
-          <p:cNvSpPr>
-            <a:spLocks noGrp="1"/>
-          </p:cNvSpPr>
-          <p:nvPr>
-            <p:ph type="sldNum" sz="quarter" idx="11"/>
-          </p:nvPr>
-        </p:nvSpPr>
-        <p:spPr/>
-        <p:txBody>
-          <a:bodyPr/>
-          <a:lstStyle/>
-          <a:p>
-            <a:fld id="{5698A34F-157D-4FC3-B6AE-341A8B909DED}" type="slidenum">
-              <a:rPr lang="en-US" smtClean="0"/>
-              <a:pPr/>
-              <a:t>33</a:t>
-            </a:fld>
-            <a:endParaRPr lang="en-US" dirty="0"/>
-          </a:p>
-        </p:txBody>
-      </p:sp>
-      <p:sp>
-        <p:nvSpPr>
-          <p:cNvPr id="5" name="Footer Placeholder 4"/>
-          <p:cNvSpPr>
-            <a:spLocks noGrp="1"/>
-          </p:cNvSpPr>
-          <p:nvPr>
-            <p:ph type="ftr" sz="quarter" idx="12"/>
-          </p:nvPr>
-        </p:nvSpPr>
-        <p:spPr/>
-        <p:txBody>
-          <a:bodyPr/>
-          <a:lstStyle/>
-          <a:p>
-            <a:endParaRPr lang="en-US" dirty="0"/>
-          </a:p>
-        </p:txBody>
-      </p:sp>
-      <p:sp>
-        <p:nvSpPr>
-          <p:cNvPr id="6" name="Title 5"/>
-          <p:cNvSpPr>
-            <a:spLocks noGrp="1"/>
-          </p:cNvSpPr>
-          <p:nvPr>
-            <p:ph type="title"/>
-          </p:nvPr>
-        </p:nvSpPr>
-        <p:spPr>
-          <a:xfrm>
-            <a:off x="273915" y="644462"/>
-            <a:ext cx="8618799" cy="486287"/>
-          </a:xfrm>
-        </p:spPr>
-        <p:txBody>
-          <a:bodyPr/>
-          <a:lstStyle/>
-          <a:p>
-            <a:r>
-              <a:rPr lang="en-US" dirty="0" smtClean="0"/>
-              <a:t>How to Deactivate/Deny a Previously Approved Key (1)</a:t>
-            </a:r>
-            <a:endParaRPr lang="en-US" dirty="0"/>
-          </a:p>
-        </p:txBody>
-      </p:sp>
-      <p:sp>
-        <p:nvSpPr>
-          <p:cNvPr id="7" name="Text Placeholder 6"/>
-          <p:cNvSpPr>
-            <a:spLocks noGrp="1"/>
-          </p:cNvSpPr>
-          <p:nvPr>
-            <p:ph type="body" sz="quarter" idx="15"/>
-          </p:nvPr>
-        </p:nvSpPr>
-        <p:spPr/>
-        <p:txBody>
-          <a:bodyPr/>
-          <a:lstStyle/>
-          <a:p>
-            <a:r>
-              <a:rPr lang="en-US" dirty="0" smtClean="0"/>
-              <a:t>Administrator API How To</a:t>
-            </a:r>
-            <a:endParaRPr lang="en-US" dirty="0"/>
-          </a:p>
-        </p:txBody>
-      </p:sp>
-      <p:pic>
-        <p:nvPicPr>
-          <p:cNvPr id="18" name="Picture 17"/>
-          <p:cNvPicPr>
-            <a:picLocks noChangeAspect="1"/>
-          </p:cNvPicPr>
-          <p:nvPr/>
-        </p:nvPicPr>
-        <p:blipFill>
-          <a:blip r:embed="rId2"/>
-          <a:stretch>
-            <a:fillRect/>
-          </a:stretch>
-        </p:blipFill>
-        <p:spPr>
-          <a:xfrm>
-            <a:off x="4647618" y="1369734"/>
-            <a:ext cx="4160520" cy="2555215"/>
-          </a:xfrm>
-          <a:prstGeom prst="rect">
-            <a:avLst/>
-          </a:prstGeom>
-        </p:spPr>
-      </p:pic>
-      <p:sp>
-        <p:nvSpPr>
-          <p:cNvPr id="12" name="Right Arrow 11"/>
-          <p:cNvSpPr/>
-          <p:nvPr/>
-        </p:nvSpPr>
-        <p:spPr bwMode="gray">
-          <a:xfrm>
-            <a:off x="4325613" y="1633569"/>
-            <a:ext cx="342027" cy="137859"/>
-          </a:xfrm>
-          <a:prstGeom prst="rightArrow">
-            <a:avLst/>
-          </a:prstGeom>
-          <a:solidFill>
-            <a:schemeClr val="accent1"/>
-          </a:solidFill>
-          <a:ln w="9525" cap="flat" cmpd="sng" algn="ctr">
-            <a:noFill/>
-            <a:prstDash val="solid"/>
-            <a:round/>
-            <a:headEnd type="none" w="med" len="med"/>
-            <a:tailEnd type="none" w="med" len="med"/>
-          </a:ln>
-          <a:effectLst/>
-        </p:spPr>
-        <p:txBody>
-          <a:bodyPr vert="horz" wrap="square" lIns="91440" tIns="45720" rIns="91440" bIns="45720" numCol="1" rtlCol="0" anchor="ctr" anchorCtr="0" compatLnSpc="1">
-            <a:prstTxWarp prst="textNoShape">
-              <a:avLst/>
-            </a:prstTxWarp>
-          </a:bodyPr>
-          <a:lstStyle/>
-          <a:p>
-            <a:pPr marL="0" marR="0" indent="0" algn="l" defTabSz="914400" rtl="0" eaLnBrk="1" fontAlgn="base" latinLnBrk="0" hangingPunct="1">
-              <a:lnSpc>
-                <a:spcPct val="100000"/>
-              </a:lnSpc>
-              <a:spcBef>
-                <a:spcPct val="0"/>
-              </a:spcBef>
-              <a:spcAft>
-                <a:spcPct val="0"/>
-              </a:spcAft>
-              <a:buClrTx/>
-              <a:buSzTx/>
-              <a:buFontTx/>
-              <a:buNone/>
-              <a:tabLst/>
-            </a:pPr>
-            <a:endParaRPr kumimoji="0" lang="en-US" sz="2000" b="0" i="0" u="none" strike="noStrike" cap="none" normalizeH="0" baseline="0" dirty="0" smtClean="0">
-              <a:ln>
-                <a:noFill/>
-              </a:ln>
-              <a:solidFill>
-                <a:schemeClr val="bg1"/>
-              </a:solidFill>
-              <a:effectLst/>
-              <a:latin typeface="Arial" pitchFamily="2" charset="0"/>
-            </a:endParaRPr>
-          </a:p>
-        </p:txBody>
-      </p:sp>
-      <p:sp>
-        <p:nvSpPr>
-          <p:cNvPr id="13" name="Right Arrow 12"/>
-          <p:cNvSpPr/>
-          <p:nvPr/>
-        </p:nvSpPr>
-        <p:spPr bwMode="gray">
-          <a:xfrm rot="16200000">
-            <a:off x="7045143" y="1561174"/>
-            <a:ext cx="221621" cy="198886"/>
-          </a:xfrm>
-          <a:prstGeom prst="rightArrow">
-            <a:avLst/>
-          </a:prstGeom>
-          <a:solidFill>
-            <a:schemeClr val="accent1"/>
-          </a:solidFill>
-          <a:ln w="9525" cap="flat" cmpd="sng" algn="ctr">
-            <a:noFill/>
-            <a:prstDash val="solid"/>
-            <a:round/>
-            <a:headEnd type="none" w="med" len="med"/>
-            <a:tailEnd type="none" w="med" len="med"/>
-          </a:ln>
-          <a:effectLst/>
-        </p:spPr>
-        <p:txBody>
-          <a:bodyPr vert="horz" wrap="square" lIns="91440" tIns="45720" rIns="91440" bIns="45720" numCol="1" rtlCol="0" anchor="ctr" anchorCtr="0" compatLnSpc="1">
-            <a:prstTxWarp prst="textNoShape">
-              <a:avLst/>
-            </a:prstTxWarp>
-          </a:bodyPr>
-          <a:lstStyle/>
-          <a:p>
-            <a:pPr marL="0" marR="0" indent="0" algn="l" defTabSz="914400" rtl="0" eaLnBrk="1" fontAlgn="base" latinLnBrk="0" hangingPunct="1">
-              <a:lnSpc>
-                <a:spcPct val="100000"/>
-              </a:lnSpc>
-              <a:spcBef>
-                <a:spcPct val="0"/>
-              </a:spcBef>
-              <a:spcAft>
-                <a:spcPct val="0"/>
-              </a:spcAft>
-              <a:buClrTx/>
-              <a:buSzTx/>
-              <a:buFontTx/>
-              <a:buNone/>
-              <a:tabLst/>
-            </a:pPr>
-            <a:endParaRPr kumimoji="0" lang="en-US" sz="2000" b="0" i="0" u="none" strike="noStrike" cap="none" normalizeH="0" baseline="0" dirty="0" smtClean="0">
-              <a:ln>
-                <a:noFill/>
-              </a:ln>
-              <a:solidFill>
-                <a:schemeClr val="bg1"/>
-              </a:solidFill>
-              <a:effectLst/>
-              <a:latin typeface="Arial" pitchFamily="2" charset="0"/>
-            </a:endParaRPr>
-          </a:p>
-        </p:txBody>
-      </p:sp>
-      <p:sp>
-        <p:nvSpPr>
-          <p:cNvPr id="15" name="Right Arrow 14"/>
-          <p:cNvSpPr/>
-          <p:nvPr/>
-        </p:nvSpPr>
-        <p:spPr bwMode="gray">
-          <a:xfrm rot="19866145">
-            <a:off x="3487319" y="3030901"/>
-            <a:ext cx="2443768" cy="102691"/>
-          </a:xfrm>
-          <a:prstGeom prst="rightArrow">
-            <a:avLst/>
-          </a:prstGeom>
-          <a:solidFill>
-            <a:schemeClr val="accent1"/>
-          </a:solidFill>
-          <a:ln w="9525" cap="flat" cmpd="sng" algn="ctr">
-            <a:noFill/>
-            <a:prstDash val="solid"/>
-            <a:round/>
-            <a:headEnd type="none" w="med" len="med"/>
-            <a:tailEnd type="none" w="med" len="med"/>
-          </a:ln>
-          <a:effectLst/>
-        </p:spPr>
-        <p:txBody>
-          <a:bodyPr vert="horz" wrap="square" lIns="91440" tIns="45720" rIns="91440" bIns="45720" numCol="1" rtlCol="0" anchor="ctr" anchorCtr="0" compatLnSpc="1">
-            <a:prstTxWarp prst="textNoShape">
-              <a:avLst/>
-            </a:prstTxWarp>
-          </a:bodyPr>
-          <a:lstStyle/>
-          <a:p>
-            <a:pPr marL="0" marR="0" indent="0" algn="l" defTabSz="914400" rtl="0" eaLnBrk="1" fontAlgn="base" latinLnBrk="0" hangingPunct="1">
-              <a:lnSpc>
-                <a:spcPct val="100000"/>
-              </a:lnSpc>
-              <a:spcBef>
-                <a:spcPct val="0"/>
-              </a:spcBef>
-              <a:spcAft>
-                <a:spcPct val="0"/>
-              </a:spcAft>
-              <a:buClrTx/>
-              <a:buSzTx/>
-              <a:buFontTx/>
-              <a:buNone/>
-              <a:tabLst/>
-            </a:pPr>
-            <a:endParaRPr kumimoji="0" lang="en-US" sz="2000" b="0" i="0" u="none" strike="noStrike" cap="none" normalizeH="0" baseline="0" dirty="0" smtClean="0">
-              <a:ln>
-                <a:noFill/>
-              </a:ln>
-              <a:solidFill>
-                <a:schemeClr val="bg1"/>
-              </a:solidFill>
-              <a:effectLst/>
-              <a:latin typeface="Arial" pitchFamily="2" charset="0"/>
-            </a:endParaRPr>
-          </a:p>
-        </p:txBody>
-      </p:sp>
-      <p:sp>
-        <p:nvSpPr>
-          <p:cNvPr id="16" name="Right Arrow 15"/>
-          <p:cNvSpPr/>
-          <p:nvPr/>
-        </p:nvSpPr>
-        <p:spPr bwMode="gray">
-          <a:xfrm rot="18373809">
-            <a:off x="5284640" y="3852578"/>
-            <a:ext cx="1209725" cy="103155"/>
-          </a:xfrm>
-          <a:prstGeom prst="rightArrow">
-            <a:avLst/>
-          </a:prstGeom>
-          <a:solidFill>
-            <a:schemeClr val="accent1"/>
-          </a:solidFill>
-          <a:ln w="9525" cap="flat" cmpd="sng" algn="ctr">
-            <a:noFill/>
-            <a:prstDash val="solid"/>
-            <a:round/>
-            <a:headEnd type="none" w="med" len="med"/>
-            <a:tailEnd type="none" w="med" len="med"/>
-          </a:ln>
-          <a:effectLst/>
-        </p:spPr>
-        <p:txBody>
-          <a:bodyPr vert="horz" wrap="square" lIns="91440" tIns="45720" rIns="91440" bIns="45720" numCol="1" rtlCol="0" anchor="ctr" anchorCtr="0" compatLnSpc="1">
-            <a:prstTxWarp prst="textNoShape">
-              <a:avLst/>
-            </a:prstTxWarp>
-          </a:bodyPr>
-          <a:lstStyle/>
-          <a:p>
-            <a:pPr marL="0" marR="0" indent="0" algn="l" defTabSz="914400" rtl="0" eaLnBrk="1" fontAlgn="base" latinLnBrk="0" hangingPunct="1">
-              <a:lnSpc>
-                <a:spcPct val="100000"/>
-              </a:lnSpc>
-              <a:spcBef>
-                <a:spcPct val="0"/>
-              </a:spcBef>
-              <a:spcAft>
-                <a:spcPct val="0"/>
-              </a:spcAft>
-              <a:buClrTx/>
-              <a:buSzTx/>
-              <a:buFontTx/>
-              <a:buNone/>
-              <a:tabLst/>
-            </a:pPr>
-            <a:endParaRPr kumimoji="0" lang="en-US" sz="2000" b="0" i="0" u="none" strike="noStrike" cap="none" normalizeH="0" baseline="0" dirty="0" smtClean="0">
-              <a:ln>
-                <a:noFill/>
-              </a:ln>
-              <a:solidFill>
-                <a:schemeClr val="bg1"/>
-              </a:solidFill>
-              <a:effectLst/>
-              <a:latin typeface="Arial" pitchFamily="2" charset="0"/>
-            </a:endParaRPr>
-          </a:p>
-        </p:txBody>
-      </p:sp>
-    </p:spTree>
-    <p:extLst>
-      <p:ext uri="{BB962C8B-B14F-4D97-AF65-F5344CB8AC3E}">
-        <p14:creationId xmlns:p14="http://schemas.microsoft.com/office/powerpoint/2010/main" val="2039868981"/>
-      </p:ext>
-    </p:extLst>
-  </p:cSld>
-  <p:clrMapOvr>
-    <a:masterClrMapping/>
-  </p:clrMapOvr>
-  <p:timing>
-    <p:tnLst>
-      <p:par>
-        <p:cTn id="1" dur="indefinite" restart="never" nodeType="tmRoot"/>
-      </p:par>
-    </p:tnLst>
-  </p:timing>
-</p:sld>
-</file>
-
-<file path=ppt/slides/slide34.xml><?xml version="1.0" encoding="utf-8"?>
-<p:sld xmlns:a="http://schemas.openxmlformats.org/drawingml/2006/main" xmlns:r="http://schemas.openxmlformats.org/officeDocument/2006/relationships" xmlns:p="http://schemas.openxmlformats.org/presentationml/2006/main">
-  <p:cSld>
-    <p:spTree>
-      <p:nvGrpSpPr>
-        <p:cNvPr id="1" name=""/>
-        <p:cNvGrpSpPr/>
-        <p:nvPr/>
-      </p:nvGrpSpPr>
-      <p:grpSpPr>
-        <a:xfrm>
-          <a:off x="0" y="0"/>
-          <a:ext cx="0" cy="0"/>
-          <a:chOff x="0" y="0"/>
-          <a:chExt cx="0" cy="0"/>
-        </a:xfrm>
-      </p:grpSpPr>
-      <p:sp>
-        <p:nvSpPr>
-          <p:cNvPr id="2" name="Text Placeholder 1"/>
-          <p:cNvSpPr>
-            <a:spLocks noGrp="1"/>
-          </p:cNvSpPr>
-          <p:nvPr>
-            <p:ph type="body" sz="quarter" idx="13"/>
-          </p:nvPr>
-        </p:nvSpPr>
-        <p:spPr>
-          <a:xfrm>
-            <a:off x="274638" y="987818"/>
-            <a:ext cx="8283029" cy="3737694"/>
-          </a:xfrm>
-        </p:spPr>
-        <p:txBody>
-          <a:bodyPr/>
-          <a:lstStyle/>
-          <a:p>
-            <a:pPr lvl="1"/>
-            <a:endParaRPr lang="en-US" dirty="0" smtClean="0"/>
-          </a:p>
-          <a:p>
-            <a:pPr lvl="1"/>
-            <a:endParaRPr lang="en-US" dirty="0"/>
-          </a:p>
-          <a:p>
-            <a:pPr lvl="1"/>
-            <a:endParaRPr lang="en-US" dirty="0" smtClean="0"/>
-          </a:p>
-          <a:p>
-            <a:pPr lvl="1"/>
-            <a:endParaRPr lang="en-US" dirty="0"/>
-          </a:p>
-          <a:p>
-            <a:pPr lvl="1"/>
-            <a:endParaRPr lang="en-US" dirty="0" smtClean="0"/>
-          </a:p>
-          <a:p>
-            <a:pPr lvl="1"/>
-            <a:endParaRPr lang="en-US" dirty="0" smtClean="0"/>
-          </a:p>
-          <a:p>
-            <a:pPr lvl="1"/>
-            <a:r>
-              <a:rPr lang="en-US" dirty="0" smtClean="0"/>
-              <a:t>Uncheck the “Granted” box</a:t>
-            </a:r>
-          </a:p>
-          <a:p>
-            <a:pPr lvl="1"/>
-            <a:endParaRPr lang="en-US" dirty="0"/>
-          </a:p>
-          <a:p>
-            <a:pPr lvl="1"/>
-            <a:endParaRPr lang="en-US" dirty="0" smtClean="0"/>
-          </a:p>
-          <a:p>
-            <a:pPr lvl="1"/>
-            <a:r>
-              <a:rPr lang="en-US" dirty="0" smtClean="0"/>
-              <a:t>Click “Submit”</a:t>
-            </a:r>
-          </a:p>
-          <a:p>
-            <a:pPr lvl="1"/>
-            <a:r>
-              <a:rPr lang="en-US" dirty="0" smtClean="0"/>
-              <a:t>Remove the Client ID from either the subscription data file (one or both) as needed. If for SpendingPulse, upload the subscription file (see slide 31).</a:t>
-            </a:r>
-            <a:br>
-              <a:rPr lang="en-US" dirty="0" smtClean="0"/>
-            </a:br>
-            <a:r>
-              <a:rPr lang="en-US" sz="1200" dirty="0" smtClean="0">
-                <a:latin typeface="Andale Mono" panose="020B0509000000000004" pitchFamily="49" charset="0"/>
-              </a:rPr>
-              <a:t>Sector </a:t>
-            </a:r>
-            <a:r>
-              <a:rPr lang="en-US" sz="1200" dirty="0">
-                <a:latin typeface="Andale Mono" panose="020B0509000000000004" pitchFamily="49" charset="0"/>
-              </a:rPr>
-              <a:t>insights Keys.xlsx </a:t>
-            </a:r>
-            <a:r>
-              <a:rPr lang="en-US" dirty="0"/>
-              <a:t>or</a:t>
-            </a:r>
-            <a:r>
-              <a:rPr lang="en-US" sz="1200" dirty="0" smtClean="0">
-                <a:latin typeface="Andale Mono" panose="020B0509000000000004" pitchFamily="49" charset="0"/>
-              </a:rPr>
-              <a:t> SpendingPulse </a:t>
-            </a:r>
-            <a:r>
-              <a:rPr lang="en-US" sz="1200" dirty="0">
-                <a:latin typeface="Andale Mono" panose="020B0509000000000004" pitchFamily="49" charset="0"/>
-              </a:rPr>
-              <a:t>API Subscription Data.xlsx </a:t>
-            </a:r>
-            <a:r>
-              <a:rPr lang="en-US" sz="1200" dirty="0" smtClean="0">
-                <a:latin typeface="Andale Mono" panose="020B0509000000000004" pitchFamily="49" charset="0"/>
-              </a:rPr>
-              <a:t/>
-            </a:r>
-            <a:br>
-              <a:rPr lang="en-US" sz="1200" dirty="0" smtClean="0">
-                <a:latin typeface="Andale Mono" panose="020B0509000000000004" pitchFamily="49" charset="0"/>
-              </a:rPr>
-            </a:br>
-            <a:endParaRPr lang="en-US" sz="1200" dirty="0">
-              <a:latin typeface="Andale Mono" panose="020B0509000000000004" pitchFamily="49" charset="0"/>
-            </a:endParaRPr>
-          </a:p>
-        </p:txBody>
-      </p:sp>
-      <p:sp>
-        <p:nvSpPr>
-          <p:cNvPr id="3" name="Date Placeholder 2"/>
-          <p:cNvSpPr>
-            <a:spLocks noGrp="1"/>
-          </p:cNvSpPr>
-          <p:nvPr>
-            <p:ph type="dt" sz="half" idx="10"/>
-          </p:nvPr>
-        </p:nvSpPr>
-        <p:spPr/>
-        <p:txBody>
-          <a:bodyPr/>
-          <a:lstStyle/>
-          <a:p>
-            <a:r>
-              <a:rPr lang="en-US" smtClean="0"/>
-              <a:t>October 21, 2015</a:t>
-            </a:r>
-            <a:endParaRPr lang="en-US" dirty="0" smtClean="0"/>
-          </a:p>
-        </p:txBody>
-      </p:sp>
-      <p:sp>
-        <p:nvSpPr>
-          <p:cNvPr id="4" name="Slide Number Placeholder 3"/>
-          <p:cNvSpPr>
-            <a:spLocks noGrp="1"/>
-          </p:cNvSpPr>
-          <p:nvPr>
-            <p:ph type="sldNum" sz="quarter" idx="11"/>
-          </p:nvPr>
-        </p:nvSpPr>
-        <p:spPr/>
-        <p:txBody>
-          <a:bodyPr/>
-          <a:lstStyle/>
-          <a:p>
-            <a:fld id="{5698A34F-157D-4FC3-B6AE-341A8B909DED}" type="slidenum">
-              <a:rPr lang="en-US" smtClean="0"/>
-              <a:pPr/>
-              <a:t>34</a:t>
-            </a:fld>
-            <a:endParaRPr lang="en-US" dirty="0"/>
-          </a:p>
-        </p:txBody>
-      </p:sp>
-      <p:sp>
-        <p:nvSpPr>
-          <p:cNvPr id="5" name="Footer Placeholder 4"/>
-          <p:cNvSpPr>
-            <a:spLocks noGrp="1"/>
-          </p:cNvSpPr>
-          <p:nvPr>
-            <p:ph type="ftr" sz="quarter" idx="12"/>
-          </p:nvPr>
-        </p:nvSpPr>
-        <p:spPr/>
-        <p:txBody>
-          <a:bodyPr/>
-          <a:lstStyle/>
-          <a:p>
-            <a:endParaRPr lang="en-US" dirty="0"/>
-          </a:p>
-        </p:txBody>
-      </p:sp>
-      <p:sp>
-        <p:nvSpPr>
-          <p:cNvPr id="6" name="Title 5"/>
-          <p:cNvSpPr>
-            <a:spLocks noGrp="1"/>
-          </p:cNvSpPr>
-          <p:nvPr>
-            <p:ph type="title"/>
-          </p:nvPr>
-        </p:nvSpPr>
-        <p:spPr>
-          <a:xfrm>
-            <a:off x="273915" y="644462"/>
-            <a:ext cx="8618799" cy="486287"/>
-          </a:xfrm>
-        </p:spPr>
-        <p:txBody>
-          <a:bodyPr/>
-          <a:lstStyle/>
-          <a:p>
-            <a:r>
-              <a:rPr lang="en-US" dirty="0" smtClean="0"/>
-              <a:t>How to Deactivate/Deny a Previously Approved Key (2)</a:t>
-            </a:r>
-            <a:endParaRPr lang="en-US" dirty="0"/>
-          </a:p>
-        </p:txBody>
-      </p:sp>
-      <p:sp>
-        <p:nvSpPr>
-          <p:cNvPr id="7" name="Text Placeholder 6"/>
-          <p:cNvSpPr>
-            <a:spLocks noGrp="1"/>
-          </p:cNvSpPr>
-          <p:nvPr>
-            <p:ph type="body" sz="quarter" idx="15"/>
-          </p:nvPr>
-        </p:nvSpPr>
-        <p:spPr/>
-        <p:txBody>
-          <a:bodyPr/>
-          <a:lstStyle/>
-          <a:p>
-            <a:r>
-              <a:rPr lang="en-US" dirty="0" smtClean="0"/>
-              <a:t>Administrator API How To</a:t>
-            </a:r>
-            <a:endParaRPr lang="en-US" dirty="0"/>
-          </a:p>
-        </p:txBody>
-      </p:sp>
-      <p:pic>
-        <p:nvPicPr>
-          <p:cNvPr id="18" name="Picture 17"/>
-          <p:cNvPicPr>
-            <a:picLocks noChangeAspect="1"/>
-          </p:cNvPicPr>
-          <p:nvPr/>
-        </p:nvPicPr>
-        <p:blipFill>
-          <a:blip r:embed="rId2"/>
-          <a:stretch>
-            <a:fillRect/>
-          </a:stretch>
-        </p:blipFill>
-        <p:spPr>
-          <a:xfrm>
-            <a:off x="4647618" y="1162824"/>
-            <a:ext cx="4160520" cy="2555215"/>
-          </a:xfrm>
-          <a:prstGeom prst="rect">
-            <a:avLst/>
-          </a:prstGeom>
-        </p:spPr>
-      </p:pic>
-      <p:sp>
-        <p:nvSpPr>
-          <p:cNvPr id="12" name="Right Arrow 11"/>
-          <p:cNvSpPr/>
-          <p:nvPr/>
-        </p:nvSpPr>
-        <p:spPr bwMode="gray">
-          <a:xfrm>
-            <a:off x="3731583" y="2846013"/>
-            <a:ext cx="3570532" cy="84070"/>
-          </a:xfrm>
-          <a:prstGeom prst="rightArrow">
-            <a:avLst/>
-          </a:prstGeom>
-          <a:solidFill>
-            <a:schemeClr val="accent1"/>
-          </a:solidFill>
-          <a:ln w="9525" cap="flat" cmpd="sng" algn="ctr">
-            <a:noFill/>
-            <a:prstDash val="solid"/>
-            <a:round/>
-            <a:headEnd type="none" w="med" len="med"/>
-            <a:tailEnd type="none" w="med" len="med"/>
-          </a:ln>
-          <a:effectLst/>
-        </p:spPr>
-        <p:txBody>
-          <a:bodyPr vert="horz" wrap="square" lIns="91440" tIns="45720" rIns="91440" bIns="45720" numCol="1" rtlCol="0" anchor="ctr" anchorCtr="0" compatLnSpc="1">
-            <a:prstTxWarp prst="textNoShape">
-              <a:avLst/>
-            </a:prstTxWarp>
-          </a:bodyPr>
-          <a:lstStyle/>
-          <a:p>
-            <a:pPr marL="0" marR="0" indent="0" algn="l" defTabSz="914400" rtl="0" eaLnBrk="1" fontAlgn="base" latinLnBrk="0" hangingPunct="1">
-              <a:lnSpc>
-                <a:spcPct val="100000"/>
-              </a:lnSpc>
-              <a:spcBef>
-                <a:spcPct val="0"/>
-              </a:spcBef>
-              <a:spcAft>
-                <a:spcPct val="0"/>
-              </a:spcAft>
-              <a:buClrTx/>
-              <a:buSzTx/>
-              <a:buFontTx/>
-              <a:buNone/>
-              <a:tabLst/>
-            </a:pPr>
-            <a:endParaRPr kumimoji="0" lang="en-US" sz="2000" b="0" i="0" u="none" strike="noStrike" cap="none" normalizeH="0" baseline="0" dirty="0" smtClean="0">
-              <a:ln>
-                <a:noFill/>
-              </a:ln>
-              <a:solidFill>
-                <a:schemeClr val="bg1"/>
-              </a:solidFill>
-              <a:effectLst/>
-              <a:latin typeface="Arial" pitchFamily="2" charset="0"/>
-            </a:endParaRPr>
-          </a:p>
-        </p:txBody>
-      </p:sp>
-      <p:sp>
-        <p:nvSpPr>
-          <p:cNvPr id="14" name="Right Arrow 13"/>
-          <p:cNvSpPr/>
-          <p:nvPr/>
-        </p:nvSpPr>
-        <p:spPr bwMode="gray">
-          <a:xfrm>
-            <a:off x="2282663" y="3605787"/>
-            <a:ext cx="5458856" cy="84070"/>
-          </a:xfrm>
-          <a:prstGeom prst="rightArrow">
-            <a:avLst/>
-          </a:prstGeom>
-          <a:solidFill>
-            <a:schemeClr val="accent1"/>
-          </a:solidFill>
-          <a:ln w="9525" cap="flat" cmpd="sng" algn="ctr">
-            <a:noFill/>
-            <a:prstDash val="solid"/>
-            <a:round/>
-            <a:headEnd type="none" w="med" len="med"/>
-            <a:tailEnd type="none" w="med" len="med"/>
-          </a:ln>
-          <a:effectLst/>
-        </p:spPr>
-        <p:txBody>
-          <a:bodyPr vert="horz" wrap="square" lIns="91440" tIns="45720" rIns="91440" bIns="45720" numCol="1" rtlCol="0" anchor="ctr" anchorCtr="0" compatLnSpc="1">
-            <a:prstTxWarp prst="textNoShape">
-              <a:avLst/>
-            </a:prstTxWarp>
-          </a:bodyPr>
-          <a:lstStyle/>
-          <a:p>
-            <a:pPr marL="0" marR="0" indent="0" algn="l" defTabSz="914400" rtl="0" eaLnBrk="1" fontAlgn="base" latinLnBrk="0" hangingPunct="1">
-              <a:lnSpc>
-                <a:spcPct val="100000"/>
-              </a:lnSpc>
-              <a:spcBef>
-                <a:spcPct val="0"/>
-              </a:spcBef>
-              <a:spcAft>
-                <a:spcPct val="0"/>
-              </a:spcAft>
-              <a:buClrTx/>
-              <a:buSzTx/>
-              <a:buFontTx/>
-              <a:buNone/>
-              <a:tabLst/>
-            </a:pPr>
-            <a:endParaRPr kumimoji="0" lang="en-US" sz="2000" b="0" i="0" u="none" strike="noStrike" cap="none" normalizeH="0" baseline="0" dirty="0" smtClean="0">
-              <a:ln>
-                <a:noFill/>
-              </a:ln>
-              <a:solidFill>
-                <a:schemeClr val="bg1"/>
-              </a:solidFill>
-              <a:effectLst/>
-              <a:latin typeface="Arial" pitchFamily="2" charset="0"/>
-            </a:endParaRPr>
-          </a:p>
-        </p:txBody>
-      </p:sp>
-    </p:spTree>
-    <p:extLst>
-      <p:ext uri="{BB962C8B-B14F-4D97-AF65-F5344CB8AC3E}">
-        <p14:creationId xmlns:p14="http://schemas.microsoft.com/office/powerpoint/2010/main" val="1326989588"/>
-      </p:ext>
-    </p:extLst>
-  </p:cSld>
-  <p:clrMapOvr>
-    <a:masterClrMapping/>
-  </p:clrMapOvr>
-  <p:timing>
-    <p:tnLst>
-      <p:par>
-        <p:cTn id="1" dur="indefinite" restart="never" nodeType="tmRoot"/>
-      </p:par>
-    </p:tnLst>
-  </p:timing>
-</p:sld>
-</file>
-
-<file path=ppt/slides/slide35.xml><?xml version="1.0" encoding="utf-8"?>
-<p:sld xmlns:a="http://schemas.openxmlformats.org/drawingml/2006/main" xmlns:r="http://schemas.openxmlformats.org/officeDocument/2006/relationships" xmlns:p="http://schemas.openxmlformats.org/presentationml/2006/main">
-  <p:cSld>
-    <p:spTree>
-      <p:nvGrpSpPr>
-        <p:cNvPr id="1" name=""/>
-        <p:cNvGrpSpPr/>
-        <p:nvPr/>
-      </p:nvGrpSpPr>
-      <p:grpSpPr>
-        <a:xfrm>
-          <a:off x="0" y="0"/>
-          <a:ext cx="0" cy="0"/>
-          <a:chOff x="0" y="0"/>
-          <a:chExt cx="0" cy="0"/>
-        </a:xfrm>
-      </p:grpSpPr>
-      <p:sp>
-        <p:nvSpPr>
-          <p:cNvPr id="2" name="Text Placeholder 1"/>
-          <p:cNvSpPr>
-            <a:spLocks noGrp="1"/>
-          </p:cNvSpPr>
-          <p:nvPr>
-            <p:ph type="body" sz="quarter" idx="13"/>
-          </p:nvPr>
-        </p:nvSpPr>
-        <p:spPr>
-          <a:xfrm>
-            <a:off x="274638" y="1416424"/>
-            <a:ext cx="8283029" cy="3309088"/>
-          </a:xfrm>
-        </p:spPr>
-        <p:txBody>
-          <a:bodyPr/>
-          <a:lstStyle/>
-          <a:p>
-            <a:r>
-              <a:rPr lang="en-US" dirty="0" smtClean="0"/>
-              <a:t>For BOTH Weekly Gasoline data and US Exec data:</a:t>
-            </a:r>
-          </a:p>
-          <a:p>
-            <a:pPr lvl="1"/>
-            <a:r>
-              <a:rPr lang="en-US" dirty="0" smtClean="0"/>
-              <a:t>Must FIRST delete last report’s data – then upload new data</a:t>
-            </a:r>
-            <a:endParaRPr lang="en-US" dirty="0" smtClean="0"/>
-          </a:p>
-          <a:p>
-            <a:pPr lvl="1"/>
-            <a:r>
-              <a:rPr lang="en-US" dirty="0" smtClean="0"/>
-              <a:t>If not</a:t>
-            </a:r>
-            <a:r>
-              <a:rPr lang="en-US" smtClean="0"/>
-              <a:t>, both </a:t>
-            </a:r>
-            <a:r>
-              <a:rPr lang="en-US" dirty="0" smtClean="0"/>
-              <a:t>sets of data are exposed in the </a:t>
-            </a:r>
-            <a:r>
-              <a:rPr lang="en-US" smtClean="0"/>
-              <a:t>API.</a:t>
-            </a:r>
-            <a:endParaRPr lang="en-US" sz="1200" dirty="0">
-              <a:latin typeface="Andale Mono" panose="020B0509000000000004" pitchFamily="49" charset="0"/>
-            </a:endParaRPr>
-          </a:p>
-        </p:txBody>
-      </p:sp>
-      <p:sp>
-        <p:nvSpPr>
-          <p:cNvPr id="3" name="Date Placeholder 2"/>
-          <p:cNvSpPr>
-            <a:spLocks noGrp="1"/>
-          </p:cNvSpPr>
-          <p:nvPr>
-            <p:ph type="dt" sz="half" idx="10"/>
-          </p:nvPr>
-        </p:nvSpPr>
-        <p:spPr/>
-        <p:txBody>
-          <a:bodyPr/>
-          <a:lstStyle/>
-          <a:p>
-            <a:r>
-              <a:rPr lang="en-US" smtClean="0"/>
-              <a:t>October 21, 2015</a:t>
-            </a:r>
-            <a:endParaRPr lang="en-US" dirty="0" smtClean="0"/>
-          </a:p>
-        </p:txBody>
-      </p:sp>
-      <p:sp>
-        <p:nvSpPr>
-          <p:cNvPr id="4" name="Slide Number Placeholder 3"/>
-          <p:cNvSpPr>
-            <a:spLocks noGrp="1"/>
-          </p:cNvSpPr>
-          <p:nvPr>
-            <p:ph type="sldNum" sz="quarter" idx="11"/>
-          </p:nvPr>
-        </p:nvSpPr>
-        <p:spPr/>
-        <p:txBody>
-          <a:bodyPr/>
-          <a:lstStyle/>
-          <a:p>
-            <a:fld id="{5698A34F-157D-4FC3-B6AE-341A8B909DED}" type="slidenum">
-              <a:rPr lang="en-US" smtClean="0"/>
-              <a:pPr/>
-              <a:t>35</a:t>
-            </a:fld>
-            <a:endParaRPr lang="en-US" dirty="0"/>
-          </a:p>
-        </p:txBody>
-      </p:sp>
-      <p:sp>
-        <p:nvSpPr>
-          <p:cNvPr id="5" name="Footer Placeholder 4"/>
-          <p:cNvSpPr>
-            <a:spLocks noGrp="1"/>
-          </p:cNvSpPr>
-          <p:nvPr>
-            <p:ph type="ftr" sz="quarter" idx="12"/>
-          </p:nvPr>
-        </p:nvSpPr>
-        <p:spPr/>
-        <p:txBody>
-          <a:bodyPr/>
-          <a:lstStyle/>
-          <a:p>
-            <a:endParaRPr lang="en-US" dirty="0"/>
-          </a:p>
-        </p:txBody>
-      </p:sp>
-      <p:sp>
-        <p:nvSpPr>
-          <p:cNvPr id="6" name="Title 5"/>
-          <p:cNvSpPr>
-            <a:spLocks noGrp="1"/>
-          </p:cNvSpPr>
-          <p:nvPr>
-            <p:ph type="title"/>
-          </p:nvPr>
-        </p:nvSpPr>
-        <p:spPr>
-          <a:xfrm>
-            <a:off x="273915" y="644462"/>
-            <a:ext cx="8618799" cy="486287"/>
-          </a:xfrm>
-        </p:spPr>
-        <p:txBody>
-          <a:bodyPr/>
-          <a:lstStyle/>
-          <a:p>
-            <a:r>
-              <a:rPr lang="en-US" dirty="0" smtClean="0"/>
-              <a:t>SpendingPulse Data Upload – DON’T Forget</a:t>
-            </a:r>
-            <a:endParaRPr lang="en-US" dirty="0"/>
-          </a:p>
-        </p:txBody>
-      </p:sp>
-      <p:sp>
-        <p:nvSpPr>
-          <p:cNvPr id="7" name="Text Placeholder 6"/>
-          <p:cNvSpPr>
-            <a:spLocks noGrp="1"/>
-          </p:cNvSpPr>
-          <p:nvPr>
-            <p:ph type="body" sz="quarter" idx="15"/>
-          </p:nvPr>
-        </p:nvSpPr>
-        <p:spPr/>
-        <p:txBody>
-          <a:bodyPr/>
-          <a:lstStyle/>
-          <a:p>
-            <a:r>
-              <a:rPr lang="en-US" dirty="0" smtClean="0"/>
-              <a:t>Administrator API How To</a:t>
-            </a:r>
-            <a:endParaRPr lang="en-US" dirty="0"/>
-          </a:p>
-        </p:txBody>
-      </p:sp>
-    </p:spTree>
-    <p:extLst>
-      <p:ext uri="{BB962C8B-B14F-4D97-AF65-F5344CB8AC3E}">
-        <p14:creationId xmlns:p14="http://schemas.microsoft.com/office/powerpoint/2010/main" val="1557615695"/>
-      </p:ext>
-    </p:extLst>
-  </p:cSld>
-  <p:clrMapOvr>
-    <a:masterClrMapping/>
-  </p:clrMapOvr>
-  <p:timing>
-    <p:tnLst>
-      <p:par>
-        <p:cTn id="1" dur="indefinite" restart="never" nodeType="tmRoot"/>
-      </p:par>
-    </p:tnLst>
-  </p:timing>
-</p:sld>
-</file>
-
-<file path=ppt/slides/slide4.xml><?xml version="1.0" encoding="utf-8"?>
-<p:sld xmlns:a="http://schemas.openxmlformats.org/drawingml/2006/main" xmlns:r="http://schemas.openxmlformats.org/officeDocument/2006/relationships" xmlns:p="http://schemas.openxmlformats.org/presentationml/2006/main">
-  <p:cSld>
-    <p:spTree>
-      <p:nvGrpSpPr>
-        <p:cNvPr id="1" name=""/>
-        <p:cNvGrpSpPr/>
-        <p:nvPr/>
-      </p:nvGrpSpPr>
-      <p:grpSpPr>
-        <a:xfrm>
-          <a:off x="0" y="0"/>
-          <a:ext cx="0" cy="0"/>
-          <a:chOff x="0" y="0"/>
-          <a:chExt cx="0" cy="0"/>
-        </a:xfrm>
-      </p:grpSpPr>
-      <p:sp>
-        <p:nvSpPr>
-          <p:cNvPr id="2" name="Text Placeholder 1"/>
-          <p:cNvSpPr>
-            <a:spLocks noGrp="1"/>
-          </p:cNvSpPr>
-          <p:nvPr>
-            <p:ph type="body" sz="quarter" idx="13"/>
-          </p:nvPr>
-        </p:nvSpPr>
-        <p:spPr>
-          <a:xfrm>
             <a:off x="274638" y="1299411"/>
             <a:ext cx="4819876" cy="3332912"/>
           </a:xfrm>
@@ -14565,7 +15071,7 @@
             <a:fld id="{5698A34F-157D-4FC3-B6AE-341A8B909DED}" type="slidenum">
               <a:rPr lang="en-US" smtClean="0"/>
               <a:pPr/>
-              <a:t>4</a:t>
+              <a:t>5</a:t>
             </a:fld>
             <a:endParaRPr lang="en-US" dirty="0"/>
           </a:p>
@@ -14691,7 +15197,7 @@
 </p:sld>
 </file>
 
-<file path=ppt/slides/slide5.xml><?xml version="1.0" encoding="utf-8"?>
+<file path=ppt/slides/slide6.xml><?xml version="1.0" encoding="utf-8"?>
 <p:sld xmlns:a="http://schemas.openxmlformats.org/drawingml/2006/main" xmlns:r="http://schemas.openxmlformats.org/officeDocument/2006/relationships" xmlns:p="http://schemas.openxmlformats.org/presentationml/2006/main">
   <p:cSld>
     <p:spTree>
@@ -14831,7 +15337,7 @@
             <a:fld id="{5698A34F-157D-4FC3-B6AE-341A8B909DED}" type="slidenum">
               <a:rPr lang="en-US" smtClean="0"/>
               <a:pPr/>
-              <a:t>5</a:t>
+              <a:t>6</a:t>
             </a:fld>
             <a:endParaRPr lang="en-US" dirty="0"/>
           </a:p>
@@ -15056,7 +15562,7 @@
 </p:sld>
 </file>
 
-<file path=ppt/slides/slide6.xml><?xml version="1.0" encoding="utf-8"?>
+<file path=ppt/slides/slide7.xml><?xml version="1.0" encoding="utf-8"?>
 <p:sld xmlns:a="http://schemas.openxmlformats.org/drawingml/2006/main" xmlns:r="http://schemas.openxmlformats.org/officeDocument/2006/relationships" xmlns:p="http://schemas.openxmlformats.org/presentationml/2006/main">
   <p:cSld>
     <p:spTree>
@@ -15168,7 +15674,7 @@
             <a:fld id="{5698A34F-157D-4FC3-B6AE-341A8B909DED}" type="slidenum">
               <a:rPr lang="en-US" smtClean="0"/>
               <a:pPr/>
-              <a:t>6</a:t>
+              <a:t>7</a:t>
             </a:fld>
             <a:endParaRPr lang="en-US" dirty="0"/>
           </a:p>
@@ -15399,7 +15905,7 @@
 </p:sld>
 </file>
 
-<file path=ppt/slides/slide7.xml><?xml version="1.0" encoding="utf-8"?>
+<file path=ppt/slides/slide8.xml><?xml version="1.0" encoding="utf-8"?>
 <p:sld xmlns:a="http://schemas.openxmlformats.org/drawingml/2006/main" xmlns:r="http://schemas.openxmlformats.org/officeDocument/2006/relationships" xmlns:p="http://schemas.openxmlformats.org/presentationml/2006/main">
   <p:cSld>
     <p:spTree>
@@ -15499,7 +16005,7 @@
             <a:fld id="{5698A34F-157D-4FC3-B6AE-341A8B909DED}" type="slidenum">
               <a:rPr lang="en-US" smtClean="0"/>
               <a:pPr/>
-              <a:t>7</a:t>
+              <a:t>8</a:t>
             </a:fld>
             <a:endParaRPr lang="en-US" dirty="0"/>
           </a:p>
@@ -15705,7 +16211,7 @@
 </p:sld>
 </file>
 
-<file path=ppt/slides/slide8.xml><?xml version="1.0" encoding="utf-8"?>
+<file path=ppt/slides/slide9.xml><?xml version="1.0" encoding="utf-8"?>
 <p:sld xmlns:a="http://schemas.openxmlformats.org/drawingml/2006/main" xmlns:r="http://schemas.openxmlformats.org/officeDocument/2006/relationships" xmlns:p="http://schemas.openxmlformats.org/presentationml/2006/main">
   <p:cSld>
     <p:spTree>
@@ -15865,7 +16371,7 @@
             <a:fld id="{5698A34F-157D-4FC3-B6AE-341A8B909DED}" type="slidenum">
               <a:rPr lang="en-US" smtClean="0"/>
               <a:pPr/>
-              <a:t>8</a:t>
+              <a:t>9</a:t>
             </a:fld>
             <a:endParaRPr lang="en-US" dirty="0"/>
           </a:p>
@@ -16094,455 +16600,6 @@
     <p:extLst>
       <p:ext uri="{BB962C8B-B14F-4D97-AF65-F5344CB8AC3E}">
         <p14:creationId xmlns:p14="http://schemas.microsoft.com/office/powerpoint/2010/main" val="2837689732"/>
-      </p:ext>
-    </p:extLst>
-  </p:cSld>
-  <p:clrMapOvr>
-    <a:masterClrMapping/>
-  </p:clrMapOvr>
-  <p:timing>
-    <p:tnLst>
-      <p:par>
-        <p:cTn id="1" dur="indefinite" restart="never" nodeType="tmRoot"/>
-      </p:par>
-    </p:tnLst>
-  </p:timing>
-</p:sld>
-</file>
-
-<file path=ppt/slides/slide9.xml><?xml version="1.0" encoding="utf-8"?>
-<p:sld xmlns:a="http://schemas.openxmlformats.org/drawingml/2006/main" xmlns:r="http://schemas.openxmlformats.org/officeDocument/2006/relationships" xmlns:p="http://schemas.openxmlformats.org/presentationml/2006/main">
-  <p:cSld>
-    <p:spTree>
-      <p:nvGrpSpPr>
-        <p:cNvPr id="1" name=""/>
-        <p:cNvGrpSpPr/>
-        <p:nvPr/>
-      </p:nvGrpSpPr>
-      <p:grpSpPr>
-        <a:xfrm>
-          <a:off x="0" y="0"/>
-          <a:ext cx="0" cy="0"/>
-          <a:chOff x="0" y="0"/>
-          <a:chExt cx="0" cy="0"/>
-        </a:xfrm>
-      </p:grpSpPr>
-      <p:sp>
-        <p:nvSpPr>
-          <p:cNvPr id="2" name="Text Placeholder 1"/>
-          <p:cNvSpPr>
-            <a:spLocks noGrp="1"/>
-          </p:cNvSpPr>
-          <p:nvPr>
-            <p:ph type="body" sz="quarter" idx="13"/>
-          </p:nvPr>
-        </p:nvSpPr>
-        <p:spPr>
-          <a:xfrm>
-            <a:off x="274638" y="1368162"/>
-            <a:ext cx="7415212" cy="3264161"/>
-          </a:xfrm>
-        </p:spPr>
-        <p:txBody>
-          <a:bodyPr/>
-          <a:lstStyle/>
-          <a:p>
-            <a:r>
-              <a:rPr lang="en-US" dirty="0" smtClean="0"/>
-              <a:t>Inside </a:t>
-            </a:r>
-            <a:r>
-              <a:rPr lang="en-US" dirty="0"/>
-              <a:t>the </a:t>
-            </a:r>
-            <a:r>
-              <a:rPr lang="en-US" dirty="0" smtClean="0"/>
-              <a:t>next popup</a:t>
-            </a:r>
-            <a:r>
-              <a:rPr lang="en-US" dirty="0"/>
-              <a:t>, you will see a </a:t>
-            </a:r>
-            <a:r>
-              <a:rPr lang="en-US" dirty="0" smtClean="0"/>
-              <a:t/>
-            </a:r>
-            <a:br>
-              <a:rPr lang="en-US" dirty="0" smtClean="0"/>
-            </a:br>
-            <a:r>
-              <a:rPr lang="en-US" dirty="0" smtClean="0"/>
-              <a:t>“</a:t>
-            </a:r>
-            <a:r>
-              <a:rPr lang="en-US" b="1" dirty="0" smtClean="0">
-                <a:solidFill>
-                  <a:srgbClr val="F57A34"/>
-                </a:solidFill>
-              </a:rPr>
-              <a:t>click here</a:t>
-            </a:r>
-            <a:r>
-              <a:rPr lang="en-US" dirty="0"/>
-              <a:t>”</a:t>
-            </a:r>
-            <a:r>
-              <a:rPr lang="en-US" dirty="0" smtClean="0"/>
-              <a:t> </a:t>
-            </a:r>
-            <a:r>
-              <a:rPr lang="en-US" dirty="0"/>
-              <a:t>notation that will open the </a:t>
-            </a:r>
-            <a:r>
-              <a:rPr lang="en-US" dirty="0" smtClean="0"/>
-              <a:t/>
-            </a:r>
-            <a:br>
-              <a:rPr lang="en-US" dirty="0" smtClean="0"/>
-            </a:br>
-            <a:r>
-              <a:rPr lang="en-US" dirty="0" smtClean="0"/>
-              <a:t>MasterCard </a:t>
-            </a:r>
-            <a:r>
-              <a:rPr lang="en-US" dirty="0"/>
-              <a:t>Key Tool for your use</a:t>
-            </a:r>
-            <a:r>
-              <a:rPr lang="en-US" dirty="0" smtClean="0"/>
-              <a:t>.</a:t>
-            </a:r>
-          </a:p>
-          <a:p>
-            <a:r>
-              <a:rPr lang="en-US" dirty="0" smtClean="0"/>
-              <a:t>If you “</a:t>
-            </a:r>
-            <a:r>
-              <a:rPr lang="en-US" b="1" dirty="0">
-                <a:solidFill>
-                  <a:srgbClr val="F57A34"/>
-                </a:solidFill>
-              </a:rPr>
-              <a:t>click here</a:t>
-            </a:r>
-            <a:r>
-              <a:rPr lang="en-US" dirty="0" smtClean="0"/>
-              <a:t>”, the </a:t>
-            </a:r>
-            <a:br>
-              <a:rPr lang="en-US" dirty="0" smtClean="0"/>
-            </a:br>
-            <a:r>
-              <a:rPr lang="en-US" dirty="0" smtClean="0"/>
-              <a:t>MasterCard Key Tool is displayed.</a:t>
-            </a:r>
-            <a:endParaRPr lang="en-US" dirty="0"/>
-          </a:p>
-          <a:p>
-            <a:r>
-              <a:rPr lang="en-US" dirty="0" smtClean="0"/>
-              <a:t>Click “Generate Keys and CSR”</a:t>
-            </a:r>
-            <a:endParaRPr lang="en-US" dirty="0"/>
-          </a:p>
-        </p:txBody>
-      </p:sp>
-      <p:sp>
-        <p:nvSpPr>
-          <p:cNvPr id="3" name="Date Placeholder 2"/>
-          <p:cNvSpPr>
-            <a:spLocks noGrp="1"/>
-          </p:cNvSpPr>
-          <p:nvPr>
-            <p:ph type="dt" sz="half" idx="10"/>
-          </p:nvPr>
-        </p:nvSpPr>
-        <p:spPr/>
-        <p:txBody>
-          <a:bodyPr/>
-          <a:lstStyle/>
-          <a:p>
-            <a:r>
-              <a:rPr lang="en-US" smtClean="0"/>
-              <a:t>October 21, 2015</a:t>
-            </a:r>
-            <a:endParaRPr lang="en-US" dirty="0" smtClean="0"/>
-          </a:p>
-        </p:txBody>
-      </p:sp>
-      <p:sp>
-        <p:nvSpPr>
-          <p:cNvPr id="4" name="Slide Number Placeholder 3"/>
-          <p:cNvSpPr>
-            <a:spLocks noGrp="1"/>
-          </p:cNvSpPr>
-          <p:nvPr>
-            <p:ph type="sldNum" sz="quarter" idx="11"/>
-          </p:nvPr>
-        </p:nvSpPr>
-        <p:spPr/>
-        <p:txBody>
-          <a:bodyPr/>
-          <a:lstStyle/>
-          <a:p>
-            <a:fld id="{5698A34F-157D-4FC3-B6AE-341A8B909DED}" type="slidenum">
-              <a:rPr lang="en-US" smtClean="0"/>
-              <a:pPr/>
-              <a:t>9</a:t>
-            </a:fld>
-            <a:endParaRPr lang="en-US" dirty="0"/>
-          </a:p>
-        </p:txBody>
-      </p:sp>
-      <p:sp>
-        <p:nvSpPr>
-          <p:cNvPr id="5" name="Footer Placeholder 4"/>
-          <p:cNvSpPr>
-            <a:spLocks noGrp="1"/>
-          </p:cNvSpPr>
-          <p:nvPr>
-            <p:ph type="ftr" sz="quarter" idx="12"/>
-          </p:nvPr>
-        </p:nvSpPr>
-        <p:spPr/>
-        <p:txBody>
-          <a:bodyPr/>
-          <a:lstStyle/>
-          <a:p>
-            <a:endParaRPr lang="en-US" dirty="0"/>
-          </a:p>
-        </p:txBody>
-      </p:sp>
-      <p:sp>
-        <p:nvSpPr>
-          <p:cNvPr id="6" name="Title 5"/>
-          <p:cNvSpPr>
-            <a:spLocks noGrp="1"/>
-          </p:cNvSpPr>
-          <p:nvPr>
-            <p:ph type="title"/>
-          </p:nvPr>
-        </p:nvSpPr>
-        <p:spPr/>
-        <p:txBody>
-          <a:bodyPr/>
-          <a:lstStyle/>
-          <a:p>
-            <a:r>
-              <a:rPr lang="en-US" dirty="0"/>
-              <a:t>Create/Register a </a:t>
-            </a:r>
-            <a:r>
-              <a:rPr lang="en-US" dirty="0" smtClean="0"/>
-              <a:t>Key (3)</a:t>
-            </a:r>
-            <a:endParaRPr lang="en-US" dirty="0"/>
-          </a:p>
-        </p:txBody>
-      </p:sp>
-      <p:sp>
-        <p:nvSpPr>
-          <p:cNvPr id="7" name="Text Placeholder 6"/>
-          <p:cNvSpPr>
-            <a:spLocks noGrp="1"/>
-          </p:cNvSpPr>
-          <p:nvPr>
-            <p:ph type="body" sz="quarter" idx="15"/>
-          </p:nvPr>
-        </p:nvSpPr>
-        <p:spPr/>
-        <p:txBody>
-          <a:bodyPr/>
-          <a:lstStyle/>
-          <a:p>
-            <a:r>
-              <a:rPr lang="en-US" dirty="0" smtClean="0"/>
-              <a:t>Customer API How To</a:t>
-            </a:r>
-            <a:endParaRPr lang="en-US" dirty="0"/>
-          </a:p>
-        </p:txBody>
-      </p:sp>
-      <p:pic>
-        <p:nvPicPr>
-          <p:cNvPr id="11" name="Picture 10"/>
-          <p:cNvPicPr>
-            <a:picLocks noChangeAspect="1"/>
-          </p:cNvPicPr>
-          <p:nvPr/>
-        </p:nvPicPr>
-        <p:blipFill>
-          <a:blip r:embed="rId2"/>
-          <a:stretch>
-            <a:fillRect/>
-          </a:stretch>
-        </p:blipFill>
-        <p:spPr>
-          <a:xfrm>
-            <a:off x="5376484" y="499625"/>
-            <a:ext cx="3611821" cy="2268223"/>
-          </a:xfrm>
-          <a:prstGeom prst="rect">
-            <a:avLst/>
-          </a:prstGeom>
-        </p:spPr>
-      </p:pic>
-      <p:sp>
-        <p:nvSpPr>
-          <p:cNvPr id="10" name="Right Arrow 9"/>
-          <p:cNvSpPr/>
-          <p:nvPr/>
-        </p:nvSpPr>
-        <p:spPr bwMode="gray">
-          <a:xfrm>
-            <a:off x="4104268" y="1986485"/>
-            <a:ext cx="1471734" cy="111876"/>
-          </a:xfrm>
-          <a:prstGeom prst="rightArrow">
-            <a:avLst/>
-          </a:prstGeom>
-          <a:solidFill>
-            <a:schemeClr val="accent1"/>
-          </a:solidFill>
-          <a:ln w="9525" cap="flat" cmpd="sng" algn="ctr">
-            <a:noFill/>
-            <a:prstDash val="solid"/>
-            <a:round/>
-            <a:headEnd type="none" w="med" len="med"/>
-            <a:tailEnd type="none" w="med" len="med"/>
-          </a:ln>
-          <a:effectLst/>
-        </p:spPr>
-        <p:txBody>
-          <a:bodyPr vert="horz" wrap="square" lIns="91440" tIns="45720" rIns="91440" bIns="45720" numCol="1" rtlCol="0" anchor="ctr" anchorCtr="0" compatLnSpc="1">
-            <a:prstTxWarp prst="textNoShape">
-              <a:avLst/>
-            </a:prstTxWarp>
-          </a:bodyPr>
-          <a:lstStyle/>
-          <a:p>
-            <a:pPr marL="0" marR="0" indent="0" algn="l" defTabSz="914400" rtl="0" eaLnBrk="1" fontAlgn="base" latinLnBrk="0" hangingPunct="1">
-              <a:lnSpc>
-                <a:spcPct val="100000"/>
-              </a:lnSpc>
-              <a:spcBef>
-                <a:spcPct val="0"/>
-              </a:spcBef>
-              <a:spcAft>
-                <a:spcPct val="0"/>
-              </a:spcAft>
-              <a:buClrTx/>
-              <a:buSzTx/>
-              <a:buFontTx/>
-              <a:buNone/>
-              <a:tabLst/>
-            </a:pPr>
-            <a:endParaRPr kumimoji="0" lang="en-US" sz="2000" b="0" i="0" u="none" strike="noStrike" cap="none" normalizeH="0" baseline="0" dirty="0" smtClean="0">
-              <a:ln>
-                <a:noFill/>
-              </a:ln>
-              <a:solidFill>
-                <a:schemeClr val="bg1"/>
-              </a:solidFill>
-              <a:effectLst/>
-              <a:latin typeface="Arial" pitchFamily="2" charset="0"/>
-            </a:endParaRPr>
-          </a:p>
-        </p:txBody>
-      </p:sp>
-      <p:pic>
-        <p:nvPicPr>
-          <p:cNvPr id="12" name="Picture 11"/>
-          <p:cNvPicPr>
-            <a:picLocks noChangeAspect="1"/>
-          </p:cNvPicPr>
-          <p:nvPr/>
-        </p:nvPicPr>
-        <p:blipFill>
-          <a:blip r:embed="rId3"/>
-          <a:stretch>
-            <a:fillRect/>
-          </a:stretch>
-        </p:blipFill>
-        <p:spPr>
-          <a:xfrm>
-            <a:off x="991145" y="3350436"/>
-            <a:ext cx="2715259" cy="1413730"/>
-          </a:xfrm>
-          <a:prstGeom prst="rect">
-            <a:avLst/>
-          </a:prstGeom>
-        </p:spPr>
-      </p:pic>
-      <p:sp>
-        <p:nvSpPr>
-          <p:cNvPr id="14" name="Down Arrow 13"/>
-          <p:cNvSpPr/>
-          <p:nvPr/>
-        </p:nvSpPr>
-        <p:spPr bwMode="gray">
-          <a:xfrm>
-            <a:off x="2294525" y="3146156"/>
-            <a:ext cx="161956" cy="410705"/>
-          </a:xfrm>
-          <a:prstGeom prst="downArrow">
-            <a:avLst/>
-          </a:prstGeom>
-          <a:solidFill>
-            <a:schemeClr val="accent1"/>
-          </a:solidFill>
-          <a:ln w="9525" cap="flat" cmpd="sng" algn="ctr">
-            <a:noFill/>
-            <a:prstDash val="solid"/>
-            <a:round/>
-            <a:headEnd type="none" w="med" len="med"/>
-            <a:tailEnd type="none" w="med" len="med"/>
-          </a:ln>
-          <a:effectLst/>
-        </p:spPr>
-        <p:txBody>
-          <a:bodyPr vert="horz" wrap="square" lIns="91440" tIns="45720" rIns="91440" bIns="45720" numCol="1" rtlCol="0" anchor="ctr" anchorCtr="0" compatLnSpc="1">
-            <a:prstTxWarp prst="textNoShape">
-              <a:avLst/>
-            </a:prstTxWarp>
-          </a:bodyPr>
-          <a:lstStyle/>
-          <a:p>
-            <a:pPr marL="0" marR="0" indent="0" algn="l" defTabSz="914400" rtl="0" eaLnBrk="1" fontAlgn="base" latinLnBrk="0" hangingPunct="1">
-              <a:lnSpc>
-                <a:spcPct val="100000"/>
-              </a:lnSpc>
-              <a:spcBef>
-                <a:spcPct val="0"/>
-              </a:spcBef>
-              <a:spcAft>
-                <a:spcPct val="0"/>
-              </a:spcAft>
-              <a:buClrTx/>
-              <a:buSzTx/>
-              <a:buFontTx/>
-              <a:buNone/>
-              <a:tabLst/>
-            </a:pPr>
-            <a:endParaRPr kumimoji="0" lang="en-US" sz="2000" b="0" i="0" u="none" strike="noStrike" cap="none" normalizeH="0" baseline="0" dirty="0" smtClean="0">
-              <a:ln>
-                <a:noFill/>
-              </a:ln>
-              <a:solidFill>
-                <a:schemeClr val="bg1"/>
-              </a:solidFill>
-              <a:effectLst/>
-              <a:latin typeface="Arial" pitchFamily="2" charset="0"/>
-            </a:endParaRPr>
-          </a:p>
-        </p:txBody>
-      </p:sp>
-    </p:spTree>
-    <p:extLst>
-      <p:ext uri="{BB962C8B-B14F-4D97-AF65-F5344CB8AC3E}">
-        <p14:creationId xmlns:p14="http://schemas.microsoft.com/office/powerpoint/2010/main" val="576569413"/>
       </p:ext>
     </p:extLst>
   </p:cSld>
